--- a/PPT/React Hooks &.pptx
+++ b/PPT/React Hooks &.pptx
@@ -5,10 +5,10 @@
     <p:sldMasterId id="2147483840" r:id="rId1"/>
   </p:sldMasterIdLst>
   <p:notesMasterIdLst>
-    <p:notesMasterId r:id="rId19"/>
+    <p:notesMasterId r:id="rId20"/>
   </p:notesMasterIdLst>
   <p:handoutMasterIdLst>
-    <p:handoutMasterId r:id="rId20"/>
+    <p:handoutMasterId r:id="rId21"/>
   </p:handoutMasterIdLst>
   <p:sldIdLst>
     <p:sldId id="256" r:id="rId2"/>
@@ -18,16 +18,17 @@
     <p:sldId id="265" r:id="rId6"/>
     <p:sldId id="266" r:id="rId7"/>
     <p:sldId id="258" r:id="rId8"/>
-    <p:sldId id="271" r:id="rId9"/>
-    <p:sldId id="272" r:id="rId10"/>
-    <p:sldId id="275" r:id="rId11"/>
-    <p:sldId id="259" r:id="rId12"/>
-    <p:sldId id="270" r:id="rId13"/>
-    <p:sldId id="260" r:id="rId14"/>
-    <p:sldId id="274" r:id="rId15"/>
-    <p:sldId id="261" r:id="rId16"/>
-    <p:sldId id="273" r:id="rId17"/>
-    <p:sldId id="262" r:id="rId18"/>
+    <p:sldId id="277" r:id="rId9"/>
+    <p:sldId id="271" r:id="rId10"/>
+    <p:sldId id="272" r:id="rId11"/>
+    <p:sldId id="275" r:id="rId12"/>
+    <p:sldId id="259" r:id="rId13"/>
+    <p:sldId id="270" r:id="rId14"/>
+    <p:sldId id="260" r:id="rId15"/>
+    <p:sldId id="274" r:id="rId16"/>
+    <p:sldId id="261" r:id="rId17"/>
+    <p:sldId id="273" r:id="rId18"/>
+    <p:sldId id="262" r:id="rId19"/>
   </p:sldIdLst>
   <p:sldSz cx="12192000" cy="6858000"/>
   <p:notesSz cx="6858000" cy="9144000"/>
@@ -231,7 +232,7 @@
           <a:p>
             <a:fld id="{20C73765-FB04-4DFC-B996-1BF89FB13314}" type="datetimeFigureOut">
               <a:rPr lang="zh-TW" altLang="en-US" smtClean="0"/>
-              <a:t>2020/3/1</a:t>
+              <a:t>2020/3/3</a:t>
             </a:fld>
             <a:endParaRPr lang="zh-TW" altLang="en-US"/>
           </a:p>
@@ -408,7 +409,7 @@
           <a:p>
             <a:fld id="{70C5EA8F-4DE7-435E-83CB-AE9893E623BB}" type="datetimeFigureOut">
               <a:rPr lang="zh-TW" altLang="en-US" smtClean="0"/>
-              <a:t>2020/3/1</a:t>
+              <a:t>2020/3/3</a:t>
             </a:fld>
             <a:endParaRPr lang="zh-TW" altLang="en-US"/>
           </a:p>
@@ -694,7 +695,7 @@
       </p:grpSpPr>
       <p:sp>
         <p:nvSpPr>
-          <p:cNvPr id="2" name="投影片影像版面配置區 1"/>
+          <p:cNvPr id="2" name="投影片圖像版面配置區 1"/>
           <p:cNvSpPr>
             <a:spLocks noGrp="1" noRot="1" noChangeAspect="1"/>
           </p:cNvSpPr>
@@ -719,135 +720,7 @@
           <a:bodyPr/>
           <a:lstStyle/>
           <a:p>
-            <a:r>
-              <a:rPr lang="en-US" altLang="zh-TW" sz="1200" b="0" i="0" kern="1200" dirty="0">
-                <a:solidFill>
-                  <a:schemeClr val="tx1"/>
-                </a:solidFill>
-                <a:effectLst/>
-                <a:latin typeface="+mn-lt"/>
-                <a:ea typeface="+mn-ea"/>
-                <a:cs typeface="+mn-cs"/>
-              </a:rPr>
-              <a:t>React Hook </a:t>
-            </a:r>
-            <a:r>
-              <a:rPr lang="zh-TW" altLang="en-US" sz="1200" b="0" i="0" kern="1200" dirty="0">
-                <a:solidFill>
-                  <a:schemeClr val="tx1"/>
-                </a:solidFill>
-                <a:effectLst/>
-                <a:latin typeface="+mn-lt"/>
-                <a:ea typeface="+mn-ea"/>
-                <a:cs typeface="+mn-cs"/>
-              </a:rPr>
-              <a:t>新特性隨，</a:t>
-            </a:r>
-            <a:r>
-              <a:rPr lang="en-US" altLang="zh-TW" sz="1200" b="0" i="0" kern="1200" dirty="0">
-                <a:solidFill>
-                  <a:schemeClr val="tx1"/>
-                </a:solidFill>
-                <a:effectLst/>
-                <a:latin typeface="+mn-lt"/>
-                <a:ea typeface="+mn-ea"/>
-                <a:cs typeface="+mn-cs"/>
-              </a:rPr>
-              <a:t>React v16.8.0 </a:t>
-            </a:r>
-            <a:r>
-              <a:rPr lang="zh-TW" altLang="en-US" sz="1200" b="0" i="0" kern="1200" dirty="0">
-                <a:solidFill>
-                  <a:schemeClr val="tx1"/>
-                </a:solidFill>
-                <a:effectLst/>
-                <a:latin typeface="+mn-lt"/>
-                <a:ea typeface="+mn-ea"/>
-                <a:cs typeface="+mn-cs"/>
-              </a:rPr>
-              <a:t>版本正式釋出，其中最大的宣傳點是，它讓你不必寫 </a:t>
-            </a:r>
-            <a:r>
-              <a:rPr lang="en-US" altLang="zh-TW" sz="1200" b="0" i="0" kern="1200" dirty="0">
-                <a:solidFill>
-                  <a:schemeClr val="tx1"/>
-                </a:solidFill>
-                <a:effectLst/>
-                <a:latin typeface="+mn-lt"/>
-                <a:ea typeface="+mn-ea"/>
-                <a:cs typeface="+mn-cs"/>
-              </a:rPr>
-              <a:t>class </a:t>
-            </a:r>
-            <a:r>
-              <a:rPr lang="zh-TW" altLang="en-US" sz="1200" b="0" i="0" kern="1200" dirty="0">
-                <a:solidFill>
-                  <a:schemeClr val="tx1"/>
-                </a:solidFill>
-                <a:effectLst/>
-                <a:latin typeface="+mn-lt"/>
-                <a:ea typeface="+mn-ea"/>
-                <a:cs typeface="+mn-cs"/>
-              </a:rPr>
-              <a:t>就能使用 </a:t>
-            </a:r>
-            <a:r>
-              <a:rPr lang="en-US" altLang="zh-TW" sz="1200" b="0" i="0" kern="1200" dirty="0">
-                <a:solidFill>
-                  <a:schemeClr val="tx1"/>
-                </a:solidFill>
-                <a:effectLst/>
-                <a:latin typeface="+mn-lt"/>
-                <a:ea typeface="+mn-ea"/>
-                <a:cs typeface="+mn-cs"/>
-              </a:rPr>
-              <a:t>state </a:t>
-            </a:r>
-            <a:r>
-              <a:rPr lang="zh-TW" altLang="en-US" sz="1200" b="0" i="0" kern="1200" dirty="0">
-                <a:solidFill>
-                  <a:schemeClr val="tx1"/>
-                </a:solidFill>
-                <a:effectLst/>
-                <a:latin typeface="+mn-lt"/>
-                <a:ea typeface="+mn-ea"/>
-                <a:cs typeface="+mn-cs"/>
-              </a:rPr>
-              <a:t>以及其他 </a:t>
-            </a:r>
-            <a:r>
-              <a:rPr lang="en-US" altLang="zh-TW" sz="1200" b="0" i="0" kern="1200" dirty="0">
-                <a:solidFill>
-                  <a:schemeClr val="tx1"/>
-                </a:solidFill>
-                <a:effectLst/>
-                <a:latin typeface="+mn-lt"/>
-                <a:ea typeface="+mn-ea"/>
-                <a:cs typeface="+mn-cs"/>
-              </a:rPr>
-              <a:t>React </a:t>
-            </a:r>
-            <a:r>
-              <a:rPr lang="zh-TW" altLang="en-US" sz="1200" b="0" i="0" kern="1200" dirty="0">
-                <a:solidFill>
-                  <a:schemeClr val="tx1"/>
-                </a:solidFill>
-                <a:effectLst/>
-                <a:latin typeface="+mn-lt"/>
-                <a:ea typeface="+mn-ea"/>
-                <a:cs typeface="+mn-cs"/>
-              </a:rPr>
-              <a:t>的功能</a:t>
-            </a:r>
-            <a:endParaRPr lang="en-US" altLang="zh-TW" sz="1200" b="0" i="0" kern="1200" dirty="0">
-              <a:solidFill>
-                <a:schemeClr val="tx1"/>
-              </a:solidFill>
-              <a:effectLst/>
-              <a:latin typeface="+mn-lt"/>
-              <a:ea typeface="+mn-ea"/>
-              <a:cs typeface="+mn-cs"/>
-            </a:endParaRPr>
+            <a:endParaRPr lang="zh-TW" altLang="en-US" dirty="0"/>
           </a:p>
         </p:txBody>
       </p:sp>
@@ -858,7 +731,7 @@
             <a:spLocks noGrp="1"/>
           </p:cNvSpPr>
           <p:nvPr>
-            <p:ph type="sldNum" sz="quarter" idx="5"/>
+            <p:ph type="sldNum" sz="quarter" idx="10"/>
           </p:nvPr>
         </p:nvSpPr>
         <p:spPr/>
@@ -868,7 +741,7 @@
           <a:p>
             <a:fld id="{6B094CF9-824F-48E6-BF21-19194E5F47C1}" type="slidenum">
               <a:rPr lang="zh-TW" altLang="en-US" smtClean="0"/>
-              <a:t>2</a:t>
+              <a:t>1</a:t>
             </a:fld>
             <a:endParaRPr lang="zh-TW" altLang="en-US"/>
           </a:p>
@@ -877,7 +750,7 @@
     </p:spTree>
     <p:extLst>
       <p:ext uri="{BB962C8B-B14F-4D97-AF65-F5344CB8AC3E}">
-        <p14:creationId xmlns:p14="http://schemas.microsoft.com/office/powerpoint/2010/main" val="2068776707"/>
+        <p14:creationId xmlns:p14="http://schemas.microsoft.com/office/powerpoint/2010/main" val="2434074182"/>
       </p:ext>
     </p:extLst>
   </p:cSld>
@@ -931,23 +804,6 @@
           <a:bodyPr/>
           <a:lstStyle/>
           <a:p>
-            <a:pPr marL="0" marR="0" lvl="0" indent="0" algn="l" defTabSz="914400" rtl="0" eaLnBrk="1" fontAlgn="auto" latinLnBrk="0" hangingPunct="1">
-              <a:lnSpc>
-                <a:spcPct val="100000"/>
-              </a:lnSpc>
-              <a:spcBef>
-                <a:spcPts val="0"/>
-              </a:spcBef>
-              <a:spcAft>
-                <a:spcPts val="0"/>
-              </a:spcAft>
-              <a:buClrTx/>
-              <a:buSzTx/>
-              <a:buFontTx/>
-              <a:buNone/>
-              <a:tabLst/>
-              <a:defRPr/>
-            </a:pPr>
             <a:r>
               <a:rPr lang="en-US" altLang="zh-TW" sz="1200" b="0" i="0" kern="1200" dirty="0">
                 <a:solidFill>
@@ -958,7 +814,7 @@
                 <a:ea typeface="+mn-ea"/>
                 <a:cs typeface="+mn-cs"/>
               </a:rPr>
-              <a:t>React </a:t>
+              <a:t>React Hook </a:t>
             </a:r>
             <a:r>
               <a:rPr lang="zh-TW" altLang="en-US" sz="1200" b="0" i="0" kern="1200" dirty="0">
@@ -970,46 +826,10 @@
                 <a:ea typeface="+mn-ea"/>
                 <a:cs typeface="+mn-cs"/>
               </a:rPr>
-              <a:t>在前期的</a:t>
-            </a:r>
-            <a:r>
-              <a:rPr lang="en-US" altLang="zh-TW" sz="1200" dirty="0">
-                <a:solidFill>
-                  <a:schemeClr val="bg1"/>
-                </a:solidFill>
-                <a:latin typeface="+mn-ea"/>
-              </a:rPr>
-              <a:t>C</a:t>
-            </a:r>
-            <a:r>
-              <a:rPr lang="zh-TW" altLang="en-US" sz="1200" dirty="0">
-                <a:solidFill>
-                  <a:schemeClr val="bg1"/>
-                </a:solidFill>
-                <a:latin typeface="+mn-ea"/>
-              </a:rPr>
-              <a:t>omponent 設計模式是採取</a:t>
-            </a:r>
-            <a:r>
-              <a:rPr lang="en-US" altLang="zh-TW" sz="1200" dirty="0">
-                <a:solidFill>
-                  <a:schemeClr val="bg1"/>
-                </a:solidFill>
-                <a:latin typeface="+mn-ea"/>
-              </a:rPr>
-              <a:t>class </a:t>
-            </a:r>
-            <a:r>
-              <a:rPr lang="zh-TW" altLang="en-US" sz="1200" dirty="0">
-                <a:solidFill>
-                  <a:schemeClr val="bg1"/>
-                </a:solidFill>
-                <a:latin typeface="+mn-ea"/>
-              </a:rPr>
-              <a:t>的方式實現</a:t>
-            </a:r>
-            <a:r>
-              <a:rPr lang="zh-TW" altLang="en-US" sz="1200" b="0" i="0" kern="1200" dirty="0">
+              <a:t>新特性隨，</a:t>
+            </a:r>
+            <a:r>
+              <a:rPr lang="en-US" altLang="zh-TW" sz="1200" b="0" i="0" kern="1200" dirty="0">
                 <a:solidFill>
                   <a:schemeClr val="tx1"/>
                 </a:solidFill>
@@ -1018,10 +838,10 @@
                 <a:ea typeface="+mn-ea"/>
                 <a:cs typeface="+mn-cs"/>
               </a:rPr>
-              <a:t>，而</a:t>
-            </a:r>
-            <a:r>
-              <a:rPr lang="en-US" altLang="zh-TW" sz="1200" b="0" i="0" kern="1200" dirty="0">
+              <a:t>React v16.8.0 </a:t>
+            </a:r>
+            <a:r>
+              <a:rPr lang="zh-TW" altLang="en-US" sz="1200" b="0" i="0" kern="1200" dirty="0">
                 <a:solidFill>
                   <a:schemeClr val="tx1"/>
                 </a:solidFill>
@@ -1030,10 +850,10 @@
                 <a:ea typeface="+mn-ea"/>
                 <a:cs typeface="+mn-cs"/>
               </a:rPr>
-              <a:t>React Hook</a:t>
-            </a:r>
-            <a:r>
-              <a:rPr lang="zh-TW" altLang="en-US" sz="1200" b="0" i="0" kern="1200" dirty="0">
+              <a:t>版本正式釋出，其中最大的宣傳點是，它讓你不必寫 </a:t>
+            </a:r>
+            <a:r>
+              <a:rPr lang="en-US" altLang="zh-TW" sz="1200" b="0" i="0" kern="1200" dirty="0">
                 <a:solidFill>
                   <a:schemeClr val="tx1"/>
                 </a:solidFill>
@@ -1042,10 +862,10 @@
                 <a:ea typeface="+mn-ea"/>
                 <a:cs typeface="+mn-cs"/>
               </a:rPr>
-              <a:t>他則是一種以函式的方式支援元件的狀態，是</a:t>
-            </a:r>
-            <a:r>
-              <a:rPr lang="en-US" altLang="zh-TW" sz="1200" b="0" i="0" kern="1200" dirty="0">
+              <a:t>class </a:t>
+            </a:r>
+            <a:r>
+              <a:rPr lang="zh-TW" altLang="en-US" sz="1200" b="0" i="0" kern="1200" dirty="0">
                 <a:solidFill>
                   <a:schemeClr val="tx1"/>
                 </a:solidFill>
@@ -1054,10 +874,10 @@
                 <a:ea typeface="+mn-ea"/>
                 <a:cs typeface="+mn-cs"/>
               </a:rPr>
-              <a:t>React </a:t>
-            </a:r>
-            <a:r>
-              <a:rPr lang="zh-TW" altLang="en-US" sz="1200" b="0" i="0" kern="1200" dirty="0">
+              <a:t>就能使用 </a:t>
+            </a:r>
+            <a:r>
+              <a:rPr lang="en-US" altLang="zh-TW" sz="1200" b="0" i="0" kern="1200" dirty="0">
                 <a:solidFill>
                   <a:schemeClr val="tx1"/>
                 </a:solidFill>
@@ -1066,9 +886,53 @@
                 <a:ea typeface="+mn-ea"/>
                 <a:cs typeface="+mn-cs"/>
               </a:rPr>
-              <a:t>所提供全新方式，目的是使開發更加便捷</a:t>
-            </a:r>
-            <a:endParaRPr lang="zh-TW" altLang="en-US" dirty="0"/>
+              <a:t>state </a:t>
+            </a:r>
+            <a:r>
+              <a:rPr lang="zh-TW" altLang="en-US" sz="1200" b="0" i="0" kern="1200" dirty="0">
+                <a:solidFill>
+                  <a:schemeClr val="tx1"/>
+                </a:solidFill>
+                <a:effectLst/>
+                <a:latin typeface="+mn-lt"/>
+                <a:ea typeface="+mn-ea"/>
+                <a:cs typeface="+mn-cs"/>
+              </a:rPr>
+              <a:t>以及其他 </a:t>
+            </a:r>
+            <a:r>
+              <a:rPr lang="en-US" altLang="zh-TW" sz="1200" b="0" i="0" kern="1200" dirty="0">
+                <a:solidFill>
+                  <a:schemeClr val="tx1"/>
+                </a:solidFill>
+                <a:effectLst/>
+                <a:latin typeface="+mn-lt"/>
+                <a:ea typeface="+mn-ea"/>
+                <a:cs typeface="+mn-cs"/>
+              </a:rPr>
+              <a:t>React </a:t>
+            </a:r>
+            <a:r>
+              <a:rPr lang="zh-TW" altLang="en-US" sz="1200" b="0" i="0" kern="1200" dirty="0">
+                <a:solidFill>
+                  <a:schemeClr val="tx1"/>
+                </a:solidFill>
+                <a:effectLst/>
+                <a:latin typeface="+mn-lt"/>
+                <a:ea typeface="+mn-ea"/>
+                <a:cs typeface="+mn-cs"/>
+              </a:rPr>
+              <a:t>的功能</a:t>
+            </a:r>
+            <a:endParaRPr lang="en-US" altLang="zh-TW" sz="1200" b="0" i="0" kern="1200" dirty="0">
+              <a:solidFill>
+                <a:schemeClr val="tx1"/>
+              </a:solidFill>
+              <a:effectLst/>
+              <a:latin typeface="+mn-lt"/>
+              <a:ea typeface="+mn-ea"/>
+              <a:cs typeface="+mn-cs"/>
+            </a:endParaRPr>
           </a:p>
         </p:txBody>
       </p:sp>
@@ -1089,7 +953,7 @@
           <a:p>
             <a:fld id="{6B094CF9-824F-48E6-BF21-19194E5F47C1}" type="slidenum">
               <a:rPr lang="zh-TW" altLang="en-US" smtClean="0"/>
-              <a:t>3</a:t>
+              <a:t>2</a:t>
             </a:fld>
             <a:endParaRPr lang="zh-TW" altLang="en-US"/>
           </a:p>
@@ -1098,7 +962,7 @@
     </p:spTree>
     <p:extLst>
       <p:ext uri="{BB962C8B-B14F-4D97-AF65-F5344CB8AC3E}">
-        <p14:creationId xmlns:p14="http://schemas.microsoft.com/office/powerpoint/2010/main" val="4101693557"/>
+        <p14:creationId xmlns:p14="http://schemas.microsoft.com/office/powerpoint/2010/main" val="2068776707"/>
       </p:ext>
     </p:extLst>
   </p:cSld>
@@ -1152,8 +1016,25 @@
           <a:bodyPr/>
           <a:lstStyle/>
           <a:p>
-            <a:r>
-              <a:rPr lang="zh-TW" altLang="en-US" sz="1200" b="0" i="0" kern="1200" dirty="0">
+            <a:pPr marL="0" marR="0" lvl="0" indent="0" algn="l" defTabSz="914400" rtl="0" eaLnBrk="1" fontAlgn="auto" latinLnBrk="0" hangingPunct="1">
+              <a:lnSpc>
+                <a:spcPct val="100000"/>
+              </a:lnSpc>
+              <a:spcBef>
+                <a:spcPts val="0"/>
+              </a:spcBef>
+              <a:spcAft>
+                <a:spcPts val="0"/>
+              </a:spcAft>
+              <a:buClrTx/>
+              <a:buSzTx/>
+              <a:buFontTx/>
+              <a:buNone/>
+              <a:tabLst/>
+              <a:defRPr/>
+            </a:pPr>
+            <a:r>
+              <a:rPr lang="en-US" altLang="zh-TW" sz="1200" b="0" i="0" kern="1200" dirty="0">
                 <a:solidFill>
                   <a:schemeClr val="tx1"/>
                 </a:solidFill>
@@ -1162,10 +1043,10 @@
                 <a:ea typeface="+mn-ea"/>
                 <a:cs typeface="+mn-cs"/>
               </a:rPr>
-              <a:t>可能有人會想問何謂</a:t>
-            </a:r>
-            <a:r>
-              <a:rPr lang="en-US" altLang="zh-TW" sz="1200" b="0" i="0" kern="1200" dirty="0">
+              <a:t>React </a:t>
+            </a:r>
+            <a:r>
+              <a:rPr lang="zh-TW" altLang="en-US" sz="1200" b="0" i="0" kern="1200" dirty="0">
                 <a:solidFill>
                   <a:schemeClr val="tx1"/>
                 </a:solidFill>
@@ -1174,7 +1055,43 @@
                 <a:ea typeface="+mn-ea"/>
                 <a:cs typeface="+mn-cs"/>
               </a:rPr>
-              <a:t>component</a:t>
+              <a:t>在前期的</a:t>
+            </a:r>
+            <a:r>
+              <a:rPr lang="en-US" altLang="zh-TW" sz="1200" dirty="0">
+                <a:solidFill>
+                  <a:schemeClr val="bg1"/>
+                </a:solidFill>
+                <a:latin typeface="+mn-ea"/>
+              </a:rPr>
+              <a:t>C</a:t>
+            </a:r>
+            <a:r>
+              <a:rPr lang="zh-TW" altLang="en-US" sz="1200" dirty="0">
+                <a:solidFill>
+                  <a:schemeClr val="bg1"/>
+                </a:solidFill>
+                <a:latin typeface="+mn-ea"/>
+              </a:rPr>
+              <a:t>omponent 設計模式是採取</a:t>
+            </a:r>
+            <a:r>
+              <a:rPr lang="en-US" altLang="zh-TW" sz="1200" dirty="0">
+                <a:solidFill>
+                  <a:schemeClr val="bg1"/>
+                </a:solidFill>
+                <a:latin typeface="+mn-ea"/>
+              </a:rPr>
+              <a:t>class </a:t>
+            </a:r>
+            <a:r>
+              <a:rPr lang="zh-TW" altLang="en-US" sz="1200" dirty="0">
+                <a:solidFill>
+                  <a:schemeClr val="bg1"/>
+                </a:solidFill>
+                <a:latin typeface="+mn-ea"/>
+              </a:rPr>
+              <a:t>的方式實現</a:t>
             </a:r>
             <a:r>
               <a:rPr lang="zh-TW" altLang="en-US" sz="1200" b="0" i="0" kern="1200" dirty="0">
@@ -1186,7 +1103,7 @@
                 <a:ea typeface="+mn-ea"/>
                 <a:cs typeface="+mn-cs"/>
               </a:rPr>
-              <a:t>， 概念上來說，</a:t>
+              <a:t>，而</a:t>
             </a:r>
             <a:r>
               <a:rPr lang="en-US" altLang="zh-TW" sz="1200" b="0" i="0" kern="1200" dirty="0">
@@ -1198,7 +1115,7 @@
                 <a:ea typeface="+mn-ea"/>
                 <a:cs typeface="+mn-cs"/>
               </a:rPr>
-              <a:t>component </a:t>
+              <a:t>React Hook</a:t>
             </a:r>
             <a:r>
               <a:rPr lang="zh-TW" altLang="en-US" sz="1200" b="0" i="0" kern="1200" dirty="0">
@@ -1210,7 +1127,7 @@
                 <a:ea typeface="+mn-ea"/>
                 <a:cs typeface="+mn-cs"/>
               </a:rPr>
-              <a:t>就像是 </a:t>
+              <a:t>他則是一種以函式的方式支援元件的狀態，是</a:t>
             </a:r>
             <a:r>
               <a:rPr lang="en-US" altLang="zh-TW" sz="1200" b="0" i="0" kern="1200" dirty="0">
@@ -1222,7 +1139,7 @@
                 <a:ea typeface="+mn-ea"/>
                 <a:cs typeface="+mn-cs"/>
               </a:rPr>
-              <a:t>JavaScript </a:t>
+              <a:t>React </a:t>
             </a:r>
             <a:r>
               <a:rPr lang="zh-TW" altLang="en-US" sz="1200" b="0" i="0" kern="1200" dirty="0">
@@ -1234,79 +1151,7 @@
                 <a:ea typeface="+mn-ea"/>
                 <a:cs typeface="+mn-cs"/>
               </a:rPr>
-              <a:t>的 </a:t>
-            </a:r>
-            <a:r>
-              <a:rPr lang="en-US" altLang="zh-TW" sz="1200" b="0" i="0" kern="1200" dirty="0">
-                <a:solidFill>
-                  <a:schemeClr val="tx1"/>
-                </a:solidFill>
-                <a:effectLst/>
-                <a:latin typeface="+mn-lt"/>
-                <a:ea typeface="+mn-ea"/>
-                <a:cs typeface="+mn-cs"/>
-              </a:rPr>
-              <a:t>function</a:t>
-            </a:r>
-            <a:r>
-              <a:rPr lang="zh-TW" altLang="en-US" sz="1200" b="0" i="0" kern="1200" dirty="0">
-                <a:solidFill>
-                  <a:schemeClr val="tx1"/>
-                </a:solidFill>
-                <a:effectLst/>
-                <a:latin typeface="+mn-lt"/>
-                <a:ea typeface="+mn-ea"/>
-                <a:cs typeface="+mn-cs"/>
-              </a:rPr>
-              <a:t>，它接收任意的參數（稱之為「</a:t>
-            </a:r>
-            <a:r>
-              <a:rPr lang="en-US" altLang="zh-TW" sz="1200" b="0" i="0" kern="1200" dirty="0">
-                <a:solidFill>
-                  <a:schemeClr val="tx1"/>
-                </a:solidFill>
-                <a:effectLst/>
-                <a:latin typeface="+mn-lt"/>
-                <a:ea typeface="+mn-ea"/>
-                <a:cs typeface="+mn-cs"/>
-              </a:rPr>
-              <a:t>props</a:t>
-            </a:r>
-            <a:r>
-              <a:rPr lang="zh-TW" altLang="en-US" sz="1200" b="0" i="0" kern="1200" dirty="0">
-                <a:solidFill>
-                  <a:schemeClr val="tx1"/>
-                </a:solidFill>
-                <a:effectLst/>
-                <a:latin typeface="+mn-lt"/>
-                <a:ea typeface="+mn-ea"/>
-                <a:cs typeface="+mn-cs"/>
-              </a:rPr>
-              <a:t>」）並且回傳描述畫面的 </a:t>
-            </a:r>
-            <a:r>
-              <a:rPr lang="en-US" altLang="zh-TW" sz="1200" b="0" i="0" kern="1200" dirty="0">
-                <a:solidFill>
-                  <a:schemeClr val="tx1"/>
-                </a:solidFill>
-                <a:effectLst/>
-                <a:latin typeface="+mn-lt"/>
-                <a:ea typeface="+mn-ea"/>
-                <a:cs typeface="+mn-cs"/>
-              </a:rPr>
-              <a:t>React element</a:t>
-            </a:r>
-            <a:r>
-              <a:rPr lang="zh-TW" altLang="en-US" sz="1200" b="0" i="0" kern="1200" dirty="0">
-                <a:solidFill>
-                  <a:schemeClr val="tx1"/>
-                </a:solidFill>
-                <a:effectLst/>
-                <a:latin typeface="+mn-lt"/>
-                <a:ea typeface="+mn-ea"/>
-                <a:cs typeface="+mn-cs"/>
-              </a:rPr>
-              <a:t>。</a:t>
+              <a:t>所提供全新方式，目的是使開發更加便捷</a:t>
             </a:r>
             <a:endParaRPr lang="zh-TW" altLang="en-US" dirty="0"/>
           </a:p>
@@ -1329,7 +1174,7 @@
           <a:p>
             <a:fld id="{6B094CF9-824F-48E6-BF21-19194E5F47C1}" type="slidenum">
               <a:rPr lang="zh-TW" altLang="en-US" smtClean="0"/>
-              <a:t>4</a:t>
+              <a:t>3</a:t>
             </a:fld>
             <a:endParaRPr lang="zh-TW" altLang="en-US"/>
           </a:p>
@@ -1338,7 +1183,7 @@
     </p:spTree>
     <p:extLst>
       <p:ext uri="{BB962C8B-B14F-4D97-AF65-F5344CB8AC3E}">
-        <p14:creationId xmlns:p14="http://schemas.microsoft.com/office/powerpoint/2010/main" val="4181153674"/>
+        <p14:creationId xmlns:p14="http://schemas.microsoft.com/office/powerpoint/2010/main" val="4101693557"/>
       </p:ext>
     </p:extLst>
   </p:cSld>
@@ -1392,6 +1237,174 @@
           <a:bodyPr/>
           <a:lstStyle/>
           <a:p>
+            <a:r>
+              <a:rPr lang="zh-TW" altLang="en-US" sz="1200" b="0" i="0" kern="1200" dirty="0" smtClean="0">
+                <a:solidFill>
+                  <a:schemeClr val="tx1"/>
+                </a:solidFill>
+                <a:effectLst/>
+                <a:latin typeface="+mn-lt"/>
+                <a:ea typeface="+mn-ea"/>
+                <a:cs typeface="+mn-cs"/>
+              </a:rPr>
+              <a:t> </a:t>
+            </a:r>
+            <a:r>
+              <a:rPr lang="en-US" altLang="zh-TW" sz="1200" b="0" i="0" kern="1200" dirty="0" smtClean="0">
+                <a:solidFill>
+                  <a:schemeClr val="tx1"/>
+                </a:solidFill>
+                <a:effectLst/>
+                <a:latin typeface="+mn-lt"/>
+                <a:ea typeface="+mn-ea"/>
+                <a:cs typeface="+mn-cs"/>
+              </a:rPr>
+              <a:t>component</a:t>
+            </a:r>
+            <a:r>
+              <a:rPr lang="zh-TW" altLang="en-US" sz="1200" b="0" i="0" kern="1200" dirty="0" smtClean="0">
+                <a:solidFill>
+                  <a:schemeClr val="tx1"/>
+                </a:solidFill>
+                <a:effectLst/>
+                <a:latin typeface="+mn-lt"/>
+                <a:ea typeface="+mn-ea"/>
+                <a:cs typeface="+mn-cs"/>
+              </a:rPr>
+              <a:t>， </a:t>
+            </a:r>
+            <a:r>
+              <a:rPr lang="zh-TW" altLang="en-US" sz="1200" b="0" i="0" kern="1200" dirty="0">
+                <a:solidFill>
+                  <a:schemeClr val="tx1"/>
+                </a:solidFill>
+                <a:effectLst/>
+                <a:latin typeface="+mn-lt"/>
+                <a:ea typeface="+mn-ea"/>
+                <a:cs typeface="+mn-cs"/>
+              </a:rPr>
+              <a:t>概念上來說，</a:t>
+            </a:r>
+            <a:r>
+              <a:rPr lang="en-US" altLang="zh-TW" sz="1200" b="0" i="0" kern="1200" dirty="0">
+                <a:solidFill>
+                  <a:schemeClr val="tx1"/>
+                </a:solidFill>
+                <a:effectLst/>
+                <a:latin typeface="+mn-lt"/>
+                <a:ea typeface="+mn-ea"/>
+                <a:cs typeface="+mn-cs"/>
+              </a:rPr>
+              <a:t>component </a:t>
+            </a:r>
+            <a:r>
+              <a:rPr lang="zh-TW" altLang="en-US" sz="1200" b="0" i="0" kern="1200" dirty="0">
+                <a:solidFill>
+                  <a:schemeClr val="tx1"/>
+                </a:solidFill>
+                <a:effectLst/>
+                <a:latin typeface="+mn-lt"/>
+                <a:ea typeface="+mn-ea"/>
+                <a:cs typeface="+mn-cs"/>
+              </a:rPr>
+              <a:t>就像是 </a:t>
+            </a:r>
+            <a:r>
+              <a:rPr lang="en-US" altLang="zh-TW" sz="1200" b="0" i="0" kern="1200" dirty="0">
+                <a:solidFill>
+                  <a:schemeClr val="tx1"/>
+                </a:solidFill>
+                <a:effectLst/>
+                <a:latin typeface="+mn-lt"/>
+                <a:ea typeface="+mn-ea"/>
+                <a:cs typeface="+mn-cs"/>
+              </a:rPr>
+              <a:t>JavaScript </a:t>
+            </a:r>
+            <a:r>
+              <a:rPr lang="zh-TW" altLang="en-US" sz="1200" b="0" i="0" kern="1200" dirty="0">
+                <a:solidFill>
+                  <a:schemeClr val="tx1"/>
+                </a:solidFill>
+                <a:effectLst/>
+                <a:latin typeface="+mn-lt"/>
+                <a:ea typeface="+mn-ea"/>
+                <a:cs typeface="+mn-cs"/>
+              </a:rPr>
+              <a:t>的 </a:t>
+            </a:r>
+            <a:r>
+              <a:rPr lang="en-US" altLang="zh-TW" sz="1200" b="0" i="0" kern="1200" dirty="0">
+                <a:solidFill>
+                  <a:schemeClr val="tx1"/>
+                </a:solidFill>
+                <a:effectLst/>
+                <a:latin typeface="+mn-lt"/>
+                <a:ea typeface="+mn-ea"/>
+                <a:cs typeface="+mn-cs"/>
+              </a:rPr>
+              <a:t>function</a:t>
+            </a:r>
+            <a:r>
+              <a:rPr lang="zh-TW" altLang="en-US" sz="1200" b="0" i="0" kern="1200" dirty="0">
+                <a:solidFill>
+                  <a:schemeClr val="tx1"/>
+                </a:solidFill>
+                <a:effectLst/>
+                <a:latin typeface="+mn-lt"/>
+                <a:ea typeface="+mn-ea"/>
+                <a:cs typeface="+mn-cs"/>
+              </a:rPr>
+              <a:t>，它接收任意的參數（稱之為「</a:t>
+            </a:r>
+            <a:r>
+              <a:rPr lang="en-US" altLang="zh-TW" sz="1200" b="0" i="0" kern="1200" dirty="0">
+                <a:solidFill>
+                  <a:schemeClr val="tx1"/>
+                </a:solidFill>
+                <a:effectLst/>
+                <a:latin typeface="+mn-lt"/>
+                <a:ea typeface="+mn-ea"/>
+                <a:cs typeface="+mn-cs"/>
+              </a:rPr>
+              <a:t>props</a:t>
+            </a:r>
+            <a:r>
+              <a:rPr lang="zh-TW" altLang="en-US" sz="1200" b="0" i="0" kern="1200" dirty="0">
+                <a:solidFill>
+                  <a:schemeClr val="tx1"/>
+                </a:solidFill>
+                <a:effectLst/>
+                <a:latin typeface="+mn-lt"/>
+                <a:ea typeface="+mn-ea"/>
+                <a:cs typeface="+mn-cs"/>
+              </a:rPr>
+              <a:t>」）並且回傳描述畫面的 </a:t>
+            </a:r>
+            <a:r>
+              <a:rPr lang="en-US" altLang="zh-TW" sz="1200" b="0" i="0" kern="1200" dirty="0">
+                <a:solidFill>
+                  <a:schemeClr val="tx1"/>
+                </a:solidFill>
+                <a:effectLst/>
+                <a:latin typeface="+mn-lt"/>
+                <a:ea typeface="+mn-ea"/>
+                <a:cs typeface="+mn-cs"/>
+              </a:rPr>
+              <a:t>React element</a:t>
+            </a:r>
+            <a:r>
+              <a:rPr lang="zh-TW" altLang="en-US" sz="1200" b="0" i="0" kern="1200" dirty="0">
+                <a:solidFill>
+                  <a:schemeClr val="tx1"/>
+                </a:solidFill>
+                <a:effectLst/>
+                <a:latin typeface="+mn-lt"/>
+                <a:ea typeface="+mn-ea"/>
+                <a:cs typeface="+mn-cs"/>
+              </a:rPr>
+              <a:t>。</a:t>
+            </a:r>
             <a:endParaRPr lang="zh-TW" altLang="en-US" dirty="0"/>
           </a:p>
         </p:txBody>
@@ -1413,7 +1426,7 @@
           <a:p>
             <a:fld id="{6B094CF9-824F-48E6-BF21-19194E5F47C1}" type="slidenum">
               <a:rPr lang="zh-TW" altLang="en-US" smtClean="0"/>
-              <a:t>5</a:t>
+              <a:t>4</a:t>
             </a:fld>
             <a:endParaRPr lang="zh-TW" altLang="en-US"/>
           </a:p>
@@ -1422,7 +1435,7 @@
     </p:spTree>
     <p:extLst>
       <p:ext uri="{BB962C8B-B14F-4D97-AF65-F5344CB8AC3E}">
-        <p14:creationId xmlns:p14="http://schemas.microsoft.com/office/powerpoint/2010/main" val="4272397784"/>
+        <p14:creationId xmlns:p14="http://schemas.microsoft.com/office/powerpoint/2010/main" val="4181153674"/>
       </p:ext>
     </p:extLst>
   </p:cSld>
@@ -1476,327 +1489,6 @@
           <a:bodyPr/>
           <a:lstStyle/>
           <a:p>
-            <a:pPr latinLnBrk="1"/>
-            <a:r>
-              <a:rPr lang="zh-TW" altLang="en-US" sz="1200" b="0" i="0" kern="1200" dirty="0">
-                <a:solidFill>
-                  <a:schemeClr val="tx1"/>
-                </a:solidFill>
-                <a:effectLst/>
-                <a:latin typeface="+mn-lt"/>
-                <a:ea typeface="+mn-ea"/>
-                <a:cs typeface="+mn-cs"/>
-              </a:rPr>
-              <a:t>在元件之間複用狀態邏輯很難</a:t>
-            </a:r>
-          </a:p>
-          <a:p>
-            <a:pPr lvl="1" latinLnBrk="1"/>
-            <a:r>
-              <a:rPr lang="zh-TW" altLang="en-US" sz="1200" b="0" i="0" kern="1200" dirty="0">
-                <a:solidFill>
-                  <a:schemeClr val="tx1"/>
-                </a:solidFill>
-                <a:effectLst/>
-                <a:latin typeface="+mn-lt"/>
-                <a:ea typeface="+mn-ea"/>
-                <a:cs typeface="+mn-cs"/>
-              </a:rPr>
-              <a:t>之前的解決方案是： </a:t>
-            </a:r>
-            <a:r>
-              <a:rPr lang="en-US" altLang="zh-TW" sz="1200" b="0" i="0" u="none" strike="noStrike" kern="1200" dirty="0">
-                <a:solidFill>
-                  <a:schemeClr val="tx1"/>
-                </a:solidFill>
-                <a:effectLst/>
-                <a:latin typeface="+mn-lt"/>
-                <a:ea typeface="+mn-ea"/>
-                <a:cs typeface="+mn-cs"/>
-                <a:hlinkClick r:id="rId3"/>
-              </a:rPr>
-              <a:t>render props</a:t>
-            </a:r>
-            <a:r>
-              <a:rPr lang="zh-TW" altLang="en-US" sz="1200" b="0" i="0" kern="1200" dirty="0">
-                <a:solidFill>
-                  <a:schemeClr val="tx1"/>
-                </a:solidFill>
-                <a:effectLst/>
-                <a:latin typeface="+mn-lt"/>
-                <a:ea typeface="+mn-ea"/>
-                <a:cs typeface="+mn-cs"/>
-              </a:rPr>
-              <a:t> 和高階元件</a:t>
-            </a:r>
-          </a:p>
-          <a:p>
-            <a:pPr lvl="1" latinLnBrk="1"/>
-            <a:r>
-              <a:rPr lang="zh-TW" altLang="en-US" sz="1200" b="0" i="0" kern="1200" dirty="0">
-                <a:solidFill>
-                  <a:schemeClr val="tx1"/>
-                </a:solidFill>
-                <a:effectLst/>
-                <a:latin typeface="+mn-lt"/>
-                <a:ea typeface="+mn-ea"/>
-                <a:cs typeface="+mn-cs"/>
-              </a:rPr>
-              <a:t>缺點是難理解、存在過多的巢狀形成“巢狀地獄”</a:t>
-            </a:r>
-            <a:endParaRPr lang="en-US" altLang="zh-TW" sz="1200" b="0" i="0" kern="1200" dirty="0">
-              <a:solidFill>
-                <a:schemeClr val="tx1"/>
-              </a:solidFill>
-              <a:effectLst/>
-              <a:latin typeface="+mn-lt"/>
-              <a:ea typeface="+mn-ea"/>
-              <a:cs typeface="+mn-cs"/>
-            </a:endParaRPr>
-          </a:p>
-          <a:p>
-            <a:pPr lvl="1" latinLnBrk="1"/>
-            <a:endParaRPr lang="zh-TW" altLang="en-US" sz="1200" b="0" i="0" kern="1200" dirty="0">
-              <a:solidFill>
-                <a:schemeClr val="tx1"/>
-              </a:solidFill>
-              <a:effectLst/>
-              <a:latin typeface="+mn-lt"/>
-              <a:ea typeface="+mn-ea"/>
-              <a:cs typeface="+mn-cs"/>
-            </a:endParaRPr>
-          </a:p>
-          <a:p>
-            <a:pPr latinLnBrk="1"/>
-            <a:r>
-              <a:rPr lang="zh-TW" altLang="en-US" sz="1200" b="0" i="0" kern="1200" dirty="0">
-                <a:solidFill>
-                  <a:schemeClr val="tx1"/>
-                </a:solidFill>
-                <a:effectLst/>
-                <a:latin typeface="+mn-lt"/>
-                <a:ea typeface="+mn-ea"/>
-                <a:cs typeface="+mn-cs"/>
-              </a:rPr>
-              <a:t>複雜元件變的難以理解</a:t>
-            </a:r>
-          </a:p>
-          <a:p>
-            <a:pPr lvl="1" latinLnBrk="1"/>
-            <a:r>
-              <a:rPr lang="zh-TW" altLang="en-US" sz="1200" b="0" i="0" kern="1200" dirty="0">
-                <a:solidFill>
-                  <a:schemeClr val="tx1"/>
-                </a:solidFill>
-                <a:effectLst/>
-                <a:latin typeface="+mn-lt"/>
-                <a:ea typeface="+mn-ea"/>
-                <a:cs typeface="+mn-cs"/>
-              </a:rPr>
-              <a:t>生命週期函式中充斥著各種狀態邏輯和副作用</a:t>
-            </a:r>
-          </a:p>
-          <a:p>
-            <a:pPr lvl="1" latinLnBrk="1"/>
-            <a:r>
-              <a:rPr lang="zh-TW" altLang="en-US" sz="1200" b="0" i="0" kern="1200" dirty="0">
-                <a:solidFill>
-                  <a:schemeClr val="tx1"/>
-                </a:solidFill>
-                <a:effectLst/>
-                <a:latin typeface="+mn-lt"/>
-                <a:ea typeface="+mn-ea"/>
-                <a:cs typeface="+mn-cs"/>
-              </a:rPr>
-              <a:t>這些副作用難以複用，且很零散</a:t>
-            </a:r>
-            <a:endParaRPr lang="en-US" altLang="zh-TW" sz="1200" b="0" i="0" kern="1200" dirty="0">
-              <a:solidFill>
-                <a:schemeClr val="tx1"/>
-              </a:solidFill>
-              <a:effectLst/>
-              <a:latin typeface="+mn-lt"/>
-              <a:ea typeface="+mn-ea"/>
-              <a:cs typeface="+mn-cs"/>
-            </a:endParaRPr>
-          </a:p>
-          <a:p>
-            <a:pPr lvl="1" latinLnBrk="1"/>
-            <a:endParaRPr lang="zh-TW" altLang="en-US" sz="1200" b="0" i="0" kern="1200" dirty="0">
-              <a:solidFill>
-                <a:schemeClr val="tx1"/>
-              </a:solidFill>
-              <a:effectLst/>
-              <a:latin typeface="+mn-lt"/>
-              <a:ea typeface="+mn-ea"/>
-              <a:cs typeface="+mn-cs"/>
-            </a:endParaRPr>
-          </a:p>
-          <a:p>
-            <a:pPr latinLnBrk="1"/>
-            <a:r>
-              <a:rPr lang="zh-TW" altLang="en-US" sz="1200" b="0" i="0" kern="1200" dirty="0">
-                <a:solidFill>
-                  <a:schemeClr val="tx1"/>
-                </a:solidFill>
-                <a:effectLst/>
-                <a:latin typeface="+mn-lt"/>
-                <a:ea typeface="+mn-ea"/>
-                <a:cs typeface="+mn-cs"/>
-              </a:rPr>
-              <a:t>難以理解</a:t>
-            </a:r>
-            <a:r>
-              <a:rPr lang="en-US" altLang="zh-TW" sz="1200" b="0" i="0" kern="1200" dirty="0">
-                <a:solidFill>
-                  <a:schemeClr val="tx1"/>
-                </a:solidFill>
-                <a:effectLst/>
-                <a:latin typeface="+mn-lt"/>
-                <a:ea typeface="+mn-ea"/>
-                <a:cs typeface="+mn-cs"/>
-              </a:rPr>
-              <a:t> =&gt; this </a:t>
-            </a:r>
-            <a:r>
-              <a:rPr lang="zh-TW" altLang="en-US" sz="1200" b="0" i="0" kern="1200" dirty="0">
-                <a:solidFill>
-                  <a:schemeClr val="tx1"/>
-                </a:solidFill>
-                <a:effectLst/>
-                <a:latin typeface="+mn-lt"/>
-                <a:ea typeface="+mn-ea"/>
-                <a:cs typeface="+mn-cs"/>
-              </a:rPr>
-              <a:t>指標問題</a:t>
-            </a:r>
-            <a:endParaRPr lang="en-US" altLang="zh-TW" sz="1200" b="0" i="0" kern="1200" dirty="0">
-              <a:solidFill>
-                <a:schemeClr val="tx1"/>
-              </a:solidFill>
-              <a:effectLst/>
-              <a:latin typeface="+mn-lt"/>
-              <a:ea typeface="+mn-ea"/>
-              <a:cs typeface="+mn-cs"/>
-            </a:endParaRPr>
-          </a:p>
-          <a:p>
-            <a:pPr latinLnBrk="1"/>
-            <a:br>
-              <a:rPr lang="en-US" altLang="zh-TW" sz="1200" b="0" i="0" kern="1200" dirty="0">
-                <a:solidFill>
-                  <a:schemeClr val="tx1"/>
-                </a:solidFill>
-                <a:effectLst/>
-                <a:latin typeface="+mn-lt"/>
-                <a:ea typeface="+mn-ea"/>
-                <a:cs typeface="+mn-cs"/>
-              </a:rPr>
-            </a:br>
-            <a:r>
-              <a:rPr lang="zh-TW" altLang="en-US" dirty="0"/>
-              <a:t>且</a:t>
-            </a:r>
-            <a:r>
-              <a:rPr lang="en-US" altLang="zh-TW" sz="1200" dirty="0">
-                <a:solidFill>
-                  <a:schemeClr val="bg1"/>
-                </a:solidFill>
-                <a:latin typeface="+mn-ea"/>
-              </a:rPr>
-              <a:t>F</a:t>
-            </a:r>
-            <a:r>
-              <a:rPr lang="zh-TW" altLang="en-US" sz="1200" dirty="0">
-                <a:solidFill>
-                  <a:schemeClr val="bg1"/>
-                </a:solidFill>
-                <a:latin typeface="+mn-ea"/>
-              </a:rPr>
-              <a:t>unction </a:t>
-            </a:r>
-            <a:r>
-              <a:rPr lang="en-US" altLang="zh-TW" sz="1200" dirty="0">
-                <a:solidFill>
-                  <a:schemeClr val="bg1"/>
-                </a:solidFill>
-                <a:latin typeface="+mn-ea"/>
-              </a:rPr>
-              <a:t>C</a:t>
-            </a:r>
-            <a:r>
-              <a:rPr lang="zh-TW" altLang="en-US" sz="1200" dirty="0">
-                <a:solidFill>
-                  <a:schemeClr val="bg1"/>
-                </a:solidFill>
-                <a:latin typeface="+mn-ea"/>
-              </a:rPr>
-              <a:t>omponent </a:t>
-            </a:r>
-            <a:r>
-              <a:rPr lang="zh-TW" altLang="en-US" sz="1200" b="0" i="0" kern="1200" dirty="0">
-                <a:solidFill>
-                  <a:schemeClr val="tx1"/>
-                </a:solidFill>
-                <a:effectLst/>
-                <a:latin typeface="+mn-lt"/>
-                <a:ea typeface="+mn-ea"/>
-                <a:cs typeface="+mn-cs"/>
-              </a:rPr>
-              <a:t>上手較為簡單，使用起來也很容易，</a:t>
-            </a:r>
-            <a:endParaRPr lang="en-US" altLang="zh-TW" sz="1200" b="0" i="0" kern="1200" dirty="0">
-              <a:solidFill>
-                <a:schemeClr val="tx1"/>
-              </a:solidFill>
-              <a:effectLst/>
-              <a:latin typeface="+mn-lt"/>
-              <a:ea typeface="+mn-ea"/>
-              <a:cs typeface="+mn-cs"/>
-            </a:endParaRPr>
-          </a:p>
-          <a:p>
-            <a:pPr latinLnBrk="1"/>
-            <a:r>
-              <a:rPr lang="zh-TW" altLang="en-US" sz="1200" b="0" i="0" kern="1200" dirty="0">
-                <a:solidFill>
-                  <a:schemeClr val="tx1"/>
-                </a:solidFill>
-                <a:effectLst/>
-                <a:latin typeface="+mn-lt"/>
-                <a:ea typeface="+mn-ea"/>
-                <a:cs typeface="+mn-cs"/>
-              </a:rPr>
-              <a:t>相比我們熟悉類元件寫法， </a:t>
-            </a:r>
-            <a:r>
-              <a:rPr lang="en-US" altLang="zh-TW" dirty="0"/>
-              <a:t>React Hook</a:t>
-            </a:r>
-            <a:r>
-              <a:rPr lang="en-US" altLang="zh-TW" sz="1200" b="0" i="0" kern="1200" dirty="0">
-                <a:solidFill>
-                  <a:schemeClr val="tx1"/>
-                </a:solidFill>
-                <a:effectLst/>
-                <a:latin typeface="+mn-lt"/>
-                <a:ea typeface="+mn-ea"/>
-                <a:cs typeface="+mn-cs"/>
-              </a:rPr>
-              <a:t> </a:t>
-            </a:r>
-            <a:r>
-              <a:rPr lang="zh-TW" altLang="en-US" sz="1200" b="0" i="0" kern="1200" dirty="0">
-                <a:solidFill>
-                  <a:schemeClr val="tx1"/>
-                </a:solidFill>
-                <a:effectLst/>
-                <a:latin typeface="+mn-lt"/>
-                <a:ea typeface="+mn-ea"/>
-                <a:cs typeface="+mn-cs"/>
-              </a:rPr>
-              <a:t>還是有一些理念和思想上的轉變。</a:t>
-            </a:r>
             <a:endParaRPr lang="zh-TW" altLang="en-US" dirty="0"/>
           </a:p>
         </p:txBody>
@@ -1818,7 +1510,7 @@
           <a:p>
             <a:fld id="{6B094CF9-824F-48E6-BF21-19194E5F47C1}" type="slidenum">
               <a:rPr lang="zh-TW" altLang="en-US" smtClean="0"/>
-              <a:t>7</a:t>
+              <a:t>5</a:t>
             </a:fld>
             <a:endParaRPr lang="zh-TW" altLang="en-US"/>
           </a:p>
@@ -1827,7 +1519,7 @@
     </p:spTree>
     <p:extLst>
       <p:ext uri="{BB962C8B-B14F-4D97-AF65-F5344CB8AC3E}">
-        <p14:creationId xmlns:p14="http://schemas.microsoft.com/office/powerpoint/2010/main" val="3475086662"/>
+        <p14:creationId xmlns:p14="http://schemas.microsoft.com/office/powerpoint/2010/main" val="4272397784"/>
       </p:ext>
     </p:extLst>
   </p:cSld>
@@ -1881,22 +1573,7 @@
           <a:bodyPr/>
           <a:lstStyle/>
           <a:p>
-            <a:r>
-              <a:rPr lang="en-US" altLang="zh-TW" dirty="0"/>
-              <a:t>Function component</a:t>
-            </a:r>
-            <a:r>
-              <a:rPr lang="zh-TW" altLang="en-US" dirty="0"/>
-              <a:t>、</a:t>
-            </a:r>
-            <a:r>
-              <a:rPr lang="en-US" altLang="zh-TW" dirty="0"/>
-              <a:t>Class component</a:t>
-            </a:r>
-            <a:r>
-              <a:rPr lang="zh-TW" altLang="en-US" dirty="0"/>
-              <a:t>，</a:t>
-            </a:r>
+            <a:pPr latinLnBrk="1"/>
             <a:r>
               <a:rPr lang="zh-TW" altLang="en-US" sz="1200" b="0" i="0" kern="1200" dirty="0">
                 <a:solidFill>
@@ -1907,10 +1584,13 @@
                 <a:ea typeface="+mn-ea"/>
                 <a:cs typeface="+mn-cs"/>
               </a:rPr>
-              <a:t>以上兩個都是為了達成 </a:t>
-            </a:r>
-            <a:r>
-              <a:rPr lang="en-US" altLang="zh-TW" sz="1200" b="0" i="0" kern="1200" dirty="0">
+              <a:t>在元件之間複用狀態邏輯很難</a:t>
+            </a:r>
+          </a:p>
+          <a:p>
+            <a:pPr lvl="1" latinLnBrk="1"/>
+            <a:r>
+              <a:rPr lang="zh-TW" altLang="en-US" sz="1200" b="0" i="0" kern="1200" dirty="0">
                 <a:solidFill>
                   <a:schemeClr val="tx1"/>
                 </a:solidFill>
@@ -1919,10 +1599,10 @@
                 <a:ea typeface="+mn-ea"/>
                 <a:cs typeface="+mn-cs"/>
               </a:rPr>
-              <a:t>,</a:t>
-            </a:r>
-            <a:r>
-              <a:rPr lang="zh-TW" altLang="en-US" sz="1200" b="0" i="0" kern="1200" dirty="0">
+              <a:t>之前的解決方案是： </a:t>
+            </a:r>
+            <a:r>
+              <a:rPr lang="en-US" altLang="zh-TW" sz="1200" b="0" i="0" u="none" strike="noStrike" kern="1200" dirty="0">
                 <a:solidFill>
                   <a:schemeClr val="tx1"/>
                 </a:solidFill>
@@ -1930,11 +1610,12 @@
                 <a:latin typeface="+mn-lt"/>
                 <a:ea typeface="+mn-ea"/>
                 <a:cs typeface="+mn-cs"/>
-              </a:rPr>
-              <a:t>資料可以儲存持久化狀態</a:t>
-            </a:r>
-            <a:r>
-              <a:rPr lang="en-US" altLang="zh-TW" sz="1200" b="0" i="0" kern="1200" dirty="0">
+                <a:hlinkClick r:id="rId3"/>
+              </a:rPr>
+              <a:t>render props</a:t>
+            </a:r>
+            <a:r>
+              <a:rPr lang="zh-TW" altLang="en-US" sz="1200" b="0" i="0" kern="1200" dirty="0">
                 <a:solidFill>
                   <a:schemeClr val="tx1"/>
                 </a:solidFill>
@@ -1943,8 +1624,11 @@
                 <a:ea typeface="+mn-ea"/>
                 <a:cs typeface="+mn-cs"/>
               </a:rPr>
-              <a:t>,</a:t>
-            </a:r>
+              <a:t> 和高階元件</a:t>
+            </a:r>
+          </a:p>
+          <a:p>
+            <a:pPr lvl="1" latinLnBrk="1"/>
             <a:r>
               <a:rPr lang="zh-TW" altLang="en-US" sz="1200" b="0" i="0" kern="1200" dirty="0">
                 <a:solidFill>
@@ -1955,10 +1639,34 @@
                 <a:ea typeface="+mn-ea"/>
                 <a:cs typeface="+mn-cs"/>
               </a:rPr>
-              <a:t>在 </a:t>
-            </a:r>
-            <a:r>
-              <a:rPr lang="en-US" altLang="zh-TW" sz="1200" b="0" i="0" kern="1200" dirty="0">
+              <a:t>缺點是難理解、存在過多的巢狀形成“巢狀地獄”</a:t>
+            </a:r>
+            <a:endParaRPr lang="en-US" altLang="zh-TW" sz="1200" b="0" i="0" kern="1200" dirty="0">
+              <a:solidFill>
+                <a:schemeClr val="tx1"/>
+              </a:solidFill>
+              <a:effectLst/>
+              <a:latin typeface="+mn-lt"/>
+              <a:ea typeface="+mn-ea"/>
+              <a:cs typeface="+mn-cs"/>
+            </a:endParaRPr>
+          </a:p>
+          <a:p>
+            <a:pPr lvl="1" latinLnBrk="1"/>
+            <a:endParaRPr lang="zh-TW" altLang="en-US" sz="1200" b="0" i="0" kern="1200" dirty="0">
+              <a:solidFill>
+                <a:schemeClr val="tx1"/>
+              </a:solidFill>
+              <a:effectLst/>
+              <a:latin typeface="+mn-lt"/>
+              <a:ea typeface="+mn-ea"/>
+              <a:cs typeface="+mn-cs"/>
+            </a:endParaRPr>
+          </a:p>
+          <a:p>
+            <a:pPr latinLnBrk="1"/>
+            <a:r>
+              <a:rPr lang="zh-TW" altLang="en-US" sz="1200" b="0" i="0" kern="1200" dirty="0">
                 <a:solidFill>
                   <a:schemeClr val="tx1"/>
                 </a:solidFill>
@@ -1967,8 +1675,11 @@
                 <a:ea typeface="+mn-ea"/>
                 <a:cs typeface="+mn-cs"/>
               </a:rPr>
-              <a:t>JS </a:t>
-            </a:r>
+              <a:t>複雜元件變的難以理解</a:t>
+            </a:r>
+          </a:p>
+          <a:p>
+            <a:pPr lvl="1" latinLnBrk="1"/>
             <a:r>
               <a:rPr lang="zh-TW" altLang="en-US" sz="1200" b="0" i="0" kern="1200" dirty="0">
                 <a:solidFill>
@@ -1979,7 +1690,221 @@
                 <a:ea typeface="+mn-ea"/>
                 <a:cs typeface="+mn-cs"/>
               </a:rPr>
-              <a:t>中幾種方法：</a:t>
+              <a:t>生命週期函式中充斥著各種狀態邏輯和副作用</a:t>
+            </a:r>
+          </a:p>
+          <a:p>
+            <a:pPr lvl="1" latinLnBrk="1"/>
+            <a:r>
+              <a:rPr lang="zh-TW" altLang="en-US" sz="1200" b="0" i="0" kern="1200" dirty="0">
+                <a:solidFill>
+                  <a:schemeClr val="tx1"/>
+                </a:solidFill>
+                <a:effectLst/>
+                <a:latin typeface="+mn-lt"/>
+                <a:ea typeface="+mn-ea"/>
+                <a:cs typeface="+mn-cs"/>
+              </a:rPr>
+              <a:t>這些副作用難以複用，且很零散</a:t>
+            </a:r>
+            <a:endParaRPr lang="en-US" altLang="zh-TW" sz="1200" b="0" i="0" kern="1200" dirty="0">
+              <a:solidFill>
+                <a:schemeClr val="tx1"/>
+              </a:solidFill>
+              <a:effectLst/>
+              <a:latin typeface="+mn-lt"/>
+              <a:ea typeface="+mn-ea"/>
+              <a:cs typeface="+mn-cs"/>
+            </a:endParaRPr>
+          </a:p>
+          <a:p>
+            <a:pPr lvl="1" latinLnBrk="1"/>
+            <a:endParaRPr lang="zh-TW" altLang="en-US" sz="1200" b="0" i="0" kern="1200" dirty="0">
+              <a:solidFill>
+                <a:schemeClr val="tx1"/>
+              </a:solidFill>
+              <a:effectLst/>
+              <a:latin typeface="+mn-lt"/>
+              <a:ea typeface="+mn-ea"/>
+              <a:cs typeface="+mn-cs"/>
+            </a:endParaRPr>
+          </a:p>
+          <a:p>
+            <a:pPr latinLnBrk="1"/>
+            <a:r>
+              <a:rPr lang="zh-TW" altLang="en-US" sz="1200" b="0" i="0" kern="1200" dirty="0">
+                <a:solidFill>
+                  <a:schemeClr val="tx1"/>
+                </a:solidFill>
+                <a:effectLst/>
+                <a:latin typeface="+mn-lt"/>
+                <a:ea typeface="+mn-ea"/>
+                <a:cs typeface="+mn-cs"/>
+              </a:rPr>
+              <a:t>難以理解</a:t>
+            </a:r>
+            <a:r>
+              <a:rPr lang="en-US" altLang="zh-TW" sz="1200" b="0" i="0" kern="1200" dirty="0">
+                <a:solidFill>
+                  <a:schemeClr val="tx1"/>
+                </a:solidFill>
+                <a:effectLst/>
+                <a:latin typeface="+mn-lt"/>
+                <a:ea typeface="+mn-ea"/>
+                <a:cs typeface="+mn-cs"/>
+              </a:rPr>
+              <a:t> =&gt; this </a:t>
+            </a:r>
+            <a:r>
+              <a:rPr lang="zh-TW" altLang="en-US" sz="1200" b="0" i="0" kern="1200" dirty="0">
+                <a:solidFill>
+                  <a:schemeClr val="tx1"/>
+                </a:solidFill>
+                <a:effectLst/>
+                <a:latin typeface="+mn-lt"/>
+                <a:ea typeface="+mn-ea"/>
+                <a:cs typeface="+mn-cs"/>
+              </a:rPr>
+              <a:t>指標問題</a:t>
+            </a:r>
+            <a:endParaRPr lang="en-US" altLang="zh-TW" sz="1200" b="0" i="0" kern="1200" dirty="0">
+              <a:solidFill>
+                <a:schemeClr val="tx1"/>
+              </a:solidFill>
+              <a:effectLst/>
+              <a:latin typeface="+mn-lt"/>
+              <a:ea typeface="+mn-ea"/>
+              <a:cs typeface="+mn-cs"/>
+            </a:endParaRPr>
+          </a:p>
+          <a:p>
+            <a:pPr latinLnBrk="1"/>
+            <a:r>
+              <a:rPr lang="en-US" altLang="zh-TW" sz="1200" b="0" i="0" kern="1200" dirty="0">
+                <a:solidFill>
+                  <a:schemeClr val="tx1"/>
+                </a:solidFill>
+                <a:effectLst/>
+                <a:latin typeface="+mn-lt"/>
+                <a:ea typeface="+mn-ea"/>
+                <a:cs typeface="+mn-cs"/>
+              </a:rPr>
+              <a:t/>
+            </a:r>
+            <a:br>
+              <a:rPr lang="en-US" altLang="zh-TW" sz="1200" b="0" i="0" kern="1200" dirty="0">
+                <a:solidFill>
+                  <a:schemeClr val="tx1"/>
+                </a:solidFill>
+                <a:effectLst/>
+                <a:latin typeface="+mn-lt"/>
+                <a:ea typeface="+mn-ea"/>
+                <a:cs typeface="+mn-cs"/>
+              </a:rPr>
+            </a:br>
+            <a:r>
+              <a:rPr lang="zh-TW" altLang="en-US" dirty="0"/>
+              <a:t>且</a:t>
+            </a:r>
+            <a:r>
+              <a:rPr lang="en-US" altLang="zh-TW" sz="1200" dirty="0">
+                <a:solidFill>
+                  <a:schemeClr val="bg1"/>
+                </a:solidFill>
+                <a:latin typeface="+mn-ea"/>
+              </a:rPr>
+              <a:t>F</a:t>
+            </a:r>
+            <a:r>
+              <a:rPr lang="zh-TW" altLang="en-US" sz="1200" dirty="0">
+                <a:solidFill>
+                  <a:schemeClr val="bg1"/>
+                </a:solidFill>
+                <a:latin typeface="+mn-ea"/>
+              </a:rPr>
+              <a:t>unction </a:t>
+            </a:r>
+            <a:r>
+              <a:rPr lang="en-US" altLang="zh-TW" sz="1200" dirty="0">
+                <a:solidFill>
+                  <a:schemeClr val="bg1"/>
+                </a:solidFill>
+                <a:latin typeface="+mn-ea"/>
+              </a:rPr>
+              <a:t>C</a:t>
+            </a:r>
+            <a:r>
+              <a:rPr lang="zh-TW" altLang="en-US" sz="1200" dirty="0">
+                <a:solidFill>
+                  <a:schemeClr val="bg1"/>
+                </a:solidFill>
+                <a:latin typeface="+mn-ea"/>
+              </a:rPr>
+              <a:t>omponent </a:t>
+            </a:r>
+            <a:r>
+              <a:rPr lang="zh-TW" altLang="en-US" sz="1200" b="0" i="0" kern="1200" dirty="0">
+                <a:solidFill>
+                  <a:schemeClr val="tx1"/>
+                </a:solidFill>
+                <a:effectLst/>
+                <a:latin typeface="+mn-lt"/>
+                <a:ea typeface="+mn-ea"/>
+                <a:cs typeface="+mn-cs"/>
+              </a:rPr>
+              <a:t>上手較為簡單，使用起來也很容易，</a:t>
+            </a:r>
+            <a:endParaRPr lang="en-US" altLang="zh-TW" sz="1200" b="0" i="0" kern="1200" dirty="0">
+              <a:solidFill>
+                <a:schemeClr val="tx1"/>
+              </a:solidFill>
+              <a:effectLst/>
+              <a:latin typeface="+mn-lt"/>
+              <a:ea typeface="+mn-ea"/>
+              <a:cs typeface="+mn-cs"/>
+            </a:endParaRPr>
+          </a:p>
+          <a:p>
+            <a:pPr latinLnBrk="1"/>
+            <a:r>
+              <a:rPr lang="zh-TW" altLang="en-US" sz="1200" b="0" i="0" kern="1200" dirty="0">
+                <a:solidFill>
+                  <a:schemeClr val="tx1"/>
+                </a:solidFill>
+                <a:effectLst/>
+                <a:latin typeface="+mn-lt"/>
+                <a:ea typeface="+mn-ea"/>
+                <a:cs typeface="+mn-cs"/>
+              </a:rPr>
+              <a:t>相比我們熟悉類元件寫法， </a:t>
+            </a:r>
+            <a:r>
+              <a:rPr lang="en-US" altLang="zh-TW" dirty="0"/>
+              <a:t>React Hook</a:t>
+            </a:r>
+            <a:r>
+              <a:rPr lang="en-US" altLang="zh-TW" sz="1200" b="0" i="0" kern="1200" dirty="0">
+                <a:solidFill>
+                  <a:schemeClr val="tx1"/>
+                </a:solidFill>
+                <a:effectLst/>
+                <a:latin typeface="+mn-lt"/>
+                <a:ea typeface="+mn-ea"/>
+                <a:cs typeface="+mn-cs"/>
+              </a:rPr>
+              <a:t> </a:t>
+            </a:r>
+            <a:r>
+              <a:rPr lang="zh-TW" altLang="en-US" sz="1200" b="0" i="0" kern="1200" dirty="0">
+                <a:solidFill>
+                  <a:schemeClr val="tx1"/>
+                </a:solidFill>
+                <a:effectLst/>
+                <a:latin typeface="+mn-lt"/>
+                <a:ea typeface="+mn-ea"/>
+                <a:cs typeface="+mn-cs"/>
+              </a:rPr>
+              <a:t>還是有一些理念和思想上的轉變。</a:t>
             </a:r>
             <a:endParaRPr lang="zh-TW" altLang="en-US" dirty="0"/>
           </a:p>
@@ -2002,7 +1927,191 @@
           <a:p>
             <a:fld id="{6B094CF9-824F-48E6-BF21-19194E5F47C1}" type="slidenum">
               <a:rPr lang="zh-TW" altLang="en-US" smtClean="0"/>
-              <a:t>8</a:t>
+              <a:t>7</a:t>
+            </a:fld>
+            <a:endParaRPr lang="zh-TW" altLang="en-US"/>
+          </a:p>
+        </p:txBody>
+      </p:sp>
+    </p:spTree>
+    <p:extLst>
+      <p:ext uri="{BB962C8B-B14F-4D97-AF65-F5344CB8AC3E}">
+        <p14:creationId xmlns:p14="http://schemas.microsoft.com/office/powerpoint/2010/main" val="3475086662"/>
+      </p:ext>
+    </p:extLst>
+  </p:cSld>
+  <p:clrMapOvr>
+    <a:masterClrMapping/>
+  </p:clrMapOvr>
+</p:notes>
+</file>
+
+<file path=ppt/notesSlides/notesSlide7.xml><?xml version="1.0" encoding="utf-8"?>
+<p:notes xmlns:a="http://schemas.openxmlformats.org/drawingml/2006/main" xmlns:r="http://schemas.openxmlformats.org/officeDocument/2006/relationships" xmlns:p="http://schemas.openxmlformats.org/presentationml/2006/main">
+  <p:cSld>
+    <p:spTree>
+      <p:nvGrpSpPr>
+        <p:cNvPr id="1" name=""/>
+        <p:cNvGrpSpPr/>
+        <p:nvPr/>
+      </p:nvGrpSpPr>
+      <p:grpSpPr>
+        <a:xfrm>
+          <a:off x="0" y="0"/>
+          <a:ext cx="0" cy="0"/>
+          <a:chOff x="0" y="0"/>
+          <a:chExt cx="0" cy="0"/>
+        </a:xfrm>
+      </p:grpSpPr>
+      <p:sp>
+        <p:nvSpPr>
+          <p:cNvPr id="2" name="投影片影像版面配置區 1"/>
+          <p:cNvSpPr>
+            <a:spLocks noGrp="1" noRot="1" noChangeAspect="1"/>
+          </p:cNvSpPr>
+          <p:nvPr>
+            <p:ph type="sldImg"/>
+          </p:nvPr>
+        </p:nvSpPr>
+        <p:spPr/>
+      </p:sp>
+      <p:sp>
+        <p:nvSpPr>
+          <p:cNvPr id="3" name="備忘稿版面配置區 2"/>
+          <p:cNvSpPr>
+            <a:spLocks noGrp="1"/>
+          </p:cNvSpPr>
+          <p:nvPr>
+            <p:ph type="body" idx="1"/>
+          </p:nvPr>
+        </p:nvSpPr>
+        <p:spPr/>
+        <p:txBody>
+          <a:bodyPr/>
+          <a:lstStyle/>
+          <a:p>
+            <a:r>
+              <a:rPr lang="en-US" altLang="zh-TW" dirty="0"/>
+              <a:t>Function component</a:t>
+            </a:r>
+            <a:r>
+              <a:rPr lang="zh-TW" altLang="en-US" dirty="0"/>
+              <a:t>、</a:t>
+            </a:r>
+            <a:r>
+              <a:rPr lang="en-US" altLang="zh-TW" dirty="0"/>
+              <a:t>Class component</a:t>
+            </a:r>
+            <a:r>
+              <a:rPr lang="zh-TW" altLang="en-US" dirty="0"/>
+              <a:t>，</a:t>
+            </a:r>
+            <a:r>
+              <a:rPr lang="zh-TW" altLang="en-US" sz="1200" b="0" i="0" kern="1200" dirty="0">
+                <a:solidFill>
+                  <a:schemeClr val="tx1"/>
+                </a:solidFill>
+                <a:effectLst/>
+                <a:latin typeface="+mn-lt"/>
+                <a:ea typeface="+mn-ea"/>
+                <a:cs typeface="+mn-cs"/>
+              </a:rPr>
+              <a:t>以上兩個都是為了達成 </a:t>
+            </a:r>
+            <a:r>
+              <a:rPr lang="en-US" altLang="zh-TW" sz="1200" b="0" i="0" kern="1200" dirty="0">
+                <a:solidFill>
+                  <a:schemeClr val="tx1"/>
+                </a:solidFill>
+                <a:effectLst/>
+                <a:latin typeface="+mn-lt"/>
+                <a:ea typeface="+mn-ea"/>
+                <a:cs typeface="+mn-cs"/>
+              </a:rPr>
+              <a:t>,</a:t>
+            </a:r>
+            <a:r>
+              <a:rPr lang="zh-TW" altLang="en-US" sz="1200" b="0" i="0" kern="1200" dirty="0">
+                <a:solidFill>
+                  <a:schemeClr val="tx1"/>
+                </a:solidFill>
+                <a:effectLst/>
+                <a:latin typeface="+mn-lt"/>
+                <a:ea typeface="+mn-ea"/>
+                <a:cs typeface="+mn-cs"/>
+              </a:rPr>
+              <a:t>資料可以儲存持久化狀態</a:t>
+            </a:r>
+            <a:r>
+              <a:rPr lang="en-US" altLang="zh-TW" sz="1200" b="0" i="0" kern="1200" dirty="0">
+                <a:solidFill>
+                  <a:schemeClr val="tx1"/>
+                </a:solidFill>
+                <a:effectLst/>
+                <a:latin typeface="+mn-lt"/>
+                <a:ea typeface="+mn-ea"/>
+                <a:cs typeface="+mn-cs"/>
+              </a:rPr>
+              <a:t>,</a:t>
+            </a:r>
+            <a:r>
+              <a:rPr lang="zh-TW" altLang="en-US" sz="1200" b="0" i="0" kern="1200" dirty="0">
+                <a:solidFill>
+                  <a:schemeClr val="tx1"/>
+                </a:solidFill>
+                <a:effectLst/>
+                <a:latin typeface="+mn-lt"/>
+                <a:ea typeface="+mn-ea"/>
+                <a:cs typeface="+mn-cs"/>
+              </a:rPr>
+              <a:t>在 </a:t>
+            </a:r>
+            <a:r>
+              <a:rPr lang="en-US" altLang="zh-TW" sz="1200" b="0" i="0" kern="1200" dirty="0">
+                <a:solidFill>
+                  <a:schemeClr val="tx1"/>
+                </a:solidFill>
+                <a:effectLst/>
+                <a:latin typeface="+mn-lt"/>
+                <a:ea typeface="+mn-ea"/>
+                <a:cs typeface="+mn-cs"/>
+              </a:rPr>
+              <a:t>JS </a:t>
+            </a:r>
+            <a:r>
+              <a:rPr lang="zh-TW" altLang="en-US" sz="1200" b="0" i="0" kern="1200" dirty="0">
+                <a:solidFill>
+                  <a:schemeClr val="tx1"/>
+                </a:solidFill>
+                <a:effectLst/>
+                <a:latin typeface="+mn-lt"/>
+                <a:ea typeface="+mn-ea"/>
+                <a:cs typeface="+mn-cs"/>
+              </a:rPr>
+              <a:t>中幾種方法：</a:t>
+            </a:r>
+            <a:endParaRPr lang="zh-TW" altLang="en-US" dirty="0"/>
+          </a:p>
+        </p:txBody>
+      </p:sp>
+      <p:sp>
+        <p:nvSpPr>
+          <p:cNvPr id="4" name="投影片編號版面配置區 3"/>
+          <p:cNvSpPr>
+            <a:spLocks noGrp="1"/>
+          </p:cNvSpPr>
+          <p:nvPr>
+            <p:ph type="sldNum" sz="quarter" idx="5"/>
+          </p:nvPr>
+        </p:nvSpPr>
+        <p:spPr/>
+        <p:txBody>
+          <a:bodyPr/>
+          <a:lstStyle/>
+          <a:p>
+            <a:fld id="{6B094CF9-824F-48E6-BF21-19194E5F47C1}" type="slidenum">
+              <a:rPr lang="zh-TW" altLang="en-US" smtClean="0"/>
+              <a:t>9</a:t>
             </a:fld>
             <a:endParaRPr lang="zh-TW" altLang="en-US"/>
           </a:p>
@@ -2259,7 +2368,7 @@
             <a:fld id="{5586B75A-687E-405C-8A0B-8D00578BA2C3}" type="datetimeFigureOut">
               <a:rPr lang="en-US" dirty="0"/>
               <a:pPr/>
-              <a:t>3/1/2020</a:t>
+              <a:t>3/3/2020</a:t>
             </a:fld>
             <a:endParaRPr lang="en-US" dirty="0"/>
           </a:p>
@@ -2438,7 +2547,7 @@
             <a:fld id="{5586B75A-687E-405C-8A0B-8D00578BA2C3}" type="datetimeFigureOut">
               <a:rPr lang="en-US" dirty="0"/>
               <a:pPr/>
-              <a:t>3/1/2020</a:t>
+              <a:t>3/3/2020</a:t>
             </a:fld>
             <a:endParaRPr lang="en-US" dirty="0"/>
           </a:p>
@@ -2627,7 +2736,7 @@
             <a:fld id="{5586B75A-687E-405C-8A0B-8D00578BA2C3}" type="datetimeFigureOut">
               <a:rPr lang="en-US" dirty="0"/>
               <a:pPr/>
-              <a:t>3/1/2020</a:t>
+              <a:t>3/3/2020</a:t>
             </a:fld>
             <a:endParaRPr lang="en-US" dirty="0"/>
           </a:p>
@@ -2806,7 +2915,7 @@
             <a:fld id="{5586B75A-687E-405C-8A0B-8D00578BA2C3}" type="datetimeFigureOut">
               <a:rPr lang="en-US" dirty="0"/>
               <a:pPr/>
-              <a:t>3/1/2020</a:t>
+              <a:t>3/3/2020</a:t>
             </a:fld>
             <a:endParaRPr lang="en-US" dirty="0"/>
           </a:p>
@@ -3073,7 +3182,7 @@
             <a:fld id="{5586B75A-687E-405C-8A0B-8D00578BA2C3}" type="datetimeFigureOut">
               <a:rPr lang="en-US" dirty="0"/>
               <a:pPr/>
-              <a:t>3/1/2020</a:t>
+              <a:t>3/3/2020</a:t>
             </a:fld>
             <a:endParaRPr lang="en-US" dirty="0"/>
           </a:p>
@@ -3370,7 +3479,7 @@
             <a:fld id="{5586B75A-687E-405C-8A0B-8D00578BA2C3}" type="datetimeFigureOut">
               <a:rPr lang="en-US" dirty="0"/>
               <a:pPr/>
-              <a:t>3/1/2020</a:t>
+              <a:t>3/3/2020</a:t>
             </a:fld>
             <a:endParaRPr lang="en-US" dirty="0"/>
           </a:p>
@@ -3821,7 +3930,7 @@
             <a:fld id="{5586B75A-687E-405C-8A0B-8D00578BA2C3}" type="datetimeFigureOut">
               <a:rPr lang="en-US" dirty="0"/>
               <a:pPr/>
-              <a:t>3/1/2020</a:t>
+              <a:t>3/3/2020</a:t>
             </a:fld>
             <a:endParaRPr lang="en-US" dirty="0"/>
           </a:p>
@@ -3948,7 +4057,7 @@
             <a:fld id="{5586B75A-687E-405C-8A0B-8D00578BA2C3}" type="datetimeFigureOut">
               <a:rPr lang="en-US" dirty="0"/>
               <a:pPr/>
-              <a:t>3/1/2020</a:t>
+              <a:t>3/3/2020</a:t>
             </a:fld>
             <a:endParaRPr lang="en-US" dirty="0"/>
           </a:p>
@@ -4052,7 +4161,7 @@
             <a:fld id="{5586B75A-687E-405C-8A0B-8D00578BA2C3}" type="datetimeFigureOut">
               <a:rPr lang="en-US" dirty="0"/>
               <a:pPr/>
-              <a:t>3/1/2020</a:t>
+              <a:t>3/3/2020</a:t>
             </a:fld>
             <a:endParaRPr lang="en-US" dirty="0"/>
           </a:p>
@@ -4349,7 +4458,7 @@
             <a:fld id="{5586B75A-687E-405C-8A0B-8D00578BA2C3}" type="datetimeFigureOut">
               <a:rPr lang="en-US" dirty="0"/>
               <a:pPr/>
-              <a:t>3/1/2020</a:t>
+              <a:t>3/3/2020</a:t>
             </a:fld>
             <a:endParaRPr lang="en-US" dirty="0"/>
           </a:p>
@@ -4631,7 +4740,7 @@
             <a:fld id="{5586B75A-687E-405C-8A0B-8D00578BA2C3}" type="datetimeFigureOut">
               <a:rPr lang="en-US" dirty="0"/>
               <a:pPr/>
-              <a:t>3/1/2020</a:t>
+              <a:t>3/3/2020</a:t>
             </a:fld>
             <a:endParaRPr lang="en-US" dirty="0"/>
           </a:p>
@@ -4945,7 +5054,7 @@
             <a:fld id="{5586B75A-687E-405C-8A0B-8D00578BA2C3}" type="datetimeFigureOut">
               <a:rPr lang="en-US" dirty="0"/>
               <a:pPr/>
-              <a:t>3/1/2020</a:t>
+              <a:t>3/3/2020</a:t>
             </a:fld>
             <a:endParaRPr lang="en-US" dirty="0"/>
           </a:p>
@@ -5501,7 +5610,7 @@
         </p:spPr>
         <p:txBody>
           <a:bodyPr>
-            <a:normAutofit/>
+            <a:normAutofit fontScale="85000" lnSpcReduction="20000"/>
           </a:bodyPr>
           <a:lstStyle/>
           <a:p>
@@ -5514,9 +5623,17 @@
               <a:t>:</a:t>
             </a:r>
             <a:r>
-              <a:rPr lang="zh-TW" altLang="en-US" dirty="0"/>
+              <a:rPr lang="zh-TW" altLang="en-US" dirty="0" smtClean="0"/>
               <a:t>蔡承宇</a:t>
             </a:r>
+            <a:endParaRPr lang="en-US" altLang="zh-TW" dirty="0" smtClean="0"/>
+          </a:p>
+          <a:p>
+            <a:r>
+              <a:rPr lang="en-US" altLang="zh-TW" dirty="0" smtClean="0"/>
+              <a:t>F2E</a:t>
+            </a:r>
+            <a:endParaRPr lang="zh-TW" altLang="en-US" dirty="0"/>
           </a:p>
         </p:txBody>
       </p:sp>
@@ -5542,10 +5659,244 @@
       </p:transition>
     </mc:Fallback>
   </mc:AlternateContent>
+  <p:timing>
+    <p:tnLst>
+      <p:par>
+        <p:cTn id="1" dur="indefinite" restart="never" nodeType="tmRoot"/>
+      </p:par>
+    </p:tnLst>
+  </p:timing>
 </p:sld>
 </file>
 
 <file path=ppt/slides/slide10.xml><?xml version="1.0" encoding="utf-8"?>
+<p:sld xmlns:a="http://schemas.openxmlformats.org/drawingml/2006/main" xmlns:r="http://schemas.openxmlformats.org/officeDocument/2006/relationships" xmlns:p="http://schemas.openxmlformats.org/presentationml/2006/main">
+  <p:cSld>
+    <p:spTree>
+      <p:nvGrpSpPr>
+        <p:cNvPr id="1" name=""/>
+        <p:cNvGrpSpPr/>
+        <p:nvPr/>
+      </p:nvGrpSpPr>
+      <p:grpSpPr>
+        <a:xfrm>
+          <a:off x="0" y="0"/>
+          <a:ext cx="0" cy="0"/>
+          <a:chOff x="0" y="0"/>
+          <a:chExt cx="0" cy="0"/>
+        </a:xfrm>
+      </p:grpSpPr>
+      <p:sp>
+        <p:nvSpPr>
+          <p:cNvPr id="2" name="矩形 1">
+            <a:extLst>
+              <a:ext uri="{FF2B5EF4-FFF2-40B4-BE49-F238E27FC236}">
+                <a16:creationId xmlns:a16="http://schemas.microsoft.com/office/drawing/2014/main" id="{761448C6-0063-4ED6-8644-96088B65A41D}"/>
+              </a:ext>
+            </a:extLst>
+          </p:cNvPr>
+          <p:cNvSpPr/>
+          <p:nvPr/>
+        </p:nvSpPr>
+        <p:spPr>
+          <a:xfrm>
+            <a:off x="1153341" y="1131063"/>
+            <a:ext cx="6536213" cy="4595874"/>
+          </a:xfrm>
+          <a:prstGeom prst="rect">
+            <a:avLst/>
+          </a:prstGeom>
+        </p:spPr>
+        <p:txBody>
+          <a:bodyPr wrap="none">
+            <a:spAutoFit/>
+          </a:bodyPr>
+          <a:lstStyle/>
+          <a:p>
+            <a:pPr marL="571500" indent="-571500">
+              <a:lnSpc>
+                <a:spcPct val="150000"/>
+              </a:lnSpc>
+              <a:buFont typeface="Arial" panose="020B0604020202020204" pitchFamily="34" charset="0"/>
+              <a:buChar char="•"/>
+            </a:pPr>
+            <a:r>
+              <a:rPr lang="en-US" altLang="zh-TW" sz="4000" dirty="0">
+                <a:solidFill>
+                  <a:schemeClr val="bg1"/>
+                </a:solidFill>
+                <a:latin typeface="+mn-ea"/>
+              </a:rPr>
+              <a:t>Class</a:t>
+            </a:r>
+            <a:r>
+              <a:rPr lang="zh-TW" altLang="en-US" sz="4000" dirty="0">
+                <a:solidFill>
+                  <a:schemeClr val="bg1"/>
+                </a:solidFill>
+                <a:latin typeface="+mn-ea"/>
+              </a:rPr>
+              <a:t>屬性</a:t>
+            </a:r>
+            <a:endParaRPr lang="en-US" altLang="zh-TW" sz="4000" dirty="0">
+              <a:solidFill>
+                <a:schemeClr val="bg1"/>
+              </a:solidFill>
+              <a:latin typeface="+mn-ea"/>
+            </a:endParaRPr>
+          </a:p>
+          <a:p>
+            <a:pPr marL="571500" indent="-571500">
+              <a:lnSpc>
+                <a:spcPct val="150000"/>
+              </a:lnSpc>
+              <a:buFont typeface="Arial" panose="020B0604020202020204" pitchFamily="34" charset="0"/>
+              <a:buChar char="•"/>
+            </a:pPr>
+            <a:r>
+              <a:rPr lang="zh-TW" altLang="en-US" sz="4000" dirty="0">
+                <a:solidFill>
+                  <a:schemeClr val="bg1"/>
+                </a:solidFill>
+                <a:latin typeface="+mn-ea"/>
+              </a:rPr>
+              <a:t>全域性變數</a:t>
+            </a:r>
+            <a:endParaRPr lang="en-US" altLang="zh-TW" sz="4000" dirty="0">
+              <a:solidFill>
+                <a:schemeClr val="bg1"/>
+              </a:solidFill>
+              <a:latin typeface="+mn-ea"/>
+            </a:endParaRPr>
+          </a:p>
+          <a:p>
+            <a:pPr marL="571500" indent="-571500">
+              <a:lnSpc>
+                <a:spcPct val="150000"/>
+              </a:lnSpc>
+              <a:buFont typeface="Arial" panose="020B0604020202020204" pitchFamily="34" charset="0"/>
+              <a:buChar char="•"/>
+            </a:pPr>
+            <a:r>
+              <a:rPr lang="en-US" altLang="zh-TW" sz="4000" dirty="0">
+                <a:solidFill>
+                  <a:schemeClr val="bg1"/>
+                </a:solidFill>
+                <a:latin typeface="+mn-ea"/>
+              </a:rPr>
+              <a:t>DOM</a:t>
+            </a:r>
+          </a:p>
+          <a:p>
+            <a:pPr marL="571500" indent="-571500">
+              <a:lnSpc>
+                <a:spcPct val="150000"/>
+              </a:lnSpc>
+              <a:buFont typeface="Arial" panose="020B0604020202020204" pitchFamily="34" charset="0"/>
+              <a:buChar char="•"/>
+            </a:pPr>
+            <a:r>
+              <a:rPr lang="zh-TW" altLang="en-US" sz="4000" dirty="0">
+                <a:solidFill>
+                  <a:schemeClr val="bg1"/>
+                </a:solidFill>
+                <a:latin typeface="+mn-ea"/>
+              </a:rPr>
+              <a:t>閉包</a:t>
+            </a:r>
+            <a:endParaRPr lang="en-US" altLang="zh-TW" sz="4000" dirty="0">
+              <a:solidFill>
+                <a:schemeClr val="bg1"/>
+              </a:solidFill>
+              <a:latin typeface="+mn-ea"/>
+            </a:endParaRPr>
+          </a:p>
+          <a:p>
+            <a:pPr marL="571500" indent="-571500">
+              <a:lnSpc>
+                <a:spcPct val="150000"/>
+              </a:lnSpc>
+              <a:buFont typeface="Arial" panose="020B0604020202020204" pitchFamily="34" charset="0"/>
+              <a:buChar char="•"/>
+            </a:pPr>
+            <a:r>
+              <a:rPr lang="en-US" altLang="zh-TW" sz="4000" dirty="0" err="1">
+                <a:solidFill>
+                  <a:schemeClr val="bg1"/>
+                </a:solidFill>
+                <a:latin typeface="+mn-ea"/>
+              </a:rPr>
+              <a:t>indexDB</a:t>
+            </a:r>
+            <a:r>
+              <a:rPr lang="zh-TW" altLang="en-US" sz="4000" dirty="0">
+                <a:solidFill>
+                  <a:schemeClr val="bg1"/>
+                </a:solidFill>
+                <a:latin typeface="+mn-ea"/>
+              </a:rPr>
+              <a:t>、</a:t>
+            </a:r>
+            <a:r>
+              <a:rPr lang="en-US" altLang="zh-TW" sz="4000" dirty="0" err="1">
+                <a:solidFill>
+                  <a:schemeClr val="bg1"/>
+                </a:solidFill>
+                <a:latin typeface="+mn-ea"/>
+              </a:rPr>
+              <a:t>LocalStorage</a:t>
+            </a:r>
+            <a:r>
+              <a:rPr lang="en-US" altLang="zh-TW" sz="4000" dirty="0">
+                <a:solidFill>
+                  <a:schemeClr val="bg1"/>
+                </a:solidFill>
+                <a:latin typeface="+mn-ea"/>
+              </a:rPr>
+              <a:t> </a:t>
+            </a:r>
+            <a:endParaRPr lang="zh-TW" altLang="en-US" sz="4000" dirty="0">
+              <a:solidFill>
+                <a:schemeClr val="bg1"/>
+              </a:solidFill>
+              <a:latin typeface="+mn-ea"/>
+            </a:endParaRPr>
+          </a:p>
+        </p:txBody>
+      </p:sp>
+    </p:spTree>
+    <p:extLst>
+      <p:ext uri="{BB962C8B-B14F-4D97-AF65-F5344CB8AC3E}">
+        <p14:creationId xmlns:p14="http://schemas.microsoft.com/office/powerpoint/2010/main" val="2875266567"/>
+      </p:ext>
+    </p:extLst>
+  </p:cSld>
+  <p:clrMapOvr>
+    <a:masterClrMapping/>
+  </p:clrMapOvr>
+  <mc:AlternateContent xmlns:mc="http://schemas.openxmlformats.org/markup-compatibility/2006" xmlns:p14="http://schemas.microsoft.com/office/powerpoint/2010/main">
+    <mc:Choice Requires="p14">
+      <p:transition p14:dur="160">
+        <p:fade/>
+      </p:transition>
+    </mc:Choice>
+    <mc:Fallback xmlns="">
+      <p:transition>
+        <p:fade/>
+      </p:transition>
+    </mc:Fallback>
+  </mc:AlternateContent>
+  <p:timing>
+    <p:tnLst>
+      <p:par>
+        <p:cTn id="1" dur="indefinite" restart="never" nodeType="tmRoot"/>
+      </p:par>
+    </p:tnLst>
+  </p:timing>
+</p:sld>
+</file>
+
+<file path=ppt/slides/slide11.xml><?xml version="1.0" encoding="utf-8"?>
 <p:sld xmlns:a="http://schemas.openxmlformats.org/drawingml/2006/main" xmlns:r="http://schemas.openxmlformats.org/officeDocument/2006/relationships" xmlns:p="http://schemas.openxmlformats.org/presentationml/2006/main">
   <p:cSld>
     <p:spTree>
@@ -5806,10 +6157,17 @@
       </p:transition>
     </mc:Fallback>
   </mc:AlternateContent>
+  <p:timing>
+    <p:tnLst>
+      <p:par>
+        <p:cTn id="1" dur="indefinite" restart="never" nodeType="tmRoot"/>
+      </p:par>
+    </p:tnLst>
+  </p:timing>
 </p:sld>
 </file>
 
-<file path=ppt/slides/slide11.xml><?xml version="1.0" encoding="utf-8"?>
+<file path=ppt/slides/slide12.xml><?xml version="1.0" encoding="utf-8"?>
 <p:sld xmlns:a="http://schemas.openxmlformats.org/drawingml/2006/main" xmlns:r="http://schemas.openxmlformats.org/officeDocument/2006/relationships" xmlns:p="http://schemas.openxmlformats.org/presentationml/2006/main">
   <p:cSld>
     <p:spTree>
@@ -5913,10 +6271,17 @@
       </p:transition>
     </mc:Fallback>
   </mc:AlternateContent>
+  <p:timing>
+    <p:tnLst>
+      <p:par>
+        <p:cTn id="1" dur="indefinite" restart="never" nodeType="tmRoot"/>
+      </p:par>
+    </p:tnLst>
+  </p:timing>
 </p:sld>
 </file>
 
-<file path=ppt/slides/slide12.xml><?xml version="1.0" encoding="utf-8"?>
+<file path=ppt/slides/slide13.xml><?xml version="1.0" encoding="utf-8"?>
 <p:sld xmlns:a="http://schemas.openxmlformats.org/drawingml/2006/main" xmlns:r="http://schemas.openxmlformats.org/officeDocument/2006/relationships" xmlns:p="http://schemas.openxmlformats.org/presentationml/2006/main">
   <p:cSld>
     <p:spTree>
@@ -5955,10 +6320,17 @@
       </p:transition>
     </mc:Fallback>
   </mc:AlternateContent>
+  <p:timing>
+    <p:tnLst>
+      <p:par>
+        <p:cTn id="1" dur="indefinite" restart="never" nodeType="tmRoot"/>
+      </p:par>
+    </p:tnLst>
+  </p:timing>
 </p:sld>
 </file>
 
-<file path=ppt/slides/slide13.xml><?xml version="1.0" encoding="utf-8"?>
+<file path=ppt/slides/slide14.xml><?xml version="1.0" encoding="utf-8"?>
 <p:sld xmlns:a="http://schemas.openxmlformats.org/drawingml/2006/main" xmlns:r="http://schemas.openxmlformats.org/officeDocument/2006/relationships" xmlns:p="http://schemas.openxmlformats.org/presentationml/2006/main">
   <p:cSld>
     <p:spTree>
@@ -6051,10 +6423,17 @@
       </p:transition>
     </mc:Fallback>
   </mc:AlternateContent>
+  <p:timing>
+    <p:tnLst>
+      <p:par>
+        <p:cTn id="1" dur="indefinite" restart="never" nodeType="tmRoot"/>
+      </p:par>
+    </p:tnLst>
+  </p:timing>
 </p:sld>
 </file>
 
-<file path=ppt/slides/slide14.xml><?xml version="1.0" encoding="utf-8"?>
+<file path=ppt/slides/slide15.xml><?xml version="1.0" encoding="utf-8"?>
 <p:sld xmlns:a="http://schemas.openxmlformats.org/drawingml/2006/main" xmlns:r="http://schemas.openxmlformats.org/officeDocument/2006/relationships" xmlns:p="http://schemas.openxmlformats.org/presentationml/2006/main">
   <p:cSld>
     <p:spTree>
@@ -6093,10 +6472,17 @@
       </p:transition>
     </mc:Fallback>
   </mc:AlternateContent>
+  <p:timing>
+    <p:tnLst>
+      <p:par>
+        <p:cTn id="1" dur="indefinite" restart="never" nodeType="tmRoot"/>
+      </p:par>
+    </p:tnLst>
+  </p:timing>
 </p:sld>
 </file>
 
-<file path=ppt/slides/slide15.xml><?xml version="1.0" encoding="utf-8"?>
+<file path=ppt/slides/slide16.xml><?xml version="1.0" encoding="utf-8"?>
 <p:sld xmlns:a="http://schemas.openxmlformats.org/drawingml/2006/main" xmlns:r="http://schemas.openxmlformats.org/officeDocument/2006/relationships" xmlns:p="http://schemas.openxmlformats.org/presentationml/2006/main">
   <p:cSld>
     <p:spTree>
@@ -6200,10 +6586,17 @@
       </p:transition>
     </mc:Fallback>
   </mc:AlternateContent>
+  <p:timing>
+    <p:tnLst>
+      <p:par>
+        <p:cTn id="1" dur="indefinite" restart="never" nodeType="tmRoot"/>
+      </p:par>
+    </p:tnLst>
+  </p:timing>
 </p:sld>
 </file>
 
-<file path=ppt/slides/slide16.xml><?xml version="1.0" encoding="utf-8"?>
+<file path=ppt/slides/slide17.xml><?xml version="1.0" encoding="utf-8"?>
 <p:sld xmlns:a="http://schemas.openxmlformats.org/drawingml/2006/main" xmlns:r="http://schemas.openxmlformats.org/officeDocument/2006/relationships" xmlns:p="http://schemas.openxmlformats.org/presentationml/2006/main">
   <p:cSld>
     <p:spTree>
@@ -6242,10 +6635,17 @@
       </p:transition>
     </mc:Fallback>
   </mc:AlternateContent>
+  <p:timing>
+    <p:tnLst>
+      <p:par>
+        <p:cTn id="1" dur="indefinite" restart="never" nodeType="tmRoot"/>
+      </p:par>
+    </p:tnLst>
+  </p:timing>
 </p:sld>
 </file>
 
-<file path=ppt/slides/slide17.xml><?xml version="1.0" encoding="utf-8"?>
+<file path=ppt/slides/slide18.xml><?xml version="1.0" encoding="utf-8"?>
 <p:sld xmlns:a="http://schemas.openxmlformats.org/drawingml/2006/main" xmlns:r="http://schemas.openxmlformats.org/officeDocument/2006/relationships" xmlns:p="http://schemas.openxmlformats.org/presentationml/2006/main">
   <p:cSld>
     <p:spTree>
@@ -6339,6 +6739,13 @@
       </p:transition>
     </mc:Fallback>
   </mc:AlternateContent>
+  <p:timing>
+    <p:tnLst>
+      <p:par>
+        <p:cTn id="1" dur="indefinite" restart="never" nodeType="tmRoot"/>
+      </p:par>
+    </p:tnLst>
+  </p:timing>
 </p:sld>
 </file>
 
@@ -6611,6 +7018,13 @@
       </p:transition>
     </mc:Fallback>
   </mc:AlternateContent>
+  <p:timing>
+    <p:tnLst>
+      <p:par>
+        <p:cTn id="1" dur="indefinite" restart="never" nodeType="tmRoot"/>
+      </p:par>
+    </p:tnLst>
+  </p:timing>
 </p:sld>
 </file>
 
@@ -6748,6 +7162,66 @@
       </p:sp>
       <p:pic>
         <p:nvPicPr>
+          <p:cNvPr id="4" name="圖片 3"/>
+          <p:cNvPicPr>
+            <a:picLocks noChangeAspect="1"/>
+          </p:cNvPicPr>
+          <p:nvPr/>
+        </p:nvPicPr>
+        <p:blipFill>
+          <a:blip r:embed="rId3">
+            <a:extLst>
+              <a:ext uri="{28A0092B-C50C-407E-A947-70E740481C1C}">
+                <a14:useLocalDpi xmlns:a14="http://schemas.microsoft.com/office/drawing/2010/main" val="0"/>
+              </a:ext>
+            </a:extLst>
+          </a:blip>
+          <a:stretch>
+            <a:fillRect/>
+          </a:stretch>
+        </p:blipFill>
+        <p:spPr>
+          <a:xfrm>
+            <a:off x="1595786" y="904526"/>
+            <a:ext cx="2800350" cy="3019425"/>
+          </a:xfrm>
+          <a:prstGeom prst="rect">
+            <a:avLst/>
+          </a:prstGeom>
+        </p:spPr>
+      </p:pic>
+      <p:pic>
+        <p:nvPicPr>
+          <p:cNvPr id="6" name="圖片 5"/>
+          <p:cNvPicPr>
+            <a:picLocks noChangeAspect="1"/>
+          </p:cNvPicPr>
+          <p:nvPr/>
+        </p:nvPicPr>
+        <p:blipFill>
+          <a:blip r:embed="rId4">
+            <a:extLst>
+              <a:ext uri="{28A0092B-C50C-407E-A947-70E740481C1C}">
+                <a14:useLocalDpi xmlns:a14="http://schemas.microsoft.com/office/drawing/2010/main" val="0"/>
+              </a:ext>
+            </a:extLst>
+          </a:blip>
+          <a:stretch>
+            <a:fillRect/>
+          </a:stretch>
+        </p:blipFill>
+        <p:spPr>
+          <a:xfrm>
+            <a:off x="5556040" y="904525"/>
+            <a:ext cx="5895975" cy="3019425"/>
+          </a:xfrm>
+          <a:prstGeom prst="rect">
+            <a:avLst/>
+          </a:prstGeom>
+        </p:spPr>
+      </p:pic>
+      <p:pic>
+        <p:nvPicPr>
           <p:cNvPr id="5" name="圖片 4">
             <a:extLst>
               <a:ext uri="{FF2B5EF4-FFF2-40B4-BE49-F238E27FC236}">
@@ -6761,14 +7235,14 @@
           <p:nvPr/>
         </p:nvPicPr>
         <p:blipFill>
-          <a:blip r:embed="rId3"/>
+          <a:blip r:embed="rId5"/>
           <a:stretch>
             <a:fillRect/>
           </a:stretch>
         </p:blipFill>
         <p:spPr>
-          <a:xfrm rot="1097567">
-            <a:off x="10173428" y="1448166"/>
+          <a:xfrm rot="1428816">
+            <a:off x="10937649" y="1084521"/>
             <a:ext cx="1129824" cy="1129824"/>
           </a:xfrm>
           <a:prstGeom prst="rect">
@@ -6907,8 +7381,8 @@
         </p:nvSpPr>
         <p:spPr>
           <a:xfrm>
-            <a:off x="3553477" y="2921168"/>
-            <a:ext cx="5085046" cy="1015663"/>
+            <a:off x="2393751" y="2820807"/>
+            <a:ext cx="7960834" cy="1015663"/>
           </a:xfrm>
           <a:prstGeom prst="rect">
             <a:avLst/>
@@ -6921,13 +7395,13 @@
           <a:lstStyle/>
           <a:p>
             <a:r>
-              <a:rPr lang="en-US" altLang="zh-TW" sz="6000" dirty="0">
+              <a:rPr lang="en-US" altLang="zh-TW" sz="6000" dirty="0" smtClean="0">
                 <a:solidFill>
                   <a:schemeClr val="bg1"/>
                 </a:solidFill>
                 <a:latin typeface="+mn-ea"/>
               </a:rPr>
-              <a:t>C</a:t>
+              <a:t>What is C</a:t>
             </a:r>
             <a:r>
               <a:rPr lang="zh-TW" altLang="en-US" sz="6000" dirty="0">
@@ -6973,6 +7447,13 @@
       </p:transition>
     </mc:Fallback>
   </mc:AlternateContent>
+  <p:timing>
+    <p:tnLst>
+      <p:par>
+        <p:cTn id="1" dur="indefinite" restart="never" nodeType="tmRoot"/>
+      </p:par>
+    </p:tnLst>
+  </p:timing>
 </p:sld>
 </file>
 
@@ -7664,6 +8145,13 @@
       </p:transition>
     </mc:Fallback>
   </mc:AlternateContent>
+  <p:timing>
+    <p:tnLst>
+      <p:par>
+        <p:cTn id="1" dur="indefinite" restart="never" nodeType="tmRoot"/>
+      </p:par>
+    </p:tnLst>
+  </p:timing>
 </p:sld>
 </file>
 
@@ -7864,10 +8352,66 @@
       </p:transition>
     </mc:Fallback>
   </mc:AlternateContent>
+  <p:timing>
+    <p:tnLst>
+      <p:par>
+        <p:cTn id="1" dur="indefinite" restart="never" nodeType="tmRoot"/>
+      </p:par>
+    </p:tnLst>
+  </p:timing>
 </p:sld>
 </file>
 
 <file path=ppt/slides/slide8.xml><?xml version="1.0" encoding="utf-8"?>
+<p:sld xmlns:a="http://schemas.openxmlformats.org/drawingml/2006/main" xmlns:r="http://schemas.openxmlformats.org/officeDocument/2006/relationships" xmlns:p="http://schemas.openxmlformats.org/presentationml/2006/main">
+  <p:cSld>
+    <p:spTree>
+      <p:nvGrpSpPr>
+        <p:cNvPr id="1" name=""/>
+        <p:cNvGrpSpPr/>
+        <p:nvPr/>
+      </p:nvGrpSpPr>
+      <p:grpSpPr>
+        <a:xfrm>
+          <a:off x="0" y="0"/>
+          <a:ext cx="0" cy="0"/>
+          <a:chOff x="0" y="0"/>
+          <a:chExt cx="0" cy="0"/>
+        </a:xfrm>
+      </p:grpSpPr>
+    </p:spTree>
+    <p:extLst>
+      <p:ext uri="{BB962C8B-B14F-4D97-AF65-F5344CB8AC3E}">
+        <p14:creationId xmlns:p14="http://schemas.microsoft.com/office/powerpoint/2010/main" val="3342123533"/>
+      </p:ext>
+    </p:extLst>
+  </p:cSld>
+  <p:clrMapOvr>
+    <a:masterClrMapping/>
+  </p:clrMapOvr>
+  <mc:AlternateContent xmlns:mc="http://schemas.openxmlformats.org/markup-compatibility/2006" xmlns:p14="http://schemas.microsoft.com/office/powerpoint/2010/main">
+    <mc:Choice Requires="p14">
+      <p:transition p14:dur="160">
+        <p:fade/>
+      </p:transition>
+    </mc:Choice>
+    <mc:Fallback xmlns="">
+      <p:transition>
+        <p:fade/>
+      </p:transition>
+    </mc:Fallback>
+  </mc:AlternateContent>
+  <p:timing>
+    <p:tnLst>
+      <p:par>
+        <p:cTn id="1" dur="indefinite" restart="never" nodeType="tmRoot"/>
+      </p:par>
+    </p:tnLst>
+  </p:timing>
+</p:sld>
+</file>
+
+<file path=ppt/slides/slide9.xml><?xml version="1.0" encoding="utf-8"?>
 <p:sld xmlns:a="http://schemas.openxmlformats.org/drawingml/2006/main" xmlns:r="http://schemas.openxmlformats.org/officeDocument/2006/relationships" xmlns:p="http://schemas.openxmlformats.org/presentationml/2006/main">
   <p:cSld>
     <p:spTree>
@@ -7950,226 +8494,13 @@
       </p:transition>
     </mc:Fallback>
   </mc:AlternateContent>
-</p:sld>
-</file>
-
-<file path=ppt/slides/slide9.xml><?xml version="1.0" encoding="utf-8"?>
-<p:sld xmlns:a="http://schemas.openxmlformats.org/drawingml/2006/main" xmlns:r="http://schemas.openxmlformats.org/officeDocument/2006/relationships" xmlns:p="http://schemas.openxmlformats.org/presentationml/2006/main">
-  <p:cSld>
-    <p:spTree>
-      <p:nvGrpSpPr>
-        <p:cNvPr id="1" name=""/>
-        <p:cNvGrpSpPr/>
-        <p:nvPr/>
-      </p:nvGrpSpPr>
-      <p:grpSpPr>
-        <a:xfrm>
-          <a:off x="0" y="0"/>
-          <a:ext cx="0" cy="0"/>
-          <a:chOff x="0" y="0"/>
-          <a:chExt cx="0" cy="0"/>
-        </a:xfrm>
-      </p:grpSpPr>
-      <p:sp>
-        <p:nvSpPr>
-          <p:cNvPr id="2" name="矩形 1">
-            <a:extLst>
-              <a:ext uri="{FF2B5EF4-FFF2-40B4-BE49-F238E27FC236}">
-                <a16:creationId xmlns:a16="http://schemas.microsoft.com/office/drawing/2014/main" id="{761448C6-0063-4ED6-8644-96088B65A41D}"/>
-              </a:ext>
-            </a:extLst>
-          </p:cNvPr>
-          <p:cNvSpPr/>
-          <p:nvPr/>
-        </p:nvSpPr>
-        <p:spPr>
-          <a:xfrm>
-            <a:off x="1153341" y="1131063"/>
-            <a:ext cx="6536213" cy="4595874"/>
-          </a:xfrm>
-          <a:prstGeom prst="rect">
-            <a:avLst/>
-          </a:prstGeom>
-        </p:spPr>
-        <p:txBody>
-          <a:bodyPr wrap="none">
-            <a:spAutoFit/>
-          </a:bodyPr>
-          <a:lstStyle/>
-          <a:p>
-            <a:pPr marL="571500" indent="-571500">
-              <a:lnSpc>
-                <a:spcPct val="150000"/>
-              </a:lnSpc>
-              <a:buFont typeface="Arial" panose="020B0604020202020204" pitchFamily="34" charset="0"/>
-              <a:buChar char="•"/>
-            </a:pPr>
-            <a:r>
-              <a:rPr lang="en-US" altLang="zh-TW" sz="4000" dirty="0">
-                <a:solidFill>
-                  <a:schemeClr val="bg1"/>
-                </a:solidFill>
-                <a:latin typeface="+mn-ea"/>
-              </a:rPr>
-              <a:t>Class</a:t>
-            </a:r>
-            <a:r>
-              <a:rPr lang="zh-TW" altLang="en-US" sz="4000" dirty="0">
-                <a:solidFill>
-                  <a:schemeClr val="bg1"/>
-                </a:solidFill>
-                <a:latin typeface="+mn-ea"/>
-              </a:rPr>
-              <a:t>屬性</a:t>
-            </a:r>
-            <a:endParaRPr lang="en-US" altLang="zh-TW" sz="4000" dirty="0">
-              <a:solidFill>
-                <a:schemeClr val="bg1"/>
-              </a:solidFill>
-              <a:latin typeface="+mn-ea"/>
-            </a:endParaRPr>
-          </a:p>
-          <a:p>
-            <a:pPr marL="571500" indent="-571500">
-              <a:lnSpc>
-                <a:spcPct val="150000"/>
-              </a:lnSpc>
-              <a:buFont typeface="Arial" panose="020B0604020202020204" pitchFamily="34" charset="0"/>
-              <a:buChar char="•"/>
-            </a:pPr>
-            <a:r>
-              <a:rPr lang="zh-TW" altLang="en-US" sz="4000" dirty="0">
-                <a:solidFill>
-                  <a:schemeClr val="bg1"/>
-                </a:solidFill>
-                <a:latin typeface="+mn-ea"/>
-              </a:rPr>
-              <a:t>全域性變數</a:t>
-            </a:r>
-            <a:endParaRPr lang="en-US" altLang="zh-TW" sz="4000" dirty="0">
-              <a:solidFill>
-                <a:schemeClr val="bg1"/>
-              </a:solidFill>
-              <a:latin typeface="+mn-ea"/>
-            </a:endParaRPr>
-          </a:p>
-          <a:p>
-            <a:pPr marL="571500" indent="-571500">
-              <a:lnSpc>
-                <a:spcPct val="150000"/>
-              </a:lnSpc>
-              <a:buFont typeface="Arial" panose="020B0604020202020204" pitchFamily="34" charset="0"/>
-              <a:buChar char="•"/>
-            </a:pPr>
-            <a:r>
-              <a:rPr lang="en-US" altLang="zh-TW" sz="4000" dirty="0">
-                <a:solidFill>
-                  <a:schemeClr val="bg1"/>
-                </a:solidFill>
-                <a:latin typeface="+mn-ea"/>
-              </a:rPr>
-              <a:t>DOM</a:t>
-            </a:r>
-          </a:p>
-          <a:p>
-            <a:pPr marL="571500" indent="-571500">
-              <a:lnSpc>
-                <a:spcPct val="150000"/>
-              </a:lnSpc>
-              <a:buFont typeface="Arial" panose="020B0604020202020204" pitchFamily="34" charset="0"/>
-              <a:buChar char="•"/>
-            </a:pPr>
-            <a:r>
-              <a:rPr lang="zh-TW" altLang="en-US" sz="4000" dirty="0">
-                <a:solidFill>
-                  <a:schemeClr val="bg1"/>
-                </a:solidFill>
-                <a:latin typeface="+mn-ea"/>
-              </a:rPr>
-              <a:t>閉包</a:t>
-            </a:r>
-            <a:endParaRPr lang="en-US" altLang="zh-TW" sz="4000" dirty="0">
-              <a:solidFill>
-                <a:schemeClr val="bg1"/>
-              </a:solidFill>
-              <a:latin typeface="+mn-ea"/>
-            </a:endParaRPr>
-          </a:p>
-          <a:p>
-            <a:pPr marL="571500" indent="-571500">
-              <a:lnSpc>
-                <a:spcPct val="150000"/>
-              </a:lnSpc>
-              <a:buFont typeface="Arial" panose="020B0604020202020204" pitchFamily="34" charset="0"/>
-              <a:buChar char="•"/>
-            </a:pPr>
-            <a:r>
-              <a:rPr lang="en-US" altLang="zh-TW" sz="4000" dirty="0" err="1">
-                <a:solidFill>
-                  <a:schemeClr val="bg1"/>
-                </a:solidFill>
-                <a:latin typeface="+mn-ea"/>
-              </a:rPr>
-              <a:t>indexDB</a:t>
-            </a:r>
-            <a:r>
-              <a:rPr lang="zh-TW" altLang="en-US" sz="4000" dirty="0">
-                <a:solidFill>
-                  <a:schemeClr val="bg1"/>
-                </a:solidFill>
-                <a:latin typeface="+mn-ea"/>
-              </a:rPr>
-              <a:t>、</a:t>
-            </a:r>
-            <a:r>
-              <a:rPr lang="en-US" altLang="zh-TW" sz="4000" dirty="0" err="1">
-                <a:solidFill>
-                  <a:schemeClr val="bg1"/>
-                </a:solidFill>
-                <a:latin typeface="+mn-ea"/>
-              </a:rPr>
-              <a:t>LocalStorage</a:t>
-            </a:r>
-            <a:r>
-              <a:rPr lang="en-US" altLang="zh-TW" sz="4000" dirty="0">
-                <a:solidFill>
-                  <a:schemeClr val="bg1"/>
-                </a:solidFill>
-                <a:latin typeface="+mn-ea"/>
-              </a:rPr>
-              <a:t> </a:t>
-            </a:r>
-            <a:endParaRPr lang="zh-TW" altLang="en-US" sz="4000" dirty="0">
-              <a:solidFill>
-                <a:schemeClr val="bg1"/>
-              </a:solidFill>
-              <a:latin typeface="+mn-ea"/>
-            </a:endParaRPr>
-          </a:p>
-        </p:txBody>
-      </p:sp>
-    </p:spTree>
-    <p:extLst>
-      <p:ext uri="{BB962C8B-B14F-4D97-AF65-F5344CB8AC3E}">
-        <p14:creationId xmlns:p14="http://schemas.microsoft.com/office/powerpoint/2010/main" val="2875266567"/>
-      </p:ext>
-    </p:extLst>
-  </p:cSld>
-  <p:clrMapOvr>
-    <a:masterClrMapping/>
-  </p:clrMapOvr>
-  <mc:AlternateContent xmlns:mc="http://schemas.openxmlformats.org/markup-compatibility/2006" xmlns:p14="http://schemas.microsoft.com/office/powerpoint/2010/main">
-    <mc:Choice Requires="p14">
-      <p:transition p14:dur="160">
-        <p:fade/>
-      </p:transition>
-    </mc:Choice>
-    <mc:Fallback xmlns="">
-      <p:transition>
-        <p:fade/>
-      </p:transition>
-    </mc:Fallback>
-  </mc:AlternateContent>
+  <p:timing>
+    <p:tnLst>
+      <p:par>
+        <p:cTn id="1" dur="indefinite" restart="never" nodeType="tmRoot"/>
+      </p:par>
+    </p:tnLst>
+  </p:timing>
 </p:sld>
 </file>
 

--- a/PPT/React Hooks &.pptx
+++ b/PPT/React Hooks &.pptx
@@ -5,10 +5,10 @@
     <p:sldMasterId id="2147483840" r:id="rId1"/>
   </p:sldMasterIdLst>
   <p:notesMasterIdLst>
-    <p:notesMasterId r:id="rId20"/>
+    <p:notesMasterId r:id="rId25"/>
   </p:notesMasterIdLst>
   <p:handoutMasterIdLst>
-    <p:handoutMasterId r:id="rId21"/>
+    <p:handoutMasterId r:id="rId26"/>
   </p:handoutMasterIdLst>
   <p:sldIdLst>
     <p:sldId id="256" r:id="rId2"/>
@@ -20,15 +20,20 @@
     <p:sldId id="258" r:id="rId8"/>
     <p:sldId id="277" r:id="rId9"/>
     <p:sldId id="271" r:id="rId10"/>
-    <p:sldId id="272" r:id="rId11"/>
-    <p:sldId id="275" r:id="rId12"/>
-    <p:sldId id="259" r:id="rId13"/>
-    <p:sldId id="270" r:id="rId14"/>
-    <p:sldId id="260" r:id="rId15"/>
-    <p:sldId id="274" r:id="rId16"/>
-    <p:sldId id="261" r:id="rId17"/>
-    <p:sldId id="273" r:id="rId18"/>
-    <p:sldId id="262" r:id="rId19"/>
+    <p:sldId id="275" r:id="rId11"/>
+    <p:sldId id="272" r:id="rId12"/>
+    <p:sldId id="278" r:id="rId13"/>
+    <p:sldId id="259" r:id="rId14"/>
+    <p:sldId id="280" r:id="rId15"/>
+    <p:sldId id="283" r:id="rId16"/>
+    <p:sldId id="284" r:id="rId17"/>
+    <p:sldId id="285" r:id="rId18"/>
+    <p:sldId id="286" r:id="rId19"/>
+    <p:sldId id="260" r:id="rId20"/>
+    <p:sldId id="274" r:id="rId21"/>
+    <p:sldId id="261" r:id="rId22"/>
+    <p:sldId id="273" r:id="rId23"/>
+    <p:sldId id="262" r:id="rId24"/>
   </p:sldIdLst>
   <p:sldSz cx="12192000" cy="6858000"/>
   <p:notesSz cx="6858000" cy="9144000"/>
@@ -232,7 +237,7 @@
           <a:p>
             <a:fld id="{20C73765-FB04-4DFC-B996-1BF89FB13314}" type="datetimeFigureOut">
               <a:rPr lang="zh-TW" altLang="en-US" smtClean="0"/>
-              <a:t>2020/3/3</a:t>
+              <a:t>2020/3/6</a:t>
             </a:fld>
             <a:endParaRPr lang="zh-TW" altLang="en-US"/>
           </a:p>
@@ -409,7 +414,7 @@
           <a:p>
             <a:fld id="{70C5EA8F-4DE7-435E-83CB-AE9893E623BB}" type="datetimeFigureOut">
               <a:rPr lang="zh-TW" altLang="en-US" smtClean="0"/>
-              <a:t>2020/3/3</a:t>
+              <a:t>2020/3/6</a:t>
             </a:fld>
             <a:endParaRPr lang="zh-TW" altLang="en-US"/>
           </a:p>
@@ -2365,10 +2370,9 @@
           <a:bodyPr/>
           <a:lstStyle/>
           <a:p>
-            <a:fld id="{5586B75A-687E-405C-8A0B-8D00578BA2C3}" type="datetimeFigureOut">
-              <a:rPr lang="en-US" dirty="0"/>
-              <a:pPr/>
-              <a:t>3/3/2020</a:t>
+            <a:fld id="{32C01325-88C4-4D06-9909-B472E042400E}" type="datetime1">
+              <a:rPr lang="en-US" altLang="zh-TW" smtClean="0"/>
+              <a:t>3/6/2020</a:t>
             </a:fld>
             <a:endParaRPr lang="en-US" dirty="0"/>
           </a:p>
@@ -2395,25 +2399,43 @@
       </p:sp>
       <p:sp>
         <p:nvSpPr>
-          <p:cNvPr id="6" name="Slide Number Placeholder 5"/>
-          <p:cNvSpPr>
-            <a:spLocks noGrp="1"/>
-          </p:cNvSpPr>
-          <p:nvPr>
-            <p:ph type="sldNum" sz="quarter" idx="12"/>
-          </p:nvPr>
-        </p:nvSpPr>
-        <p:spPr/>
-        <p:txBody>
-          <a:bodyPr/>
+          <p:cNvPr id="9" name="文字方塊 8"/>
+          <p:cNvSpPr txBox="1"/>
+          <p:nvPr userDrawn="1"/>
+        </p:nvSpPr>
+        <p:spPr>
+          <a:xfrm>
+            <a:off x="11296880" y="6356350"/>
+            <a:ext cx="1037968" cy="461665"/>
+          </a:xfrm>
+          <a:prstGeom prst="rect">
+            <a:avLst/>
+          </a:prstGeom>
+          <a:noFill/>
+        </p:spPr>
+        <p:txBody>
+          <a:bodyPr wrap="square" rtlCol="0">
+            <a:spAutoFit/>
+          </a:bodyPr>
           <a:lstStyle/>
           <a:p>
-            <a:fld id="{4FAB73BC-B049-4115-A692-8D63A059BFB8}" type="slidenum">
-              <a:rPr lang="en-US" dirty="0"/>
-              <a:pPr/>
-              <a:t>‹#›</a:t>
-            </a:fld>
-            <a:endParaRPr lang="en-US" dirty="0"/>
+            <a:r>
+              <a:rPr lang="en-US" altLang="zh-TW" sz="2400" b="1" i="1" dirty="0" smtClean="0">
+                <a:solidFill>
+                  <a:srgbClr val="FF0000"/>
+                </a:solidFill>
+                <a:latin typeface="Arial Black" panose="020B0A04020102020204" pitchFamily="34" charset="0"/>
+                <a:ea typeface="+mj-ea"/>
+              </a:rPr>
+              <a:t>F2E</a:t>
+            </a:r>
+            <a:endParaRPr lang="zh-TW" altLang="en-US" sz="2800" b="1" i="1" dirty="0">
+              <a:solidFill>
+                <a:srgbClr val="FF0000"/>
+              </a:solidFill>
+              <a:latin typeface="Arial Black" panose="020B0A04020102020204" pitchFamily="34" charset="0"/>
+              <a:ea typeface="+mj-ea"/>
+            </a:endParaRPr>
           </a:p>
         </p:txBody>
       </p:sp>
@@ -2434,2100 +2456,17 @@
       </p:transition>
     </mc:Fallback>
   </mc:AlternateContent>
+  <p:timing>
+    <p:tnLst>
+      <p:par>
+        <p:cTn id="1" dur="indefinite" restart="never" nodeType="tmRoot"/>
+      </p:par>
+    </p:tnLst>
+  </p:timing>
 </p:sldLayout>
 </file>
 
 <file path=ppt/slideLayouts/slideLayout10.xml><?xml version="1.0" encoding="utf-8"?>
-<p:sldLayout xmlns:a="http://schemas.openxmlformats.org/drawingml/2006/main" xmlns:r="http://schemas.openxmlformats.org/officeDocument/2006/relationships" xmlns:p="http://schemas.openxmlformats.org/presentationml/2006/main" type="vertTx" preserve="1">
-  <p:cSld name="標題及直排文字">
-    <p:spTree>
-      <p:nvGrpSpPr>
-        <p:cNvPr id="1" name=""/>
-        <p:cNvGrpSpPr/>
-        <p:nvPr/>
-      </p:nvGrpSpPr>
-      <p:grpSpPr>
-        <a:xfrm>
-          <a:off x="0" y="0"/>
-          <a:ext cx="0" cy="0"/>
-          <a:chOff x="0" y="0"/>
-          <a:chExt cx="0" cy="0"/>
-        </a:xfrm>
-      </p:grpSpPr>
-      <p:sp>
-        <p:nvSpPr>
-          <p:cNvPr id="2" name="Title 1"/>
-          <p:cNvSpPr>
-            <a:spLocks noGrp="1"/>
-          </p:cNvSpPr>
-          <p:nvPr>
-            <p:ph type="title"/>
-          </p:nvPr>
-        </p:nvSpPr>
-        <p:spPr/>
-        <p:txBody>
-          <a:bodyPr/>
-          <a:lstStyle/>
-          <a:p>
-            <a:r>
-              <a:rPr lang="zh-TW" altLang="en-US"/>
-              <a:t>按一下以編輯母片標題樣式</a:t>
-            </a:r>
-            <a:endParaRPr lang="en-US" dirty="0"/>
-          </a:p>
-        </p:txBody>
-      </p:sp>
-      <p:sp>
-        <p:nvSpPr>
-          <p:cNvPr id="3" name="Vertical Text Placeholder 2"/>
-          <p:cNvSpPr>
-            <a:spLocks noGrp="1"/>
-          </p:cNvSpPr>
-          <p:nvPr>
-            <p:ph type="body" orient="vert" idx="1"/>
-          </p:nvPr>
-        </p:nvSpPr>
-        <p:spPr/>
-        <p:txBody>
-          <a:bodyPr vert="eaVert" anchor="t"/>
-          <a:lstStyle/>
-          <a:p>
-            <a:pPr lvl="0"/>
-            <a:r>
-              <a:rPr lang="zh-TW" altLang="en-US"/>
-              <a:t>按一下以編輯母片文字樣式</a:t>
-            </a:r>
-          </a:p>
-          <a:p>
-            <a:pPr lvl="1"/>
-            <a:r>
-              <a:rPr lang="zh-TW" altLang="en-US"/>
-              <a:t>第二層</a:t>
-            </a:r>
-          </a:p>
-          <a:p>
-            <a:pPr lvl="2"/>
-            <a:r>
-              <a:rPr lang="zh-TW" altLang="en-US"/>
-              <a:t>第三層</a:t>
-            </a:r>
-          </a:p>
-          <a:p>
-            <a:pPr lvl="3"/>
-            <a:r>
-              <a:rPr lang="zh-TW" altLang="en-US"/>
-              <a:t>第四層</a:t>
-            </a:r>
-          </a:p>
-          <a:p>
-            <a:pPr lvl="4"/>
-            <a:r>
-              <a:rPr lang="zh-TW" altLang="en-US"/>
-              <a:t>第五層</a:t>
-            </a:r>
-            <a:endParaRPr lang="en-US" dirty="0"/>
-          </a:p>
-        </p:txBody>
-      </p:sp>
-      <p:sp>
-        <p:nvSpPr>
-          <p:cNvPr id="7" name="Date Placeholder 6"/>
-          <p:cNvSpPr>
-            <a:spLocks noGrp="1"/>
-          </p:cNvSpPr>
-          <p:nvPr>
-            <p:ph type="dt" sz="half" idx="10"/>
-          </p:nvPr>
-        </p:nvSpPr>
-        <p:spPr/>
-        <p:txBody>
-          <a:bodyPr/>
-          <a:lstStyle/>
-          <a:p>
-            <a:fld id="{5586B75A-687E-405C-8A0B-8D00578BA2C3}" type="datetimeFigureOut">
-              <a:rPr lang="en-US" dirty="0"/>
-              <a:pPr/>
-              <a:t>3/3/2020</a:t>
-            </a:fld>
-            <a:endParaRPr lang="en-US" dirty="0"/>
-          </a:p>
-        </p:txBody>
-      </p:sp>
-      <p:sp>
-        <p:nvSpPr>
-          <p:cNvPr id="8" name="Footer Placeholder 7"/>
-          <p:cNvSpPr>
-            <a:spLocks noGrp="1"/>
-          </p:cNvSpPr>
-          <p:nvPr>
-            <p:ph type="ftr" sz="quarter" idx="11"/>
-          </p:nvPr>
-        </p:nvSpPr>
-        <p:spPr/>
-        <p:txBody>
-          <a:bodyPr/>
-          <a:lstStyle/>
-          <a:p>
-            <a:endParaRPr lang="en-US" dirty="0"/>
-          </a:p>
-        </p:txBody>
-      </p:sp>
-      <p:sp>
-        <p:nvSpPr>
-          <p:cNvPr id="9" name="Slide Number Placeholder 8"/>
-          <p:cNvSpPr>
-            <a:spLocks noGrp="1"/>
-          </p:cNvSpPr>
-          <p:nvPr>
-            <p:ph type="sldNum" sz="quarter" idx="12"/>
-          </p:nvPr>
-        </p:nvSpPr>
-        <p:spPr/>
-        <p:txBody>
-          <a:bodyPr/>
-          <a:lstStyle/>
-          <a:p>
-            <a:fld id="{4FAB73BC-B049-4115-A692-8D63A059BFB8}" type="slidenum">
-              <a:rPr lang="en-US" dirty="0"/>
-              <a:pPr/>
-              <a:t>‹#›</a:t>
-            </a:fld>
-            <a:endParaRPr lang="en-US" dirty="0"/>
-          </a:p>
-        </p:txBody>
-      </p:sp>
-    </p:spTree>
-  </p:cSld>
-  <p:clrMapOvr>
-    <a:masterClrMapping/>
-  </p:clrMapOvr>
-  <mc:AlternateContent xmlns:mc="http://schemas.openxmlformats.org/markup-compatibility/2006" xmlns:p14="http://schemas.microsoft.com/office/powerpoint/2010/main">
-    <mc:Choice Requires="p14">
-      <p:transition p14:dur="160">
-        <p:fade/>
-      </p:transition>
-    </mc:Choice>
-    <mc:Fallback xmlns="">
-      <p:transition>
-        <p:fade/>
-      </p:transition>
-    </mc:Fallback>
-  </mc:AlternateContent>
-</p:sldLayout>
-</file>
-
-<file path=ppt/slideLayouts/slideLayout11.xml><?xml version="1.0" encoding="utf-8"?>
-<p:sldLayout xmlns:a="http://schemas.openxmlformats.org/drawingml/2006/main" xmlns:r="http://schemas.openxmlformats.org/officeDocument/2006/relationships" xmlns:p="http://schemas.openxmlformats.org/presentationml/2006/main" type="vertTitleAndTx" preserve="1">
-  <p:cSld name="直排標題及文字">
-    <p:spTree>
-      <p:nvGrpSpPr>
-        <p:cNvPr id="1" name=""/>
-        <p:cNvGrpSpPr/>
-        <p:nvPr/>
-      </p:nvGrpSpPr>
-      <p:grpSpPr>
-        <a:xfrm>
-          <a:off x="0" y="0"/>
-          <a:ext cx="0" cy="0"/>
-          <a:chOff x="0" y="0"/>
-          <a:chExt cx="0" cy="0"/>
-        </a:xfrm>
-      </p:grpSpPr>
-      <p:sp>
-        <p:nvSpPr>
-          <p:cNvPr id="2" name="Vertical Title 1"/>
-          <p:cNvSpPr>
-            <a:spLocks noGrp="1"/>
-          </p:cNvSpPr>
-          <p:nvPr>
-            <p:ph type="title" orient="vert"/>
-          </p:nvPr>
-        </p:nvSpPr>
-        <p:spPr>
-          <a:xfrm>
-            <a:off x="381000" y="990600"/>
-            <a:ext cx="2819400" cy="4953000"/>
-          </a:xfrm>
-        </p:spPr>
-        <p:txBody>
-          <a:bodyPr vert="eaVert"/>
-          <a:lstStyle/>
-          <a:p>
-            <a:r>
-              <a:rPr lang="zh-TW" altLang="en-US"/>
-              <a:t>按一下以編輯母片標題樣式</a:t>
-            </a:r>
-            <a:endParaRPr lang="en-US" dirty="0"/>
-          </a:p>
-        </p:txBody>
-      </p:sp>
-      <p:sp>
-        <p:nvSpPr>
-          <p:cNvPr id="3" name="Vertical Text Placeholder 2"/>
-          <p:cNvSpPr>
-            <a:spLocks noGrp="1"/>
-          </p:cNvSpPr>
-          <p:nvPr>
-            <p:ph type="body" orient="vert" idx="1"/>
-          </p:nvPr>
-        </p:nvSpPr>
-        <p:spPr>
-          <a:xfrm>
-            <a:off x="3867912" y="868680"/>
-            <a:ext cx="7315200" cy="5120640"/>
-          </a:xfrm>
-        </p:spPr>
-        <p:txBody>
-          <a:bodyPr vert="eaVert" anchor="t"/>
-          <a:lstStyle/>
-          <a:p>
-            <a:pPr lvl="0"/>
-            <a:r>
-              <a:rPr lang="zh-TW" altLang="en-US"/>
-              <a:t>按一下以編輯母片文字樣式</a:t>
-            </a:r>
-          </a:p>
-          <a:p>
-            <a:pPr lvl="1"/>
-            <a:r>
-              <a:rPr lang="zh-TW" altLang="en-US"/>
-              <a:t>第二層</a:t>
-            </a:r>
-          </a:p>
-          <a:p>
-            <a:pPr lvl="2"/>
-            <a:r>
-              <a:rPr lang="zh-TW" altLang="en-US"/>
-              <a:t>第三層</a:t>
-            </a:r>
-          </a:p>
-          <a:p>
-            <a:pPr lvl="3"/>
-            <a:r>
-              <a:rPr lang="zh-TW" altLang="en-US"/>
-              <a:t>第四層</a:t>
-            </a:r>
-          </a:p>
-          <a:p>
-            <a:pPr lvl="4"/>
-            <a:r>
-              <a:rPr lang="zh-TW" altLang="en-US"/>
-              <a:t>第五層</a:t>
-            </a:r>
-            <a:endParaRPr lang="en-US" dirty="0"/>
-          </a:p>
-        </p:txBody>
-      </p:sp>
-      <p:sp>
-        <p:nvSpPr>
-          <p:cNvPr id="7" name="Date Placeholder 6"/>
-          <p:cNvSpPr>
-            <a:spLocks noGrp="1"/>
-          </p:cNvSpPr>
-          <p:nvPr>
-            <p:ph type="dt" sz="half" idx="10"/>
-          </p:nvPr>
-        </p:nvSpPr>
-        <p:spPr/>
-        <p:txBody>
-          <a:bodyPr/>
-          <a:lstStyle/>
-          <a:p>
-            <a:fld id="{5586B75A-687E-405C-8A0B-8D00578BA2C3}" type="datetimeFigureOut">
-              <a:rPr lang="en-US" dirty="0"/>
-              <a:pPr/>
-              <a:t>3/3/2020</a:t>
-            </a:fld>
-            <a:endParaRPr lang="en-US" dirty="0"/>
-          </a:p>
-        </p:txBody>
-      </p:sp>
-      <p:sp>
-        <p:nvSpPr>
-          <p:cNvPr id="8" name="Footer Placeholder 7"/>
-          <p:cNvSpPr>
-            <a:spLocks noGrp="1"/>
-          </p:cNvSpPr>
-          <p:nvPr>
-            <p:ph type="ftr" sz="quarter" idx="11"/>
-          </p:nvPr>
-        </p:nvSpPr>
-        <p:spPr/>
-        <p:txBody>
-          <a:bodyPr/>
-          <a:lstStyle/>
-          <a:p>
-            <a:endParaRPr lang="en-US" dirty="0"/>
-          </a:p>
-        </p:txBody>
-      </p:sp>
-      <p:sp>
-        <p:nvSpPr>
-          <p:cNvPr id="9" name="Slide Number Placeholder 8"/>
-          <p:cNvSpPr>
-            <a:spLocks noGrp="1"/>
-          </p:cNvSpPr>
-          <p:nvPr>
-            <p:ph type="sldNum" sz="quarter" idx="12"/>
-          </p:nvPr>
-        </p:nvSpPr>
-        <p:spPr/>
-        <p:txBody>
-          <a:bodyPr/>
-          <a:lstStyle/>
-          <a:p>
-            <a:fld id="{4FAB73BC-B049-4115-A692-8D63A059BFB8}" type="slidenum">
-              <a:rPr lang="en-US" dirty="0"/>
-              <a:pPr/>
-              <a:t>‹#›</a:t>
-            </a:fld>
-            <a:endParaRPr lang="en-US" dirty="0"/>
-          </a:p>
-        </p:txBody>
-      </p:sp>
-    </p:spTree>
-  </p:cSld>
-  <p:clrMapOvr>
-    <a:masterClrMapping/>
-  </p:clrMapOvr>
-  <mc:AlternateContent xmlns:mc="http://schemas.openxmlformats.org/markup-compatibility/2006" xmlns:p14="http://schemas.microsoft.com/office/powerpoint/2010/main">
-    <mc:Choice Requires="p14">
-      <p:transition p14:dur="160">
-        <p:fade/>
-      </p:transition>
-    </mc:Choice>
-    <mc:Fallback xmlns="">
-      <p:transition>
-        <p:fade/>
-      </p:transition>
-    </mc:Fallback>
-  </mc:AlternateContent>
-</p:sldLayout>
-</file>
-
-<file path=ppt/slideLayouts/slideLayout2.xml><?xml version="1.0" encoding="utf-8"?>
-<p:sldLayout xmlns:a="http://schemas.openxmlformats.org/drawingml/2006/main" xmlns:r="http://schemas.openxmlformats.org/officeDocument/2006/relationships" xmlns:p="http://schemas.openxmlformats.org/presentationml/2006/main" type="obj" preserve="1">
-  <p:cSld name="標題及內容">
-    <p:spTree>
-      <p:nvGrpSpPr>
-        <p:cNvPr id="1" name=""/>
-        <p:cNvGrpSpPr/>
-        <p:nvPr/>
-      </p:nvGrpSpPr>
-      <p:grpSpPr>
-        <a:xfrm>
-          <a:off x="0" y="0"/>
-          <a:ext cx="0" cy="0"/>
-          <a:chOff x="0" y="0"/>
-          <a:chExt cx="0" cy="0"/>
-        </a:xfrm>
-      </p:grpSpPr>
-      <p:sp>
-        <p:nvSpPr>
-          <p:cNvPr id="2" name="Title 1"/>
-          <p:cNvSpPr>
-            <a:spLocks noGrp="1"/>
-          </p:cNvSpPr>
-          <p:nvPr>
-            <p:ph type="title"/>
-          </p:nvPr>
-        </p:nvSpPr>
-        <p:spPr/>
-        <p:txBody>
-          <a:bodyPr/>
-          <a:lstStyle/>
-          <a:p>
-            <a:r>
-              <a:rPr lang="zh-TW" altLang="en-US"/>
-              <a:t>按一下以編輯母片標題樣式</a:t>
-            </a:r>
-            <a:endParaRPr lang="en-US" dirty="0"/>
-          </a:p>
-        </p:txBody>
-      </p:sp>
-      <p:sp>
-        <p:nvSpPr>
-          <p:cNvPr id="3" name="Content Placeholder 2"/>
-          <p:cNvSpPr>
-            <a:spLocks noGrp="1"/>
-          </p:cNvSpPr>
-          <p:nvPr>
-            <p:ph idx="1"/>
-          </p:nvPr>
-        </p:nvSpPr>
-        <p:spPr/>
-        <p:txBody>
-          <a:bodyPr/>
-          <a:lstStyle/>
-          <a:p>
-            <a:pPr lvl="0"/>
-            <a:r>
-              <a:rPr lang="zh-TW" altLang="en-US"/>
-              <a:t>按一下以編輯母片文字樣式</a:t>
-            </a:r>
-          </a:p>
-          <a:p>
-            <a:pPr lvl="1"/>
-            <a:r>
-              <a:rPr lang="zh-TW" altLang="en-US"/>
-              <a:t>第二層</a:t>
-            </a:r>
-          </a:p>
-          <a:p>
-            <a:pPr lvl="2"/>
-            <a:r>
-              <a:rPr lang="zh-TW" altLang="en-US"/>
-              <a:t>第三層</a:t>
-            </a:r>
-          </a:p>
-          <a:p>
-            <a:pPr lvl="3"/>
-            <a:r>
-              <a:rPr lang="zh-TW" altLang="en-US"/>
-              <a:t>第四層</a:t>
-            </a:r>
-          </a:p>
-          <a:p>
-            <a:pPr lvl="4"/>
-            <a:r>
-              <a:rPr lang="zh-TW" altLang="en-US"/>
-              <a:t>第五層</a:t>
-            </a:r>
-            <a:endParaRPr lang="en-US" dirty="0"/>
-          </a:p>
-        </p:txBody>
-      </p:sp>
-      <p:sp>
-        <p:nvSpPr>
-          <p:cNvPr id="4" name="Date Placeholder 3"/>
-          <p:cNvSpPr>
-            <a:spLocks noGrp="1"/>
-          </p:cNvSpPr>
-          <p:nvPr>
-            <p:ph type="dt" sz="half" idx="10"/>
-          </p:nvPr>
-        </p:nvSpPr>
-        <p:spPr/>
-        <p:txBody>
-          <a:bodyPr/>
-          <a:lstStyle/>
-          <a:p>
-            <a:fld id="{5586B75A-687E-405C-8A0B-8D00578BA2C3}" type="datetimeFigureOut">
-              <a:rPr lang="en-US" dirty="0"/>
-              <a:pPr/>
-              <a:t>3/3/2020</a:t>
-            </a:fld>
-            <a:endParaRPr lang="en-US" dirty="0"/>
-          </a:p>
-        </p:txBody>
-      </p:sp>
-      <p:sp>
-        <p:nvSpPr>
-          <p:cNvPr id="5" name="Footer Placeholder 4"/>
-          <p:cNvSpPr>
-            <a:spLocks noGrp="1"/>
-          </p:cNvSpPr>
-          <p:nvPr>
-            <p:ph type="ftr" sz="quarter" idx="11"/>
-          </p:nvPr>
-        </p:nvSpPr>
-        <p:spPr/>
-        <p:txBody>
-          <a:bodyPr/>
-          <a:lstStyle/>
-          <a:p>
-            <a:endParaRPr lang="en-US" dirty="0"/>
-          </a:p>
-        </p:txBody>
-      </p:sp>
-      <p:sp>
-        <p:nvSpPr>
-          <p:cNvPr id="6" name="Slide Number Placeholder 5"/>
-          <p:cNvSpPr>
-            <a:spLocks noGrp="1"/>
-          </p:cNvSpPr>
-          <p:nvPr>
-            <p:ph type="sldNum" sz="quarter" idx="12"/>
-          </p:nvPr>
-        </p:nvSpPr>
-        <p:spPr/>
-        <p:txBody>
-          <a:bodyPr/>
-          <a:lstStyle/>
-          <a:p>
-            <a:fld id="{4FAB73BC-B049-4115-A692-8D63A059BFB8}" type="slidenum">
-              <a:rPr lang="en-US" dirty="0"/>
-              <a:pPr/>
-              <a:t>‹#›</a:t>
-            </a:fld>
-            <a:endParaRPr lang="en-US" dirty="0"/>
-          </a:p>
-        </p:txBody>
-      </p:sp>
-    </p:spTree>
-  </p:cSld>
-  <p:clrMapOvr>
-    <a:masterClrMapping/>
-  </p:clrMapOvr>
-  <mc:AlternateContent xmlns:mc="http://schemas.openxmlformats.org/markup-compatibility/2006" xmlns:p14="http://schemas.microsoft.com/office/powerpoint/2010/main">
-    <mc:Choice Requires="p14">
-      <p:transition p14:dur="160">
-        <p:fade/>
-      </p:transition>
-    </mc:Choice>
-    <mc:Fallback xmlns="">
-      <p:transition>
-        <p:fade/>
-      </p:transition>
-    </mc:Fallback>
-  </mc:AlternateContent>
-</p:sldLayout>
-</file>
-
-<file path=ppt/slideLayouts/slideLayout3.xml><?xml version="1.0" encoding="utf-8"?>
-<p:sldLayout xmlns:a="http://schemas.openxmlformats.org/drawingml/2006/main" xmlns:r="http://schemas.openxmlformats.org/officeDocument/2006/relationships" xmlns:p="http://schemas.openxmlformats.org/presentationml/2006/main" type="secHead" preserve="1">
-  <p:cSld name="章節標題">
-    <p:spTree>
-      <p:nvGrpSpPr>
-        <p:cNvPr id="1" name=""/>
-        <p:cNvGrpSpPr/>
-        <p:nvPr/>
-      </p:nvGrpSpPr>
-      <p:grpSpPr>
-        <a:xfrm>
-          <a:off x="0" y="0"/>
-          <a:ext cx="0" cy="0"/>
-          <a:chOff x="0" y="0"/>
-          <a:chExt cx="0" cy="0"/>
-        </a:xfrm>
-      </p:grpSpPr>
-      <p:sp>
-        <p:nvSpPr>
-          <p:cNvPr id="2" name="Title 1"/>
-          <p:cNvSpPr>
-            <a:spLocks noGrp="1"/>
-          </p:cNvSpPr>
-          <p:nvPr>
-            <p:ph type="title"/>
-          </p:nvPr>
-        </p:nvSpPr>
-        <p:spPr>
-          <a:xfrm>
-            <a:off x="3867912" y="1298448"/>
-            <a:ext cx="7315200" cy="3255264"/>
-          </a:xfrm>
-        </p:spPr>
-        <p:txBody>
-          <a:bodyPr anchor="b">
-            <a:normAutofit/>
-          </a:bodyPr>
-          <a:lstStyle>
-            <a:lvl1pPr>
-              <a:defRPr sz="5900" b="0" spc="-100" baseline="0">
-                <a:solidFill>
-                  <a:schemeClr val="tx1">
-                    <a:lumMod val="65000"/>
-                    <a:lumOff val="35000"/>
-                  </a:schemeClr>
-                </a:solidFill>
-              </a:defRPr>
-            </a:lvl1pPr>
-          </a:lstStyle>
-          <a:p>
-            <a:r>
-              <a:rPr lang="zh-TW" altLang="en-US"/>
-              <a:t>按一下以編輯母片標題樣式</a:t>
-            </a:r>
-            <a:endParaRPr lang="en-US" dirty="0"/>
-          </a:p>
-        </p:txBody>
-      </p:sp>
-      <p:sp>
-        <p:nvSpPr>
-          <p:cNvPr id="3" name="Text Placeholder 2"/>
-          <p:cNvSpPr>
-            <a:spLocks noGrp="1"/>
-          </p:cNvSpPr>
-          <p:nvPr>
-            <p:ph type="body" idx="1"/>
-          </p:nvPr>
-        </p:nvSpPr>
-        <p:spPr>
-          <a:xfrm>
-            <a:off x="3886200" y="4672584"/>
-            <a:ext cx="7315200" cy="914400"/>
-          </a:xfrm>
-        </p:spPr>
-        <p:txBody>
-          <a:bodyPr anchor="t">
-            <a:normAutofit/>
-          </a:bodyPr>
-          <a:lstStyle>
-            <a:lvl1pPr marL="0" indent="0">
-              <a:buNone/>
-              <a:defRPr sz="2200" cap="none" spc="0" baseline="0">
-                <a:solidFill>
-                  <a:schemeClr val="tx1">
-                    <a:lumMod val="65000"/>
-                    <a:lumOff val="35000"/>
-                  </a:schemeClr>
-                </a:solidFill>
-              </a:defRPr>
-            </a:lvl1pPr>
-            <a:lvl2pPr marL="457200" indent="0">
-              <a:buNone/>
-              <a:defRPr sz="1800">
-                <a:solidFill>
-                  <a:schemeClr val="tx1">
-                    <a:tint val="75000"/>
-                  </a:schemeClr>
-                </a:solidFill>
-              </a:defRPr>
-            </a:lvl2pPr>
-            <a:lvl3pPr marL="914400" indent="0">
-              <a:buNone/>
-              <a:defRPr sz="1600">
-                <a:solidFill>
-                  <a:schemeClr val="tx1">
-                    <a:tint val="75000"/>
-                  </a:schemeClr>
-                </a:solidFill>
-              </a:defRPr>
-            </a:lvl3pPr>
-            <a:lvl4pPr marL="1371600" indent="0">
-              <a:buNone/>
-              <a:defRPr sz="1400">
-                <a:solidFill>
-                  <a:schemeClr val="tx1">
-                    <a:tint val="75000"/>
-                  </a:schemeClr>
-                </a:solidFill>
-              </a:defRPr>
-            </a:lvl4pPr>
-            <a:lvl5pPr marL="1828800" indent="0">
-              <a:buNone/>
-              <a:defRPr sz="1400">
-                <a:solidFill>
-                  <a:schemeClr val="tx1">
-                    <a:tint val="75000"/>
-                  </a:schemeClr>
-                </a:solidFill>
-              </a:defRPr>
-            </a:lvl5pPr>
-            <a:lvl6pPr marL="2286000" indent="0">
-              <a:buNone/>
-              <a:defRPr sz="1400">
-                <a:solidFill>
-                  <a:schemeClr val="tx1">
-                    <a:tint val="75000"/>
-                  </a:schemeClr>
-                </a:solidFill>
-              </a:defRPr>
-            </a:lvl6pPr>
-            <a:lvl7pPr marL="2743200" indent="0">
-              <a:buNone/>
-              <a:defRPr sz="1400">
-                <a:solidFill>
-                  <a:schemeClr val="tx1">
-                    <a:tint val="75000"/>
-                  </a:schemeClr>
-                </a:solidFill>
-              </a:defRPr>
-            </a:lvl7pPr>
-            <a:lvl8pPr marL="3200400" indent="0">
-              <a:buNone/>
-              <a:defRPr sz="1400">
-                <a:solidFill>
-                  <a:schemeClr val="tx1">
-                    <a:tint val="75000"/>
-                  </a:schemeClr>
-                </a:solidFill>
-              </a:defRPr>
-            </a:lvl8pPr>
-            <a:lvl9pPr marL="3657600" indent="0">
-              <a:buNone/>
-              <a:defRPr sz="1400">
-                <a:solidFill>
-                  <a:schemeClr val="tx1">
-                    <a:tint val="75000"/>
-                  </a:schemeClr>
-                </a:solidFill>
-              </a:defRPr>
-            </a:lvl9pPr>
-          </a:lstStyle>
-          <a:p>
-            <a:pPr lvl="0"/>
-            <a:r>
-              <a:rPr lang="zh-TW" altLang="en-US"/>
-              <a:t>按一下以編輯母片文字樣式</a:t>
-            </a:r>
-          </a:p>
-        </p:txBody>
-      </p:sp>
-      <p:sp>
-        <p:nvSpPr>
-          <p:cNvPr id="4" name="Date Placeholder 3"/>
-          <p:cNvSpPr>
-            <a:spLocks noGrp="1"/>
-          </p:cNvSpPr>
-          <p:nvPr>
-            <p:ph type="dt" sz="half" idx="10"/>
-          </p:nvPr>
-        </p:nvSpPr>
-        <p:spPr/>
-        <p:txBody>
-          <a:bodyPr/>
-          <a:lstStyle/>
-          <a:p>
-            <a:fld id="{5586B75A-687E-405C-8A0B-8D00578BA2C3}" type="datetimeFigureOut">
-              <a:rPr lang="en-US" dirty="0"/>
-              <a:pPr/>
-              <a:t>3/3/2020</a:t>
-            </a:fld>
-            <a:endParaRPr lang="en-US" dirty="0"/>
-          </a:p>
-        </p:txBody>
-      </p:sp>
-      <p:sp>
-        <p:nvSpPr>
-          <p:cNvPr id="5" name="Footer Placeholder 4"/>
-          <p:cNvSpPr>
-            <a:spLocks noGrp="1"/>
-          </p:cNvSpPr>
-          <p:nvPr>
-            <p:ph type="ftr" sz="quarter" idx="11"/>
-          </p:nvPr>
-        </p:nvSpPr>
-        <p:spPr/>
-        <p:txBody>
-          <a:bodyPr/>
-          <a:lstStyle/>
-          <a:p>
-            <a:endParaRPr lang="en-US" dirty="0"/>
-          </a:p>
-        </p:txBody>
-      </p:sp>
-      <p:sp>
-        <p:nvSpPr>
-          <p:cNvPr id="6" name="Slide Number Placeholder 5"/>
-          <p:cNvSpPr>
-            <a:spLocks noGrp="1"/>
-          </p:cNvSpPr>
-          <p:nvPr>
-            <p:ph type="sldNum" sz="quarter" idx="12"/>
-          </p:nvPr>
-        </p:nvSpPr>
-        <p:spPr/>
-        <p:txBody>
-          <a:bodyPr/>
-          <a:lstStyle/>
-          <a:p>
-            <a:fld id="{4FAB73BC-B049-4115-A692-8D63A059BFB8}" type="slidenum">
-              <a:rPr lang="en-US" dirty="0"/>
-              <a:pPr/>
-              <a:t>‹#›</a:t>
-            </a:fld>
-            <a:endParaRPr lang="en-US" dirty="0"/>
-          </a:p>
-        </p:txBody>
-      </p:sp>
-    </p:spTree>
-  </p:cSld>
-  <p:clrMapOvr>
-    <a:masterClrMapping/>
-  </p:clrMapOvr>
-  <mc:AlternateContent xmlns:mc="http://schemas.openxmlformats.org/markup-compatibility/2006" xmlns:p14="http://schemas.microsoft.com/office/powerpoint/2010/main">
-    <mc:Choice Requires="p14">
-      <p:transition p14:dur="160">
-        <p:fade/>
-      </p:transition>
-    </mc:Choice>
-    <mc:Fallback xmlns="">
-      <p:transition>
-        <p:fade/>
-      </p:transition>
-    </mc:Fallback>
-  </mc:AlternateContent>
-</p:sldLayout>
-</file>
-
-<file path=ppt/slideLayouts/slideLayout4.xml><?xml version="1.0" encoding="utf-8"?>
-<p:sldLayout xmlns:a="http://schemas.openxmlformats.org/drawingml/2006/main" xmlns:r="http://schemas.openxmlformats.org/officeDocument/2006/relationships" xmlns:p="http://schemas.openxmlformats.org/presentationml/2006/main" type="twoObj" preserve="1">
-  <p:cSld name="兩個內容">
-    <p:spTree>
-      <p:nvGrpSpPr>
-        <p:cNvPr id="1" name=""/>
-        <p:cNvGrpSpPr/>
-        <p:nvPr/>
-      </p:nvGrpSpPr>
-      <p:grpSpPr>
-        <a:xfrm>
-          <a:off x="0" y="0"/>
-          <a:ext cx="0" cy="0"/>
-          <a:chOff x="0" y="0"/>
-          <a:chExt cx="0" cy="0"/>
-        </a:xfrm>
-      </p:grpSpPr>
-      <p:sp>
-        <p:nvSpPr>
-          <p:cNvPr id="2" name="Title 1"/>
-          <p:cNvSpPr>
-            <a:spLocks noGrp="1"/>
-          </p:cNvSpPr>
-          <p:nvPr>
-            <p:ph type="title"/>
-          </p:nvPr>
-        </p:nvSpPr>
-        <p:spPr/>
-        <p:txBody>
-          <a:bodyPr/>
-          <a:lstStyle/>
-          <a:p>
-            <a:r>
-              <a:rPr lang="zh-TW" altLang="en-US"/>
-              <a:t>按一下以編輯母片標題樣式</a:t>
-            </a:r>
-            <a:endParaRPr lang="en-US" dirty="0"/>
-          </a:p>
-        </p:txBody>
-      </p:sp>
-      <p:sp>
-        <p:nvSpPr>
-          <p:cNvPr id="3" name="Content Placeholder 2"/>
-          <p:cNvSpPr>
-            <a:spLocks noGrp="1"/>
-          </p:cNvSpPr>
-          <p:nvPr>
-            <p:ph sz="half" idx="1"/>
-          </p:nvPr>
-        </p:nvSpPr>
-        <p:spPr>
-          <a:xfrm>
-            <a:off x="3867912" y="868680"/>
-            <a:ext cx="3474720" cy="5120640"/>
-          </a:xfrm>
-        </p:spPr>
-        <p:txBody>
-          <a:bodyPr/>
-          <a:lstStyle>
-            <a:lvl1pPr>
-              <a:defRPr sz="2000"/>
-            </a:lvl1pPr>
-            <a:lvl2pPr>
-              <a:defRPr sz="1800"/>
-            </a:lvl2pPr>
-            <a:lvl3pPr>
-              <a:defRPr sz="1600"/>
-            </a:lvl3pPr>
-            <a:lvl4pPr>
-              <a:defRPr sz="1400"/>
-            </a:lvl4pPr>
-            <a:lvl5pPr>
-              <a:defRPr sz="1400"/>
-            </a:lvl5pPr>
-            <a:lvl6pPr>
-              <a:defRPr sz="1400"/>
-            </a:lvl6pPr>
-            <a:lvl7pPr>
-              <a:defRPr sz="1400"/>
-            </a:lvl7pPr>
-            <a:lvl8pPr>
-              <a:defRPr sz="1400"/>
-            </a:lvl8pPr>
-            <a:lvl9pPr>
-              <a:defRPr sz="1400"/>
-            </a:lvl9pPr>
-          </a:lstStyle>
-          <a:p>
-            <a:pPr lvl="0"/>
-            <a:r>
-              <a:rPr lang="zh-TW" altLang="en-US"/>
-              <a:t>按一下以編輯母片文字樣式</a:t>
-            </a:r>
-          </a:p>
-          <a:p>
-            <a:pPr lvl="1"/>
-            <a:r>
-              <a:rPr lang="zh-TW" altLang="en-US"/>
-              <a:t>第二層</a:t>
-            </a:r>
-          </a:p>
-          <a:p>
-            <a:pPr lvl="2"/>
-            <a:r>
-              <a:rPr lang="zh-TW" altLang="en-US"/>
-              <a:t>第三層</a:t>
-            </a:r>
-          </a:p>
-          <a:p>
-            <a:pPr lvl="3"/>
-            <a:r>
-              <a:rPr lang="zh-TW" altLang="en-US"/>
-              <a:t>第四層</a:t>
-            </a:r>
-          </a:p>
-          <a:p>
-            <a:pPr lvl="4"/>
-            <a:r>
-              <a:rPr lang="zh-TW" altLang="en-US"/>
-              <a:t>第五層</a:t>
-            </a:r>
-            <a:endParaRPr lang="en-US" dirty="0"/>
-          </a:p>
-        </p:txBody>
-      </p:sp>
-      <p:sp>
-        <p:nvSpPr>
-          <p:cNvPr id="4" name="Content Placeholder 3"/>
-          <p:cNvSpPr>
-            <a:spLocks noGrp="1"/>
-          </p:cNvSpPr>
-          <p:nvPr>
-            <p:ph sz="half" idx="2"/>
-          </p:nvPr>
-        </p:nvSpPr>
-        <p:spPr>
-          <a:xfrm>
-            <a:off x="7818120" y="868680"/>
-            <a:ext cx="3474720" cy="5120640"/>
-          </a:xfrm>
-        </p:spPr>
-        <p:txBody>
-          <a:bodyPr/>
-          <a:lstStyle>
-            <a:lvl1pPr>
-              <a:defRPr sz="2000"/>
-            </a:lvl1pPr>
-            <a:lvl2pPr>
-              <a:defRPr sz="1800"/>
-            </a:lvl2pPr>
-            <a:lvl3pPr>
-              <a:defRPr sz="1600"/>
-            </a:lvl3pPr>
-            <a:lvl4pPr>
-              <a:defRPr sz="1400"/>
-            </a:lvl4pPr>
-            <a:lvl5pPr>
-              <a:defRPr sz="1400"/>
-            </a:lvl5pPr>
-            <a:lvl6pPr>
-              <a:defRPr sz="1400"/>
-            </a:lvl6pPr>
-            <a:lvl7pPr>
-              <a:defRPr sz="1400"/>
-            </a:lvl7pPr>
-            <a:lvl8pPr>
-              <a:defRPr sz="1400"/>
-            </a:lvl8pPr>
-            <a:lvl9pPr>
-              <a:defRPr sz="1400"/>
-            </a:lvl9pPr>
-          </a:lstStyle>
-          <a:p>
-            <a:pPr lvl="0"/>
-            <a:r>
-              <a:rPr lang="zh-TW" altLang="en-US"/>
-              <a:t>按一下以編輯母片文字樣式</a:t>
-            </a:r>
-          </a:p>
-          <a:p>
-            <a:pPr lvl="1"/>
-            <a:r>
-              <a:rPr lang="zh-TW" altLang="en-US"/>
-              <a:t>第二層</a:t>
-            </a:r>
-          </a:p>
-          <a:p>
-            <a:pPr lvl="2"/>
-            <a:r>
-              <a:rPr lang="zh-TW" altLang="en-US"/>
-              <a:t>第三層</a:t>
-            </a:r>
-          </a:p>
-          <a:p>
-            <a:pPr lvl="3"/>
-            <a:r>
-              <a:rPr lang="zh-TW" altLang="en-US"/>
-              <a:t>第四層</a:t>
-            </a:r>
-          </a:p>
-          <a:p>
-            <a:pPr lvl="4"/>
-            <a:r>
-              <a:rPr lang="zh-TW" altLang="en-US"/>
-              <a:t>第五層</a:t>
-            </a:r>
-            <a:endParaRPr lang="en-US" dirty="0"/>
-          </a:p>
-        </p:txBody>
-      </p:sp>
-      <p:sp>
-        <p:nvSpPr>
-          <p:cNvPr id="8" name="Date Placeholder 7"/>
-          <p:cNvSpPr>
-            <a:spLocks noGrp="1"/>
-          </p:cNvSpPr>
-          <p:nvPr>
-            <p:ph type="dt" sz="half" idx="10"/>
-          </p:nvPr>
-        </p:nvSpPr>
-        <p:spPr/>
-        <p:txBody>
-          <a:bodyPr/>
-          <a:lstStyle/>
-          <a:p>
-            <a:fld id="{5586B75A-687E-405C-8A0B-8D00578BA2C3}" type="datetimeFigureOut">
-              <a:rPr lang="en-US" dirty="0"/>
-              <a:pPr/>
-              <a:t>3/3/2020</a:t>
-            </a:fld>
-            <a:endParaRPr lang="en-US" dirty="0"/>
-          </a:p>
-        </p:txBody>
-      </p:sp>
-      <p:sp>
-        <p:nvSpPr>
-          <p:cNvPr id="9" name="Footer Placeholder 8"/>
-          <p:cNvSpPr>
-            <a:spLocks noGrp="1"/>
-          </p:cNvSpPr>
-          <p:nvPr>
-            <p:ph type="ftr" sz="quarter" idx="11"/>
-          </p:nvPr>
-        </p:nvSpPr>
-        <p:spPr/>
-        <p:txBody>
-          <a:bodyPr/>
-          <a:lstStyle/>
-          <a:p>
-            <a:endParaRPr lang="en-US" dirty="0"/>
-          </a:p>
-        </p:txBody>
-      </p:sp>
-      <p:sp>
-        <p:nvSpPr>
-          <p:cNvPr id="10" name="Slide Number Placeholder 9"/>
-          <p:cNvSpPr>
-            <a:spLocks noGrp="1"/>
-          </p:cNvSpPr>
-          <p:nvPr>
-            <p:ph type="sldNum" sz="quarter" idx="12"/>
-          </p:nvPr>
-        </p:nvSpPr>
-        <p:spPr/>
-        <p:txBody>
-          <a:bodyPr/>
-          <a:lstStyle/>
-          <a:p>
-            <a:fld id="{4FAB73BC-B049-4115-A692-8D63A059BFB8}" type="slidenum">
-              <a:rPr lang="en-US" dirty="0"/>
-              <a:pPr/>
-              <a:t>‹#›</a:t>
-            </a:fld>
-            <a:endParaRPr lang="en-US" dirty="0"/>
-          </a:p>
-        </p:txBody>
-      </p:sp>
-    </p:spTree>
-  </p:cSld>
-  <p:clrMapOvr>
-    <a:masterClrMapping/>
-  </p:clrMapOvr>
-  <mc:AlternateContent xmlns:mc="http://schemas.openxmlformats.org/markup-compatibility/2006" xmlns:p14="http://schemas.microsoft.com/office/powerpoint/2010/main">
-    <mc:Choice Requires="p14">
-      <p:transition p14:dur="160">
-        <p:fade/>
-      </p:transition>
-    </mc:Choice>
-    <mc:Fallback xmlns="">
-      <p:transition>
-        <p:fade/>
-      </p:transition>
-    </mc:Fallback>
-  </mc:AlternateContent>
-</p:sldLayout>
-</file>
-
-<file path=ppt/slideLayouts/slideLayout5.xml><?xml version="1.0" encoding="utf-8"?>
-<p:sldLayout xmlns:a="http://schemas.openxmlformats.org/drawingml/2006/main" xmlns:r="http://schemas.openxmlformats.org/officeDocument/2006/relationships" xmlns:p="http://schemas.openxmlformats.org/presentationml/2006/main" type="twoTxTwoObj" preserve="1">
-  <p:cSld name="比較">
-    <p:spTree>
-      <p:nvGrpSpPr>
-        <p:cNvPr id="1" name=""/>
-        <p:cNvGrpSpPr/>
-        <p:nvPr/>
-      </p:nvGrpSpPr>
-      <p:grpSpPr>
-        <a:xfrm>
-          <a:off x="0" y="0"/>
-          <a:ext cx="0" cy="0"/>
-          <a:chOff x="0" y="0"/>
-          <a:chExt cx="0" cy="0"/>
-        </a:xfrm>
-      </p:grpSpPr>
-      <p:sp>
-        <p:nvSpPr>
-          <p:cNvPr id="10" name="Title 9"/>
-          <p:cNvSpPr>
-            <a:spLocks noGrp="1"/>
-          </p:cNvSpPr>
-          <p:nvPr>
-            <p:ph type="title"/>
-          </p:nvPr>
-        </p:nvSpPr>
-        <p:spPr/>
-        <p:txBody>
-          <a:bodyPr/>
-          <a:lstStyle/>
-          <a:p>
-            <a:r>
-              <a:rPr lang="zh-TW" altLang="en-US"/>
-              <a:t>按一下以編輯母片標題樣式</a:t>
-            </a:r>
-            <a:endParaRPr lang="en-US" dirty="0"/>
-          </a:p>
-        </p:txBody>
-      </p:sp>
-      <p:sp>
-        <p:nvSpPr>
-          <p:cNvPr id="3" name="Text Placeholder 2"/>
-          <p:cNvSpPr>
-            <a:spLocks noGrp="1"/>
-          </p:cNvSpPr>
-          <p:nvPr>
-            <p:ph type="body" idx="1"/>
-          </p:nvPr>
-        </p:nvSpPr>
-        <p:spPr>
-          <a:xfrm>
-            <a:off x="3867912" y="1023586"/>
-            <a:ext cx="3474720" cy="807720"/>
-          </a:xfrm>
-        </p:spPr>
-        <p:txBody>
-          <a:bodyPr anchor="b">
-            <a:normAutofit/>
-          </a:bodyPr>
-          <a:lstStyle>
-            <a:lvl1pPr marL="0" indent="0">
-              <a:spcBef>
-                <a:spcPts val="0"/>
-              </a:spcBef>
-              <a:buNone/>
-              <a:defRPr sz="2000" b="1">
-                <a:solidFill>
-                  <a:schemeClr val="tx1">
-                    <a:lumMod val="65000"/>
-                    <a:lumOff val="35000"/>
-                  </a:schemeClr>
-                </a:solidFill>
-              </a:defRPr>
-            </a:lvl1pPr>
-            <a:lvl2pPr marL="457200" indent="0">
-              <a:buNone/>
-              <a:defRPr sz="2000" b="1"/>
-            </a:lvl2pPr>
-            <a:lvl3pPr marL="914400" indent="0">
-              <a:buNone/>
-              <a:defRPr sz="1800" b="1"/>
-            </a:lvl3pPr>
-            <a:lvl4pPr marL="1371600" indent="0">
-              <a:buNone/>
-              <a:defRPr sz="1600" b="1"/>
-            </a:lvl4pPr>
-            <a:lvl5pPr marL="1828800" indent="0">
-              <a:buNone/>
-              <a:defRPr sz="1600" b="1"/>
-            </a:lvl5pPr>
-            <a:lvl6pPr marL="2286000" indent="0">
-              <a:buNone/>
-              <a:defRPr sz="1600" b="1"/>
-            </a:lvl6pPr>
-            <a:lvl7pPr marL="2743200" indent="0">
-              <a:buNone/>
-              <a:defRPr sz="1600" b="1"/>
-            </a:lvl7pPr>
-            <a:lvl8pPr marL="3200400" indent="0">
-              <a:buNone/>
-              <a:defRPr sz="1600" b="1"/>
-            </a:lvl8pPr>
-            <a:lvl9pPr marL="3657600" indent="0">
-              <a:buNone/>
-              <a:defRPr sz="1600" b="1"/>
-            </a:lvl9pPr>
-          </a:lstStyle>
-          <a:p>
-            <a:pPr lvl="0"/>
-            <a:r>
-              <a:rPr lang="zh-TW" altLang="en-US"/>
-              <a:t>按一下以編輯母片文字樣式</a:t>
-            </a:r>
-          </a:p>
-        </p:txBody>
-      </p:sp>
-      <p:sp>
-        <p:nvSpPr>
-          <p:cNvPr id="4" name="Content Placeholder 3"/>
-          <p:cNvSpPr>
-            <a:spLocks noGrp="1"/>
-          </p:cNvSpPr>
-          <p:nvPr>
-            <p:ph sz="half" idx="2"/>
-          </p:nvPr>
-        </p:nvSpPr>
-        <p:spPr>
-          <a:xfrm>
-            <a:off x="3867912" y="1930936"/>
-            <a:ext cx="3474720" cy="4023360"/>
-          </a:xfrm>
-        </p:spPr>
-        <p:txBody>
-          <a:bodyPr/>
-          <a:lstStyle>
-            <a:lvl1pPr>
-              <a:defRPr sz="2000"/>
-            </a:lvl1pPr>
-            <a:lvl2pPr>
-              <a:defRPr sz="1800"/>
-            </a:lvl2pPr>
-            <a:lvl3pPr>
-              <a:defRPr sz="1600"/>
-            </a:lvl3pPr>
-            <a:lvl4pPr>
-              <a:defRPr sz="1400"/>
-            </a:lvl4pPr>
-            <a:lvl5pPr>
-              <a:defRPr sz="1400"/>
-            </a:lvl5pPr>
-            <a:lvl6pPr>
-              <a:defRPr sz="1400"/>
-            </a:lvl6pPr>
-            <a:lvl7pPr>
-              <a:defRPr sz="1400"/>
-            </a:lvl7pPr>
-            <a:lvl8pPr>
-              <a:defRPr sz="1400"/>
-            </a:lvl8pPr>
-            <a:lvl9pPr>
-              <a:defRPr sz="1400"/>
-            </a:lvl9pPr>
-          </a:lstStyle>
-          <a:p>
-            <a:pPr lvl="0"/>
-            <a:r>
-              <a:rPr lang="zh-TW" altLang="en-US"/>
-              <a:t>按一下以編輯母片文字樣式</a:t>
-            </a:r>
-          </a:p>
-          <a:p>
-            <a:pPr lvl="1"/>
-            <a:r>
-              <a:rPr lang="zh-TW" altLang="en-US"/>
-              <a:t>第二層</a:t>
-            </a:r>
-          </a:p>
-          <a:p>
-            <a:pPr lvl="2"/>
-            <a:r>
-              <a:rPr lang="zh-TW" altLang="en-US"/>
-              <a:t>第三層</a:t>
-            </a:r>
-          </a:p>
-          <a:p>
-            <a:pPr lvl="3"/>
-            <a:r>
-              <a:rPr lang="zh-TW" altLang="en-US"/>
-              <a:t>第四層</a:t>
-            </a:r>
-          </a:p>
-          <a:p>
-            <a:pPr lvl="4"/>
-            <a:r>
-              <a:rPr lang="zh-TW" altLang="en-US"/>
-              <a:t>第五層</a:t>
-            </a:r>
-            <a:endParaRPr lang="en-US" dirty="0"/>
-          </a:p>
-        </p:txBody>
-      </p:sp>
-      <p:sp>
-        <p:nvSpPr>
-          <p:cNvPr id="5" name="Text Placeholder 4"/>
-          <p:cNvSpPr>
-            <a:spLocks noGrp="1"/>
-          </p:cNvSpPr>
-          <p:nvPr>
-            <p:ph type="body" sz="quarter" idx="3"/>
-          </p:nvPr>
-        </p:nvSpPr>
-        <p:spPr>
-          <a:xfrm>
-            <a:off x="7818463" y="1023586"/>
-            <a:ext cx="3474720" cy="813171"/>
-          </a:xfrm>
-        </p:spPr>
-        <p:txBody>
-          <a:bodyPr anchor="b">
-            <a:normAutofit/>
-          </a:bodyPr>
-          <a:lstStyle>
-            <a:lvl1pPr marL="0" indent="0">
-              <a:spcBef>
-                <a:spcPts val="0"/>
-              </a:spcBef>
-              <a:buNone/>
-              <a:defRPr sz="2000" b="1">
-                <a:solidFill>
-                  <a:schemeClr val="tx1">
-                    <a:lumMod val="65000"/>
-                    <a:lumOff val="35000"/>
-                  </a:schemeClr>
-                </a:solidFill>
-              </a:defRPr>
-            </a:lvl1pPr>
-            <a:lvl2pPr marL="457200" indent="0">
-              <a:buNone/>
-              <a:defRPr sz="2000" b="1"/>
-            </a:lvl2pPr>
-            <a:lvl3pPr marL="914400" indent="0">
-              <a:buNone/>
-              <a:defRPr sz="1800" b="1"/>
-            </a:lvl3pPr>
-            <a:lvl4pPr marL="1371600" indent="0">
-              <a:buNone/>
-              <a:defRPr sz="1600" b="1"/>
-            </a:lvl4pPr>
-            <a:lvl5pPr marL="1828800" indent="0">
-              <a:buNone/>
-              <a:defRPr sz="1600" b="1"/>
-            </a:lvl5pPr>
-            <a:lvl6pPr marL="2286000" indent="0">
-              <a:buNone/>
-              <a:defRPr sz="1600" b="1"/>
-            </a:lvl6pPr>
-            <a:lvl7pPr marL="2743200" indent="0">
-              <a:buNone/>
-              <a:defRPr sz="1600" b="1"/>
-            </a:lvl7pPr>
-            <a:lvl8pPr marL="3200400" indent="0">
-              <a:buNone/>
-              <a:defRPr sz="1600" b="1"/>
-            </a:lvl8pPr>
-            <a:lvl9pPr marL="3657600" indent="0">
-              <a:buNone/>
-              <a:defRPr sz="1600" b="1"/>
-            </a:lvl9pPr>
-          </a:lstStyle>
-          <a:p>
-            <a:pPr lvl="0"/>
-            <a:r>
-              <a:rPr lang="zh-TW" altLang="en-US"/>
-              <a:t>按一下以編輯母片文字樣式</a:t>
-            </a:r>
-          </a:p>
-        </p:txBody>
-      </p:sp>
-      <p:sp>
-        <p:nvSpPr>
-          <p:cNvPr id="6" name="Content Placeholder 5"/>
-          <p:cNvSpPr>
-            <a:spLocks noGrp="1"/>
-          </p:cNvSpPr>
-          <p:nvPr>
-            <p:ph sz="quarter" idx="4"/>
-          </p:nvPr>
-        </p:nvSpPr>
-        <p:spPr>
-          <a:xfrm>
-            <a:off x="7818463" y="1930936"/>
-            <a:ext cx="3474720" cy="4023360"/>
-          </a:xfrm>
-        </p:spPr>
-        <p:txBody>
-          <a:bodyPr/>
-          <a:lstStyle>
-            <a:lvl1pPr>
-              <a:defRPr sz="2000"/>
-            </a:lvl1pPr>
-            <a:lvl2pPr>
-              <a:defRPr sz="1800"/>
-            </a:lvl2pPr>
-            <a:lvl3pPr>
-              <a:defRPr sz="1600"/>
-            </a:lvl3pPr>
-            <a:lvl4pPr>
-              <a:defRPr sz="1400"/>
-            </a:lvl4pPr>
-            <a:lvl5pPr>
-              <a:defRPr sz="1400"/>
-            </a:lvl5pPr>
-            <a:lvl6pPr>
-              <a:defRPr sz="1400"/>
-            </a:lvl6pPr>
-            <a:lvl7pPr>
-              <a:defRPr sz="1400"/>
-            </a:lvl7pPr>
-            <a:lvl8pPr>
-              <a:defRPr sz="1400"/>
-            </a:lvl8pPr>
-            <a:lvl9pPr>
-              <a:defRPr sz="1400"/>
-            </a:lvl9pPr>
-          </a:lstStyle>
-          <a:p>
-            <a:pPr lvl="0"/>
-            <a:r>
-              <a:rPr lang="zh-TW" altLang="en-US"/>
-              <a:t>按一下以編輯母片文字樣式</a:t>
-            </a:r>
-          </a:p>
-          <a:p>
-            <a:pPr lvl="1"/>
-            <a:r>
-              <a:rPr lang="zh-TW" altLang="en-US"/>
-              <a:t>第二層</a:t>
-            </a:r>
-          </a:p>
-          <a:p>
-            <a:pPr lvl="2"/>
-            <a:r>
-              <a:rPr lang="zh-TW" altLang="en-US"/>
-              <a:t>第三層</a:t>
-            </a:r>
-          </a:p>
-          <a:p>
-            <a:pPr lvl="3"/>
-            <a:r>
-              <a:rPr lang="zh-TW" altLang="en-US"/>
-              <a:t>第四層</a:t>
-            </a:r>
-          </a:p>
-          <a:p>
-            <a:pPr lvl="4"/>
-            <a:r>
-              <a:rPr lang="zh-TW" altLang="en-US"/>
-              <a:t>第五層</a:t>
-            </a:r>
-            <a:endParaRPr lang="en-US" dirty="0"/>
-          </a:p>
-        </p:txBody>
-      </p:sp>
-      <p:sp>
-        <p:nvSpPr>
-          <p:cNvPr id="2" name="Date Placeholder 1"/>
-          <p:cNvSpPr>
-            <a:spLocks noGrp="1"/>
-          </p:cNvSpPr>
-          <p:nvPr>
-            <p:ph type="dt" sz="half" idx="10"/>
-          </p:nvPr>
-        </p:nvSpPr>
-        <p:spPr/>
-        <p:txBody>
-          <a:bodyPr/>
-          <a:lstStyle/>
-          <a:p>
-            <a:fld id="{5586B75A-687E-405C-8A0B-8D00578BA2C3}" type="datetimeFigureOut">
-              <a:rPr lang="en-US" dirty="0"/>
-              <a:pPr/>
-              <a:t>3/3/2020</a:t>
-            </a:fld>
-            <a:endParaRPr lang="en-US" dirty="0"/>
-          </a:p>
-        </p:txBody>
-      </p:sp>
-      <p:sp>
-        <p:nvSpPr>
-          <p:cNvPr id="11" name="Footer Placeholder 10"/>
-          <p:cNvSpPr>
-            <a:spLocks noGrp="1"/>
-          </p:cNvSpPr>
-          <p:nvPr>
-            <p:ph type="ftr" sz="quarter" idx="11"/>
-          </p:nvPr>
-        </p:nvSpPr>
-        <p:spPr/>
-        <p:txBody>
-          <a:bodyPr/>
-          <a:lstStyle/>
-          <a:p>
-            <a:endParaRPr lang="en-US" dirty="0"/>
-          </a:p>
-        </p:txBody>
-      </p:sp>
-      <p:sp>
-        <p:nvSpPr>
-          <p:cNvPr id="12" name="Slide Number Placeholder 11"/>
-          <p:cNvSpPr>
-            <a:spLocks noGrp="1"/>
-          </p:cNvSpPr>
-          <p:nvPr>
-            <p:ph type="sldNum" sz="quarter" idx="12"/>
-          </p:nvPr>
-        </p:nvSpPr>
-        <p:spPr/>
-        <p:txBody>
-          <a:bodyPr/>
-          <a:lstStyle/>
-          <a:p>
-            <a:fld id="{4FAB73BC-B049-4115-A692-8D63A059BFB8}" type="slidenum">
-              <a:rPr lang="en-US" dirty="0"/>
-              <a:pPr/>
-              <a:t>‹#›</a:t>
-            </a:fld>
-            <a:endParaRPr lang="en-US" dirty="0"/>
-          </a:p>
-        </p:txBody>
-      </p:sp>
-    </p:spTree>
-  </p:cSld>
-  <p:clrMapOvr>
-    <a:masterClrMapping/>
-  </p:clrMapOvr>
-  <mc:AlternateContent xmlns:mc="http://schemas.openxmlformats.org/markup-compatibility/2006" xmlns:p14="http://schemas.microsoft.com/office/powerpoint/2010/main">
-    <mc:Choice Requires="p14">
-      <p:transition p14:dur="160">
-        <p:fade/>
-      </p:transition>
-    </mc:Choice>
-    <mc:Fallback xmlns="">
-      <p:transition>
-        <p:fade/>
-      </p:transition>
-    </mc:Fallback>
-  </mc:AlternateContent>
-</p:sldLayout>
-</file>
-
-<file path=ppt/slideLayouts/slideLayout6.xml><?xml version="1.0" encoding="utf-8"?>
-<p:sldLayout xmlns:a="http://schemas.openxmlformats.org/drawingml/2006/main" xmlns:r="http://schemas.openxmlformats.org/officeDocument/2006/relationships" xmlns:p="http://schemas.openxmlformats.org/presentationml/2006/main" type="titleOnly" preserve="1">
-  <p:cSld name="只有標題">
-    <p:spTree>
-      <p:nvGrpSpPr>
-        <p:cNvPr id="1" name=""/>
-        <p:cNvGrpSpPr/>
-        <p:nvPr/>
-      </p:nvGrpSpPr>
-      <p:grpSpPr>
-        <a:xfrm>
-          <a:off x="0" y="0"/>
-          <a:ext cx="0" cy="0"/>
-          <a:chOff x="0" y="0"/>
-          <a:chExt cx="0" cy="0"/>
-        </a:xfrm>
-      </p:grpSpPr>
-      <p:sp>
-        <p:nvSpPr>
-          <p:cNvPr id="6" name="Title 5"/>
-          <p:cNvSpPr>
-            <a:spLocks noGrp="1"/>
-          </p:cNvSpPr>
-          <p:nvPr>
-            <p:ph type="title"/>
-          </p:nvPr>
-        </p:nvSpPr>
-        <p:spPr/>
-        <p:txBody>
-          <a:bodyPr/>
-          <a:lstStyle/>
-          <a:p>
-            <a:r>
-              <a:rPr lang="zh-TW" altLang="en-US"/>
-              <a:t>按一下以編輯母片標題樣式</a:t>
-            </a:r>
-            <a:endParaRPr lang="en-US" dirty="0"/>
-          </a:p>
-        </p:txBody>
-      </p:sp>
-      <p:sp>
-        <p:nvSpPr>
-          <p:cNvPr id="2" name="Date Placeholder 1"/>
-          <p:cNvSpPr>
-            <a:spLocks noGrp="1"/>
-          </p:cNvSpPr>
-          <p:nvPr>
-            <p:ph type="dt" sz="half" idx="10"/>
-          </p:nvPr>
-        </p:nvSpPr>
-        <p:spPr/>
-        <p:txBody>
-          <a:bodyPr/>
-          <a:lstStyle/>
-          <a:p>
-            <a:fld id="{5586B75A-687E-405C-8A0B-8D00578BA2C3}" type="datetimeFigureOut">
-              <a:rPr lang="en-US" dirty="0"/>
-              <a:pPr/>
-              <a:t>3/3/2020</a:t>
-            </a:fld>
-            <a:endParaRPr lang="en-US" dirty="0"/>
-          </a:p>
-        </p:txBody>
-      </p:sp>
-      <p:sp>
-        <p:nvSpPr>
-          <p:cNvPr id="7" name="Footer Placeholder 6"/>
-          <p:cNvSpPr>
-            <a:spLocks noGrp="1"/>
-          </p:cNvSpPr>
-          <p:nvPr>
-            <p:ph type="ftr" sz="quarter" idx="11"/>
-          </p:nvPr>
-        </p:nvSpPr>
-        <p:spPr/>
-        <p:txBody>
-          <a:bodyPr/>
-          <a:lstStyle/>
-          <a:p>
-            <a:endParaRPr lang="en-US" dirty="0"/>
-          </a:p>
-        </p:txBody>
-      </p:sp>
-      <p:sp>
-        <p:nvSpPr>
-          <p:cNvPr id="8" name="Slide Number Placeholder 7"/>
-          <p:cNvSpPr>
-            <a:spLocks noGrp="1"/>
-          </p:cNvSpPr>
-          <p:nvPr>
-            <p:ph type="sldNum" sz="quarter" idx="12"/>
-          </p:nvPr>
-        </p:nvSpPr>
-        <p:spPr/>
-        <p:txBody>
-          <a:bodyPr/>
-          <a:lstStyle/>
-          <a:p>
-            <a:fld id="{4FAB73BC-B049-4115-A692-8D63A059BFB8}" type="slidenum">
-              <a:rPr lang="en-US" dirty="0"/>
-              <a:pPr/>
-              <a:t>‹#›</a:t>
-            </a:fld>
-            <a:endParaRPr lang="en-US" dirty="0"/>
-          </a:p>
-        </p:txBody>
-      </p:sp>
-    </p:spTree>
-  </p:cSld>
-  <p:clrMapOvr>
-    <a:masterClrMapping/>
-  </p:clrMapOvr>
-  <mc:AlternateContent xmlns:mc="http://schemas.openxmlformats.org/markup-compatibility/2006" xmlns:p14="http://schemas.microsoft.com/office/powerpoint/2010/main">
-    <mc:Choice Requires="p14">
-      <p:transition p14:dur="160">
-        <p:fade/>
-      </p:transition>
-    </mc:Choice>
-    <mc:Fallback xmlns="">
-      <p:transition>
-        <p:fade/>
-      </p:transition>
-    </mc:Fallback>
-  </mc:AlternateContent>
-</p:sldLayout>
-</file>
-
-<file path=ppt/slideLayouts/slideLayout7.xml><?xml version="1.0" encoding="utf-8"?>
-<p:sldLayout xmlns:a="http://schemas.openxmlformats.org/drawingml/2006/main" xmlns:r="http://schemas.openxmlformats.org/officeDocument/2006/relationships" xmlns:p="http://schemas.openxmlformats.org/presentationml/2006/main" showMasterSp="0" type="blank" preserve="1">
-  <p:cSld name="空白">
-    <p:spTree>
-      <p:nvGrpSpPr>
-        <p:cNvPr id="1" name=""/>
-        <p:cNvGrpSpPr/>
-        <p:nvPr/>
-      </p:nvGrpSpPr>
-      <p:grpSpPr>
-        <a:xfrm>
-          <a:off x="0" y="0"/>
-          <a:ext cx="0" cy="0"/>
-          <a:chOff x="0" y="0"/>
-          <a:chExt cx="0" cy="0"/>
-        </a:xfrm>
-      </p:grpSpPr>
-      <p:sp>
-        <p:nvSpPr>
-          <p:cNvPr id="5" name="Date Placeholder 4"/>
-          <p:cNvSpPr>
-            <a:spLocks noGrp="1"/>
-          </p:cNvSpPr>
-          <p:nvPr>
-            <p:ph type="dt" sz="half" idx="10"/>
-          </p:nvPr>
-        </p:nvSpPr>
-        <p:spPr/>
-        <p:txBody>
-          <a:bodyPr/>
-          <a:lstStyle/>
-          <a:p>
-            <a:fld id="{5586B75A-687E-405C-8A0B-8D00578BA2C3}" type="datetimeFigureOut">
-              <a:rPr lang="en-US" dirty="0"/>
-              <a:pPr/>
-              <a:t>3/3/2020</a:t>
-            </a:fld>
-            <a:endParaRPr lang="en-US" dirty="0"/>
-          </a:p>
-        </p:txBody>
-      </p:sp>
-      <p:sp>
-        <p:nvSpPr>
-          <p:cNvPr id="6" name="Footer Placeholder 5"/>
-          <p:cNvSpPr>
-            <a:spLocks noGrp="1"/>
-          </p:cNvSpPr>
-          <p:nvPr>
-            <p:ph type="ftr" sz="quarter" idx="11"/>
-          </p:nvPr>
-        </p:nvSpPr>
-        <p:spPr/>
-        <p:txBody>
-          <a:bodyPr/>
-          <a:lstStyle/>
-          <a:p>
-            <a:endParaRPr lang="en-US" dirty="0"/>
-          </a:p>
-        </p:txBody>
-      </p:sp>
-      <p:sp>
-        <p:nvSpPr>
-          <p:cNvPr id="7" name="Slide Number Placeholder 6"/>
-          <p:cNvSpPr>
-            <a:spLocks noGrp="1"/>
-          </p:cNvSpPr>
-          <p:nvPr>
-            <p:ph type="sldNum" sz="quarter" idx="12"/>
-          </p:nvPr>
-        </p:nvSpPr>
-        <p:spPr/>
-        <p:txBody>
-          <a:bodyPr/>
-          <a:lstStyle/>
-          <a:p>
-            <a:fld id="{4FAB73BC-B049-4115-A692-8D63A059BFB8}" type="slidenum">
-              <a:rPr lang="en-US" dirty="0"/>
-              <a:pPr/>
-              <a:t>‹#›</a:t>
-            </a:fld>
-            <a:endParaRPr lang="en-US" dirty="0"/>
-          </a:p>
-        </p:txBody>
-      </p:sp>
-    </p:spTree>
-  </p:cSld>
-  <p:clrMapOvr>
-    <a:masterClrMapping/>
-  </p:clrMapOvr>
-  <mc:AlternateContent xmlns:mc="http://schemas.openxmlformats.org/markup-compatibility/2006" xmlns:p14="http://schemas.microsoft.com/office/powerpoint/2010/main">
-    <mc:Choice Requires="p14">
-      <p:transition p14:dur="160">
-        <p:fade/>
-      </p:transition>
-    </mc:Choice>
-    <mc:Fallback xmlns="">
-      <p:transition>
-        <p:fade/>
-      </p:transition>
-    </mc:Fallback>
-  </mc:AlternateContent>
-</p:sldLayout>
-</file>
-
-<file path=ppt/slideLayouts/slideLayout8.xml><?xml version="1.0" encoding="utf-8"?>
-<p:sldLayout xmlns:a="http://schemas.openxmlformats.org/drawingml/2006/main" xmlns:r="http://schemas.openxmlformats.org/officeDocument/2006/relationships" xmlns:p="http://schemas.openxmlformats.org/presentationml/2006/main" type="objTx" preserve="1">
-  <p:cSld name="含輔助字幕的內容">
-    <p:spTree>
-      <p:nvGrpSpPr>
-        <p:cNvPr id="1" name=""/>
-        <p:cNvGrpSpPr/>
-        <p:nvPr/>
-      </p:nvGrpSpPr>
-      <p:grpSpPr>
-        <a:xfrm>
-          <a:off x="0" y="0"/>
-          <a:ext cx="0" cy="0"/>
-          <a:chOff x="0" y="0"/>
-          <a:chExt cx="0" cy="0"/>
-        </a:xfrm>
-      </p:grpSpPr>
-      <p:sp>
-        <p:nvSpPr>
-          <p:cNvPr id="2" name="Title 1"/>
-          <p:cNvSpPr>
-            <a:spLocks noGrp="1"/>
-          </p:cNvSpPr>
-          <p:nvPr>
-            <p:ph type="title"/>
-          </p:nvPr>
-        </p:nvSpPr>
-        <p:spPr>
-          <a:xfrm>
-            <a:off x="256032" y="1143000"/>
-            <a:ext cx="2834640" cy="2377440"/>
-          </a:xfrm>
-        </p:spPr>
-        <p:txBody>
-          <a:bodyPr anchor="b">
-            <a:normAutofit/>
-          </a:bodyPr>
-          <a:lstStyle>
-            <a:lvl1pPr>
-              <a:defRPr sz="3200" b="0" baseline="0"/>
-            </a:lvl1pPr>
-          </a:lstStyle>
-          <a:p>
-            <a:r>
-              <a:rPr lang="zh-TW" altLang="en-US"/>
-              <a:t>按一下以編輯母片標題樣式</a:t>
-            </a:r>
-            <a:endParaRPr lang="en-US" dirty="0"/>
-          </a:p>
-        </p:txBody>
-      </p:sp>
-      <p:sp>
-        <p:nvSpPr>
-          <p:cNvPr id="3" name="Content Placeholder 2"/>
-          <p:cNvSpPr>
-            <a:spLocks noGrp="1"/>
-          </p:cNvSpPr>
-          <p:nvPr>
-            <p:ph idx="1"/>
-          </p:nvPr>
-        </p:nvSpPr>
-        <p:spPr>
-          <a:xfrm>
-            <a:off x="3867912" y="868680"/>
-            <a:ext cx="7315200" cy="5120640"/>
-          </a:xfrm>
-        </p:spPr>
-        <p:txBody>
-          <a:bodyPr/>
-          <a:lstStyle>
-            <a:lvl1pPr>
-              <a:defRPr sz="2000"/>
-            </a:lvl1pPr>
-            <a:lvl2pPr>
-              <a:defRPr sz="1800"/>
-            </a:lvl2pPr>
-            <a:lvl3pPr>
-              <a:defRPr sz="1600"/>
-            </a:lvl3pPr>
-            <a:lvl4pPr>
-              <a:defRPr sz="1400"/>
-            </a:lvl4pPr>
-            <a:lvl5pPr>
-              <a:defRPr sz="1400"/>
-            </a:lvl5pPr>
-            <a:lvl6pPr>
-              <a:defRPr sz="1400"/>
-            </a:lvl6pPr>
-            <a:lvl7pPr>
-              <a:defRPr sz="1400"/>
-            </a:lvl7pPr>
-            <a:lvl8pPr>
-              <a:defRPr sz="1400"/>
-            </a:lvl8pPr>
-            <a:lvl9pPr>
-              <a:defRPr sz="1400"/>
-            </a:lvl9pPr>
-          </a:lstStyle>
-          <a:p>
-            <a:pPr lvl="0"/>
-            <a:r>
-              <a:rPr lang="zh-TW" altLang="en-US"/>
-              <a:t>按一下以編輯母片文字樣式</a:t>
-            </a:r>
-          </a:p>
-          <a:p>
-            <a:pPr lvl="1"/>
-            <a:r>
-              <a:rPr lang="zh-TW" altLang="en-US"/>
-              <a:t>第二層</a:t>
-            </a:r>
-          </a:p>
-          <a:p>
-            <a:pPr lvl="2"/>
-            <a:r>
-              <a:rPr lang="zh-TW" altLang="en-US"/>
-              <a:t>第三層</a:t>
-            </a:r>
-          </a:p>
-          <a:p>
-            <a:pPr lvl="3"/>
-            <a:r>
-              <a:rPr lang="zh-TW" altLang="en-US"/>
-              <a:t>第四層</a:t>
-            </a:r>
-          </a:p>
-          <a:p>
-            <a:pPr lvl="4"/>
-            <a:r>
-              <a:rPr lang="zh-TW" altLang="en-US"/>
-              <a:t>第五層</a:t>
-            </a:r>
-            <a:endParaRPr lang="en-US" dirty="0"/>
-          </a:p>
-        </p:txBody>
-      </p:sp>
-      <p:sp>
-        <p:nvSpPr>
-          <p:cNvPr id="4" name="Text Placeholder 3"/>
-          <p:cNvSpPr>
-            <a:spLocks noGrp="1"/>
-          </p:cNvSpPr>
-          <p:nvPr>
-            <p:ph type="body" sz="half" idx="2"/>
-          </p:nvPr>
-        </p:nvSpPr>
-        <p:spPr>
-          <a:xfrm>
-            <a:off x="256032" y="3494176"/>
-            <a:ext cx="2834640" cy="2321990"/>
-          </a:xfrm>
-        </p:spPr>
-        <p:txBody>
-          <a:bodyPr anchor="t">
-            <a:normAutofit/>
-          </a:bodyPr>
-          <a:lstStyle>
-            <a:lvl1pPr marL="0" indent="0">
-              <a:lnSpc>
-                <a:spcPct val="100000"/>
-              </a:lnSpc>
-              <a:buNone/>
-              <a:defRPr sz="1400">
-                <a:solidFill>
-                  <a:srgbClr val="FFFFFF"/>
-                </a:solidFill>
-              </a:defRPr>
-            </a:lvl1pPr>
-            <a:lvl2pPr marL="457200" indent="0">
-              <a:buNone/>
-              <a:defRPr sz="1200"/>
-            </a:lvl2pPr>
-            <a:lvl3pPr marL="914400" indent="0">
-              <a:buNone/>
-              <a:defRPr sz="1000"/>
-            </a:lvl3pPr>
-            <a:lvl4pPr marL="1371600" indent="0">
-              <a:buNone/>
-              <a:defRPr sz="900"/>
-            </a:lvl4pPr>
-            <a:lvl5pPr marL="1828800" indent="0">
-              <a:buNone/>
-              <a:defRPr sz="900"/>
-            </a:lvl5pPr>
-            <a:lvl6pPr marL="2286000" indent="0">
-              <a:buNone/>
-              <a:defRPr sz="900"/>
-            </a:lvl6pPr>
-            <a:lvl7pPr marL="2743200" indent="0">
-              <a:buNone/>
-              <a:defRPr sz="900"/>
-            </a:lvl7pPr>
-            <a:lvl8pPr marL="3200400" indent="0">
-              <a:buNone/>
-              <a:defRPr sz="900"/>
-            </a:lvl8pPr>
-            <a:lvl9pPr marL="3657600" indent="0">
-              <a:buNone/>
-              <a:defRPr sz="900"/>
-            </a:lvl9pPr>
-          </a:lstStyle>
-          <a:p>
-            <a:pPr lvl="0"/>
-            <a:r>
-              <a:rPr lang="zh-TW" altLang="en-US"/>
-              <a:t>按一下以編輯母片文字樣式</a:t>
-            </a:r>
-          </a:p>
-        </p:txBody>
-      </p:sp>
-      <p:sp>
-        <p:nvSpPr>
-          <p:cNvPr id="8" name="Date Placeholder 7"/>
-          <p:cNvSpPr>
-            <a:spLocks noGrp="1"/>
-          </p:cNvSpPr>
-          <p:nvPr>
-            <p:ph type="dt" sz="half" idx="10"/>
-          </p:nvPr>
-        </p:nvSpPr>
-        <p:spPr/>
-        <p:txBody>
-          <a:bodyPr/>
-          <a:lstStyle/>
-          <a:p>
-            <a:fld id="{5586B75A-687E-405C-8A0B-8D00578BA2C3}" type="datetimeFigureOut">
-              <a:rPr lang="en-US" dirty="0"/>
-              <a:pPr/>
-              <a:t>3/3/2020</a:t>
-            </a:fld>
-            <a:endParaRPr lang="en-US" dirty="0"/>
-          </a:p>
-        </p:txBody>
-      </p:sp>
-      <p:sp>
-        <p:nvSpPr>
-          <p:cNvPr id="9" name="Footer Placeholder 8"/>
-          <p:cNvSpPr>
-            <a:spLocks noGrp="1"/>
-          </p:cNvSpPr>
-          <p:nvPr>
-            <p:ph type="ftr" sz="quarter" idx="11"/>
-          </p:nvPr>
-        </p:nvSpPr>
-        <p:spPr/>
-        <p:txBody>
-          <a:bodyPr/>
-          <a:lstStyle/>
-          <a:p>
-            <a:endParaRPr lang="en-US" dirty="0"/>
-          </a:p>
-        </p:txBody>
-      </p:sp>
-      <p:sp>
-        <p:nvSpPr>
-          <p:cNvPr id="10" name="Slide Number Placeholder 9"/>
-          <p:cNvSpPr>
-            <a:spLocks noGrp="1"/>
-          </p:cNvSpPr>
-          <p:nvPr>
-            <p:ph type="sldNum" sz="quarter" idx="12"/>
-          </p:nvPr>
-        </p:nvSpPr>
-        <p:spPr/>
-        <p:txBody>
-          <a:bodyPr/>
-          <a:lstStyle/>
-          <a:p>
-            <a:fld id="{4FAB73BC-B049-4115-A692-8D63A059BFB8}" type="slidenum">
-              <a:rPr lang="en-US" dirty="0"/>
-              <a:pPr/>
-              <a:t>‹#›</a:t>
-            </a:fld>
-            <a:endParaRPr lang="en-US" dirty="0"/>
-          </a:p>
-        </p:txBody>
-      </p:sp>
-    </p:spTree>
-  </p:cSld>
-  <p:clrMapOvr>
-    <a:masterClrMapping/>
-  </p:clrMapOvr>
-  <mc:AlternateContent xmlns:mc="http://schemas.openxmlformats.org/markup-compatibility/2006" xmlns:p14="http://schemas.microsoft.com/office/powerpoint/2010/main">
-    <mc:Choice Requires="p14">
-      <p:transition p14:dur="160">
-        <p:fade/>
-      </p:transition>
-    </mc:Choice>
-    <mc:Fallback xmlns="">
-      <p:transition>
-        <p:fade/>
-      </p:transition>
-    </mc:Fallback>
-  </mc:AlternateContent>
-</p:sldLayout>
-</file>
-
-<file path=ppt/slideLayouts/slideLayout9.xml><?xml version="1.0" encoding="utf-8"?>
 <p:sldLayout xmlns:a="http://schemas.openxmlformats.org/drawingml/2006/main" xmlns:r="http://schemas.openxmlformats.org/officeDocument/2006/relationships" xmlns:p="http://schemas.openxmlformats.org/presentationml/2006/main" type="picTx" preserve="1">
   <p:cSld name="含輔助字幕的圖片">
     <p:spTree>
@@ -4737,10 +2676,9 @@
           <a:bodyPr/>
           <a:lstStyle/>
           <a:p>
-            <a:fld id="{5586B75A-687E-405C-8A0B-8D00578BA2C3}" type="datetimeFigureOut">
-              <a:rPr lang="en-US" dirty="0"/>
-              <a:pPr/>
-              <a:t>3/3/2020</a:t>
+            <a:fld id="{EDA0A132-BC1D-4AF8-815F-69FFFBA081C0}" type="datetime1">
+              <a:rPr lang="en-US" altLang="zh-TW" smtClean="0"/>
+              <a:t>3/6/2020</a:t>
             </a:fld>
             <a:endParaRPr lang="en-US" dirty="0"/>
           </a:p>
@@ -4780,7 +2718,15 @@
             <p:ph type="sldNum" sz="quarter" idx="12"/>
           </p:nvPr>
         </p:nvSpPr>
-        <p:spPr/>
+        <p:spPr>
+          <a:xfrm>
+            <a:off x="10634135" y="6356350"/>
+            <a:ext cx="1530927" cy="365125"/>
+          </a:xfrm>
+          <a:prstGeom prst="rect">
+            <a:avLst/>
+          </a:prstGeom>
+        </p:spPr>
         <p:txBody>
           <a:bodyPr/>
           <a:lstStyle/>
@@ -4811,6 +2757,2361 @@
       </p:transition>
     </mc:Fallback>
   </mc:AlternateContent>
+</p:sldLayout>
+</file>
+
+<file path=ppt/slideLayouts/slideLayout11.xml><?xml version="1.0" encoding="utf-8"?>
+<p:sldLayout xmlns:a="http://schemas.openxmlformats.org/drawingml/2006/main" xmlns:r="http://schemas.openxmlformats.org/officeDocument/2006/relationships" xmlns:p="http://schemas.openxmlformats.org/presentationml/2006/main" type="vertTx" preserve="1">
+  <p:cSld name="標題及直排文字">
+    <p:spTree>
+      <p:nvGrpSpPr>
+        <p:cNvPr id="1" name=""/>
+        <p:cNvGrpSpPr/>
+        <p:nvPr/>
+      </p:nvGrpSpPr>
+      <p:grpSpPr>
+        <a:xfrm>
+          <a:off x="0" y="0"/>
+          <a:ext cx="0" cy="0"/>
+          <a:chOff x="0" y="0"/>
+          <a:chExt cx="0" cy="0"/>
+        </a:xfrm>
+      </p:grpSpPr>
+      <p:sp>
+        <p:nvSpPr>
+          <p:cNvPr id="2" name="Title 1"/>
+          <p:cNvSpPr>
+            <a:spLocks noGrp="1"/>
+          </p:cNvSpPr>
+          <p:nvPr>
+            <p:ph type="title"/>
+          </p:nvPr>
+        </p:nvSpPr>
+        <p:spPr/>
+        <p:txBody>
+          <a:bodyPr/>
+          <a:lstStyle/>
+          <a:p>
+            <a:r>
+              <a:rPr lang="zh-TW" altLang="en-US"/>
+              <a:t>按一下以編輯母片標題樣式</a:t>
+            </a:r>
+            <a:endParaRPr lang="en-US" dirty="0"/>
+          </a:p>
+        </p:txBody>
+      </p:sp>
+      <p:sp>
+        <p:nvSpPr>
+          <p:cNvPr id="3" name="Vertical Text Placeholder 2"/>
+          <p:cNvSpPr>
+            <a:spLocks noGrp="1"/>
+          </p:cNvSpPr>
+          <p:nvPr>
+            <p:ph type="body" orient="vert" idx="1"/>
+          </p:nvPr>
+        </p:nvSpPr>
+        <p:spPr/>
+        <p:txBody>
+          <a:bodyPr vert="eaVert" anchor="t"/>
+          <a:lstStyle/>
+          <a:p>
+            <a:pPr lvl="0"/>
+            <a:r>
+              <a:rPr lang="zh-TW" altLang="en-US"/>
+              <a:t>按一下以編輯母片文字樣式</a:t>
+            </a:r>
+          </a:p>
+          <a:p>
+            <a:pPr lvl="1"/>
+            <a:r>
+              <a:rPr lang="zh-TW" altLang="en-US"/>
+              <a:t>第二層</a:t>
+            </a:r>
+          </a:p>
+          <a:p>
+            <a:pPr lvl="2"/>
+            <a:r>
+              <a:rPr lang="zh-TW" altLang="en-US"/>
+              <a:t>第三層</a:t>
+            </a:r>
+          </a:p>
+          <a:p>
+            <a:pPr lvl="3"/>
+            <a:r>
+              <a:rPr lang="zh-TW" altLang="en-US"/>
+              <a:t>第四層</a:t>
+            </a:r>
+          </a:p>
+          <a:p>
+            <a:pPr lvl="4"/>
+            <a:r>
+              <a:rPr lang="zh-TW" altLang="en-US"/>
+              <a:t>第五層</a:t>
+            </a:r>
+            <a:endParaRPr lang="en-US" dirty="0"/>
+          </a:p>
+        </p:txBody>
+      </p:sp>
+      <p:sp>
+        <p:nvSpPr>
+          <p:cNvPr id="7" name="Date Placeholder 6"/>
+          <p:cNvSpPr>
+            <a:spLocks noGrp="1"/>
+          </p:cNvSpPr>
+          <p:nvPr>
+            <p:ph type="dt" sz="half" idx="10"/>
+          </p:nvPr>
+        </p:nvSpPr>
+        <p:spPr/>
+        <p:txBody>
+          <a:bodyPr/>
+          <a:lstStyle/>
+          <a:p>
+            <a:fld id="{7D88C161-0482-4BB7-93B6-C6023237F745}" type="datetime1">
+              <a:rPr lang="en-US" altLang="zh-TW" smtClean="0"/>
+              <a:t>3/6/2020</a:t>
+            </a:fld>
+            <a:endParaRPr lang="en-US" dirty="0"/>
+          </a:p>
+        </p:txBody>
+      </p:sp>
+      <p:sp>
+        <p:nvSpPr>
+          <p:cNvPr id="8" name="Footer Placeholder 7"/>
+          <p:cNvSpPr>
+            <a:spLocks noGrp="1"/>
+          </p:cNvSpPr>
+          <p:nvPr>
+            <p:ph type="ftr" sz="quarter" idx="11"/>
+          </p:nvPr>
+        </p:nvSpPr>
+        <p:spPr/>
+        <p:txBody>
+          <a:bodyPr/>
+          <a:lstStyle/>
+          <a:p>
+            <a:endParaRPr lang="en-US" dirty="0"/>
+          </a:p>
+        </p:txBody>
+      </p:sp>
+      <p:sp>
+        <p:nvSpPr>
+          <p:cNvPr id="9" name="Slide Number Placeholder 8"/>
+          <p:cNvSpPr>
+            <a:spLocks noGrp="1"/>
+          </p:cNvSpPr>
+          <p:nvPr>
+            <p:ph type="sldNum" sz="quarter" idx="12"/>
+          </p:nvPr>
+        </p:nvSpPr>
+        <p:spPr>
+          <a:xfrm>
+            <a:off x="10634135" y="6356350"/>
+            <a:ext cx="1530927" cy="365125"/>
+          </a:xfrm>
+          <a:prstGeom prst="rect">
+            <a:avLst/>
+          </a:prstGeom>
+        </p:spPr>
+        <p:txBody>
+          <a:bodyPr/>
+          <a:lstStyle/>
+          <a:p>
+            <a:fld id="{4FAB73BC-B049-4115-A692-8D63A059BFB8}" type="slidenum">
+              <a:rPr lang="en-US" dirty="0"/>
+              <a:pPr/>
+              <a:t>‹#›</a:t>
+            </a:fld>
+            <a:endParaRPr lang="en-US" dirty="0"/>
+          </a:p>
+        </p:txBody>
+      </p:sp>
+    </p:spTree>
+  </p:cSld>
+  <p:clrMapOvr>
+    <a:masterClrMapping/>
+  </p:clrMapOvr>
+  <mc:AlternateContent xmlns:mc="http://schemas.openxmlformats.org/markup-compatibility/2006" xmlns:p14="http://schemas.microsoft.com/office/powerpoint/2010/main">
+    <mc:Choice Requires="p14">
+      <p:transition p14:dur="160">
+        <p:fade/>
+      </p:transition>
+    </mc:Choice>
+    <mc:Fallback xmlns="">
+      <p:transition>
+        <p:fade/>
+      </p:transition>
+    </mc:Fallback>
+  </mc:AlternateContent>
+</p:sldLayout>
+</file>
+
+<file path=ppt/slideLayouts/slideLayout12.xml><?xml version="1.0" encoding="utf-8"?>
+<p:sldLayout xmlns:a="http://schemas.openxmlformats.org/drawingml/2006/main" xmlns:r="http://schemas.openxmlformats.org/officeDocument/2006/relationships" xmlns:p="http://schemas.openxmlformats.org/presentationml/2006/main" type="vertTitleAndTx" preserve="1">
+  <p:cSld name="直排標題及文字">
+    <p:spTree>
+      <p:nvGrpSpPr>
+        <p:cNvPr id="1" name=""/>
+        <p:cNvGrpSpPr/>
+        <p:nvPr/>
+      </p:nvGrpSpPr>
+      <p:grpSpPr>
+        <a:xfrm>
+          <a:off x="0" y="0"/>
+          <a:ext cx="0" cy="0"/>
+          <a:chOff x="0" y="0"/>
+          <a:chExt cx="0" cy="0"/>
+        </a:xfrm>
+      </p:grpSpPr>
+      <p:sp>
+        <p:nvSpPr>
+          <p:cNvPr id="2" name="Vertical Title 1"/>
+          <p:cNvSpPr>
+            <a:spLocks noGrp="1"/>
+          </p:cNvSpPr>
+          <p:nvPr>
+            <p:ph type="title" orient="vert"/>
+          </p:nvPr>
+        </p:nvSpPr>
+        <p:spPr>
+          <a:xfrm>
+            <a:off x="381000" y="990600"/>
+            <a:ext cx="2819400" cy="4953000"/>
+          </a:xfrm>
+        </p:spPr>
+        <p:txBody>
+          <a:bodyPr vert="eaVert"/>
+          <a:lstStyle/>
+          <a:p>
+            <a:r>
+              <a:rPr lang="zh-TW" altLang="en-US"/>
+              <a:t>按一下以編輯母片標題樣式</a:t>
+            </a:r>
+            <a:endParaRPr lang="en-US" dirty="0"/>
+          </a:p>
+        </p:txBody>
+      </p:sp>
+      <p:sp>
+        <p:nvSpPr>
+          <p:cNvPr id="3" name="Vertical Text Placeholder 2"/>
+          <p:cNvSpPr>
+            <a:spLocks noGrp="1"/>
+          </p:cNvSpPr>
+          <p:nvPr>
+            <p:ph type="body" orient="vert" idx="1"/>
+          </p:nvPr>
+        </p:nvSpPr>
+        <p:spPr>
+          <a:xfrm>
+            <a:off x="3867912" y="868680"/>
+            <a:ext cx="7315200" cy="5120640"/>
+          </a:xfrm>
+        </p:spPr>
+        <p:txBody>
+          <a:bodyPr vert="eaVert" anchor="t"/>
+          <a:lstStyle/>
+          <a:p>
+            <a:pPr lvl="0"/>
+            <a:r>
+              <a:rPr lang="zh-TW" altLang="en-US"/>
+              <a:t>按一下以編輯母片文字樣式</a:t>
+            </a:r>
+          </a:p>
+          <a:p>
+            <a:pPr lvl="1"/>
+            <a:r>
+              <a:rPr lang="zh-TW" altLang="en-US"/>
+              <a:t>第二層</a:t>
+            </a:r>
+          </a:p>
+          <a:p>
+            <a:pPr lvl="2"/>
+            <a:r>
+              <a:rPr lang="zh-TW" altLang="en-US"/>
+              <a:t>第三層</a:t>
+            </a:r>
+          </a:p>
+          <a:p>
+            <a:pPr lvl="3"/>
+            <a:r>
+              <a:rPr lang="zh-TW" altLang="en-US"/>
+              <a:t>第四層</a:t>
+            </a:r>
+          </a:p>
+          <a:p>
+            <a:pPr lvl="4"/>
+            <a:r>
+              <a:rPr lang="zh-TW" altLang="en-US"/>
+              <a:t>第五層</a:t>
+            </a:r>
+            <a:endParaRPr lang="en-US" dirty="0"/>
+          </a:p>
+        </p:txBody>
+      </p:sp>
+      <p:sp>
+        <p:nvSpPr>
+          <p:cNvPr id="7" name="Date Placeholder 6"/>
+          <p:cNvSpPr>
+            <a:spLocks noGrp="1"/>
+          </p:cNvSpPr>
+          <p:nvPr>
+            <p:ph type="dt" sz="half" idx="10"/>
+          </p:nvPr>
+        </p:nvSpPr>
+        <p:spPr/>
+        <p:txBody>
+          <a:bodyPr/>
+          <a:lstStyle/>
+          <a:p>
+            <a:fld id="{8E4C3707-23DF-4F24-B951-FD2ECC3B8CB1}" type="datetime1">
+              <a:rPr lang="en-US" altLang="zh-TW" smtClean="0"/>
+              <a:t>3/6/2020</a:t>
+            </a:fld>
+            <a:endParaRPr lang="en-US" dirty="0"/>
+          </a:p>
+        </p:txBody>
+      </p:sp>
+      <p:sp>
+        <p:nvSpPr>
+          <p:cNvPr id="8" name="Footer Placeholder 7"/>
+          <p:cNvSpPr>
+            <a:spLocks noGrp="1"/>
+          </p:cNvSpPr>
+          <p:nvPr>
+            <p:ph type="ftr" sz="quarter" idx="11"/>
+          </p:nvPr>
+        </p:nvSpPr>
+        <p:spPr/>
+        <p:txBody>
+          <a:bodyPr/>
+          <a:lstStyle/>
+          <a:p>
+            <a:endParaRPr lang="en-US" dirty="0"/>
+          </a:p>
+        </p:txBody>
+      </p:sp>
+      <p:sp>
+        <p:nvSpPr>
+          <p:cNvPr id="9" name="Slide Number Placeholder 8"/>
+          <p:cNvSpPr>
+            <a:spLocks noGrp="1"/>
+          </p:cNvSpPr>
+          <p:nvPr>
+            <p:ph type="sldNum" sz="quarter" idx="12"/>
+          </p:nvPr>
+        </p:nvSpPr>
+        <p:spPr>
+          <a:xfrm>
+            <a:off x="10634135" y="6356350"/>
+            <a:ext cx="1530927" cy="365125"/>
+          </a:xfrm>
+          <a:prstGeom prst="rect">
+            <a:avLst/>
+          </a:prstGeom>
+        </p:spPr>
+        <p:txBody>
+          <a:bodyPr/>
+          <a:lstStyle/>
+          <a:p>
+            <a:fld id="{4FAB73BC-B049-4115-A692-8D63A059BFB8}" type="slidenum">
+              <a:rPr lang="en-US" dirty="0"/>
+              <a:pPr/>
+              <a:t>‹#›</a:t>
+            </a:fld>
+            <a:endParaRPr lang="en-US" dirty="0"/>
+          </a:p>
+        </p:txBody>
+      </p:sp>
+    </p:spTree>
+  </p:cSld>
+  <p:clrMapOvr>
+    <a:masterClrMapping/>
+  </p:clrMapOvr>
+  <mc:AlternateContent xmlns:mc="http://schemas.openxmlformats.org/markup-compatibility/2006" xmlns:p14="http://schemas.microsoft.com/office/powerpoint/2010/main">
+    <mc:Choice Requires="p14">
+      <p:transition p14:dur="160">
+        <p:fade/>
+      </p:transition>
+    </mc:Choice>
+    <mc:Fallback xmlns="">
+      <p:transition>
+        <p:fade/>
+      </p:transition>
+    </mc:Fallback>
+  </mc:AlternateContent>
+  <p:timing>
+    <p:tnLst>
+      <p:par>
+        <p:cTn id="1" dur="indefinite" restart="never" nodeType="tmRoot"/>
+      </p:par>
+    </p:tnLst>
+  </p:timing>
+</p:sldLayout>
+</file>
+
+<file path=ppt/slideLayouts/slideLayout2.xml><?xml version="1.0" encoding="utf-8"?>
+<p:sldLayout xmlns:a="http://schemas.openxmlformats.org/drawingml/2006/main" xmlns:r="http://schemas.openxmlformats.org/officeDocument/2006/relationships" xmlns:p="http://schemas.openxmlformats.org/presentationml/2006/main" type="obj" preserve="1">
+  <p:cSld name="標題及內容">
+    <p:spTree>
+      <p:nvGrpSpPr>
+        <p:cNvPr id="1" name=""/>
+        <p:cNvGrpSpPr/>
+        <p:nvPr/>
+      </p:nvGrpSpPr>
+      <p:grpSpPr>
+        <a:xfrm>
+          <a:off x="0" y="0"/>
+          <a:ext cx="0" cy="0"/>
+          <a:chOff x="0" y="0"/>
+          <a:chExt cx="0" cy="0"/>
+        </a:xfrm>
+      </p:grpSpPr>
+      <p:sp>
+        <p:nvSpPr>
+          <p:cNvPr id="2" name="Title 1"/>
+          <p:cNvSpPr>
+            <a:spLocks noGrp="1"/>
+          </p:cNvSpPr>
+          <p:nvPr>
+            <p:ph type="title"/>
+          </p:nvPr>
+        </p:nvSpPr>
+        <p:spPr/>
+        <p:txBody>
+          <a:bodyPr/>
+          <a:lstStyle/>
+          <a:p>
+            <a:r>
+              <a:rPr lang="zh-TW" altLang="en-US"/>
+              <a:t>按一下以編輯母片標題樣式</a:t>
+            </a:r>
+            <a:endParaRPr lang="en-US" dirty="0"/>
+          </a:p>
+        </p:txBody>
+      </p:sp>
+      <p:sp>
+        <p:nvSpPr>
+          <p:cNvPr id="3" name="Content Placeholder 2"/>
+          <p:cNvSpPr>
+            <a:spLocks noGrp="1"/>
+          </p:cNvSpPr>
+          <p:nvPr>
+            <p:ph idx="1"/>
+          </p:nvPr>
+        </p:nvSpPr>
+        <p:spPr/>
+        <p:txBody>
+          <a:bodyPr/>
+          <a:lstStyle/>
+          <a:p>
+            <a:pPr lvl="0"/>
+            <a:r>
+              <a:rPr lang="zh-TW" altLang="en-US"/>
+              <a:t>按一下以編輯母片文字樣式</a:t>
+            </a:r>
+          </a:p>
+          <a:p>
+            <a:pPr lvl="1"/>
+            <a:r>
+              <a:rPr lang="zh-TW" altLang="en-US"/>
+              <a:t>第二層</a:t>
+            </a:r>
+          </a:p>
+          <a:p>
+            <a:pPr lvl="2"/>
+            <a:r>
+              <a:rPr lang="zh-TW" altLang="en-US"/>
+              <a:t>第三層</a:t>
+            </a:r>
+          </a:p>
+          <a:p>
+            <a:pPr lvl="3"/>
+            <a:r>
+              <a:rPr lang="zh-TW" altLang="en-US"/>
+              <a:t>第四層</a:t>
+            </a:r>
+          </a:p>
+          <a:p>
+            <a:pPr lvl="4"/>
+            <a:r>
+              <a:rPr lang="zh-TW" altLang="en-US"/>
+              <a:t>第五層</a:t>
+            </a:r>
+            <a:endParaRPr lang="en-US" dirty="0"/>
+          </a:p>
+        </p:txBody>
+      </p:sp>
+      <p:sp>
+        <p:nvSpPr>
+          <p:cNvPr id="4" name="Date Placeholder 3"/>
+          <p:cNvSpPr>
+            <a:spLocks noGrp="1"/>
+          </p:cNvSpPr>
+          <p:nvPr>
+            <p:ph type="dt" sz="half" idx="10"/>
+          </p:nvPr>
+        </p:nvSpPr>
+        <p:spPr/>
+        <p:txBody>
+          <a:bodyPr/>
+          <a:lstStyle/>
+          <a:p>
+            <a:fld id="{5F545754-5242-4855-81C9-E117DB6DAFCF}" type="datetime1">
+              <a:rPr lang="en-US" altLang="zh-TW" smtClean="0"/>
+              <a:t>3/6/2020</a:t>
+            </a:fld>
+            <a:endParaRPr lang="en-US" dirty="0"/>
+          </a:p>
+        </p:txBody>
+      </p:sp>
+      <p:sp>
+        <p:nvSpPr>
+          <p:cNvPr id="5" name="Footer Placeholder 4"/>
+          <p:cNvSpPr>
+            <a:spLocks noGrp="1"/>
+          </p:cNvSpPr>
+          <p:nvPr>
+            <p:ph type="ftr" sz="quarter" idx="11"/>
+          </p:nvPr>
+        </p:nvSpPr>
+        <p:spPr/>
+        <p:txBody>
+          <a:bodyPr/>
+          <a:lstStyle/>
+          <a:p>
+            <a:endParaRPr lang="en-US" dirty="0"/>
+          </a:p>
+        </p:txBody>
+      </p:sp>
+    </p:spTree>
+  </p:cSld>
+  <p:clrMapOvr>
+    <a:masterClrMapping/>
+  </p:clrMapOvr>
+  <mc:AlternateContent xmlns:mc="http://schemas.openxmlformats.org/markup-compatibility/2006" xmlns:p14="http://schemas.microsoft.com/office/powerpoint/2010/main">
+    <mc:Choice Requires="p14">
+      <p:transition p14:dur="160">
+        <p:fade/>
+      </p:transition>
+    </mc:Choice>
+    <mc:Fallback xmlns="">
+      <p:transition>
+        <p:fade/>
+      </p:transition>
+    </mc:Fallback>
+  </mc:AlternateContent>
+  <p:timing>
+    <p:tnLst>
+      <p:par>
+        <p:cTn id="1" dur="indefinite" restart="never" nodeType="tmRoot"/>
+      </p:par>
+    </p:tnLst>
+  </p:timing>
+</p:sldLayout>
+</file>
+
+<file path=ppt/slideLayouts/slideLayout3.xml><?xml version="1.0" encoding="utf-8"?>
+<p:sldLayout xmlns:a="http://schemas.openxmlformats.org/drawingml/2006/main" xmlns:r="http://schemas.openxmlformats.org/officeDocument/2006/relationships" xmlns:p="http://schemas.openxmlformats.org/presentationml/2006/main" type="secHead" preserve="1">
+  <p:cSld name="章節標題">
+    <p:spTree>
+      <p:nvGrpSpPr>
+        <p:cNvPr id="1" name=""/>
+        <p:cNvGrpSpPr/>
+        <p:nvPr/>
+      </p:nvGrpSpPr>
+      <p:grpSpPr>
+        <a:xfrm>
+          <a:off x="0" y="0"/>
+          <a:ext cx="0" cy="0"/>
+          <a:chOff x="0" y="0"/>
+          <a:chExt cx="0" cy="0"/>
+        </a:xfrm>
+      </p:grpSpPr>
+      <p:sp>
+        <p:nvSpPr>
+          <p:cNvPr id="2" name="Title 1"/>
+          <p:cNvSpPr>
+            <a:spLocks noGrp="1"/>
+          </p:cNvSpPr>
+          <p:nvPr>
+            <p:ph type="title"/>
+          </p:nvPr>
+        </p:nvSpPr>
+        <p:spPr>
+          <a:xfrm>
+            <a:off x="3867912" y="1298448"/>
+            <a:ext cx="7315200" cy="3255264"/>
+          </a:xfrm>
+        </p:spPr>
+        <p:txBody>
+          <a:bodyPr anchor="b">
+            <a:normAutofit/>
+          </a:bodyPr>
+          <a:lstStyle>
+            <a:lvl1pPr>
+              <a:defRPr sz="5900" b="0" spc="-100" baseline="0">
+                <a:solidFill>
+                  <a:schemeClr val="tx1">
+                    <a:lumMod val="65000"/>
+                    <a:lumOff val="35000"/>
+                  </a:schemeClr>
+                </a:solidFill>
+              </a:defRPr>
+            </a:lvl1pPr>
+          </a:lstStyle>
+          <a:p>
+            <a:r>
+              <a:rPr lang="zh-TW" altLang="en-US"/>
+              <a:t>按一下以編輯母片標題樣式</a:t>
+            </a:r>
+            <a:endParaRPr lang="en-US" dirty="0"/>
+          </a:p>
+        </p:txBody>
+      </p:sp>
+      <p:sp>
+        <p:nvSpPr>
+          <p:cNvPr id="3" name="Text Placeholder 2"/>
+          <p:cNvSpPr>
+            <a:spLocks noGrp="1"/>
+          </p:cNvSpPr>
+          <p:nvPr>
+            <p:ph type="body" idx="1"/>
+          </p:nvPr>
+        </p:nvSpPr>
+        <p:spPr>
+          <a:xfrm>
+            <a:off x="3886200" y="4672584"/>
+            <a:ext cx="7315200" cy="914400"/>
+          </a:xfrm>
+        </p:spPr>
+        <p:txBody>
+          <a:bodyPr anchor="t">
+            <a:normAutofit/>
+          </a:bodyPr>
+          <a:lstStyle>
+            <a:lvl1pPr marL="0" indent="0">
+              <a:buNone/>
+              <a:defRPr sz="2200" cap="none" spc="0" baseline="0">
+                <a:solidFill>
+                  <a:schemeClr val="tx1">
+                    <a:lumMod val="65000"/>
+                    <a:lumOff val="35000"/>
+                  </a:schemeClr>
+                </a:solidFill>
+              </a:defRPr>
+            </a:lvl1pPr>
+            <a:lvl2pPr marL="457200" indent="0">
+              <a:buNone/>
+              <a:defRPr sz="1800">
+                <a:solidFill>
+                  <a:schemeClr val="tx1">
+                    <a:tint val="75000"/>
+                  </a:schemeClr>
+                </a:solidFill>
+              </a:defRPr>
+            </a:lvl2pPr>
+            <a:lvl3pPr marL="914400" indent="0">
+              <a:buNone/>
+              <a:defRPr sz="1600">
+                <a:solidFill>
+                  <a:schemeClr val="tx1">
+                    <a:tint val="75000"/>
+                  </a:schemeClr>
+                </a:solidFill>
+              </a:defRPr>
+            </a:lvl3pPr>
+            <a:lvl4pPr marL="1371600" indent="0">
+              <a:buNone/>
+              <a:defRPr sz="1400">
+                <a:solidFill>
+                  <a:schemeClr val="tx1">
+                    <a:tint val="75000"/>
+                  </a:schemeClr>
+                </a:solidFill>
+              </a:defRPr>
+            </a:lvl4pPr>
+            <a:lvl5pPr marL="1828800" indent="0">
+              <a:buNone/>
+              <a:defRPr sz="1400">
+                <a:solidFill>
+                  <a:schemeClr val="tx1">
+                    <a:tint val="75000"/>
+                  </a:schemeClr>
+                </a:solidFill>
+              </a:defRPr>
+            </a:lvl5pPr>
+            <a:lvl6pPr marL="2286000" indent="0">
+              <a:buNone/>
+              <a:defRPr sz="1400">
+                <a:solidFill>
+                  <a:schemeClr val="tx1">
+                    <a:tint val="75000"/>
+                  </a:schemeClr>
+                </a:solidFill>
+              </a:defRPr>
+            </a:lvl6pPr>
+            <a:lvl7pPr marL="2743200" indent="0">
+              <a:buNone/>
+              <a:defRPr sz="1400">
+                <a:solidFill>
+                  <a:schemeClr val="tx1">
+                    <a:tint val="75000"/>
+                  </a:schemeClr>
+                </a:solidFill>
+              </a:defRPr>
+            </a:lvl7pPr>
+            <a:lvl8pPr marL="3200400" indent="0">
+              <a:buNone/>
+              <a:defRPr sz="1400">
+                <a:solidFill>
+                  <a:schemeClr val="tx1">
+                    <a:tint val="75000"/>
+                  </a:schemeClr>
+                </a:solidFill>
+              </a:defRPr>
+            </a:lvl8pPr>
+            <a:lvl9pPr marL="3657600" indent="0">
+              <a:buNone/>
+              <a:defRPr sz="1400">
+                <a:solidFill>
+                  <a:schemeClr val="tx1">
+                    <a:tint val="75000"/>
+                  </a:schemeClr>
+                </a:solidFill>
+              </a:defRPr>
+            </a:lvl9pPr>
+          </a:lstStyle>
+          <a:p>
+            <a:pPr lvl="0"/>
+            <a:r>
+              <a:rPr lang="zh-TW" altLang="en-US"/>
+              <a:t>按一下以編輯母片文字樣式</a:t>
+            </a:r>
+          </a:p>
+        </p:txBody>
+      </p:sp>
+      <p:sp>
+        <p:nvSpPr>
+          <p:cNvPr id="4" name="Date Placeholder 3"/>
+          <p:cNvSpPr>
+            <a:spLocks noGrp="1"/>
+          </p:cNvSpPr>
+          <p:nvPr>
+            <p:ph type="dt" sz="half" idx="10"/>
+          </p:nvPr>
+        </p:nvSpPr>
+        <p:spPr/>
+        <p:txBody>
+          <a:bodyPr/>
+          <a:lstStyle/>
+          <a:p>
+            <a:fld id="{3BC9C2A9-AB99-41F5-8F75-27C8D8E8E8DB}" type="datetime1">
+              <a:rPr lang="en-US" altLang="zh-TW" smtClean="0"/>
+              <a:t>3/6/2020</a:t>
+            </a:fld>
+            <a:endParaRPr lang="en-US" dirty="0"/>
+          </a:p>
+        </p:txBody>
+      </p:sp>
+      <p:sp>
+        <p:nvSpPr>
+          <p:cNvPr id="5" name="Footer Placeholder 4"/>
+          <p:cNvSpPr>
+            <a:spLocks noGrp="1"/>
+          </p:cNvSpPr>
+          <p:nvPr>
+            <p:ph type="ftr" sz="quarter" idx="11"/>
+          </p:nvPr>
+        </p:nvSpPr>
+        <p:spPr/>
+        <p:txBody>
+          <a:bodyPr/>
+          <a:lstStyle/>
+          <a:p>
+            <a:endParaRPr lang="en-US" dirty="0"/>
+          </a:p>
+        </p:txBody>
+      </p:sp>
+      <p:sp>
+        <p:nvSpPr>
+          <p:cNvPr id="6" name="Slide Number Placeholder 5"/>
+          <p:cNvSpPr>
+            <a:spLocks noGrp="1"/>
+          </p:cNvSpPr>
+          <p:nvPr>
+            <p:ph type="sldNum" sz="quarter" idx="12"/>
+          </p:nvPr>
+        </p:nvSpPr>
+        <p:spPr>
+          <a:xfrm>
+            <a:off x="10634135" y="6356350"/>
+            <a:ext cx="1530927" cy="365125"/>
+          </a:xfrm>
+          <a:prstGeom prst="rect">
+            <a:avLst/>
+          </a:prstGeom>
+        </p:spPr>
+        <p:txBody>
+          <a:bodyPr/>
+          <a:lstStyle/>
+          <a:p>
+            <a:fld id="{4FAB73BC-B049-4115-A692-8D63A059BFB8}" type="slidenum">
+              <a:rPr lang="en-US" dirty="0"/>
+              <a:pPr/>
+              <a:t>‹#›</a:t>
+            </a:fld>
+            <a:endParaRPr lang="en-US" dirty="0"/>
+          </a:p>
+        </p:txBody>
+      </p:sp>
+    </p:spTree>
+  </p:cSld>
+  <p:clrMapOvr>
+    <a:masterClrMapping/>
+  </p:clrMapOvr>
+  <mc:AlternateContent xmlns:mc="http://schemas.openxmlformats.org/markup-compatibility/2006" xmlns:p14="http://schemas.microsoft.com/office/powerpoint/2010/main">
+    <mc:Choice Requires="p14">
+      <p:transition p14:dur="160">
+        <p:fade/>
+      </p:transition>
+    </mc:Choice>
+    <mc:Fallback xmlns="">
+      <p:transition>
+        <p:fade/>
+      </p:transition>
+    </mc:Fallback>
+  </mc:AlternateContent>
+  <p:timing>
+    <p:tnLst>
+      <p:par>
+        <p:cTn id="1" dur="indefinite" restart="never" nodeType="tmRoot"/>
+      </p:par>
+    </p:tnLst>
+  </p:timing>
+</p:sldLayout>
+</file>
+
+<file path=ppt/slideLayouts/slideLayout4.xml><?xml version="1.0" encoding="utf-8"?>
+<p:sldLayout xmlns:a="http://schemas.openxmlformats.org/drawingml/2006/main" xmlns:r="http://schemas.openxmlformats.org/officeDocument/2006/relationships" xmlns:p="http://schemas.openxmlformats.org/presentationml/2006/main" type="twoObj" preserve="1">
+  <p:cSld name="兩個內容">
+    <p:spTree>
+      <p:nvGrpSpPr>
+        <p:cNvPr id="1" name=""/>
+        <p:cNvGrpSpPr/>
+        <p:nvPr/>
+      </p:nvGrpSpPr>
+      <p:grpSpPr>
+        <a:xfrm>
+          <a:off x="0" y="0"/>
+          <a:ext cx="0" cy="0"/>
+          <a:chOff x="0" y="0"/>
+          <a:chExt cx="0" cy="0"/>
+        </a:xfrm>
+      </p:grpSpPr>
+      <p:sp>
+        <p:nvSpPr>
+          <p:cNvPr id="2" name="Title 1"/>
+          <p:cNvSpPr>
+            <a:spLocks noGrp="1"/>
+          </p:cNvSpPr>
+          <p:nvPr>
+            <p:ph type="title"/>
+          </p:nvPr>
+        </p:nvSpPr>
+        <p:spPr/>
+        <p:txBody>
+          <a:bodyPr/>
+          <a:lstStyle/>
+          <a:p>
+            <a:r>
+              <a:rPr lang="zh-TW" altLang="en-US"/>
+              <a:t>按一下以編輯母片標題樣式</a:t>
+            </a:r>
+            <a:endParaRPr lang="en-US" dirty="0"/>
+          </a:p>
+        </p:txBody>
+      </p:sp>
+      <p:sp>
+        <p:nvSpPr>
+          <p:cNvPr id="3" name="Content Placeholder 2"/>
+          <p:cNvSpPr>
+            <a:spLocks noGrp="1"/>
+          </p:cNvSpPr>
+          <p:nvPr>
+            <p:ph sz="half" idx="1"/>
+          </p:nvPr>
+        </p:nvSpPr>
+        <p:spPr>
+          <a:xfrm>
+            <a:off x="3867912" y="868680"/>
+            <a:ext cx="3474720" cy="5120640"/>
+          </a:xfrm>
+        </p:spPr>
+        <p:txBody>
+          <a:bodyPr/>
+          <a:lstStyle>
+            <a:lvl1pPr>
+              <a:defRPr sz="2000"/>
+            </a:lvl1pPr>
+            <a:lvl2pPr>
+              <a:defRPr sz="1800"/>
+            </a:lvl2pPr>
+            <a:lvl3pPr>
+              <a:defRPr sz="1600"/>
+            </a:lvl3pPr>
+            <a:lvl4pPr>
+              <a:defRPr sz="1400"/>
+            </a:lvl4pPr>
+            <a:lvl5pPr>
+              <a:defRPr sz="1400"/>
+            </a:lvl5pPr>
+            <a:lvl6pPr>
+              <a:defRPr sz="1400"/>
+            </a:lvl6pPr>
+            <a:lvl7pPr>
+              <a:defRPr sz="1400"/>
+            </a:lvl7pPr>
+            <a:lvl8pPr>
+              <a:defRPr sz="1400"/>
+            </a:lvl8pPr>
+            <a:lvl9pPr>
+              <a:defRPr sz="1400"/>
+            </a:lvl9pPr>
+          </a:lstStyle>
+          <a:p>
+            <a:pPr lvl="0"/>
+            <a:r>
+              <a:rPr lang="zh-TW" altLang="en-US"/>
+              <a:t>按一下以編輯母片文字樣式</a:t>
+            </a:r>
+          </a:p>
+          <a:p>
+            <a:pPr lvl="1"/>
+            <a:r>
+              <a:rPr lang="zh-TW" altLang="en-US"/>
+              <a:t>第二層</a:t>
+            </a:r>
+          </a:p>
+          <a:p>
+            <a:pPr lvl="2"/>
+            <a:r>
+              <a:rPr lang="zh-TW" altLang="en-US"/>
+              <a:t>第三層</a:t>
+            </a:r>
+          </a:p>
+          <a:p>
+            <a:pPr lvl="3"/>
+            <a:r>
+              <a:rPr lang="zh-TW" altLang="en-US"/>
+              <a:t>第四層</a:t>
+            </a:r>
+          </a:p>
+          <a:p>
+            <a:pPr lvl="4"/>
+            <a:r>
+              <a:rPr lang="zh-TW" altLang="en-US"/>
+              <a:t>第五層</a:t>
+            </a:r>
+            <a:endParaRPr lang="en-US" dirty="0"/>
+          </a:p>
+        </p:txBody>
+      </p:sp>
+      <p:sp>
+        <p:nvSpPr>
+          <p:cNvPr id="4" name="Content Placeholder 3"/>
+          <p:cNvSpPr>
+            <a:spLocks noGrp="1"/>
+          </p:cNvSpPr>
+          <p:nvPr>
+            <p:ph sz="half" idx="2"/>
+          </p:nvPr>
+        </p:nvSpPr>
+        <p:spPr>
+          <a:xfrm>
+            <a:off x="7818120" y="868680"/>
+            <a:ext cx="3474720" cy="5120640"/>
+          </a:xfrm>
+        </p:spPr>
+        <p:txBody>
+          <a:bodyPr/>
+          <a:lstStyle>
+            <a:lvl1pPr>
+              <a:defRPr sz="2000"/>
+            </a:lvl1pPr>
+            <a:lvl2pPr>
+              <a:defRPr sz="1800"/>
+            </a:lvl2pPr>
+            <a:lvl3pPr>
+              <a:defRPr sz="1600"/>
+            </a:lvl3pPr>
+            <a:lvl4pPr>
+              <a:defRPr sz="1400"/>
+            </a:lvl4pPr>
+            <a:lvl5pPr>
+              <a:defRPr sz="1400"/>
+            </a:lvl5pPr>
+            <a:lvl6pPr>
+              <a:defRPr sz="1400"/>
+            </a:lvl6pPr>
+            <a:lvl7pPr>
+              <a:defRPr sz="1400"/>
+            </a:lvl7pPr>
+            <a:lvl8pPr>
+              <a:defRPr sz="1400"/>
+            </a:lvl8pPr>
+            <a:lvl9pPr>
+              <a:defRPr sz="1400"/>
+            </a:lvl9pPr>
+          </a:lstStyle>
+          <a:p>
+            <a:pPr lvl="0"/>
+            <a:r>
+              <a:rPr lang="zh-TW" altLang="en-US"/>
+              <a:t>按一下以編輯母片文字樣式</a:t>
+            </a:r>
+          </a:p>
+          <a:p>
+            <a:pPr lvl="1"/>
+            <a:r>
+              <a:rPr lang="zh-TW" altLang="en-US"/>
+              <a:t>第二層</a:t>
+            </a:r>
+          </a:p>
+          <a:p>
+            <a:pPr lvl="2"/>
+            <a:r>
+              <a:rPr lang="zh-TW" altLang="en-US"/>
+              <a:t>第三層</a:t>
+            </a:r>
+          </a:p>
+          <a:p>
+            <a:pPr lvl="3"/>
+            <a:r>
+              <a:rPr lang="zh-TW" altLang="en-US"/>
+              <a:t>第四層</a:t>
+            </a:r>
+          </a:p>
+          <a:p>
+            <a:pPr lvl="4"/>
+            <a:r>
+              <a:rPr lang="zh-TW" altLang="en-US"/>
+              <a:t>第五層</a:t>
+            </a:r>
+            <a:endParaRPr lang="en-US" dirty="0"/>
+          </a:p>
+        </p:txBody>
+      </p:sp>
+      <p:sp>
+        <p:nvSpPr>
+          <p:cNvPr id="8" name="Date Placeholder 7"/>
+          <p:cNvSpPr>
+            <a:spLocks noGrp="1"/>
+          </p:cNvSpPr>
+          <p:nvPr>
+            <p:ph type="dt" sz="half" idx="10"/>
+          </p:nvPr>
+        </p:nvSpPr>
+        <p:spPr/>
+        <p:txBody>
+          <a:bodyPr/>
+          <a:lstStyle/>
+          <a:p>
+            <a:fld id="{09B33BAF-14F9-4A03-BD06-9AE09252F7E6}" type="datetime1">
+              <a:rPr lang="en-US" altLang="zh-TW" smtClean="0"/>
+              <a:t>3/6/2020</a:t>
+            </a:fld>
+            <a:endParaRPr lang="en-US" dirty="0"/>
+          </a:p>
+        </p:txBody>
+      </p:sp>
+      <p:sp>
+        <p:nvSpPr>
+          <p:cNvPr id="9" name="Footer Placeholder 8"/>
+          <p:cNvSpPr>
+            <a:spLocks noGrp="1"/>
+          </p:cNvSpPr>
+          <p:nvPr>
+            <p:ph type="ftr" sz="quarter" idx="11"/>
+          </p:nvPr>
+        </p:nvSpPr>
+        <p:spPr/>
+        <p:txBody>
+          <a:bodyPr/>
+          <a:lstStyle/>
+          <a:p>
+            <a:endParaRPr lang="en-US" dirty="0"/>
+          </a:p>
+        </p:txBody>
+      </p:sp>
+      <p:sp>
+        <p:nvSpPr>
+          <p:cNvPr id="10" name="Slide Number Placeholder 9"/>
+          <p:cNvSpPr>
+            <a:spLocks noGrp="1"/>
+          </p:cNvSpPr>
+          <p:nvPr>
+            <p:ph type="sldNum" sz="quarter" idx="12"/>
+          </p:nvPr>
+        </p:nvSpPr>
+        <p:spPr>
+          <a:xfrm>
+            <a:off x="10634135" y="6356350"/>
+            <a:ext cx="1530927" cy="365125"/>
+          </a:xfrm>
+          <a:prstGeom prst="rect">
+            <a:avLst/>
+          </a:prstGeom>
+        </p:spPr>
+        <p:txBody>
+          <a:bodyPr/>
+          <a:lstStyle/>
+          <a:p>
+            <a:fld id="{4FAB73BC-B049-4115-A692-8D63A059BFB8}" type="slidenum">
+              <a:rPr lang="en-US" dirty="0"/>
+              <a:pPr/>
+              <a:t>‹#›</a:t>
+            </a:fld>
+            <a:endParaRPr lang="en-US" dirty="0"/>
+          </a:p>
+        </p:txBody>
+      </p:sp>
+    </p:spTree>
+  </p:cSld>
+  <p:clrMapOvr>
+    <a:masterClrMapping/>
+  </p:clrMapOvr>
+  <mc:AlternateContent xmlns:mc="http://schemas.openxmlformats.org/markup-compatibility/2006" xmlns:p14="http://schemas.microsoft.com/office/powerpoint/2010/main">
+    <mc:Choice Requires="p14">
+      <p:transition p14:dur="160">
+        <p:fade/>
+      </p:transition>
+    </mc:Choice>
+    <mc:Fallback xmlns="">
+      <p:transition>
+        <p:fade/>
+      </p:transition>
+    </mc:Fallback>
+  </mc:AlternateContent>
+  <p:timing>
+    <p:tnLst>
+      <p:par>
+        <p:cTn id="1" dur="indefinite" restart="never" nodeType="tmRoot"/>
+      </p:par>
+    </p:tnLst>
+  </p:timing>
+</p:sldLayout>
+</file>
+
+<file path=ppt/slideLayouts/slideLayout5.xml><?xml version="1.0" encoding="utf-8"?>
+<p:sldLayout xmlns:a="http://schemas.openxmlformats.org/drawingml/2006/main" xmlns:r="http://schemas.openxmlformats.org/officeDocument/2006/relationships" xmlns:p="http://schemas.openxmlformats.org/presentationml/2006/main" type="twoTxTwoObj" preserve="1">
+  <p:cSld name="比較">
+    <p:spTree>
+      <p:nvGrpSpPr>
+        <p:cNvPr id="1" name=""/>
+        <p:cNvGrpSpPr/>
+        <p:nvPr/>
+      </p:nvGrpSpPr>
+      <p:grpSpPr>
+        <a:xfrm>
+          <a:off x="0" y="0"/>
+          <a:ext cx="0" cy="0"/>
+          <a:chOff x="0" y="0"/>
+          <a:chExt cx="0" cy="0"/>
+        </a:xfrm>
+      </p:grpSpPr>
+      <p:sp>
+        <p:nvSpPr>
+          <p:cNvPr id="10" name="Title 9"/>
+          <p:cNvSpPr>
+            <a:spLocks noGrp="1"/>
+          </p:cNvSpPr>
+          <p:nvPr>
+            <p:ph type="title"/>
+          </p:nvPr>
+        </p:nvSpPr>
+        <p:spPr/>
+        <p:txBody>
+          <a:bodyPr/>
+          <a:lstStyle/>
+          <a:p>
+            <a:r>
+              <a:rPr lang="zh-TW" altLang="en-US"/>
+              <a:t>按一下以編輯母片標題樣式</a:t>
+            </a:r>
+            <a:endParaRPr lang="en-US" dirty="0"/>
+          </a:p>
+        </p:txBody>
+      </p:sp>
+      <p:sp>
+        <p:nvSpPr>
+          <p:cNvPr id="3" name="Text Placeholder 2"/>
+          <p:cNvSpPr>
+            <a:spLocks noGrp="1"/>
+          </p:cNvSpPr>
+          <p:nvPr>
+            <p:ph type="body" idx="1"/>
+          </p:nvPr>
+        </p:nvSpPr>
+        <p:spPr>
+          <a:xfrm>
+            <a:off x="3867912" y="1023586"/>
+            <a:ext cx="3474720" cy="807720"/>
+          </a:xfrm>
+        </p:spPr>
+        <p:txBody>
+          <a:bodyPr anchor="b">
+            <a:normAutofit/>
+          </a:bodyPr>
+          <a:lstStyle>
+            <a:lvl1pPr marL="0" indent="0">
+              <a:spcBef>
+                <a:spcPts val="0"/>
+              </a:spcBef>
+              <a:buNone/>
+              <a:defRPr sz="2000" b="1">
+                <a:solidFill>
+                  <a:schemeClr val="tx1">
+                    <a:lumMod val="65000"/>
+                    <a:lumOff val="35000"/>
+                  </a:schemeClr>
+                </a:solidFill>
+              </a:defRPr>
+            </a:lvl1pPr>
+            <a:lvl2pPr marL="457200" indent="0">
+              <a:buNone/>
+              <a:defRPr sz="2000" b="1"/>
+            </a:lvl2pPr>
+            <a:lvl3pPr marL="914400" indent="0">
+              <a:buNone/>
+              <a:defRPr sz="1800" b="1"/>
+            </a:lvl3pPr>
+            <a:lvl4pPr marL="1371600" indent="0">
+              <a:buNone/>
+              <a:defRPr sz="1600" b="1"/>
+            </a:lvl4pPr>
+            <a:lvl5pPr marL="1828800" indent="0">
+              <a:buNone/>
+              <a:defRPr sz="1600" b="1"/>
+            </a:lvl5pPr>
+            <a:lvl6pPr marL="2286000" indent="0">
+              <a:buNone/>
+              <a:defRPr sz="1600" b="1"/>
+            </a:lvl6pPr>
+            <a:lvl7pPr marL="2743200" indent="0">
+              <a:buNone/>
+              <a:defRPr sz="1600" b="1"/>
+            </a:lvl7pPr>
+            <a:lvl8pPr marL="3200400" indent="0">
+              <a:buNone/>
+              <a:defRPr sz="1600" b="1"/>
+            </a:lvl8pPr>
+            <a:lvl9pPr marL="3657600" indent="0">
+              <a:buNone/>
+              <a:defRPr sz="1600" b="1"/>
+            </a:lvl9pPr>
+          </a:lstStyle>
+          <a:p>
+            <a:pPr lvl="0"/>
+            <a:r>
+              <a:rPr lang="zh-TW" altLang="en-US"/>
+              <a:t>按一下以編輯母片文字樣式</a:t>
+            </a:r>
+          </a:p>
+        </p:txBody>
+      </p:sp>
+      <p:sp>
+        <p:nvSpPr>
+          <p:cNvPr id="4" name="Content Placeholder 3"/>
+          <p:cNvSpPr>
+            <a:spLocks noGrp="1"/>
+          </p:cNvSpPr>
+          <p:nvPr>
+            <p:ph sz="half" idx="2"/>
+          </p:nvPr>
+        </p:nvSpPr>
+        <p:spPr>
+          <a:xfrm>
+            <a:off x="3867912" y="1930936"/>
+            <a:ext cx="3474720" cy="4023360"/>
+          </a:xfrm>
+        </p:spPr>
+        <p:txBody>
+          <a:bodyPr/>
+          <a:lstStyle>
+            <a:lvl1pPr>
+              <a:defRPr sz="2000"/>
+            </a:lvl1pPr>
+            <a:lvl2pPr>
+              <a:defRPr sz="1800"/>
+            </a:lvl2pPr>
+            <a:lvl3pPr>
+              <a:defRPr sz="1600"/>
+            </a:lvl3pPr>
+            <a:lvl4pPr>
+              <a:defRPr sz="1400"/>
+            </a:lvl4pPr>
+            <a:lvl5pPr>
+              <a:defRPr sz="1400"/>
+            </a:lvl5pPr>
+            <a:lvl6pPr>
+              <a:defRPr sz="1400"/>
+            </a:lvl6pPr>
+            <a:lvl7pPr>
+              <a:defRPr sz="1400"/>
+            </a:lvl7pPr>
+            <a:lvl8pPr>
+              <a:defRPr sz="1400"/>
+            </a:lvl8pPr>
+            <a:lvl9pPr>
+              <a:defRPr sz="1400"/>
+            </a:lvl9pPr>
+          </a:lstStyle>
+          <a:p>
+            <a:pPr lvl="0"/>
+            <a:r>
+              <a:rPr lang="zh-TW" altLang="en-US"/>
+              <a:t>按一下以編輯母片文字樣式</a:t>
+            </a:r>
+          </a:p>
+          <a:p>
+            <a:pPr lvl="1"/>
+            <a:r>
+              <a:rPr lang="zh-TW" altLang="en-US"/>
+              <a:t>第二層</a:t>
+            </a:r>
+          </a:p>
+          <a:p>
+            <a:pPr lvl="2"/>
+            <a:r>
+              <a:rPr lang="zh-TW" altLang="en-US"/>
+              <a:t>第三層</a:t>
+            </a:r>
+          </a:p>
+          <a:p>
+            <a:pPr lvl="3"/>
+            <a:r>
+              <a:rPr lang="zh-TW" altLang="en-US"/>
+              <a:t>第四層</a:t>
+            </a:r>
+          </a:p>
+          <a:p>
+            <a:pPr lvl="4"/>
+            <a:r>
+              <a:rPr lang="zh-TW" altLang="en-US"/>
+              <a:t>第五層</a:t>
+            </a:r>
+            <a:endParaRPr lang="en-US" dirty="0"/>
+          </a:p>
+        </p:txBody>
+      </p:sp>
+      <p:sp>
+        <p:nvSpPr>
+          <p:cNvPr id="5" name="Text Placeholder 4"/>
+          <p:cNvSpPr>
+            <a:spLocks noGrp="1"/>
+          </p:cNvSpPr>
+          <p:nvPr>
+            <p:ph type="body" sz="quarter" idx="3"/>
+          </p:nvPr>
+        </p:nvSpPr>
+        <p:spPr>
+          <a:xfrm>
+            <a:off x="7818463" y="1023586"/>
+            <a:ext cx="3474720" cy="813171"/>
+          </a:xfrm>
+        </p:spPr>
+        <p:txBody>
+          <a:bodyPr anchor="b">
+            <a:normAutofit/>
+          </a:bodyPr>
+          <a:lstStyle>
+            <a:lvl1pPr marL="0" indent="0">
+              <a:spcBef>
+                <a:spcPts val="0"/>
+              </a:spcBef>
+              <a:buNone/>
+              <a:defRPr sz="2000" b="1">
+                <a:solidFill>
+                  <a:schemeClr val="tx1">
+                    <a:lumMod val="65000"/>
+                    <a:lumOff val="35000"/>
+                  </a:schemeClr>
+                </a:solidFill>
+              </a:defRPr>
+            </a:lvl1pPr>
+            <a:lvl2pPr marL="457200" indent="0">
+              <a:buNone/>
+              <a:defRPr sz="2000" b="1"/>
+            </a:lvl2pPr>
+            <a:lvl3pPr marL="914400" indent="0">
+              <a:buNone/>
+              <a:defRPr sz="1800" b="1"/>
+            </a:lvl3pPr>
+            <a:lvl4pPr marL="1371600" indent="0">
+              <a:buNone/>
+              <a:defRPr sz="1600" b="1"/>
+            </a:lvl4pPr>
+            <a:lvl5pPr marL="1828800" indent="0">
+              <a:buNone/>
+              <a:defRPr sz="1600" b="1"/>
+            </a:lvl5pPr>
+            <a:lvl6pPr marL="2286000" indent="0">
+              <a:buNone/>
+              <a:defRPr sz="1600" b="1"/>
+            </a:lvl6pPr>
+            <a:lvl7pPr marL="2743200" indent="0">
+              <a:buNone/>
+              <a:defRPr sz="1600" b="1"/>
+            </a:lvl7pPr>
+            <a:lvl8pPr marL="3200400" indent="0">
+              <a:buNone/>
+              <a:defRPr sz="1600" b="1"/>
+            </a:lvl8pPr>
+            <a:lvl9pPr marL="3657600" indent="0">
+              <a:buNone/>
+              <a:defRPr sz="1600" b="1"/>
+            </a:lvl9pPr>
+          </a:lstStyle>
+          <a:p>
+            <a:pPr lvl="0"/>
+            <a:r>
+              <a:rPr lang="zh-TW" altLang="en-US"/>
+              <a:t>按一下以編輯母片文字樣式</a:t>
+            </a:r>
+          </a:p>
+        </p:txBody>
+      </p:sp>
+      <p:sp>
+        <p:nvSpPr>
+          <p:cNvPr id="6" name="Content Placeholder 5"/>
+          <p:cNvSpPr>
+            <a:spLocks noGrp="1"/>
+          </p:cNvSpPr>
+          <p:nvPr>
+            <p:ph sz="quarter" idx="4"/>
+          </p:nvPr>
+        </p:nvSpPr>
+        <p:spPr>
+          <a:xfrm>
+            <a:off x="7818463" y="1930936"/>
+            <a:ext cx="3474720" cy="4023360"/>
+          </a:xfrm>
+        </p:spPr>
+        <p:txBody>
+          <a:bodyPr/>
+          <a:lstStyle>
+            <a:lvl1pPr>
+              <a:defRPr sz="2000"/>
+            </a:lvl1pPr>
+            <a:lvl2pPr>
+              <a:defRPr sz="1800"/>
+            </a:lvl2pPr>
+            <a:lvl3pPr>
+              <a:defRPr sz="1600"/>
+            </a:lvl3pPr>
+            <a:lvl4pPr>
+              <a:defRPr sz="1400"/>
+            </a:lvl4pPr>
+            <a:lvl5pPr>
+              <a:defRPr sz="1400"/>
+            </a:lvl5pPr>
+            <a:lvl6pPr>
+              <a:defRPr sz="1400"/>
+            </a:lvl6pPr>
+            <a:lvl7pPr>
+              <a:defRPr sz="1400"/>
+            </a:lvl7pPr>
+            <a:lvl8pPr>
+              <a:defRPr sz="1400"/>
+            </a:lvl8pPr>
+            <a:lvl9pPr>
+              <a:defRPr sz="1400"/>
+            </a:lvl9pPr>
+          </a:lstStyle>
+          <a:p>
+            <a:pPr lvl="0"/>
+            <a:r>
+              <a:rPr lang="zh-TW" altLang="en-US"/>
+              <a:t>按一下以編輯母片文字樣式</a:t>
+            </a:r>
+          </a:p>
+          <a:p>
+            <a:pPr lvl="1"/>
+            <a:r>
+              <a:rPr lang="zh-TW" altLang="en-US"/>
+              <a:t>第二層</a:t>
+            </a:r>
+          </a:p>
+          <a:p>
+            <a:pPr lvl="2"/>
+            <a:r>
+              <a:rPr lang="zh-TW" altLang="en-US"/>
+              <a:t>第三層</a:t>
+            </a:r>
+          </a:p>
+          <a:p>
+            <a:pPr lvl="3"/>
+            <a:r>
+              <a:rPr lang="zh-TW" altLang="en-US"/>
+              <a:t>第四層</a:t>
+            </a:r>
+          </a:p>
+          <a:p>
+            <a:pPr lvl="4"/>
+            <a:r>
+              <a:rPr lang="zh-TW" altLang="en-US"/>
+              <a:t>第五層</a:t>
+            </a:r>
+            <a:endParaRPr lang="en-US" dirty="0"/>
+          </a:p>
+        </p:txBody>
+      </p:sp>
+      <p:sp>
+        <p:nvSpPr>
+          <p:cNvPr id="2" name="Date Placeholder 1"/>
+          <p:cNvSpPr>
+            <a:spLocks noGrp="1"/>
+          </p:cNvSpPr>
+          <p:nvPr>
+            <p:ph type="dt" sz="half" idx="10"/>
+          </p:nvPr>
+        </p:nvSpPr>
+        <p:spPr/>
+        <p:txBody>
+          <a:bodyPr/>
+          <a:lstStyle/>
+          <a:p>
+            <a:fld id="{30AF5C3A-F124-479E-9564-3819A45DE9FD}" type="datetime1">
+              <a:rPr lang="en-US" altLang="zh-TW" smtClean="0"/>
+              <a:t>3/6/2020</a:t>
+            </a:fld>
+            <a:endParaRPr lang="en-US" dirty="0"/>
+          </a:p>
+        </p:txBody>
+      </p:sp>
+      <p:sp>
+        <p:nvSpPr>
+          <p:cNvPr id="11" name="Footer Placeholder 10"/>
+          <p:cNvSpPr>
+            <a:spLocks noGrp="1"/>
+          </p:cNvSpPr>
+          <p:nvPr>
+            <p:ph type="ftr" sz="quarter" idx="11"/>
+          </p:nvPr>
+        </p:nvSpPr>
+        <p:spPr/>
+        <p:txBody>
+          <a:bodyPr/>
+          <a:lstStyle/>
+          <a:p>
+            <a:endParaRPr lang="en-US" dirty="0"/>
+          </a:p>
+        </p:txBody>
+      </p:sp>
+      <p:sp>
+        <p:nvSpPr>
+          <p:cNvPr id="12" name="Slide Number Placeholder 11"/>
+          <p:cNvSpPr>
+            <a:spLocks noGrp="1"/>
+          </p:cNvSpPr>
+          <p:nvPr>
+            <p:ph type="sldNum" sz="quarter" idx="12"/>
+          </p:nvPr>
+        </p:nvSpPr>
+        <p:spPr>
+          <a:xfrm>
+            <a:off x="10634135" y="6356350"/>
+            <a:ext cx="1530927" cy="365125"/>
+          </a:xfrm>
+          <a:prstGeom prst="rect">
+            <a:avLst/>
+          </a:prstGeom>
+        </p:spPr>
+        <p:txBody>
+          <a:bodyPr/>
+          <a:lstStyle/>
+          <a:p>
+            <a:fld id="{4FAB73BC-B049-4115-A692-8D63A059BFB8}" type="slidenum">
+              <a:rPr lang="en-US" dirty="0"/>
+              <a:pPr/>
+              <a:t>‹#›</a:t>
+            </a:fld>
+            <a:endParaRPr lang="en-US" dirty="0"/>
+          </a:p>
+        </p:txBody>
+      </p:sp>
+    </p:spTree>
+  </p:cSld>
+  <p:clrMapOvr>
+    <a:masterClrMapping/>
+  </p:clrMapOvr>
+  <mc:AlternateContent xmlns:mc="http://schemas.openxmlformats.org/markup-compatibility/2006" xmlns:p14="http://schemas.microsoft.com/office/powerpoint/2010/main">
+    <mc:Choice Requires="p14">
+      <p:transition p14:dur="160">
+        <p:fade/>
+      </p:transition>
+    </mc:Choice>
+    <mc:Fallback xmlns="">
+      <p:transition>
+        <p:fade/>
+      </p:transition>
+    </mc:Fallback>
+  </mc:AlternateContent>
+  <p:timing>
+    <p:tnLst>
+      <p:par>
+        <p:cTn id="1" dur="indefinite" restart="never" nodeType="tmRoot"/>
+      </p:par>
+    </p:tnLst>
+  </p:timing>
+</p:sldLayout>
+</file>
+
+<file path=ppt/slideLayouts/slideLayout6.xml><?xml version="1.0" encoding="utf-8"?>
+<p:sldLayout xmlns:a="http://schemas.openxmlformats.org/drawingml/2006/main" xmlns:r="http://schemas.openxmlformats.org/officeDocument/2006/relationships" xmlns:p="http://schemas.openxmlformats.org/presentationml/2006/main" type="titleOnly" preserve="1">
+  <p:cSld name="只有標題">
+    <p:spTree>
+      <p:nvGrpSpPr>
+        <p:cNvPr id="1" name=""/>
+        <p:cNvGrpSpPr/>
+        <p:nvPr/>
+      </p:nvGrpSpPr>
+      <p:grpSpPr>
+        <a:xfrm>
+          <a:off x="0" y="0"/>
+          <a:ext cx="0" cy="0"/>
+          <a:chOff x="0" y="0"/>
+          <a:chExt cx="0" cy="0"/>
+        </a:xfrm>
+      </p:grpSpPr>
+      <p:sp>
+        <p:nvSpPr>
+          <p:cNvPr id="6" name="Title 5"/>
+          <p:cNvSpPr>
+            <a:spLocks noGrp="1"/>
+          </p:cNvSpPr>
+          <p:nvPr>
+            <p:ph type="title"/>
+          </p:nvPr>
+        </p:nvSpPr>
+        <p:spPr/>
+        <p:txBody>
+          <a:bodyPr/>
+          <a:lstStyle/>
+          <a:p>
+            <a:r>
+              <a:rPr lang="zh-TW" altLang="en-US"/>
+              <a:t>按一下以編輯母片標題樣式</a:t>
+            </a:r>
+            <a:endParaRPr lang="en-US" dirty="0"/>
+          </a:p>
+        </p:txBody>
+      </p:sp>
+      <p:sp>
+        <p:nvSpPr>
+          <p:cNvPr id="2" name="Date Placeholder 1"/>
+          <p:cNvSpPr>
+            <a:spLocks noGrp="1"/>
+          </p:cNvSpPr>
+          <p:nvPr>
+            <p:ph type="dt" sz="half" idx="10"/>
+          </p:nvPr>
+        </p:nvSpPr>
+        <p:spPr/>
+        <p:txBody>
+          <a:bodyPr/>
+          <a:lstStyle/>
+          <a:p>
+            <a:fld id="{E2A6C839-805B-4120-8E1A-887DB3085696}" type="datetime1">
+              <a:rPr lang="en-US" altLang="zh-TW" smtClean="0"/>
+              <a:t>3/6/2020</a:t>
+            </a:fld>
+            <a:endParaRPr lang="en-US" dirty="0"/>
+          </a:p>
+        </p:txBody>
+      </p:sp>
+      <p:sp>
+        <p:nvSpPr>
+          <p:cNvPr id="7" name="Footer Placeholder 6"/>
+          <p:cNvSpPr>
+            <a:spLocks noGrp="1"/>
+          </p:cNvSpPr>
+          <p:nvPr>
+            <p:ph type="ftr" sz="quarter" idx="11"/>
+          </p:nvPr>
+        </p:nvSpPr>
+        <p:spPr/>
+        <p:txBody>
+          <a:bodyPr/>
+          <a:lstStyle/>
+          <a:p>
+            <a:endParaRPr lang="en-US" dirty="0"/>
+          </a:p>
+        </p:txBody>
+      </p:sp>
+      <p:sp>
+        <p:nvSpPr>
+          <p:cNvPr id="8" name="Slide Number Placeholder 7"/>
+          <p:cNvSpPr>
+            <a:spLocks noGrp="1"/>
+          </p:cNvSpPr>
+          <p:nvPr>
+            <p:ph type="sldNum" sz="quarter" idx="12"/>
+          </p:nvPr>
+        </p:nvSpPr>
+        <p:spPr>
+          <a:xfrm>
+            <a:off x="10634135" y="6356350"/>
+            <a:ext cx="1530927" cy="365125"/>
+          </a:xfrm>
+          <a:prstGeom prst="rect">
+            <a:avLst/>
+          </a:prstGeom>
+        </p:spPr>
+        <p:txBody>
+          <a:bodyPr/>
+          <a:lstStyle/>
+          <a:p>
+            <a:fld id="{4FAB73BC-B049-4115-A692-8D63A059BFB8}" type="slidenum">
+              <a:rPr lang="en-US" dirty="0"/>
+              <a:pPr/>
+              <a:t>‹#›</a:t>
+            </a:fld>
+            <a:endParaRPr lang="en-US" dirty="0"/>
+          </a:p>
+        </p:txBody>
+      </p:sp>
+    </p:spTree>
+  </p:cSld>
+  <p:clrMapOvr>
+    <a:masterClrMapping/>
+  </p:clrMapOvr>
+  <mc:AlternateContent xmlns:mc="http://schemas.openxmlformats.org/markup-compatibility/2006" xmlns:p14="http://schemas.microsoft.com/office/powerpoint/2010/main">
+    <mc:Choice Requires="p14">
+      <p:transition p14:dur="160">
+        <p:fade/>
+      </p:transition>
+    </mc:Choice>
+    <mc:Fallback xmlns="">
+      <p:transition>
+        <p:fade/>
+      </p:transition>
+    </mc:Fallback>
+  </mc:AlternateContent>
+  <p:timing>
+    <p:tnLst>
+      <p:par>
+        <p:cTn id="1" dur="indefinite" restart="never" nodeType="tmRoot"/>
+      </p:par>
+    </p:tnLst>
+  </p:timing>
+</p:sldLayout>
+</file>
+
+<file path=ppt/slideLayouts/slideLayout7.xml><?xml version="1.0" encoding="utf-8"?>
+<p:sldLayout xmlns:a="http://schemas.openxmlformats.org/drawingml/2006/main" xmlns:r="http://schemas.openxmlformats.org/officeDocument/2006/relationships" xmlns:p="http://schemas.openxmlformats.org/presentationml/2006/main" showMasterSp="0" type="blank" preserve="1">
+  <p:cSld name="空白">
+    <p:spTree>
+      <p:nvGrpSpPr>
+        <p:cNvPr id="1" name=""/>
+        <p:cNvGrpSpPr/>
+        <p:nvPr/>
+      </p:nvGrpSpPr>
+      <p:grpSpPr>
+        <a:xfrm>
+          <a:off x="0" y="0"/>
+          <a:ext cx="0" cy="0"/>
+          <a:chOff x="0" y="0"/>
+          <a:chExt cx="0" cy="0"/>
+        </a:xfrm>
+      </p:grpSpPr>
+      <p:sp>
+        <p:nvSpPr>
+          <p:cNvPr id="5" name="Date Placeholder 4"/>
+          <p:cNvSpPr>
+            <a:spLocks noGrp="1"/>
+          </p:cNvSpPr>
+          <p:nvPr>
+            <p:ph type="dt" sz="half" idx="10"/>
+          </p:nvPr>
+        </p:nvSpPr>
+        <p:spPr/>
+        <p:txBody>
+          <a:bodyPr/>
+          <a:lstStyle/>
+          <a:p>
+            <a:fld id="{C3BC61D4-9EDA-48F2-9DC7-4BAF2EFB36CA}" type="datetime1">
+              <a:rPr lang="en-US" altLang="zh-TW" smtClean="0"/>
+              <a:t>3/6/2020</a:t>
+            </a:fld>
+            <a:endParaRPr lang="en-US" dirty="0"/>
+          </a:p>
+        </p:txBody>
+      </p:sp>
+      <p:sp>
+        <p:nvSpPr>
+          <p:cNvPr id="6" name="Footer Placeholder 5"/>
+          <p:cNvSpPr>
+            <a:spLocks noGrp="1"/>
+          </p:cNvSpPr>
+          <p:nvPr>
+            <p:ph type="ftr" sz="quarter" idx="11"/>
+          </p:nvPr>
+        </p:nvSpPr>
+        <p:spPr/>
+        <p:txBody>
+          <a:bodyPr/>
+          <a:lstStyle/>
+          <a:p>
+            <a:endParaRPr lang="en-US" dirty="0"/>
+          </a:p>
+        </p:txBody>
+      </p:sp>
+      <p:sp>
+        <p:nvSpPr>
+          <p:cNvPr id="7" name="Slide Number Placeholder 6"/>
+          <p:cNvSpPr>
+            <a:spLocks noGrp="1"/>
+          </p:cNvSpPr>
+          <p:nvPr>
+            <p:ph type="sldNum" sz="quarter" idx="12"/>
+          </p:nvPr>
+        </p:nvSpPr>
+        <p:spPr>
+          <a:xfrm>
+            <a:off x="10652423" y="6475222"/>
+            <a:ext cx="1530927" cy="365125"/>
+          </a:xfrm>
+          <a:prstGeom prst="rect">
+            <a:avLst/>
+          </a:prstGeom>
+        </p:spPr>
+        <p:txBody>
+          <a:bodyPr/>
+          <a:lstStyle>
+            <a:lvl1pPr algn="r">
+              <a:defRPr>
+                <a:solidFill>
+                  <a:schemeClr val="bg1">
+                    <a:lumMod val="95000"/>
+                  </a:schemeClr>
+                </a:solidFill>
+                <a:latin typeface="+mj-ea"/>
+                <a:ea typeface="+mj-ea"/>
+              </a:defRPr>
+            </a:lvl1pPr>
+          </a:lstStyle>
+          <a:p>
+            <a:fld id="{4FAB73BC-B049-4115-A692-8D63A059BFB8}" type="slidenum">
+              <a:rPr lang="en-US" smtClean="0"/>
+              <a:pPr/>
+              <a:t>‹#›</a:t>
+            </a:fld>
+            <a:endParaRPr lang="en-US" dirty="0"/>
+          </a:p>
+        </p:txBody>
+      </p:sp>
+    </p:spTree>
+  </p:cSld>
+  <p:clrMapOvr>
+    <a:masterClrMapping/>
+  </p:clrMapOvr>
+  <mc:AlternateContent xmlns:mc="http://schemas.openxmlformats.org/markup-compatibility/2006" xmlns:p14="http://schemas.microsoft.com/office/powerpoint/2010/main">
+    <mc:Choice Requires="p14">
+      <p:transition p14:dur="160">
+        <p:fade/>
+      </p:transition>
+    </mc:Choice>
+    <mc:Fallback xmlns="">
+      <p:transition>
+        <p:fade/>
+      </p:transition>
+    </mc:Fallback>
+  </mc:AlternateContent>
+  <p:timing>
+    <p:tnLst>
+      <p:par>
+        <p:cTn id="1" dur="indefinite" restart="never" nodeType="tmRoot"/>
+      </p:par>
+    </p:tnLst>
+  </p:timing>
+</p:sldLayout>
+</file>
+
+<file path=ppt/slideLayouts/slideLayout8.xml><?xml version="1.0" encoding="utf-8"?>
+<p:sldLayout xmlns:a="http://schemas.openxmlformats.org/drawingml/2006/main" xmlns:r="http://schemas.openxmlformats.org/officeDocument/2006/relationships" xmlns:p="http://schemas.openxmlformats.org/presentationml/2006/main" showMasterSp="0" type="blank" preserve="1">
+  <p:cSld name="1_空白">
+    <p:spTree>
+      <p:nvGrpSpPr>
+        <p:cNvPr id="1" name=""/>
+        <p:cNvGrpSpPr/>
+        <p:nvPr/>
+      </p:nvGrpSpPr>
+      <p:grpSpPr>
+        <a:xfrm>
+          <a:off x="0" y="0"/>
+          <a:ext cx="0" cy="0"/>
+          <a:chOff x="0" y="0"/>
+          <a:chExt cx="0" cy="0"/>
+        </a:xfrm>
+      </p:grpSpPr>
+      <p:sp>
+        <p:nvSpPr>
+          <p:cNvPr id="5" name="Date Placeholder 4"/>
+          <p:cNvSpPr>
+            <a:spLocks noGrp="1"/>
+          </p:cNvSpPr>
+          <p:nvPr>
+            <p:ph type="dt" sz="half" idx="10"/>
+          </p:nvPr>
+        </p:nvSpPr>
+        <p:spPr/>
+        <p:txBody>
+          <a:bodyPr/>
+          <a:lstStyle/>
+          <a:p>
+            <a:fld id="{C3BC61D4-9EDA-48F2-9DC7-4BAF2EFB36CA}" type="datetime1">
+              <a:rPr lang="en-US" altLang="zh-TW" smtClean="0"/>
+              <a:t>3/6/2020</a:t>
+            </a:fld>
+            <a:endParaRPr lang="en-US" dirty="0"/>
+          </a:p>
+        </p:txBody>
+      </p:sp>
+      <p:sp>
+        <p:nvSpPr>
+          <p:cNvPr id="6" name="Footer Placeholder 5"/>
+          <p:cNvSpPr>
+            <a:spLocks noGrp="1"/>
+          </p:cNvSpPr>
+          <p:nvPr>
+            <p:ph type="ftr" sz="quarter" idx="11"/>
+          </p:nvPr>
+        </p:nvSpPr>
+        <p:spPr/>
+        <p:txBody>
+          <a:bodyPr/>
+          <a:lstStyle/>
+          <a:p>
+            <a:endParaRPr lang="en-US" dirty="0"/>
+          </a:p>
+        </p:txBody>
+      </p:sp>
+      <p:sp>
+        <p:nvSpPr>
+          <p:cNvPr id="7" name="Slide Number Placeholder 6"/>
+          <p:cNvSpPr>
+            <a:spLocks noGrp="1"/>
+          </p:cNvSpPr>
+          <p:nvPr>
+            <p:ph type="sldNum" sz="quarter" idx="12"/>
+          </p:nvPr>
+        </p:nvSpPr>
+        <p:spPr>
+          <a:xfrm>
+            <a:off x="10652423" y="6475222"/>
+            <a:ext cx="1530927" cy="365125"/>
+          </a:xfrm>
+          <a:prstGeom prst="rect">
+            <a:avLst/>
+          </a:prstGeom>
+        </p:spPr>
+        <p:txBody>
+          <a:bodyPr/>
+          <a:lstStyle>
+            <a:lvl1pPr algn="r">
+              <a:defRPr>
+                <a:solidFill>
+                  <a:schemeClr val="bg1">
+                    <a:lumMod val="95000"/>
+                  </a:schemeClr>
+                </a:solidFill>
+                <a:latin typeface="+mj-ea"/>
+                <a:ea typeface="+mj-ea"/>
+              </a:defRPr>
+            </a:lvl1pPr>
+          </a:lstStyle>
+          <a:p>
+            <a:fld id="{4FAB73BC-B049-4115-A692-8D63A059BFB8}" type="slidenum">
+              <a:rPr lang="en-US" smtClean="0"/>
+              <a:pPr/>
+              <a:t>‹#›</a:t>
+            </a:fld>
+            <a:endParaRPr lang="en-US" dirty="0"/>
+          </a:p>
+        </p:txBody>
+      </p:sp>
+      <p:cxnSp>
+        <p:nvCxnSpPr>
+          <p:cNvPr id="4" name="直線接點 3"/>
+          <p:cNvCxnSpPr/>
+          <p:nvPr userDrawn="1"/>
+        </p:nvCxnSpPr>
+        <p:spPr>
+          <a:xfrm>
+            <a:off x="585216" y="905256"/>
+            <a:ext cx="11119104" cy="0"/>
+          </a:xfrm>
+          <a:prstGeom prst="line">
+            <a:avLst/>
+          </a:prstGeom>
+          <a:ln w="28575"/>
+        </p:spPr>
+        <p:style>
+          <a:lnRef idx="1">
+            <a:schemeClr val="accent1"/>
+          </a:lnRef>
+          <a:fillRef idx="0">
+            <a:schemeClr val="accent1"/>
+          </a:fillRef>
+          <a:effectRef idx="0">
+            <a:schemeClr val="accent1"/>
+          </a:effectRef>
+          <a:fontRef idx="minor">
+            <a:schemeClr val="tx1"/>
+          </a:fontRef>
+        </p:style>
+      </p:cxnSp>
+    </p:spTree>
+    <p:extLst>
+      <p:ext uri="{BB962C8B-B14F-4D97-AF65-F5344CB8AC3E}">
+        <p14:creationId xmlns:p14="http://schemas.microsoft.com/office/powerpoint/2010/main" val="4131586904"/>
+      </p:ext>
+    </p:extLst>
+  </p:cSld>
+  <p:clrMapOvr>
+    <a:masterClrMapping/>
+  </p:clrMapOvr>
+  <mc:AlternateContent xmlns:mc="http://schemas.openxmlformats.org/markup-compatibility/2006" xmlns:p14="http://schemas.microsoft.com/office/powerpoint/2010/main">
+    <mc:Choice Requires="p14">
+      <p:transition p14:dur="160">
+        <p:fade/>
+      </p:transition>
+    </mc:Choice>
+    <mc:Fallback xmlns="">
+      <p:transition>
+        <p:fade/>
+      </p:transition>
+    </mc:Fallback>
+  </mc:AlternateContent>
+  <p:timing>
+    <p:tnLst>
+      <p:par>
+        <p:cTn id="1" dur="indefinite" restart="never" nodeType="tmRoot"/>
+      </p:par>
+    </p:tnLst>
+  </p:timing>
+</p:sldLayout>
+</file>
+
+<file path=ppt/slideLayouts/slideLayout9.xml><?xml version="1.0" encoding="utf-8"?>
+<p:sldLayout xmlns:a="http://schemas.openxmlformats.org/drawingml/2006/main" xmlns:r="http://schemas.openxmlformats.org/officeDocument/2006/relationships" xmlns:p="http://schemas.openxmlformats.org/presentationml/2006/main" type="objTx" preserve="1">
+  <p:cSld name="含輔助字幕的內容">
+    <p:spTree>
+      <p:nvGrpSpPr>
+        <p:cNvPr id="1" name=""/>
+        <p:cNvGrpSpPr/>
+        <p:nvPr/>
+      </p:nvGrpSpPr>
+      <p:grpSpPr>
+        <a:xfrm>
+          <a:off x="0" y="0"/>
+          <a:ext cx="0" cy="0"/>
+          <a:chOff x="0" y="0"/>
+          <a:chExt cx="0" cy="0"/>
+        </a:xfrm>
+      </p:grpSpPr>
+      <p:sp>
+        <p:nvSpPr>
+          <p:cNvPr id="2" name="Title 1"/>
+          <p:cNvSpPr>
+            <a:spLocks noGrp="1"/>
+          </p:cNvSpPr>
+          <p:nvPr>
+            <p:ph type="title"/>
+          </p:nvPr>
+        </p:nvSpPr>
+        <p:spPr>
+          <a:xfrm>
+            <a:off x="256032" y="1143000"/>
+            <a:ext cx="2834640" cy="2377440"/>
+          </a:xfrm>
+        </p:spPr>
+        <p:txBody>
+          <a:bodyPr anchor="b">
+            <a:normAutofit/>
+          </a:bodyPr>
+          <a:lstStyle>
+            <a:lvl1pPr>
+              <a:defRPr sz="3200" b="0" baseline="0"/>
+            </a:lvl1pPr>
+          </a:lstStyle>
+          <a:p>
+            <a:r>
+              <a:rPr lang="zh-TW" altLang="en-US"/>
+              <a:t>按一下以編輯母片標題樣式</a:t>
+            </a:r>
+            <a:endParaRPr lang="en-US" dirty="0"/>
+          </a:p>
+        </p:txBody>
+      </p:sp>
+      <p:sp>
+        <p:nvSpPr>
+          <p:cNvPr id="3" name="Content Placeholder 2"/>
+          <p:cNvSpPr>
+            <a:spLocks noGrp="1"/>
+          </p:cNvSpPr>
+          <p:nvPr>
+            <p:ph idx="1"/>
+          </p:nvPr>
+        </p:nvSpPr>
+        <p:spPr>
+          <a:xfrm>
+            <a:off x="3867912" y="868680"/>
+            <a:ext cx="7315200" cy="5120640"/>
+          </a:xfrm>
+        </p:spPr>
+        <p:txBody>
+          <a:bodyPr/>
+          <a:lstStyle>
+            <a:lvl1pPr>
+              <a:defRPr sz="2000"/>
+            </a:lvl1pPr>
+            <a:lvl2pPr>
+              <a:defRPr sz="1800"/>
+            </a:lvl2pPr>
+            <a:lvl3pPr>
+              <a:defRPr sz="1600"/>
+            </a:lvl3pPr>
+            <a:lvl4pPr>
+              <a:defRPr sz="1400"/>
+            </a:lvl4pPr>
+            <a:lvl5pPr>
+              <a:defRPr sz="1400"/>
+            </a:lvl5pPr>
+            <a:lvl6pPr>
+              <a:defRPr sz="1400"/>
+            </a:lvl6pPr>
+            <a:lvl7pPr>
+              <a:defRPr sz="1400"/>
+            </a:lvl7pPr>
+            <a:lvl8pPr>
+              <a:defRPr sz="1400"/>
+            </a:lvl8pPr>
+            <a:lvl9pPr>
+              <a:defRPr sz="1400"/>
+            </a:lvl9pPr>
+          </a:lstStyle>
+          <a:p>
+            <a:pPr lvl="0"/>
+            <a:r>
+              <a:rPr lang="zh-TW" altLang="en-US"/>
+              <a:t>按一下以編輯母片文字樣式</a:t>
+            </a:r>
+          </a:p>
+          <a:p>
+            <a:pPr lvl="1"/>
+            <a:r>
+              <a:rPr lang="zh-TW" altLang="en-US"/>
+              <a:t>第二層</a:t>
+            </a:r>
+          </a:p>
+          <a:p>
+            <a:pPr lvl="2"/>
+            <a:r>
+              <a:rPr lang="zh-TW" altLang="en-US"/>
+              <a:t>第三層</a:t>
+            </a:r>
+          </a:p>
+          <a:p>
+            <a:pPr lvl="3"/>
+            <a:r>
+              <a:rPr lang="zh-TW" altLang="en-US"/>
+              <a:t>第四層</a:t>
+            </a:r>
+          </a:p>
+          <a:p>
+            <a:pPr lvl="4"/>
+            <a:r>
+              <a:rPr lang="zh-TW" altLang="en-US"/>
+              <a:t>第五層</a:t>
+            </a:r>
+            <a:endParaRPr lang="en-US" dirty="0"/>
+          </a:p>
+        </p:txBody>
+      </p:sp>
+      <p:sp>
+        <p:nvSpPr>
+          <p:cNvPr id="4" name="Text Placeholder 3"/>
+          <p:cNvSpPr>
+            <a:spLocks noGrp="1"/>
+          </p:cNvSpPr>
+          <p:nvPr>
+            <p:ph type="body" sz="half" idx="2"/>
+          </p:nvPr>
+        </p:nvSpPr>
+        <p:spPr>
+          <a:xfrm>
+            <a:off x="256032" y="3494176"/>
+            <a:ext cx="2834640" cy="2321990"/>
+          </a:xfrm>
+        </p:spPr>
+        <p:txBody>
+          <a:bodyPr anchor="t">
+            <a:normAutofit/>
+          </a:bodyPr>
+          <a:lstStyle>
+            <a:lvl1pPr marL="0" indent="0">
+              <a:lnSpc>
+                <a:spcPct val="100000"/>
+              </a:lnSpc>
+              <a:buNone/>
+              <a:defRPr sz="1400">
+                <a:solidFill>
+                  <a:srgbClr val="FFFFFF"/>
+                </a:solidFill>
+              </a:defRPr>
+            </a:lvl1pPr>
+            <a:lvl2pPr marL="457200" indent="0">
+              <a:buNone/>
+              <a:defRPr sz="1200"/>
+            </a:lvl2pPr>
+            <a:lvl3pPr marL="914400" indent="0">
+              <a:buNone/>
+              <a:defRPr sz="1000"/>
+            </a:lvl3pPr>
+            <a:lvl4pPr marL="1371600" indent="0">
+              <a:buNone/>
+              <a:defRPr sz="900"/>
+            </a:lvl4pPr>
+            <a:lvl5pPr marL="1828800" indent="0">
+              <a:buNone/>
+              <a:defRPr sz="900"/>
+            </a:lvl5pPr>
+            <a:lvl6pPr marL="2286000" indent="0">
+              <a:buNone/>
+              <a:defRPr sz="900"/>
+            </a:lvl6pPr>
+            <a:lvl7pPr marL="2743200" indent="0">
+              <a:buNone/>
+              <a:defRPr sz="900"/>
+            </a:lvl7pPr>
+            <a:lvl8pPr marL="3200400" indent="0">
+              <a:buNone/>
+              <a:defRPr sz="900"/>
+            </a:lvl8pPr>
+            <a:lvl9pPr marL="3657600" indent="0">
+              <a:buNone/>
+              <a:defRPr sz="900"/>
+            </a:lvl9pPr>
+          </a:lstStyle>
+          <a:p>
+            <a:pPr lvl="0"/>
+            <a:r>
+              <a:rPr lang="zh-TW" altLang="en-US"/>
+              <a:t>按一下以編輯母片文字樣式</a:t>
+            </a:r>
+          </a:p>
+        </p:txBody>
+      </p:sp>
+      <p:sp>
+        <p:nvSpPr>
+          <p:cNvPr id="8" name="Date Placeholder 7"/>
+          <p:cNvSpPr>
+            <a:spLocks noGrp="1"/>
+          </p:cNvSpPr>
+          <p:nvPr>
+            <p:ph type="dt" sz="half" idx="10"/>
+          </p:nvPr>
+        </p:nvSpPr>
+        <p:spPr/>
+        <p:txBody>
+          <a:bodyPr/>
+          <a:lstStyle/>
+          <a:p>
+            <a:fld id="{AD3619F7-4977-420F-B59A-DBDA61E7ABEC}" type="datetime1">
+              <a:rPr lang="en-US" altLang="zh-TW" smtClean="0"/>
+              <a:t>3/6/2020</a:t>
+            </a:fld>
+            <a:endParaRPr lang="en-US" dirty="0"/>
+          </a:p>
+        </p:txBody>
+      </p:sp>
+      <p:sp>
+        <p:nvSpPr>
+          <p:cNvPr id="9" name="Footer Placeholder 8"/>
+          <p:cNvSpPr>
+            <a:spLocks noGrp="1"/>
+          </p:cNvSpPr>
+          <p:nvPr>
+            <p:ph type="ftr" sz="quarter" idx="11"/>
+          </p:nvPr>
+        </p:nvSpPr>
+        <p:spPr/>
+        <p:txBody>
+          <a:bodyPr/>
+          <a:lstStyle/>
+          <a:p>
+            <a:endParaRPr lang="en-US" dirty="0"/>
+          </a:p>
+        </p:txBody>
+      </p:sp>
+      <p:sp>
+        <p:nvSpPr>
+          <p:cNvPr id="10" name="Slide Number Placeholder 9"/>
+          <p:cNvSpPr>
+            <a:spLocks noGrp="1"/>
+          </p:cNvSpPr>
+          <p:nvPr>
+            <p:ph type="sldNum" sz="quarter" idx="12"/>
+          </p:nvPr>
+        </p:nvSpPr>
+        <p:spPr>
+          <a:xfrm>
+            <a:off x="10634135" y="6356350"/>
+            <a:ext cx="1530927" cy="365125"/>
+          </a:xfrm>
+          <a:prstGeom prst="rect">
+            <a:avLst/>
+          </a:prstGeom>
+        </p:spPr>
+        <p:txBody>
+          <a:bodyPr/>
+          <a:lstStyle/>
+          <a:p>
+            <a:fld id="{4FAB73BC-B049-4115-A692-8D63A059BFB8}" type="slidenum">
+              <a:rPr lang="en-US" dirty="0"/>
+              <a:pPr/>
+              <a:t>‹#›</a:t>
+            </a:fld>
+            <a:endParaRPr lang="en-US" dirty="0"/>
+          </a:p>
+        </p:txBody>
+      </p:sp>
+    </p:spTree>
+  </p:cSld>
+  <p:clrMapOvr>
+    <a:masterClrMapping/>
+  </p:clrMapOvr>
+  <mc:AlternateContent xmlns:mc="http://schemas.openxmlformats.org/markup-compatibility/2006" xmlns:p14="http://schemas.microsoft.com/office/powerpoint/2010/main">
+    <mc:Choice Requires="p14">
+      <p:transition p14:dur="160">
+        <p:fade/>
+      </p:transition>
+    </mc:Choice>
+    <mc:Fallback xmlns="">
+      <p:transition>
+        <p:fade/>
+      </p:transition>
+    </mc:Fallback>
+  </mc:AlternateContent>
+  <p:timing>
+    <p:tnLst>
+      <p:par>
+        <p:cTn id="1" dur="indefinite" restart="never" nodeType="tmRoot"/>
+      </p:par>
+    </p:tnLst>
+  </p:timing>
 </p:sldLayout>
 </file>
 
@@ -5051,10 +5352,9 @@
             </a:lvl1pPr>
           </a:lstStyle>
           <a:p>
-            <a:fld id="{5586B75A-687E-405C-8A0B-8D00578BA2C3}" type="datetimeFigureOut">
-              <a:rPr lang="en-US" dirty="0"/>
-              <a:pPr/>
-              <a:t>3/3/2020</a:t>
+            <a:fld id="{427FFE6E-D4EC-4F12-B8B0-E72AA8EDAE7C}" type="datetime1">
+              <a:rPr lang="en-US" altLang="zh-TW" smtClean="0"/>
+              <a:t>3/6/2020</a:t>
             </a:fld>
             <a:endParaRPr lang="en-US" dirty="0"/>
           </a:p>
@@ -5100,17 +5400,59 @@
       </p:sp>
       <p:sp>
         <p:nvSpPr>
-          <p:cNvPr id="6" name="Slide Number Placeholder 5"/>
-          <p:cNvSpPr>
-            <a:spLocks noGrp="1"/>
-          </p:cNvSpPr>
-          <p:nvPr>
-            <p:ph type="sldNum" sz="quarter" idx="4"/>
-          </p:nvPr>
+          <p:cNvPr id="9" name="文字方塊 8"/>
+          <p:cNvSpPr txBox="1"/>
+          <p:nvPr userDrawn="1"/>
         </p:nvSpPr>
         <p:spPr>
           <a:xfrm>
-            <a:off x="10634135" y="6356350"/>
+            <a:off x="11296880" y="6356350"/>
+            <a:ext cx="1037968" cy="461665"/>
+          </a:xfrm>
+          <a:prstGeom prst="rect">
+            <a:avLst/>
+          </a:prstGeom>
+          <a:noFill/>
+        </p:spPr>
+        <p:txBody>
+          <a:bodyPr wrap="square" rtlCol="0">
+            <a:spAutoFit/>
+          </a:bodyPr>
+          <a:lstStyle/>
+          <a:p>
+            <a:r>
+              <a:rPr lang="en-US" altLang="zh-TW" sz="2400" b="1" i="1" dirty="0" smtClean="0">
+                <a:solidFill>
+                  <a:srgbClr val="FF0000"/>
+                </a:solidFill>
+                <a:latin typeface="Arial Black" panose="020B0A04020102020204" pitchFamily="34" charset="0"/>
+                <a:ea typeface="+mj-ea"/>
+              </a:rPr>
+              <a:t>F2E</a:t>
+            </a:r>
+            <a:endParaRPr lang="zh-TW" altLang="en-US" sz="2800" b="1" i="1" dirty="0">
+              <a:solidFill>
+                <a:srgbClr val="FF0000"/>
+              </a:solidFill>
+              <a:latin typeface="Arial Black" panose="020B0A04020102020204" pitchFamily="34" charset="0"/>
+              <a:ea typeface="+mj-ea"/>
+            </a:endParaRPr>
+          </a:p>
+        </p:txBody>
+      </p:sp>
+      <p:sp>
+        <p:nvSpPr>
+          <p:cNvPr id="10" name="Slide Number Placeholder 9"/>
+          <p:cNvSpPr>
+            <a:spLocks noGrp="1"/>
+          </p:cNvSpPr>
+          <p:nvPr>
+            <p:ph type="sldNum" sz="quarter" idx="4"/>
+          </p:nvPr>
+        </p:nvSpPr>
+        <p:spPr>
+          <a:xfrm>
+            <a:off x="10531416" y="6356350"/>
             <a:ext cx="1530927" cy="365125"/>
           </a:xfrm>
           <a:prstGeom prst="rect">
@@ -5118,16 +5460,8 @@
           </a:prstGeom>
         </p:spPr>
         <p:txBody>
-          <a:bodyPr vert="horz" lIns="91440" tIns="45720" rIns="91440" bIns="45720" rtlCol="0" anchor="ctr"/>
-          <a:lstStyle>
-            <a:lvl1pPr algn="r">
-              <a:defRPr sz="1200" b="1">
-                <a:solidFill>
-                  <a:schemeClr val="accent1"/>
-                </a:solidFill>
-              </a:defRPr>
-            </a:lvl1pPr>
-          </a:lstStyle>
+          <a:bodyPr/>
+          <a:lstStyle/>
           <a:p>
             <a:fld id="{4FAB73BC-B049-4115-A692-8D63A059BFB8}" type="slidenum">
               <a:rPr lang="en-US" dirty="0"/>
@@ -5149,10 +5483,11 @@
     <p:sldLayoutId id="2147483845" r:id="rId5"/>
     <p:sldLayoutId id="2147483846" r:id="rId6"/>
     <p:sldLayoutId id="2147483847" r:id="rId7"/>
-    <p:sldLayoutId id="2147483848" r:id="rId8"/>
-    <p:sldLayoutId id="2147483849" r:id="rId9"/>
-    <p:sldLayoutId id="2147483850" r:id="rId10"/>
-    <p:sldLayoutId id="2147483851" r:id="rId11"/>
+    <p:sldLayoutId id="2147483852" r:id="rId8"/>
+    <p:sldLayoutId id="2147483848" r:id="rId9"/>
+    <p:sldLayoutId id="2147483849" r:id="rId10"/>
+    <p:sldLayoutId id="2147483850" r:id="rId11"/>
+    <p:sldLayoutId id="2147483851" r:id="rId12"/>
   </p:sldLayoutIdLst>
   <mc:AlternateContent xmlns:mc="http://schemas.openxmlformats.org/markup-compatibility/2006" xmlns:p14="http://schemas.microsoft.com/office/powerpoint/2010/main">
     <mc:Choice Requires="p14">
@@ -5166,7 +5501,14 @@
       </p:transition>
     </mc:Fallback>
   </mc:AlternateContent>
-  <p:hf sldNum="0" hdr="0" ftr="0" dt="0"/>
+  <p:timing>
+    <p:tnLst>
+      <p:par>
+        <p:cTn id="1" dur="indefinite" restart="never" nodeType="tmRoot"/>
+      </p:par>
+    </p:tnLst>
+  </p:timing>
+  <p:hf hdr="0" ftr="0" dt="0"/>
   <p:txStyles>
     <p:titleStyle>
       <a:lvl1pPr algn="l" defTabSz="914400" rtl="0" eaLnBrk="1" latinLnBrk="0" hangingPunct="1">
@@ -5610,30 +5952,35 @@
         </p:spPr>
         <p:txBody>
           <a:bodyPr>
-            <a:normAutofit fontScale="85000" lnSpcReduction="20000"/>
+            <a:normAutofit/>
           </a:bodyPr>
           <a:lstStyle/>
           <a:p>
             <a:r>
-              <a:rPr lang="zh-TW" altLang="en-US" dirty="0"/>
+              <a:rPr lang="zh-TW" altLang="en-US" sz="2400" dirty="0">
+                <a:latin typeface="+mj-ea"/>
+                <a:ea typeface="+mj-ea"/>
+              </a:rPr>
               <a:t>演講人</a:t>
             </a:r>
             <a:r>
-              <a:rPr lang="en-US" altLang="zh-TW" dirty="0"/>
+              <a:rPr lang="en-US" altLang="zh-TW" sz="2400" dirty="0">
+                <a:latin typeface="+mj-ea"/>
+                <a:ea typeface="+mj-ea"/>
+              </a:rPr>
               <a:t>:</a:t>
             </a:r>
             <a:r>
-              <a:rPr lang="zh-TW" altLang="en-US" dirty="0" smtClean="0"/>
+              <a:rPr lang="zh-TW" altLang="en-US" sz="2400" dirty="0" smtClean="0">
+                <a:latin typeface="+mj-ea"/>
+                <a:ea typeface="+mj-ea"/>
+              </a:rPr>
               <a:t>蔡承宇</a:t>
             </a:r>
-            <a:endParaRPr lang="en-US" altLang="zh-TW" dirty="0" smtClean="0"/>
-          </a:p>
-          <a:p>
-            <a:r>
-              <a:rPr lang="en-US" altLang="zh-TW" dirty="0" smtClean="0"/>
-              <a:t>F2E</a:t>
-            </a:r>
-            <a:endParaRPr lang="zh-TW" altLang="en-US" dirty="0"/>
+            <a:endParaRPr lang="en-US" altLang="zh-TW" sz="2400" dirty="0" smtClean="0">
+              <a:latin typeface="+mj-ea"/>
+              <a:ea typeface="+mj-ea"/>
+            </a:endParaRPr>
           </a:p>
         </p:txBody>
       </p:sp>
@@ -5691,7 +6038,7 @@
           <p:cNvPr id="2" name="矩形 1">
             <a:extLst>
               <a:ext uri="{FF2B5EF4-FFF2-40B4-BE49-F238E27FC236}">
-                <a16:creationId xmlns:a16="http://schemas.microsoft.com/office/drawing/2014/main" id="{761448C6-0063-4ED6-8644-96088B65A41D}"/>
+                <a16:creationId xmlns:a16="http://schemas.microsoft.com/office/drawing/2014/main" id="{A7656A58-3E32-44CC-BB61-39A20F6AE9A7}"/>
               </a:ext>
             </a:extLst>
           </p:cNvPr>
@@ -5700,8 +6047,8 @@
         </p:nvSpPr>
         <p:spPr>
           <a:xfrm>
-            <a:off x="1153341" y="1131063"/>
-            <a:ext cx="6536213" cy="4595874"/>
+            <a:off x="4965602" y="1587061"/>
+            <a:ext cx="2031325" cy="646331"/>
           </a:xfrm>
           <a:prstGeom prst="rect">
             <a:avLst/>
@@ -5713,161 +6060,229 @@
           </a:bodyPr>
           <a:lstStyle/>
           <a:p>
-            <a:pPr marL="571500" indent="-571500">
-              <a:lnSpc>
-                <a:spcPct val="150000"/>
-              </a:lnSpc>
-              <a:buFont typeface="Arial" panose="020B0604020202020204" pitchFamily="34" charset="0"/>
-              <a:buChar char="•"/>
-            </a:pPr>
-            <a:r>
-              <a:rPr lang="en-US" altLang="zh-TW" sz="4000" dirty="0">
+            <a:r>
+              <a:rPr lang="zh-TW" altLang="en-US" sz="3600" dirty="0">
                 <a:solidFill>
                   <a:schemeClr val="bg1"/>
                 </a:solidFill>
-                <a:latin typeface="+mn-ea"/>
-              </a:rPr>
-              <a:t>Class</a:t>
-            </a:r>
-            <a:r>
-              <a:rPr lang="zh-TW" altLang="en-US" sz="4000" dirty="0">
-                <a:solidFill>
-                  <a:schemeClr val="bg1"/>
-                </a:solidFill>
-                <a:latin typeface="+mn-ea"/>
-              </a:rPr>
-              <a:t>屬性</a:t>
-            </a:r>
-            <a:endParaRPr lang="en-US" altLang="zh-TW" sz="4000" dirty="0">
+                <a:latin typeface="Helvetica Neue"/>
+              </a:rPr>
+              <a:t>使用簡單</a:t>
+            </a:r>
+            <a:endParaRPr lang="zh-TW" altLang="en-US" sz="3600" dirty="0">
               <a:solidFill>
                 <a:schemeClr val="bg1"/>
               </a:solidFill>
-              <a:latin typeface="+mn-ea"/>
             </a:endParaRPr>
           </a:p>
-          <a:p>
-            <a:pPr marL="571500" indent="-571500">
-              <a:lnSpc>
-                <a:spcPct val="150000"/>
-              </a:lnSpc>
-              <a:buFont typeface="Arial" panose="020B0604020202020204" pitchFamily="34" charset="0"/>
-              <a:buChar char="•"/>
-            </a:pPr>
-            <a:r>
-              <a:rPr lang="zh-TW" altLang="en-US" sz="4000" dirty="0">
+        </p:txBody>
+      </p:sp>
+      <p:sp>
+        <p:nvSpPr>
+          <p:cNvPr id="3" name="矩形 2">
+            <a:extLst>
+              <a:ext uri="{FF2B5EF4-FFF2-40B4-BE49-F238E27FC236}">
+                <a16:creationId xmlns:a16="http://schemas.microsoft.com/office/drawing/2014/main" id="{882EBD4E-5658-4015-8511-0782C74C9A10}"/>
+              </a:ext>
+            </a:extLst>
+          </p:cNvPr>
+          <p:cNvSpPr/>
+          <p:nvPr/>
+        </p:nvSpPr>
+        <p:spPr>
+          <a:xfrm>
+            <a:off x="8769012" y="1587061"/>
+            <a:ext cx="2031325" cy="646331"/>
+          </a:xfrm>
+          <a:prstGeom prst="rect">
+            <a:avLst/>
+          </a:prstGeom>
+        </p:spPr>
+        <p:txBody>
+          <a:bodyPr wrap="none">
+            <a:spAutoFit/>
+          </a:bodyPr>
+          <a:lstStyle/>
+          <a:p>
+            <a:r>
+              <a:rPr lang="zh-TW" altLang="en-US" sz="3600" dirty="0">
                 <a:solidFill>
                   <a:schemeClr val="bg1"/>
                 </a:solidFill>
-                <a:latin typeface="+mn-ea"/>
-              </a:rPr>
-              <a:t>全域性變數</a:t>
-            </a:r>
-            <a:endParaRPr lang="en-US" altLang="zh-TW" sz="4000" dirty="0">
+                <a:latin typeface="Helvetica Neue"/>
+              </a:rPr>
+              <a:t>效能高效</a:t>
+            </a:r>
+            <a:endParaRPr lang="zh-TW" altLang="en-US" sz="3600" dirty="0">
               <a:solidFill>
                 <a:schemeClr val="bg1"/>
               </a:solidFill>
-              <a:latin typeface="+mn-ea"/>
             </a:endParaRPr>
           </a:p>
-          <a:p>
-            <a:pPr marL="571500" indent="-571500">
-              <a:lnSpc>
-                <a:spcPct val="150000"/>
-              </a:lnSpc>
-              <a:buFont typeface="Arial" panose="020B0604020202020204" pitchFamily="34" charset="0"/>
-              <a:buChar char="•"/>
-            </a:pPr>
-            <a:r>
-              <a:rPr lang="en-US" altLang="zh-TW" sz="4000" dirty="0">
+        </p:txBody>
+      </p:sp>
+      <p:sp>
+        <p:nvSpPr>
+          <p:cNvPr id="4" name="矩形 3">
+            <a:extLst>
+              <a:ext uri="{FF2B5EF4-FFF2-40B4-BE49-F238E27FC236}">
+                <a16:creationId xmlns:a16="http://schemas.microsoft.com/office/drawing/2014/main" id="{26950AEE-8614-41E2-8985-25941768500F}"/>
+              </a:ext>
+            </a:extLst>
+          </p:cNvPr>
+          <p:cNvSpPr/>
+          <p:nvPr/>
+        </p:nvSpPr>
+        <p:spPr>
+          <a:xfrm>
+            <a:off x="1249277" y="1587064"/>
+            <a:ext cx="2031325" cy="646331"/>
+          </a:xfrm>
+          <a:prstGeom prst="rect">
+            <a:avLst/>
+          </a:prstGeom>
+        </p:spPr>
+        <p:txBody>
+          <a:bodyPr wrap="none">
+            <a:spAutoFit/>
+          </a:bodyPr>
+          <a:lstStyle/>
+          <a:p>
+            <a:r>
+              <a:rPr lang="zh-TW" altLang="en-US" sz="3600" dirty="0">
                 <a:solidFill>
                   <a:schemeClr val="bg1"/>
                 </a:solidFill>
-                <a:latin typeface="+mn-ea"/>
-              </a:rPr>
-              <a:t>DOM</a:t>
-            </a:r>
-          </a:p>
-          <a:p>
-            <a:pPr marL="571500" indent="-571500">
-              <a:lnSpc>
-                <a:spcPct val="150000"/>
-              </a:lnSpc>
-              <a:buFont typeface="Arial" panose="020B0604020202020204" pitchFamily="34" charset="0"/>
-              <a:buChar char="•"/>
-            </a:pPr>
-            <a:r>
-              <a:rPr lang="zh-TW" altLang="en-US" sz="4000" dirty="0">
-                <a:solidFill>
-                  <a:schemeClr val="bg1"/>
-                </a:solidFill>
-                <a:latin typeface="+mn-ea"/>
-              </a:rPr>
-              <a:t>閉包</a:t>
-            </a:r>
-            <a:endParaRPr lang="en-US" altLang="zh-TW" sz="4000" dirty="0">
+                <a:latin typeface="Helvetica Neue"/>
+              </a:rPr>
+              <a:t>可靠穩定</a:t>
+            </a:r>
+            <a:endParaRPr lang="zh-TW" altLang="en-US" sz="3600" dirty="0">
               <a:solidFill>
                 <a:schemeClr val="bg1"/>
               </a:solidFill>
-              <a:latin typeface="+mn-ea"/>
             </a:endParaRPr>
           </a:p>
-          <a:p>
-            <a:pPr marL="571500" indent="-571500">
-              <a:lnSpc>
-                <a:spcPct val="150000"/>
-              </a:lnSpc>
-              <a:buFont typeface="Arial" panose="020B0604020202020204" pitchFamily="34" charset="0"/>
-              <a:buChar char="•"/>
-            </a:pPr>
-            <a:r>
-              <a:rPr lang="en-US" altLang="zh-TW" sz="4000" dirty="0" err="1">
-                <a:solidFill>
-                  <a:schemeClr val="bg1"/>
-                </a:solidFill>
-                <a:latin typeface="+mn-ea"/>
-              </a:rPr>
-              <a:t>indexDB</a:t>
-            </a:r>
-            <a:r>
-              <a:rPr lang="zh-TW" altLang="en-US" sz="4000" dirty="0">
-                <a:solidFill>
-                  <a:schemeClr val="bg1"/>
-                </a:solidFill>
-                <a:latin typeface="+mn-ea"/>
-              </a:rPr>
-              <a:t>、</a:t>
-            </a:r>
-            <a:r>
-              <a:rPr lang="en-US" altLang="zh-TW" sz="4000" dirty="0" err="1">
-                <a:solidFill>
-                  <a:schemeClr val="bg1"/>
-                </a:solidFill>
-                <a:latin typeface="+mn-ea"/>
-              </a:rPr>
-              <a:t>LocalStorage</a:t>
-            </a:r>
-            <a:r>
-              <a:rPr lang="en-US" altLang="zh-TW" sz="4000" dirty="0">
-                <a:solidFill>
-                  <a:schemeClr val="bg1"/>
-                </a:solidFill>
-                <a:latin typeface="+mn-ea"/>
-              </a:rPr>
-              <a:t> </a:t>
-            </a:r>
-            <a:endParaRPr lang="zh-TW" altLang="en-US" sz="4000" dirty="0">
-              <a:solidFill>
-                <a:schemeClr val="bg1"/>
-              </a:solidFill>
-              <a:latin typeface="+mn-ea"/>
-            </a:endParaRPr>
+        </p:txBody>
+      </p:sp>
+      <p:pic>
+        <p:nvPicPr>
+          <p:cNvPr id="10" name="圖片 9">
+            <a:extLst>
+              <a:ext uri="{FF2B5EF4-FFF2-40B4-BE49-F238E27FC236}">
+                <a16:creationId xmlns:a16="http://schemas.microsoft.com/office/drawing/2014/main" id="{8451668D-CA18-4DA3-B38F-379C766F7248}"/>
+              </a:ext>
+            </a:extLst>
+          </p:cNvPr>
+          <p:cNvPicPr>
+            <a:picLocks noChangeAspect="1"/>
+          </p:cNvPicPr>
+          <p:nvPr/>
+        </p:nvPicPr>
+        <p:blipFill>
+          <a:blip r:embed="rId2"/>
+          <a:stretch>
+            <a:fillRect/>
+          </a:stretch>
+        </p:blipFill>
+        <p:spPr>
+          <a:xfrm>
+            <a:off x="1371962" y="2860689"/>
+            <a:ext cx="1800000" cy="1800000"/>
+          </a:xfrm>
+          <a:prstGeom prst="rect">
+            <a:avLst/>
+          </a:prstGeom>
+        </p:spPr>
+      </p:pic>
+      <p:pic>
+        <p:nvPicPr>
+          <p:cNvPr id="12" name="圖片 11">
+            <a:extLst>
+              <a:ext uri="{FF2B5EF4-FFF2-40B4-BE49-F238E27FC236}">
+                <a16:creationId xmlns:a16="http://schemas.microsoft.com/office/drawing/2014/main" id="{59898743-EB4C-4499-9D61-4548C05259CC}"/>
+              </a:ext>
+            </a:extLst>
+          </p:cNvPr>
+          <p:cNvPicPr>
+            <a:picLocks noChangeAspect="1"/>
+          </p:cNvPicPr>
+          <p:nvPr/>
+        </p:nvPicPr>
+        <p:blipFill>
+          <a:blip r:embed="rId3"/>
+          <a:stretch>
+            <a:fillRect/>
+          </a:stretch>
+        </p:blipFill>
+        <p:spPr>
+          <a:xfrm>
+            <a:off x="5044193" y="2860689"/>
+            <a:ext cx="1800000" cy="1800000"/>
+          </a:xfrm>
+          <a:prstGeom prst="rect">
+            <a:avLst/>
+          </a:prstGeom>
+        </p:spPr>
+      </p:pic>
+      <p:pic>
+        <p:nvPicPr>
+          <p:cNvPr id="14" name="圖片 13">
+            <a:extLst>
+              <a:ext uri="{FF2B5EF4-FFF2-40B4-BE49-F238E27FC236}">
+                <a16:creationId xmlns:a16="http://schemas.microsoft.com/office/drawing/2014/main" id="{D0A7D2C9-6E0C-44FB-BDA9-0062C1055EEF}"/>
+              </a:ext>
+            </a:extLst>
+          </p:cNvPr>
+          <p:cNvPicPr>
+            <a:picLocks noChangeAspect="1"/>
+          </p:cNvPicPr>
+          <p:nvPr/>
+        </p:nvPicPr>
+        <p:blipFill>
+          <a:blip r:embed="rId4"/>
+          <a:stretch>
+            <a:fillRect/>
+          </a:stretch>
+        </p:blipFill>
+        <p:spPr>
+          <a:xfrm>
+            <a:off x="8806083" y="2860689"/>
+            <a:ext cx="1800000" cy="1800000"/>
+          </a:xfrm>
+          <a:prstGeom prst="rect">
+            <a:avLst/>
+          </a:prstGeom>
+        </p:spPr>
+      </p:pic>
+      <p:sp>
+        <p:nvSpPr>
+          <p:cNvPr id="6" name="投影片編號版面配置區 5"/>
+          <p:cNvSpPr>
+            <a:spLocks noGrp="1"/>
+          </p:cNvSpPr>
+          <p:nvPr>
+            <p:ph type="sldNum" sz="quarter" idx="12"/>
+          </p:nvPr>
+        </p:nvSpPr>
+        <p:spPr/>
+        <p:txBody>
+          <a:bodyPr/>
+          <a:lstStyle/>
+          <a:p>
+            <a:fld id="{4FAB73BC-B049-4115-A692-8D63A059BFB8}" type="slidenum">
+              <a:rPr lang="en-US" smtClean="0"/>
+              <a:pPr/>
+              <a:t>10</a:t>
+            </a:fld>
+            <a:endParaRPr lang="en-US" dirty="0"/>
           </a:p>
         </p:txBody>
       </p:sp>
     </p:spTree>
     <p:extLst>
       <p:ext uri="{BB962C8B-B14F-4D97-AF65-F5344CB8AC3E}">
-        <p14:creationId xmlns:p14="http://schemas.microsoft.com/office/powerpoint/2010/main" val="2875266567"/>
+        <p14:creationId xmlns:p14="http://schemas.microsoft.com/office/powerpoint/2010/main" val="2439114235"/>
       </p:ext>
     </p:extLst>
   </p:cSld>
@@ -5915,160 +6330,168 @@
       </p:grpSpPr>
       <p:sp>
         <p:nvSpPr>
-          <p:cNvPr id="2" name="矩形 1">
-            <a:extLst>
-              <a:ext uri="{FF2B5EF4-FFF2-40B4-BE49-F238E27FC236}">
-                <a16:creationId xmlns:a16="http://schemas.microsoft.com/office/drawing/2014/main" id="{A7656A58-3E32-44CC-BB61-39A20F6AE9A7}"/>
-              </a:ext>
-            </a:extLst>
-          </p:cNvPr>
+          <p:cNvPr id="4" name="投影片編號版面配置區 3"/>
+          <p:cNvSpPr>
+            <a:spLocks noGrp="1"/>
+          </p:cNvSpPr>
+          <p:nvPr>
+            <p:ph type="sldNum" sz="quarter" idx="12"/>
+          </p:nvPr>
+        </p:nvSpPr>
+        <p:spPr/>
+        <p:txBody>
+          <a:bodyPr/>
+          <a:lstStyle/>
+          <a:p>
+            <a:fld id="{4FAB73BC-B049-4115-A692-8D63A059BFB8}" type="slidenum">
+              <a:rPr lang="en-US" smtClean="0"/>
+              <a:pPr/>
+              <a:t>11</a:t>
+            </a:fld>
+            <a:endParaRPr lang="en-US" dirty="0"/>
+          </a:p>
+        </p:txBody>
+      </p:sp>
+      <p:sp>
+        <p:nvSpPr>
+          <p:cNvPr id="3" name="矩形 2"/>
           <p:cNvSpPr/>
           <p:nvPr/>
         </p:nvSpPr>
         <p:spPr>
           <a:xfrm>
-            <a:off x="4965602" y="1587061"/>
-            <a:ext cx="2031325" cy="646331"/>
+            <a:off x="4660420" y="2554687"/>
+            <a:ext cx="2950274" cy="923330"/>
           </a:xfrm>
           <a:prstGeom prst="rect">
             <a:avLst/>
           </a:prstGeom>
         </p:spPr>
         <p:txBody>
-          <a:bodyPr wrap="none">
+          <a:bodyPr wrap="square">
             <a:spAutoFit/>
           </a:bodyPr>
           <a:lstStyle/>
           <a:p>
-            <a:r>
-              <a:rPr lang="zh-TW" altLang="en-US" sz="3600" dirty="0">
+            <a:pPr>
+              <a:lnSpc>
+                <a:spcPct val="150000"/>
+              </a:lnSpc>
+            </a:pPr>
+            <a:r>
+              <a:rPr lang="zh-TW" altLang="en-US" sz="3600" b="1" strike="sngStrike" dirty="0">
                 <a:solidFill>
                   <a:schemeClr val="bg1"/>
                 </a:solidFill>
-                <a:latin typeface="Helvetica Neue"/>
-              </a:rPr>
-              <a:t>使用簡單</a:t>
-            </a:r>
-            <a:endParaRPr lang="zh-TW" altLang="en-US" sz="3600" dirty="0">
+                <a:latin typeface="+mn-ea"/>
+              </a:rPr>
+              <a:t>全域性變數</a:t>
+            </a:r>
+            <a:endParaRPr lang="en-US" altLang="zh-TW" sz="3600" b="1" strike="sngStrike" dirty="0">
               <a:solidFill>
                 <a:schemeClr val="bg1"/>
               </a:solidFill>
+              <a:latin typeface="+mn-ea"/>
             </a:endParaRPr>
           </a:p>
         </p:txBody>
       </p:sp>
       <p:sp>
         <p:nvSpPr>
-          <p:cNvPr id="3" name="矩形 2">
-            <a:extLst>
-              <a:ext uri="{FF2B5EF4-FFF2-40B4-BE49-F238E27FC236}">
-                <a16:creationId xmlns:a16="http://schemas.microsoft.com/office/drawing/2014/main" id="{882EBD4E-5658-4015-8511-0782C74C9A10}"/>
-              </a:ext>
-            </a:extLst>
-          </p:cNvPr>
+          <p:cNvPr id="6" name="矩形 5"/>
           <p:cNvSpPr/>
           <p:nvPr/>
         </p:nvSpPr>
         <p:spPr>
           <a:xfrm>
-            <a:off x="8769012" y="1587061"/>
-            <a:ext cx="2031325" cy="646331"/>
+            <a:off x="1227291" y="410469"/>
+            <a:ext cx="1628039" cy="923330"/>
           </a:xfrm>
           <a:prstGeom prst="rect">
             <a:avLst/>
           </a:prstGeom>
         </p:spPr>
         <p:txBody>
-          <a:bodyPr wrap="none">
+          <a:bodyPr wrap="square">
             <a:spAutoFit/>
           </a:bodyPr>
           <a:lstStyle/>
           <a:p>
-            <a:r>
-              <a:rPr lang="zh-TW" altLang="en-US" sz="3600" dirty="0">
+            <a:pPr>
+              <a:lnSpc>
+                <a:spcPct val="150000"/>
+              </a:lnSpc>
+            </a:pPr>
+            <a:r>
+              <a:rPr lang="en-US" altLang="zh-TW" sz="3600" b="1" strike="sngStrike" dirty="0">
                 <a:solidFill>
                   <a:schemeClr val="bg1"/>
                 </a:solidFill>
-                <a:latin typeface="Helvetica Neue"/>
-              </a:rPr>
-              <a:t>效能高效</a:t>
-            </a:r>
-            <a:endParaRPr lang="zh-TW" altLang="en-US" sz="3600" dirty="0">
-              <a:solidFill>
-                <a:schemeClr val="bg1"/>
-              </a:solidFill>
-            </a:endParaRPr>
-          </a:p>
-        </p:txBody>
-      </p:sp>
-      <p:sp>
-        <p:nvSpPr>
-          <p:cNvPr id="4" name="矩形 3">
-            <a:extLst>
-              <a:ext uri="{FF2B5EF4-FFF2-40B4-BE49-F238E27FC236}">
-                <a16:creationId xmlns:a16="http://schemas.microsoft.com/office/drawing/2014/main" id="{26950AEE-8614-41E2-8985-25941768500F}"/>
-              </a:ext>
-            </a:extLst>
-          </p:cNvPr>
+                <a:latin typeface="+mn-ea"/>
+              </a:rPr>
+              <a:t>DOM</a:t>
+            </a:r>
+          </a:p>
+        </p:txBody>
+      </p:sp>
+      <p:sp>
+        <p:nvSpPr>
+          <p:cNvPr id="7" name="矩形 6"/>
           <p:cNvSpPr/>
           <p:nvPr/>
         </p:nvSpPr>
         <p:spPr>
           <a:xfrm>
-            <a:off x="1249277" y="1587064"/>
-            <a:ext cx="2031325" cy="646331"/>
+            <a:off x="8390238" y="548969"/>
+            <a:ext cx="3423761" cy="646331"/>
           </a:xfrm>
           <a:prstGeom prst="rect">
             <a:avLst/>
           </a:prstGeom>
         </p:spPr>
         <p:txBody>
-          <a:bodyPr wrap="none">
+          <a:bodyPr wrap="square">
             <a:spAutoFit/>
           </a:bodyPr>
           <a:lstStyle/>
           <a:p>
             <a:r>
-              <a:rPr lang="zh-TW" altLang="en-US" sz="3600" dirty="0">
+              <a:rPr lang="en-US" altLang="zh-TW" sz="3600" b="1" strike="sngStrike" dirty="0">
                 <a:solidFill>
                   <a:schemeClr val="bg1"/>
                 </a:solidFill>
-                <a:latin typeface="Helvetica Neue"/>
-              </a:rPr>
-              <a:t>可靠穩定</a:t>
-            </a:r>
-            <a:endParaRPr lang="zh-TW" altLang="en-US" sz="3600" dirty="0">
-              <a:solidFill>
-                <a:schemeClr val="bg1"/>
-              </a:solidFill>
-            </a:endParaRPr>
+                <a:latin typeface="+mn-ea"/>
+              </a:rPr>
+              <a:t>cookie session</a:t>
+            </a:r>
+            <a:endParaRPr lang="zh-TW" altLang="en-US" sz="3600" b="1" dirty="0"/>
           </a:p>
         </p:txBody>
       </p:sp>
       <p:pic>
         <p:nvPicPr>
-          <p:cNvPr id="10" name="圖片 9">
-            <a:extLst>
-              <a:ext uri="{FF2B5EF4-FFF2-40B4-BE49-F238E27FC236}">
-                <a16:creationId xmlns:a16="http://schemas.microsoft.com/office/drawing/2014/main" id="{8451668D-CA18-4DA3-B38F-379C766F7248}"/>
-              </a:ext>
-            </a:extLst>
-          </p:cNvPr>
+          <p:cNvPr id="5" name="圖片 4"/>
           <p:cNvPicPr>
             <a:picLocks noChangeAspect="1"/>
           </p:cNvPicPr>
           <p:nvPr/>
         </p:nvPicPr>
         <p:blipFill>
-          <a:blip r:embed="rId2"/>
+          <a:blip r:embed="rId2">
+            <a:extLst>
+              <a:ext uri="{28A0092B-C50C-407E-A947-70E740481C1C}">
+                <a14:useLocalDpi xmlns:a14="http://schemas.microsoft.com/office/drawing/2010/main" val="0"/>
+              </a:ext>
+            </a:extLst>
+          </a:blip>
           <a:stretch>
             <a:fillRect/>
           </a:stretch>
         </p:blipFill>
         <p:spPr>
           <a:xfrm>
-            <a:off x="1347248" y="2860689"/>
-            <a:ext cx="1800000" cy="1800000"/>
+            <a:off x="4751673" y="3710725"/>
+            <a:ext cx="2641981" cy="2641981"/>
           </a:xfrm>
           <a:prstGeom prst="rect">
             <a:avLst/>
@@ -6077,28 +6500,28 @@
       </p:pic>
       <p:pic>
         <p:nvPicPr>
-          <p:cNvPr id="12" name="圖片 11">
-            <a:extLst>
-              <a:ext uri="{FF2B5EF4-FFF2-40B4-BE49-F238E27FC236}">
-                <a16:creationId xmlns:a16="http://schemas.microsoft.com/office/drawing/2014/main" id="{59898743-EB4C-4499-9D61-4548C05259CC}"/>
-              </a:ext>
-            </a:extLst>
-          </p:cNvPr>
+          <p:cNvPr id="8" name="圖片 7"/>
           <p:cNvPicPr>
             <a:picLocks noChangeAspect="1"/>
           </p:cNvPicPr>
           <p:nvPr/>
         </p:nvPicPr>
         <p:blipFill>
-          <a:blip r:embed="rId3"/>
+          <a:blip r:embed="rId3">
+            <a:extLst>
+              <a:ext uri="{28A0092B-C50C-407E-A947-70E740481C1C}">
+                <a14:useLocalDpi xmlns:a14="http://schemas.microsoft.com/office/drawing/2010/main" val="0"/>
+              </a:ext>
+            </a:extLst>
+          </a:blip>
           <a:stretch>
             <a:fillRect/>
           </a:stretch>
         </p:blipFill>
         <p:spPr>
           <a:xfrm>
-            <a:off x="5058130" y="2937348"/>
-            <a:ext cx="1800000" cy="1800000"/>
+            <a:off x="694577" y="1546051"/>
+            <a:ext cx="2693468" cy="2693468"/>
           </a:xfrm>
           <a:prstGeom prst="rect">
             <a:avLst/>
@@ -6107,28 +6530,28 @@
       </p:pic>
       <p:pic>
         <p:nvPicPr>
-          <p:cNvPr id="14" name="圖片 13">
-            <a:extLst>
-              <a:ext uri="{FF2B5EF4-FFF2-40B4-BE49-F238E27FC236}">
-                <a16:creationId xmlns:a16="http://schemas.microsoft.com/office/drawing/2014/main" id="{D0A7D2C9-6E0C-44FB-BDA9-0062C1055EEF}"/>
-              </a:ext>
-            </a:extLst>
-          </p:cNvPr>
+          <p:cNvPr id="9" name="圖片 8"/>
           <p:cNvPicPr>
             <a:picLocks noChangeAspect="1"/>
           </p:cNvPicPr>
           <p:nvPr/>
         </p:nvPicPr>
         <p:blipFill>
-          <a:blip r:embed="rId4"/>
+          <a:blip r:embed="rId4">
+            <a:extLst>
+              <a:ext uri="{28A0092B-C50C-407E-A947-70E740481C1C}">
+                <a14:useLocalDpi xmlns:a14="http://schemas.microsoft.com/office/drawing/2010/main" val="0"/>
+              </a:ext>
+            </a:extLst>
+          </a:blip>
           <a:stretch>
             <a:fillRect/>
           </a:stretch>
         </p:blipFill>
         <p:spPr>
           <a:xfrm>
-            <a:off x="8769012" y="2860689"/>
-            <a:ext cx="1800000" cy="1800000"/>
+            <a:off x="8883070" y="1673737"/>
+            <a:ext cx="2438095" cy="2438095"/>
           </a:xfrm>
           <a:prstGeom prst="rect">
             <a:avLst/>
@@ -6138,7 +6561,7 @@
     </p:spTree>
     <p:extLst>
       <p:ext uri="{BB962C8B-B14F-4D97-AF65-F5344CB8AC3E}">
-        <p14:creationId xmlns:p14="http://schemas.microsoft.com/office/powerpoint/2010/main" val="2439114235"/>
+        <p14:creationId xmlns:p14="http://schemas.microsoft.com/office/powerpoint/2010/main" val="2875266567"/>
       </p:ext>
     </p:extLst>
   </p:cSld>
@@ -6186,73 +6609,127 @@
       </p:grpSpPr>
       <p:sp>
         <p:nvSpPr>
-          <p:cNvPr id="2" name="標題 1">
+          <p:cNvPr id="2" name="投影片編號版面配置區 1"/>
+          <p:cNvSpPr>
+            <a:spLocks noGrp="1"/>
+          </p:cNvSpPr>
+          <p:nvPr>
+            <p:ph type="sldNum" sz="quarter" idx="12"/>
+          </p:nvPr>
+        </p:nvSpPr>
+        <p:spPr/>
+        <p:txBody>
+          <a:bodyPr/>
+          <a:lstStyle/>
+          <a:p>
+            <a:fld id="{4FAB73BC-B049-4115-A692-8D63A059BFB8}" type="slidenum">
+              <a:rPr lang="en-US" smtClean="0"/>
+              <a:pPr/>
+              <a:t>12</a:t>
+            </a:fld>
+            <a:endParaRPr lang="en-US" dirty="0"/>
+          </a:p>
+        </p:txBody>
+      </p:sp>
+      <p:sp>
+        <p:nvSpPr>
+          <p:cNvPr id="3" name="矩形 2"/>
+          <p:cNvSpPr/>
+          <p:nvPr/>
+        </p:nvSpPr>
+        <p:spPr>
+          <a:xfrm>
+            <a:off x="3591695" y="0"/>
+            <a:ext cx="4810899" cy="983603"/>
+          </a:xfrm>
+          <a:prstGeom prst="rect">
+            <a:avLst/>
+          </a:prstGeom>
+        </p:spPr>
+        <p:txBody>
+          <a:bodyPr wrap="square">
+            <a:spAutoFit/>
+          </a:bodyPr>
+          <a:lstStyle/>
+          <a:p>
+            <a:pPr algn="ctr">
+              <a:lnSpc>
+                <a:spcPct val="150000"/>
+              </a:lnSpc>
+            </a:pPr>
+            <a:r>
+              <a:rPr lang="zh-TW" altLang="en-US" sz="4400" dirty="0">
+                <a:solidFill>
+                  <a:schemeClr val="bg1"/>
+                </a:solidFill>
+                <a:latin typeface="+mn-ea"/>
+              </a:rPr>
+              <a:t>閉包</a:t>
+            </a:r>
+            <a:r>
+              <a:rPr lang="en-US" altLang="zh-TW" sz="4400" dirty="0">
+                <a:solidFill>
+                  <a:schemeClr val="bg1"/>
+                </a:solidFill>
+                <a:latin typeface="+mn-ea"/>
+              </a:rPr>
+              <a:t>(F</a:t>
+            </a:r>
+            <a:r>
+              <a:rPr lang="zh-TW" altLang="en-US" sz="4400" dirty="0">
+                <a:solidFill>
+                  <a:schemeClr val="bg1"/>
+                </a:solidFill>
+                <a:latin typeface="+mn-ea"/>
+              </a:rPr>
+              <a:t>unction</a:t>
+            </a:r>
+            <a:r>
+              <a:rPr lang="en-US" altLang="zh-TW" sz="4400" dirty="0">
+                <a:solidFill>
+                  <a:schemeClr val="bg1"/>
+                </a:solidFill>
+                <a:latin typeface="+mn-ea"/>
+              </a:rPr>
+              <a:t>)</a:t>
+            </a:r>
+          </a:p>
+        </p:txBody>
+      </p:sp>
+      <p:pic>
+        <p:nvPicPr>
+          <p:cNvPr id="4" name="圖片 3"/>
+          <p:cNvPicPr>
+            <a:picLocks noChangeAspect="1"/>
+          </p:cNvPicPr>
+          <p:nvPr/>
+        </p:nvPicPr>
+        <p:blipFill>
+          <a:blip r:embed="rId2">
             <a:extLst>
-              <a:ext uri="{FF2B5EF4-FFF2-40B4-BE49-F238E27FC236}">
-                <a16:creationId xmlns:a16="http://schemas.microsoft.com/office/drawing/2014/main" id="{DE56538B-991B-43CD-9688-296BF3BEC233}"/>
+              <a:ext uri="{28A0092B-C50C-407E-A947-70E740481C1C}">
+                <a14:useLocalDpi xmlns:a14="http://schemas.microsoft.com/office/drawing/2010/main" val="0"/>
               </a:ext>
             </a:extLst>
-          </p:cNvPr>
-          <p:cNvSpPr>
-            <a:spLocks noGrp="1"/>
-          </p:cNvSpPr>
-          <p:nvPr>
-            <p:ph type="title"/>
-          </p:nvPr>
-        </p:nvSpPr>
-        <p:spPr/>
-        <p:txBody>
-          <a:bodyPr/>
-          <a:lstStyle/>
-          <a:p>
-            <a:pPr algn="ctr"/>
-            <a:r>
-              <a:rPr lang="en-US" altLang="zh-TW" dirty="0"/>
-              <a:t>Hooks</a:t>
-            </a:r>
-            <a:endParaRPr lang="zh-TW" altLang="en-US" dirty="0"/>
-          </a:p>
-        </p:txBody>
-      </p:sp>
-      <p:sp>
-        <p:nvSpPr>
-          <p:cNvPr id="3" name="內容版面配置區 2">
-            <a:extLst>
-              <a:ext uri="{FF2B5EF4-FFF2-40B4-BE49-F238E27FC236}">
-                <a16:creationId xmlns:a16="http://schemas.microsoft.com/office/drawing/2014/main" id="{E6BE09F1-4A33-4BC1-AFCB-864056077208}"/>
-              </a:ext>
-            </a:extLst>
-          </p:cNvPr>
-          <p:cNvSpPr>
-            <a:spLocks noGrp="1"/>
-          </p:cNvSpPr>
-          <p:nvPr>
-            <p:ph idx="1"/>
-          </p:nvPr>
-        </p:nvSpPr>
-        <p:spPr/>
-        <p:txBody>
-          <a:bodyPr>
-            <a:normAutofit/>
-          </a:bodyPr>
-          <a:lstStyle/>
-          <a:p>
-            <a:pPr marL="0" indent="0">
-              <a:buNone/>
-            </a:pPr>
-            <a:endParaRPr lang="zh-TW" altLang="en-US" sz="4000" dirty="0">
-              <a:solidFill>
-                <a:schemeClr val="bg1"/>
-              </a:solidFill>
-              <a:latin typeface="+mn-ea"/>
-            </a:endParaRPr>
-          </a:p>
-        </p:txBody>
-      </p:sp>
+          </a:blip>
+          <a:stretch>
+            <a:fillRect/>
+          </a:stretch>
+        </p:blipFill>
+        <p:spPr>
+          <a:xfrm>
+            <a:off x="2706255" y="1184727"/>
+            <a:ext cx="6581777" cy="5290495"/>
+          </a:xfrm>
+          <a:prstGeom prst="rect">
+            <a:avLst/>
+          </a:prstGeom>
+        </p:spPr>
+      </p:pic>
     </p:spTree>
     <p:extLst>
       <p:ext uri="{BB962C8B-B14F-4D97-AF65-F5344CB8AC3E}">
-        <p14:creationId xmlns:p14="http://schemas.microsoft.com/office/powerpoint/2010/main" val="220217246"/>
+        <p14:creationId xmlns:p14="http://schemas.microsoft.com/office/powerpoint/2010/main" val="1811974877"/>
       </p:ext>
     </p:extLst>
   </p:cSld>
@@ -6298,10 +6775,75 @@
           <a:chExt cx="0" cy="0"/>
         </a:xfrm>
       </p:grpSpPr>
+      <p:sp>
+        <p:nvSpPr>
+          <p:cNvPr id="2" name="標題 1">
+            <a:extLst>
+              <a:ext uri="{FF2B5EF4-FFF2-40B4-BE49-F238E27FC236}">
+                <a16:creationId xmlns:a16="http://schemas.microsoft.com/office/drawing/2014/main" id="{DE56538B-991B-43CD-9688-296BF3BEC233}"/>
+              </a:ext>
+            </a:extLst>
+          </p:cNvPr>
+          <p:cNvSpPr>
+            <a:spLocks noGrp="1"/>
+          </p:cNvSpPr>
+          <p:nvPr>
+            <p:ph type="title"/>
+          </p:nvPr>
+        </p:nvSpPr>
+        <p:spPr/>
+        <p:txBody>
+          <a:bodyPr/>
+          <a:lstStyle/>
+          <a:p>
+            <a:pPr algn="ctr"/>
+            <a:r>
+              <a:rPr lang="en-US" altLang="zh-TW" dirty="0"/>
+              <a:t>Hooks</a:t>
+            </a:r>
+            <a:endParaRPr lang="zh-TW" altLang="en-US" dirty="0"/>
+          </a:p>
+        </p:txBody>
+      </p:sp>
+      <p:sp>
+        <p:nvSpPr>
+          <p:cNvPr id="3" name="內容版面配置區 2">
+            <a:extLst>
+              <a:ext uri="{FF2B5EF4-FFF2-40B4-BE49-F238E27FC236}">
+                <a16:creationId xmlns:a16="http://schemas.microsoft.com/office/drawing/2014/main" id="{E6BE09F1-4A33-4BC1-AFCB-864056077208}"/>
+              </a:ext>
+            </a:extLst>
+          </p:cNvPr>
+          <p:cNvSpPr>
+            <a:spLocks noGrp="1"/>
+          </p:cNvSpPr>
+          <p:nvPr>
+            <p:ph idx="1"/>
+          </p:nvPr>
+        </p:nvSpPr>
+        <p:spPr/>
+        <p:txBody>
+          <a:bodyPr>
+            <a:normAutofit/>
+          </a:bodyPr>
+          <a:lstStyle/>
+          <a:p>
+            <a:pPr marL="0" indent="0">
+              <a:buNone/>
+            </a:pPr>
+            <a:endParaRPr lang="zh-TW" altLang="en-US" sz="4000" dirty="0">
+              <a:solidFill>
+                <a:schemeClr val="bg1"/>
+              </a:solidFill>
+              <a:latin typeface="+mn-ea"/>
+            </a:endParaRPr>
+          </a:p>
+        </p:txBody>
+      </p:sp>
     </p:spTree>
     <p:extLst>
       <p:ext uri="{BB962C8B-B14F-4D97-AF65-F5344CB8AC3E}">
-        <p14:creationId xmlns:p14="http://schemas.microsoft.com/office/powerpoint/2010/main" val="442600008"/>
+        <p14:creationId xmlns:p14="http://schemas.microsoft.com/office/powerpoint/2010/main" val="220217246"/>
       </p:ext>
     </p:extLst>
   </p:cSld>
@@ -6349,18 +6891,12 @@
       </p:grpSpPr>
       <p:sp>
         <p:nvSpPr>
-          <p:cNvPr id="2" name="標題 1">
-            <a:extLst>
-              <a:ext uri="{FF2B5EF4-FFF2-40B4-BE49-F238E27FC236}">
-                <a16:creationId xmlns:a16="http://schemas.microsoft.com/office/drawing/2014/main" id="{83164752-3A65-4204-9A83-8650849498E7}"/>
-              </a:ext>
-            </a:extLst>
-          </p:cNvPr>
+          <p:cNvPr id="2" name="投影片編號版面配置區 1"/>
           <p:cNvSpPr>
             <a:spLocks noGrp="1"/>
           </p:cNvSpPr>
           <p:nvPr>
-            <p:ph type="title"/>
+            <p:ph type="sldNum" sz="quarter" idx="12"/>
           </p:nvPr>
         </p:nvSpPr>
         <p:spPr/>
@@ -6368,43 +6904,175 @@
           <a:bodyPr/>
           <a:lstStyle/>
           <a:p>
-            <a:pPr algn="ctr"/>
-            <a:r>
-              <a:rPr lang="zh-TW" altLang="en-US" dirty="0"/>
-              <a:t>客製化</a:t>
-            </a:r>
-          </a:p>
-        </p:txBody>
-      </p:sp>
-      <p:sp>
-        <p:nvSpPr>
-          <p:cNvPr id="3" name="內容版面配置區 2">
-            <a:extLst>
-              <a:ext uri="{FF2B5EF4-FFF2-40B4-BE49-F238E27FC236}">
-                <a16:creationId xmlns:a16="http://schemas.microsoft.com/office/drawing/2014/main" id="{DACE0065-D140-4311-A409-16CECB6AC074}"/>
-              </a:ext>
-            </a:extLst>
-          </p:cNvPr>
-          <p:cNvSpPr>
-            <a:spLocks noGrp="1"/>
-          </p:cNvSpPr>
-          <p:nvPr>
-            <p:ph idx="1"/>
-          </p:nvPr>
-        </p:nvSpPr>
-        <p:spPr/>
-        <p:txBody>
-          <a:bodyPr/>
+            <a:fld id="{4FAB73BC-B049-4115-A692-8D63A059BFB8}" type="slidenum">
+              <a:rPr lang="en-US" smtClean="0"/>
+              <a:pPr/>
+              <a:t>14</a:t>
+            </a:fld>
+            <a:endParaRPr lang="en-US" dirty="0"/>
+          </a:p>
+        </p:txBody>
+      </p:sp>
+      <p:sp>
+        <p:nvSpPr>
+          <p:cNvPr id="3" name="文字方塊 2"/>
+          <p:cNvSpPr txBox="1"/>
+          <p:nvPr/>
+        </p:nvSpPr>
+        <p:spPr>
+          <a:xfrm>
+            <a:off x="4867547" y="358347"/>
+            <a:ext cx="2522807" cy="646331"/>
+          </a:xfrm>
+          <a:prstGeom prst="rect">
+            <a:avLst/>
+          </a:prstGeom>
+          <a:noFill/>
+        </p:spPr>
+        <p:txBody>
+          <a:bodyPr wrap="none" rtlCol="0">
+            <a:spAutoFit/>
+          </a:bodyPr>
           <a:lstStyle/>
           <a:p>
-            <a:endParaRPr lang="zh-TW" altLang="en-US"/>
+            <a:r>
+              <a:rPr lang="en-US" altLang="zh-TW" sz="3600" b="1" dirty="0" err="1" smtClean="0">
+                <a:solidFill>
+                  <a:schemeClr val="bg1"/>
+                </a:solidFill>
+                <a:latin typeface="+mn-ea"/>
+              </a:rPr>
+              <a:t>useState</a:t>
+            </a:r>
+            <a:r>
+              <a:rPr lang="en-US" altLang="zh-TW" sz="3600" b="1" dirty="0" smtClean="0">
+                <a:solidFill>
+                  <a:schemeClr val="bg1"/>
+                </a:solidFill>
+                <a:latin typeface="+mn-ea"/>
+              </a:rPr>
+              <a:t>( )</a:t>
+            </a:r>
+            <a:endParaRPr lang="zh-TW" altLang="en-US" sz="3600" b="1" dirty="0">
+              <a:solidFill>
+                <a:schemeClr val="bg1"/>
+              </a:solidFill>
+              <a:latin typeface="+mn-ea"/>
+            </a:endParaRPr>
+          </a:p>
+        </p:txBody>
+      </p:sp>
+      <p:sp>
+        <p:nvSpPr>
+          <p:cNvPr id="4" name="文字方塊 3"/>
+          <p:cNvSpPr txBox="1"/>
+          <p:nvPr/>
+        </p:nvSpPr>
+        <p:spPr>
+          <a:xfrm>
+            <a:off x="1470455" y="2125363"/>
+            <a:ext cx="4324865" cy="2585323"/>
+          </a:xfrm>
+          <a:prstGeom prst="rect">
+            <a:avLst/>
+          </a:prstGeom>
+          <a:noFill/>
+        </p:spPr>
+        <p:txBody>
+          <a:bodyPr wrap="square" rtlCol="0">
+            <a:spAutoFit/>
+          </a:bodyPr>
+          <a:lstStyle/>
+          <a:p>
+            <a:pPr marL="457200" indent="-457200">
+              <a:lnSpc>
+                <a:spcPct val="150000"/>
+              </a:lnSpc>
+              <a:buFont typeface="Arial" panose="020B0604020202020204" pitchFamily="34" charset="0"/>
+              <a:buChar char="•"/>
+            </a:pPr>
+            <a:r>
+              <a:rPr lang="zh-TW" altLang="en-US" sz="3600" dirty="0" smtClean="0">
+                <a:solidFill>
+                  <a:schemeClr val="bg1">
+                    <a:lumMod val="85000"/>
+                  </a:schemeClr>
+                </a:solidFill>
+                <a:latin typeface="+mn-ea"/>
+              </a:rPr>
+              <a:t>儲存變數</a:t>
+            </a:r>
+            <a:endParaRPr lang="en-US" altLang="zh-TW" sz="3600" dirty="0" smtClean="0">
+              <a:solidFill>
+                <a:schemeClr val="bg1">
+                  <a:lumMod val="85000"/>
+                </a:schemeClr>
+              </a:solidFill>
+              <a:latin typeface="+mn-ea"/>
+            </a:endParaRPr>
+          </a:p>
+          <a:p>
+            <a:pPr marL="457200" indent="-457200">
+              <a:lnSpc>
+                <a:spcPct val="150000"/>
+              </a:lnSpc>
+              <a:buFont typeface="Arial" panose="020B0604020202020204" pitchFamily="34" charset="0"/>
+              <a:buChar char="•"/>
+            </a:pPr>
+            <a:r>
+              <a:rPr lang="zh-TW" altLang="en-US" sz="3600" dirty="0" smtClean="0">
+                <a:solidFill>
+                  <a:schemeClr val="bg1">
+                    <a:lumMod val="85000"/>
+                  </a:schemeClr>
+                </a:solidFill>
+                <a:latin typeface="+mn-ea"/>
+              </a:rPr>
+              <a:t>提供修改方式</a:t>
+            </a:r>
+            <a:endParaRPr lang="en-US" altLang="zh-TW" sz="3600" dirty="0" smtClean="0">
+              <a:solidFill>
+                <a:schemeClr val="bg1">
+                  <a:lumMod val="85000"/>
+                </a:schemeClr>
+              </a:solidFill>
+              <a:latin typeface="+mn-ea"/>
+            </a:endParaRPr>
+          </a:p>
+          <a:p>
+            <a:pPr marL="457200" indent="-457200">
+              <a:lnSpc>
+                <a:spcPct val="150000"/>
+              </a:lnSpc>
+              <a:buFont typeface="Arial" panose="020B0604020202020204" pitchFamily="34" charset="0"/>
+              <a:buChar char="•"/>
+            </a:pPr>
+            <a:r>
+              <a:rPr lang="zh-TW" altLang="en-US" sz="3600" dirty="0" smtClean="0">
+                <a:solidFill>
+                  <a:schemeClr val="bg1">
+                    <a:lumMod val="85000"/>
+                  </a:schemeClr>
+                </a:solidFill>
+                <a:latin typeface="+mn-ea"/>
+              </a:rPr>
+              <a:t>改變時會渲染頁面</a:t>
+            </a:r>
+            <a:endParaRPr lang="zh-TW" altLang="en-US" sz="3600" dirty="0">
+              <a:solidFill>
+                <a:schemeClr val="bg1">
+                  <a:lumMod val="85000"/>
+                </a:schemeClr>
+              </a:solidFill>
+              <a:latin typeface="+mn-ea"/>
+            </a:endParaRPr>
           </a:p>
         </p:txBody>
       </p:sp>
     </p:spTree>
     <p:extLst>
       <p:ext uri="{BB962C8B-B14F-4D97-AF65-F5344CB8AC3E}">
-        <p14:creationId xmlns:p14="http://schemas.microsoft.com/office/powerpoint/2010/main" val="2896364993"/>
+        <p14:creationId xmlns:p14="http://schemas.microsoft.com/office/powerpoint/2010/main" val="970922005"/>
       </p:ext>
     </p:extLst>
   </p:cSld>
@@ -6450,10 +7118,252 @@
           <a:chExt cx="0" cy="0"/>
         </a:xfrm>
       </p:grpSpPr>
+      <p:sp>
+        <p:nvSpPr>
+          <p:cNvPr id="2" name="投影片編號版面配置區 1"/>
+          <p:cNvSpPr>
+            <a:spLocks noGrp="1"/>
+          </p:cNvSpPr>
+          <p:nvPr>
+            <p:ph type="sldNum" sz="quarter" idx="12"/>
+          </p:nvPr>
+        </p:nvSpPr>
+        <p:spPr/>
+        <p:txBody>
+          <a:bodyPr/>
+          <a:lstStyle/>
+          <a:p>
+            <a:fld id="{4FAB73BC-B049-4115-A692-8D63A059BFB8}" type="slidenum">
+              <a:rPr lang="en-US" smtClean="0"/>
+              <a:pPr/>
+              <a:t>15</a:t>
+            </a:fld>
+            <a:endParaRPr lang="en-US" dirty="0"/>
+          </a:p>
+        </p:txBody>
+      </p:sp>
+      <p:sp>
+        <p:nvSpPr>
+          <p:cNvPr id="3" name="文字方塊 2"/>
+          <p:cNvSpPr txBox="1"/>
+          <p:nvPr/>
+        </p:nvSpPr>
+        <p:spPr>
+          <a:xfrm>
+            <a:off x="3472248" y="556054"/>
+            <a:ext cx="5537670" cy="769441"/>
+          </a:xfrm>
+          <a:prstGeom prst="rect">
+            <a:avLst/>
+          </a:prstGeom>
+          <a:noFill/>
+        </p:spPr>
+        <p:txBody>
+          <a:bodyPr wrap="none" rtlCol="0">
+            <a:spAutoFit/>
+          </a:bodyPr>
+          <a:lstStyle/>
+          <a:p>
+            <a:r>
+              <a:rPr lang="en-US" altLang="zh-TW" sz="4400" dirty="0" err="1" smtClean="0">
+                <a:solidFill>
+                  <a:schemeClr val="bg1"/>
+                </a:solidFill>
+                <a:latin typeface="+mj-ea"/>
+                <a:ea typeface="+mj-ea"/>
+              </a:rPr>
+              <a:t>RenderWithHooks</a:t>
+            </a:r>
+            <a:r>
+              <a:rPr lang="en-US" altLang="zh-TW" sz="4400" dirty="0" smtClean="0">
+                <a:solidFill>
+                  <a:schemeClr val="bg1"/>
+                </a:solidFill>
+                <a:latin typeface="+mj-ea"/>
+                <a:ea typeface="+mj-ea"/>
+              </a:rPr>
+              <a:t>( )</a:t>
+            </a:r>
+            <a:endParaRPr lang="zh-TW" altLang="en-US" sz="4400" dirty="0">
+              <a:solidFill>
+                <a:schemeClr val="bg1"/>
+              </a:solidFill>
+              <a:latin typeface="+mj-ea"/>
+              <a:ea typeface="+mj-ea"/>
+            </a:endParaRPr>
+          </a:p>
+        </p:txBody>
+      </p:sp>
+      <p:sp>
+        <p:nvSpPr>
+          <p:cNvPr id="4" name="文字方塊 3"/>
+          <p:cNvSpPr txBox="1"/>
+          <p:nvPr/>
+        </p:nvSpPr>
+        <p:spPr>
+          <a:xfrm>
+            <a:off x="2274542" y="2150074"/>
+            <a:ext cx="7573794" cy="2691314"/>
+          </a:xfrm>
+          <a:prstGeom prst="rect">
+            <a:avLst/>
+          </a:prstGeom>
+          <a:noFill/>
+        </p:spPr>
+        <p:txBody>
+          <a:bodyPr wrap="square" rtlCol="0">
+            <a:spAutoFit/>
+          </a:bodyPr>
+          <a:lstStyle/>
+          <a:p>
+            <a:pPr algn="ctr"/>
+            <a:r>
+              <a:rPr lang="zh-TW" altLang="en-US" sz="3600" dirty="0" smtClean="0">
+                <a:solidFill>
+                  <a:schemeClr val="bg1">
+                    <a:lumMod val="85000"/>
+                  </a:schemeClr>
+                </a:solidFill>
+                <a:latin typeface="+mj-ea"/>
+                <a:ea typeface="+mj-ea"/>
+              </a:rPr>
+              <a:t>確認現在數值與前數值是否相等 </a:t>
+            </a:r>
+            <a:r>
+              <a:rPr lang="en-US" altLang="zh-TW" sz="3600" dirty="0" smtClean="0">
+                <a:solidFill>
+                  <a:schemeClr val="bg1">
+                    <a:lumMod val="85000"/>
+                  </a:schemeClr>
+                </a:solidFill>
+                <a:latin typeface="+mj-ea"/>
+                <a:ea typeface="+mj-ea"/>
+              </a:rPr>
+              <a:t>?</a:t>
+            </a:r>
+          </a:p>
+          <a:p>
+            <a:pPr algn="ctr">
+              <a:lnSpc>
+                <a:spcPct val="200000"/>
+              </a:lnSpc>
+            </a:pPr>
+            <a:r>
+              <a:rPr lang="zh-TW" altLang="en-US" sz="3600" dirty="0">
+                <a:solidFill>
+                  <a:schemeClr val="bg1">
+                    <a:lumMod val="85000"/>
+                  </a:schemeClr>
+                </a:solidFill>
+                <a:latin typeface="+mj-ea"/>
+                <a:ea typeface="+mj-ea"/>
+              </a:rPr>
+              <a:t>不相等 </a:t>
+            </a:r>
+            <a:r>
+              <a:rPr lang="en-US" altLang="zh-TW" sz="3600" dirty="0">
+                <a:solidFill>
+                  <a:schemeClr val="bg1">
+                    <a:lumMod val="85000"/>
+                  </a:schemeClr>
+                </a:solidFill>
+                <a:latin typeface="+mj-ea"/>
+                <a:ea typeface="+mj-ea"/>
+              </a:rPr>
+              <a:t>=&gt;</a:t>
+            </a:r>
+            <a:r>
+              <a:rPr lang="zh-TW" altLang="en-US" sz="3600" dirty="0">
+                <a:solidFill>
+                  <a:schemeClr val="bg1">
+                    <a:lumMod val="85000"/>
+                  </a:schemeClr>
+                </a:solidFill>
+                <a:latin typeface="+mj-ea"/>
+                <a:ea typeface="+mj-ea"/>
+              </a:rPr>
+              <a:t>渲染頁面</a:t>
+            </a:r>
+            <a:endParaRPr lang="en-US" altLang="zh-TW" sz="3600" dirty="0">
+              <a:solidFill>
+                <a:schemeClr val="bg1">
+                  <a:lumMod val="85000"/>
+                </a:schemeClr>
+              </a:solidFill>
+              <a:latin typeface="+mj-ea"/>
+              <a:ea typeface="+mj-ea"/>
+            </a:endParaRPr>
+          </a:p>
+          <a:p>
+            <a:pPr algn="ctr">
+              <a:lnSpc>
+                <a:spcPct val="200000"/>
+              </a:lnSpc>
+            </a:pPr>
+            <a:r>
+              <a:rPr lang="zh-TW" altLang="en-US" sz="3600" dirty="0" smtClean="0">
+                <a:solidFill>
+                  <a:schemeClr val="bg1">
+                    <a:lumMod val="85000"/>
+                  </a:schemeClr>
+                </a:solidFill>
+                <a:latin typeface="+mj-ea"/>
+                <a:ea typeface="+mj-ea"/>
+              </a:rPr>
+              <a:t>相等 </a:t>
+            </a:r>
+            <a:r>
+              <a:rPr lang="en-US" altLang="zh-TW" sz="3600" dirty="0">
+                <a:solidFill>
+                  <a:schemeClr val="bg1">
+                    <a:lumMod val="85000"/>
+                  </a:schemeClr>
+                </a:solidFill>
+                <a:latin typeface="+mj-ea"/>
+                <a:ea typeface="+mj-ea"/>
+              </a:rPr>
+              <a:t>=&gt;</a:t>
+            </a:r>
+            <a:r>
+              <a:rPr lang="zh-TW" altLang="en-US" sz="3600" dirty="0">
+                <a:solidFill>
+                  <a:schemeClr val="bg1">
+                    <a:lumMod val="85000"/>
+                  </a:schemeClr>
+                </a:solidFill>
+                <a:latin typeface="+mj-ea"/>
+                <a:ea typeface="+mj-ea"/>
+              </a:rPr>
+              <a:t>不渲染頁</a:t>
+            </a:r>
+            <a:r>
+              <a:rPr lang="zh-TW" altLang="en-US" sz="3600" dirty="0" smtClean="0">
+                <a:solidFill>
+                  <a:schemeClr val="bg1">
+                    <a:lumMod val="85000"/>
+                  </a:schemeClr>
+                </a:solidFill>
+                <a:latin typeface="+mj-ea"/>
+                <a:ea typeface="+mj-ea"/>
+              </a:rPr>
+              <a:t>面</a:t>
+            </a:r>
+            <a:endParaRPr lang="zh-TW" altLang="en-US" sz="3600" dirty="0">
+              <a:solidFill>
+                <a:schemeClr val="bg1">
+                  <a:lumMod val="85000"/>
+                </a:schemeClr>
+              </a:solidFill>
+              <a:latin typeface="+mj-ea"/>
+              <a:ea typeface="+mj-ea"/>
+            </a:endParaRPr>
+          </a:p>
+        </p:txBody>
+      </p:sp>
     </p:spTree>
     <p:extLst>
       <p:ext uri="{BB962C8B-B14F-4D97-AF65-F5344CB8AC3E}">
-        <p14:creationId xmlns:p14="http://schemas.microsoft.com/office/powerpoint/2010/main" val="2260164828"/>
+        <p14:creationId xmlns:p14="http://schemas.microsoft.com/office/powerpoint/2010/main" val="1760001997"/>
       </p:ext>
     </p:extLst>
   </p:cSld>
@@ -6501,18 +7411,12 @@
       </p:grpSpPr>
       <p:sp>
         <p:nvSpPr>
-          <p:cNvPr id="2" name="標題 1">
-            <a:extLst>
-              <a:ext uri="{FF2B5EF4-FFF2-40B4-BE49-F238E27FC236}">
-                <a16:creationId xmlns:a16="http://schemas.microsoft.com/office/drawing/2014/main" id="{F434A3BD-F053-4780-B04B-164CC4916F18}"/>
-              </a:ext>
-            </a:extLst>
-          </p:cNvPr>
+          <p:cNvPr id="2" name="投影片編號版面配置區 1"/>
           <p:cNvSpPr>
             <a:spLocks noGrp="1"/>
           </p:cNvSpPr>
           <p:nvPr>
-            <p:ph type="title"/>
+            <p:ph type="sldNum" sz="quarter" idx="12"/>
           </p:nvPr>
         </p:nvSpPr>
         <p:spPr/>
@@ -6520,46 +7424,899 @@
           <a:bodyPr/>
           <a:lstStyle/>
           <a:p>
+            <a:fld id="{4FAB73BC-B049-4115-A692-8D63A059BFB8}" type="slidenum">
+              <a:rPr lang="en-US" smtClean="0"/>
+              <a:pPr/>
+              <a:t>16</a:t>
+            </a:fld>
+            <a:endParaRPr lang="en-US" dirty="0"/>
+          </a:p>
+        </p:txBody>
+      </p:sp>
+      <p:graphicFrame>
+        <p:nvGraphicFramePr>
+          <p:cNvPr id="8" name="表格 7"/>
+          <p:cNvGraphicFramePr>
+            <a:graphicFrameLocks noGrp="1"/>
+          </p:cNvGraphicFramePr>
+          <p:nvPr>
+            <p:extLst>
+              <p:ext uri="{D42A27DB-BD31-4B8C-83A1-F6EECF244321}">
+                <p14:modId xmlns:p14="http://schemas.microsoft.com/office/powerpoint/2010/main" val="3682159742"/>
+              </p:ext>
+            </p:extLst>
+          </p:nvPr>
+        </p:nvGraphicFramePr>
+        <p:xfrm>
+          <a:off x="944605" y="691978"/>
+          <a:ext cx="9570993" cy="5286515"/>
+        </p:xfrm>
+        <a:graphic>
+          <a:graphicData uri="http://schemas.openxmlformats.org/drawingml/2006/table">
+            <a:tbl>
+              <a:tblPr firstRow="1" bandRow="1">
+                <a:tableStyleId>{2D5ABB26-0587-4C30-8999-92F81FD0307C}</a:tableStyleId>
+              </a:tblPr>
+              <a:tblGrid>
+                <a:gridCol w="3190331">
+                  <a:extLst>
+                    <a:ext uri="{9D8B030D-6E8A-4147-A177-3AD203B41FA5}">
+                      <a16:colId xmlns:a16="http://schemas.microsoft.com/office/drawing/2014/main" val="529519083"/>
+                    </a:ext>
+                  </a:extLst>
+                </a:gridCol>
+                <a:gridCol w="3190331">
+                  <a:extLst>
+                    <a:ext uri="{9D8B030D-6E8A-4147-A177-3AD203B41FA5}">
+                      <a16:colId xmlns:a16="http://schemas.microsoft.com/office/drawing/2014/main" val="3438034431"/>
+                    </a:ext>
+                  </a:extLst>
+                </a:gridCol>
+                <a:gridCol w="3190331">
+                  <a:extLst>
+                    <a:ext uri="{9D8B030D-6E8A-4147-A177-3AD203B41FA5}">
+                      <a16:colId xmlns:a16="http://schemas.microsoft.com/office/drawing/2014/main" val="1635717369"/>
+                    </a:ext>
+                  </a:extLst>
+                </a:gridCol>
+              </a:tblGrid>
+              <a:tr h="1482811">
+                <a:tc>
+                  <a:txBody>
+                    <a:bodyPr/>
+                    <a:lstStyle/>
+                    <a:p>
+                      <a:pPr algn="r"/>
+                      <a:endParaRPr lang="zh-TW" altLang="en-US" sz="3600" dirty="0">
+                        <a:solidFill>
+                          <a:sysClr val="windowText" lastClr="000000"/>
+                        </a:solidFill>
+                        <a:latin typeface="Arial Black" panose="020B0A04020102020204" pitchFamily="34" charset="0"/>
+                      </a:endParaRPr>
+                    </a:p>
+                  </a:txBody>
+                  <a:tcPr anchor="ctr">
+                    <a:lnR w="9525" cap="flat" cmpd="sng" algn="ctr">
+                      <a:solidFill>
+                        <a:schemeClr val="bg1">
+                          <a:lumMod val="95000"/>
+                        </a:schemeClr>
+                      </a:solidFill>
+                      <a:prstDash val="solid"/>
+                      <a:round/>
+                      <a:headEnd type="none" w="med" len="med"/>
+                      <a:tailEnd type="none" w="med" len="med"/>
+                    </a:lnR>
+                    <a:lnB w="9525" cap="flat" cmpd="sng" algn="ctr">
+                      <a:solidFill>
+                        <a:schemeClr val="bg1">
+                          <a:lumMod val="95000"/>
+                        </a:schemeClr>
+                      </a:solidFill>
+                      <a:prstDash val="solid"/>
+                      <a:round/>
+                      <a:headEnd type="none" w="med" len="med"/>
+                      <a:tailEnd type="none" w="med" len="med"/>
+                    </a:lnB>
+                  </a:tcPr>
+                </a:tc>
+                <a:tc>
+                  <a:txBody>
+                    <a:bodyPr/>
+                    <a:lstStyle/>
+                    <a:p>
+                      <a:pPr algn="ctr"/>
+                      <a:r>
+                        <a:rPr lang="en-US" altLang="zh-TW" sz="3600" b="1" spc="300" dirty="0" smtClean="0">
+                          <a:solidFill>
+                            <a:schemeClr val="bg1"/>
+                          </a:solidFill>
+                          <a:latin typeface="Arial Black" panose="020B0A04020102020204" pitchFamily="34" charset="0"/>
+                        </a:rPr>
+                        <a:t>Date</a:t>
+                      </a:r>
+                      <a:endParaRPr lang="zh-TW" altLang="en-US" sz="3600" dirty="0">
+                        <a:latin typeface="Arial Black" panose="020B0A04020102020204" pitchFamily="34" charset="0"/>
+                      </a:endParaRPr>
+                    </a:p>
+                  </a:txBody>
+                  <a:tcPr anchor="ctr">
+                    <a:lnL w="9525" cap="flat" cmpd="sng" algn="ctr">
+                      <a:solidFill>
+                        <a:schemeClr val="bg1">
+                          <a:lumMod val="95000"/>
+                        </a:schemeClr>
+                      </a:solidFill>
+                      <a:prstDash val="solid"/>
+                      <a:round/>
+                      <a:headEnd type="none" w="med" len="med"/>
+                      <a:tailEnd type="none" w="med" len="med"/>
+                    </a:lnL>
+                    <a:lnR w="9525" cap="flat" cmpd="sng" algn="ctr">
+                      <a:solidFill>
+                        <a:schemeClr val="bg1">
+                          <a:lumMod val="95000"/>
+                        </a:schemeClr>
+                      </a:solidFill>
+                      <a:prstDash val="solid"/>
+                      <a:round/>
+                      <a:headEnd type="none" w="med" len="med"/>
+                      <a:tailEnd type="none" w="med" len="med"/>
+                    </a:lnR>
+                    <a:lnT w="28575" cap="flat" cmpd="sng" algn="ctr">
+                      <a:noFill/>
+                      <a:prstDash val="solid"/>
+                      <a:round/>
+                      <a:headEnd type="none" w="med" len="med"/>
+                      <a:tailEnd type="none" w="med" len="med"/>
+                    </a:lnT>
+                    <a:lnB w="9525" cap="flat" cmpd="sng" algn="ctr">
+                      <a:solidFill>
+                        <a:schemeClr val="bg1">
+                          <a:lumMod val="95000"/>
+                        </a:schemeClr>
+                      </a:solidFill>
+                      <a:prstDash val="solid"/>
+                      <a:round/>
+                      <a:headEnd type="none" w="med" len="med"/>
+                      <a:tailEnd type="none" w="med" len="med"/>
+                    </a:lnB>
+                    <a:lnTlToBr w="12700" cmpd="sng">
+                      <a:noFill/>
+                      <a:prstDash val="solid"/>
+                    </a:lnTlToBr>
+                    <a:lnBlToTr w="12700" cmpd="sng">
+                      <a:noFill/>
+                      <a:prstDash val="solid"/>
+                    </a:lnBlToTr>
+                  </a:tcPr>
+                </a:tc>
+                <a:tc>
+                  <a:txBody>
+                    <a:bodyPr/>
+                    <a:lstStyle/>
+                    <a:p>
+                      <a:pPr algn="ctr"/>
+                      <a:r>
+                        <a:rPr lang="en-US" altLang="zh-TW" sz="3600" b="1" spc="300" dirty="0" smtClean="0">
+                          <a:solidFill>
+                            <a:schemeClr val="bg1"/>
+                          </a:solidFill>
+                          <a:latin typeface="Arial Black" panose="020B0A04020102020204" pitchFamily="34" charset="0"/>
+                        </a:rPr>
+                        <a:t>View</a:t>
+                      </a:r>
+                      <a:endParaRPr lang="zh-TW" altLang="en-US" sz="3600" dirty="0">
+                        <a:latin typeface="Arial Black" panose="020B0A04020102020204" pitchFamily="34" charset="0"/>
+                      </a:endParaRPr>
+                    </a:p>
+                  </a:txBody>
+                  <a:tcPr anchor="ctr">
+                    <a:lnL w="9525" cap="flat" cmpd="sng" algn="ctr">
+                      <a:solidFill>
+                        <a:schemeClr val="bg1">
+                          <a:lumMod val="95000"/>
+                        </a:schemeClr>
+                      </a:solidFill>
+                      <a:prstDash val="solid"/>
+                      <a:round/>
+                      <a:headEnd type="none" w="med" len="med"/>
+                      <a:tailEnd type="none" w="med" len="med"/>
+                    </a:lnL>
+                    <a:lnB w="9525" cap="flat" cmpd="sng" algn="ctr">
+                      <a:solidFill>
+                        <a:schemeClr val="bg1">
+                          <a:lumMod val="95000"/>
+                        </a:schemeClr>
+                      </a:solidFill>
+                      <a:prstDash val="solid"/>
+                      <a:round/>
+                      <a:headEnd type="none" w="med" len="med"/>
+                      <a:tailEnd type="none" w="med" len="med"/>
+                    </a:lnB>
+                  </a:tcPr>
+                </a:tc>
+                <a:extLst>
+                  <a:ext uri="{0D108BD9-81ED-4DB2-BD59-A6C34878D82A}">
+                    <a16:rowId xmlns:a16="http://schemas.microsoft.com/office/drawing/2014/main" val="2120405640"/>
+                  </a:ext>
+                </a:extLst>
+              </a:tr>
+              <a:tr h="1977081">
+                <a:tc>
+                  <a:txBody>
+                    <a:bodyPr/>
+                    <a:lstStyle/>
+                    <a:p>
+                      <a:pPr algn="r"/>
+                      <a:r>
+                        <a:rPr lang="en-US" altLang="zh-TW" sz="3600" b="1" spc="300" dirty="0" smtClean="0">
+                          <a:solidFill>
+                            <a:schemeClr val="bg1"/>
+                          </a:solidFill>
+                          <a:latin typeface="Arial Black" panose="020B0A04020102020204" pitchFamily="34" charset="0"/>
+                        </a:rPr>
+                        <a:t>Previous</a:t>
+                      </a:r>
+                      <a:endParaRPr lang="zh-TW" altLang="en-US" sz="3600" dirty="0">
+                        <a:latin typeface="Arial Black" panose="020B0A04020102020204" pitchFamily="34" charset="0"/>
+                      </a:endParaRPr>
+                    </a:p>
+                  </a:txBody>
+                  <a:tcPr anchor="ctr">
+                    <a:lnR w="9525" cap="flat" cmpd="sng" algn="ctr">
+                      <a:solidFill>
+                        <a:schemeClr val="bg1">
+                          <a:lumMod val="95000"/>
+                        </a:schemeClr>
+                      </a:solidFill>
+                      <a:prstDash val="solid"/>
+                      <a:round/>
+                      <a:headEnd type="none" w="med" len="med"/>
+                      <a:tailEnd type="none" w="med" len="med"/>
+                    </a:lnR>
+                    <a:lnT w="9525" cap="flat" cmpd="sng" algn="ctr">
+                      <a:solidFill>
+                        <a:schemeClr val="bg1">
+                          <a:lumMod val="95000"/>
+                        </a:schemeClr>
+                      </a:solidFill>
+                      <a:prstDash val="solid"/>
+                      <a:round/>
+                      <a:headEnd type="none" w="med" len="med"/>
+                      <a:tailEnd type="none" w="med" len="med"/>
+                    </a:lnT>
+                    <a:lnB w="9525" cap="flat" cmpd="sng" algn="ctr">
+                      <a:noFill/>
+                      <a:prstDash val="solid"/>
+                      <a:round/>
+                      <a:headEnd type="none" w="med" len="med"/>
+                      <a:tailEnd type="none" w="med" len="med"/>
+                    </a:lnB>
+                  </a:tcPr>
+                </a:tc>
+                <a:tc>
+                  <a:txBody>
+                    <a:bodyPr/>
+                    <a:lstStyle/>
+                    <a:p>
+                      <a:pPr marL="0" marR="0" lvl="0" indent="0" algn="ctr" defTabSz="914400" rtl="0" eaLnBrk="1" fontAlgn="auto" latinLnBrk="0" hangingPunct="1">
+                        <a:lnSpc>
+                          <a:spcPct val="100000"/>
+                        </a:lnSpc>
+                        <a:spcBef>
+                          <a:spcPts val="0"/>
+                        </a:spcBef>
+                        <a:spcAft>
+                          <a:spcPts val="0"/>
+                        </a:spcAft>
+                        <a:buClrTx/>
+                        <a:buSzTx/>
+                        <a:buFontTx/>
+                        <a:buNone/>
+                        <a:tabLst/>
+                        <a:defRPr/>
+                      </a:pPr>
+                      <a:r>
+                        <a:rPr lang="en-US" altLang="zh-TW" sz="2800" dirty="0" smtClean="0">
+                          <a:solidFill>
+                            <a:schemeClr val="bg1">
+                              <a:lumMod val="85000"/>
+                            </a:schemeClr>
+                          </a:solidFill>
+                          <a:latin typeface="Arial Black" panose="020B0A04020102020204" pitchFamily="34" charset="0"/>
+                        </a:rPr>
+                        <a:t>X = </a:t>
+                      </a:r>
+                      <a:r>
+                        <a:rPr lang="en-US" altLang="zh-TW" sz="2800" dirty="0" smtClean="0">
+                          <a:solidFill>
+                            <a:schemeClr val="accent1"/>
+                          </a:solidFill>
+                          <a:latin typeface="Arial Black" panose="020B0A04020102020204" pitchFamily="34" charset="0"/>
+                        </a:rPr>
+                        <a:t>1</a:t>
+                      </a:r>
+                      <a:endParaRPr lang="zh-TW" altLang="en-US" sz="2800" dirty="0" smtClean="0">
+                        <a:solidFill>
+                          <a:schemeClr val="accent1"/>
+                        </a:solidFill>
+                        <a:latin typeface="Arial Black" panose="020B0A04020102020204" pitchFamily="34" charset="0"/>
+                      </a:endParaRPr>
+                    </a:p>
+                  </a:txBody>
+                  <a:tcPr anchor="ctr">
+                    <a:lnL w="9525" cap="flat" cmpd="sng" algn="ctr">
+                      <a:solidFill>
+                        <a:schemeClr val="bg1">
+                          <a:lumMod val="95000"/>
+                        </a:schemeClr>
+                      </a:solidFill>
+                      <a:prstDash val="solid"/>
+                      <a:round/>
+                      <a:headEnd type="none" w="med" len="med"/>
+                      <a:tailEnd type="none" w="med" len="med"/>
+                    </a:lnL>
+                    <a:lnR w="9525" cap="flat" cmpd="sng" algn="ctr">
+                      <a:solidFill>
+                        <a:schemeClr val="bg1">
+                          <a:lumMod val="95000"/>
+                        </a:schemeClr>
+                      </a:solidFill>
+                      <a:prstDash val="solid"/>
+                      <a:round/>
+                      <a:headEnd type="none" w="med" len="med"/>
+                      <a:tailEnd type="none" w="med" len="med"/>
+                    </a:lnR>
+                    <a:lnT w="9525" cap="flat" cmpd="sng" algn="ctr">
+                      <a:solidFill>
+                        <a:schemeClr val="bg1">
+                          <a:lumMod val="95000"/>
+                        </a:schemeClr>
+                      </a:solidFill>
+                      <a:prstDash val="solid"/>
+                      <a:round/>
+                      <a:headEnd type="none" w="med" len="med"/>
+                      <a:tailEnd type="none" w="med" len="med"/>
+                    </a:lnT>
+                    <a:lnB w="9525" cap="flat" cmpd="sng" algn="ctr">
+                      <a:noFill/>
+                      <a:prstDash val="solid"/>
+                      <a:round/>
+                      <a:headEnd type="none" w="med" len="med"/>
+                      <a:tailEnd type="none" w="med" len="med"/>
+                    </a:lnB>
+                  </a:tcPr>
+                </a:tc>
+                <a:tc>
+                  <a:txBody>
+                    <a:bodyPr/>
+                    <a:lstStyle/>
+                    <a:p>
+                      <a:pPr marL="0" marR="0" lvl="0" indent="0" algn="ctr" defTabSz="914400" rtl="0" eaLnBrk="1" fontAlgn="auto" latinLnBrk="0" hangingPunct="1">
+                        <a:lnSpc>
+                          <a:spcPct val="100000"/>
+                        </a:lnSpc>
+                        <a:spcBef>
+                          <a:spcPts val="0"/>
+                        </a:spcBef>
+                        <a:spcAft>
+                          <a:spcPts val="0"/>
+                        </a:spcAft>
+                        <a:buClrTx/>
+                        <a:buSzTx/>
+                        <a:buFontTx/>
+                        <a:buNone/>
+                        <a:tabLst/>
+                        <a:defRPr/>
+                      </a:pPr>
+                      <a:r>
+                        <a:rPr lang="en-US" altLang="zh-TW" sz="2800" dirty="0" smtClean="0">
+                          <a:solidFill>
+                            <a:schemeClr val="bg1">
+                              <a:lumMod val="85000"/>
+                            </a:schemeClr>
+                          </a:solidFill>
+                          <a:latin typeface="Arial Black" panose="020B0A04020102020204" pitchFamily="34" charset="0"/>
+                        </a:rPr>
+                        <a:t>&lt;</a:t>
+                      </a:r>
+                      <a:r>
+                        <a:rPr lang="en-US" altLang="zh-TW" sz="2800" dirty="0" smtClean="0">
+                          <a:solidFill>
+                            <a:srgbClr val="FF0000"/>
+                          </a:solidFill>
+                          <a:latin typeface="Arial Black" panose="020B0A04020102020204" pitchFamily="34" charset="0"/>
+                        </a:rPr>
+                        <a:t>div</a:t>
+                      </a:r>
+                      <a:r>
+                        <a:rPr lang="en-US" altLang="zh-TW" sz="2800" dirty="0" smtClean="0">
+                          <a:solidFill>
+                            <a:schemeClr val="bg1">
+                              <a:lumMod val="85000"/>
+                            </a:schemeClr>
+                          </a:solidFill>
+                          <a:latin typeface="Arial Black" panose="020B0A04020102020204" pitchFamily="34" charset="0"/>
+                        </a:rPr>
+                        <a:t>&gt; </a:t>
+                      </a:r>
+                      <a:r>
+                        <a:rPr lang="en-US" altLang="zh-TW" sz="2800" dirty="0" smtClean="0">
+                          <a:solidFill>
+                            <a:schemeClr val="accent1">
+                              <a:lumMod val="75000"/>
+                            </a:schemeClr>
+                          </a:solidFill>
+                          <a:latin typeface="Arial Black" panose="020B0A04020102020204" pitchFamily="34" charset="0"/>
+                        </a:rPr>
+                        <a:t>1</a:t>
+                      </a:r>
+                      <a:r>
+                        <a:rPr lang="en-US" altLang="zh-TW" sz="2800" dirty="0" smtClean="0">
+                          <a:solidFill>
+                            <a:schemeClr val="bg1">
+                              <a:lumMod val="85000"/>
+                            </a:schemeClr>
+                          </a:solidFill>
+                          <a:latin typeface="Arial Black" panose="020B0A04020102020204" pitchFamily="34" charset="0"/>
+                        </a:rPr>
+                        <a:t> </a:t>
+                      </a:r>
+                      <a:r>
+                        <a:rPr lang="en-US" altLang="zh-TW" sz="2800" dirty="0" smtClean="0">
+                          <a:solidFill>
+                            <a:schemeClr val="bg1">
+                              <a:lumMod val="85000"/>
+                            </a:schemeClr>
+                          </a:solidFill>
+                          <a:latin typeface="Arial Black" panose="020B0A04020102020204" pitchFamily="34" charset="0"/>
+                        </a:rPr>
+                        <a:t>&lt;/</a:t>
+                      </a:r>
+                      <a:r>
+                        <a:rPr lang="en-US" altLang="zh-TW" sz="2800" dirty="0" smtClean="0">
+                          <a:solidFill>
+                            <a:srgbClr val="FF0000"/>
+                          </a:solidFill>
+                          <a:latin typeface="Arial Black" panose="020B0A04020102020204" pitchFamily="34" charset="0"/>
+                        </a:rPr>
+                        <a:t>div</a:t>
+                      </a:r>
+                      <a:r>
+                        <a:rPr lang="en-US" altLang="zh-TW" sz="2800" dirty="0" smtClean="0">
+                          <a:solidFill>
+                            <a:schemeClr val="bg1">
+                              <a:lumMod val="85000"/>
+                            </a:schemeClr>
+                          </a:solidFill>
+                          <a:latin typeface="Arial Black" panose="020B0A04020102020204" pitchFamily="34" charset="0"/>
+                        </a:rPr>
+                        <a:t>&gt;</a:t>
+                      </a:r>
+                      <a:endParaRPr lang="zh-TW" altLang="en-US" sz="2800" dirty="0" smtClean="0">
+                        <a:solidFill>
+                          <a:schemeClr val="bg1">
+                            <a:lumMod val="85000"/>
+                          </a:schemeClr>
+                        </a:solidFill>
+                        <a:latin typeface="Arial Black" panose="020B0A04020102020204" pitchFamily="34" charset="0"/>
+                      </a:endParaRPr>
+                    </a:p>
+                  </a:txBody>
+                  <a:tcPr anchor="ctr">
+                    <a:lnL w="9525" cap="flat" cmpd="sng" algn="ctr">
+                      <a:solidFill>
+                        <a:schemeClr val="bg1">
+                          <a:lumMod val="95000"/>
+                        </a:schemeClr>
+                      </a:solidFill>
+                      <a:prstDash val="solid"/>
+                      <a:round/>
+                      <a:headEnd type="none" w="med" len="med"/>
+                      <a:tailEnd type="none" w="med" len="med"/>
+                    </a:lnL>
+                    <a:lnT w="9525" cap="flat" cmpd="sng" algn="ctr">
+                      <a:solidFill>
+                        <a:schemeClr val="bg1">
+                          <a:lumMod val="95000"/>
+                        </a:schemeClr>
+                      </a:solidFill>
+                      <a:prstDash val="solid"/>
+                      <a:round/>
+                      <a:headEnd type="none" w="med" len="med"/>
+                      <a:tailEnd type="none" w="med" len="med"/>
+                    </a:lnT>
+                    <a:lnB w="9525" cap="flat" cmpd="sng" algn="ctr">
+                      <a:noFill/>
+                      <a:prstDash val="solid"/>
+                      <a:round/>
+                      <a:headEnd type="none" w="med" len="med"/>
+                      <a:tailEnd type="none" w="med" len="med"/>
+                    </a:lnB>
+                  </a:tcPr>
+                </a:tc>
+                <a:extLst>
+                  <a:ext uri="{0D108BD9-81ED-4DB2-BD59-A6C34878D82A}">
+                    <a16:rowId xmlns:a16="http://schemas.microsoft.com/office/drawing/2014/main" val="615437769"/>
+                  </a:ext>
+                </a:extLst>
+              </a:tr>
+              <a:tr h="1826623">
+                <a:tc>
+                  <a:txBody>
+                    <a:bodyPr/>
+                    <a:lstStyle/>
+                    <a:p>
+                      <a:pPr algn="r"/>
+                      <a:r>
+                        <a:rPr lang="en-US" altLang="zh-TW" sz="3600" b="1" spc="300" dirty="0" smtClean="0">
+                          <a:solidFill>
+                            <a:schemeClr val="bg1"/>
+                          </a:solidFill>
+                          <a:latin typeface="Arial Black" panose="020B0A04020102020204" pitchFamily="34" charset="0"/>
+                        </a:rPr>
+                        <a:t>Current</a:t>
+                      </a:r>
+                      <a:endParaRPr lang="zh-TW" altLang="en-US" sz="3600" dirty="0">
+                        <a:latin typeface="Arial Black" panose="020B0A04020102020204" pitchFamily="34" charset="0"/>
+                      </a:endParaRPr>
+                    </a:p>
+                  </a:txBody>
+                  <a:tcPr anchor="ctr">
+                    <a:lnL>
+                      <a:noFill/>
+                    </a:lnL>
+                    <a:lnR w="9525" cap="flat" cmpd="sng" algn="ctr">
+                      <a:solidFill>
+                        <a:schemeClr val="bg1">
+                          <a:lumMod val="95000"/>
+                        </a:schemeClr>
+                      </a:solidFill>
+                      <a:prstDash val="solid"/>
+                      <a:round/>
+                      <a:headEnd type="none" w="med" len="med"/>
+                      <a:tailEnd type="none" w="med" len="med"/>
+                    </a:lnR>
+                    <a:lnT w="9525" cap="flat" cmpd="sng" algn="ctr">
+                      <a:noFill/>
+                      <a:prstDash val="solid"/>
+                      <a:round/>
+                      <a:headEnd type="none" w="med" len="med"/>
+                      <a:tailEnd type="none" w="med" len="med"/>
+                    </a:lnT>
+                    <a:lnB>
+                      <a:noFill/>
+                    </a:lnB>
+                    <a:lnTlToBr w="12700" cmpd="sng">
+                      <a:noFill/>
+                      <a:prstDash val="solid"/>
+                    </a:lnTlToBr>
+                    <a:lnBlToTr w="12700" cmpd="sng">
+                      <a:noFill/>
+                      <a:prstDash val="solid"/>
+                    </a:lnBlToTr>
+                  </a:tcPr>
+                </a:tc>
+                <a:tc>
+                  <a:txBody>
+                    <a:bodyPr/>
+                    <a:lstStyle/>
+                    <a:p>
+                      <a:pPr marL="0" marR="0" lvl="0" indent="0" algn="ctr" defTabSz="914400" rtl="0" eaLnBrk="1" fontAlgn="auto" latinLnBrk="0" hangingPunct="1">
+                        <a:lnSpc>
+                          <a:spcPct val="100000"/>
+                        </a:lnSpc>
+                        <a:spcBef>
+                          <a:spcPts val="0"/>
+                        </a:spcBef>
+                        <a:spcAft>
+                          <a:spcPts val="0"/>
+                        </a:spcAft>
+                        <a:buClrTx/>
+                        <a:buSzTx/>
+                        <a:buFontTx/>
+                        <a:buNone/>
+                        <a:tabLst/>
+                        <a:defRPr/>
+                      </a:pPr>
+                      <a:r>
+                        <a:rPr lang="en-US" altLang="zh-TW" sz="2800" dirty="0" smtClean="0">
+                          <a:solidFill>
+                            <a:schemeClr val="bg1">
+                              <a:lumMod val="85000"/>
+                            </a:schemeClr>
+                          </a:solidFill>
+                          <a:latin typeface="Arial Black" panose="020B0A04020102020204" pitchFamily="34" charset="0"/>
+                        </a:rPr>
+                        <a:t>X = </a:t>
+                      </a:r>
+                      <a:r>
+                        <a:rPr lang="en-US" altLang="zh-TW" sz="2800" dirty="0" smtClean="0">
+                          <a:solidFill>
+                            <a:schemeClr val="accent1"/>
+                          </a:solidFill>
+                          <a:latin typeface="Arial Black" panose="020B0A04020102020204" pitchFamily="34" charset="0"/>
+                        </a:rPr>
+                        <a:t>9</a:t>
+                      </a:r>
+                      <a:endParaRPr lang="zh-TW" altLang="en-US" sz="2800" dirty="0" smtClean="0">
+                        <a:solidFill>
+                          <a:schemeClr val="accent1"/>
+                        </a:solidFill>
+                        <a:latin typeface="Arial Black" panose="020B0A04020102020204" pitchFamily="34" charset="0"/>
+                      </a:endParaRPr>
+                    </a:p>
+                  </a:txBody>
+                  <a:tcPr anchor="ctr">
+                    <a:lnL w="9525" cap="flat" cmpd="sng" algn="ctr">
+                      <a:solidFill>
+                        <a:schemeClr val="bg1">
+                          <a:lumMod val="95000"/>
+                        </a:schemeClr>
+                      </a:solidFill>
+                      <a:prstDash val="solid"/>
+                      <a:round/>
+                      <a:headEnd type="none" w="med" len="med"/>
+                      <a:tailEnd type="none" w="med" len="med"/>
+                    </a:lnL>
+                    <a:lnR w="9525" cap="flat" cmpd="sng" algn="ctr">
+                      <a:solidFill>
+                        <a:schemeClr val="bg1">
+                          <a:lumMod val="95000"/>
+                        </a:schemeClr>
+                      </a:solidFill>
+                      <a:prstDash val="solid"/>
+                      <a:round/>
+                      <a:headEnd type="none" w="med" len="med"/>
+                      <a:tailEnd type="none" w="med" len="med"/>
+                    </a:lnR>
+                    <a:lnT w="9525" cap="flat" cmpd="sng" algn="ctr">
+                      <a:noFill/>
+                      <a:prstDash val="solid"/>
+                      <a:round/>
+                      <a:headEnd type="none" w="med" len="med"/>
+                      <a:tailEnd type="none" w="med" len="med"/>
+                    </a:lnT>
+                    <a:lnB>
+                      <a:noFill/>
+                    </a:lnB>
+                    <a:lnTlToBr w="12700" cmpd="sng">
+                      <a:noFill/>
+                      <a:prstDash val="solid"/>
+                    </a:lnTlToBr>
+                    <a:lnBlToTr w="12700" cmpd="sng">
+                      <a:noFill/>
+                      <a:prstDash val="solid"/>
+                    </a:lnBlToTr>
+                  </a:tcPr>
+                </a:tc>
+                <a:tc>
+                  <a:txBody>
+                    <a:bodyPr/>
+                    <a:lstStyle/>
+                    <a:p>
+                      <a:pPr marL="0" marR="0" lvl="0" indent="0" algn="ctr" defTabSz="914400" rtl="0" eaLnBrk="1" fontAlgn="auto" latinLnBrk="0" hangingPunct="1">
+                        <a:lnSpc>
+                          <a:spcPct val="100000"/>
+                        </a:lnSpc>
+                        <a:spcBef>
+                          <a:spcPts val="0"/>
+                        </a:spcBef>
+                        <a:spcAft>
+                          <a:spcPts val="0"/>
+                        </a:spcAft>
+                        <a:buClrTx/>
+                        <a:buSzTx/>
+                        <a:buFontTx/>
+                        <a:buNone/>
+                        <a:tabLst/>
+                        <a:defRPr/>
+                      </a:pPr>
+                      <a:r>
+                        <a:rPr lang="en-US" altLang="zh-TW" sz="2800" dirty="0" smtClean="0">
+                          <a:solidFill>
+                            <a:schemeClr val="bg1">
+                              <a:lumMod val="85000"/>
+                            </a:schemeClr>
+                          </a:solidFill>
+                          <a:latin typeface="Arial Black" panose="020B0A04020102020204" pitchFamily="34" charset="0"/>
+                        </a:rPr>
+                        <a:t>&lt;</a:t>
+                      </a:r>
+                      <a:r>
+                        <a:rPr lang="en-US" altLang="zh-TW" sz="2800" dirty="0" smtClean="0">
+                          <a:solidFill>
+                            <a:srgbClr val="FF0000"/>
+                          </a:solidFill>
+                          <a:latin typeface="Arial Black" panose="020B0A04020102020204" pitchFamily="34" charset="0"/>
+                        </a:rPr>
+                        <a:t>div</a:t>
+                      </a:r>
+                      <a:r>
+                        <a:rPr lang="en-US" altLang="zh-TW" sz="2800" dirty="0" smtClean="0">
+                          <a:solidFill>
+                            <a:schemeClr val="bg1">
+                              <a:lumMod val="85000"/>
+                            </a:schemeClr>
+                          </a:solidFill>
+                          <a:latin typeface="Arial Black" panose="020B0A04020102020204" pitchFamily="34" charset="0"/>
+                        </a:rPr>
+                        <a:t>&gt; </a:t>
+                      </a:r>
+                      <a:r>
+                        <a:rPr lang="en-US" altLang="zh-TW" sz="2800" dirty="0" smtClean="0">
+                          <a:solidFill>
+                            <a:schemeClr val="accent1">
+                              <a:lumMod val="75000"/>
+                            </a:schemeClr>
+                          </a:solidFill>
+                          <a:latin typeface="Arial Black" panose="020B0A04020102020204" pitchFamily="34" charset="0"/>
+                        </a:rPr>
+                        <a:t>9</a:t>
+                      </a:r>
+                      <a:r>
+                        <a:rPr lang="en-US" altLang="zh-TW" sz="2800" dirty="0" smtClean="0">
+                          <a:solidFill>
+                            <a:schemeClr val="bg1">
+                              <a:lumMod val="85000"/>
+                            </a:schemeClr>
+                          </a:solidFill>
+                          <a:latin typeface="Arial Black" panose="020B0A04020102020204" pitchFamily="34" charset="0"/>
+                        </a:rPr>
+                        <a:t> &lt;/</a:t>
+                      </a:r>
+                      <a:r>
+                        <a:rPr lang="en-US" altLang="zh-TW" sz="2800" dirty="0" smtClean="0">
+                          <a:solidFill>
+                            <a:srgbClr val="FF0000"/>
+                          </a:solidFill>
+                          <a:latin typeface="Arial Black" panose="020B0A04020102020204" pitchFamily="34" charset="0"/>
+                        </a:rPr>
+                        <a:t>div</a:t>
+                      </a:r>
+                      <a:r>
+                        <a:rPr lang="en-US" altLang="zh-TW" sz="2800" dirty="0" smtClean="0">
+                          <a:solidFill>
+                            <a:schemeClr val="bg1">
+                              <a:lumMod val="85000"/>
+                            </a:schemeClr>
+                          </a:solidFill>
+                          <a:latin typeface="Arial Black" panose="020B0A04020102020204" pitchFamily="34" charset="0"/>
+                        </a:rPr>
+                        <a:t>&gt;</a:t>
+                      </a:r>
+                      <a:endParaRPr lang="zh-TW" altLang="en-US" sz="2800" dirty="0" smtClean="0">
+                        <a:solidFill>
+                          <a:schemeClr val="bg1">
+                            <a:lumMod val="85000"/>
+                          </a:schemeClr>
+                        </a:solidFill>
+                        <a:latin typeface="Arial Black" panose="020B0A04020102020204" pitchFamily="34" charset="0"/>
+                      </a:endParaRPr>
+                    </a:p>
+                  </a:txBody>
+                  <a:tcPr anchor="ctr">
+                    <a:lnL w="9525" cap="flat" cmpd="sng" algn="ctr">
+                      <a:solidFill>
+                        <a:schemeClr val="bg1">
+                          <a:lumMod val="95000"/>
+                        </a:schemeClr>
+                      </a:solidFill>
+                      <a:prstDash val="solid"/>
+                      <a:round/>
+                      <a:headEnd type="none" w="med" len="med"/>
+                      <a:tailEnd type="none" w="med" len="med"/>
+                    </a:lnL>
+                    <a:lnR>
+                      <a:noFill/>
+                    </a:lnR>
+                    <a:lnT w="9525" cap="flat" cmpd="sng" algn="ctr">
+                      <a:noFill/>
+                      <a:prstDash val="solid"/>
+                      <a:round/>
+                      <a:headEnd type="none" w="med" len="med"/>
+                      <a:tailEnd type="none" w="med" len="med"/>
+                    </a:lnT>
+                    <a:lnB>
+                      <a:noFill/>
+                    </a:lnB>
+                    <a:lnTlToBr w="12700" cmpd="sng">
+                      <a:noFill/>
+                      <a:prstDash val="solid"/>
+                    </a:lnTlToBr>
+                    <a:lnBlToTr w="12700" cmpd="sng">
+                      <a:noFill/>
+                      <a:prstDash val="solid"/>
+                    </a:lnBlToTr>
+                  </a:tcPr>
+                </a:tc>
+                <a:extLst>
+                  <a:ext uri="{0D108BD9-81ED-4DB2-BD59-A6C34878D82A}">
+                    <a16:rowId xmlns:a16="http://schemas.microsoft.com/office/drawing/2014/main" val="339485716"/>
+                  </a:ext>
+                </a:extLst>
+              </a:tr>
+            </a:tbl>
+          </a:graphicData>
+        </a:graphic>
+      </p:graphicFrame>
+      <p:sp>
+        <p:nvSpPr>
+          <p:cNvPr id="9" name="向下箭號 8"/>
+          <p:cNvSpPr/>
+          <p:nvPr/>
+        </p:nvSpPr>
+        <p:spPr>
+          <a:xfrm>
+            <a:off x="5569463" y="3991233"/>
+            <a:ext cx="321275" cy="358346"/>
+          </a:xfrm>
+          <a:prstGeom prst="downArrow">
+            <a:avLst/>
+          </a:prstGeom>
+        </p:spPr>
+        <p:style>
+          <a:lnRef idx="2">
+            <a:schemeClr val="accent3">
+              <a:shade val="50000"/>
+            </a:schemeClr>
+          </a:lnRef>
+          <a:fillRef idx="1">
+            <a:schemeClr val="accent3"/>
+          </a:fillRef>
+          <a:effectRef idx="0">
+            <a:schemeClr val="accent3"/>
+          </a:effectRef>
+          <a:fontRef idx="minor">
+            <a:schemeClr val="lt1"/>
+          </a:fontRef>
+        </p:style>
+        <p:txBody>
+          <a:bodyPr rtlCol="0" anchor="ctr"/>
+          <a:lstStyle/>
+          <a:p>
             <a:pPr algn="ctr"/>
-            <a:r>
-              <a:rPr lang="zh-TW" altLang="en-US" dirty="0"/>
-              <a:t>使用事項</a:t>
-            </a:r>
-            <a:r>
-              <a:rPr lang="en-US" altLang="zh-TW" dirty="0"/>
-              <a:t>&amp;</a:t>
-            </a:r>
-            <a:br>
-              <a:rPr lang="en-US" altLang="zh-TW" dirty="0"/>
-            </a:br>
-            <a:r>
-              <a:rPr lang="zh-TW" altLang="en-US" dirty="0"/>
-              <a:t>選擇</a:t>
-            </a:r>
-          </a:p>
-        </p:txBody>
-      </p:sp>
-      <p:sp>
-        <p:nvSpPr>
-          <p:cNvPr id="3" name="內容版面配置區 2">
-            <a:extLst>
-              <a:ext uri="{FF2B5EF4-FFF2-40B4-BE49-F238E27FC236}">
-                <a16:creationId xmlns:a16="http://schemas.microsoft.com/office/drawing/2014/main" id="{05EA9754-3DF7-4857-8B91-8EF6C42B4BC0}"/>
-              </a:ext>
-            </a:extLst>
-          </p:cNvPr>
-          <p:cNvSpPr>
-            <a:spLocks noGrp="1"/>
-          </p:cNvSpPr>
-          <p:nvPr>
-            <p:ph idx="1"/>
-          </p:nvPr>
-        </p:nvSpPr>
-        <p:spPr/>
-        <p:txBody>
-          <a:bodyPr/>
+            <a:endParaRPr lang="zh-TW" altLang="en-US"/>
+          </a:p>
+        </p:txBody>
+      </p:sp>
+      <p:sp>
+        <p:nvSpPr>
+          <p:cNvPr id="10" name="向下箭號 9"/>
+          <p:cNvSpPr/>
+          <p:nvPr/>
+        </p:nvSpPr>
+        <p:spPr>
+          <a:xfrm>
+            <a:off x="8720436" y="3991233"/>
+            <a:ext cx="321275" cy="358346"/>
+          </a:xfrm>
+          <a:prstGeom prst="downArrow">
+            <a:avLst/>
+          </a:prstGeom>
+        </p:spPr>
+        <p:style>
+          <a:lnRef idx="2">
+            <a:schemeClr val="accent3">
+              <a:shade val="50000"/>
+            </a:schemeClr>
+          </a:lnRef>
+          <a:fillRef idx="1">
+            <a:schemeClr val="accent3"/>
+          </a:fillRef>
+          <a:effectRef idx="0">
+            <a:schemeClr val="accent3"/>
+          </a:effectRef>
+          <a:fontRef idx="minor">
+            <a:schemeClr val="lt1"/>
+          </a:fontRef>
+        </p:style>
+        <p:txBody>
+          <a:bodyPr rtlCol="0" anchor="ctr"/>
           <a:lstStyle/>
           <a:p>
+            <a:pPr algn="ctr"/>
             <a:endParaRPr lang="zh-TW" altLang="en-US"/>
           </a:p>
         </p:txBody>
@@ -6567,7 +8324,7 @@
     </p:spTree>
     <p:extLst>
       <p:ext uri="{BB962C8B-B14F-4D97-AF65-F5344CB8AC3E}">
-        <p14:creationId xmlns:p14="http://schemas.microsoft.com/office/powerpoint/2010/main" val="664482348"/>
+        <p14:creationId xmlns:p14="http://schemas.microsoft.com/office/powerpoint/2010/main" val="3794619640"/>
       </p:ext>
     </p:extLst>
   </p:cSld>
@@ -6613,10 +8370,86 @@
           <a:chExt cx="0" cy="0"/>
         </a:xfrm>
       </p:grpSpPr>
+      <p:sp>
+        <p:nvSpPr>
+          <p:cNvPr id="2" name="投影片編號版面配置區 1"/>
+          <p:cNvSpPr>
+            <a:spLocks noGrp="1"/>
+          </p:cNvSpPr>
+          <p:nvPr>
+            <p:ph type="sldNum" sz="quarter" idx="12"/>
+          </p:nvPr>
+        </p:nvSpPr>
+        <p:spPr/>
+        <p:txBody>
+          <a:bodyPr/>
+          <a:lstStyle/>
+          <a:p>
+            <a:fld id="{4FAB73BC-B049-4115-A692-8D63A059BFB8}" type="slidenum">
+              <a:rPr lang="en-US" smtClean="0"/>
+              <a:pPr/>
+              <a:t>17</a:t>
+            </a:fld>
+            <a:endParaRPr lang="en-US" dirty="0"/>
+          </a:p>
+        </p:txBody>
+      </p:sp>
+      <p:sp>
+        <p:nvSpPr>
+          <p:cNvPr id="4" name="文字方塊 3"/>
+          <p:cNvSpPr txBox="1"/>
+          <p:nvPr/>
+        </p:nvSpPr>
+        <p:spPr>
+          <a:xfrm>
+            <a:off x="4275437" y="397306"/>
+            <a:ext cx="3657601" cy="769441"/>
+          </a:xfrm>
+          <a:prstGeom prst="rect">
+            <a:avLst/>
+          </a:prstGeom>
+          <a:noFill/>
+        </p:spPr>
+        <p:txBody>
+          <a:bodyPr wrap="square" rtlCol="0">
+            <a:spAutoFit/>
+          </a:bodyPr>
+          <a:lstStyle/>
+          <a:p>
+            <a:pPr algn="ctr"/>
+            <a:r>
+              <a:rPr lang="en-US" altLang="zh-TW" sz="4400" dirty="0" err="1" smtClean="0">
+                <a:solidFill>
+                  <a:schemeClr val="bg1"/>
+                </a:solidFill>
+                <a:latin typeface="+mn-ea"/>
+              </a:rPr>
+              <a:t>useEffect</a:t>
+            </a:r>
+            <a:r>
+              <a:rPr lang="en-US" altLang="zh-TW" sz="4400" dirty="0" smtClean="0">
+                <a:solidFill>
+                  <a:schemeClr val="bg1"/>
+                </a:solidFill>
+                <a:latin typeface="+mj-ea"/>
+                <a:ea typeface="+mj-ea"/>
+              </a:rPr>
+              <a:t>( )</a:t>
+            </a:r>
+            <a:endParaRPr lang="zh-TW" altLang="en-US" sz="4400" dirty="0">
+              <a:solidFill>
+                <a:schemeClr val="bg1"/>
+              </a:solidFill>
+              <a:latin typeface="+mj-ea"/>
+              <a:ea typeface="+mj-ea"/>
+            </a:endParaRPr>
+          </a:p>
+        </p:txBody>
+      </p:sp>
     </p:spTree>
     <p:extLst>
       <p:ext uri="{BB962C8B-B14F-4D97-AF65-F5344CB8AC3E}">
-        <p14:creationId xmlns:p14="http://schemas.microsoft.com/office/powerpoint/2010/main" val="4137861974"/>
+        <p14:creationId xmlns:p14="http://schemas.microsoft.com/office/powerpoint/2010/main" val="2238374789"/>
       </p:ext>
     </p:extLst>
   </p:cSld>
@@ -6664,10 +8497,135 @@
       </p:grpSpPr>
       <p:sp>
         <p:nvSpPr>
+          <p:cNvPr id="2" name="投影片編號版面配置區 1"/>
+          <p:cNvSpPr>
+            <a:spLocks noGrp="1"/>
+          </p:cNvSpPr>
+          <p:nvPr>
+            <p:ph type="sldNum" sz="quarter" idx="12"/>
+          </p:nvPr>
+        </p:nvSpPr>
+        <p:spPr/>
+        <p:txBody>
+          <a:bodyPr/>
+          <a:lstStyle/>
+          <a:p>
+            <a:fld id="{4FAB73BC-B049-4115-A692-8D63A059BFB8}" type="slidenum">
+              <a:rPr lang="en-US" smtClean="0"/>
+              <a:pPr/>
+              <a:t>18</a:t>
+            </a:fld>
+            <a:endParaRPr lang="en-US" dirty="0"/>
+          </a:p>
+        </p:txBody>
+      </p:sp>
+      <p:sp>
+        <p:nvSpPr>
+          <p:cNvPr id="3" name="文字方塊 2"/>
+          <p:cNvSpPr txBox="1"/>
+          <p:nvPr/>
+        </p:nvSpPr>
+        <p:spPr>
+          <a:xfrm>
+            <a:off x="4238367" y="409662"/>
+            <a:ext cx="3657601" cy="769441"/>
+          </a:xfrm>
+          <a:prstGeom prst="rect">
+            <a:avLst/>
+          </a:prstGeom>
+          <a:noFill/>
+        </p:spPr>
+        <p:txBody>
+          <a:bodyPr wrap="square" rtlCol="0">
+            <a:spAutoFit/>
+          </a:bodyPr>
+          <a:lstStyle/>
+          <a:p>
+            <a:pPr algn="ctr"/>
+            <a:r>
+              <a:rPr lang="en-US" altLang="zh-TW" sz="4400" dirty="0" err="1" smtClean="0">
+                <a:solidFill>
+                  <a:schemeClr val="bg1"/>
+                </a:solidFill>
+                <a:latin typeface="+mn-ea"/>
+              </a:rPr>
+              <a:t>useRef</a:t>
+            </a:r>
+            <a:r>
+              <a:rPr lang="en-US" altLang="zh-TW" sz="4400" dirty="0" smtClean="0">
+                <a:solidFill>
+                  <a:schemeClr val="bg1"/>
+                </a:solidFill>
+                <a:latin typeface="+mj-ea"/>
+                <a:ea typeface="+mj-ea"/>
+              </a:rPr>
+              <a:t>( )</a:t>
+            </a:r>
+            <a:endParaRPr lang="zh-TW" altLang="en-US" sz="4400" dirty="0">
+              <a:solidFill>
+                <a:schemeClr val="bg1"/>
+              </a:solidFill>
+              <a:latin typeface="+mj-ea"/>
+              <a:ea typeface="+mj-ea"/>
+            </a:endParaRPr>
+          </a:p>
+        </p:txBody>
+      </p:sp>
+    </p:spTree>
+    <p:extLst>
+      <p:ext uri="{BB962C8B-B14F-4D97-AF65-F5344CB8AC3E}">
+        <p14:creationId xmlns:p14="http://schemas.microsoft.com/office/powerpoint/2010/main" val="3569731167"/>
+      </p:ext>
+    </p:extLst>
+  </p:cSld>
+  <p:clrMapOvr>
+    <a:masterClrMapping/>
+  </p:clrMapOvr>
+  <mc:AlternateContent xmlns:mc="http://schemas.openxmlformats.org/markup-compatibility/2006" xmlns:p14="http://schemas.microsoft.com/office/powerpoint/2010/main">
+    <mc:Choice Requires="p14">
+      <p:transition p14:dur="160">
+        <p:fade/>
+      </p:transition>
+    </mc:Choice>
+    <mc:Fallback xmlns="">
+      <p:transition>
+        <p:fade/>
+      </p:transition>
+    </mc:Fallback>
+  </mc:AlternateContent>
+  <p:timing>
+    <p:tnLst>
+      <p:par>
+        <p:cTn id="1" dur="indefinite" restart="never" nodeType="tmRoot"/>
+      </p:par>
+    </p:tnLst>
+  </p:timing>
+</p:sld>
+</file>
+
+<file path=ppt/slides/slide19.xml><?xml version="1.0" encoding="utf-8"?>
+<p:sld xmlns:a="http://schemas.openxmlformats.org/drawingml/2006/main" xmlns:r="http://schemas.openxmlformats.org/officeDocument/2006/relationships" xmlns:p="http://schemas.openxmlformats.org/presentationml/2006/main">
+  <p:cSld>
+    <p:spTree>
+      <p:nvGrpSpPr>
+        <p:cNvPr id="1" name=""/>
+        <p:cNvGrpSpPr/>
+        <p:nvPr/>
+      </p:nvGrpSpPr>
+      <p:grpSpPr>
+        <a:xfrm>
+          <a:off x="0" y="0"/>
+          <a:ext cx="0" cy="0"/>
+          <a:chOff x="0" y="0"/>
+          <a:chExt cx="0" cy="0"/>
+        </a:xfrm>
+      </p:grpSpPr>
+      <p:sp>
+        <p:nvSpPr>
           <p:cNvPr id="2" name="標題 1">
             <a:extLst>
               <a:ext uri="{FF2B5EF4-FFF2-40B4-BE49-F238E27FC236}">
-                <a16:creationId xmlns:a16="http://schemas.microsoft.com/office/drawing/2014/main" id="{E42A39BE-EAF1-410A-9A92-A66FBA2BF9F7}"/>
+                <a16:creationId xmlns:a16="http://schemas.microsoft.com/office/drawing/2014/main" id="{83164752-3A65-4204-9A83-8650849498E7}"/>
               </a:ext>
             </a:extLst>
           </p:cNvPr>
@@ -6685,10 +8643,9 @@
           <a:p>
             <a:pPr algn="ctr"/>
             <a:r>
-              <a:rPr lang="en-US" altLang="zh-TW" dirty="0"/>
-              <a:t>Patter</a:t>
-            </a:r>
-            <a:endParaRPr lang="zh-TW" altLang="en-US" dirty="0"/>
+              <a:rPr lang="zh-TW" altLang="en-US" dirty="0"/>
+              <a:t>客製化</a:t>
+            </a:r>
           </a:p>
         </p:txBody>
       </p:sp>
@@ -6697,7 +8654,7 @@
           <p:cNvPr id="3" name="內容版面配置區 2">
             <a:extLst>
               <a:ext uri="{FF2B5EF4-FFF2-40B4-BE49-F238E27FC236}">
-                <a16:creationId xmlns:a16="http://schemas.microsoft.com/office/drawing/2014/main" id="{5D30DF41-AC01-4C62-A621-CB4016203A22}"/>
+                <a16:creationId xmlns:a16="http://schemas.microsoft.com/office/drawing/2014/main" id="{DACE0065-D140-4311-A409-16CECB6AC074}"/>
               </a:ext>
             </a:extLst>
           </p:cNvPr>
@@ -6720,7 +8677,7 @@
     </p:spTree>
     <p:extLst>
       <p:ext uri="{BB962C8B-B14F-4D97-AF65-F5344CB8AC3E}">
-        <p14:creationId xmlns:p14="http://schemas.microsoft.com/office/powerpoint/2010/main" val="1789668969"/>
+        <p14:creationId xmlns:p14="http://schemas.microsoft.com/office/powerpoint/2010/main" val="2896364993"/>
       </p:ext>
     </p:extLst>
   </p:cSld>
@@ -7000,6 +8957,370 @@
     <p:extLst>
       <p:ext uri="{BB962C8B-B14F-4D97-AF65-F5344CB8AC3E}">
         <p14:creationId xmlns:p14="http://schemas.microsoft.com/office/powerpoint/2010/main" val="2351023602"/>
+      </p:ext>
+    </p:extLst>
+  </p:cSld>
+  <p:clrMapOvr>
+    <a:masterClrMapping/>
+  </p:clrMapOvr>
+  <mc:AlternateContent xmlns:mc="http://schemas.openxmlformats.org/markup-compatibility/2006" xmlns:p14="http://schemas.microsoft.com/office/powerpoint/2010/main">
+    <mc:Choice Requires="p14">
+      <p:transition p14:dur="160">
+        <p:fade/>
+      </p:transition>
+    </mc:Choice>
+    <mc:Fallback xmlns="">
+      <p:transition>
+        <p:fade/>
+      </p:transition>
+    </mc:Fallback>
+  </mc:AlternateContent>
+  <p:timing>
+    <p:tnLst>
+      <p:par>
+        <p:cTn id="1" dur="indefinite" restart="never" nodeType="tmRoot"/>
+      </p:par>
+    </p:tnLst>
+  </p:timing>
+</p:sld>
+</file>
+
+<file path=ppt/slides/slide20.xml><?xml version="1.0" encoding="utf-8"?>
+<p:sld xmlns:a="http://schemas.openxmlformats.org/drawingml/2006/main" xmlns:r="http://schemas.openxmlformats.org/officeDocument/2006/relationships" xmlns:p="http://schemas.openxmlformats.org/presentationml/2006/main">
+  <p:cSld>
+    <p:spTree>
+      <p:nvGrpSpPr>
+        <p:cNvPr id="1" name=""/>
+        <p:cNvGrpSpPr/>
+        <p:nvPr/>
+      </p:nvGrpSpPr>
+      <p:grpSpPr>
+        <a:xfrm>
+          <a:off x="0" y="0"/>
+          <a:ext cx="0" cy="0"/>
+          <a:chOff x="0" y="0"/>
+          <a:chExt cx="0" cy="0"/>
+        </a:xfrm>
+      </p:grpSpPr>
+      <p:sp>
+        <p:nvSpPr>
+          <p:cNvPr id="3" name="投影片編號版面配置區 2"/>
+          <p:cNvSpPr>
+            <a:spLocks noGrp="1"/>
+          </p:cNvSpPr>
+          <p:nvPr>
+            <p:ph type="sldNum" sz="quarter" idx="12"/>
+          </p:nvPr>
+        </p:nvSpPr>
+        <p:spPr/>
+        <p:txBody>
+          <a:bodyPr/>
+          <a:lstStyle/>
+          <a:p>
+            <a:fld id="{4FAB73BC-B049-4115-A692-8D63A059BFB8}" type="slidenum">
+              <a:rPr lang="en-US" smtClean="0"/>
+              <a:pPr/>
+              <a:t>20</a:t>
+            </a:fld>
+            <a:endParaRPr lang="en-US" dirty="0"/>
+          </a:p>
+        </p:txBody>
+      </p:sp>
+    </p:spTree>
+    <p:extLst>
+      <p:ext uri="{BB962C8B-B14F-4D97-AF65-F5344CB8AC3E}">
+        <p14:creationId xmlns:p14="http://schemas.microsoft.com/office/powerpoint/2010/main" val="2260164828"/>
+      </p:ext>
+    </p:extLst>
+  </p:cSld>
+  <p:clrMapOvr>
+    <a:masterClrMapping/>
+  </p:clrMapOvr>
+  <mc:AlternateContent xmlns:mc="http://schemas.openxmlformats.org/markup-compatibility/2006" xmlns:p14="http://schemas.microsoft.com/office/powerpoint/2010/main">
+    <mc:Choice Requires="p14">
+      <p:transition p14:dur="160">
+        <p:fade/>
+      </p:transition>
+    </mc:Choice>
+    <mc:Fallback xmlns="">
+      <p:transition>
+        <p:fade/>
+      </p:transition>
+    </mc:Fallback>
+  </mc:AlternateContent>
+  <p:timing>
+    <p:tnLst>
+      <p:par>
+        <p:cTn id="1" dur="indefinite" restart="never" nodeType="tmRoot"/>
+      </p:par>
+    </p:tnLst>
+  </p:timing>
+</p:sld>
+</file>
+
+<file path=ppt/slides/slide21.xml><?xml version="1.0" encoding="utf-8"?>
+<p:sld xmlns:a="http://schemas.openxmlformats.org/drawingml/2006/main" xmlns:r="http://schemas.openxmlformats.org/officeDocument/2006/relationships" xmlns:p="http://schemas.openxmlformats.org/presentationml/2006/main">
+  <p:cSld>
+    <p:spTree>
+      <p:nvGrpSpPr>
+        <p:cNvPr id="1" name=""/>
+        <p:cNvGrpSpPr/>
+        <p:nvPr/>
+      </p:nvGrpSpPr>
+      <p:grpSpPr>
+        <a:xfrm>
+          <a:off x="0" y="0"/>
+          <a:ext cx="0" cy="0"/>
+          <a:chOff x="0" y="0"/>
+          <a:chExt cx="0" cy="0"/>
+        </a:xfrm>
+      </p:grpSpPr>
+      <p:sp>
+        <p:nvSpPr>
+          <p:cNvPr id="2" name="標題 1">
+            <a:extLst>
+              <a:ext uri="{FF2B5EF4-FFF2-40B4-BE49-F238E27FC236}">
+                <a16:creationId xmlns:a16="http://schemas.microsoft.com/office/drawing/2014/main" id="{F434A3BD-F053-4780-B04B-164CC4916F18}"/>
+              </a:ext>
+            </a:extLst>
+          </p:cNvPr>
+          <p:cNvSpPr>
+            <a:spLocks noGrp="1"/>
+          </p:cNvSpPr>
+          <p:nvPr>
+            <p:ph type="title"/>
+          </p:nvPr>
+        </p:nvSpPr>
+        <p:spPr/>
+        <p:txBody>
+          <a:bodyPr/>
+          <a:lstStyle/>
+          <a:p>
+            <a:pPr algn="ctr"/>
+            <a:r>
+              <a:rPr lang="zh-TW" altLang="en-US" dirty="0"/>
+              <a:t>使用事項</a:t>
+            </a:r>
+            <a:r>
+              <a:rPr lang="en-US" altLang="zh-TW" dirty="0"/>
+              <a:t>&amp;</a:t>
+            </a:r>
+            <a:br>
+              <a:rPr lang="en-US" altLang="zh-TW" dirty="0"/>
+            </a:br>
+            <a:r>
+              <a:rPr lang="zh-TW" altLang="en-US" dirty="0"/>
+              <a:t>選擇</a:t>
+            </a:r>
+          </a:p>
+        </p:txBody>
+      </p:sp>
+      <p:sp>
+        <p:nvSpPr>
+          <p:cNvPr id="3" name="內容版面配置區 2">
+            <a:extLst>
+              <a:ext uri="{FF2B5EF4-FFF2-40B4-BE49-F238E27FC236}">
+                <a16:creationId xmlns:a16="http://schemas.microsoft.com/office/drawing/2014/main" id="{05EA9754-3DF7-4857-8B91-8EF6C42B4BC0}"/>
+              </a:ext>
+            </a:extLst>
+          </p:cNvPr>
+          <p:cNvSpPr>
+            <a:spLocks noGrp="1"/>
+          </p:cNvSpPr>
+          <p:nvPr>
+            <p:ph idx="1"/>
+          </p:nvPr>
+        </p:nvSpPr>
+        <p:spPr/>
+        <p:txBody>
+          <a:bodyPr/>
+          <a:lstStyle/>
+          <a:p>
+            <a:endParaRPr lang="zh-TW" altLang="en-US"/>
+          </a:p>
+        </p:txBody>
+      </p:sp>
+    </p:spTree>
+    <p:extLst>
+      <p:ext uri="{BB962C8B-B14F-4D97-AF65-F5344CB8AC3E}">
+        <p14:creationId xmlns:p14="http://schemas.microsoft.com/office/powerpoint/2010/main" val="664482348"/>
+      </p:ext>
+    </p:extLst>
+  </p:cSld>
+  <p:clrMapOvr>
+    <a:masterClrMapping/>
+  </p:clrMapOvr>
+  <mc:AlternateContent xmlns:mc="http://schemas.openxmlformats.org/markup-compatibility/2006" xmlns:p14="http://schemas.microsoft.com/office/powerpoint/2010/main">
+    <mc:Choice Requires="p14">
+      <p:transition p14:dur="160">
+        <p:fade/>
+      </p:transition>
+    </mc:Choice>
+    <mc:Fallback xmlns="">
+      <p:transition>
+        <p:fade/>
+      </p:transition>
+    </mc:Fallback>
+  </mc:AlternateContent>
+  <p:timing>
+    <p:tnLst>
+      <p:par>
+        <p:cTn id="1" dur="indefinite" restart="never" nodeType="tmRoot"/>
+      </p:par>
+    </p:tnLst>
+  </p:timing>
+</p:sld>
+</file>
+
+<file path=ppt/slides/slide22.xml><?xml version="1.0" encoding="utf-8"?>
+<p:sld xmlns:a="http://schemas.openxmlformats.org/drawingml/2006/main" xmlns:r="http://schemas.openxmlformats.org/officeDocument/2006/relationships" xmlns:p="http://schemas.openxmlformats.org/presentationml/2006/main">
+  <p:cSld>
+    <p:spTree>
+      <p:nvGrpSpPr>
+        <p:cNvPr id="1" name=""/>
+        <p:cNvGrpSpPr/>
+        <p:nvPr/>
+      </p:nvGrpSpPr>
+      <p:grpSpPr>
+        <a:xfrm>
+          <a:off x="0" y="0"/>
+          <a:ext cx="0" cy="0"/>
+          <a:chOff x="0" y="0"/>
+          <a:chExt cx="0" cy="0"/>
+        </a:xfrm>
+      </p:grpSpPr>
+      <p:sp>
+        <p:nvSpPr>
+          <p:cNvPr id="3" name="投影片編號版面配置區 2"/>
+          <p:cNvSpPr>
+            <a:spLocks noGrp="1"/>
+          </p:cNvSpPr>
+          <p:nvPr>
+            <p:ph type="sldNum" sz="quarter" idx="12"/>
+          </p:nvPr>
+        </p:nvSpPr>
+        <p:spPr/>
+        <p:txBody>
+          <a:bodyPr/>
+          <a:lstStyle/>
+          <a:p>
+            <a:fld id="{4FAB73BC-B049-4115-A692-8D63A059BFB8}" type="slidenum">
+              <a:rPr lang="en-US" smtClean="0"/>
+              <a:pPr/>
+              <a:t>22</a:t>
+            </a:fld>
+            <a:endParaRPr lang="en-US" dirty="0"/>
+          </a:p>
+        </p:txBody>
+      </p:sp>
+    </p:spTree>
+    <p:extLst>
+      <p:ext uri="{BB962C8B-B14F-4D97-AF65-F5344CB8AC3E}">
+        <p14:creationId xmlns:p14="http://schemas.microsoft.com/office/powerpoint/2010/main" val="4137861974"/>
+      </p:ext>
+    </p:extLst>
+  </p:cSld>
+  <p:clrMapOvr>
+    <a:masterClrMapping/>
+  </p:clrMapOvr>
+  <mc:AlternateContent xmlns:mc="http://schemas.openxmlformats.org/markup-compatibility/2006" xmlns:p14="http://schemas.microsoft.com/office/powerpoint/2010/main">
+    <mc:Choice Requires="p14">
+      <p:transition p14:dur="160">
+        <p:fade/>
+      </p:transition>
+    </mc:Choice>
+    <mc:Fallback xmlns="">
+      <p:transition>
+        <p:fade/>
+      </p:transition>
+    </mc:Fallback>
+  </mc:AlternateContent>
+  <p:timing>
+    <p:tnLst>
+      <p:par>
+        <p:cTn id="1" dur="indefinite" restart="never" nodeType="tmRoot"/>
+      </p:par>
+    </p:tnLst>
+  </p:timing>
+</p:sld>
+</file>
+
+<file path=ppt/slides/slide23.xml><?xml version="1.0" encoding="utf-8"?>
+<p:sld xmlns:a="http://schemas.openxmlformats.org/drawingml/2006/main" xmlns:r="http://schemas.openxmlformats.org/officeDocument/2006/relationships" xmlns:p="http://schemas.openxmlformats.org/presentationml/2006/main">
+  <p:cSld>
+    <p:spTree>
+      <p:nvGrpSpPr>
+        <p:cNvPr id="1" name=""/>
+        <p:cNvGrpSpPr/>
+        <p:nvPr/>
+      </p:nvGrpSpPr>
+      <p:grpSpPr>
+        <a:xfrm>
+          <a:off x="0" y="0"/>
+          <a:ext cx="0" cy="0"/>
+          <a:chOff x="0" y="0"/>
+          <a:chExt cx="0" cy="0"/>
+        </a:xfrm>
+      </p:grpSpPr>
+      <p:sp>
+        <p:nvSpPr>
+          <p:cNvPr id="2" name="標題 1">
+            <a:extLst>
+              <a:ext uri="{FF2B5EF4-FFF2-40B4-BE49-F238E27FC236}">
+                <a16:creationId xmlns:a16="http://schemas.microsoft.com/office/drawing/2014/main" id="{E42A39BE-EAF1-410A-9A92-A66FBA2BF9F7}"/>
+              </a:ext>
+            </a:extLst>
+          </p:cNvPr>
+          <p:cNvSpPr>
+            <a:spLocks noGrp="1"/>
+          </p:cNvSpPr>
+          <p:nvPr>
+            <p:ph type="title"/>
+          </p:nvPr>
+        </p:nvSpPr>
+        <p:spPr/>
+        <p:txBody>
+          <a:bodyPr/>
+          <a:lstStyle/>
+          <a:p>
+            <a:pPr algn="ctr"/>
+            <a:r>
+              <a:rPr lang="en-US" altLang="zh-TW" dirty="0"/>
+              <a:t>Patter</a:t>
+            </a:r>
+            <a:endParaRPr lang="zh-TW" altLang="en-US" dirty="0"/>
+          </a:p>
+        </p:txBody>
+      </p:sp>
+      <p:sp>
+        <p:nvSpPr>
+          <p:cNvPr id="3" name="內容版面配置區 2">
+            <a:extLst>
+              <a:ext uri="{FF2B5EF4-FFF2-40B4-BE49-F238E27FC236}">
+                <a16:creationId xmlns:a16="http://schemas.microsoft.com/office/drawing/2014/main" id="{5D30DF41-AC01-4C62-A621-CB4016203A22}"/>
+              </a:ext>
+            </a:extLst>
+          </p:cNvPr>
+          <p:cNvSpPr>
+            <a:spLocks noGrp="1"/>
+          </p:cNvSpPr>
+          <p:nvPr>
+            <p:ph idx="1"/>
+          </p:nvPr>
+        </p:nvSpPr>
+        <p:spPr/>
+        <p:txBody>
+          <a:bodyPr/>
+          <a:lstStyle/>
+          <a:p>
+            <a:endParaRPr lang="zh-TW" altLang="en-US"/>
+          </a:p>
+        </p:txBody>
+      </p:sp>
+    </p:spTree>
+    <p:extLst>
+      <p:ext uri="{BB962C8B-B14F-4D97-AF65-F5344CB8AC3E}">
+        <p14:creationId xmlns:p14="http://schemas.microsoft.com/office/powerpoint/2010/main" val="1789668969"/>
       </p:ext>
     </p:extLst>
   </p:cSld>
@@ -7250,6 +9571,30 @@
           </a:prstGeom>
         </p:spPr>
       </p:pic>
+      <p:sp>
+        <p:nvSpPr>
+          <p:cNvPr id="8" name="投影片編號版面配置區 7"/>
+          <p:cNvSpPr>
+            <a:spLocks noGrp="1"/>
+          </p:cNvSpPr>
+          <p:nvPr>
+            <p:ph type="sldNum" sz="quarter" idx="12"/>
+          </p:nvPr>
+        </p:nvSpPr>
+        <p:spPr/>
+        <p:txBody>
+          <a:bodyPr/>
+          <a:lstStyle/>
+          <a:p>
+            <a:fld id="{4FAB73BC-B049-4115-A692-8D63A059BFB8}" type="slidenum">
+              <a:rPr lang="en-US" smtClean="0"/>
+              <a:pPr/>
+              <a:t>3</a:t>
+            </a:fld>
+            <a:endParaRPr lang="en-US" dirty="0"/>
+          </a:p>
+        </p:txBody>
+      </p:sp>
     </p:spTree>
     <p:extLst>
       <p:ext uri="{BB962C8B-B14F-4D97-AF65-F5344CB8AC3E}">
@@ -7422,6 +9767,30 @@
               <a:t>?</a:t>
             </a:r>
             <a:endParaRPr lang="zh-TW" altLang="en-US" sz="6000" dirty="0"/>
+          </a:p>
+        </p:txBody>
+      </p:sp>
+      <p:sp>
+        <p:nvSpPr>
+          <p:cNvPr id="4" name="投影片編號版面配置區 3"/>
+          <p:cNvSpPr>
+            <a:spLocks noGrp="1"/>
+          </p:cNvSpPr>
+          <p:nvPr>
+            <p:ph type="sldNum" sz="quarter" idx="12"/>
+          </p:nvPr>
+        </p:nvSpPr>
+        <p:spPr/>
+        <p:txBody>
+          <a:bodyPr/>
+          <a:lstStyle/>
+          <a:p>
+            <a:fld id="{4FAB73BC-B049-4115-A692-8D63A059BFB8}" type="slidenum">
+              <a:rPr lang="en-US" smtClean="0"/>
+              <a:pPr/>
+              <a:t>4</a:t>
+            </a:fld>
+            <a:endParaRPr lang="en-US" dirty="0"/>
           </a:p>
         </p:txBody>
       </p:sp>
@@ -7669,6 +10038,30 @@
           <a:p>
             <a:pPr algn="ctr"/>
             <a:endParaRPr lang="zh-TW" altLang="en-US"/>
+          </a:p>
+        </p:txBody>
+      </p:sp>
+      <p:sp>
+        <p:nvSpPr>
+          <p:cNvPr id="4" name="投影片編號版面配置區 3"/>
+          <p:cNvSpPr>
+            <a:spLocks noGrp="1"/>
+          </p:cNvSpPr>
+          <p:nvPr>
+            <p:ph type="sldNum" sz="quarter" idx="12"/>
+          </p:nvPr>
+        </p:nvSpPr>
+        <p:spPr/>
+        <p:txBody>
+          <a:bodyPr/>
+          <a:lstStyle/>
+          <a:p>
+            <a:fld id="{4FAB73BC-B049-4115-A692-8D63A059BFB8}" type="slidenum">
+              <a:rPr lang="en-US" smtClean="0"/>
+              <a:pPr/>
+              <a:t>5</a:t>
+            </a:fld>
+            <a:endParaRPr lang="en-US" dirty="0"/>
           </a:p>
         </p:txBody>
       </p:sp>
@@ -8123,6 +10516,30 @@
           </a:prstGeom>
         </p:spPr>
       </p:pic>
+      <p:sp>
+        <p:nvSpPr>
+          <p:cNvPr id="4" name="投影片編號版面配置區 3"/>
+          <p:cNvSpPr>
+            <a:spLocks noGrp="1"/>
+          </p:cNvSpPr>
+          <p:nvPr>
+            <p:ph type="sldNum" sz="quarter" idx="12"/>
+          </p:nvPr>
+        </p:nvSpPr>
+        <p:spPr/>
+        <p:txBody>
+          <a:bodyPr/>
+          <a:lstStyle/>
+          <a:p>
+            <a:fld id="{4FAB73BC-B049-4115-A692-8D63A059BFB8}" type="slidenum">
+              <a:rPr lang="en-US" smtClean="0"/>
+              <a:pPr/>
+              <a:t>6</a:t>
+            </a:fld>
+            <a:endParaRPr lang="en-US" dirty="0"/>
+          </a:p>
+        </p:txBody>
+      </p:sp>
     </p:spTree>
     <p:extLst>
       <p:ext uri="{BB962C8B-B14F-4D97-AF65-F5344CB8AC3E}">
@@ -8379,6 +10796,87 @@
           <a:chExt cx="0" cy="0"/>
         </a:xfrm>
       </p:grpSpPr>
+      <p:sp>
+        <p:nvSpPr>
+          <p:cNvPr id="3" name="投影片編號版面配置區 2"/>
+          <p:cNvSpPr>
+            <a:spLocks noGrp="1"/>
+          </p:cNvSpPr>
+          <p:nvPr>
+            <p:ph type="sldNum" sz="quarter" idx="12"/>
+          </p:nvPr>
+        </p:nvSpPr>
+        <p:spPr/>
+        <p:txBody>
+          <a:bodyPr/>
+          <a:lstStyle/>
+          <a:p>
+            <a:fld id="{4FAB73BC-B049-4115-A692-8D63A059BFB8}" type="slidenum">
+              <a:rPr lang="en-US" smtClean="0"/>
+              <a:pPr/>
+              <a:t>8</a:t>
+            </a:fld>
+            <a:endParaRPr lang="en-US" dirty="0"/>
+          </a:p>
+        </p:txBody>
+      </p:sp>
+      <p:sp>
+        <p:nvSpPr>
+          <p:cNvPr id="2" name="文字方塊 1"/>
+          <p:cNvSpPr txBox="1"/>
+          <p:nvPr/>
+        </p:nvSpPr>
+        <p:spPr>
+          <a:xfrm>
+            <a:off x="4917990" y="531340"/>
+            <a:ext cx="2031325" cy="646331"/>
+          </a:xfrm>
+          <a:prstGeom prst="rect">
+            <a:avLst/>
+          </a:prstGeom>
+          <a:noFill/>
+        </p:spPr>
+        <p:txBody>
+          <a:bodyPr wrap="none" rtlCol="0">
+            <a:spAutoFit/>
+          </a:bodyPr>
+          <a:lstStyle/>
+          <a:p>
+            <a:r>
+              <a:rPr lang="zh-TW" altLang="en-US" sz="3600" b="1" dirty="0">
+                <a:solidFill>
+                  <a:schemeClr val="bg1"/>
+                </a:solidFill>
+              </a:rPr>
+              <a:t>巢狀地獄</a:t>
+            </a:r>
+          </a:p>
+        </p:txBody>
+      </p:sp>
+      <p:pic>
+        <p:nvPicPr>
+          <p:cNvPr id="4" name="圖片 3"/>
+          <p:cNvPicPr>
+            <a:picLocks noChangeAspect="1"/>
+          </p:cNvPicPr>
+          <p:nvPr/>
+        </p:nvPicPr>
+        <p:blipFill>
+          <a:blip r:embed="rId2"/>
+          <a:stretch>
+            <a:fillRect/>
+          </a:stretch>
+        </p:blipFill>
+        <p:spPr>
+          <a:xfrm>
+            <a:off x="2250542" y="1435924"/>
+            <a:ext cx="7832573" cy="4572633"/>
+          </a:xfrm>
+          <a:prstGeom prst="rect">
+            <a:avLst/>
+          </a:prstGeom>
+        </p:spPr>
+      </p:pic>
     </p:spTree>
     <p:extLst>
       <p:ext uri="{BB962C8B-B14F-4D97-AF65-F5344CB8AC3E}">
@@ -8442,32 +10940,305 @@
         </p:nvSpPr>
         <p:spPr>
           <a:xfrm>
-            <a:off x="3041317" y="2601835"/>
-            <a:ext cx="6109365" cy="1107996"/>
+            <a:off x="2706130" y="476472"/>
+            <a:ext cx="6395125" cy="769441"/>
           </a:xfrm>
           <a:prstGeom prst="rect">
             <a:avLst/>
           </a:prstGeom>
         </p:spPr>
         <p:txBody>
+          <a:bodyPr wrap="square">
+            <a:spAutoFit/>
+          </a:bodyPr>
+          <a:lstStyle/>
+          <a:p>
+            <a:pPr algn="ctr"/>
+            <a:r>
+              <a:rPr lang="zh-TW" altLang="en-US" sz="4400" dirty="0">
+                <a:solidFill>
+                  <a:schemeClr val="bg1"/>
+                </a:solidFill>
+                <a:latin typeface="Helvetica Neue"/>
+              </a:rPr>
+              <a:t>儲存持久化狀態</a:t>
+            </a:r>
+            <a:endParaRPr lang="zh-TW" altLang="en-US" sz="4400" dirty="0">
+              <a:solidFill>
+                <a:schemeClr val="bg1"/>
+              </a:solidFill>
+            </a:endParaRPr>
+          </a:p>
+        </p:txBody>
+      </p:sp>
+      <p:sp>
+        <p:nvSpPr>
+          <p:cNvPr id="4" name="投影片編號版面配置區 3"/>
+          <p:cNvSpPr>
+            <a:spLocks noGrp="1"/>
+          </p:cNvSpPr>
+          <p:nvPr>
+            <p:ph type="sldNum" sz="quarter" idx="12"/>
+          </p:nvPr>
+        </p:nvSpPr>
+        <p:spPr/>
+        <p:txBody>
+          <a:bodyPr/>
+          <a:lstStyle/>
+          <a:p>
+            <a:fld id="{4FAB73BC-B049-4115-A692-8D63A059BFB8}" type="slidenum">
+              <a:rPr lang="en-US" smtClean="0"/>
+              <a:pPr/>
+              <a:t>9</a:t>
+            </a:fld>
+            <a:endParaRPr lang="en-US" dirty="0"/>
+          </a:p>
+        </p:txBody>
+      </p:sp>
+      <p:sp>
+        <p:nvSpPr>
+          <p:cNvPr id="5" name="矩形 4">
+            <a:extLst>
+              <a:ext uri="{FF2B5EF4-FFF2-40B4-BE49-F238E27FC236}">
+                <a16:creationId xmlns:a16="http://schemas.microsoft.com/office/drawing/2014/main" id="{761448C6-0063-4ED6-8644-96088B65A41D}"/>
+              </a:ext>
+            </a:extLst>
+          </p:cNvPr>
+          <p:cNvSpPr/>
+          <p:nvPr/>
+        </p:nvSpPr>
+        <p:spPr>
+          <a:xfrm>
+            <a:off x="1746467" y="1595143"/>
+            <a:ext cx="5014514" cy="4247317"/>
+          </a:xfrm>
+          <a:prstGeom prst="rect">
+            <a:avLst/>
+          </a:prstGeom>
+        </p:spPr>
+        <p:txBody>
           <a:bodyPr wrap="none">
             <a:spAutoFit/>
           </a:bodyPr>
           <a:lstStyle/>
           <a:p>
-            <a:r>
-              <a:rPr lang="zh-TW" altLang="en-US" sz="6600" dirty="0">
-                <a:solidFill>
-                  <a:schemeClr val="bg1"/>
-                </a:solidFill>
-                <a:latin typeface="Helvetica Neue"/>
-              </a:rPr>
-              <a:t>儲存持久化狀態</a:t>
-            </a:r>
-            <a:endParaRPr lang="zh-TW" altLang="en-US" sz="6600" dirty="0">
+            <a:pPr marL="571500" indent="-571500">
+              <a:lnSpc>
+                <a:spcPct val="150000"/>
+              </a:lnSpc>
+              <a:buFont typeface="Arial" panose="020B0604020202020204" pitchFamily="34" charset="0"/>
+              <a:buChar char="•"/>
+            </a:pPr>
+            <a:r>
+              <a:rPr lang="en-US" altLang="zh-TW" sz="3600" spc="300" dirty="0">
+                <a:solidFill>
+                  <a:schemeClr val="bg1">
+                    <a:lumMod val="95000"/>
+                  </a:schemeClr>
+                </a:solidFill>
+                <a:latin typeface="+mn-ea"/>
+              </a:rPr>
+              <a:t>Class</a:t>
+            </a:r>
+            <a:r>
+              <a:rPr lang="zh-TW" altLang="en-US" sz="3600" spc="300" dirty="0">
+                <a:solidFill>
+                  <a:schemeClr val="bg1">
+                    <a:lumMod val="95000"/>
+                  </a:schemeClr>
+                </a:solidFill>
+                <a:latin typeface="+mn-ea"/>
+              </a:rPr>
+              <a:t>屬性</a:t>
+            </a:r>
+            <a:endParaRPr lang="en-US" altLang="zh-TW" sz="3600" spc="300" dirty="0">
               <a:solidFill>
-                <a:schemeClr val="bg1"/>
+                <a:schemeClr val="bg1">
+                  <a:lumMod val="95000"/>
+                </a:schemeClr>
               </a:solidFill>
+              <a:latin typeface="+mn-ea"/>
+            </a:endParaRPr>
+          </a:p>
+          <a:p>
+            <a:pPr marL="571500" indent="-571500">
+              <a:lnSpc>
+                <a:spcPct val="150000"/>
+              </a:lnSpc>
+              <a:buFont typeface="Arial" panose="020B0604020202020204" pitchFamily="34" charset="0"/>
+              <a:buChar char="•"/>
+            </a:pPr>
+            <a:r>
+              <a:rPr lang="zh-TW" altLang="en-US" sz="3600" spc="300" dirty="0">
+                <a:solidFill>
+                  <a:schemeClr val="bg1">
+                    <a:lumMod val="95000"/>
+                  </a:schemeClr>
+                </a:solidFill>
+                <a:latin typeface="+mn-ea"/>
+              </a:rPr>
+              <a:t>全域性變數</a:t>
+            </a:r>
+            <a:endParaRPr lang="en-US" altLang="zh-TW" sz="3600" spc="300" dirty="0">
+              <a:solidFill>
+                <a:schemeClr val="bg1">
+                  <a:lumMod val="95000"/>
+                </a:schemeClr>
+              </a:solidFill>
+              <a:latin typeface="+mn-ea"/>
+            </a:endParaRPr>
+          </a:p>
+          <a:p>
+            <a:pPr marL="571500" indent="-571500">
+              <a:lnSpc>
+                <a:spcPct val="150000"/>
+              </a:lnSpc>
+              <a:buFont typeface="Arial" panose="020B0604020202020204" pitchFamily="34" charset="0"/>
+              <a:buChar char="•"/>
+            </a:pPr>
+            <a:r>
+              <a:rPr lang="en-US" altLang="zh-TW" sz="3600" spc="300" dirty="0">
+                <a:solidFill>
+                  <a:schemeClr val="bg1">
+                    <a:lumMod val="95000"/>
+                  </a:schemeClr>
+                </a:solidFill>
+                <a:latin typeface="+mn-ea"/>
+              </a:rPr>
+              <a:t>DOM</a:t>
+            </a:r>
+          </a:p>
+          <a:p>
+            <a:pPr marL="571500" indent="-571500">
+              <a:lnSpc>
+                <a:spcPct val="150000"/>
+              </a:lnSpc>
+              <a:buFont typeface="Arial" panose="020B0604020202020204" pitchFamily="34" charset="0"/>
+              <a:buChar char="•"/>
+            </a:pPr>
+            <a:r>
+              <a:rPr lang="zh-TW" altLang="en-US" sz="3600" spc="300" dirty="0">
+                <a:solidFill>
+                  <a:schemeClr val="bg1">
+                    <a:lumMod val="95000"/>
+                  </a:schemeClr>
+                </a:solidFill>
+                <a:latin typeface="+mn-ea"/>
+              </a:rPr>
+              <a:t>閉</a:t>
+            </a:r>
+            <a:r>
+              <a:rPr lang="zh-TW" altLang="en-US" sz="3600" spc="300" dirty="0" smtClean="0">
+                <a:solidFill>
+                  <a:schemeClr val="bg1">
+                    <a:lumMod val="95000"/>
+                  </a:schemeClr>
+                </a:solidFill>
+                <a:latin typeface="+mn-ea"/>
+              </a:rPr>
+              <a:t>包</a:t>
+            </a:r>
+            <a:r>
+              <a:rPr lang="en-US" altLang="zh-TW" sz="3600" spc="300" dirty="0">
+                <a:solidFill>
+                  <a:schemeClr val="bg1">
+                    <a:lumMod val="95000"/>
+                  </a:schemeClr>
+                </a:solidFill>
+                <a:latin typeface="+mn-ea"/>
+              </a:rPr>
+              <a:t>(F</a:t>
+            </a:r>
+            <a:r>
+              <a:rPr lang="zh-TW" altLang="en-US" sz="3600" spc="300" dirty="0">
+                <a:solidFill>
+                  <a:schemeClr val="bg1">
+                    <a:lumMod val="95000"/>
+                  </a:schemeClr>
+                </a:solidFill>
+                <a:latin typeface="+mn-ea"/>
+              </a:rPr>
+              <a:t>unction</a:t>
+            </a:r>
+            <a:r>
+              <a:rPr lang="en-US" altLang="zh-TW" sz="3600" spc="300" dirty="0" smtClean="0">
+                <a:solidFill>
+                  <a:schemeClr val="bg1">
+                    <a:lumMod val="95000"/>
+                  </a:schemeClr>
+                </a:solidFill>
+                <a:latin typeface="+mn-ea"/>
+              </a:rPr>
+              <a:t>)</a:t>
+            </a:r>
+            <a:endParaRPr lang="en-US" altLang="zh-TW" sz="3600" spc="300" dirty="0">
+              <a:solidFill>
+                <a:schemeClr val="bg1">
+                  <a:lumMod val="95000"/>
+                </a:schemeClr>
+              </a:solidFill>
+              <a:latin typeface="+mn-ea"/>
+            </a:endParaRPr>
+          </a:p>
+          <a:p>
+            <a:pPr marL="571500" indent="-571500">
+              <a:lnSpc>
+                <a:spcPct val="150000"/>
+              </a:lnSpc>
+              <a:buFont typeface="Arial" panose="020B0604020202020204" pitchFamily="34" charset="0"/>
+              <a:buChar char="•"/>
+            </a:pPr>
+            <a:r>
+              <a:rPr lang="en-US" altLang="zh-TW" sz="3600" spc="300" dirty="0" smtClean="0">
+                <a:solidFill>
+                  <a:schemeClr val="bg1">
+                    <a:lumMod val="95000"/>
+                  </a:schemeClr>
+                </a:solidFill>
+                <a:latin typeface="+mn-ea"/>
+              </a:rPr>
+              <a:t>Cookie</a:t>
+            </a:r>
+            <a:r>
+              <a:rPr lang="zh-TW" altLang="en-US" sz="3600" spc="300" dirty="0" smtClean="0">
+                <a:solidFill>
+                  <a:schemeClr val="bg1">
+                    <a:lumMod val="95000"/>
+                  </a:schemeClr>
+                </a:solidFill>
+                <a:latin typeface="+mn-ea"/>
+              </a:rPr>
+              <a:t>、</a:t>
+            </a:r>
+            <a:r>
+              <a:rPr lang="en-US" altLang="zh-TW" sz="3600" spc="300" dirty="0" smtClean="0">
+                <a:solidFill>
+                  <a:schemeClr val="bg1">
+                    <a:lumMod val="95000"/>
+                  </a:schemeClr>
+                </a:solidFill>
+                <a:latin typeface="+mn-ea"/>
+              </a:rPr>
+              <a:t>session</a:t>
+            </a:r>
+            <a:r>
+              <a:rPr lang="en-US" altLang="zh-TW" sz="3600" spc="300" dirty="0" smtClean="0">
+                <a:solidFill>
+                  <a:schemeClr val="bg1">
+                    <a:lumMod val="95000"/>
+                  </a:schemeClr>
+                </a:solidFill>
+                <a:latin typeface="+mn-ea"/>
+              </a:rPr>
+              <a:t> </a:t>
+            </a:r>
+            <a:endParaRPr lang="zh-TW" altLang="en-US" sz="3600" spc="300" dirty="0">
+              <a:solidFill>
+                <a:schemeClr val="bg1">
+                  <a:lumMod val="95000"/>
+                </a:schemeClr>
+              </a:solidFill>
+              <a:latin typeface="+mn-ea"/>
             </a:endParaRPr>
           </a:p>
         </p:txBody>
@@ -8497,9 +11268,88 @@
   <p:timing>
     <p:tnLst>
       <p:par>
-        <p:cTn id="1" dur="indefinite" restart="never" nodeType="tmRoot"/>
+        <p:cTn id="1" dur="indefinite" restart="never" nodeType="tmRoot">
+          <p:childTnLst>
+            <p:seq concurrent="1" nextAc="seek">
+              <p:cTn id="2" dur="indefinite" nodeType="mainSeq">
+                <p:childTnLst>
+                  <p:par>
+                    <p:cTn id="3" fill="hold">
+                      <p:stCondLst>
+                        <p:cond delay="indefinite"/>
+                      </p:stCondLst>
+                      <p:childTnLst>
+                        <p:par>
+                          <p:cTn id="4" fill="hold">
+                            <p:stCondLst>
+                              <p:cond delay="0"/>
+                            </p:stCondLst>
+                            <p:childTnLst>
+                              <p:par>
+                                <p:cTn id="5" presetID="10" presetClass="entr" presetSubtype="0" fill="hold" grpId="0" nodeType="clickEffect">
+                                  <p:stCondLst>
+                                    <p:cond delay="0"/>
+                                  </p:stCondLst>
+                                  <p:childTnLst>
+                                    <p:set>
+                                      <p:cBhvr>
+                                        <p:cTn id="6" dur="1" fill="hold">
+                                          <p:stCondLst>
+                                            <p:cond delay="0"/>
+                                          </p:stCondLst>
+                                        </p:cTn>
+                                        <p:tgtEl>
+                                          <p:spTgt spid="5"/>
+                                        </p:tgtEl>
+                                        <p:attrNameLst>
+                                          <p:attrName>style.visibility</p:attrName>
+                                        </p:attrNameLst>
+                                      </p:cBhvr>
+                                      <p:to>
+                                        <p:strVal val="visible"/>
+                                      </p:to>
+                                    </p:set>
+                                    <p:animEffect transition="in" filter="fade">
+                                      <p:cBhvr>
+                                        <p:cTn id="7" dur="250"/>
+                                        <p:tgtEl>
+                                          <p:spTgt spid="5"/>
+                                        </p:tgtEl>
+                                      </p:cBhvr>
+                                    </p:animEffect>
+                                  </p:childTnLst>
+                                </p:cTn>
+                              </p:par>
+                            </p:childTnLst>
+                          </p:cTn>
+                        </p:par>
+                      </p:childTnLst>
+                    </p:cTn>
+                  </p:par>
+                </p:childTnLst>
+              </p:cTn>
+              <p:prevCondLst>
+                <p:cond evt="onPrev" delay="0">
+                  <p:tgtEl>
+                    <p:sldTgt/>
+                  </p:tgtEl>
+                </p:cond>
+              </p:prevCondLst>
+              <p:nextCondLst>
+                <p:cond evt="onNext" delay="0">
+                  <p:tgtEl>
+                    <p:sldTgt/>
+                  </p:tgtEl>
+                </p:cond>
+              </p:nextCondLst>
+            </p:seq>
+          </p:childTnLst>
+        </p:cTn>
       </p:par>
     </p:tnLst>
+    <p:bldLst>
+      <p:bldP spid="5" grpId="0"/>
+    </p:bldLst>
   </p:timing>
 </p:sld>
 </file>

--- a/PPT/React Hooks &.pptx
+++ b/PPT/React Hooks &.pptx
@@ -5,10 +5,10 @@
     <p:sldMasterId id="2147483840" r:id="rId1"/>
   </p:sldMasterIdLst>
   <p:notesMasterIdLst>
-    <p:notesMasterId r:id="rId25"/>
+    <p:notesMasterId r:id="rId30"/>
   </p:notesMasterIdLst>
   <p:handoutMasterIdLst>
-    <p:handoutMasterId r:id="rId26"/>
+    <p:handoutMasterId r:id="rId31"/>
   </p:handoutMasterIdLst>
   <p:sldIdLst>
     <p:sldId id="256" r:id="rId2"/>
@@ -18,22 +18,27 @@
     <p:sldId id="265" r:id="rId6"/>
     <p:sldId id="266" r:id="rId7"/>
     <p:sldId id="258" r:id="rId8"/>
-    <p:sldId id="277" r:id="rId9"/>
-    <p:sldId id="271" r:id="rId10"/>
+    <p:sldId id="290" r:id="rId9"/>
+    <p:sldId id="289" r:id="rId10"/>
     <p:sldId id="275" r:id="rId11"/>
     <p:sldId id="272" r:id="rId12"/>
-    <p:sldId id="278" r:id="rId13"/>
+    <p:sldId id="288" r:id="rId13"/>
     <p:sldId id="259" r:id="rId14"/>
-    <p:sldId id="280" r:id="rId15"/>
-    <p:sldId id="283" r:id="rId16"/>
-    <p:sldId id="284" r:id="rId17"/>
-    <p:sldId id="285" r:id="rId18"/>
-    <p:sldId id="286" r:id="rId19"/>
-    <p:sldId id="260" r:id="rId20"/>
-    <p:sldId id="274" r:id="rId21"/>
-    <p:sldId id="261" r:id="rId22"/>
-    <p:sldId id="273" r:id="rId23"/>
-    <p:sldId id="262" r:id="rId24"/>
+    <p:sldId id="291" r:id="rId15"/>
+    <p:sldId id="284" r:id="rId16"/>
+    <p:sldId id="300" r:id="rId17"/>
+    <p:sldId id="296" r:id="rId18"/>
+    <p:sldId id="299" r:id="rId19"/>
+    <p:sldId id="292" r:id="rId20"/>
+    <p:sldId id="293" r:id="rId21"/>
+    <p:sldId id="294" r:id="rId22"/>
+    <p:sldId id="297" r:id="rId23"/>
+    <p:sldId id="298" r:id="rId24"/>
+    <p:sldId id="260" r:id="rId25"/>
+    <p:sldId id="274" r:id="rId26"/>
+    <p:sldId id="261" r:id="rId27"/>
+    <p:sldId id="273" r:id="rId28"/>
+    <p:sldId id="262" r:id="rId29"/>
   </p:sldIdLst>
   <p:sldSz cx="12192000" cy="6858000"/>
   <p:notesSz cx="6858000" cy="9144000"/>
@@ -237,7 +242,7 @@
           <a:p>
             <a:fld id="{20C73765-FB04-4DFC-B996-1BF89FB13314}" type="datetimeFigureOut">
               <a:rPr lang="zh-TW" altLang="en-US" smtClean="0"/>
-              <a:t>2020/3/6</a:t>
+              <a:t>2020/3/8</a:t>
             </a:fld>
             <a:endParaRPr lang="zh-TW" altLang="en-US"/>
           </a:p>
@@ -414,7 +419,7 @@
           <a:p>
             <a:fld id="{70C5EA8F-4DE7-435E-83CB-AE9893E623BB}" type="datetimeFigureOut">
               <a:rPr lang="zh-TW" altLang="en-US" smtClean="0"/>
-              <a:t>2020/3/6</a:t>
+              <a:t>2020/3/8</a:t>
             </a:fld>
             <a:endParaRPr lang="zh-TW" altLang="en-US"/>
           </a:p>
@@ -1243,7 +1248,7 @@
           <a:lstStyle/>
           <a:p>
             <a:r>
-              <a:rPr lang="zh-TW" altLang="en-US" sz="1200" b="0" i="0" kern="1200" dirty="0" smtClean="0">
+              <a:rPr lang="zh-TW" altLang="en-US" sz="1200" b="0" i="0" kern="1200" dirty="0">
                 <a:solidFill>
                   <a:schemeClr val="tx1"/>
                 </a:solidFill>
@@ -1255,7 +1260,7 @@
               <a:t> </a:t>
             </a:r>
             <a:r>
-              <a:rPr lang="en-US" altLang="zh-TW" sz="1200" b="0" i="0" kern="1200" dirty="0" smtClean="0">
+              <a:rPr lang="en-US" altLang="zh-TW" sz="1200" b="0" i="0" kern="1200" dirty="0">
                 <a:solidFill>
                   <a:schemeClr val="tx1"/>
                 </a:solidFill>
@@ -1267,7 +1272,7 @@
               <a:t>component</a:t>
             </a:r>
             <a:r>
-              <a:rPr lang="zh-TW" altLang="en-US" sz="1200" b="0" i="0" kern="1200" dirty="0" smtClean="0">
+              <a:rPr lang="zh-TW" altLang="en-US" sz="1200" b="0" i="0" kern="1200" dirty="0">
                 <a:solidFill>
                   <a:schemeClr val="tx1"/>
                 </a:solidFill>
@@ -1276,19 +1281,7 @@
                 <a:ea typeface="+mn-ea"/>
                 <a:cs typeface="+mn-cs"/>
               </a:rPr>
-              <a:t>， </a:t>
-            </a:r>
-            <a:r>
-              <a:rPr lang="zh-TW" altLang="en-US" sz="1200" b="0" i="0" kern="1200" dirty="0">
-                <a:solidFill>
-                  <a:schemeClr val="tx1"/>
-                </a:solidFill>
-                <a:effectLst/>
-                <a:latin typeface="+mn-lt"/>
-                <a:ea typeface="+mn-ea"/>
-                <a:cs typeface="+mn-cs"/>
-              </a:rPr>
-              <a:t>概念上來說，</a:t>
+              <a:t>， 概念上來說，</a:t>
             </a:r>
             <a:r>
               <a:rPr lang="en-US" altLang="zh-TW" sz="1200" b="0" i="0" kern="1200" dirty="0">
@@ -1784,18 +1777,6 @@
           </a:p>
           <a:p>
             <a:pPr latinLnBrk="1"/>
-            <a:r>
-              <a:rPr lang="en-US" altLang="zh-TW" sz="1200" b="0" i="0" kern="1200" dirty="0">
-                <a:solidFill>
-                  <a:schemeClr val="tx1"/>
-                </a:solidFill>
-                <a:effectLst/>
-                <a:latin typeface="+mn-lt"/>
-                <a:ea typeface="+mn-ea"/>
-                <a:cs typeface="+mn-cs"/>
-              </a:rPr>
-              <a:t/>
-            </a:r>
             <a:br>
               <a:rPr lang="en-US" altLang="zh-TW" sz="1200" b="0" i="0" kern="1200" dirty="0">
                 <a:solidFill>
@@ -1942,190 +1923,6 @@
     <p:extLst>
       <p:ext uri="{BB962C8B-B14F-4D97-AF65-F5344CB8AC3E}">
         <p14:creationId xmlns:p14="http://schemas.microsoft.com/office/powerpoint/2010/main" val="3475086662"/>
-      </p:ext>
-    </p:extLst>
-  </p:cSld>
-  <p:clrMapOvr>
-    <a:masterClrMapping/>
-  </p:clrMapOvr>
-</p:notes>
-</file>
-
-<file path=ppt/notesSlides/notesSlide7.xml><?xml version="1.0" encoding="utf-8"?>
-<p:notes xmlns:a="http://schemas.openxmlformats.org/drawingml/2006/main" xmlns:r="http://schemas.openxmlformats.org/officeDocument/2006/relationships" xmlns:p="http://schemas.openxmlformats.org/presentationml/2006/main">
-  <p:cSld>
-    <p:spTree>
-      <p:nvGrpSpPr>
-        <p:cNvPr id="1" name=""/>
-        <p:cNvGrpSpPr/>
-        <p:nvPr/>
-      </p:nvGrpSpPr>
-      <p:grpSpPr>
-        <a:xfrm>
-          <a:off x="0" y="0"/>
-          <a:ext cx="0" cy="0"/>
-          <a:chOff x="0" y="0"/>
-          <a:chExt cx="0" cy="0"/>
-        </a:xfrm>
-      </p:grpSpPr>
-      <p:sp>
-        <p:nvSpPr>
-          <p:cNvPr id="2" name="投影片影像版面配置區 1"/>
-          <p:cNvSpPr>
-            <a:spLocks noGrp="1" noRot="1" noChangeAspect="1"/>
-          </p:cNvSpPr>
-          <p:nvPr>
-            <p:ph type="sldImg"/>
-          </p:nvPr>
-        </p:nvSpPr>
-        <p:spPr/>
-      </p:sp>
-      <p:sp>
-        <p:nvSpPr>
-          <p:cNvPr id="3" name="備忘稿版面配置區 2"/>
-          <p:cNvSpPr>
-            <a:spLocks noGrp="1"/>
-          </p:cNvSpPr>
-          <p:nvPr>
-            <p:ph type="body" idx="1"/>
-          </p:nvPr>
-        </p:nvSpPr>
-        <p:spPr/>
-        <p:txBody>
-          <a:bodyPr/>
-          <a:lstStyle/>
-          <a:p>
-            <a:r>
-              <a:rPr lang="en-US" altLang="zh-TW" dirty="0"/>
-              <a:t>Function component</a:t>
-            </a:r>
-            <a:r>
-              <a:rPr lang="zh-TW" altLang="en-US" dirty="0"/>
-              <a:t>、</a:t>
-            </a:r>
-            <a:r>
-              <a:rPr lang="en-US" altLang="zh-TW" dirty="0"/>
-              <a:t>Class component</a:t>
-            </a:r>
-            <a:r>
-              <a:rPr lang="zh-TW" altLang="en-US" dirty="0"/>
-              <a:t>，</a:t>
-            </a:r>
-            <a:r>
-              <a:rPr lang="zh-TW" altLang="en-US" sz="1200" b="0" i="0" kern="1200" dirty="0">
-                <a:solidFill>
-                  <a:schemeClr val="tx1"/>
-                </a:solidFill>
-                <a:effectLst/>
-                <a:latin typeface="+mn-lt"/>
-                <a:ea typeface="+mn-ea"/>
-                <a:cs typeface="+mn-cs"/>
-              </a:rPr>
-              <a:t>以上兩個都是為了達成 </a:t>
-            </a:r>
-            <a:r>
-              <a:rPr lang="en-US" altLang="zh-TW" sz="1200" b="0" i="0" kern="1200" dirty="0">
-                <a:solidFill>
-                  <a:schemeClr val="tx1"/>
-                </a:solidFill>
-                <a:effectLst/>
-                <a:latin typeface="+mn-lt"/>
-                <a:ea typeface="+mn-ea"/>
-                <a:cs typeface="+mn-cs"/>
-              </a:rPr>
-              <a:t>,</a:t>
-            </a:r>
-            <a:r>
-              <a:rPr lang="zh-TW" altLang="en-US" sz="1200" b="0" i="0" kern="1200" dirty="0">
-                <a:solidFill>
-                  <a:schemeClr val="tx1"/>
-                </a:solidFill>
-                <a:effectLst/>
-                <a:latin typeface="+mn-lt"/>
-                <a:ea typeface="+mn-ea"/>
-                <a:cs typeface="+mn-cs"/>
-              </a:rPr>
-              <a:t>資料可以儲存持久化狀態</a:t>
-            </a:r>
-            <a:r>
-              <a:rPr lang="en-US" altLang="zh-TW" sz="1200" b="0" i="0" kern="1200" dirty="0">
-                <a:solidFill>
-                  <a:schemeClr val="tx1"/>
-                </a:solidFill>
-                <a:effectLst/>
-                <a:latin typeface="+mn-lt"/>
-                <a:ea typeface="+mn-ea"/>
-                <a:cs typeface="+mn-cs"/>
-              </a:rPr>
-              <a:t>,</a:t>
-            </a:r>
-            <a:r>
-              <a:rPr lang="zh-TW" altLang="en-US" sz="1200" b="0" i="0" kern="1200" dirty="0">
-                <a:solidFill>
-                  <a:schemeClr val="tx1"/>
-                </a:solidFill>
-                <a:effectLst/>
-                <a:latin typeface="+mn-lt"/>
-                <a:ea typeface="+mn-ea"/>
-                <a:cs typeface="+mn-cs"/>
-              </a:rPr>
-              <a:t>在 </a:t>
-            </a:r>
-            <a:r>
-              <a:rPr lang="en-US" altLang="zh-TW" sz="1200" b="0" i="0" kern="1200" dirty="0">
-                <a:solidFill>
-                  <a:schemeClr val="tx1"/>
-                </a:solidFill>
-                <a:effectLst/>
-                <a:latin typeface="+mn-lt"/>
-                <a:ea typeface="+mn-ea"/>
-                <a:cs typeface="+mn-cs"/>
-              </a:rPr>
-              <a:t>JS </a:t>
-            </a:r>
-            <a:r>
-              <a:rPr lang="zh-TW" altLang="en-US" sz="1200" b="0" i="0" kern="1200" dirty="0">
-                <a:solidFill>
-                  <a:schemeClr val="tx1"/>
-                </a:solidFill>
-                <a:effectLst/>
-                <a:latin typeface="+mn-lt"/>
-                <a:ea typeface="+mn-ea"/>
-                <a:cs typeface="+mn-cs"/>
-              </a:rPr>
-              <a:t>中幾種方法：</a:t>
-            </a:r>
-            <a:endParaRPr lang="zh-TW" altLang="en-US" dirty="0"/>
-          </a:p>
-        </p:txBody>
-      </p:sp>
-      <p:sp>
-        <p:nvSpPr>
-          <p:cNvPr id="4" name="投影片編號版面配置區 3"/>
-          <p:cNvSpPr>
-            <a:spLocks noGrp="1"/>
-          </p:cNvSpPr>
-          <p:nvPr>
-            <p:ph type="sldNum" sz="quarter" idx="5"/>
-          </p:nvPr>
-        </p:nvSpPr>
-        <p:spPr/>
-        <p:txBody>
-          <a:bodyPr/>
-          <a:lstStyle/>
-          <a:p>
-            <a:fld id="{6B094CF9-824F-48E6-BF21-19194E5F47C1}" type="slidenum">
-              <a:rPr lang="zh-TW" altLang="en-US" smtClean="0"/>
-              <a:t>9</a:t>
-            </a:fld>
-            <a:endParaRPr lang="zh-TW" altLang="en-US"/>
-          </a:p>
-        </p:txBody>
-      </p:sp>
-    </p:spTree>
-    <p:extLst>
-      <p:ext uri="{BB962C8B-B14F-4D97-AF65-F5344CB8AC3E}">
-        <p14:creationId xmlns:p14="http://schemas.microsoft.com/office/powerpoint/2010/main" val="4177049384"/>
       </p:ext>
     </p:extLst>
   </p:cSld>
@@ -2368,11 +2165,24 @@
         <p:spPr/>
         <p:txBody>
           <a:bodyPr/>
-          <a:lstStyle/>
+          <a:lstStyle>
+            <a:lvl1pPr>
+              <a:defRPr>
+                <a:solidFill>
+                  <a:schemeClr val="bg1">
+                    <a:lumMod val="75000"/>
+                  </a:schemeClr>
+                </a:solidFill>
+                <a:latin typeface="Adobe 繁黑體 Std B" panose="020B0700000000000000" pitchFamily="34" charset="-120"/>
+                <a:ea typeface="Adobe 繁黑體 Std B" panose="020B0700000000000000" pitchFamily="34" charset="-120"/>
+              </a:defRPr>
+            </a:lvl1pPr>
+          </a:lstStyle>
           <a:p>
             <a:fld id="{32C01325-88C4-4D06-9909-B472E042400E}" type="datetime1">
               <a:rPr lang="en-US" altLang="zh-TW" smtClean="0"/>
-              <a:t>3/6/2020</a:t>
+              <a:pPr/>
+              <a:t>3/8/2020</a:t>
             </a:fld>
             <a:endParaRPr lang="en-US" dirty="0"/>
           </a:p>
@@ -2420,7 +2230,7 @@
           <a:lstStyle/>
           <a:p>
             <a:r>
-              <a:rPr lang="en-US" altLang="zh-TW" sz="2400" b="1" i="1" dirty="0" smtClean="0">
+              <a:rPr lang="en-US" altLang="zh-TW" sz="2400" b="1" i="1" dirty="0">
                 <a:solidFill>
                   <a:srgbClr val="FF0000"/>
                 </a:solidFill>
@@ -2456,13 +2266,6 @@
       </p:transition>
     </mc:Fallback>
   </mc:AlternateContent>
-  <p:timing>
-    <p:tnLst>
-      <p:par>
-        <p:cTn id="1" dur="indefinite" restart="never" nodeType="tmRoot"/>
-      </p:par>
-    </p:tnLst>
-  </p:timing>
 </p:sldLayout>
 </file>
 
@@ -2678,7 +2481,7 @@
           <a:p>
             <a:fld id="{EDA0A132-BC1D-4AF8-815F-69FFFBA081C0}" type="datetime1">
               <a:rPr lang="en-US" altLang="zh-TW" smtClean="0"/>
-              <a:t>3/6/2020</a:t>
+              <a:t>3/8/2020</a:t>
             </a:fld>
             <a:endParaRPr lang="en-US" dirty="0"/>
           </a:p>
@@ -2869,7 +2672,7 @@
           <a:p>
             <a:fld id="{7D88C161-0482-4BB7-93B6-C6023237F745}" type="datetime1">
               <a:rPr lang="en-US" altLang="zh-TW" smtClean="0"/>
-              <a:t>3/6/2020</a:t>
+              <a:t>3/8/2020</a:t>
             </a:fld>
             <a:endParaRPr lang="en-US" dirty="0"/>
           </a:p>
@@ -3065,7 +2868,7 @@
           <a:p>
             <a:fld id="{8E4C3707-23DF-4F24-B951-FD2ECC3B8CB1}" type="datetime1">
               <a:rPr lang="en-US" altLang="zh-TW" smtClean="0"/>
-              <a:t>3/6/2020</a:t>
+              <a:t>3/8/2020</a:t>
             </a:fld>
             <a:endParaRPr lang="en-US" dirty="0"/>
           </a:p>
@@ -3139,13 +2942,6 @@
       </p:transition>
     </mc:Fallback>
   </mc:AlternateContent>
-  <p:timing>
-    <p:tnLst>
-      <p:par>
-        <p:cTn id="1" dur="indefinite" restart="never" nodeType="tmRoot"/>
-      </p:par>
-    </p:tnLst>
-  </p:timing>
 </p:sldLayout>
 </file>
 
@@ -3258,7 +3054,7 @@
           <a:p>
             <a:fld id="{5F545754-5242-4855-81C9-E117DB6DAFCF}" type="datetime1">
               <a:rPr lang="en-US" altLang="zh-TW" smtClean="0"/>
-              <a:t>3/6/2020</a:t>
+              <a:t>3/8/2020</a:t>
             </a:fld>
             <a:endParaRPr lang="en-US" dirty="0"/>
           </a:p>
@@ -3300,13 +3096,6 @@
       </p:transition>
     </mc:Fallback>
   </mc:AlternateContent>
-  <p:timing>
-    <p:tnLst>
-      <p:par>
-        <p:cTn id="1" dur="indefinite" restart="never" nodeType="tmRoot"/>
-      </p:par>
-    </p:tnLst>
-  </p:timing>
 </p:sldLayout>
 </file>
 
@@ -3507,7 +3296,7 @@
           <a:p>
             <a:fld id="{3BC9C2A9-AB99-41F5-8F75-27C8D8E8E8DB}" type="datetime1">
               <a:rPr lang="en-US" altLang="zh-TW" smtClean="0"/>
-              <a:t>3/6/2020</a:t>
+              <a:t>3/8/2020</a:t>
             </a:fld>
             <a:endParaRPr lang="en-US" dirty="0"/>
           </a:p>
@@ -3581,13 +3370,6 @@
       </p:transition>
     </mc:Fallback>
   </mc:AlternateContent>
-  <p:timing>
-    <p:tnLst>
-      <p:par>
-        <p:cTn id="1" dur="indefinite" restart="never" nodeType="tmRoot"/>
-      </p:par>
-    </p:tnLst>
-  </p:timing>
 </p:sldLayout>
 </file>
 
@@ -3818,7 +3600,7 @@
           <a:p>
             <a:fld id="{09B33BAF-14F9-4A03-BD06-9AE09252F7E6}" type="datetime1">
               <a:rPr lang="en-US" altLang="zh-TW" smtClean="0"/>
-              <a:t>3/6/2020</a:t>
+              <a:t>3/8/2020</a:t>
             </a:fld>
             <a:endParaRPr lang="en-US" dirty="0"/>
           </a:p>
@@ -3892,13 +3674,6 @@
       </p:transition>
     </mc:Fallback>
   </mc:AlternateContent>
-  <p:timing>
-    <p:tnLst>
-      <p:par>
-        <p:cTn id="1" dur="indefinite" restart="never" nodeType="tmRoot"/>
-      </p:par>
-    </p:tnLst>
-  </p:timing>
 </p:sldLayout>
 </file>
 
@@ -4283,7 +4058,7 @@
           <a:p>
             <a:fld id="{30AF5C3A-F124-479E-9564-3819A45DE9FD}" type="datetime1">
               <a:rPr lang="en-US" altLang="zh-TW" smtClean="0"/>
-              <a:t>3/6/2020</a:t>
+              <a:t>3/8/2020</a:t>
             </a:fld>
             <a:endParaRPr lang="en-US" dirty="0"/>
           </a:p>
@@ -4357,13 +4132,6 @@
       </p:transition>
     </mc:Fallback>
   </mc:AlternateContent>
-  <p:timing>
-    <p:tnLst>
-      <p:par>
-        <p:cTn id="1" dur="indefinite" restart="never" nodeType="tmRoot"/>
-      </p:par>
-    </p:tnLst>
-  </p:timing>
 </p:sldLayout>
 </file>
 
@@ -4424,7 +4192,7 @@
           <a:p>
             <a:fld id="{E2A6C839-805B-4120-8E1A-887DB3085696}" type="datetime1">
               <a:rPr lang="en-US" altLang="zh-TW" smtClean="0"/>
-              <a:t>3/6/2020</a:t>
+              <a:t>3/8/2020</a:t>
             </a:fld>
             <a:endParaRPr lang="en-US" dirty="0"/>
           </a:p>
@@ -4498,13 +4266,6 @@
       </p:transition>
     </mc:Fallback>
   </mc:AlternateContent>
-  <p:timing>
-    <p:tnLst>
-      <p:par>
-        <p:cTn id="1" dur="indefinite" restart="never" nodeType="tmRoot"/>
-      </p:par>
-    </p:tnLst>
-  </p:timing>
 </p:sldLayout>
 </file>
 
@@ -4542,7 +4303,7 @@
           <a:p>
             <a:fld id="{C3BC61D4-9EDA-48F2-9DC7-4BAF2EFB36CA}" type="datetime1">
               <a:rPr lang="en-US" altLang="zh-TW" smtClean="0"/>
-              <a:t>3/6/2020</a:t>
+              <a:t>3/8/2020</a:t>
             </a:fld>
             <a:endParaRPr lang="en-US" dirty="0"/>
           </a:p>
@@ -4628,19 +4389,12 @@
       </p:transition>
     </mc:Fallback>
   </mc:AlternateContent>
-  <p:timing>
-    <p:tnLst>
-      <p:par>
-        <p:cTn id="1" dur="indefinite" restart="never" nodeType="tmRoot"/>
-      </p:par>
-    </p:tnLst>
-  </p:timing>
 </p:sldLayout>
 </file>
 
 <file path=ppt/slideLayouts/slideLayout8.xml><?xml version="1.0" encoding="utf-8"?>
-<p:sldLayout xmlns:a="http://schemas.openxmlformats.org/drawingml/2006/main" xmlns:r="http://schemas.openxmlformats.org/officeDocument/2006/relationships" xmlns:p="http://schemas.openxmlformats.org/presentationml/2006/main" showMasterSp="0" type="blank" preserve="1">
-  <p:cSld name="1_空白">
+<p:sldLayout xmlns:a="http://schemas.openxmlformats.org/drawingml/2006/main" xmlns:r="http://schemas.openxmlformats.org/officeDocument/2006/relationships" xmlns:p="http://schemas.openxmlformats.org/presentationml/2006/main" showMasterSp="0" preserve="1" userDrawn="1">
+  <p:cSld name="空白(標題)">
     <p:spTree>
       <p:nvGrpSpPr>
         <p:cNvPr id="1" name=""/>
@@ -4672,7 +4426,7 @@
           <a:p>
             <a:fld id="{C3BC61D4-9EDA-48F2-9DC7-4BAF2EFB36CA}" type="datetime1">
               <a:rPr lang="en-US" altLang="zh-TW" smtClean="0"/>
-              <a:t>3/6/2020</a:t>
+              <a:t>3/8/2020</a:t>
             </a:fld>
             <a:endParaRPr lang="en-US" dirty="0"/>
           </a:p>
@@ -4741,37 +4495,61 @@
           </a:p>
         </p:txBody>
       </p:sp>
-      <p:cxnSp>
-        <p:nvCxnSpPr>
-          <p:cNvPr id="4" name="直線接點 3"/>
-          <p:cNvCxnSpPr/>
-          <p:nvPr userDrawn="1"/>
-        </p:nvCxnSpPr>
+      <p:sp>
+        <p:nvSpPr>
+          <p:cNvPr id="3" name="文字版面配置區 2">
+            <a:extLst>
+              <a:ext uri="{FF2B5EF4-FFF2-40B4-BE49-F238E27FC236}">
+                <a16:creationId xmlns:a16="http://schemas.microsoft.com/office/drawing/2014/main" id="{39376356-0075-4191-B19E-ABA64F526F93}"/>
+              </a:ext>
+            </a:extLst>
+          </p:cNvPr>
+          <p:cNvSpPr>
+            <a:spLocks noGrp="1"/>
+          </p:cNvSpPr>
+          <p:nvPr>
+            <p:ph type="body" sz="quarter" idx="13"/>
+          </p:nvPr>
+        </p:nvSpPr>
         <p:spPr>
           <a:xfrm>
-            <a:off x="585216" y="905256"/>
-            <a:ext cx="11119104" cy="0"/>
+            <a:off x="0" y="430213"/>
+            <a:ext cx="12192000" cy="554037"/>
           </a:xfrm>
-          <a:prstGeom prst="line">
-            <a:avLst/>
-          </a:prstGeom>
-          <a:ln w="28575"/>
         </p:spPr>
-        <p:style>
-          <a:lnRef idx="1">
-            <a:schemeClr val="accent1"/>
-          </a:lnRef>
-          <a:fillRef idx="0">
-            <a:schemeClr val="accent1"/>
-          </a:fillRef>
-          <a:effectRef idx="0">
-            <a:schemeClr val="accent1"/>
-          </a:effectRef>
-          <a:fontRef idx="minor">
-            <a:schemeClr val="tx1"/>
-          </a:fontRef>
-        </p:style>
-      </p:cxnSp>
+        <p:txBody>
+          <a:bodyPr>
+            <a:noAutofit/>
+          </a:bodyPr>
+          <a:lstStyle>
+            <a:lvl1pPr marL="0" indent="0" algn="ctr">
+              <a:buNone/>
+              <a:defRPr sz="4000" spc="0">
+                <a:solidFill>
+                  <a:schemeClr val="bg1"/>
+                </a:solidFill>
+              </a:defRPr>
+            </a:lvl1pPr>
+            <a:lvl2pPr algn="ctr">
+              <a:defRPr/>
+            </a:lvl2pPr>
+            <a:lvl3pPr marL="960120" indent="0" algn="ctr">
+              <a:buNone/>
+              <a:defRPr/>
+            </a:lvl3pPr>
+            <a:lvl4pPr algn="ctr">
+              <a:defRPr/>
+            </a:lvl4pPr>
+            <a:lvl5pPr algn="ctr">
+              <a:defRPr/>
+            </a:lvl5pPr>
+          </a:lstStyle>
+          <a:p>
+            <a:pPr lvl="0"/>
+            <a:endParaRPr lang="zh-TW" altLang="en-US" dirty="0"/>
+          </a:p>
+        </p:txBody>
+      </p:sp>
     </p:spTree>
     <p:extLst>
       <p:ext uri="{BB962C8B-B14F-4D97-AF65-F5344CB8AC3E}">
@@ -4794,13 +4572,6 @@
       </p:transition>
     </mc:Fallback>
   </mc:AlternateContent>
-  <p:timing>
-    <p:tnLst>
-      <p:par>
-        <p:cTn id="1" dur="indefinite" restart="never" nodeType="tmRoot"/>
-      </p:par>
-    </p:tnLst>
-  </p:timing>
 </p:sldLayout>
 </file>
 
@@ -5031,7 +4802,7 @@
           <a:p>
             <a:fld id="{AD3619F7-4977-420F-B59A-DBDA61E7ABEC}" type="datetime1">
               <a:rPr lang="en-US" altLang="zh-TW" smtClean="0"/>
-              <a:t>3/6/2020</a:t>
+              <a:t>3/8/2020</a:t>
             </a:fld>
             <a:endParaRPr lang="en-US" dirty="0"/>
           </a:p>
@@ -5105,13 +4876,6 @@
       </p:transition>
     </mc:Fallback>
   </mc:AlternateContent>
-  <p:timing>
-    <p:tnLst>
-      <p:par>
-        <p:cTn id="1" dur="indefinite" restart="never" nodeType="tmRoot"/>
-      </p:par>
-    </p:tnLst>
-  </p:timing>
 </p:sldLayout>
 </file>
 
@@ -5354,7 +5118,7 @@
           <a:p>
             <a:fld id="{427FFE6E-D4EC-4F12-B8B0-E72AA8EDAE7C}" type="datetime1">
               <a:rPr lang="en-US" altLang="zh-TW" smtClean="0"/>
-              <a:t>3/6/2020</a:t>
+              <a:t>3/8/2020</a:t>
             </a:fld>
             <a:endParaRPr lang="en-US" dirty="0"/>
           </a:p>
@@ -5421,7 +5185,7 @@
           <a:lstStyle/>
           <a:p>
             <a:r>
-              <a:rPr lang="en-US" altLang="zh-TW" sz="2400" b="1" i="1" dirty="0" smtClean="0">
+              <a:rPr lang="en-US" altLang="zh-TW" sz="2400" b="1" i="1" dirty="0">
                 <a:solidFill>
                   <a:srgbClr val="FF0000"/>
                 </a:solidFill>
@@ -5501,13 +5265,6 @@
       </p:transition>
     </mc:Fallback>
   </mc:AlternateContent>
-  <p:timing>
-    <p:tnLst>
-      <p:par>
-        <p:cTn id="1" dur="indefinite" restart="never" nodeType="tmRoot"/>
-      </p:par>
-    </p:tnLst>
-  </p:timing>
   <p:hf hdr="0" ftr="0" dt="0"/>
   <p:txStyles>
     <p:titleStyle>
@@ -5961,26 +5718,55 @@
                 <a:latin typeface="+mj-ea"/>
                 <a:ea typeface="+mj-ea"/>
               </a:rPr>
-              <a:t>演講人</a:t>
+              <a:t>講師</a:t>
             </a:r>
             <a:r>
               <a:rPr lang="en-US" altLang="zh-TW" sz="2400" dirty="0">
                 <a:latin typeface="+mj-ea"/>
                 <a:ea typeface="+mj-ea"/>
               </a:rPr>
-              <a:t>:</a:t>
-            </a:r>
-            <a:r>
-              <a:rPr lang="zh-TW" altLang="en-US" sz="2400" dirty="0" smtClean="0">
+              <a:t> :</a:t>
+            </a:r>
+            <a:r>
+              <a:rPr lang="zh-TW" altLang="en-US" sz="2400" dirty="0">
                 <a:latin typeface="+mj-ea"/>
                 <a:ea typeface="+mj-ea"/>
               </a:rPr>
               <a:t>蔡承宇</a:t>
             </a:r>
-            <a:endParaRPr lang="en-US" altLang="zh-TW" sz="2400" dirty="0" smtClean="0">
+            <a:endParaRPr lang="en-US" altLang="zh-TW" sz="2400" dirty="0">
               <a:latin typeface="+mj-ea"/>
               <a:ea typeface="+mj-ea"/>
             </a:endParaRPr>
+          </a:p>
+        </p:txBody>
+      </p:sp>
+      <p:sp>
+        <p:nvSpPr>
+          <p:cNvPr id="4" name="日期版面配置區 3">
+            <a:extLst>
+              <a:ext uri="{FF2B5EF4-FFF2-40B4-BE49-F238E27FC236}">
+                <a16:creationId xmlns:a16="http://schemas.microsoft.com/office/drawing/2014/main" id="{823CA0DC-CED8-401B-BFFE-3903E3AE1EF7}"/>
+              </a:ext>
+            </a:extLst>
+          </p:cNvPr>
+          <p:cNvSpPr>
+            <a:spLocks noGrp="1"/>
+          </p:cNvSpPr>
+          <p:nvPr>
+            <p:ph type="dt" sz="half" idx="10"/>
+          </p:nvPr>
+        </p:nvSpPr>
+        <p:spPr/>
+        <p:txBody>
+          <a:bodyPr/>
+          <a:lstStyle/>
+          <a:p>
+            <a:fld id="{1CD3BEDE-1300-489E-9415-8CE48063710D}" type="datetime1">
+              <a:rPr lang="en-US" altLang="zh-TW" smtClean="0"/>
+              <a:t>3/8/2020</a:t>
+            </a:fld>
+            <a:endParaRPr lang="en-US" dirty="0"/>
           </a:p>
         </p:txBody>
       </p:sp>
@@ -6006,13 +5792,6 @@
       </p:transition>
     </mc:Fallback>
   </mc:AlternateContent>
-  <p:timing>
-    <p:tnLst>
-      <p:par>
-        <p:cTn id="1" dur="indefinite" restart="never" nodeType="tmRoot"/>
-      </p:par>
-    </p:tnLst>
-  </p:timing>
 </p:sld>
 </file>
 
@@ -6301,13 +6080,6 @@
       </p:transition>
     </mc:Fallback>
   </mc:AlternateContent>
-  <p:timing>
-    <p:tnLst>
-      <p:par>
-        <p:cTn id="1" dur="indefinite" restart="never" nodeType="tmRoot"/>
-      </p:par>
-    </p:tnLst>
-  </p:timing>
 </p:sld>
 </file>
 
@@ -6580,13 +6352,6 @@
       </p:transition>
     </mc:Fallback>
   </mc:AlternateContent>
-  <p:timing>
-    <p:tnLst>
-      <p:par>
-        <p:cTn id="1" dur="indefinite" restart="never" nodeType="tmRoot"/>
-      </p:par>
-    </p:tnLst>
-  </p:timing>
 </p:sld>
 </file>
 
@@ -6609,7 +6374,13 @@
       </p:grpSpPr>
       <p:sp>
         <p:nvSpPr>
-          <p:cNvPr id="2" name="投影片編號版面配置區 1"/>
+          <p:cNvPr id="2" name="投影片編號版面配置區 1">
+            <a:extLst>
+              <a:ext uri="{FF2B5EF4-FFF2-40B4-BE49-F238E27FC236}">
+                <a16:creationId xmlns:a16="http://schemas.microsoft.com/office/drawing/2014/main" id="{613323A1-6A28-496C-BC7D-95F6FE6F4048}"/>
+              </a:ext>
+            </a:extLst>
+          </p:cNvPr>
           <p:cNvSpPr>
             <a:spLocks noGrp="1"/>
           </p:cNvSpPr>
@@ -6633,62 +6404,45 @@
       </p:sp>
       <p:sp>
         <p:nvSpPr>
-          <p:cNvPr id="3" name="矩形 2"/>
-          <p:cNvSpPr/>
-          <p:nvPr/>
-        </p:nvSpPr>
-        <p:spPr>
-          <a:xfrm>
-            <a:off x="3591695" y="0"/>
-            <a:ext cx="4810899" cy="983603"/>
-          </a:xfrm>
-          <a:prstGeom prst="rect">
-            <a:avLst/>
-          </a:prstGeom>
-        </p:spPr>
-        <p:txBody>
-          <a:bodyPr wrap="square">
-            <a:spAutoFit/>
-          </a:bodyPr>
+          <p:cNvPr id="3" name="文字版面配置區 2">
+            <a:extLst>
+              <a:ext uri="{FF2B5EF4-FFF2-40B4-BE49-F238E27FC236}">
+                <a16:creationId xmlns:a16="http://schemas.microsoft.com/office/drawing/2014/main" id="{40602AF5-4E4F-4AC5-BB2F-9E489EF1BEFC}"/>
+              </a:ext>
+            </a:extLst>
+          </p:cNvPr>
+          <p:cNvSpPr>
+            <a:spLocks noGrp="1"/>
+          </p:cNvSpPr>
+          <p:nvPr>
+            <p:ph type="body" sz="quarter" idx="13"/>
+          </p:nvPr>
+        </p:nvSpPr>
+        <p:spPr/>
+        <p:txBody>
+          <a:bodyPr/>
           <a:lstStyle/>
           <a:p>
-            <a:pPr algn="ctr">
-              <a:lnSpc>
-                <a:spcPct val="150000"/>
-              </a:lnSpc>
-            </a:pPr>
-            <a:r>
-              <a:rPr lang="zh-TW" altLang="en-US" sz="4400" dirty="0">
-                <a:solidFill>
-                  <a:schemeClr val="bg1"/>
-                </a:solidFill>
+            <a:r>
+              <a:rPr lang="zh-TW" altLang="en-US" dirty="0">
                 <a:latin typeface="+mn-ea"/>
               </a:rPr>
               <a:t>閉包</a:t>
             </a:r>
             <a:r>
-              <a:rPr lang="en-US" altLang="zh-TW" sz="4400" dirty="0">
-                <a:solidFill>
-                  <a:schemeClr val="bg1"/>
-                </a:solidFill>
+              <a:rPr lang="en-US" altLang="zh-TW" dirty="0">
                 <a:latin typeface="+mn-ea"/>
               </a:rPr>
               <a:t>(F</a:t>
             </a:r>
             <a:r>
-              <a:rPr lang="zh-TW" altLang="en-US" sz="4400" dirty="0">
-                <a:solidFill>
-                  <a:schemeClr val="bg1"/>
-                </a:solidFill>
+              <a:rPr lang="zh-TW" altLang="en-US" dirty="0">
                 <a:latin typeface="+mn-ea"/>
               </a:rPr>
               <a:t>unction</a:t>
             </a:r>
             <a:r>
-              <a:rPr lang="en-US" altLang="zh-TW" sz="4400" dirty="0">
-                <a:solidFill>
-                  <a:schemeClr val="bg1"/>
-                </a:solidFill>
+              <a:rPr lang="en-US" altLang="zh-TW" dirty="0">
                 <a:latin typeface="+mn-ea"/>
               </a:rPr>
               <a:t>)</a:t>
@@ -6698,7 +6452,13 @@
       </p:sp>
       <p:pic>
         <p:nvPicPr>
-          <p:cNvPr id="4" name="圖片 3"/>
+          <p:cNvPr id="4" name="圖片 3">
+            <a:extLst>
+              <a:ext uri="{FF2B5EF4-FFF2-40B4-BE49-F238E27FC236}">
+                <a16:creationId xmlns:a16="http://schemas.microsoft.com/office/drawing/2014/main" id="{7F810B1B-5635-48D2-BE01-9419280FF338}"/>
+              </a:ext>
+            </a:extLst>
+          </p:cNvPr>
           <p:cNvPicPr>
             <a:picLocks noChangeAspect="1"/>
           </p:cNvPicPr>
@@ -6718,7 +6478,7 @@
         </p:blipFill>
         <p:spPr>
           <a:xfrm>
-            <a:off x="2706255" y="1184727"/>
+            <a:off x="2718287" y="1256916"/>
             <a:ext cx="6581777" cy="5290495"/>
           </a:xfrm>
           <a:prstGeom prst="rect">
@@ -6729,7 +6489,7 @@
     </p:spTree>
     <p:extLst>
       <p:ext uri="{BB962C8B-B14F-4D97-AF65-F5344CB8AC3E}">
-        <p14:creationId xmlns:p14="http://schemas.microsoft.com/office/powerpoint/2010/main" val="1811974877"/>
+        <p14:creationId xmlns:p14="http://schemas.microsoft.com/office/powerpoint/2010/main" val="875748353"/>
       </p:ext>
     </p:extLst>
   </p:cSld>
@@ -6748,13 +6508,6 @@
       </p:transition>
     </mc:Fallback>
   </mc:AlternateContent>
-  <p:timing>
-    <p:tnLst>
-      <p:par>
-        <p:cTn id="1" dur="indefinite" restart="never" nodeType="tmRoot"/>
-      </p:par>
-    </p:tnLst>
-  </p:timing>
 </p:sld>
 </file>
 
@@ -6862,13 +6615,6 @@
       </p:transition>
     </mc:Fallback>
   </mc:AlternateContent>
-  <p:timing>
-    <p:tnLst>
-      <p:par>
-        <p:cTn id="1" dur="indefinite" restart="never" nodeType="tmRoot"/>
-      </p:par>
-    </p:tnLst>
-  </p:timing>
 </p:sld>
 </file>
 
@@ -6891,7 +6637,13 @@
       </p:grpSpPr>
       <p:sp>
         <p:nvSpPr>
-          <p:cNvPr id="2" name="投影片編號版面配置區 1"/>
+          <p:cNvPr id="2" name="投影片編號版面配置區 1">
+            <a:extLst>
+              <a:ext uri="{FF2B5EF4-FFF2-40B4-BE49-F238E27FC236}">
+                <a16:creationId xmlns:a16="http://schemas.microsoft.com/office/drawing/2014/main" id="{FB61CBBB-E599-424B-8AA5-3A4E2FA32232}"/>
+              </a:ext>
+            </a:extLst>
+          </p:cNvPr>
           <p:cNvSpPr>
             <a:spLocks noGrp="1"/>
           </p:cNvSpPr>
@@ -6915,62 +6667,58 @@
       </p:sp>
       <p:sp>
         <p:nvSpPr>
-          <p:cNvPr id="3" name="文字方塊 2"/>
+          <p:cNvPr id="3" name="文字版面配置區 2">
+            <a:extLst>
+              <a:ext uri="{FF2B5EF4-FFF2-40B4-BE49-F238E27FC236}">
+                <a16:creationId xmlns:a16="http://schemas.microsoft.com/office/drawing/2014/main" id="{B276BE0C-3543-4CD6-B69D-82D557D41A1E}"/>
+              </a:ext>
+            </a:extLst>
+          </p:cNvPr>
+          <p:cNvSpPr>
+            <a:spLocks noGrp="1"/>
+          </p:cNvSpPr>
+          <p:nvPr>
+            <p:ph type="body" sz="quarter" idx="13"/>
+          </p:nvPr>
+        </p:nvSpPr>
+        <p:spPr/>
+        <p:txBody>
+          <a:bodyPr/>
+          <a:lstStyle/>
+          <a:p>
+            <a:r>
+              <a:rPr lang="en-US" altLang="zh-TW" b="1" dirty="0" err="1">
+                <a:latin typeface="+mn-ea"/>
+              </a:rPr>
+              <a:t>useState</a:t>
+            </a:r>
+            <a:r>
+              <a:rPr lang="en-US" altLang="zh-TW" b="1" dirty="0">
+                <a:latin typeface="+mn-ea"/>
+              </a:rPr>
+              <a:t>( )</a:t>
+            </a:r>
+            <a:endParaRPr lang="zh-TW" altLang="en-US" b="1" dirty="0">
+              <a:latin typeface="+mn-ea"/>
+            </a:endParaRPr>
+          </a:p>
+        </p:txBody>
+      </p:sp>
+      <p:sp>
+        <p:nvSpPr>
+          <p:cNvPr id="4" name="文字方塊 3">
+            <a:extLst>
+              <a:ext uri="{FF2B5EF4-FFF2-40B4-BE49-F238E27FC236}">
+                <a16:creationId xmlns:a16="http://schemas.microsoft.com/office/drawing/2014/main" id="{76ABBAB0-F46F-42B4-ADA7-15BBCA53A4BA}"/>
+              </a:ext>
+            </a:extLst>
+          </p:cNvPr>
           <p:cNvSpPr txBox="1"/>
           <p:nvPr/>
         </p:nvSpPr>
         <p:spPr>
           <a:xfrm>
-            <a:off x="4867547" y="358347"/>
-            <a:ext cx="2522807" cy="646331"/>
-          </a:xfrm>
-          <a:prstGeom prst="rect">
-            <a:avLst/>
-          </a:prstGeom>
-          <a:noFill/>
-        </p:spPr>
-        <p:txBody>
-          <a:bodyPr wrap="none" rtlCol="0">
-            <a:spAutoFit/>
-          </a:bodyPr>
-          <a:lstStyle/>
-          <a:p>
-            <a:r>
-              <a:rPr lang="en-US" altLang="zh-TW" sz="3600" b="1" dirty="0" err="1" smtClean="0">
-                <a:solidFill>
-                  <a:schemeClr val="bg1"/>
-                </a:solidFill>
-                <a:latin typeface="+mn-ea"/>
-              </a:rPr>
-              <a:t>useState</a:t>
-            </a:r>
-            <a:r>
-              <a:rPr lang="en-US" altLang="zh-TW" sz="3600" b="1" dirty="0" smtClean="0">
-                <a:solidFill>
-                  <a:schemeClr val="bg1"/>
-                </a:solidFill>
-                <a:latin typeface="+mn-ea"/>
-              </a:rPr>
-              <a:t>( )</a:t>
-            </a:r>
-            <a:endParaRPr lang="zh-TW" altLang="en-US" sz="3600" b="1" dirty="0">
-              <a:solidFill>
-                <a:schemeClr val="bg1"/>
-              </a:solidFill>
-              <a:latin typeface="+mn-ea"/>
-            </a:endParaRPr>
-          </a:p>
-        </p:txBody>
-      </p:sp>
-      <p:sp>
-        <p:nvSpPr>
-          <p:cNvPr id="4" name="文字方塊 3"/>
-          <p:cNvSpPr txBox="1"/>
-          <p:nvPr/>
-        </p:nvSpPr>
-        <p:spPr>
-          <a:xfrm>
-            <a:off x="1470455" y="2125363"/>
+            <a:off x="1362171" y="1884732"/>
             <a:ext cx="4324865" cy="2585323"/>
           </a:xfrm>
           <a:prstGeom prst="rect">
@@ -6992,7 +6740,7 @@
               <a:buChar char="•"/>
             </a:pPr>
             <a:r>
-              <a:rPr lang="zh-TW" altLang="en-US" sz="3600" dirty="0" smtClean="0">
+              <a:rPr lang="zh-TW" altLang="en-US" sz="3600" dirty="0">
                 <a:solidFill>
                   <a:schemeClr val="bg1">
                     <a:lumMod val="85000"/>
@@ -7002,7 +6750,7 @@
               </a:rPr>
               <a:t>儲存變數</a:t>
             </a:r>
-            <a:endParaRPr lang="en-US" altLang="zh-TW" sz="3600" dirty="0" smtClean="0">
+            <a:endParaRPr lang="en-US" altLang="zh-TW" sz="3600" dirty="0">
               <a:solidFill>
                 <a:schemeClr val="bg1">
                   <a:lumMod val="85000"/>
@@ -7020,7 +6768,7 @@
               <a:buChar char="•"/>
             </a:pPr>
             <a:r>
-              <a:rPr lang="zh-TW" altLang="en-US" sz="3600" dirty="0" smtClean="0">
+              <a:rPr lang="zh-TW" altLang="en-US" sz="3600" dirty="0">
                 <a:solidFill>
                   <a:schemeClr val="bg1">
                     <a:lumMod val="85000"/>
@@ -7030,7 +6778,7 @@
               </a:rPr>
               <a:t>提供修改方式</a:t>
             </a:r>
-            <a:endParaRPr lang="en-US" altLang="zh-TW" sz="3600" dirty="0" smtClean="0">
+            <a:endParaRPr lang="en-US" altLang="zh-TW" sz="3600" dirty="0">
               <a:solidFill>
                 <a:schemeClr val="bg1">
                   <a:lumMod val="85000"/>
@@ -7048,7 +6796,7 @@
               <a:buChar char="•"/>
             </a:pPr>
             <a:r>
-              <a:rPr lang="zh-TW" altLang="en-US" sz="3600" dirty="0" smtClean="0">
+              <a:rPr lang="zh-TW" altLang="en-US" sz="3600" dirty="0">
                 <a:solidFill>
                   <a:schemeClr val="bg1">
                     <a:lumMod val="85000"/>
@@ -7058,21 +6806,13 @@
               </a:rPr>
               <a:t>改變時會渲染頁面</a:t>
             </a:r>
-            <a:endParaRPr lang="zh-TW" altLang="en-US" sz="3600" dirty="0">
-              <a:solidFill>
-                <a:schemeClr val="bg1">
-                  <a:lumMod val="85000"/>
-                </a:schemeClr>
-              </a:solidFill>
-              <a:latin typeface="+mn-ea"/>
-            </a:endParaRPr>
           </a:p>
         </p:txBody>
       </p:sp>
     </p:spTree>
     <p:extLst>
       <p:ext uri="{BB962C8B-B14F-4D97-AF65-F5344CB8AC3E}">
-        <p14:creationId xmlns:p14="http://schemas.microsoft.com/office/powerpoint/2010/main" val="970922005"/>
+        <p14:creationId xmlns:p14="http://schemas.microsoft.com/office/powerpoint/2010/main" val="2784849930"/>
       </p:ext>
     </p:extLst>
   </p:cSld>
@@ -7091,13 +6831,6 @@
       </p:transition>
     </mc:Fallback>
   </mc:AlternateContent>
-  <p:timing>
-    <p:tnLst>
-      <p:par>
-        <p:cTn id="1" dur="indefinite" restart="never" nodeType="tmRoot"/>
-      </p:par>
-    </p:tnLst>
-  </p:timing>
 </p:sld>
 </file>
 
@@ -7137,297 +6870,6 @@
               <a:rPr lang="en-US" smtClean="0"/>
               <a:pPr/>
               <a:t>15</a:t>
-            </a:fld>
-            <a:endParaRPr lang="en-US" dirty="0"/>
-          </a:p>
-        </p:txBody>
-      </p:sp>
-      <p:sp>
-        <p:nvSpPr>
-          <p:cNvPr id="3" name="文字方塊 2"/>
-          <p:cNvSpPr txBox="1"/>
-          <p:nvPr/>
-        </p:nvSpPr>
-        <p:spPr>
-          <a:xfrm>
-            <a:off x="3472248" y="556054"/>
-            <a:ext cx="5537670" cy="769441"/>
-          </a:xfrm>
-          <a:prstGeom prst="rect">
-            <a:avLst/>
-          </a:prstGeom>
-          <a:noFill/>
-        </p:spPr>
-        <p:txBody>
-          <a:bodyPr wrap="none" rtlCol="0">
-            <a:spAutoFit/>
-          </a:bodyPr>
-          <a:lstStyle/>
-          <a:p>
-            <a:r>
-              <a:rPr lang="en-US" altLang="zh-TW" sz="4400" dirty="0" err="1" smtClean="0">
-                <a:solidFill>
-                  <a:schemeClr val="bg1"/>
-                </a:solidFill>
-                <a:latin typeface="+mj-ea"/>
-                <a:ea typeface="+mj-ea"/>
-              </a:rPr>
-              <a:t>RenderWithHooks</a:t>
-            </a:r>
-            <a:r>
-              <a:rPr lang="en-US" altLang="zh-TW" sz="4400" dirty="0" smtClean="0">
-                <a:solidFill>
-                  <a:schemeClr val="bg1"/>
-                </a:solidFill>
-                <a:latin typeface="+mj-ea"/>
-                <a:ea typeface="+mj-ea"/>
-              </a:rPr>
-              <a:t>( )</a:t>
-            </a:r>
-            <a:endParaRPr lang="zh-TW" altLang="en-US" sz="4400" dirty="0">
-              <a:solidFill>
-                <a:schemeClr val="bg1"/>
-              </a:solidFill>
-              <a:latin typeface="+mj-ea"/>
-              <a:ea typeface="+mj-ea"/>
-            </a:endParaRPr>
-          </a:p>
-        </p:txBody>
-      </p:sp>
-      <p:sp>
-        <p:nvSpPr>
-          <p:cNvPr id="4" name="文字方塊 3"/>
-          <p:cNvSpPr txBox="1"/>
-          <p:nvPr/>
-        </p:nvSpPr>
-        <p:spPr>
-          <a:xfrm>
-            <a:off x="2274542" y="2150074"/>
-            <a:ext cx="7573794" cy="2691314"/>
-          </a:xfrm>
-          <a:prstGeom prst="rect">
-            <a:avLst/>
-          </a:prstGeom>
-          <a:noFill/>
-        </p:spPr>
-        <p:txBody>
-          <a:bodyPr wrap="square" rtlCol="0">
-            <a:spAutoFit/>
-          </a:bodyPr>
-          <a:lstStyle/>
-          <a:p>
-            <a:pPr algn="ctr"/>
-            <a:r>
-              <a:rPr lang="zh-TW" altLang="en-US" sz="3600" dirty="0" smtClean="0">
-                <a:solidFill>
-                  <a:schemeClr val="bg1">
-                    <a:lumMod val="85000"/>
-                  </a:schemeClr>
-                </a:solidFill>
-                <a:latin typeface="+mj-ea"/>
-                <a:ea typeface="+mj-ea"/>
-              </a:rPr>
-              <a:t>確認現在數值與前數值是否相等 </a:t>
-            </a:r>
-            <a:r>
-              <a:rPr lang="en-US" altLang="zh-TW" sz="3600" dirty="0" smtClean="0">
-                <a:solidFill>
-                  <a:schemeClr val="bg1">
-                    <a:lumMod val="85000"/>
-                  </a:schemeClr>
-                </a:solidFill>
-                <a:latin typeface="+mj-ea"/>
-                <a:ea typeface="+mj-ea"/>
-              </a:rPr>
-              <a:t>?</a:t>
-            </a:r>
-          </a:p>
-          <a:p>
-            <a:pPr algn="ctr">
-              <a:lnSpc>
-                <a:spcPct val="200000"/>
-              </a:lnSpc>
-            </a:pPr>
-            <a:r>
-              <a:rPr lang="zh-TW" altLang="en-US" sz="3600" dirty="0">
-                <a:solidFill>
-                  <a:schemeClr val="bg1">
-                    <a:lumMod val="85000"/>
-                  </a:schemeClr>
-                </a:solidFill>
-                <a:latin typeface="+mj-ea"/>
-                <a:ea typeface="+mj-ea"/>
-              </a:rPr>
-              <a:t>不相等 </a:t>
-            </a:r>
-            <a:r>
-              <a:rPr lang="en-US" altLang="zh-TW" sz="3600" dirty="0">
-                <a:solidFill>
-                  <a:schemeClr val="bg1">
-                    <a:lumMod val="85000"/>
-                  </a:schemeClr>
-                </a:solidFill>
-                <a:latin typeface="+mj-ea"/>
-                <a:ea typeface="+mj-ea"/>
-              </a:rPr>
-              <a:t>=&gt;</a:t>
-            </a:r>
-            <a:r>
-              <a:rPr lang="zh-TW" altLang="en-US" sz="3600" dirty="0">
-                <a:solidFill>
-                  <a:schemeClr val="bg1">
-                    <a:lumMod val="85000"/>
-                  </a:schemeClr>
-                </a:solidFill>
-                <a:latin typeface="+mj-ea"/>
-                <a:ea typeface="+mj-ea"/>
-              </a:rPr>
-              <a:t>渲染頁面</a:t>
-            </a:r>
-            <a:endParaRPr lang="en-US" altLang="zh-TW" sz="3600" dirty="0">
-              <a:solidFill>
-                <a:schemeClr val="bg1">
-                  <a:lumMod val="85000"/>
-                </a:schemeClr>
-              </a:solidFill>
-              <a:latin typeface="+mj-ea"/>
-              <a:ea typeface="+mj-ea"/>
-            </a:endParaRPr>
-          </a:p>
-          <a:p>
-            <a:pPr algn="ctr">
-              <a:lnSpc>
-                <a:spcPct val="200000"/>
-              </a:lnSpc>
-            </a:pPr>
-            <a:r>
-              <a:rPr lang="zh-TW" altLang="en-US" sz="3600" dirty="0" smtClean="0">
-                <a:solidFill>
-                  <a:schemeClr val="bg1">
-                    <a:lumMod val="85000"/>
-                  </a:schemeClr>
-                </a:solidFill>
-                <a:latin typeface="+mj-ea"/>
-                <a:ea typeface="+mj-ea"/>
-              </a:rPr>
-              <a:t>相等 </a:t>
-            </a:r>
-            <a:r>
-              <a:rPr lang="en-US" altLang="zh-TW" sz="3600" dirty="0">
-                <a:solidFill>
-                  <a:schemeClr val="bg1">
-                    <a:lumMod val="85000"/>
-                  </a:schemeClr>
-                </a:solidFill>
-                <a:latin typeface="+mj-ea"/>
-                <a:ea typeface="+mj-ea"/>
-              </a:rPr>
-              <a:t>=&gt;</a:t>
-            </a:r>
-            <a:r>
-              <a:rPr lang="zh-TW" altLang="en-US" sz="3600" dirty="0">
-                <a:solidFill>
-                  <a:schemeClr val="bg1">
-                    <a:lumMod val="85000"/>
-                  </a:schemeClr>
-                </a:solidFill>
-                <a:latin typeface="+mj-ea"/>
-                <a:ea typeface="+mj-ea"/>
-              </a:rPr>
-              <a:t>不渲染頁</a:t>
-            </a:r>
-            <a:r>
-              <a:rPr lang="zh-TW" altLang="en-US" sz="3600" dirty="0" smtClean="0">
-                <a:solidFill>
-                  <a:schemeClr val="bg1">
-                    <a:lumMod val="85000"/>
-                  </a:schemeClr>
-                </a:solidFill>
-                <a:latin typeface="+mj-ea"/>
-                <a:ea typeface="+mj-ea"/>
-              </a:rPr>
-              <a:t>面</a:t>
-            </a:r>
-            <a:endParaRPr lang="zh-TW" altLang="en-US" sz="3600" dirty="0">
-              <a:solidFill>
-                <a:schemeClr val="bg1">
-                  <a:lumMod val="85000"/>
-                </a:schemeClr>
-              </a:solidFill>
-              <a:latin typeface="+mj-ea"/>
-              <a:ea typeface="+mj-ea"/>
-            </a:endParaRPr>
-          </a:p>
-        </p:txBody>
-      </p:sp>
-    </p:spTree>
-    <p:extLst>
-      <p:ext uri="{BB962C8B-B14F-4D97-AF65-F5344CB8AC3E}">
-        <p14:creationId xmlns:p14="http://schemas.microsoft.com/office/powerpoint/2010/main" val="1760001997"/>
-      </p:ext>
-    </p:extLst>
-  </p:cSld>
-  <p:clrMapOvr>
-    <a:masterClrMapping/>
-  </p:clrMapOvr>
-  <mc:AlternateContent xmlns:mc="http://schemas.openxmlformats.org/markup-compatibility/2006" xmlns:p14="http://schemas.microsoft.com/office/powerpoint/2010/main">
-    <mc:Choice Requires="p14">
-      <p:transition p14:dur="160">
-        <p:fade/>
-      </p:transition>
-    </mc:Choice>
-    <mc:Fallback xmlns="">
-      <p:transition>
-        <p:fade/>
-      </p:transition>
-    </mc:Fallback>
-  </mc:AlternateContent>
-  <p:timing>
-    <p:tnLst>
-      <p:par>
-        <p:cTn id="1" dur="indefinite" restart="never" nodeType="tmRoot"/>
-      </p:par>
-    </p:tnLst>
-  </p:timing>
-</p:sld>
-</file>
-
-<file path=ppt/slides/slide16.xml><?xml version="1.0" encoding="utf-8"?>
-<p:sld xmlns:a="http://schemas.openxmlformats.org/drawingml/2006/main" xmlns:r="http://schemas.openxmlformats.org/officeDocument/2006/relationships" xmlns:p="http://schemas.openxmlformats.org/presentationml/2006/main">
-  <p:cSld>
-    <p:spTree>
-      <p:nvGrpSpPr>
-        <p:cNvPr id="1" name=""/>
-        <p:cNvGrpSpPr/>
-        <p:nvPr/>
-      </p:nvGrpSpPr>
-      <p:grpSpPr>
-        <a:xfrm>
-          <a:off x="0" y="0"/>
-          <a:ext cx="0" cy="0"/>
-          <a:chOff x="0" y="0"/>
-          <a:chExt cx="0" cy="0"/>
-        </a:xfrm>
-      </p:grpSpPr>
-      <p:sp>
-        <p:nvSpPr>
-          <p:cNvPr id="2" name="投影片編號版面配置區 1"/>
-          <p:cNvSpPr>
-            <a:spLocks noGrp="1"/>
-          </p:cNvSpPr>
-          <p:nvPr>
-            <p:ph type="sldNum" sz="quarter" idx="12"/>
-          </p:nvPr>
-        </p:nvSpPr>
-        <p:spPr/>
-        <p:txBody>
-          <a:bodyPr/>
-          <a:lstStyle/>
-          <a:p>
-            <a:fld id="{4FAB73BC-B049-4115-A692-8D63A059BFB8}" type="slidenum">
-              <a:rPr lang="en-US" smtClean="0"/>
-              <a:pPr/>
-              <a:t>16</a:t>
             </a:fld>
             <a:endParaRPr lang="en-US" dirty="0"/>
           </a:p>
@@ -7527,7 +6969,7 @@
                     <a:p>
                       <a:pPr algn="ctr"/>
                       <a:r>
-                        <a:rPr lang="en-US" altLang="zh-TW" sz="3600" b="1" spc="300" dirty="0" smtClean="0">
+                        <a:rPr lang="en-US" altLang="zh-TW" sz="3600" b="1" spc="300" dirty="0">
                           <a:solidFill>
                             <a:schemeClr val="bg1"/>
                           </a:solidFill>
@@ -7598,7 +7040,7 @@
                     <a:p>
                       <a:pPr algn="ctr"/>
                       <a:r>
-                        <a:rPr lang="en-US" altLang="zh-TW" sz="3600" b="1" spc="300" dirty="0" smtClean="0">
+                        <a:rPr lang="en-US" altLang="zh-TW" sz="3600" b="1" spc="300" dirty="0">
                           <a:solidFill>
                             <a:schemeClr val="bg1"/>
                           </a:solidFill>
@@ -7650,7 +7092,7 @@
                     <a:p>
                       <a:pPr algn="r"/>
                       <a:r>
-                        <a:rPr lang="en-US" altLang="zh-TW" sz="3600" b="1" spc="300" dirty="0" smtClean="0">
+                        <a:rPr lang="en-US" altLang="zh-TW" sz="3600" b="1" spc="300" dirty="0">
                           <a:solidFill>
                             <a:schemeClr val="bg1"/>
                           </a:solidFill>
@@ -7718,7 +7160,7 @@
                         <a:defRPr/>
                       </a:pPr>
                       <a:r>
-                        <a:rPr lang="en-US" altLang="zh-TW" sz="2800" dirty="0" smtClean="0">
+                        <a:rPr lang="en-US" altLang="zh-TW" sz="2800" dirty="0">
                           <a:solidFill>
                             <a:schemeClr val="bg1">
                               <a:lumMod val="85000"/>
@@ -7729,7 +7171,7 @@
                         <a:t>X = </a:t>
                       </a:r>
                       <a:r>
-                        <a:rPr lang="en-US" altLang="zh-TW" sz="2800" dirty="0" smtClean="0">
+                        <a:rPr lang="en-US" altLang="zh-TW" sz="2800" dirty="0">
                           <a:solidFill>
                             <a:schemeClr val="accent1"/>
                           </a:solidFill>
@@ -7737,7 +7179,7 @@
                         </a:rPr>
                         <a:t>1</a:t>
                       </a:r>
-                      <a:endParaRPr lang="zh-TW" altLang="en-US" sz="2800" dirty="0" smtClean="0">
+                      <a:endParaRPr lang="zh-TW" altLang="en-US" sz="2800" dirty="0">
                         <a:solidFill>
                           <a:schemeClr val="accent1"/>
                         </a:solidFill>
@@ -7811,7 +7253,7 @@
                         <a:defRPr/>
                       </a:pPr>
                       <a:r>
-                        <a:rPr lang="en-US" altLang="zh-TW" sz="2800" dirty="0" smtClean="0">
+                        <a:rPr lang="en-US" altLang="zh-TW" sz="2800" dirty="0">
                           <a:solidFill>
                             <a:schemeClr val="bg1">
                               <a:lumMod val="85000"/>
@@ -7822,7 +7264,7 @@
                         <a:t>&lt;</a:t>
                       </a:r>
                       <a:r>
-                        <a:rPr lang="en-US" altLang="zh-TW" sz="2800" dirty="0" smtClean="0">
+                        <a:rPr lang="en-US" altLang="zh-TW" sz="2800" dirty="0">
                           <a:solidFill>
                             <a:srgbClr val="FF0000"/>
                           </a:solidFill>
@@ -7831,7 +7273,7 @@
                         <a:t>div</a:t>
                       </a:r>
                       <a:r>
-                        <a:rPr lang="en-US" altLang="zh-TW" sz="2800" dirty="0" smtClean="0">
+                        <a:rPr lang="en-US" altLang="zh-TW" sz="2800" dirty="0">
                           <a:solidFill>
                             <a:schemeClr val="bg1">
                               <a:lumMod val="85000"/>
@@ -7842,7 +7284,7 @@
                         <a:t>&gt; </a:t>
                       </a:r>
                       <a:r>
-                        <a:rPr lang="en-US" altLang="zh-TW" sz="2800" dirty="0" smtClean="0">
+                        <a:rPr lang="en-US" altLang="zh-TW" sz="2800" dirty="0">
                           <a:solidFill>
                             <a:schemeClr val="accent1">
                               <a:lumMod val="75000"/>
@@ -7853,7 +7295,7 @@
                         <a:t>1</a:t>
                       </a:r>
                       <a:r>
-                        <a:rPr lang="en-US" altLang="zh-TW" sz="2800" dirty="0" smtClean="0">
+                        <a:rPr lang="en-US" altLang="zh-TW" sz="2800" dirty="0">
                           <a:solidFill>
                             <a:schemeClr val="bg1">
                               <a:lumMod val="85000"/>
@@ -7861,21 +7303,10 @@
                           </a:solidFill>
                           <a:latin typeface="Arial Black" panose="020B0A04020102020204" pitchFamily="34" charset="0"/>
                         </a:rPr>
-                        <a:t> </a:t>
+                        <a:t> &lt;/</a:t>
                       </a:r>
                       <a:r>
-                        <a:rPr lang="en-US" altLang="zh-TW" sz="2800" dirty="0" smtClean="0">
-                          <a:solidFill>
-                            <a:schemeClr val="bg1">
-                              <a:lumMod val="85000"/>
-                            </a:schemeClr>
-                          </a:solidFill>
-                          <a:latin typeface="Arial Black" panose="020B0A04020102020204" pitchFamily="34" charset="0"/>
-                        </a:rPr>
-                        <a:t>&lt;/</a:t>
-                      </a:r>
-                      <a:r>
-                        <a:rPr lang="en-US" altLang="zh-TW" sz="2800" dirty="0" smtClean="0">
+                        <a:rPr lang="en-US" altLang="zh-TW" sz="2800" dirty="0">
                           <a:solidFill>
                             <a:srgbClr val="FF0000"/>
                           </a:solidFill>
@@ -7884,7 +7315,7 @@
                         <a:t>div</a:t>
                       </a:r>
                       <a:r>
-                        <a:rPr lang="en-US" altLang="zh-TW" sz="2800" dirty="0" smtClean="0">
+                        <a:rPr lang="en-US" altLang="zh-TW" sz="2800" dirty="0">
                           <a:solidFill>
                             <a:schemeClr val="bg1">
                               <a:lumMod val="85000"/>
@@ -7894,7 +7325,7 @@
                         </a:rPr>
                         <a:t>&gt;</a:t>
                       </a:r>
-                      <a:endParaRPr lang="zh-TW" altLang="en-US" sz="2800" dirty="0" smtClean="0">
+                      <a:endParaRPr lang="zh-TW" altLang="en-US" sz="2800" dirty="0">
                         <a:solidFill>
                           <a:schemeClr val="bg1">
                             <a:lumMod val="85000"/>
@@ -7950,7 +7381,7 @@
                     <a:p>
                       <a:pPr algn="r"/>
                       <a:r>
-                        <a:rPr lang="en-US" altLang="zh-TW" sz="3600" b="1" spc="300" dirty="0" smtClean="0">
+                        <a:rPr lang="en-US" altLang="zh-TW" sz="3600" b="1" spc="300" dirty="0">
                           <a:solidFill>
                             <a:schemeClr val="bg1"/>
                           </a:solidFill>
@@ -8021,7 +7452,7 @@
                         <a:defRPr/>
                       </a:pPr>
                       <a:r>
-                        <a:rPr lang="en-US" altLang="zh-TW" sz="2800" dirty="0" smtClean="0">
+                        <a:rPr lang="en-US" altLang="zh-TW" sz="2800" dirty="0">
                           <a:solidFill>
                             <a:schemeClr val="bg1">
                               <a:lumMod val="85000"/>
@@ -8032,7 +7463,7 @@
                         <a:t>X = </a:t>
                       </a:r>
                       <a:r>
-                        <a:rPr lang="en-US" altLang="zh-TW" sz="2800" dirty="0" smtClean="0">
+                        <a:rPr lang="en-US" altLang="zh-TW" sz="2800" dirty="0">
                           <a:solidFill>
                             <a:schemeClr val="accent1"/>
                           </a:solidFill>
@@ -8040,7 +7471,7 @@
                         </a:rPr>
                         <a:t>9</a:t>
                       </a:r>
-                      <a:endParaRPr lang="zh-TW" altLang="en-US" sz="2800" dirty="0" smtClean="0">
+                      <a:endParaRPr lang="zh-TW" altLang="en-US" sz="2800" dirty="0">
                         <a:solidFill>
                           <a:schemeClr val="accent1"/>
                         </a:solidFill>
@@ -8114,7 +7545,7 @@
                         <a:defRPr/>
                       </a:pPr>
                       <a:r>
-                        <a:rPr lang="en-US" altLang="zh-TW" sz="2800" dirty="0" smtClean="0">
+                        <a:rPr lang="en-US" altLang="zh-TW" sz="2800" dirty="0">
                           <a:solidFill>
                             <a:schemeClr val="bg1">
                               <a:lumMod val="85000"/>
@@ -8125,7 +7556,7 @@
                         <a:t>&lt;</a:t>
                       </a:r>
                       <a:r>
-                        <a:rPr lang="en-US" altLang="zh-TW" sz="2800" dirty="0" smtClean="0">
+                        <a:rPr lang="en-US" altLang="zh-TW" sz="2800" dirty="0">
                           <a:solidFill>
                             <a:srgbClr val="FF0000"/>
                           </a:solidFill>
@@ -8134,7 +7565,7 @@
                         <a:t>div</a:t>
                       </a:r>
                       <a:r>
-                        <a:rPr lang="en-US" altLang="zh-TW" sz="2800" dirty="0" smtClean="0">
+                        <a:rPr lang="en-US" altLang="zh-TW" sz="2800" dirty="0">
                           <a:solidFill>
                             <a:schemeClr val="bg1">
                               <a:lumMod val="85000"/>
@@ -8145,7 +7576,7 @@
                         <a:t>&gt; </a:t>
                       </a:r>
                       <a:r>
-                        <a:rPr lang="en-US" altLang="zh-TW" sz="2800" dirty="0" smtClean="0">
+                        <a:rPr lang="en-US" altLang="zh-TW" sz="2800" dirty="0">
                           <a:solidFill>
                             <a:schemeClr val="accent1">
                               <a:lumMod val="75000"/>
@@ -8156,7 +7587,7 @@
                         <a:t>9</a:t>
                       </a:r>
                       <a:r>
-                        <a:rPr lang="en-US" altLang="zh-TW" sz="2800" dirty="0" smtClean="0">
+                        <a:rPr lang="en-US" altLang="zh-TW" sz="2800" dirty="0">
                           <a:solidFill>
                             <a:schemeClr val="bg1">
                               <a:lumMod val="85000"/>
@@ -8167,7 +7598,7 @@
                         <a:t> &lt;/</a:t>
                       </a:r>
                       <a:r>
-                        <a:rPr lang="en-US" altLang="zh-TW" sz="2800" dirty="0" smtClean="0">
+                        <a:rPr lang="en-US" altLang="zh-TW" sz="2800" dirty="0">
                           <a:solidFill>
                             <a:srgbClr val="FF0000"/>
                           </a:solidFill>
@@ -8176,7 +7607,7 @@
                         <a:t>div</a:t>
                       </a:r>
                       <a:r>
-                        <a:rPr lang="en-US" altLang="zh-TW" sz="2800" dirty="0" smtClean="0">
+                        <a:rPr lang="en-US" altLang="zh-TW" sz="2800" dirty="0">
                           <a:solidFill>
                             <a:schemeClr val="bg1">
                               <a:lumMod val="85000"/>
@@ -8186,7 +7617,7 @@
                         </a:rPr>
                         <a:t>&gt;</a:t>
                       </a:r>
-                      <a:endParaRPr lang="zh-TW" altLang="en-US" sz="2800" dirty="0" smtClean="0">
+                      <a:endParaRPr lang="zh-TW" altLang="en-US" sz="2800" dirty="0">
                         <a:solidFill>
                           <a:schemeClr val="bg1">
                             <a:lumMod val="85000"/>
@@ -8289,7 +7720,7 @@
         </p:nvSpPr>
         <p:spPr>
           <a:xfrm>
-            <a:off x="8720436" y="3991233"/>
+            <a:off x="8732468" y="3991233"/>
             <a:ext cx="321275" cy="358346"/>
           </a:xfrm>
           <a:prstGeom prst="downArrow">
@@ -8343,13 +7774,521 @@
       </p:transition>
     </mc:Fallback>
   </mc:AlternateContent>
-  <p:timing>
-    <p:tnLst>
-      <p:par>
-        <p:cTn id="1" dur="indefinite" restart="never" nodeType="tmRoot"/>
-      </p:par>
-    </p:tnLst>
-  </p:timing>
+</p:sld>
+</file>
+
+<file path=ppt/slides/slide16.xml><?xml version="1.0" encoding="utf-8"?>
+<p:sld xmlns:a="http://schemas.openxmlformats.org/drawingml/2006/main" xmlns:r="http://schemas.openxmlformats.org/officeDocument/2006/relationships" xmlns:p="http://schemas.openxmlformats.org/presentationml/2006/main">
+  <p:cSld>
+    <p:spTree>
+      <p:nvGrpSpPr>
+        <p:cNvPr id="1" name=""/>
+        <p:cNvGrpSpPr/>
+        <p:nvPr/>
+      </p:nvGrpSpPr>
+      <p:grpSpPr>
+        <a:xfrm>
+          <a:off x="0" y="0"/>
+          <a:ext cx="0" cy="0"/>
+          <a:chOff x="0" y="0"/>
+          <a:chExt cx="0" cy="0"/>
+        </a:xfrm>
+      </p:grpSpPr>
+      <p:sp>
+        <p:nvSpPr>
+          <p:cNvPr id="2" name="投影片編號版面配置區 1">
+            <a:extLst>
+              <a:ext uri="{FF2B5EF4-FFF2-40B4-BE49-F238E27FC236}">
+                <a16:creationId xmlns:a16="http://schemas.microsoft.com/office/drawing/2014/main" id="{0CB87D7D-1429-43E9-B330-2C704EECF544}"/>
+              </a:ext>
+            </a:extLst>
+          </p:cNvPr>
+          <p:cNvSpPr>
+            <a:spLocks noGrp="1"/>
+          </p:cNvSpPr>
+          <p:nvPr>
+            <p:ph type="sldNum" sz="quarter" idx="12"/>
+          </p:nvPr>
+        </p:nvSpPr>
+        <p:spPr/>
+        <p:txBody>
+          <a:bodyPr/>
+          <a:lstStyle/>
+          <a:p>
+            <a:fld id="{4FAB73BC-B049-4115-A692-8D63A059BFB8}" type="slidenum">
+              <a:rPr lang="en-US" smtClean="0"/>
+              <a:pPr/>
+              <a:t>16</a:t>
+            </a:fld>
+            <a:endParaRPr lang="en-US" dirty="0"/>
+          </a:p>
+        </p:txBody>
+      </p:sp>
+      <p:sp>
+        <p:nvSpPr>
+          <p:cNvPr id="3" name="文字方塊 2">
+            <a:extLst>
+              <a:ext uri="{FF2B5EF4-FFF2-40B4-BE49-F238E27FC236}">
+                <a16:creationId xmlns:a16="http://schemas.microsoft.com/office/drawing/2014/main" id="{BA7495F2-4888-409C-98FF-A550A3CC5033}"/>
+              </a:ext>
+            </a:extLst>
+          </p:cNvPr>
+          <p:cNvSpPr txBox="1"/>
+          <p:nvPr/>
+        </p:nvSpPr>
+        <p:spPr>
+          <a:xfrm>
+            <a:off x="1566123" y="1176171"/>
+            <a:ext cx="8898718" cy="523220"/>
+          </a:xfrm>
+          <a:prstGeom prst="rect">
+            <a:avLst/>
+          </a:prstGeom>
+          <a:noFill/>
+        </p:spPr>
+        <p:txBody>
+          <a:bodyPr wrap="none" rtlCol="0">
+            <a:spAutoFit/>
+          </a:bodyPr>
+          <a:lstStyle/>
+          <a:p>
+            <a:r>
+              <a:rPr lang="en-US" altLang="zh-TW" sz="2800" spc="300" dirty="0">
+                <a:solidFill>
+                  <a:schemeClr val="accent5">
+                    <a:lumMod val="60000"/>
+                    <a:lumOff val="40000"/>
+                  </a:schemeClr>
+                </a:solidFill>
+                <a:latin typeface="Arial Black" panose="020B0A04020102020204" pitchFamily="34" charset="0"/>
+                <a:ea typeface="+mj-ea"/>
+              </a:rPr>
+              <a:t>Const</a:t>
+            </a:r>
+            <a:r>
+              <a:rPr lang="en-US" altLang="zh-TW" sz="2800" spc="300" dirty="0">
+                <a:solidFill>
+                  <a:schemeClr val="bg1">
+                    <a:lumMod val="85000"/>
+                  </a:schemeClr>
+                </a:solidFill>
+                <a:latin typeface="Arial Black" panose="020B0A04020102020204" pitchFamily="34" charset="0"/>
+                <a:ea typeface="+mj-ea"/>
+              </a:rPr>
+              <a:t> [ </a:t>
+            </a:r>
+            <a:r>
+              <a:rPr lang="en-US" altLang="zh-TW" sz="2800" spc="300" dirty="0">
+                <a:solidFill>
+                  <a:schemeClr val="accent2">
+                    <a:lumMod val="40000"/>
+                    <a:lumOff val="60000"/>
+                  </a:schemeClr>
+                </a:solidFill>
+                <a:latin typeface="Arial Black" panose="020B0A04020102020204" pitchFamily="34" charset="0"/>
+                <a:ea typeface="+mj-ea"/>
+              </a:rPr>
+              <a:t>Value</a:t>
+            </a:r>
+            <a:r>
+              <a:rPr lang="en-US" altLang="zh-TW" sz="2800" spc="300" dirty="0">
+                <a:solidFill>
+                  <a:schemeClr val="bg1">
+                    <a:lumMod val="85000"/>
+                  </a:schemeClr>
+                </a:solidFill>
+                <a:latin typeface="Arial Black" panose="020B0A04020102020204" pitchFamily="34" charset="0"/>
+                <a:ea typeface="+mj-ea"/>
+              </a:rPr>
+              <a:t>, </a:t>
+            </a:r>
+            <a:r>
+              <a:rPr lang="en-US" altLang="zh-TW" sz="2800" spc="300" dirty="0">
+                <a:solidFill>
+                  <a:schemeClr val="accent2">
+                    <a:lumMod val="60000"/>
+                    <a:lumOff val="40000"/>
+                  </a:schemeClr>
+                </a:solidFill>
+                <a:latin typeface="Arial Black" panose="020B0A04020102020204" pitchFamily="34" charset="0"/>
+                <a:ea typeface="+mj-ea"/>
+              </a:rPr>
+              <a:t>Dispatcher</a:t>
+            </a:r>
+            <a:r>
+              <a:rPr lang="en-US" altLang="zh-TW" sz="2800" spc="300" dirty="0">
+                <a:solidFill>
+                  <a:schemeClr val="bg1">
+                    <a:lumMod val="85000"/>
+                  </a:schemeClr>
+                </a:solidFill>
+                <a:latin typeface="Arial Black" panose="020B0A04020102020204" pitchFamily="34" charset="0"/>
+                <a:ea typeface="+mj-ea"/>
+              </a:rPr>
+              <a:t> ] = </a:t>
+            </a:r>
+            <a:r>
+              <a:rPr lang="en-US" altLang="zh-TW" sz="2800" b="1" dirty="0" err="1">
+                <a:solidFill>
+                  <a:schemeClr val="bg1"/>
+                </a:solidFill>
+                <a:latin typeface="+mn-ea"/>
+              </a:rPr>
+              <a:t>useState</a:t>
+            </a:r>
+            <a:r>
+              <a:rPr lang="en-US" altLang="zh-TW" sz="2800" b="1" dirty="0">
+                <a:solidFill>
+                  <a:schemeClr val="bg1"/>
+                </a:solidFill>
+                <a:latin typeface="+mn-ea"/>
+              </a:rPr>
+              <a:t>()</a:t>
+            </a:r>
+            <a:r>
+              <a:rPr lang="en-US" altLang="zh-TW" sz="2800" spc="300" dirty="0">
+                <a:solidFill>
+                  <a:schemeClr val="bg1">
+                    <a:lumMod val="85000"/>
+                  </a:schemeClr>
+                </a:solidFill>
+                <a:latin typeface="Arial Black" panose="020B0A04020102020204" pitchFamily="34" charset="0"/>
+                <a:ea typeface="+mj-ea"/>
+              </a:rPr>
+              <a:t> </a:t>
+            </a:r>
+            <a:endParaRPr lang="zh-TW" altLang="en-US" sz="2800" spc="300" dirty="0">
+              <a:solidFill>
+                <a:schemeClr val="bg1">
+                  <a:lumMod val="85000"/>
+                </a:schemeClr>
+              </a:solidFill>
+              <a:latin typeface="Arial Black" panose="020B0A04020102020204" pitchFamily="34" charset="0"/>
+              <a:ea typeface="+mj-ea"/>
+            </a:endParaRPr>
+          </a:p>
+        </p:txBody>
+      </p:sp>
+      <p:graphicFrame>
+        <p:nvGraphicFramePr>
+          <p:cNvPr id="4" name="表格 6">
+            <a:extLst>
+              <a:ext uri="{FF2B5EF4-FFF2-40B4-BE49-F238E27FC236}">
+                <a16:creationId xmlns:a16="http://schemas.microsoft.com/office/drawing/2014/main" id="{B1396275-302D-4DA8-B7DF-E429AF090740}"/>
+              </a:ext>
+            </a:extLst>
+          </p:cNvPr>
+          <p:cNvGraphicFramePr>
+            <a:graphicFrameLocks noGrp="1"/>
+          </p:cNvGraphicFramePr>
+          <p:nvPr>
+            <p:extLst>
+              <p:ext uri="{D42A27DB-BD31-4B8C-83A1-F6EECF244321}">
+                <p14:modId xmlns:p14="http://schemas.microsoft.com/office/powerpoint/2010/main" val="1473610548"/>
+              </p:ext>
+            </p:extLst>
+          </p:nvPr>
+        </p:nvGraphicFramePr>
+        <p:xfrm>
+          <a:off x="970240" y="3270361"/>
+          <a:ext cx="10090484" cy="2411468"/>
+        </p:xfrm>
+        <a:graphic>
+          <a:graphicData uri="http://schemas.openxmlformats.org/drawingml/2006/table">
+            <a:tbl>
+              <a:tblPr firstRow="1" bandRow="1">
+                <a:tableStyleId>{2D5ABB26-0587-4C30-8999-92F81FD0307C}</a:tableStyleId>
+              </a:tblPr>
+              <a:tblGrid>
+                <a:gridCol w="4090737">
+                  <a:extLst>
+                    <a:ext uri="{9D8B030D-6E8A-4147-A177-3AD203B41FA5}">
+                      <a16:colId xmlns:a16="http://schemas.microsoft.com/office/drawing/2014/main" val="1912746208"/>
+                    </a:ext>
+                  </a:extLst>
+                </a:gridCol>
+                <a:gridCol w="5999747">
+                  <a:extLst>
+                    <a:ext uri="{9D8B030D-6E8A-4147-A177-3AD203B41FA5}">
+                      <a16:colId xmlns:a16="http://schemas.microsoft.com/office/drawing/2014/main" val="677031196"/>
+                    </a:ext>
+                  </a:extLst>
+                </a:gridCol>
+              </a:tblGrid>
+              <a:tr h="1205734">
+                <a:tc>
+                  <a:txBody>
+                    <a:bodyPr/>
+                    <a:lstStyle/>
+                    <a:p>
+                      <a:pPr algn="ctr"/>
+                      <a:r>
+                        <a:rPr lang="en-US" altLang="zh-TW" sz="2400" kern="1200" spc="300" dirty="0">
+                          <a:solidFill>
+                            <a:schemeClr val="bg1">
+                              <a:lumMod val="85000"/>
+                            </a:schemeClr>
+                          </a:solidFill>
+                          <a:latin typeface="Arial Black" panose="020B0A04020102020204" pitchFamily="34" charset="0"/>
+                          <a:ea typeface="+mn-ea"/>
+                          <a:cs typeface="+mn-cs"/>
+                        </a:rPr>
+                        <a:t>Value</a:t>
+                      </a:r>
+                      <a:endParaRPr lang="zh-TW" altLang="en-US" sz="2400" dirty="0">
+                        <a:latin typeface="Arial Black" panose="020B0A04020102020204" pitchFamily="34" charset="0"/>
+                      </a:endParaRPr>
+                    </a:p>
+                  </a:txBody>
+                  <a:tcPr anchor="ctr">
+                    <a:lnR w="12700" cap="flat" cmpd="sng" algn="ctr">
+                      <a:solidFill>
+                        <a:schemeClr val="bg1">
+                          <a:lumMod val="85000"/>
+                        </a:schemeClr>
+                      </a:solidFill>
+                      <a:prstDash val="solid"/>
+                      <a:round/>
+                      <a:headEnd type="none" w="med" len="med"/>
+                      <a:tailEnd type="none" w="med" len="med"/>
+                    </a:lnR>
+                    <a:lnB w="12700" cap="flat" cmpd="sng" algn="ctr">
+                      <a:solidFill>
+                        <a:schemeClr val="bg1">
+                          <a:lumMod val="85000"/>
+                        </a:schemeClr>
+                      </a:solidFill>
+                      <a:prstDash val="solid"/>
+                      <a:round/>
+                      <a:headEnd type="none" w="med" len="med"/>
+                      <a:tailEnd type="none" w="med" len="med"/>
+                    </a:lnB>
+                  </a:tcPr>
+                </a:tc>
+                <a:tc>
+                  <a:txBody>
+                    <a:bodyPr/>
+                    <a:lstStyle/>
+                    <a:p>
+                      <a:pPr marL="0" marR="0" lvl="0" indent="0" algn="l" defTabSz="914400" rtl="0" eaLnBrk="1" fontAlgn="auto" latinLnBrk="0" hangingPunct="1">
+                        <a:lnSpc>
+                          <a:spcPct val="100000"/>
+                        </a:lnSpc>
+                        <a:spcBef>
+                          <a:spcPts val="0"/>
+                        </a:spcBef>
+                        <a:spcAft>
+                          <a:spcPts val="0"/>
+                        </a:spcAft>
+                        <a:buClrTx/>
+                        <a:buSzTx/>
+                        <a:buFontTx/>
+                        <a:buNone/>
+                        <a:tabLst/>
+                        <a:defRPr/>
+                      </a:pPr>
+                      <a:r>
+                        <a:rPr lang="zh-TW" altLang="en-US" sz="2400" dirty="0">
+                          <a:solidFill>
+                            <a:schemeClr val="bg1">
+                              <a:lumMod val="85000"/>
+                            </a:schemeClr>
+                          </a:solidFill>
+                          <a:latin typeface="+mn-ea"/>
+                        </a:rPr>
+                        <a:t>儲存變數</a:t>
+                      </a:r>
+                      <a:endParaRPr lang="en-US" altLang="zh-TW" sz="2400" dirty="0">
+                        <a:solidFill>
+                          <a:schemeClr val="bg1">
+                            <a:lumMod val="85000"/>
+                          </a:schemeClr>
+                        </a:solidFill>
+                        <a:latin typeface="+mn-ea"/>
+                      </a:endParaRPr>
+                    </a:p>
+                  </a:txBody>
+                  <a:tcPr anchor="ctr">
+                    <a:lnL w="12700" cap="flat" cmpd="sng" algn="ctr">
+                      <a:solidFill>
+                        <a:schemeClr val="bg1">
+                          <a:lumMod val="85000"/>
+                        </a:schemeClr>
+                      </a:solidFill>
+                      <a:prstDash val="solid"/>
+                      <a:round/>
+                      <a:headEnd type="none" w="med" len="med"/>
+                      <a:tailEnd type="none" w="med" len="med"/>
+                    </a:lnL>
+                    <a:lnB w="12700" cap="flat" cmpd="sng" algn="ctr">
+                      <a:solidFill>
+                        <a:schemeClr val="bg1">
+                          <a:lumMod val="85000"/>
+                        </a:schemeClr>
+                      </a:solidFill>
+                      <a:prstDash val="solid"/>
+                      <a:round/>
+                      <a:headEnd type="none" w="med" len="med"/>
+                      <a:tailEnd type="none" w="med" len="med"/>
+                    </a:lnB>
+                  </a:tcPr>
+                </a:tc>
+                <a:extLst>
+                  <a:ext uri="{0D108BD9-81ED-4DB2-BD59-A6C34878D82A}">
+                    <a16:rowId xmlns:a16="http://schemas.microsoft.com/office/drawing/2014/main" val="1071563860"/>
+                  </a:ext>
+                </a:extLst>
+              </a:tr>
+              <a:tr h="1205734">
+                <a:tc>
+                  <a:txBody>
+                    <a:bodyPr/>
+                    <a:lstStyle/>
+                    <a:p>
+                      <a:pPr algn="ctr"/>
+                      <a:r>
+                        <a:rPr lang="en-US" altLang="zh-TW" sz="2400" kern="1200" spc="300" dirty="0">
+                          <a:solidFill>
+                            <a:schemeClr val="bg1">
+                              <a:lumMod val="85000"/>
+                            </a:schemeClr>
+                          </a:solidFill>
+                          <a:latin typeface="Arial Black" panose="020B0A04020102020204" pitchFamily="34" charset="0"/>
+                          <a:ea typeface="+mn-ea"/>
+                          <a:cs typeface="+mn-cs"/>
+                        </a:rPr>
+                        <a:t>Dispatcher</a:t>
+                      </a:r>
+                      <a:endParaRPr lang="zh-TW" altLang="en-US" sz="2400" dirty="0">
+                        <a:latin typeface="Arial Black" panose="020B0A04020102020204" pitchFamily="34" charset="0"/>
+                      </a:endParaRPr>
+                    </a:p>
+                  </a:txBody>
+                  <a:tcPr anchor="ctr">
+                    <a:lnR w="12700" cap="flat" cmpd="sng" algn="ctr">
+                      <a:solidFill>
+                        <a:schemeClr val="bg1">
+                          <a:lumMod val="85000"/>
+                        </a:schemeClr>
+                      </a:solidFill>
+                      <a:prstDash val="solid"/>
+                      <a:round/>
+                      <a:headEnd type="none" w="med" len="med"/>
+                      <a:tailEnd type="none" w="med" len="med"/>
+                    </a:lnR>
+                    <a:lnT w="12700" cap="flat" cmpd="sng" algn="ctr">
+                      <a:solidFill>
+                        <a:schemeClr val="bg1">
+                          <a:lumMod val="85000"/>
+                        </a:schemeClr>
+                      </a:solidFill>
+                      <a:prstDash val="solid"/>
+                      <a:round/>
+                      <a:headEnd type="none" w="med" len="med"/>
+                      <a:tailEnd type="none" w="med" len="med"/>
+                    </a:lnT>
+                  </a:tcPr>
+                </a:tc>
+                <a:tc>
+                  <a:txBody>
+                    <a:bodyPr/>
+                    <a:lstStyle/>
+                    <a:p>
+                      <a:pPr marL="0" marR="0" lvl="0" indent="0" algn="l" defTabSz="914400" rtl="0" eaLnBrk="1" fontAlgn="auto" latinLnBrk="0" hangingPunct="1">
+                        <a:lnSpc>
+                          <a:spcPct val="100000"/>
+                        </a:lnSpc>
+                        <a:spcBef>
+                          <a:spcPts val="0"/>
+                        </a:spcBef>
+                        <a:spcAft>
+                          <a:spcPts val="0"/>
+                        </a:spcAft>
+                        <a:buClrTx/>
+                        <a:buSzTx/>
+                        <a:buFontTx/>
+                        <a:buNone/>
+                        <a:tabLst/>
+                        <a:defRPr/>
+                      </a:pPr>
+                      <a:r>
+                        <a:rPr lang="zh-TW" altLang="en-US" sz="2400" dirty="0">
+                          <a:solidFill>
+                            <a:schemeClr val="bg1">
+                              <a:lumMod val="85000"/>
+                            </a:schemeClr>
+                          </a:solidFill>
+                          <a:latin typeface="+mn-ea"/>
+                        </a:rPr>
+                        <a:t>提供修改方式、改變時會渲染頁面</a:t>
+                      </a:r>
+                      <a:endParaRPr lang="en-US" altLang="zh-TW" sz="2400" dirty="0">
+                        <a:solidFill>
+                          <a:schemeClr val="bg1">
+                            <a:lumMod val="85000"/>
+                          </a:schemeClr>
+                        </a:solidFill>
+                        <a:latin typeface="+mn-ea"/>
+                      </a:endParaRPr>
+                    </a:p>
+                  </a:txBody>
+                  <a:tcPr anchor="ctr">
+                    <a:lnL w="12700" cap="flat" cmpd="sng" algn="ctr">
+                      <a:solidFill>
+                        <a:schemeClr val="bg1">
+                          <a:lumMod val="85000"/>
+                        </a:schemeClr>
+                      </a:solidFill>
+                      <a:prstDash val="solid"/>
+                      <a:round/>
+                      <a:headEnd type="none" w="med" len="med"/>
+                      <a:tailEnd type="none" w="med" len="med"/>
+                    </a:lnL>
+                    <a:lnT w="12700" cap="flat" cmpd="sng" algn="ctr">
+                      <a:solidFill>
+                        <a:schemeClr val="bg1">
+                          <a:lumMod val="85000"/>
+                        </a:schemeClr>
+                      </a:solidFill>
+                      <a:prstDash val="solid"/>
+                      <a:round/>
+                      <a:headEnd type="none" w="med" len="med"/>
+                      <a:tailEnd type="none" w="med" len="med"/>
+                    </a:lnT>
+                  </a:tcPr>
+                </a:tc>
+                <a:extLst>
+                  <a:ext uri="{0D108BD9-81ED-4DB2-BD59-A6C34878D82A}">
+                    <a16:rowId xmlns:a16="http://schemas.microsoft.com/office/drawing/2014/main" val="955068233"/>
+                  </a:ext>
+                </a:extLst>
+              </a:tr>
+            </a:tbl>
+          </a:graphicData>
+        </a:graphic>
+      </p:graphicFrame>
+    </p:spTree>
+    <p:extLst>
+      <p:ext uri="{BB962C8B-B14F-4D97-AF65-F5344CB8AC3E}">
+        <p14:creationId xmlns:p14="http://schemas.microsoft.com/office/powerpoint/2010/main" val="1095139345"/>
+      </p:ext>
+    </p:extLst>
+  </p:cSld>
+  <p:clrMapOvr>
+    <a:masterClrMapping/>
+  </p:clrMapOvr>
+  <mc:AlternateContent xmlns:mc="http://schemas.openxmlformats.org/markup-compatibility/2006" xmlns:p14="http://schemas.microsoft.com/office/powerpoint/2010/main">
+    <mc:Choice Requires="p14">
+      <p:transition p14:dur="160">
+        <p:fade/>
+      </p:transition>
+    </mc:Choice>
+    <mc:Fallback xmlns="">
+      <p:transition>
+        <p:fade/>
+      </p:transition>
+    </mc:Fallback>
+  </mc:AlternateContent>
 </p:sld>
 </file>
 
@@ -8372,7 +8311,13 @@
       </p:grpSpPr>
       <p:sp>
         <p:nvSpPr>
-          <p:cNvPr id="2" name="投影片編號版面配置區 1"/>
+          <p:cNvPr id="2" name="投影片編號版面配置區 1">
+            <a:extLst>
+              <a:ext uri="{FF2B5EF4-FFF2-40B4-BE49-F238E27FC236}">
+                <a16:creationId xmlns:a16="http://schemas.microsoft.com/office/drawing/2014/main" id="{C7159446-74C0-4ACE-934A-DBCFF97297A6}"/>
+              </a:ext>
+            </a:extLst>
+          </p:cNvPr>
           <p:cNvSpPr>
             <a:spLocks noGrp="1"/>
           </p:cNvSpPr>
@@ -8396,14 +8341,430 @@
       </p:sp>
       <p:sp>
         <p:nvSpPr>
-          <p:cNvPr id="4" name="文字方塊 3"/>
+          <p:cNvPr id="3" name="文字版面配置區 2">
+            <a:extLst>
+              <a:ext uri="{FF2B5EF4-FFF2-40B4-BE49-F238E27FC236}">
+                <a16:creationId xmlns:a16="http://schemas.microsoft.com/office/drawing/2014/main" id="{25435955-A297-44A9-8699-01B91BCBA145}"/>
+              </a:ext>
+            </a:extLst>
+          </p:cNvPr>
+          <p:cNvSpPr>
+            <a:spLocks noGrp="1"/>
+          </p:cNvSpPr>
+          <p:nvPr>
+            <p:ph type="body" sz="quarter" idx="13"/>
+          </p:nvPr>
+        </p:nvSpPr>
+        <p:spPr/>
+        <p:txBody>
+          <a:bodyPr/>
+          <a:lstStyle/>
+          <a:p>
+            <a:r>
+              <a:rPr lang="en-US" altLang="zh-TW" spc="300" dirty="0">
+                <a:latin typeface="Arial Black" panose="020B0A04020102020204" pitchFamily="34" charset="0"/>
+              </a:rPr>
+              <a:t>Dispatcher</a:t>
+            </a:r>
+            <a:endParaRPr lang="zh-TW" altLang="en-US" dirty="0"/>
+          </a:p>
+        </p:txBody>
+      </p:sp>
+      <p:sp>
+        <p:nvSpPr>
+          <p:cNvPr id="4" name="矩形: 圓角 3">
+            <a:extLst>
+              <a:ext uri="{FF2B5EF4-FFF2-40B4-BE49-F238E27FC236}">
+                <a16:creationId xmlns:a16="http://schemas.microsoft.com/office/drawing/2014/main" id="{62F7D302-45A0-40F1-ACFB-0DF9127A9E86}"/>
+              </a:ext>
+            </a:extLst>
+          </p:cNvPr>
+          <p:cNvSpPr/>
+          <p:nvPr/>
+        </p:nvSpPr>
+        <p:spPr>
+          <a:xfrm>
+            <a:off x="304799" y="3034864"/>
+            <a:ext cx="2197768" cy="1034716"/>
+          </a:xfrm>
+          <a:prstGeom prst="roundRect">
+            <a:avLst/>
+          </a:prstGeom>
+          <a:ln w="38100">
+            <a:solidFill>
+              <a:schemeClr val="bg1"/>
+            </a:solidFill>
+          </a:ln>
+        </p:spPr>
+        <p:style>
+          <a:lnRef idx="2">
+            <a:schemeClr val="accent1">
+              <a:shade val="50000"/>
+            </a:schemeClr>
+          </a:lnRef>
+          <a:fillRef idx="1">
+            <a:schemeClr val="accent1"/>
+          </a:fillRef>
+          <a:effectRef idx="0">
+            <a:schemeClr val="accent1"/>
+          </a:effectRef>
+          <a:fontRef idx="minor">
+            <a:schemeClr val="lt1"/>
+          </a:fontRef>
+        </p:style>
+        <p:txBody>
+          <a:bodyPr rtlCol="0" anchor="ctr"/>
+          <a:lstStyle/>
+          <a:p>
+            <a:pPr algn="ctr"/>
+            <a:r>
+              <a:rPr lang="en-US" altLang="zh-TW" sz="2400" dirty="0">
+                <a:latin typeface="Arial Black" panose="020B0A04020102020204" pitchFamily="34" charset="0"/>
+              </a:rPr>
+              <a:t>Action</a:t>
+            </a:r>
+            <a:endParaRPr lang="zh-TW" altLang="en-US" sz="2400" dirty="0">
+              <a:latin typeface="Arial Black" panose="020B0A04020102020204" pitchFamily="34" charset="0"/>
+            </a:endParaRPr>
+          </a:p>
+        </p:txBody>
+      </p:sp>
+      <p:sp>
+        <p:nvSpPr>
+          <p:cNvPr id="6" name="矩形: 圓角 5">
+            <a:extLst>
+              <a:ext uri="{FF2B5EF4-FFF2-40B4-BE49-F238E27FC236}">
+                <a16:creationId xmlns:a16="http://schemas.microsoft.com/office/drawing/2014/main" id="{E9EF16A1-56D7-4814-8157-FECC6A995382}"/>
+              </a:ext>
+            </a:extLst>
+          </p:cNvPr>
+          <p:cNvSpPr/>
+          <p:nvPr/>
+        </p:nvSpPr>
+        <p:spPr>
+          <a:xfrm>
+            <a:off x="3392906" y="3034864"/>
+            <a:ext cx="2197768" cy="1034716"/>
+          </a:xfrm>
+          <a:prstGeom prst="roundRect">
+            <a:avLst/>
+          </a:prstGeom>
+          <a:solidFill>
+            <a:schemeClr val="accent2"/>
+          </a:solidFill>
+          <a:ln w="38100">
+            <a:solidFill>
+              <a:schemeClr val="bg1"/>
+            </a:solidFill>
+          </a:ln>
+        </p:spPr>
+        <p:style>
+          <a:lnRef idx="2">
+            <a:schemeClr val="accent1">
+              <a:shade val="50000"/>
+            </a:schemeClr>
+          </a:lnRef>
+          <a:fillRef idx="1">
+            <a:schemeClr val="accent1"/>
+          </a:fillRef>
+          <a:effectRef idx="0">
+            <a:schemeClr val="accent1"/>
+          </a:effectRef>
+          <a:fontRef idx="minor">
+            <a:schemeClr val="lt1"/>
+          </a:fontRef>
+        </p:style>
+        <p:txBody>
+          <a:bodyPr rtlCol="0" anchor="ctr"/>
+          <a:lstStyle/>
+          <a:p>
+            <a:pPr algn="ctr"/>
+            <a:r>
+              <a:rPr lang="en-US" altLang="zh-TW" sz="2400" dirty="0">
+                <a:latin typeface="Arial Black" panose="020B0A04020102020204" pitchFamily="34" charset="0"/>
+              </a:rPr>
+              <a:t>dispatcher</a:t>
+            </a:r>
+            <a:endParaRPr lang="zh-TW" altLang="en-US" sz="2400" dirty="0">
+              <a:latin typeface="Arial Black" panose="020B0A04020102020204" pitchFamily="34" charset="0"/>
+            </a:endParaRPr>
+          </a:p>
+        </p:txBody>
+      </p:sp>
+      <p:sp>
+        <p:nvSpPr>
+          <p:cNvPr id="8" name="矩形: 圓角 7">
+            <a:extLst>
+              <a:ext uri="{FF2B5EF4-FFF2-40B4-BE49-F238E27FC236}">
+                <a16:creationId xmlns:a16="http://schemas.microsoft.com/office/drawing/2014/main" id="{6A7277D6-6FA1-43BD-B5CE-A3893BF4ED77}"/>
+              </a:ext>
+            </a:extLst>
+          </p:cNvPr>
+          <p:cNvSpPr/>
+          <p:nvPr/>
+        </p:nvSpPr>
+        <p:spPr>
+          <a:xfrm>
+            <a:off x="9569119" y="3034864"/>
+            <a:ext cx="2197768" cy="1034716"/>
+          </a:xfrm>
+          <a:prstGeom prst="roundRect">
+            <a:avLst/>
+          </a:prstGeom>
+          <a:solidFill>
+            <a:schemeClr val="accent3"/>
+          </a:solidFill>
+          <a:ln w="38100">
+            <a:solidFill>
+              <a:schemeClr val="bg1"/>
+            </a:solidFill>
+          </a:ln>
+        </p:spPr>
+        <p:style>
+          <a:lnRef idx="2">
+            <a:schemeClr val="accent1">
+              <a:shade val="50000"/>
+            </a:schemeClr>
+          </a:lnRef>
+          <a:fillRef idx="1">
+            <a:schemeClr val="accent1"/>
+          </a:fillRef>
+          <a:effectRef idx="0">
+            <a:schemeClr val="accent1"/>
+          </a:effectRef>
+          <a:fontRef idx="minor">
+            <a:schemeClr val="lt1"/>
+          </a:fontRef>
+        </p:style>
+        <p:txBody>
+          <a:bodyPr rtlCol="0" anchor="ctr"/>
+          <a:lstStyle/>
+          <a:p>
+            <a:pPr algn="ctr"/>
+            <a:r>
+              <a:rPr lang="en-US" altLang="zh-TW" sz="2400" dirty="0">
+                <a:latin typeface="Arial Black" panose="020B0A04020102020204" pitchFamily="34" charset="0"/>
+              </a:rPr>
+              <a:t>View</a:t>
+            </a:r>
+            <a:endParaRPr lang="zh-TW" altLang="en-US" sz="2400" dirty="0">
+              <a:latin typeface="Arial Black" panose="020B0A04020102020204" pitchFamily="34" charset="0"/>
+            </a:endParaRPr>
+          </a:p>
+        </p:txBody>
+      </p:sp>
+      <p:sp>
+        <p:nvSpPr>
+          <p:cNvPr id="9" name="矩形: 圓角 8">
+            <a:extLst>
+              <a:ext uri="{FF2B5EF4-FFF2-40B4-BE49-F238E27FC236}">
+                <a16:creationId xmlns:a16="http://schemas.microsoft.com/office/drawing/2014/main" id="{E4F23741-7BFA-4573-8210-800BB0A7CE14}"/>
+              </a:ext>
+            </a:extLst>
+          </p:cNvPr>
+          <p:cNvSpPr/>
+          <p:nvPr/>
+        </p:nvSpPr>
+        <p:spPr>
+          <a:xfrm>
+            <a:off x="6481013" y="3034864"/>
+            <a:ext cx="2197768" cy="1034716"/>
+          </a:xfrm>
+          <a:prstGeom prst="roundRect">
+            <a:avLst/>
+          </a:prstGeom>
+          <a:solidFill>
+            <a:schemeClr val="accent5">
+              <a:lumMod val="75000"/>
+            </a:schemeClr>
+          </a:solidFill>
+          <a:ln w="38100">
+            <a:solidFill>
+              <a:schemeClr val="bg1"/>
+            </a:solidFill>
+          </a:ln>
+        </p:spPr>
+        <p:style>
+          <a:lnRef idx="2">
+            <a:schemeClr val="accent1">
+              <a:shade val="50000"/>
+            </a:schemeClr>
+          </a:lnRef>
+          <a:fillRef idx="1">
+            <a:schemeClr val="accent1"/>
+          </a:fillRef>
+          <a:effectRef idx="0">
+            <a:schemeClr val="accent1"/>
+          </a:effectRef>
+          <a:fontRef idx="minor">
+            <a:schemeClr val="lt1"/>
+          </a:fontRef>
+        </p:style>
+        <p:txBody>
+          <a:bodyPr rtlCol="0" anchor="ctr"/>
+          <a:lstStyle/>
+          <a:p>
+            <a:pPr algn="ctr"/>
+            <a:r>
+              <a:rPr lang="en-US" altLang="zh-TW" sz="2400" dirty="0">
+                <a:latin typeface="Arial Black" panose="020B0A04020102020204" pitchFamily="34" charset="0"/>
+              </a:rPr>
+              <a:t>Render</a:t>
+            </a:r>
+            <a:endParaRPr lang="zh-TW" altLang="en-US" sz="2400" dirty="0">
+              <a:latin typeface="Arial Black" panose="020B0A04020102020204" pitchFamily="34" charset="0"/>
+            </a:endParaRPr>
+          </a:p>
+        </p:txBody>
+      </p:sp>
+      <p:cxnSp>
+        <p:nvCxnSpPr>
+          <p:cNvPr id="10" name="直線單箭頭接點 9">
+            <a:extLst>
+              <a:ext uri="{FF2B5EF4-FFF2-40B4-BE49-F238E27FC236}">
+                <a16:creationId xmlns:a16="http://schemas.microsoft.com/office/drawing/2014/main" id="{142E2021-E68D-4709-86A6-48E7B2060DEB}"/>
+              </a:ext>
+            </a:extLst>
+          </p:cNvPr>
+          <p:cNvCxnSpPr>
+            <a:cxnSpLocks/>
+          </p:cNvCxnSpPr>
+          <p:nvPr/>
+        </p:nvCxnSpPr>
+        <p:spPr>
+          <a:xfrm>
+            <a:off x="2574759" y="3564254"/>
+            <a:ext cx="782052" cy="0"/>
+          </a:xfrm>
+          <a:prstGeom prst="straightConnector1">
+            <a:avLst/>
+          </a:prstGeom>
+          <a:ln w="57150">
+            <a:solidFill>
+              <a:schemeClr val="bg1"/>
+            </a:solidFill>
+            <a:tailEnd type="triangle"/>
+          </a:ln>
+        </p:spPr>
+        <p:style>
+          <a:lnRef idx="1">
+            <a:schemeClr val="accent1"/>
+          </a:lnRef>
+          <a:fillRef idx="0">
+            <a:schemeClr val="accent1"/>
+          </a:fillRef>
+          <a:effectRef idx="0">
+            <a:schemeClr val="accent1"/>
+          </a:effectRef>
+          <a:fontRef idx="minor">
+            <a:schemeClr val="tx1"/>
+          </a:fontRef>
+        </p:style>
+      </p:cxnSp>
+      <p:cxnSp>
+        <p:nvCxnSpPr>
+          <p:cNvPr id="15" name="直線單箭頭接點 14">
+            <a:extLst>
+              <a:ext uri="{FF2B5EF4-FFF2-40B4-BE49-F238E27FC236}">
+                <a16:creationId xmlns:a16="http://schemas.microsoft.com/office/drawing/2014/main" id="{989CCD7F-C70B-4414-8624-3ACF68172E64}"/>
+              </a:ext>
+            </a:extLst>
+          </p:cNvPr>
+          <p:cNvCxnSpPr>
+            <a:cxnSpLocks/>
+          </p:cNvCxnSpPr>
+          <p:nvPr/>
+        </p:nvCxnSpPr>
+        <p:spPr>
+          <a:xfrm>
+            <a:off x="5650833" y="3564254"/>
+            <a:ext cx="782052" cy="0"/>
+          </a:xfrm>
+          <a:prstGeom prst="straightConnector1">
+            <a:avLst/>
+          </a:prstGeom>
+          <a:ln w="57150">
+            <a:solidFill>
+              <a:schemeClr val="bg1"/>
+            </a:solidFill>
+            <a:tailEnd type="triangle"/>
+          </a:ln>
+        </p:spPr>
+        <p:style>
+          <a:lnRef idx="1">
+            <a:schemeClr val="accent1"/>
+          </a:lnRef>
+          <a:fillRef idx="0">
+            <a:schemeClr val="accent1"/>
+          </a:fillRef>
+          <a:effectRef idx="0">
+            <a:schemeClr val="accent1"/>
+          </a:effectRef>
+          <a:fontRef idx="minor">
+            <a:schemeClr val="tx1"/>
+          </a:fontRef>
+        </p:style>
+      </p:cxnSp>
+      <p:cxnSp>
+        <p:nvCxnSpPr>
+          <p:cNvPr id="16" name="直線單箭頭接點 15">
+            <a:extLst>
+              <a:ext uri="{FF2B5EF4-FFF2-40B4-BE49-F238E27FC236}">
+                <a16:creationId xmlns:a16="http://schemas.microsoft.com/office/drawing/2014/main" id="{6430293A-4BC6-4596-9B6C-DF719BA85AD2}"/>
+              </a:ext>
+            </a:extLst>
+          </p:cNvPr>
+          <p:cNvCxnSpPr>
+            <a:cxnSpLocks/>
+          </p:cNvCxnSpPr>
+          <p:nvPr/>
+        </p:nvCxnSpPr>
+        <p:spPr>
+          <a:xfrm>
+            <a:off x="8750971" y="3564254"/>
+            <a:ext cx="782052" cy="0"/>
+          </a:xfrm>
+          <a:prstGeom prst="straightConnector1">
+            <a:avLst/>
+          </a:prstGeom>
+          <a:ln w="57150">
+            <a:solidFill>
+              <a:schemeClr val="bg1"/>
+            </a:solidFill>
+            <a:tailEnd type="triangle"/>
+          </a:ln>
+        </p:spPr>
+        <p:style>
+          <a:lnRef idx="1">
+            <a:schemeClr val="accent1"/>
+          </a:lnRef>
+          <a:fillRef idx="0">
+            <a:schemeClr val="accent1"/>
+          </a:fillRef>
+          <a:effectRef idx="0">
+            <a:schemeClr val="accent1"/>
+          </a:effectRef>
+          <a:fontRef idx="minor">
+            <a:schemeClr val="tx1"/>
+          </a:fontRef>
+        </p:style>
+      </p:cxnSp>
+      <p:sp>
+        <p:nvSpPr>
+          <p:cNvPr id="14" name="文字方塊 13">
+            <a:extLst>
+              <a:ext uri="{FF2B5EF4-FFF2-40B4-BE49-F238E27FC236}">
+                <a16:creationId xmlns:a16="http://schemas.microsoft.com/office/drawing/2014/main" id="{EF7A364B-4653-4328-90FD-9CBE3908C605}"/>
+              </a:ext>
+            </a:extLst>
+          </p:cNvPr>
           <p:cNvSpPr txBox="1"/>
           <p:nvPr/>
         </p:nvSpPr>
         <p:spPr>
           <a:xfrm>
-            <a:off x="4275437" y="397306"/>
-            <a:ext cx="3657601" cy="769441"/>
+            <a:off x="493295" y="5002231"/>
+            <a:ext cx="1826141" cy="584775"/>
           </a:xfrm>
           <a:prstGeom prst="rect">
             <a:avLst/>
@@ -8411,45 +8772,143 @@
           <a:noFill/>
         </p:spPr>
         <p:txBody>
-          <a:bodyPr wrap="square" rtlCol="0">
+          <a:bodyPr wrap="none" rtlCol="0">
             <a:spAutoFit/>
           </a:bodyPr>
           <a:lstStyle/>
           <a:p>
-            <a:pPr algn="ctr"/>
-            <a:r>
-              <a:rPr lang="en-US" altLang="zh-TW" sz="4400" dirty="0" err="1" smtClean="0">
+            <a:r>
+              <a:rPr lang="zh-TW" altLang="en-US" sz="3200" dirty="0">
                 <a:solidFill>
                   <a:schemeClr val="bg1"/>
                 </a:solidFill>
-                <a:latin typeface="+mn-ea"/>
-              </a:rPr>
-              <a:t>useEffect</a:t>
-            </a:r>
-            <a:r>
-              <a:rPr lang="en-US" altLang="zh-TW" sz="4400" dirty="0" smtClean="0">
+              </a:rPr>
+              <a:t>觸發事件</a:t>
+            </a:r>
+          </a:p>
+        </p:txBody>
+      </p:sp>
+      <p:sp>
+        <p:nvSpPr>
+          <p:cNvPr id="18" name="文字方塊 17">
+            <a:extLst>
+              <a:ext uri="{FF2B5EF4-FFF2-40B4-BE49-F238E27FC236}">
+                <a16:creationId xmlns:a16="http://schemas.microsoft.com/office/drawing/2014/main" id="{54393E06-502B-47CE-938D-174B0A0E2544}"/>
+              </a:ext>
+            </a:extLst>
+          </p:cNvPr>
+          <p:cNvSpPr txBox="1"/>
+          <p:nvPr/>
+        </p:nvSpPr>
+        <p:spPr>
+          <a:xfrm>
+            <a:off x="3578719" y="5035420"/>
+            <a:ext cx="1826141" cy="584775"/>
+          </a:xfrm>
+          <a:prstGeom prst="rect">
+            <a:avLst/>
+          </a:prstGeom>
+          <a:noFill/>
+        </p:spPr>
+        <p:txBody>
+          <a:bodyPr wrap="none" rtlCol="0">
+            <a:spAutoFit/>
+          </a:bodyPr>
+          <a:lstStyle/>
+          <a:p>
+            <a:r>
+              <a:rPr lang="zh-TW" altLang="en-US" sz="3200" dirty="0">
                 <a:solidFill>
                   <a:schemeClr val="bg1"/>
                 </a:solidFill>
-                <a:latin typeface="+mj-ea"/>
-                <a:ea typeface="+mj-ea"/>
-              </a:rPr>
-              <a:t>( )</a:t>
-            </a:r>
-            <a:endParaRPr lang="zh-TW" altLang="en-US" sz="4400" dirty="0">
-              <a:solidFill>
-                <a:schemeClr val="bg1"/>
-              </a:solidFill>
-              <a:latin typeface="+mj-ea"/>
-              <a:ea typeface="+mj-ea"/>
-            </a:endParaRPr>
+              </a:rPr>
+              <a:t>如何改變</a:t>
+            </a:r>
+          </a:p>
+        </p:txBody>
+      </p:sp>
+      <p:sp>
+        <p:nvSpPr>
+          <p:cNvPr id="19" name="文字方塊 18">
+            <a:extLst>
+              <a:ext uri="{FF2B5EF4-FFF2-40B4-BE49-F238E27FC236}">
+                <a16:creationId xmlns:a16="http://schemas.microsoft.com/office/drawing/2014/main" id="{E066E745-C6DC-41FD-AEC9-831E0F668F5D}"/>
+              </a:ext>
+            </a:extLst>
+          </p:cNvPr>
+          <p:cNvSpPr txBox="1"/>
+          <p:nvPr/>
+        </p:nvSpPr>
+        <p:spPr>
+          <a:xfrm>
+            <a:off x="6666826" y="5035420"/>
+            <a:ext cx="1826141" cy="584775"/>
+          </a:xfrm>
+          <a:prstGeom prst="rect">
+            <a:avLst/>
+          </a:prstGeom>
+          <a:noFill/>
+        </p:spPr>
+        <p:txBody>
+          <a:bodyPr wrap="none" rtlCol="0">
+            <a:spAutoFit/>
+          </a:bodyPr>
+          <a:lstStyle/>
+          <a:p>
+            <a:r>
+              <a:rPr lang="zh-TW" altLang="en-US" sz="3200" dirty="0">
+                <a:solidFill>
+                  <a:schemeClr val="bg1"/>
+                </a:solidFill>
+              </a:rPr>
+              <a:t>對誰改變</a:t>
+            </a:r>
+          </a:p>
+        </p:txBody>
+      </p:sp>
+      <p:sp>
+        <p:nvSpPr>
+          <p:cNvPr id="20" name="文字方塊 19">
+            <a:extLst>
+              <a:ext uri="{FF2B5EF4-FFF2-40B4-BE49-F238E27FC236}">
+                <a16:creationId xmlns:a16="http://schemas.microsoft.com/office/drawing/2014/main" id="{FBA68C54-C29B-4D3D-9539-FFE2FC6C1695}"/>
+              </a:ext>
+            </a:extLst>
+          </p:cNvPr>
+          <p:cNvSpPr txBox="1"/>
+          <p:nvPr/>
+        </p:nvSpPr>
+        <p:spPr>
+          <a:xfrm>
+            <a:off x="9715289" y="5010383"/>
+            <a:ext cx="1826141" cy="584775"/>
+          </a:xfrm>
+          <a:prstGeom prst="rect">
+            <a:avLst/>
+          </a:prstGeom>
+          <a:noFill/>
+        </p:spPr>
+        <p:txBody>
+          <a:bodyPr wrap="none" rtlCol="0">
+            <a:spAutoFit/>
+          </a:bodyPr>
+          <a:lstStyle/>
+          <a:p>
+            <a:r>
+              <a:rPr lang="zh-TW" altLang="en-US" sz="3200" dirty="0">
+                <a:solidFill>
+                  <a:schemeClr val="bg1"/>
+                </a:solidFill>
+              </a:rPr>
+              <a:t>最終呈現</a:t>
+            </a:r>
           </a:p>
         </p:txBody>
       </p:sp>
     </p:spTree>
     <p:extLst>
       <p:ext uri="{BB962C8B-B14F-4D97-AF65-F5344CB8AC3E}">
-        <p14:creationId xmlns:p14="http://schemas.microsoft.com/office/powerpoint/2010/main" val="2238374789"/>
+        <p14:creationId xmlns:p14="http://schemas.microsoft.com/office/powerpoint/2010/main" val="1414458164"/>
       </p:ext>
     </p:extLst>
   </p:cSld>
@@ -8468,13 +8927,6 @@
       </p:transition>
     </mc:Fallback>
   </mc:AlternateContent>
-  <p:timing>
-    <p:tnLst>
-      <p:par>
-        <p:cTn id="1" dur="indefinite" restart="never" nodeType="tmRoot"/>
-      </p:par>
-    </p:tnLst>
-  </p:timing>
 </p:sld>
 </file>
 
@@ -8497,7 +8949,13 @@
       </p:grpSpPr>
       <p:sp>
         <p:nvSpPr>
-          <p:cNvPr id="2" name="投影片編號版面配置區 1"/>
+          <p:cNvPr id="2" name="投影片編號版面配置區 1">
+            <a:extLst>
+              <a:ext uri="{FF2B5EF4-FFF2-40B4-BE49-F238E27FC236}">
+                <a16:creationId xmlns:a16="http://schemas.microsoft.com/office/drawing/2014/main" id="{DD962684-3378-4432-9B16-14D348ED73D8}"/>
+              </a:ext>
+            </a:extLst>
+          </p:cNvPr>
           <p:cNvSpPr>
             <a:spLocks noGrp="1"/>
           </p:cNvSpPr>
@@ -8519,16 +8977,52 @@
           </a:p>
         </p:txBody>
       </p:sp>
-      <p:sp>
-        <p:nvSpPr>
-          <p:cNvPr id="3" name="文字方塊 2"/>
+      <p:pic>
+        <p:nvPicPr>
+          <p:cNvPr id="4" name="圖片 3">
+            <a:extLst>
+              <a:ext uri="{FF2B5EF4-FFF2-40B4-BE49-F238E27FC236}">
+                <a16:creationId xmlns:a16="http://schemas.microsoft.com/office/drawing/2014/main" id="{C1867F4D-7387-4599-8A7F-54569042378E}"/>
+              </a:ext>
+            </a:extLst>
+          </p:cNvPr>
+          <p:cNvPicPr>
+            <a:picLocks noChangeAspect="1"/>
+          </p:cNvPicPr>
+          <p:nvPr/>
+        </p:nvPicPr>
+        <p:blipFill>
+          <a:blip r:embed="rId2"/>
+          <a:stretch>
+            <a:fillRect/>
+          </a:stretch>
+        </p:blipFill>
+        <p:spPr>
+          <a:xfrm flipH="1">
+            <a:off x="3200705" y="1599032"/>
+            <a:ext cx="4876190" cy="4876190"/>
+          </a:xfrm>
+          <a:prstGeom prst="rect">
+            <a:avLst/>
+          </a:prstGeom>
+        </p:spPr>
+      </p:pic>
+      <p:sp>
+        <p:nvSpPr>
+          <p:cNvPr id="5" name="文字方塊 4">
+            <a:extLst>
+              <a:ext uri="{FF2B5EF4-FFF2-40B4-BE49-F238E27FC236}">
+                <a16:creationId xmlns:a16="http://schemas.microsoft.com/office/drawing/2014/main" id="{93E5E5FE-D298-4841-8FF7-2FD5F3A609BB}"/>
+              </a:ext>
+            </a:extLst>
+          </p:cNvPr>
           <p:cNvSpPr txBox="1"/>
           <p:nvPr/>
         </p:nvSpPr>
         <p:spPr>
           <a:xfrm>
-            <a:off x="4238367" y="409662"/>
-            <a:ext cx="3657601" cy="769441"/>
+            <a:off x="2874605" y="1014257"/>
+            <a:ext cx="6442789" cy="584775"/>
           </a:xfrm>
           <a:prstGeom prst="rect">
             <a:avLst/>
@@ -8536,37 +9030,87 @@
           <a:noFill/>
         </p:spPr>
         <p:txBody>
-          <a:bodyPr wrap="square" rtlCol="0">
+          <a:bodyPr wrap="none" rtlCol="0">
             <a:spAutoFit/>
           </a:bodyPr>
           <a:lstStyle/>
           <a:p>
-            <a:pPr algn="ctr"/>
-            <a:r>
-              <a:rPr lang="en-US" altLang="zh-TW" sz="4400" dirty="0" err="1" smtClean="0">
+            <a:r>
+              <a:rPr lang="en-US" altLang="zh-TW" sz="3200" dirty="0">
                 <a:solidFill>
                   <a:schemeClr val="bg1"/>
                 </a:solidFill>
-                <a:latin typeface="+mn-ea"/>
-              </a:rPr>
-              <a:t>useRef</a:t>
-            </a:r>
-            <a:r>
-              <a:rPr lang="en-US" altLang="zh-TW" sz="4400" dirty="0" smtClean="0">
+                <a:latin typeface="Adobe 繁黑體 Std B" panose="020B0700000000000000" pitchFamily="34" charset="-120"/>
+                <a:ea typeface="Adobe 繁黑體 Std B" panose="020B0700000000000000" pitchFamily="34" charset="-120"/>
+              </a:rPr>
+              <a:t>Value </a:t>
+            </a:r>
+            <a:r>
+              <a:rPr lang="en-US" altLang="zh-TW" sz="3200" dirty="0">
+                <a:solidFill>
+                  <a:schemeClr val="bg2"/>
+                </a:solidFill>
+                <a:latin typeface="Adobe 繁黑體 Std B" panose="020B0700000000000000" pitchFamily="34" charset="-120"/>
+                <a:ea typeface="Adobe 繁黑體 Std B" panose="020B0700000000000000" pitchFamily="34" charset="-120"/>
+              </a:rPr>
+              <a:t>=&gt;</a:t>
+            </a:r>
+            <a:r>
+              <a:rPr lang="en-US" altLang="zh-TW" sz="3200" dirty="0">
                 <a:solidFill>
                   <a:schemeClr val="bg1"/>
                 </a:solidFill>
-                <a:latin typeface="+mj-ea"/>
-                <a:ea typeface="+mj-ea"/>
-              </a:rPr>
-              <a:t>( )</a:t>
-            </a:r>
-            <a:endParaRPr lang="zh-TW" altLang="en-US" sz="4400" dirty="0">
+                <a:latin typeface="Adobe 繁黑體 Std B" panose="020B0700000000000000" pitchFamily="34" charset="-120"/>
+                <a:ea typeface="Adobe 繁黑體 Std B" panose="020B0700000000000000" pitchFamily="34" charset="-120"/>
+              </a:rPr>
+              <a:t> </a:t>
+            </a:r>
+            <a:r>
+              <a:rPr lang="en-US" altLang="zh-TW" sz="3200" spc="300" dirty="0">
+                <a:solidFill>
+                  <a:schemeClr val="bg1"/>
+                </a:solidFill>
+                <a:latin typeface="Adobe 繁黑體 Std B" panose="020B0700000000000000" pitchFamily="34" charset="-120"/>
+                <a:ea typeface="Adobe 繁黑體 Std B" panose="020B0700000000000000" pitchFamily="34" charset="-120"/>
+              </a:rPr>
+              <a:t>Dispatcher</a:t>
+            </a:r>
+            <a:r>
+              <a:rPr lang="en-US" altLang="zh-TW" sz="3200" dirty="0">
+                <a:solidFill>
+                  <a:schemeClr val="bg1"/>
+                </a:solidFill>
+                <a:latin typeface="Adobe 繁黑體 Std B" panose="020B0700000000000000" pitchFamily="34" charset="-120"/>
+                <a:ea typeface="Adobe 繁黑體 Std B" panose="020B0700000000000000" pitchFamily="34" charset="-120"/>
+              </a:rPr>
+              <a:t> </a:t>
+            </a:r>
+            <a:r>
+              <a:rPr lang="en-US" altLang="zh-TW" sz="3200" dirty="0">
+                <a:solidFill>
+                  <a:schemeClr val="bg2"/>
+                </a:solidFill>
+                <a:latin typeface="Adobe 繁黑體 Std B" panose="020B0700000000000000" pitchFamily="34" charset="-120"/>
+                <a:ea typeface="Adobe 繁黑體 Std B" panose="020B0700000000000000" pitchFamily="34" charset="-120"/>
+              </a:rPr>
+              <a:t>=&gt; </a:t>
+            </a:r>
+            <a:r>
+              <a:rPr lang="en-US" altLang="zh-TW" sz="3200" dirty="0">
+                <a:solidFill>
+                  <a:schemeClr val="bg1"/>
+                </a:solidFill>
+                <a:latin typeface="Adobe 繁黑體 Std B" panose="020B0700000000000000" pitchFamily="34" charset="-120"/>
+                <a:ea typeface="Adobe 繁黑體 Std B" panose="020B0700000000000000" pitchFamily="34" charset="-120"/>
+              </a:rPr>
+              <a:t>Render</a:t>
+            </a:r>
+            <a:endParaRPr lang="zh-TW" altLang="en-US" sz="3200" dirty="0">
               <a:solidFill>
                 <a:schemeClr val="bg1"/>
               </a:solidFill>
-              <a:latin typeface="+mj-ea"/>
-              <a:ea typeface="+mj-ea"/>
+              <a:latin typeface="Adobe 繁黑體 Std B" panose="020B0700000000000000" pitchFamily="34" charset="-120"/>
+              <a:ea typeface="Adobe 繁黑體 Std B" panose="020B0700000000000000" pitchFamily="34" charset="-120"/>
             </a:endParaRPr>
           </a:p>
         </p:txBody>
@@ -8574,7 +9118,7 @@
     </p:spTree>
     <p:extLst>
       <p:ext uri="{BB962C8B-B14F-4D97-AF65-F5344CB8AC3E}">
-        <p14:creationId xmlns:p14="http://schemas.microsoft.com/office/powerpoint/2010/main" val="3569731167"/>
+        <p14:creationId xmlns:p14="http://schemas.microsoft.com/office/powerpoint/2010/main" val="1889649218"/>
       </p:ext>
     </p:extLst>
   </p:cSld>
@@ -8593,17 +9137,1087 @@
       </p:transition>
     </mc:Fallback>
   </mc:AlternateContent>
-  <p:timing>
-    <p:tnLst>
-      <p:par>
-        <p:cTn id="1" dur="indefinite" restart="never" nodeType="tmRoot"/>
-      </p:par>
-    </p:tnLst>
-  </p:timing>
 </p:sld>
 </file>
 
 <file path=ppt/slides/slide19.xml><?xml version="1.0" encoding="utf-8"?>
+<p:sld xmlns:a="http://schemas.openxmlformats.org/drawingml/2006/main" xmlns:r="http://schemas.openxmlformats.org/officeDocument/2006/relationships" xmlns:p="http://schemas.openxmlformats.org/presentationml/2006/main">
+  <p:cSld>
+    <p:spTree>
+      <p:nvGrpSpPr>
+        <p:cNvPr id="1" name=""/>
+        <p:cNvGrpSpPr/>
+        <p:nvPr/>
+      </p:nvGrpSpPr>
+      <p:grpSpPr>
+        <a:xfrm>
+          <a:off x="0" y="0"/>
+          <a:ext cx="0" cy="0"/>
+          <a:chOff x="0" y="0"/>
+          <a:chExt cx="0" cy="0"/>
+        </a:xfrm>
+      </p:grpSpPr>
+      <p:sp>
+        <p:nvSpPr>
+          <p:cNvPr id="2" name="投影片編號版面配置區 1">
+            <a:extLst>
+              <a:ext uri="{FF2B5EF4-FFF2-40B4-BE49-F238E27FC236}">
+                <a16:creationId xmlns:a16="http://schemas.microsoft.com/office/drawing/2014/main" id="{09325958-A913-4ED4-BF37-25C26A343A0C}"/>
+              </a:ext>
+            </a:extLst>
+          </p:cNvPr>
+          <p:cNvSpPr>
+            <a:spLocks noGrp="1"/>
+          </p:cNvSpPr>
+          <p:nvPr>
+            <p:ph type="sldNum" sz="quarter" idx="12"/>
+          </p:nvPr>
+        </p:nvSpPr>
+        <p:spPr/>
+        <p:txBody>
+          <a:bodyPr/>
+          <a:lstStyle/>
+          <a:p>
+            <a:fld id="{4FAB73BC-B049-4115-A692-8D63A059BFB8}" type="slidenum">
+              <a:rPr lang="en-US" smtClean="0"/>
+              <a:pPr/>
+              <a:t>19</a:t>
+            </a:fld>
+            <a:endParaRPr lang="en-US" dirty="0"/>
+          </a:p>
+        </p:txBody>
+      </p:sp>
+      <p:sp>
+        <p:nvSpPr>
+          <p:cNvPr id="3" name="文字版面配置區 2">
+            <a:extLst>
+              <a:ext uri="{FF2B5EF4-FFF2-40B4-BE49-F238E27FC236}">
+                <a16:creationId xmlns:a16="http://schemas.microsoft.com/office/drawing/2014/main" id="{5F2E5F9B-303C-44FE-9CEF-454660CCE1B7}"/>
+              </a:ext>
+            </a:extLst>
+          </p:cNvPr>
+          <p:cNvSpPr>
+            <a:spLocks noGrp="1"/>
+          </p:cNvSpPr>
+          <p:nvPr>
+            <p:ph type="body" sz="quarter" idx="13"/>
+          </p:nvPr>
+        </p:nvSpPr>
+        <p:spPr/>
+        <p:txBody>
+          <a:bodyPr/>
+          <a:lstStyle/>
+          <a:p>
+            <a:r>
+              <a:rPr lang="en-US" altLang="zh-TW" spc="300" dirty="0" err="1">
+                <a:latin typeface="Arial Black" panose="020B0A04020102020204" pitchFamily="34" charset="0"/>
+              </a:rPr>
+              <a:t>RenderWithHooks</a:t>
+            </a:r>
+            <a:endParaRPr lang="zh-TW" altLang="en-US" spc="300" dirty="0">
+              <a:latin typeface="Arial Black" panose="020B0A04020102020204" pitchFamily="34" charset="0"/>
+            </a:endParaRPr>
+          </a:p>
+        </p:txBody>
+      </p:sp>
+      <p:sp>
+        <p:nvSpPr>
+          <p:cNvPr id="4" name="文字方塊 3">
+            <a:extLst>
+              <a:ext uri="{FF2B5EF4-FFF2-40B4-BE49-F238E27FC236}">
+                <a16:creationId xmlns:a16="http://schemas.microsoft.com/office/drawing/2014/main" id="{A2188095-520B-489A-9EC1-A163CA5E40EB}"/>
+              </a:ext>
+            </a:extLst>
+          </p:cNvPr>
+          <p:cNvSpPr txBox="1"/>
+          <p:nvPr/>
+        </p:nvSpPr>
+        <p:spPr>
+          <a:xfrm>
+            <a:off x="2224881" y="2384079"/>
+            <a:ext cx="7573794" cy="2691314"/>
+          </a:xfrm>
+          <a:prstGeom prst="rect">
+            <a:avLst/>
+          </a:prstGeom>
+          <a:noFill/>
+        </p:spPr>
+        <p:txBody>
+          <a:bodyPr wrap="square" rtlCol="0">
+            <a:spAutoFit/>
+          </a:bodyPr>
+          <a:lstStyle/>
+          <a:p>
+            <a:pPr algn="ctr"/>
+            <a:r>
+              <a:rPr lang="zh-TW" altLang="en-US" sz="3600" dirty="0">
+                <a:solidFill>
+                  <a:schemeClr val="bg1">
+                    <a:lumMod val="85000"/>
+                  </a:schemeClr>
+                </a:solidFill>
+                <a:latin typeface="+mj-ea"/>
+                <a:ea typeface="+mj-ea"/>
+              </a:rPr>
+              <a:t>確認現在數值與前數值是否相等 </a:t>
+            </a:r>
+            <a:r>
+              <a:rPr lang="en-US" altLang="zh-TW" sz="3600" dirty="0">
+                <a:solidFill>
+                  <a:schemeClr val="bg1">
+                    <a:lumMod val="85000"/>
+                  </a:schemeClr>
+                </a:solidFill>
+                <a:latin typeface="+mj-ea"/>
+                <a:ea typeface="+mj-ea"/>
+              </a:rPr>
+              <a:t>?</a:t>
+            </a:r>
+          </a:p>
+          <a:p>
+            <a:pPr algn="ctr">
+              <a:lnSpc>
+                <a:spcPct val="200000"/>
+              </a:lnSpc>
+            </a:pPr>
+            <a:r>
+              <a:rPr lang="zh-TW" altLang="en-US" sz="3600" dirty="0">
+                <a:solidFill>
+                  <a:schemeClr val="bg1">
+                    <a:lumMod val="85000"/>
+                  </a:schemeClr>
+                </a:solidFill>
+                <a:latin typeface="+mj-ea"/>
+                <a:ea typeface="+mj-ea"/>
+              </a:rPr>
+              <a:t>不相等 </a:t>
+            </a:r>
+            <a:r>
+              <a:rPr lang="en-US" altLang="zh-TW" sz="3600" dirty="0">
+                <a:solidFill>
+                  <a:schemeClr val="bg1">
+                    <a:lumMod val="85000"/>
+                  </a:schemeClr>
+                </a:solidFill>
+                <a:latin typeface="+mj-ea"/>
+                <a:ea typeface="+mj-ea"/>
+              </a:rPr>
+              <a:t>=&gt;</a:t>
+            </a:r>
+            <a:r>
+              <a:rPr lang="zh-TW" altLang="en-US" sz="3600" dirty="0">
+                <a:solidFill>
+                  <a:schemeClr val="bg1">
+                    <a:lumMod val="85000"/>
+                  </a:schemeClr>
+                </a:solidFill>
+                <a:latin typeface="+mj-ea"/>
+                <a:ea typeface="+mj-ea"/>
+              </a:rPr>
+              <a:t>渲染頁面</a:t>
+            </a:r>
+            <a:endParaRPr lang="en-US" altLang="zh-TW" sz="3600" dirty="0">
+              <a:solidFill>
+                <a:schemeClr val="bg1">
+                  <a:lumMod val="85000"/>
+                </a:schemeClr>
+              </a:solidFill>
+              <a:latin typeface="+mj-ea"/>
+              <a:ea typeface="+mj-ea"/>
+            </a:endParaRPr>
+          </a:p>
+          <a:p>
+            <a:pPr algn="ctr">
+              <a:lnSpc>
+                <a:spcPct val="200000"/>
+              </a:lnSpc>
+            </a:pPr>
+            <a:r>
+              <a:rPr lang="zh-TW" altLang="en-US" sz="3600" dirty="0">
+                <a:solidFill>
+                  <a:schemeClr val="bg1">
+                    <a:lumMod val="85000"/>
+                  </a:schemeClr>
+                </a:solidFill>
+                <a:latin typeface="+mj-ea"/>
+                <a:ea typeface="+mj-ea"/>
+              </a:rPr>
+              <a:t>相等 </a:t>
+            </a:r>
+            <a:r>
+              <a:rPr lang="en-US" altLang="zh-TW" sz="3600" dirty="0">
+                <a:solidFill>
+                  <a:schemeClr val="bg1">
+                    <a:lumMod val="85000"/>
+                  </a:schemeClr>
+                </a:solidFill>
+                <a:latin typeface="+mj-ea"/>
+                <a:ea typeface="+mj-ea"/>
+              </a:rPr>
+              <a:t>=&gt;</a:t>
+            </a:r>
+            <a:r>
+              <a:rPr lang="zh-TW" altLang="en-US" sz="3600" dirty="0">
+                <a:solidFill>
+                  <a:schemeClr val="bg1">
+                    <a:lumMod val="85000"/>
+                  </a:schemeClr>
+                </a:solidFill>
+                <a:latin typeface="+mj-ea"/>
+                <a:ea typeface="+mj-ea"/>
+              </a:rPr>
+              <a:t>不渲染頁面</a:t>
+            </a:r>
+          </a:p>
+        </p:txBody>
+      </p:sp>
+    </p:spTree>
+    <p:extLst>
+      <p:ext uri="{BB962C8B-B14F-4D97-AF65-F5344CB8AC3E}">
+        <p14:creationId xmlns:p14="http://schemas.microsoft.com/office/powerpoint/2010/main" val="2692660869"/>
+      </p:ext>
+    </p:extLst>
+  </p:cSld>
+  <p:clrMapOvr>
+    <a:masterClrMapping/>
+  </p:clrMapOvr>
+  <mc:AlternateContent xmlns:mc="http://schemas.openxmlformats.org/markup-compatibility/2006" xmlns:p14="http://schemas.microsoft.com/office/powerpoint/2010/main">
+    <mc:Choice Requires="p14">
+      <p:transition p14:dur="160">
+        <p:fade/>
+      </p:transition>
+    </mc:Choice>
+    <mc:Fallback xmlns="">
+      <p:transition>
+        <p:fade/>
+      </p:transition>
+    </mc:Fallback>
+  </mc:AlternateContent>
+</p:sld>
+</file>
+
+<file path=ppt/slides/slide2.xml><?xml version="1.0" encoding="utf-8"?>
+<p:sld xmlns:a="http://schemas.openxmlformats.org/drawingml/2006/main" xmlns:r="http://schemas.openxmlformats.org/officeDocument/2006/relationships" xmlns:p="http://schemas.openxmlformats.org/presentationml/2006/main">
+  <p:cSld>
+    <p:spTree>
+      <p:nvGrpSpPr>
+        <p:cNvPr id="1" name=""/>
+        <p:cNvGrpSpPr/>
+        <p:nvPr/>
+      </p:nvGrpSpPr>
+      <p:grpSpPr>
+        <a:xfrm>
+          <a:off x="0" y="0"/>
+          <a:ext cx="0" cy="0"/>
+          <a:chOff x="0" y="0"/>
+          <a:chExt cx="0" cy="0"/>
+        </a:xfrm>
+      </p:grpSpPr>
+      <p:sp>
+        <p:nvSpPr>
+          <p:cNvPr id="2" name="標題 1">
+            <a:extLst>
+              <a:ext uri="{FF2B5EF4-FFF2-40B4-BE49-F238E27FC236}">
+                <a16:creationId xmlns:a16="http://schemas.microsoft.com/office/drawing/2014/main" id="{CCA008F0-D89F-4FA1-A9B3-CDF909905999}"/>
+              </a:ext>
+            </a:extLst>
+          </p:cNvPr>
+          <p:cNvSpPr>
+            <a:spLocks noGrp="1"/>
+          </p:cNvSpPr>
+          <p:nvPr>
+            <p:ph type="title"/>
+          </p:nvPr>
+        </p:nvSpPr>
+        <p:spPr/>
+        <p:txBody>
+          <a:bodyPr/>
+          <a:lstStyle/>
+          <a:p>
+            <a:pPr algn="ctr"/>
+            <a:r>
+              <a:rPr lang="zh-TW" altLang="en-US" dirty="0"/>
+              <a:t>簡介</a:t>
+            </a:r>
+          </a:p>
+        </p:txBody>
+      </p:sp>
+      <p:sp>
+        <p:nvSpPr>
+          <p:cNvPr id="6" name="內容版面配置區 5">
+            <a:extLst>
+              <a:ext uri="{FF2B5EF4-FFF2-40B4-BE49-F238E27FC236}">
+                <a16:creationId xmlns:a16="http://schemas.microsoft.com/office/drawing/2014/main" id="{4F0C5FDC-A68E-406D-87BA-52A5D64642E8}"/>
+              </a:ext>
+            </a:extLst>
+          </p:cNvPr>
+          <p:cNvSpPr>
+            <a:spLocks noGrp="1"/>
+          </p:cNvSpPr>
+          <p:nvPr>
+            <p:ph idx="1"/>
+          </p:nvPr>
+        </p:nvSpPr>
+        <p:spPr/>
+        <p:txBody>
+          <a:bodyPr>
+            <a:normAutofit/>
+          </a:bodyPr>
+          <a:lstStyle/>
+          <a:p>
+            <a:pPr marL="0" indent="0">
+              <a:buNone/>
+            </a:pPr>
+            <a:r>
+              <a:rPr lang="en-US" altLang="zh-TW" sz="6000" b="1" dirty="0">
+                <a:solidFill>
+                  <a:schemeClr val="bg1"/>
+                </a:solidFill>
+                <a:latin typeface="+mn-ea"/>
+              </a:rPr>
+              <a:t>React Hooks</a:t>
+            </a:r>
+          </a:p>
+          <a:p>
+            <a:pPr marL="0" indent="0">
+              <a:buNone/>
+            </a:pPr>
+            <a:r>
+              <a:rPr lang="en-US" altLang="zh-TW" sz="4000" dirty="0">
+                <a:solidFill>
+                  <a:schemeClr val="bg2"/>
+                </a:solidFill>
+                <a:latin typeface="+mn-ea"/>
+              </a:rPr>
+              <a:t>@ v-16.8.0 </a:t>
+            </a:r>
+          </a:p>
+          <a:p>
+            <a:pPr marL="0" indent="0" algn="ctr">
+              <a:buNone/>
+            </a:pPr>
+            <a:endParaRPr lang="en-US" altLang="zh-TW" sz="4000" dirty="0">
+              <a:solidFill>
+                <a:schemeClr val="bg1"/>
+              </a:solidFill>
+              <a:latin typeface="+mn-ea"/>
+            </a:endParaRPr>
+          </a:p>
+          <a:p>
+            <a:pPr>
+              <a:buFont typeface="Wingdings" panose="05000000000000000000" pitchFamily="2" charset="2"/>
+              <a:buChar char="l"/>
+            </a:pPr>
+            <a:r>
+              <a:rPr lang="zh-TW" altLang="en-US" sz="3200" dirty="0">
+                <a:solidFill>
+                  <a:schemeClr val="bg1"/>
+                </a:solidFill>
+                <a:latin typeface="+mn-ea"/>
+              </a:rPr>
+              <a:t>省略</a:t>
+            </a:r>
+            <a:r>
+              <a:rPr lang="en-US" altLang="zh-TW" sz="3200" dirty="0">
+                <a:solidFill>
+                  <a:schemeClr val="bg1"/>
+                </a:solidFill>
+                <a:latin typeface="+mn-ea"/>
+              </a:rPr>
+              <a:t>Class</a:t>
+            </a:r>
+            <a:r>
+              <a:rPr lang="zh-TW" altLang="en-US" sz="3200" dirty="0">
+                <a:solidFill>
+                  <a:schemeClr val="bg1"/>
+                </a:solidFill>
+                <a:latin typeface="+mn-ea"/>
+              </a:rPr>
+              <a:t>的結構</a:t>
+            </a:r>
+            <a:endParaRPr lang="en-US" altLang="zh-TW" sz="3200" dirty="0">
+              <a:solidFill>
+                <a:schemeClr val="bg1"/>
+              </a:solidFill>
+              <a:latin typeface="+mn-ea"/>
+            </a:endParaRPr>
+          </a:p>
+          <a:p>
+            <a:pPr>
+              <a:buFont typeface="Wingdings" panose="05000000000000000000" pitchFamily="2" charset="2"/>
+              <a:buChar char="l"/>
+            </a:pPr>
+            <a:r>
+              <a:rPr lang="zh-TW" altLang="en-US" sz="3200" b="1" dirty="0">
+                <a:solidFill>
+                  <a:schemeClr val="bg1"/>
+                </a:solidFill>
+                <a:latin typeface="+mn-ea"/>
+              </a:rPr>
+              <a:t>無生命週期</a:t>
+            </a:r>
+            <a:endParaRPr lang="en-US" altLang="zh-TW" sz="3200" b="1" dirty="0">
+              <a:solidFill>
+                <a:schemeClr val="bg1"/>
+              </a:solidFill>
+              <a:latin typeface="+mn-ea"/>
+            </a:endParaRPr>
+          </a:p>
+          <a:p>
+            <a:pPr>
+              <a:buFont typeface="Wingdings" panose="05000000000000000000" pitchFamily="2" charset="2"/>
+              <a:buChar char="l"/>
+            </a:pPr>
+            <a:r>
+              <a:rPr lang="en-US" altLang="zh-TW" sz="3200" b="1" dirty="0">
+                <a:solidFill>
+                  <a:schemeClr val="bg1"/>
+                </a:solidFill>
+                <a:latin typeface="+mn-ea"/>
+              </a:rPr>
+              <a:t>Class </a:t>
+            </a:r>
+            <a:r>
+              <a:rPr lang="zh-TW" altLang="en-US" sz="3200" b="1" dirty="0">
+                <a:solidFill>
+                  <a:schemeClr val="bg1"/>
+                </a:solidFill>
+                <a:latin typeface="+mn-ea"/>
+              </a:rPr>
+              <a:t>元件已經具備的能力</a:t>
+            </a:r>
+          </a:p>
+          <a:p>
+            <a:pPr>
+              <a:buFont typeface="Wingdings" panose="05000000000000000000" pitchFamily="2" charset="2"/>
+              <a:buChar char="l"/>
+            </a:pPr>
+            <a:endParaRPr lang="en-US" altLang="zh-TW" sz="3600" b="1" dirty="0">
+              <a:solidFill>
+                <a:schemeClr val="bg1"/>
+              </a:solidFill>
+            </a:endParaRPr>
+          </a:p>
+          <a:p>
+            <a:pPr>
+              <a:buFont typeface="Wingdings" panose="05000000000000000000" pitchFamily="2" charset="2"/>
+              <a:buChar char="l"/>
+            </a:pPr>
+            <a:endParaRPr lang="zh-TW" altLang="en-US" sz="3600" b="1" dirty="0">
+              <a:solidFill>
+                <a:schemeClr val="bg1"/>
+              </a:solidFill>
+            </a:endParaRPr>
+          </a:p>
+        </p:txBody>
+      </p:sp>
+      <p:sp>
+        <p:nvSpPr>
+          <p:cNvPr id="7" name="文字方塊 6">
+            <a:extLst>
+              <a:ext uri="{FF2B5EF4-FFF2-40B4-BE49-F238E27FC236}">
+                <a16:creationId xmlns:a16="http://schemas.microsoft.com/office/drawing/2014/main" id="{AEEB985D-6269-4732-BA55-994AD30471E8}"/>
+              </a:ext>
+            </a:extLst>
+          </p:cNvPr>
+          <p:cNvSpPr txBox="1"/>
+          <p:nvPr/>
+        </p:nvSpPr>
+        <p:spPr>
+          <a:xfrm>
+            <a:off x="5644055" y="2963917"/>
+            <a:ext cx="914400" cy="914400"/>
+          </a:xfrm>
+          <a:prstGeom prst="rect">
+            <a:avLst/>
+          </a:prstGeom>
+          <a:noFill/>
+        </p:spPr>
+        <p:txBody>
+          <a:bodyPr wrap="square" rtlCol="0">
+            <a:spAutoFit/>
+          </a:bodyPr>
+          <a:lstStyle/>
+          <a:p>
+            <a:endParaRPr lang="zh-TW" altLang="en-US" dirty="0"/>
+          </a:p>
+        </p:txBody>
+      </p:sp>
+    </p:spTree>
+    <p:extLst>
+      <p:ext uri="{BB962C8B-B14F-4D97-AF65-F5344CB8AC3E}">
+        <p14:creationId xmlns:p14="http://schemas.microsoft.com/office/powerpoint/2010/main" val="2351023602"/>
+      </p:ext>
+    </p:extLst>
+  </p:cSld>
+  <p:clrMapOvr>
+    <a:masterClrMapping/>
+  </p:clrMapOvr>
+  <mc:AlternateContent xmlns:mc="http://schemas.openxmlformats.org/markup-compatibility/2006" xmlns:p14="http://schemas.microsoft.com/office/powerpoint/2010/main">
+    <mc:Choice Requires="p14">
+      <p:transition p14:dur="160">
+        <p:fade/>
+      </p:transition>
+    </mc:Choice>
+    <mc:Fallback xmlns="">
+      <p:transition>
+        <p:fade/>
+      </p:transition>
+    </mc:Fallback>
+  </mc:AlternateContent>
+</p:sld>
+</file>
+
+<file path=ppt/slides/slide20.xml><?xml version="1.0" encoding="utf-8"?>
+<p:sld xmlns:a="http://schemas.openxmlformats.org/drawingml/2006/main" xmlns:r="http://schemas.openxmlformats.org/officeDocument/2006/relationships" xmlns:p="http://schemas.openxmlformats.org/presentationml/2006/main">
+  <p:cSld>
+    <p:spTree>
+      <p:nvGrpSpPr>
+        <p:cNvPr id="1" name=""/>
+        <p:cNvGrpSpPr/>
+        <p:nvPr/>
+      </p:nvGrpSpPr>
+      <p:grpSpPr>
+        <a:xfrm>
+          <a:off x="0" y="0"/>
+          <a:ext cx="0" cy="0"/>
+          <a:chOff x="0" y="0"/>
+          <a:chExt cx="0" cy="0"/>
+        </a:xfrm>
+      </p:grpSpPr>
+      <p:sp>
+        <p:nvSpPr>
+          <p:cNvPr id="2" name="投影片編號版面配置區 1">
+            <a:extLst>
+              <a:ext uri="{FF2B5EF4-FFF2-40B4-BE49-F238E27FC236}">
+                <a16:creationId xmlns:a16="http://schemas.microsoft.com/office/drawing/2014/main" id="{5E76234A-2C2F-41B3-A83E-0138CB5A06B9}"/>
+              </a:ext>
+            </a:extLst>
+          </p:cNvPr>
+          <p:cNvSpPr>
+            <a:spLocks noGrp="1"/>
+          </p:cNvSpPr>
+          <p:nvPr>
+            <p:ph type="sldNum" sz="quarter" idx="12"/>
+          </p:nvPr>
+        </p:nvSpPr>
+        <p:spPr/>
+        <p:txBody>
+          <a:bodyPr/>
+          <a:lstStyle/>
+          <a:p>
+            <a:fld id="{4FAB73BC-B049-4115-A692-8D63A059BFB8}" type="slidenum">
+              <a:rPr lang="en-US" smtClean="0"/>
+              <a:pPr/>
+              <a:t>20</a:t>
+            </a:fld>
+            <a:endParaRPr lang="en-US" dirty="0"/>
+          </a:p>
+        </p:txBody>
+      </p:sp>
+      <p:sp>
+        <p:nvSpPr>
+          <p:cNvPr id="3" name="文字版面配置區 2">
+            <a:extLst>
+              <a:ext uri="{FF2B5EF4-FFF2-40B4-BE49-F238E27FC236}">
+                <a16:creationId xmlns:a16="http://schemas.microsoft.com/office/drawing/2014/main" id="{A81C1EDD-A569-44F4-9C38-BF4DF82E92B7}"/>
+              </a:ext>
+            </a:extLst>
+          </p:cNvPr>
+          <p:cNvSpPr>
+            <a:spLocks noGrp="1"/>
+          </p:cNvSpPr>
+          <p:nvPr>
+            <p:ph type="body" sz="quarter" idx="13"/>
+          </p:nvPr>
+        </p:nvSpPr>
+        <p:spPr/>
+        <p:txBody>
+          <a:bodyPr/>
+          <a:lstStyle/>
+          <a:p>
+            <a:r>
+              <a:rPr lang="en-US" altLang="zh-TW" dirty="0" err="1">
+                <a:latin typeface="+mn-ea"/>
+              </a:rPr>
+              <a:t>useEffect</a:t>
+            </a:r>
+            <a:r>
+              <a:rPr lang="en-US" altLang="zh-TW" dirty="0">
+                <a:latin typeface="+mj-ea"/>
+              </a:rPr>
+              <a:t>( )</a:t>
+            </a:r>
+            <a:endParaRPr lang="zh-TW" altLang="en-US" dirty="0">
+              <a:latin typeface="+mj-ea"/>
+            </a:endParaRPr>
+          </a:p>
+        </p:txBody>
+      </p:sp>
+      <p:sp>
+        <p:nvSpPr>
+          <p:cNvPr id="4" name="文字方塊 3">
+            <a:extLst>
+              <a:ext uri="{FF2B5EF4-FFF2-40B4-BE49-F238E27FC236}">
+                <a16:creationId xmlns:a16="http://schemas.microsoft.com/office/drawing/2014/main" id="{42961FE4-BA36-45CB-9D32-47C6D43F8B8B}"/>
+              </a:ext>
+            </a:extLst>
+          </p:cNvPr>
+          <p:cNvSpPr txBox="1"/>
+          <p:nvPr/>
+        </p:nvSpPr>
+        <p:spPr>
+          <a:xfrm>
+            <a:off x="1362171" y="1884732"/>
+            <a:ext cx="8587945" cy="2483565"/>
+          </a:xfrm>
+          <a:prstGeom prst="rect">
+            <a:avLst/>
+          </a:prstGeom>
+          <a:noFill/>
+        </p:spPr>
+        <p:txBody>
+          <a:bodyPr wrap="square" rtlCol="0">
+            <a:spAutoFit/>
+          </a:bodyPr>
+          <a:lstStyle/>
+          <a:p>
+            <a:pPr marL="457200" indent="-457200">
+              <a:lnSpc>
+                <a:spcPct val="150000"/>
+              </a:lnSpc>
+              <a:buFont typeface="Arial" panose="020B0604020202020204" pitchFamily="34" charset="0"/>
+              <a:buChar char="•"/>
+            </a:pPr>
+            <a:r>
+              <a:rPr lang="zh-TW" altLang="en-US" sz="3600" dirty="0">
+                <a:solidFill>
+                  <a:schemeClr val="bg1">
+                    <a:lumMod val="85000"/>
+                  </a:schemeClr>
+                </a:solidFill>
+                <a:latin typeface="+mn-ea"/>
+              </a:rPr>
+              <a:t>提供新的生命週期的使用</a:t>
+            </a:r>
+            <a:endParaRPr lang="en-US" altLang="zh-TW" sz="3600" dirty="0">
+              <a:solidFill>
+                <a:schemeClr val="bg1">
+                  <a:lumMod val="85000"/>
+                </a:schemeClr>
+              </a:solidFill>
+              <a:latin typeface="+mn-ea"/>
+            </a:endParaRPr>
+          </a:p>
+          <a:p>
+            <a:pPr marL="457200" indent="-457200">
+              <a:lnSpc>
+                <a:spcPct val="150000"/>
+              </a:lnSpc>
+              <a:buFont typeface="Arial" panose="020B0604020202020204" pitchFamily="34" charset="0"/>
+              <a:buChar char="•"/>
+            </a:pPr>
+            <a:r>
+              <a:rPr lang="zh-TW" altLang="en-US" sz="3600" dirty="0">
+                <a:solidFill>
+                  <a:schemeClr val="bg1">
+                    <a:lumMod val="85000"/>
+                  </a:schemeClr>
+                </a:solidFill>
+                <a:latin typeface="+mn-ea"/>
+              </a:rPr>
+              <a:t>更便利的使用</a:t>
+            </a:r>
+            <a:endParaRPr lang="en-US" altLang="zh-TW" sz="3600" dirty="0">
+              <a:solidFill>
+                <a:schemeClr val="bg1">
+                  <a:lumMod val="85000"/>
+                </a:schemeClr>
+              </a:solidFill>
+              <a:latin typeface="+mn-ea"/>
+            </a:endParaRPr>
+          </a:p>
+          <a:p>
+            <a:pPr marL="457200" indent="-457200">
+              <a:lnSpc>
+                <a:spcPct val="150000"/>
+              </a:lnSpc>
+              <a:buFont typeface="Arial" panose="020B0604020202020204" pitchFamily="34" charset="0"/>
+              <a:buChar char="•"/>
+            </a:pPr>
+            <a:r>
+              <a:rPr lang="zh-TW" altLang="en-US" sz="3600" dirty="0">
+                <a:solidFill>
+                  <a:schemeClr val="bg1">
+                    <a:lumMod val="85000"/>
+                  </a:schemeClr>
+                </a:solidFill>
+                <a:latin typeface="+mn-ea"/>
+              </a:rPr>
+              <a:t>更能分清楚使用上目的</a:t>
+            </a:r>
+          </a:p>
+        </p:txBody>
+      </p:sp>
+    </p:spTree>
+    <p:extLst>
+      <p:ext uri="{BB962C8B-B14F-4D97-AF65-F5344CB8AC3E}">
+        <p14:creationId xmlns:p14="http://schemas.microsoft.com/office/powerpoint/2010/main" val="3787529373"/>
+      </p:ext>
+    </p:extLst>
+  </p:cSld>
+  <p:clrMapOvr>
+    <a:masterClrMapping/>
+  </p:clrMapOvr>
+  <mc:AlternateContent xmlns:mc="http://schemas.openxmlformats.org/markup-compatibility/2006" xmlns:p14="http://schemas.microsoft.com/office/powerpoint/2010/main">
+    <mc:Choice Requires="p14">
+      <p:transition p14:dur="160">
+        <p:fade/>
+      </p:transition>
+    </mc:Choice>
+    <mc:Fallback xmlns="">
+      <p:transition>
+        <p:fade/>
+      </p:transition>
+    </mc:Fallback>
+  </mc:AlternateContent>
+</p:sld>
+</file>
+
+<file path=ppt/slides/slide21.xml><?xml version="1.0" encoding="utf-8"?>
+<p:sld xmlns:a="http://schemas.openxmlformats.org/drawingml/2006/main" xmlns:r="http://schemas.openxmlformats.org/officeDocument/2006/relationships" xmlns:p="http://schemas.openxmlformats.org/presentationml/2006/main">
+  <p:cSld>
+    <p:spTree>
+      <p:nvGrpSpPr>
+        <p:cNvPr id="1" name=""/>
+        <p:cNvGrpSpPr/>
+        <p:nvPr/>
+      </p:nvGrpSpPr>
+      <p:grpSpPr>
+        <a:xfrm>
+          <a:off x="0" y="0"/>
+          <a:ext cx="0" cy="0"/>
+          <a:chOff x="0" y="0"/>
+          <a:chExt cx="0" cy="0"/>
+        </a:xfrm>
+      </p:grpSpPr>
+      <p:sp>
+        <p:nvSpPr>
+          <p:cNvPr id="2" name="投影片編號版面配置區 1">
+            <a:extLst>
+              <a:ext uri="{FF2B5EF4-FFF2-40B4-BE49-F238E27FC236}">
+                <a16:creationId xmlns:a16="http://schemas.microsoft.com/office/drawing/2014/main" id="{5321DC1F-7624-4F57-B673-3C48399B9283}"/>
+              </a:ext>
+            </a:extLst>
+          </p:cNvPr>
+          <p:cNvSpPr>
+            <a:spLocks noGrp="1"/>
+          </p:cNvSpPr>
+          <p:nvPr>
+            <p:ph type="sldNum" sz="quarter" idx="12"/>
+          </p:nvPr>
+        </p:nvSpPr>
+        <p:spPr/>
+        <p:txBody>
+          <a:bodyPr/>
+          <a:lstStyle/>
+          <a:p>
+            <a:fld id="{4FAB73BC-B049-4115-A692-8D63A059BFB8}" type="slidenum">
+              <a:rPr lang="en-US" smtClean="0"/>
+              <a:pPr/>
+              <a:t>21</a:t>
+            </a:fld>
+            <a:endParaRPr lang="en-US" dirty="0"/>
+          </a:p>
+        </p:txBody>
+      </p:sp>
+      <p:sp>
+        <p:nvSpPr>
+          <p:cNvPr id="3" name="文字版面配置區 2">
+            <a:extLst>
+              <a:ext uri="{FF2B5EF4-FFF2-40B4-BE49-F238E27FC236}">
+                <a16:creationId xmlns:a16="http://schemas.microsoft.com/office/drawing/2014/main" id="{96931718-23C2-4D8C-9172-96D6394F2897}"/>
+              </a:ext>
+            </a:extLst>
+          </p:cNvPr>
+          <p:cNvSpPr>
+            <a:spLocks noGrp="1"/>
+          </p:cNvSpPr>
+          <p:nvPr>
+            <p:ph type="body" sz="quarter" idx="13"/>
+          </p:nvPr>
+        </p:nvSpPr>
+        <p:spPr/>
+        <p:txBody>
+          <a:bodyPr/>
+          <a:lstStyle/>
+          <a:p>
+            <a:r>
+              <a:rPr lang="en-US" altLang="zh-TW" dirty="0" err="1">
+                <a:latin typeface="+mn-ea"/>
+              </a:rPr>
+              <a:t>useRef</a:t>
+            </a:r>
+            <a:r>
+              <a:rPr lang="en-US" altLang="zh-TW" dirty="0">
+                <a:latin typeface="+mj-ea"/>
+              </a:rPr>
+              <a:t>( )</a:t>
+            </a:r>
+            <a:endParaRPr lang="zh-TW" altLang="en-US" dirty="0">
+              <a:latin typeface="+mj-ea"/>
+            </a:endParaRPr>
+          </a:p>
+        </p:txBody>
+      </p:sp>
+    </p:spTree>
+    <p:extLst>
+      <p:ext uri="{BB962C8B-B14F-4D97-AF65-F5344CB8AC3E}">
+        <p14:creationId xmlns:p14="http://schemas.microsoft.com/office/powerpoint/2010/main" val="2281194327"/>
+      </p:ext>
+    </p:extLst>
+  </p:cSld>
+  <p:clrMapOvr>
+    <a:masterClrMapping/>
+  </p:clrMapOvr>
+  <mc:AlternateContent xmlns:mc="http://schemas.openxmlformats.org/markup-compatibility/2006" xmlns:p14="http://schemas.microsoft.com/office/powerpoint/2010/main">
+    <mc:Choice Requires="p14">
+      <p:transition p14:dur="160">
+        <p:fade/>
+      </p:transition>
+    </mc:Choice>
+    <mc:Fallback xmlns="">
+      <p:transition>
+        <p:fade/>
+      </p:transition>
+    </mc:Fallback>
+  </mc:AlternateContent>
+</p:sld>
+</file>
+
+<file path=ppt/slides/slide22.xml><?xml version="1.0" encoding="utf-8"?>
+<p:sld xmlns:a="http://schemas.openxmlformats.org/drawingml/2006/main" xmlns:r="http://schemas.openxmlformats.org/officeDocument/2006/relationships" xmlns:p="http://schemas.openxmlformats.org/presentationml/2006/main">
+  <p:cSld>
+    <p:spTree>
+      <p:nvGrpSpPr>
+        <p:cNvPr id="1" name=""/>
+        <p:cNvGrpSpPr/>
+        <p:nvPr/>
+      </p:nvGrpSpPr>
+      <p:grpSpPr>
+        <a:xfrm>
+          <a:off x="0" y="0"/>
+          <a:ext cx="0" cy="0"/>
+          <a:chOff x="0" y="0"/>
+          <a:chExt cx="0" cy="0"/>
+        </a:xfrm>
+      </p:grpSpPr>
+      <p:sp>
+        <p:nvSpPr>
+          <p:cNvPr id="2" name="投影片編號版面配置區 1">
+            <a:extLst>
+              <a:ext uri="{FF2B5EF4-FFF2-40B4-BE49-F238E27FC236}">
+                <a16:creationId xmlns:a16="http://schemas.microsoft.com/office/drawing/2014/main" id="{5321DC1F-7624-4F57-B673-3C48399B9283}"/>
+              </a:ext>
+            </a:extLst>
+          </p:cNvPr>
+          <p:cNvSpPr>
+            <a:spLocks noGrp="1"/>
+          </p:cNvSpPr>
+          <p:nvPr>
+            <p:ph type="sldNum" sz="quarter" idx="12"/>
+          </p:nvPr>
+        </p:nvSpPr>
+        <p:spPr/>
+        <p:txBody>
+          <a:bodyPr/>
+          <a:lstStyle/>
+          <a:p>
+            <a:fld id="{4FAB73BC-B049-4115-A692-8D63A059BFB8}" type="slidenum">
+              <a:rPr lang="en-US" smtClean="0"/>
+              <a:pPr/>
+              <a:t>22</a:t>
+            </a:fld>
+            <a:endParaRPr lang="en-US" dirty="0"/>
+          </a:p>
+        </p:txBody>
+      </p:sp>
+      <p:sp>
+        <p:nvSpPr>
+          <p:cNvPr id="3" name="文字版面配置區 2">
+            <a:extLst>
+              <a:ext uri="{FF2B5EF4-FFF2-40B4-BE49-F238E27FC236}">
+                <a16:creationId xmlns:a16="http://schemas.microsoft.com/office/drawing/2014/main" id="{96931718-23C2-4D8C-9172-96D6394F2897}"/>
+              </a:ext>
+            </a:extLst>
+          </p:cNvPr>
+          <p:cNvSpPr>
+            <a:spLocks noGrp="1"/>
+          </p:cNvSpPr>
+          <p:nvPr>
+            <p:ph type="body" sz="quarter" idx="13"/>
+          </p:nvPr>
+        </p:nvSpPr>
+        <p:spPr/>
+        <p:txBody>
+          <a:bodyPr/>
+          <a:lstStyle/>
+          <a:p>
+            <a:r>
+              <a:rPr lang="en-US" altLang="zh-TW" dirty="0" err="1">
+                <a:latin typeface="+mn-ea"/>
+              </a:rPr>
+              <a:t>useContext</a:t>
+            </a:r>
+            <a:r>
+              <a:rPr lang="en-US" altLang="zh-TW" dirty="0">
+                <a:latin typeface="+mj-ea"/>
+              </a:rPr>
+              <a:t>( )</a:t>
+            </a:r>
+            <a:endParaRPr lang="zh-TW" altLang="en-US" dirty="0">
+              <a:latin typeface="+mj-ea"/>
+            </a:endParaRPr>
+          </a:p>
+        </p:txBody>
+      </p:sp>
+    </p:spTree>
+    <p:extLst>
+      <p:ext uri="{BB962C8B-B14F-4D97-AF65-F5344CB8AC3E}">
+        <p14:creationId xmlns:p14="http://schemas.microsoft.com/office/powerpoint/2010/main" val="2841598273"/>
+      </p:ext>
+    </p:extLst>
+  </p:cSld>
+  <p:clrMapOvr>
+    <a:masterClrMapping/>
+  </p:clrMapOvr>
+  <mc:AlternateContent xmlns:mc="http://schemas.openxmlformats.org/markup-compatibility/2006" xmlns:p14="http://schemas.microsoft.com/office/powerpoint/2010/main">
+    <mc:Choice Requires="p14">
+      <p:transition p14:dur="160">
+        <p:fade/>
+      </p:transition>
+    </mc:Choice>
+    <mc:Fallback xmlns="">
+      <p:transition>
+        <p:fade/>
+      </p:transition>
+    </mc:Fallback>
+  </mc:AlternateContent>
+</p:sld>
+</file>
+
+<file path=ppt/slides/slide23.xml><?xml version="1.0" encoding="utf-8"?>
+<p:sld xmlns:a="http://schemas.openxmlformats.org/drawingml/2006/main" xmlns:r="http://schemas.openxmlformats.org/officeDocument/2006/relationships" xmlns:p="http://schemas.openxmlformats.org/presentationml/2006/main">
+  <p:cSld>
+    <p:spTree>
+      <p:nvGrpSpPr>
+        <p:cNvPr id="1" name=""/>
+        <p:cNvGrpSpPr/>
+        <p:nvPr/>
+      </p:nvGrpSpPr>
+      <p:grpSpPr>
+        <a:xfrm>
+          <a:off x="0" y="0"/>
+          <a:ext cx="0" cy="0"/>
+          <a:chOff x="0" y="0"/>
+          <a:chExt cx="0" cy="0"/>
+        </a:xfrm>
+      </p:grpSpPr>
+      <p:sp>
+        <p:nvSpPr>
+          <p:cNvPr id="2" name="投影片編號版面配置區 1">
+            <a:extLst>
+              <a:ext uri="{FF2B5EF4-FFF2-40B4-BE49-F238E27FC236}">
+                <a16:creationId xmlns:a16="http://schemas.microsoft.com/office/drawing/2014/main" id="{5321DC1F-7624-4F57-B673-3C48399B9283}"/>
+              </a:ext>
+            </a:extLst>
+          </p:cNvPr>
+          <p:cNvSpPr>
+            <a:spLocks noGrp="1"/>
+          </p:cNvSpPr>
+          <p:nvPr>
+            <p:ph type="sldNum" sz="quarter" idx="12"/>
+          </p:nvPr>
+        </p:nvSpPr>
+        <p:spPr/>
+        <p:txBody>
+          <a:bodyPr/>
+          <a:lstStyle/>
+          <a:p>
+            <a:fld id="{4FAB73BC-B049-4115-A692-8D63A059BFB8}" type="slidenum">
+              <a:rPr lang="en-US" smtClean="0"/>
+              <a:pPr/>
+              <a:t>23</a:t>
+            </a:fld>
+            <a:endParaRPr lang="en-US" dirty="0"/>
+          </a:p>
+        </p:txBody>
+      </p:sp>
+      <p:sp>
+        <p:nvSpPr>
+          <p:cNvPr id="3" name="文字版面配置區 2">
+            <a:extLst>
+              <a:ext uri="{FF2B5EF4-FFF2-40B4-BE49-F238E27FC236}">
+                <a16:creationId xmlns:a16="http://schemas.microsoft.com/office/drawing/2014/main" id="{96931718-23C2-4D8C-9172-96D6394F2897}"/>
+              </a:ext>
+            </a:extLst>
+          </p:cNvPr>
+          <p:cNvSpPr>
+            <a:spLocks noGrp="1"/>
+          </p:cNvSpPr>
+          <p:nvPr>
+            <p:ph type="body" sz="quarter" idx="13"/>
+          </p:nvPr>
+        </p:nvSpPr>
+        <p:spPr/>
+        <p:txBody>
+          <a:bodyPr/>
+          <a:lstStyle/>
+          <a:p>
+            <a:r>
+              <a:rPr lang="en-US" altLang="zh-TW" dirty="0" err="1">
+                <a:latin typeface="+mn-ea"/>
+              </a:rPr>
+              <a:t>useMemo</a:t>
+            </a:r>
+            <a:r>
+              <a:rPr lang="en-US" altLang="zh-TW" dirty="0">
+                <a:latin typeface="+mj-ea"/>
+              </a:rPr>
+              <a:t>( )</a:t>
+            </a:r>
+            <a:endParaRPr lang="zh-TW" altLang="en-US" dirty="0">
+              <a:latin typeface="+mj-ea"/>
+            </a:endParaRPr>
+          </a:p>
+        </p:txBody>
+      </p:sp>
+    </p:spTree>
+    <p:extLst>
+      <p:ext uri="{BB962C8B-B14F-4D97-AF65-F5344CB8AC3E}">
+        <p14:creationId xmlns:p14="http://schemas.microsoft.com/office/powerpoint/2010/main" val="3402258282"/>
+      </p:ext>
+    </p:extLst>
+  </p:cSld>
+  <p:clrMapOvr>
+    <a:masterClrMapping/>
+  </p:clrMapOvr>
+  <mc:AlternateContent xmlns:mc="http://schemas.openxmlformats.org/markup-compatibility/2006" xmlns:p14="http://schemas.microsoft.com/office/powerpoint/2010/main">
+    <mc:Choice Requires="p14">
+      <p:transition p14:dur="160">
+        <p:fade/>
+      </p:transition>
+    </mc:Choice>
+    <mc:Fallback xmlns="">
+      <p:transition>
+        <p:fade/>
+      </p:transition>
+    </mc:Fallback>
+  </mc:AlternateContent>
+</p:sld>
+</file>
+
+<file path=ppt/slides/slide24.xml><?xml version="1.0" encoding="utf-8"?>
 <p:sld xmlns:a="http://schemas.openxmlformats.org/drawingml/2006/main" xmlns:r="http://schemas.openxmlformats.org/officeDocument/2006/relationships" xmlns:p="http://schemas.openxmlformats.org/presentationml/2006/main">
   <p:cSld>
     <p:spTree>
@@ -8696,17 +10310,10 @@
       </p:transition>
     </mc:Fallback>
   </mc:AlternateContent>
-  <p:timing>
-    <p:tnLst>
-      <p:par>
-        <p:cTn id="1" dur="indefinite" restart="never" nodeType="tmRoot"/>
-      </p:par>
-    </p:tnLst>
-  </p:timing>
 </p:sld>
 </file>
 
-<file path=ppt/slides/slide2.xml><?xml version="1.0" encoding="utf-8"?>
+<file path=ppt/slides/slide25.xml><?xml version="1.0" encoding="utf-8"?>
 <p:sld xmlns:a="http://schemas.openxmlformats.org/drawingml/2006/main" xmlns:r="http://schemas.openxmlformats.org/officeDocument/2006/relationships" xmlns:p="http://schemas.openxmlformats.org/presentationml/2006/main">
   <p:cSld>
     <p:spTree>
@@ -8725,285 +10332,6 @@
       </p:grpSpPr>
       <p:sp>
         <p:nvSpPr>
-          <p:cNvPr id="2" name="標題 1">
-            <a:extLst>
-              <a:ext uri="{FF2B5EF4-FFF2-40B4-BE49-F238E27FC236}">
-                <a16:creationId xmlns:a16="http://schemas.microsoft.com/office/drawing/2014/main" id="{CCA008F0-D89F-4FA1-A9B3-CDF909905999}"/>
-              </a:ext>
-            </a:extLst>
-          </p:cNvPr>
-          <p:cNvSpPr>
-            <a:spLocks noGrp="1"/>
-          </p:cNvSpPr>
-          <p:nvPr>
-            <p:ph type="title"/>
-          </p:nvPr>
-        </p:nvSpPr>
-        <p:spPr/>
-        <p:txBody>
-          <a:bodyPr/>
-          <a:lstStyle/>
-          <a:p>
-            <a:pPr algn="ctr"/>
-            <a:r>
-              <a:rPr lang="zh-TW" altLang="en-US" dirty="0"/>
-              <a:t>簡介</a:t>
-            </a:r>
-          </a:p>
-        </p:txBody>
-      </p:sp>
-      <p:sp>
-        <p:nvSpPr>
-          <p:cNvPr id="6" name="內容版面配置區 5">
-            <a:extLst>
-              <a:ext uri="{FF2B5EF4-FFF2-40B4-BE49-F238E27FC236}">
-                <a16:creationId xmlns:a16="http://schemas.microsoft.com/office/drawing/2014/main" id="{4F0C5FDC-A68E-406D-87BA-52A5D64642E8}"/>
-              </a:ext>
-            </a:extLst>
-          </p:cNvPr>
-          <p:cNvSpPr>
-            <a:spLocks noGrp="1"/>
-          </p:cNvSpPr>
-          <p:nvPr>
-            <p:ph idx="1"/>
-          </p:nvPr>
-        </p:nvSpPr>
-        <p:spPr/>
-        <p:txBody>
-          <a:bodyPr>
-            <a:normAutofit/>
-          </a:bodyPr>
-          <a:lstStyle/>
-          <a:p>
-            <a:pPr marL="0" indent="0">
-              <a:buNone/>
-            </a:pPr>
-            <a:r>
-              <a:rPr lang="en-US" altLang="zh-TW" sz="6000" b="1" dirty="0">
-                <a:solidFill>
-                  <a:schemeClr val="bg1"/>
-                </a:solidFill>
-                <a:latin typeface="+mn-ea"/>
-              </a:rPr>
-              <a:t>React Hooks</a:t>
-            </a:r>
-          </a:p>
-          <a:p>
-            <a:pPr marL="0" indent="0">
-              <a:buNone/>
-            </a:pPr>
-            <a:r>
-              <a:rPr lang="en-US" altLang="zh-TW" sz="4000" dirty="0">
-                <a:solidFill>
-                  <a:schemeClr val="bg2"/>
-                </a:solidFill>
-                <a:latin typeface="+mn-ea"/>
-              </a:rPr>
-              <a:t>@ v-16.8.0 </a:t>
-            </a:r>
-          </a:p>
-          <a:p>
-            <a:pPr marL="0" indent="0" algn="ctr">
-              <a:buNone/>
-            </a:pPr>
-            <a:endParaRPr lang="en-US" altLang="zh-TW" sz="4000" dirty="0">
-              <a:solidFill>
-                <a:schemeClr val="bg1"/>
-              </a:solidFill>
-              <a:latin typeface="+mn-ea"/>
-            </a:endParaRPr>
-          </a:p>
-          <a:p>
-            <a:pPr>
-              <a:buFont typeface="Wingdings" panose="05000000000000000000" pitchFamily="2" charset="2"/>
-              <a:buChar char="l"/>
-            </a:pPr>
-            <a:r>
-              <a:rPr lang="zh-TW" altLang="en-US" sz="3200" dirty="0">
-                <a:solidFill>
-                  <a:schemeClr val="bg1"/>
-                </a:solidFill>
-                <a:latin typeface="+mn-ea"/>
-              </a:rPr>
-              <a:t>省略</a:t>
-            </a:r>
-            <a:r>
-              <a:rPr lang="en-US" altLang="zh-TW" sz="3200" dirty="0">
-                <a:solidFill>
-                  <a:schemeClr val="bg1"/>
-                </a:solidFill>
-                <a:latin typeface="+mn-ea"/>
-              </a:rPr>
-              <a:t>Class</a:t>
-            </a:r>
-            <a:r>
-              <a:rPr lang="zh-TW" altLang="en-US" sz="3200" dirty="0">
-                <a:solidFill>
-                  <a:schemeClr val="bg1"/>
-                </a:solidFill>
-                <a:latin typeface="+mn-ea"/>
-              </a:rPr>
-              <a:t>的結構</a:t>
-            </a:r>
-            <a:endParaRPr lang="en-US" altLang="zh-TW" sz="3200" dirty="0">
-              <a:solidFill>
-                <a:schemeClr val="bg1"/>
-              </a:solidFill>
-              <a:latin typeface="+mn-ea"/>
-            </a:endParaRPr>
-          </a:p>
-          <a:p>
-            <a:pPr>
-              <a:buFont typeface="Wingdings" panose="05000000000000000000" pitchFamily="2" charset="2"/>
-              <a:buChar char="l"/>
-            </a:pPr>
-            <a:r>
-              <a:rPr lang="zh-TW" altLang="en-US" sz="3200" b="1" dirty="0">
-                <a:solidFill>
-                  <a:schemeClr val="bg1"/>
-                </a:solidFill>
-                <a:latin typeface="+mn-ea"/>
-              </a:rPr>
-              <a:t>無生命週期</a:t>
-            </a:r>
-            <a:endParaRPr lang="en-US" altLang="zh-TW" sz="3200" b="1" dirty="0">
-              <a:solidFill>
-                <a:schemeClr val="bg1"/>
-              </a:solidFill>
-              <a:latin typeface="+mn-ea"/>
-            </a:endParaRPr>
-          </a:p>
-          <a:p>
-            <a:pPr>
-              <a:buFont typeface="Wingdings" panose="05000000000000000000" pitchFamily="2" charset="2"/>
-              <a:buChar char="l"/>
-            </a:pPr>
-            <a:r>
-              <a:rPr lang="en-US" altLang="zh-TW" sz="3200" b="1" dirty="0">
-                <a:solidFill>
-                  <a:schemeClr val="bg1"/>
-                </a:solidFill>
-                <a:latin typeface="+mn-ea"/>
-              </a:rPr>
-              <a:t>Class </a:t>
-            </a:r>
-            <a:r>
-              <a:rPr lang="zh-TW" altLang="en-US" sz="3200" b="1" dirty="0">
-                <a:solidFill>
-                  <a:schemeClr val="bg1"/>
-                </a:solidFill>
-                <a:latin typeface="+mn-ea"/>
-              </a:rPr>
-              <a:t>元件已經具備的能力</a:t>
-            </a:r>
-          </a:p>
-          <a:p>
-            <a:pPr>
-              <a:buFont typeface="Wingdings" panose="05000000000000000000" pitchFamily="2" charset="2"/>
-              <a:buChar char="l"/>
-            </a:pPr>
-            <a:endParaRPr lang="en-US" altLang="zh-TW" sz="3600" b="1" dirty="0">
-              <a:solidFill>
-                <a:schemeClr val="bg1"/>
-              </a:solidFill>
-            </a:endParaRPr>
-          </a:p>
-          <a:p>
-            <a:pPr>
-              <a:buFont typeface="Wingdings" panose="05000000000000000000" pitchFamily="2" charset="2"/>
-              <a:buChar char="l"/>
-            </a:pPr>
-            <a:endParaRPr lang="zh-TW" altLang="en-US" sz="3600" b="1" dirty="0">
-              <a:solidFill>
-                <a:schemeClr val="bg1"/>
-              </a:solidFill>
-            </a:endParaRPr>
-          </a:p>
-        </p:txBody>
-      </p:sp>
-      <p:sp>
-        <p:nvSpPr>
-          <p:cNvPr id="7" name="文字方塊 6">
-            <a:extLst>
-              <a:ext uri="{FF2B5EF4-FFF2-40B4-BE49-F238E27FC236}">
-                <a16:creationId xmlns:a16="http://schemas.microsoft.com/office/drawing/2014/main" id="{AEEB985D-6269-4732-BA55-994AD30471E8}"/>
-              </a:ext>
-            </a:extLst>
-          </p:cNvPr>
-          <p:cNvSpPr txBox="1"/>
-          <p:nvPr/>
-        </p:nvSpPr>
-        <p:spPr>
-          <a:xfrm>
-            <a:off x="5644055" y="2963917"/>
-            <a:ext cx="914400" cy="914400"/>
-          </a:xfrm>
-          <a:prstGeom prst="rect">
-            <a:avLst/>
-          </a:prstGeom>
-          <a:noFill/>
-        </p:spPr>
-        <p:txBody>
-          <a:bodyPr wrap="square" rtlCol="0">
-            <a:spAutoFit/>
-          </a:bodyPr>
-          <a:lstStyle/>
-          <a:p>
-            <a:endParaRPr lang="zh-TW" altLang="en-US" dirty="0"/>
-          </a:p>
-        </p:txBody>
-      </p:sp>
-    </p:spTree>
-    <p:extLst>
-      <p:ext uri="{BB962C8B-B14F-4D97-AF65-F5344CB8AC3E}">
-        <p14:creationId xmlns:p14="http://schemas.microsoft.com/office/powerpoint/2010/main" val="2351023602"/>
-      </p:ext>
-    </p:extLst>
-  </p:cSld>
-  <p:clrMapOvr>
-    <a:masterClrMapping/>
-  </p:clrMapOvr>
-  <mc:AlternateContent xmlns:mc="http://schemas.openxmlformats.org/markup-compatibility/2006" xmlns:p14="http://schemas.microsoft.com/office/powerpoint/2010/main">
-    <mc:Choice Requires="p14">
-      <p:transition p14:dur="160">
-        <p:fade/>
-      </p:transition>
-    </mc:Choice>
-    <mc:Fallback xmlns="">
-      <p:transition>
-        <p:fade/>
-      </p:transition>
-    </mc:Fallback>
-  </mc:AlternateContent>
-  <p:timing>
-    <p:tnLst>
-      <p:par>
-        <p:cTn id="1" dur="indefinite" restart="never" nodeType="tmRoot"/>
-      </p:par>
-    </p:tnLst>
-  </p:timing>
-</p:sld>
-</file>
-
-<file path=ppt/slides/slide20.xml><?xml version="1.0" encoding="utf-8"?>
-<p:sld xmlns:a="http://schemas.openxmlformats.org/drawingml/2006/main" xmlns:r="http://schemas.openxmlformats.org/officeDocument/2006/relationships" xmlns:p="http://schemas.openxmlformats.org/presentationml/2006/main">
-  <p:cSld>
-    <p:spTree>
-      <p:nvGrpSpPr>
-        <p:cNvPr id="1" name=""/>
-        <p:cNvGrpSpPr/>
-        <p:nvPr/>
-      </p:nvGrpSpPr>
-      <p:grpSpPr>
-        <a:xfrm>
-          <a:off x="0" y="0"/>
-          <a:ext cx="0" cy="0"/>
-          <a:chOff x="0" y="0"/>
-          <a:chExt cx="0" cy="0"/>
-        </a:xfrm>
-      </p:grpSpPr>
-      <p:sp>
-        <p:nvSpPr>
           <p:cNvPr id="3" name="投影片編號版面配置區 2"/>
           <p:cNvSpPr>
             <a:spLocks noGrp="1"/>
@@ -9020,7 +10348,7 @@
             <a:fld id="{4FAB73BC-B049-4115-A692-8D63A059BFB8}" type="slidenum">
               <a:rPr lang="en-US" smtClean="0"/>
               <a:pPr/>
-              <a:t>20</a:t>
+              <a:t>25</a:t>
             </a:fld>
             <a:endParaRPr lang="en-US" dirty="0"/>
           </a:p>
@@ -9048,17 +10376,10 @@
       </p:transition>
     </mc:Fallback>
   </mc:AlternateContent>
-  <p:timing>
-    <p:tnLst>
-      <p:par>
-        <p:cTn id="1" dur="indefinite" restart="never" nodeType="tmRoot"/>
-      </p:par>
-    </p:tnLst>
-  </p:timing>
 </p:sld>
 </file>
 
-<file path=ppt/slides/slide21.xml><?xml version="1.0" encoding="utf-8"?>
+<file path=ppt/slides/slide26.xml><?xml version="1.0" encoding="utf-8"?>
 <p:sld xmlns:a="http://schemas.openxmlformats.org/drawingml/2006/main" xmlns:r="http://schemas.openxmlformats.org/officeDocument/2006/relationships" xmlns:p="http://schemas.openxmlformats.org/presentationml/2006/main">
   <p:cSld>
     <p:spTree>
@@ -9162,17 +10483,10 @@
       </p:transition>
     </mc:Fallback>
   </mc:AlternateContent>
-  <p:timing>
-    <p:tnLst>
-      <p:par>
-        <p:cTn id="1" dur="indefinite" restart="never" nodeType="tmRoot"/>
-      </p:par>
-    </p:tnLst>
-  </p:timing>
 </p:sld>
 </file>
 
-<file path=ppt/slides/slide22.xml><?xml version="1.0" encoding="utf-8"?>
+<file path=ppt/slides/slide27.xml><?xml version="1.0" encoding="utf-8"?>
 <p:sld xmlns:a="http://schemas.openxmlformats.org/drawingml/2006/main" xmlns:r="http://schemas.openxmlformats.org/officeDocument/2006/relationships" xmlns:p="http://schemas.openxmlformats.org/presentationml/2006/main">
   <p:cSld>
     <p:spTree>
@@ -9207,7 +10521,7 @@
             <a:fld id="{4FAB73BC-B049-4115-A692-8D63A059BFB8}" type="slidenum">
               <a:rPr lang="en-US" smtClean="0"/>
               <a:pPr/>
-              <a:t>22</a:t>
+              <a:t>27</a:t>
             </a:fld>
             <a:endParaRPr lang="en-US" dirty="0"/>
           </a:p>
@@ -9235,17 +10549,10 @@
       </p:transition>
     </mc:Fallback>
   </mc:AlternateContent>
-  <p:timing>
-    <p:tnLst>
-      <p:par>
-        <p:cTn id="1" dur="indefinite" restart="never" nodeType="tmRoot"/>
-      </p:par>
-    </p:tnLst>
-  </p:timing>
 </p:sld>
 </file>
 
-<file path=ppt/slides/slide23.xml><?xml version="1.0" encoding="utf-8"?>
+<file path=ppt/slides/slide28.xml><?xml version="1.0" encoding="utf-8"?>
 <p:sld xmlns:a="http://schemas.openxmlformats.org/drawingml/2006/main" xmlns:r="http://schemas.openxmlformats.org/officeDocument/2006/relationships" xmlns:p="http://schemas.openxmlformats.org/presentationml/2006/main">
   <p:cSld>
     <p:spTree>
@@ -9339,13 +10646,6 @@
       </p:transition>
     </mc:Fallback>
   </mc:AlternateContent>
-  <p:timing>
-    <p:tnLst>
-      <p:par>
-        <p:cTn id="1" dur="indefinite" restart="never" nodeType="tmRoot"/>
-      </p:par>
-    </p:tnLst>
-  </p:timing>
 </p:sld>
 </file>
 
@@ -9740,7 +11040,7 @@
           <a:lstStyle/>
           <a:p>
             <a:r>
-              <a:rPr lang="en-US" altLang="zh-TW" sz="6000" dirty="0" smtClean="0">
+              <a:rPr lang="en-US" altLang="zh-TW" sz="6000" dirty="0">
                 <a:solidFill>
                   <a:schemeClr val="bg1"/>
                 </a:solidFill>
@@ -9816,13 +11116,6 @@
       </p:transition>
     </mc:Fallback>
   </mc:AlternateContent>
-  <p:timing>
-    <p:tnLst>
-      <p:par>
-        <p:cTn id="1" dur="indefinite" restart="never" nodeType="tmRoot"/>
-      </p:par>
-    </p:tnLst>
-  </p:timing>
 </p:sld>
 </file>
 
@@ -10562,13 +11855,6 @@
       </p:transition>
     </mc:Fallback>
   </mc:AlternateContent>
-  <p:timing>
-    <p:tnLst>
-      <p:par>
-        <p:cTn id="1" dur="indefinite" restart="never" nodeType="tmRoot"/>
-      </p:par>
-    </p:tnLst>
-  </p:timing>
 </p:sld>
 </file>
 
@@ -10769,13 +12055,6 @@
       </p:transition>
     </mc:Fallback>
   </mc:AlternateContent>
-  <p:timing>
-    <p:tnLst>
-      <p:par>
-        <p:cTn id="1" dur="indefinite" restart="never" nodeType="tmRoot"/>
-      </p:par>
-    </p:tnLst>
-  </p:timing>
 </p:sld>
 </file>
 
@@ -10798,7 +12077,13 @@
       </p:grpSpPr>
       <p:sp>
         <p:nvSpPr>
-          <p:cNvPr id="3" name="投影片編號版面配置區 2"/>
+          <p:cNvPr id="2" name="投影片編號版面配置區 1">
+            <a:extLst>
+              <a:ext uri="{FF2B5EF4-FFF2-40B4-BE49-F238E27FC236}">
+                <a16:creationId xmlns:a16="http://schemas.microsoft.com/office/drawing/2014/main" id="{4B53C541-0ADD-4615-A0E0-8DF543BFF4D9}"/>
+              </a:ext>
+            </a:extLst>
+          </p:cNvPr>
           <p:cNvSpPr>
             <a:spLocks noGrp="1"/>
           </p:cNvSpPr>
@@ -10822,32 +12107,27 @@
       </p:sp>
       <p:sp>
         <p:nvSpPr>
-          <p:cNvPr id="2" name="文字方塊 1"/>
-          <p:cNvSpPr txBox="1"/>
-          <p:nvPr/>
-        </p:nvSpPr>
-        <p:spPr>
-          <a:xfrm>
-            <a:off x="4917990" y="531340"/>
-            <a:ext cx="2031325" cy="646331"/>
-          </a:xfrm>
-          <a:prstGeom prst="rect">
-            <a:avLst/>
-          </a:prstGeom>
-          <a:noFill/>
-        </p:spPr>
-        <p:txBody>
-          <a:bodyPr wrap="none" rtlCol="0">
-            <a:spAutoFit/>
-          </a:bodyPr>
+          <p:cNvPr id="3" name="文字版面配置區 2">
+            <a:extLst>
+              <a:ext uri="{FF2B5EF4-FFF2-40B4-BE49-F238E27FC236}">
+                <a16:creationId xmlns:a16="http://schemas.microsoft.com/office/drawing/2014/main" id="{B679FC67-CFB6-4588-9290-1D31B6F6BF35}"/>
+              </a:ext>
+            </a:extLst>
+          </p:cNvPr>
+          <p:cNvSpPr>
+            <a:spLocks noGrp="1"/>
+          </p:cNvSpPr>
+          <p:nvPr>
+            <p:ph type="body" sz="quarter" idx="13"/>
+          </p:nvPr>
+        </p:nvSpPr>
+        <p:spPr/>
+        <p:txBody>
+          <a:bodyPr/>
           <a:lstStyle/>
           <a:p>
             <a:r>
-              <a:rPr lang="zh-TW" altLang="en-US" sz="3600" b="1" dirty="0">
-                <a:solidFill>
-                  <a:schemeClr val="bg1"/>
-                </a:solidFill>
-              </a:rPr>
+              <a:rPr lang="zh-TW" altLang="en-US" b="1" dirty="0"/>
               <a:t>巢狀地獄</a:t>
             </a:r>
           </a:p>
@@ -10855,7 +12135,13 @@
       </p:sp>
       <p:pic>
         <p:nvPicPr>
-          <p:cNvPr id="4" name="圖片 3"/>
+          <p:cNvPr id="4" name="圖片 3">
+            <a:extLst>
+              <a:ext uri="{FF2B5EF4-FFF2-40B4-BE49-F238E27FC236}">
+                <a16:creationId xmlns:a16="http://schemas.microsoft.com/office/drawing/2014/main" id="{B2E334CC-A5AF-473B-9710-F4C0991EE5E3}"/>
+              </a:ext>
+            </a:extLst>
+          </p:cNvPr>
           <p:cNvPicPr>
             <a:picLocks noChangeAspect="1"/>
           </p:cNvPicPr>
@@ -10880,7 +12166,7 @@
     </p:spTree>
     <p:extLst>
       <p:ext uri="{BB962C8B-B14F-4D97-AF65-F5344CB8AC3E}">
-        <p14:creationId xmlns:p14="http://schemas.microsoft.com/office/powerpoint/2010/main" val="3342123533"/>
+        <p14:creationId xmlns:p14="http://schemas.microsoft.com/office/powerpoint/2010/main" val="3797813011"/>
       </p:ext>
     </p:extLst>
   </p:cSld>
@@ -10899,13 +12185,6 @@
       </p:transition>
     </mc:Fallback>
   </mc:AlternateContent>
-  <p:timing>
-    <p:tnLst>
-      <p:par>
-        <p:cTn id="1" dur="indefinite" restart="never" nodeType="tmRoot"/>
-      </p:par>
-    </p:tnLst>
-  </p:timing>
 </p:sld>
 </file>
 
@@ -10928,52 +12207,13 @@
       </p:grpSpPr>
       <p:sp>
         <p:nvSpPr>
-          <p:cNvPr id="2" name="矩形 1">
+          <p:cNvPr id="2" name="投影片編號版面配置區 1">
             <a:extLst>
               <a:ext uri="{FF2B5EF4-FFF2-40B4-BE49-F238E27FC236}">
-                <a16:creationId xmlns:a16="http://schemas.microsoft.com/office/drawing/2014/main" id="{8A8BC716-6F9D-4E05-A1D7-35ABCB4194CB}"/>
+                <a16:creationId xmlns:a16="http://schemas.microsoft.com/office/drawing/2014/main" id="{61331C4F-506B-419C-9E7A-95DFE55CAF5C}"/>
               </a:ext>
             </a:extLst>
           </p:cNvPr>
-          <p:cNvSpPr/>
-          <p:nvPr/>
-        </p:nvSpPr>
-        <p:spPr>
-          <a:xfrm>
-            <a:off x="2706130" y="476472"/>
-            <a:ext cx="6395125" cy="769441"/>
-          </a:xfrm>
-          <a:prstGeom prst="rect">
-            <a:avLst/>
-          </a:prstGeom>
-        </p:spPr>
-        <p:txBody>
-          <a:bodyPr wrap="square">
-            <a:spAutoFit/>
-          </a:bodyPr>
-          <a:lstStyle/>
-          <a:p>
-            <a:pPr algn="ctr"/>
-            <a:r>
-              <a:rPr lang="zh-TW" altLang="en-US" sz="4400" dirty="0">
-                <a:solidFill>
-                  <a:schemeClr val="bg1"/>
-                </a:solidFill>
-                <a:latin typeface="Helvetica Neue"/>
-              </a:rPr>
-              <a:t>儲存持久化狀態</a:t>
-            </a:r>
-            <a:endParaRPr lang="zh-TW" altLang="en-US" sz="4400" dirty="0">
-              <a:solidFill>
-                <a:schemeClr val="bg1"/>
-              </a:solidFill>
-            </a:endParaRPr>
-          </a:p>
-        </p:txBody>
-      </p:sp>
-      <p:sp>
-        <p:nvSpPr>
-          <p:cNvPr id="4" name="投影片編號版面配置區 3"/>
           <p:cNvSpPr>
             <a:spLocks noGrp="1"/>
           </p:cNvSpPr>
@@ -10997,10 +12237,41 @@
       </p:sp>
       <p:sp>
         <p:nvSpPr>
-          <p:cNvPr id="5" name="矩形 4">
+          <p:cNvPr id="3" name="文字版面配置區 2">
             <a:extLst>
               <a:ext uri="{FF2B5EF4-FFF2-40B4-BE49-F238E27FC236}">
-                <a16:creationId xmlns:a16="http://schemas.microsoft.com/office/drawing/2014/main" id="{761448C6-0063-4ED6-8644-96088B65A41D}"/>
+                <a16:creationId xmlns:a16="http://schemas.microsoft.com/office/drawing/2014/main" id="{A61C95DE-C830-45DA-8572-CC037DBE5C62}"/>
+              </a:ext>
+            </a:extLst>
+          </p:cNvPr>
+          <p:cNvSpPr>
+            <a:spLocks noGrp="1"/>
+          </p:cNvSpPr>
+          <p:nvPr>
+            <p:ph type="body" sz="quarter" idx="13"/>
+          </p:nvPr>
+        </p:nvSpPr>
+        <p:spPr/>
+        <p:txBody>
+          <a:bodyPr/>
+          <a:lstStyle/>
+          <a:p>
+            <a:r>
+              <a:rPr lang="zh-TW" altLang="en-US" dirty="0">
+                <a:latin typeface="Helvetica Neue"/>
+              </a:rPr>
+              <a:t>儲存持久化狀態</a:t>
+            </a:r>
+            <a:endParaRPr lang="zh-TW" altLang="en-US" dirty="0"/>
+          </a:p>
+        </p:txBody>
+      </p:sp>
+      <p:sp>
+        <p:nvSpPr>
+          <p:cNvPr id="4" name="矩形 3">
+            <a:extLst>
+              <a:ext uri="{FF2B5EF4-FFF2-40B4-BE49-F238E27FC236}">
+                <a16:creationId xmlns:a16="http://schemas.microsoft.com/office/drawing/2014/main" id="{57FC0002-B641-4CC0-B4F4-D616EF70F4F7}"/>
               </a:ext>
             </a:extLst>
           </p:cNvPr>
@@ -11009,7 +12280,7 @@
         </p:nvSpPr>
         <p:spPr>
           <a:xfrm>
-            <a:off x="1746467" y="1595143"/>
+            <a:off x="1686309" y="1474827"/>
             <a:ext cx="5014514" cy="4247317"/>
           </a:xfrm>
           <a:prstGeom prst="rect">
@@ -11125,10 +12396,10 @@
                 </a:solidFill>
                 <a:latin typeface="+mn-ea"/>
               </a:rPr>
-              <a:t>閉</a:t>
-            </a:r>
-            <a:r>
-              <a:rPr lang="zh-TW" altLang="en-US" sz="3600" spc="300" dirty="0" smtClean="0">
+              <a:t>閉包</a:t>
+            </a:r>
+            <a:r>
+              <a:rPr lang="en-US" altLang="zh-TW" sz="3600" spc="300" dirty="0">
                 <a:solidFill>
                   <a:schemeClr val="bg1">
                     <a:lumMod val="95000"/>
@@ -11136,10 +12407,10 @@
                 </a:solidFill>
                 <a:latin typeface="+mn-ea"/>
               </a:rPr>
-              <a:t>包</a:t>
-            </a:r>
-            <a:r>
-              <a:rPr lang="en-US" altLang="zh-TW" sz="3600" spc="300" dirty="0">
+              <a:t>(F</a:t>
+            </a:r>
+            <a:r>
+              <a:rPr lang="zh-TW" altLang="en-US" sz="3600" spc="300" dirty="0">
                 <a:solidFill>
                   <a:schemeClr val="bg1">
                     <a:lumMod val="95000"/>
@@ -11147,10 +12418,10 @@
                 </a:solidFill>
                 <a:latin typeface="+mn-ea"/>
               </a:rPr>
-              <a:t>(F</a:t>
-            </a:r>
-            <a:r>
-              <a:rPr lang="zh-TW" altLang="en-US" sz="3600" spc="300" dirty="0">
+              <a:t>unction</a:t>
+            </a:r>
+            <a:r>
+              <a:rPr lang="en-US" altLang="zh-TW" sz="3600" spc="300" dirty="0">
                 <a:solidFill>
                   <a:schemeClr val="bg1">
                     <a:lumMod val="95000"/>
@@ -11158,27 +12429,8 @@
                 </a:solidFill>
                 <a:latin typeface="+mn-ea"/>
               </a:rPr>
-              <a:t>unction</a:t>
-            </a:r>
-            <a:r>
-              <a:rPr lang="en-US" altLang="zh-TW" sz="3600" spc="300" dirty="0" smtClean="0">
-                <a:solidFill>
-                  <a:schemeClr val="bg1">
-                    <a:lumMod val="95000"/>
-                  </a:schemeClr>
-                </a:solidFill>
-                <a:latin typeface="+mn-ea"/>
-              </a:rPr>
               <a:t>)</a:t>
             </a:r>
-            <a:endParaRPr lang="en-US" altLang="zh-TW" sz="3600" spc="300" dirty="0">
-              <a:solidFill>
-                <a:schemeClr val="bg1">
-                  <a:lumMod val="95000"/>
-                </a:schemeClr>
-              </a:solidFill>
-              <a:latin typeface="+mn-ea"/>
-            </a:endParaRPr>
           </a:p>
           <a:p>
             <a:pPr marL="571500" indent="-571500">
@@ -11189,7 +12441,7 @@
               <a:buChar char="•"/>
             </a:pPr>
             <a:r>
-              <a:rPr lang="en-US" altLang="zh-TW" sz="3600" spc="300" dirty="0" smtClean="0">
+              <a:rPr lang="en-US" altLang="zh-TW" sz="3600" spc="300" dirty="0">
                 <a:solidFill>
                   <a:schemeClr val="bg1">
                     <a:lumMod val="95000"/>
@@ -11200,7 +12452,7 @@
               <a:t>Cookie</a:t>
             </a:r>
             <a:r>
-              <a:rPr lang="zh-TW" altLang="en-US" sz="3600" spc="300" dirty="0" smtClean="0">
+              <a:rPr lang="zh-TW" altLang="en-US" sz="3600" spc="300" dirty="0">
                 <a:solidFill>
                   <a:schemeClr val="bg1">
                     <a:lumMod val="95000"/>
@@ -11211,7 +12463,7 @@
               <a:t>、</a:t>
             </a:r>
             <a:r>
-              <a:rPr lang="en-US" altLang="zh-TW" sz="3600" spc="300" dirty="0" smtClean="0">
+              <a:rPr lang="en-US" altLang="zh-TW" sz="3600" spc="300" dirty="0">
                 <a:solidFill>
                   <a:schemeClr val="bg1">
                     <a:lumMod val="95000"/>
@@ -11219,18 +12471,7 @@
                 </a:solidFill>
                 <a:latin typeface="+mn-ea"/>
               </a:rPr>
-              <a:t>session</a:t>
-            </a:r>
-            <a:r>
-              <a:rPr lang="en-US" altLang="zh-TW" sz="3600" spc="300" dirty="0" smtClean="0">
-                <a:solidFill>
-                  <a:schemeClr val="bg1">
-                    <a:lumMod val="95000"/>
-                  </a:schemeClr>
-                </a:solidFill>
-                <a:latin typeface="+mn-ea"/>
-              </a:rPr>
-              <a:t> </a:t>
+              <a:t>session </a:t>
             </a:r>
             <a:endParaRPr lang="zh-TW" altLang="en-US" sz="3600" spc="300" dirty="0">
               <a:solidFill>
@@ -11246,7 +12487,7 @@
     </p:spTree>
     <p:extLst>
       <p:ext uri="{BB962C8B-B14F-4D97-AF65-F5344CB8AC3E}">
-        <p14:creationId xmlns:p14="http://schemas.microsoft.com/office/powerpoint/2010/main" val="3769143183"/>
+        <p14:creationId xmlns:p14="http://schemas.microsoft.com/office/powerpoint/2010/main" val="1849099626"/>
       </p:ext>
     </p:extLst>
   </p:cSld>
@@ -11299,7 +12540,7 @@
                                           </p:stCondLst>
                                         </p:cTn>
                                         <p:tgtEl>
-                                          <p:spTgt spid="5"/>
+                                          <p:spTgt spid="4"/>
                                         </p:tgtEl>
                                         <p:attrNameLst>
                                           <p:attrName>style.visibility</p:attrName>
@@ -11313,7 +12554,7 @@
                                       <p:cBhvr>
                                         <p:cTn id="7" dur="250"/>
                                         <p:tgtEl>
-                                          <p:spTgt spid="5"/>
+                                          <p:spTgt spid="4"/>
                                         </p:tgtEl>
                                       </p:cBhvr>
                                     </p:animEffect>
@@ -11348,7 +12589,7 @@
       </p:par>
     </p:tnLst>
     <p:bldLst>
-      <p:bldP spid="5" grpId="0"/>
+      <p:bldP spid="4" grpId="0"/>
     </p:bldLst>
   </p:timing>
 </p:sld>

--- a/PPT/React Hooks &.pptx
+++ b/PPT/React Hooks &.pptx
@@ -5,40 +5,46 @@
     <p:sldMasterId id="2147483840" r:id="rId1"/>
   </p:sldMasterIdLst>
   <p:notesMasterIdLst>
-    <p:notesMasterId r:id="rId30"/>
+    <p:notesMasterId r:id="rId36"/>
   </p:notesMasterIdLst>
   <p:handoutMasterIdLst>
-    <p:handoutMasterId r:id="rId31"/>
+    <p:handoutMasterId r:id="rId37"/>
   </p:handoutMasterIdLst>
   <p:sldIdLst>
     <p:sldId id="256" r:id="rId2"/>
-    <p:sldId id="257" r:id="rId3"/>
-    <p:sldId id="263" r:id="rId4"/>
-    <p:sldId id="264" r:id="rId5"/>
-    <p:sldId id="265" r:id="rId6"/>
-    <p:sldId id="266" r:id="rId7"/>
-    <p:sldId id="258" r:id="rId8"/>
-    <p:sldId id="290" r:id="rId9"/>
-    <p:sldId id="289" r:id="rId10"/>
-    <p:sldId id="275" r:id="rId11"/>
-    <p:sldId id="272" r:id="rId12"/>
-    <p:sldId id="288" r:id="rId13"/>
-    <p:sldId id="259" r:id="rId14"/>
-    <p:sldId id="291" r:id="rId15"/>
-    <p:sldId id="284" r:id="rId16"/>
-    <p:sldId id="300" r:id="rId17"/>
-    <p:sldId id="296" r:id="rId18"/>
-    <p:sldId id="299" r:id="rId19"/>
-    <p:sldId id="292" r:id="rId20"/>
-    <p:sldId id="293" r:id="rId21"/>
-    <p:sldId id="294" r:id="rId22"/>
-    <p:sldId id="297" r:id="rId23"/>
-    <p:sldId id="298" r:id="rId24"/>
-    <p:sldId id="260" r:id="rId25"/>
-    <p:sldId id="274" r:id="rId26"/>
-    <p:sldId id="261" r:id="rId27"/>
-    <p:sldId id="273" r:id="rId28"/>
-    <p:sldId id="262" r:id="rId29"/>
+    <p:sldId id="309" r:id="rId3"/>
+    <p:sldId id="257" r:id="rId4"/>
+    <p:sldId id="263" r:id="rId5"/>
+    <p:sldId id="264" r:id="rId6"/>
+    <p:sldId id="265" r:id="rId7"/>
+    <p:sldId id="266" r:id="rId8"/>
+    <p:sldId id="258" r:id="rId9"/>
+    <p:sldId id="290" r:id="rId10"/>
+    <p:sldId id="289" r:id="rId11"/>
+    <p:sldId id="275" r:id="rId12"/>
+    <p:sldId id="272" r:id="rId13"/>
+    <p:sldId id="288" r:id="rId14"/>
+    <p:sldId id="259" r:id="rId15"/>
+    <p:sldId id="291" r:id="rId16"/>
+    <p:sldId id="284" r:id="rId17"/>
+    <p:sldId id="304" r:id="rId18"/>
+    <p:sldId id="296" r:id="rId19"/>
+    <p:sldId id="299" r:id="rId20"/>
+    <p:sldId id="292" r:id="rId21"/>
+    <p:sldId id="293" r:id="rId22"/>
+    <p:sldId id="303" r:id="rId23"/>
+    <p:sldId id="305" r:id="rId24"/>
+    <p:sldId id="297" r:id="rId25"/>
+    <p:sldId id="310" r:id="rId26"/>
+    <p:sldId id="311" r:id="rId27"/>
+    <p:sldId id="294" r:id="rId28"/>
+    <p:sldId id="307" r:id="rId29"/>
+    <p:sldId id="306" r:id="rId30"/>
+    <p:sldId id="308" r:id="rId31"/>
+    <p:sldId id="260" r:id="rId32"/>
+    <p:sldId id="274" r:id="rId33"/>
+    <p:sldId id="273" r:id="rId34"/>
+    <p:sldId id="262" r:id="rId35"/>
   </p:sldIdLst>
   <p:sldSz cx="12192000" cy="6858000"/>
   <p:notesSz cx="6858000" cy="9144000"/>
@@ -963,7 +969,7 @@
           <a:p>
             <a:fld id="{6B094CF9-824F-48E6-BF21-19194E5F47C1}" type="slidenum">
               <a:rPr lang="zh-TW" altLang="en-US" smtClean="0"/>
-              <a:t>2</a:t>
+              <a:t>3</a:t>
             </a:fld>
             <a:endParaRPr lang="zh-TW" altLang="en-US"/>
           </a:p>
@@ -1184,7 +1190,7 @@
           <a:p>
             <a:fld id="{6B094CF9-824F-48E6-BF21-19194E5F47C1}" type="slidenum">
               <a:rPr lang="zh-TW" altLang="en-US" smtClean="0"/>
-              <a:t>3</a:t>
+              <a:t>4</a:t>
             </a:fld>
             <a:endParaRPr lang="zh-TW" altLang="en-US"/>
           </a:p>
@@ -1424,7 +1430,7 @@
           <a:p>
             <a:fld id="{6B094CF9-824F-48E6-BF21-19194E5F47C1}" type="slidenum">
               <a:rPr lang="zh-TW" altLang="en-US" smtClean="0"/>
-              <a:t>4</a:t>
+              <a:t>5</a:t>
             </a:fld>
             <a:endParaRPr lang="zh-TW" altLang="en-US"/>
           </a:p>
@@ -1508,7 +1514,7 @@
           <a:p>
             <a:fld id="{6B094CF9-824F-48E6-BF21-19194E5F47C1}" type="slidenum">
               <a:rPr lang="zh-TW" altLang="en-US" smtClean="0"/>
-              <a:t>5</a:t>
+              <a:t>6</a:t>
             </a:fld>
             <a:endParaRPr lang="zh-TW" altLang="en-US"/>
           </a:p>
@@ -1913,7 +1919,7 @@
           <a:p>
             <a:fld id="{6B094CF9-824F-48E6-BF21-19194E5F47C1}" type="slidenum">
               <a:rPr lang="zh-TW" altLang="en-US" smtClean="0"/>
-              <a:t>7</a:t>
+              <a:t>8</a:t>
             </a:fld>
             <a:endParaRPr lang="zh-TW" altLang="en-US"/>
           </a:p>
@@ -1923,6 +1929,90 @@
     <p:extLst>
       <p:ext uri="{BB962C8B-B14F-4D97-AF65-F5344CB8AC3E}">
         <p14:creationId xmlns:p14="http://schemas.microsoft.com/office/powerpoint/2010/main" val="3475086662"/>
+      </p:ext>
+    </p:extLst>
+  </p:cSld>
+  <p:clrMapOvr>
+    <a:masterClrMapping/>
+  </p:clrMapOvr>
+</p:notes>
+</file>
+
+<file path=ppt/notesSlides/notesSlide7.xml><?xml version="1.0" encoding="utf-8"?>
+<p:notes xmlns:a="http://schemas.openxmlformats.org/drawingml/2006/main" xmlns:r="http://schemas.openxmlformats.org/officeDocument/2006/relationships" xmlns:p="http://schemas.openxmlformats.org/presentationml/2006/main">
+  <p:cSld>
+    <p:spTree>
+      <p:nvGrpSpPr>
+        <p:cNvPr id="1" name=""/>
+        <p:cNvGrpSpPr/>
+        <p:nvPr/>
+      </p:nvGrpSpPr>
+      <p:grpSpPr>
+        <a:xfrm>
+          <a:off x="0" y="0"/>
+          <a:ext cx="0" cy="0"/>
+          <a:chOff x="0" y="0"/>
+          <a:chExt cx="0" cy="0"/>
+        </a:xfrm>
+      </p:grpSpPr>
+      <p:sp>
+        <p:nvSpPr>
+          <p:cNvPr id="2" name="投影片影像版面配置區 1"/>
+          <p:cNvSpPr>
+            <a:spLocks noGrp="1" noRot="1" noChangeAspect="1"/>
+          </p:cNvSpPr>
+          <p:nvPr>
+            <p:ph type="sldImg"/>
+          </p:nvPr>
+        </p:nvSpPr>
+        <p:spPr/>
+      </p:sp>
+      <p:sp>
+        <p:nvSpPr>
+          <p:cNvPr id="3" name="備忘稿版面配置區 2"/>
+          <p:cNvSpPr>
+            <a:spLocks noGrp="1"/>
+          </p:cNvSpPr>
+          <p:nvPr>
+            <p:ph type="body" idx="1"/>
+          </p:nvPr>
+        </p:nvSpPr>
+        <p:spPr/>
+        <p:txBody>
+          <a:bodyPr/>
+          <a:lstStyle/>
+          <a:p>
+            <a:endParaRPr lang="zh-TW" altLang="en-US" dirty="0"/>
+          </a:p>
+        </p:txBody>
+      </p:sp>
+      <p:sp>
+        <p:nvSpPr>
+          <p:cNvPr id="4" name="投影片編號版面配置區 3"/>
+          <p:cNvSpPr>
+            <a:spLocks noGrp="1"/>
+          </p:cNvSpPr>
+          <p:nvPr>
+            <p:ph type="sldNum" sz="quarter" idx="5"/>
+          </p:nvPr>
+        </p:nvSpPr>
+        <p:spPr/>
+        <p:txBody>
+          <a:bodyPr/>
+          <a:lstStyle/>
+          <a:p>
+            <a:fld id="{6B094CF9-824F-48E6-BF21-19194E5F47C1}" type="slidenum">
+              <a:rPr lang="zh-TW" altLang="en-US" smtClean="0"/>
+              <a:t>26</a:t>
+            </a:fld>
+            <a:endParaRPr lang="zh-TW" altLang="en-US"/>
+          </a:p>
+        </p:txBody>
+      </p:sp>
+    </p:spTree>
+    <p:extLst>
+      <p:ext uri="{BB962C8B-B14F-4D97-AF65-F5344CB8AC3E}">
+        <p14:creationId xmlns:p14="http://schemas.microsoft.com/office/powerpoint/2010/main" val="460951916"/>
       </p:ext>
     </p:extLst>
   </p:cSld>
@@ -5107,17 +5197,19 @@
             <a:lvl1pPr algn="l">
               <a:defRPr sz="1100">
                 <a:solidFill>
-                  <a:schemeClr val="tx1">
-                    <a:lumMod val="50000"/>
-                    <a:lumOff val="50000"/>
+                  <a:schemeClr val="bg1">
+                    <a:lumMod val="75000"/>
                   </a:schemeClr>
                 </a:solidFill>
+                <a:latin typeface="Adobe 繁黑體 Std B" panose="020B0700000000000000" pitchFamily="34" charset="-120"/>
+                <a:ea typeface="Adobe 繁黑體 Std B" panose="020B0700000000000000" pitchFamily="34" charset="-120"/>
               </a:defRPr>
             </a:lvl1pPr>
           </a:lstStyle>
           <a:p>
             <a:fld id="{427FFE6E-D4EC-4F12-B8B0-E72AA8EDAE7C}" type="datetime1">
               <a:rPr lang="en-US" altLang="zh-TW" smtClean="0"/>
+              <a:pPr/>
               <a:t>3/8/2020</a:t>
             </a:fld>
             <a:endParaRPr lang="en-US" dirty="0"/>
@@ -5814,6 +5906,413 @@
       </p:grpSpPr>
       <p:sp>
         <p:nvSpPr>
+          <p:cNvPr id="2" name="投影片編號版面配置區 1">
+            <a:extLst>
+              <a:ext uri="{FF2B5EF4-FFF2-40B4-BE49-F238E27FC236}">
+                <a16:creationId xmlns:a16="http://schemas.microsoft.com/office/drawing/2014/main" id="{61331C4F-506B-419C-9E7A-95DFE55CAF5C}"/>
+              </a:ext>
+            </a:extLst>
+          </p:cNvPr>
+          <p:cNvSpPr>
+            <a:spLocks noGrp="1"/>
+          </p:cNvSpPr>
+          <p:nvPr>
+            <p:ph type="sldNum" sz="quarter" idx="12"/>
+          </p:nvPr>
+        </p:nvSpPr>
+        <p:spPr/>
+        <p:txBody>
+          <a:bodyPr/>
+          <a:lstStyle/>
+          <a:p>
+            <a:fld id="{4FAB73BC-B049-4115-A692-8D63A059BFB8}" type="slidenum">
+              <a:rPr lang="en-US" smtClean="0"/>
+              <a:pPr/>
+              <a:t>10</a:t>
+            </a:fld>
+            <a:endParaRPr lang="en-US" dirty="0"/>
+          </a:p>
+        </p:txBody>
+      </p:sp>
+      <p:sp>
+        <p:nvSpPr>
+          <p:cNvPr id="3" name="文字版面配置區 2">
+            <a:extLst>
+              <a:ext uri="{FF2B5EF4-FFF2-40B4-BE49-F238E27FC236}">
+                <a16:creationId xmlns:a16="http://schemas.microsoft.com/office/drawing/2014/main" id="{A61C95DE-C830-45DA-8572-CC037DBE5C62}"/>
+              </a:ext>
+            </a:extLst>
+          </p:cNvPr>
+          <p:cNvSpPr>
+            <a:spLocks noGrp="1"/>
+          </p:cNvSpPr>
+          <p:nvPr>
+            <p:ph type="body" sz="quarter" idx="13"/>
+          </p:nvPr>
+        </p:nvSpPr>
+        <p:spPr/>
+        <p:txBody>
+          <a:bodyPr/>
+          <a:lstStyle/>
+          <a:p>
+            <a:r>
+              <a:rPr lang="zh-TW" altLang="en-US" dirty="0">
+                <a:latin typeface="Helvetica Neue"/>
+              </a:rPr>
+              <a:t>儲存持久化狀態</a:t>
+            </a:r>
+            <a:endParaRPr lang="zh-TW" altLang="en-US" dirty="0"/>
+          </a:p>
+        </p:txBody>
+      </p:sp>
+      <p:sp>
+        <p:nvSpPr>
+          <p:cNvPr id="4" name="矩形 3">
+            <a:extLst>
+              <a:ext uri="{FF2B5EF4-FFF2-40B4-BE49-F238E27FC236}">
+                <a16:creationId xmlns:a16="http://schemas.microsoft.com/office/drawing/2014/main" id="{57FC0002-B641-4CC0-B4F4-D616EF70F4F7}"/>
+              </a:ext>
+            </a:extLst>
+          </p:cNvPr>
+          <p:cNvSpPr/>
+          <p:nvPr/>
+        </p:nvSpPr>
+        <p:spPr>
+          <a:xfrm>
+            <a:off x="1686309" y="1474827"/>
+            <a:ext cx="5014514" cy="4247317"/>
+          </a:xfrm>
+          <a:prstGeom prst="rect">
+            <a:avLst/>
+          </a:prstGeom>
+        </p:spPr>
+        <p:txBody>
+          <a:bodyPr wrap="none">
+            <a:spAutoFit/>
+          </a:bodyPr>
+          <a:lstStyle/>
+          <a:p>
+            <a:pPr marL="571500" indent="-571500">
+              <a:lnSpc>
+                <a:spcPct val="150000"/>
+              </a:lnSpc>
+              <a:buFont typeface="Arial" panose="020B0604020202020204" pitchFamily="34" charset="0"/>
+              <a:buChar char="•"/>
+            </a:pPr>
+            <a:r>
+              <a:rPr lang="en-US" altLang="zh-TW" sz="3600" spc="300" dirty="0">
+                <a:solidFill>
+                  <a:schemeClr val="bg1">
+                    <a:lumMod val="95000"/>
+                  </a:schemeClr>
+                </a:solidFill>
+                <a:latin typeface="+mn-ea"/>
+              </a:rPr>
+              <a:t>Class</a:t>
+            </a:r>
+            <a:r>
+              <a:rPr lang="zh-TW" altLang="en-US" sz="3600" spc="300" dirty="0">
+                <a:solidFill>
+                  <a:schemeClr val="bg1">
+                    <a:lumMod val="95000"/>
+                  </a:schemeClr>
+                </a:solidFill>
+                <a:latin typeface="+mn-ea"/>
+              </a:rPr>
+              <a:t>屬性</a:t>
+            </a:r>
+            <a:endParaRPr lang="en-US" altLang="zh-TW" sz="3600" spc="300" dirty="0">
+              <a:solidFill>
+                <a:schemeClr val="bg1">
+                  <a:lumMod val="95000"/>
+                </a:schemeClr>
+              </a:solidFill>
+              <a:latin typeface="+mn-ea"/>
+            </a:endParaRPr>
+          </a:p>
+          <a:p>
+            <a:pPr marL="571500" indent="-571500">
+              <a:lnSpc>
+                <a:spcPct val="150000"/>
+              </a:lnSpc>
+              <a:buFont typeface="Arial" panose="020B0604020202020204" pitchFamily="34" charset="0"/>
+              <a:buChar char="•"/>
+            </a:pPr>
+            <a:r>
+              <a:rPr lang="zh-TW" altLang="en-US" sz="3600" spc="300" dirty="0">
+                <a:solidFill>
+                  <a:schemeClr val="bg1">
+                    <a:lumMod val="95000"/>
+                  </a:schemeClr>
+                </a:solidFill>
+                <a:latin typeface="+mn-ea"/>
+              </a:rPr>
+              <a:t>全域性變數</a:t>
+            </a:r>
+            <a:endParaRPr lang="en-US" altLang="zh-TW" sz="3600" spc="300" dirty="0">
+              <a:solidFill>
+                <a:schemeClr val="bg1">
+                  <a:lumMod val="95000"/>
+                </a:schemeClr>
+              </a:solidFill>
+              <a:latin typeface="+mn-ea"/>
+            </a:endParaRPr>
+          </a:p>
+          <a:p>
+            <a:pPr marL="571500" indent="-571500">
+              <a:lnSpc>
+                <a:spcPct val="150000"/>
+              </a:lnSpc>
+              <a:buFont typeface="Arial" panose="020B0604020202020204" pitchFamily="34" charset="0"/>
+              <a:buChar char="•"/>
+            </a:pPr>
+            <a:r>
+              <a:rPr lang="en-US" altLang="zh-TW" sz="3600" spc="300" dirty="0">
+                <a:solidFill>
+                  <a:schemeClr val="bg1">
+                    <a:lumMod val="95000"/>
+                  </a:schemeClr>
+                </a:solidFill>
+                <a:latin typeface="+mn-ea"/>
+              </a:rPr>
+              <a:t>DOM</a:t>
+            </a:r>
+          </a:p>
+          <a:p>
+            <a:pPr marL="571500" indent="-571500">
+              <a:lnSpc>
+                <a:spcPct val="150000"/>
+              </a:lnSpc>
+              <a:buFont typeface="Arial" panose="020B0604020202020204" pitchFamily="34" charset="0"/>
+              <a:buChar char="•"/>
+            </a:pPr>
+            <a:r>
+              <a:rPr lang="zh-TW" altLang="en-US" sz="3600" spc="300" dirty="0">
+                <a:solidFill>
+                  <a:schemeClr val="bg1">
+                    <a:lumMod val="95000"/>
+                  </a:schemeClr>
+                </a:solidFill>
+                <a:latin typeface="+mn-ea"/>
+              </a:rPr>
+              <a:t>閉包</a:t>
+            </a:r>
+            <a:r>
+              <a:rPr lang="en-US" altLang="zh-TW" sz="3600" spc="300" dirty="0">
+                <a:solidFill>
+                  <a:schemeClr val="bg1">
+                    <a:lumMod val="95000"/>
+                  </a:schemeClr>
+                </a:solidFill>
+                <a:latin typeface="+mn-ea"/>
+              </a:rPr>
+              <a:t>(F</a:t>
+            </a:r>
+            <a:r>
+              <a:rPr lang="zh-TW" altLang="en-US" sz="3600" spc="300" dirty="0">
+                <a:solidFill>
+                  <a:schemeClr val="bg1">
+                    <a:lumMod val="95000"/>
+                  </a:schemeClr>
+                </a:solidFill>
+                <a:latin typeface="+mn-ea"/>
+              </a:rPr>
+              <a:t>unction</a:t>
+            </a:r>
+            <a:r>
+              <a:rPr lang="en-US" altLang="zh-TW" sz="3600" spc="300" dirty="0">
+                <a:solidFill>
+                  <a:schemeClr val="bg1">
+                    <a:lumMod val="95000"/>
+                  </a:schemeClr>
+                </a:solidFill>
+                <a:latin typeface="+mn-ea"/>
+              </a:rPr>
+              <a:t>)</a:t>
+            </a:r>
+          </a:p>
+          <a:p>
+            <a:pPr marL="571500" indent="-571500">
+              <a:lnSpc>
+                <a:spcPct val="150000"/>
+              </a:lnSpc>
+              <a:buFont typeface="Arial" panose="020B0604020202020204" pitchFamily="34" charset="0"/>
+              <a:buChar char="•"/>
+            </a:pPr>
+            <a:r>
+              <a:rPr lang="en-US" altLang="zh-TW" sz="3600" spc="300" dirty="0">
+                <a:solidFill>
+                  <a:schemeClr val="bg1">
+                    <a:lumMod val="95000"/>
+                  </a:schemeClr>
+                </a:solidFill>
+                <a:latin typeface="+mn-ea"/>
+              </a:rPr>
+              <a:t>Cookie</a:t>
+            </a:r>
+            <a:r>
+              <a:rPr lang="zh-TW" altLang="en-US" sz="3600" spc="300" dirty="0">
+                <a:solidFill>
+                  <a:schemeClr val="bg1">
+                    <a:lumMod val="95000"/>
+                  </a:schemeClr>
+                </a:solidFill>
+                <a:latin typeface="+mn-ea"/>
+              </a:rPr>
+              <a:t>、</a:t>
+            </a:r>
+            <a:r>
+              <a:rPr lang="en-US" altLang="zh-TW" sz="3600" spc="300" dirty="0">
+                <a:solidFill>
+                  <a:schemeClr val="bg1">
+                    <a:lumMod val="95000"/>
+                  </a:schemeClr>
+                </a:solidFill>
+                <a:latin typeface="+mn-ea"/>
+              </a:rPr>
+              <a:t>session </a:t>
+            </a:r>
+            <a:endParaRPr lang="zh-TW" altLang="en-US" sz="3600" spc="300" dirty="0">
+              <a:solidFill>
+                <a:schemeClr val="bg1">
+                  <a:lumMod val="95000"/>
+                </a:schemeClr>
+              </a:solidFill>
+              <a:latin typeface="+mn-ea"/>
+            </a:endParaRPr>
+          </a:p>
+        </p:txBody>
+      </p:sp>
+    </p:spTree>
+    <p:extLst>
+      <p:ext uri="{BB962C8B-B14F-4D97-AF65-F5344CB8AC3E}">
+        <p14:creationId xmlns:p14="http://schemas.microsoft.com/office/powerpoint/2010/main" val="1849099626"/>
+      </p:ext>
+    </p:extLst>
+  </p:cSld>
+  <p:clrMapOvr>
+    <a:masterClrMapping/>
+  </p:clrMapOvr>
+  <mc:AlternateContent xmlns:mc="http://schemas.openxmlformats.org/markup-compatibility/2006" xmlns:p14="http://schemas.microsoft.com/office/powerpoint/2010/main">
+    <mc:Choice Requires="p14">
+      <p:transition p14:dur="160">
+        <p:fade/>
+      </p:transition>
+    </mc:Choice>
+    <mc:Fallback xmlns="">
+      <p:transition>
+        <p:fade/>
+      </p:transition>
+    </mc:Fallback>
+  </mc:AlternateContent>
+  <p:timing>
+    <p:tnLst>
+      <p:par>
+        <p:cTn id="1" dur="indefinite" restart="never" nodeType="tmRoot">
+          <p:childTnLst>
+            <p:seq concurrent="1" nextAc="seek">
+              <p:cTn id="2" dur="indefinite" nodeType="mainSeq">
+                <p:childTnLst>
+                  <p:par>
+                    <p:cTn id="3" fill="hold">
+                      <p:stCondLst>
+                        <p:cond delay="indefinite"/>
+                      </p:stCondLst>
+                      <p:childTnLst>
+                        <p:par>
+                          <p:cTn id="4" fill="hold">
+                            <p:stCondLst>
+                              <p:cond delay="0"/>
+                            </p:stCondLst>
+                            <p:childTnLst>
+                              <p:par>
+                                <p:cTn id="5" presetID="10" presetClass="entr" presetSubtype="0" fill="hold" grpId="0" nodeType="clickEffect">
+                                  <p:stCondLst>
+                                    <p:cond delay="0"/>
+                                  </p:stCondLst>
+                                  <p:childTnLst>
+                                    <p:set>
+                                      <p:cBhvr>
+                                        <p:cTn id="6" dur="1" fill="hold">
+                                          <p:stCondLst>
+                                            <p:cond delay="0"/>
+                                          </p:stCondLst>
+                                        </p:cTn>
+                                        <p:tgtEl>
+                                          <p:spTgt spid="4"/>
+                                        </p:tgtEl>
+                                        <p:attrNameLst>
+                                          <p:attrName>style.visibility</p:attrName>
+                                        </p:attrNameLst>
+                                      </p:cBhvr>
+                                      <p:to>
+                                        <p:strVal val="visible"/>
+                                      </p:to>
+                                    </p:set>
+                                    <p:animEffect transition="in" filter="fade">
+                                      <p:cBhvr>
+                                        <p:cTn id="7" dur="250"/>
+                                        <p:tgtEl>
+                                          <p:spTgt spid="4"/>
+                                        </p:tgtEl>
+                                      </p:cBhvr>
+                                    </p:animEffect>
+                                  </p:childTnLst>
+                                </p:cTn>
+                              </p:par>
+                            </p:childTnLst>
+                          </p:cTn>
+                        </p:par>
+                      </p:childTnLst>
+                    </p:cTn>
+                  </p:par>
+                </p:childTnLst>
+              </p:cTn>
+              <p:prevCondLst>
+                <p:cond evt="onPrev" delay="0">
+                  <p:tgtEl>
+                    <p:sldTgt/>
+                  </p:tgtEl>
+                </p:cond>
+              </p:prevCondLst>
+              <p:nextCondLst>
+                <p:cond evt="onNext" delay="0">
+                  <p:tgtEl>
+                    <p:sldTgt/>
+                  </p:tgtEl>
+                </p:cond>
+              </p:nextCondLst>
+            </p:seq>
+          </p:childTnLst>
+        </p:cTn>
+      </p:par>
+    </p:tnLst>
+    <p:bldLst>
+      <p:bldP spid="4" grpId="0"/>
+    </p:bldLst>
+  </p:timing>
+</p:sld>
+</file>
+
+<file path=ppt/slides/slide11.xml><?xml version="1.0" encoding="utf-8"?>
+<p:sld xmlns:a="http://schemas.openxmlformats.org/drawingml/2006/main" xmlns:r="http://schemas.openxmlformats.org/officeDocument/2006/relationships" xmlns:p="http://schemas.openxmlformats.org/presentationml/2006/main">
+  <p:cSld>
+    <p:spTree>
+      <p:nvGrpSpPr>
+        <p:cNvPr id="1" name=""/>
+        <p:cNvGrpSpPr/>
+        <p:nvPr/>
+      </p:nvGrpSpPr>
+      <p:grpSpPr>
+        <a:xfrm>
+          <a:off x="0" y="0"/>
+          <a:ext cx="0" cy="0"/>
+          <a:chOff x="0" y="0"/>
+          <a:chExt cx="0" cy="0"/>
+        </a:xfrm>
+      </p:grpSpPr>
+      <p:sp>
+        <p:nvSpPr>
           <p:cNvPr id="2" name="矩形 1">
             <a:extLst>
               <a:ext uri="{FF2B5EF4-FFF2-40B4-BE49-F238E27FC236}">
@@ -6052,7 +6551,7 @@
             <a:fld id="{4FAB73BC-B049-4115-A692-8D63A059BFB8}" type="slidenum">
               <a:rPr lang="en-US" smtClean="0"/>
               <a:pPr/>
-              <a:t>10</a:t>
+              <a:t>11</a:t>
             </a:fld>
             <a:endParaRPr lang="en-US" dirty="0"/>
           </a:p>
@@ -6083,7 +6582,7 @@
 </p:sld>
 </file>
 
-<file path=ppt/slides/slide11.xml><?xml version="1.0" encoding="utf-8"?>
+<file path=ppt/slides/slide12.xml><?xml version="1.0" encoding="utf-8"?>
 <p:sld xmlns:a="http://schemas.openxmlformats.org/drawingml/2006/main" xmlns:r="http://schemas.openxmlformats.org/officeDocument/2006/relationships" xmlns:p="http://schemas.openxmlformats.org/presentationml/2006/main">
   <p:cSld>
     <p:spTree>
@@ -6118,7 +6617,7 @@
             <a:fld id="{4FAB73BC-B049-4115-A692-8D63A059BFB8}" type="slidenum">
               <a:rPr lang="en-US" smtClean="0"/>
               <a:pPr/>
-              <a:t>11</a:t>
+              <a:t>12</a:t>
             </a:fld>
             <a:endParaRPr lang="en-US" dirty="0"/>
           </a:p>
@@ -6355,7 +6854,7 @@
 </p:sld>
 </file>
 
-<file path=ppt/slides/slide12.xml><?xml version="1.0" encoding="utf-8"?>
+<file path=ppt/slides/slide13.xml><?xml version="1.0" encoding="utf-8"?>
 <p:sld xmlns:a="http://schemas.openxmlformats.org/drawingml/2006/main" xmlns:r="http://schemas.openxmlformats.org/officeDocument/2006/relationships" xmlns:p="http://schemas.openxmlformats.org/presentationml/2006/main">
   <p:cSld>
     <p:spTree>
@@ -6396,7 +6895,7 @@
             <a:fld id="{4FAB73BC-B049-4115-A692-8D63A059BFB8}" type="slidenum">
               <a:rPr lang="en-US" smtClean="0"/>
               <a:pPr/>
-              <a:t>12</a:t>
+              <a:t>13</a:t>
             </a:fld>
             <a:endParaRPr lang="en-US" dirty="0"/>
           </a:p>
@@ -6511,113 +7010,6 @@
 </p:sld>
 </file>
 
-<file path=ppt/slides/slide13.xml><?xml version="1.0" encoding="utf-8"?>
-<p:sld xmlns:a="http://schemas.openxmlformats.org/drawingml/2006/main" xmlns:r="http://schemas.openxmlformats.org/officeDocument/2006/relationships" xmlns:p="http://schemas.openxmlformats.org/presentationml/2006/main">
-  <p:cSld>
-    <p:spTree>
-      <p:nvGrpSpPr>
-        <p:cNvPr id="1" name=""/>
-        <p:cNvGrpSpPr/>
-        <p:nvPr/>
-      </p:nvGrpSpPr>
-      <p:grpSpPr>
-        <a:xfrm>
-          <a:off x="0" y="0"/>
-          <a:ext cx="0" cy="0"/>
-          <a:chOff x="0" y="0"/>
-          <a:chExt cx="0" cy="0"/>
-        </a:xfrm>
-      </p:grpSpPr>
-      <p:sp>
-        <p:nvSpPr>
-          <p:cNvPr id="2" name="標題 1">
-            <a:extLst>
-              <a:ext uri="{FF2B5EF4-FFF2-40B4-BE49-F238E27FC236}">
-                <a16:creationId xmlns:a16="http://schemas.microsoft.com/office/drawing/2014/main" id="{DE56538B-991B-43CD-9688-296BF3BEC233}"/>
-              </a:ext>
-            </a:extLst>
-          </p:cNvPr>
-          <p:cNvSpPr>
-            <a:spLocks noGrp="1"/>
-          </p:cNvSpPr>
-          <p:nvPr>
-            <p:ph type="title"/>
-          </p:nvPr>
-        </p:nvSpPr>
-        <p:spPr/>
-        <p:txBody>
-          <a:bodyPr/>
-          <a:lstStyle/>
-          <a:p>
-            <a:pPr algn="ctr"/>
-            <a:r>
-              <a:rPr lang="en-US" altLang="zh-TW" dirty="0"/>
-              <a:t>Hooks</a:t>
-            </a:r>
-            <a:endParaRPr lang="zh-TW" altLang="en-US" dirty="0"/>
-          </a:p>
-        </p:txBody>
-      </p:sp>
-      <p:sp>
-        <p:nvSpPr>
-          <p:cNvPr id="3" name="內容版面配置區 2">
-            <a:extLst>
-              <a:ext uri="{FF2B5EF4-FFF2-40B4-BE49-F238E27FC236}">
-                <a16:creationId xmlns:a16="http://schemas.microsoft.com/office/drawing/2014/main" id="{E6BE09F1-4A33-4BC1-AFCB-864056077208}"/>
-              </a:ext>
-            </a:extLst>
-          </p:cNvPr>
-          <p:cNvSpPr>
-            <a:spLocks noGrp="1"/>
-          </p:cNvSpPr>
-          <p:nvPr>
-            <p:ph idx="1"/>
-          </p:nvPr>
-        </p:nvSpPr>
-        <p:spPr/>
-        <p:txBody>
-          <a:bodyPr>
-            <a:normAutofit/>
-          </a:bodyPr>
-          <a:lstStyle/>
-          <a:p>
-            <a:pPr marL="0" indent="0">
-              <a:buNone/>
-            </a:pPr>
-            <a:endParaRPr lang="zh-TW" altLang="en-US" sz="4000" dirty="0">
-              <a:solidFill>
-                <a:schemeClr val="bg1"/>
-              </a:solidFill>
-              <a:latin typeface="+mn-ea"/>
-            </a:endParaRPr>
-          </a:p>
-        </p:txBody>
-      </p:sp>
-    </p:spTree>
-    <p:extLst>
-      <p:ext uri="{BB962C8B-B14F-4D97-AF65-F5344CB8AC3E}">
-        <p14:creationId xmlns:p14="http://schemas.microsoft.com/office/powerpoint/2010/main" val="220217246"/>
-      </p:ext>
-    </p:extLst>
-  </p:cSld>
-  <p:clrMapOvr>
-    <a:masterClrMapping/>
-  </p:clrMapOvr>
-  <mc:AlternateContent xmlns:mc="http://schemas.openxmlformats.org/markup-compatibility/2006" xmlns:p14="http://schemas.microsoft.com/office/powerpoint/2010/main">
-    <mc:Choice Requires="p14">
-      <p:transition p14:dur="160">
-        <p:fade/>
-      </p:transition>
-    </mc:Choice>
-    <mc:Fallback xmlns="">
-      <p:transition>
-        <p:fade/>
-      </p:transition>
-    </mc:Fallback>
-  </mc:AlternateContent>
-</p:sld>
-</file>
-
 <file path=ppt/slides/slide14.xml><?xml version="1.0" encoding="utf-8"?>
 <p:sld xmlns:a="http://schemas.openxmlformats.org/drawingml/2006/main" xmlns:r="http://schemas.openxmlformats.org/officeDocument/2006/relationships" xmlns:p="http://schemas.openxmlformats.org/presentationml/2006/main">
   <p:cSld>
@@ -6637,10 +7029,10 @@
       </p:grpSpPr>
       <p:sp>
         <p:nvSpPr>
-          <p:cNvPr id="2" name="投影片編號版面配置區 1">
+          <p:cNvPr id="2" name="標題 1">
             <a:extLst>
               <a:ext uri="{FF2B5EF4-FFF2-40B4-BE49-F238E27FC236}">
-                <a16:creationId xmlns:a16="http://schemas.microsoft.com/office/drawing/2014/main" id="{FB61CBBB-E599-424B-8AA5-3A4E2FA32232}"/>
+                <a16:creationId xmlns:a16="http://schemas.microsoft.com/office/drawing/2014/main" id="{DE56538B-991B-43CD-9688-296BF3BEC233}"/>
               </a:ext>
             </a:extLst>
           </p:cNvPr>
@@ -6648,7 +7040,7 @@
             <a:spLocks noGrp="1"/>
           </p:cNvSpPr>
           <p:nvPr>
-            <p:ph type="sldNum" sz="quarter" idx="12"/>
+            <p:ph type="title"/>
           </p:nvPr>
         </p:nvSpPr>
         <p:spPr/>
@@ -6656,21 +7048,21 @@
           <a:bodyPr/>
           <a:lstStyle/>
           <a:p>
-            <a:fld id="{4FAB73BC-B049-4115-A692-8D63A059BFB8}" type="slidenum">
-              <a:rPr lang="en-US" smtClean="0"/>
-              <a:pPr/>
-              <a:t>14</a:t>
-            </a:fld>
-            <a:endParaRPr lang="en-US" dirty="0"/>
-          </a:p>
-        </p:txBody>
-      </p:sp>
-      <p:sp>
-        <p:nvSpPr>
-          <p:cNvPr id="3" name="文字版面配置區 2">
+            <a:pPr algn="ctr"/>
+            <a:r>
+              <a:rPr lang="en-US" altLang="zh-TW" dirty="0"/>
+              <a:t>Hooks</a:t>
+            </a:r>
+            <a:endParaRPr lang="zh-TW" altLang="en-US" dirty="0"/>
+          </a:p>
+        </p:txBody>
+      </p:sp>
+      <p:sp>
+        <p:nvSpPr>
+          <p:cNvPr id="3" name="內容版面配置區 2">
             <a:extLst>
               <a:ext uri="{FF2B5EF4-FFF2-40B4-BE49-F238E27FC236}">
-                <a16:creationId xmlns:a16="http://schemas.microsoft.com/office/drawing/2014/main" id="{B276BE0C-3543-4CD6-B69D-82D557D41A1E}"/>
+                <a16:creationId xmlns:a16="http://schemas.microsoft.com/office/drawing/2014/main" id="{E6BE09F1-4A33-4BC1-AFCB-864056077208}"/>
               </a:ext>
             </a:extLst>
           </p:cNvPr>
@@ -6678,141 +7070,282 @@
             <a:spLocks noGrp="1"/>
           </p:cNvSpPr>
           <p:nvPr>
-            <p:ph type="body" sz="quarter" idx="13"/>
+            <p:ph idx="1"/>
           </p:nvPr>
         </p:nvSpPr>
         <p:spPr/>
         <p:txBody>
-          <a:bodyPr/>
-          <a:lstStyle/>
-          <a:p>
-            <a:r>
-              <a:rPr lang="en-US" altLang="zh-TW" b="1" dirty="0" err="1">
+          <a:bodyPr>
+            <a:normAutofit/>
+          </a:bodyPr>
+          <a:lstStyle/>
+          <a:p>
+            <a:pPr marL="0" indent="0">
+              <a:buNone/>
+            </a:pPr>
+            <a:r>
+              <a:rPr lang="zh-TW" altLang="en-US" sz="4000" dirty="0">
+                <a:solidFill>
+                  <a:schemeClr val="accent3">
+                    <a:lumMod val="20000"/>
+                    <a:lumOff val="80000"/>
+                  </a:schemeClr>
+                </a:solidFill>
                 <a:latin typeface="+mn-ea"/>
               </a:rPr>
-              <a:t>useState</a:t>
-            </a:r>
-            <a:r>
-              <a:rPr lang="en-US" altLang="zh-TW" b="1" dirty="0">
+              <a:t>基礎的 </a:t>
+            </a:r>
+            <a:r>
+              <a:rPr lang="en-US" altLang="zh-TW" sz="4000" dirty="0">
+                <a:solidFill>
+                  <a:schemeClr val="accent3">
+                    <a:lumMod val="20000"/>
+                    <a:lumOff val="80000"/>
+                  </a:schemeClr>
+                </a:solidFill>
                 <a:latin typeface="+mn-ea"/>
               </a:rPr>
-              <a:t>( )</a:t>
-            </a:r>
-            <a:endParaRPr lang="zh-TW" altLang="en-US" b="1" dirty="0">
-              <a:latin typeface="+mn-ea"/>
-            </a:endParaRPr>
-          </a:p>
-        </p:txBody>
-      </p:sp>
-      <p:sp>
-        <p:nvSpPr>
-          <p:cNvPr id="4" name="文字方塊 3">
-            <a:extLst>
-              <a:ext uri="{FF2B5EF4-FFF2-40B4-BE49-F238E27FC236}">
-                <a16:creationId xmlns:a16="http://schemas.microsoft.com/office/drawing/2014/main" id="{76ABBAB0-F46F-42B4-ADA7-15BBCA53A4BA}"/>
-              </a:ext>
-            </a:extLst>
-          </p:cNvPr>
-          <p:cNvSpPr txBox="1"/>
-          <p:nvPr/>
-        </p:nvSpPr>
-        <p:spPr>
-          <a:xfrm>
-            <a:off x="1362171" y="1884732"/>
-            <a:ext cx="4324865" cy="2585323"/>
-          </a:xfrm>
-          <a:prstGeom prst="rect">
-            <a:avLst/>
-          </a:prstGeom>
-          <a:noFill/>
-        </p:spPr>
-        <p:txBody>
-          <a:bodyPr wrap="square" rtlCol="0">
-            <a:spAutoFit/>
-          </a:bodyPr>
-          <a:lstStyle/>
-          <a:p>
-            <a:pPr marL="457200" indent="-457200">
-              <a:lnSpc>
-                <a:spcPct val="150000"/>
-              </a:lnSpc>
-              <a:buFont typeface="Arial" panose="020B0604020202020204" pitchFamily="34" charset="0"/>
-              <a:buChar char="•"/>
-            </a:pPr>
-            <a:r>
-              <a:rPr lang="zh-TW" altLang="en-US" sz="3600" dirty="0">
-                <a:solidFill>
-                  <a:schemeClr val="bg1">
-                    <a:lumMod val="85000"/>
-                  </a:schemeClr>
-                </a:solidFill>
-                <a:latin typeface="+mn-ea"/>
-              </a:rPr>
-              <a:t>儲存變數</a:t>
-            </a:r>
-            <a:endParaRPr lang="en-US" altLang="zh-TW" sz="3600" dirty="0">
+              <a:t>Hook</a:t>
+            </a:r>
+            <a:endParaRPr lang="en-US" altLang="zh-TW" sz="800" dirty="0">
               <a:solidFill>
-                <a:schemeClr val="bg1">
-                  <a:lumMod val="85000"/>
+                <a:schemeClr val="accent3">
+                  <a:lumMod val="20000"/>
+                  <a:lumOff val="80000"/>
                 </a:schemeClr>
               </a:solidFill>
               <a:latin typeface="+mn-ea"/>
             </a:endParaRPr>
           </a:p>
           <a:p>
-            <a:pPr marL="457200" indent="-457200">
-              <a:lnSpc>
-                <a:spcPct val="150000"/>
-              </a:lnSpc>
-              <a:buFont typeface="Arial" panose="020B0604020202020204" pitchFamily="34" charset="0"/>
-              <a:buChar char="•"/>
+            <a:pPr marL="502920" lvl="1" indent="0">
+              <a:buClr>
+                <a:schemeClr val="bg1"/>
+              </a:buClr>
+              <a:buNone/>
             </a:pPr>
             <a:r>
-              <a:rPr lang="zh-TW" altLang="en-US" sz="3600" dirty="0">
+              <a:rPr lang="en-US" altLang="zh-TW" sz="3000" b="1" dirty="0" err="1">
                 <a:solidFill>
                   <a:schemeClr val="bg1">
-                    <a:lumMod val="85000"/>
+                    <a:lumMod val="95000"/>
                   </a:schemeClr>
                 </a:solidFill>
                 <a:latin typeface="+mn-ea"/>
               </a:rPr>
-              <a:t>提供修改方式</a:t>
-            </a:r>
-            <a:endParaRPr lang="en-US" altLang="zh-TW" sz="3600" dirty="0">
+              <a:t>useState</a:t>
+            </a:r>
+            <a:r>
+              <a:rPr lang="en-US" altLang="zh-TW" sz="3000" b="1" dirty="0">
+                <a:solidFill>
+                  <a:schemeClr val="bg1">
+                    <a:lumMod val="95000"/>
+                  </a:schemeClr>
+                </a:solidFill>
+                <a:latin typeface="+mn-ea"/>
+              </a:rPr>
+              <a:t>( )</a:t>
+            </a:r>
+            <a:endParaRPr lang="zh-TW" altLang="en-US" sz="3000" b="1" dirty="0">
               <a:solidFill>
                 <a:schemeClr val="bg1">
-                  <a:lumMod val="85000"/>
+                  <a:lumMod val="95000"/>
                 </a:schemeClr>
               </a:solidFill>
               <a:latin typeface="+mn-ea"/>
             </a:endParaRPr>
           </a:p>
           <a:p>
-            <a:pPr marL="457200" indent="-457200">
-              <a:lnSpc>
-                <a:spcPct val="150000"/>
-              </a:lnSpc>
-              <a:buFont typeface="Arial" panose="020B0604020202020204" pitchFamily="34" charset="0"/>
-              <a:buChar char="•"/>
+            <a:pPr marL="502920" lvl="1" indent="0">
+              <a:buClr>
+                <a:schemeClr val="bg1"/>
+              </a:buClr>
+              <a:buNone/>
             </a:pPr>
             <a:r>
-              <a:rPr lang="zh-TW" altLang="en-US" sz="3600" dirty="0">
+              <a:rPr lang="en-US" altLang="zh-TW" sz="3000" dirty="0" err="1">
                 <a:solidFill>
                   <a:schemeClr val="bg1">
-                    <a:lumMod val="85000"/>
+                    <a:lumMod val="95000"/>
                   </a:schemeClr>
                 </a:solidFill>
                 <a:latin typeface="+mn-ea"/>
               </a:rPr>
-              <a:t>改變時會渲染頁面</a:t>
-            </a:r>
+              <a:t>useEffect</a:t>
+            </a:r>
+            <a:r>
+              <a:rPr lang="en-US" altLang="zh-TW" sz="3000" dirty="0">
+                <a:solidFill>
+                  <a:schemeClr val="bg1">
+                    <a:lumMod val="95000"/>
+                  </a:schemeClr>
+                </a:solidFill>
+                <a:latin typeface="+mj-ea"/>
+              </a:rPr>
+              <a:t>( )</a:t>
+            </a:r>
+          </a:p>
+          <a:p>
+            <a:pPr marL="502920" lvl="1" indent="0">
+              <a:buClr>
+                <a:schemeClr val="bg1"/>
+              </a:buClr>
+              <a:buNone/>
+            </a:pPr>
+            <a:r>
+              <a:rPr lang="en-US" altLang="zh-TW" sz="3000" dirty="0" err="1">
+                <a:solidFill>
+                  <a:schemeClr val="bg1">
+                    <a:lumMod val="95000"/>
+                  </a:schemeClr>
+                </a:solidFill>
+                <a:latin typeface="+mn-ea"/>
+              </a:rPr>
+              <a:t>useContext</a:t>
+            </a:r>
+            <a:r>
+              <a:rPr lang="en-US" altLang="zh-TW" sz="3000" dirty="0">
+                <a:solidFill>
+                  <a:schemeClr val="bg1">
+                    <a:lumMod val="95000"/>
+                  </a:schemeClr>
+                </a:solidFill>
+                <a:latin typeface="+mj-ea"/>
+              </a:rPr>
+              <a:t>( )</a:t>
+            </a:r>
+            <a:endParaRPr lang="zh-TW" altLang="en-US" sz="3000" dirty="0">
+              <a:solidFill>
+                <a:schemeClr val="bg1">
+                  <a:lumMod val="95000"/>
+                </a:schemeClr>
+              </a:solidFill>
+              <a:latin typeface="+mj-ea"/>
+            </a:endParaRPr>
+          </a:p>
+          <a:p>
+            <a:pPr marL="0" indent="0">
+              <a:buNone/>
+            </a:pPr>
+            <a:r>
+              <a:rPr lang="zh-TW" altLang="en-US" sz="4000" dirty="0">
+                <a:solidFill>
+                  <a:schemeClr val="accent1">
+                    <a:lumMod val="40000"/>
+                    <a:lumOff val="60000"/>
+                  </a:schemeClr>
+                </a:solidFill>
+                <a:latin typeface="+mj-ea"/>
+              </a:rPr>
+              <a:t>額外的 </a:t>
+            </a:r>
+            <a:r>
+              <a:rPr lang="en-US" altLang="zh-TW" sz="4000" dirty="0">
+                <a:solidFill>
+                  <a:schemeClr val="accent1">
+                    <a:lumMod val="40000"/>
+                    <a:lumOff val="60000"/>
+                  </a:schemeClr>
+                </a:solidFill>
+                <a:latin typeface="+mj-ea"/>
+              </a:rPr>
+              <a:t>Hook</a:t>
+            </a:r>
+            <a:endParaRPr lang="en-US" altLang="zh-TW" sz="800" dirty="0">
+              <a:solidFill>
+                <a:schemeClr val="accent1">
+                  <a:lumMod val="40000"/>
+                  <a:lumOff val="60000"/>
+                </a:schemeClr>
+              </a:solidFill>
+              <a:latin typeface="+mj-ea"/>
+            </a:endParaRPr>
+          </a:p>
+          <a:p>
+            <a:pPr marL="502920" lvl="1" indent="0">
+              <a:buClr>
+                <a:schemeClr val="bg1"/>
+              </a:buClr>
+              <a:buNone/>
+            </a:pPr>
+            <a:r>
+              <a:rPr lang="en-US" altLang="zh-TW" sz="3000" dirty="0" err="1">
+                <a:solidFill>
+                  <a:schemeClr val="bg1">
+                    <a:lumMod val="95000"/>
+                  </a:schemeClr>
+                </a:solidFill>
+                <a:latin typeface="+mn-ea"/>
+              </a:rPr>
+              <a:t>useRef</a:t>
+            </a:r>
+            <a:r>
+              <a:rPr lang="en-US" altLang="zh-TW" sz="3000" dirty="0">
+                <a:solidFill>
+                  <a:schemeClr val="bg1">
+                    <a:lumMod val="95000"/>
+                  </a:schemeClr>
+                </a:solidFill>
+                <a:latin typeface="+mj-ea"/>
+              </a:rPr>
+              <a:t>( )</a:t>
+            </a:r>
+            <a:endParaRPr lang="zh-TW" altLang="en-US" sz="3000" dirty="0">
+              <a:solidFill>
+                <a:schemeClr val="bg1">
+                  <a:lumMod val="95000"/>
+                </a:schemeClr>
+              </a:solidFill>
+              <a:latin typeface="+mj-ea"/>
+            </a:endParaRPr>
+          </a:p>
+          <a:p>
+            <a:pPr marL="502920" lvl="1" indent="0">
+              <a:buClr>
+                <a:schemeClr val="bg1"/>
+              </a:buClr>
+              <a:buNone/>
+            </a:pPr>
+            <a:r>
+              <a:rPr lang="en-US" altLang="zh-TW" sz="3000" dirty="0" err="1">
+                <a:solidFill>
+                  <a:schemeClr val="bg1">
+                    <a:lumMod val="95000"/>
+                  </a:schemeClr>
+                </a:solidFill>
+                <a:latin typeface="Adobe 繁黑體 Std B" panose="020B0700000000000000" pitchFamily="34" charset="-120"/>
+                <a:ea typeface="Adobe 繁黑體 Std B" panose="020B0700000000000000" pitchFamily="34" charset="-120"/>
+              </a:rPr>
+              <a:t>useImperativeHandle</a:t>
+            </a:r>
+            <a:r>
+              <a:rPr lang="en-US" altLang="zh-TW" sz="3000" dirty="0">
+                <a:solidFill>
+                  <a:schemeClr val="bg1">
+                    <a:lumMod val="95000"/>
+                  </a:schemeClr>
+                </a:solidFill>
+                <a:latin typeface="Adobe 繁黑體 Std B" panose="020B0700000000000000" pitchFamily="34" charset="-120"/>
+                <a:ea typeface="Adobe 繁黑體 Std B" panose="020B0700000000000000" pitchFamily="34" charset="-120"/>
+              </a:rPr>
+              <a:t>( )</a:t>
+            </a:r>
+            <a:endParaRPr lang="zh-TW" altLang="en-US" sz="3000" dirty="0">
+              <a:solidFill>
+                <a:schemeClr val="bg1">
+                  <a:lumMod val="95000"/>
+                </a:schemeClr>
+              </a:solidFill>
+              <a:latin typeface="Adobe 繁黑體 Std B" panose="020B0700000000000000" pitchFamily="34" charset="-120"/>
+              <a:ea typeface="Adobe 繁黑體 Std B" panose="020B0700000000000000" pitchFamily="34" charset="-120"/>
+            </a:endParaRPr>
           </a:p>
         </p:txBody>
       </p:sp>
     </p:spTree>
     <p:extLst>
       <p:ext uri="{BB962C8B-B14F-4D97-AF65-F5344CB8AC3E}">
-        <p14:creationId xmlns:p14="http://schemas.microsoft.com/office/powerpoint/2010/main" val="2784849930"/>
+        <p14:creationId xmlns:p14="http://schemas.microsoft.com/office/powerpoint/2010/main" val="220217246"/>
       </p:ext>
     </p:extLst>
   </p:cSld>
@@ -6853,6 +7386,222 @@
       </p:grpSpPr>
       <p:sp>
         <p:nvSpPr>
+          <p:cNvPr id="2" name="投影片編號版面配置區 1">
+            <a:extLst>
+              <a:ext uri="{FF2B5EF4-FFF2-40B4-BE49-F238E27FC236}">
+                <a16:creationId xmlns:a16="http://schemas.microsoft.com/office/drawing/2014/main" id="{FB61CBBB-E599-424B-8AA5-3A4E2FA32232}"/>
+              </a:ext>
+            </a:extLst>
+          </p:cNvPr>
+          <p:cNvSpPr>
+            <a:spLocks noGrp="1"/>
+          </p:cNvSpPr>
+          <p:nvPr>
+            <p:ph type="sldNum" sz="quarter" idx="12"/>
+          </p:nvPr>
+        </p:nvSpPr>
+        <p:spPr/>
+        <p:txBody>
+          <a:bodyPr/>
+          <a:lstStyle/>
+          <a:p>
+            <a:fld id="{4FAB73BC-B049-4115-A692-8D63A059BFB8}" type="slidenum">
+              <a:rPr lang="en-US" smtClean="0"/>
+              <a:pPr/>
+              <a:t>15</a:t>
+            </a:fld>
+            <a:endParaRPr lang="en-US" dirty="0"/>
+          </a:p>
+        </p:txBody>
+      </p:sp>
+      <p:sp>
+        <p:nvSpPr>
+          <p:cNvPr id="3" name="文字版面配置區 2">
+            <a:extLst>
+              <a:ext uri="{FF2B5EF4-FFF2-40B4-BE49-F238E27FC236}">
+                <a16:creationId xmlns:a16="http://schemas.microsoft.com/office/drawing/2014/main" id="{B276BE0C-3543-4CD6-B69D-82D557D41A1E}"/>
+              </a:ext>
+            </a:extLst>
+          </p:cNvPr>
+          <p:cNvSpPr>
+            <a:spLocks noGrp="1"/>
+          </p:cNvSpPr>
+          <p:nvPr>
+            <p:ph type="body" sz="quarter" idx="13"/>
+          </p:nvPr>
+        </p:nvSpPr>
+        <p:spPr/>
+        <p:txBody>
+          <a:bodyPr/>
+          <a:lstStyle/>
+          <a:p>
+            <a:r>
+              <a:rPr lang="en-US" altLang="zh-TW" b="1" dirty="0" err="1">
+                <a:latin typeface="+mn-ea"/>
+              </a:rPr>
+              <a:t>useState</a:t>
+            </a:r>
+            <a:r>
+              <a:rPr lang="en-US" altLang="zh-TW" b="1" dirty="0">
+                <a:latin typeface="+mn-ea"/>
+              </a:rPr>
+              <a:t>( )</a:t>
+            </a:r>
+            <a:endParaRPr lang="zh-TW" altLang="en-US" b="1" dirty="0">
+              <a:latin typeface="+mn-ea"/>
+            </a:endParaRPr>
+          </a:p>
+        </p:txBody>
+      </p:sp>
+      <p:sp>
+        <p:nvSpPr>
+          <p:cNvPr id="4" name="文字方塊 3">
+            <a:extLst>
+              <a:ext uri="{FF2B5EF4-FFF2-40B4-BE49-F238E27FC236}">
+                <a16:creationId xmlns:a16="http://schemas.microsoft.com/office/drawing/2014/main" id="{76ABBAB0-F46F-42B4-ADA7-15BBCA53A4BA}"/>
+              </a:ext>
+            </a:extLst>
+          </p:cNvPr>
+          <p:cNvSpPr txBox="1"/>
+          <p:nvPr/>
+        </p:nvSpPr>
+        <p:spPr>
+          <a:xfrm>
+            <a:off x="1362171" y="1884732"/>
+            <a:ext cx="4324865" cy="2585323"/>
+          </a:xfrm>
+          <a:prstGeom prst="rect">
+            <a:avLst/>
+          </a:prstGeom>
+          <a:noFill/>
+        </p:spPr>
+        <p:txBody>
+          <a:bodyPr wrap="square" rtlCol="0">
+            <a:spAutoFit/>
+          </a:bodyPr>
+          <a:lstStyle/>
+          <a:p>
+            <a:pPr marL="457200" indent="-457200">
+              <a:lnSpc>
+                <a:spcPct val="150000"/>
+              </a:lnSpc>
+              <a:buFont typeface="Arial" panose="020B0604020202020204" pitchFamily="34" charset="0"/>
+              <a:buChar char="•"/>
+            </a:pPr>
+            <a:r>
+              <a:rPr lang="zh-TW" altLang="en-US" sz="3600" dirty="0">
+                <a:solidFill>
+                  <a:schemeClr val="bg1">
+                    <a:lumMod val="85000"/>
+                  </a:schemeClr>
+                </a:solidFill>
+                <a:latin typeface="+mn-ea"/>
+              </a:rPr>
+              <a:t>儲存變數</a:t>
+            </a:r>
+            <a:endParaRPr lang="en-US" altLang="zh-TW" sz="3600" dirty="0">
+              <a:solidFill>
+                <a:schemeClr val="bg1">
+                  <a:lumMod val="85000"/>
+                </a:schemeClr>
+              </a:solidFill>
+              <a:latin typeface="+mn-ea"/>
+            </a:endParaRPr>
+          </a:p>
+          <a:p>
+            <a:pPr marL="457200" indent="-457200">
+              <a:lnSpc>
+                <a:spcPct val="150000"/>
+              </a:lnSpc>
+              <a:buFont typeface="Arial" panose="020B0604020202020204" pitchFamily="34" charset="0"/>
+              <a:buChar char="•"/>
+            </a:pPr>
+            <a:r>
+              <a:rPr lang="zh-TW" altLang="en-US" sz="3600" dirty="0">
+                <a:solidFill>
+                  <a:schemeClr val="bg1">
+                    <a:lumMod val="85000"/>
+                  </a:schemeClr>
+                </a:solidFill>
+                <a:latin typeface="+mn-ea"/>
+              </a:rPr>
+              <a:t>提供修改方式</a:t>
+            </a:r>
+            <a:endParaRPr lang="en-US" altLang="zh-TW" sz="3600" dirty="0">
+              <a:solidFill>
+                <a:schemeClr val="bg1">
+                  <a:lumMod val="85000"/>
+                </a:schemeClr>
+              </a:solidFill>
+              <a:latin typeface="+mn-ea"/>
+            </a:endParaRPr>
+          </a:p>
+          <a:p>
+            <a:pPr marL="457200" indent="-457200">
+              <a:lnSpc>
+                <a:spcPct val="150000"/>
+              </a:lnSpc>
+              <a:buFont typeface="Arial" panose="020B0604020202020204" pitchFamily="34" charset="0"/>
+              <a:buChar char="•"/>
+            </a:pPr>
+            <a:r>
+              <a:rPr lang="zh-TW" altLang="en-US" sz="3600" dirty="0">
+                <a:solidFill>
+                  <a:schemeClr val="bg1">
+                    <a:lumMod val="85000"/>
+                  </a:schemeClr>
+                </a:solidFill>
+                <a:latin typeface="+mn-ea"/>
+              </a:rPr>
+              <a:t>改變時會渲染頁面</a:t>
+            </a:r>
+          </a:p>
+        </p:txBody>
+      </p:sp>
+    </p:spTree>
+    <p:extLst>
+      <p:ext uri="{BB962C8B-B14F-4D97-AF65-F5344CB8AC3E}">
+        <p14:creationId xmlns:p14="http://schemas.microsoft.com/office/powerpoint/2010/main" val="2784849930"/>
+      </p:ext>
+    </p:extLst>
+  </p:cSld>
+  <p:clrMapOvr>
+    <a:masterClrMapping/>
+  </p:clrMapOvr>
+  <mc:AlternateContent xmlns:mc="http://schemas.openxmlformats.org/markup-compatibility/2006" xmlns:p14="http://schemas.microsoft.com/office/powerpoint/2010/main">
+    <mc:Choice Requires="p14">
+      <p:transition p14:dur="160">
+        <p:fade/>
+      </p:transition>
+    </mc:Choice>
+    <mc:Fallback xmlns="">
+      <p:transition>
+        <p:fade/>
+      </p:transition>
+    </mc:Fallback>
+  </mc:AlternateContent>
+</p:sld>
+</file>
+
+<file path=ppt/slides/slide16.xml><?xml version="1.0" encoding="utf-8"?>
+<p:sld xmlns:a="http://schemas.openxmlformats.org/drawingml/2006/main" xmlns:r="http://schemas.openxmlformats.org/officeDocument/2006/relationships" xmlns:p="http://schemas.openxmlformats.org/presentationml/2006/main">
+  <p:cSld>
+    <p:spTree>
+      <p:nvGrpSpPr>
+        <p:cNvPr id="1" name=""/>
+        <p:cNvGrpSpPr/>
+        <p:nvPr/>
+      </p:nvGrpSpPr>
+      <p:grpSpPr>
+        <a:xfrm>
+          <a:off x="0" y="0"/>
+          <a:ext cx="0" cy="0"/>
+          <a:chOff x="0" y="0"/>
+          <a:chExt cx="0" cy="0"/>
+        </a:xfrm>
+      </p:grpSpPr>
+      <p:sp>
+        <p:nvSpPr>
           <p:cNvPr id="2" name="投影片編號版面配置區 1"/>
           <p:cNvSpPr>
             <a:spLocks noGrp="1"/>
@@ -6869,7 +7618,7 @@
             <a:fld id="{4FAB73BC-B049-4115-A692-8D63A059BFB8}" type="slidenum">
               <a:rPr lang="en-US" smtClean="0"/>
               <a:pPr/>
-              <a:t>15</a:t>
+              <a:t>16</a:t>
             </a:fld>
             <a:endParaRPr lang="en-US" dirty="0"/>
           </a:p>
@@ -7777,7 +8526,7 @@
 </p:sld>
 </file>
 
-<file path=ppt/slides/slide16.xml><?xml version="1.0" encoding="utf-8"?>
+<file path=ppt/slides/slide17.xml><?xml version="1.0" encoding="utf-8"?>
 <p:sld xmlns:a="http://schemas.openxmlformats.org/drawingml/2006/main" xmlns:r="http://schemas.openxmlformats.org/officeDocument/2006/relationships" xmlns:p="http://schemas.openxmlformats.org/presentationml/2006/main">
   <p:cSld>
     <p:spTree>
@@ -7799,7 +8548,7 @@
           <p:cNvPr id="2" name="投影片編號版面配置區 1">
             <a:extLst>
               <a:ext uri="{FF2B5EF4-FFF2-40B4-BE49-F238E27FC236}">
-                <a16:creationId xmlns:a16="http://schemas.microsoft.com/office/drawing/2014/main" id="{0CB87D7D-1429-43E9-B330-2C704EECF544}"/>
+                <a16:creationId xmlns:a16="http://schemas.microsoft.com/office/drawing/2014/main" id="{3A84EC15-D66E-45E5-8382-27DA6AB23500}"/>
               </a:ext>
             </a:extLst>
           </p:cNvPr>
@@ -7818,7 +8567,7 @@
             <a:fld id="{4FAB73BC-B049-4115-A692-8D63A059BFB8}" type="slidenum">
               <a:rPr lang="en-US" smtClean="0"/>
               <a:pPr/>
-              <a:t>16</a:t>
+              <a:t>17</a:t>
             </a:fld>
             <a:endParaRPr lang="en-US" dirty="0"/>
           </a:p>
@@ -7826,10 +8575,38 @@
       </p:sp>
       <p:sp>
         <p:nvSpPr>
-          <p:cNvPr id="3" name="文字方塊 2">
+          <p:cNvPr id="3" name="文字版面配置區 2">
             <a:extLst>
               <a:ext uri="{FF2B5EF4-FFF2-40B4-BE49-F238E27FC236}">
-                <a16:creationId xmlns:a16="http://schemas.microsoft.com/office/drawing/2014/main" id="{BA7495F2-4888-409C-98FF-A550A3CC5033}"/>
+                <a16:creationId xmlns:a16="http://schemas.microsoft.com/office/drawing/2014/main" id="{CFDC7ED8-D5E3-4484-903B-170CECD578F6}"/>
+              </a:ext>
+            </a:extLst>
+          </p:cNvPr>
+          <p:cNvSpPr>
+            <a:spLocks noGrp="1"/>
+          </p:cNvSpPr>
+          <p:nvPr>
+            <p:ph type="body" sz="quarter" idx="13"/>
+          </p:nvPr>
+        </p:nvSpPr>
+        <p:spPr/>
+        <p:txBody>
+          <a:bodyPr/>
+          <a:lstStyle/>
+          <a:p>
+            <a:r>
+              <a:rPr lang="zh-TW" altLang="en-US" dirty="0"/>
+              <a:t>結構</a:t>
+            </a:r>
+          </a:p>
+        </p:txBody>
+      </p:sp>
+      <p:sp>
+        <p:nvSpPr>
+          <p:cNvPr id="4" name="文字方塊 3">
+            <a:extLst>
+              <a:ext uri="{FF2B5EF4-FFF2-40B4-BE49-F238E27FC236}">
+                <a16:creationId xmlns:a16="http://schemas.microsoft.com/office/drawing/2014/main" id="{4C0C5A12-5C57-400F-9A5D-A1711E6604BF}"/>
               </a:ext>
             </a:extLst>
           </p:cNvPr>
@@ -7838,7 +8615,7 @@
         </p:nvSpPr>
         <p:spPr>
           <a:xfrm>
-            <a:off x="1566123" y="1176171"/>
+            <a:off x="1646641" y="1604085"/>
             <a:ext cx="8898718" cy="523220"/>
           </a:xfrm>
           <a:prstGeom prst="rect">
@@ -7971,10 +8748,10 @@
       </p:sp>
       <p:graphicFrame>
         <p:nvGraphicFramePr>
-          <p:cNvPr id="4" name="表格 6">
+          <p:cNvPr id="5" name="表格 6">
             <a:extLst>
               <a:ext uri="{FF2B5EF4-FFF2-40B4-BE49-F238E27FC236}">
-                <a16:creationId xmlns:a16="http://schemas.microsoft.com/office/drawing/2014/main" id="{B1396275-302D-4DA8-B7DF-E429AF090740}"/>
+                <a16:creationId xmlns:a16="http://schemas.microsoft.com/office/drawing/2014/main" id="{82E4DD62-498D-49B6-AE41-CA93BB3EBF6D}"/>
               </a:ext>
             </a:extLst>
           </p:cNvPr>
@@ -7984,7 +8761,7 @@
           <p:nvPr>
             <p:extLst>
               <p:ext uri="{D42A27DB-BD31-4B8C-83A1-F6EECF244321}">
-                <p14:modId xmlns:p14="http://schemas.microsoft.com/office/powerpoint/2010/main" val="1473610548"/>
+                <p14:modId xmlns:p14="http://schemas.microsoft.com/office/powerpoint/2010/main" val="1136307100"/>
               </p:ext>
             </p:extLst>
           </p:nvPr>
@@ -8270,7 +9047,7 @@
     </p:spTree>
     <p:extLst>
       <p:ext uri="{BB962C8B-B14F-4D97-AF65-F5344CB8AC3E}">
-        <p14:creationId xmlns:p14="http://schemas.microsoft.com/office/powerpoint/2010/main" val="1095139345"/>
+        <p14:creationId xmlns:p14="http://schemas.microsoft.com/office/powerpoint/2010/main" val="3547671435"/>
       </p:ext>
     </p:extLst>
   </p:cSld>
@@ -8292,7 +9069,7 @@
 </p:sld>
 </file>
 
-<file path=ppt/slides/slide17.xml><?xml version="1.0" encoding="utf-8"?>
+<file path=ppt/slides/slide18.xml><?xml version="1.0" encoding="utf-8"?>
 <p:sld xmlns:a="http://schemas.openxmlformats.org/drawingml/2006/main" xmlns:r="http://schemas.openxmlformats.org/officeDocument/2006/relationships" xmlns:p="http://schemas.openxmlformats.org/presentationml/2006/main">
   <p:cSld>
     <p:spTree>
@@ -8333,7 +9110,7 @@
             <a:fld id="{4FAB73BC-B049-4115-A692-8D63A059BFB8}" type="slidenum">
               <a:rPr lang="en-US" smtClean="0"/>
               <a:pPr/>
-              <a:t>17</a:t>
+              <a:t>18</a:t>
             </a:fld>
             <a:endParaRPr lang="en-US" dirty="0"/>
           </a:p>
@@ -8930,7 +9707,7 @@
 </p:sld>
 </file>
 
-<file path=ppt/slides/slide18.xml><?xml version="1.0" encoding="utf-8"?>
+<file path=ppt/slides/slide19.xml><?xml version="1.0" encoding="utf-8"?>
 <p:sld xmlns:a="http://schemas.openxmlformats.org/drawingml/2006/main" xmlns:r="http://schemas.openxmlformats.org/officeDocument/2006/relationships" xmlns:p="http://schemas.openxmlformats.org/presentationml/2006/main">
   <p:cSld>
     <p:spTree>
@@ -8971,7 +9748,7 @@
             <a:fld id="{4FAB73BC-B049-4115-A692-8D63A059BFB8}" type="slidenum">
               <a:rPr lang="en-US" smtClean="0"/>
               <a:pPr/>
-              <a:t>18</a:t>
+              <a:t>19</a:t>
             </a:fld>
             <a:endParaRPr lang="en-US" dirty="0"/>
           </a:p>
@@ -9119,262 +9896,6 @@
     <p:extLst>
       <p:ext uri="{BB962C8B-B14F-4D97-AF65-F5344CB8AC3E}">
         <p14:creationId xmlns:p14="http://schemas.microsoft.com/office/powerpoint/2010/main" val="1889649218"/>
-      </p:ext>
-    </p:extLst>
-  </p:cSld>
-  <p:clrMapOvr>
-    <a:masterClrMapping/>
-  </p:clrMapOvr>
-  <mc:AlternateContent xmlns:mc="http://schemas.openxmlformats.org/markup-compatibility/2006" xmlns:p14="http://schemas.microsoft.com/office/powerpoint/2010/main">
-    <mc:Choice Requires="p14">
-      <p:transition p14:dur="160">
-        <p:fade/>
-      </p:transition>
-    </mc:Choice>
-    <mc:Fallback xmlns="">
-      <p:transition>
-        <p:fade/>
-      </p:transition>
-    </mc:Fallback>
-  </mc:AlternateContent>
-</p:sld>
-</file>
-
-<file path=ppt/slides/slide19.xml><?xml version="1.0" encoding="utf-8"?>
-<p:sld xmlns:a="http://schemas.openxmlformats.org/drawingml/2006/main" xmlns:r="http://schemas.openxmlformats.org/officeDocument/2006/relationships" xmlns:p="http://schemas.openxmlformats.org/presentationml/2006/main">
-  <p:cSld>
-    <p:spTree>
-      <p:nvGrpSpPr>
-        <p:cNvPr id="1" name=""/>
-        <p:cNvGrpSpPr/>
-        <p:nvPr/>
-      </p:nvGrpSpPr>
-      <p:grpSpPr>
-        <a:xfrm>
-          <a:off x="0" y="0"/>
-          <a:ext cx="0" cy="0"/>
-          <a:chOff x="0" y="0"/>
-          <a:chExt cx="0" cy="0"/>
-        </a:xfrm>
-      </p:grpSpPr>
-      <p:sp>
-        <p:nvSpPr>
-          <p:cNvPr id="2" name="投影片編號版面配置區 1">
-            <a:extLst>
-              <a:ext uri="{FF2B5EF4-FFF2-40B4-BE49-F238E27FC236}">
-                <a16:creationId xmlns:a16="http://schemas.microsoft.com/office/drawing/2014/main" id="{09325958-A913-4ED4-BF37-25C26A343A0C}"/>
-              </a:ext>
-            </a:extLst>
-          </p:cNvPr>
-          <p:cNvSpPr>
-            <a:spLocks noGrp="1"/>
-          </p:cNvSpPr>
-          <p:nvPr>
-            <p:ph type="sldNum" sz="quarter" idx="12"/>
-          </p:nvPr>
-        </p:nvSpPr>
-        <p:spPr/>
-        <p:txBody>
-          <a:bodyPr/>
-          <a:lstStyle/>
-          <a:p>
-            <a:fld id="{4FAB73BC-B049-4115-A692-8D63A059BFB8}" type="slidenum">
-              <a:rPr lang="en-US" smtClean="0"/>
-              <a:pPr/>
-              <a:t>19</a:t>
-            </a:fld>
-            <a:endParaRPr lang="en-US" dirty="0"/>
-          </a:p>
-        </p:txBody>
-      </p:sp>
-      <p:sp>
-        <p:nvSpPr>
-          <p:cNvPr id="3" name="文字版面配置區 2">
-            <a:extLst>
-              <a:ext uri="{FF2B5EF4-FFF2-40B4-BE49-F238E27FC236}">
-                <a16:creationId xmlns:a16="http://schemas.microsoft.com/office/drawing/2014/main" id="{5F2E5F9B-303C-44FE-9CEF-454660CCE1B7}"/>
-              </a:ext>
-            </a:extLst>
-          </p:cNvPr>
-          <p:cNvSpPr>
-            <a:spLocks noGrp="1"/>
-          </p:cNvSpPr>
-          <p:nvPr>
-            <p:ph type="body" sz="quarter" idx="13"/>
-          </p:nvPr>
-        </p:nvSpPr>
-        <p:spPr/>
-        <p:txBody>
-          <a:bodyPr/>
-          <a:lstStyle/>
-          <a:p>
-            <a:r>
-              <a:rPr lang="en-US" altLang="zh-TW" spc="300" dirty="0" err="1">
-                <a:latin typeface="Arial Black" panose="020B0A04020102020204" pitchFamily="34" charset="0"/>
-              </a:rPr>
-              <a:t>RenderWithHooks</a:t>
-            </a:r>
-            <a:endParaRPr lang="zh-TW" altLang="en-US" spc="300" dirty="0">
-              <a:latin typeface="Arial Black" panose="020B0A04020102020204" pitchFamily="34" charset="0"/>
-            </a:endParaRPr>
-          </a:p>
-        </p:txBody>
-      </p:sp>
-      <p:sp>
-        <p:nvSpPr>
-          <p:cNvPr id="4" name="文字方塊 3">
-            <a:extLst>
-              <a:ext uri="{FF2B5EF4-FFF2-40B4-BE49-F238E27FC236}">
-                <a16:creationId xmlns:a16="http://schemas.microsoft.com/office/drawing/2014/main" id="{A2188095-520B-489A-9EC1-A163CA5E40EB}"/>
-              </a:ext>
-            </a:extLst>
-          </p:cNvPr>
-          <p:cNvSpPr txBox="1"/>
-          <p:nvPr/>
-        </p:nvSpPr>
-        <p:spPr>
-          <a:xfrm>
-            <a:off x="2224881" y="2384079"/>
-            <a:ext cx="7573794" cy="2691314"/>
-          </a:xfrm>
-          <a:prstGeom prst="rect">
-            <a:avLst/>
-          </a:prstGeom>
-          <a:noFill/>
-        </p:spPr>
-        <p:txBody>
-          <a:bodyPr wrap="square" rtlCol="0">
-            <a:spAutoFit/>
-          </a:bodyPr>
-          <a:lstStyle/>
-          <a:p>
-            <a:pPr algn="ctr"/>
-            <a:r>
-              <a:rPr lang="zh-TW" altLang="en-US" sz="3600" dirty="0">
-                <a:solidFill>
-                  <a:schemeClr val="bg1">
-                    <a:lumMod val="85000"/>
-                  </a:schemeClr>
-                </a:solidFill>
-                <a:latin typeface="+mj-ea"/>
-                <a:ea typeface="+mj-ea"/>
-              </a:rPr>
-              <a:t>確認現在數值與前數值是否相等 </a:t>
-            </a:r>
-            <a:r>
-              <a:rPr lang="en-US" altLang="zh-TW" sz="3600" dirty="0">
-                <a:solidFill>
-                  <a:schemeClr val="bg1">
-                    <a:lumMod val="85000"/>
-                  </a:schemeClr>
-                </a:solidFill>
-                <a:latin typeface="+mj-ea"/>
-                <a:ea typeface="+mj-ea"/>
-              </a:rPr>
-              <a:t>?</a:t>
-            </a:r>
-          </a:p>
-          <a:p>
-            <a:pPr algn="ctr">
-              <a:lnSpc>
-                <a:spcPct val="200000"/>
-              </a:lnSpc>
-            </a:pPr>
-            <a:r>
-              <a:rPr lang="zh-TW" altLang="en-US" sz="3600" dirty="0">
-                <a:solidFill>
-                  <a:schemeClr val="bg1">
-                    <a:lumMod val="85000"/>
-                  </a:schemeClr>
-                </a:solidFill>
-                <a:latin typeface="+mj-ea"/>
-                <a:ea typeface="+mj-ea"/>
-              </a:rPr>
-              <a:t>不相等 </a:t>
-            </a:r>
-            <a:r>
-              <a:rPr lang="en-US" altLang="zh-TW" sz="3600" dirty="0">
-                <a:solidFill>
-                  <a:schemeClr val="bg1">
-                    <a:lumMod val="85000"/>
-                  </a:schemeClr>
-                </a:solidFill>
-                <a:latin typeface="+mj-ea"/>
-                <a:ea typeface="+mj-ea"/>
-              </a:rPr>
-              <a:t>=&gt;</a:t>
-            </a:r>
-            <a:r>
-              <a:rPr lang="zh-TW" altLang="en-US" sz="3600" dirty="0">
-                <a:solidFill>
-                  <a:schemeClr val="bg1">
-                    <a:lumMod val="85000"/>
-                  </a:schemeClr>
-                </a:solidFill>
-                <a:latin typeface="+mj-ea"/>
-                <a:ea typeface="+mj-ea"/>
-              </a:rPr>
-              <a:t>渲染頁面</a:t>
-            </a:r>
-            <a:endParaRPr lang="en-US" altLang="zh-TW" sz="3600" dirty="0">
-              <a:solidFill>
-                <a:schemeClr val="bg1">
-                  <a:lumMod val="85000"/>
-                </a:schemeClr>
-              </a:solidFill>
-              <a:latin typeface="+mj-ea"/>
-              <a:ea typeface="+mj-ea"/>
-            </a:endParaRPr>
-          </a:p>
-          <a:p>
-            <a:pPr algn="ctr">
-              <a:lnSpc>
-                <a:spcPct val="200000"/>
-              </a:lnSpc>
-            </a:pPr>
-            <a:r>
-              <a:rPr lang="zh-TW" altLang="en-US" sz="3600" dirty="0">
-                <a:solidFill>
-                  <a:schemeClr val="bg1">
-                    <a:lumMod val="85000"/>
-                  </a:schemeClr>
-                </a:solidFill>
-                <a:latin typeface="+mj-ea"/>
-                <a:ea typeface="+mj-ea"/>
-              </a:rPr>
-              <a:t>相等 </a:t>
-            </a:r>
-            <a:r>
-              <a:rPr lang="en-US" altLang="zh-TW" sz="3600" dirty="0">
-                <a:solidFill>
-                  <a:schemeClr val="bg1">
-                    <a:lumMod val="85000"/>
-                  </a:schemeClr>
-                </a:solidFill>
-                <a:latin typeface="+mj-ea"/>
-                <a:ea typeface="+mj-ea"/>
-              </a:rPr>
-              <a:t>=&gt;</a:t>
-            </a:r>
-            <a:r>
-              <a:rPr lang="zh-TW" altLang="en-US" sz="3600" dirty="0">
-                <a:solidFill>
-                  <a:schemeClr val="bg1">
-                    <a:lumMod val="85000"/>
-                  </a:schemeClr>
-                </a:solidFill>
-                <a:latin typeface="+mj-ea"/>
-                <a:ea typeface="+mj-ea"/>
-              </a:rPr>
-              <a:t>不渲染頁面</a:t>
-            </a:r>
-          </a:p>
-        </p:txBody>
-      </p:sp>
-    </p:spTree>
-    <p:extLst>
-      <p:ext uri="{BB962C8B-B14F-4D97-AF65-F5344CB8AC3E}">
-        <p14:creationId xmlns:p14="http://schemas.microsoft.com/office/powerpoint/2010/main" val="2692660869"/>
       </p:ext>
     </p:extLst>
   </p:cSld>
@@ -9418,7 +9939,7 @@
           <p:cNvPr id="2" name="標題 1">
             <a:extLst>
               <a:ext uri="{FF2B5EF4-FFF2-40B4-BE49-F238E27FC236}">
-                <a16:creationId xmlns:a16="http://schemas.microsoft.com/office/drawing/2014/main" id="{CCA008F0-D89F-4FA1-A9B3-CDF909905999}"/>
+                <a16:creationId xmlns:a16="http://schemas.microsoft.com/office/drawing/2014/main" id="{F0AF19AC-CCAA-4AFD-A12B-341673AD260A}"/>
               </a:ext>
             </a:extLst>
           </p:cNvPr>
@@ -9437,17 +9958,17 @@
             <a:pPr algn="ctr"/>
             <a:r>
               <a:rPr lang="zh-TW" altLang="en-US" dirty="0"/>
-              <a:t>簡介</a:t>
-            </a:r>
-          </a:p>
-        </p:txBody>
-      </p:sp>
-      <p:sp>
-        <p:nvSpPr>
-          <p:cNvPr id="6" name="內容版面配置區 5">
+              <a:t>事前準備</a:t>
+            </a:r>
+          </a:p>
+        </p:txBody>
+      </p:sp>
+      <p:sp>
+        <p:nvSpPr>
+          <p:cNvPr id="3" name="內容版面配置區 2">
             <a:extLst>
               <a:ext uri="{FF2B5EF4-FFF2-40B4-BE49-F238E27FC236}">
-                <a16:creationId xmlns:a16="http://schemas.microsoft.com/office/drawing/2014/main" id="{4F0C5FDC-A68E-406D-87BA-52A5D64642E8}"/>
+                <a16:creationId xmlns:a16="http://schemas.microsoft.com/office/drawing/2014/main" id="{6A0CBFEB-7C06-4506-845C-54A4A3A7AA15}"/>
               </a:ext>
             </a:extLst>
           </p:cNvPr>
@@ -9460,193 +9981,178 @@
         </p:nvSpPr>
         <p:spPr/>
         <p:txBody>
-          <a:bodyPr>
+          <a:bodyPr anchor="t">
             <a:normAutofit/>
           </a:bodyPr>
           <a:lstStyle/>
           <a:p>
-            <a:pPr marL="0" indent="0">
-              <a:buNone/>
+            <a:pPr>
+              <a:lnSpc>
+                <a:spcPct val="150000"/>
+              </a:lnSpc>
             </a:pPr>
             <a:r>
-              <a:rPr lang="en-US" altLang="zh-TW" sz="6000" b="1" dirty="0">
+              <a:rPr lang="en-US" altLang="zh-TW" sz="2600" dirty="0">
                 <a:solidFill>
                   <a:schemeClr val="bg1"/>
                 </a:solidFill>
-                <a:latin typeface="+mn-ea"/>
-              </a:rPr>
-              <a:t>React Hooks</a:t>
-            </a:r>
-          </a:p>
-          <a:p>
-            <a:pPr marL="0" indent="0">
-              <a:buNone/>
+                <a:latin typeface="+mj-ea"/>
+                <a:ea typeface="+mj-ea"/>
+              </a:rPr>
+              <a:t>Clone </a:t>
+            </a:r>
+            <a:r>
+              <a:rPr lang="en-US" altLang="zh-TW" sz="2600" dirty="0">
+                <a:solidFill>
+                  <a:schemeClr val="accent1">
+                    <a:lumMod val="40000"/>
+                    <a:lumOff val="60000"/>
+                  </a:schemeClr>
+                </a:solidFill>
+                <a:latin typeface="+mj-ea"/>
+                <a:ea typeface="+mj-ea"/>
+                <a:hlinkClick r:id="rId2">
+                  <a:extLst>
+                    <a:ext uri="{A12FA001-AC4F-418D-AE19-62706E023703}">
+                      <ahyp:hlinkClr xmlns:ahyp="http://schemas.microsoft.com/office/drawing/2018/hyperlinkcolor" val="tx"/>
+                    </a:ext>
+                  </a:extLst>
+                </a:hlinkClick>
+              </a:rPr>
+              <a:t>https://github.com/ccw1234/React-Hooks.git</a:t>
+            </a:r>
+            <a:endParaRPr lang="en-US" altLang="zh-TW" sz="2600" dirty="0">
+              <a:solidFill>
+                <a:schemeClr val="accent1">
+                  <a:lumMod val="40000"/>
+                  <a:lumOff val="60000"/>
+                </a:schemeClr>
+              </a:solidFill>
+              <a:latin typeface="+mj-ea"/>
+              <a:ea typeface="+mj-ea"/>
+            </a:endParaRPr>
+          </a:p>
+          <a:p>
+            <a:pPr>
+              <a:lnSpc>
+                <a:spcPct val="150000"/>
+              </a:lnSpc>
             </a:pPr>
             <a:r>
-              <a:rPr lang="en-US" altLang="zh-TW" sz="4000" dirty="0">
-                <a:solidFill>
-                  <a:schemeClr val="bg2"/>
-                </a:solidFill>
-                <a:latin typeface="+mn-ea"/>
-              </a:rPr>
-              <a:t>@ v-16.8.0 </a:t>
-            </a:r>
-          </a:p>
-          <a:p>
-            <a:pPr marL="0" indent="0" algn="ctr">
-              <a:buNone/>
-            </a:pPr>
-            <a:endParaRPr lang="en-US" altLang="zh-TW" sz="4000" dirty="0">
+              <a:rPr lang="zh-TW" altLang="en-US" sz="2600" dirty="0">
+                <a:solidFill>
+                  <a:schemeClr val="bg1"/>
+                </a:solidFill>
+                <a:latin typeface="+mj-ea"/>
+                <a:ea typeface="+mj-ea"/>
+              </a:rPr>
+              <a:t>或是下載 ****</a:t>
+            </a:r>
+            <a:endParaRPr lang="en-US" altLang="zh-TW" sz="2600" dirty="0">
               <a:solidFill>
                 <a:schemeClr val="bg1"/>
               </a:solidFill>
-              <a:latin typeface="+mn-ea"/>
+              <a:latin typeface="+mj-ea"/>
+              <a:ea typeface="+mj-ea"/>
             </a:endParaRPr>
           </a:p>
           <a:p>
             <a:pPr>
-              <a:buFont typeface="Wingdings" panose="05000000000000000000" pitchFamily="2" charset="2"/>
-              <a:buChar char="l"/>
+              <a:lnSpc>
+                <a:spcPct val="150000"/>
+              </a:lnSpc>
             </a:pPr>
             <a:r>
-              <a:rPr lang="zh-TW" altLang="en-US" sz="3200" dirty="0">
+              <a:rPr lang="en-US" altLang="zh-TW" sz="2600" dirty="0">
                 <a:solidFill>
                   <a:schemeClr val="bg1"/>
                 </a:solidFill>
-                <a:latin typeface="+mn-ea"/>
-              </a:rPr>
-              <a:t>省略</a:t>
-            </a:r>
-            <a:r>
-              <a:rPr lang="en-US" altLang="zh-TW" sz="3200" dirty="0">
+                <a:latin typeface="+mj-ea"/>
+                <a:ea typeface="+mj-ea"/>
+              </a:rPr>
+              <a:t>Readme. </a:t>
+            </a:r>
+            <a:r>
+              <a:rPr lang="zh-TW" altLang="en-US" sz="2600" dirty="0">
                 <a:solidFill>
                   <a:schemeClr val="bg1"/>
                 </a:solidFill>
-                <a:latin typeface="+mn-ea"/>
-              </a:rPr>
-              <a:t>Class</a:t>
-            </a:r>
-            <a:r>
-              <a:rPr lang="zh-TW" altLang="en-US" sz="3200" dirty="0">
-                <a:solidFill>
-                  <a:schemeClr val="bg1"/>
-                </a:solidFill>
-                <a:latin typeface="+mn-ea"/>
-              </a:rPr>
-              <a:t>的結構</a:t>
-            </a:r>
-            <a:endParaRPr lang="en-US" altLang="zh-TW" sz="3200" dirty="0">
+                <a:latin typeface="+mj-ea"/>
+                <a:ea typeface="+mj-ea"/>
+              </a:rPr>
+              <a:t>上有操作說明</a:t>
+            </a:r>
+            <a:endParaRPr lang="en-US" altLang="zh-TW" sz="2600" dirty="0">
               <a:solidFill>
                 <a:schemeClr val="bg1"/>
               </a:solidFill>
-              <a:latin typeface="+mn-ea"/>
+              <a:latin typeface="+mj-ea"/>
+              <a:ea typeface="+mj-ea"/>
             </a:endParaRPr>
           </a:p>
           <a:p>
             <a:pPr>
-              <a:buFont typeface="Wingdings" panose="05000000000000000000" pitchFamily="2" charset="2"/>
-              <a:buChar char="l"/>
+              <a:lnSpc>
+                <a:spcPct val="150000"/>
+              </a:lnSpc>
             </a:pPr>
             <a:r>
-              <a:rPr lang="zh-TW" altLang="en-US" sz="3200" b="1" dirty="0">
+              <a:rPr lang="en-US" altLang="zh-TW" sz="2600" dirty="0" err="1">
                 <a:solidFill>
                   <a:schemeClr val="bg1"/>
                 </a:solidFill>
-                <a:latin typeface="+mn-ea"/>
-              </a:rPr>
-              <a:t>無生命週期</a:t>
-            </a:r>
-            <a:endParaRPr lang="en-US" altLang="zh-TW" sz="3200" b="1" dirty="0">
-              <a:solidFill>
-                <a:schemeClr val="bg1"/>
-              </a:solidFill>
-              <a:latin typeface="+mn-ea"/>
-            </a:endParaRPr>
-          </a:p>
-          <a:p>
-            <a:pPr>
-              <a:buFont typeface="Wingdings" panose="05000000000000000000" pitchFamily="2" charset="2"/>
-              <a:buChar char="l"/>
-            </a:pPr>
-            <a:r>
-              <a:rPr lang="en-US" altLang="zh-TW" sz="3200" b="1" dirty="0">
+                <a:latin typeface="+mj-ea"/>
+                <a:ea typeface="+mj-ea"/>
+              </a:rPr>
+              <a:t>npm</a:t>
+            </a:r>
+            <a:r>
+              <a:rPr lang="en-US" altLang="zh-TW" sz="2600" dirty="0">
                 <a:solidFill>
                   <a:schemeClr val="bg1"/>
                 </a:solidFill>
-                <a:latin typeface="+mn-ea"/>
-              </a:rPr>
-              <a:t>Class </a:t>
-            </a:r>
-            <a:r>
-              <a:rPr lang="zh-TW" altLang="en-US" sz="3200" b="1" dirty="0">
+                <a:latin typeface="+mj-ea"/>
+                <a:ea typeface="+mj-ea"/>
+              </a:rPr>
+              <a:t>  run </a:t>
+            </a:r>
+            <a:r>
+              <a:rPr lang="en-US" altLang="zh-TW" sz="2600" dirty="0" err="1">
                 <a:solidFill>
                   <a:schemeClr val="bg1"/>
                 </a:solidFill>
-                <a:latin typeface="+mn-ea"/>
-              </a:rPr>
-              <a:t>元件已經具備的能力</a:t>
-            </a:r>
-          </a:p>
-          <a:p>
-            <a:pPr>
-              <a:buFont typeface="Wingdings" panose="05000000000000000000" pitchFamily="2" charset="2"/>
-              <a:buChar char="l"/>
-            </a:pPr>
-            <a:endParaRPr lang="en-US" altLang="zh-TW" sz="3600" b="1" dirty="0">
-              <a:solidFill>
-                <a:schemeClr val="bg1"/>
-              </a:solidFill>
-            </a:endParaRPr>
-          </a:p>
-          <a:p>
-            <a:pPr>
-              <a:buFont typeface="Wingdings" panose="05000000000000000000" pitchFamily="2" charset="2"/>
-              <a:buChar char="l"/>
-            </a:pPr>
-            <a:endParaRPr lang="zh-TW" altLang="en-US" sz="3600" b="1" dirty="0">
-              <a:solidFill>
-                <a:schemeClr val="bg1"/>
-              </a:solidFill>
-            </a:endParaRPr>
-          </a:p>
-        </p:txBody>
-      </p:sp>
-      <p:sp>
-        <p:nvSpPr>
-          <p:cNvPr id="7" name="文字方塊 6">
-            <a:extLst>
-              <a:ext uri="{FF2B5EF4-FFF2-40B4-BE49-F238E27FC236}">
-                <a16:creationId xmlns:a16="http://schemas.microsoft.com/office/drawing/2014/main" id="{AEEB985D-6269-4732-BA55-994AD30471E8}"/>
-              </a:ext>
-            </a:extLst>
-          </p:cNvPr>
-          <p:cNvSpPr txBox="1"/>
-          <p:nvPr/>
-        </p:nvSpPr>
-        <p:spPr>
-          <a:xfrm>
-            <a:off x="5644055" y="2963917"/>
-            <a:ext cx="914400" cy="914400"/>
-          </a:xfrm>
-          <a:prstGeom prst="rect">
-            <a:avLst/>
-          </a:prstGeom>
-          <a:noFill/>
-        </p:spPr>
-        <p:txBody>
-          <a:bodyPr wrap="square" rtlCol="0">
-            <a:spAutoFit/>
-          </a:bodyPr>
-          <a:lstStyle/>
-          <a:p>
-            <a:endParaRPr lang="zh-TW" altLang="en-US" dirty="0"/>
+                <a:latin typeface="+mj-ea"/>
+                <a:ea typeface="+mj-ea"/>
+              </a:rPr>
+              <a:t>storbybook</a:t>
+            </a:r>
+            <a:r>
+              <a:rPr lang="en-US" altLang="zh-TW" sz="2600" dirty="0">
+                <a:solidFill>
+                  <a:schemeClr val="bg1"/>
+                </a:solidFill>
+                <a:latin typeface="+mj-ea"/>
+                <a:ea typeface="+mj-ea"/>
+              </a:rPr>
+              <a:t> </a:t>
+            </a:r>
+            <a:r>
+              <a:rPr lang="zh-TW" altLang="en-US" sz="2600" dirty="0">
+                <a:solidFill>
+                  <a:schemeClr val="bg1"/>
+                </a:solidFill>
+                <a:latin typeface="+mj-ea"/>
+                <a:ea typeface="+mj-ea"/>
+              </a:rPr>
+              <a:t>是否有畫面</a:t>
+            </a:r>
           </a:p>
         </p:txBody>
       </p:sp>
     </p:spTree>
     <p:extLst>
       <p:ext uri="{BB962C8B-B14F-4D97-AF65-F5344CB8AC3E}">
-        <p14:creationId xmlns:p14="http://schemas.microsoft.com/office/powerpoint/2010/main" val="2351023602"/>
+        <p14:creationId xmlns:p14="http://schemas.microsoft.com/office/powerpoint/2010/main" val="1210377728"/>
       </p:ext>
     </p:extLst>
   </p:cSld>
@@ -9690,7 +10196,7 @@
           <p:cNvPr id="2" name="投影片編號版面配置區 1">
             <a:extLst>
               <a:ext uri="{FF2B5EF4-FFF2-40B4-BE49-F238E27FC236}">
-                <a16:creationId xmlns:a16="http://schemas.microsoft.com/office/drawing/2014/main" id="{5E76234A-2C2F-41B3-A83E-0138CB5A06B9}"/>
+                <a16:creationId xmlns:a16="http://schemas.microsoft.com/office/drawing/2014/main" id="{09325958-A913-4ED4-BF37-25C26A343A0C}"/>
               </a:ext>
             </a:extLst>
           </p:cNvPr>
@@ -9720,7 +10226,7 @@
           <p:cNvPr id="3" name="文字版面配置區 2">
             <a:extLst>
               <a:ext uri="{FF2B5EF4-FFF2-40B4-BE49-F238E27FC236}">
-                <a16:creationId xmlns:a16="http://schemas.microsoft.com/office/drawing/2014/main" id="{A81C1EDD-A569-44F4-9C38-BF4DF82E92B7}"/>
+                <a16:creationId xmlns:a16="http://schemas.microsoft.com/office/drawing/2014/main" id="{5F2E5F9B-303C-44FE-9CEF-454660CCE1B7}"/>
               </a:ext>
             </a:extLst>
           </p:cNvPr>
@@ -9737,19 +10243,13 @@
           <a:lstStyle/>
           <a:p>
             <a:r>
-              <a:rPr lang="en-US" altLang="zh-TW" dirty="0" err="1">
-                <a:latin typeface="+mn-ea"/>
-              </a:rPr>
-              <a:t>useEffect</a:t>
-            </a:r>
-            <a:r>
-              <a:rPr lang="en-US" altLang="zh-TW" dirty="0">
-                <a:latin typeface="+mj-ea"/>
-              </a:rPr>
-              <a:t>( )</a:t>
-            </a:r>
-            <a:endParaRPr lang="zh-TW" altLang="en-US" dirty="0">
-              <a:latin typeface="+mj-ea"/>
+              <a:rPr lang="en-US" altLang="zh-TW" spc="300" dirty="0" err="1">
+                <a:latin typeface="Arial Black" panose="020B0A04020102020204" pitchFamily="34" charset="0"/>
+              </a:rPr>
+              <a:t>RenderWithHooks</a:t>
+            </a:r>
+            <a:endParaRPr lang="zh-TW" altLang="en-US" spc="300" dirty="0">
+              <a:latin typeface="Arial Black" panose="020B0A04020102020204" pitchFamily="34" charset="0"/>
             </a:endParaRPr>
           </a:p>
         </p:txBody>
@@ -9759,7 +10259,7 @@
           <p:cNvPr id="4" name="文字方塊 3">
             <a:extLst>
               <a:ext uri="{FF2B5EF4-FFF2-40B4-BE49-F238E27FC236}">
-                <a16:creationId xmlns:a16="http://schemas.microsoft.com/office/drawing/2014/main" id="{42961FE4-BA36-45CB-9D32-47C6D43F8B8B}"/>
+                <a16:creationId xmlns:a16="http://schemas.microsoft.com/office/drawing/2014/main" id="{A2188095-520B-489A-9EC1-A163CA5E40EB}"/>
               </a:ext>
             </a:extLst>
           </p:cNvPr>
@@ -9768,8 +10268,8 @@
         </p:nvSpPr>
         <p:spPr>
           <a:xfrm>
-            <a:off x="1362171" y="1884732"/>
-            <a:ext cx="8587945" cy="2483565"/>
+            <a:off x="2224881" y="2384079"/>
+            <a:ext cx="7573794" cy="2691314"/>
           </a:xfrm>
           <a:prstGeom prst="rect">
             <a:avLst/>
@@ -9782,13 +10282,7 @@
           </a:bodyPr>
           <a:lstStyle/>
           <a:p>
-            <a:pPr marL="457200" indent="-457200">
-              <a:lnSpc>
-                <a:spcPct val="150000"/>
-              </a:lnSpc>
-              <a:buFont typeface="Arial" panose="020B0604020202020204" pitchFamily="34" charset="0"/>
-              <a:buChar char="•"/>
-            </a:pPr>
+            <a:pPr algn="ctr"/>
             <a:r>
               <a:rPr lang="zh-TW" altLang="en-US" sz="3600" dirty="0">
                 <a:solidFill>
@@ -9796,9 +10290,65 @@
                     <a:lumMod val="85000"/>
                   </a:schemeClr>
                 </a:solidFill>
-                <a:latin typeface="+mn-ea"/>
-              </a:rPr>
-              <a:t>提供新的生命週期的使用</a:t>
+                <a:latin typeface="+mj-ea"/>
+                <a:ea typeface="+mj-ea"/>
+              </a:rPr>
+              <a:t>確認現在數值與前數值是否相等 </a:t>
+            </a:r>
+            <a:r>
+              <a:rPr lang="en-US" altLang="zh-TW" sz="3600" dirty="0">
+                <a:solidFill>
+                  <a:schemeClr val="bg1">
+                    <a:lumMod val="85000"/>
+                  </a:schemeClr>
+                </a:solidFill>
+                <a:latin typeface="+mj-ea"/>
+                <a:ea typeface="+mj-ea"/>
+              </a:rPr>
+              <a:t>?</a:t>
+            </a:r>
+          </a:p>
+          <a:p>
+            <a:pPr algn="ctr">
+              <a:lnSpc>
+                <a:spcPct val="200000"/>
+              </a:lnSpc>
+            </a:pPr>
+            <a:r>
+              <a:rPr lang="zh-TW" altLang="en-US" sz="3600" dirty="0">
+                <a:solidFill>
+                  <a:schemeClr val="bg1">
+                    <a:lumMod val="85000"/>
+                  </a:schemeClr>
+                </a:solidFill>
+                <a:latin typeface="+mj-ea"/>
+                <a:ea typeface="+mj-ea"/>
+              </a:rPr>
+              <a:t>不相等 </a:t>
+            </a:r>
+            <a:r>
+              <a:rPr lang="en-US" altLang="zh-TW" sz="3600" dirty="0">
+                <a:solidFill>
+                  <a:schemeClr val="bg1">
+                    <a:lumMod val="85000"/>
+                  </a:schemeClr>
+                </a:solidFill>
+                <a:latin typeface="+mj-ea"/>
+                <a:ea typeface="+mj-ea"/>
+              </a:rPr>
+              <a:t>=&gt;</a:t>
+            </a:r>
+            <a:r>
+              <a:rPr lang="zh-TW" altLang="en-US" sz="3600" dirty="0">
+                <a:solidFill>
+                  <a:schemeClr val="bg1">
+                    <a:lumMod val="85000"/>
+                  </a:schemeClr>
+                </a:solidFill>
+                <a:latin typeface="+mj-ea"/>
+                <a:ea typeface="+mj-ea"/>
+              </a:rPr>
+              <a:t>渲染頁面</a:t>
             </a:r>
             <a:endParaRPr lang="en-US" altLang="zh-TW" sz="3600" dirty="0">
               <a:solidFill>
@@ -9806,16 +10356,15 @@
                   <a:lumMod val="85000"/>
                 </a:schemeClr>
               </a:solidFill>
-              <a:latin typeface="+mn-ea"/>
+              <a:latin typeface="+mj-ea"/>
+              <a:ea typeface="+mj-ea"/>
             </a:endParaRPr>
           </a:p>
           <a:p>
-            <a:pPr marL="457200" indent="-457200">
+            <a:pPr algn="ctr">
               <a:lnSpc>
-                <a:spcPct val="150000"/>
+                <a:spcPct val="200000"/>
               </a:lnSpc>
-              <a:buFont typeface="Arial" panose="020B0604020202020204" pitchFamily="34" charset="0"/>
-              <a:buChar char="•"/>
             </a:pPr>
             <a:r>
               <a:rPr lang="zh-TW" altLang="en-US" sz="3600" dirty="0">
@@ -9824,37 +10373,34 @@
                     <a:lumMod val="85000"/>
                   </a:schemeClr>
                 </a:solidFill>
-                <a:latin typeface="+mn-ea"/>
-              </a:rPr>
-              <a:t>更便利的使用</a:t>
-            </a:r>
-            <a:endParaRPr lang="en-US" altLang="zh-TW" sz="3600" dirty="0">
-              <a:solidFill>
-                <a:schemeClr val="bg1">
-                  <a:lumMod val="85000"/>
-                </a:schemeClr>
-              </a:solidFill>
-              <a:latin typeface="+mn-ea"/>
-            </a:endParaRPr>
-          </a:p>
-          <a:p>
-            <a:pPr marL="457200" indent="-457200">
-              <a:lnSpc>
-                <a:spcPct val="150000"/>
-              </a:lnSpc>
-              <a:buFont typeface="Arial" panose="020B0604020202020204" pitchFamily="34" charset="0"/>
-              <a:buChar char="•"/>
-            </a:pPr>
-            <a:r>
-              <a:rPr lang="zh-TW" altLang="en-US" sz="3600" dirty="0">
+                <a:latin typeface="+mj-ea"/>
+                <a:ea typeface="+mj-ea"/>
+              </a:rPr>
+              <a:t>相等 </a:t>
+            </a:r>
+            <a:r>
+              <a:rPr lang="en-US" altLang="zh-TW" sz="3600" dirty="0">
                 <a:solidFill>
                   <a:schemeClr val="bg1">
                     <a:lumMod val="85000"/>
                   </a:schemeClr>
                 </a:solidFill>
-                <a:latin typeface="+mn-ea"/>
-              </a:rPr>
-              <a:t>更能分清楚使用上目的</a:t>
+                <a:latin typeface="+mj-ea"/>
+                <a:ea typeface="+mj-ea"/>
+              </a:rPr>
+              <a:t>=&gt;</a:t>
+            </a:r>
+            <a:r>
+              <a:rPr lang="zh-TW" altLang="en-US" sz="3600" dirty="0">
+                <a:solidFill>
+                  <a:schemeClr val="bg1">
+                    <a:lumMod val="85000"/>
+                  </a:schemeClr>
+                </a:solidFill>
+                <a:latin typeface="+mj-ea"/>
+                <a:ea typeface="+mj-ea"/>
+              </a:rPr>
+              <a:t>不渲染頁面</a:t>
             </a:r>
           </a:p>
         </p:txBody>
@@ -9862,7 +10408,7 @@
     </p:spTree>
     <p:extLst>
       <p:ext uri="{BB962C8B-B14F-4D97-AF65-F5344CB8AC3E}">
-        <p14:creationId xmlns:p14="http://schemas.microsoft.com/office/powerpoint/2010/main" val="3787529373"/>
+        <p14:creationId xmlns:p14="http://schemas.microsoft.com/office/powerpoint/2010/main" val="2692660869"/>
       </p:ext>
     </p:extLst>
   </p:cSld>
@@ -9906,7 +10452,7 @@
           <p:cNvPr id="2" name="投影片編號版面配置區 1">
             <a:extLst>
               <a:ext uri="{FF2B5EF4-FFF2-40B4-BE49-F238E27FC236}">
-                <a16:creationId xmlns:a16="http://schemas.microsoft.com/office/drawing/2014/main" id="{5321DC1F-7624-4F57-B673-3C48399B9283}"/>
+                <a16:creationId xmlns:a16="http://schemas.microsoft.com/office/drawing/2014/main" id="{5E76234A-2C2F-41B3-A83E-0138CB5A06B9}"/>
               </a:ext>
             </a:extLst>
           </p:cNvPr>
@@ -9936,7 +10482,7 @@
           <p:cNvPr id="3" name="文字版面配置區 2">
             <a:extLst>
               <a:ext uri="{FF2B5EF4-FFF2-40B4-BE49-F238E27FC236}">
-                <a16:creationId xmlns:a16="http://schemas.microsoft.com/office/drawing/2014/main" id="{96931718-23C2-4D8C-9172-96D6394F2897}"/>
+                <a16:creationId xmlns:a16="http://schemas.microsoft.com/office/drawing/2014/main" id="{A81C1EDD-A569-44F4-9C38-BF4DF82E92B7}"/>
               </a:ext>
             </a:extLst>
           </p:cNvPr>
@@ -9956,7 +10502,7 @@
               <a:rPr lang="en-US" altLang="zh-TW" dirty="0" err="1">
                 <a:latin typeface="+mn-ea"/>
               </a:rPr>
-              <a:t>useRef</a:t>
+              <a:t>useEffect</a:t>
             </a:r>
             <a:r>
               <a:rPr lang="en-US" altLang="zh-TW" dirty="0">
@@ -9970,10 +10516,142 @@
           </a:p>
         </p:txBody>
       </p:sp>
+      <p:sp>
+        <p:nvSpPr>
+          <p:cNvPr id="4" name="文字方塊 3">
+            <a:extLst>
+              <a:ext uri="{FF2B5EF4-FFF2-40B4-BE49-F238E27FC236}">
+                <a16:creationId xmlns:a16="http://schemas.microsoft.com/office/drawing/2014/main" id="{42961FE4-BA36-45CB-9D32-47C6D43F8B8B}"/>
+              </a:ext>
+            </a:extLst>
+          </p:cNvPr>
+          <p:cNvSpPr txBox="1"/>
+          <p:nvPr/>
+        </p:nvSpPr>
+        <p:spPr>
+          <a:xfrm>
+            <a:off x="1362171" y="1884732"/>
+            <a:ext cx="8587945" cy="2956515"/>
+          </a:xfrm>
+          <a:prstGeom prst="rect">
+            <a:avLst/>
+          </a:prstGeom>
+          <a:noFill/>
+        </p:spPr>
+        <p:txBody>
+          <a:bodyPr wrap="square" rtlCol="0">
+            <a:spAutoFit/>
+          </a:bodyPr>
+          <a:lstStyle/>
+          <a:p>
+            <a:pPr marL="457200" indent="-457200">
+              <a:lnSpc>
+                <a:spcPct val="150000"/>
+              </a:lnSpc>
+              <a:buFont typeface="Arial" panose="020B0604020202020204" pitchFamily="34" charset="0"/>
+              <a:buChar char="•"/>
+            </a:pPr>
+            <a:r>
+              <a:rPr lang="zh-TW" altLang="en-US" sz="3200" dirty="0">
+                <a:solidFill>
+                  <a:schemeClr val="bg1">
+                    <a:lumMod val="75000"/>
+                  </a:schemeClr>
+                </a:solidFill>
+                <a:latin typeface="+mn-ea"/>
+              </a:rPr>
+              <a:t>提供新的生命週期的使用</a:t>
+            </a:r>
+            <a:endParaRPr lang="en-US" altLang="zh-TW" sz="3200" dirty="0">
+              <a:solidFill>
+                <a:schemeClr val="bg1">
+                  <a:lumMod val="75000"/>
+                </a:schemeClr>
+              </a:solidFill>
+              <a:latin typeface="+mn-ea"/>
+            </a:endParaRPr>
+          </a:p>
+          <a:p>
+            <a:pPr marL="457200" indent="-457200">
+              <a:lnSpc>
+                <a:spcPct val="150000"/>
+              </a:lnSpc>
+              <a:buFont typeface="Arial" panose="020B0604020202020204" pitchFamily="34" charset="0"/>
+              <a:buChar char="•"/>
+            </a:pPr>
+            <a:r>
+              <a:rPr lang="zh-TW" altLang="en-US" sz="3200" dirty="0">
+                <a:solidFill>
+                  <a:schemeClr val="bg1">
+                    <a:lumMod val="75000"/>
+                  </a:schemeClr>
+                </a:solidFill>
+              </a:rPr>
+              <a:t>瀏覽器事件繫結和取消繫結</a:t>
+            </a:r>
+            <a:endParaRPr lang="en-US" altLang="zh-TW" sz="3200" dirty="0">
+              <a:solidFill>
+                <a:schemeClr val="bg1">
+                  <a:lumMod val="75000"/>
+                </a:schemeClr>
+              </a:solidFill>
+              <a:latin typeface="+mn-ea"/>
+            </a:endParaRPr>
+          </a:p>
+          <a:p>
+            <a:pPr marL="457200" indent="-457200">
+              <a:lnSpc>
+                <a:spcPct val="150000"/>
+              </a:lnSpc>
+              <a:buFont typeface="Arial" panose="020B0604020202020204" pitchFamily="34" charset="0"/>
+              <a:buChar char="•"/>
+            </a:pPr>
+            <a:r>
+              <a:rPr lang="zh-TW" altLang="en-US" sz="3200" dirty="0">
+                <a:solidFill>
+                  <a:schemeClr val="bg1">
+                    <a:lumMod val="75000"/>
+                  </a:schemeClr>
+                </a:solidFill>
+                <a:latin typeface="+mn-ea"/>
+              </a:rPr>
+              <a:t>更便利的使用</a:t>
+            </a:r>
+            <a:endParaRPr lang="en-US" altLang="zh-TW" sz="3200" dirty="0">
+              <a:solidFill>
+                <a:schemeClr val="bg1">
+                  <a:lumMod val="75000"/>
+                </a:schemeClr>
+              </a:solidFill>
+              <a:latin typeface="+mn-ea"/>
+            </a:endParaRPr>
+          </a:p>
+          <a:p>
+            <a:pPr marL="457200" indent="-457200">
+              <a:lnSpc>
+                <a:spcPct val="150000"/>
+              </a:lnSpc>
+              <a:buFont typeface="Arial" panose="020B0604020202020204" pitchFamily="34" charset="0"/>
+              <a:buChar char="•"/>
+            </a:pPr>
+            <a:r>
+              <a:rPr lang="zh-TW" altLang="en-US" sz="3200" dirty="0">
+                <a:solidFill>
+                  <a:schemeClr val="bg1">
+                    <a:lumMod val="75000"/>
+                  </a:schemeClr>
+                </a:solidFill>
+                <a:latin typeface="+mn-ea"/>
+              </a:rPr>
+              <a:t>更能分清楚使用上目的</a:t>
+            </a:r>
+          </a:p>
+        </p:txBody>
+      </p:sp>
     </p:spTree>
     <p:extLst>
       <p:ext uri="{BB962C8B-B14F-4D97-AF65-F5344CB8AC3E}">
-        <p14:creationId xmlns:p14="http://schemas.microsoft.com/office/powerpoint/2010/main" val="2281194327"/>
+        <p14:creationId xmlns:p14="http://schemas.microsoft.com/office/powerpoint/2010/main" val="3787529373"/>
       </p:ext>
     </p:extLst>
   </p:cSld>
@@ -10017,7 +10695,7 @@
           <p:cNvPr id="2" name="投影片編號版面配置區 1">
             <a:extLst>
               <a:ext uri="{FF2B5EF4-FFF2-40B4-BE49-F238E27FC236}">
-                <a16:creationId xmlns:a16="http://schemas.microsoft.com/office/drawing/2014/main" id="{5321DC1F-7624-4F57-B673-3C48399B9283}"/>
+                <a16:creationId xmlns:a16="http://schemas.microsoft.com/office/drawing/2014/main" id="{3A84EC15-D66E-45E5-8382-27DA6AB23500}"/>
               </a:ext>
             </a:extLst>
           </p:cNvPr>
@@ -10047,7 +10725,7 @@
           <p:cNvPr id="3" name="文字版面配置區 2">
             <a:extLst>
               <a:ext uri="{FF2B5EF4-FFF2-40B4-BE49-F238E27FC236}">
-                <a16:creationId xmlns:a16="http://schemas.microsoft.com/office/drawing/2014/main" id="{96931718-23C2-4D8C-9172-96D6394F2897}"/>
+                <a16:creationId xmlns:a16="http://schemas.microsoft.com/office/drawing/2014/main" id="{CFDC7ED8-D5E3-4484-903B-170CECD578F6}"/>
               </a:ext>
             </a:extLst>
           </p:cNvPr>
@@ -10064,19 +10742,445 @@
           <a:lstStyle/>
           <a:p>
             <a:r>
-              <a:rPr lang="en-US" altLang="zh-TW" dirty="0" err="1">
+              <a:rPr lang="zh-TW" altLang="en-US" dirty="0"/>
+              <a:t>結構</a:t>
+            </a:r>
+          </a:p>
+        </p:txBody>
+      </p:sp>
+      <p:sp>
+        <p:nvSpPr>
+          <p:cNvPr id="4" name="矩形 3">
+            <a:extLst>
+              <a:ext uri="{FF2B5EF4-FFF2-40B4-BE49-F238E27FC236}">
+                <a16:creationId xmlns:a16="http://schemas.microsoft.com/office/drawing/2014/main" id="{63F0ED88-66D5-49C6-9BCF-0C6F0315C051}"/>
+              </a:ext>
+            </a:extLst>
+          </p:cNvPr>
+          <p:cNvSpPr/>
+          <p:nvPr/>
+        </p:nvSpPr>
+        <p:spPr>
+          <a:xfrm>
+            <a:off x="1558398" y="1478562"/>
+            <a:ext cx="5143191" cy="3900876"/>
+          </a:xfrm>
+          <a:prstGeom prst="rect">
+            <a:avLst/>
+          </a:prstGeom>
+        </p:spPr>
+        <p:txBody>
+          <a:bodyPr wrap="square">
+            <a:spAutoFit/>
+          </a:bodyPr>
+          <a:lstStyle/>
+          <a:p>
+            <a:pPr>
+              <a:lnSpc>
+                <a:spcPct val="150000"/>
+              </a:lnSpc>
+            </a:pPr>
+            <a:r>
+              <a:rPr lang="en-US" altLang="zh-TW" sz="2800" dirty="0" err="1">
+                <a:solidFill>
+                  <a:schemeClr val="bg1"/>
+                </a:solidFill>
                 <a:latin typeface="+mn-ea"/>
               </a:rPr>
-              <a:t>useContext</a:t>
-            </a:r>
-            <a:r>
-              <a:rPr lang="en-US" altLang="zh-TW" dirty="0">
-                <a:latin typeface="+mj-ea"/>
-              </a:rPr>
-              <a:t>( )</a:t>
-            </a:r>
-            <a:endParaRPr lang="zh-TW" altLang="en-US" dirty="0">
-              <a:latin typeface="+mj-ea"/>
+              <a:t>useEffect</a:t>
+            </a:r>
+            <a:r>
+              <a:rPr lang="en-US" altLang="zh-TW" sz="2800" dirty="0">
+                <a:solidFill>
+                  <a:schemeClr val="bg1"/>
+                </a:solidFill>
+                <a:latin typeface="+mn-ea"/>
+              </a:rPr>
+              <a:t> (( ) </a:t>
+            </a:r>
+            <a:r>
+              <a:rPr lang="en-US" altLang="zh-TW" sz="2800" dirty="0">
+                <a:solidFill>
+                  <a:schemeClr val="bg1">
+                    <a:lumMod val="75000"/>
+                  </a:schemeClr>
+                </a:solidFill>
+                <a:latin typeface="+mn-ea"/>
+              </a:rPr>
+              <a:t>=&gt;</a:t>
+            </a:r>
+            <a:r>
+              <a:rPr lang="en-US" altLang="zh-TW" sz="2800" dirty="0">
+                <a:solidFill>
+                  <a:schemeClr val="bg1"/>
+                </a:solidFill>
+                <a:latin typeface="+mn-ea"/>
+              </a:rPr>
+              <a:t> {</a:t>
+            </a:r>
+          </a:p>
+          <a:p>
+            <a:pPr>
+              <a:lnSpc>
+                <a:spcPct val="150000"/>
+              </a:lnSpc>
+            </a:pPr>
+            <a:r>
+              <a:rPr lang="en-US" altLang="zh-TW" sz="2800" dirty="0">
+                <a:solidFill>
+                  <a:schemeClr val="bg1"/>
+                </a:solidFill>
+                <a:latin typeface="+mn-ea"/>
+              </a:rPr>
+              <a:t>	 </a:t>
+            </a:r>
+            <a:r>
+              <a:rPr lang="en-US" altLang="zh-TW" sz="2800" dirty="0">
+                <a:solidFill>
+                  <a:schemeClr val="bg1">
+                    <a:lumMod val="65000"/>
+                  </a:schemeClr>
+                </a:solidFill>
+                <a:latin typeface="+mn-ea"/>
+              </a:rPr>
+              <a:t>// do some effect work</a:t>
+            </a:r>
+          </a:p>
+          <a:p>
+            <a:pPr>
+              <a:lnSpc>
+                <a:spcPct val="150000"/>
+              </a:lnSpc>
+            </a:pPr>
+            <a:r>
+              <a:rPr lang="en-US" altLang="zh-TW" sz="2800" dirty="0">
+                <a:solidFill>
+                  <a:schemeClr val="bg1"/>
+                </a:solidFill>
+                <a:latin typeface="+mn-ea"/>
+              </a:rPr>
+              <a:t>	</a:t>
+            </a:r>
+            <a:r>
+              <a:rPr lang="en-US" altLang="zh-TW" sz="2800" dirty="0">
+                <a:solidFill>
+                  <a:schemeClr val="accent6"/>
+                </a:solidFill>
+                <a:latin typeface="+mn-ea"/>
+              </a:rPr>
+              <a:t>return</a:t>
+            </a:r>
+            <a:r>
+              <a:rPr lang="en-US" altLang="zh-TW" sz="2800" dirty="0">
+                <a:solidFill>
+                  <a:schemeClr val="bg1"/>
+                </a:solidFill>
+                <a:latin typeface="+mn-ea"/>
+              </a:rPr>
+              <a:t> ( ) {</a:t>
+            </a:r>
+          </a:p>
+          <a:p>
+            <a:pPr>
+              <a:lnSpc>
+                <a:spcPct val="150000"/>
+              </a:lnSpc>
+            </a:pPr>
+            <a:r>
+              <a:rPr lang="en-US" altLang="zh-TW" sz="2800" dirty="0">
+                <a:solidFill>
+                  <a:schemeClr val="bg1"/>
+                </a:solidFill>
+                <a:latin typeface="+mn-ea"/>
+              </a:rPr>
+              <a:t>	 </a:t>
+            </a:r>
+            <a:r>
+              <a:rPr lang="en-US" altLang="zh-TW" sz="2800" dirty="0">
+                <a:solidFill>
+                  <a:schemeClr val="bg1">
+                    <a:lumMod val="65000"/>
+                  </a:schemeClr>
+                </a:solidFill>
+                <a:latin typeface="+mn-ea"/>
+              </a:rPr>
+              <a:t>// clean the effect</a:t>
+            </a:r>
+          </a:p>
+          <a:p>
+            <a:pPr>
+              <a:lnSpc>
+                <a:spcPct val="150000"/>
+              </a:lnSpc>
+            </a:pPr>
+            <a:r>
+              <a:rPr lang="en-US" altLang="zh-TW" sz="2800" dirty="0">
+                <a:solidFill>
+                  <a:schemeClr val="bg1"/>
+                </a:solidFill>
+                <a:latin typeface="+mn-ea"/>
+              </a:rPr>
+              <a:t>	}</a:t>
+            </a:r>
+          </a:p>
+          <a:p>
+            <a:pPr>
+              <a:lnSpc>
+                <a:spcPct val="150000"/>
+              </a:lnSpc>
+            </a:pPr>
+            <a:r>
+              <a:rPr lang="en-US" altLang="zh-TW" sz="2800" dirty="0">
+                <a:solidFill>
+                  <a:schemeClr val="bg1"/>
+                </a:solidFill>
+                <a:latin typeface="+mn-ea"/>
+              </a:rPr>
+              <a:t>} ,[	 </a:t>
+            </a:r>
+            <a:r>
+              <a:rPr lang="en-US" altLang="zh-TW" sz="2800" dirty="0">
+                <a:solidFill>
+                  <a:schemeClr val="bg1">
+                    <a:lumMod val="65000"/>
+                  </a:schemeClr>
+                </a:solidFill>
+                <a:latin typeface="+mn-ea"/>
+              </a:rPr>
+              <a:t>State</a:t>
+            </a:r>
+            <a:r>
+              <a:rPr lang="en-US" altLang="zh-TW" sz="2800" dirty="0">
+                <a:solidFill>
+                  <a:schemeClr val="bg1"/>
+                </a:solidFill>
+                <a:latin typeface="+mn-ea"/>
+              </a:rPr>
+              <a:t> ])</a:t>
+            </a:r>
+            <a:endParaRPr lang="zh-TW" altLang="en-US" sz="2800" dirty="0">
+              <a:solidFill>
+                <a:schemeClr val="bg1"/>
+              </a:solidFill>
+            </a:endParaRPr>
+          </a:p>
+        </p:txBody>
+      </p:sp>
+      <p:sp>
+        <p:nvSpPr>
+          <p:cNvPr id="8" name="矩形 7">
+            <a:extLst>
+              <a:ext uri="{FF2B5EF4-FFF2-40B4-BE49-F238E27FC236}">
+                <a16:creationId xmlns:a16="http://schemas.microsoft.com/office/drawing/2014/main" id="{1B05B363-3444-45E5-B628-82B26210A457}"/>
+              </a:ext>
+            </a:extLst>
+          </p:cNvPr>
+          <p:cNvSpPr/>
+          <p:nvPr/>
+        </p:nvSpPr>
+        <p:spPr>
+          <a:xfrm>
+            <a:off x="6701589" y="1453177"/>
+            <a:ext cx="5143191" cy="3900876"/>
+          </a:xfrm>
+          <a:prstGeom prst="rect">
+            <a:avLst/>
+          </a:prstGeom>
+        </p:spPr>
+        <p:txBody>
+          <a:bodyPr wrap="square">
+            <a:spAutoFit/>
+          </a:bodyPr>
+          <a:lstStyle/>
+          <a:p>
+            <a:pPr>
+              <a:lnSpc>
+                <a:spcPct val="150000"/>
+              </a:lnSpc>
+            </a:pPr>
+            <a:endParaRPr lang="en-US" altLang="zh-TW" sz="2800" dirty="0">
+              <a:solidFill>
+                <a:schemeClr val="bg1"/>
+              </a:solidFill>
+              <a:latin typeface="+mn-ea"/>
+            </a:endParaRPr>
+          </a:p>
+          <a:p>
+            <a:pPr>
+              <a:lnSpc>
+                <a:spcPct val="150000"/>
+              </a:lnSpc>
+            </a:pPr>
+            <a:r>
+              <a:rPr lang="en-US" altLang="zh-TW" sz="2800" dirty="0">
+                <a:solidFill>
+                  <a:schemeClr val="bg1">
+                    <a:lumMod val="65000"/>
+                  </a:schemeClr>
+                </a:solidFill>
+                <a:latin typeface="+mn-ea"/>
+              </a:rPr>
+              <a:t>&lt;= </a:t>
+            </a:r>
+            <a:r>
+              <a:rPr lang="en-US" altLang="zh-TW" sz="2800" dirty="0">
+                <a:solidFill>
+                  <a:schemeClr val="bg1"/>
+                </a:solidFill>
+                <a:latin typeface="+mn-ea"/>
+              </a:rPr>
+              <a:t>re-render</a:t>
+            </a:r>
+            <a:r>
+              <a:rPr lang="zh-TW" altLang="en-US" sz="2800" dirty="0">
+                <a:solidFill>
+                  <a:schemeClr val="bg1"/>
+                </a:solidFill>
+                <a:latin typeface="+mn-ea"/>
+              </a:rPr>
+              <a:t> 開始時執行</a:t>
+            </a:r>
+            <a:endParaRPr lang="en-US" altLang="zh-TW" sz="2800" dirty="0">
+              <a:solidFill>
+                <a:schemeClr val="bg1">
+                  <a:lumMod val="65000"/>
+                </a:schemeClr>
+              </a:solidFill>
+              <a:latin typeface="+mn-ea"/>
+            </a:endParaRPr>
+          </a:p>
+          <a:p>
+            <a:pPr>
+              <a:lnSpc>
+                <a:spcPct val="150000"/>
+              </a:lnSpc>
+            </a:pPr>
+            <a:r>
+              <a:rPr lang="en-US" altLang="zh-TW" sz="2800" dirty="0">
+                <a:solidFill>
+                  <a:schemeClr val="bg1"/>
+                </a:solidFill>
+                <a:latin typeface="+mn-ea"/>
+              </a:rPr>
+              <a:t>	</a:t>
+            </a:r>
+            <a:r>
+              <a:rPr lang="en-US" altLang="zh-TW" sz="2800" dirty="0">
+                <a:solidFill>
+                  <a:schemeClr val="accent6"/>
+                </a:solidFill>
+                <a:latin typeface="+mn-ea"/>
+              </a:rPr>
+              <a:t> </a:t>
+            </a:r>
+            <a:endParaRPr lang="en-US" altLang="zh-TW" sz="2800" dirty="0">
+              <a:solidFill>
+                <a:schemeClr val="bg1"/>
+              </a:solidFill>
+              <a:latin typeface="+mn-ea"/>
+            </a:endParaRPr>
+          </a:p>
+          <a:p>
+            <a:pPr>
+              <a:lnSpc>
+                <a:spcPct val="150000"/>
+              </a:lnSpc>
+            </a:pPr>
+            <a:r>
+              <a:rPr lang="en-US" altLang="zh-TW" sz="2800" dirty="0">
+                <a:solidFill>
+                  <a:schemeClr val="bg1">
+                    <a:lumMod val="65000"/>
+                  </a:schemeClr>
+                </a:solidFill>
+                <a:latin typeface="+mn-ea"/>
+              </a:rPr>
+              <a:t>&lt;=</a:t>
+            </a:r>
+            <a:r>
+              <a:rPr lang="zh-TW" altLang="en-US" sz="2800" dirty="0">
+                <a:solidFill>
+                  <a:schemeClr val="bg1">
+                    <a:lumMod val="65000"/>
+                  </a:schemeClr>
+                </a:solidFill>
+                <a:latin typeface="+mn-ea"/>
+              </a:rPr>
+              <a:t> </a:t>
+            </a:r>
+            <a:r>
+              <a:rPr lang="zh-TW" altLang="en-US" sz="2800" dirty="0">
+                <a:solidFill>
+                  <a:schemeClr val="bg1"/>
+                </a:solidFill>
+                <a:latin typeface="+mn-ea"/>
+              </a:rPr>
+              <a:t>結束時執行</a:t>
+            </a:r>
+            <a:endParaRPr lang="en-US" altLang="zh-TW" sz="2800" dirty="0">
+              <a:solidFill>
+                <a:schemeClr val="bg1">
+                  <a:lumMod val="65000"/>
+                </a:schemeClr>
+              </a:solidFill>
+              <a:latin typeface="+mn-ea"/>
+            </a:endParaRPr>
+          </a:p>
+          <a:p>
+            <a:pPr>
+              <a:lnSpc>
+                <a:spcPct val="150000"/>
+              </a:lnSpc>
+            </a:pPr>
+            <a:r>
+              <a:rPr lang="en-US" altLang="zh-TW" sz="2800" dirty="0">
+                <a:solidFill>
+                  <a:schemeClr val="bg1"/>
+                </a:solidFill>
+                <a:latin typeface="+mn-ea"/>
+              </a:rPr>
+              <a:t>	</a:t>
+            </a:r>
+          </a:p>
+          <a:p>
+            <a:pPr>
+              <a:lnSpc>
+                <a:spcPct val="150000"/>
+              </a:lnSpc>
+            </a:pPr>
+            <a:r>
+              <a:rPr lang="en-US" altLang="zh-TW" sz="2800" dirty="0">
+                <a:solidFill>
+                  <a:schemeClr val="bg1">
+                    <a:lumMod val="65000"/>
+                  </a:schemeClr>
+                </a:solidFill>
+                <a:latin typeface="+mn-ea"/>
+              </a:rPr>
+              <a:t>&lt;= </a:t>
+            </a:r>
+            <a:r>
+              <a:rPr lang="en-US" altLang="zh-TW" sz="2800" dirty="0">
+                <a:solidFill>
+                  <a:schemeClr val="bg1"/>
+                </a:solidFill>
+                <a:latin typeface="+mn-ea"/>
+              </a:rPr>
+              <a:t>re-render </a:t>
+            </a:r>
+            <a:r>
+              <a:rPr lang="zh-TW" altLang="en-US" sz="2800" dirty="0">
+                <a:solidFill>
+                  <a:schemeClr val="bg1"/>
+                </a:solidFill>
+                <a:latin typeface="+mn-ea"/>
+              </a:rPr>
+              <a:t>時監聽對象</a:t>
+            </a:r>
+            <a:endParaRPr lang="zh-TW" altLang="en-US" sz="2800" dirty="0">
+              <a:solidFill>
+                <a:schemeClr val="bg1"/>
+              </a:solidFill>
             </a:endParaRPr>
           </a:p>
         </p:txBody>
@@ -10084,7 +11188,7 @@
     </p:spTree>
     <p:extLst>
       <p:ext uri="{BB962C8B-B14F-4D97-AF65-F5344CB8AC3E}">
-        <p14:creationId xmlns:p14="http://schemas.microsoft.com/office/powerpoint/2010/main" val="2841598273"/>
+        <p14:creationId xmlns:p14="http://schemas.microsoft.com/office/powerpoint/2010/main" val="3473846754"/>
       </p:ext>
     </p:extLst>
   </p:cSld>
@@ -10128,7 +11232,7 @@
           <p:cNvPr id="2" name="投影片編號版面配置區 1">
             <a:extLst>
               <a:ext uri="{FF2B5EF4-FFF2-40B4-BE49-F238E27FC236}">
-                <a16:creationId xmlns:a16="http://schemas.microsoft.com/office/drawing/2014/main" id="{5321DC1F-7624-4F57-B673-3C48399B9283}"/>
+                <a16:creationId xmlns:a16="http://schemas.microsoft.com/office/drawing/2014/main" id="{4C09438E-A9AA-4D40-8138-A50B9BDB265B}"/>
               </a:ext>
             </a:extLst>
           </p:cNvPr>
@@ -10158,7 +11262,7 @@
           <p:cNvPr id="3" name="文字版面配置區 2">
             <a:extLst>
               <a:ext uri="{FF2B5EF4-FFF2-40B4-BE49-F238E27FC236}">
-                <a16:creationId xmlns:a16="http://schemas.microsoft.com/office/drawing/2014/main" id="{96931718-23C2-4D8C-9172-96D6394F2897}"/>
+                <a16:creationId xmlns:a16="http://schemas.microsoft.com/office/drawing/2014/main" id="{A50583E8-0EA6-49F5-B210-CDC549EC78C8}"/>
               </a:ext>
             </a:extLst>
           </p:cNvPr>
@@ -10175,27 +11279,136 @@
           <a:lstStyle/>
           <a:p>
             <a:r>
-              <a:rPr lang="en-US" altLang="zh-TW" dirty="0" err="1">
-                <a:latin typeface="+mn-ea"/>
-              </a:rPr>
-              <a:t>useMemo</a:t>
-            </a:r>
-            <a:r>
               <a:rPr lang="en-US" altLang="zh-TW" dirty="0">
-                <a:latin typeface="+mj-ea"/>
-              </a:rPr>
-              <a:t>( )</a:t>
-            </a:r>
-            <a:endParaRPr lang="zh-TW" altLang="en-US" dirty="0">
-              <a:latin typeface="+mj-ea"/>
-            </a:endParaRPr>
+                <a:latin typeface="Arial Black" panose="020B0A04020102020204" pitchFamily="34" charset="0"/>
+              </a:rPr>
+              <a:t>Render</a:t>
+            </a:r>
+            <a:endParaRPr lang="zh-TW" altLang="en-US" dirty="0"/>
+          </a:p>
+        </p:txBody>
+      </p:sp>
+      <p:sp>
+        <p:nvSpPr>
+          <p:cNvPr id="4" name="文字方塊 3">
+            <a:extLst>
+              <a:ext uri="{FF2B5EF4-FFF2-40B4-BE49-F238E27FC236}">
+                <a16:creationId xmlns:a16="http://schemas.microsoft.com/office/drawing/2014/main" id="{3FE62995-6920-45AF-AD93-E3CB3551F6CD}"/>
+              </a:ext>
+            </a:extLst>
+          </p:cNvPr>
+          <p:cNvSpPr txBox="1"/>
+          <p:nvPr/>
+        </p:nvSpPr>
+        <p:spPr>
+          <a:xfrm>
+            <a:off x="1082842" y="3136612"/>
+            <a:ext cx="2031325" cy="646331"/>
+          </a:xfrm>
+          <a:prstGeom prst="rect">
+            <a:avLst/>
+          </a:prstGeom>
+          <a:noFill/>
+        </p:spPr>
+        <p:txBody>
+          <a:bodyPr wrap="none" rtlCol="0">
+            <a:spAutoFit/>
+          </a:bodyPr>
+          <a:lstStyle/>
+          <a:p>
+            <a:r>
+              <a:rPr lang="zh-TW" altLang="en-US" sz="3600" dirty="0">
+                <a:solidFill>
+                  <a:schemeClr val="bg1"/>
+                </a:solidFill>
+              </a:rPr>
+              <a:t>被動觸發</a:t>
+            </a:r>
+          </a:p>
+        </p:txBody>
+      </p:sp>
+      <p:sp>
+        <p:nvSpPr>
+          <p:cNvPr id="6" name="文字方塊 5">
+            <a:extLst>
+              <a:ext uri="{FF2B5EF4-FFF2-40B4-BE49-F238E27FC236}">
+                <a16:creationId xmlns:a16="http://schemas.microsoft.com/office/drawing/2014/main" id="{DCCBA713-D058-475B-8169-2B2EA9A6E78D}"/>
+              </a:ext>
+            </a:extLst>
+          </p:cNvPr>
+          <p:cNvSpPr txBox="1"/>
+          <p:nvPr/>
+        </p:nvSpPr>
+        <p:spPr>
+          <a:xfrm>
+            <a:off x="5182929" y="3120950"/>
+            <a:ext cx="2031325" cy="646331"/>
+          </a:xfrm>
+          <a:prstGeom prst="rect">
+            <a:avLst/>
+          </a:prstGeom>
+          <a:noFill/>
+        </p:spPr>
+        <p:txBody>
+          <a:bodyPr wrap="none" rtlCol="0">
+            <a:spAutoFit/>
+          </a:bodyPr>
+          <a:lstStyle/>
+          <a:p>
+            <a:r>
+              <a:rPr lang="zh-TW" altLang="en-US" sz="3600" dirty="0">
+                <a:solidFill>
+                  <a:schemeClr val="bg1"/>
+                </a:solidFill>
+              </a:rPr>
+              <a:t>有始有終</a:t>
+            </a:r>
+          </a:p>
+        </p:txBody>
+      </p:sp>
+      <p:sp>
+        <p:nvSpPr>
+          <p:cNvPr id="7" name="文字方塊 6">
+            <a:extLst>
+              <a:ext uri="{FF2B5EF4-FFF2-40B4-BE49-F238E27FC236}">
+                <a16:creationId xmlns:a16="http://schemas.microsoft.com/office/drawing/2014/main" id="{0CBB8007-92A8-46DC-BC19-3D02AFB67848}"/>
+              </a:ext>
+            </a:extLst>
+          </p:cNvPr>
+          <p:cNvSpPr txBox="1"/>
+          <p:nvPr/>
+        </p:nvSpPr>
+        <p:spPr>
+          <a:xfrm>
+            <a:off x="9283016" y="3120950"/>
+            <a:ext cx="2031325" cy="646331"/>
+          </a:xfrm>
+          <a:prstGeom prst="rect">
+            <a:avLst/>
+          </a:prstGeom>
+          <a:noFill/>
+        </p:spPr>
+        <p:txBody>
+          <a:bodyPr wrap="none" rtlCol="0">
+            <a:spAutoFit/>
+          </a:bodyPr>
+          <a:lstStyle/>
+          <a:p>
+            <a:r>
+              <a:rPr lang="zh-TW" altLang="en-US" sz="3600" dirty="0">
+                <a:solidFill>
+                  <a:schemeClr val="bg1"/>
+                </a:solidFill>
+              </a:rPr>
+              <a:t>可一對多</a:t>
+            </a:r>
           </a:p>
         </p:txBody>
       </p:sp>
     </p:spTree>
     <p:extLst>
       <p:ext uri="{BB962C8B-B14F-4D97-AF65-F5344CB8AC3E}">
-        <p14:creationId xmlns:p14="http://schemas.microsoft.com/office/powerpoint/2010/main" val="3402258282"/>
+        <p14:creationId xmlns:p14="http://schemas.microsoft.com/office/powerpoint/2010/main" val="405328171"/>
       </p:ext>
     </p:extLst>
   </p:cSld>
@@ -10236,10 +11449,10 @@
       </p:grpSpPr>
       <p:sp>
         <p:nvSpPr>
-          <p:cNvPr id="2" name="標題 1">
+          <p:cNvPr id="2" name="投影片編號版面配置區 1">
             <a:extLst>
               <a:ext uri="{FF2B5EF4-FFF2-40B4-BE49-F238E27FC236}">
-                <a16:creationId xmlns:a16="http://schemas.microsoft.com/office/drawing/2014/main" id="{83164752-3A65-4204-9A83-8650849498E7}"/>
+                <a16:creationId xmlns:a16="http://schemas.microsoft.com/office/drawing/2014/main" id="{5321DC1F-7624-4F57-B673-3C48399B9283}"/>
               </a:ext>
             </a:extLst>
           </p:cNvPr>
@@ -10247,7 +11460,7 @@
             <a:spLocks noGrp="1"/>
           </p:cNvSpPr>
           <p:nvPr>
-            <p:ph type="title"/>
+            <p:ph type="sldNum" sz="quarter" idx="12"/>
           </p:nvPr>
         </p:nvSpPr>
         <p:spPr/>
@@ -10255,20 +11468,21 @@
           <a:bodyPr/>
           <a:lstStyle/>
           <a:p>
-            <a:pPr algn="ctr"/>
-            <a:r>
-              <a:rPr lang="zh-TW" altLang="en-US" dirty="0"/>
-              <a:t>客製化</a:t>
-            </a:r>
-          </a:p>
-        </p:txBody>
-      </p:sp>
-      <p:sp>
-        <p:nvSpPr>
-          <p:cNvPr id="3" name="內容版面配置區 2">
+            <a:fld id="{4FAB73BC-B049-4115-A692-8D63A059BFB8}" type="slidenum">
+              <a:rPr lang="en-US" smtClean="0"/>
+              <a:pPr/>
+              <a:t>24</a:t>
+            </a:fld>
+            <a:endParaRPr lang="en-US" dirty="0"/>
+          </a:p>
+        </p:txBody>
+      </p:sp>
+      <p:sp>
+        <p:nvSpPr>
+          <p:cNvPr id="3" name="文字版面配置區 2">
             <a:extLst>
               <a:ext uri="{FF2B5EF4-FFF2-40B4-BE49-F238E27FC236}">
-                <a16:creationId xmlns:a16="http://schemas.microsoft.com/office/drawing/2014/main" id="{DACE0065-D140-4311-A409-16CECB6AC074}"/>
+                <a16:creationId xmlns:a16="http://schemas.microsoft.com/office/drawing/2014/main" id="{96931718-23C2-4D8C-9172-96D6394F2897}"/>
               </a:ext>
             </a:extLst>
           </p:cNvPr>
@@ -10276,7 +11490,7 @@
             <a:spLocks noGrp="1"/>
           </p:cNvSpPr>
           <p:nvPr>
-            <p:ph idx="1"/>
+            <p:ph type="body" sz="quarter" idx="13"/>
           </p:nvPr>
         </p:nvSpPr>
         <p:spPr/>
@@ -10284,14 +11498,135 @@
           <a:bodyPr/>
           <a:lstStyle/>
           <a:p>
-            <a:endParaRPr lang="zh-TW" altLang="en-US"/>
+            <a:r>
+              <a:rPr lang="en-US" altLang="zh-TW" dirty="0" err="1">
+                <a:latin typeface="+mn-ea"/>
+              </a:rPr>
+              <a:t>useContext</a:t>
+            </a:r>
+            <a:r>
+              <a:rPr lang="en-US" altLang="zh-TW" dirty="0">
+                <a:latin typeface="+mj-ea"/>
+              </a:rPr>
+              <a:t>( )</a:t>
+            </a:r>
+            <a:endParaRPr lang="zh-TW" altLang="en-US" dirty="0">
+              <a:latin typeface="+mj-ea"/>
+            </a:endParaRPr>
+          </a:p>
+        </p:txBody>
+      </p:sp>
+      <p:sp>
+        <p:nvSpPr>
+          <p:cNvPr id="4" name="文字方塊 3">
+            <a:extLst>
+              <a:ext uri="{FF2B5EF4-FFF2-40B4-BE49-F238E27FC236}">
+                <a16:creationId xmlns:a16="http://schemas.microsoft.com/office/drawing/2014/main" id="{CFE87475-59D0-460C-AB14-072C4D7985E0}"/>
+              </a:ext>
+            </a:extLst>
+          </p:cNvPr>
+          <p:cNvSpPr txBox="1"/>
+          <p:nvPr/>
+        </p:nvSpPr>
+        <p:spPr>
+          <a:xfrm>
+            <a:off x="1362171" y="1884732"/>
+            <a:ext cx="8587945" cy="1479187"/>
+          </a:xfrm>
+          <a:prstGeom prst="rect">
+            <a:avLst/>
+          </a:prstGeom>
+          <a:noFill/>
+        </p:spPr>
+        <p:txBody>
+          <a:bodyPr wrap="square" rtlCol="0">
+            <a:spAutoFit/>
+          </a:bodyPr>
+          <a:lstStyle/>
+          <a:p>
+            <a:pPr marL="457200" indent="-457200">
+              <a:lnSpc>
+                <a:spcPct val="150000"/>
+              </a:lnSpc>
+              <a:buFont typeface="Arial" panose="020B0604020202020204" pitchFamily="34" charset="0"/>
+              <a:buChar char="•"/>
+            </a:pPr>
+            <a:r>
+              <a:rPr lang="zh-TW" altLang="en-US" sz="3200" dirty="0">
+                <a:solidFill>
+                  <a:schemeClr val="bg1">
+                    <a:lumMod val="75000"/>
+                  </a:schemeClr>
+                </a:solidFill>
+                <a:latin typeface="+mn-ea"/>
+              </a:rPr>
+              <a:t>用於組件中上下結構的溝通</a:t>
+            </a:r>
+            <a:endParaRPr lang="en-US" altLang="zh-TW" sz="3200" dirty="0">
+              <a:solidFill>
+                <a:schemeClr val="bg1">
+                  <a:lumMod val="75000"/>
+                </a:schemeClr>
+              </a:solidFill>
+              <a:latin typeface="+mn-ea"/>
+            </a:endParaRPr>
+          </a:p>
+          <a:p>
+            <a:pPr marL="457200" indent="-457200">
+              <a:lnSpc>
+                <a:spcPct val="150000"/>
+              </a:lnSpc>
+              <a:buFont typeface="Arial" panose="020B0604020202020204" pitchFamily="34" charset="0"/>
+              <a:buChar char="•"/>
+            </a:pPr>
+            <a:r>
+              <a:rPr lang="zh-TW" altLang="en-US" sz="3200" dirty="0">
+                <a:solidFill>
+                  <a:schemeClr val="bg1">
+                    <a:lumMod val="75000"/>
+                  </a:schemeClr>
+                </a:solidFill>
+                <a:latin typeface="+mn-ea"/>
+              </a:rPr>
+              <a:t>省去 </a:t>
+            </a:r>
+            <a:r>
+              <a:rPr lang="en-US" altLang="zh-TW" sz="3200" dirty="0">
+                <a:solidFill>
+                  <a:schemeClr val="bg1">
+                    <a:lumMod val="75000"/>
+                  </a:schemeClr>
+                </a:solidFill>
+                <a:latin typeface="+mn-ea"/>
+              </a:rPr>
+              <a:t>Props</a:t>
+            </a:r>
+            <a:r>
+              <a:rPr lang="zh-TW" altLang="en-US" sz="3200" dirty="0">
+                <a:solidFill>
+                  <a:schemeClr val="bg1">
+                    <a:lumMod val="75000"/>
+                  </a:schemeClr>
+                </a:solidFill>
+                <a:latin typeface="+mn-ea"/>
+              </a:rPr>
+              <a:t> 的傳遞</a:t>
+            </a:r>
+            <a:endParaRPr lang="en-US" altLang="zh-TW" sz="3200" dirty="0">
+              <a:solidFill>
+                <a:schemeClr val="bg1">
+                  <a:lumMod val="75000"/>
+                </a:schemeClr>
+              </a:solidFill>
+              <a:latin typeface="+mn-ea"/>
+            </a:endParaRPr>
           </a:p>
         </p:txBody>
       </p:sp>
     </p:spTree>
     <p:extLst>
       <p:ext uri="{BB962C8B-B14F-4D97-AF65-F5344CB8AC3E}">
-        <p14:creationId xmlns:p14="http://schemas.microsoft.com/office/powerpoint/2010/main" val="2896364993"/>
+        <p14:creationId xmlns:p14="http://schemas.microsoft.com/office/powerpoint/2010/main" val="2841598273"/>
       </p:ext>
     </p:extLst>
   </p:cSld>
@@ -10332,7 +11667,13 @@
       </p:grpSpPr>
       <p:sp>
         <p:nvSpPr>
-          <p:cNvPr id="3" name="投影片編號版面配置區 2"/>
+          <p:cNvPr id="2" name="投影片編號版面配置區 1">
+            <a:extLst>
+              <a:ext uri="{FF2B5EF4-FFF2-40B4-BE49-F238E27FC236}">
+                <a16:creationId xmlns:a16="http://schemas.microsoft.com/office/drawing/2014/main" id="{1E377D37-493E-406D-9DE2-523E37B5FB67}"/>
+              </a:ext>
+            </a:extLst>
+          </p:cNvPr>
           <p:cNvSpPr>
             <a:spLocks noGrp="1"/>
           </p:cNvSpPr>
@@ -10354,10 +11695,569 @@
           </a:p>
         </p:txBody>
       </p:sp>
+      <p:sp>
+        <p:nvSpPr>
+          <p:cNvPr id="3" name="文字版面配置區 2">
+            <a:extLst>
+              <a:ext uri="{FF2B5EF4-FFF2-40B4-BE49-F238E27FC236}">
+                <a16:creationId xmlns:a16="http://schemas.microsoft.com/office/drawing/2014/main" id="{9336F88C-9E7A-4749-9292-86857EF467B2}"/>
+              </a:ext>
+            </a:extLst>
+          </p:cNvPr>
+          <p:cNvSpPr>
+            <a:spLocks noGrp="1"/>
+          </p:cNvSpPr>
+          <p:nvPr>
+            <p:ph type="body" sz="quarter" idx="13"/>
+          </p:nvPr>
+        </p:nvSpPr>
+        <p:spPr/>
+        <p:txBody>
+          <a:bodyPr/>
+          <a:lstStyle/>
+          <a:p>
+            <a:r>
+              <a:rPr lang="zh-TW" altLang="en-US" dirty="0"/>
+              <a:t>結構</a:t>
+            </a:r>
+          </a:p>
+        </p:txBody>
+      </p:sp>
+      <p:sp>
+        <p:nvSpPr>
+          <p:cNvPr id="4" name="文字方塊 3">
+            <a:extLst>
+              <a:ext uri="{FF2B5EF4-FFF2-40B4-BE49-F238E27FC236}">
+                <a16:creationId xmlns:a16="http://schemas.microsoft.com/office/drawing/2014/main" id="{FB0F8042-8748-4DA7-9C5C-CB93FC37DBFA}"/>
+              </a:ext>
+            </a:extLst>
+          </p:cNvPr>
+          <p:cNvSpPr txBox="1"/>
+          <p:nvPr/>
+        </p:nvSpPr>
+        <p:spPr>
+          <a:xfrm>
+            <a:off x="1378107" y="1639098"/>
+            <a:ext cx="9782037" cy="584775"/>
+          </a:xfrm>
+          <a:prstGeom prst="rect">
+            <a:avLst/>
+          </a:prstGeom>
+          <a:noFill/>
+        </p:spPr>
+        <p:txBody>
+          <a:bodyPr wrap="none" rtlCol="0">
+            <a:spAutoFit/>
+          </a:bodyPr>
+          <a:lstStyle/>
+          <a:p>
+            <a:pPr algn="ctr"/>
+            <a:r>
+              <a:rPr lang="en-US" altLang="zh-TW" sz="3200" spc="300" dirty="0">
+                <a:solidFill>
+                  <a:schemeClr val="accent5">
+                    <a:lumMod val="60000"/>
+                    <a:lumOff val="40000"/>
+                  </a:schemeClr>
+                </a:solidFill>
+                <a:latin typeface="Adobe 繁黑體 Std B" panose="020B0700000000000000" pitchFamily="34" charset="-120"/>
+                <a:ea typeface="Adobe 繁黑體 Std B" panose="020B0700000000000000" pitchFamily="34" charset="-120"/>
+              </a:rPr>
+              <a:t>Const</a:t>
+            </a:r>
+            <a:r>
+              <a:rPr lang="en-US" altLang="zh-TW" sz="3200" spc="300" dirty="0">
+                <a:solidFill>
+                  <a:schemeClr val="bg1">
+                    <a:lumMod val="85000"/>
+                  </a:schemeClr>
+                </a:solidFill>
+                <a:latin typeface="Adobe 繁黑體 Std B" panose="020B0700000000000000" pitchFamily="34" charset="-120"/>
+                <a:ea typeface="Adobe 繁黑體 Std B" panose="020B0700000000000000" pitchFamily="34" charset="-120"/>
+              </a:rPr>
+              <a:t>	</a:t>
+            </a:r>
+            <a:r>
+              <a:rPr lang="en-US" altLang="zh-TW" sz="3200" spc="300" dirty="0" err="1">
+                <a:solidFill>
+                  <a:schemeClr val="accent2">
+                    <a:lumMod val="60000"/>
+                    <a:lumOff val="40000"/>
+                  </a:schemeClr>
+                </a:solidFill>
+                <a:latin typeface="Adobe 繁黑體 Std B" panose="020B0700000000000000" pitchFamily="34" charset="-120"/>
+                <a:ea typeface="Adobe 繁黑體 Std B" panose="020B0700000000000000" pitchFamily="34" charset="-120"/>
+              </a:rPr>
+              <a:t>ThemeContext</a:t>
+            </a:r>
+            <a:r>
+              <a:rPr lang="en-US" altLang="zh-TW" sz="3200" spc="300" dirty="0">
+                <a:solidFill>
+                  <a:schemeClr val="accent2">
+                    <a:lumMod val="60000"/>
+                    <a:lumOff val="40000"/>
+                  </a:schemeClr>
+                </a:solidFill>
+                <a:latin typeface="Adobe 繁黑體 Std B" panose="020B0700000000000000" pitchFamily="34" charset="-120"/>
+                <a:ea typeface="Adobe 繁黑體 Std B" panose="020B0700000000000000" pitchFamily="34" charset="-120"/>
+              </a:rPr>
+              <a:t>	 </a:t>
+            </a:r>
+            <a:r>
+              <a:rPr lang="en-US" altLang="zh-TW" sz="3200" spc="300" dirty="0">
+                <a:solidFill>
+                  <a:schemeClr val="bg1">
+                    <a:lumMod val="85000"/>
+                  </a:schemeClr>
+                </a:solidFill>
+                <a:latin typeface="Adobe 繁黑體 Std B" panose="020B0700000000000000" pitchFamily="34" charset="-120"/>
+                <a:ea typeface="Adobe 繁黑體 Std B" panose="020B0700000000000000" pitchFamily="34" charset="-120"/>
+              </a:rPr>
+              <a:t>= </a:t>
+            </a:r>
+            <a:r>
+              <a:rPr lang="en-US" altLang="zh-TW" sz="3200" dirty="0" err="1">
+                <a:solidFill>
+                  <a:schemeClr val="bg1"/>
+                </a:solidFill>
+                <a:latin typeface="+mn-ea"/>
+              </a:rPr>
+              <a:t>createContext</a:t>
+            </a:r>
+            <a:r>
+              <a:rPr lang="en-US" altLang="zh-TW" sz="3200" dirty="0">
+                <a:solidFill>
+                  <a:schemeClr val="bg1"/>
+                </a:solidFill>
+                <a:latin typeface="+mn-ea"/>
+              </a:rPr>
+              <a:t> </a:t>
+            </a:r>
+            <a:r>
+              <a:rPr lang="en-US" altLang="zh-TW" sz="3200" dirty="0">
+                <a:solidFill>
+                  <a:schemeClr val="bg1"/>
+                </a:solidFill>
+                <a:latin typeface="Adobe 繁黑體 Std B" panose="020B0700000000000000" pitchFamily="34" charset="-120"/>
+                <a:ea typeface="Adobe 繁黑體 Std B" panose="020B0700000000000000" pitchFamily="34" charset="-120"/>
+              </a:rPr>
+              <a:t>(</a:t>
+            </a:r>
+            <a:r>
+              <a:rPr lang="zh-TW" altLang="en-US" sz="3200" dirty="0">
+                <a:solidFill>
+                  <a:schemeClr val="bg1"/>
+                </a:solidFill>
+                <a:latin typeface="Adobe 繁黑體 Std B" panose="020B0700000000000000" pitchFamily="34" charset="-120"/>
+                <a:ea typeface="Adobe 繁黑體 Std B" panose="020B0700000000000000" pitchFamily="34" charset="-120"/>
+              </a:rPr>
+              <a:t> </a:t>
+            </a:r>
+            <a:r>
+              <a:rPr lang="en-US" altLang="zh-TW" sz="3200" dirty="0">
+                <a:solidFill>
+                  <a:schemeClr val="bg1">
+                    <a:lumMod val="75000"/>
+                  </a:schemeClr>
+                </a:solidFill>
+                <a:latin typeface="Adobe 繁黑體 Std B" panose="020B0700000000000000" pitchFamily="34" charset="-120"/>
+                <a:ea typeface="Adobe 繁黑體 Std B" panose="020B0700000000000000" pitchFamily="34" charset="-120"/>
+              </a:rPr>
+              <a:t>Value</a:t>
+            </a:r>
+            <a:r>
+              <a:rPr lang="en-US" altLang="zh-TW" sz="3200" dirty="0">
+                <a:solidFill>
+                  <a:schemeClr val="bg1"/>
+                </a:solidFill>
+                <a:latin typeface="Adobe 繁黑體 Std B" panose="020B0700000000000000" pitchFamily="34" charset="-120"/>
+                <a:ea typeface="Adobe 繁黑體 Std B" panose="020B0700000000000000" pitchFamily="34" charset="-120"/>
+              </a:rPr>
+              <a:t> )</a:t>
+            </a:r>
+            <a:r>
+              <a:rPr lang="en-US" altLang="zh-TW" sz="3200" spc="300" dirty="0">
+                <a:solidFill>
+                  <a:schemeClr val="bg1"/>
+                </a:solidFill>
+                <a:latin typeface="Adobe 繁黑體 Std B" panose="020B0700000000000000" pitchFamily="34" charset="-120"/>
+                <a:ea typeface="Adobe 繁黑體 Std B" panose="020B0700000000000000" pitchFamily="34" charset="-120"/>
+              </a:rPr>
+              <a:t> </a:t>
+            </a:r>
+            <a:endParaRPr lang="zh-TW" altLang="en-US" sz="3200" spc="300" dirty="0">
+              <a:solidFill>
+                <a:schemeClr val="bg1"/>
+              </a:solidFill>
+              <a:latin typeface="Adobe 繁黑體 Std B" panose="020B0700000000000000" pitchFamily="34" charset="-120"/>
+              <a:ea typeface="Adobe 繁黑體 Std B" panose="020B0700000000000000" pitchFamily="34" charset="-120"/>
+            </a:endParaRPr>
+          </a:p>
+        </p:txBody>
+      </p:sp>
+      <p:sp>
+        <p:nvSpPr>
+          <p:cNvPr id="5" name="右大括弧 4">
+            <a:extLst>
+              <a:ext uri="{FF2B5EF4-FFF2-40B4-BE49-F238E27FC236}">
+                <a16:creationId xmlns:a16="http://schemas.microsoft.com/office/drawing/2014/main" id="{86B33C3D-4148-49FF-B0D5-9A78E40F338D}"/>
+              </a:ext>
+            </a:extLst>
+          </p:cNvPr>
+          <p:cNvSpPr/>
+          <p:nvPr/>
+        </p:nvSpPr>
+        <p:spPr>
+          <a:xfrm rot="16200000">
+            <a:off x="6126963" y="-60398"/>
+            <a:ext cx="415329" cy="5642808"/>
+          </a:xfrm>
+          <a:prstGeom prst="rightBrace">
+            <a:avLst/>
+          </a:prstGeom>
+          <a:ln w="38100">
+            <a:solidFill>
+              <a:schemeClr val="bg1">
+                <a:lumMod val="75000"/>
+              </a:schemeClr>
+            </a:solidFill>
+          </a:ln>
+        </p:spPr>
+        <p:style>
+          <a:lnRef idx="1">
+            <a:schemeClr val="accent1"/>
+          </a:lnRef>
+          <a:fillRef idx="0">
+            <a:schemeClr val="accent1"/>
+          </a:fillRef>
+          <a:effectRef idx="0">
+            <a:schemeClr val="accent1"/>
+          </a:effectRef>
+          <a:fontRef idx="minor">
+            <a:schemeClr val="tx1"/>
+          </a:fontRef>
+        </p:style>
+        <p:txBody>
+          <a:bodyPr rtlCol="0" anchor="ctr"/>
+          <a:lstStyle/>
+          <a:p>
+            <a:pPr algn="ctr"/>
+            <a:endParaRPr lang="zh-TW" altLang="en-US">
+              <a:solidFill>
+                <a:schemeClr val="bg1"/>
+              </a:solidFill>
+            </a:endParaRPr>
+          </a:p>
+        </p:txBody>
+      </p:sp>
+      <p:sp>
+        <p:nvSpPr>
+          <p:cNvPr id="6" name="文字方塊 5">
+            <a:extLst>
+              <a:ext uri="{FF2B5EF4-FFF2-40B4-BE49-F238E27FC236}">
+                <a16:creationId xmlns:a16="http://schemas.microsoft.com/office/drawing/2014/main" id="{5A9697CF-3637-4276-84B6-34FB0901BDE7}"/>
+              </a:ext>
+            </a:extLst>
+          </p:cNvPr>
+          <p:cNvSpPr txBox="1"/>
+          <p:nvPr/>
+        </p:nvSpPr>
+        <p:spPr>
+          <a:xfrm>
+            <a:off x="2497561" y="3298140"/>
+            <a:ext cx="1798890" cy="646331"/>
+          </a:xfrm>
+          <a:prstGeom prst="rect">
+            <a:avLst/>
+          </a:prstGeom>
+          <a:noFill/>
+        </p:spPr>
+        <p:txBody>
+          <a:bodyPr wrap="none" rtlCol="0">
+            <a:spAutoFit/>
+          </a:bodyPr>
+          <a:lstStyle/>
+          <a:p>
+            <a:r>
+              <a:rPr lang="en-US" altLang="zh-TW" sz="3600" dirty="0">
+                <a:solidFill>
+                  <a:schemeClr val="bg1"/>
+                </a:solidFill>
+              </a:rPr>
+              <a:t>Provider</a:t>
+            </a:r>
+            <a:endParaRPr lang="zh-TW" altLang="en-US" sz="3600" dirty="0">
+              <a:solidFill>
+                <a:schemeClr val="bg1"/>
+              </a:solidFill>
+            </a:endParaRPr>
+          </a:p>
+        </p:txBody>
+      </p:sp>
+      <p:sp>
+        <p:nvSpPr>
+          <p:cNvPr id="7" name="文字方塊 6">
+            <a:extLst>
+              <a:ext uri="{FF2B5EF4-FFF2-40B4-BE49-F238E27FC236}">
+                <a16:creationId xmlns:a16="http://schemas.microsoft.com/office/drawing/2014/main" id="{B15236FD-B8AE-4CC1-9229-03BF939793C1}"/>
+              </a:ext>
+            </a:extLst>
+          </p:cNvPr>
+          <p:cNvSpPr txBox="1"/>
+          <p:nvPr/>
+        </p:nvSpPr>
+        <p:spPr>
+          <a:xfrm>
+            <a:off x="7749517" y="3298139"/>
+            <a:ext cx="2138727" cy="646331"/>
+          </a:xfrm>
+          <a:prstGeom prst="rect">
+            <a:avLst/>
+          </a:prstGeom>
+          <a:noFill/>
+        </p:spPr>
+        <p:txBody>
+          <a:bodyPr wrap="none" rtlCol="0">
+            <a:spAutoFit/>
+          </a:bodyPr>
+          <a:lstStyle/>
+          <a:p>
+            <a:r>
+              <a:rPr lang="en-US" altLang="zh-TW" sz="3600" dirty="0">
+                <a:solidFill>
+                  <a:schemeClr val="bg1"/>
+                </a:solidFill>
+              </a:rPr>
+              <a:t>Consumer</a:t>
+            </a:r>
+            <a:endParaRPr lang="zh-TW" altLang="en-US" sz="3600" dirty="0">
+              <a:solidFill>
+                <a:schemeClr val="bg1"/>
+              </a:solidFill>
+            </a:endParaRPr>
+          </a:p>
+        </p:txBody>
+      </p:sp>
+      <p:sp>
+        <p:nvSpPr>
+          <p:cNvPr id="8" name="文字方塊 7">
+            <a:extLst>
+              <a:ext uri="{FF2B5EF4-FFF2-40B4-BE49-F238E27FC236}">
+                <a16:creationId xmlns:a16="http://schemas.microsoft.com/office/drawing/2014/main" id="{91951FC4-CF58-4078-AB14-975A09160856}"/>
+              </a:ext>
+            </a:extLst>
+          </p:cNvPr>
+          <p:cNvSpPr txBox="1"/>
+          <p:nvPr/>
+        </p:nvSpPr>
+        <p:spPr>
+          <a:xfrm>
+            <a:off x="1277099" y="4273940"/>
+            <a:ext cx="4472250" cy="1077218"/>
+          </a:xfrm>
+          <a:prstGeom prst="rect">
+            <a:avLst/>
+          </a:prstGeom>
+          <a:noFill/>
+        </p:spPr>
+        <p:txBody>
+          <a:bodyPr wrap="none" rtlCol="0">
+            <a:spAutoFit/>
+          </a:bodyPr>
+          <a:lstStyle/>
+          <a:p>
+            <a:pPr algn="ctr"/>
+            <a:r>
+              <a:rPr lang="zh-TW" altLang="en-US" sz="3200" dirty="0">
+                <a:solidFill>
+                  <a:schemeClr val="bg1">
+                    <a:lumMod val="85000"/>
+                  </a:schemeClr>
+                </a:solidFill>
+                <a:latin typeface="+mn-ea"/>
+              </a:rPr>
+              <a:t>提供</a:t>
+            </a:r>
+            <a:r>
+              <a:rPr lang="en-US" altLang="zh-TW" sz="3200" dirty="0">
+                <a:solidFill>
+                  <a:schemeClr val="bg1">
+                    <a:lumMod val="85000"/>
+                  </a:schemeClr>
+                </a:solidFill>
+                <a:latin typeface="+mn-ea"/>
+              </a:rPr>
+              <a:t>Value</a:t>
+            </a:r>
+            <a:r>
+              <a:rPr lang="zh-TW" altLang="en-US" sz="3200" dirty="0">
+                <a:solidFill>
+                  <a:schemeClr val="bg1">
+                    <a:lumMod val="85000"/>
+                  </a:schemeClr>
+                </a:solidFill>
+                <a:latin typeface="+mn-ea"/>
+              </a:rPr>
+              <a:t>的地方隨</a:t>
+            </a:r>
+            <a:endParaRPr lang="en-US" altLang="zh-TW" sz="3200" dirty="0">
+              <a:solidFill>
+                <a:schemeClr val="bg1">
+                  <a:lumMod val="85000"/>
+                </a:schemeClr>
+              </a:solidFill>
+              <a:latin typeface="+mn-ea"/>
+            </a:endParaRPr>
+          </a:p>
+          <a:p>
+            <a:pPr algn="ctr"/>
+            <a:r>
+              <a:rPr lang="en-US" altLang="zh-TW" sz="3200" dirty="0">
+                <a:solidFill>
+                  <a:schemeClr val="bg1">
+                    <a:lumMod val="85000"/>
+                  </a:schemeClr>
+                </a:solidFill>
+                <a:latin typeface="+mn-ea"/>
+              </a:rPr>
+              <a:t>re-render</a:t>
+            </a:r>
+            <a:r>
+              <a:rPr lang="zh-TW" altLang="en-US" sz="3200" dirty="0">
+                <a:solidFill>
+                  <a:schemeClr val="bg1">
+                    <a:lumMod val="85000"/>
+                  </a:schemeClr>
+                </a:solidFill>
+                <a:latin typeface="+mn-ea"/>
+              </a:rPr>
+              <a:t>的渲染做處理</a:t>
+            </a:r>
+          </a:p>
+        </p:txBody>
+      </p:sp>
+      <p:sp>
+        <p:nvSpPr>
+          <p:cNvPr id="10" name="文字方塊 9">
+            <a:extLst>
+              <a:ext uri="{FF2B5EF4-FFF2-40B4-BE49-F238E27FC236}">
+                <a16:creationId xmlns:a16="http://schemas.microsoft.com/office/drawing/2014/main" id="{C12D0A0D-9422-4811-8FAD-A26278B0E94F}"/>
+              </a:ext>
+            </a:extLst>
+          </p:cNvPr>
+          <p:cNvSpPr txBox="1"/>
+          <p:nvPr/>
+        </p:nvSpPr>
+        <p:spPr>
+          <a:xfrm>
+            <a:off x="6472067" y="4273939"/>
+            <a:ext cx="4903907" cy="1077218"/>
+          </a:xfrm>
+          <a:prstGeom prst="rect">
+            <a:avLst/>
+          </a:prstGeom>
+          <a:noFill/>
+        </p:spPr>
+        <p:txBody>
+          <a:bodyPr wrap="none" rtlCol="0">
+            <a:spAutoFit/>
+          </a:bodyPr>
+          <a:lstStyle/>
+          <a:p>
+            <a:pPr algn="ctr"/>
+            <a:r>
+              <a:rPr lang="zh-TW" altLang="en-US" sz="3200" dirty="0">
+                <a:solidFill>
+                  <a:schemeClr val="bg1">
+                    <a:lumMod val="85000"/>
+                  </a:schemeClr>
+                </a:solidFill>
+                <a:latin typeface="+mn-ea"/>
+              </a:rPr>
+              <a:t>取得</a:t>
+            </a:r>
+            <a:r>
+              <a:rPr lang="en-US" altLang="zh-TW" sz="3200" dirty="0">
+                <a:solidFill>
+                  <a:schemeClr val="bg1">
+                    <a:lumMod val="85000"/>
+                  </a:schemeClr>
+                </a:solidFill>
+                <a:latin typeface="+mn-ea"/>
+              </a:rPr>
+              <a:t>Context</a:t>
+            </a:r>
+            <a:r>
+              <a:rPr lang="zh-TW" altLang="en-US" sz="3200" dirty="0">
+                <a:solidFill>
+                  <a:schemeClr val="bg1">
+                    <a:lumMod val="85000"/>
+                  </a:schemeClr>
+                </a:solidFill>
+                <a:latin typeface="+mn-ea"/>
+              </a:rPr>
+              <a:t>內</a:t>
+            </a:r>
+            <a:r>
+              <a:rPr lang="en-US" altLang="zh-TW" sz="3200" dirty="0">
+                <a:solidFill>
+                  <a:schemeClr val="bg1">
+                    <a:lumMod val="85000"/>
+                  </a:schemeClr>
+                </a:solidFill>
+                <a:latin typeface="+mn-ea"/>
+              </a:rPr>
+              <a:t>Value</a:t>
+            </a:r>
+          </a:p>
+          <a:p>
+            <a:pPr algn="ctr"/>
+            <a:r>
+              <a:rPr lang="zh-TW" altLang="en-US" sz="3200" dirty="0">
+                <a:solidFill>
+                  <a:schemeClr val="bg1">
+                    <a:lumMod val="85000"/>
+                  </a:schemeClr>
+                </a:solidFill>
+                <a:latin typeface="+mn-ea"/>
+              </a:rPr>
+              <a:t>只要在</a:t>
+            </a:r>
+            <a:r>
+              <a:rPr lang="en-US" altLang="zh-TW" sz="3200" dirty="0">
+                <a:solidFill>
+                  <a:schemeClr val="bg1">
+                    <a:lumMod val="85000"/>
+                  </a:schemeClr>
+                </a:solidFill>
+              </a:rPr>
+              <a:t>Provider</a:t>
+            </a:r>
+            <a:r>
+              <a:rPr lang="zh-TW" altLang="en-US" sz="3200" dirty="0">
+                <a:solidFill>
+                  <a:schemeClr val="bg1">
+                    <a:lumMod val="85000"/>
+                  </a:schemeClr>
+                </a:solidFill>
+              </a:rPr>
+              <a:t>內即可使用</a:t>
+            </a:r>
+            <a:endParaRPr lang="zh-TW" altLang="en-US" sz="3200" dirty="0">
+              <a:solidFill>
+                <a:schemeClr val="bg1">
+                  <a:lumMod val="85000"/>
+                </a:schemeClr>
+              </a:solidFill>
+              <a:latin typeface="+mn-ea"/>
+            </a:endParaRPr>
+          </a:p>
+        </p:txBody>
+      </p:sp>
     </p:spTree>
     <p:extLst>
       <p:ext uri="{BB962C8B-B14F-4D97-AF65-F5344CB8AC3E}">
-        <p14:creationId xmlns:p14="http://schemas.microsoft.com/office/powerpoint/2010/main" val="2260164828"/>
+        <p14:creationId xmlns:p14="http://schemas.microsoft.com/office/powerpoint/2010/main" val="4084861295"/>
       </p:ext>
     </p:extLst>
   </p:cSld>
@@ -10398,10 +12298,10 @@
       </p:grpSpPr>
       <p:sp>
         <p:nvSpPr>
-          <p:cNvPr id="2" name="標題 1">
+          <p:cNvPr id="2" name="投影片編號版面配置區 1">
             <a:extLst>
               <a:ext uri="{FF2B5EF4-FFF2-40B4-BE49-F238E27FC236}">
-                <a16:creationId xmlns:a16="http://schemas.microsoft.com/office/drawing/2014/main" id="{F434A3BD-F053-4780-B04B-164CC4916F18}"/>
+                <a16:creationId xmlns:a16="http://schemas.microsoft.com/office/drawing/2014/main" id="{B420D78E-02AC-4552-9925-45FC980D3135}"/>
               </a:ext>
             </a:extLst>
           </p:cNvPr>
@@ -10409,7 +12309,7 @@
             <a:spLocks noGrp="1"/>
           </p:cNvSpPr>
           <p:nvPr>
-            <p:ph type="title"/>
+            <p:ph type="sldNum" sz="quarter" idx="12"/>
           </p:nvPr>
         </p:nvSpPr>
         <p:spPr/>
@@ -10417,54 +12317,371 @@
           <a:bodyPr/>
           <a:lstStyle/>
           <a:p>
-            <a:pPr algn="ctr"/>
-            <a:r>
-              <a:rPr lang="zh-TW" altLang="en-US" dirty="0"/>
-              <a:t>使用事項</a:t>
-            </a:r>
-            <a:r>
-              <a:rPr lang="en-US" altLang="zh-TW" dirty="0"/>
-              <a:t>&amp;</a:t>
-            </a:r>
-            <a:br>
-              <a:rPr lang="en-US" altLang="zh-TW" dirty="0"/>
-            </a:br>
-            <a:r>
-              <a:rPr lang="zh-TW" altLang="en-US" dirty="0"/>
-              <a:t>選擇</a:t>
-            </a:r>
-          </a:p>
-        </p:txBody>
-      </p:sp>
-      <p:sp>
-        <p:nvSpPr>
-          <p:cNvPr id="3" name="內容版面配置區 2">
+            <a:fld id="{4FAB73BC-B049-4115-A692-8D63A059BFB8}" type="slidenum">
+              <a:rPr lang="en-US" smtClean="0"/>
+              <a:pPr/>
+              <a:t>26</a:t>
+            </a:fld>
+            <a:endParaRPr lang="en-US" dirty="0"/>
+          </a:p>
+        </p:txBody>
+      </p:sp>
+      <p:sp>
+        <p:nvSpPr>
+          <p:cNvPr id="3" name="矩形 2">
             <a:extLst>
               <a:ext uri="{FF2B5EF4-FFF2-40B4-BE49-F238E27FC236}">
-                <a16:creationId xmlns:a16="http://schemas.microsoft.com/office/drawing/2014/main" id="{05EA9754-3DF7-4857-8B91-8EF6C42B4BC0}"/>
+                <a16:creationId xmlns:a16="http://schemas.microsoft.com/office/drawing/2014/main" id="{602C0D57-77D0-4E02-AC9E-04DB8230922C}"/>
               </a:ext>
             </a:extLst>
           </p:cNvPr>
-          <p:cNvSpPr>
-            <a:spLocks noGrp="1"/>
-          </p:cNvSpPr>
-          <p:nvPr>
-            <p:ph idx="1"/>
-          </p:nvPr>
-        </p:nvSpPr>
-        <p:spPr/>
-        <p:txBody>
-          <a:bodyPr/>
-          <a:lstStyle/>
-          <a:p>
+          <p:cNvSpPr/>
+          <p:nvPr/>
+        </p:nvSpPr>
+        <p:spPr>
+          <a:xfrm>
+            <a:off x="696000" y="494383"/>
+            <a:ext cx="10800000" cy="5400000"/>
+          </a:xfrm>
+          <a:prstGeom prst="rect">
+            <a:avLst/>
+          </a:prstGeom>
+        </p:spPr>
+        <p:style>
+          <a:lnRef idx="1">
+            <a:schemeClr val="accent3"/>
+          </a:lnRef>
+          <a:fillRef idx="2">
+            <a:schemeClr val="accent3"/>
+          </a:fillRef>
+          <a:effectRef idx="1">
+            <a:schemeClr val="accent3"/>
+          </a:effectRef>
+          <a:fontRef idx="minor">
+            <a:schemeClr val="dk1"/>
+          </a:fontRef>
+        </p:style>
+        <p:txBody>
+          <a:bodyPr rtlCol="0" anchor="ctr"/>
+          <a:lstStyle/>
+          <a:p>
+            <a:pPr algn="ctr"/>
             <a:endParaRPr lang="zh-TW" altLang="en-US"/>
+          </a:p>
+        </p:txBody>
+      </p:sp>
+      <p:sp>
+        <p:nvSpPr>
+          <p:cNvPr id="5" name="矩形 4">
+            <a:extLst>
+              <a:ext uri="{FF2B5EF4-FFF2-40B4-BE49-F238E27FC236}">
+                <a16:creationId xmlns:a16="http://schemas.microsoft.com/office/drawing/2014/main" id="{78426070-8178-4209-B70B-744F7CE5A946}"/>
+              </a:ext>
+            </a:extLst>
+          </p:cNvPr>
+          <p:cNvSpPr/>
+          <p:nvPr/>
+        </p:nvSpPr>
+        <p:spPr>
+          <a:xfrm>
+            <a:off x="1596000" y="1467519"/>
+            <a:ext cx="9000000" cy="4320000"/>
+          </a:xfrm>
+          <a:prstGeom prst="rect">
+            <a:avLst/>
+          </a:prstGeom>
+        </p:spPr>
+        <p:style>
+          <a:lnRef idx="1">
+            <a:schemeClr val="accent1"/>
+          </a:lnRef>
+          <a:fillRef idx="2">
+            <a:schemeClr val="accent1"/>
+          </a:fillRef>
+          <a:effectRef idx="1">
+            <a:schemeClr val="accent1"/>
+          </a:effectRef>
+          <a:fontRef idx="minor">
+            <a:schemeClr val="dk1"/>
+          </a:fontRef>
+        </p:style>
+        <p:txBody>
+          <a:bodyPr rtlCol="0" anchor="ctr"/>
+          <a:lstStyle/>
+          <a:p>
+            <a:pPr algn="ctr"/>
+            <a:endParaRPr lang="zh-TW" altLang="en-US"/>
+          </a:p>
+        </p:txBody>
+      </p:sp>
+      <p:sp>
+        <p:nvSpPr>
+          <p:cNvPr id="4" name="矩形 3">
+            <a:extLst>
+              <a:ext uri="{FF2B5EF4-FFF2-40B4-BE49-F238E27FC236}">
+                <a16:creationId xmlns:a16="http://schemas.microsoft.com/office/drawing/2014/main" id="{01F92319-D365-49B9-89CD-4A96B1C1CD3E}"/>
+              </a:ext>
+            </a:extLst>
+          </p:cNvPr>
+          <p:cNvSpPr/>
+          <p:nvPr/>
+        </p:nvSpPr>
+        <p:spPr>
+          <a:xfrm>
+            <a:off x="2411779" y="2418347"/>
+            <a:ext cx="7200000" cy="3240000"/>
+          </a:xfrm>
+          <a:prstGeom prst="rect">
+            <a:avLst/>
+          </a:prstGeom>
+        </p:spPr>
+        <p:style>
+          <a:lnRef idx="3">
+            <a:schemeClr val="lt1"/>
+          </a:lnRef>
+          <a:fillRef idx="1">
+            <a:schemeClr val="accent3"/>
+          </a:fillRef>
+          <a:effectRef idx="1">
+            <a:schemeClr val="accent3"/>
+          </a:effectRef>
+          <a:fontRef idx="minor">
+            <a:schemeClr val="lt1"/>
+          </a:fontRef>
+        </p:style>
+        <p:txBody>
+          <a:bodyPr rtlCol="0" anchor="ctr"/>
+          <a:lstStyle/>
+          <a:p>
+            <a:pPr algn="ctr"/>
+            <a:endParaRPr lang="zh-TW" altLang="en-US" dirty="0"/>
+          </a:p>
+        </p:txBody>
+      </p:sp>
+      <p:sp>
+        <p:nvSpPr>
+          <p:cNvPr id="6" name="文字方塊 5">
+            <a:extLst>
+              <a:ext uri="{FF2B5EF4-FFF2-40B4-BE49-F238E27FC236}">
+                <a16:creationId xmlns:a16="http://schemas.microsoft.com/office/drawing/2014/main" id="{D38F3D0D-1DAA-47B8-8F32-696EC1D6A661}"/>
+              </a:ext>
+            </a:extLst>
+          </p:cNvPr>
+          <p:cNvSpPr txBox="1"/>
+          <p:nvPr/>
+        </p:nvSpPr>
+        <p:spPr>
+          <a:xfrm>
+            <a:off x="5158019" y="640451"/>
+            <a:ext cx="1707519" cy="646331"/>
+          </a:xfrm>
+          <a:prstGeom prst="rect">
+            <a:avLst/>
+          </a:prstGeom>
+          <a:noFill/>
+        </p:spPr>
+        <p:txBody>
+          <a:bodyPr wrap="none" rtlCol="0">
+            <a:spAutoFit/>
+          </a:bodyPr>
+          <a:lstStyle/>
+          <a:p>
+            <a:r>
+              <a:rPr lang="en-US" altLang="zh-TW" sz="3600" dirty="0">
+                <a:solidFill>
+                  <a:schemeClr val="bg1"/>
+                </a:solidFill>
+              </a:rPr>
+              <a:t>Context</a:t>
+            </a:r>
+            <a:endParaRPr lang="zh-TW" altLang="en-US" sz="3600" dirty="0">
+              <a:solidFill>
+                <a:schemeClr val="bg1"/>
+              </a:solidFill>
+            </a:endParaRPr>
+          </a:p>
+        </p:txBody>
+      </p:sp>
+      <p:sp>
+        <p:nvSpPr>
+          <p:cNvPr id="7" name="文字方塊 6">
+            <a:extLst>
+              <a:ext uri="{FF2B5EF4-FFF2-40B4-BE49-F238E27FC236}">
+                <a16:creationId xmlns:a16="http://schemas.microsoft.com/office/drawing/2014/main" id="{B7D5DFE0-9005-4DB6-880A-2FEBF60CCA77}"/>
+              </a:ext>
+            </a:extLst>
+          </p:cNvPr>
+          <p:cNvSpPr txBox="1"/>
+          <p:nvPr/>
+        </p:nvSpPr>
+        <p:spPr>
+          <a:xfrm>
+            <a:off x="5112333" y="1591279"/>
+            <a:ext cx="1798890" cy="646331"/>
+          </a:xfrm>
+          <a:prstGeom prst="rect">
+            <a:avLst/>
+          </a:prstGeom>
+          <a:noFill/>
+        </p:spPr>
+        <p:txBody>
+          <a:bodyPr wrap="none" rtlCol="0">
+            <a:spAutoFit/>
+          </a:bodyPr>
+          <a:lstStyle/>
+          <a:p>
+            <a:r>
+              <a:rPr lang="en-US" altLang="zh-TW" sz="3600" dirty="0">
+                <a:solidFill>
+                  <a:schemeClr val="bg1"/>
+                </a:solidFill>
+              </a:rPr>
+              <a:t>Provider</a:t>
+            </a:r>
+            <a:endParaRPr lang="zh-TW" altLang="en-US" sz="3600" dirty="0">
+              <a:solidFill>
+                <a:schemeClr val="bg1"/>
+              </a:solidFill>
+            </a:endParaRPr>
+          </a:p>
+        </p:txBody>
+      </p:sp>
+      <p:sp>
+        <p:nvSpPr>
+          <p:cNvPr id="8" name="文字方塊 7">
+            <a:extLst>
+              <a:ext uri="{FF2B5EF4-FFF2-40B4-BE49-F238E27FC236}">
+                <a16:creationId xmlns:a16="http://schemas.microsoft.com/office/drawing/2014/main" id="{85542BD5-0259-4451-98D2-1727CCBFF057}"/>
+              </a:ext>
+            </a:extLst>
+          </p:cNvPr>
+          <p:cNvSpPr txBox="1"/>
+          <p:nvPr/>
+        </p:nvSpPr>
+        <p:spPr>
+          <a:xfrm>
+            <a:off x="4942414" y="2650322"/>
+            <a:ext cx="2138727" cy="646331"/>
+          </a:xfrm>
+          <a:prstGeom prst="rect">
+            <a:avLst/>
+          </a:prstGeom>
+          <a:noFill/>
+        </p:spPr>
+        <p:txBody>
+          <a:bodyPr wrap="none" rtlCol="0">
+            <a:spAutoFit/>
+          </a:bodyPr>
+          <a:lstStyle/>
+          <a:p>
+            <a:r>
+              <a:rPr lang="en-US" altLang="zh-TW" sz="3600" dirty="0">
+                <a:solidFill>
+                  <a:schemeClr val="bg1"/>
+                </a:solidFill>
+              </a:rPr>
+              <a:t>Consumer</a:t>
+            </a:r>
+            <a:endParaRPr lang="zh-TW" altLang="en-US" sz="3600" dirty="0">
+              <a:solidFill>
+                <a:schemeClr val="bg1"/>
+              </a:solidFill>
+            </a:endParaRPr>
+          </a:p>
+        </p:txBody>
+      </p:sp>
+      <p:sp>
+        <p:nvSpPr>
+          <p:cNvPr id="10" name="矩形 9">
+            <a:extLst>
+              <a:ext uri="{FF2B5EF4-FFF2-40B4-BE49-F238E27FC236}">
+                <a16:creationId xmlns:a16="http://schemas.microsoft.com/office/drawing/2014/main" id="{613322EC-C22A-48AB-B0C5-054437A4F540}"/>
+              </a:ext>
+            </a:extLst>
+          </p:cNvPr>
+          <p:cNvSpPr/>
+          <p:nvPr/>
+        </p:nvSpPr>
+        <p:spPr>
+          <a:xfrm>
+            <a:off x="3575286" y="3512131"/>
+            <a:ext cx="5041428" cy="1922387"/>
+          </a:xfrm>
+          <a:prstGeom prst="rect">
+            <a:avLst/>
+          </a:prstGeom>
+        </p:spPr>
+        <p:style>
+          <a:lnRef idx="3">
+            <a:schemeClr val="lt1"/>
+          </a:lnRef>
+          <a:fillRef idx="1">
+            <a:schemeClr val="accent1"/>
+          </a:fillRef>
+          <a:effectRef idx="1">
+            <a:schemeClr val="accent1"/>
+          </a:effectRef>
+          <a:fontRef idx="minor">
+            <a:schemeClr val="lt1"/>
+          </a:fontRef>
+        </p:style>
+        <p:txBody>
+          <a:bodyPr rtlCol="0" anchor="ctr"/>
+          <a:lstStyle/>
+          <a:p>
+            <a:pPr algn="ctr"/>
+            <a:endParaRPr lang="zh-TW" altLang="en-US"/>
+          </a:p>
+        </p:txBody>
+      </p:sp>
+      <p:sp>
+        <p:nvSpPr>
+          <p:cNvPr id="9" name="文字方塊 8">
+            <a:extLst>
+              <a:ext uri="{FF2B5EF4-FFF2-40B4-BE49-F238E27FC236}">
+                <a16:creationId xmlns:a16="http://schemas.microsoft.com/office/drawing/2014/main" id="{87C48027-2D3D-401C-A443-C65000FAA4B2}"/>
+              </a:ext>
+            </a:extLst>
+          </p:cNvPr>
+          <p:cNvSpPr txBox="1"/>
+          <p:nvPr/>
+        </p:nvSpPr>
+        <p:spPr>
+          <a:xfrm>
+            <a:off x="4849151" y="4150158"/>
+            <a:ext cx="2325252" cy="646331"/>
+          </a:xfrm>
+          <a:prstGeom prst="rect">
+            <a:avLst/>
+          </a:prstGeom>
+          <a:noFill/>
+        </p:spPr>
+        <p:txBody>
+          <a:bodyPr wrap="none" rtlCol="0">
+            <a:spAutoFit/>
+          </a:bodyPr>
+          <a:lstStyle/>
+          <a:p>
+            <a:r>
+              <a:rPr lang="en-US" altLang="zh-TW" sz="3600" dirty="0">
+                <a:solidFill>
+                  <a:schemeClr val="bg1"/>
+                </a:solidFill>
+              </a:rPr>
+              <a:t>React node</a:t>
+            </a:r>
+            <a:endParaRPr lang="zh-TW" altLang="en-US" sz="3600" dirty="0">
+              <a:solidFill>
+                <a:schemeClr val="bg1"/>
+              </a:solidFill>
+            </a:endParaRPr>
           </a:p>
         </p:txBody>
       </p:sp>
     </p:spTree>
     <p:extLst>
       <p:ext uri="{BB962C8B-B14F-4D97-AF65-F5344CB8AC3E}">
-        <p14:creationId xmlns:p14="http://schemas.microsoft.com/office/powerpoint/2010/main" val="664482348"/>
+        <p14:creationId xmlns:p14="http://schemas.microsoft.com/office/powerpoint/2010/main" val="302580483"/>
       </p:ext>
     </p:extLst>
   </p:cSld>
@@ -10505,7 +12722,13 @@
       </p:grpSpPr>
       <p:sp>
         <p:nvSpPr>
-          <p:cNvPr id="3" name="投影片編號版面配置區 2"/>
+          <p:cNvPr id="2" name="投影片編號版面配置區 1">
+            <a:extLst>
+              <a:ext uri="{FF2B5EF4-FFF2-40B4-BE49-F238E27FC236}">
+                <a16:creationId xmlns:a16="http://schemas.microsoft.com/office/drawing/2014/main" id="{5321DC1F-7624-4F57-B673-3C48399B9283}"/>
+              </a:ext>
+            </a:extLst>
+          </p:cNvPr>
           <p:cNvSpPr>
             <a:spLocks noGrp="1"/>
           </p:cNvSpPr>
@@ -10527,10 +12750,190 @@
           </a:p>
         </p:txBody>
       </p:sp>
+      <p:sp>
+        <p:nvSpPr>
+          <p:cNvPr id="3" name="文字版面配置區 2">
+            <a:extLst>
+              <a:ext uri="{FF2B5EF4-FFF2-40B4-BE49-F238E27FC236}">
+                <a16:creationId xmlns:a16="http://schemas.microsoft.com/office/drawing/2014/main" id="{96931718-23C2-4D8C-9172-96D6394F2897}"/>
+              </a:ext>
+            </a:extLst>
+          </p:cNvPr>
+          <p:cNvSpPr>
+            <a:spLocks noGrp="1"/>
+          </p:cNvSpPr>
+          <p:nvPr>
+            <p:ph type="body" sz="quarter" idx="13"/>
+          </p:nvPr>
+        </p:nvSpPr>
+        <p:spPr/>
+        <p:txBody>
+          <a:bodyPr/>
+          <a:lstStyle/>
+          <a:p>
+            <a:r>
+              <a:rPr lang="en-US" altLang="zh-TW" dirty="0" err="1">
+                <a:latin typeface="+mn-ea"/>
+              </a:rPr>
+              <a:t>useRef</a:t>
+            </a:r>
+            <a:r>
+              <a:rPr lang="en-US" altLang="zh-TW" dirty="0">
+                <a:latin typeface="+mj-ea"/>
+              </a:rPr>
+              <a:t>( )</a:t>
+            </a:r>
+            <a:endParaRPr lang="zh-TW" altLang="en-US" dirty="0">
+              <a:latin typeface="+mj-ea"/>
+            </a:endParaRPr>
+          </a:p>
+        </p:txBody>
+      </p:sp>
+      <p:sp>
+        <p:nvSpPr>
+          <p:cNvPr id="4" name="文字方塊 3">
+            <a:extLst>
+              <a:ext uri="{FF2B5EF4-FFF2-40B4-BE49-F238E27FC236}">
+                <a16:creationId xmlns:a16="http://schemas.microsoft.com/office/drawing/2014/main" id="{DF8B345D-3869-4034-AA89-9F820872C68B}"/>
+              </a:ext>
+            </a:extLst>
+          </p:cNvPr>
+          <p:cNvSpPr txBox="1"/>
+          <p:nvPr/>
+        </p:nvSpPr>
+        <p:spPr>
+          <a:xfrm>
+            <a:off x="1362171" y="1884732"/>
+            <a:ext cx="8587945" cy="2217851"/>
+          </a:xfrm>
+          <a:prstGeom prst="rect">
+            <a:avLst/>
+          </a:prstGeom>
+          <a:noFill/>
+        </p:spPr>
+        <p:txBody>
+          <a:bodyPr wrap="square" rtlCol="0">
+            <a:spAutoFit/>
+          </a:bodyPr>
+          <a:lstStyle/>
+          <a:p>
+            <a:pPr marL="457200" indent="-457200">
+              <a:lnSpc>
+                <a:spcPct val="150000"/>
+              </a:lnSpc>
+              <a:buFont typeface="Arial" panose="020B0604020202020204" pitchFamily="34" charset="0"/>
+              <a:buChar char="•"/>
+            </a:pPr>
+            <a:r>
+              <a:rPr lang="zh-TW" altLang="en-US" sz="3200" dirty="0">
+                <a:solidFill>
+                  <a:schemeClr val="bg1">
+                    <a:lumMod val="75000"/>
+                  </a:schemeClr>
+                </a:solidFill>
+                <a:latin typeface="+mn-ea"/>
+              </a:rPr>
+              <a:t>通常用於抓取到 </a:t>
+            </a:r>
+            <a:r>
+              <a:rPr lang="en-US" altLang="zh-TW" sz="3200" dirty="0">
+                <a:solidFill>
+                  <a:schemeClr val="bg1">
+                    <a:lumMod val="75000"/>
+                  </a:schemeClr>
+                </a:solidFill>
+                <a:latin typeface="+mn-ea"/>
+              </a:rPr>
+              <a:t>DOM </a:t>
+            </a:r>
+            <a:r>
+              <a:rPr lang="zh-TW" altLang="en-US" sz="3200" dirty="0">
+                <a:solidFill>
+                  <a:schemeClr val="bg1">
+                    <a:lumMod val="75000"/>
+                  </a:schemeClr>
+                </a:solidFill>
+                <a:latin typeface="+mn-ea"/>
+              </a:rPr>
+              <a:t>節點</a:t>
+            </a:r>
+            <a:endParaRPr lang="en-US" altLang="zh-TW" sz="3200" dirty="0">
+              <a:solidFill>
+                <a:schemeClr val="bg1">
+                  <a:lumMod val="75000"/>
+                </a:schemeClr>
+              </a:solidFill>
+              <a:latin typeface="+mn-ea"/>
+            </a:endParaRPr>
+          </a:p>
+          <a:p>
+            <a:pPr marL="457200" indent="-457200">
+              <a:lnSpc>
+                <a:spcPct val="150000"/>
+              </a:lnSpc>
+              <a:buFont typeface="Arial" panose="020B0604020202020204" pitchFamily="34" charset="0"/>
+              <a:buChar char="•"/>
+            </a:pPr>
+            <a:r>
+              <a:rPr lang="zh-TW" altLang="en-US" sz="3200" dirty="0">
+                <a:solidFill>
+                  <a:schemeClr val="bg1">
+                    <a:lumMod val="75000"/>
+                  </a:schemeClr>
+                </a:solidFill>
+                <a:latin typeface="+mn-ea"/>
+              </a:rPr>
+              <a:t>不會觸發 </a:t>
+            </a:r>
+            <a:r>
+              <a:rPr lang="en-US" altLang="zh-TW" sz="3200" dirty="0">
+                <a:solidFill>
+                  <a:schemeClr val="bg1">
+                    <a:lumMod val="75000"/>
+                  </a:schemeClr>
+                </a:solidFill>
+                <a:latin typeface="+mn-ea"/>
+              </a:rPr>
+              <a:t>re-render</a:t>
+            </a:r>
+          </a:p>
+          <a:p>
+            <a:pPr marL="457200" indent="-457200">
+              <a:lnSpc>
+                <a:spcPct val="150000"/>
+              </a:lnSpc>
+              <a:buFont typeface="Arial" panose="020B0604020202020204" pitchFamily="34" charset="0"/>
+              <a:buChar char="•"/>
+            </a:pPr>
+            <a:r>
+              <a:rPr lang="zh-TW" altLang="en-US" sz="3200" dirty="0">
+                <a:solidFill>
+                  <a:schemeClr val="bg1">
+                    <a:lumMod val="75000"/>
+                  </a:schemeClr>
+                </a:solidFill>
+                <a:latin typeface="+mn-ea"/>
+              </a:rPr>
+              <a:t>自建一個 </a:t>
+            </a:r>
+            <a:r>
+              <a:rPr lang="en-US" altLang="zh-TW" sz="3200" dirty="0">
+                <a:solidFill>
+                  <a:schemeClr val="bg1">
+                    <a:lumMod val="75000"/>
+                  </a:schemeClr>
+                </a:solidFill>
+                <a:latin typeface="+mn-ea"/>
+              </a:rPr>
+              <a:t>{current: ...}</a:t>
+            </a:r>
+          </a:p>
+        </p:txBody>
+      </p:sp>
     </p:spTree>
     <p:extLst>
       <p:ext uri="{BB962C8B-B14F-4D97-AF65-F5344CB8AC3E}">
-        <p14:creationId xmlns:p14="http://schemas.microsoft.com/office/powerpoint/2010/main" val="4137861974"/>
+        <p14:creationId xmlns:p14="http://schemas.microsoft.com/office/powerpoint/2010/main" val="2281194327"/>
       </p:ext>
     </p:extLst>
   </p:cSld>
@@ -10571,6 +12974,1420 @@
       </p:grpSpPr>
       <p:sp>
         <p:nvSpPr>
+          <p:cNvPr id="2" name="投影片編號版面配置區 1">
+            <a:extLst>
+              <a:ext uri="{FF2B5EF4-FFF2-40B4-BE49-F238E27FC236}">
+                <a16:creationId xmlns:a16="http://schemas.microsoft.com/office/drawing/2014/main" id="{A8AC08B9-BD6E-4DBA-BB56-A264B2E4591A}"/>
+              </a:ext>
+            </a:extLst>
+          </p:cNvPr>
+          <p:cNvSpPr>
+            <a:spLocks noGrp="1"/>
+          </p:cNvSpPr>
+          <p:nvPr>
+            <p:ph type="sldNum" sz="quarter" idx="12"/>
+          </p:nvPr>
+        </p:nvSpPr>
+        <p:spPr/>
+        <p:txBody>
+          <a:bodyPr/>
+          <a:lstStyle/>
+          <a:p>
+            <a:fld id="{4FAB73BC-B049-4115-A692-8D63A059BFB8}" type="slidenum">
+              <a:rPr lang="en-US" smtClean="0"/>
+              <a:pPr/>
+              <a:t>28</a:t>
+            </a:fld>
+            <a:endParaRPr lang="en-US" dirty="0"/>
+          </a:p>
+        </p:txBody>
+      </p:sp>
+      <p:sp>
+        <p:nvSpPr>
+          <p:cNvPr id="3" name="矩形 2">
+            <a:extLst>
+              <a:ext uri="{FF2B5EF4-FFF2-40B4-BE49-F238E27FC236}">
+                <a16:creationId xmlns:a16="http://schemas.microsoft.com/office/drawing/2014/main" id="{AC797E67-4A73-489F-8DA4-DCD652A8CA38}"/>
+              </a:ext>
+            </a:extLst>
+          </p:cNvPr>
+          <p:cNvSpPr/>
+          <p:nvPr/>
+        </p:nvSpPr>
+        <p:spPr>
+          <a:xfrm>
+            <a:off x="8372845" y="2820723"/>
+            <a:ext cx="1631024" cy="646331"/>
+          </a:xfrm>
+          <a:prstGeom prst="rect">
+            <a:avLst/>
+          </a:prstGeom>
+        </p:spPr>
+        <p:txBody>
+          <a:bodyPr wrap="none">
+            <a:spAutoFit/>
+          </a:bodyPr>
+          <a:lstStyle/>
+          <a:p>
+            <a:r>
+              <a:rPr lang="en-US" altLang="zh-TW" sz="3600" dirty="0" err="1">
+                <a:solidFill>
+                  <a:schemeClr val="bg1"/>
+                </a:solidFill>
+                <a:latin typeface="+mn-ea"/>
+              </a:rPr>
+              <a:t>useRef</a:t>
+            </a:r>
+            <a:endParaRPr lang="zh-TW" altLang="en-US" sz="3600" dirty="0">
+              <a:solidFill>
+                <a:schemeClr val="bg1"/>
+              </a:solidFill>
+            </a:endParaRPr>
+          </a:p>
+        </p:txBody>
+      </p:sp>
+      <p:sp>
+        <p:nvSpPr>
+          <p:cNvPr id="4" name="箭號: 向下 3">
+            <a:extLst>
+              <a:ext uri="{FF2B5EF4-FFF2-40B4-BE49-F238E27FC236}">
+                <a16:creationId xmlns:a16="http://schemas.microsoft.com/office/drawing/2014/main" id="{7C5DD0B4-2386-4760-8BF6-625405FC65DC}"/>
+              </a:ext>
+            </a:extLst>
+          </p:cNvPr>
+          <p:cNvSpPr/>
+          <p:nvPr/>
+        </p:nvSpPr>
+        <p:spPr>
+          <a:xfrm rot="17532736">
+            <a:off x="6023018" y="1354129"/>
+            <a:ext cx="509337" cy="673769"/>
+          </a:xfrm>
+          <a:prstGeom prst="downArrow">
+            <a:avLst/>
+          </a:prstGeom>
+        </p:spPr>
+        <p:style>
+          <a:lnRef idx="2">
+            <a:schemeClr val="accent1">
+              <a:shade val="50000"/>
+            </a:schemeClr>
+          </a:lnRef>
+          <a:fillRef idx="1">
+            <a:schemeClr val="accent1"/>
+          </a:fillRef>
+          <a:effectRef idx="0">
+            <a:schemeClr val="accent1"/>
+          </a:effectRef>
+          <a:fontRef idx="minor">
+            <a:schemeClr val="lt1"/>
+          </a:fontRef>
+        </p:style>
+        <p:txBody>
+          <a:bodyPr rtlCol="0" anchor="ctr"/>
+          <a:lstStyle/>
+          <a:p>
+            <a:pPr algn="ctr"/>
+            <a:endParaRPr lang="zh-TW" altLang="en-US"/>
+          </a:p>
+        </p:txBody>
+      </p:sp>
+      <p:sp>
+        <p:nvSpPr>
+          <p:cNvPr id="5" name="箭號: 向下 4">
+            <a:extLst>
+              <a:ext uri="{FF2B5EF4-FFF2-40B4-BE49-F238E27FC236}">
+                <a16:creationId xmlns:a16="http://schemas.microsoft.com/office/drawing/2014/main" id="{6F972098-D57D-4361-BD32-A5FE9030A2DD}"/>
+              </a:ext>
+            </a:extLst>
+          </p:cNvPr>
+          <p:cNvSpPr/>
+          <p:nvPr/>
+        </p:nvSpPr>
+        <p:spPr>
+          <a:xfrm rot="16200000">
+            <a:off x="5951743" y="2837447"/>
+            <a:ext cx="509337" cy="673769"/>
+          </a:xfrm>
+          <a:prstGeom prst="downArrow">
+            <a:avLst/>
+          </a:prstGeom>
+        </p:spPr>
+        <p:style>
+          <a:lnRef idx="2">
+            <a:schemeClr val="accent1">
+              <a:shade val="50000"/>
+            </a:schemeClr>
+          </a:lnRef>
+          <a:fillRef idx="1">
+            <a:schemeClr val="accent1"/>
+          </a:fillRef>
+          <a:effectRef idx="0">
+            <a:schemeClr val="accent1"/>
+          </a:effectRef>
+          <a:fontRef idx="minor">
+            <a:schemeClr val="lt1"/>
+          </a:fontRef>
+        </p:style>
+        <p:txBody>
+          <a:bodyPr rtlCol="0" anchor="ctr"/>
+          <a:lstStyle/>
+          <a:p>
+            <a:pPr algn="ctr"/>
+            <a:endParaRPr lang="zh-TW" altLang="en-US"/>
+          </a:p>
+        </p:txBody>
+      </p:sp>
+      <p:sp>
+        <p:nvSpPr>
+          <p:cNvPr id="6" name="箭號: 向下 5">
+            <a:extLst>
+              <a:ext uri="{FF2B5EF4-FFF2-40B4-BE49-F238E27FC236}">
+                <a16:creationId xmlns:a16="http://schemas.microsoft.com/office/drawing/2014/main" id="{7AD654CF-B489-461A-B634-75FE845D96A3}"/>
+              </a:ext>
+            </a:extLst>
+          </p:cNvPr>
+          <p:cNvSpPr/>
+          <p:nvPr/>
+        </p:nvSpPr>
+        <p:spPr>
+          <a:xfrm rot="14861105">
+            <a:off x="6023211" y="4321150"/>
+            <a:ext cx="509337" cy="673769"/>
+          </a:xfrm>
+          <a:prstGeom prst="downArrow">
+            <a:avLst/>
+          </a:prstGeom>
+        </p:spPr>
+        <p:style>
+          <a:lnRef idx="2">
+            <a:schemeClr val="accent1">
+              <a:shade val="50000"/>
+            </a:schemeClr>
+          </a:lnRef>
+          <a:fillRef idx="1">
+            <a:schemeClr val="accent1"/>
+          </a:fillRef>
+          <a:effectRef idx="0">
+            <a:schemeClr val="accent1"/>
+          </a:effectRef>
+          <a:fontRef idx="minor">
+            <a:schemeClr val="lt1"/>
+          </a:fontRef>
+        </p:style>
+        <p:txBody>
+          <a:bodyPr rtlCol="0" anchor="ctr"/>
+          <a:lstStyle/>
+          <a:p>
+            <a:pPr algn="ctr"/>
+            <a:endParaRPr lang="zh-TW" altLang="en-US"/>
+          </a:p>
+        </p:txBody>
+      </p:sp>
+      <p:sp>
+        <p:nvSpPr>
+          <p:cNvPr id="7" name="文字方塊 6">
+            <a:extLst>
+              <a:ext uri="{FF2B5EF4-FFF2-40B4-BE49-F238E27FC236}">
+                <a16:creationId xmlns:a16="http://schemas.microsoft.com/office/drawing/2014/main" id="{58A20A45-6B5C-44FA-8DFB-A9504B38B191}"/>
+              </a:ext>
+            </a:extLst>
+          </p:cNvPr>
+          <p:cNvSpPr txBox="1"/>
+          <p:nvPr/>
+        </p:nvSpPr>
+        <p:spPr>
+          <a:xfrm>
+            <a:off x="2117558" y="1035500"/>
+            <a:ext cx="3404937" cy="584775"/>
+          </a:xfrm>
+          <a:prstGeom prst="rect">
+            <a:avLst/>
+          </a:prstGeom>
+          <a:noFill/>
+        </p:spPr>
+        <p:txBody>
+          <a:bodyPr wrap="square" rtlCol="0">
+            <a:spAutoFit/>
+          </a:bodyPr>
+          <a:lstStyle/>
+          <a:p>
+            <a:r>
+              <a:rPr lang="en-US" altLang="zh-TW" sz="3200" dirty="0">
+                <a:solidFill>
+                  <a:schemeClr val="bg1"/>
+                </a:solidFill>
+                <a:latin typeface="Adobe 繁黑體 Std B" panose="020B0700000000000000" pitchFamily="34" charset="-120"/>
+                <a:ea typeface="Adobe 繁黑體 Std B" panose="020B0700000000000000" pitchFamily="34" charset="-120"/>
+              </a:rPr>
+              <a:t>&lt;</a:t>
+            </a:r>
+            <a:r>
+              <a:rPr lang="en-US" altLang="zh-TW" sz="3200" dirty="0">
+                <a:solidFill>
+                  <a:srgbClr val="FF0000"/>
+                </a:solidFill>
+                <a:latin typeface="Adobe 繁黑體 Std B" panose="020B0700000000000000" pitchFamily="34" charset="-120"/>
+                <a:ea typeface="Adobe 繁黑體 Std B" panose="020B0700000000000000" pitchFamily="34" charset="-120"/>
+              </a:rPr>
+              <a:t>input</a:t>
+            </a:r>
+            <a:r>
+              <a:rPr lang="en-US" altLang="zh-TW" sz="3200" dirty="0">
+                <a:solidFill>
+                  <a:schemeClr val="bg1"/>
+                </a:solidFill>
+                <a:latin typeface="Adobe 繁黑體 Std B" panose="020B0700000000000000" pitchFamily="34" charset="-120"/>
+                <a:ea typeface="Adobe 繁黑體 Std B" panose="020B0700000000000000" pitchFamily="34" charset="-120"/>
+              </a:rPr>
+              <a:t>  /&gt;</a:t>
+            </a:r>
+            <a:endParaRPr lang="zh-TW" altLang="en-US" sz="3200" dirty="0">
+              <a:solidFill>
+                <a:schemeClr val="bg1"/>
+              </a:solidFill>
+              <a:latin typeface="Adobe 繁黑體 Std B" panose="020B0700000000000000" pitchFamily="34" charset="-120"/>
+              <a:ea typeface="Adobe 繁黑體 Std B" panose="020B0700000000000000" pitchFamily="34" charset="-120"/>
+            </a:endParaRPr>
+          </a:p>
+        </p:txBody>
+      </p:sp>
+      <p:sp>
+        <p:nvSpPr>
+          <p:cNvPr id="8" name="文字方塊 7">
+            <a:extLst>
+              <a:ext uri="{FF2B5EF4-FFF2-40B4-BE49-F238E27FC236}">
+                <a16:creationId xmlns:a16="http://schemas.microsoft.com/office/drawing/2014/main" id="{EC339242-C056-491A-92C5-E6D9D8D58DF9}"/>
+              </a:ext>
+            </a:extLst>
+          </p:cNvPr>
+          <p:cNvSpPr txBox="1"/>
+          <p:nvPr/>
+        </p:nvSpPr>
+        <p:spPr>
+          <a:xfrm>
+            <a:off x="2116687" y="2919662"/>
+            <a:ext cx="3404937" cy="584775"/>
+          </a:xfrm>
+          <a:prstGeom prst="rect">
+            <a:avLst/>
+          </a:prstGeom>
+          <a:noFill/>
+        </p:spPr>
+        <p:txBody>
+          <a:bodyPr wrap="square" rtlCol="0">
+            <a:spAutoFit/>
+          </a:bodyPr>
+          <a:lstStyle/>
+          <a:p>
+            <a:r>
+              <a:rPr lang="en-US" altLang="zh-TW" sz="3200" dirty="0">
+                <a:solidFill>
+                  <a:schemeClr val="bg1"/>
+                </a:solidFill>
+                <a:latin typeface="Adobe 繁黑體 Std B" panose="020B0700000000000000" pitchFamily="34" charset="-120"/>
+                <a:ea typeface="Adobe 繁黑體 Std B" panose="020B0700000000000000" pitchFamily="34" charset="-120"/>
+              </a:rPr>
+              <a:t>&lt;</a:t>
+            </a:r>
+            <a:r>
+              <a:rPr lang="en-US" altLang="zh-TW" sz="3200" dirty="0">
+                <a:solidFill>
+                  <a:srgbClr val="FF0000"/>
+                </a:solidFill>
+                <a:latin typeface="Adobe 繁黑體 Std B" panose="020B0700000000000000" pitchFamily="34" charset="-120"/>
+                <a:ea typeface="Adobe 繁黑體 Std B" panose="020B0700000000000000" pitchFamily="34" charset="-120"/>
+              </a:rPr>
+              <a:t>text</a:t>
+            </a:r>
+            <a:r>
+              <a:rPr lang="en-US" altLang="zh-TW" sz="3200" dirty="0">
+                <a:solidFill>
+                  <a:schemeClr val="bg1"/>
+                </a:solidFill>
+                <a:latin typeface="Adobe 繁黑體 Std B" panose="020B0700000000000000" pitchFamily="34" charset="-120"/>
+                <a:ea typeface="Adobe 繁黑體 Std B" panose="020B0700000000000000" pitchFamily="34" charset="-120"/>
+              </a:rPr>
+              <a:t>  /&gt;</a:t>
+            </a:r>
+            <a:endParaRPr lang="zh-TW" altLang="en-US" sz="3200" dirty="0">
+              <a:solidFill>
+                <a:schemeClr val="bg1"/>
+              </a:solidFill>
+              <a:latin typeface="Adobe 繁黑體 Std B" panose="020B0700000000000000" pitchFamily="34" charset="-120"/>
+              <a:ea typeface="Adobe 繁黑體 Std B" panose="020B0700000000000000" pitchFamily="34" charset="-120"/>
+            </a:endParaRPr>
+          </a:p>
+        </p:txBody>
+      </p:sp>
+      <p:sp>
+        <p:nvSpPr>
+          <p:cNvPr id="9" name="文字方塊 8">
+            <a:extLst>
+              <a:ext uri="{FF2B5EF4-FFF2-40B4-BE49-F238E27FC236}">
+                <a16:creationId xmlns:a16="http://schemas.microsoft.com/office/drawing/2014/main" id="{388BA6DF-3F06-4732-A828-A61C5321AF55}"/>
+              </a:ext>
+            </a:extLst>
+          </p:cNvPr>
+          <p:cNvSpPr txBox="1"/>
+          <p:nvPr/>
+        </p:nvSpPr>
+        <p:spPr>
+          <a:xfrm>
+            <a:off x="2116686" y="4511436"/>
+            <a:ext cx="3404937" cy="584775"/>
+          </a:xfrm>
+          <a:prstGeom prst="rect">
+            <a:avLst/>
+          </a:prstGeom>
+          <a:noFill/>
+        </p:spPr>
+        <p:txBody>
+          <a:bodyPr wrap="square" rtlCol="0">
+            <a:spAutoFit/>
+          </a:bodyPr>
+          <a:lstStyle/>
+          <a:p>
+            <a:r>
+              <a:rPr lang="en-US" altLang="zh-TW" sz="3200" dirty="0">
+                <a:solidFill>
+                  <a:schemeClr val="bg1"/>
+                </a:solidFill>
+                <a:latin typeface="Adobe 繁黑體 Std B" panose="020B0700000000000000" pitchFamily="34" charset="-120"/>
+                <a:ea typeface="Adobe 繁黑體 Std B" panose="020B0700000000000000" pitchFamily="34" charset="-120"/>
+              </a:rPr>
+              <a:t>&lt;</a:t>
+            </a:r>
+            <a:r>
+              <a:rPr lang="en-US" altLang="zh-TW" sz="3200" dirty="0">
+                <a:solidFill>
+                  <a:srgbClr val="FF0000"/>
+                </a:solidFill>
+                <a:latin typeface="Adobe 繁黑體 Std B" panose="020B0700000000000000" pitchFamily="34" charset="-120"/>
+                <a:ea typeface="Adobe 繁黑體 Std B" panose="020B0700000000000000" pitchFamily="34" charset="-120"/>
+              </a:rPr>
+              <a:t>button</a:t>
+            </a:r>
+            <a:r>
+              <a:rPr lang="en-US" altLang="zh-TW" sz="3200" dirty="0">
+                <a:solidFill>
+                  <a:schemeClr val="bg1"/>
+                </a:solidFill>
+                <a:latin typeface="Adobe 繁黑體 Std B" panose="020B0700000000000000" pitchFamily="34" charset="-120"/>
+                <a:ea typeface="Adobe 繁黑體 Std B" panose="020B0700000000000000" pitchFamily="34" charset="-120"/>
+              </a:rPr>
+              <a:t>  /&gt;</a:t>
+            </a:r>
+            <a:endParaRPr lang="zh-TW" altLang="en-US" sz="3200" dirty="0">
+              <a:solidFill>
+                <a:schemeClr val="bg1"/>
+              </a:solidFill>
+              <a:latin typeface="Adobe 繁黑體 Std B" panose="020B0700000000000000" pitchFamily="34" charset="-120"/>
+              <a:ea typeface="Adobe 繁黑體 Std B" panose="020B0700000000000000" pitchFamily="34" charset="-120"/>
+            </a:endParaRPr>
+          </a:p>
+        </p:txBody>
+      </p:sp>
+    </p:spTree>
+    <p:extLst>
+      <p:ext uri="{BB962C8B-B14F-4D97-AF65-F5344CB8AC3E}">
+        <p14:creationId xmlns:p14="http://schemas.microsoft.com/office/powerpoint/2010/main" val="1154559094"/>
+      </p:ext>
+    </p:extLst>
+  </p:cSld>
+  <p:clrMapOvr>
+    <a:masterClrMapping/>
+  </p:clrMapOvr>
+  <mc:AlternateContent xmlns:mc="http://schemas.openxmlformats.org/markup-compatibility/2006" xmlns:p14="http://schemas.microsoft.com/office/powerpoint/2010/main">
+    <mc:Choice Requires="p14">
+      <p:transition p14:dur="160">
+        <p:fade/>
+      </p:transition>
+    </mc:Choice>
+    <mc:Fallback xmlns="">
+      <p:transition>
+        <p:fade/>
+      </p:transition>
+    </mc:Fallback>
+  </mc:AlternateContent>
+</p:sld>
+</file>
+
+<file path=ppt/slides/slide29.xml><?xml version="1.0" encoding="utf-8"?>
+<p:sld xmlns:a="http://schemas.openxmlformats.org/drawingml/2006/main" xmlns:r="http://schemas.openxmlformats.org/officeDocument/2006/relationships" xmlns:p="http://schemas.openxmlformats.org/presentationml/2006/main">
+  <p:cSld>
+    <p:spTree>
+      <p:nvGrpSpPr>
+        <p:cNvPr id="1" name=""/>
+        <p:cNvGrpSpPr/>
+        <p:nvPr/>
+      </p:nvGrpSpPr>
+      <p:grpSpPr>
+        <a:xfrm>
+          <a:off x="0" y="0"/>
+          <a:ext cx="0" cy="0"/>
+          <a:chOff x="0" y="0"/>
+          <a:chExt cx="0" cy="0"/>
+        </a:xfrm>
+      </p:grpSpPr>
+      <p:sp>
+        <p:nvSpPr>
+          <p:cNvPr id="2" name="投影片編號版面配置區 1">
+            <a:extLst>
+              <a:ext uri="{FF2B5EF4-FFF2-40B4-BE49-F238E27FC236}">
+                <a16:creationId xmlns:a16="http://schemas.microsoft.com/office/drawing/2014/main" id="{EE7A8781-9AE9-4E94-A07C-D651D6501E1E}"/>
+              </a:ext>
+            </a:extLst>
+          </p:cNvPr>
+          <p:cNvSpPr>
+            <a:spLocks noGrp="1"/>
+          </p:cNvSpPr>
+          <p:nvPr>
+            <p:ph type="sldNum" sz="quarter" idx="12"/>
+          </p:nvPr>
+        </p:nvSpPr>
+        <p:spPr/>
+        <p:txBody>
+          <a:bodyPr/>
+          <a:lstStyle/>
+          <a:p>
+            <a:fld id="{4FAB73BC-B049-4115-A692-8D63A059BFB8}" type="slidenum">
+              <a:rPr lang="en-US" smtClean="0"/>
+              <a:pPr/>
+              <a:t>29</a:t>
+            </a:fld>
+            <a:endParaRPr lang="en-US" dirty="0"/>
+          </a:p>
+        </p:txBody>
+      </p:sp>
+      <p:sp>
+        <p:nvSpPr>
+          <p:cNvPr id="3" name="文字版面配置區 2">
+            <a:extLst>
+              <a:ext uri="{FF2B5EF4-FFF2-40B4-BE49-F238E27FC236}">
+                <a16:creationId xmlns:a16="http://schemas.microsoft.com/office/drawing/2014/main" id="{026D63AC-80B9-49D9-86AF-A14DF6546396}"/>
+              </a:ext>
+            </a:extLst>
+          </p:cNvPr>
+          <p:cNvSpPr>
+            <a:spLocks noGrp="1"/>
+          </p:cNvSpPr>
+          <p:nvPr>
+            <p:ph type="body" sz="quarter" idx="13"/>
+          </p:nvPr>
+        </p:nvSpPr>
+        <p:spPr/>
+        <p:txBody>
+          <a:bodyPr/>
+          <a:lstStyle/>
+          <a:p>
+            <a:r>
+              <a:rPr lang="zh-TW" altLang="en-US" dirty="0"/>
+              <a:t>結構</a:t>
+            </a:r>
+          </a:p>
+        </p:txBody>
+      </p:sp>
+      <p:sp>
+        <p:nvSpPr>
+          <p:cNvPr id="4" name="文字方塊 3">
+            <a:extLst>
+              <a:ext uri="{FF2B5EF4-FFF2-40B4-BE49-F238E27FC236}">
+                <a16:creationId xmlns:a16="http://schemas.microsoft.com/office/drawing/2014/main" id="{C33D64EF-CD04-4D48-A32C-F8983636DFAA}"/>
+              </a:ext>
+            </a:extLst>
+          </p:cNvPr>
+          <p:cNvSpPr txBox="1"/>
+          <p:nvPr/>
+        </p:nvSpPr>
+        <p:spPr>
+          <a:xfrm>
+            <a:off x="3546262" y="1639098"/>
+            <a:ext cx="5445722" cy="584775"/>
+          </a:xfrm>
+          <a:prstGeom prst="rect">
+            <a:avLst/>
+          </a:prstGeom>
+          <a:noFill/>
+        </p:spPr>
+        <p:txBody>
+          <a:bodyPr wrap="none" rtlCol="0">
+            <a:spAutoFit/>
+          </a:bodyPr>
+          <a:lstStyle/>
+          <a:p>
+            <a:pPr algn="ctr"/>
+            <a:r>
+              <a:rPr lang="en-US" altLang="zh-TW" sz="3200" spc="300" dirty="0">
+                <a:solidFill>
+                  <a:schemeClr val="accent5">
+                    <a:lumMod val="60000"/>
+                    <a:lumOff val="40000"/>
+                  </a:schemeClr>
+                </a:solidFill>
+                <a:latin typeface="Adobe 繁黑體 Std B" panose="020B0700000000000000" pitchFamily="34" charset="-120"/>
+                <a:ea typeface="Adobe 繁黑體 Std B" panose="020B0700000000000000" pitchFamily="34" charset="-120"/>
+              </a:rPr>
+              <a:t>Const</a:t>
+            </a:r>
+            <a:r>
+              <a:rPr lang="en-US" altLang="zh-TW" sz="3200" spc="300" dirty="0">
+                <a:solidFill>
+                  <a:schemeClr val="bg1">
+                    <a:lumMod val="85000"/>
+                  </a:schemeClr>
+                </a:solidFill>
+                <a:latin typeface="Adobe 繁黑體 Std B" panose="020B0700000000000000" pitchFamily="34" charset="-120"/>
+                <a:ea typeface="Adobe 繁黑體 Std B" panose="020B0700000000000000" pitchFamily="34" charset="-120"/>
+              </a:rPr>
+              <a:t>	</a:t>
+            </a:r>
+            <a:r>
+              <a:rPr lang="en-US" altLang="zh-TW" sz="3200" spc="300" dirty="0" err="1">
+                <a:solidFill>
+                  <a:schemeClr val="accent2">
+                    <a:lumMod val="60000"/>
+                    <a:lumOff val="40000"/>
+                  </a:schemeClr>
+                </a:solidFill>
+                <a:latin typeface="Adobe 繁黑體 Std B" panose="020B0700000000000000" pitchFamily="34" charset="-120"/>
+                <a:ea typeface="Adobe 繁黑體 Std B" panose="020B0700000000000000" pitchFamily="34" charset="-120"/>
+              </a:rPr>
+              <a:t>myRef</a:t>
+            </a:r>
+            <a:r>
+              <a:rPr lang="en-US" altLang="zh-TW" sz="3200" spc="300" dirty="0">
+                <a:solidFill>
+                  <a:schemeClr val="accent2">
+                    <a:lumMod val="60000"/>
+                    <a:lumOff val="40000"/>
+                  </a:schemeClr>
+                </a:solidFill>
+                <a:latin typeface="Adobe 繁黑體 Std B" panose="020B0700000000000000" pitchFamily="34" charset="-120"/>
+                <a:ea typeface="Adobe 繁黑體 Std B" panose="020B0700000000000000" pitchFamily="34" charset="-120"/>
+              </a:rPr>
+              <a:t>	 </a:t>
+            </a:r>
+            <a:r>
+              <a:rPr lang="en-US" altLang="zh-TW" sz="3200" spc="300" dirty="0">
+                <a:solidFill>
+                  <a:schemeClr val="bg1">
+                    <a:lumMod val="85000"/>
+                  </a:schemeClr>
+                </a:solidFill>
+                <a:latin typeface="Adobe 繁黑體 Std B" panose="020B0700000000000000" pitchFamily="34" charset="-120"/>
+                <a:ea typeface="Adobe 繁黑體 Std B" panose="020B0700000000000000" pitchFamily="34" charset="-120"/>
+              </a:rPr>
+              <a:t>= </a:t>
+            </a:r>
+            <a:r>
+              <a:rPr lang="en-US" altLang="zh-TW" sz="3200" dirty="0" err="1">
+                <a:solidFill>
+                  <a:schemeClr val="bg1"/>
+                </a:solidFill>
+                <a:latin typeface="Adobe 繁黑體 Std B" panose="020B0700000000000000" pitchFamily="34" charset="-120"/>
+                <a:ea typeface="Adobe 繁黑體 Std B" panose="020B0700000000000000" pitchFamily="34" charset="-120"/>
+              </a:rPr>
+              <a:t>useRef</a:t>
+            </a:r>
+            <a:r>
+              <a:rPr lang="en-US" altLang="zh-TW" sz="3200" dirty="0">
+                <a:solidFill>
+                  <a:schemeClr val="bg1"/>
+                </a:solidFill>
+                <a:latin typeface="Adobe 繁黑體 Std B" panose="020B0700000000000000" pitchFamily="34" charset="-120"/>
+                <a:ea typeface="Adobe 繁黑體 Std B" panose="020B0700000000000000" pitchFamily="34" charset="-120"/>
+              </a:rPr>
+              <a:t>(  )</a:t>
+            </a:r>
+            <a:r>
+              <a:rPr lang="en-US" altLang="zh-TW" sz="3200" spc="300" dirty="0">
+                <a:solidFill>
+                  <a:schemeClr val="bg1"/>
+                </a:solidFill>
+                <a:latin typeface="Adobe 繁黑體 Std B" panose="020B0700000000000000" pitchFamily="34" charset="-120"/>
+                <a:ea typeface="Adobe 繁黑體 Std B" panose="020B0700000000000000" pitchFamily="34" charset="-120"/>
+              </a:rPr>
+              <a:t> </a:t>
+            </a:r>
+            <a:endParaRPr lang="zh-TW" altLang="en-US" sz="3200" spc="300" dirty="0">
+              <a:solidFill>
+                <a:schemeClr val="bg1"/>
+              </a:solidFill>
+              <a:latin typeface="Adobe 繁黑體 Std B" panose="020B0700000000000000" pitchFamily="34" charset="-120"/>
+              <a:ea typeface="Adobe 繁黑體 Std B" panose="020B0700000000000000" pitchFamily="34" charset="-120"/>
+            </a:endParaRPr>
+          </a:p>
+        </p:txBody>
+      </p:sp>
+      <p:sp>
+        <p:nvSpPr>
+          <p:cNvPr id="5" name="文字方塊 4">
+            <a:extLst>
+              <a:ext uri="{FF2B5EF4-FFF2-40B4-BE49-F238E27FC236}">
+                <a16:creationId xmlns:a16="http://schemas.microsoft.com/office/drawing/2014/main" id="{9403EF6C-96D0-47D0-99E5-0F3A745CB7FF}"/>
+              </a:ext>
+            </a:extLst>
+          </p:cNvPr>
+          <p:cNvSpPr txBox="1"/>
+          <p:nvPr/>
+        </p:nvSpPr>
+        <p:spPr>
+          <a:xfrm>
+            <a:off x="2908416" y="4048271"/>
+            <a:ext cx="6721415" cy="584775"/>
+          </a:xfrm>
+          <a:prstGeom prst="rect">
+            <a:avLst/>
+          </a:prstGeom>
+          <a:noFill/>
+        </p:spPr>
+        <p:txBody>
+          <a:bodyPr wrap="square" rtlCol="0">
+            <a:spAutoFit/>
+          </a:bodyPr>
+          <a:lstStyle/>
+          <a:p>
+            <a:pPr algn="ctr"/>
+            <a:r>
+              <a:rPr lang="en-US" altLang="zh-TW" sz="3200" dirty="0">
+                <a:solidFill>
+                  <a:schemeClr val="bg1"/>
+                </a:solidFill>
+                <a:latin typeface="Adobe 繁黑體 Std B" panose="020B0700000000000000" pitchFamily="34" charset="-120"/>
+                <a:ea typeface="Adobe 繁黑體 Std B" panose="020B0700000000000000" pitchFamily="34" charset="-120"/>
+              </a:rPr>
+              <a:t>&lt;</a:t>
+            </a:r>
+            <a:r>
+              <a:rPr lang="en-US" altLang="zh-TW" sz="3200" dirty="0">
+                <a:solidFill>
+                  <a:srgbClr val="FF0000"/>
+                </a:solidFill>
+                <a:latin typeface="Adobe 繁黑體 Std B" panose="020B0700000000000000" pitchFamily="34" charset="-120"/>
+                <a:ea typeface="Adobe 繁黑體 Std B" panose="020B0700000000000000" pitchFamily="34" charset="-120"/>
+              </a:rPr>
+              <a:t>input</a:t>
+            </a:r>
+            <a:r>
+              <a:rPr lang="en-US" altLang="zh-TW" sz="3200" dirty="0">
+                <a:solidFill>
+                  <a:schemeClr val="bg1"/>
+                </a:solidFill>
+                <a:latin typeface="Adobe 繁黑體 Std B" panose="020B0700000000000000" pitchFamily="34" charset="-120"/>
+                <a:ea typeface="Adobe 繁黑體 Std B" panose="020B0700000000000000" pitchFamily="34" charset="-120"/>
+              </a:rPr>
+              <a:t>  ref={ </a:t>
+            </a:r>
+            <a:r>
+              <a:rPr lang="en-US" altLang="zh-TW" sz="3200" spc="300" dirty="0" err="1">
+                <a:solidFill>
+                  <a:schemeClr val="accent2">
+                    <a:lumMod val="60000"/>
+                    <a:lumOff val="40000"/>
+                  </a:schemeClr>
+                </a:solidFill>
+                <a:latin typeface="Adobe 繁黑體 Std B" panose="020B0700000000000000" pitchFamily="34" charset="-120"/>
+                <a:ea typeface="Adobe 繁黑體 Std B" panose="020B0700000000000000" pitchFamily="34" charset="-120"/>
+              </a:rPr>
+              <a:t>myRef</a:t>
+            </a:r>
+            <a:r>
+              <a:rPr lang="en-US" altLang="zh-TW" sz="3200" spc="300" dirty="0">
+                <a:solidFill>
+                  <a:schemeClr val="accent2">
+                    <a:lumMod val="60000"/>
+                    <a:lumOff val="40000"/>
+                  </a:schemeClr>
+                </a:solidFill>
+                <a:latin typeface="Adobe 繁黑體 Std B" panose="020B0700000000000000" pitchFamily="34" charset="-120"/>
+                <a:ea typeface="Adobe 繁黑體 Std B" panose="020B0700000000000000" pitchFamily="34" charset="-120"/>
+              </a:rPr>
+              <a:t> </a:t>
+            </a:r>
+            <a:r>
+              <a:rPr lang="en-US" altLang="zh-TW" sz="3200" dirty="0">
+                <a:solidFill>
+                  <a:schemeClr val="bg1"/>
+                </a:solidFill>
+                <a:latin typeface="Adobe 繁黑體 Std B" panose="020B0700000000000000" pitchFamily="34" charset="-120"/>
+                <a:ea typeface="Adobe 繁黑體 Std B" panose="020B0700000000000000" pitchFamily="34" charset="-120"/>
+              </a:rPr>
+              <a:t>}   /&gt;</a:t>
+            </a:r>
+            <a:endParaRPr lang="zh-TW" altLang="en-US" sz="3200" dirty="0">
+              <a:solidFill>
+                <a:schemeClr val="bg1"/>
+              </a:solidFill>
+              <a:latin typeface="Adobe 繁黑體 Std B" panose="020B0700000000000000" pitchFamily="34" charset="-120"/>
+              <a:ea typeface="Adobe 繁黑體 Std B" panose="020B0700000000000000" pitchFamily="34" charset="-120"/>
+            </a:endParaRPr>
+          </a:p>
+        </p:txBody>
+      </p:sp>
+    </p:spTree>
+    <p:extLst>
+      <p:ext uri="{BB962C8B-B14F-4D97-AF65-F5344CB8AC3E}">
+        <p14:creationId xmlns:p14="http://schemas.microsoft.com/office/powerpoint/2010/main" val="1655638400"/>
+      </p:ext>
+    </p:extLst>
+  </p:cSld>
+  <p:clrMapOvr>
+    <a:masterClrMapping/>
+  </p:clrMapOvr>
+  <mc:AlternateContent xmlns:mc="http://schemas.openxmlformats.org/markup-compatibility/2006" xmlns:p14="http://schemas.microsoft.com/office/powerpoint/2010/main">
+    <mc:Choice Requires="p14">
+      <p:transition p14:dur="160">
+        <p:fade/>
+      </p:transition>
+    </mc:Choice>
+    <mc:Fallback xmlns="">
+      <p:transition>
+        <p:fade/>
+      </p:transition>
+    </mc:Fallback>
+  </mc:AlternateContent>
+</p:sld>
+</file>
+
+<file path=ppt/slides/slide3.xml><?xml version="1.0" encoding="utf-8"?>
+<p:sld xmlns:a="http://schemas.openxmlformats.org/drawingml/2006/main" xmlns:r="http://schemas.openxmlformats.org/officeDocument/2006/relationships" xmlns:p="http://schemas.openxmlformats.org/presentationml/2006/main">
+  <p:cSld>
+    <p:spTree>
+      <p:nvGrpSpPr>
+        <p:cNvPr id="1" name=""/>
+        <p:cNvGrpSpPr/>
+        <p:nvPr/>
+      </p:nvGrpSpPr>
+      <p:grpSpPr>
+        <a:xfrm>
+          <a:off x="0" y="0"/>
+          <a:ext cx="0" cy="0"/>
+          <a:chOff x="0" y="0"/>
+          <a:chExt cx="0" cy="0"/>
+        </a:xfrm>
+      </p:grpSpPr>
+      <p:sp>
+        <p:nvSpPr>
+          <p:cNvPr id="2" name="標題 1">
+            <a:extLst>
+              <a:ext uri="{FF2B5EF4-FFF2-40B4-BE49-F238E27FC236}">
+                <a16:creationId xmlns:a16="http://schemas.microsoft.com/office/drawing/2014/main" id="{CCA008F0-D89F-4FA1-A9B3-CDF909905999}"/>
+              </a:ext>
+            </a:extLst>
+          </p:cNvPr>
+          <p:cNvSpPr>
+            <a:spLocks noGrp="1"/>
+          </p:cNvSpPr>
+          <p:nvPr>
+            <p:ph type="title"/>
+          </p:nvPr>
+        </p:nvSpPr>
+        <p:spPr/>
+        <p:txBody>
+          <a:bodyPr/>
+          <a:lstStyle/>
+          <a:p>
+            <a:pPr algn="ctr"/>
+            <a:r>
+              <a:rPr lang="zh-TW" altLang="en-US" dirty="0"/>
+              <a:t>簡介</a:t>
+            </a:r>
+          </a:p>
+        </p:txBody>
+      </p:sp>
+      <p:sp>
+        <p:nvSpPr>
+          <p:cNvPr id="6" name="內容版面配置區 5">
+            <a:extLst>
+              <a:ext uri="{FF2B5EF4-FFF2-40B4-BE49-F238E27FC236}">
+                <a16:creationId xmlns:a16="http://schemas.microsoft.com/office/drawing/2014/main" id="{4F0C5FDC-A68E-406D-87BA-52A5D64642E8}"/>
+              </a:ext>
+            </a:extLst>
+          </p:cNvPr>
+          <p:cNvSpPr>
+            <a:spLocks noGrp="1"/>
+          </p:cNvSpPr>
+          <p:nvPr>
+            <p:ph idx="1"/>
+          </p:nvPr>
+        </p:nvSpPr>
+        <p:spPr/>
+        <p:txBody>
+          <a:bodyPr>
+            <a:normAutofit/>
+          </a:bodyPr>
+          <a:lstStyle/>
+          <a:p>
+            <a:pPr marL="0" indent="0">
+              <a:buNone/>
+            </a:pPr>
+            <a:r>
+              <a:rPr lang="en-US" altLang="zh-TW" sz="6000" b="1" dirty="0">
+                <a:solidFill>
+                  <a:schemeClr val="bg1"/>
+                </a:solidFill>
+                <a:latin typeface="+mn-ea"/>
+              </a:rPr>
+              <a:t>React Hooks</a:t>
+            </a:r>
+          </a:p>
+          <a:p>
+            <a:pPr marL="0" indent="0">
+              <a:buNone/>
+            </a:pPr>
+            <a:r>
+              <a:rPr lang="en-US" altLang="zh-TW" sz="4000" dirty="0">
+                <a:solidFill>
+                  <a:schemeClr val="bg2"/>
+                </a:solidFill>
+                <a:latin typeface="+mn-ea"/>
+              </a:rPr>
+              <a:t>@ v-16.8.0 </a:t>
+            </a:r>
+          </a:p>
+          <a:p>
+            <a:pPr marL="0" indent="0" algn="ctr">
+              <a:buNone/>
+            </a:pPr>
+            <a:endParaRPr lang="en-US" altLang="zh-TW" sz="4000" dirty="0">
+              <a:solidFill>
+                <a:schemeClr val="bg1"/>
+              </a:solidFill>
+              <a:latin typeface="+mn-ea"/>
+            </a:endParaRPr>
+          </a:p>
+          <a:p>
+            <a:pPr>
+              <a:buFont typeface="Wingdings" panose="05000000000000000000" pitchFamily="2" charset="2"/>
+              <a:buChar char="l"/>
+            </a:pPr>
+            <a:r>
+              <a:rPr lang="zh-TW" altLang="en-US" sz="3200" dirty="0">
+                <a:solidFill>
+                  <a:schemeClr val="bg1"/>
+                </a:solidFill>
+                <a:latin typeface="+mn-ea"/>
+              </a:rPr>
+              <a:t>省略</a:t>
+            </a:r>
+            <a:r>
+              <a:rPr lang="en-US" altLang="zh-TW" sz="3200" dirty="0">
+                <a:solidFill>
+                  <a:schemeClr val="bg1"/>
+                </a:solidFill>
+                <a:latin typeface="+mn-ea"/>
+              </a:rPr>
+              <a:t>Class</a:t>
+            </a:r>
+            <a:r>
+              <a:rPr lang="zh-TW" altLang="en-US" sz="3200" dirty="0">
+                <a:solidFill>
+                  <a:schemeClr val="bg1"/>
+                </a:solidFill>
+                <a:latin typeface="+mn-ea"/>
+              </a:rPr>
+              <a:t>的結構</a:t>
+            </a:r>
+            <a:endParaRPr lang="en-US" altLang="zh-TW" sz="3200" dirty="0">
+              <a:solidFill>
+                <a:schemeClr val="bg1"/>
+              </a:solidFill>
+              <a:latin typeface="+mn-ea"/>
+            </a:endParaRPr>
+          </a:p>
+          <a:p>
+            <a:pPr>
+              <a:buFont typeface="Wingdings" panose="05000000000000000000" pitchFamily="2" charset="2"/>
+              <a:buChar char="l"/>
+            </a:pPr>
+            <a:r>
+              <a:rPr lang="zh-TW" altLang="en-US" sz="3200" b="1" dirty="0">
+                <a:solidFill>
+                  <a:schemeClr val="bg1"/>
+                </a:solidFill>
+                <a:latin typeface="+mn-ea"/>
+              </a:rPr>
+              <a:t>無生命週期</a:t>
+            </a:r>
+            <a:endParaRPr lang="en-US" altLang="zh-TW" sz="3200" b="1" dirty="0">
+              <a:solidFill>
+                <a:schemeClr val="bg1"/>
+              </a:solidFill>
+              <a:latin typeface="+mn-ea"/>
+            </a:endParaRPr>
+          </a:p>
+          <a:p>
+            <a:pPr>
+              <a:buFont typeface="Wingdings" panose="05000000000000000000" pitchFamily="2" charset="2"/>
+              <a:buChar char="l"/>
+            </a:pPr>
+            <a:r>
+              <a:rPr lang="en-US" altLang="zh-TW" sz="3200" b="1" dirty="0">
+                <a:solidFill>
+                  <a:schemeClr val="bg1"/>
+                </a:solidFill>
+                <a:latin typeface="+mn-ea"/>
+              </a:rPr>
+              <a:t>Class </a:t>
+            </a:r>
+            <a:r>
+              <a:rPr lang="zh-TW" altLang="en-US" sz="3200" b="1" dirty="0">
+                <a:solidFill>
+                  <a:schemeClr val="bg1"/>
+                </a:solidFill>
+                <a:latin typeface="+mn-ea"/>
+              </a:rPr>
+              <a:t>元件已經具備的能力</a:t>
+            </a:r>
+          </a:p>
+          <a:p>
+            <a:pPr>
+              <a:buFont typeface="Wingdings" panose="05000000000000000000" pitchFamily="2" charset="2"/>
+              <a:buChar char="l"/>
+            </a:pPr>
+            <a:endParaRPr lang="en-US" altLang="zh-TW" sz="3600" b="1" dirty="0">
+              <a:solidFill>
+                <a:schemeClr val="bg1"/>
+              </a:solidFill>
+            </a:endParaRPr>
+          </a:p>
+          <a:p>
+            <a:pPr>
+              <a:buFont typeface="Wingdings" panose="05000000000000000000" pitchFamily="2" charset="2"/>
+              <a:buChar char="l"/>
+            </a:pPr>
+            <a:endParaRPr lang="zh-TW" altLang="en-US" sz="3600" b="1" dirty="0">
+              <a:solidFill>
+                <a:schemeClr val="bg1"/>
+              </a:solidFill>
+            </a:endParaRPr>
+          </a:p>
+        </p:txBody>
+      </p:sp>
+      <p:sp>
+        <p:nvSpPr>
+          <p:cNvPr id="7" name="文字方塊 6">
+            <a:extLst>
+              <a:ext uri="{FF2B5EF4-FFF2-40B4-BE49-F238E27FC236}">
+                <a16:creationId xmlns:a16="http://schemas.microsoft.com/office/drawing/2014/main" id="{AEEB985D-6269-4732-BA55-994AD30471E8}"/>
+              </a:ext>
+            </a:extLst>
+          </p:cNvPr>
+          <p:cNvSpPr txBox="1"/>
+          <p:nvPr/>
+        </p:nvSpPr>
+        <p:spPr>
+          <a:xfrm>
+            <a:off x="5644055" y="2963917"/>
+            <a:ext cx="914400" cy="914400"/>
+          </a:xfrm>
+          <a:prstGeom prst="rect">
+            <a:avLst/>
+          </a:prstGeom>
+          <a:noFill/>
+        </p:spPr>
+        <p:txBody>
+          <a:bodyPr wrap="square" rtlCol="0">
+            <a:spAutoFit/>
+          </a:bodyPr>
+          <a:lstStyle/>
+          <a:p>
+            <a:endParaRPr lang="zh-TW" altLang="en-US" dirty="0"/>
+          </a:p>
+        </p:txBody>
+      </p:sp>
+    </p:spTree>
+    <p:extLst>
+      <p:ext uri="{BB962C8B-B14F-4D97-AF65-F5344CB8AC3E}">
+        <p14:creationId xmlns:p14="http://schemas.microsoft.com/office/powerpoint/2010/main" val="2351023602"/>
+      </p:ext>
+    </p:extLst>
+  </p:cSld>
+  <p:clrMapOvr>
+    <a:masterClrMapping/>
+  </p:clrMapOvr>
+  <mc:AlternateContent xmlns:mc="http://schemas.openxmlformats.org/markup-compatibility/2006" xmlns:p14="http://schemas.microsoft.com/office/powerpoint/2010/main">
+    <mc:Choice Requires="p14">
+      <p:transition p14:dur="160">
+        <p:fade/>
+      </p:transition>
+    </mc:Choice>
+    <mc:Fallback xmlns="">
+      <p:transition>
+        <p:fade/>
+      </p:transition>
+    </mc:Fallback>
+  </mc:AlternateContent>
+</p:sld>
+</file>
+
+<file path=ppt/slides/slide30.xml><?xml version="1.0" encoding="utf-8"?>
+<p:sld xmlns:a="http://schemas.openxmlformats.org/drawingml/2006/main" xmlns:r="http://schemas.openxmlformats.org/officeDocument/2006/relationships" xmlns:p="http://schemas.openxmlformats.org/presentationml/2006/main">
+  <p:cSld>
+    <p:spTree>
+      <p:nvGrpSpPr>
+        <p:cNvPr id="1" name=""/>
+        <p:cNvGrpSpPr/>
+        <p:nvPr/>
+      </p:nvGrpSpPr>
+      <p:grpSpPr>
+        <a:xfrm>
+          <a:off x="0" y="0"/>
+          <a:ext cx="0" cy="0"/>
+          <a:chOff x="0" y="0"/>
+          <a:chExt cx="0" cy="0"/>
+        </a:xfrm>
+      </p:grpSpPr>
+      <p:sp>
+        <p:nvSpPr>
+          <p:cNvPr id="2" name="投影片編號版面配置區 1">
+            <a:extLst>
+              <a:ext uri="{FF2B5EF4-FFF2-40B4-BE49-F238E27FC236}">
+                <a16:creationId xmlns:a16="http://schemas.microsoft.com/office/drawing/2014/main" id="{87C00283-A06E-4B5C-9D02-8BF6BC3D0193}"/>
+              </a:ext>
+            </a:extLst>
+          </p:cNvPr>
+          <p:cNvSpPr>
+            <a:spLocks noGrp="1"/>
+          </p:cNvSpPr>
+          <p:nvPr>
+            <p:ph type="sldNum" sz="quarter" idx="12"/>
+          </p:nvPr>
+        </p:nvSpPr>
+        <p:spPr/>
+        <p:txBody>
+          <a:bodyPr/>
+          <a:lstStyle/>
+          <a:p>
+            <a:fld id="{4FAB73BC-B049-4115-A692-8D63A059BFB8}" type="slidenum">
+              <a:rPr lang="en-US" smtClean="0"/>
+              <a:pPr/>
+              <a:t>30</a:t>
+            </a:fld>
+            <a:endParaRPr lang="en-US" dirty="0"/>
+          </a:p>
+        </p:txBody>
+      </p:sp>
+      <p:sp>
+        <p:nvSpPr>
+          <p:cNvPr id="3" name="文字版面配置區 2">
+            <a:extLst>
+              <a:ext uri="{FF2B5EF4-FFF2-40B4-BE49-F238E27FC236}">
+                <a16:creationId xmlns:a16="http://schemas.microsoft.com/office/drawing/2014/main" id="{EA7AD3CE-B1FC-4DF3-815F-9AE5282BB875}"/>
+              </a:ext>
+            </a:extLst>
+          </p:cNvPr>
+          <p:cNvSpPr>
+            <a:spLocks noGrp="1"/>
+          </p:cNvSpPr>
+          <p:nvPr>
+            <p:ph type="body" sz="quarter" idx="13"/>
+          </p:nvPr>
+        </p:nvSpPr>
+        <p:spPr>
+          <a:xfrm>
+            <a:off x="0" y="430213"/>
+            <a:ext cx="12192000" cy="554037"/>
+          </a:xfrm>
+        </p:spPr>
+        <p:txBody>
+          <a:bodyPr/>
+          <a:lstStyle/>
+          <a:p>
+            <a:r>
+              <a:rPr lang="en-US" altLang="zh-TW" dirty="0" err="1">
+                <a:latin typeface="Adobe 繁黑體 Std B" panose="020B0700000000000000" pitchFamily="34" charset="-120"/>
+                <a:ea typeface="Adobe 繁黑體 Std B" panose="020B0700000000000000" pitchFamily="34" charset="-120"/>
+              </a:rPr>
+              <a:t>useImperativeHandle</a:t>
+            </a:r>
+            <a:r>
+              <a:rPr lang="en-US" altLang="zh-TW" dirty="0">
+                <a:latin typeface="Adobe 繁黑體 Std B" panose="020B0700000000000000" pitchFamily="34" charset="-120"/>
+                <a:ea typeface="Adobe 繁黑體 Std B" panose="020B0700000000000000" pitchFamily="34" charset="-120"/>
+              </a:rPr>
+              <a:t>( )</a:t>
+            </a:r>
+            <a:endParaRPr lang="zh-TW" altLang="en-US" dirty="0">
+              <a:latin typeface="Adobe 繁黑體 Std B" panose="020B0700000000000000" pitchFamily="34" charset="-120"/>
+              <a:ea typeface="Adobe 繁黑體 Std B" panose="020B0700000000000000" pitchFamily="34" charset="-120"/>
+            </a:endParaRPr>
+          </a:p>
+        </p:txBody>
+      </p:sp>
+    </p:spTree>
+    <p:extLst>
+      <p:ext uri="{BB962C8B-B14F-4D97-AF65-F5344CB8AC3E}">
+        <p14:creationId xmlns:p14="http://schemas.microsoft.com/office/powerpoint/2010/main" val="4122515379"/>
+      </p:ext>
+    </p:extLst>
+  </p:cSld>
+  <p:clrMapOvr>
+    <a:masterClrMapping/>
+  </p:clrMapOvr>
+  <mc:AlternateContent xmlns:mc="http://schemas.openxmlformats.org/markup-compatibility/2006" xmlns:p14="http://schemas.microsoft.com/office/powerpoint/2010/main">
+    <mc:Choice Requires="p14">
+      <p:transition p14:dur="160">
+        <p:fade/>
+      </p:transition>
+    </mc:Choice>
+    <mc:Fallback xmlns="">
+      <p:transition>
+        <p:fade/>
+      </p:transition>
+    </mc:Fallback>
+  </mc:AlternateContent>
+</p:sld>
+</file>
+
+<file path=ppt/slides/slide31.xml><?xml version="1.0" encoding="utf-8"?>
+<p:sld xmlns:a="http://schemas.openxmlformats.org/drawingml/2006/main" xmlns:r="http://schemas.openxmlformats.org/officeDocument/2006/relationships" xmlns:p="http://schemas.openxmlformats.org/presentationml/2006/main">
+  <p:cSld>
+    <p:spTree>
+      <p:nvGrpSpPr>
+        <p:cNvPr id="1" name=""/>
+        <p:cNvGrpSpPr/>
+        <p:nvPr/>
+      </p:nvGrpSpPr>
+      <p:grpSpPr>
+        <a:xfrm>
+          <a:off x="0" y="0"/>
+          <a:ext cx="0" cy="0"/>
+          <a:chOff x="0" y="0"/>
+          <a:chExt cx="0" cy="0"/>
+        </a:xfrm>
+      </p:grpSpPr>
+      <p:sp>
+        <p:nvSpPr>
+          <p:cNvPr id="2" name="標題 1">
+            <a:extLst>
+              <a:ext uri="{FF2B5EF4-FFF2-40B4-BE49-F238E27FC236}">
+                <a16:creationId xmlns:a16="http://schemas.microsoft.com/office/drawing/2014/main" id="{83164752-3A65-4204-9A83-8650849498E7}"/>
+              </a:ext>
+            </a:extLst>
+          </p:cNvPr>
+          <p:cNvSpPr>
+            <a:spLocks noGrp="1"/>
+          </p:cNvSpPr>
+          <p:nvPr>
+            <p:ph type="title"/>
+          </p:nvPr>
+        </p:nvSpPr>
+        <p:spPr/>
+        <p:txBody>
+          <a:bodyPr/>
+          <a:lstStyle/>
+          <a:p>
+            <a:pPr algn="ctr"/>
+            <a:r>
+              <a:rPr lang="zh-TW" altLang="en-US" dirty="0"/>
+              <a:t>客製化</a:t>
+            </a:r>
+          </a:p>
+        </p:txBody>
+      </p:sp>
+      <p:sp>
+        <p:nvSpPr>
+          <p:cNvPr id="3" name="內容版面配置區 2">
+            <a:extLst>
+              <a:ext uri="{FF2B5EF4-FFF2-40B4-BE49-F238E27FC236}">
+                <a16:creationId xmlns:a16="http://schemas.microsoft.com/office/drawing/2014/main" id="{DACE0065-D140-4311-A409-16CECB6AC074}"/>
+              </a:ext>
+            </a:extLst>
+          </p:cNvPr>
+          <p:cNvSpPr>
+            <a:spLocks noGrp="1"/>
+          </p:cNvSpPr>
+          <p:nvPr>
+            <p:ph idx="1"/>
+          </p:nvPr>
+        </p:nvSpPr>
+        <p:spPr/>
+        <p:txBody>
+          <a:bodyPr/>
+          <a:lstStyle/>
+          <a:p>
+            <a:endParaRPr lang="zh-TW" altLang="en-US"/>
+          </a:p>
+        </p:txBody>
+      </p:sp>
+    </p:spTree>
+    <p:extLst>
+      <p:ext uri="{BB962C8B-B14F-4D97-AF65-F5344CB8AC3E}">
+        <p14:creationId xmlns:p14="http://schemas.microsoft.com/office/powerpoint/2010/main" val="2896364993"/>
+      </p:ext>
+    </p:extLst>
+  </p:cSld>
+  <p:clrMapOvr>
+    <a:masterClrMapping/>
+  </p:clrMapOvr>
+  <mc:AlternateContent xmlns:mc="http://schemas.openxmlformats.org/markup-compatibility/2006" xmlns:p14="http://schemas.microsoft.com/office/powerpoint/2010/main">
+    <mc:Choice Requires="p14">
+      <p:transition p14:dur="160">
+        <p:fade/>
+      </p:transition>
+    </mc:Choice>
+    <mc:Fallback xmlns="">
+      <p:transition>
+        <p:fade/>
+      </p:transition>
+    </mc:Fallback>
+  </mc:AlternateContent>
+</p:sld>
+</file>
+
+<file path=ppt/slides/slide32.xml><?xml version="1.0" encoding="utf-8"?>
+<p:sld xmlns:a="http://schemas.openxmlformats.org/drawingml/2006/main" xmlns:r="http://schemas.openxmlformats.org/officeDocument/2006/relationships" xmlns:p="http://schemas.openxmlformats.org/presentationml/2006/main">
+  <p:cSld>
+    <p:spTree>
+      <p:nvGrpSpPr>
+        <p:cNvPr id="1" name=""/>
+        <p:cNvGrpSpPr/>
+        <p:nvPr/>
+      </p:nvGrpSpPr>
+      <p:grpSpPr>
+        <a:xfrm>
+          <a:off x="0" y="0"/>
+          <a:ext cx="0" cy="0"/>
+          <a:chOff x="0" y="0"/>
+          <a:chExt cx="0" cy="0"/>
+        </a:xfrm>
+      </p:grpSpPr>
+      <p:sp>
+        <p:nvSpPr>
+          <p:cNvPr id="3" name="投影片編號版面配置區 2"/>
+          <p:cNvSpPr>
+            <a:spLocks noGrp="1"/>
+          </p:cNvSpPr>
+          <p:nvPr>
+            <p:ph type="sldNum" sz="quarter" idx="12"/>
+          </p:nvPr>
+        </p:nvSpPr>
+        <p:spPr/>
+        <p:txBody>
+          <a:bodyPr/>
+          <a:lstStyle/>
+          <a:p>
+            <a:fld id="{4FAB73BC-B049-4115-A692-8D63A059BFB8}" type="slidenum">
+              <a:rPr lang="en-US" smtClean="0"/>
+              <a:pPr/>
+              <a:t>32</a:t>
+            </a:fld>
+            <a:endParaRPr lang="en-US" dirty="0"/>
+          </a:p>
+        </p:txBody>
+      </p:sp>
+    </p:spTree>
+    <p:extLst>
+      <p:ext uri="{BB962C8B-B14F-4D97-AF65-F5344CB8AC3E}">
+        <p14:creationId xmlns:p14="http://schemas.microsoft.com/office/powerpoint/2010/main" val="2260164828"/>
+      </p:ext>
+    </p:extLst>
+  </p:cSld>
+  <p:clrMapOvr>
+    <a:masterClrMapping/>
+  </p:clrMapOvr>
+  <mc:AlternateContent xmlns:mc="http://schemas.openxmlformats.org/markup-compatibility/2006" xmlns:p14="http://schemas.microsoft.com/office/powerpoint/2010/main">
+    <mc:Choice Requires="p14">
+      <p:transition p14:dur="160">
+        <p:fade/>
+      </p:transition>
+    </mc:Choice>
+    <mc:Fallback xmlns="">
+      <p:transition>
+        <p:fade/>
+      </p:transition>
+    </mc:Fallback>
+  </mc:AlternateContent>
+</p:sld>
+</file>
+
+<file path=ppt/slides/slide33.xml><?xml version="1.0" encoding="utf-8"?>
+<p:sld xmlns:a="http://schemas.openxmlformats.org/drawingml/2006/main" xmlns:r="http://schemas.openxmlformats.org/officeDocument/2006/relationships" xmlns:p="http://schemas.openxmlformats.org/presentationml/2006/main">
+  <p:cSld>
+    <p:spTree>
+      <p:nvGrpSpPr>
+        <p:cNvPr id="1" name=""/>
+        <p:cNvGrpSpPr/>
+        <p:nvPr/>
+      </p:nvGrpSpPr>
+      <p:grpSpPr>
+        <a:xfrm>
+          <a:off x="0" y="0"/>
+          <a:ext cx="0" cy="0"/>
+          <a:chOff x="0" y="0"/>
+          <a:chExt cx="0" cy="0"/>
+        </a:xfrm>
+      </p:grpSpPr>
+      <p:sp>
+        <p:nvSpPr>
+          <p:cNvPr id="3" name="投影片編號版面配置區 2"/>
+          <p:cNvSpPr>
+            <a:spLocks noGrp="1"/>
+          </p:cNvSpPr>
+          <p:nvPr>
+            <p:ph type="sldNum" sz="quarter" idx="12"/>
+          </p:nvPr>
+        </p:nvSpPr>
+        <p:spPr/>
+        <p:txBody>
+          <a:bodyPr/>
+          <a:lstStyle/>
+          <a:p>
+            <a:fld id="{4FAB73BC-B049-4115-A692-8D63A059BFB8}" type="slidenum">
+              <a:rPr lang="en-US" smtClean="0"/>
+              <a:pPr/>
+              <a:t>33</a:t>
+            </a:fld>
+            <a:endParaRPr lang="en-US" dirty="0"/>
+          </a:p>
+        </p:txBody>
+      </p:sp>
+    </p:spTree>
+    <p:extLst>
+      <p:ext uri="{BB962C8B-B14F-4D97-AF65-F5344CB8AC3E}">
+        <p14:creationId xmlns:p14="http://schemas.microsoft.com/office/powerpoint/2010/main" val="4137861974"/>
+      </p:ext>
+    </p:extLst>
+  </p:cSld>
+  <p:clrMapOvr>
+    <a:masterClrMapping/>
+  </p:clrMapOvr>
+  <mc:AlternateContent xmlns:mc="http://schemas.openxmlformats.org/markup-compatibility/2006" xmlns:p14="http://schemas.microsoft.com/office/powerpoint/2010/main">
+    <mc:Choice Requires="p14">
+      <p:transition p14:dur="160">
+        <p:fade/>
+      </p:transition>
+    </mc:Choice>
+    <mc:Fallback xmlns="">
+      <p:transition>
+        <p:fade/>
+      </p:transition>
+    </mc:Fallback>
+  </mc:AlternateContent>
+</p:sld>
+</file>
+
+<file path=ppt/slides/slide34.xml><?xml version="1.0" encoding="utf-8"?>
+<p:sld xmlns:a="http://schemas.openxmlformats.org/drawingml/2006/main" xmlns:r="http://schemas.openxmlformats.org/officeDocument/2006/relationships" xmlns:p="http://schemas.openxmlformats.org/presentationml/2006/main">
+  <p:cSld>
+    <p:spTree>
+      <p:nvGrpSpPr>
+        <p:cNvPr id="1" name=""/>
+        <p:cNvGrpSpPr/>
+        <p:nvPr/>
+      </p:nvGrpSpPr>
+      <p:grpSpPr>
+        <a:xfrm>
+          <a:off x="0" y="0"/>
+          <a:ext cx="0" cy="0"/>
+          <a:chOff x="0" y="0"/>
+          <a:chExt cx="0" cy="0"/>
+        </a:xfrm>
+      </p:grpSpPr>
+      <p:sp>
+        <p:nvSpPr>
           <p:cNvPr id="2" name="標題 1">
             <a:extLst>
               <a:ext uri="{FF2B5EF4-FFF2-40B4-BE49-F238E27FC236}">
@@ -10649,7 +14466,7 @@
 </p:sld>
 </file>
 
-<file path=ppt/slides/slide3.xml><?xml version="1.0" encoding="utf-8"?>
+<file path=ppt/slides/slide4.xml><?xml version="1.0" encoding="utf-8"?>
 <p:sld xmlns:a="http://schemas.openxmlformats.org/drawingml/2006/main" xmlns:r="http://schemas.openxmlformats.org/officeDocument/2006/relationships" xmlns:p="http://schemas.openxmlformats.org/presentationml/2006/main">
   <p:cSld>
     <p:spTree>
@@ -10889,7 +14706,7 @@
             <a:fld id="{4FAB73BC-B049-4115-A692-8D63A059BFB8}" type="slidenum">
               <a:rPr lang="en-US" smtClean="0"/>
               <a:pPr/>
-              <a:t>3</a:t>
+              <a:t>4</a:t>
             </a:fld>
             <a:endParaRPr lang="en-US" dirty="0"/>
           </a:p>
@@ -10995,7 +14812,7 @@
 </p:sld>
 </file>
 
-<file path=ppt/slides/slide4.xml><?xml version="1.0" encoding="utf-8"?>
+<file path=ppt/slides/slide5.xml><?xml version="1.0" encoding="utf-8"?>
 <p:sld xmlns:a="http://schemas.openxmlformats.org/drawingml/2006/main" xmlns:r="http://schemas.openxmlformats.org/officeDocument/2006/relationships" xmlns:p="http://schemas.openxmlformats.org/presentationml/2006/main">
   <p:cSld>
     <p:spTree>
@@ -11088,7 +14905,7 @@
             <a:fld id="{4FAB73BC-B049-4115-A692-8D63A059BFB8}" type="slidenum">
               <a:rPr lang="en-US" smtClean="0"/>
               <a:pPr/>
-              <a:t>4</a:t>
+              <a:t>5</a:t>
             </a:fld>
             <a:endParaRPr lang="en-US" dirty="0"/>
           </a:p>
@@ -11119,7 +14936,7 @@
 </p:sld>
 </file>
 
-<file path=ppt/slides/slide5.xml><?xml version="1.0" encoding="utf-8"?>
+<file path=ppt/slides/slide6.xml><?xml version="1.0" encoding="utf-8"?>
 <p:sld xmlns:a="http://schemas.openxmlformats.org/drawingml/2006/main" xmlns:r="http://schemas.openxmlformats.org/officeDocument/2006/relationships" xmlns:p="http://schemas.openxmlformats.org/presentationml/2006/main">
   <p:cSld>
     <p:spTree>
@@ -11352,7 +15169,7 @@
             <a:fld id="{4FAB73BC-B049-4115-A692-8D63A059BFB8}" type="slidenum">
               <a:rPr lang="en-US" smtClean="0"/>
               <a:pPr/>
-              <a:t>5</a:t>
+              <a:t>6</a:t>
             </a:fld>
             <a:endParaRPr lang="en-US" dirty="0"/>
           </a:p>
@@ -11611,7 +15428,7 @@
 </p:sld>
 </file>
 
-<file path=ppt/slides/slide6.xml><?xml version="1.0" encoding="utf-8"?>
+<file path=ppt/slides/slide7.xml><?xml version="1.0" encoding="utf-8"?>
 <p:sld xmlns:a="http://schemas.openxmlformats.org/drawingml/2006/main" xmlns:r="http://schemas.openxmlformats.org/officeDocument/2006/relationships" xmlns:p="http://schemas.openxmlformats.org/presentationml/2006/main">
   <p:cSld>
     <p:spTree>
@@ -11827,7 +15644,7 @@
             <a:fld id="{4FAB73BC-B049-4115-A692-8D63A059BFB8}" type="slidenum">
               <a:rPr lang="en-US" smtClean="0"/>
               <a:pPr/>
-              <a:t>6</a:t>
+              <a:t>7</a:t>
             </a:fld>
             <a:endParaRPr lang="en-US" dirty="0"/>
           </a:p>
@@ -11837,206 +15654,6 @@
     <p:extLst>
       <p:ext uri="{BB962C8B-B14F-4D97-AF65-F5344CB8AC3E}">
         <p14:creationId xmlns:p14="http://schemas.microsoft.com/office/powerpoint/2010/main" val="3248233576"/>
-      </p:ext>
-    </p:extLst>
-  </p:cSld>
-  <p:clrMapOvr>
-    <a:masterClrMapping/>
-  </p:clrMapOvr>
-  <mc:AlternateContent xmlns:mc="http://schemas.openxmlformats.org/markup-compatibility/2006" xmlns:p14="http://schemas.microsoft.com/office/powerpoint/2010/main">
-    <mc:Choice Requires="p14">
-      <p:transition p14:dur="160">
-        <p:fade/>
-      </p:transition>
-    </mc:Choice>
-    <mc:Fallback xmlns="">
-      <p:transition>
-        <p:fade/>
-      </p:transition>
-    </mc:Fallback>
-  </mc:AlternateContent>
-</p:sld>
-</file>
-
-<file path=ppt/slides/slide7.xml><?xml version="1.0" encoding="utf-8"?>
-<p:sld xmlns:a="http://schemas.openxmlformats.org/drawingml/2006/main" xmlns:r="http://schemas.openxmlformats.org/officeDocument/2006/relationships" xmlns:p="http://schemas.openxmlformats.org/presentationml/2006/main">
-  <p:cSld>
-    <p:spTree>
-      <p:nvGrpSpPr>
-        <p:cNvPr id="1" name=""/>
-        <p:cNvGrpSpPr/>
-        <p:nvPr/>
-      </p:nvGrpSpPr>
-      <p:grpSpPr>
-        <a:xfrm>
-          <a:off x="0" y="0"/>
-          <a:ext cx="0" cy="0"/>
-          <a:chOff x="0" y="0"/>
-          <a:chExt cx="0" cy="0"/>
-        </a:xfrm>
-      </p:grpSpPr>
-      <p:sp>
-        <p:nvSpPr>
-          <p:cNvPr id="2" name="標題 1">
-            <a:extLst>
-              <a:ext uri="{FF2B5EF4-FFF2-40B4-BE49-F238E27FC236}">
-                <a16:creationId xmlns:a16="http://schemas.microsoft.com/office/drawing/2014/main" id="{33E11A25-B23F-425C-AB41-3B941B4488B4}"/>
-              </a:ext>
-            </a:extLst>
-          </p:cNvPr>
-          <p:cNvSpPr>
-            <a:spLocks noGrp="1"/>
-          </p:cNvSpPr>
-          <p:nvPr>
-            <p:ph type="title"/>
-          </p:nvPr>
-        </p:nvSpPr>
-        <p:spPr/>
-        <p:txBody>
-          <a:bodyPr/>
-          <a:lstStyle/>
-          <a:p>
-            <a:pPr algn="ctr"/>
-            <a:r>
-              <a:rPr lang="zh-TW" altLang="en-US" dirty="0"/>
-              <a:t>使用動機</a:t>
-            </a:r>
-          </a:p>
-        </p:txBody>
-      </p:sp>
-      <p:sp>
-        <p:nvSpPr>
-          <p:cNvPr id="3" name="內容版面配置區 2">
-            <a:extLst>
-              <a:ext uri="{FF2B5EF4-FFF2-40B4-BE49-F238E27FC236}">
-                <a16:creationId xmlns:a16="http://schemas.microsoft.com/office/drawing/2014/main" id="{B86A7C97-39A2-460A-B72C-886711B1DAB2}"/>
-              </a:ext>
-            </a:extLst>
-          </p:cNvPr>
-          <p:cNvSpPr>
-            <a:spLocks noGrp="1"/>
-          </p:cNvSpPr>
-          <p:nvPr>
-            <p:ph idx="1"/>
-          </p:nvPr>
-        </p:nvSpPr>
-        <p:spPr/>
-        <p:txBody>
-          <a:bodyPr>
-            <a:normAutofit/>
-          </a:bodyPr>
-          <a:lstStyle/>
-          <a:p>
-            <a:pPr marL="0" indent="0">
-              <a:buNone/>
-            </a:pPr>
-            <a:r>
-              <a:rPr lang="en-US" altLang="zh-TW" sz="4800" dirty="0">
-                <a:solidFill>
-                  <a:schemeClr val="bg1"/>
-                </a:solidFill>
-                <a:latin typeface="+mn-ea"/>
-              </a:rPr>
-              <a:t>Class C</a:t>
-            </a:r>
-            <a:r>
-              <a:rPr lang="zh-TW" altLang="en-US" sz="4800" dirty="0">
-                <a:solidFill>
-                  <a:schemeClr val="bg1"/>
-                </a:solidFill>
-                <a:latin typeface="+mn-ea"/>
-              </a:rPr>
-              <a:t>omponent </a:t>
-            </a:r>
-          </a:p>
-          <a:p>
-            <a:endParaRPr lang="en-US" altLang="zh-TW" sz="4000" dirty="0">
-              <a:solidFill>
-                <a:schemeClr val="bg1"/>
-              </a:solidFill>
-              <a:latin typeface="+mn-ea"/>
-            </a:endParaRPr>
-          </a:p>
-          <a:p>
-            <a:r>
-              <a:rPr lang="zh-TW" altLang="en-US" sz="4000" dirty="0">
-                <a:solidFill>
-                  <a:schemeClr val="bg1">
-                    <a:lumMod val="95000"/>
-                  </a:schemeClr>
-                </a:solidFill>
-                <a:latin typeface="+mn-ea"/>
-              </a:rPr>
-              <a:t>在元件之間複用狀態邏輯很難</a:t>
-            </a:r>
-            <a:endParaRPr lang="en-US" altLang="zh-TW" sz="4000" dirty="0">
-              <a:solidFill>
-                <a:schemeClr val="bg1">
-                  <a:lumMod val="95000"/>
-                </a:schemeClr>
-              </a:solidFill>
-              <a:latin typeface="+mn-ea"/>
-            </a:endParaRPr>
-          </a:p>
-          <a:p>
-            <a:r>
-              <a:rPr lang="zh-TW" altLang="en-US" sz="4000" dirty="0">
-                <a:solidFill>
-                  <a:schemeClr val="bg1">
-                    <a:lumMod val="95000"/>
-                  </a:schemeClr>
-                </a:solidFill>
-                <a:latin typeface="+mn-ea"/>
-              </a:rPr>
-              <a:t>複雜元件變的難以理解</a:t>
-            </a:r>
-            <a:endParaRPr lang="en-US" altLang="zh-TW" sz="4000" dirty="0">
-              <a:solidFill>
-                <a:schemeClr val="bg1">
-                  <a:lumMod val="95000"/>
-                </a:schemeClr>
-              </a:solidFill>
-              <a:latin typeface="+mn-ea"/>
-            </a:endParaRPr>
-          </a:p>
-          <a:p>
-            <a:r>
-              <a:rPr lang="zh-TW" altLang="en-US" sz="4000" dirty="0">
-                <a:solidFill>
-                  <a:schemeClr val="bg1">
-                    <a:lumMod val="95000"/>
-                  </a:schemeClr>
-                </a:solidFill>
-                <a:latin typeface="+mn-ea"/>
-              </a:rPr>
-              <a:t>難以理解的 </a:t>
-            </a:r>
-            <a:r>
-              <a:rPr lang="en-US" altLang="zh-TW" sz="4000" dirty="0">
-                <a:solidFill>
-                  <a:schemeClr val="bg1">
-                    <a:lumMod val="95000"/>
-                  </a:schemeClr>
-                </a:solidFill>
-                <a:latin typeface="+mn-ea"/>
-              </a:rPr>
-              <a:t>Class</a:t>
-            </a:r>
-            <a:endParaRPr lang="zh-TW" altLang="en-US" sz="4000" dirty="0">
-              <a:solidFill>
-                <a:schemeClr val="bg1">
-                  <a:lumMod val="95000"/>
-                </a:schemeClr>
-              </a:solidFill>
-              <a:latin typeface="+mn-ea"/>
-            </a:endParaRPr>
-          </a:p>
-        </p:txBody>
-      </p:sp>
-    </p:spTree>
-    <p:extLst>
-      <p:ext uri="{BB962C8B-B14F-4D97-AF65-F5344CB8AC3E}">
-        <p14:creationId xmlns:p14="http://schemas.microsoft.com/office/powerpoint/2010/main" val="3629859423"/>
       </p:ext>
     </p:extLst>
   </p:cSld>
@@ -12077,6 +15694,206 @@
       </p:grpSpPr>
       <p:sp>
         <p:nvSpPr>
+          <p:cNvPr id="2" name="標題 1">
+            <a:extLst>
+              <a:ext uri="{FF2B5EF4-FFF2-40B4-BE49-F238E27FC236}">
+                <a16:creationId xmlns:a16="http://schemas.microsoft.com/office/drawing/2014/main" id="{33E11A25-B23F-425C-AB41-3B941B4488B4}"/>
+              </a:ext>
+            </a:extLst>
+          </p:cNvPr>
+          <p:cNvSpPr>
+            <a:spLocks noGrp="1"/>
+          </p:cNvSpPr>
+          <p:nvPr>
+            <p:ph type="title"/>
+          </p:nvPr>
+        </p:nvSpPr>
+        <p:spPr/>
+        <p:txBody>
+          <a:bodyPr/>
+          <a:lstStyle/>
+          <a:p>
+            <a:pPr algn="ctr"/>
+            <a:r>
+              <a:rPr lang="zh-TW" altLang="en-US" dirty="0"/>
+              <a:t>使用動機</a:t>
+            </a:r>
+          </a:p>
+        </p:txBody>
+      </p:sp>
+      <p:sp>
+        <p:nvSpPr>
+          <p:cNvPr id="3" name="內容版面配置區 2">
+            <a:extLst>
+              <a:ext uri="{FF2B5EF4-FFF2-40B4-BE49-F238E27FC236}">
+                <a16:creationId xmlns:a16="http://schemas.microsoft.com/office/drawing/2014/main" id="{B86A7C97-39A2-460A-B72C-886711B1DAB2}"/>
+              </a:ext>
+            </a:extLst>
+          </p:cNvPr>
+          <p:cNvSpPr>
+            <a:spLocks noGrp="1"/>
+          </p:cNvSpPr>
+          <p:nvPr>
+            <p:ph idx="1"/>
+          </p:nvPr>
+        </p:nvSpPr>
+        <p:spPr/>
+        <p:txBody>
+          <a:bodyPr>
+            <a:normAutofit/>
+          </a:bodyPr>
+          <a:lstStyle/>
+          <a:p>
+            <a:pPr marL="0" indent="0">
+              <a:buNone/>
+            </a:pPr>
+            <a:r>
+              <a:rPr lang="en-US" altLang="zh-TW" sz="4800" dirty="0">
+                <a:solidFill>
+                  <a:schemeClr val="bg1"/>
+                </a:solidFill>
+                <a:latin typeface="+mn-ea"/>
+              </a:rPr>
+              <a:t>Class C</a:t>
+            </a:r>
+            <a:r>
+              <a:rPr lang="zh-TW" altLang="en-US" sz="4800" dirty="0">
+                <a:solidFill>
+                  <a:schemeClr val="bg1"/>
+                </a:solidFill>
+                <a:latin typeface="+mn-ea"/>
+              </a:rPr>
+              <a:t>omponent </a:t>
+            </a:r>
+          </a:p>
+          <a:p>
+            <a:endParaRPr lang="en-US" altLang="zh-TW" sz="4000" dirty="0">
+              <a:solidFill>
+                <a:schemeClr val="bg1"/>
+              </a:solidFill>
+              <a:latin typeface="+mn-ea"/>
+            </a:endParaRPr>
+          </a:p>
+          <a:p>
+            <a:r>
+              <a:rPr lang="zh-TW" altLang="en-US" sz="4000" dirty="0">
+                <a:solidFill>
+                  <a:schemeClr val="bg1">
+                    <a:lumMod val="95000"/>
+                  </a:schemeClr>
+                </a:solidFill>
+                <a:latin typeface="+mn-ea"/>
+              </a:rPr>
+              <a:t>在元件之間複用狀態邏輯很難</a:t>
+            </a:r>
+            <a:endParaRPr lang="en-US" altLang="zh-TW" sz="4000" dirty="0">
+              <a:solidFill>
+                <a:schemeClr val="bg1">
+                  <a:lumMod val="95000"/>
+                </a:schemeClr>
+              </a:solidFill>
+              <a:latin typeface="+mn-ea"/>
+            </a:endParaRPr>
+          </a:p>
+          <a:p>
+            <a:r>
+              <a:rPr lang="zh-TW" altLang="en-US" sz="4000" dirty="0">
+                <a:solidFill>
+                  <a:schemeClr val="bg1">
+                    <a:lumMod val="95000"/>
+                  </a:schemeClr>
+                </a:solidFill>
+                <a:latin typeface="+mn-ea"/>
+              </a:rPr>
+              <a:t>複雜元件變的難以理解</a:t>
+            </a:r>
+            <a:endParaRPr lang="en-US" altLang="zh-TW" sz="4000" dirty="0">
+              <a:solidFill>
+                <a:schemeClr val="bg1">
+                  <a:lumMod val="95000"/>
+                </a:schemeClr>
+              </a:solidFill>
+              <a:latin typeface="+mn-ea"/>
+            </a:endParaRPr>
+          </a:p>
+          <a:p>
+            <a:r>
+              <a:rPr lang="zh-TW" altLang="en-US" sz="4000" dirty="0">
+                <a:solidFill>
+                  <a:schemeClr val="bg1">
+                    <a:lumMod val="95000"/>
+                  </a:schemeClr>
+                </a:solidFill>
+                <a:latin typeface="+mn-ea"/>
+              </a:rPr>
+              <a:t>難以理解的 </a:t>
+            </a:r>
+            <a:r>
+              <a:rPr lang="en-US" altLang="zh-TW" sz="4000" dirty="0">
+                <a:solidFill>
+                  <a:schemeClr val="bg1">
+                    <a:lumMod val="95000"/>
+                  </a:schemeClr>
+                </a:solidFill>
+                <a:latin typeface="+mn-ea"/>
+              </a:rPr>
+              <a:t>Class</a:t>
+            </a:r>
+            <a:endParaRPr lang="zh-TW" altLang="en-US" sz="4000" dirty="0">
+              <a:solidFill>
+                <a:schemeClr val="bg1">
+                  <a:lumMod val="95000"/>
+                </a:schemeClr>
+              </a:solidFill>
+              <a:latin typeface="+mn-ea"/>
+            </a:endParaRPr>
+          </a:p>
+        </p:txBody>
+      </p:sp>
+    </p:spTree>
+    <p:extLst>
+      <p:ext uri="{BB962C8B-B14F-4D97-AF65-F5344CB8AC3E}">
+        <p14:creationId xmlns:p14="http://schemas.microsoft.com/office/powerpoint/2010/main" val="3629859423"/>
+      </p:ext>
+    </p:extLst>
+  </p:cSld>
+  <p:clrMapOvr>
+    <a:masterClrMapping/>
+  </p:clrMapOvr>
+  <mc:AlternateContent xmlns:mc="http://schemas.openxmlformats.org/markup-compatibility/2006" xmlns:p14="http://schemas.microsoft.com/office/powerpoint/2010/main">
+    <mc:Choice Requires="p14">
+      <p:transition p14:dur="160">
+        <p:fade/>
+      </p:transition>
+    </mc:Choice>
+    <mc:Fallback xmlns="">
+      <p:transition>
+        <p:fade/>
+      </p:transition>
+    </mc:Fallback>
+  </mc:AlternateContent>
+</p:sld>
+</file>
+
+<file path=ppt/slides/slide9.xml><?xml version="1.0" encoding="utf-8"?>
+<p:sld xmlns:a="http://schemas.openxmlformats.org/drawingml/2006/main" xmlns:r="http://schemas.openxmlformats.org/officeDocument/2006/relationships" xmlns:p="http://schemas.openxmlformats.org/presentationml/2006/main">
+  <p:cSld>
+    <p:spTree>
+      <p:nvGrpSpPr>
+        <p:cNvPr id="1" name=""/>
+        <p:cNvGrpSpPr/>
+        <p:nvPr/>
+      </p:nvGrpSpPr>
+      <p:grpSpPr>
+        <a:xfrm>
+          <a:off x="0" y="0"/>
+          <a:ext cx="0" cy="0"/>
+          <a:chOff x="0" y="0"/>
+          <a:chExt cx="0" cy="0"/>
+        </a:xfrm>
+      </p:grpSpPr>
+      <p:sp>
+        <p:nvSpPr>
           <p:cNvPr id="2" name="投影片編號版面配置區 1">
             <a:extLst>
               <a:ext uri="{FF2B5EF4-FFF2-40B4-BE49-F238E27FC236}">
@@ -12099,7 +15916,7 @@
             <a:fld id="{4FAB73BC-B049-4115-A692-8D63A059BFB8}" type="slidenum">
               <a:rPr lang="en-US" smtClean="0"/>
               <a:pPr/>
-              <a:t>8</a:t>
+              <a:t>9</a:t>
             </a:fld>
             <a:endParaRPr lang="en-US" dirty="0"/>
           </a:p>
@@ -12185,413 +16002,6 @@
       </p:transition>
     </mc:Fallback>
   </mc:AlternateContent>
-</p:sld>
-</file>
-
-<file path=ppt/slides/slide9.xml><?xml version="1.0" encoding="utf-8"?>
-<p:sld xmlns:a="http://schemas.openxmlformats.org/drawingml/2006/main" xmlns:r="http://schemas.openxmlformats.org/officeDocument/2006/relationships" xmlns:p="http://schemas.openxmlformats.org/presentationml/2006/main">
-  <p:cSld>
-    <p:spTree>
-      <p:nvGrpSpPr>
-        <p:cNvPr id="1" name=""/>
-        <p:cNvGrpSpPr/>
-        <p:nvPr/>
-      </p:nvGrpSpPr>
-      <p:grpSpPr>
-        <a:xfrm>
-          <a:off x="0" y="0"/>
-          <a:ext cx="0" cy="0"/>
-          <a:chOff x="0" y="0"/>
-          <a:chExt cx="0" cy="0"/>
-        </a:xfrm>
-      </p:grpSpPr>
-      <p:sp>
-        <p:nvSpPr>
-          <p:cNvPr id="2" name="投影片編號版面配置區 1">
-            <a:extLst>
-              <a:ext uri="{FF2B5EF4-FFF2-40B4-BE49-F238E27FC236}">
-                <a16:creationId xmlns:a16="http://schemas.microsoft.com/office/drawing/2014/main" id="{61331C4F-506B-419C-9E7A-95DFE55CAF5C}"/>
-              </a:ext>
-            </a:extLst>
-          </p:cNvPr>
-          <p:cNvSpPr>
-            <a:spLocks noGrp="1"/>
-          </p:cNvSpPr>
-          <p:nvPr>
-            <p:ph type="sldNum" sz="quarter" idx="12"/>
-          </p:nvPr>
-        </p:nvSpPr>
-        <p:spPr/>
-        <p:txBody>
-          <a:bodyPr/>
-          <a:lstStyle/>
-          <a:p>
-            <a:fld id="{4FAB73BC-B049-4115-A692-8D63A059BFB8}" type="slidenum">
-              <a:rPr lang="en-US" smtClean="0"/>
-              <a:pPr/>
-              <a:t>9</a:t>
-            </a:fld>
-            <a:endParaRPr lang="en-US" dirty="0"/>
-          </a:p>
-        </p:txBody>
-      </p:sp>
-      <p:sp>
-        <p:nvSpPr>
-          <p:cNvPr id="3" name="文字版面配置區 2">
-            <a:extLst>
-              <a:ext uri="{FF2B5EF4-FFF2-40B4-BE49-F238E27FC236}">
-                <a16:creationId xmlns:a16="http://schemas.microsoft.com/office/drawing/2014/main" id="{A61C95DE-C830-45DA-8572-CC037DBE5C62}"/>
-              </a:ext>
-            </a:extLst>
-          </p:cNvPr>
-          <p:cNvSpPr>
-            <a:spLocks noGrp="1"/>
-          </p:cNvSpPr>
-          <p:nvPr>
-            <p:ph type="body" sz="quarter" idx="13"/>
-          </p:nvPr>
-        </p:nvSpPr>
-        <p:spPr/>
-        <p:txBody>
-          <a:bodyPr/>
-          <a:lstStyle/>
-          <a:p>
-            <a:r>
-              <a:rPr lang="zh-TW" altLang="en-US" dirty="0">
-                <a:latin typeface="Helvetica Neue"/>
-              </a:rPr>
-              <a:t>儲存持久化狀態</a:t>
-            </a:r>
-            <a:endParaRPr lang="zh-TW" altLang="en-US" dirty="0"/>
-          </a:p>
-        </p:txBody>
-      </p:sp>
-      <p:sp>
-        <p:nvSpPr>
-          <p:cNvPr id="4" name="矩形 3">
-            <a:extLst>
-              <a:ext uri="{FF2B5EF4-FFF2-40B4-BE49-F238E27FC236}">
-                <a16:creationId xmlns:a16="http://schemas.microsoft.com/office/drawing/2014/main" id="{57FC0002-B641-4CC0-B4F4-D616EF70F4F7}"/>
-              </a:ext>
-            </a:extLst>
-          </p:cNvPr>
-          <p:cNvSpPr/>
-          <p:nvPr/>
-        </p:nvSpPr>
-        <p:spPr>
-          <a:xfrm>
-            <a:off x="1686309" y="1474827"/>
-            <a:ext cx="5014514" cy="4247317"/>
-          </a:xfrm>
-          <a:prstGeom prst="rect">
-            <a:avLst/>
-          </a:prstGeom>
-        </p:spPr>
-        <p:txBody>
-          <a:bodyPr wrap="none">
-            <a:spAutoFit/>
-          </a:bodyPr>
-          <a:lstStyle/>
-          <a:p>
-            <a:pPr marL="571500" indent="-571500">
-              <a:lnSpc>
-                <a:spcPct val="150000"/>
-              </a:lnSpc>
-              <a:buFont typeface="Arial" panose="020B0604020202020204" pitchFamily="34" charset="0"/>
-              <a:buChar char="•"/>
-            </a:pPr>
-            <a:r>
-              <a:rPr lang="en-US" altLang="zh-TW" sz="3600" spc="300" dirty="0">
-                <a:solidFill>
-                  <a:schemeClr val="bg1">
-                    <a:lumMod val="95000"/>
-                  </a:schemeClr>
-                </a:solidFill>
-                <a:latin typeface="+mn-ea"/>
-              </a:rPr>
-              <a:t>Class</a:t>
-            </a:r>
-            <a:r>
-              <a:rPr lang="zh-TW" altLang="en-US" sz="3600" spc="300" dirty="0">
-                <a:solidFill>
-                  <a:schemeClr val="bg1">
-                    <a:lumMod val="95000"/>
-                  </a:schemeClr>
-                </a:solidFill>
-                <a:latin typeface="+mn-ea"/>
-              </a:rPr>
-              <a:t>屬性</a:t>
-            </a:r>
-            <a:endParaRPr lang="en-US" altLang="zh-TW" sz="3600" spc="300" dirty="0">
-              <a:solidFill>
-                <a:schemeClr val="bg1">
-                  <a:lumMod val="95000"/>
-                </a:schemeClr>
-              </a:solidFill>
-              <a:latin typeface="+mn-ea"/>
-            </a:endParaRPr>
-          </a:p>
-          <a:p>
-            <a:pPr marL="571500" indent="-571500">
-              <a:lnSpc>
-                <a:spcPct val="150000"/>
-              </a:lnSpc>
-              <a:buFont typeface="Arial" panose="020B0604020202020204" pitchFamily="34" charset="0"/>
-              <a:buChar char="•"/>
-            </a:pPr>
-            <a:r>
-              <a:rPr lang="zh-TW" altLang="en-US" sz="3600" spc="300" dirty="0">
-                <a:solidFill>
-                  <a:schemeClr val="bg1">
-                    <a:lumMod val="95000"/>
-                  </a:schemeClr>
-                </a:solidFill>
-                <a:latin typeface="+mn-ea"/>
-              </a:rPr>
-              <a:t>全域性變數</a:t>
-            </a:r>
-            <a:endParaRPr lang="en-US" altLang="zh-TW" sz="3600" spc="300" dirty="0">
-              <a:solidFill>
-                <a:schemeClr val="bg1">
-                  <a:lumMod val="95000"/>
-                </a:schemeClr>
-              </a:solidFill>
-              <a:latin typeface="+mn-ea"/>
-            </a:endParaRPr>
-          </a:p>
-          <a:p>
-            <a:pPr marL="571500" indent="-571500">
-              <a:lnSpc>
-                <a:spcPct val="150000"/>
-              </a:lnSpc>
-              <a:buFont typeface="Arial" panose="020B0604020202020204" pitchFamily="34" charset="0"/>
-              <a:buChar char="•"/>
-            </a:pPr>
-            <a:r>
-              <a:rPr lang="en-US" altLang="zh-TW" sz="3600" spc="300" dirty="0">
-                <a:solidFill>
-                  <a:schemeClr val="bg1">
-                    <a:lumMod val="95000"/>
-                  </a:schemeClr>
-                </a:solidFill>
-                <a:latin typeface="+mn-ea"/>
-              </a:rPr>
-              <a:t>DOM</a:t>
-            </a:r>
-          </a:p>
-          <a:p>
-            <a:pPr marL="571500" indent="-571500">
-              <a:lnSpc>
-                <a:spcPct val="150000"/>
-              </a:lnSpc>
-              <a:buFont typeface="Arial" panose="020B0604020202020204" pitchFamily="34" charset="0"/>
-              <a:buChar char="•"/>
-            </a:pPr>
-            <a:r>
-              <a:rPr lang="zh-TW" altLang="en-US" sz="3600" spc="300" dirty="0">
-                <a:solidFill>
-                  <a:schemeClr val="bg1">
-                    <a:lumMod val="95000"/>
-                  </a:schemeClr>
-                </a:solidFill>
-                <a:latin typeface="+mn-ea"/>
-              </a:rPr>
-              <a:t>閉包</a:t>
-            </a:r>
-            <a:r>
-              <a:rPr lang="en-US" altLang="zh-TW" sz="3600" spc="300" dirty="0">
-                <a:solidFill>
-                  <a:schemeClr val="bg1">
-                    <a:lumMod val="95000"/>
-                  </a:schemeClr>
-                </a:solidFill>
-                <a:latin typeface="+mn-ea"/>
-              </a:rPr>
-              <a:t>(F</a:t>
-            </a:r>
-            <a:r>
-              <a:rPr lang="zh-TW" altLang="en-US" sz="3600" spc="300" dirty="0">
-                <a:solidFill>
-                  <a:schemeClr val="bg1">
-                    <a:lumMod val="95000"/>
-                  </a:schemeClr>
-                </a:solidFill>
-                <a:latin typeface="+mn-ea"/>
-              </a:rPr>
-              <a:t>unction</a:t>
-            </a:r>
-            <a:r>
-              <a:rPr lang="en-US" altLang="zh-TW" sz="3600" spc="300" dirty="0">
-                <a:solidFill>
-                  <a:schemeClr val="bg1">
-                    <a:lumMod val="95000"/>
-                  </a:schemeClr>
-                </a:solidFill>
-                <a:latin typeface="+mn-ea"/>
-              </a:rPr>
-              <a:t>)</a:t>
-            </a:r>
-          </a:p>
-          <a:p>
-            <a:pPr marL="571500" indent="-571500">
-              <a:lnSpc>
-                <a:spcPct val="150000"/>
-              </a:lnSpc>
-              <a:buFont typeface="Arial" panose="020B0604020202020204" pitchFamily="34" charset="0"/>
-              <a:buChar char="•"/>
-            </a:pPr>
-            <a:r>
-              <a:rPr lang="en-US" altLang="zh-TW" sz="3600" spc="300" dirty="0">
-                <a:solidFill>
-                  <a:schemeClr val="bg1">
-                    <a:lumMod val="95000"/>
-                  </a:schemeClr>
-                </a:solidFill>
-                <a:latin typeface="+mn-ea"/>
-              </a:rPr>
-              <a:t>Cookie</a:t>
-            </a:r>
-            <a:r>
-              <a:rPr lang="zh-TW" altLang="en-US" sz="3600" spc="300" dirty="0">
-                <a:solidFill>
-                  <a:schemeClr val="bg1">
-                    <a:lumMod val="95000"/>
-                  </a:schemeClr>
-                </a:solidFill>
-                <a:latin typeface="+mn-ea"/>
-              </a:rPr>
-              <a:t>、</a:t>
-            </a:r>
-            <a:r>
-              <a:rPr lang="en-US" altLang="zh-TW" sz="3600" spc="300" dirty="0">
-                <a:solidFill>
-                  <a:schemeClr val="bg1">
-                    <a:lumMod val="95000"/>
-                  </a:schemeClr>
-                </a:solidFill>
-                <a:latin typeface="+mn-ea"/>
-              </a:rPr>
-              <a:t>session </a:t>
-            </a:r>
-            <a:endParaRPr lang="zh-TW" altLang="en-US" sz="3600" spc="300" dirty="0">
-              <a:solidFill>
-                <a:schemeClr val="bg1">
-                  <a:lumMod val="95000"/>
-                </a:schemeClr>
-              </a:solidFill>
-              <a:latin typeface="+mn-ea"/>
-            </a:endParaRPr>
-          </a:p>
-        </p:txBody>
-      </p:sp>
-    </p:spTree>
-    <p:extLst>
-      <p:ext uri="{BB962C8B-B14F-4D97-AF65-F5344CB8AC3E}">
-        <p14:creationId xmlns:p14="http://schemas.microsoft.com/office/powerpoint/2010/main" val="1849099626"/>
-      </p:ext>
-    </p:extLst>
-  </p:cSld>
-  <p:clrMapOvr>
-    <a:masterClrMapping/>
-  </p:clrMapOvr>
-  <mc:AlternateContent xmlns:mc="http://schemas.openxmlformats.org/markup-compatibility/2006" xmlns:p14="http://schemas.microsoft.com/office/powerpoint/2010/main">
-    <mc:Choice Requires="p14">
-      <p:transition p14:dur="160">
-        <p:fade/>
-      </p:transition>
-    </mc:Choice>
-    <mc:Fallback xmlns="">
-      <p:transition>
-        <p:fade/>
-      </p:transition>
-    </mc:Fallback>
-  </mc:AlternateContent>
-  <p:timing>
-    <p:tnLst>
-      <p:par>
-        <p:cTn id="1" dur="indefinite" restart="never" nodeType="tmRoot">
-          <p:childTnLst>
-            <p:seq concurrent="1" nextAc="seek">
-              <p:cTn id="2" dur="indefinite" nodeType="mainSeq">
-                <p:childTnLst>
-                  <p:par>
-                    <p:cTn id="3" fill="hold">
-                      <p:stCondLst>
-                        <p:cond delay="indefinite"/>
-                      </p:stCondLst>
-                      <p:childTnLst>
-                        <p:par>
-                          <p:cTn id="4" fill="hold">
-                            <p:stCondLst>
-                              <p:cond delay="0"/>
-                            </p:stCondLst>
-                            <p:childTnLst>
-                              <p:par>
-                                <p:cTn id="5" presetID="10" presetClass="entr" presetSubtype="0" fill="hold" grpId="0" nodeType="clickEffect">
-                                  <p:stCondLst>
-                                    <p:cond delay="0"/>
-                                  </p:stCondLst>
-                                  <p:childTnLst>
-                                    <p:set>
-                                      <p:cBhvr>
-                                        <p:cTn id="6" dur="1" fill="hold">
-                                          <p:stCondLst>
-                                            <p:cond delay="0"/>
-                                          </p:stCondLst>
-                                        </p:cTn>
-                                        <p:tgtEl>
-                                          <p:spTgt spid="4"/>
-                                        </p:tgtEl>
-                                        <p:attrNameLst>
-                                          <p:attrName>style.visibility</p:attrName>
-                                        </p:attrNameLst>
-                                      </p:cBhvr>
-                                      <p:to>
-                                        <p:strVal val="visible"/>
-                                      </p:to>
-                                    </p:set>
-                                    <p:animEffect transition="in" filter="fade">
-                                      <p:cBhvr>
-                                        <p:cTn id="7" dur="250"/>
-                                        <p:tgtEl>
-                                          <p:spTgt spid="4"/>
-                                        </p:tgtEl>
-                                      </p:cBhvr>
-                                    </p:animEffect>
-                                  </p:childTnLst>
-                                </p:cTn>
-                              </p:par>
-                            </p:childTnLst>
-                          </p:cTn>
-                        </p:par>
-                      </p:childTnLst>
-                    </p:cTn>
-                  </p:par>
-                </p:childTnLst>
-              </p:cTn>
-              <p:prevCondLst>
-                <p:cond evt="onPrev" delay="0">
-                  <p:tgtEl>
-                    <p:sldTgt/>
-                  </p:tgtEl>
-                </p:cond>
-              </p:prevCondLst>
-              <p:nextCondLst>
-                <p:cond evt="onNext" delay="0">
-                  <p:tgtEl>
-                    <p:sldTgt/>
-                  </p:tgtEl>
-                </p:cond>
-              </p:nextCondLst>
-            </p:seq>
-          </p:childTnLst>
-        </p:cTn>
-      </p:par>
-    </p:tnLst>
-    <p:bldLst>
-      <p:bldP spid="4" grpId="0"/>
-    </p:bldLst>
-  </p:timing>
 </p:sld>
 </file>
 

--- a/PPT/React Hooks &.pptx
+++ b/PPT/React Hooks &.pptx
@@ -5,46 +5,47 @@
     <p:sldMasterId id="2147483840" r:id="rId1"/>
   </p:sldMasterIdLst>
   <p:notesMasterIdLst>
-    <p:notesMasterId r:id="rId36"/>
+    <p:notesMasterId r:id="rId37"/>
   </p:notesMasterIdLst>
   <p:handoutMasterIdLst>
-    <p:handoutMasterId r:id="rId37"/>
+    <p:handoutMasterId r:id="rId38"/>
   </p:handoutMasterIdLst>
   <p:sldIdLst>
     <p:sldId id="256" r:id="rId2"/>
     <p:sldId id="309" r:id="rId3"/>
-    <p:sldId id="257" r:id="rId4"/>
-    <p:sldId id="263" r:id="rId5"/>
-    <p:sldId id="264" r:id="rId6"/>
-    <p:sldId id="265" r:id="rId7"/>
-    <p:sldId id="266" r:id="rId8"/>
-    <p:sldId id="258" r:id="rId9"/>
-    <p:sldId id="290" r:id="rId10"/>
-    <p:sldId id="289" r:id="rId11"/>
-    <p:sldId id="275" r:id="rId12"/>
-    <p:sldId id="272" r:id="rId13"/>
-    <p:sldId id="288" r:id="rId14"/>
-    <p:sldId id="259" r:id="rId15"/>
-    <p:sldId id="291" r:id="rId16"/>
-    <p:sldId id="284" r:id="rId17"/>
-    <p:sldId id="304" r:id="rId18"/>
-    <p:sldId id="296" r:id="rId19"/>
-    <p:sldId id="299" r:id="rId20"/>
-    <p:sldId id="292" r:id="rId21"/>
-    <p:sldId id="293" r:id="rId22"/>
-    <p:sldId id="303" r:id="rId23"/>
-    <p:sldId id="305" r:id="rId24"/>
-    <p:sldId id="297" r:id="rId25"/>
-    <p:sldId id="310" r:id="rId26"/>
-    <p:sldId id="311" r:id="rId27"/>
-    <p:sldId id="294" r:id="rId28"/>
-    <p:sldId id="307" r:id="rId29"/>
-    <p:sldId id="306" r:id="rId30"/>
-    <p:sldId id="308" r:id="rId31"/>
-    <p:sldId id="260" r:id="rId32"/>
-    <p:sldId id="274" r:id="rId33"/>
-    <p:sldId id="273" r:id="rId34"/>
-    <p:sldId id="262" r:id="rId35"/>
+    <p:sldId id="312" r:id="rId4"/>
+    <p:sldId id="257" r:id="rId5"/>
+    <p:sldId id="263" r:id="rId6"/>
+    <p:sldId id="264" r:id="rId7"/>
+    <p:sldId id="265" r:id="rId8"/>
+    <p:sldId id="266" r:id="rId9"/>
+    <p:sldId id="258" r:id="rId10"/>
+    <p:sldId id="290" r:id="rId11"/>
+    <p:sldId id="289" r:id="rId12"/>
+    <p:sldId id="275" r:id="rId13"/>
+    <p:sldId id="272" r:id="rId14"/>
+    <p:sldId id="288" r:id="rId15"/>
+    <p:sldId id="259" r:id="rId16"/>
+    <p:sldId id="291" r:id="rId17"/>
+    <p:sldId id="284" r:id="rId18"/>
+    <p:sldId id="304" r:id="rId19"/>
+    <p:sldId id="296" r:id="rId20"/>
+    <p:sldId id="299" r:id="rId21"/>
+    <p:sldId id="292" r:id="rId22"/>
+    <p:sldId id="293" r:id="rId23"/>
+    <p:sldId id="303" r:id="rId24"/>
+    <p:sldId id="305" r:id="rId25"/>
+    <p:sldId id="297" r:id="rId26"/>
+    <p:sldId id="310" r:id="rId27"/>
+    <p:sldId id="311" r:id="rId28"/>
+    <p:sldId id="294" r:id="rId29"/>
+    <p:sldId id="307" r:id="rId30"/>
+    <p:sldId id="306" r:id="rId31"/>
+    <p:sldId id="313" r:id="rId32"/>
+    <p:sldId id="315" r:id="rId33"/>
+    <p:sldId id="260" r:id="rId34"/>
+    <p:sldId id="314" r:id="rId35"/>
+    <p:sldId id="262" r:id="rId36"/>
   </p:sldIdLst>
   <p:sldSz cx="12192000" cy="6858000"/>
   <p:notesSz cx="6858000" cy="9144000"/>
@@ -248,7 +249,7 @@
           <a:p>
             <a:fld id="{20C73765-FB04-4DFC-B996-1BF89FB13314}" type="datetimeFigureOut">
               <a:rPr lang="zh-TW" altLang="en-US" smtClean="0"/>
-              <a:t>2020/3/8</a:t>
+              <a:t>2020/3/12</a:t>
             </a:fld>
             <a:endParaRPr lang="zh-TW" altLang="en-US"/>
           </a:p>
@@ -425,7 +426,7 @@
           <a:p>
             <a:fld id="{70C5EA8F-4DE7-435E-83CB-AE9893E623BB}" type="datetimeFigureOut">
               <a:rPr lang="zh-TW" altLang="en-US" smtClean="0"/>
-              <a:t>2020/3/8</a:t>
+              <a:t>2020/3/12</a:t>
             </a:fld>
             <a:endParaRPr lang="zh-TW" altLang="en-US"/>
           </a:p>
@@ -969,7 +970,7 @@
           <a:p>
             <a:fld id="{6B094CF9-824F-48E6-BF21-19194E5F47C1}" type="slidenum">
               <a:rPr lang="zh-TW" altLang="en-US" smtClean="0"/>
-              <a:t>3</a:t>
+              <a:t>4</a:t>
             </a:fld>
             <a:endParaRPr lang="zh-TW" altLang="en-US"/>
           </a:p>
@@ -1190,7 +1191,7 @@
           <a:p>
             <a:fld id="{6B094CF9-824F-48E6-BF21-19194E5F47C1}" type="slidenum">
               <a:rPr lang="zh-TW" altLang="en-US" smtClean="0"/>
-              <a:t>4</a:t>
+              <a:t>5</a:t>
             </a:fld>
             <a:endParaRPr lang="zh-TW" altLang="en-US"/>
           </a:p>
@@ -1430,7 +1431,7 @@
           <a:p>
             <a:fld id="{6B094CF9-824F-48E6-BF21-19194E5F47C1}" type="slidenum">
               <a:rPr lang="zh-TW" altLang="en-US" smtClean="0"/>
-              <a:t>5</a:t>
+              <a:t>6</a:t>
             </a:fld>
             <a:endParaRPr lang="zh-TW" altLang="en-US"/>
           </a:p>
@@ -1514,7 +1515,7 @@
           <a:p>
             <a:fld id="{6B094CF9-824F-48E6-BF21-19194E5F47C1}" type="slidenum">
               <a:rPr lang="zh-TW" altLang="en-US" smtClean="0"/>
-              <a:t>6</a:t>
+              <a:t>7</a:t>
             </a:fld>
             <a:endParaRPr lang="zh-TW" altLang="en-US"/>
           </a:p>
@@ -1783,6 +1784,18 @@
           </a:p>
           <a:p>
             <a:pPr latinLnBrk="1"/>
+            <a:r>
+              <a:rPr lang="en-US" altLang="zh-TW" sz="1200" b="0" i="0" kern="1200" dirty="0">
+                <a:solidFill>
+                  <a:schemeClr val="tx1"/>
+                </a:solidFill>
+                <a:effectLst/>
+                <a:latin typeface="+mn-lt"/>
+                <a:ea typeface="+mn-ea"/>
+                <a:cs typeface="+mn-cs"/>
+              </a:rPr>
+              <a:t/>
+            </a:r>
             <a:br>
               <a:rPr lang="en-US" altLang="zh-TW" sz="1200" b="0" i="0" kern="1200" dirty="0">
                 <a:solidFill>
@@ -1919,7 +1932,7 @@
           <a:p>
             <a:fld id="{6B094CF9-824F-48E6-BF21-19194E5F47C1}" type="slidenum">
               <a:rPr lang="zh-TW" altLang="en-US" smtClean="0"/>
-              <a:t>8</a:t>
+              <a:t>9</a:t>
             </a:fld>
             <a:endParaRPr lang="zh-TW" altLang="en-US"/>
           </a:p>
@@ -2003,7 +2016,7 @@
           <a:p>
             <a:fld id="{6B094CF9-824F-48E6-BF21-19194E5F47C1}" type="slidenum">
               <a:rPr lang="zh-TW" altLang="en-US" smtClean="0"/>
-              <a:t>26</a:t>
+              <a:t>27</a:t>
             </a:fld>
             <a:endParaRPr lang="zh-TW" altLang="en-US"/>
           </a:p>
@@ -2013,6 +2026,90 @@
     <p:extLst>
       <p:ext uri="{BB962C8B-B14F-4D97-AF65-F5344CB8AC3E}">
         <p14:creationId xmlns:p14="http://schemas.microsoft.com/office/powerpoint/2010/main" val="460951916"/>
+      </p:ext>
+    </p:extLst>
+  </p:cSld>
+  <p:clrMapOvr>
+    <a:masterClrMapping/>
+  </p:clrMapOvr>
+</p:notes>
+</file>
+
+<file path=ppt/notesSlides/notesSlide8.xml><?xml version="1.0" encoding="utf-8"?>
+<p:notes xmlns:a="http://schemas.openxmlformats.org/drawingml/2006/main" xmlns:r="http://schemas.openxmlformats.org/officeDocument/2006/relationships" xmlns:p="http://schemas.openxmlformats.org/presentationml/2006/main">
+  <p:cSld>
+    <p:spTree>
+      <p:nvGrpSpPr>
+        <p:cNvPr id="1" name=""/>
+        <p:cNvGrpSpPr/>
+        <p:nvPr/>
+      </p:nvGrpSpPr>
+      <p:grpSpPr>
+        <a:xfrm>
+          <a:off x="0" y="0"/>
+          <a:ext cx="0" cy="0"/>
+          <a:chOff x="0" y="0"/>
+          <a:chExt cx="0" cy="0"/>
+        </a:xfrm>
+      </p:grpSpPr>
+      <p:sp>
+        <p:nvSpPr>
+          <p:cNvPr id="2" name="投影片圖像版面配置區 1"/>
+          <p:cNvSpPr>
+            <a:spLocks noGrp="1" noRot="1" noChangeAspect="1"/>
+          </p:cNvSpPr>
+          <p:nvPr>
+            <p:ph type="sldImg"/>
+          </p:nvPr>
+        </p:nvSpPr>
+        <p:spPr/>
+      </p:sp>
+      <p:sp>
+        <p:nvSpPr>
+          <p:cNvPr id="3" name="備忘稿版面配置區 2"/>
+          <p:cNvSpPr>
+            <a:spLocks noGrp="1"/>
+          </p:cNvSpPr>
+          <p:nvPr>
+            <p:ph type="body" idx="1"/>
+          </p:nvPr>
+        </p:nvSpPr>
+        <p:spPr/>
+        <p:txBody>
+          <a:bodyPr/>
+          <a:lstStyle/>
+          <a:p>
+            <a:endParaRPr lang="zh-TW" altLang="en-US" dirty="0"/>
+          </a:p>
+        </p:txBody>
+      </p:sp>
+      <p:sp>
+        <p:nvSpPr>
+          <p:cNvPr id="4" name="投影片編號版面配置區 3"/>
+          <p:cNvSpPr>
+            <a:spLocks noGrp="1"/>
+          </p:cNvSpPr>
+          <p:nvPr>
+            <p:ph type="sldNum" sz="quarter" idx="10"/>
+          </p:nvPr>
+        </p:nvSpPr>
+        <p:spPr/>
+        <p:txBody>
+          <a:bodyPr/>
+          <a:lstStyle/>
+          <a:p>
+            <a:fld id="{6B094CF9-824F-48E6-BF21-19194E5F47C1}" type="slidenum">
+              <a:rPr lang="zh-TW" altLang="en-US" smtClean="0"/>
+              <a:t>32</a:t>
+            </a:fld>
+            <a:endParaRPr lang="zh-TW" altLang="en-US"/>
+          </a:p>
+        </p:txBody>
+      </p:sp>
+    </p:spTree>
+    <p:extLst>
+      <p:ext uri="{BB962C8B-B14F-4D97-AF65-F5344CB8AC3E}">
+        <p14:creationId xmlns:p14="http://schemas.microsoft.com/office/powerpoint/2010/main" val="2576509242"/>
       </p:ext>
     </p:extLst>
   </p:cSld>
@@ -2257,7 +2354,7 @@
           <a:bodyPr/>
           <a:lstStyle>
             <a:lvl1pPr>
-              <a:defRPr>
+              <a:defRPr sz="1800">
                 <a:solidFill>
                   <a:schemeClr val="bg1">
                     <a:lumMod val="75000"/>
@@ -2272,7 +2369,7 @@
             <a:fld id="{32C01325-88C4-4D06-9909-B472E042400E}" type="datetime1">
               <a:rPr lang="en-US" altLang="zh-TW" smtClean="0"/>
               <a:pPr/>
-              <a:t>3/8/2020</a:t>
+              <a:t>3/12/2020</a:t>
             </a:fld>
             <a:endParaRPr lang="en-US" dirty="0"/>
           </a:p>
@@ -2571,7 +2668,7 @@
           <a:p>
             <a:fld id="{EDA0A132-BC1D-4AF8-815F-69FFFBA081C0}" type="datetime1">
               <a:rPr lang="en-US" altLang="zh-TW" smtClean="0"/>
-              <a:t>3/8/2020</a:t>
+              <a:t>3/12/2020</a:t>
             </a:fld>
             <a:endParaRPr lang="en-US" dirty="0"/>
           </a:p>
@@ -2762,7 +2859,7 @@
           <a:p>
             <a:fld id="{7D88C161-0482-4BB7-93B6-C6023237F745}" type="datetime1">
               <a:rPr lang="en-US" altLang="zh-TW" smtClean="0"/>
-              <a:t>3/8/2020</a:t>
+              <a:t>3/12/2020</a:t>
             </a:fld>
             <a:endParaRPr lang="en-US" dirty="0"/>
           </a:p>
@@ -2958,7 +3055,7 @@
           <a:p>
             <a:fld id="{8E4C3707-23DF-4F24-B951-FD2ECC3B8CB1}" type="datetime1">
               <a:rPr lang="en-US" altLang="zh-TW" smtClean="0"/>
-              <a:t>3/8/2020</a:t>
+              <a:t>3/12/2020</a:t>
             </a:fld>
             <a:endParaRPr lang="en-US" dirty="0"/>
           </a:p>
@@ -3140,11 +3237,16 @@
         <p:spPr/>
         <p:txBody>
           <a:bodyPr/>
-          <a:lstStyle/>
+          <a:lstStyle>
+            <a:lvl1pPr>
+              <a:defRPr sz="1100"/>
+            </a:lvl1pPr>
+          </a:lstStyle>
           <a:p>
             <a:fld id="{5F545754-5242-4855-81C9-E117DB6DAFCF}" type="datetime1">
               <a:rPr lang="en-US" altLang="zh-TW" smtClean="0"/>
-              <a:t>3/8/2020</a:t>
+              <a:pPr/>
+              <a:t>3/12/2020</a:t>
             </a:fld>
             <a:endParaRPr lang="en-US" dirty="0"/>
           </a:p>
@@ -3386,7 +3488,7 @@
           <a:p>
             <a:fld id="{3BC9C2A9-AB99-41F5-8F75-27C8D8E8E8DB}" type="datetime1">
               <a:rPr lang="en-US" altLang="zh-TW" smtClean="0"/>
-              <a:t>3/8/2020</a:t>
+              <a:t>3/12/2020</a:t>
             </a:fld>
             <a:endParaRPr lang="en-US" dirty="0"/>
           </a:p>
@@ -3690,7 +3792,7 @@
           <a:p>
             <a:fld id="{09B33BAF-14F9-4A03-BD06-9AE09252F7E6}" type="datetime1">
               <a:rPr lang="en-US" altLang="zh-TW" smtClean="0"/>
-              <a:t>3/8/2020</a:t>
+              <a:t>3/12/2020</a:t>
             </a:fld>
             <a:endParaRPr lang="en-US" dirty="0"/>
           </a:p>
@@ -4148,7 +4250,7 @@
           <a:p>
             <a:fld id="{30AF5C3A-F124-479E-9564-3819A45DE9FD}" type="datetime1">
               <a:rPr lang="en-US" altLang="zh-TW" smtClean="0"/>
-              <a:t>3/8/2020</a:t>
+              <a:t>3/12/2020</a:t>
             </a:fld>
             <a:endParaRPr lang="en-US" dirty="0"/>
           </a:p>
@@ -4282,7 +4384,7 @@
           <a:p>
             <a:fld id="{E2A6C839-805B-4120-8E1A-887DB3085696}" type="datetime1">
               <a:rPr lang="en-US" altLang="zh-TW" smtClean="0"/>
-              <a:t>3/8/2020</a:t>
+              <a:t>3/12/2020</a:t>
             </a:fld>
             <a:endParaRPr lang="en-US" dirty="0"/>
           </a:p>
@@ -4393,7 +4495,7 @@
           <a:p>
             <a:fld id="{C3BC61D4-9EDA-48F2-9DC7-4BAF2EFB36CA}" type="datetime1">
               <a:rPr lang="en-US" altLang="zh-TW" smtClean="0"/>
-              <a:t>3/8/2020</a:t>
+              <a:t>3/12/2020</a:t>
             </a:fld>
             <a:endParaRPr lang="en-US" dirty="0"/>
           </a:p>
@@ -4516,7 +4618,7 @@
           <a:p>
             <a:fld id="{C3BC61D4-9EDA-48F2-9DC7-4BAF2EFB36CA}" type="datetime1">
               <a:rPr lang="en-US" altLang="zh-TW" smtClean="0"/>
-              <a:t>3/8/2020</a:t>
+              <a:t>3/12/2020</a:t>
             </a:fld>
             <a:endParaRPr lang="en-US" dirty="0"/>
           </a:p>
@@ -4892,7 +4994,7 @@
           <a:p>
             <a:fld id="{AD3619F7-4977-420F-B59A-DBDA61E7ABEC}" type="datetime1">
               <a:rPr lang="en-US" altLang="zh-TW" smtClean="0"/>
-              <a:t>3/8/2020</a:t>
+              <a:t>3/12/2020</a:t>
             </a:fld>
             <a:endParaRPr lang="en-US" dirty="0"/>
           </a:p>
@@ -5210,7 +5312,7 @@
             <a:fld id="{427FFE6E-D4EC-4F12-B8B0-E72AA8EDAE7C}" type="datetime1">
               <a:rPr lang="en-US" altLang="zh-TW" smtClean="0"/>
               <a:pPr/>
-              <a:t>3/8/2020</a:t>
+              <a:t>3/12/2020</a:t>
             </a:fld>
             <a:endParaRPr lang="en-US" dirty="0"/>
           </a:p>
@@ -5771,7 +5873,11 @@
             </a:br>
             <a:r>
               <a:rPr lang="en-US" altLang="zh-TW" dirty="0"/>
-              <a:t>React Patter Design</a:t>
+              <a:t>React Design </a:t>
+            </a:r>
+            <a:r>
+              <a:rPr lang="en-US" altLang="zh-TW" dirty="0" smtClean="0"/>
+              <a:t>Pattern</a:t>
             </a:r>
             <a:endParaRPr lang="zh-TW" altLang="en-US" dirty="0"/>
           </a:p>
@@ -5856,7 +5962,7 @@
           <a:p>
             <a:fld id="{1CD3BEDE-1300-489E-9415-8CE48063710D}" type="datetime1">
               <a:rPr lang="en-US" altLang="zh-TW" smtClean="0"/>
-              <a:t>3/8/2020</a:t>
+              <a:t>3/12/2020</a:t>
             </a:fld>
             <a:endParaRPr lang="en-US" dirty="0"/>
           </a:p>
@@ -5884,6 +5990,13 @@
       </p:transition>
     </mc:Fallback>
   </mc:AlternateContent>
+  <p:timing>
+    <p:tnLst>
+      <p:par>
+        <p:cTn id="1" dur="indefinite" restart="never" nodeType="tmRoot"/>
+      </p:par>
+    </p:tnLst>
+  </p:timing>
 </p:sld>
 </file>
 
@@ -5909,6 +6022,143 @@
           <p:cNvPr id="2" name="投影片編號版面配置區 1">
             <a:extLst>
               <a:ext uri="{FF2B5EF4-FFF2-40B4-BE49-F238E27FC236}">
+                <a16:creationId xmlns:a16="http://schemas.microsoft.com/office/drawing/2014/main" id="{4B53C541-0ADD-4615-A0E0-8DF543BFF4D9}"/>
+              </a:ext>
+            </a:extLst>
+          </p:cNvPr>
+          <p:cNvSpPr>
+            <a:spLocks noGrp="1"/>
+          </p:cNvSpPr>
+          <p:nvPr>
+            <p:ph type="sldNum" sz="quarter" idx="12"/>
+          </p:nvPr>
+        </p:nvSpPr>
+        <p:spPr/>
+        <p:txBody>
+          <a:bodyPr/>
+          <a:lstStyle/>
+          <a:p>
+            <a:fld id="{4FAB73BC-B049-4115-A692-8D63A059BFB8}" type="slidenum">
+              <a:rPr lang="en-US" smtClean="0"/>
+              <a:pPr/>
+              <a:t>10</a:t>
+            </a:fld>
+            <a:endParaRPr lang="en-US" dirty="0"/>
+          </a:p>
+        </p:txBody>
+      </p:sp>
+      <p:sp>
+        <p:nvSpPr>
+          <p:cNvPr id="3" name="文字版面配置區 2">
+            <a:extLst>
+              <a:ext uri="{FF2B5EF4-FFF2-40B4-BE49-F238E27FC236}">
+                <a16:creationId xmlns:a16="http://schemas.microsoft.com/office/drawing/2014/main" id="{B679FC67-CFB6-4588-9290-1D31B6F6BF35}"/>
+              </a:ext>
+            </a:extLst>
+          </p:cNvPr>
+          <p:cNvSpPr>
+            <a:spLocks noGrp="1"/>
+          </p:cNvSpPr>
+          <p:nvPr>
+            <p:ph type="body" sz="quarter" idx="13"/>
+          </p:nvPr>
+        </p:nvSpPr>
+        <p:spPr/>
+        <p:txBody>
+          <a:bodyPr/>
+          <a:lstStyle/>
+          <a:p>
+            <a:r>
+              <a:rPr lang="zh-TW" altLang="en-US" b="1" dirty="0"/>
+              <a:t>巢狀地獄</a:t>
+            </a:r>
+          </a:p>
+        </p:txBody>
+      </p:sp>
+      <p:pic>
+        <p:nvPicPr>
+          <p:cNvPr id="4" name="圖片 3">
+            <a:extLst>
+              <a:ext uri="{FF2B5EF4-FFF2-40B4-BE49-F238E27FC236}">
+                <a16:creationId xmlns:a16="http://schemas.microsoft.com/office/drawing/2014/main" id="{B2E334CC-A5AF-473B-9710-F4C0991EE5E3}"/>
+              </a:ext>
+            </a:extLst>
+          </p:cNvPr>
+          <p:cNvPicPr>
+            <a:picLocks noChangeAspect="1"/>
+          </p:cNvPicPr>
+          <p:nvPr/>
+        </p:nvPicPr>
+        <p:blipFill>
+          <a:blip r:embed="rId2"/>
+          <a:stretch>
+            <a:fillRect/>
+          </a:stretch>
+        </p:blipFill>
+        <p:spPr>
+          <a:xfrm>
+            <a:off x="2250542" y="1435924"/>
+            <a:ext cx="7832573" cy="4572633"/>
+          </a:xfrm>
+          <a:prstGeom prst="rect">
+            <a:avLst/>
+          </a:prstGeom>
+        </p:spPr>
+      </p:pic>
+    </p:spTree>
+    <p:extLst>
+      <p:ext uri="{BB962C8B-B14F-4D97-AF65-F5344CB8AC3E}">
+        <p14:creationId xmlns:p14="http://schemas.microsoft.com/office/powerpoint/2010/main" val="3797813011"/>
+      </p:ext>
+    </p:extLst>
+  </p:cSld>
+  <p:clrMapOvr>
+    <a:masterClrMapping/>
+  </p:clrMapOvr>
+  <mc:AlternateContent xmlns:mc="http://schemas.openxmlformats.org/markup-compatibility/2006" xmlns:p14="http://schemas.microsoft.com/office/powerpoint/2010/main">
+    <mc:Choice Requires="p14">
+      <p:transition p14:dur="160">
+        <p:fade/>
+      </p:transition>
+    </mc:Choice>
+    <mc:Fallback xmlns="">
+      <p:transition>
+        <p:fade/>
+      </p:transition>
+    </mc:Fallback>
+  </mc:AlternateContent>
+  <p:timing>
+    <p:tnLst>
+      <p:par>
+        <p:cTn id="1" dur="indefinite" restart="never" nodeType="tmRoot"/>
+      </p:par>
+    </p:tnLst>
+  </p:timing>
+</p:sld>
+</file>
+
+<file path=ppt/slides/slide11.xml><?xml version="1.0" encoding="utf-8"?>
+<p:sld xmlns:a="http://schemas.openxmlformats.org/drawingml/2006/main" xmlns:r="http://schemas.openxmlformats.org/officeDocument/2006/relationships" xmlns:p="http://schemas.openxmlformats.org/presentationml/2006/main">
+  <p:cSld>
+    <p:spTree>
+      <p:nvGrpSpPr>
+        <p:cNvPr id="1" name=""/>
+        <p:cNvGrpSpPr/>
+        <p:nvPr/>
+      </p:nvGrpSpPr>
+      <p:grpSpPr>
+        <a:xfrm>
+          <a:off x="0" y="0"/>
+          <a:ext cx="0" cy="0"/>
+          <a:chOff x="0" y="0"/>
+          <a:chExt cx="0" cy="0"/>
+        </a:xfrm>
+      </p:grpSpPr>
+      <p:sp>
+        <p:nvSpPr>
+          <p:cNvPr id="2" name="投影片編號版面配置區 1">
+            <a:extLst>
+              <a:ext uri="{FF2B5EF4-FFF2-40B4-BE49-F238E27FC236}">
                 <a16:creationId xmlns:a16="http://schemas.microsoft.com/office/drawing/2014/main" id="{61331C4F-506B-419C-9E7A-95DFE55CAF5C}"/>
               </a:ext>
             </a:extLst>
@@ -5928,7 +6178,7 @@
             <a:fld id="{4FAB73BC-B049-4115-A692-8D63A059BFB8}" type="slidenum">
               <a:rPr lang="en-US" smtClean="0"/>
               <a:pPr/>
-              <a:t>10</a:t>
+              <a:t>11</a:t>
             </a:fld>
             <a:endParaRPr lang="en-US" dirty="0"/>
           </a:p>
@@ -6294,7 +6544,7 @@
 </p:sld>
 </file>
 
-<file path=ppt/slides/slide11.xml><?xml version="1.0" encoding="utf-8"?>
+<file path=ppt/slides/slide12.xml><?xml version="1.0" encoding="utf-8"?>
 <p:sld xmlns:a="http://schemas.openxmlformats.org/drawingml/2006/main" xmlns:r="http://schemas.openxmlformats.org/officeDocument/2006/relationships" xmlns:p="http://schemas.openxmlformats.org/presentationml/2006/main">
   <p:cSld>
     <p:spTree>
@@ -6551,7 +6801,7 @@
             <a:fld id="{4FAB73BC-B049-4115-A692-8D63A059BFB8}" type="slidenum">
               <a:rPr lang="en-US" smtClean="0"/>
               <a:pPr/>
-              <a:t>11</a:t>
+              <a:t>12</a:t>
             </a:fld>
             <a:endParaRPr lang="en-US" dirty="0"/>
           </a:p>
@@ -6579,10 +6829,17 @@
       </p:transition>
     </mc:Fallback>
   </mc:AlternateContent>
+  <p:timing>
+    <p:tnLst>
+      <p:par>
+        <p:cTn id="1" dur="indefinite" restart="never" nodeType="tmRoot"/>
+      </p:par>
+    </p:tnLst>
+  </p:timing>
 </p:sld>
 </file>
 
-<file path=ppt/slides/slide12.xml><?xml version="1.0" encoding="utf-8"?>
+<file path=ppt/slides/slide13.xml><?xml version="1.0" encoding="utf-8"?>
 <p:sld xmlns:a="http://schemas.openxmlformats.org/drawingml/2006/main" xmlns:r="http://schemas.openxmlformats.org/officeDocument/2006/relationships" xmlns:p="http://schemas.openxmlformats.org/presentationml/2006/main">
   <p:cSld>
     <p:spTree>
@@ -6617,7 +6874,7 @@
             <a:fld id="{4FAB73BC-B049-4115-A692-8D63A059BFB8}" type="slidenum">
               <a:rPr lang="en-US" smtClean="0"/>
               <a:pPr/>
-              <a:t>12</a:t>
+              <a:t>13</a:t>
             </a:fld>
             <a:endParaRPr lang="en-US" dirty="0"/>
           </a:p>
@@ -6851,10 +7108,17 @@
       </p:transition>
     </mc:Fallback>
   </mc:AlternateContent>
+  <p:timing>
+    <p:tnLst>
+      <p:par>
+        <p:cTn id="1" dur="indefinite" restart="never" nodeType="tmRoot"/>
+      </p:par>
+    </p:tnLst>
+  </p:timing>
 </p:sld>
 </file>
 
-<file path=ppt/slides/slide13.xml><?xml version="1.0" encoding="utf-8"?>
+<file path=ppt/slides/slide14.xml><?xml version="1.0" encoding="utf-8"?>
 <p:sld xmlns:a="http://schemas.openxmlformats.org/drawingml/2006/main" xmlns:r="http://schemas.openxmlformats.org/officeDocument/2006/relationships" xmlns:p="http://schemas.openxmlformats.org/presentationml/2006/main">
   <p:cSld>
     <p:spTree>
@@ -6895,7 +7159,7 @@
             <a:fld id="{4FAB73BC-B049-4115-A692-8D63A059BFB8}" type="slidenum">
               <a:rPr lang="en-US" smtClean="0"/>
               <a:pPr/>
-              <a:t>13</a:t>
+              <a:t>14</a:t>
             </a:fld>
             <a:endParaRPr lang="en-US" dirty="0"/>
           </a:p>
@@ -7007,10 +7271,17 @@
       </p:transition>
     </mc:Fallback>
   </mc:AlternateContent>
+  <p:timing>
+    <p:tnLst>
+      <p:par>
+        <p:cTn id="1" dur="indefinite" restart="never" nodeType="tmRoot"/>
+      </p:par>
+    </p:tnLst>
+  </p:timing>
 </p:sld>
 </file>
 
-<file path=ppt/slides/slide14.xml><?xml version="1.0" encoding="utf-8"?>
+<file path=ppt/slides/slide15.xml><?xml version="1.0" encoding="utf-8"?>
 <p:sld xmlns:a="http://schemas.openxmlformats.org/drawingml/2006/main" xmlns:r="http://schemas.openxmlformats.org/officeDocument/2006/relationships" xmlns:p="http://schemas.openxmlformats.org/presentationml/2006/main">
   <p:cSld>
     <p:spTree>
@@ -7288,47 +7559,18 @@
                 </a:solidFill>
                 <a:latin typeface="+mj-ea"/>
               </a:rPr>
-              <a:t>( )</a:t>
-            </a:r>
-            <a:endParaRPr lang="zh-TW" altLang="en-US" sz="3000" dirty="0">
-              <a:solidFill>
-                <a:schemeClr val="bg1">
-                  <a:lumMod val="95000"/>
-                </a:schemeClr>
-              </a:solidFill>
-              <a:latin typeface="+mj-ea"/>
-            </a:endParaRPr>
-          </a:p>
-          <a:p>
-            <a:pPr marL="502920" lvl="1" indent="0">
-              <a:buClr>
-                <a:schemeClr val="bg1"/>
-              </a:buClr>
-              <a:buNone/>
-            </a:pPr>
-            <a:r>
-              <a:rPr lang="en-US" altLang="zh-TW" sz="3000" dirty="0" err="1">
+              <a:t>( </a:t>
+            </a:r>
+            <a:r>
+              <a:rPr lang="en-US" altLang="zh-TW" sz="3000" dirty="0" smtClean="0">
                 <a:solidFill>
                   <a:schemeClr val="bg1">
                     <a:lumMod val="95000"/>
                   </a:schemeClr>
                 </a:solidFill>
-                <a:latin typeface="Adobe 繁黑體 Std B" panose="020B0700000000000000" pitchFamily="34" charset="-120"/>
-                <a:ea typeface="Adobe 繁黑體 Std B" panose="020B0700000000000000" pitchFamily="34" charset="-120"/>
-              </a:rPr>
-              <a:t>useImperativeHandle</a:t>
-            </a:r>
-            <a:r>
-              <a:rPr lang="en-US" altLang="zh-TW" sz="3000" dirty="0">
-                <a:solidFill>
-                  <a:schemeClr val="bg1">
-                    <a:lumMod val="95000"/>
-                  </a:schemeClr>
-                </a:solidFill>
-                <a:latin typeface="Adobe 繁黑體 Std B" panose="020B0700000000000000" pitchFamily="34" charset="-120"/>
-                <a:ea typeface="Adobe 繁黑體 Std B" panose="020B0700000000000000" pitchFamily="34" charset="-120"/>
-              </a:rPr>
-              <a:t>( )</a:t>
+                <a:latin typeface="+mj-ea"/>
+              </a:rPr>
+              <a:t>)</a:t>
             </a:r>
             <a:endParaRPr lang="zh-TW" altLang="en-US" sz="3000" dirty="0">
               <a:solidFill>
@@ -7364,10 +7606,17 @@
       </p:transition>
     </mc:Fallback>
   </mc:AlternateContent>
+  <p:timing>
+    <p:tnLst>
+      <p:par>
+        <p:cTn id="1" dur="indefinite" restart="never" nodeType="tmRoot"/>
+      </p:par>
+    </p:tnLst>
+  </p:timing>
 </p:sld>
 </file>
 
-<file path=ppt/slides/slide15.xml><?xml version="1.0" encoding="utf-8"?>
+<file path=ppt/slides/slide16.xml><?xml version="1.0" encoding="utf-8"?>
 <p:sld xmlns:a="http://schemas.openxmlformats.org/drawingml/2006/main" xmlns:r="http://schemas.openxmlformats.org/officeDocument/2006/relationships" xmlns:p="http://schemas.openxmlformats.org/presentationml/2006/main">
   <p:cSld>
     <p:spTree>
@@ -7408,7 +7657,7 @@
             <a:fld id="{4FAB73BC-B049-4115-A692-8D63A059BFB8}" type="slidenum">
               <a:rPr lang="en-US" smtClean="0"/>
               <a:pPr/>
-              <a:t>15</a:t>
+              <a:t>16</a:t>
             </a:fld>
             <a:endParaRPr lang="en-US" dirty="0"/>
           </a:p>
@@ -7580,10 +7829,17 @@
       </p:transition>
     </mc:Fallback>
   </mc:AlternateContent>
+  <p:timing>
+    <p:tnLst>
+      <p:par>
+        <p:cTn id="1" dur="indefinite" restart="never" nodeType="tmRoot"/>
+      </p:par>
+    </p:tnLst>
+  </p:timing>
 </p:sld>
 </file>
 
-<file path=ppt/slides/slide16.xml><?xml version="1.0" encoding="utf-8"?>
+<file path=ppt/slides/slide17.xml><?xml version="1.0" encoding="utf-8"?>
 <p:sld xmlns:a="http://schemas.openxmlformats.org/drawingml/2006/main" xmlns:r="http://schemas.openxmlformats.org/officeDocument/2006/relationships" xmlns:p="http://schemas.openxmlformats.org/presentationml/2006/main">
   <p:cSld>
     <p:spTree>
@@ -7618,7 +7874,7 @@
             <a:fld id="{4FAB73BC-B049-4115-A692-8D63A059BFB8}" type="slidenum">
               <a:rPr lang="en-US" smtClean="0"/>
               <a:pPr/>
-              <a:t>16</a:t>
+              <a:t>17</a:t>
             </a:fld>
             <a:endParaRPr lang="en-US" dirty="0"/>
           </a:p>
@@ -8523,10 +8779,17 @@
       </p:transition>
     </mc:Fallback>
   </mc:AlternateContent>
+  <p:timing>
+    <p:tnLst>
+      <p:par>
+        <p:cTn id="1" dur="indefinite" restart="never" nodeType="tmRoot"/>
+      </p:par>
+    </p:tnLst>
+  </p:timing>
 </p:sld>
 </file>
 
-<file path=ppt/slides/slide17.xml><?xml version="1.0" encoding="utf-8"?>
+<file path=ppt/slides/slide18.xml><?xml version="1.0" encoding="utf-8"?>
 <p:sld xmlns:a="http://schemas.openxmlformats.org/drawingml/2006/main" xmlns:r="http://schemas.openxmlformats.org/officeDocument/2006/relationships" xmlns:p="http://schemas.openxmlformats.org/presentationml/2006/main">
   <p:cSld>
     <p:spTree>
@@ -8567,7 +8830,7 @@
             <a:fld id="{4FAB73BC-B049-4115-A692-8D63A059BFB8}" type="slidenum">
               <a:rPr lang="en-US" smtClean="0"/>
               <a:pPr/>
-              <a:t>17</a:t>
+              <a:t>18</a:t>
             </a:fld>
             <a:endParaRPr lang="en-US" dirty="0"/>
           </a:p>
@@ -8761,7 +9024,7 @@
           <p:nvPr>
             <p:extLst>
               <p:ext uri="{D42A27DB-BD31-4B8C-83A1-F6EECF244321}">
-                <p14:modId xmlns:p14="http://schemas.microsoft.com/office/powerpoint/2010/main" val="1136307100"/>
+                <p14:modId xmlns:p14="http://schemas.microsoft.com/office/powerpoint/2010/main" val="3164017500"/>
               </p:ext>
             </p:extLst>
           </p:nvPr>
@@ -8997,7 +9260,30 @@
                           </a:solidFill>
                           <a:latin typeface="+mn-ea"/>
                         </a:rPr>
-                        <a:t>提供修改方式、改變時會渲染頁面</a:t>
+                        <a:t>提供</a:t>
+                      </a:r>
+                      <a:r>
+                        <a:rPr lang="zh-TW" altLang="en-US" sz="2400" dirty="0">
+                          <a:solidFill>
+                            <a:schemeClr val="accent1">
+                              <a:lumMod val="40000"/>
+                              <a:lumOff val="60000"/>
+                            </a:schemeClr>
+                          </a:solidFill>
+                          <a:latin typeface="+mn-ea"/>
+                        </a:rPr>
+                        <a:t>修改</a:t>
+                      </a:r>
+                      <a:r>
+                        <a:rPr lang="zh-TW" altLang="en-US" sz="2400" dirty="0">
+                          <a:solidFill>
+                            <a:schemeClr val="bg1">
+                              <a:lumMod val="85000"/>
+                            </a:schemeClr>
+                          </a:solidFill>
+                          <a:latin typeface="+mn-ea"/>
+                        </a:rPr>
+                        <a:t>方式、改變時會渲染頁面</a:t>
                       </a:r>
                       <a:endParaRPr lang="en-US" altLang="zh-TW" sz="2400" dirty="0">
                         <a:solidFill>
@@ -9066,10 +9352,17 @@
       </p:transition>
     </mc:Fallback>
   </mc:AlternateContent>
+  <p:timing>
+    <p:tnLst>
+      <p:par>
+        <p:cTn id="1" dur="indefinite" restart="never" nodeType="tmRoot"/>
+      </p:par>
+    </p:tnLst>
+  </p:timing>
 </p:sld>
 </file>
 
-<file path=ppt/slides/slide18.xml><?xml version="1.0" encoding="utf-8"?>
+<file path=ppt/slides/slide19.xml><?xml version="1.0" encoding="utf-8"?>
 <p:sld xmlns:a="http://schemas.openxmlformats.org/drawingml/2006/main" xmlns:r="http://schemas.openxmlformats.org/officeDocument/2006/relationships" xmlns:p="http://schemas.openxmlformats.org/presentationml/2006/main">
   <p:cSld>
     <p:spTree>
@@ -9110,7 +9403,7 @@
             <a:fld id="{4FAB73BC-B049-4115-A692-8D63A059BFB8}" type="slidenum">
               <a:rPr lang="en-US" smtClean="0"/>
               <a:pPr/>
-              <a:t>18</a:t>
+              <a:t>19</a:t>
             </a:fld>
             <a:endParaRPr lang="en-US" dirty="0"/>
           </a:p>
@@ -9704,10 +9997,17 @@
       </p:transition>
     </mc:Fallback>
   </mc:AlternateContent>
+  <p:timing>
+    <p:tnLst>
+      <p:par>
+        <p:cTn id="1" dur="indefinite" restart="never" nodeType="tmRoot"/>
+      </p:par>
+    </p:tnLst>
+  </p:timing>
 </p:sld>
 </file>
 
-<file path=ppt/slides/slide19.xml><?xml version="1.0" encoding="utf-8"?>
+<file path=ppt/slides/slide2.xml><?xml version="1.0" encoding="utf-8"?>
 <p:sld xmlns:a="http://schemas.openxmlformats.org/drawingml/2006/main" xmlns:r="http://schemas.openxmlformats.org/officeDocument/2006/relationships" xmlns:p="http://schemas.openxmlformats.org/presentationml/2006/main">
   <p:cSld>
     <p:spTree>
@@ -9726,6 +10026,270 @@
       </p:grpSpPr>
       <p:sp>
         <p:nvSpPr>
+          <p:cNvPr id="2" name="標題 1">
+            <a:extLst>
+              <a:ext uri="{FF2B5EF4-FFF2-40B4-BE49-F238E27FC236}">
+                <a16:creationId xmlns:a16="http://schemas.microsoft.com/office/drawing/2014/main" id="{F0AF19AC-CCAA-4AFD-A12B-341673AD260A}"/>
+              </a:ext>
+            </a:extLst>
+          </p:cNvPr>
+          <p:cNvSpPr>
+            <a:spLocks noGrp="1"/>
+          </p:cNvSpPr>
+          <p:nvPr>
+            <p:ph type="title"/>
+          </p:nvPr>
+        </p:nvSpPr>
+        <p:spPr/>
+        <p:txBody>
+          <a:bodyPr/>
+          <a:lstStyle/>
+          <a:p>
+            <a:pPr algn="ctr"/>
+            <a:r>
+              <a:rPr lang="zh-TW" altLang="en-US" dirty="0"/>
+              <a:t>事前準備</a:t>
+            </a:r>
+          </a:p>
+        </p:txBody>
+      </p:sp>
+      <p:sp>
+        <p:nvSpPr>
+          <p:cNvPr id="3" name="內容版面配置區 2">
+            <a:extLst>
+              <a:ext uri="{FF2B5EF4-FFF2-40B4-BE49-F238E27FC236}">
+                <a16:creationId xmlns:a16="http://schemas.microsoft.com/office/drawing/2014/main" id="{6A0CBFEB-7C06-4506-845C-54A4A3A7AA15}"/>
+              </a:ext>
+            </a:extLst>
+          </p:cNvPr>
+          <p:cNvSpPr>
+            <a:spLocks noGrp="1"/>
+          </p:cNvSpPr>
+          <p:nvPr>
+            <p:ph idx="1"/>
+          </p:nvPr>
+        </p:nvSpPr>
+        <p:spPr/>
+        <p:txBody>
+          <a:bodyPr anchor="t">
+            <a:normAutofit/>
+          </a:bodyPr>
+          <a:lstStyle/>
+          <a:p>
+            <a:pPr>
+              <a:lnSpc>
+                <a:spcPct val="150000"/>
+              </a:lnSpc>
+            </a:pPr>
+            <a:r>
+              <a:rPr lang="en-US" altLang="zh-TW" sz="2600" dirty="0">
+                <a:solidFill>
+                  <a:schemeClr val="bg1"/>
+                </a:solidFill>
+                <a:latin typeface="+mj-ea"/>
+                <a:ea typeface="+mj-ea"/>
+              </a:rPr>
+              <a:t>Clone </a:t>
+            </a:r>
+            <a:r>
+              <a:rPr lang="en-US" altLang="zh-TW" sz="2600" dirty="0">
+                <a:solidFill>
+                  <a:schemeClr val="accent1">
+                    <a:lumMod val="40000"/>
+                    <a:lumOff val="60000"/>
+                  </a:schemeClr>
+                </a:solidFill>
+                <a:latin typeface="+mj-ea"/>
+                <a:ea typeface="+mj-ea"/>
+                <a:hlinkClick r:id="rId2">
+                  <a:extLst>
+                    <a:ext uri="{A12FA001-AC4F-418D-AE19-62706E023703}">
+                      <ahyp:hlinkClr xmlns="" xmlns:ahyp="http://schemas.microsoft.com/office/drawing/2018/hyperlinkcolor" val="tx"/>
+                    </a:ext>
+                  </a:extLst>
+                </a:hlinkClick>
+              </a:rPr>
+              <a:t>https://github.com/ccw1234/React-Hooks.git</a:t>
+            </a:r>
+            <a:endParaRPr lang="en-US" altLang="zh-TW" sz="2600" dirty="0">
+              <a:solidFill>
+                <a:schemeClr val="accent1">
+                  <a:lumMod val="40000"/>
+                  <a:lumOff val="60000"/>
+                </a:schemeClr>
+              </a:solidFill>
+              <a:latin typeface="+mj-ea"/>
+              <a:ea typeface="+mj-ea"/>
+            </a:endParaRPr>
+          </a:p>
+          <a:p>
+            <a:pPr>
+              <a:lnSpc>
+                <a:spcPct val="150000"/>
+              </a:lnSpc>
+            </a:pPr>
+            <a:r>
+              <a:rPr lang="zh-TW" altLang="en-US" sz="2600" dirty="0">
+                <a:solidFill>
+                  <a:schemeClr val="bg1"/>
+                </a:solidFill>
+                <a:latin typeface="+mj-ea"/>
+                <a:ea typeface="+mj-ea"/>
+              </a:rPr>
+              <a:t>或是下載 ****</a:t>
+            </a:r>
+            <a:endParaRPr lang="en-US" altLang="zh-TW" sz="2600" dirty="0">
+              <a:solidFill>
+                <a:schemeClr val="bg1"/>
+              </a:solidFill>
+              <a:latin typeface="+mj-ea"/>
+              <a:ea typeface="+mj-ea"/>
+            </a:endParaRPr>
+          </a:p>
+          <a:p>
+            <a:pPr>
+              <a:lnSpc>
+                <a:spcPct val="150000"/>
+              </a:lnSpc>
+            </a:pPr>
+            <a:r>
+              <a:rPr lang="en-US" altLang="zh-TW" sz="2600" dirty="0">
+                <a:solidFill>
+                  <a:schemeClr val="bg1"/>
+                </a:solidFill>
+                <a:latin typeface="+mj-ea"/>
+                <a:ea typeface="+mj-ea"/>
+              </a:rPr>
+              <a:t>Readme. </a:t>
+            </a:r>
+            <a:r>
+              <a:rPr lang="zh-TW" altLang="en-US" sz="2600" dirty="0">
+                <a:solidFill>
+                  <a:schemeClr val="bg1"/>
+                </a:solidFill>
+                <a:latin typeface="+mj-ea"/>
+                <a:ea typeface="+mj-ea"/>
+              </a:rPr>
+              <a:t>上有操作說明</a:t>
+            </a:r>
+            <a:endParaRPr lang="en-US" altLang="zh-TW" sz="2600" dirty="0">
+              <a:solidFill>
+                <a:schemeClr val="bg1"/>
+              </a:solidFill>
+              <a:latin typeface="+mj-ea"/>
+              <a:ea typeface="+mj-ea"/>
+            </a:endParaRPr>
+          </a:p>
+          <a:p>
+            <a:pPr>
+              <a:lnSpc>
+                <a:spcPct val="150000"/>
+              </a:lnSpc>
+            </a:pPr>
+            <a:r>
+              <a:rPr lang="en-US" altLang="zh-TW" sz="2600" dirty="0" err="1">
+                <a:solidFill>
+                  <a:schemeClr val="bg1"/>
+                </a:solidFill>
+                <a:latin typeface="+mj-ea"/>
+                <a:ea typeface="+mj-ea"/>
+              </a:rPr>
+              <a:t>npm</a:t>
+            </a:r>
+            <a:r>
+              <a:rPr lang="en-US" altLang="zh-TW" sz="2600" dirty="0">
+                <a:solidFill>
+                  <a:schemeClr val="bg1"/>
+                </a:solidFill>
+                <a:latin typeface="+mj-ea"/>
+                <a:ea typeface="+mj-ea"/>
+              </a:rPr>
+              <a:t>  run </a:t>
+            </a:r>
+            <a:r>
+              <a:rPr lang="en-US" altLang="zh-TW" sz="2600" dirty="0" err="1">
+                <a:solidFill>
+                  <a:schemeClr val="bg1"/>
+                </a:solidFill>
+                <a:latin typeface="+mj-ea"/>
+                <a:ea typeface="+mj-ea"/>
+              </a:rPr>
+              <a:t>storbybook</a:t>
+            </a:r>
+            <a:r>
+              <a:rPr lang="en-US" altLang="zh-TW" sz="2600" dirty="0">
+                <a:solidFill>
+                  <a:schemeClr val="bg1"/>
+                </a:solidFill>
+                <a:latin typeface="+mj-ea"/>
+                <a:ea typeface="+mj-ea"/>
+              </a:rPr>
+              <a:t> </a:t>
+            </a:r>
+            <a:r>
+              <a:rPr lang="zh-TW" altLang="en-US" sz="2600" dirty="0">
+                <a:solidFill>
+                  <a:schemeClr val="bg1"/>
+                </a:solidFill>
+                <a:latin typeface="+mj-ea"/>
+                <a:ea typeface="+mj-ea"/>
+              </a:rPr>
+              <a:t>是否有畫面</a:t>
+            </a:r>
+          </a:p>
+        </p:txBody>
+      </p:sp>
+    </p:spTree>
+    <p:extLst>
+      <p:ext uri="{BB962C8B-B14F-4D97-AF65-F5344CB8AC3E}">
+        <p14:creationId xmlns:p14="http://schemas.microsoft.com/office/powerpoint/2010/main" val="1210377728"/>
+      </p:ext>
+    </p:extLst>
+  </p:cSld>
+  <p:clrMapOvr>
+    <a:masterClrMapping/>
+  </p:clrMapOvr>
+  <mc:AlternateContent xmlns:mc="http://schemas.openxmlformats.org/markup-compatibility/2006" xmlns:p14="http://schemas.microsoft.com/office/powerpoint/2010/main">
+    <mc:Choice Requires="p14">
+      <p:transition p14:dur="160">
+        <p:fade/>
+      </p:transition>
+    </mc:Choice>
+    <mc:Fallback xmlns="">
+      <p:transition>
+        <p:fade/>
+      </p:transition>
+    </mc:Fallback>
+  </mc:AlternateContent>
+  <p:timing>
+    <p:tnLst>
+      <p:par>
+        <p:cTn id="1" dur="indefinite" restart="never" nodeType="tmRoot"/>
+      </p:par>
+    </p:tnLst>
+  </p:timing>
+</p:sld>
+</file>
+
+<file path=ppt/slides/slide20.xml><?xml version="1.0" encoding="utf-8"?>
+<p:sld xmlns:a="http://schemas.openxmlformats.org/drawingml/2006/main" xmlns:r="http://schemas.openxmlformats.org/officeDocument/2006/relationships" xmlns:p="http://schemas.openxmlformats.org/presentationml/2006/main">
+  <p:cSld>
+    <p:spTree>
+      <p:nvGrpSpPr>
+        <p:cNvPr id="1" name=""/>
+        <p:cNvGrpSpPr/>
+        <p:nvPr/>
+      </p:nvGrpSpPr>
+      <p:grpSpPr>
+        <a:xfrm>
+          <a:off x="0" y="0"/>
+          <a:ext cx="0" cy="0"/>
+          <a:chOff x="0" y="0"/>
+          <a:chExt cx="0" cy="0"/>
+        </a:xfrm>
+      </p:grpSpPr>
+      <p:sp>
+        <p:nvSpPr>
           <p:cNvPr id="2" name="投影片編號版面配置區 1">
             <a:extLst>
               <a:ext uri="{FF2B5EF4-FFF2-40B4-BE49-F238E27FC236}">
@@ -9748,7 +10312,7 @@
             <a:fld id="{4FAB73BC-B049-4115-A692-8D63A059BFB8}" type="slidenum">
               <a:rPr lang="en-US" smtClean="0"/>
               <a:pPr/>
-              <a:t>19</a:t>
+              <a:t>20</a:t>
             </a:fld>
             <a:endParaRPr lang="en-US" dirty="0"/>
           </a:p>
@@ -9914,10 +10478,17 @@
       </p:transition>
     </mc:Fallback>
   </mc:AlternateContent>
+  <p:timing>
+    <p:tnLst>
+      <p:par>
+        <p:cTn id="1" dur="indefinite" restart="never" nodeType="tmRoot"/>
+      </p:par>
+    </p:tnLst>
+  </p:timing>
 </p:sld>
 </file>
 
-<file path=ppt/slides/slide2.xml><?xml version="1.0" encoding="utf-8"?>
+<file path=ppt/slides/slide21.xml><?xml version="1.0" encoding="utf-8"?>
 <p:sld xmlns:a="http://schemas.openxmlformats.org/drawingml/2006/main" xmlns:r="http://schemas.openxmlformats.org/officeDocument/2006/relationships" xmlns:p="http://schemas.openxmlformats.org/presentationml/2006/main">
   <p:cSld>
     <p:spTree>
@@ -9936,263 +10507,6 @@
       </p:grpSpPr>
       <p:sp>
         <p:nvSpPr>
-          <p:cNvPr id="2" name="標題 1">
-            <a:extLst>
-              <a:ext uri="{FF2B5EF4-FFF2-40B4-BE49-F238E27FC236}">
-                <a16:creationId xmlns:a16="http://schemas.microsoft.com/office/drawing/2014/main" id="{F0AF19AC-CCAA-4AFD-A12B-341673AD260A}"/>
-              </a:ext>
-            </a:extLst>
-          </p:cNvPr>
-          <p:cNvSpPr>
-            <a:spLocks noGrp="1"/>
-          </p:cNvSpPr>
-          <p:nvPr>
-            <p:ph type="title"/>
-          </p:nvPr>
-        </p:nvSpPr>
-        <p:spPr/>
-        <p:txBody>
-          <a:bodyPr/>
-          <a:lstStyle/>
-          <a:p>
-            <a:pPr algn="ctr"/>
-            <a:r>
-              <a:rPr lang="zh-TW" altLang="en-US" dirty="0"/>
-              <a:t>事前準備</a:t>
-            </a:r>
-          </a:p>
-        </p:txBody>
-      </p:sp>
-      <p:sp>
-        <p:nvSpPr>
-          <p:cNvPr id="3" name="內容版面配置區 2">
-            <a:extLst>
-              <a:ext uri="{FF2B5EF4-FFF2-40B4-BE49-F238E27FC236}">
-                <a16:creationId xmlns:a16="http://schemas.microsoft.com/office/drawing/2014/main" id="{6A0CBFEB-7C06-4506-845C-54A4A3A7AA15}"/>
-              </a:ext>
-            </a:extLst>
-          </p:cNvPr>
-          <p:cNvSpPr>
-            <a:spLocks noGrp="1"/>
-          </p:cNvSpPr>
-          <p:nvPr>
-            <p:ph idx="1"/>
-          </p:nvPr>
-        </p:nvSpPr>
-        <p:spPr/>
-        <p:txBody>
-          <a:bodyPr anchor="t">
-            <a:normAutofit/>
-          </a:bodyPr>
-          <a:lstStyle/>
-          <a:p>
-            <a:pPr>
-              <a:lnSpc>
-                <a:spcPct val="150000"/>
-              </a:lnSpc>
-            </a:pPr>
-            <a:r>
-              <a:rPr lang="en-US" altLang="zh-TW" sz="2600" dirty="0">
-                <a:solidFill>
-                  <a:schemeClr val="bg1"/>
-                </a:solidFill>
-                <a:latin typeface="+mj-ea"/>
-                <a:ea typeface="+mj-ea"/>
-              </a:rPr>
-              <a:t>Clone </a:t>
-            </a:r>
-            <a:r>
-              <a:rPr lang="en-US" altLang="zh-TW" sz="2600" dirty="0">
-                <a:solidFill>
-                  <a:schemeClr val="accent1">
-                    <a:lumMod val="40000"/>
-                    <a:lumOff val="60000"/>
-                  </a:schemeClr>
-                </a:solidFill>
-                <a:latin typeface="+mj-ea"/>
-                <a:ea typeface="+mj-ea"/>
-                <a:hlinkClick r:id="rId2">
-                  <a:extLst>
-                    <a:ext uri="{A12FA001-AC4F-418D-AE19-62706E023703}">
-                      <ahyp:hlinkClr xmlns:ahyp="http://schemas.microsoft.com/office/drawing/2018/hyperlinkcolor" val="tx"/>
-                    </a:ext>
-                  </a:extLst>
-                </a:hlinkClick>
-              </a:rPr>
-              <a:t>https://github.com/ccw1234/React-Hooks.git</a:t>
-            </a:r>
-            <a:endParaRPr lang="en-US" altLang="zh-TW" sz="2600" dirty="0">
-              <a:solidFill>
-                <a:schemeClr val="accent1">
-                  <a:lumMod val="40000"/>
-                  <a:lumOff val="60000"/>
-                </a:schemeClr>
-              </a:solidFill>
-              <a:latin typeface="+mj-ea"/>
-              <a:ea typeface="+mj-ea"/>
-            </a:endParaRPr>
-          </a:p>
-          <a:p>
-            <a:pPr>
-              <a:lnSpc>
-                <a:spcPct val="150000"/>
-              </a:lnSpc>
-            </a:pPr>
-            <a:r>
-              <a:rPr lang="zh-TW" altLang="en-US" sz="2600" dirty="0">
-                <a:solidFill>
-                  <a:schemeClr val="bg1"/>
-                </a:solidFill>
-                <a:latin typeface="+mj-ea"/>
-                <a:ea typeface="+mj-ea"/>
-              </a:rPr>
-              <a:t>或是下載 ****</a:t>
-            </a:r>
-            <a:endParaRPr lang="en-US" altLang="zh-TW" sz="2600" dirty="0">
-              <a:solidFill>
-                <a:schemeClr val="bg1"/>
-              </a:solidFill>
-              <a:latin typeface="+mj-ea"/>
-              <a:ea typeface="+mj-ea"/>
-            </a:endParaRPr>
-          </a:p>
-          <a:p>
-            <a:pPr>
-              <a:lnSpc>
-                <a:spcPct val="150000"/>
-              </a:lnSpc>
-            </a:pPr>
-            <a:r>
-              <a:rPr lang="en-US" altLang="zh-TW" sz="2600" dirty="0">
-                <a:solidFill>
-                  <a:schemeClr val="bg1"/>
-                </a:solidFill>
-                <a:latin typeface="+mj-ea"/>
-                <a:ea typeface="+mj-ea"/>
-              </a:rPr>
-              <a:t>Readme. </a:t>
-            </a:r>
-            <a:r>
-              <a:rPr lang="zh-TW" altLang="en-US" sz="2600" dirty="0">
-                <a:solidFill>
-                  <a:schemeClr val="bg1"/>
-                </a:solidFill>
-                <a:latin typeface="+mj-ea"/>
-                <a:ea typeface="+mj-ea"/>
-              </a:rPr>
-              <a:t>上有操作說明</a:t>
-            </a:r>
-            <a:endParaRPr lang="en-US" altLang="zh-TW" sz="2600" dirty="0">
-              <a:solidFill>
-                <a:schemeClr val="bg1"/>
-              </a:solidFill>
-              <a:latin typeface="+mj-ea"/>
-              <a:ea typeface="+mj-ea"/>
-            </a:endParaRPr>
-          </a:p>
-          <a:p>
-            <a:pPr>
-              <a:lnSpc>
-                <a:spcPct val="150000"/>
-              </a:lnSpc>
-            </a:pPr>
-            <a:r>
-              <a:rPr lang="en-US" altLang="zh-TW" sz="2600" dirty="0" err="1">
-                <a:solidFill>
-                  <a:schemeClr val="bg1"/>
-                </a:solidFill>
-                <a:latin typeface="+mj-ea"/>
-                <a:ea typeface="+mj-ea"/>
-              </a:rPr>
-              <a:t>npm</a:t>
-            </a:r>
-            <a:r>
-              <a:rPr lang="en-US" altLang="zh-TW" sz="2600" dirty="0">
-                <a:solidFill>
-                  <a:schemeClr val="bg1"/>
-                </a:solidFill>
-                <a:latin typeface="+mj-ea"/>
-                <a:ea typeface="+mj-ea"/>
-              </a:rPr>
-              <a:t>  run </a:t>
-            </a:r>
-            <a:r>
-              <a:rPr lang="en-US" altLang="zh-TW" sz="2600" dirty="0" err="1">
-                <a:solidFill>
-                  <a:schemeClr val="bg1"/>
-                </a:solidFill>
-                <a:latin typeface="+mj-ea"/>
-                <a:ea typeface="+mj-ea"/>
-              </a:rPr>
-              <a:t>storbybook</a:t>
-            </a:r>
-            <a:r>
-              <a:rPr lang="en-US" altLang="zh-TW" sz="2600" dirty="0">
-                <a:solidFill>
-                  <a:schemeClr val="bg1"/>
-                </a:solidFill>
-                <a:latin typeface="+mj-ea"/>
-                <a:ea typeface="+mj-ea"/>
-              </a:rPr>
-              <a:t> </a:t>
-            </a:r>
-            <a:r>
-              <a:rPr lang="zh-TW" altLang="en-US" sz="2600" dirty="0">
-                <a:solidFill>
-                  <a:schemeClr val="bg1"/>
-                </a:solidFill>
-                <a:latin typeface="+mj-ea"/>
-                <a:ea typeface="+mj-ea"/>
-              </a:rPr>
-              <a:t>是否有畫面</a:t>
-            </a:r>
-          </a:p>
-        </p:txBody>
-      </p:sp>
-    </p:spTree>
-    <p:extLst>
-      <p:ext uri="{BB962C8B-B14F-4D97-AF65-F5344CB8AC3E}">
-        <p14:creationId xmlns:p14="http://schemas.microsoft.com/office/powerpoint/2010/main" val="1210377728"/>
-      </p:ext>
-    </p:extLst>
-  </p:cSld>
-  <p:clrMapOvr>
-    <a:masterClrMapping/>
-  </p:clrMapOvr>
-  <mc:AlternateContent xmlns:mc="http://schemas.openxmlformats.org/markup-compatibility/2006" xmlns:p14="http://schemas.microsoft.com/office/powerpoint/2010/main">
-    <mc:Choice Requires="p14">
-      <p:transition p14:dur="160">
-        <p:fade/>
-      </p:transition>
-    </mc:Choice>
-    <mc:Fallback xmlns="">
-      <p:transition>
-        <p:fade/>
-      </p:transition>
-    </mc:Fallback>
-  </mc:AlternateContent>
-</p:sld>
-</file>
-
-<file path=ppt/slides/slide20.xml><?xml version="1.0" encoding="utf-8"?>
-<p:sld xmlns:a="http://schemas.openxmlformats.org/drawingml/2006/main" xmlns:r="http://schemas.openxmlformats.org/officeDocument/2006/relationships" xmlns:p="http://schemas.openxmlformats.org/presentationml/2006/main">
-  <p:cSld>
-    <p:spTree>
-      <p:nvGrpSpPr>
-        <p:cNvPr id="1" name=""/>
-        <p:cNvGrpSpPr/>
-        <p:nvPr/>
-      </p:nvGrpSpPr>
-      <p:grpSpPr>
-        <a:xfrm>
-          <a:off x="0" y="0"/>
-          <a:ext cx="0" cy="0"/>
-          <a:chOff x="0" y="0"/>
-          <a:chExt cx="0" cy="0"/>
-        </a:xfrm>
-      </p:grpSpPr>
-      <p:sp>
-        <p:nvSpPr>
           <p:cNvPr id="2" name="投影片編號版面配置區 1">
             <a:extLst>
               <a:ext uri="{FF2B5EF4-FFF2-40B4-BE49-F238E27FC236}">
@@ -10215,7 +10529,7 @@
             <a:fld id="{4FAB73BC-B049-4115-A692-8D63A059BFB8}" type="slidenum">
               <a:rPr lang="en-US" smtClean="0"/>
               <a:pPr/>
-              <a:t>20</a:t>
+              <a:t>21</a:t>
             </a:fld>
             <a:endParaRPr lang="en-US" dirty="0"/>
           </a:p>
@@ -10427,10 +10741,17 @@
       </p:transition>
     </mc:Fallback>
   </mc:AlternateContent>
+  <p:timing>
+    <p:tnLst>
+      <p:par>
+        <p:cTn id="1" dur="indefinite" restart="never" nodeType="tmRoot"/>
+      </p:par>
+    </p:tnLst>
+  </p:timing>
 </p:sld>
 </file>
 
-<file path=ppt/slides/slide21.xml><?xml version="1.0" encoding="utf-8"?>
+<file path=ppt/slides/slide22.xml><?xml version="1.0" encoding="utf-8"?>
 <p:sld xmlns:a="http://schemas.openxmlformats.org/drawingml/2006/main" xmlns:r="http://schemas.openxmlformats.org/officeDocument/2006/relationships" xmlns:p="http://schemas.openxmlformats.org/presentationml/2006/main">
   <p:cSld>
     <p:spTree>
@@ -10471,7 +10792,7 @@
             <a:fld id="{4FAB73BC-B049-4115-A692-8D63A059BFB8}" type="slidenum">
               <a:rPr lang="en-US" smtClean="0"/>
               <a:pPr/>
-              <a:t>21</a:t>
+              <a:t>22</a:t>
             </a:fld>
             <a:endParaRPr lang="en-US" dirty="0"/>
           </a:p>
@@ -10670,10 +10991,17 @@
       </p:transition>
     </mc:Fallback>
   </mc:AlternateContent>
+  <p:timing>
+    <p:tnLst>
+      <p:par>
+        <p:cTn id="1" dur="indefinite" restart="never" nodeType="tmRoot"/>
+      </p:par>
+    </p:tnLst>
+  </p:timing>
 </p:sld>
 </file>
 
-<file path=ppt/slides/slide22.xml><?xml version="1.0" encoding="utf-8"?>
+<file path=ppt/slides/slide23.xml><?xml version="1.0" encoding="utf-8"?>
 <p:sld xmlns:a="http://schemas.openxmlformats.org/drawingml/2006/main" xmlns:r="http://schemas.openxmlformats.org/officeDocument/2006/relationships" xmlns:p="http://schemas.openxmlformats.org/presentationml/2006/main">
   <p:cSld>
     <p:spTree>
@@ -10714,7 +11042,7 @@
             <a:fld id="{4FAB73BC-B049-4115-A692-8D63A059BFB8}" type="slidenum">
               <a:rPr lang="en-US" smtClean="0"/>
               <a:pPr/>
-              <a:t>22</a:t>
+              <a:t>23</a:t>
             </a:fld>
             <a:endParaRPr lang="en-US" dirty="0"/>
           </a:p>
@@ -10763,7 +11091,7 @@
         <p:spPr>
           <a:xfrm>
             <a:off x="1558398" y="1478562"/>
-            <a:ext cx="5143191" cy="3900876"/>
+            <a:ext cx="5143191" cy="3970318"/>
           </a:xfrm>
           <a:prstGeom prst="rect">
             <a:avLst/>
@@ -10864,7 +11192,7 @@
             <a:r>
               <a:rPr lang="en-US" altLang="zh-TW" sz="2800" dirty="0">
                 <a:solidFill>
-                  <a:schemeClr val="accent6"/>
+                  <a:srgbClr val="FFC000"/>
                 </a:solidFill>
                 <a:latin typeface="+mn-ea"/>
               </a:rPr>
@@ -11207,10 +11535,17 @@
       </p:transition>
     </mc:Fallback>
   </mc:AlternateContent>
+  <p:timing>
+    <p:tnLst>
+      <p:par>
+        <p:cTn id="1" dur="indefinite" restart="never" nodeType="tmRoot"/>
+      </p:par>
+    </p:tnLst>
+  </p:timing>
 </p:sld>
 </file>
 
-<file path=ppt/slides/slide23.xml><?xml version="1.0" encoding="utf-8"?>
+<file path=ppt/slides/slide24.xml><?xml version="1.0" encoding="utf-8"?>
 <p:sld xmlns:a="http://schemas.openxmlformats.org/drawingml/2006/main" xmlns:r="http://schemas.openxmlformats.org/officeDocument/2006/relationships" xmlns:p="http://schemas.openxmlformats.org/presentationml/2006/main">
   <p:cSld>
     <p:spTree>
@@ -11251,7 +11586,7 @@
             <a:fld id="{4FAB73BC-B049-4115-A692-8D63A059BFB8}" type="slidenum">
               <a:rPr lang="en-US" smtClean="0"/>
               <a:pPr/>
-              <a:t>23</a:t>
+              <a:t>24</a:t>
             </a:fld>
             <a:endParaRPr lang="en-US" dirty="0"/>
           </a:p>
@@ -11279,10 +11614,10 @@
           <a:lstStyle/>
           <a:p>
             <a:r>
-              <a:rPr lang="en-US" altLang="zh-TW" dirty="0">
-                <a:latin typeface="Arial Black" panose="020B0A04020102020204" pitchFamily="34" charset="0"/>
-              </a:rPr>
-              <a:t>Render</a:t>
+              <a:rPr lang="en-US" altLang="zh-TW" dirty="0" err="1">
+                <a:latin typeface="+mn-ea"/>
+              </a:rPr>
+              <a:t>useEffect</a:t>
             </a:r>
             <a:endParaRPr lang="zh-TW" altLang="en-US" dirty="0"/>
           </a:p>
@@ -11427,10 +11762,17 @@
       </p:transition>
     </mc:Fallback>
   </mc:AlternateContent>
+  <p:timing>
+    <p:tnLst>
+      <p:par>
+        <p:cTn id="1" dur="indefinite" restart="never" nodeType="tmRoot"/>
+      </p:par>
+    </p:tnLst>
+  </p:timing>
 </p:sld>
 </file>
 
-<file path=ppt/slides/slide24.xml><?xml version="1.0" encoding="utf-8"?>
+<file path=ppt/slides/slide25.xml><?xml version="1.0" encoding="utf-8"?>
 <p:sld xmlns:a="http://schemas.openxmlformats.org/drawingml/2006/main" xmlns:r="http://schemas.openxmlformats.org/officeDocument/2006/relationships" xmlns:p="http://schemas.openxmlformats.org/presentationml/2006/main">
   <p:cSld>
     <p:spTree>
@@ -11471,7 +11813,7 @@
             <a:fld id="{4FAB73BC-B049-4115-A692-8D63A059BFB8}" type="slidenum">
               <a:rPr lang="en-US" smtClean="0"/>
               <a:pPr/>
-              <a:t>24</a:t>
+              <a:t>25</a:t>
             </a:fld>
             <a:endParaRPr lang="en-US" dirty="0"/>
           </a:p>
@@ -11531,7 +11873,7 @@
         <p:spPr>
           <a:xfrm>
             <a:off x="1362171" y="1884732"/>
-            <a:ext cx="8587945" cy="1479187"/>
+            <a:ext cx="8587945" cy="1569660"/>
           </a:xfrm>
           <a:prstGeom prst="rect">
             <a:avLst/>
@@ -11610,9 +11952,20 @@
                 </a:solidFill>
                 <a:latin typeface="+mn-ea"/>
               </a:rPr>
-              <a:t> 的傳遞</a:t>
-            </a:r>
-            <a:endParaRPr lang="en-US" altLang="zh-TW" sz="3200" dirty="0">
+              <a:t> 的</a:t>
+            </a:r>
+            <a:r>
+              <a:rPr lang="zh-TW" altLang="en-US" sz="3200" dirty="0" smtClean="0">
+                <a:solidFill>
+                  <a:schemeClr val="bg1">
+                    <a:lumMod val="75000"/>
+                  </a:schemeClr>
+                </a:solidFill>
+                <a:latin typeface="+mn-ea"/>
+              </a:rPr>
+              <a:t>傳遞</a:t>
+            </a:r>
+            <a:endParaRPr lang="en-US" altLang="zh-TW" sz="3200" dirty="0" smtClean="0">
               <a:solidFill>
                 <a:schemeClr val="bg1">
                   <a:lumMod val="75000"/>
@@ -11645,10 +11998,17 @@
       </p:transition>
     </mc:Fallback>
   </mc:AlternateContent>
+  <p:timing>
+    <p:tnLst>
+      <p:par>
+        <p:cTn id="1" dur="indefinite" restart="never" nodeType="tmRoot"/>
+      </p:par>
+    </p:tnLst>
+  </p:timing>
 </p:sld>
 </file>
 
-<file path=ppt/slides/slide25.xml><?xml version="1.0" encoding="utf-8"?>
+<file path=ppt/slides/slide26.xml><?xml version="1.0" encoding="utf-8"?>
 <p:sld xmlns:a="http://schemas.openxmlformats.org/drawingml/2006/main" xmlns:r="http://schemas.openxmlformats.org/officeDocument/2006/relationships" xmlns:p="http://schemas.openxmlformats.org/presentationml/2006/main">
   <p:cSld>
     <p:spTree>
@@ -11689,7 +12049,7 @@
             <a:fld id="{4FAB73BC-B049-4115-A692-8D63A059BFB8}" type="slidenum">
               <a:rPr lang="en-US" smtClean="0"/>
               <a:pPr/>
-              <a:t>25</a:t>
+              <a:t>26</a:t>
             </a:fld>
             <a:endParaRPr lang="en-US" dirty="0"/>
           </a:p>
@@ -12276,10 +12636,17 @@
       </p:transition>
     </mc:Fallback>
   </mc:AlternateContent>
+  <p:timing>
+    <p:tnLst>
+      <p:par>
+        <p:cTn id="1" dur="indefinite" restart="never" nodeType="tmRoot"/>
+      </p:par>
+    </p:tnLst>
+  </p:timing>
 </p:sld>
 </file>
 
-<file path=ppt/slides/slide26.xml><?xml version="1.0" encoding="utf-8"?>
+<file path=ppt/slides/slide27.xml><?xml version="1.0" encoding="utf-8"?>
 <p:sld xmlns:a="http://schemas.openxmlformats.org/drawingml/2006/main" xmlns:r="http://schemas.openxmlformats.org/officeDocument/2006/relationships" xmlns:p="http://schemas.openxmlformats.org/presentationml/2006/main">
   <p:cSld>
     <p:spTree>
@@ -12320,7 +12687,7 @@
             <a:fld id="{4FAB73BC-B049-4115-A692-8D63A059BFB8}" type="slidenum">
               <a:rPr lang="en-US" smtClean="0"/>
               <a:pPr/>
-              <a:t>26</a:t>
+              <a:t>27</a:t>
             </a:fld>
             <a:endParaRPr lang="en-US" dirty="0"/>
           </a:p>
@@ -12700,10 +13067,17 @@
       </p:transition>
     </mc:Fallback>
   </mc:AlternateContent>
+  <p:timing>
+    <p:tnLst>
+      <p:par>
+        <p:cTn id="1" dur="indefinite" restart="never" nodeType="tmRoot"/>
+      </p:par>
+    </p:tnLst>
+  </p:timing>
 </p:sld>
 </file>
 
-<file path=ppt/slides/slide27.xml><?xml version="1.0" encoding="utf-8"?>
+<file path=ppt/slides/slide28.xml><?xml version="1.0" encoding="utf-8"?>
 <p:sld xmlns:a="http://schemas.openxmlformats.org/drawingml/2006/main" xmlns:r="http://schemas.openxmlformats.org/officeDocument/2006/relationships" xmlns:p="http://schemas.openxmlformats.org/presentationml/2006/main">
   <p:cSld>
     <p:spTree>
@@ -12744,7 +13118,7 @@
             <a:fld id="{4FAB73BC-B049-4115-A692-8D63A059BFB8}" type="slidenum">
               <a:rPr lang="en-US" smtClean="0"/>
               <a:pPr/>
-              <a:t>27</a:t>
+              <a:t>28</a:t>
             </a:fld>
             <a:endParaRPr lang="en-US" dirty="0"/>
           </a:p>
@@ -12952,10 +13326,17 @@
       </p:transition>
     </mc:Fallback>
   </mc:AlternateContent>
+  <p:timing>
+    <p:tnLst>
+      <p:par>
+        <p:cTn id="1" dur="indefinite" restart="never" nodeType="tmRoot"/>
+      </p:par>
+    </p:tnLst>
+  </p:timing>
 </p:sld>
 </file>
 
-<file path=ppt/slides/slide28.xml><?xml version="1.0" encoding="utf-8"?>
+<file path=ppt/slides/slide29.xml><?xml version="1.0" encoding="utf-8"?>
 <p:sld xmlns:a="http://schemas.openxmlformats.org/drawingml/2006/main" xmlns:r="http://schemas.openxmlformats.org/officeDocument/2006/relationships" xmlns:p="http://schemas.openxmlformats.org/presentationml/2006/main">
   <p:cSld>
     <p:spTree>
@@ -12996,7 +13377,7 @@
             <a:fld id="{4FAB73BC-B049-4115-A692-8D63A059BFB8}" type="slidenum">
               <a:rPr lang="en-US" smtClean="0"/>
               <a:pPr/>
-              <a:t>28</a:t>
+              <a:t>29</a:t>
             </a:fld>
             <a:endParaRPr lang="en-US" dirty="0"/>
           </a:p>
@@ -13225,7 +13606,7 @@
             <a:r>
               <a:rPr lang="en-US" altLang="zh-TW" sz="3200" dirty="0">
                 <a:solidFill>
-                  <a:srgbClr val="FF0000"/>
+                  <a:srgbClr val="FFC000"/>
                 </a:solidFill>
                 <a:latin typeface="Adobe 繁黑體 Std B" panose="020B0700000000000000" pitchFamily="34" charset="-120"/>
                 <a:ea typeface="Adobe 繁黑體 Std B" panose="020B0700000000000000" pitchFamily="34" charset="-120"/>
@@ -13293,7 +13674,7 @@
             <a:r>
               <a:rPr lang="en-US" altLang="zh-TW" sz="3200" dirty="0">
                 <a:solidFill>
-                  <a:srgbClr val="FF0000"/>
+                  <a:srgbClr val="FFC000"/>
                 </a:solidFill>
                 <a:latin typeface="Adobe 繁黑體 Std B" panose="020B0700000000000000" pitchFamily="34" charset="-120"/>
                 <a:ea typeface="Adobe 繁黑體 Std B" panose="020B0700000000000000" pitchFamily="34" charset="-120"/>
@@ -13361,7 +13742,7 @@
             <a:r>
               <a:rPr lang="en-US" altLang="zh-TW" sz="3200" dirty="0">
                 <a:solidFill>
-                  <a:srgbClr val="FF0000"/>
+                  <a:srgbClr val="FFC000"/>
                 </a:solidFill>
                 <a:latin typeface="Adobe 繁黑體 Std B" panose="020B0700000000000000" pitchFamily="34" charset="-120"/>
                 <a:ea typeface="Adobe 繁黑體 Std B" panose="020B0700000000000000" pitchFamily="34" charset="-120"/>
@@ -13410,343 +13791,13 @@
       </p:transition>
     </mc:Fallback>
   </mc:AlternateContent>
-</p:sld>
-</file>
-
-<file path=ppt/slides/slide29.xml><?xml version="1.0" encoding="utf-8"?>
-<p:sld xmlns:a="http://schemas.openxmlformats.org/drawingml/2006/main" xmlns:r="http://schemas.openxmlformats.org/officeDocument/2006/relationships" xmlns:p="http://schemas.openxmlformats.org/presentationml/2006/main">
-  <p:cSld>
-    <p:spTree>
-      <p:nvGrpSpPr>
-        <p:cNvPr id="1" name=""/>
-        <p:cNvGrpSpPr/>
-        <p:nvPr/>
-      </p:nvGrpSpPr>
-      <p:grpSpPr>
-        <a:xfrm>
-          <a:off x="0" y="0"/>
-          <a:ext cx="0" cy="0"/>
-          <a:chOff x="0" y="0"/>
-          <a:chExt cx="0" cy="0"/>
-        </a:xfrm>
-      </p:grpSpPr>
-      <p:sp>
-        <p:nvSpPr>
-          <p:cNvPr id="2" name="投影片編號版面配置區 1">
-            <a:extLst>
-              <a:ext uri="{FF2B5EF4-FFF2-40B4-BE49-F238E27FC236}">
-                <a16:creationId xmlns:a16="http://schemas.microsoft.com/office/drawing/2014/main" id="{EE7A8781-9AE9-4E94-A07C-D651D6501E1E}"/>
-              </a:ext>
-            </a:extLst>
-          </p:cNvPr>
-          <p:cNvSpPr>
-            <a:spLocks noGrp="1"/>
-          </p:cNvSpPr>
-          <p:nvPr>
-            <p:ph type="sldNum" sz="quarter" idx="12"/>
-          </p:nvPr>
-        </p:nvSpPr>
-        <p:spPr/>
-        <p:txBody>
-          <a:bodyPr/>
-          <a:lstStyle/>
-          <a:p>
-            <a:fld id="{4FAB73BC-B049-4115-A692-8D63A059BFB8}" type="slidenum">
-              <a:rPr lang="en-US" smtClean="0"/>
-              <a:pPr/>
-              <a:t>29</a:t>
-            </a:fld>
-            <a:endParaRPr lang="en-US" dirty="0"/>
-          </a:p>
-        </p:txBody>
-      </p:sp>
-      <p:sp>
-        <p:nvSpPr>
-          <p:cNvPr id="3" name="文字版面配置區 2">
-            <a:extLst>
-              <a:ext uri="{FF2B5EF4-FFF2-40B4-BE49-F238E27FC236}">
-                <a16:creationId xmlns:a16="http://schemas.microsoft.com/office/drawing/2014/main" id="{026D63AC-80B9-49D9-86AF-A14DF6546396}"/>
-              </a:ext>
-            </a:extLst>
-          </p:cNvPr>
-          <p:cNvSpPr>
-            <a:spLocks noGrp="1"/>
-          </p:cNvSpPr>
-          <p:nvPr>
-            <p:ph type="body" sz="quarter" idx="13"/>
-          </p:nvPr>
-        </p:nvSpPr>
-        <p:spPr/>
-        <p:txBody>
-          <a:bodyPr/>
-          <a:lstStyle/>
-          <a:p>
-            <a:r>
-              <a:rPr lang="zh-TW" altLang="en-US" dirty="0"/>
-              <a:t>結構</a:t>
-            </a:r>
-          </a:p>
-        </p:txBody>
-      </p:sp>
-      <p:sp>
-        <p:nvSpPr>
-          <p:cNvPr id="4" name="文字方塊 3">
-            <a:extLst>
-              <a:ext uri="{FF2B5EF4-FFF2-40B4-BE49-F238E27FC236}">
-                <a16:creationId xmlns:a16="http://schemas.microsoft.com/office/drawing/2014/main" id="{C33D64EF-CD04-4D48-A32C-F8983636DFAA}"/>
-              </a:ext>
-            </a:extLst>
-          </p:cNvPr>
-          <p:cNvSpPr txBox="1"/>
-          <p:nvPr/>
-        </p:nvSpPr>
-        <p:spPr>
-          <a:xfrm>
-            <a:off x="3546262" y="1639098"/>
-            <a:ext cx="5445722" cy="584775"/>
-          </a:xfrm>
-          <a:prstGeom prst="rect">
-            <a:avLst/>
-          </a:prstGeom>
-          <a:noFill/>
-        </p:spPr>
-        <p:txBody>
-          <a:bodyPr wrap="none" rtlCol="0">
-            <a:spAutoFit/>
-          </a:bodyPr>
-          <a:lstStyle/>
-          <a:p>
-            <a:pPr algn="ctr"/>
-            <a:r>
-              <a:rPr lang="en-US" altLang="zh-TW" sz="3200" spc="300" dirty="0">
-                <a:solidFill>
-                  <a:schemeClr val="accent5">
-                    <a:lumMod val="60000"/>
-                    <a:lumOff val="40000"/>
-                  </a:schemeClr>
-                </a:solidFill>
-                <a:latin typeface="Adobe 繁黑體 Std B" panose="020B0700000000000000" pitchFamily="34" charset="-120"/>
-                <a:ea typeface="Adobe 繁黑體 Std B" panose="020B0700000000000000" pitchFamily="34" charset="-120"/>
-              </a:rPr>
-              <a:t>Const</a:t>
-            </a:r>
-            <a:r>
-              <a:rPr lang="en-US" altLang="zh-TW" sz="3200" spc="300" dirty="0">
-                <a:solidFill>
-                  <a:schemeClr val="bg1">
-                    <a:lumMod val="85000"/>
-                  </a:schemeClr>
-                </a:solidFill>
-                <a:latin typeface="Adobe 繁黑體 Std B" panose="020B0700000000000000" pitchFamily="34" charset="-120"/>
-                <a:ea typeface="Adobe 繁黑體 Std B" panose="020B0700000000000000" pitchFamily="34" charset="-120"/>
-              </a:rPr>
-              <a:t>	</a:t>
-            </a:r>
-            <a:r>
-              <a:rPr lang="en-US" altLang="zh-TW" sz="3200" spc="300" dirty="0" err="1">
-                <a:solidFill>
-                  <a:schemeClr val="accent2">
-                    <a:lumMod val="60000"/>
-                    <a:lumOff val="40000"/>
-                  </a:schemeClr>
-                </a:solidFill>
-                <a:latin typeface="Adobe 繁黑體 Std B" panose="020B0700000000000000" pitchFamily="34" charset="-120"/>
-                <a:ea typeface="Adobe 繁黑體 Std B" panose="020B0700000000000000" pitchFamily="34" charset="-120"/>
-              </a:rPr>
-              <a:t>myRef</a:t>
-            </a:r>
-            <a:r>
-              <a:rPr lang="en-US" altLang="zh-TW" sz="3200" spc="300" dirty="0">
-                <a:solidFill>
-                  <a:schemeClr val="accent2">
-                    <a:lumMod val="60000"/>
-                    <a:lumOff val="40000"/>
-                  </a:schemeClr>
-                </a:solidFill>
-                <a:latin typeface="Adobe 繁黑體 Std B" panose="020B0700000000000000" pitchFamily="34" charset="-120"/>
-                <a:ea typeface="Adobe 繁黑體 Std B" panose="020B0700000000000000" pitchFamily="34" charset="-120"/>
-              </a:rPr>
-              <a:t>	 </a:t>
-            </a:r>
-            <a:r>
-              <a:rPr lang="en-US" altLang="zh-TW" sz="3200" spc="300" dirty="0">
-                <a:solidFill>
-                  <a:schemeClr val="bg1">
-                    <a:lumMod val="85000"/>
-                  </a:schemeClr>
-                </a:solidFill>
-                <a:latin typeface="Adobe 繁黑體 Std B" panose="020B0700000000000000" pitchFamily="34" charset="-120"/>
-                <a:ea typeface="Adobe 繁黑體 Std B" panose="020B0700000000000000" pitchFamily="34" charset="-120"/>
-              </a:rPr>
-              <a:t>= </a:t>
-            </a:r>
-            <a:r>
-              <a:rPr lang="en-US" altLang="zh-TW" sz="3200" dirty="0" err="1">
-                <a:solidFill>
-                  <a:schemeClr val="bg1"/>
-                </a:solidFill>
-                <a:latin typeface="Adobe 繁黑體 Std B" panose="020B0700000000000000" pitchFamily="34" charset="-120"/>
-                <a:ea typeface="Adobe 繁黑體 Std B" panose="020B0700000000000000" pitchFamily="34" charset="-120"/>
-              </a:rPr>
-              <a:t>useRef</a:t>
-            </a:r>
-            <a:r>
-              <a:rPr lang="en-US" altLang="zh-TW" sz="3200" dirty="0">
-                <a:solidFill>
-                  <a:schemeClr val="bg1"/>
-                </a:solidFill>
-                <a:latin typeface="Adobe 繁黑體 Std B" panose="020B0700000000000000" pitchFamily="34" charset="-120"/>
-                <a:ea typeface="Adobe 繁黑體 Std B" panose="020B0700000000000000" pitchFamily="34" charset="-120"/>
-              </a:rPr>
-              <a:t>(  )</a:t>
-            </a:r>
-            <a:r>
-              <a:rPr lang="en-US" altLang="zh-TW" sz="3200" spc="300" dirty="0">
-                <a:solidFill>
-                  <a:schemeClr val="bg1"/>
-                </a:solidFill>
-                <a:latin typeface="Adobe 繁黑體 Std B" panose="020B0700000000000000" pitchFamily="34" charset="-120"/>
-                <a:ea typeface="Adobe 繁黑體 Std B" panose="020B0700000000000000" pitchFamily="34" charset="-120"/>
-              </a:rPr>
-              <a:t> </a:t>
-            </a:r>
-            <a:endParaRPr lang="zh-TW" altLang="en-US" sz="3200" spc="300" dirty="0">
-              <a:solidFill>
-                <a:schemeClr val="bg1"/>
-              </a:solidFill>
-              <a:latin typeface="Adobe 繁黑體 Std B" panose="020B0700000000000000" pitchFamily="34" charset="-120"/>
-              <a:ea typeface="Adobe 繁黑體 Std B" panose="020B0700000000000000" pitchFamily="34" charset="-120"/>
-            </a:endParaRPr>
-          </a:p>
-        </p:txBody>
-      </p:sp>
-      <p:sp>
-        <p:nvSpPr>
-          <p:cNvPr id="5" name="文字方塊 4">
-            <a:extLst>
-              <a:ext uri="{FF2B5EF4-FFF2-40B4-BE49-F238E27FC236}">
-                <a16:creationId xmlns:a16="http://schemas.microsoft.com/office/drawing/2014/main" id="{9403EF6C-96D0-47D0-99E5-0F3A745CB7FF}"/>
-              </a:ext>
-            </a:extLst>
-          </p:cNvPr>
-          <p:cNvSpPr txBox="1"/>
-          <p:nvPr/>
-        </p:nvSpPr>
-        <p:spPr>
-          <a:xfrm>
-            <a:off x="2908416" y="4048271"/>
-            <a:ext cx="6721415" cy="584775"/>
-          </a:xfrm>
-          <a:prstGeom prst="rect">
-            <a:avLst/>
-          </a:prstGeom>
-          <a:noFill/>
-        </p:spPr>
-        <p:txBody>
-          <a:bodyPr wrap="square" rtlCol="0">
-            <a:spAutoFit/>
-          </a:bodyPr>
-          <a:lstStyle/>
-          <a:p>
-            <a:pPr algn="ctr"/>
-            <a:r>
-              <a:rPr lang="en-US" altLang="zh-TW" sz="3200" dirty="0">
-                <a:solidFill>
-                  <a:schemeClr val="bg1"/>
-                </a:solidFill>
-                <a:latin typeface="Adobe 繁黑體 Std B" panose="020B0700000000000000" pitchFamily="34" charset="-120"/>
-                <a:ea typeface="Adobe 繁黑體 Std B" panose="020B0700000000000000" pitchFamily="34" charset="-120"/>
-              </a:rPr>
-              <a:t>&lt;</a:t>
-            </a:r>
-            <a:r>
-              <a:rPr lang="en-US" altLang="zh-TW" sz="3200" dirty="0">
-                <a:solidFill>
-                  <a:srgbClr val="FF0000"/>
-                </a:solidFill>
-                <a:latin typeface="Adobe 繁黑體 Std B" panose="020B0700000000000000" pitchFamily="34" charset="-120"/>
-                <a:ea typeface="Adobe 繁黑體 Std B" panose="020B0700000000000000" pitchFamily="34" charset="-120"/>
-              </a:rPr>
-              <a:t>input</a:t>
-            </a:r>
-            <a:r>
-              <a:rPr lang="en-US" altLang="zh-TW" sz="3200" dirty="0">
-                <a:solidFill>
-                  <a:schemeClr val="bg1"/>
-                </a:solidFill>
-                <a:latin typeface="Adobe 繁黑體 Std B" panose="020B0700000000000000" pitchFamily="34" charset="-120"/>
-                <a:ea typeface="Adobe 繁黑體 Std B" panose="020B0700000000000000" pitchFamily="34" charset="-120"/>
-              </a:rPr>
-              <a:t>  ref={ </a:t>
-            </a:r>
-            <a:r>
-              <a:rPr lang="en-US" altLang="zh-TW" sz="3200" spc="300" dirty="0" err="1">
-                <a:solidFill>
-                  <a:schemeClr val="accent2">
-                    <a:lumMod val="60000"/>
-                    <a:lumOff val="40000"/>
-                  </a:schemeClr>
-                </a:solidFill>
-                <a:latin typeface="Adobe 繁黑體 Std B" panose="020B0700000000000000" pitchFamily="34" charset="-120"/>
-                <a:ea typeface="Adobe 繁黑體 Std B" panose="020B0700000000000000" pitchFamily="34" charset="-120"/>
-              </a:rPr>
-              <a:t>myRef</a:t>
-            </a:r>
-            <a:r>
-              <a:rPr lang="en-US" altLang="zh-TW" sz="3200" spc="300" dirty="0">
-                <a:solidFill>
-                  <a:schemeClr val="accent2">
-                    <a:lumMod val="60000"/>
-                    <a:lumOff val="40000"/>
-                  </a:schemeClr>
-                </a:solidFill>
-                <a:latin typeface="Adobe 繁黑體 Std B" panose="020B0700000000000000" pitchFamily="34" charset="-120"/>
-                <a:ea typeface="Adobe 繁黑體 Std B" panose="020B0700000000000000" pitchFamily="34" charset="-120"/>
-              </a:rPr>
-              <a:t> </a:t>
-            </a:r>
-            <a:r>
-              <a:rPr lang="en-US" altLang="zh-TW" sz="3200" dirty="0">
-                <a:solidFill>
-                  <a:schemeClr val="bg1"/>
-                </a:solidFill>
-                <a:latin typeface="Adobe 繁黑體 Std B" panose="020B0700000000000000" pitchFamily="34" charset="-120"/>
-                <a:ea typeface="Adobe 繁黑體 Std B" panose="020B0700000000000000" pitchFamily="34" charset="-120"/>
-              </a:rPr>
-              <a:t>}   /&gt;</a:t>
-            </a:r>
-            <a:endParaRPr lang="zh-TW" altLang="en-US" sz="3200" dirty="0">
-              <a:solidFill>
-                <a:schemeClr val="bg1"/>
-              </a:solidFill>
-              <a:latin typeface="Adobe 繁黑體 Std B" panose="020B0700000000000000" pitchFamily="34" charset="-120"/>
-              <a:ea typeface="Adobe 繁黑體 Std B" panose="020B0700000000000000" pitchFamily="34" charset="-120"/>
-            </a:endParaRPr>
-          </a:p>
-        </p:txBody>
-      </p:sp>
-    </p:spTree>
-    <p:extLst>
-      <p:ext uri="{BB962C8B-B14F-4D97-AF65-F5344CB8AC3E}">
-        <p14:creationId xmlns:p14="http://schemas.microsoft.com/office/powerpoint/2010/main" val="1655638400"/>
-      </p:ext>
-    </p:extLst>
-  </p:cSld>
-  <p:clrMapOvr>
-    <a:masterClrMapping/>
-  </p:clrMapOvr>
-  <mc:AlternateContent xmlns:mc="http://schemas.openxmlformats.org/markup-compatibility/2006" xmlns:p14="http://schemas.microsoft.com/office/powerpoint/2010/main">
-    <mc:Choice Requires="p14">
-      <p:transition p14:dur="160">
-        <p:fade/>
-      </p:transition>
-    </mc:Choice>
-    <mc:Fallback xmlns="">
-      <p:transition>
-        <p:fade/>
-      </p:transition>
-    </mc:Fallback>
-  </mc:AlternateContent>
+  <p:timing>
+    <p:tnLst>
+      <p:par>
+        <p:cTn id="1" dur="indefinite" restart="never" nodeType="tmRoot"/>
+      </p:par>
+    </p:tnLst>
+  </p:timing>
 </p:sld>
 </file>
 
@@ -13769,13 +13820,7 @@
       </p:grpSpPr>
       <p:sp>
         <p:nvSpPr>
-          <p:cNvPr id="2" name="標題 1">
-            <a:extLst>
-              <a:ext uri="{FF2B5EF4-FFF2-40B4-BE49-F238E27FC236}">
-                <a16:creationId xmlns:a16="http://schemas.microsoft.com/office/drawing/2014/main" id="{CCA008F0-D89F-4FA1-A9B3-CDF909905999}"/>
-              </a:ext>
-            </a:extLst>
-          </p:cNvPr>
+          <p:cNvPr id="2" name="標題 1"/>
           <p:cNvSpPr>
             <a:spLocks noGrp="1"/>
           </p:cNvSpPr>
@@ -13790,21 +13835,16 @@
           <a:p>
             <a:pPr algn="ctr"/>
             <a:r>
-              <a:rPr lang="zh-TW" altLang="en-US" dirty="0"/>
-              <a:t>簡介</a:t>
-            </a:r>
-          </a:p>
-        </p:txBody>
-      </p:sp>
-      <p:sp>
-        <p:nvSpPr>
-          <p:cNvPr id="6" name="內容版面配置區 5">
-            <a:extLst>
-              <a:ext uri="{FF2B5EF4-FFF2-40B4-BE49-F238E27FC236}">
-                <a16:creationId xmlns:a16="http://schemas.microsoft.com/office/drawing/2014/main" id="{4F0C5FDC-A68E-406D-87BA-52A5D64642E8}"/>
-              </a:ext>
-            </a:extLst>
-          </p:cNvPr>
+              <a:rPr lang="zh-TW" altLang="en-US" dirty="0" smtClean="0"/>
+              <a:t>課程大綱</a:t>
+            </a:r>
+            <a:endParaRPr lang="zh-TW" altLang="en-US" dirty="0"/>
+          </a:p>
+        </p:txBody>
+      </p:sp>
+      <p:sp>
+        <p:nvSpPr>
+          <p:cNvPr id="3" name="內容版面配置區 2"/>
           <p:cNvSpPr>
             <a:spLocks noGrp="1"/>
           </p:cNvSpPr>
@@ -13819,188 +13859,170 @@
           </a:bodyPr>
           <a:lstStyle/>
           <a:p>
-            <a:pPr marL="0" indent="0">
-              <a:buNone/>
+            <a:pPr>
+              <a:lnSpc>
+                <a:spcPct val="150000"/>
+              </a:lnSpc>
             </a:pPr>
             <a:r>
-              <a:rPr lang="en-US" altLang="zh-TW" sz="6000" b="1" dirty="0">
+              <a:rPr lang="zh-TW" altLang="en-US" sz="3200" dirty="0" smtClean="0">
                 <a:solidFill>
                   <a:schemeClr val="bg1"/>
                 </a:solidFill>
-                <a:latin typeface="+mn-ea"/>
-              </a:rPr>
-              <a:t>React Hooks</a:t>
-            </a:r>
-          </a:p>
-          <a:p>
-            <a:pPr marL="0" indent="0">
-              <a:buNone/>
-            </a:pPr>
-            <a:r>
-              <a:rPr lang="en-US" altLang="zh-TW" sz="4000" dirty="0">
-                <a:solidFill>
-                  <a:schemeClr val="bg2"/>
-                </a:solidFill>
-                <a:latin typeface="+mn-ea"/>
-              </a:rPr>
-              <a:t>@ v-16.8.0 </a:t>
-            </a:r>
-          </a:p>
-          <a:p>
-            <a:pPr marL="0" indent="0" algn="ctr">
-              <a:buNone/>
-            </a:pPr>
-            <a:endParaRPr lang="en-US" altLang="zh-TW" sz="4000" dirty="0">
+                <a:latin typeface="+mj-ea"/>
+                <a:ea typeface="+mj-ea"/>
+              </a:rPr>
+              <a:t>了解</a:t>
+            </a:r>
+            <a:r>
+              <a:rPr lang="en-US" altLang="zh-TW" sz="3200" dirty="0" smtClean="0">
+                <a:solidFill>
+                  <a:schemeClr val="bg1"/>
+                </a:solidFill>
+                <a:latin typeface="+mj-ea"/>
+                <a:ea typeface="+mj-ea"/>
+              </a:rPr>
+              <a:t>Hooks</a:t>
+            </a:r>
+            <a:r>
+              <a:rPr lang="zh-TW" altLang="en-US" sz="3200" dirty="0" smtClean="0">
+                <a:solidFill>
+                  <a:schemeClr val="bg1"/>
+                </a:solidFill>
+                <a:latin typeface="+mj-ea"/>
+                <a:ea typeface="+mj-ea"/>
+              </a:rPr>
+              <a:t>背景</a:t>
+            </a:r>
+            <a:endParaRPr lang="en-US" altLang="zh-TW" sz="3200" dirty="0" smtClean="0">
               <a:solidFill>
                 <a:schemeClr val="bg1"/>
               </a:solidFill>
-              <a:latin typeface="+mn-ea"/>
+              <a:latin typeface="+mj-ea"/>
+              <a:ea typeface="+mj-ea"/>
             </a:endParaRPr>
           </a:p>
           <a:p>
             <a:pPr>
-              <a:buFont typeface="Wingdings" panose="05000000000000000000" pitchFamily="2" charset="2"/>
-              <a:buChar char="l"/>
+              <a:lnSpc>
+                <a:spcPct val="150000"/>
+              </a:lnSpc>
             </a:pPr>
             <a:r>
-              <a:rPr lang="zh-TW" altLang="en-US" sz="3200" dirty="0">
+              <a:rPr lang="zh-TW" altLang="en-US" sz="3200" dirty="0" smtClean="0">
                 <a:solidFill>
                   <a:schemeClr val="bg1"/>
                 </a:solidFill>
-                <a:latin typeface="+mn-ea"/>
-              </a:rPr>
-              <a:t>省略</a:t>
-            </a:r>
-            <a:r>
-              <a:rPr lang="en-US" altLang="zh-TW" sz="3200" dirty="0">
+                <a:latin typeface="+mj-ea"/>
+                <a:ea typeface="+mj-ea"/>
+              </a:rPr>
+              <a:t>探索</a:t>
+            </a:r>
+            <a:r>
+              <a:rPr lang="en-US" altLang="zh-TW" sz="3200" dirty="0" smtClean="0">
                 <a:solidFill>
                   <a:schemeClr val="bg1"/>
                 </a:solidFill>
-                <a:latin typeface="+mn-ea"/>
-              </a:rPr>
-              <a:t>Class</a:t>
-            </a:r>
-            <a:r>
-              <a:rPr lang="zh-TW" altLang="en-US" sz="3200" dirty="0">
+                <a:latin typeface="+mj-ea"/>
+                <a:ea typeface="+mj-ea"/>
+              </a:rPr>
+              <a:t>React</a:t>
+            </a:r>
+            <a:r>
+              <a:rPr lang="zh-TW" altLang="en-US" sz="3200" dirty="0" smtClean="0">
                 <a:solidFill>
                   <a:schemeClr val="bg1"/>
                 </a:solidFill>
-                <a:latin typeface="+mn-ea"/>
-              </a:rPr>
-              <a:t>的結構</a:t>
+                <a:latin typeface="+mj-ea"/>
+                <a:ea typeface="+mj-ea"/>
+              </a:rPr>
+              <a:t>的初衷</a:t>
             </a:r>
             <a:endParaRPr lang="en-US" altLang="zh-TW" sz="3200" dirty="0">
               <a:solidFill>
                 <a:schemeClr val="bg1"/>
               </a:solidFill>
-              <a:latin typeface="+mn-ea"/>
+              <a:latin typeface="+mj-ea"/>
+              <a:ea typeface="+mj-ea"/>
             </a:endParaRPr>
           </a:p>
           <a:p>
             <a:pPr>
-              <a:buFont typeface="Wingdings" panose="05000000000000000000" pitchFamily="2" charset="2"/>
-              <a:buChar char="l"/>
+              <a:lnSpc>
+                <a:spcPct val="150000"/>
+              </a:lnSpc>
             </a:pPr>
             <a:r>
-              <a:rPr lang="zh-TW" altLang="en-US" sz="3200" b="1" dirty="0">
+              <a:rPr lang="zh-TW" altLang="en-US" sz="3200" dirty="0" smtClean="0">
                 <a:solidFill>
                   <a:schemeClr val="bg1"/>
                 </a:solidFill>
-                <a:latin typeface="+mn-ea"/>
-              </a:rPr>
-              <a:t>無生命週期</a:t>
-            </a:r>
-            <a:endParaRPr lang="en-US" altLang="zh-TW" sz="3200" b="1" dirty="0">
+                <a:latin typeface="+mj-ea"/>
+                <a:ea typeface="+mj-ea"/>
+              </a:rPr>
+              <a:t>如何使用</a:t>
+            </a:r>
+            <a:r>
+              <a:rPr lang="en-US" altLang="zh-TW" sz="3200" dirty="0" smtClean="0">
+                <a:solidFill>
+                  <a:schemeClr val="bg1"/>
+                </a:solidFill>
+                <a:latin typeface="+mj-ea"/>
+                <a:ea typeface="+mj-ea"/>
+              </a:rPr>
+              <a:t>Hooks</a:t>
+            </a:r>
+          </a:p>
+          <a:p>
+            <a:pPr>
+              <a:lnSpc>
+                <a:spcPct val="150000"/>
+              </a:lnSpc>
+            </a:pPr>
+            <a:r>
+              <a:rPr lang="zh-TW" altLang="en-US" sz="3200" dirty="0" smtClean="0">
+                <a:solidFill>
+                  <a:schemeClr val="bg1"/>
+                </a:solidFill>
+                <a:latin typeface="+mj-ea"/>
+                <a:ea typeface="+mj-ea"/>
+              </a:rPr>
+              <a:t>深入了解</a:t>
+            </a:r>
+            <a:r>
+              <a:rPr lang="en-US" altLang="zh-TW" sz="3200" dirty="0" smtClean="0">
+                <a:solidFill>
+                  <a:schemeClr val="bg1"/>
+                </a:solidFill>
+                <a:latin typeface="+mj-ea"/>
+                <a:ea typeface="+mj-ea"/>
+              </a:rPr>
+              <a:t>Hooks</a:t>
+            </a:r>
+            <a:r>
+              <a:rPr lang="zh-TW" altLang="en-US" sz="3200" dirty="0" smtClean="0">
+                <a:solidFill>
+                  <a:schemeClr val="bg1"/>
+                </a:solidFill>
+                <a:latin typeface="+mj-ea"/>
+                <a:ea typeface="+mj-ea"/>
+              </a:rPr>
+              <a:t>結構</a:t>
+            </a:r>
+            <a:endParaRPr lang="en-US" altLang="zh-TW" sz="3200" dirty="0" smtClean="0">
               <a:solidFill>
                 <a:schemeClr val="bg1"/>
               </a:solidFill>
-              <a:latin typeface="+mn-ea"/>
+              <a:latin typeface="+mj-ea"/>
+              <a:ea typeface="+mj-ea"/>
             </a:endParaRPr>
-          </a:p>
-          <a:p>
-            <a:pPr>
-              <a:buFont typeface="Wingdings" panose="05000000000000000000" pitchFamily="2" charset="2"/>
-              <a:buChar char="l"/>
-            </a:pPr>
-            <a:r>
-              <a:rPr lang="en-US" altLang="zh-TW" sz="3200" b="1" dirty="0">
-                <a:solidFill>
-                  <a:schemeClr val="bg1"/>
-                </a:solidFill>
-                <a:latin typeface="+mn-ea"/>
-              </a:rPr>
-              <a:t>Class </a:t>
-            </a:r>
-            <a:r>
-              <a:rPr lang="zh-TW" altLang="en-US" sz="3200" b="1" dirty="0">
-                <a:solidFill>
-                  <a:schemeClr val="bg1"/>
-                </a:solidFill>
-                <a:latin typeface="+mn-ea"/>
-              </a:rPr>
-              <a:t>元件已經具備的能力</a:t>
-            </a:r>
-          </a:p>
-          <a:p>
-            <a:pPr>
-              <a:buFont typeface="Wingdings" panose="05000000000000000000" pitchFamily="2" charset="2"/>
-              <a:buChar char="l"/>
-            </a:pPr>
-            <a:endParaRPr lang="en-US" altLang="zh-TW" sz="3600" b="1" dirty="0">
-              <a:solidFill>
-                <a:schemeClr val="bg1"/>
-              </a:solidFill>
-            </a:endParaRPr>
-          </a:p>
-          <a:p>
-            <a:pPr>
-              <a:buFont typeface="Wingdings" panose="05000000000000000000" pitchFamily="2" charset="2"/>
-              <a:buChar char="l"/>
-            </a:pPr>
-            <a:endParaRPr lang="zh-TW" altLang="en-US" sz="3600" b="1" dirty="0">
-              <a:solidFill>
-                <a:schemeClr val="bg1"/>
-              </a:solidFill>
-            </a:endParaRPr>
-          </a:p>
-        </p:txBody>
-      </p:sp>
-      <p:sp>
-        <p:nvSpPr>
-          <p:cNvPr id="7" name="文字方塊 6">
-            <a:extLst>
-              <a:ext uri="{FF2B5EF4-FFF2-40B4-BE49-F238E27FC236}">
-                <a16:creationId xmlns:a16="http://schemas.microsoft.com/office/drawing/2014/main" id="{AEEB985D-6269-4732-BA55-994AD30471E8}"/>
-              </a:ext>
-            </a:extLst>
-          </p:cNvPr>
-          <p:cNvSpPr txBox="1"/>
-          <p:nvPr/>
-        </p:nvSpPr>
-        <p:spPr>
-          <a:xfrm>
-            <a:off x="5644055" y="2963917"/>
-            <a:ext cx="914400" cy="914400"/>
-          </a:xfrm>
-          <a:prstGeom prst="rect">
-            <a:avLst/>
-          </a:prstGeom>
-          <a:noFill/>
-        </p:spPr>
-        <p:txBody>
-          <a:bodyPr wrap="square" rtlCol="0">
-            <a:spAutoFit/>
-          </a:bodyPr>
-          <a:lstStyle/>
-          <a:p>
-            <a:endParaRPr lang="zh-TW" altLang="en-US" dirty="0"/>
           </a:p>
         </p:txBody>
       </p:sp>
     </p:spTree>
     <p:extLst>
       <p:ext uri="{BB962C8B-B14F-4D97-AF65-F5344CB8AC3E}">
-        <p14:creationId xmlns:p14="http://schemas.microsoft.com/office/powerpoint/2010/main" val="2351023602"/>
+        <p14:creationId xmlns:p14="http://schemas.microsoft.com/office/powerpoint/2010/main" val="1345370539"/>
       </p:ext>
     </p:extLst>
   </p:cSld>
@@ -14044,7 +14066,7 @@
           <p:cNvPr id="2" name="投影片編號版面配置區 1">
             <a:extLst>
               <a:ext uri="{FF2B5EF4-FFF2-40B4-BE49-F238E27FC236}">
-                <a16:creationId xmlns:a16="http://schemas.microsoft.com/office/drawing/2014/main" id="{87C00283-A06E-4B5C-9D02-8BF6BC3D0193}"/>
+                <a16:creationId xmlns:a16="http://schemas.microsoft.com/office/drawing/2014/main" id="{EE7A8781-9AE9-4E94-A07C-D651D6501E1E}"/>
               </a:ext>
             </a:extLst>
           </p:cNvPr>
@@ -14074,7 +14096,7 @@
           <p:cNvPr id="3" name="文字版面配置區 2">
             <a:extLst>
               <a:ext uri="{FF2B5EF4-FFF2-40B4-BE49-F238E27FC236}">
-                <a16:creationId xmlns:a16="http://schemas.microsoft.com/office/drawing/2014/main" id="{EA7AD3CE-B1FC-4DF3-815F-9AE5282BB875}"/>
+                <a16:creationId xmlns:a16="http://schemas.microsoft.com/office/drawing/2014/main" id="{026D63AC-80B9-49D9-86AF-A14DF6546396}"/>
               </a:ext>
             </a:extLst>
           </p:cNvPr>
@@ -14085,41 +14107,259 @@
             <p:ph type="body" sz="quarter" idx="13"/>
           </p:nvPr>
         </p:nvSpPr>
+        <p:spPr/>
+        <p:txBody>
+          <a:bodyPr/>
+          <a:lstStyle/>
+          <a:p>
+            <a:r>
+              <a:rPr lang="zh-TW" altLang="en-US" dirty="0"/>
+              <a:t>結構</a:t>
+            </a:r>
+          </a:p>
+        </p:txBody>
+      </p:sp>
+      <p:sp>
+        <p:nvSpPr>
+          <p:cNvPr id="4" name="文字方塊 3">
+            <a:extLst>
+              <a:ext uri="{FF2B5EF4-FFF2-40B4-BE49-F238E27FC236}">
+                <a16:creationId xmlns:a16="http://schemas.microsoft.com/office/drawing/2014/main" id="{C33D64EF-CD04-4D48-A32C-F8983636DFAA}"/>
+              </a:ext>
+            </a:extLst>
+          </p:cNvPr>
+          <p:cNvSpPr txBox="1"/>
+          <p:nvPr/>
+        </p:nvSpPr>
         <p:spPr>
           <a:xfrm>
-            <a:off x="0" y="430213"/>
-            <a:ext cx="12192000" cy="554037"/>
+            <a:off x="3546262" y="1639098"/>
+            <a:ext cx="5445722" cy="584775"/>
           </a:xfrm>
+          <a:prstGeom prst="rect">
+            <a:avLst/>
+          </a:prstGeom>
+          <a:noFill/>
         </p:spPr>
         <p:txBody>
-          <a:bodyPr/>
-          <a:lstStyle/>
-          <a:p>
-            <a:r>
-              <a:rPr lang="en-US" altLang="zh-TW" dirty="0" err="1">
+          <a:bodyPr wrap="none" rtlCol="0">
+            <a:spAutoFit/>
+          </a:bodyPr>
+          <a:lstStyle/>
+          <a:p>
+            <a:pPr algn="ctr"/>
+            <a:r>
+              <a:rPr lang="en-US" altLang="zh-TW" sz="3200" spc="300" dirty="0">
+                <a:solidFill>
+                  <a:schemeClr val="accent5">
+                    <a:lumMod val="60000"/>
+                    <a:lumOff val="40000"/>
+                  </a:schemeClr>
+                </a:solidFill>
                 <a:latin typeface="Adobe 繁黑體 Std B" panose="020B0700000000000000" pitchFamily="34" charset="-120"/>
                 <a:ea typeface="Adobe 繁黑體 Std B" panose="020B0700000000000000" pitchFamily="34" charset="-120"/>
               </a:rPr>
-              <a:t>useImperativeHandle</a:t>
-            </a:r>
-            <a:r>
-              <a:rPr lang="en-US" altLang="zh-TW" dirty="0">
+              <a:t>Const</a:t>
+            </a:r>
+            <a:r>
+              <a:rPr lang="en-US" altLang="zh-TW" sz="3200" spc="300" dirty="0">
+                <a:solidFill>
+                  <a:schemeClr val="bg1">
+                    <a:lumMod val="85000"/>
+                  </a:schemeClr>
+                </a:solidFill>
                 <a:latin typeface="Adobe 繁黑體 Std B" panose="020B0700000000000000" pitchFamily="34" charset="-120"/>
                 <a:ea typeface="Adobe 繁黑體 Std B" panose="020B0700000000000000" pitchFamily="34" charset="-120"/>
               </a:rPr>
-              <a:t>( )</a:t>
-            </a:r>
-            <a:endParaRPr lang="zh-TW" altLang="en-US" dirty="0">
+              <a:t>	</a:t>
+            </a:r>
+            <a:r>
+              <a:rPr lang="en-US" altLang="zh-TW" sz="3200" spc="300" dirty="0" err="1">
+                <a:solidFill>
+                  <a:schemeClr val="accent2">
+                    <a:lumMod val="60000"/>
+                    <a:lumOff val="40000"/>
+                  </a:schemeClr>
+                </a:solidFill>
+                <a:latin typeface="Adobe 繁黑體 Std B" panose="020B0700000000000000" pitchFamily="34" charset="-120"/>
+                <a:ea typeface="Adobe 繁黑體 Std B" panose="020B0700000000000000" pitchFamily="34" charset="-120"/>
+              </a:rPr>
+              <a:t>myRef</a:t>
+            </a:r>
+            <a:r>
+              <a:rPr lang="en-US" altLang="zh-TW" sz="3200" spc="300" dirty="0">
+                <a:solidFill>
+                  <a:schemeClr val="accent2">
+                    <a:lumMod val="60000"/>
+                    <a:lumOff val="40000"/>
+                  </a:schemeClr>
+                </a:solidFill>
+                <a:latin typeface="Adobe 繁黑體 Std B" panose="020B0700000000000000" pitchFamily="34" charset="-120"/>
+                <a:ea typeface="Adobe 繁黑體 Std B" panose="020B0700000000000000" pitchFamily="34" charset="-120"/>
+              </a:rPr>
+              <a:t>	 </a:t>
+            </a:r>
+            <a:r>
+              <a:rPr lang="en-US" altLang="zh-TW" sz="3200" spc="300" dirty="0">
+                <a:solidFill>
+                  <a:schemeClr val="bg1">
+                    <a:lumMod val="85000"/>
+                  </a:schemeClr>
+                </a:solidFill>
+                <a:latin typeface="Adobe 繁黑體 Std B" panose="020B0700000000000000" pitchFamily="34" charset="-120"/>
+                <a:ea typeface="Adobe 繁黑體 Std B" panose="020B0700000000000000" pitchFamily="34" charset="-120"/>
+              </a:rPr>
+              <a:t>= </a:t>
+            </a:r>
+            <a:r>
+              <a:rPr lang="en-US" altLang="zh-TW" sz="3200" dirty="0" err="1">
+                <a:solidFill>
+                  <a:schemeClr val="bg1"/>
+                </a:solidFill>
+                <a:latin typeface="Adobe 繁黑體 Std B" panose="020B0700000000000000" pitchFamily="34" charset="-120"/>
+                <a:ea typeface="Adobe 繁黑體 Std B" panose="020B0700000000000000" pitchFamily="34" charset="-120"/>
+              </a:rPr>
+              <a:t>useRef</a:t>
+            </a:r>
+            <a:r>
+              <a:rPr lang="en-US" altLang="zh-TW" sz="3200" dirty="0">
+                <a:solidFill>
+                  <a:schemeClr val="bg1"/>
+                </a:solidFill>
+                <a:latin typeface="Adobe 繁黑體 Std B" panose="020B0700000000000000" pitchFamily="34" charset="-120"/>
+                <a:ea typeface="Adobe 繁黑體 Std B" panose="020B0700000000000000" pitchFamily="34" charset="-120"/>
+              </a:rPr>
+              <a:t>(  )</a:t>
+            </a:r>
+            <a:r>
+              <a:rPr lang="en-US" altLang="zh-TW" sz="3200" spc="300" dirty="0">
+                <a:solidFill>
+                  <a:schemeClr val="bg1"/>
+                </a:solidFill>
+                <a:latin typeface="Adobe 繁黑體 Std B" panose="020B0700000000000000" pitchFamily="34" charset="-120"/>
+                <a:ea typeface="Adobe 繁黑體 Std B" panose="020B0700000000000000" pitchFamily="34" charset="-120"/>
+              </a:rPr>
+              <a:t> </a:t>
+            </a:r>
+            <a:endParaRPr lang="zh-TW" altLang="en-US" sz="3200" spc="300" dirty="0">
+              <a:solidFill>
+                <a:schemeClr val="bg1"/>
+              </a:solidFill>
               <a:latin typeface="Adobe 繁黑體 Std B" panose="020B0700000000000000" pitchFamily="34" charset="-120"/>
               <a:ea typeface="Adobe 繁黑體 Std B" panose="020B0700000000000000" pitchFamily="34" charset="-120"/>
             </a:endParaRPr>
           </a:p>
         </p:txBody>
       </p:sp>
+      <p:sp>
+        <p:nvSpPr>
+          <p:cNvPr id="5" name="文字方塊 4">
+            <a:extLst>
+              <a:ext uri="{FF2B5EF4-FFF2-40B4-BE49-F238E27FC236}">
+                <a16:creationId xmlns:a16="http://schemas.microsoft.com/office/drawing/2014/main" id="{9403EF6C-96D0-47D0-99E5-0F3A745CB7FF}"/>
+              </a:ext>
+            </a:extLst>
+          </p:cNvPr>
+          <p:cNvSpPr txBox="1"/>
+          <p:nvPr/>
+        </p:nvSpPr>
+        <p:spPr>
+          <a:xfrm>
+            <a:off x="2908416" y="4048271"/>
+            <a:ext cx="6721415" cy="584775"/>
+          </a:xfrm>
+          <a:prstGeom prst="rect">
+            <a:avLst/>
+          </a:prstGeom>
+          <a:noFill/>
+        </p:spPr>
+        <p:txBody>
+          <a:bodyPr wrap="square" rtlCol="0">
+            <a:spAutoFit/>
+          </a:bodyPr>
+          <a:lstStyle/>
+          <a:p>
+            <a:pPr algn="ctr"/>
+            <a:r>
+              <a:rPr lang="en-US" altLang="zh-TW" sz="3200" dirty="0">
+                <a:solidFill>
+                  <a:schemeClr val="bg1"/>
+                </a:solidFill>
+                <a:latin typeface="Adobe 繁黑體 Std B" panose="020B0700000000000000" pitchFamily="34" charset="-120"/>
+                <a:ea typeface="Adobe 繁黑體 Std B" panose="020B0700000000000000" pitchFamily="34" charset="-120"/>
+              </a:rPr>
+              <a:t>&lt;</a:t>
+            </a:r>
+            <a:r>
+              <a:rPr lang="en-US" altLang="zh-TW" sz="3200" dirty="0">
+                <a:solidFill>
+                  <a:srgbClr val="92D050"/>
+                </a:solidFill>
+                <a:latin typeface="Adobe 繁黑體 Std B" panose="020B0700000000000000" pitchFamily="34" charset="-120"/>
+                <a:ea typeface="Adobe 繁黑體 Std B" panose="020B0700000000000000" pitchFamily="34" charset="-120"/>
+              </a:rPr>
+              <a:t>input</a:t>
+            </a:r>
+            <a:r>
+              <a:rPr lang="en-US" altLang="zh-TW" sz="3200" dirty="0">
+                <a:solidFill>
+                  <a:schemeClr val="bg1"/>
+                </a:solidFill>
+                <a:latin typeface="Adobe 繁黑體 Std B" panose="020B0700000000000000" pitchFamily="34" charset="-120"/>
+                <a:ea typeface="Adobe 繁黑體 Std B" panose="020B0700000000000000" pitchFamily="34" charset="-120"/>
+              </a:rPr>
+              <a:t>  ref={ </a:t>
+            </a:r>
+            <a:r>
+              <a:rPr lang="en-US" altLang="zh-TW" sz="3200" spc="300" dirty="0" err="1">
+                <a:solidFill>
+                  <a:schemeClr val="accent2">
+                    <a:lumMod val="60000"/>
+                    <a:lumOff val="40000"/>
+                  </a:schemeClr>
+                </a:solidFill>
+                <a:latin typeface="Adobe 繁黑體 Std B" panose="020B0700000000000000" pitchFamily="34" charset="-120"/>
+                <a:ea typeface="Adobe 繁黑體 Std B" panose="020B0700000000000000" pitchFamily="34" charset="-120"/>
+              </a:rPr>
+              <a:t>myRef</a:t>
+            </a:r>
+            <a:r>
+              <a:rPr lang="en-US" altLang="zh-TW" sz="3200" spc="300" dirty="0">
+                <a:solidFill>
+                  <a:schemeClr val="accent2">
+                    <a:lumMod val="60000"/>
+                    <a:lumOff val="40000"/>
+                  </a:schemeClr>
+                </a:solidFill>
+                <a:latin typeface="Adobe 繁黑體 Std B" panose="020B0700000000000000" pitchFamily="34" charset="-120"/>
+                <a:ea typeface="Adobe 繁黑體 Std B" panose="020B0700000000000000" pitchFamily="34" charset="-120"/>
+              </a:rPr>
+              <a:t> </a:t>
+            </a:r>
+            <a:r>
+              <a:rPr lang="en-US" altLang="zh-TW" sz="3200" dirty="0">
+                <a:solidFill>
+                  <a:schemeClr val="bg1"/>
+                </a:solidFill>
+                <a:latin typeface="Adobe 繁黑體 Std B" panose="020B0700000000000000" pitchFamily="34" charset="-120"/>
+                <a:ea typeface="Adobe 繁黑體 Std B" panose="020B0700000000000000" pitchFamily="34" charset="-120"/>
+              </a:rPr>
+              <a:t>}   /&gt;</a:t>
+            </a:r>
+            <a:endParaRPr lang="zh-TW" altLang="en-US" sz="3200" dirty="0">
+              <a:solidFill>
+                <a:schemeClr val="bg1"/>
+              </a:solidFill>
+              <a:latin typeface="Adobe 繁黑體 Std B" panose="020B0700000000000000" pitchFamily="34" charset="-120"/>
+              <a:ea typeface="Adobe 繁黑體 Std B" panose="020B0700000000000000" pitchFamily="34" charset="-120"/>
+            </a:endParaRPr>
+          </a:p>
+        </p:txBody>
+      </p:sp>
     </p:spTree>
     <p:extLst>
       <p:ext uri="{BB962C8B-B14F-4D97-AF65-F5344CB8AC3E}">
-        <p14:creationId xmlns:p14="http://schemas.microsoft.com/office/powerpoint/2010/main" val="4122515379"/>
+        <p14:creationId xmlns:p14="http://schemas.microsoft.com/office/powerpoint/2010/main" val="1655638400"/>
       </p:ext>
     </p:extLst>
   </p:cSld>
@@ -14138,6 +14378,13 @@
       </p:transition>
     </mc:Fallback>
   </mc:AlternateContent>
+  <p:timing>
+    <p:tnLst>
+      <p:par>
+        <p:cTn id="1" dur="indefinite" restart="never" nodeType="tmRoot"/>
+      </p:par>
+    </p:tnLst>
+  </p:timing>
 </p:sld>
 </file>
 
@@ -14160,18 +14407,12 @@
       </p:grpSpPr>
       <p:sp>
         <p:nvSpPr>
-          <p:cNvPr id="2" name="標題 1">
-            <a:extLst>
-              <a:ext uri="{FF2B5EF4-FFF2-40B4-BE49-F238E27FC236}">
-                <a16:creationId xmlns:a16="http://schemas.microsoft.com/office/drawing/2014/main" id="{83164752-3A65-4204-9A83-8650849498E7}"/>
-              </a:ext>
-            </a:extLst>
-          </p:cNvPr>
+          <p:cNvPr id="2" name="投影片編號版面配置區 1"/>
           <p:cNvSpPr>
             <a:spLocks noGrp="1"/>
           </p:cNvSpPr>
           <p:nvPr>
-            <p:ph type="title"/>
+            <p:ph type="sldNum" sz="quarter" idx="12"/>
           </p:nvPr>
         </p:nvSpPr>
         <p:spPr/>
@@ -14179,28 +14420,23 @@
           <a:bodyPr/>
           <a:lstStyle/>
           <a:p>
-            <a:pPr algn="ctr"/>
-            <a:r>
-              <a:rPr lang="zh-TW" altLang="en-US" dirty="0"/>
-              <a:t>客製化</a:t>
-            </a:r>
-          </a:p>
-        </p:txBody>
-      </p:sp>
-      <p:sp>
-        <p:nvSpPr>
-          <p:cNvPr id="3" name="內容版面配置區 2">
-            <a:extLst>
-              <a:ext uri="{FF2B5EF4-FFF2-40B4-BE49-F238E27FC236}">
-                <a16:creationId xmlns:a16="http://schemas.microsoft.com/office/drawing/2014/main" id="{DACE0065-D140-4311-A409-16CECB6AC074}"/>
-              </a:ext>
-            </a:extLst>
-          </p:cNvPr>
+            <a:fld id="{4FAB73BC-B049-4115-A692-8D63A059BFB8}" type="slidenum">
+              <a:rPr lang="en-US" smtClean="0"/>
+              <a:pPr/>
+              <a:t>31</a:t>
+            </a:fld>
+            <a:endParaRPr lang="en-US" dirty="0"/>
+          </a:p>
+        </p:txBody>
+      </p:sp>
+      <p:sp>
+        <p:nvSpPr>
+          <p:cNvPr id="3" name="文字版面配置區 2"/>
           <p:cNvSpPr>
             <a:spLocks noGrp="1"/>
           </p:cNvSpPr>
           <p:nvPr>
-            <p:ph idx="1"/>
+            <p:ph type="body" sz="quarter" idx="13"/>
           </p:nvPr>
         </p:nvSpPr>
         <p:spPr/>
@@ -14208,14 +14444,215 @@
           <a:bodyPr/>
           <a:lstStyle/>
           <a:p>
-            <a:endParaRPr lang="zh-TW" altLang="en-US"/>
+            <a:r>
+              <a:rPr lang="zh-TW" altLang="en-US" dirty="0" smtClean="0"/>
+              <a:t>解析</a:t>
+            </a:r>
+            <a:r>
+              <a:rPr lang="en-US" altLang="zh-TW" dirty="0" smtClean="0"/>
+              <a:t>Hooks</a:t>
+            </a:r>
+            <a:endParaRPr lang="zh-TW" altLang="en-US" dirty="0"/>
+          </a:p>
+        </p:txBody>
+      </p:sp>
+      <p:sp>
+        <p:nvSpPr>
+          <p:cNvPr id="4" name="文字方塊 3"/>
+          <p:cNvSpPr txBox="1"/>
+          <p:nvPr/>
+        </p:nvSpPr>
+        <p:spPr>
+          <a:xfrm>
+            <a:off x="840258" y="1989439"/>
+            <a:ext cx="10453818" cy="2585323"/>
+          </a:xfrm>
+          <a:prstGeom prst="rect">
+            <a:avLst/>
+          </a:prstGeom>
+          <a:noFill/>
+        </p:spPr>
+        <p:txBody>
+          <a:bodyPr wrap="square" rtlCol="0">
+            <a:spAutoFit/>
+          </a:bodyPr>
+          <a:lstStyle/>
+          <a:p>
+            <a:pPr marL="571500" indent="-571500">
+              <a:lnSpc>
+                <a:spcPct val="150000"/>
+              </a:lnSpc>
+              <a:buFont typeface="Arial" panose="020B0604020202020204" pitchFamily="34" charset="0"/>
+              <a:buChar char="•"/>
+            </a:pPr>
+            <a:r>
+              <a:rPr lang="zh-TW" altLang="en-US" sz="3600" dirty="0" smtClean="0">
+                <a:solidFill>
+                  <a:schemeClr val="bg1">
+                    <a:lumMod val="95000"/>
+                  </a:schemeClr>
+                </a:solidFill>
+                <a:latin typeface="+mn-ea"/>
+              </a:rPr>
+              <a:t>首先</a:t>
+            </a:r>
+            <a:r>
+              <a:rPr lang="en-US" altLang="zh-TW" sz="3600" dirty="0" smtClean="0">
+                <a:solidFill>
+                  <a:schemeClr val="bg1"/>
+                </a:solidFill>
+                <a:latin typeface="Arial Black" panose="020B0A04020102020204" pitchFamily="34" charset="0"/>
+              </a:rPr>
+              <a:t>Hooks</a:t>
+            </a:r>
+            <a:r>
+              <a:rPr lang="zh-TW" altLang="en-US" sz="3600" dirty="0" smtClean="0">
+                <a:solidFill>
+                  <a:schemeClr val="bg1">
+                    <a:lumMod val="95000"/>
+                  </a:schemeClr>
+                </a:solidFill>
+                <a:latin typeface="+mn-ea"/>
+              </a:rPr>
+              <a:t>的</a:t>
+            </a:r>
+            <a:r>
+              <a:rPr lang="zh-TW" altLang="en-US" sz="3600" dirty="0" smtClean="0">
+                <a:solidFill>
+                  <a:schemeClr val="bg1">
+                    <a:lumMod val="95000"/>
+                  </a:schemeClr>
+                </a:solidFill>
+                <a:latin typeface="+mn-ea"/>
+              </a:rPr>
+              <a:t>所有</a:t>
+            </a:r>
+            <a:r>
+              <a:rPr lang="zh-TW" altLang="en-US" sz="3600" dirty="0" smtClean="0">
+                <a:solidFill>
+                  <a:schemeClr val="bg1">
+                    <a:lumMod val="95000"/>
+                  </a:schemeClr>
+                </a:solidFill>
+                <a:latin typeface="+mn-ea"/>
+              </a:rPr>
+              <a:t>方法只要使用</a:t>
+            </a:r>
+            <a:r>
+              <a:rPr lang="zh-TW" altLang="en-US" sz="3600" dirty="0">
+                <a:solidFill>
+                  <a:schemeClr val="bg1">
+                    <a:lumMod val="95000"/>
+                  </a:schemeClr>
+                </a:solidFill>
+                <a:latin typeface="+mn-ea"/>
+              </a:rPr>
+              <a:t>就</a:t>
+            </a:r>
+            <a:r>
+              <a:rPr lang="zh-TW" altLang="en-US" sz="3600" dirty="0" smtClean="0">
+                <a:solidFill>
+                  <a:schemeClr val="bg1">
+                    <a:lumMod val="95000"/>
+                  </a:schemeClr>
+                </a:solidFill>
+                <a:latin typeface="+mn-ea"/>
+              </a:rPr>
+              <a:t>一定</a:t>
+            </a:r>
+            <a:r>
+              <a:rPr lang="zh-TW" altLang="en-US" sz="3600" dirty="0" smtClean="0">
+                <a:solidFill>
+                  <a:schemeClr val="bg1">
+                    <a:lumMod val="95000"/>
+                  </a:schemeClr>
+                </a:solidFill>
+                <a:latin typeface="+mn-ea"/>
+              </a:rPr>
+              <a:t>會執行</a:t>
+            </a:r>
+            <a:endParaRPr lang="en-US" altLang="zh-TW" sz="3600" dirty="0" smtClean="0">
+              <a:solidFill>
+                <a:schemeClr val="bg1">
+                  <a:lumMod val="95000"/>
+                </a:schemeClr>
+              </a:solidFill>
+              <a:latin typeface="+mn-ea"/>
+            </a:endParaRPr>
+          </a:p>
+          <a:p>
+            <a:pPr marL="571500" indent="-571500">
+              <a:lnSpc>
+                <a:spcPct val="150000"/>
+              </a:lnSpc>
+              <a:buFont typeface="Arial" panose="020B0604020202020204" pitchFamily="34" charset="0"/>
+              <a:buChar char="•"/>
+            </a:pPr>
+            <a:r>
+              <a:rPr lang="zh-TW" altLang="en-US" sz="3600" dirty="0" smtClean="0">
+                <a:solidFill>
+                  <a:schemeClr val="bg1">
+                    <a:lumMod val="95000"/>
+                  </a:schemeClr>
+                </a:solidFill>
+                <a:latin typeface="+mn-ea"/>
+              </a:rPr>
+              <a:t>非立即</a:t>
+            </a:r>
+            <a:r>
+              <a:rPr lang="zh-TW" altLang="en-US" sz="3600" dirty="0">
+                <a:solidFill>
+                  <a:schemeClr val="bg1">
+                    <a:lumMod val="95000"/>
+                  </a:schemeClr>
+                </a:solidFill>
+                <a:latin typeface="+mn-ea"/>
+              </a:rPr>
+              <a:t>執行</a:t>
+            </a:r>
+            <a:endParaRPr lang="en-US" altLang="zh-TW" sz="3600" dirty="0" smtClean="0">
+              <a:solidFill>
+                <a:schemeClr val="bg1">
+                  <a:lumMod val="95000"/>
+                </a:schemeClr>
+              </a:solidFill>
+              <a:latin typeface="+mn-ea"/>
+            </a:endParaRPr>
+          </a:p>
+          <a:p>
+            <a:pPr marL="571500" indent="-571500">
+              <a:lnSpc>
+                <a:spcPct val="150000"/>
+              </a:lnSpc>
+              <a:buFont typeface="Arial" panose="020B0604020202020204" pitchFamily="34" charset="0"/>
+              <a:buChar char="•"/>
+            </a:pPr>
+            <a:r>
+              <a:rPr lang="zh-TW" altLang="en-US" sz="3600" dirty="0" smtClean="0">
+                <a:solidFill>
+                  <a:schemeClr val="bg1">
+                    <a:lumMod val="95000"/>
+                  </a:schemeClr>
+                </a:solidFill>
+                <a:latin typeface="+mn-ea"/>
+              </a:rPr>
+              <a:t>是以請求的方式處理</a:t>
+            </a:r>
+            <a:endParaRPr lang="en-US" altLang="zh-TW" sz="3600" dirty="0" smtClean="0">
+              <a:solidFill>
+                <a:schemeClr val="bg1">
+                  <a:lumMod val="95000"/>
+                </a:schemeClr>
+              </a:solidFill>
+              <a:latin typeface="+mn-ea"/>
+            </a:endParaRPr>
           </a:p>
         </p:txBody>
       </p:sp>
     </p:spTree>
     <p:extLst>
       <p:ext uri="{BB962C8B-B14F-4D97-AF65-F5344CB8AC3E}">
-        <p14:creationId xmlns:p14="http://schemas.microsoft.com/office/powerpoint/2010/main" val="2896364993"/>
+        <p14:creationId xmlns:p14="http://schemas.microsoft.com/office/powerpoint/2010/main" val="3066683400"/>
       </p:ext>
     </p:extLst>
   </p:cSld>
@@ -14256,7 +14693,7 @@
       </p:grpSpPr>
       <p:sp>
         <p:nvSpPr>
-          <p:cNvPr id="3" name="投影片編號版面配置區 2"/>
+          <p:cNvPr id="2" name="投影片編號版面配置區 1"/>
           <p:cNvSpPr>
             <a:spLocks noGrp="1"/>
           </p:cNvSpPr>
@@ -14278,10 +14715,256 @@
           </a:p>
         </p:txBody>
       </p:sp>
+      <p:sp>
+        <p:nvSpPr>
+          <p:cNvPr id="3" name="文字版面配置區 2"/>
+          <p:cNvSpPr>
+            <a:spLocks noGrp="1"/>
+          </p:cNvSpPr>
+          <p:nvPr>
+            <p:ph type="body" sz="quarter" idx="13"/>
+          </p:nvPr>
+        </p:nvSpPr>
+        <p:spPr/>
+        <p:txBody>
+          <a:bodyPr/>
+          <a:lstStyle/>
+          <a:p>
+            <a:r>
+              <a:rPr lang="zh-TW" altLang="en-US" dirty="0" smtClean="0"/>
+              <a:t>解析</a:t>
+            </a:r>
+            <a:r>
+              <a:rPr lang="en-US" altLang="zh-TW" dirty="0" smtClean="0"/>
+              <a:t>Hooks</a:t>
+            </a:r>
+            <a:endParaRPr lang="zh-TW" altLang="en-US" dirty="0"/>
+          </a:p>
+        </p:txBody>
+      </p:sp>
+      <p:sp>
+        <p:nvSpPr>
+          <p:cNvPr id="5" name="矩形 4"/>
+          <p:cNvSpPr/>
+          <p:nvPr/>
+        </p:nvSpPr>
+        <p:spPr>
+          <a:xfrm>
+            <a:off x="5424616" y="2916194"/>
+            <a:ext cx="3520646" cy="1977080"/>
+          </a:xfrm>
+          <a:prstGeom prst="rect">
+            <a:avLst/>
+          </a:prstGeom>
+          <a:ln>
+            <a:solidFill>
+              <a:schemeClr val="bg1"/>
+            </a:solidFill>
+          </a:ln>
+        </p:spPr>
+        <p:style>
+          <a:lnRef idx="2">
+            <a:schemeClr val="accent1">
+              <a:shade val="50000"/>
+            </a:schemeClr>
+          </a:lnRef>
+          <a:fillRef idx="1">
+            <a:schemeClr val="accent1"/>
+          </a:fillRef>
+          <a:effectRef idx="0">
+            <a:schemeClr val="accent1"/>
+          </a:effectRef>
+          <a:fontRef idx="minor">
+            <a:schemeClr val="lt1"/>
+          </a:fontRef>
+        </p:style>
+        <p:txBody>
+          <a:bodyPr rtlCol="0" anchor="ctr"/>
+          <a:lstStyle/>
+          <a:p>
+            <a:pPr algn="ctr"/>
+            <a:endParaRPr lang="zh-TW" altLang="en-US"/>
+          </a:p>
+        </p:txBody>
+      </p:sp>
+      <p:sp>
+        <p:nvSpPr>
+          <p:cNvPr id="8" name="剪去對角線角落矩形 7"/>
+          <p:cNvSpPr/>
+          <p:nvPr/>
+        </p:nvSpPr>
+        <p:spPr>
+          <a:xfrm>
+            <a:off x="6226775" y="3437262"/>
+            <a:ext cx="1754660" cy="1000897"/>
+          </a:xfrm>
+          <a:prstGeom prst="snip2DiagRect">
+            <a:avLst/>
+          </a:prstGeom>
+          <a:solidFill>
+            <a:schemeClr val="accent2">
+              <a:lumMod val="40000"/>
+              <a:lumOff val="60000"/>
+            </a:schemeClr>
+          </a:solidFill>
+        </p:spPr>
+        <p:style>
+          <a:lnRef idx="2">
+            <a:schemeClr val="accent1">
+              <a:shade val="50000"/>
+            </a:schemeClr>
+          </a:lnRef>
+          <a:fillRef idx="1">
+            <a:schemeClr val="accent1"/>
+          </a:fillRef>
+          <a:effectRef idx="0">
+            <a:schemeClr val="accent1"/>
+          </a:effectRef>
+          <a:fontRef idx="minor">
+            <a:schemeClr val="lt1"/>
+          </a:fontRef>
+        </p:style>
+        <p:txBody>
+          <a:bodyPr rtlCol="0" anchor="ctr"/>
+          <a:lstStyle/>
+          <a:p>
+            <a:pPr algn="ctr"/>
+            <a:r>
+              <a:rPr lang="zh-TW" altLang="en-US" sz="2800" dirty="0" smtClean="0">
+                <a:solidFill>
+                  <a:schemeClr val="tx1"/>
+                </a:solidFill>
+              </a:rPr>
+              <a:t>請求</a:t>
+            </a:r>
+            <a:endParaRPr lang="zh-TW" altLang="en-US" sz="2800" dirty="0">
+              <a:solidFill>
+                <a:schemeClr val="tx1"/>
+              </a:solidFill>
+            </a:endParaRPr>
+          </a:p>
+        </p:txBody>
+      </p:sp>
+      <p:sp>
+        <p:nvSpPr>
+          <p:cNvPr id="13" name="剪去對角線角落矩形 12"/>
+          <p:cNvSpPr/>
+          <p:nvPr/>
+        </p:nvSpPr>
+        <p:spPr>
+          <a:xfrm>
+            <a:off x="3266302" y="3437262"/>
+            <a:ext cx="1754660" cy="1000897"/>
+          </a:xfrm>
+          <a:prstGeom prst="snip2DiagRect">
+            <a:avLst/>
+          </a:prstGeom>
+          <a:solidFill>
+            <a:schemeClr val="accent2">
+              <a:lumMod val="40000"/>
+              <a:lumOff val="60000"/>
+            </a:schemeClr>
+          </a:solidFill>
+        </p:spPr>
+        <p:style>
+          <a:lnRef idx="2">
+            <a:schemeClr val="accent1">
+              <a:shade val="50000"/>
+            </a:schemeClr>
+          </a:lnRef>
+          <a:fillRef idx="1">
+            <a:schemeClr val="accent1"/>
+          </a:fillRef>
+          <a:effectRef idx="0">
+            <a:schemeClr val="accent1"/>
+          </a:effectRef>
+          <a:fontRef idx="minor">
+            <a:schemeClr val="lt1"/>
+          </a:fontRef>
+        </p:style>
+        <p:txBody>
+          <a:bodyPr rtlCol="0" anchor="ctr"/>
+          <a:lstStyle/>
+          <a:p>
+            <a:pPr algn="ctr"/>
+            <a:r>
+              <a:rPr lang="zh-TW" altLang="en-US" sz="2800" dirty="0" smtClean="0">
+                <a:solidFill>
+                  <a:schemeClr val="tx1"/>
+                </a:solidFill>
+              </a:rPr>
+              <a:t>請求</a:t>
+            </a:r>
+            <a:endParaRPr lang="zh-TW" altLang="en-US" sz="2800" dirty="0">
+              <a:solidFill>
+                <a:schemeClr val="tx1"/>
+              </a:solidFill>
+            </a:endParaRPr>
+          </a:p>
+        </p:txBody>
+      </p:sp>
+      <p:sp>
+        <p:nvSpPr>
+          <p:cNvPr id="14" name="剪去對角線角落矩形 13"/>
+          <p:cNvSpPr/>
+          <p:nvPr/>
+        </p:nvSpPr>
+        <p:spPr>
+          <a:xfrm>
+            <a:off x="305829" y="3437262"/>
+            <a:ext cx="1754660" cy="1000897"/>
+          </a:xfrm>
+          <a:prstGeom prst="snip2DiagRect">
+            <a:avLst/>
+          </a:prstGeom>
+          <a:solidFill>
+            <a:schemeClr val="accent2">
+              <a:lumMod val="40000"/>
+              <a:lumOff val="60000"/>
+            </a:schemeClr>
+          </a:solidFill>
+        </p:spPr>
+        <p:style>
+          <a:lnRef idx="2">
+            <a:schemeClr val="accent1">
+              <a:shade val="50000"/>
+            </a:schemeClr>
+          </a:lnRef>
+          <a:fillRef idx="1">
+            <a:schemeClr val="accent1"/>
+          </a:fillRef>
+          <a:effectRef idx="0">
+            <a:schemeClr val="accent1"/>
+          </a:effectRef>
+          <a:fontRef idx="minor">
+            <a:schemeClr val="lt1"/>
+          </a:fontRef>
+        </p:style>
+        <p:txBody>
+          <a:bodyPr rtlCol="0" anchor="ctr"/>
+          <a:lstStyle/>
+          <a:p>
+            <a:pPr algn="ctr"/>
+            <a:r>
+              <a:rPr lang="zh-TW" altLang="en-US" sz="2800" dirty="0" smtClean="0">
+                <a:solidFill>
+                  <a:schemeClr val="tx1"/>
+                </a:solidFill>
+              </a:rPr>
+              <a:t>請求</a:t>
+            </a:r>
+            <a:endParaRPr lang="zh-TW" altLang="en-US" sz="2800" dirty="0">
+              <a:solidFill>
+                <a:schemeClr val="tx1"/>
+              </a:solidFill>
+            </a:endParaRPr>
+          </a:p>
+        </p:txBody>
+      </p:sp>
     </p:spTree>
     <p:extLst>
       <p:ext uri="{BB962C8B-B14F-4D97-AF65-F5344CB8AC3E}">
-        <p14:creationId xmlns:p14="http://schemas.microsoft.com/office/powerpoint/2010/main" val="2260164828"/>
+        <p14:creationId xmlns:p14="http://schemas.microsoft.com/office/powerpoint/2010/main" val="4242232558"/>
       </p:ext>
     </p:extLst>
   </p:cSld>
@@ -14300,6 +14983,143 @@
       </p:transition>
     </mc:Fallback>
   </mc:AlternateContent>
+  <p:timing>
+    <p:tnLst>
+      <p:par>
+        <p:cTn id="1" dur="indefinite" restart="never" nodeType="tmRoot">
+          <p:childTnLst>
+            <p:seq concurrent="1" nextAc="seek">
+              <p:cTn id="2" dur="indefinite" nodeType="mainSeq">
+                <p:childTnLst>
+                  <p:par>
+                    <p:cTn id="3" fill="hold">
+                      <p:stCondLst>
+                        <p:cond delay="indefinite"/>
+                      </p:stCondLst>
+                      <p:childTnLst>
+                        <p:par>
+                          <p:cTn id="4" fill="hold">
+                            <p:stCondLst>
+                              <p:cond delay="0"/>
+                            </p:stCondLst>
+                            <p:childTnLst>
+                              <p:par>
+                                <p:cTn id="5" presetID="63" presetClass="path" presetSubtype="0" accel="50000" decel="50000" fill="hold" grpId="0" nodeType="clickEffect">
+                                  <p:stCondLst>
+                                    <p:cond delay="0"/>
+                                  </p:stCondLst>
+                                  <p:childTnLst>
+                                    <p:animMotion origin="layout" path="M -2.29167E-6 -4.07407E-6 L 0.25 -4.07407E-6 " pathEditMode="relative" rAng="0" ptsTypes="AA">
+                                      <p:cBhvr>
+                                        <p:cTn id="6" dur="1000" fill="hold"/>
+                                        <p:tgtEl>
+                                          <p:spTgt spid="8"/>
+                                        </p:tgtEl>
+                                        <p:attrNameLst>
+                                          <p:attrName>ppt_x</p:attrName>
+                                          <p:attrName>ppt_y</p:attrName>
+                                        </p:attrNameLst>
+                                      </p:cBhvr>
+                                      <p:rCtr x="12500" y="0"/>
+                                    </p:animMotion>
+                                  </p:childTnLst>
+                                </p:cTn>
+                              </p:par>
+                            </p:childTnLst>
+                          </p:cTn>
+                        </p:par>
+                      </p:childTnLst>
+                    </p:cTn>
+                  </p:par>
+                  <p:par>
+                    <p:cTn id="7" fill="hold">
+                      <p:stCondLst>
+                        <p:cond delay="indefinite"/>
+                      </p:stCondLst>
+                      <p:childTnLst>
+                        <p:par>
+                          <p:cTn id="8" fill="hold">
+                            <p:stCondLst>
+                              <p:cond delay="0"/>
+                            </p:stCondLst>
+                            <p:childTnLst>
+                              <p:par>
+                                <p:cTn id="9" presetID="63" presetClass="path" presetSubtype="0" accel="50000" decel="50000" fill="hold" grpId="0" nodeType="clickEffect">
+                                  <p:stCondLst>
+                                    <p:cond delay="0"/>
+                                  </p:stCondLst>
+                                  <p:childTnLst>
+                                    <p:animMotion origin="layout" path="M -3.75E-6 -4.07407E-6 L 0.25 -4.07407E-6 " pathEditMode="relative" rAng="0" ptsTypes="AA">
+                                      <p:cBhvr>
+                                        <p:cTn id="10" dur="1000" fill="hold"/>
+                                        <p:tgtEl>
+                                          <p:spTgt spid="13"/>
+                                        </p:tgtEl>
+                                        <p:attrNameLst>
+                                          <p:attrName>ppt_x</p:attrName>
+                                          <p:attrName>ppt_y</p:attrName>
+                                        </p:attrNameLst>
+                                      </p:cBhvr>
+                                      <p:rCtr x="12500" y="0"/>
+                                    </p:animMotion>
+                                  </p:childTnLst>
+                                </p:cTn>
+                              </p:par>
+                              <p:par>
+                                <p:cTn id="11" presetID="63" presetClass="path" presetSubtype="0" accel="50000" decel="50000" fill="hold" grpId="0" nodeType="withEffect">
+                                  <p:stCondLst>
+                                    <p:cond delay="0"/>
+                                  </p:stCondLst>
+                                  <p:childTnLst>
+                                    <p:animMotion origin="layout" path="M 4.79167E-6 -4.07407E-6 L 0.25 -4.07407E-6 " pathEditMode="relative" rAng="0" ptsTypes="AA">
+                                      <p:cBhvr>
+                                        <p:cTn id="12" dur="1000" fill="hold"/>
+                                        <p:tgtEl>
+                                          <p:spTgt spid="14"/>
+                                        </p:tgtEl>
+                                        <p:attrNameLst>
+                                          <p:attrName>ppt_x</p:attrName>
+                                          <p:attrName>ppt_y</p:attrName>
+                                        </p:attrNameLst>
+                                      </p:cBhvr>
+                                      <p:rCtr x="12500" y="0"/>
+                                    </p:animMotion>
+                                  </p:childTnLst>
+                                </p:cTn>
+                              </p:par>
+                            </p:childTnLst>
+                          </p:cTn>
+                        </p:par>
+                      </p:childTnLst>
+                    </p:cTn>
+                  </p:par>
+                </p:childTnLst>
+              </p:cTn>
+              <p:prevCondLst>
+                <p:cond evt="onPrev" delay="0">
+                  <p:tgtEl>
+                    <p:sldTgt/>
+                  </p:tgtEl>
+                </p:cond>
+              </p:prevCondLst>
+              <p:nextCondLst>
+                <p:cond evt="onNext" delay="0">
+                  <p:tgtEl>
+                    <p:sldTgt/>
+                  </p:tgtEl>
+                </p:cond>
+              </p:nextCondLst>
+            </p:seq>
+          </p:childTnLst>
+        </p:cTn>
+      </p:par>
+    </p:tnLst>
+    <p:bldLst>
+      <p:bldP spid="8" grpId="0" animBg="1"/>
+      <p:bldP spid="13" grpId="0" animBg="1"/>
+      <p:bldP spid="14" grpId="0" animBg="1"/>
+    </p:bldLst>
+  </p:timing>
 </p:sld>
 </file>
 
@@ -14322,12 +15142,18 @@
       </p:grpSpPr>
       <p:sp>
         <p:nvSpPr>
-          <p:cNvPr id="3" name="投影片編號版面配置區 2"/>
+          <p:cNvPr id="2" name="標題 1">
+            <a:extLst>
+              <a:ext uri="{FF2B5EF4-FFF2-40B4-BE49-F238E27FC236}">
+                <a16:creationId xmlns:a16="http://schemas.microsoft.com/office/drawing/2014/main" id="{83164752-3A65-4204-9A83-8650849498E7}"/>
+              </a:ext>
+            </a:extLst>
+          </p:cNvPr>
           <p:cNvSpPr>
             <a:spLocks noGrp="1"/>
           </p:cNvSpPr>
           <p:nvPr>
-            <p:ph type="sldNum" sz="quarter" idx="12"/>
+            <p:ph type="title"/>
           </p:nvPr>
         </p:nvSpPr>
         <p:spPr/>
@@ -14335,19 +15161,213 @@
           <a:bodyPr/>
           <a:lstStyle/>
           <a:p>
-            <a:fld id="{4FAB73BC-B049-4115-A692-8D63A059BFB8}" type="slidenum">
-              <a:rPr lang="en-US" smtClean="0"/>
-              <a:pPr/>
-              <a:t>33</a:t>
-            </a:fld>
-            <a:endParaRPr lang="en-US" dirty="0"/>
+            <a:pPr algn="ctr"/>
+            <a:r>
+              <a:rPr lang="zh-TW" altLang="en-US" dirty="0"/>
+              <a:t>客製化</a:t>
+            </a:r>
+          </a:p>
+        </p:txBody>
+      </p:sp>
+      <p:sp>
+        <p:nvSpPr>
+          <p:cNvPr id="3" name="內容版面配置區 2">
+            <a:extLst>
+              <a:ext uri="{FF2B5EF4-FFF2-40B4-BE49-F238E27FC236}">
+                <a16:creationId xmlns:a16="http://schemas.microsoft.com/office/drawing/2014/main" id="{DACE0065-D140-4311-A409-16CECB6AC074}"/>
+              </a:ext>
+            </a:extLst>
+          </p:cNvPr>
+          <p:cNvSpPr>
+            <a:spLocks noGrp="1"/>
+          </p:cNvSpPr>
+          <p:nvPr>
+            <p:ph idx="1"/>
+          </p:nvPr>
+        </p:nvSpPr>
+        <p:spPr/>
+        <p:txBody>
+          <a:bodyPr/>
+          <a:lstStyle/>
+          <a:p>
+            <a:pPr marL="0" indent="0">
+              <a:buNone/>
+            </a:pPr>
+            <a:r>
+              <a:rPr lang="zh-TW" altLang="en-US" sz="3600" dirty="0">
+                <a:solidFill>
+                  <a:schemeClr val="bg1"/>
+                </a:solidFill>
+                <a:latin typeface="+mj-ea"/>
+              </a:rPr>
+              <a:t>創造自己的</a:t>
+            </a:r>
+            <a:r>
+              <a:rPr lang="en-US" altLang="zh-TW" sz="3600" dirty="0">
+                <a:solidFill>
+                  <a:schemeClr val="bg1"/>
+                </a:solidFill>
+                <a:latin typeface="+mj-ea"/>
+              </a:rPr>
+              <a:t>React Hooks</a:t>
+            </a:r>
+          </a:p>
+          <a:p>
+            <a:pPr marL="0" indent="0">
+              <a:buNone/>
+            </a:pPr>
+            <a:endParaRPr lang="en-US" altLang="zh-TW" sz="3200" dirty="0">
+              <a:solidFill>
+                <a:schemeClr val="bg1"/>
+              </a:solidFill>
+              <a:latin typeface="+mj-ea"/>
+            </a:endParaRPr>
+          </a:p>
+          <a:p>
+            <a:pPr marL="0" indent="0">
+              <a:lnSpc>
+                <a:spcPct val="150000"/>
+              </a:lnSpc>
+              <a:buNone/>
+            </a:pPr>
+            <a:r>
+              <a:rPr lang="zh-TW" altLang="en-US" sz="3200" dirty="0">
+                <a:solidFill>
+                  <a:schemeClr val="bg1">
+                    <a:lumMod val="85000"/>
+                  </a:schemeClr>
+                </a:solidFill>
+                <a:latin typeface="+mj-ea"/>
+              </a:rPr>
+              <a:t>利用其他</a:t>
+            </a:r>
+            <a:r>
+              <a:rPr lang="en-US" altLang="zh-TW" sz="3200" dirty="0">
+                <a:solidFill>
+                  <a:schemeClr val="bg1">
+                    <a:lumMod val="85000"/>
+                  </a:schemeClr>
+                </a:solidFill>
+                <a:latin typeface="+mj-ea"/>
+              </a:rPr>
+              <a:t>hook</a:t>
+            </a:r>
+            <a:r>
+              <a:rPr lang="zh-TW" altLang="en-US" sz="3200" dirty="0">
+                <a:solidFill>
+                  <a:schemeClr val="bg1">
+                    <a:lumMod val="85000"/>
+                  </a:schemeClr>
+                </a:solidFill>
+                <a:latin typeface="+mj-ea"/>
+              </a:rPr>
+              <a:t>互相搭配</a:t>
+            </a:r>
+            <a:endParaRPr lang="en-US" altLang="zh-TW" sz="3200" dirty="0">
+              <a:solidFill>
+                <a:schemeClr val="bg1">
+                  <a:lumMod val="85000"/>
+                </a:schemeClr>
+              </a:solidFill>
+              <a:latin typeface="+mj-ea"/>
+            </a:endParaRPr>
+          </a:p>
+          <a:p>
+            <a:pPr marL="0" indent="0">
+              <a:lnSpc>
+                <a:spcPct val="150000"/>
+              </a:lnSpc>
+              <a:buNone/>
+            </a:pPr>
+            <a:r>
+              <a:rPr lang="zh-TW" altLang="en-US" sz="3200" dirty="0">
+                <a:solidFill>
+                  <a:schemeClr val="bg1">
+                    <a:lumMod val="85000"/>
+                  </a:schemeClr>
+                </a:solidFill>
+                <a:latin typeface="+mj-ea"/>
+              </a:rPr>
+              <a:t>把</a:t>
+            </a:r>
+            <a:r>
+              <a:rPr lang="en-US" altLang="zh-TW" sz="3200" dirty="0">
+                <a:solidFill>
+                  <a:schemeClr val="bg1">
+                    <a:lumMod val="85000"/>
+                  </a:schemeClr>
+                </a:solidFill>
+                <a:latin typeface="+mj-ea"/>
+              </a:rPr>
+              <a:t>React</a:t>
+            </a:r>
+            <a:r>
+              <a:rPr lang="zh-TW" altLang="en-US" sz="3200" dirty="0">
+                <a:solidFill>
+                  <a:schemeClr val="bg1">
+                    <a:lumMod val="85000"/>
+                  </a:schemeClr>
+                </a:solidFill>
+                <a:latin typeface="+mj-ea"/>
+              </a:rPr>
+              <a:t>的特性模組化</a:t>
+            </a:r>
+            <a:endParaRPr lang="en-US" altLang="zh-TW" sz="3200" dirty="0">
+              <a:solidFill>
+                <a:schemeClr val="bg1">
+                  <a:lumMod val="85000"/>
+                </a:schemeClr>
+              </a:solidFill>
+              <a:latin typeface="+mj-ea"/>
+            </a:endParaRPr>
+          </a:p>
+          <a:p>
+            <a:pPr marL="0" indent="0">
+              <a:lnSpc>
+                <a:spcPct val="150000"/>
+              </a:lnSpc>
+              <a:buNone/>
+            </a:pPr>
+            <a:r>
+              <a:rPr lang="zh-TW" altLang="en-US" sz="3200" dirty="0">
+                <a:solidFill>
+                  <a:schemeClr val="bg1">
+                    <a:lumMod val="85000"/>
+                  </a:schemeClr>
+                </a:solidFill>
+                <a:latin typeface="+mj-ea"/>
+              </a:rPr>
+              <a:t>創造出獨一無二</a:t>
+            </a:r>
+            <a:r>
+              <a:rPr lang="en-US" altLang="zh-TW" sz="3200" dirty="0">
+                <a:solidFill>
+                  <a:schemeClr val="bg1">
+                    <a:lumMod val="85000"/>
+                  </a:schemeClr>
+                </a:solidFill>
+                <a:latin typeface="+mj-ea"/>
+              </a:rPr>
+              <a:t>Hooks</a:t>
+            </a:r>
+          </a:p>
+          <a:p>
+            <a:pPr marL="0" indent="0" algn="ctr">
+              <a:buNone/>
+            </a:pPr>
+            <a:endParaRPr lang="en-US" altLang="zh-TW" dirty="0">
+              <a:solidFill>
+                <a:schemeClr val="bg1"/>
+              </a:solidFill>
+              <a:latin typeface="+mj-ea"/>
+            </a:endParaRPr>
           </a:p>
         </p:txBody>
       </p:sp>
     </p:spTree>
     <p:extLst>
       <p:ext uri="{BB962C8B-B14F-4D97-AF65-F5344CB8AC3E}">
-        <p14:creationId xmlns:p14="http://schemas.microsoft.com/office/powerpoint/2010/main" val="4137861974"/>
+        <p14:creationId xmlns:p14="http://schemas.microsoft.com/office/powerpoint/2010/main" val="2896364993"/>
       </p:ext>
     </p:extLst>
   </p:cSld>
@@ -14366,6 +15386,13 @@
       </p:transition>
     </mc:Fallback>
   </mc:AlternateContent>
+  <p:timing>
+    <p:tnLst>
+      <p:par>
+        <p:cTn id="1" dur="indefinite" restart="never" nodeType="tmRoot"/>
+      </p:par>
+    </p:tnLst>
+  </p:timing>
 </p:sld>
 </file>
 
@@ -14388,6 +15415,220 @@
       </p:grpSpPr>
       <p:sp>
         <p:nvSpPr>
+          <p:cNvPr id="2" name="投影片編號版面配置區 1"/>
+          <p:cNvSpPr>
+            <a:spLocks noGrp="1"/>
+          </p:cNvSpPr>
+          <p:nvPr>
+            <p:ph type="sldNum" sz="quarter" idx="12"/>
+          </p:nvPr>
+        </p:nvSpPr>
+        <p:spPr/>
+        <p:txBody>
+          <a:bodyPr/>
+          <a:lstStyle/>
+          <a:p>
+            <a:fld id="{4FAB73BC-B049-4115-A692-8D63A059BFB8}" type="slidenum">
+              <a:rPr lang="en-US" smtClean="0"/>
+              <a:pPr/>
+              <a:t>34</a:t>
+            </a:fld>
+            <a:endParaRPr lang="en-US" dirty="0"/>
+          </a:p>
+        </p:txBody>
+      </p:sp>
+      <p:sp>
+        <p:nvSpPr>
+          <p:cNvPr id="3" name="文字版面配置區 2"/>
+          <p:cNvSpPr>
+            <a:spLocks noGrp="1"/>
+          </p:cNvSpPr>
+          <p:nvPr>
+            <p:ph type="body" sz="quarter" idx="13"/>
+          </p:nvPr>
+        </p:nvSpPr>
+        <p:spPr/>
+        <p:txBody>
+          <a:bodyPr/>
+          <a:lstStyle/>
+          <a:p>
+            <a:r>
+              <a:rPr lang="zh-TW" altLang="en-US" dirty="0"/>
+              <a:t>規則</a:t>
+            </a:r>
+          </a:p>
+        </p:txBody>
+      </p:sp>
+      <p:sp>
+        <p:nvSpPr>
+          <p:cNvPr id="4" name="文字方塊 3">
+            <a:extLst>
+              <a:ext uri="{FF2B5EF4-FFF2-40B4-BE49-F238E27FC236}">
+                <a16:creationId xmlns:a16="http://schemas.microsoft.com/office/drawing/2014/main" id="{81D6559F-2673-4281-9A92-D0718387897D}"/>
+              </a:ext>
+            </a:extLst>
+          </p:cNvPr>
+          <p:cNvSpPr txBox="1"/>
+          <p:nvPr/>
+        </p:nvSpPr>
+        <p:spPr>
+          <a:xfrm>
+            <a:off x="1082842" y="3144960"/>
+            <a:ext cx="3725700" cy="584775"/>
+          </a:xfrm>
+          <a:prstGeom prst="rect">
+            <a:avLst/>
+          </a:prstGeom>
+          <a:noFill/>
+        </p:spPr>
+        <p:txBody>
+          <a:bodyPr wrap="none" rtlCol="0">
+            <a:spAutoFit/>
+          </a:bodyPr>
+          <a:lstStyle/>
+          <a:p>
+            <a:r>
+              <a:rPr lang="zh-TW" altLang="en-US" sz="3200" dirty="0">
+                <a:solidFill>
+                  <a:schemeClr val="bg1"/>
+                </a:solidFill>
+                <a:latin typeface="+mj-ea"/>
+                <a:ea typeface="+mj-ea"/>
+              </a:rPr>
+              <a:t>請以</a:t>
+            </a:r>
+            <a:r>
+              <a:rPr lang="en-US" altLang="zh-TW" sz="3200" dirty="0">
+                <a:solidFill>
+                  <a:schemeClr val="bg1"/>
+                </a:solidFill>
+                <a:latin typeface="+mj-ea"/>
+                <a:ea typeface="+mj-ea"/>
+              </a:rPr>
+              <a:t>use</a:t>
+            </a:r>
+            <a:r>
+              <a:rPr lang="zh-TW" altLang="en-US" sz="3200" dirty="0">
+                <a:solidFill>
+                  <a:schemeClr val="bg1"/>
+                </a:solidFill>
+                <a:latin typeface="+mj-ea"/>
+                <a:ea typeface="+mj-ea"/>
+              </a:rPr>
+              <a:t>開頭的函式</a:t>
+            </a:r>
+          </a:p>
+        </p:txBody>
+      </p:sp>
+      <p:sp>
+        <p:nvSpPr>
+          <p:cNvPr id="5" name="文字方塊 4">
+            <a:extLst>
+              <a:ext uri="{FF2B5EF4-FFF2-40B4-BE49-F238E27FC236}">
+                <a16:creationId xmlns:a16="http://schemas.microsoft.com/office/drawing/2014/main" id="{FF42F2B2-1648-4F2B-9BB7-14AB97175B58}"/>
+              </a:ext>
+            </a:extLst>
+          </p:cNvPr>
+          <p:cNvSpPr txBox="1"/>
+          <p:nvPr/>
+        </p:nvSpPr>
+        <p:spPr>
+          <a:xfrm>
+            <a:off x="7022976" y="3144960"/>
+            <a:ext cx="3403881" cy="584775"/>
+          </a:xfrm>
+          <a:prstGeom prst="rect">
+            <a:avLst/>
+          </a:prstGeom>
+          <a:noFill/>
+        </p:spPr>
+        <p:txBody>
+          <a:bodyPr wrap="none" rtlCol="0">
+            <a:spAutoFit/>
+          </a:bodyPr>
+          <a:lstStyle/>
+          <a:p>
+            <a:r>
+              <a:rPr lang="zh-TW" altLang="en-US" sz="3200" dirty="0">
+                <a:solidFill>
+                  <a:schemeClr val="bg1"/>
+                </a:solidFill>
+                <a:latin typeface="+mj-ea"/>
+                <a:ea typeface="+mj-ea"/>
+              </a:rPr>
+              <a:t>使用</a:t>
+            </a:r>
+            <a:r>
+              <a:rPr lang="en-US" altLang="zh-TW" sz="3200" dirty="0">
+                <a:solidFill>
+                  <a:schemeClr val="bg1"/>
+                </a:solidFill>
+                <a:latin typeface="+mj-ea"/>
+                <a:ea typeface="+mj-ea"/>
+              </a:rPr>
+              <a:t>React Hooks</a:t>
+            </a:r>
+            <a:endParaRPr lang="zh-TW" altLang="en-US" sz="4800" dirty="0">
+              <a:solidFill>
+                <a:schemeClr val="bg1"/>
+              </a:solidFill>
+              <a:latin typeface="+mj-ea"/>
+              <a:ea typeface="+mj-ea"/>
+            </a:endParaRPr>
+          </a:p>
+        </p:txBody>
+      </p:sp>
+    </p:spTree>
+    <p:extLst>
+      <p:ext uri="{BB962C8B-B14F-4D97-AF65-F5344CB8AC3E}">
+        <p14:creationId xmlns:p14="http://schemas.microsoft.com/office/powerpoint/2010/main" val="1678944357"/>
+      </p:ext>
+    </p:extLst>
+  </p:cSld>
+  <p:clrMapOvr>
+    <a:masterClrMapping/>
+  </p:clrMapOvr>
+  <mc:AlternateContent xmlns:mc="http://schemas.openxmlformats.org/markup-compatibility/2006" xmlns:p14="http://schemas.microsoft.com/office/powerpoint/2010/main">
+    <mc:Choice Requires="p14">
+      <p:transition p14:dur="160">
+        <p:fade/>
+      </p:transition>
+    </mc:Choice>
+    <mc:Fallback xmlns="">
+      <p:transition>
+        <p:fade/>
+      </p:transition>
+    </mc:Fallback>
+  </mc:AlternateContent>
+  <p:timing>
+    <p:tnLst>
+      <p:par>
+        <p:cTn id="1" dur="indefinite" restart="never" nodeType="tmRoot"/>
+      </p:par>
+    </p:tnLst>
+  </p:timing>
+</p:sld>
+</file>
+
+<file path=ppt/slides/slide35.xml><?xml version="1.0" encoding="utf-8"?>
+<p:sld xmlns:a="http://schemas.openxmlformats.org/drawingml/2006/main" xmlns:r="http://schemas.openxmlformats.org/officeDocument/2006/relationships" xmlns:p="http://schemas.openxmlformats.org/presentationml/2006/main">
+  <p:cSld>
+    <p:spTree>
+      <p:nvGrpSpPr>
+        <p:cNvPr id="1" name=""/>
+        <p:cNvGrpSpPr/>
+        <p:nvPr/>
+      </p:nvGrpSpPr>
+      <p:grpSpPr>
+        <a:xfrm>
+          <a:off x="0" y="0"/>
+          <a:ext cx="0" cy="0"/>
+          <a:chOff x="0" y="0"/>
+          <a:chExt cx="0" cy="0"/>
+        </a:xfrm>
+      </p:grpSpPr>
+      <p:sp>
+        <p:nvSpPr>
           <p:cNvPr id="2" name="標題 1">
             <a:extLst>
               <a:ext uri="{FF2B5EF4-FFF2-40B4-BE49-F238E27FC236}">
@@ -14409,8 +15650,8 @@
           <a:p>
             <a:pPr algn="ctr"/>
             <a:r>
-              <a:rPr lang="en-US" altLang="zh-TW" dirty="0"/>
-              <a:t>Patter</a:t>
+              <a:rPr lang="en-US" altLang="zh-TW" dirty="0" smtClean="0"/>
+              <a:t>Pattern</a:t>
             </a:r>
             <a:endParaRPr lang="zh-TW" altLang="en-US" dirty="0"/>
           </a:p>
@@ -14463,10 +15704,290 @@
       </p:transition>
     </mc:Fallback>
   </mc:AlternateContent>
+  <p:timing>
+    <p:tnLst>
+      <p:par>
+        <p:cTn id="1" dur="indefinite" restart="never" nodeType="tmRoot"/>
+      </p:par>
+    </p:tnLst>
+  </p:timing>
 </p:sld>
 </file>
 
 <file path=ppt/slides/slide4.xml><?xml version="1.0" encoding="utf-8"?>
+<p:sld xmlns:a="http://schemas.openxmlformats.org/drawingml/2006/main" xmlns:r="http://schemas.openxmlformats.org/officeDocument/2006/relationships" xmlns:p="http://schemas.openxmlformats.org/presentationml/2006/main">
+  <p:cSld>
+    <p:spTree>
+      <p:nvGrpSpPr>
+        <p:cNvPr id="1" name=""/>
+        <p:cNvGrpSpPr/>
+        <p:nvPr/>
+      </p:nvGrpSpPr>
+      <p:grpSpPr>
+        <a:xfrm>
+          <a:off x="0" y="0"/>
+          <a:ext cx="0" cy="0"/>
+          <a:chOff x="0" y="0"/>
+          <a:chExt cx="0" cy="0"/>
+        </a:xfrm>
+      </p:grpSpPr>
+      <p:sp>
+        <p:nvSpPr>
+          <p:cNvPr id="2" name="標題 1">
+            <a:extLst>
+              <a:ext uri="{FF2B5EF4-FFF2-40B4-BE49-F238E27FC236}">
+                <a16:creationId xmlns:a16="http://schemas.microsoft.com/office/drawing/2014/main" id="{CCA008F0-D89F-4FA1-A9B3-CDF909905999}"/>
+              </a:ext>
+            </a:extLst>
+          </p:cNvPr>
+          <p:cNvSpPr>
+            <a:spLocks noGrp="1"/>
+          </p:cNvSpPr>
+          <p:nvPr>
+            <p:ph type="title"/>
+          </p:nvPr>
+        </p:nvSpPr>
+        <p:spPr/>
+        <p:txBody>
+          <a:bodyPr/>
+          <a:lstStyle/>
+          <a:p>
+            <a:pPr algn="ctr"/>
+            <a:r>
+              <a:rPr lang="zh-TW" altLang="en-US" dirty="0"/>
+              <a:t>簡介</a:t>
+            </a:r>
+          </a:p>
+        </p:txBody>
+      </p:sp>
+      <p:sp>
+        <p:nvSpPr>
+          <p:cNvPr id="6" name="內容版面配置區 5">
+            <a:extLst>
+              <a:ext uri="{FF2B5EF4-FFF2-40B4-BE49-F238E27FC236}">
+                <a16:creationId xmlns:a16="http://schemas.microsoft.com/office/drawing/2014/main" id="{4F0C5FDC-A68E-406D-87BA-52A5D64642E8}"/>
+              </a:ext>
+            </a:extLst>
+          </p:cNvPr>
+          <p:cNvSpPr>
+            <a:spLocks noGrp="1"/>
+          </p:cNvSpPr>
+          <p:nvPr>
+            <p:ph idx="1"/>
+          </p:nvPr>
+        </p:nvSpPr>
+        <p:spPr/>
+        <p:txBody>
+          <a:bodyPr>
+            <a:normAutofit/>
+          </a:bodyPr>
+          <a:lstStyle/>
+          <a:p>
+            <a:pPr marL="0" indent="0">
+              <a:buNone/>
+            </a:pPr>
+            <a:r>
+              <a:rPr lang="en-US" altLang="zh-TW" sz="6000" b="1" dirty="0">
+                <a:solidFill>
+                  <a:schemeClr val="bg1"/>
+                </a:solidFill>
+                <a:latin typeface="+mn-ea"/>
+              </a:rPr>
+              <a:t>React Hooks</a:t>
+            </a:r>
+          </a:p>
+          <a:p>
+            <a:pPr marL="0" indent="0">
+              <a:buNone/>
+            </a:pPr>
+            <a:r>
+              <a:rPr lang="en-US" altLang="zh-TW" sz="4000" dirty="0">
+                <a:solidFill>
+                  <a:schemeClr val="bg2"/>
+                </a:solidFill>
+                <a:latin typeface="+mn-ea"/>
+              </a:rPr>
+              <a:t>@ v-16.8.0 </a:t>
+            </a:r>
+          </a:p>
+          <a:p>
+            <a:pPr marL="0" indent="0" algn="ctr">
+              <a:buNone/>
+            </a:pPr>
+            <a:endParaRPr lang="en-US" altLang="zh-TW" sz="4000" dirty="0">
+              <a:solidFill>
+                <a:schemeClr val="bg1"/>
+              </a:solidFill>
+              <a:latin typeface="+mn-ea"/>
+            </a:endParaRPr>
+          </a:p>
+          <a:p>
+            <a:pPr>
+              <a:buFont typeface="Wingdings" panose="05000000000000000000" pitchFamily="2" charset="2"/>
+              <a:buChar char="l"/>
+            </a:pPr>
+            <a:r>
+              <a:rPr lang="zh-TW" altLang="en-US" sz="3200" dirty="0">
+                <a:solidFill>
+                  <a:schemeClr val="bg1"/>
+                </a:solidFill>
+                <a:latin typeface="+mn-ea"/>
+              </a:rPr>
+              <a:t>拋棄</a:t>
+            </a:r>
+            <a:r>
+              <a:rPr lang="en-US" altLang="zh-TW" sz="3200" dirty="0">
+                <a:solidFill>
+                  <a:schemeClr val="bg1"/>
+                </a:solidFill>
+                <a:latin typeface="+mn-ea"/>
+              </a:rPr>
+              <a:t>Class</a:t>
+            </a:r>
+            <a:r>
+              <a:rPr lang="zh-TW" altLang="en-US" sz="3200" dirty="0">
+                <a:solidFill>
+                  <a:schemeClr val="bg1"/>
+                </a:solidFill>
+                <a:latin typeface="+mn-ea"/>
+              </a:rPr>
+              <a:t>的結構</a:t>
+            </a:r>
+            <a:endParaRPr lang="en-US" altLang="zh-TW" sz="3200" dirty="0">
+              <a:solidFill>
+                <a:schemeClr val="bg1"/>
+              </a:solidFill>
+              <a:latin typeface="+mn-ea"/>
+            </a:endParaRPr>
+          </a:p>
+          <a:p>
+            <a:pPr>
+              <a:buFont typeface="Wingdings" panose="05000000000000000000" pitchFamily="2" charset="2"/>
+              <a:buChar char="l"/>
+            </a:pPr>
+            <a:r>
+              <a:rPr lang="zh-TW" altLang="en-US" sz="3200" dirty="0">
+                <a:solidFill>
+                  <a:schemeClr val="bg1"/>
+                </a:solidFill>
+                <a:latin typeface="+mn-ea"/>
+              </a:rPr>
+              <a:t>簡化生命週期的定義</a:t>
+            </a:r>
+            <a:endParaRPr lang="en-US" altLang="zh-TW" sz="3200" dirty="0">
+              <a:solidFill>
+                <a:schemeClr val="bg1"/>
+              </a:solidFill>
+              <a:latin typeface="+mn-ea"/>
+            </a:endParaRPr>
+          </a:p>
+          <a:p>
+            <a:pPr>
+              <a:buFont typeface="Wingdings" panose="05000000000000000000" pitchFamily="2" charset="2"/>
+              <a:buChar char="l"/>
+            </a:pPr>
+            <a:r>
+              <a:rPr lang="zh-TW" altLang="en-US" sz="3200" dirty="0">
+                <a:solidFill>
+                  <a:schemeClr val="bg1"/>
+                </a:solidFill>
+                <a:latin typeface="+mn-ea"/>
+              </a:rPr>
+              <a:t>簡潔的</a:t>
+            </a:r>
+            <a:r>
+              <a:rPr lang="zh-TW" altLang="en-US" sz="3200" dirty="0" smtClean="0">
+                <a:solidFill>
+                  <a:schemeClr val="bg1"/>
+                </a:solidFill>
+                <a:latin typeface="+mn-ea"/>
+              </a:rPr>
+              <a:t>風格</a:t>
+            </a:r>
+            <a:endParaRPr lang="en-US" altLang="zh-TW" sz="3600" b="1" dirty="0">
+              <a:solidFill>
+                <a:schemeClr val="bg1"/>
+              </a:solidFill>
+            </a:endParaRPr>
+          </a:p>
+          <a:p>
+            <a:pPr>
+              <a:buFont typeface="Wingdings" panose="05000000000000000000" pitchFamily="2" charset="2"/>
+              <a:buChar char="l"/>
+            </a:pPr>
+            <a:endParaRPr lang="zh-TW" altLang="en-US" sz="3600" b="1" dirty="0">
+              <a:solidFill>
+                <a:schemeClr val="bg1"/>
+              </a:solidFill>
+            </a:endParaRPr>
+          </a:p>
+        </p:txBody>
+      </p:sp>
+      <p:sp>
+        <p:nvSpPr>
+          <p:cNvPr id="7" name="文字方塊 6">
+            <a:extLst>
+              <a:ext uri="{FF2B5EF4-FFF2-40B4-BE49-F238E27FC236}">
+                <a16:creationId xmlns:a16="http://schemas.microsoft.com/office/drawing/2014/main" id="{AEEB985D-6269-4732-BA55-994AD30471E8}"/>
+              </a:ext>
+            </a:extLst>
+          </p:cNvPr>
+          <p:cNvSpPr txBox="1"/>
+          <p:nvPr/>
+        </p:nvSpPr>
+        <p:spPr>
+          <a:xfrm>
+            <a:off x="5644055" y="2963917"/>
+            <a:ext cx="914400" cy="914400"/>
+          </a:xfrm>
+          <a:prstGeom prst="rect">
+            <a:avLst/>
+          </a:prstGeom>
+          <a:noFill/>
+        </p:spPr>
+        <p:txBody>
+          <a:bodyPr wrap="square" rtlCol="0">
+            <a:spAutoFit/>
+          </a:bodyPr>
+          <a:lstStyle/>
+          <a:p>
+            <a:endParaRPr lang="zh-TW" altLang="en-US" dirty="0"/>
+          </a:p>
+        </p:txBody>
+      </p:sp>
+    </p:spTree>
+    <p:extLst>
+      <p:ext uri="{BB962C8B-B14F-4D97-AF65-F5344CB8AC3E}">
+        <p14:creationId xmlns:p14="http://schemas.microsoft.com/office/powerpoint/2010/main" val="2351023602"/>
+      </p:ext>
+    </p:extLst>
+  </p:cSld>
+  <p:clrMapOvr>
+    <a:masterClrMapping/>
+  </p:clrMapOvr>
+  <mc:AlternateContent xmlns:mc="http://schemas.openxmlformats.org/markup-compatibility/2006" xmlns:p14="http://schemas.microsoft.com/office/powerpoint/2010/main">
+    <mc:Choice Requires="p14">
+      <p:transition p14:dur="160">
+        <p:fade/>
+      </p:transition>
+    </mc:Choice>
+    <mc:Fallback xmlns="">
+      <p:transition>
+        <p:fade/>
+      </p:transition>
+    </mc:Fallback>
+  </mc:AlternateContent>
+  <p:timing>
+    <p:tnLst>
+      <p:par>
+        <p:cTn id="1" dur="indefinite" restart="never" nodeType="tmRoot"/>
+      </p:par>
+    </p:tnLst>
+  </p:timing>
+</p:sld>
+</file>
+
+<file path=ppt/slides/slide5.xml><?xml version="1.0" encoding="utf-8"?>
 <p:sld xmlns:a="http://schemas.openxmlformats.org/drawingml/2006/main" xmlns:r="http://schemas.openxmlformats.org/officeDocument/2006/relationships" xmlns:p="http://schemas.openxmlformats.org/presentationml/2006/main">
   <p:cSld>
     <p:spTree>
@@ -14706,7 +16227,7 @@
             <a:fld id="{4FAB73BC-B049-4115-A692-8D63A059BFB8}" type="slidenum">
               <a:rPr lang="en-US" smtClean="0"/>
               <a:pPr/>
-              <a:t>4</a:t>
+              <a:t>5</a:t>
             </a:fld>
             <a:endParaRPr lang="en-US" dirty="0"/>
           </a:p>
@@ -14812,7 +16333,7 @@
 </p:sld>
 </file>
 
-<file path=ppt/slides/slide5.xml><?xml version="1.0" encoding="utf-8"?>
+<file path=ppt/slides/slide6.xml><?xml version="1.0" encoding="utf-8"?>
 <p:sld xmlns:a="http://schemas.openxmlformats.org/drawingml/2006/main" xmlns:r="http://schemas.openxmlformats.org/officeDocument/2006/relationships" xmlns:p="http://schemas.openxmlformats.org/presentationml/2006/main">
   <p:cSld>
     <p:spTree>
@@ -14905,7 +16426,7 @@
             <a:fld id="{4FAB73BC-B049-4115-A692-8D63A059BFB8}" type="slidenum">
               <a:rPr lang="en-US" smtClean="0"/>
               <a:pPr/>
-              <a:t>5</a:t>
+              <a:t>6</a:t>
             </a:fld>
             <a:endParaRPr lang="en-US" dirty="0"/>
           </a:p>
@@ -14933,10 +16454,17 @@
       </p:transition>
     </mc:Fallback>
   </mc:AlternateContent>
+  <p:timing>
+    <p:tnLst>
+      <p:par>
+        <p:cTn id="1" dur="indefinite" restart="never" nodeType="tmRoot"/>
+      </p:par>
+    </p:tnLst>
+  </p:timing>
 </p:sld>
 </file>
 
-<file path=ppt/slides/slide6.xml><?xml version="1.0" encoding="utf-8"?>
+<file path=ppt/slides/slide7.xml><?xml version="1.0" encoding="utf-8"?>
 <p:sld xmlns:a="http://schemas.openxmlformats.org/drawingml/2006/main" xmlns:r="http://schemas.openxmlformats.org/officeDocument/2006/relationships" xmlns:p="http://schemas.openxmlformats.org/presentationml/2006/main">
   <p:cSld>
     <p:spTree>
@@ -15169,7 +16697,7 @@
             <a:fld id="{4FAB73BC-B049-4115-A692-8D63A059BFB8}" type="slidenum">
               <a:rPr lang="en-US" smtClean="0"/>
               <a:pPr/>
-              <a:t>6</a:t>
+              <a:t>7</a:t>
             </a:fld>
             <a:endParaRPr lang="en-US" dirty="0"/>
           </a:p>
@@ -15428,7 +16956,7 @@
 </p:sld>
 </file>
 
-<file path=ppt/slides/slide7.xml><?xml version="1.0" encoding="utf-8"?>
+<file path=ppt/slides/slide8.xml><?xml version="1.0" encoding="utf-8"?>
 <p:sld xmlns:a="http://schemas.openxmlformats.org/drawingml/2006/main" xmlns:r="http://schemas.openxmlformats.org/officeDocument/2006/relationships" xmlns:p="http://schemas.openxmlformats.org/presentationml/2006/main">
   <p:cSld>
     <p:spTree>
@@ -15644,7 +17172,7 @@
             <a:fld id="{4FAB73BC-B049-4115-A692-8D63A059BFB8}" type="slidenum">
               <a:rPr lang="en-US" smtClean="0"/>
               <a:pPr/>
-              <a:t>7</a:t>
+              <a:t>8</a:t>
             </a:fld>
             <a:endParaRPr lang="en-US" dirty="0"/>
           </a:p>
@@ -15672,10 +17200,17 @@
       </p:transition>
     </mc:Fallback>
   </mc:AlternateContent>
+  <p:timing>
+    <p:tnLst>
+      <p:par>
+        <p:cTn id="1" dur="indefinite" restart="never" nodeType="tmRoot"/>
+      </p:par>
+    </p:tnLst>
+  </p:timing>
 </p:sld>
 </file>
 
-<file path=ppt/slides/slide8.xml><?xml version="1.0" encoding="utf-8"?>
+<file path=ppt/slides/slide9.xml><?xml version="1.0" encoding="utf-8"?>
 <p:sld xmlns:a="http://schemas.openxmlformats.org/drawingml/2006/main" xmlns:r="http://schemas.openxmlformats.org/officeDocument/2006/relationships" xmlns:p="http://schemas.openxmlformats.org/presentationml/2006/main">
   <p:cSld>
     <p:spTree>
@@ -15872,136 +17407,13 @@
       </p:transition>
     </mc:Fallback>
   </mc:AlternateContent>
-</p:sld>
-</file>
-
-<file path=ppt/slides/slide9.xml><?xml version="1.0" encoding="utf-8"?>
-<p:sld xmlns:a="http://schemas.openxmlformats.org/drawingml/2006/main" xmlns:r="http://schemas.openxmlformats.org/officeDocument/2006/relationships" xmlns:p="http://schemas.openxmlformats.org/presentationml/2006/main">
-  <p:cSld>
-    <p:spTree>
-      <p:nvGrpSpPr>
-        <p:cNvPr id="1" name=""/>
-        <p:cNvGrpSpPr/>
-        <p:nvPr/>
-      </p:nvGrpSpPr>
-      <p:grpSpPr>
-        <a:xfrm>
-          <a:off x="0" y="0"/>
-          <a:ext cx="0" cy="0"/>
-          <a:chOff x="0" y="0"/>
-          <a:chExt cx="0" cy="0"/>
-        </a:xfrm>
-      </p:grpSpPr>
-      <p:sp>
-        <p:nvSpPr>
-          <p:cNvPr id="2" name="投影片編號版面配置區 1">
-            <a:extLst>
-              <a:ext uri="{FF2B5EF4-FFF2-40B4-BE49-F238E27FC236}">
-                <a16:creationId xmlns:a16="http://schemas.microsoft.com/office/drawing/2014/main" id="{4B53C541-0ADD-4615-A0E0-8DF543BFF4D9}"/>
-              </a:ext>
-            </a:extLst>
-          </p:cNvPr>
-          <p:cNvSpPr>
-            <a:spLocks noGrp="1"/>
-          </p:cNvSpPr>
-          <p:nvPr>
-            <p:ph type="sldNum" sz="quarter" idx="12"/>
-          </p:nvPr>
-        </p:nvSpPr>
-        <p:spPr/>
-        <p:txBody>
-          <a:bodyPr/>
-          <a:lstStyle/>
-          <a:p>
-            <a:fld id="{4FAB73BC-B049-4115-A692-8D63A059BFB8}" type="slidenum">
-              <a:rPr lang="en-US" smtClean="0"/>
-              <a:pPr/>
-              <a:t>9</a:t>
-            </a:fld>
-            <a:endParaRPr lang="en-US" dirty="0"/>
-          </a:p>
-        </p:txBody>
-      </p:sp>
-      <p:sp>
-        <p:nvSpPr>
-          <p:cNvPr id="3" name="文字版面配置區 2">
-            <a:extLst>
-              <a:ext uri="{FF2B5EF4-FFF2-40B4-BE49-F238E27FC236}">
-                <a16:creationId xmlns:a16="http://schemas.microsoft.com/office/drawing/2014/main" id="{B679FC67-CFB6-4588-9290-1D31B6F6BF35}"/>
-              </a:ext>
-            </a:extLst>
-          </p:cNvPr>
-          <p:cNvSpPr>
-            <a:spLocks noGrp="1"/>
-          </p:cNvSpPr>
-          <p:nvPr>
-            <p:ph type="body" sz="quarter" idx="13"/>
-          </p:nvPr>
-        </p:nvSpPr>
-        <p:spPr/>
-        <p:txBody>
-          <a:bodyPr/>
-          <a:lstStyle/>
-          <a:p>
-            <a:r>
-              <a:rPr lang="zh-TW" altLang="en-US" b="1" dirty="0"/>
-              <a:t>巢狀地獄</a:t>
-            </a:r>
-          </a:p>
-        </p:txBody>
-      </p:sp>
-      <p:pic>
-        <p:nvPicPr>
-          <p:cNvPr id="4" name="圖片 3">
-            <a:extLst>
-              <a:ext uri="{FF2B5EF4-FFF2-40B4-BE49-F238E27FC236}">
-                <a16:creationId xmlns:a16="http://schemas.microsoft.com/office/drawing/2014/main" id="{B2E334CC-A5AF-473B-9710-F4C0991EE5E3}"/>
-              </a:ext>
-            </a:extLst>
-          </p:cNvPr>
-          <p:cNvPicPr>
-            <a:picLocks noChangeAspect="1"/>
-          </p:cNvPicPr>
-          <p:nvPr/>
-        </p:nvPicPr>
-        <p:blipFill>
-          <a:blip r:embed="rId2"/>
-          <a:stretch>
-            <a:fillRect/>
-          </a:stretch>
-        </p:blipFill>
-        <p:spPr>
-          <a:xfrm>
-            <a:off x="2250542" y="1435924"/>
-            <a:ext cx="7832573" cy="4572633"/>
-          </a:xfrm>
-          <a:prstGeom prst="rect">
-            <a:avLst/>
-          </a:prstGeom>
-        </p:spPr>
-      </p:pic>
-    </p:spTree>
-    <p:extLst>
-      <p:ext uri="{BB962C8B-B14F-4D97-AF65-F5344CB8AC3E}">
-        <p14:creationId xmlns:p14="http://schemas.microsoft.com/office/powerpoint/2010/main" val="3797813011"/>
-      </p:ext>
-    </p:extLst>
-  </p:cSld>
-  <p:clrMapOvr>
-    <a:masterClrMapping/>
-  </p:clrMapOvr>
-  <mc:AlternateContent xmlns:mc="http://schemas.openxmlformats.org/markup-compatibility/2006" xmlns:p14="http://schemas.microsoft.com/office/powerpoint/2010/main">
-    <mc:Choice Requires="p14">
-      <p:transition p14:dur="160">
-        <p:fade/>
-      </p:transition>
-    </mc:Choice>
-    <mc:Fallback xmlns="">
-      <p:transition>
-        <p:fade/>
-      </p:transition>
-    </mc:Fallback>
-  </mc:AlternateContent>
+  <p:timing>
+    <p:tnLst>
+      <p:par>
+        <p:cTn id="1" dur="indefinite" restart="never" nodeType="tmRoot"/>
+      </p:par>
+    </p:tnLst>
+  </p:timing>
 </p:sld>
 </file>
 

--- a/PPT/React Hooks &.pptx
+++ b/PPT/React Hooks &.pptx
@@ -5,10 +5,10 @@
     <p:sldMasterId id="2147483840" r:id="rId1"/>
   </p:sldMasterIdLst>
   <p:notesMasterIdLst>
-    <p:notesMasterId r:id="rId36"/>
+    <p:notesMasterId r:id="rId37"/>
   </p:notesMasterIdLst>
   <p:handoutMasterIdLst>
-    <p:handoutMasterId r:id="rId37"/>
+    <p:handoutMasterId r:id="rId38"/>
   </p:handoutMasterIdLst>
   <p:sldIdLst>
     <p:sldId id="256" r:id="rId2"/>
@@ -17,34 +17,35 @@
     <p:sldId id="257" r:id="rId5"/>
     <p:sldId id="317" r:id="rId6"/>
     <p:sldId id="264" r:id="rId7"/>
-    <p:sldId id="265" r:id="rId8"/>
-    <p:sldId id="318" r:id="rId9"/>
-    <p:sldId id="258" r:id="rId10"/>
-    <p:sldId id="290" r:id="rId11"/>
-    <p:sldId id="275" r:id="rId12"/>
-    <p:sldId id="289" r:id="rId13"/>
-    <p:sldId id="272" r:id="rId14"/>
-    <p:sldId id="288" r:id="rId15"/>
-    <p:sldId id="259" r:id="rId16"/>
-    <p:sldId id="284" r:id="rId17"/>
-    <p:sldId id="291" r:id="rId18"/>
-    <p:sldId id="316" r:id="rId19"/>
-    <p:sldId id="296" r:id="rId20"/>
-    <p:sldId id="293" r:id="rId21"/>
-    <p:sldId id="303" r:id="rId22"/>
-    <p:sldId id="305" r:id="rId23"/>
-    <p:sldId id="297" r:id="rId24"/>
-    <p:sldId id="310" r:id="rId25"/>
-    <p:sldId id="311" r:id="rId26"/>
-    <p:sldId id="294" r:id="rId27"/>
-    <p:sldId id="307" r:id="rId28"/>
-    <p:sldId id="306" r:id="rId29"/>
-    <p:sldId id="313" r:id="rId30"/>
-    <p:sldId id="315" r:id="rId31"/>
-    <p:sldId id="292" r:id="rId32"/>
-    <p:sldId id="260" r:id="rId33"/>
-    <p:sldId id="314" r:id="rId34"/>
-    <p:sldId id="262" r:id="rId35"/>
+    <p:sldId id="325" r:id="rId8"/>
+    <p:sldId id="265" r:id="rId9"/>
+    <p:sldId id="318" r:id="rId10"/>
+    <p:sldId id="323" r:id="rId11"/>
+    <p:sldId id="324" r:id="rId12"/>
+    <p:sldId id="258" r:id="rId13"/>
+    <p:sldId id="290" r:id="rId14"/>
+    <p:sldId id="321" r:id="rId15"/>
+    <p:sldId id="320" r:id="rId16"/>
+    <p:sldId id="259" r:id="rId17"/>
+    <p:sldId id="284" r:id="rId18"/>
+    <p:sldId id="291" r:id="rId19"/>
+    <p:sldId id="316" r:id="rId20"/>
+    <p:sldId id="296" r:id="rId21"/>
+    <p:sldId id="293" r:id="rId22"/>
+    <p:sldId id="303" r:id="rId23"/>
+    <p:sldId id="305" r:id="rId24"/>
+    <p:sldId id="297" r:id="rId25"/>
+    <p:sldId id="310" r:id="rId26"/>
+    <p:sldId id="311" r:id="rId27"/>
+    <p:sldId id="294" r:id="rId28"/>
+    <p:sldId id="307" r:id="rId29"/>
+    <p:sldId id="306" r:id="rId30"/>
+    <p:sldId id="313" r:id="rId31"/>
+    <p:sldId id="315" r:id="rId32"/>
+    <p:sldId id="292" r:id="rId33"/>
+    <p:sldId id="260" r:id="rId34"/>
+    <p:sldId id="314" r:id="rId35"/>
+    <p:sldId id="262" r:id="rId36"/>
   </p:sldIdLst>
   <p:sldSz cx="12192000" cy="6858000"/>
   <p:notesSz cx="6858000" cy="9144000"/>
@@ -248,7 +249,7 @@
           <a:p>
             <a:fld id="{20C73765-FB04-4DFC-B996-1BF89FB13314}" type="datetimeFigureOut">
               <a:rPr lang="zh-TW" altLang="en-US" smtClean="0"/>
-              <a:t>2020/3/12</a:t>
+              <a:t>2020/3/14</a:t>
             </a:fld>
             <a:endParaRPr lang="zh-TW" altLang="en-US"/>
           </a:p>
@@ -425,7 +426,7 @@
           <a:p>
             <a:fld id="{70C5EA8F-4DE7-435E-83CB-AE9893E623BB}" type="datetimeFigureOut">
               <a:rPr lang="zh-TW" altLang="en-US" smtClean="0"/>
-              <a:t>2020/3/12</a:t>
+              <a:t>2020/3/14</a:t>
             </a:fld>
             <a:endParaRPr lang="zh-TW" altLang="en-US"/>
           </a:p>
@@ -821,7 +822,7 @@
           <a:lstStyle/>
           <a:p>
             <a:r>
-              <a:rPr lang="en-US" altLang="zh-TW" sz="1200" b="0" i="0" kern="1200" dirty="0" smtClean="0">
+              <a:rPr lang="en-US" altLang="zh-TW" sz="1200" b="0" i="0" kern="1200" dirty="0">
                 <a:solidFill>
                   <a:schemeClr val="tx1"/>
                 </a:solidFill>
@@ -830,10 +831,10 @@
                 <a:ea typeface="+mn-ea"/>
                 <a:cs typeface="+mn-cs"/>
               </a:rPr>
-              <a:t>React </a:t>
-            </a:r>
-            <a:r>
-              <a:rPr lang="en-US" altLang="zh-TW" sz="1200" b="0" i="0" kern="1200" dirty="0">
+              <a:t>React v16.8.0 </a:t>
+            </a:r>
+            <a:r>
+              <a:rPr lang="zh-TW" altLang="en-US" sz="1200" b="0" i="0" kern="1200" dirty="0">
                 <a:solidFill>
                   <a:schemeClr val="tx1"/>
                 </a:solidFill>
@@ -842,33 +843,9 @@
                 <a:ea typeface="+mn-ea"/>
                 <a:cs typeface="+mn-cs"/>
               </a:rPr>
-              <a:t>v16.8.0 </a:t>
-            </a:r>
-            <a:r>
-              <a:rPr lang="zh-TW" altLang="en-US" sz="1200" b="0" i="0" kern="1200" dirty="0">
-                <a:solidFill>
-                  <a:schemeClr val="tx1"/>
-                </a:solidFill>
-                <a:effectLst/>
-                <a:latin typeface="+mn-lt"/>
-                <a:ea typeface="+mn-ea"/>
-                <a:cs typeface="+mn-cs"/>
-              </a:rPr>
-              <a:t>版本正式釋出</a:t>
-            </a:r>
-            <a:r>
-              <a:rPr lang="zh-TW" altLang="en-US" sz="1200" b="0" i="0" kern="1200" dirty="0" smtClean="0">
-                <a:solidFill>
-                  <a:schemeClr val="tx1"/>
-                </a:solidFill>
-                <a:effectLst/>
-                <a:latin typeface="+mn-lt"/>
-                <a:ea typeface="+mn-ea"/>
-                <a:cs typeface="+mn-cs"/>
-              </a:rPr>
-              <a:t>，</a:t>
-            </a:r>
-            <a:endParaRPr lang="en-US" altLang="zh-TW" sz="1200" b="0" i="0" kern="1200" dirty="0" smtClean="0">
+              <a:t>版本正式釋出，</a:t>
+            </a:r>
+            <a:endParaRPr lang="en-US" altLang="zh-TW" sz="1200" b="0" i="0" kern="1200" dirty="0">
               <a:solidFill>
                 <a:schemeClr val="tx1"/>
               </a:solidFill>
@@ -880,7 +857,7 @@
           </a:p>
           <a:p>
             <a:r>
-              <a:rPr lang="zh-TW" altLang="en-US" sz="1200" b="0" i="0" kern="1200" dirty="0" smtClean="0">
+              <a:rPr lang="zh-TW" altLang="en-US" sz="1200" b="0" i="0" kern="1200" dirty="0">
                 <a:solidFill>
                   <a:schemeClr val="tx1"/>
                 </a:solidFill>
@@ -891,7 +868,7 @@
               </a:rPr>
               <a:t>優越的結構</a:t>
             </a:r>
-            <a:endParaRPr lang="en-US" altLang="zh-TW" sz="1200" b="0" i="0" kern="1200" dirty="0" smtClean="0">
+            <a:endParaRPr lang="en-US" altLang="zh-TW" sz="1200" b="0" i="0" kern="1200" dirty="0">
               <a:solidFill>
                 <a:schemeClr val="tx1"/>
               </a:solidFill>
@@ -1234,7 +1211,10 @@
           <a:bodyPr/>
           <a:lstStyle/>
           <a:p>
-            <a:endParaRPr lang="zh-TW" altLang="en-US" dirty="0"/>
+            <a:r>
+              <a:rPr lang="zh-TW" altLang="en-US" dirty="0"/>
+              <a:t>舉個例子 這是一個使用者大頭照</a:t>
+            </a:r>
           </a:p>
         </p:txBody>
       </p:sp>
@@ -1255,7 +1235,7 @@
           <a:p>
             <a:fld id="{6B094CF9-824F-48E6-BF21-19194E5F47C1}" type="slidenum">
               <a:rPr lang="zh-TW" altLang="en-US" smtClean="0"/>
-              <a:t>7</a:t>
+              <a:t>8</a:t>
             </a:fld>
             <a:endParaRPr lang="zh-TW" altLang="en-US"/>
           </a:p>
@@ -1318,339 +1298,20 @@
           <a:bodyPr/>
           <a:lstStyle/>
           <a:p>
-            <a:pPr latinLnBrk="1"/>
-            <a:r>
-              <a:rPr lang="zh-TW" altLang="en-US" sz="1200" b="0" i="0" kern="1200" dirty="0">
-                <a:solidFill>
-                  <a:schemeClr val="tx1"/>
-                </a:solidFill>
-                <a:effectLst/>
-                <a:latin typeface="+mn-lt"/>
-                <a:ea typeface="+mn-ea"/>
-                <a:cs typeface="+mn-cs"/>
-              </a:rPr>
-              <a:t>在元件之間複用狀態邏輯很難</a:t>
-            </a:r>
-          </a:p>
-          <a:p>
-            <a:pPr lvl="1" latinLnBrk="1"/>
-            <a:r>
-              <a:rPr lang="zh-TW" altLang="en-US" sz="1200" b="0" i="0" kern="1200" dirty="0">
-                <a:solidFill>
-                  <a:schemeClr val="tx1"/>
-                </a:solidFill>
-                <a:effectLst/>
-                <a:latin typeface="+mn-lt"/>
-                <a:ea typeface="+mn-ea"/>
-                <a:cs typeface="+mn-cs"/>
-              </a:rPr>
-              <a:t>之前的解決方案是： </a:t>
-            </a:r>
-            <a:r>
-              <a:rPr lang="en-US" altLang="zh-TW" sz="1200" b="0" i="0" u="none" strike="noStrike" kern="1200" dirty="0">
-                <a:solidFill>
-                  <a:schemeClr val="tx1"/>
-                </a:solidFill>
-                <a:effectLst/>
-                <a:latin typeface="+mn-lt"/>
-                <a:ea typeface="+mn-ea"/>
-                <a:cs typeface="+mn-cs"/>
-                <a:hlinkClick r:id="rId3"/>
-              </a:rPr>
-              <a:t>render props</a:t>
-            </a:r>
-            <a:r>
-              <a:rPr lang="zh-TW" altLang="en-US" sz="1200" b="0" i="0" kern="1200" dirty="0">
-                <a:solidFill>
-                  <a:schemeClr val="tx1"/>
-                </a:solidFill>
-                <a:effectLst/>
-                <a:latin typeface="+mn-lt"/>
-                <a:ea typeface="+mn-ea"/>
-                <a:cs typeface="+mn-cs"/>
-              </a:rPr>
-              <a:t> 和高階元件</a:t>
-            </a:r>
-          </a:p>
-          <a:p>
-            <a:pPr lvl="1" latinLnBrk="1"/>
-            <a:r>
-              <a:rPr lang="zh-TW" altLang="en-US" sz="1200" b="0" i="0" kern="1200" dirty="0">
-                <a:solidFill>
-                  <a:schemeClr val="tx1"/>
-                </a:solidFill>
-                <a:effectLst/>
-                <a:latin typeface="+mn-lt"/>
-                <a:ea typeface="+mn-ea"/>
-                <a:cs typeface="+mn-cs"/>
-              </a:rPr>
-              <a:t>缺點是難理解、存在過多的巢狀形成“巢狀地獄”</a:t>
-            </a:r>
-            <a:endParaRPr lang="en-US" altLang="zh-TW" sz="1200" b="0" i="0" kern="1200" dirty="0">
-              <a:solidFill>
-                <a:schemeClr val="tx1"/>
-              </a:solidFill>
-              <a:effectLst/>
-              <a:latin typeface="+mn-lt"/>
-              <a:ea typeface="+mn-ea"/>
-              <a:cs typeface="+mn-cs"/>
-            </a:endParaRPr>
-          </a:p>
-          <a:p>
-            <a:pPr lvl="1" latinLnBrk="1"/>
-            <a:endParaRPr lang="zh-TW" altLang="en-US" sz="1200" b="0" i="0" kern="1200" dirty="0">
-              <a:solidFill>
-                <a:schemeClr val="tx1"/>
-              </a:solidFill>
-              <a:effectLst/>
-              <a:latin typeface="+mn-lt"/>
-              <a:ea typeface="+mn-ea"/>
-              <a:cs typeface="+mn-cs"/>
-            </a:endParaRPr>
-          </a:p>
-          <a:p>
-            <a:pPr latinLnBrk="1"/>
-            <a:r>
-              <a:rPr lang="zh-TW" altLang="en-US" sz="1200" b="0" i="0" kern="1200" dirty="0">
-                <a:solidFill>
-                  <a:schemeClr val="tx1"/>
-                </a:solidFill>
-                <a:effectLst/>
-                <a:latin typeface="+mn-lt"/>
-                <a:ea typeface="+mn-ea"/>
-                <a:cs typeface="+mn-cs"/>
-              </a:rPr>
-              <a:t>複雜元件變的難以理解</a:t>
-            </a:r>
-          </a:p>
-          <a:p>
-            <a:pPr lvl="1" latinLnBrk="1"/>
-            <a:r>
-              <a:rPr lang="zh-TW" altLang="en-US" sz="1200" b="0" i="0" kern="1200" dirty="0">
-                <a:solidFill>
-                  <a:schemeClr val="tx1"/>
-                </a:solidFill>
-                <a:effectLst/>
-                <a:latin typeface="+mn-lt"/>
-                <a:ea typeface="+mn-ea"/>
-                <a:cs typeface="+mn-cs"/>
-              </a:rPr>
-              <a:t>生命週期函式中充斥著各種狀態邏輯和副作用</a:t>
-            </a:r>
-          </a:p>
-          <a:p>
-            <a:pPr lvl="1" latinLnBrk="1"/>
-            <a:r>
-              <a:rPr lang="zh-TW" altLang="en-US" sz="1200" b="0" i="0" kern="1200" dirty="0">
-                <a:solidFill>
-                  <a:schemeClr val="tx1"/>
-                </a:solidFill>
-                <a:effectLst/>
-                <a:latin typeface="+mn-lt"/>
-                <a:ea typeface="+mn-ea"/>
-                <a:cs typeface="+mn-cs"/>
-              </a:rPr>
-              <a:t>這些副作用難以複用，且很零散</a:t>
-            </a:r>
-            <a:endParaRPr lang="en-US" altLang="zh-TW" sz="1200" b="0" i="0" kern="1200" dirty="0">
-              <a:solidFill>
-                <a:schemeClr val="tx1"/>
-              </a:solidFill>
-              <a:effectLst/>
-              <a:latin typeface="+mn-lt"/>
-              <a:ea typeface="+mn-ea"/>
-              <a:cs typeface="+mn-cs"/>
-            </a:endParaRPr>
-          </a:p>
-          <a:p>
-            <a:pPr lvl="1" latinLnBrk="1"/>
-            <a:endParaRPr lang="zh-TW" altLang="en-US" sz="1200" b="0" i="0" kern="1200" dirty="0">
-              <a:solidFill>
-                <a:schemeClr val="tx1"/>
-              </a:solidFill>
-              <a:effectLst/>
-              <a:latin typeface="+mn-lt"/>
-              <a:ea typeface="+mn-ea"/>
-              <a:cs typeface="+mn-cs"/>
-            </a:endParaRPr>
-          </a:p>
-          <a:p>
-            <a:pPr latinLnBrk="1"/>
-            <a:r>
-              <a:rPr lang="zh-TW" altLang="en-US" sz="1200" b="0" i="0" kern="1200" dirty="0">
-                <a:solidFill>
-                  <a:schemeClr val="tx1"/>
-                </a:solidFill>
-                <a:effectLst/>
-                <a:latin typeface="+mn-lt"/>
-                <a:ea typeface="+mn-ea"/>
-                <a:cs typeface="+mn-cs"/>
-              </a:rPr>
-              <a:t>難以理解</a:t>
-            </a:r>
-            <a:r>
-              <a:rPr lang="en-US" altLang="zh-TW" sz="1200" b="0" i="0" kern="1200" dirty="0">
-                <a:solidFill>
-                  <a:schemeClr val="tx1"/>
-                </a:solidFill>
-                <a:effectLst/>
-                <a:latin typeface="+mn-lt"/>
-                <a:ea typeface="+mn-ea"/>
-                <a:cs typeface="+mn-cs"/>
-              </a:rPr>
-              <a:t> =&gt; this </a:t>
-            </a:r>
-            <a:r>
-              <a:rPr lang="zh-TW" altLang="en-US" sz="1200" b="0" i="0" kern="1200" dirty="0">
-                <a:solidFill>
-                  <a:schemeClr val="tx1"/>
-                </a:solidFill>
-                <a:effectLst/>
-                <a:latin typeface="+mn-lt"/>
-                <a:ea typeface="+mn-ea"/>
-                <a:cs typeface="+mn-cs"/>
-              </a:rPr>
-              <a:t>指標問題</a:t>
-            </a:r>
-            <a:endParaRPr lang="en-US" altLang="zh-TW" sz="1200" b="0" i="0" kern="1200" dirty="0">
-              <a:solidFill>
-                <a:schemeClr val="tx1"/>
-              </a:solidFill>
-              <a:effectLst/>
-              <a:latin typeface="+mn-lt"/>
-              <a:ea typeface="+mn-ea"/>
-              <a:cs typeface="+mn-cs"/>
-            </a:endParaRPr>
-          </a:p>
-          <a:p>
-            <a:pPr latinLnBrk="1"/>
-            <a:r>
-              <a:rPr lang="en-US" altLang="zh-TW" sz="1200" b="0" i="0" kern="1200" dirty="0">
-                <a:solidFill>
-                  <a:schemeClr val="tx1"/>
-                </a:solidFill>
-                <a:effectLst/>
-                <a:latin typeface="+mn-lt"/>
-                <a:ea typeface="+mn-ea"/>
-                <a:cs typeface="+mn-cs"/>
-              </a:rPr>
-              <a:t/>
-            </a:r>
-            <a:br>
-              <a:rPr lang="en-US" altLang="zh-TW" sz="1200" b="0" i="0" kern="1200" dirty="0">
-                <a:solidFill>
-                  <a:schemeClr val="tx1"/>
-                </a:solidFill>
-                <a:effectLst/>
-                <a:latin typeface="+mn-lt"/>
-                <a:ea typeface="+mn-ea"/>
-                <a:cs typeface="+mn-cs"/>
-              </a:rPr>
-            </a:br>
             <a:r>
               <a:rPr lang="zh-TW" altLang="en-US" dirty="0"/>
-              <a:t>且</a:t>
-            </a:r>
-            <a:r>
-              <a:rPr lang="en-US" altLang="zh-TW" sz="1200" dirty="0">
-                <a:solidFill>
-                  <a:schemeClr val="bg1"/>
-                </a:solidFill>
-                <a:latin typeface="+mn-ea"/>
-              </a:rPr>
-              <a:t>F</a:t>
-            </a:r>
-            <a:r>
-              <a:rPr lang="zh-TW" altLang="en-US" sz="1200" dirty="0">
-                <a:solidFill>
-                  <a:schemeClr val="bg1"/>
-                </a:solidFill>
-                <a:latin typeface="+mn-ea"/>
-              </a:rPr>
-              <a:t>unction </a:t>
-            </a:r>
-            <a:r>
-              <a:rPr lang="en-US" altLang="zh-TW" sz="1200" dirty="0">
-                <a:solidFill>
-                  <a:schemeClr val="bg1"/>
-                </a:solidFill>
-                <a:latin typeface="+mn-ea"/>
-              </a:rPr>
-              <a:t>C</a:t>
-            </a:r>
-            <a:r>
-              <a:rPr lang="zh-TW" altLang="en-US" sz="1200" dirty="0">
-                <a:solidFill>
-                  <a:schemeClr val="bg1"/>
-                </a:solidFill>
-                <a:latin typeface="+mn-ea"/>
-              </a:rPr>
-              <a:t>omponent </a:t>
-            </a:r>
-            <a:r>
-              <a:rPr lang="zh-TW" altLang="en-US" sz="1200" b="0" i="0" kern="1200" dirty="0">
-                <a:solidFill>
-                  <a:schemeClr val="tx1"/>
-                </a:solidFill>
-                <a:effectLst/>
-                <a:latin typeface="+mn-lt"/>
-                <a:ea typeface="+mn-ea"/>
-                <a:cs typeface="+mn-cs"/>
-              </a:rPr>
-              <a:t>上手較為簡單，使用起來也很容易，</a:t>
-            </a:r>
-            <a:endParaRPr lang="en-US" altLang="zh-TW" sz="1200" b="0" i="0" kern="1200" dirty="0">
-              <a:solidFill>
-                <a:schemeClr val="tx1"/>
-              </a:solidFill>
-              <a:effectLst/>
-              <a:latin typeface="+mn-lt"/>
-              <a:ea typeface="+mn-ea"/>
-              <a:cs typeface="+mn-cs"/>
-            </a:endParaRPr>
-          </a:p>
-          <a:p>
-            <a:pPr latinLnBrk="1"/>
-            <a:r>
-              <a:rPr lang="zh-TW" altLang="en-US" sz="1200" b="0" i="0" kern="1200" dirty="0">
-                <a:solidFill>
-                  <a:schemeClr val="tx1"/>
-                </a:solidFill>
-                <a:effectLst/>
-                <a:latin typeface="+mn-lt"/>
-                <a:ea typeface="+mn-ea"/>
-                <a:cs typeface="+mn-cs"/>
-              </a:rPr>
-              <a:t>相比我們熟悉類元件寫法， </a:t>
-            </a:r>
-            <a:r>
-              <a:rPr lang="en-US" altLang="zh-TW" dirty="0"/>
-              <a:t>React Hook</a:t>
-            </a:r>
-            <a:r>
-              <a:rPr lang="en-US" altLang="zh-TW" sz="1200" b="0" i="0" kern="1200" dirty="0">
-                <a:solidFill>
-                  <a:schemeClr val="tx1"/>
-                </a:solidFill>
-                <a:effectLst/>
-                <a:latin typeface="+mn-lt"/>
-                <a:ea typeface="+mn-ea"/>
-                <a:cs typeface="+mn-cs"/>
-              </a:rPr>
-              <a:t> </a:t>
-            </a:r>
-            <a:r>
-              <a:rPr lang="zh-TW" altLang="en-US" sz="1200" b="0" i="0" kern="1200" dirty="0">
-                <a:solidFill>
-                  <a:schemeClr val="tx1"/>
-                </a:solidFill>
-                <a:effectLst/>
-                <a:latin typeface="+mn-lt"/>
-                <a:ea typeface="+mn-ea"/>
-                <a:cs typeface="+mn-cs"/>
-              </a:rPr>
-              <a:t>還是有一些理念和思想上的轉變。</a:t>
-            </a:r>
+              <a:t>透過封裝的方式</a:t>
+            </a:r>
+            <a:endParaRPr lang="en-US" altLang="zh-TW" dirty="0"/>
+          </a:p>
+          <a:p>
+            <a:r>
+              <a:rPr lang="zh-TW" altLang="en-US" dirty="0"/>
+              <a:t>減少重複代碼的發生</a:t>
+            </a:r>
+            <a:endParaRPr lang="en-US" altLang="zh-TW" dirty="0"/>
+          </a:p>
+          <a:p>
             <a:endParaRPr lang="zh-TW" altLang="en-US" dirty="0"/>
           </a:p>
         </p:txBody>
@@ -1681,7 +1342,7 @@
     </p:spTree>
     <p:extLst>
       <p:ext uri="{BB962C8B-B14F-4D97-AF65-F5344CB8AC3E}">
-        <p14:creationId xmlns:p14="http://schemas.microsoft.com/office/powerpoint/2010/main" val="3475086662"/>
+        <p14:creationId xmlns:p14="http://schemas.microsoft.com/office/powerpoint/2010/main" val="1607650127"/>
       </p:ext>
     </p:extLst>
   </p:cSld>
@@ -1710,7 +1371,7 @@
       </p:grpSpPr>
       <p:sp>
         <p:nvSpPr>
-          <p:cNvPr id="2" name="投影片圖像版面配置區 1"/>
+          <p:cNvPr id="2" name="投影片影像版面配置區 1"/>
           <p:cNvSpPr>
             <a:spLocks noGrp="1" noRot="1" noChangeAspect="1"/>
           </p:cNvSpPr>
@@ -1735,6 +1396,327 @@
           <a:bodyPr/>
           <a:lstStyle/>
           <a:p>
+            <a:pPr latinLnBrk="1"/>
+            <a:r>
+              <a:rPr lang="zh-TW" altLang="en-US" sz="1200" b="0" i="0" kern="1200" dirty="0">
+                <a:solidFill>
+                  <a:schemeClr val="tx1"/>
+                </a:solidFill>
+                <a:effectLst/>
+                <a:latin typeface="+mn-lt"/>
+                <a:ea typeface="+mn-ea"/>
+                <a:cs typeface="+mn-cs"/>
+              </a:rPr>
+              <a:t>在元件之間複用狀態邏輯很難</a:t>
+            </a:r>
+          </a:p>
+          <a:p>
+            <a:pPr lvl="1" latinLnBrk="1"/>
+            <a:r>
+              <a:rPr lang="zh-TW" altLang="en-US" sz="1200" b="0" i="0" kern="1200" dirty="0">
+                <a:solidFill>
+                  <a:schemeClr val="tx1"/>
+                </a:solidFill>
+                <a:effectLst/>
+                <a:latin typeface="+mn-lt"/>
+                <a:ea typeface="+mn-ea"/>
+                <a:cs typeface="+mn-cs"/>
+              </a:rPr>
+              <a:t>之前的解決方案是： </a:t>
+            </a:r>
+            <a:r>
+              <a:rPr lang="en-US" altLang="zh-TW" sz="1200" b="0" i="0" u="none" strike="noStrike" kern="1200" dirty="0">
+                <a:solidFill>
+                  <a:schemeClr val="tx1"/>
+                </a:solidFill>
+                <a:effectLst/>
+                <a:latin typeface="+mn-lt"/>
+                <a:ea typeface="+mn-ea"/>
+                <a:cs typeface="+mn-cs"/>
+                <a:hlinkClick r:id="rId3"/>
+              </a:rPr>
+              <a:t>render props</a:t>
+            </a:r>
+            <a:r>
+              <a:rPr lang="zh-TW" altLang="en-US" sz="1200" b="0" i="0" kern="1200" dirty="0">
+                <a:solidFill>
+                  <a:schemeClr val="tx1"/>
+                </a:solidFill>
+                <a:effectLst/>
+                <a:latin typeface="+mn-lt"/>
+                <a:ea typeface="+mn-ea"/>
+                <a:cs typeface="+mn-cs"/>
+              </a:rPr>
+              <a:t> 和高階元件</a:t>
+            </a:r>
+          </a:p>
+          <a:p>
+            <a:pPr lvl="1" latinLnBrk="1"/>
+            <a:r>
+              <a:rPr lang="zh-TW" altLang="en-US" sz="1200" b="0" i="0" kern="1200" dirty="0">
+                <a:solidFill>
+                  <a:schemeClr val="tx1"/>
+                </a:solidFill>
+                <a:effectLst/>
+                <a:latin typeface="+mn-lt"/>
+                <a:ea typeface="+mn-ea"/>
+                <a:cs typeface="+mn-cs"/>
+              </a:rPr>
+              <a:t>缺點是難理解、存在過多的巢狀形成“巢狀地獄”</a:t>
+            </a:r>
+            <a:endParaRPr lang="en-US" altLang="zh-TW" sz="1200" b="0" i="0" kern="1200" dirty="0">
+              <a:solidFill>
+                <a:schemeClr val="tx1"/>
+              </a:solidFill>
+              <a:effectLst/>
+              <a:latin typeface="+mn-lt"/>
+              <a:ea typeface="+mn-ea"/>
+              <a:cs typeface="+mn-cs"/>
+            </a:endParaRPr>
+          </a:p>
+          <a:p>
+            <a:pPr lvl="1" latinLnBrk="1"/>
+            <a:endParaRPr lang="zh-TW" altLang="en-US" sz="1200" b="0" i="0" kern="1200" dirty="0">
+              <a:solidFill>
+                <a:schemeClr val="tx1"/>
+              </a:solidFill>
+              <a:effectLst/>
+              <a:latin typeface="+mn-lt"/>
+              <a:ea typeface="+mn-ea"/>
+              <a:cs typeface="+mn-cs"/>
+            </a:endParaRPr>
+          </a:p>
+          <a:p>
+            <a:pPr latinLnBrk="1"/>
+            <a:r>
+              <a:rPr lang="zh-TW" altLang="en-US" sz="1200" b="0" i="0" kern="1200" dirty="0">
+                <a:solidFill>
+                  <a:schemeClr val="tx1"/>
+                </a:solidFill>
+                <a:effectLst/>
+                <a:latin typeface="+mn-lt"/>
+                <a:ea typeface="+mn-ea"/>
+                <a:cs typeface="+mn-cs"/>
+              </a:rPr>
+              <a:t>複雜元件變的難以理解</a:t>
+            </a:r>
+          </a:p>
+          <a:p>
+            <a:pPr lvl="1" latinLnBrk="1"/>
+            <a:r>
+              <a:rPr lang="zh-TW" altLang="en-US" sz="1200" b="0" i="0" kern="1200" dirty="0">
+                <a:solidFill>
+                  <a:schemeClr val="tx1"/>
+                </a:solidFill>
+                <a:effectLst/>
+                <a:latin typeface="+mn-lt"/>
+                <a:ea typeface="+mn-ea"/>
+                <a:cs typeface="+mn-cs"/>
+              </a:rPr>
+              <a:t>生命週期函式中充斥著各種狀態邏輯和副作用</a:t>
+            </a:r>
+          </a:p>
+          <a:p>
+            <a:pPr lvl="1" latinLnBrk="1"/>
+            <a:r>
+              <a:rPr lang="zh-TW" altLang="en-US" sz="1200" b="0" i="0" kern="1200" dirty="0">
+                <a:solidFill>
+                  <a:schemeClr val="tx1"/>
+                </a:solidFill>
+                <a:effectLst/>
+                <a:latin typeface="+mn-lt"/>
+                <a:ea typeface="+mn-ea"/>
+                <a:cs typeface="+mn-cs"/>
+              </a:rPr>
+              <a:t>這些副作用難以複用，且很零散</a:t>
+            </a:r>
+            <a:endParaRPr lang="en-US" altLang="zh-TW" sz="1200" b="0" i="0" kern="1200" dirty="0">
+              <a:solidFill>
+                <a:schemeClr val="tx1"/>
+              </a:solidFill>
+              <a:effectLst/>
+              <a:latin typeface="+mn-lt"/>
+              <a:ea typeface="+mn-ea"/>
+              <a:cs typeface="+mn-cs"/>
+            </a:endParaRPr>
+          </a:p>
+          <a:p>
+            <a:pPr lvl="1" latinLnBrk="1"/>
+            <a:endParaRPr lang="zh-TW" altLang="en-US" sz="1200" b="0" i="0" kern="1200" dirty="0">
+              <a:solidFill>
+                <a:schemeClr val="tx1"/>
+              </a:solidFill>
+              <a:effectLst/>
+              <a:latin typeface="+mn-lt"/>
+              <a:ea typeface="+mn-ea"/>
+              <a:cs typeface="+mn-cs"/>
+            </a:endParaRPr>
+          </a:p>
+          <a:p>
+            <a:pPr latinLnBrk="1"/>
+            <a:r>
+              <a:rPr lang="zh-TW" altLang="en-US" sz="1200" b="0" i="0" kern="1200" dirty="0">
+                <a:solidFill>
+                  <a:schemeClr val="tx1"/>
+                </a:solidFill>
+                <a:effectLst/>
+                <a:latin typeface="+mn-lt"/>
+                <a:ea typeface="+mn-ea"/>
+                <a:cs typeface="+mn-cs"/>
+              </a:rPr>
+              <a:t>難以理解</a:t>
+            </a:r>
+            <a:r>
+              <a:rPr lang="en-US" altLang="zh-TW" sz="1200" b="0" i="0" kern="1200" dirty="0">
+                <a:solidFill>
+                  <a:schemeClr val="tx1"/>
+                </a:solidFill>
+                <a:effectLst/>
+                <a:latin typeface="+mn-lt"/>
+                <a:ea typeface="+mn-ea"/>
+                <a:cs typeface="+mn-cs"/>
+              </a:rPr>
+              <a:t> =&gt; this </a:t>
+            </a:r>
+            <a:r>
+              <a:rPr lang="zh-TW" altLang="en-US" sz="1200" b="0" i="0" kern="1200" dirty="0">
+                <a:solidFill>
+                  <a:schemeClr val="tx1"/>
+                </a:solidFill>
+                <a:effectLst/>
+                <a:latin typeface="+mn-lt"/>
+                <a:ea typeface="+mn-ea"/>
+                <a:cs typeface="+mn-cs"/>
+              </a:rPr>
+              <a:t>指標問題</a:t>
+            </a:r>
+            <a:endParaRPr lang="en-US" altLang="zh-TW" sz="1200" b="0" i="0" kern="1200" dirty="0">
+              <a:solidFill>
+                <a:schemeClr val="tx1"/>
+              </a:solidFill>
+              <a:effectLst/>
+              <a:latin typeface="+mn-lt"/>
+              <a:ea typeface="+mn-ea"/>
+              <a:cs typeface="+mn-cs"/>
+            </a:endParaRPr>
+          </a:p>
+          <a:p>
+            <a:pPr latinLnBrk="1"/>
+            <a:br>
+              <a:rPr lang="en-US" altLang="zh-TW" sz="1200" b="0" i="0" kern="1200" dirty="0">
+                <a:solidFill>
+                  <a:schemeClr val="tx1"/>
+                </a:solidFill>
+                <a:effectLst/>
+                <a:latin typeface="+mn-lt"/>
+                <a:ea typeface="+mn-ea"/>
+                <a:cs typeface="+mn-cs"/>
+              </a:rPr>
+            </a:br>
+            <a:r>
+              <a:rPr lang="zh-TW" altLang="en-US" dirty="0"/>
+              <a:t>且</a:t>
+            </a:r>
+            <a:r>
+              <a:rPr lang="en-US" altLang="zh-TW" sz="1200" dirty="0">
+                <a:solidFill>
+                  <a:schemeClr val="bg1"/>
+                </a:solidFill>
+                <a:latin typeface="+mn-ea"/>
+              </a:rPr>
+              <a:t>F</a:t>
+            </a:r>
+            <a:r>
+              <a:rPr lang="zh-TW" altLang="en-US" sz="1200" dirty="0">
+                <a:solidFill>
+                  <a:schemeClr val="bg1"/>
+                </a:solidFill>
+                <a:latin typeface="+mn-ea"/>
+              </a:rPr>
+              <a:t>unction </a:t>
+            </a:r>
+            <a:r>
+              <a:rPr lang="en-US" altLang="zh-TW" sz="1200" dirty="0">
+                <a:solidFill>
+                  <a:schemeClr val="bg1"/>
+                </a:solidFill>
+                <a:latin typeface="+mn-ea"/>
+              </a:rPr>
+              <a:t>C</a:t>
+            </a:r>
+            <a:r>
+              <a:rPr lang="zh-TW" altLang="en-US" sz="1200" dirty="0">
+                <a:solidFill>
+                  <a:schemeClr val="bg1"/>
+                </a:solidFill>
+                <a:latin typeface="+mn-ea"/>
+              </a:rPr>
+              <a:t>omponent </a:t>
+            </a:r>
+            <a:r>
+              <a:rPr lang="zh-TW" altLang="en-US" sz="1200" b="0" i="0" kern="1200" dirty="0">
+                <a:solidFill>
+                  <a:schemeClr val="tx1"/>
+                </a:solidFill>
+                <a:effectLst/>
+                <a:latin typeface="+mn-lt"/>
+                <a:ea typeface="+mn-ea"/>
+                <a:cs typeface="+mn-cs"/>
+              </a:rPr>
+              <a:t>上手較為簡單，使用起來也很容易，</a:t>
+            </a:r>
+            <a:endParaRPr lang="en-US" altLang="zh-TW" sz="1200" b="0" i="0" kern="1200" dirty="0">
+              <a:solidFill>
+                <a:schemeClr val="tx1"/>
+              </a:solidFill>
+              <a:effectLst/>
+              <a:latin typeface="+mn-lt"/>
+              <a:ea typeface="+mn-ea"/>
+              <a:cs typeface="+mn-cs"/>
+            </a:endParaRPr>
+          </a:p>
+          <a:p>
+            <a:pPr latinLnBrk="1"/>
+            <a:r>
+              <a:rPr lang="zh-TW" altLang="en-US" sz="1200" b="0" i="0" kern="1200" dirty="0">
+                <a:solidFill>
+                  <a:schemeClr val="tx1"/>
+                </a:solidFill>
+                <a:effectLst/>
+                <a:latin typeface="+mn-lt"/>
+                <a:ea typeface="+mn-ea"/>
+                <a:cs typeface="+mn-cs"/>
+              </a:rPr>
+              <a:t>相比我們熟悉類元件寫法， </a:t>
+            </a:r>
+            <a:r>
+              <a:rPr lang="en-US" altLang="zh-TW" dirty="0"/>
+              <a:t>React Hook</a:t>
+            </a:r>
+            <a:r>
+              <a:rPr lang="en-US" altLang="zh-TW" sz="1200" b="0" i="0" kern="1200" dirty="0">
+                <a:solidFill>
+                  <a:schemeClr val="tx1"/>
+                </a:solidFill>
+                <a:effectLst/>
+                <a:latin typeface="+mn-lt"/>
+                <a:ea typeface="+mn-ea"/>
+                <a:cs typeface="+mn-cs"/>
+              </a:rPr>
+              <a:t> </a:t>
+            </a:r>
+            <a:r>
+              <a:rPr lang="zh-TW" altLang="en-US" sz="1200" b="0" i="0" kern="1200" dirty="0">
+                <a:solidFill>
+                  <a:schemeClr val="tx1"/>
+                </a:solidFill>
+                <a:effectLst/>
+                <a:latin typeface="+mn-lt"/>
+                <a:ea typeface="+mn-ea"/>
+                <a:cs typeface="+mn-cs"/>
+              </a:rPr>
+              <a:t>還是有一些理念和思想上的轉變。</a:t>
+            </a:r>
             <a:endParaRPr lang="zh-TW" altLang="en-US" dirty="0"/>
           </a:p>
         </p:txBody>
@@ -1746,7 +1728,7 @@
             <a:spLocks noGrp="1"/>
           </p:cNvSpPr>
           <p:nvPr>
-            <p:ph type="sldNum" sz="quarter" idx="10"/>
+            <p:ph type="sldNum" sz="quarter" idx="5"/>
           </p:nvPr>
         </p:nvSpPr>
         <p:spPr/>
@@ -1756,7 +1738,7 @@
           <a:p>
             <a:fld id="{6B094CF9-824F-48E6-BF21-19194E5F47C1}" type="slidenum">
               <a:rPr lang="zh-TW" altLang="en-US" smtClean="0"/>
-              <a:t>15</a:t>
+              <a:t>12</a:t>
             </a:fld>
             <a:endParaRPr lang="zh-TW" altLang="en-US"/>
           </a:p>
@@ -1765,7 +1747,7 @@
     </p:spTree>
     <p:extLst>
       <p:ext uri="{BB962C8B-B14F-4D97-AF65-F5344CB8AC3E}">
-        <p14:creationId xmlns:p14="http://schemas.microsoft.com/office/powerpoint/2010/main" val="247779416"/>
+        <p14:creationId xmlns:p14="http://schemas.microsoft.com/office/powerpoint/2010/main" val="3475086662"/>
       </p:ext>
     </p:extLst>
   </p:cSld>
@@ -1794,7 +1776,7 @@
       </p:grpSpPr>
       <p:sp>
         <p:nvSpPr>
-          <p:cNvPr id="2" name="投影片影像版面配置區 1"/>
+          <p:cNvPr id="2" name="投影片圖像版面配置區 1"/>
           <p:cNvSpPr>
             <a:spLocks noGrp="1" noRot="1" noChangeAspect="1"/>
           </p:cNvSpPr>
@@ -1830,7 +1812,7 @@
             <a:spLocks noGrp="1"/>
           </p:cNvSpPr>
           <p:nvPr>
-            <p:ph type="sldNum" sz="quarter" idx="5"/>
+            <p:ph type="sldNum" sz="quarter" idx="10"/>
           </p:nvPr>
         </p:nvSpPr>
         <p:spPr/>
@@ -1840,7 +1822,7 @@
           <a:p>
             <a:fld id="{6B094CF9-824F-48E6-BF21-19194E5F47C1}" type="slidenum">
               <a:rPr lang="zh-TW" altLang="en-US" smtClean="0"/>
-              <a:t>25</a:t>
+              <a:t>16</a:t>
             </a:fld>
             <a:endParaRPr lang="zh-TW" altLang="en-US"/>
           </a:p>
@@ -1849,7 +1831,7 @@
     </p:spTree>
     <p:extLst>
       <p:ext uri="{BB962C8B-B14F-4D97-AF65-F5344CB8AC3E}">
-        <p14:creationId xmlns:p14="http://schemas.microsoft.com/office/powerpoint/2010/main" val="460951916"/>
+        <p14:creationId xmlns:p14="http://schemas.microsoft.com/office/powerpoint/2010/main" val="247779416"/>
       </p:ext>
     </p:extLst>
   </p:cSld>
@@ -1878,6 +1860,90 @@
       </p:grpSpPr>
       <p:sp>
         <p:nvSpPr>
+          <p:cNvPr id="2" name="投影片影像版面配置區 1"/>
+          <p:cNvSpPr>
+            <a:spLocks noGrp="1" noRot="1" noChangeAspect="1"/>
+          </p:cNvSpPr>
+          <p:nvPr>
+            <p:ph type="sldImg"/>
+          </p:nvPr>
+        </p:nvSpPr>
+        <p:spPr/>
+      </p:sp>
+      <p:sp>
+        <p:nvSpPr>
+          <p:cNvPr id="3" name="備忘稿版面配置區 2"/>
+          <p:cNvSpPr>
+            <a:spLocks noGrp="1"/>
+          </p:cNvSpPr>
+          <p:nvPr>
+            <p:ph type="body" idx="1"/>
+          </p:nvPr>
+        </p:nvSpPr>
+        <p:spPr/>
+        <p:txBody>
+          <a:bodyPr/>
+          <a:lstStyle/>
+          <a:p>
+            <a:endParaRPr lang="zh-TW" altLang="en-US" dirty="0"/>
+          </a:p>
+        </p:txBody>
+      </p:sp>
+      <p:sp>
+        <p:nvSpPr>
+          <p:cNvPr id="4" name="投影片編號版面配置區 3"/>
+          <p:cNvSpPr>
+            <a:spLocks noGrp="1"/>
+          </p:cNvSpPr>
+          <p:nvPr>
+            <p:ph type="sldNum" sz="quarter" idx="5"/>
+          </p:nvPr>
+        </p:nvSpPr>
+        <p:spPr/>
+        <p:txBody>
+          <a:bodyPr/>
+          <a:lstStyle/>
+          <a:p>
+            <a:fld id="{6B094CF9-824F-48E6-BF21-19194E5F47C1}" type="slidenum">
+              <a:rPr lang="zh-TW" altLang="en-US" smtClean="0"/>
+              <a:t>26</a:t>
+            </a:fld>
+            <a:endParaRPr lang="zh-TW" altLang="en-US"/>
+          </a:p>
+        </p:txBody>
+      </p:sp>
+    </p:spTree>
+    <p:extLst>
+      <p:ext uri="{BB962C8B-B14F-4D97-AF65-F5344CB8AC3E}">
+        <p14:creationId xmlns:p14="http://schemas.microsoft.com/office/powerpoint/2010/main" val="460951916"/>
+      </p:ext>
+    </p:extLst>
+  </p:cSld>
+  <p:clrMapOvr>
+    <a:masterClrMapping/>
+  </p:clrMapOvr>
+</p:notes>
+</file>
+
+<file path=ppt/notesSlides/notesSlide9.xml><?xml version="1.0" encoding="utf-8"?>
+<p:notes xmlns:a="http://schemas.openxmlformats.org/drawingml/2006/main" xmlns:r="http://schemas.openxmlformats.org/officeDocument/2006/relationships" xmlns:p="http://schemas.openxmlformats.org/presentationml/2006/main">
+  <p:cSld>
+    <p:spTree>
+      <p:nvGrpSpPr>
+        <p:cNvPr id="1" name=""/>
+        <p:cNvGrpSpPr/>
+        <p:nvPr/>
+      </p:nvGrpSpPr>
+      <p:grpSpPr>
+        <a:xfrm>
+          <a:off x="0" y="0"/>
+          <a:ext cx="0" cy="0"/>
+          <a:chOff x="0" y="0"/>
+          <a:chExt cx="0" cy="0"/>
+        </a:xfrm>
+      </p:grpSpPr>
+      <p:sp>
+        <p:nvSpPr>
           <p:cNvPr id="2" name="投影片圖像版面配置區 1"/>
           <p:cNvSpPr>
             <a:spLocks noGrp="1" noRot="1" noChangeAspect="1"/>
@@ -1924,7 +1990,7 @@
           <a:p>
             <a:fld id="{6B094CF9-824F-48E6-BF21-19194E5F47C1}" type="slidenum">
               <a:rPr lang="zh-TW" altLang="en-US" smtClean="0"/>
-              <a:t>30</a:t>
+              <a:t>31</a:t>
             </a:fld>
             <a:endParaRPr lang="zh-TW" altLang="en-US"/>
           </a:p>
@@ -2193,7 +2259,7 @@
             <a:fld id="{32C01325-88C4-4D06-9909-B472E042400E}" type="datetime1">
               <a:rPr lang="en-US" altLang="zh-TW" smtClean="0"/>
               <a:pPr/>
-              <a:t>3/12/2020</a:t>
+              <a:t>3/14/2020</a:t>
             </a:fld>
             <a:endParaRPr lang="en-US" dirty="0"/>
           </a:p>
@@ -2492,7 +2558,7 @@
           <a:p>
             <a:fld id="{EDA0A132-BC1D-4AF8-815F-69FFFBA081C0}" type="datetime1">
               <a:rPr lang="en-US" altLang="zh-TW" smtClean="0"/>
-              <a:t>3/12/2020</a:t>
+              <a:t>3/14/2020</a:t>
             </a:fld>
             <a:endParaRPr lang="en-US" dirty="0"/>
           </a:p>
@@ -2683,7 +2749,7 @@
           <a:p>
             <a:fld id="{7D88C161-0482-4BB7-93B6-C6023237F745}" type="datetime1">
               <a:rPr lang="en-US" altLang="zh-TW" smtClean="0"/>
-              <a:t>3/12/2020</a:t>
+              <a:t>3/14/2020</a:t>
             </a:fld>
             <a:endParaRPr lang="en-US" dirty="0"/>
           </a:p>
@@ -2879,7 +2945,7 @@
           <a:p>
             <a:fld id="{8E4C3707-23DF-4F24-B951-FD2ECC3B8CB1}" type="datetime1">
               <a:rPr lang="en-US" altLang="zh-TW" smtClean="0"/>
-              <a:t>3/12/2020</a:t>
+              <a:t>3/14/2020</a:t>
             </a:fld>
             <a:endParaRPr lang="en-US" dirty="0"/>
           </a:p>
@@ -3070,7 +3136,7 @@
             <a:fld id="{5F545754-5242-4855-81C9-E117DB6DAFCF}" type="datetime1">
               <a:rPr lang="en-US" altLang="zh-TW" smtClean="0"/>
               <a:pPr/>
-              <a:t>3/12/2020</a:t>
+              <a:t>3/14/2020</a:t>
             </a:fld>
             <a:endParaRPr lang="en-US" dirty="0"/>
           </a:p>
@@ -3312,7 +3378,7 @@
           <a:p>
             <a:fld id="{3BC9C2A9-AB99-41F5-8F75-27C8D8E8E8DB}" type="datetime1">
               <a:rPr lang="en-US" altLang="zh-TW" smtClean="0"/>
-              <a:t>3/12/2020</a:t>
+              <a:t>3/14/2020</a:t>
             </a:fld>
             <a:endParaRPr lang="en-US" dirty="0"/>
           </a:p>
@@ -3616,7 +3682,7 @@
           <a:p>
             <a:fld id="{09B33BAF-14F9-4A03-BD06-9AE09252F7E6}" type="datetime1">
               <a:rPr lang="en-US" altLang="zh-TW" smtClean="0"/>
-              <a:t>3/12/2020</a:t>
+              <a:t>3/14/2020</a:t>
             </a:fld>
             <a:endParaRPr lang="en-US" dirty="0"/>
           </a:p>
@@ -4074,7 +4140,7 @@
           <a:p>
             <a:fld id="{30AF5C3A-F124-479E-9564-3819A45DE9FD}" type="datetime1">
               <a:rPr lang="en-US" altLang="zh-TW" smtClean="0"/>
-              <a:t>3/12/2020</a:t>
+              <a:t>3/14/2020</a:t>
             </a:fld>
             <a:endParaRPr lang="en-US" dirty="0"/>
           </a:p>
@@ -4208,7 +4274,7 @@
           <a:p>
             <a:fld id="{E2A6C839-805B-4120-8E1A-887DB3085696}" type="datetime1">
               <a:rPr lang="en-US" altLang="zh-TW" smtClean="0"/>
-              <a:t>3/12/2020</a:t>
+              <a:t>3/14/2020</a:t>
             </a:fld>
             <a:endParaRPr lang="en-US" dirty="0"/>
           </a:p>
@@ -4319,7 +4385,7 @@
           <a:p>
             <a:fld id="{C3BC61D4-9EDA-48F2-9DC7-4BAF2EFB36CA}" type="datetime1">
               <a:rPr lang="en-US" altLang="zh-TW" smtClean="0"/>
-              <a:t>3/12/2020</a:t>
+              <a:t>3/14/2020</a:t>
             </a:fld>
             <a:endParaRPr lang="en-US" dirty="0"/>
           </a:p>
@@ -4442,7 +4508,7 @@
           <a:p>
             <a:fld id="{C3BC61D4-9EDA-48F2-9DC7-4BAF2EFB36CA}" type="datetime1">
               <a:rPr lang="en-US" altLang="zh-TW" smtClean="0"/>
-              <a:t>3/12/2020</a:t>
+              <a:t>3/14/2020</a:t>
             </a:fld>
             <a:endParaRPr lang="en-US" dirty="0"/>
           </a:p>
@@ -4818,7 +4884,7 @@
           <a:p>
             <a:fld id="{AD3619F7-4977-420F-B59A-DBDA61E7ABEC}" type="datetime1">
               <a:rPr lang="en-US" altLang="zh-TW" smtClean="0"/>
-              <a:t>3/12/2020</a:t>
+              <a:t>3/14/2020</a:t>
             </a:fld>
             <a:endParaRPr lang="en-US" dirty="0"/>
           </a:p>
@@ -5136,7 +5202,7 @@
             <a:fld id="{427FFE6E-D4EC-4F12-B8B0-E72AA8EDAE7C}" type="datetime1">
               <a:rPr lang="en-US" altLang="zh-TW" smtClean="0"/>
               <a:pPr/>
-              <a:t>3/12/2020</a:t>
+              <a:t>3/14/2020</a:t>
             </a:fld>
             <a:endParaRPr lang="en-US" dirty="0"/>
           </a:p>
@@ -5697,11 +5763,7 @@
             </a:br>
             <a:r>
               <a:rPr lang="en-US" altLang="zh-TW" dirty="0"/>
-              <a:t>React Design </a:t>
-            </a:r>
-            <a:r>
-              <a:rPr lang="en-US" altLang="zh-TW" dirty="0" smtClean="0"/>
-              <a:t>Pattern</a:t>
+              <a:t>React Design Pattern</a:t>
             </a:r>
             <a:endParaRPr lang="zh-TW" altLang="en-US" dirty="0"/>
           </a:p>
@@ -5786,7 +5848,7 @@
           <a:p>
             <a:fld id="{1CD3BEDE-1300-489E-9415-8CE48063710D}" type="datetime1">
               <a:rPr lang="en-US" altLang="zh-TW" smtClean="0"/>
-              <a:t>3/12/2020</a:t>
+              <a:t>3/14/2020</a:t>
             </a:fld>
             <a:endParaRPr lang="en-US" dirty="0"/>
           </a:p>
@@ -5814,13 +5876,6 @@
       </p:transition>
     </mc:Fallback>
   </mc:AlternateContent>
-  <p:timing>
-    <p:tnLst>
-      <p:par>
-        <p:cTn id="1" dur="indefinite" restart="never" nodeType="tmRoot"/>
-      </p:par>
-    </p:tnLst>
-  </p:timing>
 </p:sld>
 </file>
 
@@ -5846,7 +5901,7 @@
           <p:cNvPr id="2" name="投影片編號版面配置區 1">
             <a:extLst>
               <a:ext uri="{FF2B5EF4-FFF2-40B4-BE49-F238E27FC236}">
-                <a16:creationId xmlns:a16="http://schemas.microsoft.com/office/drawing/2014/main" id="{4B53C541-0ADD-4615-A0E0-8DF543BFF4D9}"/>
+                <a16:creationId xmlns:a16="http://schemas.microsoft.com/office/drawing/2014/main" id="{55EE3932-6D42-45C3-A7EC-0978A73E5273}"/>
               </a:ext>
             </a:extLst>
           </p:cNvPr>
@@ -5873,7 +5928,13 @@
       </p:sp>
       <p:sp>
         <p:nvSpPr>
-          <p:cNvPr id="5" name="文字版面配置區 4"/>
+          <p:cNvPr id="3" name="文字版面配置區 2">
+            <a:extLst>
+              <a:ext uri="{FF2B5EF4-FFF2-40B4-BE49-F238E27FC236}">
+                <a16:creationId xmlns:a16="http://schemas.microsoft.com/office/drawing/2014/main" id="{6C0BDB7F-6CEF-46E0-94B9-32F2AF2C1276}"/>
+              </a:ext>
+            </a:extLst>
+          </p:cNvPr>
           <p:cNvSpPr>
             <a:spLocks noGrp="1"/>
           </p:cNvSpPr>
@@ -5887,17 +5948,270 @@
           <a:lstStyle/>
           <a:p>
             <a:r>
-              <a:rPr lang="en-US" altLang="zh-TW" dirty="0" smtClean="0"/>
-              <a:t>React</a:t>
-            </a:r>
-            <a:endParaRPr lang="zh-TW" altLang="en-US" dirty="0"/>
+              <a:rPr lang="zh-TW" altLang="en-US" dirty="0">
+                <a:latin typeface="+mn-ea"/>
+              </a:rPr>
+              <a:t>封裝</a:t>
+            </a:r>
+            <a:r>
+              <a:rPr lang="zh-TW" altLang="en-US" dirty="0"/>
+              <a:t>目的</a:t>
+            </a:r>
+          </a:p>
+        </p:txBody>
+      </p:sp>
+      <p:sp>
+        <p:nvSpPr>
+          <p:cNvPr id="4" name="文字方塊 3">
+            <a:extLst>
+              <a:ext uri="{FF2B5EF4-FFF2-40B4-BE49-F238E27FC236}">
+                <a16:creationId xmlns:a16="http://schemas.microsoft.com/office/drawing/2014/main" id="{1E7148E5-54EE-4A5B-8CC8-3310E7798469}"/>
+              </a:ext>
+            </a:extLst>
+          </p:cNvPr>
+          <p:cNvSpPr txBox="1"/>
+          <p:nvPr/>
+        </p:nvSpPr>
+        <p:spPr>
+          <a:xfrm>
+            <a:off x="1167064" y="1998656"/>
+            <a:ext cx="4054641" cy="646331"/>
+          </a:xfrm>
+          <a:prstGeom prst="rect">
+            <a:avLst/>
+          </a:prstGeom>
+          <a:noFill/>
+        </p:spPr>
+        <p:txBody>
+          <a:bodyPr wrap="square" rtlCol="0">
+            <a:spAutoFit/>
+          </a:bodyPr>
+          <a:lstStyle/>
+          <a:p>
+            <a:r>
+              <a:rPr lang="zh-TW" altLang="en-US" sz="3600" dirty="0">
+                <a:solidFill>
+                  <a:schemeClr val="bg1">
+                    <a:lumMod val="85000"/>
+                  </a:schemeClr>
+                </a:solidFill>
+              </a:rPr>
+              <a:t>提升代碼的複用性</a:t>
+            </a:r>
+          </a:p>
+        </p:txBody>
+      </p:sp>
+      <p:sp>
+        <p:nvSpPr>
+          <p:cNvPr id="5" name="文字方塊 4">
+            <a:extLst>
+              <a:ext uri="{FF2B5EF4-FFF2-40B4-BE49-F238E27FC236}">
+                <a16:creationId xmlns:a16="http://schemas.microsoft.com/office/drawing/2014/main" id="{1F5182A2-3F74-4C43-A221-E69410E8B622}"/>
+              </a:ext>
+            </a:extLst>
+          </p:cNvPr>
+          <p:cNvSpPr txBox="1"/>
+          <p:nvPr/>
+        </p:nvSpPr>
+        <p:spPr>
+          <a:xfrm>
+            <a:off x="7170823" y="1998656"/>
+            <a:ext cx="3106265" cy="646331"/>
+          </a:xfrm>
+          <a:prstGeom prst="rect">
+            <a:avLst/>
+          </a:prstGeom>
+          <a:noFill/>
+        </p:spPr>
+        <p:txBody>
+          <a:bodyPr wrap="square" rtlCol="0">
+            <a:spAutoFit/>
+          </a:bodyPr>
+          <a:lstStyle/>
+          <a:p>
+            <a:r>
+              <a:rPr lang="zh-TW" altLang="en-US" sz="3600" dirty="0">
+                <a:solidFill>
+                  <a:schemeClr val="bg1">
+                    <a:lumMod val="85000"/>
+                  </a:schemeClr>
+                </a:solidFill>
+              </a:rPr>
+              <a:t>降低出錯機率</a:t>
+            </a:r>
+          </a:p>
+        </p:txBody>
+      </p:sp>
+      <p:sp>
+        <p:nvSpPr>
+          <p:cNvPr id="7" name="文字方塊 6">
+            <a:extLst>
+              <a:ext uri="{FF2B5EF4-FFF2-40B4-BE49-F238E27FC236}">
+                <a16:creationId xmlns:a16="http://schemas.microsoft.com/office/drawing/2014/main" id="{D99E4D33-6A99-42CD-8D10-6C84E01E6EA4}"/>
+              </a:ext>
+            </a:extLst>
+          </p:cNvPr>
+          <p:cNvSpPr txBox="1"/>
+          <p:nvPr/>
+        </p:nvSpPr>
+        <p:spPr>
+          <a:xfrm>
+            <a:off x="1275347" y="3404936"/>
+            <a:ext cx="4150895" cy="954107"/>
+          </a:xfrm>
+          <a:prstGeom prst="rect">
+            <a:avLst/>
+          </a:prstGeom>
+          <a:noFill/>
+        </p:spPr>
+        <p:txBody>
+          <a:bodyPr wrap="square" rtlCol="0">
+            <a:spAutoFit/>
+          </a:bodyPr>
+          <a:lstStyle/>
+          <a:p>
+            <a:pPr marL="342900" indent="-342900">
+              <a:buFont typeface="Arial" panose="020B0604020202020204" pitchFamily="34" charset="0"/>
+              <a:buChar char="•"/>
+            </a:pPr>
+            <a:r>
+              <a:rPr lang="zh-TW" altLang="en-US" sz="2800" dirty="0">
+                <a:solidFill>
+                  <a:schemeClr val="bg1">
+                    <a:lumMod val="85000"/>
+                  </a:schemeClr>
+                </a:solidFill>
+                <a:latin typeface="+mj-ea"/>
+                <a:ea typeface="+mj-ea"/>
+              </a:rPr>
+              <a:t>減少撰寫重複的代碼</a:t>
+            </a:r>
+            <a:endParaRPr lang="en-US" altLang="zh-TW" sz="2800" dirty="0">
+              <a:solidFill>
+                <a:schemeClr val="bg1">
+                  <a:lumMod val="85000"/>
+                </a:schemeClr>
+              </a:solidFill>
+              <a:latin typeface="+mj-ea"/>
+              <a:ea typeface="+mj-ea"/>
+            </a:endParaRPr>
+          </a:p>
+          <a:p>
+            <a:pPr marL="342900" indent="-342900">
+              <a:buFont typeface="Arial" panose="020B0604020202020204" pitchFamily="34" charset="0"/>
+              <a:buChar char="•"/>
+            </a:pPr>
+            <a:r>
+              <a:rPr lang="zh-TW" altLang="en-US" sz="2800" dirty="0">
+                <a:solidFill>
+                  <a:schemeClr val="bg1">
+                    <a:lumMod val="85000"/>
+                  </a:schemeClr>
+                </a:solidFill>
+                <a:latin typeface="+mj-ea"/>
+                <a:ea typeface="+mj-ea"/>
+              </a:rPr>
+              <a:t>更有結構性</a:t>
+            </a:r>
+            <a:endParaRPr lang="en-US" altLang="zh-TW" sz="2800" dirty="0">
+              <a:solidFill>
+                <a:schemeClr val="bg1">
+                  <a:lumMod val="85000"/>
+                </a:schemeClr>
+              </a:solidFill>
+              <a:latin typeface="+mj-ea"/>
+              <a:ea typeface="+mj-ea"/>
+            </a:endParaRPr>
+          </a:p>
+        </p:txBody>
+      </p:sp>
+      <p:sp>
+        <p:nvSpPr>
+          <p:cNvPr id="8" name="文字方塊 7">
+            <a:extLst>
+              <a:ext uri="{FF2B5EF4-FFF2-40B4-BE49-F238E27FC236}">
+                <a16:creationId xmlns:a16="http://schemas.microsoft.com/office/drawing/2014/main" id="{3D08C76A-9356-49B0-8933-D172396230EF}"/>
+              </a:ext>
+            </a:extLst>
+          </p:cNvPr>
+          <p:cNvSpPr txBox="1"/>
+          <p:nvPr/>
+        </p:nvSpPr>
+        <p:spPr>
+          <a:xfrm>
+            <a:off x="7170823" y="3404935"/>
+            <a:ext cx="3958390" cy="954107"/>
+          </a:xfrm>
+          <a:prstGeom prst="rect">
+            <a:avLst/>
+          </a:prstGeom>
+          <a:noFill/>
+        </p:spPr>
+        <p:txBody>
+          <a:bodyPr wrap="square" rtlCol="0">
+            <a:spAutoFit/>
+          </a:bodyPr>
+          <a:lstStyle/>
+          <a:p>
+            <a:pPr marL="342900" indent="-342900">
+              <a:buFont typeface="Arial" panose="020B0604020202020204" pitchFamily="34" charset="0"/>
+              <a:buChar char="•"/>
+            </a:pPr>
+            <a:r>
+              <a:rPr lang="zh-TW" altLang="en-US" sz="2800" dirty="0">
+                <a:solidFill>
+                  <a:schemeClr val="bg1">
+                    <a:lumMod val="85000"/>
+                  </a:schemeClr>
+                </a:solidFill>
+                <a:latin typeface="+mj-ea"/>
+                <a:ea typeface="+mj-ea"/>
+              </a:rPr>
+              <a:t>能提升代碼的閱讀性</a:t>
+            </a:r>
+            <a:endParaRPr lang="en-US" altLang="zh-TW" sz="2800" dirty="0">
+              <a:solidFill>
+                <a:schemeClr val="bg1">
+                  <a:lumMod val="85000"/>
+                </a:schemeClr>
+              </a:solidFill>
+              <a:latin typeface="+mj-ea"/>
+              <a:ea typeface="+mj-ea"/>
+            </a:endParaRPr>
+          </a:p>
+          <a:p>
+            <a:pPr marL="342900" indent="-342900">
+              <a:buFont typeface="Arial" panose="020B0604020202020204" pitchFamily="34" charset="0"/>
+              <a:buChar char="•"/>
+            </a:pPr>
+            <a:r>
+              <a:rPr lang="zh-TW" altLang="en-US" sz="2800" dirty="0">
+                <a:solidFill>
+                  <a:schemeClr val="bg1">
+                    <a:lumMod val="85000"/>
+                  </a:schemeClr>
+                </a:solidFill>
+                <a:latin typeface="+mj-ea"/>
+                <a:ea typeface="+mj-ea"/>
+              </a:rPr>
+              <a:t>減少校正的時間</a:t>
+            </a:r>
+            <a:endParaRPr lang="en-US" altLang="zh-TW" sz="2800" dirty="0">
+              <a:solidFill>
+                <a:schemeClr val="bg1">
+                  <a:lumMod val="85000"/>
+                </a:schemeClr>
+              </a:solidFill>
+              <a:latin typeface="+mj-ea"/>
+              <a:ea typeface="+mj-ea"/>
+            </a:endParaRPr>
           </a:p>
         </p:txBody>
       </p:sp>
     </p:spTree>
     <p:extLst>
       <p:ext uri="{BB962C8B-B14F-4D97-AF65-F5344CB8AC3E}">
-        <p14:creationId xmlns:p14="http://schemas.microsoft.com/office/powerpoint/2010/main" val="3797813011"/>
+        <p14:creationId xmlns:p14="http://schemas.microsoft.com/office/powerpoint/2010/main" val="1135340634"/>
       </p:ext>
     </p:extLst>
   </p:cSld>
@@ -5916,13 +6230,6 @@
       </p:transition>
     </mc:Fallback>
   </mc:AlternateContent>
-  <p:timing>
-    <p:tnLst>
-      <p:par>
-        <p:cTn id="1" dur="indefinite" restart="never" nodeType="tmRoot"/>
-      </p:par>
-    </p:tnLst>
-  </p:timing>
 </p:sld>
 </file>
 
@@ -5945,142 +6252,74 @@
       </p:grpSpPr>
       <p:sp>
         <p:nvSpPr>
-          <p:cNvPr id="2" name="矩形 1">
+          <p:cNvPr id="2" name="投影片編號版面配置區 1">
             <a:extLst>
               <a:ext uri="{FF2B5EF4-FFF2-40B4-BE49-F238E27FC236}">
-                <a16:creationId xmlns:a16="http://schemas.microsoft.com/office/drawing/2014/main" id="{A7656A58-3E32-44CC-BB61-39A20F6AE9A7}"/>
+                <a16:creationId xmlns:a16="http://schemas.microsoft.com/office/drawing/2014/main" id="{0E5B24F7-175B-47EC-9777-613FD6F93E36}"/>
               </a:ext>
             </a:extLst>
           </p:cNvPr>
-          <p:cNvSpPr/>
-          <p:nvPr/>
-        </p:nvSpPr>
-        <p:spPr>
-          <a:xfrm>
-            <a:off x="4965602" y="1587061"/>
-            <a:ext cx="2031325" cy="646331"/>
-          </a:xfrm>
-          <a:prstGeom prst="rect">
-            <a:avLst/>
-          </a:prstGeom>
-        </p:spPr>
-        <p:txBody>
-          <a:bodyPr wrap="none">
-            <a:spAutoFit/>
-          </a:bodyPr>
-          <a:lstStyle/>
-          <a:p>
-            <a:r>
-              <a:rPr lang="zh-TW" altLang="en-US" sz="3600" dirty="0">
-                <a:solidFill>
-                  <a:schemeClr val="bg1"/>
-                </a:solidFill>
-                <a:latin typeface="Helvetica Neue"/>
-              </a:rPr>
-              <a:t>使用簡單</a:t>
-            </a:r>
-            <a:endParaRPr lang="zh-TW" altLang="en-US" sz="3600" dirty="0">
-              <a:solidFill>
-                <a:schemeClr val="bg1"/>
-              </a:solidFill>
-            </a:endParaRPr>
-          </a:p>
-        </p:txBody>
-      </p:sp>
-      <p:sp>
-        <p:nvSpPr>
-          <p:cNvPr id="3" name="矩形 2">
+          <p:cNvSpPr>
+            <a:spLocks noGrp="1"/>
+          </p:cNvSpPr>
+          <p:nvPr>
+            <p:ph type="sldNum" sz="quarter" idx="12"/>
+          </p:nvPr>
+        </p:nvSpPr>
+        <p:spPr/>
+        <p:txBody>
+          <a:bodyPr/>
+          <a:lstStyle/>
+          <a:p>
+            <a:fld id="{4FAB73BC-B049-4115-A692-8D63A059BFB8}" type="slidenum">
+              <a:rPr lang="en-US" smtClean="0"/>
+              <a:pPr/>
+              <a:t>11</a:t>
+            </a:fld>
+            <a:endParaRPr lang="en-US" dirty="0"/>
+          </a:p>
+        </p:txBody>
+      </p:sp>
+      <p:sp>
+        <p:nvSpPr>
+          <p:cNvPr id="3" name="文字版面配置區 2">
             <a:extLst>
               <a:ext uri="{FF2B5EF4-FFF2-40B4-BE49-F238E27FC236}">
-                <a16:creationId xmlns:a16="http://schemas.microsoft.com/office/drawing/2014/main" id="{882EBD4E-5658-4015-8511-0782C74C9A10}"/>
+                <a16:creationId xmlns:a16="http://schemas.microsoft.com/office/drawing/2014/main" id="{E03D49C3-45B1-4C46-AD4C-B449E2445238}"/>
               </a:ext>
             </a:extLst>
           </p:cNvPr>
-          <p:cNvSpPr/>
-          <p:nvPr/>
-        </p:nvSpPr>
-        <p:spPr>
-          <a:xfrm>
-            <a:off x="8769012" y="1587061"/>
-            <a:ext cx="2031325" cy="646331"/>
-          </a:xfrm>
-          <a:prstGeom prst="rect">
-            <a:avLst/>
-          </a:prstGeom>
-        </p:spPr>
-        <p:txBody>
-          <a:bodyPr wrap="none">
-            <a:spAutoFit/>
-          </a:bodyPr>
-          <a:lstStyle/>
-          <a:p>
-            <a:r>
-              <a:rPr lang="zh-TW" altLang="en-US" sz="3600" dirty="0">
-                <a:solidFill>
-                  <a:schemeClr val="bg1"/>
-                </a:solidFill>
-                <a:latin typeface="Helvetica Neue"/>
-              </a:rPr>
-              <a:t>效能高效</a:t>
-            </a:r>
-            <a:endParaRPr lang="zh-TW" altLang="en-US" sz="3600" dirty="0">
-              <a:solidFill>
-                <a:schemeClr val="bg1"/>
-              </a:solidFill>
-            </a:endParaRPr>
-          </a:p>
-        </p:txBody>
-      </p:sp>
-      <p:sp>
-        <p:nvSpPr>
-          <p:cNvPr id="4" name="矩形 3">
+          <p:cNvSpPr>
+            <a:spLocks noGrp="1"/>
+          </p:cNvSpPr>
+          <p:nvPr>
+            <p:ph type="body" sz="quarter" idx="13"/>
+          </p:nvPr>
+        </p:nvSpPr>
+        <p:spPr/>
+        <p:txBody>
+          <a:bodyPr/>
+          <a:lstStyle/>
+          <a:p>
+            <a:r>
+              <a:rPr lang="zh-TW" altLang="en-US" dirty="0">
+                <a:solidFill>
+                  <a:schemeClr val="bg1">
+                    <a:lumMod val="85000"/>
+                  </a:schemeClr>
+                </a:solidFill>
+              </a:rPr>
+              <a:t>提升代碼價值</a:t>
+            </a:r>
+          </a:p>
+        </p:txBody>
+      </p:sp>
+      <p:pic>
+        <p:nvPicPr>
+          <p:cNvPr id="14" name="圖片 13">
             <a:extLst>
               <a:ext uri="{FF2B5EF4-FFF2-40B4-BE49-F238E27FC236}">
-                <a16:creationId xmlns:a16="http://schemas.microsoft.com/office/drawing/2014/main" id="{26950AEE-8614-41E2-8985-25941768500F}"/>
-              </a:ext>
-            </a:extLst>
-          </p:cNvPr>
-          <p:cNvSpPr/>
-          <p:nvPr/>
-        </p:nvSpPr>
-        <p:spPr>
-          <a:xfrm>
-            <a:off x="1249277" y="1587064"/>
-            <a:ext cx="2031325" cy="646331"/>
-          </a:xfrm>
-          <a:prstGeom prst="rect">
-            <a:avLst/>
-          </a:prstGeom>
-        </p:spPr>
-        <p:txBody>
-          <a:bodyPr wrap="none">
-            <a:spAutoFit/>
-          </a:bodyPr>
-          <a:lstStyle/>
-          <a:p>
-            <a:r>
-              <a:rPr lang="zh-TW" altLang="en-US" sz="3600" dirty="0">
-                <a:solidFill>
-                  <a:schemeClr val="bg1"/>
-                </a:solidFill>
-                <a:latin typeface="Helvetica Neue"/>
-              </a:rPr>
-              <a:t>可靠穩定</a:t>
-            </a:r>
-            <a:endParaRPr lang="zh-TW" altLang="en-US" sz="3600" dirty="0">
-              <a:solidFill>
-                <a:schemeClr val="bg1"/>
-              </a:solidFill>
-            </a:endParaRPr>
-          </a:p>
-        </p:txBody>
-      </p:sp>
-      <p:pic>
-        <p:nvPicPr>
-          <p:cNvPr id="10" name="圖片 9">
-            <a:extLst>
-              <a:ext uri="{FF2B5EF4-FFF2-40B4-BE49-F238E27FC236}">
-                <a16:creationId xmlns:a16="http://schemas.microsoft.com/office/drawing/2014/main" id="{8451668D-CA18-4DA3-B38F-379C766F7248}"/>
+                <a16:creationId xmlns:a16="http://schemas.microsoft.com/office/drawing/2014/main" id="{00F7E28E-07C9-4D74-96D4-03A1E7CDF68E}"/>
               </a:ext>
             </a:extLst>
           </p:cNvPr>
@@ -6097,102 +6336,18 @@
         </p:blipFill>
         <p:spPr>
           <a:xfrm>
-            <a:off x="1371962" y="2860689"/>
-            <a:ext cx="1800000" cy="1800000"/>
+            <a:off x="3537589" y="1291641"/>
+            <a:ext cx="4876190" cy="4876190"/>
           </a:xfrm>
           <a:prstGeom prst="rect">
             <a:avLst/>
           </a:prstGeom>
         </p:spPr>
       </p:pic>
-      <p:pic>
-        <p:nvPicPr>
-          <p:cNvPr id="12" name="圖片 11">
-            <a:extLst>
-              <a:ext uri="{FF2B5EF4-FFF2-40B4-BE49-F238E27FC236}">
-                <a16:creationId xmlns:a16="http://schemas.microsoft.com/office/drawing/2014/main" id="{59898743-EB4C-4499-9D61-4548C05259CC}"/>
-              </a:ext>
-            </a:extLst>
-          </p:cNvPr>
-          <p:cNvPicPr>
-            <a:picLocks noChangeAspect="1"/>
-          </p:cNvPicPr>
-          <p:nvPr/>
-        </p:nvPicPr>
-        <p:blipFill>
-          <a:blip r:embed="rId3"/>
-          <a:stretch>
-            <a:fillRect/>
-          </a:stretch>
-        </p:blipFill>
-        <p:spPr>
-          <a:xfrm>
-            <a:off x="5044193" y="2860689"/>
-            <a:ext cx="1800000" cy="1800000"/>
-          </a:xfrm>
-          <a:prstGeom prst="rect">
-            <a:avLst/>
-          </a:prstGeom>
-        </p:spPr>
-      </p:pic>
-      <p:pic>
-        <p:nvPicPr>
-          <p:cNvPr id="14" name="圖片 13">
-            <a:extLst>
-              <a:ext uri="{FF2B5EF4-FFF2-40B4-BE49-F238E27FC236}">
-                <a16:creationId xmlns:a16="http://schemas.microsoft.com/office/drawing/2014/main" id="{D0A7D2C9-6E0C-44FB-BDA9-0062C1055EEF}"/>
-              </a:ext>
-            </a:extLst>
-          </p:cNvPr>
-          <p:cNvPicPr>
-            <a:picLocks noChangeAspect="1"/>
-          </p:cNvPicPr>
-          <p:nvPr/>
-        </p:nvPicPr>
-        <p:blipFill>
-          <a:blip r:embed="rId4"/>
-          <a:stretch>
-            <a:fillRect/>
-          </a:stretch>
-        </p:blipFill>
-        <p:spPr>
-          <a:xfrm>
-            <a:off x="8806083" y="2860689"/>
-            <a:ext cx="1800000" cy="1800000"/>
-          </a:xfrm>
-          <a:prstGeom prst="rect">
-            <a:avLst/>
-          </a:prstGeom>
-        </p:spPr>
-      </p:pic>
-      <p:sp>
-        <p:nvSpPr>
-          <p:cNvPr id="6" name="投影片編號版面配置區 5"/>
-          <p:cNvSpPr>
-            <a:spLocks noGrp="1"/>
-          </p:cNvSpPr>
-          <p:nvPr>
-            <p:ph type="sldNum" sz="quarter" idx="12"/>
-          </p:nvPr>
-        </p:nvSpPr>
-        <p:spPr/>
-        <p:txBody>
-          <a:bodyPr/>
-          <a:lstStyle/>
-          <a:p>
-            <a:fld id="{4FAB73BC-B049-4115-A692-8D63A059BFB8}" type="slidenum">
-              <a:rPr lang="en-US" smtClean="0"/>
-              <a:pPr/>
-              <a:t>11</a:t>
-            </a:fld>
-            <a:endParaRPr lang="en-US" dirty="0"/>
-          </a:p>
-        </p:txBody>
-      </p:sp>
     </p:spTree>
     <p:extLst>
       <p:ext uri="{BB962C8B-B14F-4D97-AF65-F5344CB8AC3E}">
-        <p14:creationId xmlns:p14="http://schemas.microsoft.com/office/powerpoint/2010/main" val="2439114235"/>
+        <p14:creationId xmlns:p14="http://schemas.microsoft.com/office/powerpoint/2010/main" val="2344873207"/>
       </p:ext>
     </p:extLst>
   </p:cSld>
@@ -6211,13 +6366,6 @@
       </p:transition>
     </mc:Fallback>
   </mc:AlternateContent>
-  <p:timing>
-    <p:tnLst>
-      <p:par>
-        <p:cTn id="1" dur="indefinite" restart="never" nodeType="tmRoot"/>
-      </p:par>
-    </p:tnLst>
-  </p:timing>
 </p:sld>
 </file>
 
@@ -6240,10 +6388,240 @@
       </p:grpSpPr>
       <p:sp>
         <p:nvSpPr>
+          <p:cNvPr id="2" name="標題 1">
+            <a:extLst>
+              <a:ext uri="{FF2B5EF4-FFF2-40B4-BE49-F238E27FC236}">
+                <a16:creationId xmlns:a16="http://schemas.microsoft.com/office/drawing/2014/main" id="{33E11A25-B23F-425C-AB41-3B941B4488B4}"/>
+              </a:ext>
+            </a:extLst>
+          </p:cNvPr>
+          <p:cNvSpPr>
+            <a:spLocks noGrp="1"/>
+          </p:cNvSpPr>
+          <p:nvPr>
+            <p:ph type="title"/>
+          </p:nvPr>
+        </p:nvSpPr>
+        <p:spPr/>
+        <p:txBody>
+          <a:bodyPr/>
+          <a:lstStyle/>
+          <a:p>
+            <a:pPr algn="ctr"/>
+            <a:r>
+              <a:rPr lang="zh-TW" altLang="en-US" dirty="0"/>
+              <a:t>使用動機</a:t>
+            </a:r>
+          </a:p>
+        </p:txBody>
+      </p:sp>
+      <p:sp>
+        <p:nvSpPr>
+          <p:cNvPr id="3" name="內容版面配置區 2">
+            <a:extLst>
+              <a:ext uri="{FF2B5EF4-FFF2-40B4-BE49-F238E27FC236}">
+                <a16:creationId xmlns:a16="http://schemas.microsoft.com/office/drawing/2014/main" id="{B86A7C97-39A2-460A-B72C-886711B1DAB2}"/>
+              </a:ext>
+            </a:extLst>
+          </p:cNvPr>
+          <p:cNvSpPr>
+            <a:spLocks noGrp="1"/>
+          </p:cNvSpPr>
+          <p:nvPr>
+            <p:ph idx="1"/>
+          </p:nvPr>
+        </p:nvSpPr>
+        <p:spPr/>
+        <p:txBody>
+          <a:bodyPr>
+            <a:normAutofit/>
+          </a:bodyPr>
+          <a:lstStyle/>
+          <a:p>
+            <a:pPr marL="0" indent="0">
+              <a:buNone/>
+            </a:pPr>
+            <a:r>
+              <a:rPr lang="en-US" altLang="zh-TW" sz="4800" dirty="0">
+                <a:solidFill>
+                  <a:schemeClr val="bg1"/>
+                </a:solidFill>
+                <a:latin typeface="+mn-ea"/>
+              </a:rPr>
+              <a:t>Hooks </a:t>
+            </a:r>
+            <a:r>
+              <a:rPr lang="zh-TW" altLang="en-US" sz="4800" dirty="0">
+                <a:solidFill>
+                  <a:schemeClr val="bg1"/>
+                </a:solidFill>
+                <a:latin typeface="+mn-ea"/>
+              </a:rPr>
+              <a:t>改善</a:t>
+            </a:r>
+            <a:endParaRPr lang="en-US" altLang="zh-TW" sz="4800" dirty="0">
+              <a:solidFill>
+                <a:schemeClr val="bg1"/>
+              </a:solidFill>
+              <a:latin typeface="+mn-ea"/>
+            </a:endParaRPr>
+          </a:p>
+          <a:p>
+            <a:pPr marL="0" indent="0">
+              <a:buNone/>
+            </a:pPr>
+            <a:endParaRPr lang="en-US" altLang="zh-TW" sz="4000" dirty="0">
+              <a:solidFill>
+                <a:schemeClr val="bg1"/>
+              </a:solidFill>
+              <a:latin typeface="+mn-ea"/>
+            </a:endParaRPr>
+          </a:p>
+          <a:p>
+            <a:r>
+              <a:rPr lang="zh-TW" altLang="en-US" sz="4000" dirty="0">
+                <a:solidFill>
+                  <a:schemeClr val="bg1">
+                    <a:lumMod val="95000"/>
+                  </a:schemeClr>
+                </a:solidFill>
+                <a:latin typeface="+mn-ea"/>
+              </a:rPr>
+              <a:t>效能比</a:t>
+            </a:r>
+            <a:r>
+              <a:rPr lang="en-US" altLang="zh-TW" sz="4000" dirty="0">
+                <a:solidFill>
+                  <a:schemeClr val="bg1">
+                    <a:lumMod val="95000"/>
+                  </a:schemeClr>
+                </a:solidFill>
+                <a:latin typeface="+mn-ea"/>
+              </a:rPr>
+              <a:t>Class</a:t>
+            </a:r>
+            <a:r>
+              <a:rPr lang="zh-TW" altLang="en-US" sz="4000" dirty="0">
+                <a:solidFill>
+                  <a:schemeClr val="bg1">
+                    <a:lumMod val="95000"/>
+                  </a:schemeClr>
+                </a:solidFill>
+                <a:latin typeface="+mn-ea"/>
+              </a:rPr>
+              <a:t>高</a:t>
+            </a:r>
+            <a:endParaRPr lang="en-US" altLang="zh-TW" sz="4000" dirty="0">
+              <a:solidFill>
+                <a:schemeClr val="bg1">
+                  <a:lumMod val="95000"/>
+                </a:schemeClr>
+              </a:solidFill>
+              <a:latin typeface="+mn-ea"/>
+            </a:endParaRPr>
+          </a:p>
+          <a:p>
+            <a:r>
+              <a:rPr lang="zh-TW" altLang="en-US" sz="4000" dirty="0">
+                <a:solidFill>
+                  <a:schemeClr val="bg1">
+                    <a:lumMod val="95000"/>
+                  </a:schemeClr>
+                </a:solidFill>
+                <a:latin typeface="+mn-ea"/>
+              </a:rPr>
+              <a:t>提高代碼閱讀性</a:t>
+            </a:r>
+            <a:endParaRPr lang="en-US" altLang="zh-TW" sz="4000" dirty="0">
+              <a:solidFill>
+                <a:schemeClr val="bg1">
+                  <a:lumMod val="95000"/>
+                </a:schemeClr>
+              </a:solidFill>
+              <a:latin typeface="+mn-ea"/>
+            </a:endParaRPr>
+          </a:p>
+          <a:p>
+            <a:r>
+              <a:rPr lang="zh-TW" altLang="en-US" sz="4000" dirty="0">
+                <a:solidFill>
+                  <a:schemeClr val="bg1">
+                    <a:lumMod val="95000"/>
+                  </a:schemeClr>
+                </a:solidFill>
+                <a:latin typeface="+mn-ea"/>
+              </a:rPr>
+              <a:t>省去冗長的撰寫方式</a:t>
+            </a:r>
+            <a:endParaRPr lang="en-US" altLang="zh-TW" sz="4000" dirty="0">
+              <a:solidFill>
+                <a:schemeClr val="bg1">
+                  <a:lumMod val="95000"/>
+                </a:schemeClr>
+              </a:solidFill>
+              <a:latin typeface="+mn-ea"/>
+            </a:endParaRPr>
+          </a:p>
+          <a:p>
+            <a:endParaRPr lang="en-US" altLang="zh-TW" sz="4000" dirty="0">
+              <a:solidFill>
+                <a:schemeClr val="bg1">
+                  <a:lumMod val="95000"/>
+                </a:schemeClr>
+              </a:solidFill>
+              <a:latin typeface="+mn-ea"/>
+            </a:endParaRPr>
+          </a:p>
+        </p:txBody>
+      </p:sp>
+    </p:spTree>
+    <p:extLst>
+      <p:ext uri="{BB962C8B-B14F-4D97-AF65-F5344CB8AC3E}">
+        <p14:creationId xmlns:p14="http://schemas.microsoft.com/office/powerpoint/2010/main" val="3629859423"/>
+      </p:ext>
+    </p:extLst>
+  </p:cSld>
+  <p:clrMapOvr>
+    <a:masterClrMapping/>
+  </p:clrMapOvr>
+  <mc:AlternateContent xmlns:mc="http://schemas.openxmlformats.org/markup-compatibility/2006" xmlns:p14="http://schemas.microsoft.com/office/powerpoint/2010/main">
+    <mc:Choice Requires="p14">
+      <p:transition p14:dur="160">
+        <p:fade/>
+      </p:transition>
+    </mc:Choice>
+    <mc:Fallback xmlns="">
+      <p:transition>
+        <p:fade/>
+      </p:transition>
+    </mc:Fallback>
+  </mc:AlternateContent>
+</p:sld>
+</file>
+
+<file path=ppt/slides/slide13.xml><?xml version="1.0" encoding="utf-8"?>
+<p:sld xmlns:a="http://schemas.openxmlformats.org/drawingml/2006/main" xmlns:r="http://schemas.openxmlformats.org/officeDocument/2006/relationships" xmlns:p="http://schemas.openxmlformats.org/presentationml/2006/main">
+  <p:cSld>
+    <p:spTree>
+      <p:nvGrpSpPr>
+        <p:cNvPr id="1" name=""/>
+        <p:cNvGrpSpPr/>
+        <p:nvPr/>
+      </p:nvGrpSpPr>
+      <p:grpSpPr>
+        <a:xfrm>
+          <a:off x="0" y="0"/>
+          <a:ext cx="0" cy="0"/>
+          <a:chOff x="0" y="0"/>
+          <a:chExt cx="0" cy="0"/>
+        </a:xfrm>
+      </p:grpSpPr>
+      <p:sp>
+        <p:nvSpPr>
           <p:cNvPr id="2" name="投影片編號版面配置區 1">
             <a:extLst>
               <a:ext uri="{FF2B5EF4-FFF2-40B4-BE49-F238E27FC236}">
-                <a16:creationId xmlns:a16="http://schemas.microsoft.com/office/drawing/2014/main" id="{61331C4F-506B-419C-9E7A-95DFE55CAF5C}"/>
+                <a16:creationId xmlns:a16="http://schemas.microsoft.com/office/drawing/2014/main" id="{4B53C541-0ADD-4615-A0E0-8DF543BFF4D9}"/>
               </a:ext>
             </a:extLst>
           </p:cNvPr>
@@ -6262,7 +6640,7 @@
             <a:fld id="{4FAB73BC-B049-4115-A692-8D63A059BFB8}" type="slidenum">
               <a:rPr lang="en-US" smtClean="0"/>
               <a:pPr/>
-              <a:t>12</a:t>
+              <a:t>13</a:t>
             </a:fld>
             <a:endParaRPr lang="en-US" dirty="0"/>
           </a:p>
@@ -6270,13 +6648,7 @@
       </p:sp>
       <p:sp>
         <p:nvSpPr>
-          <p:cNvPr id="3" name="文字版面配置區 2">
-            <a:extLst>
-              <a:ext uri="{FF2B5EF4-FFF2-40B4-BE49-F238E27FC236}">
-                <a16:creationId xmlns:a16="http://schemas.microsoft.com/office/drawing/2014/main" id="{A61C95DE-C830-45DA-8572-CC037DBE5C62}"/>
-              </a:ext>
-            </a:extLst>
-          </p:cNvPr>
+          <p:cNvPr id="5" name="文字版面配置區 4"/>
           <p:cNvSpPr>
             <a:spLocks noGrp="1"/>
           </p:cNvSpPr>
@@ -6290,235 +6662,643 @@
           <a:lstStyle/>
           <a:p>
             <a:r>
-              <a:rPr lang="en-US" altLang="zh-TW" dirty="0" err="1" smtClean="0">
-                <a:latin typeface="Arial Black" panose="020B0A04020102020204" pitchFamily="34" charset="0"/>
-              </a:rPr>
-              <a:t>Js</a:t>
-            </a:r>
-            <a:r>
-              <a:rPr lang="zh-TW" altLang="en-US" dirty="0" smtClean="0">
-                <a:latin typeface="Helvetica Neue"/>
-              </a:rPr>
-              <a:t>儲存方式</a:t>
+              <a:rPr lang="zh-TW" altLang="en-US" dirty="0">
+                <a:solidFill>
+                  <a:schemeClr val="bg1">
+                    <a:lumMod val="95000"/>
+                  </a:schemeClr>
+                </a:solidFill>
+                <a:latin typeface="+mn-ea"/>
+              </a:rPr>
+              <a:t>效能比較</a:t>
             </a:r>
             <a:endParaRPr lang="zh-TW" altLang="en-US" dirty="0"/>
           </a:p>
         </p:txBody>
       </p:sp>
-      <p:sp>
-        <p:nvSpPr>
-          <p:cNvPr id="4" name="矩形 3">
+      <p:graphicFrame>
+        <p:nvGraphicFramePr>
+          <p:cNvPr id="7" name="表格 7">
             <a:extLst>
               <a:ext uri="{FF2B5EF4-FFF2-40B4-BE49-F238E27FC236}">
-                <a16:creationId xmlns:a16="http://schemas.microsoft.com/office/drawing/2014/main" id="{57FC0002-B641-4CC0-B4F4-D616EF70F4F7}"/>
+                <a16:creationId xmlns:a16="http://schemas.microsoft.com/office/drawing/2014/main" id="{95FE03DB-7968-4978-A778-E4FF2C8FD02E}"/>
               </a:ext>
             </a:extLst>
           </p:cNvPr>
-          <p:cNvSpPr/>
+          <p:cNvGraphicFramePr>
+            <a:graphicFrameLocks noGrp="1"/>
+          </p:cNvGraphicFramePr>
+          <p:nvPr>
+            <p:extLst>
+              <p:ext uri="{D42A27DB-BD31-4B8C-83A1-F6EECF244321}">
+                <p14:modId xmlns:p14="http://schemas.microsoft.com/office/powerpoint/2010/main" val="580307508"/>
+              </p:ext>
+            </p:extLst>
+          </p:nvPr>
+        </p:nvGraphicFramePr>
+        <p:xfrm>
+          <a:off x="-430083" y="1321934"/>
+          <a:ext cx="11847969" cy="4815604"/>
+        </p:xfrm>
+        <a:graphic>
+          <a:graphicData uri="http://schemas.openxmlformats.org/drawingml/2006/table">
+            <a:tbl>
+              <a:tblPr firstRow="1" bandRow="1">
+                <a:tableStyleId>{2D5ABB26-0587-4C30-8999-92F81FD0307C}</a:tableStyleId>
+              </a:tblPr>
+              <a:tblGrid>
+                <a:gridCol w="3949323">
+                  <a:extLst>
+                    <a:ext uri="{9D8B030D-6E8A-4147-A177-3AD203B41FA5}">
+                      <a16:colId xmlns:a16="http://schemas.microsoft.com/office/drawing/2014/main" val="4228678205"/>
+                    </a:ext>
+                  </a:extLst>
+                </a:gridCol>
+                <a:gridCol w="3949323">
+                  <a:extLst>
+                    <a:ext uri="{9D8B030D-6E8A-4147-A177-3AD203B41FA5}">
+                      <a16:colId xmlns:a16="http://schemas.microsoft.com/office/drawing/2014/main" val="2059538184"/>
+                    </a:ext>
+                  </a:extLst>
+                </a:gridCol>
+                <a:gridCol w="3949323">
+                  <a:extLst>
+                    <a:ext uri="{9D8B030D-6E8A-4147-A177-3AD203B41FA5}">
+                      <a16:colId xmlns:a16="http://schemas.microsoft.com/office/drawing/2014/main" val="3939715896"/>
+                    </a:ext>
+                  </a:extLst>
+                </a:gridCol>
+              </a:tblGrid>
+              <a:tr h="1203901">
+                <a:tc>
+                  <a:txBody>
+                    <a:bodyPr/>
+                    <a:lstStyle/>
+                    <a:p>
+                      <a:pPr marL="0" marR="0" lvl="0" indent="0" algn="ctr" defTabSz="914400" rtl="0" eaLnBrk="1" fontAlgn="auto" latinLnBrk="0" hangingPunct="1">
+                        <a:lnSpc>
+                          <a:spcPct val="100000"/>
+                        </a:lnSpc>
+                        <a:spcBef>
+                          <a:spcPts val="0"/>
+                        </a:spcBef>
+                        <a:spcAft>
+                          <a:spcPts val="0"/>
+                        </a:spcAft>
+                        <a:buClrTx/>
+                        <a:buSzTx/>
+                        <a:buFontTx/>
+                        <a:buNone/>
+                        <a:tabLst/>
+                        <a:defRPr/>
+                      </a:pPr>
+                      <a:endParaRPr lang="zh-TW" altLang="en-US" sz="3200" dirty="0">
+                        <a:solidFill>
+                          <a:schemeClr val="bg1">
+                            <a:lumMod val="85000"/>
+                          </a:schemeClr>
+                        </a:solidFill>
+                        <a:latin typeface="+mj-ea"/>
+                        <a:ea typeface="+mj-ea"/>
+                      </a:endParaRPr>
+                    </a:p>
+                  </a:txBody>
+                  <a:tcPr anchor="ctr"/>
+                </a:tc>
+                <a:tc>
+                  <a:txBody>
+                    <a:bodyPr/>
+                    <a:lstStyle/>
+                    <a:p>
+                      <a:pPr marL="0" marR="0" lvl="0" indent="0" algn="ctr" defTabSz="914400" rtl="0" eaLnBrk="1" fontAlgn="auto" latinLnBrk="0" hangingPunct="1">
+                        <a:lnSpc>
+                          <a:spcPct val="100000"/>
+                        </a:lnSpc>
+                        <a:spcBef>
+                          <a:spcPts val="0"/>
+                        </a:spcBef>
+                        <a:spcAft>
+                          <a:spcPts val="0"/>
+                        </a:spcAft>
+                        <a:buClrTx/>
+                        <a:buSzTx/>
+                        <a:buFontTx/>
+                        <a:buNone/>
+                        <a:tabLst/>
+                        <a:defRPr/>
+                      </a:pPr>
+                      <a:r>
+                        <a:rPr lang="zh-TW" altLang="en-US" sz="3200" dirty="0">
+                          <a:solidFill>
+                            <a:schemeClr val="bg1">
+                              <a:lumMod val="85000"/>
+                            </a:schemeClr>
+                          </a:solidFill>
+                          <a:latin typeface="+mj-ea"/>
+                          <a:ea typeface="+mj-ea"/>
+                        </a:rPr>
+                        <a:t>一層結構下</a:t>
+                      </a:r>
+                    </a:p>
+                  </a:txBody>
+                  <a:tcPr anchor="ctr"/>
+                </a:tc>
+                <a:tc>
+                  <a:txBody>
+                    <a:bodyPr/>
+                    <a:lstStyle/>
+                    <a:p>
+                      <a:pPr algn="ctr"/>
+                      <a:r>
+                        <a:rPr lang="zh-TW" altLang="en-US" sz="3200" dirty="0">
+                          <a:solidFill>
+                            <a:schemeClr val="bg1">
+                              <a:lumMod val="85000"/>
+                            </a:schemeClr>
+                          </a:solidFill>
+                          <a:latin typeface="+mj-ea"/>
+                          <a:ea typeface="+mj-ea"/>
+                        </a:rPr>
+                        <a:t>多層結構下</a:t>
+                      </a:r>
+                    </a:p>
+                  </a:txBody>
+                  <a:tcPr anchor="ctr"/>
+                </a:tc>
+                <a:extLst>
+                  <a:ext uri="{0D108BD9-81ED-4DB2-BD59-A6C34878D82A}">
+                    <a16:rowId xmlns:a16="http://schemas.microsoft.com/office/drawing/2014/main" val="1156874436"/>
+                  </a:ext>
+                </a:extLst>
+              </a:tr>
+              <a:tr h="1203901">
+                <a:tc>
+                  <a:txBody>
+                    <a:bodyPr/>
+                    <a:lstStyle/>
+                    <a:p>
+                      <a:pPr algn="ctr"/>
+                      <a:r>
+                        <a:rPr lang="en-US" altLang="zh-TW" sz="3200" dirty="0">
+                          <a:solidFill>
+                            <a:schemeClr val="bg1">
+                              <a:lumMod val="85000"/>
+                            </a:schemeClr>
+                          </a:solidFill>
+                          <a:latin typeface="+mj-ea"/>
+                          <a:ea typeface="+mj-ea"/>
+                        </a:rPr>
+                        <a:t>1</a:t>
+                      </a:r>
+                      <a:r>
+                        <a:rPr lang="zh-TW" altLang="en-US" sz="3200" dirty="0">
+                          <a:solidFill>
+                            <a:schemeClr val="bg1">
+                              <a:lumMod val="85000"/>
+                            </a:schemeClr>
+                          </a:solidFill>
+                          <a:latin typeface="+mj-ea"/>
+                          <a:ea typeface="+mj-ea"/>
+                        </a:rPr>
+                        <a:t>個</a:t>
+                      </a:r>
+                    </a:p>
+                  </a:txBody>
+                  <a:tcPr anchor="ctr"/>
+                </a:tc>
+                <a:tc>
+                  <a:txBody>
+                    <a:bodyPr/>
+                    <a:lstStyle/>
+                    <a:p>
+                      <a:pPr algn="ctr"/>
+                      <a:r>
+                        <a:rPr lang="en-US" altLang="zh-TW" sz="3200" dirty="0">
+                          <a:solidFill>
+                            <a:schemeClr val="bg1">
+                              <a:lumMod val="85000"/>
+                            </a:schemeClr>
+                          </a:solidFill>
+                          <a:latin typeface="+mj-ea"/>
+                          <a:ea typeface="+mj-ea"/>
+                        </a:rPr>
+                        <a:t>Class</a:t>
+                      </a:r>
+                      <a:endParaRPr lang="zh-TW" altLang="en-US" sz="3200" dirty="0">
+                        <a:solidFill>
+                          <a:schemeClr val="bg1">
+                            <a:lumMod val="85000"/>
+                          </a:schemeClr>
+                        </a:solidFill>
+                        <a:latin typeface="+mj-ea"/>
+                        <a:ea typeface="+mj-ea"/>
+                      </a:endParaRPr>
+                    </a:p>
+                  </a:txBody>
+                  <a:tcPr anchor="ctr"/>
+                </a:tc>
+                <a:tc>
+                  <a:txBody>
+                    <a:bodyPr/>
+                    <a:lstStyle/>
+                    <a:p>
+                      <a:pPr marL="0" marR="0" lvl="0" indent="0" algn="ctr" defTabSz="914400" rtl="0" eaLnBrk="1" fontAlgn="auto" latinLnBrk="0" hangingPunct="1">
+                        <a:lnSpc>
+                          <a:spcPct val="100000"/>
+                        </a:lnSpc>
+                        <a:spcBef>
+                          <a:spcPts val="0"/>
+                        </a:spcBef>
+                        <a:spcAft>
+                          <a:spcPts val="0"/>
+                        </a:spcAft>
+                        <a:buClrTx/>
+                        <a:buSzTx/>
+                        <a:buFontTx/>
+                        <a:buNone/>
+                        <a:tabLst/>
+                        <a:defRPr/>
+                      </a:pPr>
+                      <a:r>
+                        <a:rPr lang="en-US" altLang="zh-TW" sz="3200" dirty="0">
+                          <a:solidFill>
+                            <a:schemeClr val="bg1">
+                              <a:lumMod val="85000"/>
+                            </a:schemeClr>
+                          </a:solidFill>
+                          <a:latin typeface="+mj-ea"/>
+                          <a:ea typeface="+mj-ea"/>
+                        </a:rPr>
+                        <a:t>Function</a:t>
+                      </a:r>
+                      <a:endParaRPr lang="zh-TW" altLang="en-US" sz="3200" dirty="0">
+                        <a:solidFill>
+                          <a:schemeClr val="bg1">
+                            <a:lumMod val="85000"/>
+                          </a:schemeClr>
+                        </a:solidFill>
+                        <a:latin typeface="+mj-ea"/>
+                        <a:ea typeface="+mj-ea"/>
+                      </a:endParaRPr>
+                    </a:p>
+                  </a:txBody>
+                  <a:tcPr anchor="ctr"/>
+                </a:tc>
+                <a:extLst>
+                  <a:ext uri="{0D108BD9-81ED-4DB2-BD59-A6C34878D82A}">
+                    <a16:rowId xmlns:a16="http://schemas.microsoft.com/office/drawing/2014/main" val="3119870763"/>
+                  </a:ext>
+                </a:extLst>
+              </a:tr>
+              <a:tr h="1203901">
+                <a:tc>
+                  <a:txBody>
+                    <a:bodyPr/>
+                    <a:lstStyle/>
+                    <a:p>
+                      <a:pPr algn="ctr"/>
+                      <a:r>
+                        <a:rPr lang="en-US" altLang="zh-TW" sz="3200" dirty="0">
+                          <a:solidFill>
+                            <a:schemeClr val="bg1">
+                              <a:lumMod val="85000"/>
+                            </a:schemeClr>
+                          </a:solidFill>
+                          <a:latin typeface="+mj-ea"/>
+                          <a:ea typeface="+mj-ea"/>
+                        </a:rPr>
+                        <a:t>10</a:t>
+                      </a:r>
+                      <a:r>
+                        <a:rPr lang="zh-TW" altLang="en-US" sz="3200" dirty="0">
+                          <a:solidFill>
+                            <a:schemeClr val="bg1">
+                              <a:lumMod val="85000"/>
+                            </a:schemeClr>
+                          </a:solidFill>
+                          <a:latin typeface="+mj-ea"/>
+                          <a:ea typeface="+mj-ea"/>
+                        </a:rPr>
+                        <a:t>個</a:t>
+                      </a:r>
+                    </a:p>
+                  </a:txBody>
+                  <a:tcPr anchor="ctr"/>
+                </a:tc>
+                <a:tc>
+                  <a:txBody>
+                    <a:bodyPr/>
+                    <a:lstStyle/>
+                    <a:p>
+                      <a:pPr algn="ctr"/>
+                      <a:r>
+                        <a:rPr lang="zh-TW" altLang="en-US" sz="3200" dirty="0">
+                          <a:solidFill>
+                            <a:schemeClr val="bg1">
+                              <a:lumMod val="85000"/>
+                            </a:schemeClr>
+                          </a:solidFill>
+                          <a:latin typeface="+mj-ea"/>
+                          <a:ea typeface="+mj-ea"/>
+                        </a:rPr>
+                        <a:t>雙方差不多</a:t>
+                      </a:r>
+                    </a:p>
+                  </a:txBody>
+                  <a:tcPr anchor="ctr"/>
+                </a:tc>
+                <a:tc>
+                  <a:txBody>
+                    <a:bodyPr/>
+                    <a:lstStyle/>
+                    <a:p>
+                      <a:pPr marL="0" marR="0" lvl="0" indent="0" algn="ctr" defTabSz="914400" rtl="0" eaLnBrk="1" fontAlgn="auto" latinLnBrk="0" hangingPunct="1">
+                        <a:lnSpc>
+                          <a:spcPct val="100000"/>
+                        </a:lnSpc>
+                        <a:spcBef>
+                          <a:spcPts val="0"/>
+                        </a:spcBef>
+                        <a:spcAft>
+                          <a:spcPts val="0"/>
+                        </a:spcAft>
+                        <a:buClrTx/>
+                        <a:buSzTx/>
+                        <a:buFontTx/>
+                        <a:buNone/>
+                        <a:tabLst/>
+                        <a:defRPr/>
+                      </a:pPr>
+                      <a:r>
+                        <a:rPr lang="en-US" altLang="zh-TW" sz="3200" dirty="0">
+                          <a:solidFill>
+                            <a:schemeClr val="bg1">
+                              <a:lumMod val="85000"/>
+                            </a:schemeClr>
+                          </a:solidFill>
+                          <a:latin typeface="+mj-ea"/>
+                          <a:ea typeface="+mj-ea"/>
+                        </a:rPr>
+                        <a:t>Function</a:t>
+                      </a:r>
+                      <a:endParaRPr lang="zh-TW" altLang="en-US" sz="3200" dirty="0">
+                        <a:solidFill>
+                          <a:schemeClr val="bg1">
+                            <a:lumMod val="85000"/>
+                          </a:schemeClr>
+                        </a:solidFill>
+                        <a:latin typeface="+mj-ea"/>
+                        <a:ea typeface="+mj-ea"/>
+                      </a:endParaRPr>
+                    </a:p>
+                  </a:txBody>
+                  <a:tcPr anchor="ctr"/>
+                </a:tc>
+                <a:extLst>
+                  <a:ext uri="{0D108BD9-81ED-4DB2-BD59-A6C34878D82A}">
+                    <a16:rowId xmlns:a16="http://schemas.microsoft.com/office/drawing/2014/main" val="2735838890"/>
+                  </a:ext>
+                </a:extLst>
+              </a:tr>
+              <a:tr h="1203901">
+                <a:tc>
+                  <a:txBody>
+                    <a:bodyPr/>
+                    <a:lstStyle/>
+                    <a:p>
+                      <a:pPr marL="0" marR="0" lvl="0" indent="0" algn="ctr" defTabSz="914400" rtl="0" eaLnBrk="1" fontAlgn="auto" latinLnBrk="0" hangingPunct="1">
+                        <a:lnSpc>
+                          <a:spcPct val="100000"/>
+                        </a:lnSpc>
+                        <a:spcBef>
+                          <a:spcPts val="0"/>
+                        </a:spcBef>
+                        <a:spcAft>
+                          <a:spcPts val="0"/>
+                        </a:spcAft>
+                        <a:buClrTx/>
+                        <a:buSzTx/>
+                        <a:buFontTx/>
+                        <a:buNone/>
+                        <a:tabLst/>
+                        <a:defRPr/>
+                      </a:pPr>
+                      <a:r>
+                        <a:rPr lang="en-US" altLang="zh-TW" sz="3200" dirty="0">
+                          <a:solidFill>
+                            <a:schemeClr val="bg1">
+                              <a:lumMod val="85000"/>
+                            </a:schemeClr>
+                          </a:solidFill>
+                          <a:latin typeface="+mj-ea"/>
+                          <a:ea typeface="+mj-ea"/>
+                        </a:rPr>
+                        <a:t>100</a:t>
+                      </a:r>
+                      <a:r>
+                        <a:rPr lang="zh-TW" altLang="en-US" sz="3200" dirty="0">
+                          <a:solidFill>
+                            <a:schemeClr val="bg1">
+                              <a:lumMod val="85000"/>
+                            </a:schemeClr>
+                          </a:solidFill>
+                          <a:latin typeface="+mj-ea"/>
+                          <a:ea typeface="+mj-ea"/>
+                        </a:rPr>
+                        <a:t>個</a:t>
+                      </a:r>
+                    </a:p>
+                  </a:txBody>
+                  <a:tcPr anchor="ctr"/>
+                </a:tc>
+                <a:tc>
+                  <a:txBody>
+                    <a:bodyPr/>
+                    <a:lstStyle/>
+                    <a:p>
+                      <a:pPr marL="0" marR="0" lvl="0" indent="0" algn="ctr" defTabSz="914400" rtl="0" eaLnBrk="1" fontAlgn="auto" latinLnBrk="0" hangingPunct="1">
+                        <a:lnSpc>
+                          <a:spcPct val="100000"/>
+                        </a:lnSpc>
+                        <a:spcBef>
+                          <a:spcPts val="0"/>
+                        </a:spcBef>
+                        <a:spcAft>
+                          <a:spcPts val="0"/>
+                        </a:spcAft>
+                        <a:buClrTx/>
+                        <a:buSzTx/>
+                        <a:buFontTx/>
+                        <a:buNone/>
+                        <a:tabLst/>
+                        <a:defRPr/>
+                      </a:pPr>
+                      <a:r>
+                        <a:rPr lang="zh-TW" altLang="en-US" sz="3200" kern="1200" dirty="0">
+                          <a:solidFill>
+                            <a:schemeClr val="bg1">
+                              <a:lumMod val="85000"/>
+                            </a:schemeClr>
+                          </a:solidFill>
+                          <a:latin typeface="+mj-ea"/>
+                          <a:ea typeface="+mn-ea"/>
+                          <a:cs typeface="+mn-cs"/>
+                        </a:rPr>
+                        <a:t>雙方差不多</a:t>
+                      </a:r>
+                    </a:p>
+                  </a:txBody>
+                  <a:tcPr anchor="ctr"/>
+                </a:tc>
+                <a:tc>
+                  <a:txBody>
+                    <a:bodyPr/>
+                    <a:lstStyle/>
+                    <a:p>
+                      <a:pPr marL="0" marR="0" lvl="0" indent="0" algn="ctr" defTabSz="914400" rtl="0" eaLnBrk="1" fontAlgn="auto" latinLnBrk="0" hangingPunct="1">
+                        <a:lnSpc>
+                          <a:spcPct val="100000"/>
+                        </a:lnSpc>
+                        <a:spcBef>
+                          <a:spcPts val="0"/>
+                        </a:spcBef>
+                        <a:spcAft>
+                          <a:spcPts val="0"/>
+                        </a:spcAft>
+                        <a:buClrTx/>
+                        <a:buSzTx/>
+                        <a:buFontTx/>
+                        <a:buNone/>
+                        <a:tabLst/>
+                        <a:defRPr/>
+                      </a:pPr>
+                      <a:r>
+                        <a:rPr lang="en-US" altLang="zh-TW" sz="3200" dirty="0">
+                          <a:solidFill>
+                            <a:schemeClr val="bg1">
+                              <a:lumMod val="85000"/>
+                            </a:schemeClr>
+                          </a:solidFill>
+                          <a:latin typeface="+mj-ea"/>
+                          <a:ea typeface="+mj-ea"/>
+                        </a:rPr>
+                        <a:t>Function</a:t>
+                      </a:r>
+                      <a:endParaRPr lang="zh-TW" altLang="en-US" sz="3200" dirty="0">
+                        <a:solidFill>
+                          <a:schemeClr val="bg1">
+                            <a:lumMod val="85000"/>
+                          </a:schemeClr>
+                        </a:solidFill>
+                        <a:latin typeface="+mj-ea"/>
+                        <a:ea typeface="+mj-ea"/>
+                      </a:endParaRPr>
+                    </a:p>
+                  </a:txBody>
+                  <a:tcPr anchor="ctr"/>
+                </a:tc>
+                <a:extLst>
+                  <a:ext uri="{0D108BD9-81ED-4DB2-BD59-A6C34878D82A}">
+                    <a16:rowId xmlns:a16="http://schemas.microsoft.com/office/drawing/2014/main" val="1946003399"/>
+                  </a:ext>
+                </a:extLst>
+              </a:tr>
+            </a:tbl>
+          </a:graphicData>
+        </a:graphic>
+      </p:graphicFrame>
+      <p:sp>
+        <p:nvSpPr>
+          <p:cNvPr id="9" name="文字方塊 8">
+            <a:extLst>
+              <a:ext uri="{FF2B5EF4-FFF2-40B4-BE49-F238E27FC236}">
+                <a16:creationId xmlns:a16="http://schemas.microsoft.com/office/drawing/2014/main" id="{C1D990ED-8D54-4078-8FF5-7B661DCA38DE}"/>
+              </a:ext>
+            </a:extLst>
+          </p:cNvPr>
+          <p:cNvSpPr txBox="1"/>
           <p:nvPr/>
         </p:nvSpPr>
         <p:spPr>
-          <a:xfrm>
-            <a:off x="1686309" y="1474827"/>
-            <a:ext cx="5014514" cy="4247317"/>
+          <a:xfrm rot="1840696">
+            <a:off x="6324599" y="1279212"/>
+            <a:ext cx="1110916" cy="584775"/>
           </a:xfrm>
           <a:prstGeom prst="rect">
             <a:avLst/>
           </a:prstGeom>
+          <a:noFill/>
         </p:spPr>
         <p:txBody>
-          <a:bodyPr wrap="none">
+          <a:bodyPr wrap="square" rtlCol="0">
             <a:spAutoFit/>
           </a:bodyPr>
           <a:lstStyle/>
           <a:p>
-            <a:pPr marL="571500" indent="-571500">
-              <a:lnSpc>
-                <a:spcPct val="150000"/>
-              </a:lnSpc>
-              <a:buFont typeface="Arial" panose="020B0604020202020204" pitchFamily="34" charset="0"/>
-              <a:buChar char="•"/>
-            </a:pPr>
-            <a:r>
-              <a:rPr lang="en-US" altLang="zh-TW" sz="3600" spc="300" dirty="0" smtClean="0">
-                <a:solidFill>
-                  <a:schemeClr val="bg1">
-                    <a:lumMod val="95000"/>
-                  </a:schemeClr>
-                </a:solidFill>
-                <a:latin typeface="+mn-ea"/>
-              </a:rPr>
-              <a:t>Class</a:t>
-            </a:r>
-            <a:r>
-              <a:rPr lang="zh-TW" altLang="en-US" sz="3600" spc="300" dirty="0" smtClean="0">
-                <a:solidFill>
-                  <a:schemeClr val="bg1">
-                    <a:lumMod val="95000"/>
-                  </a:schemeClr>
-                </a:solidFill>
-                <a:latin typeface="+mn-ea"/>
-              </a:rPr>
-              <a:t>屬性</a:t>
-            </a:r>
-            <a:endParaRPr lang="en-US" altLang="zh-TW" sz="3600" spc="300" dirty="0">
+            <a:r>
+              <a:rPr lang="en-US" altLang="zh-TW" sz="3200" dirty="0">
+                <a:solidFill>
+                  <a:srgbClr val="FFC000"/>
+                </a:solidFill>
+                <a:latin typeface="+mj-ea"/>
+                <a:ea typeface="+mj-ea"/>
+              </a:rPr>
+              <a:t>10% </a:t>
+            </a:r>
+            <a:endParaRPr lang="zh-TW" altLang="en-US" sz="3200" dirty="0">
               <a:solidFill>
-                <a:schemeClr val="bg1">
-                  <a:lumMod val="95000"/>
-                </a:schemeClr>
+                <a:srgbClr val="FFC000"/>
               </a:solidFill>
-              <a:latin typeface="+mn-ea"/>
+              <a:latin typeface="+mj-ea"/>
+              <a:ea typeface="+mj-ea"/>
             </a:endParaRPr>
           </a:p>
-          <a:p>
-            <a:pPr marL="571500" indent="-571500">
-              <a:lnSpc>
-                <a:spcPct val="150000"/>
-              </a:lnSpc>
-              <a:buFont typeface="Arial" panose="020B0604020202020204" pitchFamily="34" charset="0"/>
-              <a:buChar char="•"/>
-            </a:pPr>
-            <a:r>
-              <a:rPr lang="zh-TW" altLang="en-US" sz="3600" spc="300" dirty="0">
-                <a:solidFill>
-                  <a:schemeClr val="bg1">
-                    <a:lumMod val="95000"/>
-                  </a:schemeClr>
-                </a:solidFill>
-                <a:latin typeface="+mn-ea"/>
-              </a:rPr>
-              <a:t>全域性變數</a:t>
-            </a:r>
-            <a:endParaRPr lang="en-US" altLang="zh-TW" sz="3600" spc="300" dirty="0">
+        </p:txBody>
+      </p:sp>
+      <p:sp>
+        <p:nvSpPr>
+          <p:cNvPr id="10" name="文字方塊 9">
+            <a:extLst>
+              <a:ext uri="{FF2B5EF4-FFF2-40B4-BE49-F238E27FC236}">
+                <a16:creationId xmlns:a16="http://schemas.microsoft.com/office/drawing/2014/main" id="{7441CC9F-4F08-4F75-9BB2-0910654836D9}"/>
+              </a:ext>
+            </a:extLst>
+          </p:cNvPr>
+          <p:cNvSpPr txBox="1"/>
+          <p:nvPr/>
+        </p:nvSpPr>
+        <p:spPr>
+          <a:xfrm rot="1840696">
+            <a:off x="9594328" y="1342113"/>
+            <a:ext cx="2559222" cy="584775"/>
+          </a:xfrm>
+          <a:prstGeom prst="rect">
+            <a:avLst/>
+          </a:prstGeom>
+          <a:noFill/>
+        </p:spPr>
+        <p:txBody>
+          <a:bodyPr wrap="square" rtlCol="0">
+            <a:spAutoFit/>
+          </a:bodyPr>
+          <a:lstStyle/>
+          <a:p>
+            <a:r>
+              <a:rPr lang="en-US" altLang="zh-TW" sz="3200" dirty="0">
+                <a:solidFill>
+                  <a:srgbClr val="FFC000"/>
+                </a:solidFill>
+                <a:latin typeface="+mj-ea"/>
+                <a:ea typeface="+mj-ea"/>
+              </a:rPr>
+              <a:t>50%~400%</a:t>
+            </a:r>
+            <a:endParaRPr lang="zh-TW" altLang="en-US" sz="3200" dirty="0">
               <a:solidFill>
-                <a:schemeClr val="bg1">
-                  <a:lumMod val="95000"/>
-                </a:schemeClr>
+                <a:srgbClr val="FFC000"/>
               </a:solidFill>
-              <a:latin typeface="+mn-ea"/>
-            </a:endParaRPr>
-          </a:p>
-          <a:p>
-            <a:pPr marL="571500" indent="-571500">
-              <a:lnSpc>
-                <a:spcPct val="150000"/>
-              </a:lnSpc>
-              <a:buFont typeface="Arial" panose="020B0604020202020204" pitchFamily="34" charset="0"/>
-              <a:buChar char="•"/>
-            </a:pPr>
-            <a:r>
-              <a:rPr lang="en-US" altLang="zh-TW" sz="3600" spc="300" dirty="0">
-                <a:solidFill>
-                  <a:schemeClr val="bg1">
-                    <a:lumMod val="95000"/>
-                  </a:schemeClr>
-                </a:solidFill>
-                <a:latin typeface="+mn-ea"/>
-              </a:rPr>
-              <a:t>DOM</a:t>
-            </a:r>
-          </a:p>
-          <a:p>
-            <a:pPr marL="571500" indent="-571500">
-              <a:lnSpc>
-                <a:spcPct val="150000"/>
-              </a:lnSpc>
-              <a:buFont typeface="Arial" panose="020B0604020202020204" pitchFamily="34" charset="0"/>
-              <a:buChar char="•"/>
-            </a:pPr>
-            <a:r>
-              <a:rPr lang="zh-TW" altLang="en-US" sz="3600" spc="300" dirty="0">
-                <a:solidFill>
-                  <a:schemeClr val="bg1">
-                    <a:lumMod val="95000"/>
-                  </a:schemeClr>
-                </a:solidFill>
-                <a:latin typeface="+mn-ea"/>
-              </a:rPr>
-              <a:t>閉包</a:t>
-            </a:r>
-            <a:r>
-              <a:rPr lang="en-US" altLang="zh-TW" sz="3600" spc="300" dirty="0">
-                <a:solidFill>
-                  <a:schemeClr val="bg1">
-                    <a:lumMod val="95000"/>
-                  </a:schemeClr>
-                </a:solidFill>
-                <a:latin typeface="+mn-ea"/>
-              </a:rPr>
-              <a:t>(F</a:t>
-            </a:r>
-            <a:r>
-              <a:rPr lang="zh-TW" altLang="en-US" sz="3600" spc="300" dirty="0">
-                <a:solidFill>
-                  <a:schemeClr val="bg1">
-                    <a:lumMod val="95000"/>
-                  </a:schemeClr>
-                </a:solidFill>
-                <a:latin typeface="+mn-ea"/>
-              </a:rPr>
-              <a:t>unction</a:t>
-            </a:r>
-            <a:r>
-              <a:rPr lang="en-US" altLang="zh-TW" sz="3600" spc="300" dirty="0">
-                <a:solidFill>
-                  <a:schemeClr val="bg1">
-                    <a:lumMod val="95000"/>
-                  </a:schemeClr>
-                </a:solidFill>
-                <a:latin typeface="+mn-ea"/>
-              </a:rPr>
-              <a:t>)</a:t>
-            </a:r>
-          </a:p>
-          <a:p>
-            <a:pPr marL="571500" indent="-571500">
-              <a:lnSpc>
-                <a:spcPct val="150000"/>
-              </a:lnSpc>
-              <a:buFont typeface="Arial" panose="020B0604020202020204" pitchFamily="34" charset="0"/>
-              <a:buChar char="•"/>
-            </a:pPr>
-            <a:r>
-              <a:rPr lang="en-US" altLang="zh-TW" sz="3600" spc="300" dirty="0">
-                <a:solidFill>
-                  <a:schemeClr val="bg1">
-                    <a:lumMod val="95000"/>
-                  </a:schemeClr>
-                </a:solidFill>
-                <a:latin typeface="+mn-ea"/>
-              </a:rPr>
-              <a:t>Cookie</a:t>
-            </a:r>
-            <a:r>
-              <a:rPr lang="zh-TW" altLang="en-US" sz="3600" spc="300" dirty="0">
-                <a:solidFill>
-                  <a:schemeClr val="bg1">
-                    <a:lumMod val="95000"/>
-                  </a:schemeClr>
-                </a:solidFill>
-                <a:latin typeface="+mn-ea"/>
-              </a:rPr>
-              <a:t>、</a:t>
-            </a:r>
-            <a:r>
-              <a:rPr lang="en-US" altLang="zh-TW" sz="3600" spc="300" dirty="0">
-                <a:solidFill>
-                  <a:schemeClr val="bg1">
-                    <a:lumMod val="95000"/>
-                  </a:schemeClr>
-                </a:solidFill>
-                <a:latin typeface="+mn-ea"/>
-              </a:rPr>
-              <a:t>session </a:t>
-            </a:r>
-            <a:endParaRPr lang="zh-TW" altLang="en-US" sz="3600" spc="300" dirty="0">
-              <a:solidFill>
-                <a:schemeClr val="bg1">
-                  <a:lumMod val="95000"/>
-                </a:schemeClr>
-              </a:solidFill>
-              <a:latin typeface="+mn-ea"/>
+              <a:latin typeface="+mj-ea"/>
+              <a:ea typeface="+mj-ea"/>
             </a:endParaRPr>
           </a:p>
         </p:txBody>
@@ -6526,7 +7306,7 @@
     </p:spTree>
     <p:extLst>
       <p:ext uri="{BB962C8B-B14F-4D97-AF65-F5344CB8AC3E}">
-        <p14:creationId xmlns:p14="http://schemas.microsoft.com/office/powerpoint/2010/main" val="1849099626"/>
+        <p14:creationId xmlns:p14="http://schemas.microsoft.com/office/powerpoint/2010/main" val="3797813011"/>
       </p:ext>
     </p:extLst>
   </p:cSld>
@@ -6566,7 +7346,7 @@
                             </p:stCondLst>
                             <p:childTnLst>
                               <p:par>
-                                <p:cTn id="5" presetID="10" presetClass="entr" presetSubtype="0" fill="hold" grpId="0" nodeType="clickEffect">
+                                <p:cTn id="5" presetID="1" presetClass="entr" presetSubtype="0" fill="hold" grpId="0" nodeType="clickEffect">
                                   <p:stCondLst>
                                     <p:cond delay="0"/>
                                   </p:stCondLst>
@@ -6579,7 +7359,7 @@
                                           </p:stCondLst>
                                         </p:cTn>
                                         <p:tgtEl>
-                                          <p:spTgt spid="4"/>
+                                          <p:spTgt spid="10"/>
                                         </p:tgtEl>
                                         <p:attrNameLst>
                                           <p:attrName>style.visibility</p:attrName>
@@ -6589,14 +7369,33 @@
                                         <p:strVal val="visible"/>
                                       </p:to>
                                     </p:set>
-                                    <p:animEffect transition="in" filter="fade">
+                                  </p:childTnLst>
+                                </p:cTn>
+                              </p:par>
+                              <p:par>
+                                <p:cTn id="7" presetID="1" presetClass="entr" presetSubtype="0" fill="hold" grpId="0" nodeType="withEffect">
+                                  <p:stCondLst>
+                                    <p:cond delay="0"/>
+                                  </p:stCondLst>
+                                  <p:childTnLst>
+                                    <p:set>
                                       <p:cBhvr>
-                                        <p:cTn id="7" dur="250"/>
+                                        <p:cTn id="8" dur="1" fill="hold">
+                                          <p:stCondLst>
+                                            <p:cond delay="0"/>
+                                          </p:stCondLst>
+                                        </p:cTn>
                                         <p:tgtEl>
-                                          <p:spTgt spid="4"/>
+                                          <p:spTgt spid="9"/>
                                         </p:tgtEl>
+                                        <p:attrNameLst>
+                                          <p:attrName>style.visibility</p:attrName>
+                                        </p:attrNameLst>
                                       </p:cBhvr>
-                                    </p:animEffect>
+                                      <p:to>
+                                        <p:strVal val="visible"/>
+                                      </p:to>
+                                    </p:set>
                                   </p:childTnLst>
                                 </p:cTn>
                               </p:par>
@@ -6628,287 +7427,9 @@
       </p:par>
     </p:tnLst>
     <p:bldLst>
-      <p:bldP spid="4" grpId="0"/>
+      <p:bldP spid="9" grpId="0"/>
+      <p:bldP spid="10" grpId="0"/>
     </p:bldLst>
-  </p:timing>
-</p:sld>
-</file>
-
-<file path=ppt/slides/slide13.xml><?xml version="1.0" encoding="utf-8"?>
-<p:sld xmlns:a="http://schemas.openxmlformats.org/drawingml/2006/main" xmlns:r="http://schemas.openxmlformats.org/officeDocument/2006/relationships" xmlns:p="http://schemas.openxmlformats.org/presentationml/2006/main">
-  <p:cSld>
-    <p:spTree>
-      <p:nvGrpSpPr>
-        <p:cNvPr id="1" name=""/>
-        <p:cNvGrpSpPr/>
-        <p:nvPr/>
-      </p:nvGrpSpPr>
-      <p:grpSpPr>
-        <a:xfrm>
-          <a:off x="0" y="0"/>
-          <a:ext cx="0" cy="0"/>
-          <a:chOff x="0" y="0"/>
-          <a:chExt cx="0" cy="0"/>
-        </a:xfrm>
-      </p:grpSpPr>
-      <p:sp>
-        <p:nvSpPr>
-          <p:cNvPr id="4" name="投影片編號版面配置區 3"/>
-          <p:cNvSpPr>
-            <a:spLocks noGrp="1"/>
-          </p:cNvSpPr>
-          <p:nvPr>
-            <p:ph type="sldNum" sz="quarter" idx="12"/>
-          </p:nvPr>
-        </p:nvSpPr>
-        <p:spPr/>
-        <p:txBody>
-          <a:bodyPr/>
-          <a:lstStyle/>
-          <a:p>
-            <a:fld id="{4FAB73BC-B049-4115-A692-8D63A059BFB8}" type="slidenum">
-              <a:rPr lang="en-US" smtClean="0"/>
-              <a:pPr/>
-              <a:t>13</a:t>
-            </a:fld>
-            <a:endParaRPr lang="en-US" dirty="0"/>
-          </a:p>
-        </p:txBody>
-      </p:sp>
-      <p:sp>
-        <p:nvSpPr>
-          <p:cNvPr id="3" name="矩形 2"/>
-          <p:cNvSpPr/>
-          <p:nvPr/>
-        </p:nvSpPr>
-        <p:spPr>
-          <a:xfrm>
-            <a:off x="4660420" y="2554687"/>
-            <a:ext cx="2950274" cy="923330"/>
-          </a:xfrm>
-          <a:prstGeom prst="rect">
-            <a:avLst/>
-          </a:prstGeom>
-        </p:spPr>
-        <p:txBody>
-          <a:bodyPr wrap="square">
-            <a:spAutoFit/>
-          </a:bodyPr>
-          <a:lstStyle/>
-          <a:p>
-            <a:pPr>
-              <a:lnSpc>
-                <a:spcPct val="150000"/>
-              </a:lnSpc>
-            </a:pPr>
-            <a:r>
-              <a:rPr lang="zh-TW" altLang="en-US" sz="3600" b="1" strike="sngStrike" dirty="0">
-                <a:solidFill>
-                  <a:schemeClr val="bg1"/>
-                </a:solidFill>
-                <a:latin typeface="+mn-ea"/>
-              </a:rPr>
-              <a:t>全域性變數</a:t>
-            </a:r>
-            <a:endParaRPr lang="en-US" altLang="zh-TW" sz="3600" b="1" strike="sngStrike" dirty="0">
-              <a:solidFill>
-                <a:schemeClr val="bg1"/>
-              </a:solidFill>
-              <a:latin typeface="+mn-ea"/>
-            </a:endParaRPr>
-          </a:p>
-        </p:txBody>
-      </p:sp>
-      <p:sp>
-        <p:nvSpPr>
-          <p:cNvPr id="6" name="矩形 5"/>
-          <p:cNvSpPr/>
-          <p:nvPr/>
-        </p:nvSpPr>
-        <p:spPr>
-          <a:xfrm>
-            <a:off x="1227291" y="410469"/>
-            <a:ext cx="1628039" cy="923330"/>
-          </a:xfrm>
-          <a:prstGeom prst="rect">
-            <a:avLst/>
-          </a:prstGeom>
-        </p:spPr>
-        <p:txBody>
-          <a:bodyPr wrap="square">
-            <a:spAutoFit/>
-          </a:bodyPr>
-          <a:lstStyle/>
-          <a:p>
-            <a:pPr>
-              <a:lnSpc>
-                <a:spcPct val="150000"/>
-              </a:lnSpc>
-            </a:pPr>
-            <a:r>
-              <a:rPr lang="en-US" altLang="zh-TW" sz="3600" b="1" strike="sngStrike" dirty="0">
-                <a:solidFill>
-                  <a:schemeClr val="bg1"/>
-                </a:solidFill>
-                <a:latin typeface="+mn-ea"/>
-              </a:rPr>
-              <a:t>DOM</a:t>
-            </a:r>
-          </a:p>
-        </p:txBody>
-      </p:sp>
-      <p:sp>
-        <p:nvSpPr>
-          <p:cNvPr id="7" name="矩形 6"/>
-          <p:cNvSpPr/>
-          <p:nvPr/>
-        </p:nvSpPr>
-        <p:spPr>
-          <a:xfrm>
-            <a:off x="8390238" y="548969"/>
-            <a:ext cx="3423761" cy="646331"/>
-          </a:xfrm>
-          <a:prstGeom prst="rect">
-            <a:avLst/>
-          </a:prstGeom>
-        </p:spPr>
-        <p:txBody>
-          <a:bodyPr wrap="square">
-            <a:spAutoFit/>
-          </a:bodyPr>
-          <a:lstStyle/>
-          <a:p>
-            <a:r>
-              <a:rPr lang="en-US" altLang="zh-TW" sz="3600" b="1" strike="sngStrike" dirty="0">
-                <a:solidFill>
-                  <a:schemeClr val="bg1"/>
-                </a:solidFill>
-                <a:latin typeface="+mn-ea"/>
-              </a:rPr>
-              <a:t>cookie session</a:t>
-            </a:r>
-            <a:endParaRPr lang="zh-TW" altLang="en-US" sz="3600" b="1" dirty="0"/>
-          </a:p>
-        </p:txBody>
-      </p:sp>
-      <p:pic>
-        <p:nvPicPr>
-          <p:cNvPr id="5" name="圖片 4"/>
-          <p:cNvPicPr>
-            <a:picLocks noChangeAspect="1"/>
-          </p:cNvPicPr>
-          <p:nvPr/>
-        </p:nvPicPr>
-        <p:blipFill>
-          <a:blip r:embed="rId2">
-            <a:extLst>
-              <a:ext uri="{28A0092B-C50C-407E-A947-70E740481C1C}">
-                <a14:useLocalDpi xmlns:a14="http://schemas.microsoft.com/office/drawing/2010/main" val="0"/>
-              </a:ext>
-            </a:extLst>
-          </a:blip>
-          <a:stretch>
-            <a:fillRect/>
-          </a:stretch>
-        </p:blipFill>
-        <p:spPr>
-          <a:xfrm>
-            <a:off x="4751673" y="3710725"/>
-            <a:ext cx="2641981" cy="2641981"/>
-          </a:xfrm>
-          <a:prstGeom prst="rect">
-            <a:avLst/>
-          </a:prstGeom>
-        </p:spPr>
-      </p:pic>
-      <p:pic>
-        <p:nvPicPr>
-          <p:cNvPr id="8" name="圖片 7"/>
-          <p:cNvPicPr>
-            <a:picLocks noChangeAspect="1"/>
-          </p:cNvPicPr>
-          <p:nvPr/>
-        </p:nvPicPr>
-        <p:blipFill>
-          <a:blip r:embed="rId3">
-            <a:extLst>
-              <a:ext uri="{28A0092B-C50C-407E-A947-70E740481C1C}">
-                <a14:useLocalDpi xmlns:a14="http://schemas.microsoft.com/office/drawing/2010/main" val="0"/>
-              </a:ext>
-            </a:extLst>
-          </a:blip>
-          <a:stretch>
-            <a:fillRect/>
-          </a:stretch>
-        </p:blipFill>
-        <p:spPr>
-          <a:xfrm>
-            <a:off x="694577" y="1546051"/>
-            <a:ext cx="2693468" cy="2693468"/>
-          </a:xfrm>
-          <a:prstGeom prst="rect">
-            <a:avLst/>
-          </a:prstGeom>
-        </p:spPr>
-      </p:pic>
-      <p:pic>
-        <p:nvPicPr>
-          <p:cNvPr id="9" name="圖片 8"/>
-          <p:cNvPicPr>
-            <a:picLocks noChangeAspect="1"/>
-          </p:cNvPicPr>
-          <p:nvPr/>
-        </p:nvPicPr>
-        <p:blipFill>
-          <a:blip r:embed="rId4">
-            <a:extLst>
-              <a:ext uri="{28A0092B-C50C-407E-A947-70E740481C1C}">
-                <a14:useLocalDpi xmlns:a14="http://schemas.microsoft.com/office/drawing/2010/main" val="0"/>
-              </a:ext>
-            </a:extLst>
-          </a:blip>
-          <a:stretch>
-            <a:fillRect/>
-          </a:stretch>
-        </p:blipFill>
-        <p:spPr>
-          <a:xfrm>
-            <a:off x="8883070" y="1673737"/>
-            <a:ext cx="2438095" cy="2438095"/>
-          </a:xfrm>
-          <a:prstGeom prst="rect">
-            <a:avLst/>
-          </a:prstGeom>
-        </p:spPr>
-      </p:pic>
-    </p:spTree>
-    <p:extLst>
-      <p:ext uri="{BB962C8B-B14F-4D97-AF65-F5344CB8AC3E}">
-        <p14:creationId xmlns:p14="http://schemas.microsoft.com/office/powerpoint/2010/main" val="2875266567"/>
-      </p:ext>
-    </p:extLst>
-  </p:cSld>
-  <p:clrMapOvr>
-    <a:masterClrMapping/>
-  </p:clrMapOvr>
-  <mc:AlternateContent xmlns:mc="http://schemas.openxmlformats.org/markup-compatibility/2006" xmlns:p14="http://schemas.microsoft.com/office/powerpoint/2010/main">
-    <mc:Choice Requires="p14">
-      <p:transition p14:dur="160">
-        <p:fade/>
-      </p:transition>
-    </mc:Choice>
-    <mc:Fallback xmlns="">
-      <p:transition>
-        <p:fade/>
-      </p:transition>
-    </mc:Fallback>
-  </mc:AlternateContent>
-  <p:timing>
-    <p:tnLst>
-      <p:par>
-        <p:cTn id="1" dur="indefinite" restart="never" nodeType="tmRoot"/>
-      </p:par>
-    </p:tnLst>
   </p:timing>
 </p:sld>
 </file>
@@ -6935,7 +7456,7 @@
           <p:cNvPr id="2" name="投影片編號版面配置區 1">
             <a:extLst>
               <a:ext uri="{FF2B5EF4-FFF2-40B4-BE49-F238E27FC236}">
-                <a16:creationId xmlns:a16="http://schemas.microsoft.com/office/drawing/2014/main" id="{613323A1-6A28-496C-BC7D-95F6FE6F4048}"/>
+                <a16:creationId xmlns:a16="http://schemas.microsoft.com/office/drawing/2014/main" id="{6574D6DB-61B2-467B-818C-D5EEB871A2FB}"/>
               </a:ext>
             </a:extLst>
           </p:cNvPr>
@@ -6965,7 +7486,7 @@
           <p:cNvPr id="3" name="文字版面配置區 2">
             <a:extLst>
               <a:ext uri="{FF2B5EF4-FFF2-40B4-BE49-F238E27FC236}">
-                <a16:creationId xmlns:a16="http://schemas.microsoft.com/office/drawing/2014/main" id="{40602AF5-4E4F-4AC5-BB2F-9E489EF1BEFC}"/>
+                <a16:creationId xmlns:a16="http://schemas.microsoft.com/office/drawing/2014/main" id="{E468A53F-F064-415B-A9FF-892544D6BE98}"/>
               </a:ext>
             </a:extLst>
           </p:cNvPr>
@@ -6983,37 +7504,32 @@
           <a:p>
             <a:r>
               <a:rPr lang="zh-TW" altLang="en-US" dirty="0">
+                <a:solidFill>
+                  <a:schemeClr val="bg1">
+                    <a:lumMod val="95000"/>
+                  </a:schemeClr>
+                </a:solidFill>
                 <a:latin typeface="+mn-ea"/>
               </a:rPr>
-              <a:t>閉包</a:t>
-            </a:r>
-            <a:r>
-              <a:rPr lang="en-US" altLang="zh-TW" dirty="0">
-                <a:latin typeface="+mn-ea"/>
-              </a:rPr>
-              <a:t>(F</a:t>
-            </a:r>
-            <a:r>
-              <a:rPr lang="zh-TW" altLang="en-US" dirty="0">
-                <a:latin typeface="+mn-ea"/>
-              </a:rPr>
-              <a:t>unction</a:t>
-            </a:r>
-            <a:r>
-              <a:rPr lang="en-US" altLang="zh-TW" dirty="0">
-                <a:latin typeface="+mn-ea"/>
-              </a:rPr>
-              <a:t>)</a:t>
-            </a:r>
+              <a:t>代碼結構</a:t>
+            </a:r>
+            <a:endParaRPr lang="en-US" altLang="zh-TW" dirty="0">
+              <a:solidFill>
+                <a:schemeClr val="bg1">
+                  <a:lumMod val="95000"/>
+                </a:schemeClr>
+              </a:solidFill>
+              <a:latin typeface="+mn-ea"/>
+            </a:endParaRPr>
           </a:p>
         </p:txBody>
       </p:sp>
       <p:pic>
         <p:nvPicPr>
-          <p:cNvPr id="4" name="圖片 3">
+          <p:cNvPr id="7" name="圖片 6">
             <a:extLst>
               <a:ext uri="{FF2B5EF4-FFF2-40B4-BE49-F238E27FC236}">
-                <a16:creationId xmlns:a16="http://schemas.microsoft.com/office/drawing/2014/main" id="{7F810B1B-5635-48D2-BE01-9419280FF338}"/>
+                <a16:creationId xmlns:a16="http://schemas.microsoft.com/office/drawing/2014/main" id="{FB0320C2-41A8-436E-86AE-E0FEAC7D9F01}"/>
               </a:ext>
             </a:extLst>
           </p:cNvPr>
@@ -7023,164 +7539,25 @@
           <p:nvPr/>
         </p:nvPicPr>
         <p:blipFill>
-          <a:blip r:embed="rId2">
-            <a:extLst>
-              <a:ext uri="{28A0092B-C50C-407E-A947-70E740481C1C}">
-                <a14:useLocalDpi xmlns:a14="http://schemas.microsoft.com/office/drawing/2010/main" val="0"/>
-              </a:ext>
-            </a:extLst>
-          </a:blip>
+          <a:blip r:embed="rId2"/>
           <a:stretch>
             <a:fillRect/>
           </a:stretch>
         </p:blipFill>
         <p:spPr>
           <a:xfrm>
-            <a:off x="642352" y="1382788"/>
-            <a:ext cx="6197020" cy="4981224"/>
+            <a:off x="974558" y="1078725"/>
+            <a:ext cx="10242884" cy="5761622"/>
           </a:xfrm>
           <a:prstGeom prst="rect">
             <a:avLst/>
           </a:prstGeom>
         </p:spPr>
       </p:pic>
-      <p:sp>
-        <p:nvSpPr>
-          <p:cNvPr id="5" name="文字方塊 4"/>
-          <p:cNvSpPr txBox="1"/>
-          <p:nvPr/>
-        </p:nvSpPr>
-        <p:spPr>
-          <a:xfrm>
-            <a:off x="7722973" y="1382788"/>
-            <a:ext cx="3496962" cy="2923877"/>
-          </a:xfrm>
-          <a:prstGeom prst="rect">
-            <a:avLst/>
-          </a:prstGeom>
-          <a:noFill/>
-        </p:spPr>
-        <p:txBody>
-          <a:bodyPr wrap="square" rtlCol="0">
-            <a:spAutoFit/>
-          </a:bodyPr>
-          <a:lstStyle/>
-          <a:p>
-            <a:r>
-              <a:rPr lang="zh-TW" altLang="en-US" sz="4000" dirty="0" smtClean="0">
-                <a:solidFill>
-                  <a:schemeClr val="bg1"/>
-                </a:solidFill>
-                <a:latin typeface="+mj-ea"/>
-                <a:ea typeface="+mj-ea"/>
-              </a:rPr>
-              <a:t>優勢</a:t>
-            </a:r>
-            <a:r>
-              <a:rPr lang="en-US" altLang="zh-TW" sz="4000" dirty="0" smtClean="0">
-                <a:solidFill>
-                  <a:schemeClr val="bg1"/>
-                </a:solidFill>
-                <a:latin typeface="+mj-ea"/>
-                <a:ea typeface="+mj-ea"/>
-              </a:rPr>
-              <a:t>:</a:t>
-            </a:r>
-          </a:p>
-          <a:p>
-            <a:endParaRPr lang="en-US" altLang="zh-TW" sz="3600" dirty="0" smtClean="0">
-              <a:solidFill>
-                <a:schemeClr val="bg1"/>
-              </a:solidFill>
-              <a:latin typeface="+mj-ea"/>
-              <a:ea typeface="+mj-ea"/>
-            </a:endParaRPr>
-          </a:p>
-          <a:p>
-            <a:pPr marL="457200" indent="-457200">
-              <a:buFont typeface="Arial" panose="020B0604020202020204" pitchFamily="34" charset="0"/>
-              <a:buChar char="•"/>
-            </a:pPr>
-            <a:r>
-              <a:rPr lang="zh-TW" altLang="en-US" sz="3600" dirty="0" smtClean="0">
-                <a:solidFill>
-                  <a:schemeClr val="bg1"/>
-                </a:solidFill>
-                <a:latin typeface="+mj-ea"/>
-                <a:ea typeface="+mj-ea"/>
-              </a:rPr>
-              <a:t>低副</a:t>
-            </a:r>
-            <a:r>
-              <a:rPr lang="zh-TW" altLang="en-US" sz="3600" dirty="0">
-                <a:solidFill>
-                  <a:schemeClr val="bg1"/>
-                </a:solidFill>
-                <a:latin typeface="+mj-ea"/>
-                <a:ea typeface="+mj-ea"/>
-              </a:rPr>
-              <a:t>作用</a:t>
-            </a:r>
-            <a:endParaRPr lang="en-US" altLang="zh-TW" sz="3600" dirty="0" smtClean="0">
-              <a:solidFill>
-                <a:schemeClr val="bg1"/>
-              </a:solidFill>
-              <a:latin typeface="+mj-ea"/>
-              <a:ea typeface="+mj-ea"/>
-            </a:endParaRPr>
-          </a:p>
-          <a:p>
-            <a:pPr marL="457200" indent="-457200">
-              <a:buFont typeface="Arial" panose="020B0604020202020204" pitchFamily="34" charset="0"/>
-              <a:buChar char="•"/>
-            </a:pPr>
-            <a:r>
-              <a:rPr lang="zh-TW" altLang="en-US" sz="3600" dirty="0" smtClean="0">
-                <a:solidFill>
-                  <a:schemeClr val="bg1"/>
-                </a:solidFill>
-                <a:latin typeface="+mj-ea"/>
-                <a:ea typeface="+mj-ea"/>
-              </a:rPr>
-              <a:t>擴展性佳</a:t>
-            </a:r>
-            <a:endParaRPr lang="en-US" altLang="zh-TW" sz="3600" dirty="0" smtClean="0">
-              <a:solidFill>
-                <a:schemeClr val="bg1"/>
-              </a:solidFill>
-              <a:latin typeface="+mj-ea"/>
-              <a:ea typeface="+mj-ea"/>
-            </a:endParaRPr>
-          </a:p>
-          <a:p>
-            <a:pPr marL="457200" indent="-457200">
-              <a:buFont typeface="Arial" panose="020B0604020202020204" pitchFamily="34" charset="0"/>
-              <a:buChar char="•"/>
-            </a:pPr>
-            <a:r>
-              <a:rPr lang="zh-TW" altLang="en-US" sz="3600" dirty="0" smtClean="0">
-                <a:solidFill>
-                  <a:schemeClr val="bg1"/>
-                </a:solidFill>
-                <a:latin typeface="+mj-ea"/>
-                <a:ea typeface="+mj-ea"/>
-              </a:rPr>
-              <a:t>效能性高</a:t>
-            </a:r>
-            <a:endParaRPr lang="zh-TW" altLang="en-US" sz="3600" dirty="0">
-              <a:solidFill>
-                <a:schemeClr val="bg1"/>
-              </a:solidFill>
-              <a:latin typeface="+mj-ea"/>
-              <a:ea typeface="+mj-ea"/>
-            </a:endParaRPr>
-          </a:p>
-        </p:txBody>
-      </p:sp>
     </p:spTree>
     <p:extLst>
       <p:ext uri="{BB962C8B-B14F-4D97-AF65-F5344CB8AC3E}">
-        <p14:creationId xmlns:p14="http://schemas.microsoft.com/office/powerpoint/2010/main" val="875748353"/>
+        <p14:creationId xmlns:p14="http://schemas.microsoft.com/office/powerpoint/2010/main" val="1740910505"/>
       </p:ext>
     </p:extLst>
   </p:cSld>
@@ -7199,13 +7576,6 @@
       </p:transition>
     </mc:Fallback>
   </mc:AlternateContent>
-  <p:timing>
-    <p:tnLst>
-      <p:par>
-        <p:cTn id="1" dur="indefinite" restart="never" nodeType="tmRoot"/>
-      </p:par>
-    </p:tnLst>
-  </p:timing>
 </p:sld>
 </file>
 
@@ -7228,6 +7598,332 @@
       </p:grpSpPr>
       <p:sp>
         <p:nvSpPr>
+          <p:cNvPr id="2" name="投影片編號版面配置區 1">
+            <a:extLst>
+              <a:ext uri="{FF2B5EF4-FFF2-40B4-BE49-F238E27FC236}">
+                <a16:creationId xmlns:a16="http://schemas.microsoft.com/office/drawing/2014/main" id="{6DF771F6-A1A3-4305-86A4-3760F119F7CB}"/>
+              </a:ext>
+            </a:extLst>
+          </p:cNvPr>
+          <p:cNvSpPr>
+            <a:spLocks noGrp="1"/>
+          </p:cNvSpPr>
+          <p:nvPr>
+            <p:ph type="sldNum" sz="quarter" idx="12"/>
+          </p:nvPr>
+        </p:nvSpPr>
+        <p:spPr/>
+        <p:txBody>
+          <a:bodyPr/>
+          <a:lstStyle/>
+          <a:p>
+            <a:fld id="{4FAB73BC-B049-4115-A692-8D63A059BFB8}" type="slidenum">
+              <a:rPr lang="en-US" smtClean="0"/>
+              <a:pPr/>
+              <a:t>15</a:t>
+            </a:fld>
+            <a:endParaRPr lang="en-US" dirty="0"/>
+          </a:p>
+        </p:txBody>
+      </p:sp>
+      <p:sp>
+        <p:nvSpPr>
+          <p:cNvPr id="3" name="文字版面配置區 2">
+            <a:extLst>
+              <a:ext uri="{FF2B5EF4-FFF2-40B4-BE49-F238E27FC236}">
+                <a16:creationId xmlns:a16="http://schemas.microsoft.com/office/drawing/2014/main" id="{CB2C8DD8-729F-4C51-AA9E-CAD9A23DD6C3}"/>
+              </a:ext>
+            </a:extLst>
+          </p:cNvPr>
+          <p:cNvSpPr>
+            <a:spLocks noGrp="1"/>
+          </p:cNvSpPr>
+          <p:nvPr>
+            <p:ph type="body" sz="quarter" idx="13"/>
+          </p:nvPr>
+        </p:nvSpPr>
+        <p:spPr/>
+        <p:txBody>
+          <a:bodyPr/>
+          <a:lstStyle/>
+          <a:p>
+            <a:r>
+              <a:rPr lang="en-US" altLang="zh-TW" dirty="0"/>
+              <a:t>Hooks </a:t>
+            </a:r>
+            <a:r>
+              <a:rPr lang="zh-TW" altLang="en-US" dirty="0"/>
+              <a:t>優勢</a:t>
+            </a:r>
+          </a:p>
+        </p:txBody>
+      </p:sp>
+      <p:sp>
+        <p:nvSpPr>
+          <p:cNvPr id="4" name="矩形 3">
+            <a:extLst>
+              <a:ext uri="{FF2B5EF4-FFF2-40B4-BE49-F238E27FC236}">
+                <a16:creationId xmlns:a16="http://schemas.microsoft.com/office/drawing/2014/main" id="{A7052DC3-90A3-4695-8E96-67FE0CF718D5}"/>
+              </a:ext>
+            </a:extLst>
+          </p:cNvPr>
+          <p:cNvSpPr/>
+          <p:nvPr/>
+        </p:nvSpPr>
+        <p:spPr>
+          <a:xfrm>
+            <a:off x="5043265" y="1996134"/>
+            <a:ext cx="2031325" cy="646331"/>
+          </a:xfrm>
+          <a:prstGeom prst="rect">
+            <a:avLst/>
+          </a:prstGeom>
+        </p:spPr>
+        <p:txBody>
+          <a:bodyPr wrap="none">
+            <a:spAutoFit/>
+          </a:bodyPr>
+          <a:lstStyle/>
+          <a:p>
+            <a:r>
+              <a:rPr lang="zh-TW" altLang="en-US" sz="3600" dirty="0">
+                <a:solidFill>
+                  <a:schemeClr val="bg1"/>
+                </a:solidFill>
+                <a:latin typeface="Helvetica Neue"/>
+              </a:rPr>
+              <a:t>使用簡單</a:t>
+            </a:r>
+            <a:endParaRPr lang="zh-TW" altLang="en-US" sz="3600" dirty="0">
+              <a:solidFill>
+                <a:schemeClr val="bg1"/>
+              </a:solidFill>
+            </a:endParaRPr>
+          </a:p>
+        </p:txBody>
+      </p:sp>
+      <p:sp>
+        <p:nvSpPr>
+          <p:cNvPr id="5" name="矩形 4">
+            <a:extLst>
+              <a:ext uri="{FF2B5EF4-FFF2-40B4-BE49-F238E27FC236}">
+                <a16:creationId xmlns:a16="http://schemas.microsoft.com/office/drawing/2014/main" id="{D04D50F5-35B6-4F56-85F8-151932B9C5EC}"/>
+              </a:ext>
+            </a:extLst>
+          </p:cNvPr>
+          <p:cNvSpPr/>
+          <p:nvPr/>
+        </p:nvSpPr>
+        <p:spPr>
+          <a:xfrm>
+            <a:off x="1339947" y="1995023"/>
+            <a:ext cx="2031325" cy="646331"/>
+          </a:xfrm>
+          <a:prstGeom prst="rect">
+            <a:avLst/>
+          </a:prstGeom>
+        </p:spPr>
+        <p:txBody>
+          <a:bodyPr wrap="none">
+            <a:spAutoFit/>
+          </a:bodyPr>
+          <a:lstStyle/>
+          <a:p>
+            <a:r>
+              <a:rPr lang="zh-TW" altLang="en-US" sz="3600" dirty="0">
+                <a:solidFill>
+                  <a:schemeClr val="bg1"/>
+                </a:solidFill>
+                <a:latin typeface="Helvetica Neue"/>
+              </a:rPr>
+              <a:t>效能高效</a:t>
+            </a:r>
+            <a:endParaRPr lang="zh-TW" altLang="en-US" sz="3600" dirty="0">
+              <a:solidFill>
+                <a:schemeClr val="bg1"/>
+              </a:solidFill>
+            </a:endParaRPr>
+          </a:p>
+        </p:txBody>
+      </p:sp>
+      <p:sp>
+        <p:nvSpPr>
+          <p:cNvPr id="6" name="矩形 5">
+            <a:extLst>
+              <a:ext uri="{FF2B5EF4-FFF2-40B4-BE49-F238E27FC236}">
+                <a16:creationId xmlns:a16="http://schemas.microsoft.com/office/drawing/2014/main" id="{F2D8D731-6B04-4DA1-AC17-B46FD18BA226}"/>
+              </a:ext>
+            </a:extLst>
+          </p:cNvPr>
+          <p:cNvSpPr/>
+          <p:nvPr/>
+        </p:nvSpPr>
+        <p:spPr>
+          <a:xfrm>
+            <a:off x="9136412" y="1995026"/>
+            <a:ext cx="2031325" cy="646331"/>
+          </a:xfrm>
+          <a:prstGeom prst="rect">
+            <a:avLst/>
+          </a:prstGeom>
+        </p:spPr>
+        <p:txBody>
+          <a:bodyPr wrap="none">
+            <a:spAutoFit/>
+          </a:bodyPr>
+          <a:lstStyle/>
+          <a:p>
+            <a:r>
+              <a:rPr lang="zh-TW" altLang="en-US" sz="3600" dirty="0">
+                <a:solidFill>
+                  <a:schemeClr val="bg1"/>
+                </a:solidFill>
+                <a:latin typeface="Helvetica Neue"/>
+              </a:rPr>
+              <a:t>可靠穩定</a:t>
+            </a:r>
+            <a:endParaRPr lang="zh-TW" altLang="en-US" sz="3600" dirty="0">
+              <a:solidFill>
+                <a:schemeClr val="bg1"/>
+              </a:solidFill>
+            </a:endParaRPr>
+          </a:p>
+        </p:txBody>
+      </p:sp>
+      <p:pic>
+        <p:nvPicPr>
+          <p:cNvPr id="7" name="圖片 6">
+            <a:extLst>
+              <a:ext uri="{FF2B5EF4-FFF2-40B4-BE49-F238E27FC236}">
+                <a16:creationId xmlns:a16="http://schemas.microsoft.com/office/drawing/2014/main" id="{11D3A672-5BAB-46A0-B3F7-79D90A4F08EB}"/>
+              </a:ext>
+            </a:extLst>
+          </p:cNvPr>
+          <p:cNvPicPr>
+            <a:picLocks noChangeAspect="1"/>
+          </p:cNvPicPr>
+          <p:nvPr/>
+        </p:nvPicPr>
+        <p:blipFill>
+          <a:blip r:embed="rId2"/>
+          <a:stretch>
+            <a:fillRect/>
+          </a:stretch>
+        </p:blipFill>
+        <p:spPr>
+          <a:xfrm>
+            <a:off x="9259097" y="3268651"/>
+            <a:ext cx="1800000" cy="1800000"/>
+          </a:xfrm>
+          <a:prstGeom prst="rect">
+            <a:avLst/>
+          </a:prstGeom>
+        </p:spPr>
+      </p:pic>
+      <p:pic>
+        <p:nvPicPr>
+          <p:cNvPr id="8" name="圖片 7">
+            <a:extLst>
+              <a:ext uri="{FF2B5EF4-FFF2-40B4-BE49-F238E27FC236}">
+                <a16:creationId xmlns:a16="http://schemas.microsoft.com/office/drawing/2014/main" id="{F3B2E645-83FD-444E-B024-09DF84F44CA7}"/>
+              </a:ext>
+            </a:extLst>
+          </p:cNvPr>
+          <p:cNvPicPr>
+            <a:picLocks noChangeAspect="1"/>
+          </p:cNvPicPr>
+          <p:nvPr/>
+        </p:nvPicPr>
+        <p:blipFill>
+          <a:blip r:embed="rId3"/>
+          <a:stretch>
+            <a:fillRect/>
+          </a:stretch>
+        </p:blipFill>
+        <p:spPr>
+          <a:xfrm>
+            <a:off x="5158928" y="3269762"/>
+            <a:ext cx="1800000" cy="1800000"/>
+          </a:xfrm>
+          <a:prstGeom prst="rect">
+            <a:avLst/>
+          </a:prstGeom>
+        </p:spPr>
+      </p:pic>
+      <p:pic>
+        <p:nvPicPr>
+          <p:cNvPr id="9" name="圖片 8">
+            <a:extLst>
+              <a:ext uri="{FF2B5EF4-FFF2-40B4-BE49-F238E27FC236}">
+                <a16:creationId xmlns:a16="http://schemas.microsoft.com/office/drawing/2014/main" id="{FBCF7887-BDC4-44DA-9058-107DEEDF53AE}"/>
+              </a:ext>
+            </a:extLst>
+          </p:cNvPr>
+          <p:cNvPicPr>
+            <a:picLocks noChangeAspect="1"/>
+          </p:cNvPicPr>
+          <p:nvPr/>
+        </p:nvPicPr>
+        <p:blipFill>
+          <a:blip r:embed="rId4"/>
+          <a:stretch>
+            <a:fillRect/>
+          </a:stretch>
+        </p:blipFill>
+        <p:spPr>
+          <a:xfrm>
+            <a:off x="1377018" y="3268651"/>
+            <a:ext cx="1800000" cy="1800000"/>
+          </a:xfrm>
+          <a:prstGeom prst="rect">
+            <a:avLst/>
+          </a:prstGeom>
+        </p:spPr>
+      </p:pic>
+    </p:spTree>
+    <p:extLst>
+      <p:ext uri="{BB962C8B-B14F-4D97-AF65-F5344CB8AC3E}">
+        <p14:creationId xmlns:p14="http://schemas.microsoft.com/office/powerpoint/2010/main" val="2219035162"/>
+      </p:ext>
+    </p:extLst>
+  </p:cSld>
+  <p:clrMapOvr>
+    <a:masterClrMapping/>
+  </p:clrMapOvr>
+  <mc:AlternateContent xmlns:mc="http://schemas.openxmlformats.org/markup-compatibility/2006" xmlns:p14="http://schemas.microsoft.com/office/powerpoint/2010/main">
+    <mc:Choice Requires="p14">
+      <p:transition p14:dur="160">
+        <p:fade/>
+      </p:transition>
+    </mc:Choice>
+    <mc:Fallback xmlns="">
+      <p:transition>
+        <p:fade/>
+      </p:transition>
+    </mc:Fallback>
+  </mc:AlternateContent>
+</p:sld>
+</file>
+
+<file path=ppt/slides/slide16.xml><?xml version="1.0" encoding="utf-8"?>
+<p:sld xmlns:a="http://schemas.openxmlformats.org/drawingml/2006/main" xmlns:r="http://schemas.openxmlformats.org/officeDocument/2006/relationships" xmlns:p="http://schemas.openxmlformats.org/presentationml/2006/main">
+  <p:cSld>
+    <p:spTree>
+      <p:nvGrpSpPr>
+        <p:cNvPr id="1" name=""/>
+        <p:cNvGrpSpPr/>
+        <p:nvPr/>
+      </p:nvGrpSpPr>
+      <p:grpSpPr>
+        <a:xfrm>
+          <a:off x="0" y="0"/>
+          <a:ext cx="0" cy="0"/>
+          <a:chOff x="0" y="0"/>
+          <a:chExt cx="0" cy="0"/>
+        </a:xfrm>
+      </p:grpSpPr>
+      <p:sp>
+        <p:nvSpPr>
           <p:cNvPr id="2" name="標題 1">
             <a:extLst>
               <a:ext uri="{FF2B5EF4-FFF2-40B4-BE49-F238E27FC236}">
@@ -7411,18 +8107,7 @@
                 </a:solidFill>
                 <a:latin typeface="+mj-ea"/>
               </a:rPr>
-              <a:t>( </a:t>
-            </a:r>
-            <a:r>
-              <a:rPr lang="en-US" altLang="zh-TW" sz="3000" dirty="0" smtClean="0">
-                <a:solidFill>
-                  <a:schemeClr val="bg1">
-                    <a:lumMod val="95000"/>
-                  </a:schemeClr>
-                </a:solidFill>
-                <a:latin typeface="+mj-ea"/>
-              </a:rPr>
-              <a:t>)</a:t>
+              <a:t>( )</a:t>
             </a:r>
           </a:p>
           <a:p>
@@ -7506,18 +8191,7 @@
                 </a:solidFill>
                 <a:latin typeface="+mj-ea"/>
               </a:rPr>
-              <a:t>( </a:t>
-            </a:r>
-            <a:r>
-              <a:rPr lang="en-US" altLang="zh-TW" sz="3000" dirty="0" smtClean="0">
-                <a:solidFill>
-                  <a:schemeClr val="bg1">
-                    <a:lumMod val="95000"/>
-                  </a:schemeClr>
-                </a:solidFill>
-                <a:latin typeface="+mj-ea"/>
-              </a:rPr>
-              <a:t>)</a:t>
+              <a:t>( )</a:t>
             </a:r>
             <a:endParaRPr lang="zh-TW" altLang="en-US" sz="3000" dirty="0">
               <a:solidFill>
@@ -7553,17 +8227,10 @@
       </p:transition>
     </mc:Fallback>
   </mc:AlternateContent>
-  <p:timing>
-    <p:tnLst>
-      <p:par>
-        <p:cTn id="1" dur="indefinite" restart="never" nodeType="tmRoot"/>
-      </p:par>
-    </p:tnLst>
-  </p:timing>
 </p:sld>
 </file>
 
-<file path=ppt/slides/slide16.xml><?xml version="1.0" encoding="utf-8"?>
+<file path=ppt/slides/slide17.xml><?xml version="1.0" encoding="utf-8"?>
 <p:sld xmlns:a="http://schemas.openxmlformats.org/drawingml/2006/main" xmlns:r="http://schemas.openxmlformats.org/officeDocument/2006/relationships" xmlns:p="http://schemas.openxmlformats.org/presentationml/2006/main">
   <p:cSld>
     <p:spTree>
@@ -7598,7 +8265,7 @@
             <a:fld id="{4FAB73BC-B049-4115-A692-8D63A059BFB8}" type="slidenum">
               <a:rPr lang="en-US" smtClean="0"/>
               <a:pPr/>
-              <a:t>16</a:t>
+              <a:t>17</a:t>
             </a:fld>
             <a:endParaRPr lang="en-US" dirty="0"/>
           </a:p>
@@ -8503,17 +9170,10 @@
       </p:transition>
     </mc:Fallback>
   </mc:AlternateContent>
-  <p:timing>
-    <p:tnLst>
-      <p:par>
-        <p:cTn id="1" dur="indefinite" restart="never" nodeType="tmRoot"/>
-      </p:par>
-    </p:tnLst>
-  </p:timing>
 </p:sld>
 </file>
 
-<file path=ppt/slides/slide17.xml><?xml version="1.0" encoding="utf-8"?>
+<file path=ppt/slides/slide18.xml><?xml version="1.0" encoding="utf-8"?>
 <p:sld xmlns:a="http://schemas.openxmlformats.org/drawingml/2006/main" xmlns:r="http://schemas.openxmlformats.org/officeDocument/2006/relationships" xmlns:p="http://schemas.openxmlformats.org/presentationml/2006/main">
   <p:cSld>
     <p:spTree>
@@ -8554,7 +9214,7 @@
             <a:fld id="{4FAB73BC-B049-4115-A692-8D63A059BFB8}" type="slidenum">
               <a:rPr lang="en-US" smtClean="0"/>
               <a:pPr/>
-              <a:t>17</a:t>
+              <a:t>18</a:t>
             </a:fld>
             <a:endParaRPr lang="en-US" dirty="0"/>
           </a:p>
@@ -8591,23 +9251,14 @@
               <a:rPr lang="en-US" altLang="zh-TW" b="1" dirty="0">
                 <a:latin typeface="+mn-ea"/>
               </a:rPr>
-              <a:t>( </a:t>
-            </a:r>
-            <a:r>
-              <a:rPr lang="en-US" altLang="zh-TW" b="1" dirty="0" smtClean="0">
+              <a:t>( )</a:t>
+            </a:r>
+            <a:r>
+              <a:rPr lang="zh-TW" altLang="en-US" b="1" dirty="0">
                 <a:latin typeface="+mn-ea"/>
               </a:rPr>
-              <a:t>)</a:t>
-            </a:r>
-            <a:r>
-              <a:rPr lang="zh-TW" altLang="en-US" b="1" dirty="0" smtClean="0">
-                <a:latin typeface="+mn-ea"/>
-              </a:rPr>
               <a:t>介紹</a:t>
             </a:r>
-            <a:endParaRPr lang="zh-TW" altLang="en-US" b="1" dirty="0">
-              <a:latin typeface="+mn-ea"/>
-            </a:endParaRPr>
           </a:p>
         </p:txBody>
       </p:sp>
@@ -8724,7 +9375,7 @@
               <a:t>useState</a:t>
             </a:r>
             <a:r>
-              <a:rPr lang="en-US" altLang="zh-TW" sz="2800" b="1" dirty="0" smtClean="0">
+              <a:rPr lang="en-US" altLang="zh-TW" sz="2800" b="1" dirty="0">
                 <a:solidFill>
                   <a:schemeClr val="bg1"/>
                 </a:solidFill>
@@ -8742,7 +9393,7 @@
               <a:t>初始化</a:t>
             </a:r>
             <a:r>
-              <a:rPr lang="en-US" altLang="zh-TW" sz="2800" b="1" dirty="0" smtClean="0">
+              <a:rPr lang="en-US" altLang="zh-TW" sz="2800" b="1" dirty="0">
                 <a:solidFill>
                   <a:schemeClr val="bg1"/>
                 </a:solidFill>
@@ -8751,7 +9402,7 @@
               <a:t>)</a:t>
             </a:r>
             <a:r>
-              <a:rPr lang="en-US" altLang="zh-TW" sz="2800" spc="300" dirty="0" smtClean="0">
+              <a:rPr lang="en-US" altLang="zh-TW" sz="2800" spc="300" dirty="0">
                 <a:solidFill>
                   <a:schemeClr val="bg1">
                     <a:lumMod val="85000"/>
@@ -9117,17 +9768,10 @@
       </p:transition>
     </mc:Fallback>
   </mc:AlternateContent>
-  <p:timing>
-    <p:tnLst>
-      <p:par>
-        <p:cTn id="1" dur="indefinite" restart="never" nodeType="tmRoot"/>
-      </p:par>
-    </p:tnLst>
-  </p:timing>
 </p:sld>
 </file>
 
-<file path=ppt/slides/slide18.xml><?xml version="1.0" encoding="utf-8"?>
+<file path=ppt/slides/slide19.xml><?xml version="1.0" encoding="utf-8"?>
 <p:sld xmlns:a="http://schemas.openxmlformats.org/drawingml/2006/main" xmlns:r="http://schemas.openxmlformats.org/officeDocument/2006/relationships" xmlns:p="http://schemas.openxmlformats.org/presentationml/2006/main">
   <p:cSld>
     <p:spTree>
@@ -9162,7 +9806,7 @@
             <a:fld id="{4FAB73BC-B049-4115-A692-8D63A059BFB8}" type="slidenum">
               <a:rPr lang="en-US" smtClean="0"/>
               <a:pPr/>
-              <a:t>18</a:t>
+              <a:t>19</a:t>
             </a:fld>
             <a:endParaRPr lang="en-US" dirty="0"/>
           </a:p>
@@ -9184,14 +9828,14 @@
           <a:lstStyle/>
           <a:p>
             <a:r>
-              <a:rPr lang="en-US" altLang="zh-TW" spc="300" dirty="0" smtClean="0">
+              <a:rPr lang="en-US" altLang="zh-TW" spc="300" dirty="0">
                 <a:latin typeface="Adobe 繁黑體 Std B" panose="020B0700000000000000" pitchFamily="34" charset="-120"/>
                 <a:ea typeface="Adobe 繁黑體 Std B" panose="020B0700000000000000" pitchFamily="34" charset="-120"/>
               </a:rPr>
               <a:t>Dispatcher</a:t>
             </a:r>
             <a:r>
-              <a:rPr lang="zh-TW" altLang="en-US" spc="300" dirty="0" smtClean="0">
+              <a:rPr lang="zh-TW" altLang="en-US" spc="300" dirty="0">
                 <a:latin typeface="Adobe 繁黑體 Std B" panose="020B0700000000000000" pitchFamily="34" charset="-120"/>
                 <a:ea typeface="Adobe 繁黑體 Std B" panose="020B0700000000000000" pitchFamily="34" charset="-120"/>
               </a:rPr>
@@ -9362,7 +10006,7 @@
           <a:lstStyle/>
           <a:p>
             <a:r>
-              <a:rPr lang="en-US" altLang="zh-TW" sz="3200" dirty="0" smtClean="0">
+              <a:rPr lang="en-US" altLang="zh-TW" sz="3200" dirty="0">
                 <a:solidFill>
                   <a:schemeClr val="accent1"/>
                 </a:solidFill>
@@ -9412,7 +10056,7 @@
               <a:t>Value</a:t>
             </a:r>
             <a:r>
-              <a:rPr lang="en-US" altLang="zh-TW" sz="3200" dirty="0" smtClean="0">
+              <a:rPr lang="en-US" altLang="zh-TW" sz="3200" dirty="0">
                 <a:solidFill>
                   <a:schemeClr val="accent1"/>
                 </a:solidFill>
@@ -9421,7 +10065,7 @@
               <a:t> </a:t>
             </a:r>
             <a:r>
-              <a:rPr lang="en-US" altLang="zh-TW" sz="3200" dirty="0" smtClean="0">
+              <a:rPr lang="en-US" altLang="zh-TW" sz="3200" dirty="0">
                 <a:solidFill>
                   <a:srgbClr val="FFFF00"/>
                 </a:solidFill>
@@ -9430,7 +10074,7 @@
               <a:t>+</a:t>
             </a:r>
             <a:r>
-              <a:rPr lang="en-US" altLang="zh-TW" sz="3200" dirty="0" smtClean="0">
+              <a:rPr lang="en-US" altLang="zh-TW" sz="3200" dirty="0">
                 <a:solidFill>
                   <a:schemeClr val="accent1"/>
                 </a:solidFill>
@@ -9439,7 +10083,7 @@
               <a:t> 8 </a:t>
             </a:r>
             <a:r>
-              <a:rPr lang="en-US" altLang="zh-TW" sz="3200" dirty="0" smtClean="0">
+              <a:rPr lang="en-US" altLang="zh-TW" sz="3200" dirty="0">
                 <a:solidFill>
                   <a:schemeClr val="bg1">
                     <a:lumMod val="85000"/>
@@ -9483,7 +10127,7 @@
           <a:lstStyle/>
           <a:p>
             <a:r>
-              <a:rPr lang="en-US" altLang="zh-TW" sz="3200" dirty="0" smtClean="0">
+              <a:rPr lang="en-US" altLang="zh-TW" sz="3200" dirty="0">
                 <a:solidFill>
                   <a:schemeClr val="accent1"/>
                 </a:solidFill>
@@ -9525,7 +10169,7 @@
 </p:sld>
 </file>
 
-<file path=ppt/slides/slide19.xml><?xml version="1.0" encoding="utf-8"?>
+<file path=ppt/slides/slide2.xml><?xml version="1.0" encoding="utf-8"?>
 <p:sld xmlns:a="http://schemas.openxmlformats.org/drawingml/2006/main" xmlns:r="http://schemas.openxmlformats.org/officeDocument/2006/relationships" xmlns:p="http://schemas.openxmlformats.org/presentationml/2006/main">
   <p:cSld>
     <p:spTree>
@@ -9544,6 +10188,263 @@
       </p:grpSpPr>
       <p:sp>
         <p:nvSpPr>
+          <p:cNvPr id="2" name="標題 1">
+            <a:extLst>
+              <a:ext uri="{FF2B5EF4-FFF2-40B4-BE49-F238E27FC236}">
+                <a16:creationId xmlns:a16="http://schemas.microsoft.com/office/drawing/2014/main" id="{F0AF19AC-CCAA-4AFD-A12B-341673AD260A}"/>
+              </a:ext>
+            </a:extLst>
+          </p:cNvPr>
+          <p:cNvSpPr>
+            <a:spLocks noGrp="1"/>
+          </p:cNvSpPr>
+          <p:nvPr>
+            <p:ph type="title"/>
+          </p:nvPr>
+        </p:nvSpPr>
+        <p:spPr/>
+        <p:txBody>
+          <a:bodyPr/>
+          <a:lstStyle/>
+          <a:p>
+            <a:pPr algn="ctr"/>
+            <a:r>
+              <a:rPr lang="zh-TW" altLang="en-US" dirty="0"/>
+              <a:t>事前準備</a:t>
+            </a:r>
+          </a:p>
+        </p:txBody>
+      </p:sp>
+      <p:sp>
+        <p:nvSpPr>
+          <p:cNvPr id="3" name="內容版面配置區 2">
+            <a:extLst>
+              <a:ext uri="{FF2B5EF4-FFF2-40B4-BE49-F238E27FC236}">
+                <a16:creationId xmlns:a16="http://schemas.microsoft.com/office/drawing/2014/main" id="{6A0CBFEB-7C06-4506-845C-54A4A3A7AA15}"/>
+              </a:ext>
+            </a:extLst>
+          </p:cNvPr>
+          <p:cNvSpPr>
+            <a:spLocks noGrp="1"/>
+          </p:cNvSpPr>
+          <p:nvPr>
+            <p:ph idx="1"/>
+          </p:nvPr>
+        </p:nvSpPr>
+        <p:spPr/>
+        <p:txBody>
+          <a:bodyPr anchor="t">
+            <a:normAutofit/>
+          </a:bodyPr>
+          <a:lstStyle/>
+          <a:p>
+            <a:pPr>
+              <a:lnSpc>
+                <a:spcPct val="150000"/>
+              </a:lnSpc>
+            </a:pPr>
+            <a:r>
+              <a:rPr lang="en-US" altLang="zh-TW" sz="2600" dirty="0">
+                <a:solidFill>
+                  <a:schemeClr val="bg1"/>
+                </a:solidFill>
+                <a:latin typeface="+mj-ea"/>
+                <a:ea typeface="+mj-ea"/>
+              </a:rPr>
+              <a:t>Clone </a:t>
+            </a:r>
+            <a:r>
+              <a:rPr lang="en-US" altLang="zh-TW" sz="2600" dirty="0">
+                <a:solidFill>
+                  <a:schemeClr val="accent1">
+                    <a:lumMod val="40000"/>
+                    <a:lumOff val="60000"/>
+                  </a:schemeClr>
+                </a:solidFill>
+                <a:latin typeface="+mj-ea"/>
+                <a:ea typeface="+mj-ea"/>
+                <a:hlinkClick r:id="rId2">
+                  <a:extLst>
+                    <a:ext uri="{A12FA001-AC4F-418D-AE19-62706E023703}">
+                      <ahyp:hlinkClr xmlns:ahyp="http://schemas.microsoft.com/office/drawing/2018/hyperlinkcolor" val="tx"/>
+                    </a:ext>
+                  </a:extLst>
+                </a:hlinkClick>
+              </a:rPr>
+              <a:t>https://github.com/ccw1234/React-Hooks.git</a:t>
+            </a:r>
+            <a:endParaRPr lang="en-US" altLang="zh-TW" sz="2600" dirty="0">
+              <a:solidFill>
+                <a:schemeClr val="accent1">
+                  <a:lumMod val="40000"/>
+                  <a:lumOff val="60000"/>
+                </a:schemeClr>
+              </a:solidFill>
+              <a:latin typeface="+mj-ea"/>
+              <a:ea typeface="+mj-ea"/>
+            </a:endParaRPr>
+          </a:p>
+          <a:p>
+            <a:pPr>
+              <a:lnSpc>
+                <a:spcPct val="150000"/>
+              </a:lnSpc>
+            </a:pPr>
+            <a:r>
+              <a:rPr lang="zh-TW" altLang="en-US" sz="2600" dirty="0">
+                <a:solidFill>
+                  <a:schemeClr val="bg1"/>
+                </a:solidFill>
+                <a:latin typeface="+mj-ea"/>
+                <a:ea typeface="+mj-ea"/>
+              </a:rPr>
+              <a:t>或是下載 ****</a:t>
+            </a:r>
+            <a:endParaRPr lang="en-US" altLang="zh-TW" sz="2600" dirty="0">
+              <a:solidFill>
+                <a:schemeClr val="bg1"/>
+              </a:solidFill>
+              <a:latin typeface="+mj-ea"/>
+              <a:ea typeface="+mj-ea"/>
+            </a:endParaRPr>
+          </a:p>
+          <a:p>
+            <a:pPr>
+              <a:lnSpc>
+                <a:spcPct val="150000"/>
+              </a:lnSpc>
+            </a:pPr>
+            <a:r>
+              <a:rPr lang="en-US" altLang="zh-TW" sz="2600" dirty="0">
+                <a:solidFill>
+                  <a:schemeClr val="bg1"/>
+                </a:solidFill>
+                <a:latin typeface="+mj-ea"/>
+                <a:ea typeface="+mj-ea"/>
+              </a:rPr>
+              <a:t>Readme. </a:t>
+            </a:r>
+            <a:r>
+              <a:rPr lang="zh-TW" altLang="en-US" sz="2600" dirty="0">
+                <a:solidFill>
+                  <a:schemeClr val="bg1"/>
+                </a:solidFill>
+                <a:latin typeface="+mj-ea"/>
+                <a:ea typeface="+mj-ea"/>
+              </a:rPr>
+              <a:t>上有操作說明</a:t>
+            </a:r>
+            <a:endParaRPr lang="en-US" altLang="zh-TW" sz="2600" dirty="0">
+              <a:solidFill>
+                <a:schemeClr val="bg1"/>
+              </a:solidFill>
+              <a:latin typeface="+mj-ea"/>
+              <a:ea typeface="+mj-ea"/>
+            </a:endParaRPr>
+          </a:p>
+          <a:p>
+            <a:pPr>
+              <a:lnSpc>
+                <a:spcPct val="150000"/>
+              </a:lnSpc>
+            </a:pPr>
+            <a:r>
+              <a:rPr lang="en-US" altLang="zh-TW" sz="2600" dirty="0" err="1">
+                <a:solidFill>
+                  <a:schemeClr val="bg1"/>
+                </a:solidFill>
+                <a:latin typeface="+mj-ea"/>
+                <a:ea typeface="+mj-ea"/>
+              </a:rPr>
+              <a:t>npm</a:t>
+            </a:r>
+            <a:r>
+              <a:rPr lang="en-US" altLang="zh-TW" sz="2600" dirty="0">
+                <a:solidFill>
+                  <a:schemeClr val="bg1"/>
+                </a:solidFill>
+                <a:latin typeface="+mj-ea"/>
+                <a:ea typeface="+mj-ea"/>
+              </a:rPr>
+              <a:t>  run </a:t>
+            </a:r>
+            <a:r>
+              <a:rPr lang="en-US" altLang="zh-TW" sz="2600" dirty="0" err="1">
+                <a:solidFill>
+                  <a:schemeClr val="bg1"/>
+                </a:solidFill>
+                <a:latin typeface="+mj-ea"/>
+                <a:ea typeface="+mj-ea"/>
+              </a:rPr>
+              <a:t>storbybook</a:t>
+            </a:r>
+            <a:r>
+              <a:rPr lang="en-US" altLang="zh-TW" sz="2600" dirty="0">
+                <a:solidFill>
+                  <a:schemeClr val="bg1"/>
+                </a:solidFill>
+                <a:latin typeface="+mj-ea"/>
+                <a:ea typeface="+mj-ea"/>
+              </a:rPr>
+              <a:t> </a:t>
+            </a:r>
+            <a:r>
+              <a:rPr lang="zh-TW" altLang="en-US" sz="2600" dirty="0">
+                <a:solidFill>
+                  <a:schemeClr val="bg1"/>
+                </a:solidFill>
+                <a:latin typeface="+mj-ea"/>
+                <a:ea typeface="+mj-ea"/>
+              </a:rPr>
+              <a:t>是否有畫面</a:t>
+            </a:r>
+          </a:p>
+        </p:txBody>
+      </p:sp>
+    </p:spTree>
+    <p:extLst>
+      <p:ext uri="{BB962C8B-B14F-4D97-AF65-F5344CB8AC3E}">
+        <p14:creationId xmlns:p14="http://schemas.microsoft.com/office/powerpoint/2010/main" val="1210377728"/>
+      </p:ext>
+    </p:extLst>
+  </p:cSld>
+  <p:clrMapOvr>
+    <a:masterClrMapping/>
+  </p:clrMapOvr>
+  <mc:AlternateContent xmlns:mc="http://schemas.openxmlformats.org/markup-compatibility/2006" xmlns:p14="http://schemas.microsoft.com/office/powerpoint/2010/main">
+    <mc:Choice Requires="p14">
+      <p:transition p14:dur="160">
+        <p:fade/>
+      </p:transition>
+    </mc:Choice>
+    <mc:Fallback xmlns="">
+      <p:transition>
+        <p:fade/>
+      </p:transition>
+    </mc:Fallback>
+  </mc:AlternateContent>
+</p:sld>
+</file>
+
+<file path=ppt/slides/slide20.xml><?xml version="1.0" encoding="utf-8"?>
+<p:sld xmlns:a="http://schemas.openxmlformats.org/drawingml/2006/main" xmlns:r="http://schemas.openxmlformats.org/officeDocument/2006/relationships" xmlns:p="http://schemas.openxmlformats.org/presentationml/2006/main">
+  <p:cSld>
+    <p:spTree>
+      <p:nvGrpSpPr>
+        <p:cNvPr id="1" name=""/>
+        <p:cNvGrpSpPr/>
+        <p:nvPr/>
+      </p:nvGrpSpPr>
+      <p:grpSpPr>
+        <a:xfrm>
+          <a:off x="0" y="0"/>
+          <a:ext cx="0" cy="0"/>
+          <a:chOff x="0" y="0"/>
+          <a:chExt cx="0" cy="0"/>
+        </a:xfrm>
+      </p:grpSpPr>
+      <p:sp>
+        <p:nvSpPr>
           <p:cNvPr id="2" name="投影片編號版面配置區 1">
             <a:extLst>
               <a:ext uri="{FF2B5EF4-FFF2-40B4-BE49-F238E27FC236}">
@@ -9566,7 +10467,7 @@
             <a:fld id="{4FAB73BC-B049-4115-A692-8D63A059BFB8}" type="slidenum">
               <a:rPr lang="en-US" smtClean="0"/>
               <a:pPr/>
-              <a:t>19</a:t>
+              <a:t>20</a:t>
             </a:fld>
             <a:endParaRPr lang="en-US" dirty="0"/>
           </a:p>
@@ -9594,13 +10495,13 @@
           <a:lstStyle/>
           <a:p>
             <a:r>
-              <a:rPr lang="en-US" altLang="zh-TW" b="1" dirty="0" err="1" smtClean="0">
+              <a:rPr lang="en-US" altLang="zh-TW" b="1" dirty="0" err="1">
                 <a:latin typeface="+mn-ea"/>
               </a:rPr>
               <a:t>useState</a:t>
             </a:r>
             <a:r>
-              <a:rPr lang="zh-TW" altLang="en-US" b="1" dirty="0" smtClean="0">
+              <a:rPr lang="zh-TW" altLang="en-US" b="1" dirty="0">
                 <a:latin typeface="+mn-ea"/>
               </a:rPr>
               <a:t>運作流程</a:t>
@@ -10197,7 +11098,7 @@
           <a:p>
             <a:pPr algn="ctr"/>
             <a:r>
-              <a:rPr lang="en-US" altLang="zh-TW" sz="2400" dirty="0" smtClean="0">
+              <a:rPr lang="en-US" altLang="zh-TW" sz="2400" dirty="0">
                 <a:latin typeface="Arial Black" panose="020B0A04020102020204" pitchFamily="34" charset="0"/>
               </a:rPr>
               <a:t>Value</a:t>
@@ -10304,17 +11205,10 @@
       </p:transition>
     </mc:Fallback>
   </mc:AlternateContent>
-  <p:timing>
-    <p:tnLst>
-      <p:par>
-        <p:cTn id="1" dur="indefinite" restart="never" nodeType="tmRoot"/>
-      </p:par>
-    </p:tnLst>
-  </p:timing>
 </p:sld>
 </file>
 
-<file path=ppt/slides/slide2.xml><?xml version="1.0" encoding="utf-8"?>
+<file path=ppt/slides/slide21.xml><?xml version="1.0" encoding="utf-8"?>
 <p:sld xmlns:a="http://schemas.openxmlformats.org/drawingml/2006/main" xmlns:r="http://schemas.openxmlformats.org/officeDocument/2006/relationships" xmlns:p="http://schemas.openxmlformats.org/presentationml/2006/main">
   <p:cSld>
     <p:spTree>
@@ -10333,270 +11227,6 @@
       </p:grpSpPr>
       <p:sp>
         <p:nvSpPr>
-          <p:cNvPr id="2" name="標題 1">
-            <a:extLst>
-              <a:ext uri="{FF2B5EF4-FFF2-40B4-BE49-F238E27FC236}">
-                <a16:creationId xmlns:a16="http://schemas.microsoft.com/office/drawing/2014/main" id="{F0AF19AC-CCAA-4AFD-A12B-341673AD260A}"/>
-              </a:ext>
-            </a:extLst>
-          </p:cNvPr>
-          <p:cNvSpPr>
-            <a:spLocks noGrp="1"/>
-          </p:cNvSpPr>
-          <p:nvPr>
-            <p:ph type="title"/>
-          </p:nvPr>
-        </p:nvSpPr>
-        <p:spPr/>
-        <p:txBody>
-          <a:bodyPr/>
-          <a:lstStyle/>
-          <a:p>
-            <a:pPr algn="ctr"/>
-            <a:r>
-              <a:rPr lang="zh-TW" altLang="en-US" dirty="0"/>
-              <a:t>事前準備</a:t>
-            </a:r>
-          </a:p>
-        </p:txBody>
-      </p:sp>
-      <p:sp>
-        <p:nvSpPr>
-          <p:cNvPr id="3" name="內容版面配置區 2">
-            <a:extLst>
-              <a:ext uri="{FF2B5EF4-FFF2-40B4-BE49-F238E27FC236}">
-                <a16:creationId xmlns:a16="http://schemas.microsoft.com/office/drawing/2014/main" id="{6A0CBFEB-7C06-4506-845C-54A4A3A7AA15}"/>
-              </a:ext>
-            </a:extLst>
-          </p:cNvPr>
-          <p:cNvSpPr>
-            <a:spLocks noGrp="1"/>
-          </p:cNvSpPr>
-          <p:nvPr>
-            <p:ph idx="1"/>
-          </p:nvPr>
-        </p:nvSpPr>
-        <p:spPr/>
-        <p:txBody>
-          <a:bodyPr anchor="t">
-            <a:normAutofit/>
-          </a:bodyPr>
-          <a:lstStyle/>
-          <a:p>
-            <a:pPr>
-              <a:lnSpc>
-                <a:spcPct val="150000"/>
-              </a:lnSpc>
-            </a:pPr>
-            <a:r>
-              <a:rPr lang="en-US" altLang="zh-TW" sz="2600" dirty="0">
-                <a:solidFill>
-                  <a:schemeClr val="bg1"/>
-                </a:solidFill>
-                <a:latin typeface="+mj-ea"/>
-                <a:ea typeface="+mj-ea"/>
-              </a:rPr>
-              <a:t>Clone </a:t>
-            </a:r>
-            <a:r>
-              <a:rPr lang="en-US" altLang="zh-TW" sz="2600" dirty="0">
-                <a:solidFill>
-                  <a:schemeClr val="accent1">
-                    <a:lumMod val="40000"/>
-                    <a:lumOff val="60000"/>
-                  </a:schemeClr>
-                </a:solidFill>
-                <a:latin typeface="+mj-ea"/>
-                <a:ea typeface="+mj-ea"/>
-                <a:hlinkClick r:id="rId2">
-                  <a:extLst>
-                    <a:ext uri="{A12FA001-AC4F-418D-AE19-62706E023703}">
-                      <ahyp:hlinkClr xmlns="" xmlns:ahyp="http://schemas.microsoft.com/office/drawing/2018/hyperlinkcolor" val="tx"/>
-                    </a:ext>
-                  </a:extLst>
-                </a:hlinkClick>
-              </a:rPr>
-              <a:t>https://github.com/ccw1234/React-Hooks.git</a:t>
-            </a:r>
-            <a:endParaRPr lang="en-US" altLang="zh-TW" sz="2600" dirty="0">
-              <a:solidFill>
-                <a:schemeClr val="accent1">
-                  <a:lumMod val="40000"/>
-                  <a:lumOff val="60000"/>
-                </a:schemeClr>
-              </a:solidFill>
-              <a:latin typeface="+mj-ea"/>
-              <a:ea typeface="+mj-ea"/>
-            </a:endParaRPr>
-          </a:p>
-          <a:p>
-            <a:pPr>
-              <a:lnSpc>
-                <a:spcPct val="150000"/>
-              </a:lnSpc>
-            </a:pPr>
-            <a:r>
-              <a:rPr lang="zh-TW" altLang="en-US" sz="2600" dirty="0">
-                <a:solidFill>
-                  <a:schemeClr val="bg1"/>
-                </a:solidFill>
-                <a:latin typeface="+mj-ea"/>
-                <a:ea typeface="+mj-ea"/>
-              </a:rPr>
-              <a:t>或是下載 ****</a:t>
-            </a:r>
-            <a:endParaRPr lang="en-US" altLang="zh-TW" sz="2600" dirty="0">
-              <a:solidFill>
-                <a:schemeClr val="bg1"/>
-              </a:solidFill>
-              <a:latin typeface="+mj-ea"/>
-              <a:ea typeface="+mj-ea"/>
-            </a:endParaRPr>
-          </a:p>
-          <a:p>
-            <a:pPr>
-              <a:lnSpc>
-                <a:spcPct val="150000"/>
-              </a:lnSpc>
-            </a:pPr>
-            <a:r>
-              <a:rPr lang="en-US" altLang="zh-TW" sz="2600" dirty="0">
-                <a:solidFill>
-                  <a:schemeClr val="bg1"/>
-                </a:solidFill>
-                <a:latin typeface="+mj-ea"/>
-                <a:ea typeface="+mj-ea"/>
-              </a:rPr>
-              <a:t>Readme. </a:t>
-            </a:r>
-            <a:r>
-              <a:rPr lang="zh-TW" altLang="en-US" sz="2600" dirty="0">
-                <a:solidFill>
-                  <a:schemeClr val="bg1"/>
-                </a:solidFill>
-                <a:latin typeface="+mj-ea"/>
-                <a:ea typeface="+mj-ea"/>
-              </a:rPr>
-              <a:t>上有操作說明</a:t>
-            </a:r>
-            <a:endParaRPr lang="en-US" altLang="zh-TW" sz="2600" dirty="0">
-              <a:solidFill>
-                <a:schemeClr val="bg1"/>
-              </a:solidFill>
-              <a:latin typeface="+mj-ea"/>
-              <a:ea typeface="+mj-ea"/>
-            </a:endParaRPr>
-          </a:p>
-          <a:p>
-            <a:pPr>
-              <a:lnSpc>
-                <a:spcPct val="150000"/>
-              </a:lnSpc>
-            </a:pPr>
-            <a:r>
-              <a:rPr lang="en-US" altLang="zh-TW" sz="2600" dirty="0" err="1">
-                <a:solidFill>
-                  <a:schemeClr val="bg1"/>
-                </a:solidFill>
-                <a:latin typeface="+mj-ea"/>
-                <a:ea typeface="+mj-ea"/>
-              </a:rPr>
-              <a:t>npm</a:t>
-            </a:r>
-            <a:r>
-              <a:rPr lang="en-US" altLang="zh-TW" sz="2600" dirty="0">
-                <a:solidFill>
-                  <a:schemeClr val="bg1"/>
-                </a:solidFill>
-                <a:latin typeface="+mj-ea"/>
-                <a:ea typeface="+mj-ea"/>
-              </a:rPr>
-              <a:t>  run </a:t>
-            </a:r>
-            <a:r>
-              <a:rPr lang="en-US" altLang="zh-TW" sz="2600" dirty="0" err="1">
-                <a:solidFill>
-                  <a:schemeClr val="bg1"/>
-                </a:solidFill>
-                <a:latin typeface="+mj-ea"/>
-                <a:ea typeface="+mj-ea"/>
-              </a:rPr>
-              <a:t>storbybook</a:t>
-            </a:r>
-            <a:r>
-              <a:rPr lang="en-US" altLang="zh-TW" sz="2600" dirty="0">
-                <a:solidFill>
-                  <a:schemeClr val="bg1"/>
-                </a:solidFill>
-                <a:latin typeface="+mj-ea"/>
-                <a:ea typeface="+mj-ea"/>
-              </a:rPr>
-              <a:t> </a:t>
-            </a:r>
-            <a:r>
-              <a:rPr lang="zh-TW" altLang="en-US" sz="2600" dirty="0">
-                <a:solidFill>
-                  <a:schemeClr val="bg1"/>
-                </a:solidFill>
-                <a:latin typeface="+mj-ea"/>
-                <a:ea typeface="+mj-ea"/>
-              </a:rPr>
-              <a:t>是否有畫面</a:t>
-            </a:r>
-          </a:p>
-        </p:txBody>
-      </p:sp>
-    </p:spTree>
-    <p:extLst>
-      <p:ext uri="{BB962C8B-B14F-4D97-AF65-F5344CB8AC3E}">
-        <p14:creationId xmlns:p14="http://schemas.microsoft.com/office/powerpoint/2010/main" val="1210377728"/>
-      </p:ext>
-    </p:extLst>
-  </p:cSld>
-  <p:clrMapOvr>
-    <a:masterClrMapping/>
-  </p:clrMapOvr>
-  <mc:AlternateContent xmlns:mc="http://schemas.openxmlformats.org/markup-compatibility/2006" xmlns:p14="http://schemas.microsoft.com/office/powerpoint/2010/main">
-    <mc:Choice Requires="p14">
-      <p:transition p14:dur="160">
-        <p:fade/>
-      </p:transition>
-    </mc:Choice>
-    <mc:Fallback xmlns="">
-      <p:transition>
-        <p:fade/>
-      </p:transition>
-    </mc:Fallback>
-  </mc:AlternateContent>
-  <p:timing>
-    <p:tnLst>
-      <p:par>
-        <p:cTn id="1" dur="indefinite" restart="never" nodeType="tmRoot"/>
-      </p:par>
-    </p:tnLst>
-  </p:timing>
-</p:sld>
-</file>
-
-<file path=ppt/slides/slide20.xml><?xml version="1.0" encoding="utf-8"?>
-<p:sld xmlns:a="http://schemas.openxmlformats.org/drawingml/2006/main" xmlns:r="http://schemas.openxmlformats.org/officeDocument/2006/relationships" xmlns:p="http://schemas.openxmlformats.org/presentationml/2006/main">
-  <p:cSld>
-    <p:spTree>
-      <p:nvGrpSpPr>
-        <p:cNvPr id="1" name=""/>
-        <p:cNvGrpSpPr/>
-        <p:nvPr/>
-      </p:nvGrpSpPr>
-      <p:grpSpPr>
-        <a:xfrm>
-          <a:off x="0" y="0"/>
-          <a:ext cx="0" cy="0"/>
-          <a:chOff x="0" y="0"/>
-          <a:chExt cx="0" cy="0"/>
-        </a:xfrm>
-      </p:grpSpPr>
-      <p:sp>
-        <p:nvSpPr>
           <p:cNvPr id="2" name="投影片編號版面配置區 1">
             <a:extLst>
               <a:ext uri="{FF2B5EF4-FFF2-40B4-BE49-F238E27FC236}">
@@ -10619,7 +11249,7 @@
             <a:fld id="{4FAB73BC-B049-4115-A692-8D63A059BFB8}" type="slidenum">
               <a:rPr lang="en-US" smtClean="0"/>
               <a:pPr/>
-              <a:t>20</a:t>
+              <a:t>21</a:t>
             </a:fld>
             <a:endParaRPr lang="en-US" dirty="0"/>
           </a:p>
@@ -10818,17 +11448,10 @@
       </p:transition>
     </mc:Fallback>
   </mc:AlternateContent>
-  <p:timing>
-    <p:tnLst>
-      <p:par>
-        <p:cTn id="1" dur="indefinite" restart="never" nodeType="tmRoot"/>
-      </p:par>
-    </p:tnLst>
-  </p:timing>
 </p:sld>
 </file>
 
-<file path=ppt/slides/slide21.xml><?xml version="1.0" encoding="utf-8"?>
+<file path=ppt/slides/slide22.xml><?xml version="1.0" encoding="utf-8"?>
 <p:sld xmlns:a="http://schemas.openxmlformats.org/drawingml/2006/main" xmlns:r="http://schemas.openxmlformats.org/officeDocument/2006/relationships" xmlns:p="http://schemas.openxmlformats.org/presentationml/2006/main">
   <p:cSld>
     <p:spTree>
@@ -10869,7 +11492,7 @@
             <a:fld id="{4FAB73BC-B049-4115-A692-8D63A059BFB8}" type="slidenum">
               <a:rPr lang="en-US" smtClean="0"/>
               <a:pPr/>
-              <a:t>21</a:t>
+              <a:t>22</a:t>
             </a:fld>
             <a:endParaRPr lang="en-US" dirty="0"/>
           </a:p>
@@ -11362,17 +11985,10 @@
       </p:transition>
     </mc:Fallback>
   </mc:AlternateContent>
-  <p:timing>
-    <p:tnLst>
-      <p:par>
-        <p:cTn id="1" dur="indefinite" restart="never" nodeType="tmRoot"/>
-      </p:par>
-    </p:tnLst>
-  </p:timing>
 </p:sld>
 </file>
 
-<file path=ppt/slides/slide22.xml><?xml version="1.0" encoding="utf-8"?>
+<file path=ppt/slides/slide23.xml><?xml version="1.0" encoding="utf-8"?>
 <p:sld xmlns:a="http://schemas.openxmlformats.org/drawingml/2006/main" xmlns:r="http://schemas.openxmlformats.org/officeDocument/2006/relationships" xmlns:p="http://schemas.openxmlformats.org/presentationml/2006/main">
   <p:cSld>
     <p:spTree>
@@ -11413,7 +12029,7 @@
             <a:fld id="{4FAB73BC-B049-4115-A692-8D63A059BFB8}" type="slidenum">
               <a:rPr lang="en-US" smtClean="0"/>
               <a:pPr/>
-              <a:t>22</a:t>
+              <a:t>23</a:t>
             </a:fld>
             <a:endParaRPr lang="en-US" dirty="0"/>
           </a:p>
@@ -11589,17 +12205,10 @@
       </p:transition>
     </mc:Fallback>
   </mc:AlternateContent>
-  <p:timing>
-    <p:tnLst>
-      <p:par>
-        <p:cTn id="1" dur="indefinite" restart="never" nodeType="tmRoot"/>
-      </p:par>
-    </p:tnLst>
-  </p:timing>
 </p:sld>
 </file>
 
-<file path=ppt/slides/slide23.xml><?xml version="1.0" encoding="utf-8"?>
+<file path=ppt/slides/slide24.xml><?xml version="1.0" encoding="utf-8"?>
 <p:sld xmlns:a="http://schemas.openxmlformats.org/drawingml/2006/main" xmlns:r="http://schemas.openxmlformats.org/officeDocument/2006/relationships" xmlns:p="http://schemas.openxmlformats.org/presentationml/2006/main">
   <p:cSld>
     <p:spTree>
@@ -11640,7 +12249,7 @@
             <a:fld id="{4FAB73BC-B049-4115-A692-8D63A059BFB8}" type="slidenum">
               <a:rPr lang="en-US" smtClean="0"/>
               <a:pPr/>
-              <a:t>23</a:t>
+              <a:t>24</a:t>
             </a:fld>
             <a:endParaRPr lang="en-US" dirty="0"/>
           </a:p>
@@ -11779,20 +12388,9 @@
                 </a:solidFill>
                 <a:latin typeface="+mn-ea"/>
               </a:rPr>
-              <a:t> 的</a:t>
-            </a:r>
-            <a:r>
-              <a:rPr lang="zh-TW" altLang="en-US" sz="3200" dirty="0" smtClean="0">
-                <a:solidFill>
-                  <a:schemeClr val="bg1">
-                    <a:lumMod val="75000"/>
-                  </a:schemeClr>
-                </a:solidFill>
-                <a:latin typeface="+mn-ea"/>
-              </a:rPr>
-              <a:t>傳遞</a:t>
-            </a:r>
-            <a:endParaRPr lang="en-US" altLang="zh-TW" sz="3200" dirty="0" smtClean="0">
+              <a:t> 的傳遞</a:t>
+            </a:r>
+            <a:endParaRPr lang="en-US" altLang="zh-TW" sz="3200" dirty="0">
               <a:solidFill>
                 <a:schemeClr val="bg1">
                   <a:lumMod val="75000"/>
@@ -11825,17 +12423,10 @@
       </p:transition>
     </mc:Fallback>
   </mc:AlternateContent>
-  <p:timing>
-    <p:tnLst>
-      <p:par>
-        <p:cTn id="1" dur="indefinite" restart="never" nodeType="tmRoot"/>
-      </p:par>
-    </p:tnLst>
-  </p:timing>
 </p:sld>
 </file>
 
-<file path=ppt/slides/slide24.xml><?xml version="1.0" encoding="utf-8"?>
+<file path=ppt/slides/slide25.xml><?xml version="1.0" encoding="utf-8"?>
 <p:sld xmlns:a="http://schemas.openxmlformats.org/drawingml/2006/main" xmlns:r="http://schemas.openxmlformats.org/officeDocument/2006/relationships" xmlns:p="http://schemas.openxmlformats.org/presentationml/2006/main">
   <p:cSld>
     <p:spTree>
@@ -11876,7 +12467,7 @@
             <a:fld id="{4FAB73BC-B049-4115-A692-8D63A059BFB8}" type="slidenum">
               <a:rPr lang="en-US" smtClean="0"/>
               <a:pPr/>
-              <a:t>24</a:t>
+              <a:t>25</a:t>
             </a:fld>
             <a:endParaRPr lang="en-US" dirty="0"/>
           </a:p>
@@ -12463,17 +13054,10 @@
       </p:transition>
     </mc:Fallback>
   </mc:AlternateContent>
-  <p:timing>
-    <p:tnLst>
-      <p:par>
-        <p:cTn id="1" dur="indefinite" restart="never" nodeType="tmRoot"/>
-      </p:par>
-    </p:tnLst>
-  </p:timing>
 </p:sld>
 </file>
 
-<file path=ppt/slides/slide25.xml><?xml version="1.0" encoding="utf-8"?>
+<file path=ppt/slides/slide26.xml><?xml version="1.0" encoding="utf-8"?>
 <p:sld xmlns:a="http://schemas.openxmlformats.org/drawingml/2006/main" xmlns:r="http://schemas.openxmlformats.org/officeDocument/2006/relationships" xmlns:p="http://schemas.openxmlformats.org/presentationml/2006/main">
   <p:cSld>
     <p:spTree>
@@ -12514,7 +13098,7 @@
             <a:fld id="{4FAB73BC-B049-4115-A692-8D63A059BFB8}" type="slidenum">
               <a:rPr lang="en-US" smtClean="0"/>
               <a:pPr/>
-              <a:t>25</a:t>
+              <a:t>26</a:t>
             </a:fld>
             <a:endParaRPr lang="en-US" dirty="0"/>
           </a:p>
@@ -12894,17 +13478,10 @@
       </p:transition>
     </mc:Fallback>
   </mc:AlternateContent>
-  <p:timing>
-    <p:tnLst>
-      <p:par>
-        <p:cTn id="1" dur="indefinite" restart="never" nodeType="tmRoot"/>
-      </p:par>
-    </p:tnLst>
-  </p:timing>
 </p:sld>
 </file>
 
-<file path=ppt/slides/slide26.xml><?xml version="1.0" encoding="utf-8"?>
+<file path=ppt/slides/slide27.xml><?xml version="1.0" encoding="utf-8"?>
 <p:sld xmlns:a="http://schemas.openxmlformats.org/drawingml/2006/main" xmlns:r="http://schemas.openxmlformats.org/officeDocument/2006/relationships" xmlns:p="http://schemas.openxmlformats.org/presentationml/2006/main">
   <p:cSld>
     <p:spTree>
@@ -12945,7 +13522,7 @@
             <a:fld id="{4FAB73BC-B049-4115-A692-8D63A059BFB8}" type="slidenum">
               <a:rPr lang="en-US" smtClean="0"/>
               <a:pPr/>
-              <a:t>26</a:t>
+              <a:t>27</a:t>
             </a:fld>
             <a:endParaRPr lang="en-US" dirty="0"/>
           </a:p>
@@ -13153,17 +13730,10 @@
       </p:transition>
     </mc:Fallback>
   </mc:AlternateContent>
-  <p:timing>
-    <p:tnLst>
-      <p:par>
-        <p:cTn id="1" dur="indefinite" restart="never" nodeType="tmRoot"/>
-      </p:par>
-    </p:tnLst>
-  </p:timing>
 </p:sld>
 </file>
 
-<file path=ppt/slides/slide27.xml><?xml version="1.0" encoding="utf-8"?>
+<file path=ppt/slides/slide28.xml><?xml version="1.0" encoding="utf-8"?>
 <p:sld xmlns:a="http://schemas.openxmlformats.org/drawingml/2006/main" xmlns:r="http://schemas.openxmlformats.org/officeDocument/2006/relationships" xmlns:p="http://schemas.openxmlformats.org/presentationml/2006/main">
   <p:cSld>
     <p:spTree>
@@ -13204,7 +13774,7 @@
             <a:fld id="{4FAB73BC-B049-4115-A692-8D63A059BFB8}" type="slidenum">
               <a:rPr lang="en-US" smtClean="0"/>
               <a:pPr/>
-              <a:t>27</a:t>
+              <a:t>28</a:t>
             </a:fld>
             <a:endParaRPr lang="en-US" dirty="0"/>
           </a:p>
@@ -13618,17 +14188,10 @@
       </p:transition>
     </mc:Fallback>
   </mc:AlternateContent>
-  <p:timing>
-    <p:tnLst>
-      <p:par>
-        <p:cTn id="1" dur="indefinite" restart="never" nodeType="tmRoot"/>
-      </p:par>
-    </p:tnLst>
-  </p:timing>
 </p:sld>
 </file>
 
-<file path=ppt/slides/slide28.xml><?xml version="1.0" encoding="utf-8"?>
+<file path=ppt/slides/slide29.xml><?xml version="1.0" encoding="utf-8"?>
 <p:sld xmlns:a="http://schemas.openxmlformats.org/drawingml/2006/main" xmlns:r="http://schemas.openxmlformats.org/officeDocument/2006/relationships" xmlns:p="http://schemas.openxmlformats.org/presentationml/2006/main">
   <p:cSld>
     <p:spTree>
@@ -13669,7 +14232,7 @@
             <a:fld id="{4FAB73BC-B049-4115-A692-8D63A059BFB8}" type="slidenum">
               <a:rPr lang="en-US" smtClean="0"/>
               <a:pPr/>
-              <a:t>28</a:t>
+              <a:t>29</a:t>
             </a:fld>
             <a:endParaRPr lang="en-US" dirty="0"/>
           </a:p>
@@ -13962,17 +14525,10 @@
       </p:transition>
     </mc:Fallback>
   </mc:AlternateContent>
-  <p:timing>
-    <p:tnLst>
-      <p:par>
-        <p:cTn id="1" dur="indefinite" restart="never" nodeType="tmRoot"/>
-      </p:par>
-    </p:tnLst>
-  </p:timing>
 </p:sld>
 </file>
 
-<file path=ppt/slides/slide29.xml><?xml version="1.0" encoding="utf-8"?>
+<file path=ppt/slides/slide3.xml><?xml version="1.0" encoding="utf-8"?>
 <p:sld xmlns:a="http://schemas.openxmlformats.org/drawingml/2006/main" xmlns:r="http://schemas.openxmlformats.org/officeDocument/2006/relationships" xmlns:p="http://schemas.openxmlformats.org/presentationml/2006/main">
   <p:cSld>
     <p:spTree>
@@ -13991,6 +14547,248 @@
       </p:grpSpPr>
       <p:sp>
         <p:nvSpPr>
+          <p:cNvPr id="2" name="標題 1"/>
+          <p:cNvSpPr>
+            <a:spLocks noGrp="1"/>
+          </p:cNvSpPr>
+          <p:nvPr>
+            <p:ph type="title"/>
+          </p:nvPr>
+        </p:nvSpPr>
+        <p:spPr/>
+        <p:txBody>
+          <a:bodyPr/>
+          <a:lstStyle/>
+          <a:p>
+            <a:pPr algn="ctr"/>
+            <a:r>
+              <a:rPr lang="zh-TW" altLang="en-US" dirty="0"/>
+              <a:t>課程大綱</a:t>
+            </a:r>
+          </a:p>
+        </p:txBody>
+      </p:sp>
+      <p:sp>
+        <p:nvSpPr>
+          <p:cNvPr id="3" name="內容版面配置區 2"/>
+          <p:cNvSpPr>
+            <a:spLocks noGrp="1"/>
+          </p:cNvSpPr>
+          <p:nvPr>
+            <p:ph idx="1"/>
+          </p:nvPr>
+        </p:nvSpPr>
+        <p:spPr/>
+        <p:txBody>
+          <a:bodyPr>
+            <a:normAutofit/>
+          </a:bodyPr>
+          <a:lstStyle/>
+          <a:p>
+            <a:pPr>
+              <a:lnSpc>
+                <a:spcPct val="150000"/>
+              </a:lnSpc>
+            </a:pPr>
+            <a:r>
+              <a:rPr lang="zh-TW" altLang="en-US" sz="3200" dirty="0">
+                <a:solidFill>
+                  <a:schemeClr val="bg1"/>
+                </a:solidFill>
+                <a:latin typeface="+mj-ea"/>
+                <a:ea typeface="+mj-ea"/>
+              </a:rPr>
+              <a:t>了解</a:t>
+            </a:r>
+            <a:r>
+              <a:rPr lang="en-US" altLang="zh-TW" sz="3200" dirty="0">
+                <a:solidFill>
+                  <a:schemeClr val="bg1"/>
+                </a:solidFill>
+                <a:latin typeface="+mj-ea"/>
+                <a:ea typeface="+mj-ea"/>
+              </a:rPr>
+              <a:t>Hooks</a:t>
+            </a:r>
+            <a:r>
+              <a:rPr lang="zh-TW" altLang="en-US" sz="3200" dirty="0">
+                <a:solidFill>
+                  <a:schemeClr val="bg1"/>
+                </a:solidFill>
+                <a:latin typeface="+mj-ea"/>
+                <a:ea typeface="+mj-ea"/>
+              </a:rPr>
+              <a:t>背景</a:t>
+            </a:r>
+            <a:endParaRPr lang="en-US" altLang="zh-TW" sz="3200" dirty="0">
+              <a:solidFill>
+                <a:schemeClr val="bg1"/>
+              </a:solidFill>
+              <a:latin typeface="+mj-ea"/>
+              <a:ea typeface="+mj-ea"/>
+            </a:endParaRPr>
+          </a:p>
+          <a:p>
+            <a:pPr>
+              <a:lnSpc>
+                <a:spcPct val="150000"/>
+              </a:lnSpc>
+            </a:pPr>
+            <a:r>
+              <a:rPr lang="zh-TW" altLang="en-US" sz="3200" dirty="0">
+                <a:solidFill>
+                  <a:schemeClr val="bg1"/>
+                </a:solidFill>
+                <a:latin typeface="+mj-ea"/>
+                <a:ea typeface="+mj-ea"/>
+              </a:rPr>
+              <a:t>探索</a:t>
+            </a:r>
+            <a:r>
+              <a:rPr lang="en-US" altLang="zh-TW" sz="3200" dirty="0">
+                <a:solidFill>
+                  <a:schemeClr val="bg1"/>
+                </a:solidFill>
+                <a:latin typeface="+mj-ea"/>
+                <a:ea typeface="+mj-ea"/>
+              </a:rPr>
+              <a:t>React</a:t>
+            </a:r>
+            <a:r>
+              <a:rPr lang="zh-TW" altLang="en-US" sz="3200" dirty="0">
+                <a:solidFill>
+                  <a:schemeClr val="bg1"/>
+                </a:solidFill>
+                <a:latin typeface="+mj-ea"/>
+                <a:ea typeface="+mj-ea"/>
+              </a:rPr>
+              <a:t>的初衷</a:t>
+            </a:r>
+            <a:endParaRPr lang="en-US" altLang="zh-TW" sz="3200" dirty="0">
+              <a:solidFill>
+                <a:schemeClr val="bg1"/>
+              </a:solidFill>
+              <a:latin typeface="+mj-ea"/>
+              <a:ea typeface="+mj-ea"/>
+            </a:endParaRPr>
+          </a:p>
+          <a:p>
+            <a:pPr>
+              <a:lnSpc>
+                <a:spcPct val="150000"/>
+              </a:lnSpc>
+            </a:pPr>
+            <a:r>
+              <a:rPr lang="zh-TW" altLang="en-US" sz="3200" dirty="0">
+                <a:solidFill>
+                  <a:schemeClr val="bg1"/>
+                </a:solidFill>
+                <a:latin typeface="+mj-ea"/>
+                <a:ea typeface="+mj-ea"/>
+              </a:rPr>
+              <a:t>如何使用</a:t>
+            </a:r>
+            <a:r>
+              <a:rPr lang="en-US" altLang="zh-TW" sz="3200" dirty="0">
+                <a:solidFill>
+                  <a:schemeClr val="bg1"/>
+                </a:solidFill>
+                <a:latin typeface="+mj-ea"/>
+                <a:ea typeface="+mj-ea"/>
+              </a:rPr>
+              <a:t>Hooks</a:t>
+            </a:r>
+          </a:p>
+          <a:p>
+            <a:pPr>
+              <a:lnSpc>
+                <a:spcPct val="150000"/>
+              </a:lnSpc>
+            </a:pPr>
+            <a:r>
+              <a:rPr lang="zh-TW" altLang="en-US" sz="3200" dirty="0">
+                <a:solidFill>
+                  <a:schemeClr val="bg1"/>
+                </a:solidFill>
+                <a:latin typeface="+mj-ea"/>
+                <a:ea typeface="+mj-ea"/>
+              </a:rPr>
+              <a:t>深入了解</a:t>
+            </a:r>
+            <a:r>
+              <a:rPr lang="en-US" altLang="zh-TW" sz="3200" dirty="0">
+                <a:solidFill>
+                  <a:schemeClr val="bg1"/>
+                </a:solidFill>
+                <a:latin typeface="+mj-ea"/>
+                <a:ea typeface="+mj-ea"/>
+              </a:rPr>
+              <a:t>Hooks</a:t>
+            </a:r>
+            <a:r>
+              <a:rPr lang="zh-TW" altLang="en-US" sz="3200" dirty="0">
+                <a:solidFill>
+                  <a:schemeClr val="bg1"/>
+                </a:solidFill>
+                <a:latin typeface="+mj-ea"/>
+                <a:ea typeface="+mj-ea"/>
+              </a:rPr>
+              <a:t>結構</a:t>
+            </a:r>
+            <a:endParaRPr lang="en-US" altLang="zh-TW" sz="3200" dirty="0">
+              <a:solidFill>
+                <a:schemeClr val="bg1"/>
+              </a:solidFill>
+              <a:latin typeface="+mj-ea"/>
+              <a:ea typeface="+mj-ea"/>
+            </a:endParaRPr>
+          </a:p>
+        </p:txBody>
+      </p:sp>
+    </p:spTree>
+    <p:extLst>
+      <p:ext uri="{BB962C8B-B14F-4D97-AF65-F5344CB8AC3E}">
+        <p14:creationId xmlns:p14="http://schemas.microsoft.com/office/powerpoint/2010/main" val="1345370539"/>
+      </p:ext>
+    </p:extLst>
+  </p:cSld>
+  <p:clrMapOvr>
+    <a:masterClrMapping/>
+  </p:clrMapOvr>
+  <mc:AlternateContent xmlns:mc="http://schemas.openxmlformats.org/markup-compatibility/2006" xmlns:p14="http://schemas.microsoft.com/office/powerpoint/2010/main">
+    <mc:Choice Requires="p14">
+      <p:transition p14:dur="160">
+        <p:fade/>
+      </p:transition>
+    </mc:Choice>
+    <mc:Fallback xmlns="">
+      <p:transition>
+        <p:fade/>
+      </p:transition>
+    </mc:Fallback>
+  </mc:AlternateContent>
+</p:sld>
+</file>
+
+<file path=ppt/slides/slide30.xml><?xml version="1.0" encoding="utf-8"?>
+<p:sld xmlns:a="http://schemas.openxmlformats.org/drawingml/2006/main" xmlns:r="http://schemas.openxmlformats.org/officeDocument/2006/relationships" xmlns:p="http://schemas.openxmlformats.org/presentationml/2006/main">
+  <p:cSld>
+    <p:spTree>
+      <p:nvGrpSpPr>
+        <p:cNvPr id="1" name=""/>
+        <p:cNvGrpSpPr/>
+        <p:nvPr/>
+      </p:nvGrpSpPr>
+      <p:grpSpPr>
+        <a:xfrm>
+          <a:off x="0" y="0"/>
+          <a:ext cx="0" cy="0"/>
+          <a:chOff x="0" y="0"/>
+          <a:chExt cx="0" cy="0"/>
+        </a:xfrm>
+      </p:grpSpPr>
+      <p:sp>
+        <p:nvSpPr>
           <p:cNvPr id="2" name="投影片編號版面配置區 1"/>
           <p:cNvSpPr>
             <a:spLocks noGrp="1"/>
@@ -14007,7 +14805,7 @@
             <a:fld id="{4FAB73BC-B049-4115-A692-8D63A059BFB8}" type="slidenum">
               <a:rPr lang="en-US" smtClean="0"/>
               <a:pPr/>
-              <a:t>29</a:t>
+              <a:t>30</a:t>
             </a:fld>
             <a:endParaRPr lang="en-US" dirty="0"/>
           </a:p>
@@ -14029,14 +14827,13 @@
           <a:lstStyle/>
           <a:p>
             <a:r>
-              <a:rPr lang="en-US" altLang="zh-TW" dirty="0" smtClean="0"/>
+              <a:rPr lang="en-US" altLang="zh-TW" dirty="0"/>
               <a:t>Hooks</a:t>
             </a:r>
             <a:r>
-              <a:rPr lang="zh-TW" altLang="en-US" dirty="0" smtClean="0"/>
+              <a:rPr lang="zh-TW" altLang="en-US" dirty="0"/>
               <a:t>注意事項</a:t>
             </a:r>
-            <a:endParaRPr lang="zh-TW" altLang="en-US" dirty="0"/>
           </a:p>
         </p:txBody>
       </p:sp>
@@ -14070,7 +14867,7 @@
               <a:buChar char="•"/>
             </a:pPr>
             <a:r>
-              <a:rPr lang="zh-TW" altLang="en-US" sz="3600" dirty="0" smtClean="0">
+              <a:rPr lang="zh-TW" altLang="en-US" sz="3600" dirty="0">
                 <a:solidFill>
                   <a:schemeClr val="bg1">
                     <a:lumMod val="95000"/>
@@ -14078,20 +14875,9 @@
                 </a:solidFill>
                 <a:latin typeface="+mn-ea"/>
               </a:rPr>
-              <a:t>非立即</a:t>
-            </a:r>
-            <a:r>
-              <a:rPr lang="zh-TW" altLang="en-US" sz="3600" dirty="0">
-                <a:solidFill>
-                  <a:schemeClr val="bg1">
-                    <a:lumMod val="95000"/>
-                  </a:schemeClr>
-                </a:solidFill>
-                <a:latin typeface="+mn-ea"/>
-              </a:rPr>
-              <a:t>執行</a:t>
-            </a:r>
-            <a:endParaRPr lang="en-US" altLang="zh-TW" sz="3600" dirty="0" smtClean="0">
+              <a:t>非立即執行</a:t>
+            </a:r>
+            <a:endParaRPr lang="en-US" altLang="zh-TW" sz="3600" dirty="0">
               <a:solidFill>
                 <a:schemeClr val="bg1">
                   <a:lumMod val="95000"/>
@@ -14117,42 +14903,9 @@
                 </a:solidFill>
                 <a:latin typeface="+mn-ea"/>
               </a:rPr>
-              <a:t>方法</a:t>
-            </a:r>
-            <a:r>
-              <a:rPr lang="zh-TW" altLang="en-US" sz="3600" dirty="0" smtClean="0">
-                <a:solidFill>
-                  <a:schemeClr val="bg1">
-                    <a:lumMod val="95000"/>
-                  </a:schemeClr>
-                </a:solidFill>
-                <a:latin typeface="+mn-ea"/>
-              </a:rPr>
-              <a:t>並非使用後就</a:t>
-            </a:r>
-            <a:r>
-              <a:rPr lang="zh-TW" altLang="en-US" sz="3600" dirty="0">
-                <a:solidFill>
-                  <a:schemeClr val="bg1">
-                    <a:lumMod val="95000"/>
-                  </a:schemeClr>
-                </a:solidFill>
-                <a:latin typeface="+mn-ea"/>
-              </a:rPr>
-              <a:t>一定</a:t>
-            </a:r>
-            <a:r>
-              <a:rPr lang="zh-TW" altLang="en-US" sz="3600" dirty="0" smtClean="0">
-                <a:solidFill>
-                  <a:schemeClr val="bg1">
-                    <a:lumMod val="95000"/>
-                  </a:schemeClr>
-                </a:solidFill>
-                <a:latin typeface="+mn-ea"/>
-              </a:rPr>
-              <a:t>執行</a:t>
-            </a:r>
-            <a:endParaRPr lang="en-US" altLang="zh-TW" sz="3600" dirty="0" smtClean="0">
+              <a:t>方法並非使用後就一定執行</a:t>
+            </a:r>
+            <a:endParaRPr lang="en-US" altLang="zh-TW" sz="3600" dirty="0">
               <a:solidFill>
                 <a:schemeClr val="bg1">
                   <a:lumMod val="95000"/>
@@ -14170,7 +14923,7 @@
               <a:buChar char="•"/>
             </a:pPr>
             <a:r>
-              <a:rPr lang="zh-TW" altLang="en-US" sz="3600" dirty="0" smtClean="0">
+              <a:rPr lang="zh-TW" altLang="en-US" sz="3600" dirty="0">
                 <a:solidFill>
                   <a:schemeClr val="bg1">
                     <a:lumMod val="95000"/>
@@ -14213,17 +14966,10 @@
       </p:transition>
     </mc:Fallback>
   </mc:AlternateContent>
-  <p:timing>
-    <p:tnLst>
-      <p:par>
-        <p:cTn id="1" dur="indefinite" restart="never" nodeType="tmRoot"/>
-      </p:par>
-    </p:tnLst>
-  </p:timing>
 </p:sld>
 </file>
 
-<file path=ppt/slides/slide3.xml><?xml version="1.0" encoding="utf-8"?>
+<file path=ppt/slides/slide31.xml><?xml version="1.0" encoding="utf-8"?>
 <p:sld xmlns:a="http://schemas.openxmlformats.org/drawingml/2006/main" xmlns:r="http://schemas.openxmlformats.org/officeDocument/2006/relationships" xmlns:p="http://schemas.openxmlformats.org/presentationml/2006/main">
   <p:cSld>
     <p:spTree>
@@ -14242,256 +14988,6 @@
       </p:grpSpPr>
       <p:sp>
         <p:nvSpPr>
-          <p:cNvPr id="2" name="標題 1"/>
-          <p:cNvSpPr>
-            <a:spLocks noGrp="1"/>
-          </p:cNvSpPr>
-          <p:nvPr>
-            <p:ph type="title"/>
-          </p:nvPr>
-        </p:nvSpPr>
-        <p:spPr/>
-        <p:txBody>
-          <a:bodyPr/>
-          <a:lstStyle/>
-          <a:p>
-            <a:pPr algn="ctr"/>
-            <a:r>
-              <a:rPr lang="zh-TW" altLang="en-US" dirty="0" smtClean="0"/>
-              <a:t>課程大綱</a:t>
-            </a:r>
-            <a:endParaRPr lang="zh-TW" altLang="en-US" dirty="0"/>
-          </a:p>
-        </p:txBody>
-      </p:sp>
-      <p:sp>
-        <p:nvSpPr>
-          <p:cNvPr id="3" name="內容版面配置區 2"/>
-          <p:cNvSpPr>
-            <a:spLocks noGrp="1"/>
-          </p:cNvSpPr>
-          <p:nvPr>
-            <p:ph idx="1"/>
-          </p:nvPr>
-        </p:nvSpPr>
-        <p:spPr/>
-        <p:txBody>
-          <a:bodyPr>
-            <a:normAutofit/>
-          </a:bodyPr>
-          <a:lstStyle/>
-          <a:p>
-            <a:pPr>
-              <a:lnSpc>
-                <a:spcPct val="150000"/>
-              </a:lnSpc>
-            </a:pPr>
-            <a:r>
-              <a:rPr lang="zh-TW" altLang="en-US" sz="3200" dirty="0" smtClean="0">
-                <a:solidFill>
-                  <a:schemeClr val="bg1"/>
-                </a:solidFill>
-                <a:latin typeface="+mj-ea"/>
-                <a:ea typeface="+mj-ea"/>
-              </a:rPr>
-              <a:t>了解</a:t>
-            </a:r>
-            <a:r>
-              <a:rPr lang="en-US" altLang="zh-TW" sz="3200" dirty="0" smtClean="0">
-                <a:solidFill>
-                  <a:schemeClr val="bg1"/>
-                </a:solidFill>
-                <a:latin typeface="+mj-ea"/>
-                <a:ea typeface="+mj-ea"/>
-              </a:rPr>
-              <a:t>Hooks</a:t>
-            </a:r>
-            <a:r>
-              <a:rPr lang="zh-TW" altLang="en-US" sz="3200" dirty="0" smtClean="0">
-                <a:solidFill>
-                  <a:schemeClr val="bg1"/>
-                </a:solidFill>
-                <a:latin typeface="+mj-ea"/>
-                <a:ea typeface="+mj-ea"/>
-              </a:rPr>
-              <a:t>背景</a:t>
-            </a:r>
-            <a:endParaRPr lang="en-US" altLang="zh-TW" sz="3200" dirty="0" smtClean="0">
-              <a:solidFill>
-                <a:schemeClr val="bg1"/>
-              </a:solidFill>
-              <a:latin typeface="+mj-ea"/>
-              <a:ea typeface="+mj-ea"/>
-            </a:endParaRPr>
-          </a:p>
-          <a:p>
-            <a:pPr>
-              <a:lnSpc>
-                <a:spcPct val="150000"/>
-              </a:lnSpc>
-            </a:pPr>
-            <a:r>
-              <a:rPr lang="zh-TW" altLang="en-US" sz="3200" dirty="0" smtClean="0">
-                <a:solidFill>
-                  <a:schemeClr val="bg1"/>
-                </a:solidFill>
-                <a:latin typeface="+mj-ea"/>
-                <a:ea typeface="+mj-ea"/>
-              </a:rPr>
-              <a:t>探索</a:t>
-            </a:r>
-            <a:r>
-              <a:rPr lang="en-US" altLang="zh-TW" sz="3200" dirty="0" smtClean="0">
-                <a:solidFill>
-                  <a:schemeClr val="bg1"/>
-                </a:solidFill>
-                <a:latin typeface="+mj-ea"/>
-                <a:ea typeface="+mj-ea"/>
-              </a:rPr>
-              <a:t>React</a:t>
-            </a:r>
-            <a:r>
-              <a:rPr lang="zh-TW" altLang="en-US" sz="3200" dirty="0" smtClean="0">
-                <a:solidFill>
-                  <a:schemeClr val="bg1"/>
-                </a:solidFill>
-                <a:latin typeface="+mj-ea"/>
-                <a:ea typeface="+mj-ea"/>
-              </a:rPr>
-              <a:t>的初衷</a:t>
-            </a:r>
-            <a:endParaRPr lang="en-US" altLang="zh-TW" sz="3200" dirty="0">
-              <a:solidFill>
-                <a:schemeClr val="bg1"/>
-              </a:solidFill>
-              <a:latin typeface="+mj-ea"/>
-              <a:ea typeface="+mj-ea"/>
-            </a:endParaRPr>
-          </a:p>
-          <a:p>
-            <a:pPr>
-              <a:lnSpc>
-                <a:spcPct val="150000"/>
-              </a:lnSpc>
-            </a:pPr>
-            <a:r>
-              <a:rPr lang="zh-TW" altLang="en-US" sz="3200" dirty="0" smtClean="0">
-                <a:solidFill>
-                  <a:schemeClr val="bg1"/>
-                </a:solidFill>
-                <a:latin typeface="+mj-ea"/>
-                <a:ea typeface="+mj-ea"/>
-              </a:rPr>
-              <a:t>如何使用</a:t>
-            </a:r>
-            <a:r>
-              <a:rPr lang="en-US" altLang="zh-TW" sz="3200" dirty="0" smtClean="0">
-                <a:solidFill>
-                  <a:schemeClr val="bg1"/>
-                </a:solidFill>
-                <a:latin typeface="+mj-ea"/>
-                <a:ea typeface="+mj-ea"/>
-              </a:rPr>
-              <a:t>Hooks</a:t>
-            </a:r>
-          </a:p>
-          <a:p>
-            <a:pPr>
-              <a:lnSpc>
-                <a:spcPct val="150000"/>
-              </a:lnSpc>
-            </a:pPr>
-            <a:r>
-              <a:rPr lang="zh-TW" altLang="en-US" sz="3200" dirty="0" smtClean="0">
-                <a:solidFill>
-                  <a:schemeClr val="bg1"/>
-                </a:solidFill>
-                <a:latin typeface="+mj-ea"/>
-                <a:ea typeface="+mj-ea"/>
-              </a:rPr>
-              <a:t>深入了解</a:t>
-            </a:r>
-            <a:r>
-              <a:rPr lang="en-US" altLang="zh-TW" sz="3200" dirty="0" smtClean="0">
-                <a:solidFill>
-                  <a:schemeClr val="bg1"/>
-                </a:solidFill>
-                <a:latin typeface="+mj-ea"/>
-                <a:ea typeface="+mj-ea"/>
-              </a:rPr>
-              <a:t>Hooks</a:t>
-            </a:r>
-            <a:r>
-              <a:rPr lang="zh-TW" altLang="en-US" sz="3200" dirty="0" smtClean="0">
-                <a:solidFill>
-                  <a:schemeClr val="bg1"/>
-                </a:solidFill>
-                <a:latin typeface="+mj-ea"/>
-                <a:ea typeface="+mj-ea"/>
-              </a:rPr>
-              <a:t>結構</a:t>
-            </a:r>
-            <a:endParaRPr lang="en-US" altLang="zh-TW" sz="3200" dirty="0" smtClean="0">
-              <a:solidFill>
-                <a:schemeClr val="bg1"/>
-              </a:solidFill>
-              <a:latin typeface="+mj-ea"/>
-              <a:ea typeface="+mj-ea"/>
-            </a:endParaRPr>
-          </a:p>
-        </p:txBody>
-      </p:sp>
-    </p:spTree>
-    <p:extLst>
-      <p:ext uri="{BB962C8B-B14F-4D97-AF65-F5344CB8AC3E}">
-        <p14:creationId xmlns:p14="http://schemas.microsoft.com/office/powerpoint/2010/main" val="1345370539"/>
-      </p:ext>
-    </p:extLst>
-  </p:cSld>
-  <p:clrMapOvr>
-    <a:masterClrMapping/>
-  </p:clrMapOvr>
-  <mc:AlternateContent xmlns:mc="http://schemas.openxmlformats.org/markup-compatibility/2006" xmlns:p14="http://schemas.microsoft.com/office/powerpoint/2010/main">
-    <mc:Choice Requires="p14">
-      <p:transition p14:dur="160">
-        <p:fade/>
-      </p:transition>
-    </mc:Choice>
-    <mc:Fallback xmlns="">
-      <p:transition>
-        <p:fade/>
-      </p:transition>
-    </mc:Fallback>
-  </mc:AlternateContent>
-  <p:timing>
-    <p:tnLst>
-      <p:par>
-        <p:cTn id="1" dur="indefinite" restart="never" nodeType="tmRoot"/>
-      </p:par>
-    </p:tnLst>
-  </p:timing>
-</p:sld>
-</file>
-
-<file path=ppt/slides/slide30.xml><?xml version="1.0" encoding="utf-8"?>
-<p:sld xmlns:a="http://schemas.openxmlformats.org/drawingml/2006/main" xmlns:r="http://schemas.openxmlformats.org/officeDocument/2006/relationships" xmlns:p="http://schemas.openxmlformats.org/presentationml/2006/main">
-  <p:cSld>
-    <p:spTree>
-      <p:nvGrpSpPr>
-        <p:cNvPr id="1" name=""/>
-        <p:cNvGrpSpPr/>
-        <p:nvPr/>
-      </p:nvGrpSpPr>
-      <p:grpSpPr>
-        <a:xfrm>
-          <a:off x="0" y="0"/>
-          <a:ext cx="0" cy="0"/>
-          <a:chOff x="0" y="0"/>
-          <a:chExt cx="0" cy="0"/>
-        </a:xfrm>
-      </p:grpSpPr>
-      <p:sp>
-        <p:nvSpPr>
           <p:cNvPr id="2" name="投影片編號版面配置區 1"/>
           <p:cNvSpPr>
             <a:spLocks noGrp="1"/>
@@ -14508,7 +15004,7 @@
             <a:fld id="{4FAB73BC-B049-4115-A692-8D63A059BFB8}" type="slidenum">
               <a:rPr lang="en-US" smtClean="0"/>
               <a:pPr/>
-              <a:t>30</a:t>
+              <a:t>31</a:t>
             </a:fld>
             <a:endParaRPr lang="en-US" dirty="0"/>
           </a:p>
@@ -14530,10 +15026,9 @@
           <a:lstStyle/>
           <a:p>
             <a:r>
-              <a:rPr lang="zh-TW" altLang="en-US" dirty="0" smtClean="0"/>
+              <a:rPr lang="zh-TW" altLang="en-US" dirty="0"/>
               <a:t>請求佇列</a:t>
             </a:r>
-            <a:endParaRPr lang="zh-TW" altLang="en-US" dirty="0"/>
           </a:p>
         </p:txBody>
       </p:sp>
@@ -14625,18 +15120,13 @@
           <a:p>
             <a:pPr algn="ctr"/>
             <a:r>
-              <a:rPr lang="zh-TW" altLang="en-US" sz="2800" dirty="0" smtClean="0">
+              <a:rPr lang="zh-TW" altLang="en-US" sz="2800" dirty="0">
                 <a:solidFill>
                   <a:schemeClr val="tx1"/>
                 </a:solidFill>
               </a:rPr>
               <a:t>請求</a:t>
             </a:r>
-            <a:endParaRPr lang="zh-TW" altLang="en-US" sz="2800" dirty="0">
-              <a:solidFill>
-                <a:schemeClr val="tx1"/>
-              </a:solidFill>
-            </a:endParaRPr>
           </a:p>
         </p:txBody>
       </p:sp>
@@ -14683,18 +15173,13 @@
           <a:p>
             <a:pPr algn="ctr"/>
             <a:r>
-              <a:rPr lang="zh-TW" altLang="en-US" sz="2800" dirty="0" smtClean="0">
+              <a:rPr lang="zh-TW" altLang="en-US" sz="2800" dirty="0">
                 <a:solidFill>
                   <a:schemeClr val="tx1"/>
                 </a:solidFill>
               </a:rPr>
               <a:t>請求</a:t>
             </a:r>
-            <a:endParaRPr lang="zh-TW" altLang="en-US" sz="2800" dirty="0">
-              <a:solidFill>
-                <a:schemeClr val="tx1"/>
-              </a:solidFill>
-            </a:endParaRPr>
           </a:p>
         </p:txBody>
       </p:sp>
@@ -14741,18 +15226,13 @@
           <a:p>
             <a:pPr algn="ctr"/>
             <a:r>
-              <a:rPr lang="zh-TW" altLang="en-US" sz="2800" dirty="0" smtClean="0">
+              <a:rPr lang="zh-TW" altLang="en-US" sz="2800" dirty="0">
                 <a:solidFill>
                   <a:schemeClr val="tx1"/>
                 </a:solidFill>
               </a:rPr>
               <a:t>請求</a:t>
             </a:r>
-            <a:endParaRPr lang="zh-TW" altLang="en-US" sz="2800" dirty="0">
-              <a:solidFill>
-                <a:schemeClr val="tx1"/>
-              </a:solidFill>
-            </a:endParaRPr>
           </a:p>
         </p:txBody>
       </p:sp>
@@ -14779,7 +15259,7 @@
           <a:lstStyle/>
           <a:p>
             <a:r>
-              <a:rPr lang="en-US" altLang="zh-TW" sz="2800" dirty="0" smtClean="0">
+              <a:rPr lang="en-US" altLang="zh-TW" sz="2800" dirty="0">
                 <a:solidFill>
                   <a:schemeClr val="bg1"/>
                 </a:solidFill>
@@ -14788,7 +15268,7 @@
               <a:t>Hooks </a:t>
             </a:r>
             <a:r>
-              <a:rPr lang="zh-TW" altLang="en-US" sz="2800" dirty="0" smtClean="0">
+              <a:rPr lang="zh-TW" altLang="en-US" sz="2800" dirty="0">
                 <a:solidFill>
                   <a:schemeClr val="bg1"/>
                 </a:solidFill>
@@ -14796,12 +15276,6 @@
               </a:rPr>
               <a:t>處理</a:t>
             </a:r>
-            <a:endParaRPr lang="zh-TW" altLang="en-US" sz="2800" dirty="0">
-              <a:solidFill>
-                <a:schemeClr val="bg1"/>
-              </a:solidFill>
-              <a:latin typeface="Arial Black" panose="020B0A04020102020204" pitchFamily="34" charset="0"/>
-            </a:endParaRPr>
           </a:p>
         </p:txBody>
       </p:sp>
@@ -14967,7 +15441,7 @@
 </p:sld>
 </file>
 
-<file path=ppt/slides/slide31.xml><?xml version="1.0" encoding="utf-8"?>
+<file path=ppt/slides/slide32.xml><?xml version="1.0" encoding="utf-8"?>
 <p:sld xmlns:a="http://schemas.openxmlformats.org/drawingml/2006/main" xmlns:r="http://schemas.openxmlformats.org/officeDocument/2006/relationships" xmlns:p="http://schemas.openxmlformats.org/presentationml/2006/main">
   <p:cSld>
     <p:spTree>
@@ -15008,7 +15482,7 @@
             <a:fld id="{4FAB73BC-B049-4115-A692-8D63A059BFB8}" type="slidenum">
               <a:rPr lang="en-US" smtClean="0"/>
               <a:pPr/>
-              <a:t>31</a:t>
+              <a:t>32</a:t>
             </a:fld>
             <a:endParaRPr lang="en-US" dirty="0"/>
           </a:p>
@@ -15036,20 +15510,17 @@
           <a:lstStyle/>
           <a:p>
             <a:r>
-              <a:rPr lang="en-US" altLang="zh-TW" spc="300" dirty="0" smtClean="0">
+              <a:rPr lang="en-US" altLang="zh-TW" spc="300" dirty="0">
                 <a:latin typeface="Arial Black" panose="020B0A04020102020204" pitchFamily="34" charset="0"/>
               </a:rPr>
               <a:t>Render</a:t>
             </a:r>
             <a:r>
-              <a:rPr lang="zh-TW" altLang="en-US" spc="300" dirty="0" smtClean="0">
+              <a:rPr lang="zh-TW" altLang="en-US" spc="300" dirty="0">
                 <a:latin typeface="Arial Black" panose="020B0A04020102020204" pitchFamily="34" charset="0"/>
               </a:rPr>
               <a:t>作用</a:t>
             </a:r>
-            <a:endParaRPr lang="zh-TW" altLang="en-US" spc="300" dirty="0">
-              <a:latin typeface="Arial Black" panose="020B0A04020102020204" pitchFamily="34" charset="0"/>
-            </a:endParaRPr>
           </a:p>
         </p:txBody>
       </p:sp>
@@ -15226,17 +15697,10 @@
       </p:transition>
     </mc:Fallback>
   </mc:AlternateContent>
-  <p:timing>
-    <p:tnLst>
-      <p:par>
-        <p:cTn id="1" dur="indefinite" restart="never" nodeType="tmRoot"/>
-      </p:par>
-    </p:tnLst>
-  </p:timing>
 </p:sld>
 </file>
 
-<file path=ppt/slides/slide32.xml><?xml version="1.0" encoding="utf-8"?>
+<file path=ppt/slides/slide33.xml><?xml version="1.0" encoding="utf-8"?>
 <p:sld xmlns:a="http://schemas.openxmlformats.org/drawingml/2006/main" xmlns:r="http://schemas.openxmlformats.org/officeDocument/2006/relationships" xmlns:p="http://schemas.openxmlformats.org/presentationml/2006/main">
   <p:cSld>
     <p:spTree>
@@ -15499,17 +15963,10 @@
       </p:transition>
     </mc:Fallback>
   </mc:AlternateContent>
-  <p:timing>
-    <p:tnLst>
-      <p:par>
-        <p:cTn id="1" dur="indefinite" restart="never" nodeType="tmRoot"/>
-      </p:par>
-    </p:tnLst>
-  </p:timing>
 </p:sld>
 </file>
 
-<file path=ppt/slides/slide33.xml><?xml version="1.0" encoding="utf-8"?>
+<file path=ppt/slides/slide34.xml><?xml version="1.0" encoding="utf-8"?>
 <p:sld xmlns:a="http://schemas.openxmlformats.org/drawingml/2006/main" xmlns:r="http://schemas.openxmlformats.org/officeDocument/2006/relationships" xmlns:p="http://schemas.openxmlformats.org/presentationml/2006/main">
   <p:cSld>
     <p:spTree>
@@ -15544,7 +16001,7 @@
             <a:fld id="{4FAB73BC-B049-4115-A692-8D63A059BFB8}" type="slidenum">
               <a:rPr lang="en-US" smtClean="0"/>
               <a:pPr/>
-              <a:t>33</a:t>
+              <a:t>34</a:t>
             </a:fld>
             <a:endParaRPr lang="en-US" dirty="0"/>
           </a:p>
@@ -15713,17 +16170,10 @@
       </p:transition>
     </mc:Fallback>
   </mc:AlternateContent>
-  <p:timing>
-    <p:tnLst>
-      <p:par>
-        <p:cTn id="1" dur="indefinite" restart="never" nodeType="tmRoot"/>
-      </p:par>
-    </p:tnLst>
-  </p:timing>
 </p:sld>
 </file>
 
-<file path=ppt/slides/slide34.xml><?xml version="1.0" encoding="utf-8"?>
+<file path=ppt/slides/slide35.xml><?xml version="1.0" encoding="utf-8"?>
 <p:sld xmlns:a="http://schemas.openxmlformats.org/drawingml/2006/main" xmlns:r="http://schemas.openxmlformats.org/officeDocument/2006/relationships" xmlns:p="http://schemas.openxmlformats.org/presentationml/2006/main">
   <p:cSld>
     <p:spTree>
@@ -15763,7 +16213,7 @@
           <a:p>
             <a:pPr algn="ctr"/>
             <a:r>
-              <a:rPr lang="en-US" altLang="zh-TW" dirty="0" smtClean="0"/>
+              <a:rPr lang="en-US" altLang="zh-TW" dirty="0"/>
               <a:t>Pattern</a:t>
             </a:r>
             <a:endParaRPr lang="zh-TW" altLang="en-US" dirty="0"/>
@@ -15817,13 +16267,6 @@
       </p:transition>
     </mc:Fallback>
   </mc:AlternateContent>
-  <p:timing>
-    <p:tnLst>
-      <p:par>
-        <p:cTn id="1" dur="indefinite" restart="never" nodeType="tmRoot"/>
-      </p:par>
-    </p:tnLst>
-  </p:timing>
 </p:sld>
 </file>
 
@@ -15891,7 +16334,7 @@
         </p:nvSpPr>
         <p:spPr/>
         <p:txBody>
-          <a:bodyPr>
+          <a:bodyPr anchor="t">
             <a:normAutofit/>
           </a:bodyPr>
           <a:lstStyle/>
@@ -15906,18 +16349,28 @@
                 </a:solidFill>
                 <a:latin typeface="+mn-ea"/>
               </a:rPr>
-              <a:t>React </a:t>
-            </a:r>
-            <a:r>
-              <a:rPr lang="en-US" altLang="zh-TW" sz="6000" b="1" dirty="0" smtClean="0">
-                <a:solidFill>
-                  <a:schemeClr val="bg1"/>
+              <a:t>React Hooks </a:t>
+            </a:r>
+          </a:p>
+          <a:p>
+            <a:pPr marL="0" indent="0">
+              <a:buNone/>
+            </a:pPr>
+            <a:r>
+              <a:rPr lang="en-US" altLang="zh-TW" sz="4000" dirty="0">
+                <a:solidFill>
+                  <a:schemeClr val="bg2"/>
                 </a:solidFill>
                 <a:latin typeface="+mn-ea"/>
               </a:rPr>
-              <a:t>Hooks </a:t>
-            </a:r>
-            <a:endParaRPr lang="en-US" altLang="zh-TW" sz="6000" b="1" dirty="0">
+              <a:t>@ v-16.8.0 </a:t>
+            </a:r>
+          </a:p>
+          <a:p>
+            <a:pPr marL="0" indent="0" algn="ctr">
+              <a:buNone/>
+            </a:pPr>
+            <a:endParaRPr lang="en-US" altLang="zh-TW" sz="1800" dirty="0">
               <a:solidFill>
                 <a:schemeClr val="bg1"/>
               </a:solidFill>
@@ -15929,41 +16382,16 @@
               <a:buNone/>
             </a:pPr>
             <a:r>
+              <a:rPr lang="zh-TW" altLang="en-US" sz="4000" dirty="0">
+                <a:solidFill>
+                  <a:schemeClr val="bg1"/>
+                </a:solidFill>
+                <a:latin typeface="+mn-ea"/>
+              </a:rPr>
+              <a:t>特點</a:t>
+            </a:r>
+            <a:r>
               <a:rPr lang="en-US" altLang="zh-TW" sz="4000" dirty="0">
-                <a:solidFill>
-                  <a:schemeClr val="bg2"/>
-                </a:solidFill>
-                <a:latin typeface="+mn-ea"/>
-              </a:rPr>
-              <a:t>@ v-16.8.0 </a:t>
-            </a:r>
-          </a:p>
-          <a:p>
-            <a:pPr marL="0" indent="0" algn="ctr">
-              <a:buNone/>
-            </a:pPr>
-            <a:endParaRPr lang="en-US" altLang="zh-TW" sz="2800" dirty="0" smtClean="0">
-              <a:solidFill>
-                <a:schemeClr val="bg1"/>
-              </a:solidFill>
-              <a:latin typeface="+mn-ea"/>
-            </a:endParaRPr>
-          </a:p>
-          <a:p>
-            <a:pPr marL="0" indent="0">
-              <a:buNone/>
-            </a:pPr>
-            <a:r>
-              <a:rPr lang="zh-TW" altLang="en-US" sz="4000" dirty="0" smtClean="0">
-                <a:solidFill>
-                  <a:schemeClr val="bg1"/>
-                </a:solidFill>
-                <a:latin typeface="+mn-ea"/>
-              </a:rPr>
-              <a:t>特性</a:t>
-            </a:r>
-            <a:r>
-              <a:rPr lang="en-US" altLang="zh-TW" sz="4000" dirty="0" smtClean="0">
                 <a:solidFill>
                   <a:schemeClr val="bg1"/>
                 </a:solidFill>
@@ -15993,16 +16421,16 @@
                 </a:solidFill>
                 <a:latin typeface="+mn-ea"/>
               </a:rPr>
-              <a:t>拋棄</a:t>
+              <a:t>採用</a:t>
             </a:r>
             <a:r>
               <a:rPr lang="en-US" altLang="zh-TW" sz="3200" dirty="0">
                 <a:solidFill>
                   <a:schemeClr val="bg1"/>
                 </a:solidFill>
-                <a:latin typeface="+mn-ea"/>
-              </a:rPr>
-              <a:t>Class</a:t>
+                <a:latin typeface="+mj-ea"/>
+              </a:rPr>
+              <a:t>Function</a:t>
             </a:r>
             <a:r>
               <a:rPr lang="zh-TW" altLang="en-US" sz="3200" dirty="0">
@@ -16035,16 +16463,7 @@
                 </a:solidFill>
                 <a:latin typeface="+mn-ea"/>
               </a:rPr>
-              <a:t>簡化</a:t>
-            </a:r>
-            <a:r>
-              <a:rPr lang="zh-TW" altLang="en-US" sz="3200" dirty="0" smtClean="0">
-                <a:solidFill>
-                  <a:schemeClr val="bg1"/>
-                </a:solidFill>
-                <a:latin typeface="+mn-ea"/>
-              </a:rPr>
-              <a:t>生命週期</a:t>
+              <a:t>簡化生命週期</a:t>
             </a:r>
             <a:endParaRPr lang="en-US" altLang="zh-TW" sz="3200" dirty="0">
               <a:solidFill>
@@ -16068,21 +16487,13 @@
                 </a:solidFill>
                 <a:latin typeface="+mn-ea"/>
               </a:rPr>
-              <a:t>簡潔的</a:t>
-            </a:r>
-            <a:r>
-              <a:rPr lang="zh-TW" altLang="en-US" sz="3200" dirty="0" smtClean="0">
-                <a:solidFill>
-                  <a:schemeClr val="bg1"/>
-                </a:solidFill>
-                <a:latin typeface="+mn-ea"/>
-              </a:rPr>
-              <a:t>風格</a:t>
-            </a:r>
-            <a:endParaRPr lang="zh-TW" altLang="en-US" sz="3600" b="1" dirty="0">
+              <a:t>簡潔的代碼風格</a:t>
+            </a:r>
+            <a:endParaRPr lang="en-US" altLang="zh-TW" sz="3200" dirty="0">
               <a:solidFill>
                 <a:schemeClr val="bg1"/>
               </a:solidFill>
+              <a:latin typeface="+mn-ea"/>
             </a:endParaRPr>
           </a:p>
         </p:txBody>
@@ -16109,13 +16520,6 @@
       </p:transition>
     </mc:Fallback>
   </mc:AlternateContent>
-  <p:timing>
-    <p:tnLst>
-      <p:par>
-        <p:cTn id="1" dur="indefinite" restart="never" nodeType="tmRoot"/>
-      </p:par>
-    </p:tnLst>
-  </p:timing>
 </p:sld>
 </file>
 
@@ -16176,16 +16580,10 @@
           <a:lstStyle/>
           <a:p>
             <a:r>
-              <a:rPr lang="en-US" altLang="zh-TW" b="1" dirty="0">
+              <a:rPr lang="zh-TW" altLang="en-US" b="1" dirty="0">
                 <a:latin typeface="+mn-ea"/>
               </a:rPr>
-              <a:t>React </a:t>
-            </a:r>
-            <a:r>
-              <a:rPr lang="en-US" altLang="zh-TW" b="1" dirty="0" smtClean="0">
-                <a:latin typeface="+mn-ea"/>
-              </a:rPr>
-              <a:t>Hooks</a:t>
+              <a:t>採用結構比較</a:t>
             </a:r>
             <a:endParaRPr lang="en-US" altLang="zh-TW" b="1" dirty="0">
               <a:latin typeface="+mn-ea"/>
@@ -16195,14 +16593,20 @@
       </p:sp>
       <p:sp>
         <p:nvSpPr>
-          <p:cNvPr id="4" name="文字方塊 3"/>
+          <p:cNvPr id="4" name="文字方塊 3">
+            <a:extLst>
+              <a:ext uri="{FF2B5EF4-FFF2-40B4-BE49-F238E27FC236}">
+                <a16:creationId xmlns:a16="http://schemas.microsoft.com/office/drawing/2014/main" id="{553218D2-B4B8-420E-B440-5459CD7BC3C4}"/>
+              </a:ext>
+            </a:extLst>
+          </p:cNvPr>
           <p:cNvSpPr txBox="1"/>
           <p:nvPr/>
         </p:nvSpPr>
         <p:spPr>
           <a:xfrm>
-            <a:off x="3262185" y="1519880"/>
-            <a:ext cx="5869459" cy="584775"/>
+            <a:off x="876224" y="4756107"/>
+            <a:ext cx="4572213" cy="707886"/>
           </a:xfrm>
           <a:prstGeom prst="rect">
             <a:avLst/>
@@ -16216,58 +16620,164 @@
           <a:lstStyle/>
           <a:p>
             <a:r>
-              <a:rPr lang="zh-TW" altLang="en-US" sz="3200" dirty="0" smtClean="0">
+              <a:rPr lang="en-US" altLang="zh-TW" sz="4000" dirty="0">
                 <a:solidFill>
                   <a:schemeClr val="bg1"/>
                 </a:solidFill>
-                <a:latin typeface="+mj-ea"/>
-                <a:ea typeface="+mj-ea"/>
-              </a:rPr>
-              <a:t>又稱作 </a:t>
-            </a:r>
-            <a:r>
-              <a:rPr lang="en-US" altLang="zh-TW" sz="3200" dirty="0" err="1" smtClean="0">
+                <a:latin typeface="+mn-ea"/>
+              </a:rPr>
+              <a:t>Class C</a:t>
+            </a:r>
+            <a:r>
+              <a:rPr lang="zh-TW" altLang="en-US" sz="4000" dirty="0">
                 <a:solidFill>
                   <a:schemeClr val="bg1"/>
                 </a:solidFill>
-                <a:latin typeface="+mj-ea"/>
-                <a:ea typeface="+mj-ea"/>
-              </a:rPr>
-              <a:t>Funtcion</a:t>
-            </a:r>
-            <a:r>
-              <a:rPr lang="en-US" altLang="zh-TW" sz="3200" dirty="0" smtClean="0">
+                <a:latin typeface="+mn-ea"/>
+              </a:rPr>
+              <a:t>omponent </a:t>
+            </a:r>
+          </a:p>
+        </p:txBody>
+      </p:sp>
+      <p:sp>
+        <p:nvSpPr>
+          <p:cNvPr id="5" name="矩形 4">
+            <a:extLst>
+              <a:ext uri="{FF2B5EF4-FFF2-40B4-BE49-F238E27FC236}">
+                <a16:creationId xmlns:a16="http://schemas.microsoft.com/office/drawing/2014/main" id="{41DF3DDE-C050-489A-ABB6-1C9DBF83F51E}"/>
+              </a:ext>
+            </a:extLst>
+          </p:cNvPr>
+          <p:cNvSpPr/>
+          <p:nvPr/>
+        </p:nvSpPr>
+        <p:spPr>
+          <a:xfrm>
+            <a:off x="6035180" y="4756107"/>
+            <a:ext cx="5392771" cy="707886"/>
+          </a:xfrm>
+          <a:prstGeom prst="rect">
+            <a:avLst/>
+          </a:prstGeom>
+        </p:spPr>
+        <p:txBody>
+          <a:bodyPr wrap="square">
+            <a:spAutoFit/>
+          </a:bodyPr>
+          <a:lstStyle/>
+          <a:p>
+            <a:r>
+              <a:rPr lang="en-US" altLang="zh-TW" sz="4000" dirty="0">
                 <a:solidFill>
                   <a:schemeClr val="bg1"/>
                 </a:solidFill>
-                <a:latin typeface="+mj-ea"/>
-                <a:ea typeface="+mj-ea"/>
-              </a:rPr>
-              <a:t> </a:t>
-            </a:r>
-            <a:r>
-              <a:rPr lang="en-US" altLang="zh-TW" sz="3200" dirty="0">
+                <a:latin typeface="+mn-ea"/>
+              </a:rPr>
+              <a:t>F</a:t>
+            </a:r>
+            <a:r>
+              <a:rPr lang="zh-TW" altLang="en-US" sz="4000" dirty="0">
                 <a:solidFill>
                   <a:schemeClr val="bg1"/>
                 </a:solidFill>
-                <a:latin typeface="+mj-ea"/>
-                <a:ea typeface="+mj-ea"/>
+                <a:latin typeface="+mn-ea"/>
+              </a:rPr>
+              <a:t>unction </a:t>
+            </a:r>
+            <a:r>
+              <a:rPr lang="en-US" altLang="zh-TW" sz="4000" dirty="0">
+                <a:solidFill>
+                  <a:schemeClr val="bg1"/>
+                </a:solidFill>
+                <a:latin typeface="+mn-ea"/>
               </a:rPr>
               <a:t>C</a:t>
             </a:r>
             <a:r>
-              <a:rPr lang="zh-TW" altLang="en-US" sz="3200" dirty="0">
+              <a:rPr lang="zh-TW" altLang="en-US" sz="4000" dirty="0">
                 <a:solidFill>
                   <a:schemeClr val="bg1"/>
                 </a:solidFill>
-                <a:latin typeface="+mj-ea"/>
-                <a:ea typeface="+mj-ea"/>
+                <a:latin typeface="+mn-ea"/>
               </a:rPr>
               <a:t>omponent </a:t>
             </a:r>
           </a:p>
         </p:txBody>
       </p:sp>
+      <p:pic>
+        <p:nvPicPr>
+          <p:cNvPr id="6" name="圖片 5">
+            <a:extLst>
+              <a:ext uri="{FF2B5EF4-FFF2-40B4-BE49-F238E27FC236}">
+                <a16:creationId xmlns:a16="http://schemas.microsoft.com/office/drawing/2014/main" id="{75C9A572-7B9B-489B-B1AD-4AF126BFB3DC}"/>
+              </a:ext>
+            </a:extLst>
+          </p:cNvPr>
+          <p:cNvPicPr>
+            <a:picLocks noChangeAspect="1"/>
+          </p:cNvPicPr>
+          <p:nvPr/>
+        </p:nvPicPr>
+        <p:blipFill>
+          <a:blip r:embed="rId2">
+            <a:extLst>
+              <a:ext uri="{28A0092B-C50C-407E-A947-70E740481C1C}">
+                <a14:useLocalDpi xmlns:a14="http://schemas.microsoft.com/office/drawing/2010/main" val="0"/>
+              </a:ext>
+            </a:extLst>
+          </a:blip>
+          <a:stretch>
+            <a:fillRect/>
+          </a:stretch>
+        </p:blipFill>
+        <p:spPr>
+          <a:xfrm>
+            <a:off x="1571722" y="1241410"/>
+            <a:ext cx="2800350" cy="3019425"/>
+          </a:xfrm>
+          <a:prstGeom prst="rect">
+            <a:avLst/>
+          </a:prstGeom>
+        </p:spPr>
+      </p:pic>
+      <p:pic>
+        <p:nvPicPr>
+          <p:cNvPr id="7" name="圖片 6">
+            <a:extLst>
+              <a:ext uri="{FF2B5EF4-FFF2-40B4-BE49-F238E27FC236}">
+                <a16:creationId xmlns:a16="http://schemas.microsoft.com/office/drawing/2014/main" id="{7532A822-67D3-494B-8807-A2309BB0EEBA}"/>
+              </a:ext>
+            </a:extLst>
+          </p:cNvPr>
+          <p:cNvPicPr>
+            <a:picLocks noChangeAspect="1"/>
+          </p:cNvPicPr>
+          <p:nvPr/>
+        </p:nvPicPr>
+        <p:blipFill>
+          <a:blip r:embed="rId3">
+            <a:extLst>
+              <a:ext uri="{28A0092B-C50C-407E-A947-70E740481C1C}">
+                <a14:useLocalDpi xmlns:a14="http://schemas.microsoft.com/office/drawing/2010/main" val="0"/>
+              </a:ext>
+            </a:extLst>
+          </a:blip>
+          <a:stretch>
+            <a:fillRect/>
+          </a:stretch>
+        </p:blipFill>
+        <p:spPr>
+          <a:xfrm>
+            <a:off x="5531976" y="1241409"/>
+            <a:ext cx="5895975" cy="3019425"/>
+          </a:xfrm>
+          <a:prstGeom prst="rect">
+            <a:avLst/>
+          </a:prstGeom>
+        </p:spPr>
+      </p:pic>
     </p:spTree>
     <p:extLst>
       <p:ext uri="{BB962C8B-B14F-4D97-AF65-F5344CB8AC3E}">
@@ -16290,13 +16800,6 @@
       </p:transition>
     </mc:Fallback>
   </mc:AlternateContent>
-  <p:timing>
-    <p:tnLst>
-      <p:par>
-        <p:cTn id="1" dur="indefinite" restart="never" nodeType="tmRoot"/>
-      </p:par>
-    </p:tnLst>
-  </p:timing>
 </p:sld>
 </file>
 
@@ -16345,7 +16848,7 @@
           <a:lstStyle/>
           <a:p>
             <a:r>
-              <a:rPr lang="en-US" altLang="zh-TW" sz="6000" dirty="0" smtClean="0">
+              <a:rPr lang="en-US" altLang="zh-TW" sz="6000" dirty="0">
                 <a:solidFill>
                   <a:schemeClr val="bg1"/>
                 </a:solidFill>
@@ -16354,7 +16857,7 @@
               <a:t>What is C</a:t>
             </a:r>
             <a:r>
-              <a:rPr lang="zh-TW" altLang="en-US" sz="6000" dirty="0" smtClean="0">
+              <a:rPr lang="zh-TW" altLang="en-US" sz="6000" dirty="0">
                 <a:solidFill>
                   <a:schemeClr val="bg1"/>
                 </a:solidFill>
@@ -16363,7 +16866,7 @@
               <a:t>omponent </a:t>
             </a:r>
             <a:r>
-              <a:rPr lang="en-US" altLang="zh-TW" sz="6000" dirty="0" smtClean="0">
+              <a:rPr lang="en-US" altLang="zh-TW" sz="6000" dirty="0">
                 <a:solidFill>
                   <a:schemeClr val="bg1"/>
                 </a:solidFill>
@@ -16407,8 +16910,8 @@
         </p:nvSpPr>
         <p:spPr>
           <a:xfrm rot="20462442">
-            <a:off x="2104601" y="1563815"/>
-            <a:ext cx="4023602" cy="523220"/>
+            <a:off x="2102069" y="1563815"/>
+            <a:ext cx="4028667" cy="523220"/>
           </a:xfrm>
           <a:prstGeom prst="rect">
             <a:avLst/>
@@ -16421,7 +16924,7 @@
           <a:lstStyle/>
           <a:p>
             <a:r>
-              <a:rPr lang="en-US" altLang="zh-TW" sz="2800" dirty="0" err="1">
+              <a:rPr lang="en-US" altLang="zh-TW" sz="2800" dirty="0">
                 <a:solidFill>
                   <a:schemeClr val="bg1">
                     <a:lumMod val="85000"/>
@@ -16429,10 +16932,10 @@
                 </a:solidFill>
                 <a:latin typeface="+mj-ea"/>
               </a:rPr>
-              <a:t>Funtcion</a:t>
-            </a:r>
-            <a:r>
-              <a:rPr lang="en-US" altLang="zh-TW" sz="2800" dirty="0">
+              <a:t>Function C</a:t>
+            </a:r>
+            <a:r>
+              <a:rPr lang="zh-TW" altLang="en-US" sz="2800" dirty="0">
                 <a:solidFill>
                   <a:schemeClr val="bg1">
                     <a:lumMod val="85000"/>
@@ -16440,21 +16943,10 @@
                 </a:solidFill>
                 <a:latin typeface="+mj-ea"/>
               </a:rPr>
-              <a:t> C</a:t>
-            </a:r>
-            <a:r>
-              <a:rPr lang="zh-TW" altLang="en-US" sz="2800" dirty="0">
-                <a:solidFill>
-                  <a:schemeClr val="bg1">
-                    <a:lumMod val="85000"/>
-                  </a:schemeClr>
-                </a:solidFill>
-                <a:latin typeface="+mj-ea"/>
-              </a:rPr>
               <a:t>omponent </a:t>
             </a:r>
             <a:r>
-              <a:rPr lang="en-US" altLang="zh-TW" sz="2800" dirty="0" smtClean="0">
+              <a:rPr lang="en-US" altLang="zh-TW" sz="2800" dirty="0">
                 <a:solidFill>
                   <a:schemeClr val="bg1">
                     <a:lumMod val="85000"/>
@@ -16496,7 +16988,7 @@
           <a:lstStyle/>
           <a:p>
             <a:r>
-              <a:rPr lang="en-US" altLang="zh-TW" sz="2800" dirty="0" smtClean="0">
+              <a:rPr lang="en-US" altLang="zh-TW" sz="2800" dirty="0">
                 <a:solidFill>
                   <a:schemeClr val="bg1">
                     <a:lumMod val="85000"/>
@@ -16504,10 +16996,10 @@
                 </a:solidFill>
                 <a:latin typeface="+mj-ea"/>
               </a:rPr>
-              <a:t>Class </a:t>
-            </a:r>
-            <a:r>
-              <a:rPr lang="en-US" altLang="zh-TW" sz="2800" dirty="0">
+              <a:t>Class C</a:t>
+            </a:r>
+            <a:r>
+              <a:rPr lang="zh-TW" altLang="en-US" sz="2800" dirty="0">
                 <a:solidFill>
                   <a:schemeClr val="bg1">
                     <a:lumMod val="85000"/>
@@ -16515,21 +17007,10 @@
                 </a:solidFill>
                 <a:latin typeface="+mj-ea"/>
               </a:rPr>
-              <a:t>C</a:t>
-            </a:r>
-            <a:r>
-              <a:rPr lang="zh-TW" altLang="en-US" sz="2800" dirty="0">
-                <a:solidFill>
-                  <a:schemeClr val="bg1">
-                    <a:lumMod val="85000"/>
-                  </a:schemeClr>
-                </a:solidFill>
-                <a:latin typeface="+mj-ea"/>
-              </a:rPr>
               <a:t>omponent </a:t>
             </a:r>
             <a:r>
-              <a:rPr lang="en-US" altLang="zh-TW" sz="2800" dirty="0" smtClean="0">
+              <a:rPr lang="en-US" altLang="zh-TW" sz="2800" dirty="0">
                 <a:solidFill>
                   <a:schemeClr val="bg1">
                     <a:lumMod val="85000"/>
@@ -16571,17 +17052,230 @@
       </p:transition>
     </mc:Fallback>
   </mc:AlternateContent>
-  <p:timing>
-    <p:tnLst>
-      <p:par>
-        <p:cTn id="1" dur="indefinite" restart="never" nodeType="tmRoot"/>
-      </p:par>
-    </p:tnLst>
-  </p:timing>
 </p:sld>
 </file>
 
 <file path=ppt/slides/slide7.xml><?xml version="1.0" encoding="utf-8"?>
+<p:sld xmlns:a="http://schemas.openxmlformats.org/drawingml/2006/main" xmlns:r="http://schemas.openxmlformats.org/officeDocument/2006/relationships" xmlns:p="http://schemas.openxmlformats.org/presentationml/2006/main">
+  <p:cSld>
+    <p:spTree>
+      <p:nvGrpSpPr>
+        <p:cNvPr id="1" name=""/>
+        <p:cNvGrpSpPr/>
+        <p:nvPr/>
+      </p:nvGrpSpPr>
+      <p:grpSpPr>
+        <a:xfrm>
+          <a:off x="0" y="0"/>
+          <a:ext cx="0" cy="0"/>
+          <a:chOff x="0" y="0"/>
+          <a:chExt cx="0" cy="0"/>
+        </a:xfrm>
+      </p:grpSpPr>
+      <p:sp>
+        <p:nvSpPr>
+          <p:cNvPr id="2" name="投影片編號版面配置區 1">
+            <a:extLst>
+              <a:ext uri="{FF2B5EF4-FFF2-40B4-BE49-F238E27FC236}">
+                <a16:creationId xmlns:a16="http://schemas.microsoft.com/office/drawing/2014/main" id="{81243587-EBE7-4984-8F0E-0294CBE9D1D0}"/>
+              </a:ext>
+            </a:extLst>
+          </p:cNvPr>
+          <p:cNvSpPr>
+            <a:spLocks noGrp="1"/>
+          </p:cNvSpPr>
+          <p:nvPr>
+            <p:ph type="sldNum" sz="quarter" idx="12"/>
+          </p:nvPr>
+        </p:nvSpPr>
+        <p:spPr/>
+        <p:txBody>
+          <a:bodyPr/>
+          <a:lstStyle/>
+          <a:p>
+            <a:fld id="{4FAB73BC-B049-4115-A692-8D63A059BFB8}" type="slidenum">
+              <a:rPr lang="en-US" smtClean="0"/>
+              <a:pPr/>
+              <a:t>7</a:t>
+            </a:fld>
+            <a:endParaRPr lang="en-US" dirty="0"/>
+          </a:p>
+        </p:txBody>
+      </p:sp>
+      <p:sp>
+        <p:nvSpPr>
+          <p:cNvPr id="3" name="文字版面配置區 2">
+            <a:extLst>
+              <a:ext uri="{FF2B5EF4-FFF2-40B4-BE49-F238E27FC236}">
+                <a16:creationId xmlns:a16="http://schemas.microsoft.com/office/drawing/2014/main" id="{102F2A42-1B54-4114-A4B9-422CBAA998DD}"/>
+              </a:ext>
+            </a:extLst>
+          </p:cNvPr>
+          <p:cNvSpPr>
+            <a:spLocks noGrp="1"/>
+          </p:cNvSpPr>
+          <p:nvPr>
+            <p:ph type="body" sz="quarter" idx="13"/>
+          </p:nvPr>
+        </p:nvSpPr>
+        <p:spPr/>
+        <p:txBody>
+          <a:bodyPr/>
+          <a:lstStyle/>
+          <a:p>
+            <a:r>
+              <a:rPr lang="en-US" altLang="zh-TW" dirty="0">
+                <a:latin typeface="+mn-ea"/>
+              </a:rPr>
+              <a:t>C</a:t>
+            </a:r>
+            <a:r>
+              <a:rPr lang="zh-TW" altLang="en-US" dirty="0">
+                <a:latin typeface="+mn-ea"/>
+              </a:rPr>
+              <a:t>omponent</a:t>
+            </a:r>
+            <a:endParaRPr lang="zh-TW" altLang="en-US" dirty="0"/>
+          </a:p>
+        </p:txBody>
+      </p:sp>
+      <p:pic>
+        <p:nvPicPr>
+          <p:cNvPr id="1026" name="Picture 2">
+            <a:extLst>
+              <a:ext uri="{FF2B5EF4-FFF2-40B4-BE49-F238E27FC236}">
+                <a16:creationId xmlns:a16="http://schemas.microsoft.com/office/drawing/2014/main" id="{26B8F5B5-DEBF-497D-874C-9A3945E770DE}"/>
+              </a:ext>
+            </a:extLst>
+          </p:cNvPr>
+          <p:cNvPicPr>
+            <a:picLocks noChangeAspect="1" noChangeArrowheads="1"/>
+          </p:cNvPicPr>
+          <p:nvPr/>
+        </p:nvPicPr>
+        <p:blipFill>
+          <a:blip r:embed="rId2">
+            <a:extLst>
+              <a:ext uri="{28A0092B-C50C-407E-A947-70E740481C1C}">
+                <a14:useLocalDpi xmlns:a14="http://schemas.microsoft.com/office/drawing/2010/main" val="0"/>
+              </a:ext>
+            </a:extLst>
+          </a:blip>
+          <a:srcRect/>
+          <a:stretch>
+            <a:fillRect/>
+          </a:stretch>
+        </p:blipFill>
+        <p:spPr bwMode="auto">
+          <a:xfrm>
+            <a:off x="971550" y="1644316"/>
+            <a:ext cx="4406565" cy="4406565"/>
+          </a:xfrm>
+          <a:prstGeom prst="rect">
+            <a:avLst/>
+          </a:prstGeom>
+          <a:noFill/>
+          <a:extLst>
+            <a:ext uri="{909E8E84-426E-40DD-AFC4-6F175D3DCCD1}">
+              <a14:hiddenFill xmlns:a14="http://schemas.microsoft.com/office/drawing/2010/main">
+                <a:solidFill>
+                  <a:srgbClr val="FFFFFF"/>
+                </a:solidFill>
+              </a14:hiddenFill>
+            </a:ext>
+          </a:extLst>
+        </p:spPr>
+      </p:pic>
+      <p:sp>
+        <p:nvSpPr>
+          <p:cNvPr id="5" name="文字方塊 4">
+            <a:extLst>
+              <a:ext uri="{FF2B5EF4-FFF2-40B4-BE49-F238E27FC236}">
+                <a16:creationId xmlns:a16="http://schemas.microsoft.com/office/drawing/2014/main" id="{FE4EE6F6-9C78-4692-82AB-AF3141E0899B}"/>
+              </a:ext>
+            </a:extLst>
+          </p:cNvPr>
+          <p:cNvSpPr txBox="1"/>
+          <p:nvPr/>
+        </p:nvSpPr>
+        <p:spPr>
+          <a:xfrm>
+            <a:off x="5931567" y="1790744"/>
+            <a:ext cx="5955631" cy="3170099"/>
+          </a:xfrm>
+          <a:prstGeom prst="rect">
+            <a:avLst/>
+          </a:prstGeom>
+          <a:noFill/>
+        </p:spPr>
+        <p:txBody>
+          <a:bodyPr wrap="square" rtlCol="0">
+            <a:spAutoFit/>
+          </a:bodyPr>
+          <a:lstStyle/>
+          <a:p>
+            <a:r>
+              <a:rPr lang="zh-TW" altLang="en-US" sz="4000" dirty="0">
+                <a:solidFill>
+                  <a:schemeClr val="bg1"/>
+                </a:solidFill>
+              </a:rPr>
+              <a:t>如同積木一樣</a:t>
+            </a:r>
+            <a:r>
+              <a:rPr lang="en-US" altLang="zh-TW" sz="4000">
+                <a:solidFill>
+                  <a:schemeClr val="bg1"/>
+                </a:solidFill>
+              </a:rPr>
+              <a:t>:</a:t>
+            </a:r>
+          </a:p>
+          <a:p>
+            <a:endParaRPr lang="en-US" altLang="zh-TW" sz="4000" dirty="0">
+              <a:solidFill>
+                <a:schemeClr val="bg1"/>
+              </a:solidFill>
+            </a:endParaRPr>
+          </a:p>
+          <a:p>
+            <a:r>
+              <a:rPr lang="zh-TW" altLang="en-US" sz="4000" dirty="0">
+                <a:solidFill>
+                  <a:schemeClr val="bg1"/>
+                </a:solidFill>
+              </a:rPr>
+              <a:t>將不同功能的組件依照合適的接口做拼裝，組合出合適且完整的網頁</a:t>
+            </a:r>
+          </a:p>
+        </p:txBody>
+      </p:sp>
+    </p:spTree>
+    <p:extLst>
+      <p:ext uri="{BB962C8B-B14F-4D97-AF65-F5344CB8AC3E}">
+        <p14:creationId xmlns:p14="http://schemas.microsoft.com/office/powerpoint/2010/main" val="2420938910"/>
+      </p:ext>
+    </p:extLst>
+  </p:cSld>
+  <p:clrMapOvr>
+    <a:masterClrMapping/>
+  </p:clrMapOvr>
+  <mc:AlternateContent xmlns:mc="http://schemas.openxmlformats.org/markup-compatibility/2006" xmlns:p14="http://schemas.microsoft.com/office/powerpoint/2010/main">
+    <mc:Choice Requires="p14">
+      <p:transition p14:dur="160">
+        <p:fade/>
+      </p:transition>
+    </mc:Choice>
+    <mc:Fallback xmlns="">
+      <p:transition>
+        <p:fade/>
+      </p:transition>
+    </mc:Fallback>
+  </mc:AlternateContent>
+</p:sld>
+</file>
+
+<file path=ppt/slides/slide8.xml><?xml version="1.0" encoding="utf-8"?>
 <p:sld xmlns:a="http://schemas.openxmlformats.org/drawingml/2006/main" xmlns:r="http://schemas.openxmlformats.org/officeDocument/2006/relationships" xmlns:p="http://schemas.openxmlformats.org/presentationml/2006/main">
   <p:cSld>
     <p:spTree>
@@ -16814,7 +17508,7 @@
             <a:fld id="{4FAB73BC-B049-4115-A692-8D63A059BFB8}" type="slidenum">
               <a:rPr lang="en-US" smtClean="0"/>
               <a:pPr/>
-              <a:t>7</a:t>
+              <a:t>8</a:t>
             </a:fld>
             <a:endParaRPr lang="en-US" dirty="0"/>
           </a:p>
@@ -17073,7 +17767,7 @@
 </p:sld>
 </file>
 
-<file path=ppt/slides/slide8.xml><?xml version="1.0" encoding="utf-8"?>
+<file path=ppt/slides/slide9.xml><?xml version="1.0" encoding="utf-8"?>
 <p:sld xmlns:a="http://schemas.openxmlformats.org/drawingml/2006/main" xmlns:r="http://schemas.openxmlformats.org/officeDocument/2006/relationships" xmlns:p="http://schemas.openxmlformats.org/presentationml/2006/main">
   <p:cSld>
     <p:spTree>
@@ -17108,7 +17802,7 @@
             <a:fld id="{4FAB73BC-B049-4115-A692-8D63A059BFB8}" type="slidenum">
               <a:rPr lang="en-US" smtClean="0"/>
               <a:pPr/>
-              <a:t>8</a:t>
+              <a:t>9</a:t>
             </a:fld>
             <a:endParaRPr lang="en-US" dirty="0"/>
           </a:p>
@@ -17130,13 +17824,13 @@
           <a:lstStyle/>
           <a:p>
             <a:r>
-              <a:rPr lang="en-US" altLang="zh-TW" dirty="0" smtClean="0">
+              <a:rPr lang="en-US" altLang="zh-TW" dirty="0">
                 <a:latin typeface="+mn-ea"/>
               </a:rPr>
               <a:t>C</a:t>
             </a:r>
             <a:r>
-              <a:rPr lang="zh-TW" altLang="en-US" dirty="0" smtClean="0">
+              <a:rPr lang="zh-TW" altLang="en-US" dirty="0">
                 <a:latin typeface="+mn-ea"/>
               </a:rPr>
               <a:t>omponent 封裝</a:t>
@@ -17160,14 +17854,14 @@
           <p:nvPr/>
         </p:nvPicPr>
         <p:blipFill>
-          <a:blip r:embed="rId2"/>
+          <a:blip r:embed="rId3"/>
           <a:stretch>
             <a:fillRect/>
           </a:stretch>
         </p:blipFill>
         <p:spPr>
           <a:xfrm>
-            <a:off x="200417" y="1969718"/>
+            <a:off x="200417" y="2800774"/>
             <a:ext cx="2668044" cy="2668044"/>
           </a:xfrm>
           <a:prstGeom prst="rect">
@@ -17189,7 +17883,7 @@
         </p:nvSpPr>
         <p:spPr>
           <a:xfrm>
-            <a:off x="3180140" y="2962502"/>
+            <a:off x="3180140" y="3793558"/>
             <a:ext cx="938503" cy="635696"/>
           </a:xfrm>
           <a:prstGeom prst="rightArrow">
@@ -17235,7 +17929,7 @@
         </p:nvSpPr>
         <p:spPr>
           <a:xfrm>
-            <a:off x="8443492" y="2965633"/>
+            <a:off x="8443492" y="3796689"/>
             <a:ext cx="938503" cy="635696"/>
           </a:xfrm>
           <a:prstGeom prst="rightArrow">
@@ -17282,14 +17976,14 @@
           <p:nvPr/>
         </p:nvPicPr>
         <p:blipFill>
-          <a:blip r:embed="rId3"/>
+          <a:blip r:embed="rId4"/>
           <a:stretch>
             <a:fillRect/>
           </a:stretch>
         </p:blipFill>
         <p:spPr>
           <a:xfrm>
-            <a:off x="9672811" y="2175889"/>
+            <a:off x="9672811" y="3006945"/>
             <a:ext cx="2199526" cy="2199526"/>
           </a:xfrm>
           <a:prstGeom prst="rect">
@@ -17312,13 +18006,13 @@
           <p:nvPr/>
         </p:nvPicPr>
         <p:blipFill rotWithShape="1">
-          <a:blip r:embed="rId4"/>
+          <a:blip r:embed="rId5"/>
           <a:srcRect l="7988" t="1074" r="9196" b="1258"/>
           <a:stretch/>
         </p:blipFill>
         <p:spPr>
           <a:xfrm>
-            <a:off x="4455374" y="2991961"/>
+            <a:off x="4455374" y="3823017"/>
             <a:ext cx="3473386" cy="551145"/>
           </a:xfrm>
           <a:prstGeom prst="rect">
@@ -17326,6 +18020,67 @@
           </a:prstGeom>
         </p:spPr>
       </p:pic>
+      <p:sp>
+        <p:nvSpPr>
+          <p:cNvPr id="10" name="語音泡泡: 橢圓形 9">
+            <a:extLst>
+              <a:ext uri="{FF2B5EF4-FFF2-40B4-BE49-F238E27FC236}">
+                <a16:creationId xmlns:a16="http://schemas.microsoft.com/office/drawing/2014/main" id="{44DF4C72-439F-43C5-A3A5-4A4FC78C3645}"/>
+              </a:ext>
+            </a:extLst>
+          </p:cNvPr>
+          <p:cNvSpPr/>
+          <p:nvPr/>
+        </p:nvSpPr>
+        <p:spPr>
+          <a:xfrm flipH="1">
+            <a:off x="6980154" y="1431759"/>
+            <a:ext cx="4269371" cy="1452486"/>
+          </a:xfrm>
+          <a:prstGeom prst="wedgeEllipseCallout">
+            <a:avLst/>
+          </a:prstGeom>
+          <a:solidFill>
+            <a:schemeClr val="accent1">
+              <a:lumMod val="75000"/>
+            </a:schemeClr>
+          </a:solidFill>
+        </p:spPr>
+        <p:style>
+          <a:lnRef idx="2">
+            <a:schemeClr val="accent1">
+              <a:shade val="50000"/>
+            </a:schemeClr>
+          </a:lnRef>
+          <a:fillRef idx="1">
+            <a:schemeClr val="accent1"/>
+          </a:fillRef>
+          <a:effectRef idx="0">
+            <a:schemeClr val="accent1"/>
+          </a:effectRef>
+          <a:fontRef idx="minor">
+            <a:schemeClr val="lt1"/>
+          </a:fontRef>
+        </p:style>
+        <p:txBody>
+          <a:bodyPr rtlCol="0" anchor="ctr"/>
+          <a:lstStyle/>
+          <a:p>
+            <a:pPr algn="ctr"/>
+            <a:r>
+              <a:rPr lang="zh-TW" altLang="en-US" sz="2000" dirty="0"/>
+              <a:t>即使我被</a:t>
+            </a:r>
+            <a:r>
+              <a:rPr lang="zh-TW" altLang="en-US" sz="2000" dirty="0">
+                <a:latin typeface="+mn-ea"/>
+              </a:rPr>
+              <a:t>封裝，簡化了不少代碼，但是我依然具有完整的功能</a:t>
+            </a:r>
+            <a:endParaRPr lang="zh-TW" altLang="en-US" sz="2000" dirty="0"/>
+          </a:p>
+        </p:txBody>
+      </p:sp>
     </p:spTree>
     <p:extLst>
       <p:ext uri="{BB962C8B-B14F-4D97-AF65-F5344CB8AC3E}">
@@ -17351,246 +18106,80 @@
   <p:timing>
     <p:tnLst>
       <p:par>
-        <p:cTn id="1" dur="indefinite" restart="never" nodeType="tmRoot"/>
+        <p:cTn id="1" dur="indefinite" restart="never" nodeType="tmRoot">
+          <p:childTnLst>
+            <p:seq concurrent="1" nextAc="seek">
+              <p:cTn id="2" dur="indefinite" nodeType="mainSeq">
+                <p:childTnLst>
+                  <p:par>
+                    <p:cTn id="3" fill="hold">
+                      <p:stCondLst>
+                        <p:cond delay="indefinite"/>
+                      </p:stCondLst>
+                      <p:childTnLst>
+                        <p:par>
+                          <p:cTn id="4" fill="hold">
+                            <p:stCondLst>
+                              <p:cond delay="0"/>
+                            </p:stCondLst>
+                            <p:childTnLst>
+                              <p:par>
+                                <p:cTn id="5" presetID="1" presetClass="entr" presetSubtype="0" fill="hold" grpId="0" nodeType="clickEffect">
+                                  <p:stCondLst>
+                                    <p:cond delay="0"/>
+                                  </p:stCondLst>
+                                  <p:childTnLst>
+                                    <p:set>
+                                      <p:cBhvr>
+                                        <p:cTn id="6" dur="1" fill="hold">
+                                          <p:stCondLst>
+                                            <p:cond delay="0"/>
+                                          </p:stCondLst>
+                                        </p:cTn>
+                                        <p:tgtEl>
+                                          <p:spTgt spid="10"/>
+                                        </p:tgtEl>
+                                        <p:attrNameLst>
+                                          <p:attrName>style.visibility</p:attrName>
+                                        </p:attrNameLst>
+                                      </p:cBhvr>
+                                      <p:to>
+                                        <p:strVal val="visible"/>
+                                      </p:to>
+                                    </p:set>
+                                  </p:childTnLst>
+                                </p:cTn>
+                              </p:par>
+                            </p:childTnLst>
+                          </p:cTn>
+                        </p:par>
+                      </p:childTnLst>
+                    </p:cTn>
+                  </p:par>
+                </p:childTnLst>
+              </p:cTn>
+              <p:prevCondLst>
+                <p:cond evt="onPrev" delay="0">
+                  <p:tgtEl>
+                    <p:sldTgt/>
+                  </p:tgtEl>
+                </p:cond>
+              </p:prevCondLst>
+              <p:nextCondLst>
+                <p:cond evt="onNext" delay="0">
+                  <p:tgtEl>
+                    <p:sldTgt/>
+                  </p:tgtEl>
+                </p:cond>
+              </p:nextCondLst>
+            </p:seq>
+          </p:childTnLst>
+        </p:cTn>
       </p:par>
     </p:tnLst>
-  </p:timing>
-</p:sld>
-</file>
-
-<file path=ppt/slides/slide9.xml><?xml version="1.0" encoding="utf-8"?>
-<p:sld xmlns:a="http://schemas.openxmlformats.org/drawingml/2006/main" xmlns:r="http://schemas.openxmlformats.org/officeDocument/2006/relationships" xmlns:p="http://schemas.openxmlformats.org/presentationml/2006/main">
-  <p:cSld>
-    <p:spTree>
-      <p:nvGrpSpPr>
-        <p:cNvPr id="1" name=""/>
-        <p:cNvGrpSpPr/>
-        <p:nvPr/>
-      </p:nvGrpSpPr>
-      <p:grpSpPr>
-        <a:xfrm>
-          <a:off x="0" y="0"/>
-          <a:ext cx="0" cy="0"/>
-          <a:chOff x="0" y="0"/>
-          <a:chExt cx="0" cy="0"/>
-        </a:xfrm>
-      </p:grpSpPr>
-      <p:sp>
-        <p:nvSpPr>
-          <p:cNvPr id="2" name="標題 1">
-            <a:extLst>
-              <a:ext uri="{FF2B5EF4-FFF2-40B4-BE49-F238E27FC236}">
-                <a16:creationId xmlns:a16="http://schemas.microsoft.com/office/drawing/2014/main" id="{33E11A25-B23F-425C-AB41-3B941B4488B4}"/>
-              </a:ext>
-            </a:extLst>
-          </p:cNvPr>
-          <p:cNvSpPr>
-            <a:spLocks noGrp="1"/>
-          </p:cNvSpPr>
-          <p:nvPr>
-            <p:ph type="title"/>
-          </p:nvPr>
-        </p:nvSpPr>
-        <p:spPr/>
-        <p:txBody>
-          <a:bodyPr/>
-          <a:lstStyle/>
-          <a:p>
-            <a:pPr algn="ctr"/>
-            <a:r>
-              <a:rPr lang="zh-TW" altLang="en-US" dirty="0"/>
-              <a:t>使用動機</a:t>
-            </a:r>
-          </a:p>
-        </p:txBody>
-      </p:sp>
-      <p:sp>
-        <p:nvSpPr>
-          <p:cNvPr id="3" name="內容版面配置區 2">
-            <a:extLst>
-              <a:ext uri="{FF2B5EF4-FFF2-40B4-BE49-F238E27FC236}">
-                <a16:creationId xmlns:a16="http://schemas.microsoft.com/office/drawing/2014/main" id="{B86A7C97-39A2-460A-B72C-886711B1DAB2}"/>
-              </a:ext>
-            </a:extLst>
-          </p:cNvPr>
-          <p:cNvSpPr>
-            <a:spLocks noGrp="1"/>
-          </p:cNvSpPr>
-          <p:nvPr>
-            <p:ph idx="1"/>
-          </p:nvPr>
-        </p:nvSpPr>
-        <p:spPr/>
-        <p:txBody>
-          <a:bodyPr>
-            <a:normAutofit/>
-          </a:bodyPr>
-          <a:lstStyle/>
-          <a:p>
-            <a:pPr marL="0" indent="0">
-              <a:buNone/>
-            </a:pPr>
-            <a:r>
-              <a:rPr lang="en-US" altLang="zh-TW" sz="4800" dirty="0" smtClean="0">
-                <a:solidFill>
-                  <a:schemeClr val="bg1"/>
-                </a:solidFill>
-                <a:latin typeface="+mn-ea"/>
-              </a:rPr>
-              <a:t>Hooks </a:t>
-            </a:r>
-            <a:r>
-              <a:rPr lang="zh-TW" altLang="en-US" sz="4800" dirty="0" smtClean="0">
-                <a:solidFill>
-                  <a:schemeClr val="bg1"/>
-                </a:solidFill>
-                <a:latin typeface="+mn-ea"/>
-              </a:rPr>
-              <a:t>改善</a:t>
-            </a:r>
-            <a:endParaRPr lang="en-US" altLang="zh-TW" sz="4800" dirty="0" smtClean="0">
-              <a:solidFill>
-                <a:schemeClr val="bg1"/>
-              </a:solidFill>
-              <a:latin typeface="+mn-ea"/>
-            </a:endParaRPr>
-          </a:p>
-          <a:p>
-            <a:pPr marL="0" indent="0">
-              <a:buNone/>
-            </a:pPr>
-            <a:endParaRPr lang="en-US" altLang="zh-TW" sz="4000" dirty="0">
-              <a:solidFill>
-                <a:schemeClr val="bg1"/>
-              </a:solidFill>
-              <a:latin typeface="+mn-ea"/>
-            </a:endParaRPr>
-          </a:p>
-          <a:p>
-            <a:r>
-              <a:rPr lang="zh-TW" altLang="en-US" sz="4000" dirty="0" smtClean="0">
-                <a:solidFill>
-                  <a:schemeClr val="bg1">
-                    <a:lumMod val="95000"/>
-                  </a:schemeClr>
-                </a:solidFill>
-                <a:latin typeface="+mn-ea"/>
-              </a:rPr>
-              <a:t>提高代碼閱讀性</a:t>
-            </a:r>
-            <a:endParaRPr lang="en-US" altLang="zh-TW" sz="4000" dirty="0" smtClean="0">
-              <a:solidFill>
-                <a:schemeClr val="bg1">
-                  <a:lumMod val="95000"/>
-                </a:schemeClr>
-              </a:solidFill>
-              <a:latin typeface="+mn-ea"/>
-            </a:endParaRPr>
-          </a:p>
-          <a:p>
-            <a:r>
-              <a:rPr lang="zh-TW" altLang="en-US" sz="4000" dirty="0" smtClean="0">
-                <a:solidFill>
-                  <a:schemeClr val="bg1">
-                    <a:lumMod val="95000"/>
-                  </a:schemeClr>
-                </a:solidFill>
-                <a:latin typeface="+mn-ea"/>
-              </a:rPr>
-              <a:t>省去冗長的撰寫方式</a:t>
-            </a:r>
-            <a:endParaRPr lang="en-US" altLang="zh-TW" sz="4000" dirty="0" smtClean="0">
-              <a:solidFill>
-                <a:schemeClr val="bg1">
-                  <a:lumMod val="95000"/>
-                </a:schemeClr>
-              </a:solidFill>
-              <a:latin typeface="+mn-ea"/>
-            </a:endParaRPr>
-          </a:p>
-          <a:p>
-            <a:r>
-              <a:rPr lang="zh-TW" altLang="en-US" sz="4000" dirty="0" smtClean="0">
-                <a:solidFill>
-                  <a:schemeClr val="bg1">
-                    <a:lumMod val="95000"/>
-                  </a:schemeClr>
-                </a:solidFill>
-                <a:latin typeface="+mn-ea"/>
-              </a:rPr>
-              <a:t>效能比</a:t>
-            </a:r>
-            <a:r>
-              <a:rPr lang="en-US" altLang="zh-TW" sz="4000" dirty="0" smtClean="0">
-                <a:solidFill>
-                  <a:schemeClr val="bg1">
-                    <a:lumMod val="95000"/>
-                  </a:schemeClr>
-                </a:solidFill>
-                <a:latin typeface="+mn-ea"/>
-              </a:rPr>
-              <a:t>Class</a:t>
-            </a:r>
-            <a:r>
-              <a:rPr lang="zh-TW" altLang="en-US" sz="4000" dirty="0">
-                <a:solidFill>
-                  <a:schemeClr val="bg1">
-                    <a:lumMod val="95000"/>
-                  </a:schemeClr>
-                </a:solidFill>
-                <a:latin typeface="+mn-ea"/>
-              </a:rPr>
-              <a:t>高</a:t>
-            </a:r>
-            <a:endParaRPr lang="en-US" altLang="zh-TW" sz="4000" dirty="0" smtClean="0">
-              <a:solidFill>
-                <a:schemeClr val="bg1">
-                  <a:lumMod val="95000"/>
-                </a:schemeClr>
-              </a:solidFill>
-              <a:latin typeface="+mn-ea"/>
-            </a:endParaRPr>
-          </a:p>
-          <a:p>
-            <a:endParaRPr lang="en-US" altLang="zh-TW" sz="4000" dirty="0">
-              <a:solidFill>
-                <a:schemeClr val="bg1">
-                  <a:lumMod val="95000"/>
-                </a:schemeClr>
-              </a:solidFill>
-              <a:latin typeface="+mn-ea"/>
-            </a:endParaRPr>
-          </a:p>
-        </p:txBody>
-      </p:sp>
-    </p:spTree>
-    <p:extLst>
-      <p:ext uri="{BB962C8B-B14F-4D97-AF65-F5344CB8AC3E}">
-        <p14:creationId xmlns:p14="http://schemas.microsoft.com/office/powerpoint/2010/main" val="3629859423"/>
-      </p:ext>
-    </p:extLst>
-  </p:cSld>
-  <p:clrMapOvr>
-    <a:masterClrMapping/>
-  </p:clrMapOvr>
-  <mc:AlternateContent xmlns:mc="http://schemas.openxmlformats.org/markup-compatibility/2006" xmlns:p14="http://schemas.microsoft.com/office/powerpoint/2010/main">
-    <mc:Choice Requires="p14">
-      <p:transition p14:dur="160">
-        <p:fade/>
-      </p:transition>
-    </mc:Choice>
-    <mc:Fallback xmlns="">
-      <p:transition>
-        <p:fade/>
-      </p:transition>
-    </mc:Fallback>
-  </mc:AlternateContent>
-  <p:timing>
-    <p:tnLst>
-      <p:par>
-        <p:cTn id="1" dur="indefinite" restart="never" nodeType="tmRoot"/>
-      </p:par>
-    </p:tnLst>
+    <p:bldLst>
+      <p:bldP spid="10" grpId="0" animBg="1"/>
+    </p:bldLst>
   </p:timing>
 </p:sld>
 </file>

--- a/PPT/React Hooks &.pptx
+++ b/PPT/React Hooks &.pptx
@@ -23,8 +23,8 @@
     <p:sldId id="323" r:id="rId11"/>
     <p:sldId id="324" r:id="rId12"/>
     <p:sldId id="258" r:id="rId13"/>
-    <p:sldId id="290" r:id="rId14"/>
-    <p:sldId id="321" r:id="rId15"/>
+    <p:sldId id="321" r:id="rId14"/>
+    <p:sldId id="290" r:id="rId15"/>
     <p:sldId id="320" r:id="rId16"/>
     <p:sldId id="259" r:id="rId17"/>
     <p:sldId id="284" r:id="rId18"/>
@@ -257,7 +257,7 @@
           <a:p>
             <a:fld id="{20C73765-FB04-4DFC-B996-1BF89FB13314}" type="datetimeFigureOut">
               <a:rPr lang="zh-TW" altLang="en-US" smtClean="0"/>
-              <a:t>2020/3/15</a:t>
+              <a:t>2020/3/16</a:t>
             </a:fld>
             <a:endParaRPr lang="zh-TW" altLang="en-US"/>
           </a:p>
@@ -434,7 +434,7 @@
           <a:p>
             <a:fld id="{70C5EA8F-4DE7-435E-83CB-AE9893E623BB}" type="datetimeFigureOut">
               <a:rPr lang="zh-TW" altLang="en-US" smtClean="0"/>
-              <a:t>2020/3/15</a:t>
+              <a:t>2020/3/16</a:t>
             </a:fld>
             <a:endParaRPr lang="zh-TW" altLang="en-US"/>
           </a:p>
@@ -833,6 +833,10 @@
               <a:rPr lang="zh-TW" altLang="en-US" dirty="0"/>
               <a:t>主從關析</a:t>
             </a:r>
+            <a:r>
+              <a:rPr lang="en-US" altLang="zh-TW" dirty="0"/>
+              <a:t/>
+            </a:r>
             <a:br>
               <a:rPr lang="en-US" altLang="zh-TW" dirty="0"/>
             </a:br>
@@ -1098,6 +1102,10 @@
               <a:rPr lang="zh-TW" altLang="en-US" dirty="0"/>
               <a:t>採用佇列依序處里</a:t>
             </a:r>
+            <a:r>
+              <a:rPr lang="en-US" altLang="zh-TW" dirty="0"/>
+              <a:t/>
+            </a:r>
             <a:br>
               <a:rPr lang="en-US" altLang="zh-TW" dirty="0"/>
             </a:br>
@@ -2188,6 +2196,18 @@
           </a:p>
           <a:p>
             <a:pPr latinLnBrk="1"/>
+            <a:r>
+              <a:rPr lang="en-US" altLang="zh-TW" sz="1200" b="0" i="0" kern="1200" dirty="0">
+                <a:solidFill>
+                  <a:schemeClr val="tx1"/>
+                </a:solidFill>
+                <a:effectLst/>
+                <a:latin typeface="+mn-lt"/>
+                <a:ea typeface="+mn-ea"/>
+                <a:cs typeface="+mn-cs"/>
+              </a:rPr>
+              <a:t/>
+            </a:r>
             <a:br>
               <a:rPr lang="en-US" altLang="zh-TW" sz="1200" b="0" i="0" kern="1200" dirty="0">
                 <a:solidFill>
@@ -2761,7 +2781,7 @@
             <a:fld id="{32C01325-88C4-4D06-9909-B472E042400E}" type="datetime1">
               <a:rPr lang="en-US" altLang="zh-TW" smtClean="0"/>
               <a:pPr/>
-              <a:t>3/15/2020</a:t>
+              <a:t>3/16/2020</a:t>
             </a:fld>
             <a:endParaRPr lang="en-US" dirty="0"/>
           </a:p>
@@ -3060,7 +3080,7 @@
           <a:p>
             <a:fld id="{EDA0A132-BC1D-4AF8-815F-69FFFBA081C0}" type="datetime1">
               <a:rPr lang="en-US" altLang="zh-TW" smtClean="0"/>
-              <a:t>3/15/2020</a:t>
+              <a:t>3/16/2020</a:t>
             </a:fld>
             <a:endParaRPr lang="en-US" dirty="0"/>
           </a:p>
@@ -3251,7 +3271,7 @@
           <a:p>
             <a:fld id="{7D88C161-0482-4BB7-93B6-C6023237F745}" type="datetime1">
               <a:rPr lang="en-US" altLang="zh-TW" smtClean="0"/>
-              <a:t>3/15/2020</a:t>
+              <a:t>3/16/2020</a:t>
             </a:fld>
             <a:endParaRPr lang="en-US" dirty="0"/>
           </a:p>
@@ -3447,7 +3467,7 @@
           <a:p>
             <a:fld id="{8E4C3707-23DF-4F24-B951-FD2ECC3B8CB1}" type="datetime1">
               <a:rPr lang="en-US" altLang="zh-TW" smtClean="0"/>
-              <a:t>3/15/2020</a:t>
+              <a:t>3/16/2020</a:t>
             </a:fld>
             <a:endParaRPr lang="en-US" dirty="0"/>
           </a:p>
@@ -3638,7 +3658,7 @@
             <a:fld id="{5F545754-5242-4855-81C9-E117DB6DAFCF}" type="datetime1">
               <a:rPr lang="en-US" altLang="zh-TW" smtClean="0"/>
               <a:pPr/>
-              <a:t>3/15/2020</a:t>
+              <a:t>3/16/2020</a:t>
             </a:fld>
             <a:endParaRPr lang="en-US" dirty="0"/>
           </a:p>
@@ -3880,7 +3900,7 @@
           <a:p>
             <a:fld id="{3BC9C2A9-AB99-41F5-8F75-27C8D8E8E8DB}" type="datetime1">
               <a:rPr lang="en-US" altLang="zh-TW" smtClean="0"/>
-              <a:t>3/15/2020</a:t>
+              <a:t>3/16/2020</a:t>
             </a:fld>
             <a:endParaRPr lang="en-US" dirty="0"/>
           </a:p>
@@ -4184,7 +4204,7 @@
           <a:p>
             <a:fld id="{09B33BAF-14F9-4A03-BD06-9AE09252F7E6}" type="datetime1">
               <a:rPr lang="en-US" altLang="zh-TW" smtClean="0"/>
-              <a:t>3/15/2020</a:t>
+              <a:t>3/16/2020</a:t>
             </a:fld>
             <a:endParaRPr lang="en-US" dirty="0"/>
           </a:p>
@@ -4642,7 +4662,7 @@
           <a:p>
             <a:fld id="{30AF5C3A-F124-479E-9564-3819A45DE9FD}" type="datetime1">
               <a:rPr lang="en-US" altLang="zh-TW" smtClean="0"/>
-              <a:t>3/15/2020</a:t>
+              <a:t>3/16/2020</a:t>
             </a:fld>
             <a:endParaRPr lang="en-US" dirty="0"/>
           </a:p>
@@ -4776,7 +4796,7 @@
           <a:p>
             <a:fld id="{E2A6C839-805B-4120-8E1A-887DB3085696}" type="datetime1">
               <a:rPr lang="en-US" altLang="zh-TW" smtClean="0"/>
-              <a:t>3/15/2020</a:t>
+              <a:t>3/16/2020</a:t>
             </a:fld>
             <a:endParaRPr lang="en-US" dirty="0"/>
           </a:p>
@@ -4887,7 +4907,7 @@
           <a:p>
             <a:fld id="{C3BC61D4-9EDA-48F2-9DC7-4BAF2EFB36CA}" type="datetime1">
               <a:rPr lang="en-US" altLang="zh-TW" smtClean="0"/>
-              <a:t>3/15/2020</a:t>
+              <a:t>3/16/2020</a:t>
             </a:fld>
             <a:endParaRPr lang="en-US" dirty="0"/>
           </a:p>
@@ -5010,7 +5030,7 @@
           <a:p>
             <a:fld id="{C3BC61D4-9EDA-48F2-9DC7-4BAF2EFB36CA}" type="datetime1">
               <a:rPr lang="en-US" altLang="zh-TW" smtClean="0"/>
-              <a:t>3/15/2020</a:t>
+              <a:t>3/16/2020</a:t>
             </a:fld>
             <a:endParaRPr lang="en-US" dirty="0"/>
           </a:p>
@@ -5386,7 +5406,7 @@
           <a:p>
             <a:fld id="{AD3619F7-4977-420F-B59A-DBDA61E7ABEC}" type="datetime1">
               <a:rPr lang="en-US" altLang="zh-TW" smtClean="0"/>
-              <a:t>3/15/2020</a:t>
+              <a:t>3/16/2020</a:t>
             </a:fld>
             <a:endParaRPr lang="en-US" dirty="0"/>
           </a:p>
@@ -5704,7 +5724,7 @@
             <a:fld id="{427FFE6E-D4EC-4F12-B8B0-E72AA8EDAE7C}" type="datetime1">
               <a:rPr lang="en-US" altLang="zh-TW" smtClean="0"/>
               <a:pPr/>
-              <a:t>3/15/2020</a:t>
+              <a:t>3/16/2020</a:t>
             </a:fld>
             <a:endParaRPr lang="en-US" dirty="0"/>
           </a:p>
@@ -6350,7 +6370,7 @@
           <a:p>
             <a:fld id="{1CD3BEDE-1300-489E-9415-8CE48063710D}" type="datetime1">
               <a:rPr lang="en-US" altLang="zh-TW" smtClean="0"/>
-              <a:t>3/15/2020</a:t>
+              <a:t>3/16/2020</a:t>
             </a:fld>
             <a:endParaRPr lang="en-US" dirty="0"/>
           </a:p>
@@ -7140,6 +7160,13 @@
       </p:transition>
     </mc:Fallback>
   </mc:AlternateContent>
+  <p:timing>
+    <p:tnLst>
+      <p:par>
+        <p:cTn id="1" dur="indefinite" restart="never" nodeType="tmRoot"/>
+      </p:par>
+    </p:tnLst>
+  </p:timing>
 </p:sld>
 </file>
 
@@ -7165,6 +7192,514 @@
           <p:cNvPr id="2" name="投影片編號版面配置區 1">
             <a:extLst>
               <a:ext uri="{FF2B5EF4-FFF2-40B4-BE49-F238E27FC236}">
+                <a16:creationId xmlns:a16="http://schemas.microsoft.com/office/drawing/2014/main" id="{6574D6DB-61B2-467B-818C-D5EEB871A2FB}"/>
+              </a:ext>
+            </a:extLst>
+          </p:cNvPr>
+          <p:cNvSpPr>
+            <a:spLocks noGrp="1"/>
+          </p:cNvSpPr>
+          <p:nvPr>
+            <p:ph type="sldNum" sz="quarter" idx="12"/>
+          </p:nvPr>
+        </p:nvSpPr>
+        <p:spPr/>
+        <p:txBody>
+          <a:bodyPr/>
+          <a:lstStyle/>
+          <a:p>
+            <a:fld id="{4FAB73BC-B049-4115-A692-8D63A059BFB8}" type="slidenum">
+              <a:rPr lang="en-US" smtClean="0"/>
+              <a:pPr/>
+              <a:t>13</a:t>
+            </a:fld>
+            <a:endParaRPr lang="en-US" dirty="0"/>
+          </a:p>
+        </p:txBody>
+      </p:sp>
+      <p:sp>
+        <p:nvSpPr>
+          <p:cNvPr id="3" name="文字版面配置區 2">
+            <a:extLst>
+              <a:ext uri="{FF2B5EF4-FFF2-40B4-BE49-F238E27FC236}">
+                <a16:creationId xmlns:a16="http://schemas.microsoft.com/office/drawing/2014/main" id="{E468A53F-F064-415B-A9FF-892544D6BE98}"/>
+              </a:ext>
+            </a:extLst>
+          </p:cNvPr>
+          <p:cNvSpPr>
+            <a:spLocks noGrp="1"/>
+          </p:cNvSpPr>
+          <p:nvPr>
+            <p:ph type="body" sz="quarter" idx="13"/>
+          </p:nvPr>
+        </p:nvSpPr>
+        <p:spPr/>
+        <p:txBody>
+          <a:bodyPr/>
+          <a:lstStyle/>
+          <a:p>
+            <a:r>
+              <a:rPr lang="zh-TW" altLang="en-US" dirty="0">
+                <a:solidFill>
+                  <a:schemeClr val="bg1">
+                    <a:lumMod val="95000"/>
+                  </a:schemeClr>
+                </a:solidFill>
+                <a:latin typeface="+mn-ea"/>
+              </a:rPr>
+              <a:t>代碼結構</a:t>
+            </a:r>
+            <a:endParaRPr lang="en-US" altLang="zh-TW" dirty="0">
+              <a:solidFill>
+                <a:schemeClr val="bg1">
+                  <a:lumMod val="95000"/>
+                </a:schemeClr>
+              </a:solidFill>
+              <a:latin typeface="+mn-ea"/>
+            </a:endParaRPr>
+          </a:p>
+        </p:txBody>
+      </p:sp>
+      <p:pic>
+        <p:nvPicPr>
+          <p:cNvPr id="7" name="圖片 6">
+            <a:extLst>
+              <a:ext uri="{FF2B5EF4-FFF2-40B4-BE49-F238E27FC236}">
+                <a16:creationId xmlns:a16="http://schemas.microsoft.com/office/drawing/2014/main" id="{FB0320C2-41A8-436E-86AE-E0FEAC7D9F01}"/>
+              </a:ext>
+            </a:extLst>
+          </p:cNvPr>
+          <p:cNvPicPr>
+            <a:picLocks noChangeAspect="1"/>
+          </p:cNvPicPr>
+          <p:nvPr/>
+        </p:nvPicPr>
+        <p:blipFill>
+          <a:blip r:embed="rId2"/>
+          <a:stretch>
+            <a:fillRect/>
+          </a:stretch>
+        </p:blipFill>
+        <p:spPr>
+          <a:xfrm>
+            <a:off x="974558" y="1078725"/>
+            <a:ext cx="10242884" cy="5761622"/>
+          </a:xfrm>
+          <a:prstGeom prst="rect">
+            <a:avLst/>
+          </a:prstGeom>
+        </p:spPr>
+      </p:pic>
+      <p:grpSp>
+        <p:nvGrpSpPr>
+          <p:cNvPr id="10" name="群組 9">
+            <a:extLst>
+              <a:ext uri="{FF2B5EF4-FFF2-40B4-BE49-F238E27FC236}">
+                <a16:creationId xmlns:a16="http://schemas.microsoft.com/office/drawing/2014/main" id="{62CA4B84-700B-4BDC-B2E5-2A081F83DB4A}"/>
+              </a:ext>
+            </a:extLst>
+          </p:cNvPr>
+          <p:cNvGrpSpPr/>
+          <p:nvPr/>
+        </p:nvGrpSpPr>
+        <p:grpSpPr>
+          <a:xfrm>
+            <a:off x="1632409" y="3572759"/>
+            <a:ext cx="3486346" cy="1604128"/>
+            <a:chOff x="1632409" y="3572759"/>
+            <a:chExt cx="3486346" cy="1604128"/>
+          </a:xfrm>
+        </p:grpSpPr>
+        <p:cxnSp>
+          <p:nvCxnSpPr>
+            <p:cNvPr id="6" name="直線接點 5">
+              <a:extLst>
+                <a:ext uri="{FF2B5EF4-FFF2-40B4-BE49-F238E27FC236}">
+                  <a16:creationId xmlns:a16="http://schemas.microsoft.com/office/drawing/2014/main" id="{98E3E2CB-34FA-4AEC-BB83-BC5B1072F350}"/>
+                </a:ext>
+              </a:extLst>
+            </p:cNvPr>
+            <p:cNvCxnSpPr/>
+            <p:nvPr/>
+          </p:nvCxnSpPr>
+          <p:spPr>
+            <a:xfrm>
+              <a:off x="3563332" y="3572759"/>
+              <a:ext cx="1555423" cy="0"/>
+            </a:xfrm>
+            <a:prstGeom prst="line">
+              <a:avLst/>
+            </a:prstGeom>
+            <a:ln>
+              <a:solidFill>
+                <a:srgbClr val="FF0000"/>
+              </a:solidFill>
+            </a:ln>
+          </p:spPr>
+          <p:style>
+            <a:lnRef idx="1">
+              <a:schemeClr val="accent1"/>
+            </a:lnRef>
+            <a:fillRef idx="0">
+              <a:schemeClr val="accent1"/>
+            </a:fillRef>
+            <a:effectRef idx="0">
+              <a:schemeClr val="accent1"/>
+            </a:effectRef>
+            <a:fontRef idx="minor">
+              <a:schemeClr val="tx1"/>
+            </a:fontRef>
+          </p:style>
+        </p:cxnSp>
+        <p:cxnSp>
+          <p:nvCxnSpPr>
+            <p:cNvPr id="8" name="直線接點 7">
+              <a:extLst>
+                <a:ext uri="{FF2B5EF4-FFF2-40B4-BE49-F238E27FC236}">
+                  <a16:creationId xmlns:a16="http://schemas.microsoft.com/office/drawing/2014/main" id="{C553E9BD-CF80-4CA9-8318-A21E4665CA27}"/>
+                </a:ext>
+              </a:extLst>
+            </p:cNvPr>
+            <p:cNvCxnSpPr/>
+            <p:nvPr/>
+          </p:nvCxnSpPr>
+          <p:spPr>
+            <a:xfrm>
+              <a:off x="1632409" y="5176887"/>
+              <a:ext cx="1555423" cy="0"/>
+            </a:xfrm>
+            <a:prstGeom prst="line">
+              <a:avLst/>
+            </a:prstGeom>
+            <a:ln>
+              <a:solidFill>
+                <a:srgbClr val="FF0000"/>
+              </a:solidFill>
+            </a:ln>
+          </p:spPr>
+          <p:style>
+            <a:lnRef idx="1">
+              <a:schemeClr val="accent1"/>
+            </a:lnRef>
+            <a:fillRef idx="0">
+              <a:schemeClr val="accent1"/>
+            </a:fillRef>
+            <a:effectRef idx="0">
+              <a:schemeClr val="accent1"/>
+            </a:effectRef>
+            <a:fontRef idx="minor">
+              <a:schemeClr val="tx1"/>
+            </a:fontRef>
+          </p:style>
+        </p:cxnSp>
+      </p:grpSp>
+      <p:sp>
+        <p:nvSpPr>
+          <p:cNvPr id="9" name="矩形 8">
+            <a:extLst>
+              <a:ext uri="{FF2B5EF4-FFF2-40B4-BE49-F238E27FC236}">
+                <a16:creationId xmlns:a16="http://schemas.microsoft.com/office/drawing/2014/main" id="{BA9F60C3-3C36-4501-8B4C-EDCF5D6DFB28}"/>
+              </a:ext>
+            </a:extLst>
+          </p:cNvPr>
+          <p:cNvSpPr/>
+          <p:nvPr/>
+        </p:nvSpPr>
+        <p:spPr>
+          <a:xfrm>
+            <a:off x="6504495" y="4468305"/>
+            <a:ext cx="4147928" cy="829559"/>
+          </a:xfrm>
+          <a:prstGeom prst="rect">
+            <a:avLst/>
+          </a:prstGeom>
+          <a:noFill/>
+          <a:ln>
+            <a:solidFill>
+              <a:srgbClr val="FF0000"/>
+            </a:solidFill>
+          </a:ln>
+        </p:spPr>
+        <p:style>
+          <a:lnRef idx="2">
+            <a:schemeClr val="accent1">
+              <a:shade val="50000"/>
+            </a:schemeClr>
+          </a:lnRef>
+          <a:fillRef idx="1">
+            <a:schemeClr val="accent1"/>
+          </a:fillRef>
+          <a:effectRef idx="0">
+            <a:schemeClr val="accent1"/>
+          </a:effectRef>
+          <a:fontRef idx="minor">
+            <a:schemeClr val="lt1"/>
+          </a:fontRef>
+        </p:style>
+        <p:txBody>
+          <a:bodyPr rtlCol="0" anchor="ctr"/>
+          <a:lstStyle/>
+          <a:p>
+            <a:pPr algn="ctr"/>
+            <a:endParaRPr lang="zh-TW" altLang="en-US"/>
+          </a:p>
+        </p:txBody>
+      </p:sp>
+      <p:sp>
+        <p:nvSpPr>
+          <p:cNvPr id="11" name="文字方塊 10">
+            <a:extLst>
+              <a:ext uri="{FF2B5EF4-FFF2-40B4-BE49-F238E27FC236}">
+                <a16:creationId xmlns:a16="http://schemas.microsoft.com/office/drawing/2014/main" id="{D961E939-BDD6-4DA7-96C4-DFDBBBFCC0C1}"/>
+              </a:ext>
+            </a:extLst>
+          </p:cNvPr>
+          <p:cNvSpPr txBox="1"/>
+          <p:nvPr/>
+        </p:nvSpPr>
+        <p:spPr>
+          <a:xfrm>
+            <a:off x="3737728" y="2156378"/>
+            <a:ext cx="2135170" cy="461665"/>
+          </a:xfrm>
+          <a:prstGeom prst="rect">
+            <a:avLst/>
+          </a:prstGeom>
+          <a:noFill/>
+        </p:spPr>
+        <p:txBody>
+          <a:bodyPr wrap="square" rtlCol="0">
+            <a:spAutoFit/>
+          </a:bodyPr>
+          <a:lstStyle/>
+          <a:p>
+            <a:r>
+              <a:rPr lang="zh-TW" altLang="en-US" sz="2400" dirty="0">
+                <a:solidFill>
+                  <a:srgbClr val="FFC000"/>
+                </a:solidFill>
+              </a:rPr>
+              <a:t>更加容易辨識</a:t>
+            </a:r>
+          </a:p>
+        </p:txBody>
+      </p:sp>
+    </p:spTree>
+    <p:extLst>
+      <p:ext uri="{BB962C8B-B14F-4D97-AF65-F5344CB8AC3E}">
+        <p14:creationId xmlns:p14="http://schemas.microsoft.com/office/powerpoint/2010/main" val="1740910505"/>
+      </p:ext>
+    </p:extLst>
+  </p:cSld>
+  <p:clrMapOvr>
+    <a:masterClrMapping/>
+  </p:clrMapOvr>
+  <mc:AlternateContent xmlns:mc="http://schemas.openxmlformats.org/markup-compatibility/2006" xmlns:p14="http://schemas.microsoft.com/office/powerpoint/2010/main">
+    <mc:Choice Requires="p14">
+      <p:transition p14:dur="160">
+        <p:fade/>
+      </p:transition>
+    </mc:Choice>
+    <mc:Fallback xmlns="">
+      <p:transition>
+        <p:fade/>
+      </p:transition>
+    </mc:Fallback>
+  </mc:AlternateContent>
+  <p:timing>
+    <p:tnLst>
+      <p:par>
+        <p:cTn id="1" dur="indefinite" restart="never" nodeType="tmRoot">
+          <p:childTnLst>
+            <p:seq concurrent="1" nextAc="seek">
+              <p:cTn id="2" dur="indefinite" nodeType="mainSeq">
+                <p:childTnLst>
+                  <p:par>
+                    <p:cTn id="3" fill="hold">
+                      <p:stCondLst>
+                        <p:cond delay="indefinite"/>
+                      </p:stCondLst>
+                      <p:childTnLst>
+                        <p:par>
+                          <p:cTn id="4" fill="hold">
+                            <p:stCondLst>
+                              <p:cond delay="0"/>
+                            </p:stCondLst>
+                            <p:childTnLst>
+                              <p:par>
+                                <p:cTn id="5" presetID="1" presetClass="entr" presetSubtype="0" fill="hold" nodeType="clickEffect">
+                                  <p:stCondLst>
+                                    <p:cond delay="0"/>
+                                  </p:stCondLst>
+                                  <p:childTnLst>
+                                    <p:set>
+                                      <p:cBhvr>
+                                        <p:cTn id="6" dur="1" fill="hold">
+                                          <p:stCondLst>
+                                            <p:cond delay="0"/>
+                                          </p:stCondLst>
+                                        </p:cTn>
+                                        <p:tgtEl>
+                                          <p:spTgt spid="10"/>
+                                        </p:tgtEl>
+                                        <p:attrNameLst>
+                                          <p:attrName>style.visibility</p:attrName>
+                                        </p:attrNameLst>
+                                      </p:cBhvr>
+                                      <p:to>
+                                        <p:strVal val="visible"/>
+                                      </p:to>
+                                    </p:set>
+                                  </p:childTnLst>
+                                </p:cTn>
+                              </p:par>
+                            </p:childTnLst>
+                          </p:cTn>
+                        </p:par>
+                      </p:childTnLst>
+                    </p:cTn>
+                  </p:par>
+                  <p:par>
+                    <p:cTn id="7" fill="hold">
+                      <p:stCondLst>
+                        <p:cond delay="indefinite"/>
+                      </p:stCondLst>
+                      <p:childTnLst>
+                        <p:par>
+                          <p:cTn id="8" fill="hold">
+                            <p:stCondLst>
+                              <p:cond delay="0"/>
+                            </p:stCondLst>
+                            <p:childTnLst>
+                              <p:par>
+                                <p:cTn id="9" presetID="1" presetClass="entr" presetSubtype="0" fill="hold" grpId="0" nodeType="clickEffect">
+                                  <p:stCondLst>
+                                    <p:cond delay="0"/>
+                                  </p:stCondLst>
+                                  <p:childTnLst>
+                                    <p:set>
+                                      <p:cBhvr>
+                                        <p:cTn id="10" dur="1" fill="hold">
+                                          <p:stCondLst>
+                                            <p:cond delay="0"/>
+                                          </p:stCondLst>
+                                        </p:cTn>
+                                        <p:tgtEl>
+                                          <p:spTgt spid="9"/>
+                                        </p:tgtEl>
+                                        <p:attrNameLst>
+                                          <p:attrName>style.visibility</p:attrName>
+                                        </p:attrNameLst>
+                                      </p:cBhvr>
+                                      <p:to>
+                                        <p:strVal val="visible"/>
+                                      </p:to>
+                                    </p:set>
+                                  </p:childTnLst>
+                                </p:cTn>
+                              </p:par>
+                            </p:childTnLst>
+                          </p:cTn>
+                        </p:par>
+                      </p:childTnLst>
+                    </p:cTn>
+                  </p:par>
+                  <p:par>
+                    <p:cTn id="11" fill="hold">
+                      <p:stCondLst>
+                        <p:cond delay="indefinite"/>
+                      </p:stCondLst>
+                      <p:childTnLst>
+                        <p:par>
+                          <p:cTn id="12" fill="hold">
+                            <p:stCondLst>
+                              <p:cond delay="0"/>
+                            </p:stCondLst>
+                            <p:childTnLst>
+                              <p:par>
+                                <p:cTn id="13" presetID="1" presetClass="entr" presetSubtype="0" fill="hold" grpId="0" nodeType="clickEffect">
+                                  <p:stCondLst>
+                                    <p:cond delay="0"/>
+                                  </p:stCondLst>
+                                  <p:childTnLst>
+                                    <p:set>
+                                      <p:cBhvr>
+                                        <p:cTn id="14" dur="1" fill="hold">
+                                          <p:stCondLst>
+                                            <p:cond delay="0"/>
+                                          </p:stCondLst>
+                                        </p:cTn>
+                                        <p:tgtEl>
+                                          <p:spTgt spid="11"/>
+                                        </p:tgtEl>
+                                        <p:attrNameLst>
+                                          <p:attrName>style.visibility</p:attrName>
+                                        </p:attrNameLst>
+                                      </p:cBhvr>
+                                      <p:to>
+                                        <p:strVal val="visible"/>
+                                      </p:to>
+                                    </p:set>
+                                  </p:childTnLst>
+                                </p:cTn>
+                              </p:par>
+                            </p:childTnLst>
+                          </p:cTn>
+                        </p:par>
+                      </p:childTnLst>
+                    </p:cTn>
+                  </p:par>
+                </p:childTnLst>
+              </p:cTn>
+              <p:prevCondLst>
+                <p:cond evt="onPrev" delay="0">
+                  <p:tgtEl>
+                    <p:sldTgt/>
+                  </p:tgtEl>
+                </p:cond>
+              </p:prevCondLst>
+              <p:nextCondLst>
+                <p:cond evt="onNext" delay="0">
+                  <p:tgtEl>
+                    <p:sldTgt/>
+                  </p:tgtEl>
+                </p:cond>
+              </p:nextCondLst>
+            </p:seq>
+          </p:childTnLst>
+        </p:cTn>
+      </p:par>
+    </p:tnLst>
+    <p:bldLst>
+      <p:bldP spid="9" grpId="0" animBg="1"/>
+      <p:bldP spid="11" grpId="0"/>
+    </p:bldLst>
+  </p:timing>
+</p:sld>
+</file>
+
+<file path=ppt/slides/slide14.xml><?xml version="1.0" encoding="utf-8"?>
+<p:sld xmlns:a="http://schemas.openxmlformats.org/drawingml/2006/main" xmlns:r="http://schemas.openxmlformats.org/officeDocument/2006/relationships" xmlns:p="http://schemas.openxmlformats.org/presentationml/2006/main">
+  <p:cSld>
+    <p:spTree>
+      <p:nvGrpSpPr>
+        <p:cNvPr id="1" name=""/>
+        <p:cNvGrpSpPr/>
+        <p:nvPr/>
+      </p:nvGrpSpPr>
+      <p:grpSpPr>
+        <a:xfrm>
+          <a:off x="0" y="0"/>
+          <a:ext cx="0" cy="0"/>
+          <a:chOff x="0" y="0"/>
+          <a:chExt cx="0" cy="0"/>
+        </a:xfrm>
+      </p:grpSpPr>
+      <p:sp>
+        <p:nvSpPr>
+          <p:cNvPr id="2" name="投影片編號版面配置區 1">
+            <a:extLst>
+              <a:ext uri="{FF2B5EF4-FFF2-40B4-BE49-F238E27FC236}">
                 <a16:creationId xmlns:a16="http://schemas.microsoft.com/office/drawing/2014/main" id="{4B53C541-0ADD-4615-A0E0-8DF543BFF4D9}"/>
               </a:ext>
             </a:extLst>
@@ -7184,7 +7719,7 @@
             <a:fld id="{4FAB73BC-B049-4115-A692-8D63A059BFB8}" type="slidenum">
               <a:rPr lang="en-US" smtClean="0"/>
               <a:pPr/>
-              <a:t>13</a:t>
+              <a:t>14</a:t>
             </a:fld>
             <a:endParaRPr lang="en-US" dirty="0"/>
           </a:p>
@@ -7973,514 +8508,6 @@
     <p:bldLst>
       <p:bldP spid="9" grpId="0"/>
       <p:bldP spid="10" grpId="0"/>
-    </p:bldLst>
-  </p:timing>
-</p:sld>
-</file>
-
-<file path=ppt/slides/slide14.xml><?xml version="1.0" encoding="utf-8"?>
-<p:sld xmlns:a="http://schemas.openxmlformats.org/drawingml/2006/main" xmlns:r="http://schemas.openxmlformats.org/officeDocument/2006/relationships" xmlns:p="http://schemas.openxmlformats.org/presentationml/2006/main">
-  <p:cSld>
-    <p:spTree>
-      <p:nvGrpSpPr>
-        <p:cNvPr id="1" name=""/>
-        <p:cNvGrpSpPr/>
-        <p:nvPr/>
-      </p:nvGrpSpPr>
-      <p:grpSpPr>
-        <a:xfrm>
-          <a:off x="0" y="0"/>
-          <a:ext cx="0" cy="0"/>
-          <a:chOff x="0" y="0"/>
-          <a:chExt cx="0" cy="0"/>
-        </a:xfrm>
-      </p:grpSpPr>
-      <p:sp>
-        <p:nvSpPr>
-          <p:cNvPr id="2" name="投影片編號版面配置區 1">
-            <a:extLst>
-              <a:ext uri="{FF2B5EF4-FFF2-40B4-BE49-F238E27FC236}">
-                <a16:creationId xmlns:a16="http://schemas.microsoft.com/office/drawing/2014/main" id="{6574D6DB-61B2-467B-818C-D5EEB871A2FB}"/>
-              </a:ext>
-            </a:extLst>
-          </p:cNvPr>
-          <p:cNvSpPr>
-            <a:spLocks noGrp="1"/>
-          </p:cNvSpPr>
-          <p:nvPr>
-            <p:ph type="sldNum" sz="quarter" idx="12"/>
-          </p:nvPr>
-        </p:nvSpPr>
-        <p:spPr/>
-        <p:txBody>
-          <a:bodyPr/>
-          <a:lstStyle/>
-          <a:p>
-            <a:fld id="{4FAB73BC-B049-4115-A692-8D63A059BFB8}" type="slidenum">
-              <a:rPr lang="en-US" smtClean="0"/>
-              <a:pPr/>
-              <a:t>14</a:t>
-            </a:fld>
-            <a:endParaRPr lang="en-US" dirty="0"/>
-          </a:p>
-        </p:txBody>
-      </p:sp>
-      <p:sp>
-        <p:nvSpPr>
-          <p:cNvPr id="3" name="文字版面配置區 2">
-            <a:extLst>
-              <a:ext uri="{FF2B5EF4-FFF2-40B4-BE49-F238E27FC236}">
-                <a16:creationId xmlns:a16="http://schemas.microsoft.com/office/drawing/2014/main" id="{E468A53F-F064-415B-A9FF-892544D6BE98}"/>
-              </a:ext>
-            </a:extLst>
-          </p:cNvPr>
-          <p:cNvSpPr>
-            <a:spLocks noGrp="1"/>
-          </p:cNvSpPr>
-          <p:nvPr>
-            <p:ph type="body" sz="quarter" idx="13"/>
-          </p:nvPr>
-        </p:nvSpPr>
-        <p:spPr/>
-        <p:txBody>
-          <a:bodyPr/>
-          <a:lstStyle/>
-          <a:p>
-            <a:r>
-              <a:rPr lang="zh-TW" altLang="en-US" dirty="0">
-                <a:solidFill>
-                  <a:schemeClr val="bg1">
-                    <a:lumMod val="95000"/>
-                  </a:schemeClr>
-                </a:solidFill>
-                <a:latin typeface="+mn-ea"/>
-              </a:rPr>
-              <a:t>代碼結構</a:t>
-            </a:r>
-            <a:endParaRPr lang="en-US" altLang="zh-TW" dirty="0">
-              <a:solidFill>
-                <a:schemeClr val="bg1">
-                  <a:lumMod val="95000"/>
-                </a:schemeClr>
-              </a:solidFill>
-              <a:latin typeface="+mn-ea"/>
-            </a:endParaRPr>
-          </a:p>
-        </p:txBody>
-      </p:sp>
-      <p:pic>
-        <p:nvPicPr>
-          <p:cNvPr id="7" name="圖片 6">
-            <a:extLst>
-              <a:ext uri="{FF2B5EF4-FFF2-40B4-BE49-F238E27FC236}">
-                <a16:creationId xmlns:a16="http://schemas.microsoft.com/office/drawing/2014/main" id="{FB0320C2-41A8-436E-86AE-E0FEAC7D9F01}"/>
-              </a:ext>
-            </a:extLst>
-          </p:cNvPr>
-          <p:cNvPicPr>
-            <a:picLocks noChangeAspect="1"/>
-          </p:cNvPicPr>
-          <p:nvPr/>
-        </p:nvPicPr>
-        <p:blipFill>
-          <a:blip r:embed="rId2"/>
-          <a:stretch>
-            <a:fillRect/>
-          </a:stretch>
-        </p:blipFill>
-        <p:spPr>
-          <a:xfrm>
-            <a:off x="974558" y="1078725"/>
-            <a:ext cx="10242884" cy="5761622"/>
-          </a:xfrm>
-          <a:prstGeom prst="rect">
-            <a:avLst/>
-          </a:prstGeom>
-        </p:spPr>
-      </p:pic>
-      <p:grpSp>
-        <p:nvGrpSpPr>
-          <p:cNvPr id="10" name="群組 9">
-            <a:extLst>
-              <a:ext uri="{FF2B5EF4-FFF2-40B4-BE49-F238E27FC236}">
-                <a16:creationId xmlns:a16="http://schemas.microsoft.com/office/drawing/2014/main" id="{62CA4B84-700B-4BDC-B2E5-2A081F83DB4A}"/>
-              </a:ext>
-            </a:extLst>
-          </p:cNvPr>
-          <p:cNvGrpSpPr/>
-          <p:nvPr/>
-        </p:nvGrpSpPr>
-        <p:grpSpPr>
-          <a:xfrm>
-            <a:off x="1632409" y="3572759"/>
-            <a:ext cx="3486346" cy="1604128"/>
-            <a:chOff x="1632409" y="3572759"/>
-            <a:chExt cx="3486346" cy="1604128"/>
-          </a:xfrm>
-        </p:grpSpPr>
-        <p:cxnSp>
-          <p:nvCxnSpPr>
-            <p:cNvPr id="6" name="直線接點 5">
-              <a:extLst>
-                <a:ext uri="{FF2B5EF4-FFF2-40B4-BE49-F238E27FC236}">
-                  <a16:creationId xmlns:a16="http://schemas.microsoft.com/office/drawing/2014/main" id="{98E3E2CB-34FA-4AEC-BB83-BC5B1072F350}"/>
-                </a:ext>
-              </a:extLst>
-            </p:cNvPr>
-            <p:cNvCxnSpPr/>
-            <p:nvPr/>
-          </p:nvCxnSpPr>
-          <p:spPr>
-            <a:xfrm>
-              <a:off x="3563332" y="3572759"/>
-              <a:ext cx="1555423" cy="0"/>
-            </a:xfrm>
-            <a:prstGeom prst="line">
-              <a:avLst/>
-            </a:prstGeom>
-            <a:ln>
-              <a:solidFill>
-                <a:srgbClr val="FF0000"/>
-              </a:solidFill>
-            </a:ln>
-          </p:spPr>
-          <p:style>
-            <a:lnRef idx="1">
-              <a:schemeClr val="accent1"/>
-            </a:lnRef>
-            <a:fillRef idx="0">
-              <a:schemeClr val="accent1"/>
-            </a:fillRef>
-            <a:effectRef idx="0">
-              <a:schemeClr val="accent1"/>
-            </a:effectRef>
-            <a:fontRef idx="minor">
-              <a:schemeClr val="tx1"/>
-            </a:fontRef>
-          </p:style>
-        </p:cxnSp>
-        <p:cxnSp>
-          <p:nvCxnSpPr>
-            <p:cNvPr id="8" name="直線接點 7">
-              <a:extLst>
-                <a:ext uri="{FF2B5EF4-FFF2-40B4-BE49-F238E27FC236}">
-                  <a16:creationId xmlns:a16="http://schemas.microsoft.com/office/drawing/2014/main" id="{C553E9BD-CF80-4CA9-8318-A21E4665CA27}"/>
-                </a:ext>
-              </a:extLst>
-            </p:cNvPr>
-            <p:cNvCxnSpPr/>
-            <p:nvPr/>
-          </p:nvCxnSpPr>
-          <p:spPr>
-            <a:xfrm>
-              <a:off x="1632409" y="5176887"/>
-              <a:ext cx="1555423" cy="0"/>
-            </a:xfrm>
-            <a:prstGeom prst="line">
-              <a:avLst/>
-            </a:prstGeom>
-            <a:ln>
-              <a:solidFill>
-                <a:srgbClr val="FF0000"/>
-              </a:solidFill>
-            </a:ln>
-          </p:spPr>
-          <p:style>
-            <a:lnRef idx="1">
-              <a:schemeClr val="accent1"/>
-            </a:lnRef>
-            <a:fillRef idx="0">
-              <a:schemeClr val="accent1"/>
-            </a:fillRef>
-            <a:effectRef idx="0">
-              <a:schemeClr val="accent1"/>
-            </a:effectRef>
-            <a:fontRef idx="minor">
-              <a:schemeClr val="tx1"/>
-            </a:fontRef>
-          </p:style>
-        </p:cxnSp>
-      </p:grpSp>
-      <p:sp>
-        <p:nvSpPr>
-          <p:cNvPr id="9" name="矩形 8">
-            <a:extLst>
-              <a:ext uri="{FF2B5EF4-FFF2-40B4-BE49-F238E27FC236}">
-                <a16:creationId xmlns:a16="http://schemas.microsoft.com/office/drawing/2014/main" id="{BA9F60C3-3C36-4501-8B4C-EDCF5D6DFB28}"/>
-              </a:ext>
-            </a:extLst>
-          </p:cNvPr>
-          <p:cNvSpPr/>
-          <p:nvPr/>
-        </p:nvSpPr>
-        <p:spPr>
-          <a:xfrm>
-            <a:off x="6504495" y="4468305"/>
-            <a:ext cx="4147928" cy="829559"/>
-          </a:xfrm>
-          <a:prstGeom prst="rect">
-            <a:avLst/>
-          </a:prstGeom>
-          <a:noFill/>
-          <a:ln>
-            <a:solidFill>
-              <a:srgbClr val="FF0000"/>
-            </a:solidFill>
-          </a:ln>
-        </p:spPr>
-        <p:style>
-          <a:lnRef idx="2">
-            <a:schemeClr val="accent1">
-              <a:shade val="50000"/>
-            </a:schemeClr>
-          </a:lnRef>
-          <a:fillRef idx="1">
-            <a:schemeClr val="accent1"/>
-          </a:fillRef>
-          <a:effectRef idx="0">
-            <a:schemeClr val="accent1"/>
-          </a:effectRef>
-          <a:fontRef idx="minor">
-            <a:schemeClr val="lt1"/>
-          </a:fontRef>
-        </p:style>
-        <p:txBody>
-          <a:bodyPr rtlCol="0" anchor="ctr"/>
-          <a:lstStyle/>
-          <a:p>
-            <a:pPr algn="ctr"/>
-            <a:endParaRPr lang="zh-TW" altLang="en-US"/>
-          </a:p>
-        </p:txBody>
-      </p:sp>
-      <p:sp>
-        <p:nvSpPr>
-          <p:cNvPr id="11" name="文字方塊 10">
-            <a:extLst>
-              <a:ext uri="{FF2B5EF4-FFF2-40B4-BE49-F238E27FC236}">
-                <a16:creationId xmlns:a16="http://schemas.microsoft.com/office/drawing/2014/main" id="{D961E939-BDD6-4DA7-96C4-DFDBBBFCC0C1}"/>
-              </a:ext>
-            </a:extLst>
-          </p:cNvPr>
-          <p:cNvSpPr txBox="1"/>
-          <p:nvPr/>
-        </p:nvSpPr>
-        <p:spPr>
-          <a:xfrm>
-            <a:off x="3737728" y="2156378"/>
-            <a:ext cx="2135170" cy="461665"/>
-          </a:xfrm>
-          <a:prstGeom prst="rect">
-            <a:avLst/>
-          </a:prstGeom>
-          <a:noFill/>
-        </p:spPr>
-        <p:txBody>
-          <a:bodyPr wrap="square" rtlCol="0">
-            <a:spAutoFit/>
-          </a:bodyPr>
-          <a:lstStyle/>
-          <a:p>
-            <a:r>
-              <a:rPr lang="zh-TW" altLang="en-US" sz="2400" dirty="0">
-                <a:solidFill>
-                  <a:srgbClr val="FFC000"/>
-                </a:solidFill>
-              </a:rPr>
-              <a:t>更加容易辨識</a:t>
-            </a:r>
-          </a:p>
-        </p:txBody>
-      </p:sp>
-    </p:spTree>
-    <p:extLst>
-      <p:ext uri="{BB962C8B-B14F-4D97-AF65-F5344CB8AC3E}">
-        <p14:creationId xmlns:p14="http://schemas.microsoft.com/office/powerpoint/2010/main" val="1740910505"/>
-      </p:ext>
-    </p:extLst>
-  </p:cSld>
-  <p:clrMapOvr>
-    <a:masterClrMapping/>
-  </p:clrMapOvr>
-  <mc:AlternateContent xmlns:mc="http://schemas.openxmlformats.org/markup-compatibility/2006" xmlns:p14="http://schemas.microsoft.com/office/powerpoint/2010/main">
-    <mc:Choice Requires="p14">
-      <p:transition p14:dur="160">
-        <p:fade/>
-      </p:transition>
-    </mc:Choice>
-    <mc:Fallback xmlns="">
-      <p:transition>
-        <p:fade/>
-      </p:transition>
-    </mc:Fallback>
-  </mc:AlternateContent>
-  <p:timing>
-    <p:tnLst>
-      <p:par>
-        <p:cTn id="1" dur="indefinite" restart="never" nodeType="tmRoot">
-          <p:childTnLst>
-            <p:seq concurrent="1" nextAc="seek">
-              <p:cTn id="2" dur="indefinite" nodeType="mainSeq">
-                <p:childTnLst>
-                  <p:par>
-                    <p:cTn id="3" fill="hold">
-                      <p:stCondLst>
-                        <p:cond delay="indefinite"/>
-                      </p:stCondLst>
-                      <p:childTnLst>
-                        <p:par>
-                          <p:cTn id="4" fill="hold">
-                            <p:stCondLst>
-                              <p:cond delay="0"/>
-                            </p:stCondLst>
-                            <p:childTnLst>
-                              <p:par>
-                                <p:cTn id="5" presetID="1" presetClass="entr" presetSubtype="0" fill="hold" nodeType="clickEffect">
-                                  <p:stCondLst>
-                                    <p:cond delay="0"/>
-                                  </p:stCondLst>
-                                  <p:childTnLst>
-                                    <p:set>
-                                      <p:cBhvr>
-                                        <p:cTn id="6" dur="1" fill="hold">
-                                          <p:stCondLst>
-                                            <p:cond delay="0"/>
-                                          </p:stCondLst>
-                                        </p:cTn>
-                                        <p:tgtEl>
-                                          <p:spTgt spid="10"/>
-                                        </p:tgtEl>
-                                        <p:attrNameLst>
-                                          <p:attrName>style.visibility</p:attrName>
-                                        </p:attrNameLst>
-                                      </p:cBhvr>
-                                      <p:to>
-                                        <p:strVal val="visible"/>
-                                      </p:to>
-                                    </p:set>
-                                  </p:childTnLst>
-                                </p:cTn>
-                              </p:par>
-                            </p:childTnLst>
-                          </p:cTn>
-                        </p:par>
-                      </p:childTnLst>
-                    </p:cTn>
-                  </p:par>
-                  <p:par>
-                    <p:cTn id="7" fill="hold">
-                      <p:stCondLst>
-                        <p:cond delay="indefinite"/>
-                      </p:stCondLst>
-                      <p:childTnLst>
-                        <p:par>
-                          <p:cTn id="8" fill="hold">
-                            <p:stCondLst>
-                              <p:cond delay="0"/>
-                            </p:stCondLst>
-                            <p:childTnLst>
-                              <p:par>
-                                <p:cTn id="9" presetID="1" presetClass="entr" presetSubtype="0" fill="hold" grpId="0" nodeType="clickEffect">
-                                  <p:stCondLst>
-                                    <p:cond delay="0"/>
-                                  </p:stCondLst>
-                                  <p:childTnLst>
-                                    <p:set>
-                                      <p:cBhvr>
-                                        <p:cTn id="10" dur="1" fill="hold">
-                                          <p:stCondLst>
-                                            <p:cond delay="0"/>
-                                          </p:stCondLst>
-                                        </p:cTn>
-                                        <p:tgtEl>
-                                          <p:spTgt spid="9"/>
-                                        </p:tgtEl>
-                                        <p:attrNameLst>
-                                          <p:attrName>style.visibility</p:attrName>
-                                        </p:attrNameLst>
-                                      </p:cBhvr>
-                                      <p:to>
-                                        <p:strVal val="visible"/>
-                                      </p:to>
-                                    </p:set>
-                                  </p:childTnLst>
-                                </p:cTn>
-                              </p:par>
-                            </p:childTnLst>
-                          </p:cTn>
-                        </p:par>
-                      </p:childTnLst>
-                    </p:cTn>
-                  </p:par>
-                  <p:par>
-                    <p:cTn id="11" fill="hold">
-                      <p:stCondLst>
-                        <p:cond delay="indefinite"/>
-                      </p:stCondLst>
-                      <p:childTnLst>
-                        <p:par>
-                          <p:cTn id="12" fill="hold">
-                            <p:stCondLst>
-                              <p:cond delay="0"/>
-                            </p:stCondLst>
-                            <p:childTnLst>
-                              <p:par>
-                                <p:cTn id="13" presetID="1" presetClass="entr" presetSubtype="0" fill="hold" grpId="0" nodeType="clickEffect">
-                                  <p:stCondLst>
-                                    <p:cond delay="0"/>
-                                  </p:stCondLst>
-                                  <p:childTnLst>
-                                    <p:set>
-                                      <p:cBhvr>
-                                        <p:cTn id="14" dur="1" fill="hold">
-                                          <p:stCondLst>
-                                            <p:cond delay="0"/>
-                                          </p:stCondLst>
-                                        </p:cTn>
-                                        <p:tgtEl>
-                                          <p:spTgt spid="11"/>
-                                        </p:tgtEl>
-                                        <p:attrNameLst>
-                                          <p:attrName>style.visibility</p:attrName>
-                                        </p:attrNameLst>
-                                      </p:cBhvr>
-                                      <p:to>
-                                        <p:strVal val="visible"/>
-                                      </p:to>
-                                    </p:set>
-                                  </p:childTnLst>
-                                </p:cTn>
-                              </p:par>
-                            </p:childTnLst>
-                          </p:cTn>
-                        </p:par>
-                      </p:childTnLst>
-                    </p:cTn>
-                  </p:par>
-                </p:childTnLst>
-              </p:cTn>
-              <p:prevCondLst>
-                <p:cond evt="onPrev" delay="0">
-                  <p:tgtEl>
-                    <p:sldTgt/>
-                  </p:tgtEl>
-                </p:cond>
-              </p:prevCondLst>
-              <p:nextCondLst>
-                <p:cond evt="onNext" delay="0">
-                  <p:tgtEl>
-                    <p:sldTgt/>
-                  </p:tgtEl>
-                </p:cond>
-              </p:nextCondLst>
-            </p:seq>
-          </p:childTnLst>
-        </p:cTn>
-      </p:par>
-    </p:tnLst>
-    <p:bldLst>
-      <p:bldP spid="9" grpId="0" animBg="1"/>
-      <p:bldP spid="11" grpId="0"/>
     </p:bldLst>
   </p:timing>
 </p:sld>
@@ -11281,7 +11308,7 @@
                 <a:hlinkClick r:id="rId2">
                   <a:extLst>
                     <a:ext uri="{A12FA001-AC4F-418D-AE19-62706E023703}">
-                      <ahyp:hlinkClr xmlns:ahyp="http://schemas.microsoft.com/office/drawing/2018/hyperlinkcolor" val="tx"/>
+                      <ahyp:hlinkClr xmlns:ahyp="http://schemas.microsoft.com/office/drawing/2018/hyperlinkcolor" xmlns="" val="tx"/>
                     </a:ext>
                   </a:extLst>
                 </a:hlinkClick>
@@ -12293,8 +12320,9 @@
           <a:p>
             <a:r>
               <a:rPr lang="zh-TW" altLang="en-US" dirty="0"/>
-              <a:t>使用者互動</a:t>
-            </a:r>
+              <a:t>事件</a:t>
+            </a:r>
+            <a:endParaRPr lang="zh-TW" altLang="en-US" dirty="0"/>
           </a:p>
         </p:txBody>
       </p:sp>

--- a/PPT/React Hooks &.pptx
+++ b/PPT/React Hooks &.pptx
@@ -5,10 +5,10 @@
     <p:sldMasterId id="2147483840" r:id="rId1"/>
   </p:sldMasterIdLst>
   <p:notesMasterIdLst>
-    <p:notesMasterId r:id="rId45"/>
+    <p:notesMasterId r:id="rId47"/>
   </p:notesMasterIdLst>
   <p:handoutMasterIdLst>
-    <p:handoutMasterId r:id="rId46"/>
+    <p:handoutMasterId r:id="rId48"/>
   </p:handoutMasterIdLst>
   <p:sldIdLst>
     <p:sldId id="256" r:id="rId2"/>
@@ -36,15 +36,15 @@
     <p:sldId id="293" r:id="rId24"/>
     <p:sldId id="303" r:id="rId25"/>
     <p:sldId id="305" r:id="rId26"/>
-    <p:sldId id="297" r:id="rId27"/>
-    <p:sldId id="310" r:id="rId28"/>
-    <p:sldId id="311" r:id="rId29"/>
-    <p:sldId id="329" r:id="rId30"/>
-    <p:sldId id="294" r:id="rId31"/>
-    <p:sldId id="307" r:id="rId32"/>
-    <p:sldId id="306" r:id="rId33"/>
-    <p:sldId id="331" r:id="rId34"/>
-    <p:sldId id="333" r:id="rId35"/>
+    <p:sldId id="294" r:id="rId27"/>
+    <p:sldId id="307" r:id="rId28"/>
+    <p:sldId id="306" r:id="rId29"/>
+    <p:sldId id="331" r:id="rId30"/>
+    <p:sldId id="333" r:id="rId31"/>
+    <p:sldId id="297" r:id="rId32"/>
+    <p:sldId id="310" r:id="rId33"/>
+    <p:sldId id="311" r:id="rId34"/>
+    <p:sldId id="329" r:id="rId35"/>
     <p:sldId id="313" r:id="rId36"/>
     <p:sldId id="315" r:id="rId37"/>
     <p:sldId id="330" r:id="rId38"/>
@@ -54,6 +54,8 @@
     <p:sldId id="260" r:id="rId42"/>
     <p:sldId id="314" r:id="rId43"/>
     <p:sldId id="262" r:id="rId44"/>
+    <p:sldId id="336" r:id="rId45"/>
+    <p:sldId id="337" r:id="rId46"/>
   </p:sldIdLst>
   <p:sldSz cx="12192000" cy="6858000"/>
   <p:notesSz cx="6858000" cy="9144000"/>
@@ -829,21 +831,7 @@
           <a:bodyPr/>
           <a:lstStyle/>
           <a:p>
-            <a:r>
-              <a:rPr lang="zh-TW" altLang="en-US" dirty="0"/>
-              <a:t>主從關析</a:t>
-            </a:r>
-            <a:r>
-              <a:rPr lang="en-US" altLang="zh-TW" dirty="0"/>
-              <a:t/>
-            </a:r>
-            <a:br>
-              <a:rPr lang="en-US" altLang="zh-TW" dirty="0"/>
-            </a:br>
-            <a:r>
-              <a:rPr lang="zh-TW" altLang="en-US" dirty="0"/>
-              <a:t>階級制度</a:t>
-            </a:r>
+            <a:endParaRPr lang="zh-TW" altLang="en-US" dirty="0"/>
           </a:p>
         </p:txBody>
       </p:sp>
@@ -873,7 +861,7 @@
     </p:spTree>
     <p:extLst>
       <p:ext uri="{BB962C8B-B14F-4D97-AF65-F5344CB8AC3E}">
-        <p14:creationId xmlns:p14="http://schemas.microsoft.com/office/powerpoint/2010/main" val="1932725864"/>
+        <p14:creationId xmlns:p14="http://schemas.microsoft.com/office/powerpoint/2010/main" val="2893847106"/>
       </p:ext>
     </p:extLst>
   </p:cSld>
@@ -927,10 +915,7 @@
           <a:bodyPr/>
           <a:lstStyle/>
           <a:p>
-            <a:r>
-              <a:rPr lang="zh-TW" altLang="en-US" dirty="0"/>
-              <a:t>可以接納任何元件</a:t>
-            </a:r>
+            <a:endParaRPr lang="zh-TW" altLang="en-US" dirty="0"/>
           </a:p>
         </p:txBody>
       </p:sp>
@@ -951,7 +936,7 @@
           <a:p>
             <a:fld id="{6B094CF9-824F-48E6-BF21-19194E5F47C1}" type="slidenum">
               <a:rPr lang="zh-TW" altLang="en-US" smtClean="0"/>
-              <a:t>31</a:t>
+              <a:t>33</a:t>
             </a:fld>
             <a:endParaRPr lang="zh-TW" altLang="en-US"/>
           </a:p>
@@ -960,7 +945,7 @@
     </p:spTree>
     <p:extLst>
       <p:ext uri="{BB962C8B-B14F-4D97-AF65-F5344CB8AC3E}">
-        <p14:creationId xmlns:p14="http://schemas.microsoft.com/office/powerpoint/2010/main" val="971837118"/>
+        <p14:creationId xmlns:p14="http://schemas.microsoft.com/office/powerpoint/2010/main" val="3961895298"/>
       </p:ext>
     </p:extLst>
   </p:cSld>
@@ -1014,7 +999,17 @@
           <a:bodyPr/>
           <a:lstStyle/>
           <a:p>
-            <a:endParaRPr lang="zh-TW" altLang="en-US" dirty="0"/>
+            <a:r>
+              <a:rPr lang="zh-TW" altLang="en-US" dirty="0"/>
+              <a:t>主從關析</a:t>
+            </a:r>
+            <a:br>
+              <a:rPr lang="en-US" altLang="zh-TW" dirty="0"/>
+            </a:br>
+            <a:r>
+              <a:rPr lang="zh-TW" altLang="en-US" dirty="0"/>
+              <a:t>階級制度</a:t>
+            </a:r>
           </a:p>
         </p:txBody>
       </p:sp>
@@ -1035,7 +1030,7 @@
           <a:p>
             <a:fld id="{6B094CF9-824F-48E6-BF21-19194E5F47C1}" type="slidenum">
               <a:rPr lang="zh-TW" altLang="en-US" smtClean="0"/>
-              <a:t>33</a:t>
+              <a:t>34</a:t>
             </a:fld>
             <a:endParaRPr lang="zh-TW" altLang="en-US"/>
           </a:p>
@@ -1044,7 +1039,7 @@
     </p:spTree>
     <p:extLst>
       <p:ext uri="{BB962C8B-B14F-4D97-AF65-F5344CB8AC3E}">
-        <p14:creationId xmlns:p14="http://schemas.microsoft.com/office/powerpoint/2010/main" val="2893847106"/>
+        <p14:creationId xmlns:p14="http://schemas.microsoft.com/office/powerpoint/2010/main" val="1437784018"/>
       </p:ext>
     </p:extLst>
   </p:cSld>
@@ -1101,10 +1096,6 @@
             <a:r>
               <a:rPr lang="zh-TW" altLang="en-US" dirty="0"/>
               <a:t>採用佇列依序處里</a:t>
-            </a:r>
-            <a:r>
-              <a:rPr lang="en-US" altLang="zh-TW" dirty="0"/>
-              <a:t/>
             </a:r>
             <a:br>
               <a:rPr lang="en-US" altLang="zh-TW" dirty="0"/>
@@ -1261,6 +1252,90 @@
 </p:notes>
 </file>
 
+<file path=ppt/notesSlides/notesSlide15.xml><?xml version="1.0" encoding="utf-8"?>
+<p:notes xmlns:a="http://schemas.openxmlformats.org/drawingml/2006/main" xmlns:r="http://schemas.openxmlformats.org/officeDocument/2006/relationships" xmlns:p="http://schemas.openxmlformats.org/presentationml/2006/main">
+  <p:cSld>
+    <p:spTree>
+      <p:nvGrpSpPr>
+        <p:cNvPr id="1" name=""/>
+        <p:cNvGrpSpPr/>
+        <p:nvPr/>
+      </p:nvGrpSpPr>
+      <p:grpSpPr>
+        <a:xfrm>
+          <a:off x="0" y="0"/>
+          <a:ext cx="0" cy="0"/>
+          <a:chOff x="0" y="0"/>
+          <a:chExt cx="0" cy="0"/>
+        </a:xfrm>
+      </p:grpSpPr>
+      <p:sp>
+        <p:nvSpPr>
+          <p:cNvPr id="2" name="投影片影像版面配置區 1"/>
+          <p:cNvSpPr>
+            <a:spLocks noGrp="1" noRot="1" noChangeAspect="1"/>
+          </p:cNvSpPr>
+          <p:nvPr>
+            <p:ph type="sldImg"/>
+          </p:nvPr>
+        </p:nvSpPr>
+        <p:spPr/>
+      </p:sp>
+      <p:sp>
+        <p:nvSpPr>
+          <p:cNvPr id="3" name="備忘稿版面配置區 2"/>
+          <p:cNvSpPr>
+            <a:spLocks noGrp="1"/>
+          </p:cNvSpPr>
+          <p:nvPr>
+            <p:ph type="body" idx="1"/>
+          </p:nvPr>
+        </p:nvSpPr>
+        <p:spPr/>
+        <p:txBody>
+          <a:bodyPr/>
+          <a:lstStyle/>
+          <a:p>
+            <a:endParaRPr lang="zh-TW" altLang="en-US" dirty="0"/>
+          </a:p>
+        </p:txBody>
+      </p:sp>
+      <p:sp>
+        <p:nvSpPr>
+          <p:cNvPr id="4" name="投影片編號版面配置區 3"/>
+          <p:cNvSpPr>
+            <a:spLocks noGrp="1"/>
+          </p:cNvSpPr>
+          <p:nvPr>
+            <p:ph type="sldNum" sz="quarter" idx="5"/>
+          </p:nvPr>
+        </p:nvSpPr>
+        <p:spPr/>
+        <p:txBody>
+          <a:bodyPr/>
+          <a:lstStyle/>
+          <a:p>
+            <a:fld id="{6B094CF9-824F-48E6-BF21-19194E5F47C1}" type="slidenum">
+              <a:rPr lang="zh-TW" altLang="en-US" smtClean="0"/>
+              <a:t>44</a:t>
+            </a:fld>
+            <a:endParaRPr lang="zh-TW" altLang="en-US"/>
+          </a:p>
+        </p:txBody>
+      </p:sp>
+    </p:spTree>
+    <p:extLst>
+      <p:ext uri="{BB962C8B-B14F-4D97-AF65-F5344CB8AC3E}">
+        <p14:creationId xmlns:p14="http://schemas.microsoft.com/office/powerpoint/2010/main" val="3448015267"/>
+      </p:ext>
+    </p:extLst>
+  </p:cSld>
+  <p:clrMapOvr>
+    <a:masterClrMapping/>
+  </p:clrMapOvr>
+</p:notes>
+</file>
+
 <file path=ppt/notesSlides/notesSlide2.xml><?xml version="1.0" encoding="utf-8"?>
 <p:notes xmlns:a="http://schemas.openxmlformats.org/drawingml/2006/main" xmlns:r="http://schemas.openxmlformats.org/officeDocument/2006/relationships" xmlns:p="http://schemas.openxmlformats.org/presentationml/2006/main">
   <p:cSld>
@@ -2196,18 +2271,6 @@
           </a:p>
           <a:p>
             <a:pPr latinLnBrk="1"/>
-            <a:r>
-              <a:rPr lang="en-US" altLang="zh-TW" sz="1200" b="0" i="0" kern="1200" dirty="0">
-                <a:solidFill>
-                  <a:schemeClr val="tx1"/>
-                </a:solidFill>
-                <a:effectLst/>
-                <a:latin typeface="+mn-lt"/>
-                <a:ea typeface="+mn-ea"/>
-                <a:cs typeface="+mn-cs"/>
-              </a:rPr>
-              <a:t/>
-            </a:r>
             <a:br>
               <a:rPr lang="en-US" altLang="zh-TW" sz="1200" b="0" i="0" kern="1200" dirty="0">
                 <a:solidFill>
@@ -2491,7 +2554,10 @@
           <a:bodyPr/>
           <a:lstStyle/>
           <a:p>
-            <a:endParaRPr lang="zh-TW" altLang="en-US" dirty="0"/>
+            <a:r>
+              <a:rPr lang="zh-TW" altLang="en-US" dirty="0"/>
+              <a:t>可以接納任何元件</a:t>
+            </a:r>
           </a:p>
         </p:txBody>
       </p:sp>
@@ -2512,7 +2578,7 @@
           <a:p>
             <a:fld id="{6B094CF9-824F-48E6-BF21-19194E5F47C1}" type="slidenum">
               <a:rPr lang="zh-TW" altLang="en-US" smtClean="0"/>
-              <a:t>28</a:t>
+              <a:t>27</a:t>
             </a:fld>
             <a:endParaRPr lang="zh-TW" altLang="en-US"/>
           </a:p>
@@ -2521,7 +2587,7 @@
     </p:spTree>
     <p:extLst>
       <p:ext uri="{BB962C8B-B14F-4D97-AF65-F5344CB8AC3E}">
-        <p14:creationId xmlns:p14="http://schemas.microsoft.com/office/powerpoint/2010/main" val="460951916"/>
+        <p14:creationId xmlns:p14="http://schemas.microsoft.com/office/powerpoint/2010/main" val="971837118"/>
       </p:ext>
     </p:extLst>
   </p:cSld>
@@ -7160,13 +7226,6 @@
       </p:transition>
     </mc:Fallback>
   </mc:AlternateContent>
-  <p:timing>
-    <p:tnLst>
-      <p:par>
-        <p:cTn id="1" dur="indefinite" restart="never" nodeType="tmRoot"/>
-      </p:par>
-    </p:tnLst>
-  </p:timing>
 </p:sld>
 </file>
 
@@ -11308,7 +11367,7 @@
                 <a:hlinkClick r:id="rId2">
                   <a:extLst>
                     <a:ext uri="{A12FA001-AC4F-418D-AE19-62706E023703}">
-                      <ahyp:hlinkClr xmlns:ahyp="http://schemas.microsoft.com/office/drawing/2018/hyperlinkcolor" xmlns="" val="tx"/>
+                      <ahyp:hlinkClr xmlns:ahyp="http://schemas.microsoft.com/office/drawing/2018/hyperlinkcolor" val="tx"/>
                     </a:ext>
                   </a:extLst>
                 </a:hlinkClick>
@@ -11376,6 +11435,20 @@
               </a:rPr>
               <a:t>上有操作說明</a:t>
             </a:r>
+            <a:endParaRPr lang="en-US" altLang="zh-TW" sz="2600">
+              <a:solidFill>
+                <a:schemeClr val="bg1"/>
+              </a:solidFill>
+              <a:latin typeface="+mj-ea"/>
+              <a:ea typeface="+mj-ea"/>
+            </a:endParaRPr>
+          </a:p>
+          <a:p>
+            <a:pPr>
+              <a:lnSpc>
+                <a:spcPct val="150000"/>
+              </a:lnSpc>
+            </a:pPr>
             <a:endParaRPr lang="en-US" altLang="zh-TW" sz="2600" dirty="0">
               <a:solidFill>
                 <a:schemeClr val="bg1"/>
@@ -12322,7 +12395,6 @@
               <a:rPr lang="zh-TW" altLang="en-US" dirty="0"/>
               <a:t>事件</a:t>
             </a:r>
-            <a:endParaRPr lang="zh-TW" altLang="en-US" dirty="0"/>
           </a:p>
         </p:txBody>
       </p:sp>
@@ -13800,7 +13872,7 @@
               <a:rPr lang="en-US" altLang="zh-TW" dirty="0" err="1">
                 <a:latin typeface="+mn-ea"/>
               </a:rPr>
-              <a:t>useContext</a:t>
+              <a:t>useRef</a:t>
             </a:r>
             <a:r>
               <a:rPr lang="en-US" altLang="zh-TW" dirty="0">
@@ -13819,7 +13891,7 @@
           <p:cNvPr id="4" name="文字方塊 3">
             <a:extLst>
               <a:ext uri="{FF2B5EF4-FFF2-40B4-BE49-F238E27FC236}">
-                <a16:creationId xmlns:a16="http://schemas.microsoft.com/office/drawing/2014/main" id="{CFE87475-59D0-460C-AB14-072C4D7985E0}"/>
+                <a16:creationId xmlns:a16="http://schemas.microsoft.com/office/drawing/2014/main" id="{DF8B345D-3869-4034-AA89-9F820872C68B}"/>
               </a:ext>
             </a:extLst>
           </p:cNvPr>
@@ -13829,7 +13901,7 @@
         <p:spPr>
           <a:xfrm>
             <a:off x="1362171" y="1884732"/>
-            <a:ext cx="8587945" cy="1569660"/>
+            <a:ext cx="8587945" cy="2217851"/>
           </a:xfrm>
           <a:prstGeom prst="rect">
             <a:avLst/>
@@ -13858,7 +13930,29 @@
                 </a:solidFill>
                 <a:latin typeface="+mn-ea"/>
               </a:rPr>
-              <a:t>用於組件中上下結構的溝通</a:t>
+              <a:t>通常用於抓取到 </a:t>
+            </a:r>
+            <a:r>
+              <a:rPr lang="en-US" altLang="zh-TW" sz="3200" dirty="0">
+                <a:solidFill>
+                  <a:schemeClr val="bg1">
+                    <a:lumMod val="75000"/>
+                  </a:schemeClr>
+                </a:solidFill>
+                <a:latin typeface="+mn-ea"/>
+              </a:rPr>
+              <a:t>DOM </a:t>
+            </a:r>
+            <a:r>
+              <a:rPr lang="zh-TW" altLang="en-US" sz="3200" dirty="0">
+                <a:solidFill>
+                  <a:schemeClr val="bg1">
+                    <a:lumMod val="75000"/>
+                  </a:schemeClr>
+                </a:solidFill>
+                <a:latin typeface="+mn-ea"/>
+              </a:rPr>
+              <a:t>節點</a:t>
             </a:r>
             <a:endParaRPr lang="en-US" altLang="zh-TW" sz="3200" dirty="0">
               <a:solidFill>
@@ -13886,7 +13980,7 @@
                 </a:solidFill>
                 <a:latin typeface="+mn-ea"/>
               </a:rPr>
-              <a:t>省去 </a:t>
+              <a:t>不會觸發 </a:t>
             </a:r>
             <a:r>
               <a:rPr lang="en-US" altLang="zh-TW" sz="3200" dirty="0">
@@ -13897,8 +13991,17 @@
                 </a:solidFill>
                 <a:latin typeface="+mn-ea"/>
               </a:rPr>
-              <a:t>Props</a:t>
-            </a:r>
+              <a:t>re-render</a:t>
+            </a:r>
+          </a:p>
+          <a:p>
+            <a:pPr marL="457200" indent="-457200">
+              <a:lnSpc>
+                <a:spcPct val="150000"/>
+              </a:lnSpc>
+              <a:buFont typeface="Arial" panose="020B0604020202020204" pitchFamily="34" charset="0"/>
+              <a:buChar char="•"/>
+            </a:pPr>
             <a:r>
               <a:rPr lang="zh-TW" altLang="en-US" sz="3200" dirty="0">
                 <a:solidFill>
@@ -13908,23 +14011,26 @@
                 </a:solidFill>
                 <a:latin typeface="+mn-ea"/>
               </a:rPr>
-              <a:t> 的傳遞</a:t>
-            </a:r>
-            <a:endParaRPr lang="en-US" altLang="zh-TW" sz="3200" dirty="0">
-              <a:solidFill>
-                <a:schemeClr val="bg1">
-                  <a:lumMod val="75000"/>
-                </a:schemeClr>
-              </a:solidFill>
-              <a:latin typeface="+mn-ea"/>
-            </a:endParaRPr>
+              <a:t>自建一個 </a:t>
+            </a:r>
+            <a:r>
+              <a:rPr lang="en-US" altLang="zh-TW" sz="3200" dirty="0">
+                <a:solidFill>
+                  <a:schemeClr val="bg1">
+                    <a:lumMod val="75000"/>
+                  </a:schemeClr>
+                </a:solidFill>
+                <a:latin typeface="+mn-ea"/>
+              </a:rPr>
+              <a:t>{current: ...}</a:t>
+            </a:r>
           </a:p>
         </p:txBody>
       </p:sp>
     </p:spTree>
     <p:extLst>
       <p:ext uri="{BB962C8B-B14F-4D97-AF65-F5344CB8AC3E}">
-        <p14:creationId xmlns:p14="http://schemas.microsoft.com/office/powerpoint/2010/main" val="2841598273"/>
+        <p14:creationId xmlns:p14="http://schemas.microsoft.com/office/powerpoint/2010/main" val="2281194327"/>
       </p:ext>
     </p:extLst>
   </p:cSld>
@@ -13968,7 +14074,7 @@
           <p:cNvPr id="2" name="投影片編號版面配置區 1">
             <a:extLst>
               <a:ext uri="{FF2B5EF4-FFF2-40B4-BE49-F238E27FC236}">
-                <a16:creationId xmlns:a16="http://schemas.microsoft.com/office/drawing/2014/main" id="{1E377D37-493E-406D-9DE2-523E37B5FB67}"/>
+                <a16:creationId xmlns:a16="http://schemas.microsoft.com/office/drawing/2014/main" id="{A8AC08B9-BD6E-4DBA-BB56-A264B2E4591A}"/>
               </a:ext>
             </a:extLst>
           </p:cNvPr>
@@ -13995,38 +14101,192 @@
       </p:sp>
       <p:sp>
         <p:nvSpPr>
-          <p:cNvPr id="3" name="文字版面配置區 2">
+          <p:cNvPr id="3" name="矩形 2">
             <a:extLst>
               <a:ext uri="{FF2B5EF4-FFF2-40B4-BE49-F238E27FC236}">
-                <a16:creationId xmlns:a16="http://schemas.microsoft.com/office/drawing/2014/main" id="{9336F88C-9E7A-4749-9292-86857EF467B2}"/>
+                <a16:creationId xmlns:a16="http://schemas.microsoft.com/office/drawing/2014/main" id="{AC797E67-4A73-489F-8DA4-DCD652A8CA38}"/>
               </a:ext>
             </a:extLst>
           </p:cNvPr>
-          <p:cNvSpPr>
-            <a:spLocks noGrp="1"/>
-          </p:cNvSpPr>
-          <p:nvPr>
-            <p:ph type="body" sz="quarter" idx="13"/>
-          </p:nvPr>
-        </p:nvSpPr>
-        <p:spPr/>
-        <p:txBody>
-          <a:bodyPr/>
-          <a:lstStyle/>
-          <a:p>
-            <a:r>
-              <a:rPr lang="zh-TW" altLang="en-US" dirty="0"/>
-              <a:t>結構</a:t>
-            </a:r>
-          </a:p>
-        </p:txBody>
-      </p:sp>
-      <p:sp>
-        <p:nvSpPr>
-          <p:cNvPr id="4" name="文字方塊 3">
+          <p:cNvSpPr/>
+          <p:nvPr/>
+        </p:nvSpPr>
+        <p:spPr>
+          <a:xfrm>
+            <a:off x="8360319" y="3371868"/>
+            <a:ext cx="1631024" cy="646331"/>
+          </a:xfrm>
+          <a:prstGeom prst="rect">
+            <a:avLst/>
+          </a:prstGeom>
+        </p:spPr>
+        <p:txBody>
+          <a:bodyPr wrap="none">
+            <a:spAutoFit/>
+          </a:bodyPr>
+          <a:lstStyle/>
+          <a:p>
+            <a:r>
+              <a:rPr lang="en-US" altLang="zh-TW" sz="3600" dirty="0" err="1">
+                <a:solidFill>
+                  <a:schemeClr val="bg1"/>
+                </a:solidFill>
+                <a:latin typeface="+mn-ea"/>
+              </a:rPr>
+              <a:t>useRef</a:t>
+            </a:r>
+            <a:endParaRPr lang="zh-TW" altLang="en-US" sz="3600" dirty="0">
+              <a:solidFill>
+                <a:schemeClr val="bg1"/>
+              </a:solidFill>
+            </a:endParaRPr>
+          </a:p>
+        </p:txBody>
+      </p:sp>
+      <p:sp>
+        <p:nvSpPr>
+          <p:cNvPr id="4" name="箭號: 向下 3">
             <a:extLst>
               <a:ext uri="{FF2B5EF4-FFF2-40B4-BE49-F238E27FC236}">
-                <a16:creationId xmlns:a16="http://schemas.microsoft.com/office/drawing/2014/main" id="{FB0F8042-8748-4DA7-9C5C-CB93FC37DBFA}"/>
+                <a16:creationId xmlns:a16="http://schemas.microsoft.com/office/drawing/2014/main" id="{7C5DD0B4-2386-4760-8BF6-625405FC65DC}"/>
+              </a:ext>
+            </a:extLst>
+          </p:cNvPr>
+          <p:cNvSpPr/>
+          <p:nvPr/>
+        </p:nvSpPr>
+        <p:spPr>
+          <a:xfrm rot="17532736">
+            <a:off x="6010492" y="1905274"/>
+            <a:ext cx="509337" cy="673769"/>
+          </a:xfrm>
+          <a:prstGeom prst="downArrow">
+            <a:avLst/>
+          </a:prstGeom>
+        </p:spPr>
+        <p:style>
+          <a:lnRef idx="2">
+            <a:schemeClr val="accent1">
+              <a:shade val="50000"/>
+            </a:schemeClr>
+          </a:lnRef>
+          <a:fillRef idx="1">
+            <a:schemeClr val="accent1"/>
+          </a:fillRef>
+          <a:effectRef idx="0">
+            <a:schemeClr val="accent1"/>
+          </a:effectRef>
+          <a:fontRef idx="minor">
+            <a:schemeClr val="lt1"/>
+          </a:fontRef>
+        </p:style>
+        <p:txBody>
+          <a:bodyPr rtlCol="0" anchor="ctr"/>
+          <a:lstStyle/>
+          <a:p>
+            <a:pPr algn="ctr"/>
+            <a:endParaRPr lang="zh-TW" altLang="en-US"/>
+          </a:p>
+        </p:txBody>
+      </p:sp>
+      <p:sp>
+        <p:nvSpPr>
+          <p:cNvPr id="5" name="箭號: 向下 4">
+            <a:extLst>
+              <a:ext uri="{FF2B5EF4-FFF2-40B4-BE49-F238E27FC236}">
+                <a16:creationId xmlns:a16="http://schemas.microsoft.com/office/drawing/2014/main" id="{6F972098-D57D-4361-BD32-A5FE9030A2DD}"/>
+              </a:ext>
+            </a:extLst>
+          </p:cNvPr>
+          <p:cNvSpPr/>
+          <p:nvPr/>
+        </p:nvSpPr>
+        <p:spPr>
+          <a:xfrm rot="16200000">
+            <a:off x="5939217" y="3388592"/>
+            <a:ext cx="509337" cy="673769"/>
+          </a:xfrm>
+          <a:prstGeom prst="downArrow">
+            <a:avLst/>
+          </a:prstGeom>
+        </p:spPr>
+        <p:style>
+          <a:lnRef idx="2">
+            <a:schemeClr val="accent1">
+              <a:shade val="50000"/>
+            </a:schemeClr>
+          </a:lnRef>
+          <a:fillRef idx="1">
+            <a:schemeClr val="accent1"/>
+          </a:fillRef>
+          <a:effectRef idx="0">
+            <a:schemeClr val="accent1"/>
+          </a:effectRef>
+          <a:fontRef idx="minor">
+            <a:schemeClr val="lt1"/>
+          </a:fontRef>
+        </p:style>
+        <p:txBody>
+          <a:bodyPr rtlCol="0" anchor="ctr"/>
+          <a:lstStyle/>
+          <a:p>
+            <a:pPr algn="ctr"/>
+            <a:endParaRPr lang="zh-TW" altLang="en-US"/>
+          </a:p>
+        </p:txBody>
+      </p:sp>
+      <p:sp>
+        <p:nvSpPr>
+          <p:cNvPr id="6" name="箭號: 向下 5">
+            <a:extLst>
+              <a:ext uri="{FF2B5EF4-FFF2-40B4-BE49-F238E27FC236}">
+                <a16:creationId xmlns:a16="http://schemas.microsoft.com/office/drawing/2014/main" id="{7AD654CF-B489-461A-B634-75FE845D96A3}"/>
+              </a:ext>
+            </a:extLst>
+          </p:cNvPr>
+          <p:cNvSpPr/>
+          <p:nvPr/>
+        </p:nvSpPr>
+        <p:spPr>
+          <a:xfrm rot="14861105">
+            <a:off x="6010685" y="4872295"/>
+            <a:ext cx="509337" cy="673769"/>
+          </a:xfrm>
+          <a:prstGeom prst="downArrow">
+            <a:avLst/>
+          </a:prstGeom>
+        </p:spPr>
+        <p:style>
+          <a:lnRef idx="2">
+            <a:schemeClr val="accent1">
+              <a:shade val="50000"/>
+            </a:schemeClr>
+          </a:lnRef>
+          <a:fillRef idx="1">
+            <a:schemeClr val="accent1"/>
+          </a:fillRef>
+          <a:effectRef idx="0">
+            <a:schemeClr val="accent1"/>
+          </a:effectRef>
+          <a:fontRef idx="minor">
+            <a:schemeClr val="lt1"/>
+          </a:fontRef>
+        </p:style>
+        <p:txBody>
+          <a:bodyPr rtlCol="0" anchor="ctr"/>
+          <a:lstStyle/>
+          <a:p>
+            <a:pPr algn="ctr"/>
+            <a:endParaRPr lang="zh-TW" altLang="en-US"/>
+          </a:p>
+        </p:txBody>
+      </p:sp>
+      <p:sp>
+        <p:nvSpPr>
+          <p:cNvPr id="7" name="文字方塊 6">
+            <a:extLst>
+              <a:ext uri="{FF2B5EF4-FFF2-40B4-BE49-F238E27FC236}">
+                <a16:creationId xmlns:a16="http://schemas.microsoft.com/office/drawing/2014/main" id="{58A20A45-6B5C-44FA-8DFB-A9504B38B191}"/>
               </a:ext>
             </a:extLst>
           </p:cNvPr>
@@ -14035,8 +14295,8 @@
         </p:nvSpPr>
         <p:spPr>
           <a:xfrm>
-            <a:off x="1378107" y="1639098"/>
-            <a:ext cx="9782037" cy="584775"/>
+            <a:off x="2105032" y="1586645"/>
+            <a:ext cx="3404937" cy="584775"/>
           </a:xfrm>
           <a:prstGeom prst="rect">
             <a:avLst/>
@@ -14044,146 +14304,42 @@
           <a:noFill/>
         </p:spPr>
         <p:txBody>
-          <a:bodyPr wrap="none" rtlCol="0">
+          <a:bodyPr wrap="square" rtlCol="0">
             <a:spAutoFit/>
           </a:bodyPr>
           <a:lstStyle/>
           <a:p>
-            <a:pPr algn="ctr"/>
-            <a:r>
-              <a:rPr lang="en-US" altLang="zh-TW" sz="3200" spc="300" dirty="0">
-                <a:solidFill>
-                  <a:schemeClr val="accent5">
-                    <a:lumMod val="60000"/>
-                    <a:lumOff val="40000"/>
-                  </a:schemeClr>
+            <a:r>
+              <a:rPr lang="en-US" altLang="zh-TW" sz="3200" dirty="0">
+                <a:solidFill>
+                  <a:schemeClr val="bg1"/>
                 </a:solidFill>
                 <a:latin typeface="Adobe 繁黑體 Std B" panose="020B0700000000000000" pitchFamily="34" charset="-120"/>
                 <a:ea typeface="Adobe 繁黑體 Std B" panose="020B0700000000000000" pitchFamily="34" charset="-120"/>
               </a:rPr>
-              <a:t>Const</a:t>
-            </a:r>
-            <a:r>
-              <a:rPr lang="en-US" altLang="zh-TW" sz="3200" spc="300" dirty="0">
-                <a:solidFill>
-                  <a:schemeClr val="bg1">
-                    <a:lumMod val="85000"/>
-                  </a:schemeClr>
+              <a:t>&lt;</a:t>
+            </a:r>
+            <a:r>
+              <a:rPr lang="en-US" altLang="zh-TW" sz="3200" dirty="0">
+                <a:solidFill>
+                  <a:srgbClr val="FFC000"/>
                 </a:solidFill>
                 <a:latin typeface="Adobe 繁黑體 Std B" panose="020B0700000000000000" pitchFamily="34" charset="-120"/>
                 <a:ea typeface="Adobe 繁黑體 Std B" panose="020B0700000000000000" pitchFamily="34" charset="-120"/>
               </a:rPr>
-              <a:t>	</a:t>
-            </a:r>
-            <a:r>
-              <a:rPr lang="en-US" altLang="zh-TW" sz="3200" spc="300" dirty="0" err="1">
-                <a:solidFill>
-                  <a:schemeClr val="accent2">
-                    <a:lumMod val="60000"/>
-                    <a:lumOff val="40000"/>
-                  </a:schemeClr>
+              <a:t>input</a:t>
+            </a:r>
+            <a:r>
+              <a:rPr lang="en-US" altLang="zh-TW" sz="3200" dirty="0">
+                <a:solidFill>
+                  <a:schemeClr val="bg1"/>
                 </a:solidFill>
                 <a:latin typeface="Adobe 繁黑體 Std B" panose="020B0700000000000000" pitchFamily="34" charset="-120"/>
                 <a:ea typeface="Adobe 繁黑體 Std B" panose="020B0700000000000000" pitchFamily="34" charset="-120"/>
               </a:rPr>
-              <a:t>ThemeContext</a:t>
-            </a:r>
-            <a:r>
-              <a:rPr lang="en-US" altLang="zh-TW" sz="3200" spc="300" dirty="0">
-                <a:solidFill>
-                  <a:schemeClr val="accent2">
-                    <a:lumMod val="60000"/>
-                    <a:lumOff val="40000"/>
-                  </a:schemeClr>
-                </a:solidFill>
-                <a:latin typeface="Adobe 繁黑體 Std B" panose="020B0700000000000000" pitchFamily="34" charset="-120"/>
-                <a:ea typeface="Adobe 繁黑體 Std B" panose="020B0700000000000000" pitchFamily="34" charset="-120"/>
-              </a:rPr>
-              <a:t>	 </a:t>
-            </a:r>
-            <a:r>
-              <a:rPr lang="en-US" altLang="zh-TW" sz="3200" spc="300" dirty="0">
-                <a:solidFill>
-                  <a:schemeClr val="bg1">
-                    <a:lumMod val="85000"/>
-                  </a:schemeClr>
-                </a:solidFill>
-                <a:latin typeface="Adobe 繁黑體 Std B" panose="020B0700000000000000" pitchFamily="34" charset="-120"/>
-                <a:ea typeface="Adobe 繁黑體 Std B" panose="020B0700000000000000" pitchFamily="34" charset="-120"/>
-              </a:rPr>
-              <a:t>= </a:t>
-            </a:r>
-            <a:r>
-              <a:rPr lang="en-US" altLang="zh-TW" sz="3200" dirty="0" err="1">
-                <a:solidFill>
-                  <a:schemeClr val="bg1"/>
-                </a:solidFill>
-                <a:latin typeface="+mn-ea"/>
-              </a:rPr>
-              <a:t>createContext</a:t>
-            </a:r>
-            <a:r>
-              <a:rPr lang="en-US" altLang="zh-TW" sz="3200" dirty="0">
-                <a:solidFill>
-                  <a:schemeClr val="bg1"/>
-                </a:solidFill>
-                <a:latin typeface="+mn-ea"/>
-              </a:rPr>
-              <a:t> </a:t>
-            </a:r>
-            <a:r>
-              <a:rPr lang="en-US" altLang="zh-TW" sz="3200" dirty="0">
-                <a:solidFill>
-                  <a:schemeClr val="bg1"/>
-                </a:solidFill>
-                <a:latin typeface="Adobe 繁黑體 Std B" panose="020B0700000000000000" pitchFamily="34" charset="-120"/>
-                <a:ea typeface="Adobe 繁黑體 Std B" panose="020B0700000000000000" pitchFamily="34" charset="-120"/>
-              </a:rPr>
-              <a:t>(</a:t>
-            </a:r>
-            <a:r>
-              <a:rPr lang="zh-TW" altLang="en-US" sz="3200" dirty="0">
-                <a:solidFill>
-                  <a:schemeClr val="bg1"/>
-                </a:solidFill>
-                <a:latin typeface="Adobe 繁黑體 Std B" panose="020B0700000000000000" pitchFamily="34" charset="-120"/>
-                <a:ea typeface="Adobe 繁黑體 Std B" panose="020B0700000000000000" pitchFamily="34" charset="-120"/>
-              </a:rPr>
-              <a:t> </a:t>
-            </a:r>
-            <a:r>
-              <a:rPr lang="en-US" altLang="zh-TW" sz="3200" dirty="0">
-                <a:solidFill>
-                  <a:schemeClr val="bg1">
-                    <a:lumMod val="75000"/>
-                  </a:schemeClr>
-                </a:solidFill>
-                <a:latin typeface="Adobe 繁黑體 Std B" panose="020B0700000000000000" pitchFamily="34" charset="-120"/>
-                <a:ea typeface="Adobe 繁黑體 Std B" panose="020B0700000000000000" pitchFamily="34" charset="-120"/>
-              </a:rPr>
-              <a:t>Value</a:t>
-            </a:r>
-            <a:r>
-              <a:rPr lang="en-US" altLang="zh-TW" sz="3200" dirty="0">
-                <a:solidFill>
-                  <a:schemeClr val="bg1"/>
-                </a:solidFill>
-                <a:latin typeface="Adobe 繁黑體 Std B" panose="020B0700000000000000" pitchFamily="34" charset="-120"/>
-                <a:ea typeface="Adobe 繁黑體 Std B" panose="020B0700000000000000" pitchFamily="34" charset="-120"/>
-              </a:rPr>
-              <a:t> )</a:t>
-            </a:r>
-            <a:r>
-              <a:rPr lang="en-US" altLang="zh-TW" sz="3200" spc="300" dirty="0">
-                <a:solidFill>
-                  <a:schemeClr val="bg1"/>
-                </a:solidFill>
-                <a:latin typeface="Adobe 繁黑體 Std B" panose="020B0700000000000000" pitchFamily="34" charset="-120"/>
-                <a:ea typeface="Adobe 繁黑體 Std B" panose="020B0700000000000000" pitchFamily="34" charset="-120"/>
-              </a:rPr>
-              <a:t> </a:t>
-            </a:r>
-            <a:endParaRPr lang="zh-TW" altLang="en-US" sz="3200" spc="300" dirty="0">
+              <a:t>  /&gt;</a:t>
+            </a:r>
+            <a:endParaRPr lang="zh-TW" altLang="en-US" sz="3200" dirty="0">
               <a:solidFill>
                 <a:schemeClr val="bg1"/>
               </a:solidFill>
@@ -14195,65 +14351,10 @@
       </p:sp>
       <p:sp>
         <p:nvSpPr>
-          <p:cNvPr id="5" name="右大括弧 4">
+          <p:cNvPr id="8" name="文字方塊 7">
             <a:extLst>
               <a:ext uri="{FF2B5EF4-FFF2-40B4-BE49-F238E27FC236}">
-                <a16:creationId xmlns:a16="http://schemas.microsoft.com/office/drawing/2014/main" id="{86B33C3D-4148-49FF-B0D5-9A78E40F338D}"/>
-              </a:ext>
-            </a:extLst>
-          </p:cNvPr>
-          <p:cNvSpPr/>
-          <p:nvPr/>
-        </p:nvSpPr>
-        <p:spPr>
-          <a:xfrm rot="16200000">
-            <a:off x="6126963" y="-60398"/>
-            <a:ext cx="415329" cy="5642808"/>
-          </a:xfrm>
-          <a:prstGeom prst="rightBrace">
-            <a:avLst/>
-          </a:prstGeom>
-          <a:ln w="38100">
-            <a:solidFill>
-              <a:schemeClr val="bg1">
-                <a:lumMod val="75000"/>
-              </a:schemeClr>
-            </a:solidFill>
-          </a:ln>
-        </p:spPr>
-        <p:style>
-          <a:lnRef idx="1">
-            <a:schemeClr val="accent1"/>
-          </a:lnRef>
-          <a:fillRef idx="0">
-            <a:schemeClr val="accent1"/>
-          </a:fillRef>
-          <a:effectRef idx="0">
-            <a:schemeClr val="accent1"/>
-          </a:effectRef>
-          <a:fontRef idx="minor">
-            <a:schemeClr val="tx1"/>
-          </a:fontRef>
-        </p:style>
-        <p:txBody>
-          <a:bodyPr rtlCol="0" anchor="ctr"/>
-          <a:lstStyle/>
-          <a:p>
-            <a:pPr algn="ctr"/>
-            <a:endParaRPr lang="zh-TW" altLang="en-US">
-              <a:solidFill>
-                <a:schemeClr val="bg1"/>
-              </a:solidFill>
-            </a:endParaRPr>
-          </a:p>
-        </p:txBody>
-      </p:sp>
-      <p:sp>
-        <p:nvSpPr>
-          <p:cNvPr id="6" name="文字方塊 5">
-            <a:extLst>
-              <a:ext uri="{FF2B5EF4-FFF2-40B4-BE49-F238E27FC236}">
-                <a16:creationId xmlns:a16="http://schemas.microsoft.com/office/drawing/2014/main" id="{5A9697CF-3637-4276-84B6-34FB0901BDE7}"/>
+                <a16:creationId xmlns:a16="http://schemas.microsoft.com/office/drawing/2014/main" id="{EC339242-C056-491A-92C5-E6D9D8D58DF9}"/>
               </a:ext>
             </a:extLst>
           </p:cNvPr>
@@ -14262,8 +14363,8 @@
         </p:nvSpPr>
         <p:spPr>
           <a:xfrm>
-            <a:off x="2497561" y="3298140"/>
-            <a:ext cx="1798890" cy="646331"/>
+            <a:off x="2104161" y="3470807"/>
+            <a:ext cx="3404937" cy="584775"/>
           </a:xfrm>
           <a:prstGeom prst="rect">
             <a:avLst/>
@@ -14271,33 +14372,57 @@
           <a:noFill/>
         </p:spPr>
         <p:txBody>
-          <a:bodyPr wrap="none" rtlCol="0">
+          <a:bodyPr wrap="square" rtlCol="0">
             <a:spAutoFit/>
           </a:bodyPr>
           <a:lstStyle/>
           <a:p>
             <a:r>
-              <a:rPr lang="en-US" altLang="zh-TW" sz="3600" dirty="0">
+              <a:rPr lang="en-US" altLang="zh-TW" sz="3200" dirty="0">
                 <a:solidFill>
                   <a:schemeClr val="bg1"/>
                 </a:solidFill>
-              </a:rPr>
-              <a:t>Provider</a:t>
-            </a:r>
-            <a:endParaRPr lang="zh-TW" altLang="en-US" sz="3600" dirty="0">
+                <a:latin typeface="Adobe 繁黑體 Std B" panose="020B0700000000000000" pitchFamily="34" charset="-120"/>
+                <a:ea typeface="Adobe 繁黑體 Std B" panose="020B0700000000000000" pitchFamily="34" charset="-120"/>
+              </a:rPr>
+              <a:t>&lt;</a:t>
+            </a:r>
+            <a:r>
+              <a:rPr lang="en-US" altLang="zh-TW" sz="3200" dirty="0">
+                <a:solidFill>
+                  <a:srgbClr val="FFC000"/>
+                </a:solidFill>
+                <a:latin typeface="Adobe 繁黑體 Std B" panose="020B0700000000000000" pitchFamily="34" charset="-120"/>
+                <a:ea typeface="Adobe 繁黑體 Std B" panose="020B0700000000000000" pitchFamily="34" charset="-120"/>
+              </a:rPr>
+              <a:t>text</a:t>
+            </a:r>
+            <a:r>
+              <a:rPr lang="en-US" altLang="zh-TW" sz="3200" dirty="0">
+                <a:solidFill>
+                  <a:schemeClr val="bg1"/>
+                </a:solidFill>
+                <a:latin typeface="Adobe 繁黑體 Std B" panose="020B0700000000000000" pitchFamily="34" charset="-120"/>
+                <a:ea typeface="Adobe 繁黑體 Std B" panose="020B0700000000000000" pitchFamily="34" charset="-120"/>
+              </a:rPr>
+              <a:t>  /&gt;</a:t>
+            </a:r>
+            <a:endParaRPr lang="zh-TW" altLang="en-US" sz="3200" dirty="0">
               <a:solidFill>
                 <a:schemeClr val="bg1"/>
               </a:solidFill>
+              <a:latin typeface="Adobe 繁黑體 Std B" panose="020B0700000000000000" pitchFamily="34" charset="-120"/>
+              <a:ea typeface="Adobe 繁黑體 Std B" panose="020B0700000000000000" pitchFamily="34" charset="-120"/>
             </a:endParaRPr>
           </a:p>
         </p:txBody>
       </p:sp>
       <p:sp>
         <p:nvSpPr>
-          <p:cNvPr id="7" name="文字方塊 6">
+          <p:cNvPr id="9" name="文字方塊 8">
             <a:extLst>
               <a:ext uri="{FF2B5EF4-FFF2-40B4-BE49-F238E27FC236}">
-                <a16:creationId xmlns:a16="http://schemas.microsoft.com/office/drawing/2014/main" id="{B15236FD-B8AE-4CC1-9229-03BF939793C1}"/>
+                <a16:creationId xmlns:a16="http://schemas.microsoft.com/office/drawing/2014/main" id="{388BA6DF-3F06-4732-A828-A61C5321AF55}"/>
               </a:ext>
             </a:extLst>
           </p:cNvPr>
@@ -14306,8 +14431,8 @@
         </p:nvSpPr>
         <p:spPr>
           <a:xfrm>
-            <a:off x="7749517" y="3298139"/>
-            <a:ext cx="2138727" cy="646331"/>
+            <a:off x="2104160" y="5062581"/>
+            <a:ext cx="3404937" cy="584775"/>
           </a:xfrm>
           <a:prstGeom prst="rect">
             <a:avLst/>
@@ -14315,239 +14440,47 @@
           <a:noFill/>
         </p:spPr>
         <p:txBody>
-          <a:bodyPr wrap="none" rtlCol="0">
+          <a:bodyPr wrap="square" rtlCol="0">
             <a:spAutoFit/>
           </a:bodyPr>
           <a:lstStyle/>
           <a:p>
             <a:r>
-              <a:rPr lang="en-US" altLang="zh-TW" sz="3600" dirty="0">
+              <a:rPr lang="en-US" altLang="zh-TW" sz="3200" dirty="0">
                 <a:solidFill>
                   <a:schemeClr val="bg1"/>
                 </a:solidFill>
-              </a:rPr>
-              <a:t>Consumer</a:t>
-            </a:r>
-            <a:endParaRPr lang="zh-TW" altLang="en-US" sz="3600" dirty="0">
+                <a:latin typeface="Adobe 繁黑體 Std B" panose="020B0700000000000000" pitchFamily="34" charset="-120"/>
+                <a:ea typeface="Adobe 繁黑體 Std B" panose="020B0700000000000000" pitchFamily="34" charset="-120"/>
+              </a:rPr>
+              <a:t>&lt;</a:t>
+            </a:r>
+            <a:r>
+              <a:rPr lang="en-US" altLang="zh-TW" sz="3200" dirty="0">
+                <a:solidFill>
+                  <a:srgbClr val="FFC000"/>
+                </a:solidFill>
+                <a:latin typeface="Adobe 繁黑體 Std B" panose="020B0700000000000000" pitchFamily="34" charset="-120"/>
+                <a:ea typeface="Adobe 繁黑體 Std B" panose="020B0700000000000000" pitchFamily="34" charset="-120"/>
+              </a:rPr>
+              <a:t>button</a:t>
+            </a:r>
+            <a:r>
+              <a:rPr lang="en-US" altLang="zh-TW" sz="3200" dirty="0">
+                <a:solidFill>
+                  <a:schemeClr val="bg1"/>
+                </a:solidFill>
+                <a:latin typeface="Adobe 繁黑體 Std B" panose="020B0700000000000000" pitchFamily="34" charset="-120"/>
+                <a:ea typeface="Adobe 繁黑體 Std B" panose="020B0700000000000000" pitchFamily="34" charset="-120"/>
+              </a:rPr>
+              <a:t>  /&gt;</a:t>
+            </a:r>
+            <a:endParaRPr lang="zh-TW" altLang="en-US" sz="3200" dirty="0">
               <a:solidFill>
                 <a:schemeClr val="bg1"/>
               </a:solidFill>
-            </a:endParaRPr>
-          </a:p>
-        </p:txBody>
-      </p:sp>
-      <p:sp>
-        <p:nvSpPr>
-          <p:cNvPr id="8" name="文字方塊 7">
-            <a:extLst>
-              <a:ext uri="{FF2B5EF4-FFF2-40B4-BE49-F238E27FC236}">
-                <a16:creationId xmlns:a16="http://schemas.microsoft.com/office/drawing/2014/main" id="{91951FC4-CF58-4078-AB14-975A09160856}"/>
-              </a:ext>
-            </a:extLst>
-          </p:cNvPr>
-          <p:cNvSpPr txBox="1"/>
-          <p:nvPr/>
-        </p:nvSpPr>
-        <p:spPr>
-          <a:xfrm>
-            <a:off x="1277099" y="4273940"/>
-            <a:ext cx="4472250" cy="1077218"/>
-          </a:xfrm>
-          <a:prstGeom prst="rect">
-            <a:avLst/>
-          </a:prstGeom>
-          <a:noFill/>
-        </p:spPr>
-        <p:txBody>
-          <a:bodyPr wrap="none" rtlCol="0">
-            <a:spAutoFit/>
-          </a:bodyPr>
-          <a:lstStyle/>
-          <a:p>
-            <a:pPr algn="ctr"/>
-            <a:r>
-              <a:rPr lang="zh-TW" altLang="en-US" sz="3200" dirty="0">
-                <a:solidFill>
-                  <a:schemeClr val="bg1">
-                    <a:lumMod val="85000"/>
-                  </a:schemeClr>
-                </a:solidFill>
-                <a:latin typeface="+mn-ea"/>
-              </a:rPr>
-              <a:t>提供</a:t>
-            </a:r>
-            <a:r>
-              <a:rPr lang="en-US" altLang="zh-TW" sz="3200" dirty="0">
-                <a:solidFill>
-                  <a:schemeClr val="bg1">
-                    <a:lumMod val="85000"/>
-                  </a:schemeClr>
-                </a:solidFill>
-                <a:latin typeface="+mn-ea"/>
-              </a:rPr>
-              <a:t>Value</a:t>
-            </a:r>
-            <a:r>
-              <a:rPr lang="zh-TW" altLang="en-US" sz="3200" dirty="0">
-                <a:solidFill>
-                  <a:schemeClr val="bg1">
-                    <a:lumMod val="85000"/>
-                  </a:schemeClr>
-                </a:solidFill>
-                <a:latin typeface="+mn-ea"/>
-              </a:rPr>
-              <a:t>的地方隨</a:t>
-            </a:r>
-            <a:endParaRPr lang="en-US" altLang="zh-TW" sz="3200" dirty="0">
-              <a:solidFill>
-                <a:schemeClr val="bg1">
-                  <a:lumMod val="85000"/>
-                </a:schemeClr>
-              </a:solidFill>
-              <a:latin typeface="+mn-ea"/>
-            </a:endParaRPr>
-          </a:p>
-          <a:p>
-            <a:pPr algn="ctr"/>
-            <a:r>
-              <a:rPr lang="en-US" altLang="zh-TW" sz="3200" dirty="0">
-                <a:solidFill>
-                  <a:schemeClr val="bg1">
-                    <a:lumMod val="85000"/>
-                  </a:schemeClr>
-                </a:solidFill>
-                <a:latin typeface="+mn-ea"/>
-              </a:rPr>
-              <a:t>re-render</a:t>
-            </a:r>
-            <a:r>
-              <a:rPr lang="zh-TW" altLang="en-US" sz="3200" dirty="0">
-                <a:solidFill>
-                  <a:schemeClr val="bg1">
-                    <a:lumMod val="85000"/>
-                  </a:schemeClr>
-                </a:solidFill>
-                <a:latin typeface="+mn-ea"/>
-              </a:rPr>
-              <a:t>的渲染做處理</a:t>
-            </a:r>
-          </a:p>
-        </p:txBody>
-      </p:sp>
-      <p:sp>
-        <p:nvSpPr>
-          <p:cNvPr id="10" name="文字方塊 9">
-            <a:extLst>
-              <a:ext uri="{FF2B5EF4-FFF2-40B4-BE49-F238E27FC236}">
-                <a16:creationId xmlns:a16="http://schemas.microsoft.com/office/drawing/2014/main" id="{C12D0A0D-9422-4811-8FAD-A26278B0E94F}"/>
-              </a:ext>
-            </a:extLst>
-          </p:cNvPr>
-          <p:cNvSpPr txBox="1"/>
-          <p:nvPr/>
-        </p:nvSpPr>
-        <p:spPr>
-          <a:xfrm>
-            <a:off x="6472067" y="4273939"/>
-            <a:ext cx="4903907" cy="1077218"/>
-          </a:xfrm>
-          <a:prstGeom prst="rect">
-            <a:avLst/>
-          </a:prstGeom>
-          <a:noFill/>
-        </p:spPr>
-        <p:txBody>
-          <a:bodyPr wrap="none" rtlCol="0">
-            <a:spAutoFit/>
-          </a:bodyPr>
-          <a:lstStyle/>
-          <a:p>
-            <a:pPr algn="ctr"/>
-            <a:r>
-              <a:rPr lang="zh-TW" altLang="en-US" sz="3200" dirty="0">
-                <a:solidFill>
-                  <a:schemeClr val="bg1">
-                    <a:lumMod val="85000"/>
-                  </a:schemeClr>
-                </a:solidFill>
-                <a:latin typeface="+mn-ea"/>
-              </a:rPr>
-              <a:t>取得</a:t>
-            </a:r>
-            <a:r>
-              <a:rPr lang="en-US" altLang="zh-TW" sz="3200" dirty="0">
-                <a:solidFill>
-                  <a:schemeClr val="bg1">
-                    <a:lumMod val="85000"/>
-                  </a:schemeClr>
-                </a:solidFill>
-                <a:latin typeface="+mn-ea"/>
-              </a:rPr>
-              <a:t>Context</a:t>
-            </a:r>
-            <a:r>
-              <a:rPr lang="zh-TW" altLang="en-US" sz="3200" dirty="0">
-                <a:solidFill>
-                  <a:schemeClr val="bg1">
-                    <a:lumMod val="85000"/>
-                  </a:schemeClr>
-                </a:solidFill>
-                <a:latin typeface="+mn-ea"/>
-              </a:rPr>
-              <a:t>內</a:t>
-            </a:r>
-            <a:r>
-              <a:rPr lang="en-US" altLang="zh-TW" sz="3200" dirty="0">
-                <a:solidFill>
-                  <a:schemeClr val="bg1">
-                    <a:lumMod val="85000"/>
-                  </a:schemeClr>
-                </a:solidFill>
-                <a:latin typeface="+mn-ea"/>
-              </a:rPr>
-              <a:t>Value</a:t>
-            </a:r>
-          </a:p>
-          <a:p>
-            <a:pPr algn="ctr"/>
-            <a:r>
-              <a:rPr lang="zh-TW" altLang="en-US" sz="3200" dirty="0">
-                <a:solidFill>
-                  <a:schemeClr val="bg1">
-                    <a:lumMod val="85000"/>
-                  </a:schemeClr>
-                </a:solidFill>
-                <a:latin typeface="+mn-ea"/>
-              </a:rPr>
-              <a:t>只要在</a:t>
-            </a:r>
-            <a:r>
-              <a:rPr lang="en-US" altLang="zh-TW" sz="3200" dirty="0">
-                <a:solidFill>
-                  <a:schemeClr val="bg1">
-                    <a:lumMod val="85000"/>
-                  </a:schemeClr>
-                </a:solidFill>
-              </a:rPr>
-              <a:t>Provider</a:t>
-            </a:r>
-            <a:r>
-              <a:rPr lang="zh-TW" altLang="en-US" sz="3200" dirty="0">
-                <a:solidFill>
-                  <a:schemeClr val="bg1">
-                    <a:lumMod val="85000"/>
-                  </a:schemeClr>
-                </a:solidFill>
-              </a:rPr>
-              <a:t>內即可使用</a:t>
-            </a:r>
-            <a:endParaRPr lang="zh-TW" altLang="en-US" sz="3200" dirty="0">
-              <a:solidFill>
-                <a:schemeClr val="bg1">
-                  <a:lumMod val="85000"/>
-                </a:schemeClr>
-              </a:solidFill>
-              <a:latin typeface="+mn-ea"/>
+              <a:latin typeface="Adobe 繁黑體 Std B" panose="020B0700000000000000" pitchFamily="34" charset="-120"/>
+              <a:ea typeface="Adobe 繁黑體 Std B" panose="020B0700000000000000" pitchFamily="34" charset="-120"/>
             </a:endParaRPr>
           </a:p>
         </p:txBody>
@@ -14555,7 +14488,7 @@
     </p:spTree>
     <p:extLst>
       <p:ext uri="{BB962C8B-B14F-4D97-AF65-F5344CB8AC3E}">
-        <p14:creationId xmlns:p14="http://schemas.microsoft.com/office/powerpoint/2010/main" val="4084861295"/>
+        <p14:creationId xmlns:p14="http://schemas.microsoft.com/office/powerpoint/2010/main" val="1154559094"/>
       </p:ext>
     </p:extLst>
   </p:cSld>
@@ -14599,7 +14532,7 @@
           <p:cNvPr id="2" name="投影片編號版面配置區 1">
             <a:extLst>
               <a:ext uri="{FF2B5EF4-FFF2-40B4-BE49-F238E27FC236}">
-                <a16:creationId xmlns:a16="http://schemas.microsoft.com/office/drawing/2014/main" id="{B420D78E-02AC-4552-9925-45FC980D3135}"/>
+                <a16:creationId xmlns:a16="http://schemas.microsoft.com/office/drawing/2014/main" id="{EE7A8781-9AE9-4E94-A07C-D651D6501E1E}"/>
               </a:ext>
             </a:extLst>
           </p:cNvPr>
@@ -14626,142 +14559,38 @@
       </p:sp>
       <p:sp>
         <p:nvSpPr>
-          <p:cNvPr id="3" name="矩形 2">
+          <p:cNvPr id="3" name="文字版面配置區 2">
             <a:extLst>
               <a:ext uri="{FF2B5EF4-FFF2-40B4-BE49-F238E27FC236}">
-                <a16:creationId xmlns:a16="http://schemas.microsoft.com/office/drawing/2014/main" id="{602C0D57-77D0-4E02-AC9E-04DB8230922C}"/>
+                <a16:creationId xmlns:a16="http://schemas.microsoft.com/office/drawing/2014/main" id="{026D63AC-80B9-49D9-86AF-A14DF6546396}"/>
               </a:ext>
             </a:extLst>
           </p:cNvPr>
-          <p:cNvSpPr/>
-          <p:nvPr/>
-        </p:nvSpPr>
-        <p:spPr>
-          <a:xfrm>
-            <a:off x="696000" y="494383"/>
-            <a:ext cx="10800000" cy="5400000"/>
-          </a:xfrm>
-          <a:prstGeom prst="rect">
-            <a:avLst/>
-          </a:prstGeom>
-        </p:spPr>
-        <p:style>
-          <a:lnRef idx="1">
-            <a:schemeClr val="accent3"/>
-          </a:lnRef>
-          <a:fillRef idx="2">
-            <a:schemeClr val="accent3"/>
-          </a:fillRef>
-          <a:effectRef idx="1">
-            <a:schemeClr val="accent3"/>
-          </a:effectRef>
-          <a:fontRef idx="minor">
-            <a:schemeClr val="dk1"/>
-          </a:fontRef>
-        </p:style>
-        <p:txBody>
-          <a:bodyPr rtlCol="0" anchor="ctr"/>
-          <a:lstStyle/>
-          <a:p>
-            <a:pPr algn="ctr"/>
-            <a:endParaRPr lang="zh-TW" altLang="en-US"/>
-          </a:p>
-        </p:txBody>
-      </p:sp>
-      <p:sp>
-        <p:nvSpPr>
-          <p:cNvPr id="5" name="矩形 4">
+          <p:cNvSpPr>
+            <a:spLocks noGrp="1"/>
+          </p:cNvSpPr>
+          <p:nvPr>
+            <p:ph type="body" sz="quarter" idx="13"/>
+          </p:nvPr>
+        </p:nvSpPr>
+        <p:spPr/>
+        <p:txBody>
+          <a:bodyPr/>
+          <a:lstStyle/>
+          <a:p>
+            <a:r>
+              <a:rPr lang="zh-TW" altLang="en-US" dirty="0"/>
+              <a:t>結構</a:t>
+            </a:r>
+          </a:p>
+        </p:txBody>
+      </p:sp>
+      <p:sp>
+        <p:nvSpPr>
+          <p:cNvPr id="4" name="文字方塊 3">
             <a:extLst>
               <a:ext uri="{FF2B5EF4-FFF2-40B4-BE49-F238E27FC236}">
-                <a16:creationId xmlns:a16="http://schemas.microsoft.com/office/drawing/2014/main" id="{78426070-8178-4209-B70B-744F7CE5A946}"/>
-              </a:ext>
-            </a:extLst>
-          </p:cNvPr>
-          <p:cNvSpPr/>
-          <p:nvPr/>
-        </p:nvSpPr>
-        <p:spPr>
-          <a:xfrm>
-            <a:off x="1596000" y="1467519"/>
-            <a:ext cx="9000000" cy="4320000"/>
-          </a:xfrm>
-          <a:prstGeom prst="rect">
-            <a:avLst/>
-          </a:prstGeom>
-        </p:spPr>
-        <p:style>
-          <a:lnRef idx="1">
-            <a:schemeClr val="accent1"/>
-          </a:lnRef>
-          <a:fillRef idx="2">
-            <a:schemeClr val="accent1"/>
-          </a:fillRef>
-          <a:effectRef idx="1">
-            <a:schemeClr val="accent1"/>
-          </a:effectRef>
-          <a:fontRef idx="minor">
-            <a:schemeClr val="dk1"/>
-          </a:fontRef>
-        </p:style>
-        <p:txBody>
-          <a:bodyPr rtlCol="0" anchor="ctr"/>
-          <a:lstStyle/>
-          <a:p>
-            <a:pPr algn="ctr"/>
-            <a:endParaRPr lang="zh-TW" altLang="en-US"/>
-          </a:p>
-        </p:txBody>
-      </p:sp>
-      <p:sp>
-        <p:nvSpPr>
-          <p:cNvPr id="4" name="矩形 3">
-            <a:extLst>
-              <a:ext uri="{FF2B5EF4-FFF2-40B4-BE49-F238E27FC236}">
-                <a16:creationId xmlns:a16="http://schemas.microsoft.com/office/drawing/2014/main" id="{01F92319-D365-49B9-89CD-4A96B1C1CD3E}"/>
-              </a:ext>
-            </a:extLst>
-          </p:cNvPr>
-          <p:cNvSpPr/>
-          <p:nvPr/>
-        </p:nvSpPr>
-        <p:spPr>
-          <a:xfrm>
-            <a:off x="2411779" y="2418347"/>
-            <a:ext cx="7200000" cy="3240000"/>
-          </a:xfrm>
-          <a:prstGeom prst="rect">
-            <a:avLst/>
-          </a:prstGeom>
-        </p:spPr>
-        <p:style>
-          <a:lnRef idx="3">
-            <a:schemeClr val="lt1"/>
-          </a:lnRef>
-          <a:fillRef idx="1">
-            <a:schemeClr val="accent3"/>
-          </a:fillRef>
-          <a:effectRef idx="1">
-            <a:schemeClr val="accent3"/>
-          </a:effectRef>
-          <a:fontRef idx="minor">
-            <a:schemeClr val="lt1"/>
-          </a:fontRef>
-        </p:style>
-        <p:txBody>
-          <a:bodyPr rtlCol="0" anchor="ctr"/>
-          <a:lstStyle/>
-          <a:p>
-            <a:pPr algn="ctr"/>
-            <a:endParaRPr lang="zh-TW" altLang="en-US" dirty="0"/>
-          </a:p>
-        </p:txBody>
-      </p:sp>
-      <p:sp>
-        <p:nvSpPr>
-          <p:cNvPr id="6" name="文字方塊 5">
-            <a:extLst>
-              <a:ext uri="{FF2B5EF4-FFF2-40B4-BE49-F238E27FC236}">
-                <a16:creationId xmlns:a16="http://schemas.microsoft.com/office/drawing/2014/main" id="{D38F3D0D-1DAA-47B8-8F32-696EC1D6A661}"/>
+                <a16:creationId xmlns:a16="http://schemas.microsoft.com/office/drawing/2014/main" id="{C33D64EF-CD04-4D48-A32C-F8983636DFAA}"/>
               </a:ext>
             </a:extLst>
           </p:cNvPr>
@@ -14770,8 +14599,8 @@
         </p:nvSpPr>
         <p:spPr>
           <a:xfrm>
-            <a:off x="5158019" y="640451"/>
-            <a:ext cx="1707519" cy="646331"/>
+            <a:off x="3546262" y="1639098"/>
+            <a:ext cx="5445722" cy="584775"/>
           </a:xfrm>
           <a:prstGeom prst="rect">
             <a:avLst/>
@@ -14784,28 +14613,116 @@
           </a:bodyPr>
           <a:lstStyle/>
           <a:p>
-            <a:r>
-              <a:rPr lang="en-US" altLang="zh-TW" sz="3600" dirty="0">
+            <a:pPr algn="ctr"/>
+            <a:r>
+              <a:rPr lang="en-US" altLang="zh-TW" sz="3200" spc="300" dirty="0">
+                <a:solidFill>
+                  <a:schemeClr val="accent5">
+                    <a:lumMod val="60000"/>
+                    <a:lumOff val="40000"/>
+                  </a:schemeClr>
+                </a:solidFill>
+                <a:latin typeface="Adobe 繁黑體 Std B" panose="020B0700000000000000" pitchFamily="34" charset="-120"/>
+                <a:ea typeface="Adobe 繁黑體 Std B" panose="020B0700000000000000" pitchFamily="34" charset="-120"/>
+              </a:rPr>
+              <a:t>Const</a:t>
+            </a:r>
+            <a:r>
+              <a:rPr lang="en-US" altLang="zh-TW" sz="3200" spc="300" dirty="0">
+                <a:solidFill>
+                  <a:schemeClr val="bg1">
+                    <a:lumMod val="85000"/>
+                  </a:schemeClr>
+                </a:solidFill>
+                <a:latin typeface="Adobe 繁黑體 Std B" panose="020B0700000000000000" pitchFamily="34" charset="-120"/>
+                <a:ea typeface="Adobe 繁黑體 Std B" panose="020B0700000000000000" pitchFamily="34" charset="-120"/>
+              </a:rPr>
+              <a:t>	</a:t>
+            </a:r>
+            <a:r>
+              <a:rPr lang="en-US" altLang="zh-TW" sz="3200" spc="300" dirty="0" err="1">
+                <a:solidFill>
+                  <a:schemeClr val="accent2">
+                    <a:lumMod val="60000"/>
+                    <a:lumOff val="40000"/>
+                  </a:schemeClr>
+                </a:solidFill>
+                <a:latin typeface="Adobe 繁黑體 Std B" panose="020B0700000000000000" pitchFamily="34" charset="-120"/>
+                <a:ea typeface="Adobe 繁黑體 Std B" panose="020B0700000000000000" pitchFamily="34" charset="-120"/>
+              </a:rPr>
+              <a:t>myRef</a:t>
+            </a:r>
+            <a:r>
+              <a:rPr lang="en-US" altLang="zh-TW" sz="3200" spc="300" dirty="0">
+                <a:solidFill>
+                  <a:schemeClr val="accent2">
+                    <a:lumMod val="60000"/>
+                    <a:lumOff val="40000"/>
+                  </a:schemeClr>
+                </a:solidFill>
+                <a:latin typeface="Adobe 繁黑體 Std B" panose="020B0700000000000000" pitchFamily="34" charset="-120"/>
+                <a:ea typeface="Adobe 繁黑體 Std B" panose="020B0700000000000000" pitchFamily="34" charset="-120"/>
+              </a:rPr>
+              <a:t>	 </a:t>
+            </a:r>
+            <a:r>
+              <a:rPr lang="en-US" altLang="zh-TW" sz="3200" spc="300" dirty="0">
+                <a:solidFill>
+                  <a:schemeClr val="bg1">
+                    <a:lumMod val="85000"/>
+                  </a:schemeClr>
+                </a:solidFill>
+                <a:latin typeface="Adobe 繁黑體 Std B" panose="020B0700000000000000" pitchFamily="34" charset="-120"/>
+                <a:ea typeface="Adobe 繁黑體 Std B" panose="020B0700000000000000" pitchFamily="34" charset="-120"/>
+              </a:rPr>
+              <a:t>= </a:t>
+            </a:r>
+            <a:r>
+              <a:rPr lang="en-US" altLang="zh-TW" sz="3200" dirty="0" err="1">
                 <a:solidFill>
                   <a:schemeClr val="bg1"/>
                 </a:solidFill>
-              </a:rPr>
-              <a:t>Context</a:t>
-            </a:r>
-            <a:endParaRPr lang="zh-TW" altLang="en-US" sz="3600" dirty="0">
+                <a:latin typeface="Adobe 繁黑體 Std B" panose="020B0700000000000000" pitchFamily="34" charset="-120"/>
+                <a:ea typeface="Adobe 繁黑體 Std B" panose="020B0700000000000000" pitchFamily="34" charset="-120"/>
+              </a:rPr>
+              <a:t>useRef</a:t>
+            </a:r>
+            <a:r>
+              <a:rPr lang="en-US" altLang="zh-TW" sz="3200" dirty="0">
+                <a:solidFill>
+                  <a:schemeClr val="bg1"/>
+                </a:solidFill>
+                <a:latin typeface="Adobe 繁黑體 Std B" panose="020B0700000000000000" pitchFamily="34" charset="-120"/>
+                <a:ea typeface="Adobe 繁黑體 Std B" panose="020B0700000000000000" pitchFamily="34" charset="-120"/>
+              </a:rPr>
+              <a:t>(  )</a:t>
+            </a:r>
+            <a:r>
+              <a:rPr lang="en-US" altLang="zh-TW" sz="3200" spc="300" dirty="0">
+                <a:solidFill>
+                  <a:schemeClr val="bg1"/>
+                </a:solidFill>
+                <a:latin typeface="Adobe 繁黑體 Std B" panose="020B0700000000000000" pitchFamily="34" charset="-120"/>
+                <a:ea typeface="Adobe 繁黑體 Std B" panose="020B0700000000000000" pitchFamily="34" charset="-120"/>
+              </a:rPr>
+              <a:t> </a:t>
+            </a:r>
+            <a:endParaRPr lang="zh-TW" altLang="en-US" sz="3200" spc="300" dirty="0">
               <a:solidFill>
                 <a:schemeClr val="bg1"/>
               </a:solidFill>
+              <a:latin typeface="Adobe 繁黑體 Std B" panose="020B0700000000000000" pitchFamily="34" charset="-120"/>
+              <a:ea typeface="Adobe 繁黑體 Std B" panose="020B0700000000000000" pitchFamily="34" charset="-120"/>
             </a:endParaRPr>
           </a:p>
         </p:txBody>
       </p:sp>
       <p:sp>
         <p:nvSpPr>
-          <p:cNvPr id="7" name="文字方塊 6">
+          <p:cNvPr id="5" name="文字方塊 4">
             <a:extLst>
               <a:ext uri="{FF2B5EF4-FFF2-40B4-BE49-F238E27FC236}">
-                <a16:creationId xmlns:a16="http://schemas.microsoft.com/office/drawing/2014/main" id="{B7D5DFE0-9005-4DB6-880A-2FEBF60CCA77}"/>
+                <a16:creationId xmlns:a16="http://schemas.microsoft.com/office/drawing/2014/main" id="{9403EF6C-96D0-47D0-99E5-0F3A745CB7FF}"/>
               </a:ext>
             </a:extLst>
           </p:cNvPr>
@@ -14814,8 +14731,8 @@
         </p:nvSpPr>
         <p:spPr>
           <a:xfrm>
-            <a:off x="5112333" y="1591279"/>
-            <a:ext cx="1798890" cy="646331"/>
+            <a:off x="2908416" y="4048271"/>
+            <a:ext cx="6721415" cy="584775"/>
           </a:xfrm>
           <a:prstGeom prst="rect">
             <a:avLst/>
@@ -14823,155 +14740,84 @@
           <a:noFill/>
         </p:spPr>
         <p:txBody>
-          <a:bodyPr wrap="none" rtlCol="0">
+          <a:bodyPr wrap="square" rtlCol="0">
             <a:spAutoFit/>
           </a:bodyPr>
           <a:lstStyle/>
           <a:p>
-            <a:r>
-              <a:rPr lang="en-US" altLang="zh-TW" sz="3600" dirty="0">
+            <a:pPr algn="ctr"/>
+            <a:r>
+              <a:rPr lang="en-US" altLang="zh-TW" sz="3200" dirty="0">
                 <a:solidFill>
                   <a:schemeClr val="bg1"/>
                 </a:solidFill>
-              </a:rPr>
-              <a:t>Provider</a:t>
-            </a:r>
-            <a:endParaRPr lang="zh-TW" altLang="en-US" sz="3600" dirty="0">
+                <a:latin typeface="Adobe 繁黑體 Std B" panose="020B0700000000000000" pitchFamily="34" charset="-120"/>
+                <a:ea typeface="Adobe 繁黑體 Std B" panose="020B0700000000000000" pitchFamily="34" charset="-120"/>
+              </a:rPr>
+              <a:t>&lt;</a:t>
+            </a:r>
+            <a:r>
+              <a:rPr lang="en-US" altLang="zh-TW" sz="3200" dirty="0">
+                <a:solidFill>
+                  <a:srgbClr val="92D050"/>
+                </a:solidFill>
+                <a:latin typeface="Adobe 繁黑體 Std B" panose="020B0700000000000000" pitchFamily="34" charset="-120"/>
+                <a:ea typeface="Adobe 繁黑體 Std B" panose="020B0700000000000000" pitchFamily="34" charset="-120"/>
+              </a:rPr>
+              <a:t>input</a:t>
+            </a:r>
+            <a:r>
+              <a:rPr lang="en-US" altLang="zh-TW" sz="3200" dirty="0">
+                <a:solidFill>
+                  <a:schemeClr val="bg1"/>
+                </a:solidFill>
+                <a:latin typeface="Adobe 繁黑體 Std B" panose="020B0700000000000000" pitchFamily="34" charset="-120"/>
+                <a:ea typeface="Adobe 繁黑體 Std B" panose="020B0700000000000000" pitchFamily="34" charset="-120"/>
+              </a:rPr>
+              <a:t>  ref={ </a:t>
+            </a:r>
+            <a:r>
+              <a:rPr lang="en-US" altLang="zh-TW" sz="3200" spc="300" dirty="0" err="1">
+                <a:solidFill>
+                  <a:schemeClr val="accent2">
+                    <a:lumMod val="60000"/>
+                    <a:lumOff val="40000"/>
+                  </a:schemeClr>
+                </a:solidFill>
+                <a:latin typeface="Adobe 繁黑體 Std B" panose="020B0700000000000000" pitchFamily="34" charset="-120"/>
+                <a:ea typeface="Adobe 繁黑體 Std B" panose="020B0700000000000000" pitchFamily="34" charset="-120"/>
+              </a:rPr>
+              <a:t>myRef</a:t>
+            </a:r>
+            <a:r>
+              <a:rPr lang="en-US" altLang="zh-TW" sz="3200" spc="300" dirty="0">
+                <a:solidFill>
+                  <a:schemeClr val="accent2">
+                    <a:lumMod val="60000"/>
+                    <a:lumOff val="40000"/>
+                  </a:schemeClr>
+                </a:solidFill>
+                <a:latin typeface="Adobe 繁黑體 Std B" panose="020B0700000000000000" pitchFamily="34" charset="-120"/>
+                <a:ea typeface="Adobe 繁黑體 Std B" panose="020B0700000000000000" pitchFamily="34" charset="-120"/>
+              </a:rPr>
+              <a:t> </a:t>
+            </a:r>
+            <a:r>
+              <a:rPr lang="en-US" altLang="zh-TW" sz="3200" dirty="0">
+                <a:solidFill>
+                  <a:schemeClr val="bg1"/>
+                </a:solidFill>
+                <a:latin typeface="Adobe 繁黑體 Std B" panose="020B0700000000000000" pitchFamily="34" charset="-120"/>
+                <a:ea typeface="Adobe 繁黑體 Std B" panose="020B0700000000000000" pitchFamily="34" charset="-120"/>
+              </a:rPr>
+              <a:t>}   /&gt;</a:t>
+            </a:r>
+            <a:endParaRPr lang="zh-TW" altLang="en-US" sz="3200" dirty="0">
               <a:solidFill>
                 <a:schemeClr val="bg1"/>
               </a:solidFill>
-            </a:endParaRPr>
-          </a:p>
-        </p:txBody>
-      </p:sp>
-      <p:sp>
-        <p:nvSpPr>
-          <p:cNvPr id="8" name="文字方塊 7">
-            <a:extLst>
-              <a:ext uri="{FF2B5EF4-FFF2-40B4-BE49-F238E27FC236}">
-                <a16:creationId xmlns:a16="http://schemas.microsoft.com/office/drawing/2014/main" id="{85542BD5-0259-4451-98D2-1727CCBFF057}"/>
-              </a:ext>
-            </a:extLst>
-          </p:cNvPr>
-          <p:cNvSpPr txBox="1"/>
-          <p:nvPr/>
-        </p:nvSpPr>
-        <p:spPr>
-          <a:xfrm>
-            <a:off x="4942414" y="2650322"/>
-            <a:ext cx="2138727" cy="646331"/>
-          </a:xfrm>
-          <a:prstGeom prst="rect">
-            <a:avLst/>
-          </a:prstGeom>
-          <a:noFill/>
-        </p:spPr>
-        <p:txBody>
-          <a:bodyPr wrap="none" rtlCol="0">
-            <a:spAutoFit/>
-          </a:bodyPr>
-          <a:lstStyle/>
-          <a:p>
-            <a:r>
-              <a:rPr lang="en-US" altLang="zh-TW" sz="3600" dirty="0">
-                <a:solidFill>
-                  <a:schemeClr val="bg1"/>
-                </a:solidFill>
-              </a:rPr>
-              <a:t>Consumer</a:t>
-            </a:r>
-            <a:endParaRPr lang="zh-TW" altLang="en-US" sz="3600" dirty="0">
-              <a:solidFill>
-                <a:schemeClr val="bg1"/>
-              </a:solidFill>
-            </a:endParaRPr>
-          </a:p>
-        </p:txBody>
-      </p:sp>
-      <p:sp>
-        <p:nvSpPr>
-          <p:cNvPr id="10" name="矩形 9">
-            <a:extLst>
-              <a:ext uri="{FF2B5EF4-FFF2-40B4-BE49-F238E27FC236}">
-                <a16:creationId xmlns:a16="http://schemas.microsoft.com/office/drawing/2014/main" id="{613322EC-C22A-48AB-B0C5-054437A4F540}"/>
-              </a:ext>
-            </a:extLst>
-          </p:cNvPr>
-          <p:cNvSpPr/>
-          <p:nvPr/>
-        </p:nvSpPr>
-        <p:spPr>
-          <a:xfrm>
-            <a:off x="3575286" y="3512131"/>
-            <a:ext cx="5041428" cy="1922387"/>
-          </a:xfrm>
-          <a:prstGeom prst="rect">
-            <a:avLst/>
-          </a:prstGeom>
-        </p:spPr>
-        <p:style>
-          <a:lnRef idx="3">
-            <a:schemeClr val="lt1"/>
-          </a:lnRef>
-          <a:fillRef idx="1">
-            <a:schemeClr val="accent1"/>
-          </a:fillRef>
-          <a:effectRef idx="1">
-            <a:schemeClr val="accent1"/>
-          </a:effectRef>
-          <a:fontRef idx="minor">
-            <a:schemeClr val="lt1"/>
-          </a:fontRef>
-        </p:style>
-        <p:txBody>
-          <a:bodyPr rtlCol="0" anchor="ctr"/>
-          <a:lstStyle/>
-          <a:p>
-            <a:pPr algn="ctr"/>
-            <a:endParaRPr lang="zh-TW" altLang="en-US"/>
-          </a:p>
-        </p:txBody>
-      </p:sp>
-      <p:sp>
-        <p:nvSpPr>
-          <p:cNvPr id="9" name="文字方塊 8">
-            <a:extLst>
-              <a:ext uri="{FF2B5EF4-FFF2-40B4-BE49-F238E27FC236}">
-                <a16:creationId xmlns:a16="http://schemas.microsoft.com/office/drawing/2014/main" id="{87C48027-2D3D-401C-A443-C65000FAA4B2}"/>
-              </a:ext>
-            </a:extLst>
-          </p:cNvPr>
-          <p:cNvSpPr txBox="1"/>
-          <p:nvPr/>
-        </p:nvSpPr>
-        <p:spPr>
-          <a:xfrm>
-            <a:off x="4849151" y="4150158"/>
-            <a:ext cx="2325252" cy="646331"/>
-          </a:xfrm>
-          <a:prstGeom prst="rect">
-            <a:avLst/>
-          </a:prstGeom>
-          <a:noFill/>
-        </p:spPr>
-        <p:txBody>
-          <a:bodyPr wrap="none" rtlCol="0">
-            <a:spAutoFit/>
-          </a:bodyPr>
-          <a:lstStyle/>
-          <a:p>
-            <a:r>
-              <a:rPr lang="en-US" altLang="zh-TW" sz="3600" dirty="0">
-                <a:solidFill>
-                  <a:schemeClr val="bg1"/>
-                </a:solidFill>
-              </a:rPr>
-              <a:t>React node</a:t>
-            </a:r>
-            <a:endParaRPr lang="zh-TW" altLang="en-US" sz="3600" dirty="0">
-              <a:solidFill>
-                <a:schemeClr val="bg1"/>
-              </a:solidFill>
+              <a:latin typeface="Adobe 繁黑體 Std B" panose="020B0700000000000000" pitchFamily="34" charset="-120"/>
+              <a:ea typeface="Adobe 繁黑體 Std B" panose="020B0700000000000000" pitchFamily="34" charset="-120"/>
             </a:endParaRPr>
           </a:p>
         </p:txBody>
@@ -14979,7 +14825,7 @@
     </p:spTree>
     <p:extLst>
       <p:ext uri="{BB962C8B-B14F-4D97-AF65-F5344CB8AC3E}">
-        <p14:creationId xmlns:p14="http://schemas.microsoft.com/office/powerpoint/2010/main" val="302580483"/>
+        <p14:creationId xmlns:p14="http://schemas.microsoft.com/office/powerpoint/2010/main" val="1655638400"/>
       </p:ext>
     </p:extLst>
   </p:cSld>
@@ -15023,1552 +14869,6 @@
           <p:cNvPr id="2" name="投影片編號版面配置區 1">
             <a:extLst>
               <a:ext uri="{FF2B5EF4-FFF2-40B4-BE49-F238E27FC236}">
-                <a16:creationId xmlns:a16="http://schemas.microsoft.com/office/drawing/2014/main" id="{9D0025C0-D44B-4086-98F5-1AA76BE2D786}"/>
-              </a:ext>
-            </a:extLst>
-          </p:cNvPr>
-          <p:cNvSpPr>
-            <a:spLocks noGrp="1"/>
-          </p:cNvSpPr>
-          <p:nvPr>
-            <p:ph type="sldNum" sz="quarter" idx="12"/>
-          </p:nvPr>
-        </p:nvSpPr>
-        <p:spPr/>
-        <p:txBody>
-          <a:bodyPr/>
-          <a:lstStyle/>
-          <a:p>
-            <a:fld id="{4FAB73BC-B049-4115-A692-8D63A059BFB8}" type="slidenum">
-              <a:rPr lang="en-US" smtClean="0"/>
-              <a:pPr/>
-              <a:t>29</a:t>
-            </a:fld>
-            <a:endParaRPr lang="en-US" dirty="0"/>
-          </a:p>
-        </p:txBody>
-      </p:sp>
-      <p:sp>
-        <p:nvSpPr>
-          <p:cNvPr id="3" name="文字版面配置區 2">
-            <a:extLst>
-              <a:ext uri="{FF2B5EF4-FFF2-40B4-BE49-F238E27FC236}">
-                <a16:creationId xmlns:a16="http://schemas.microsoft.com/office/drawing/2014/main" id="{46BD674A-5EDF-4B38-AD2B-E2D25775621D}"/>
-              </a:ext>
-            </a:extLst>
-          </p:cNvPr>
-          <p:cNvSpPr>
-            <a:spLocks noGrp="1"/>
-          </p:cNvSpPr>
-          <p:nvPr>
-            <p:ph type="body" sz="quarter" idx="13"/>
-          </p:nvPr>
-        </p:nvSpPr>
-        <p:spPr/>
-        <p:txBody>
-          <a:bodyPr/>
-          <a:lstStyle/>
-          <a:p>
-            <a:r>
-              <a:rPr lang="en-US" altLang="zh-TW" dirty="0" err="1">
-                <a:latin typeface="+mn-ea"/>
-              </a:rPr>
-              <a:t>useContext</a:t>
-            </a:r>
-            <a:r>
-              <a:rPr lang="en-US" altLang="zh-TW" dirty="0">
-                <a:latin typeface="+mn-ea"/>
-              </a:rPr>
-              <a:t> </a:t>
-            </a:r>
-            <a:r>
-              <a:rPr lang="zh-TW" altLang="en-US" dirty="0">
-                <a:latin typeface="+mn-ea"/>
-              </a:rPr>
-              <a:t>注意事項</a:t>
-            </a:r>
-            <a:endParaRPr lang="zh-TW" altLang="en-US" dirty="0"/>
-          </a:p>
-        </p:txBody>
-      </p:sp>
-      <p:sp>
-        <p:nvSpPr>
-          <p:cNvPr id="4" name="矩形 3">
-            <a:extLst>
-              <a:ext uri="{FF2B5EF4-FFF2-40B4-BE49-F238E27FC236}">
-                <a16:creationId xmlns:a16="http://schemas.microsoft.com/office/drawing/2014/main" id="{AB3E9B82-2D26-4220-A4E6-A1FD17CC804E}"/>
-              </a:ext>
-            </a:extLst>
-          </p:cNvPr>
-          <p:cNvSpPr/>
-          <p:nvPr/>
-        </p:nvSpPr>
-        <p:spPr>
-          <a:xfrm>
-            <a:off x="6891903" y="2091923"/>
-            <a:ext cx="4525983" cy="523220"/>
-          </a:xfrm>
-          <a:prstGeom prst="rect">
-            <a:avLst/>
-          </a:prstGeom>
-        </p:spPr>
-        <p:txBody>
-          <a:bodyPr wrap="none">
-            <a:spAutoFit/>
-          </a:bodyPr>
-          <a:lstStyle/>
-          <a:p>
-            <a:r>
-              <a:rPr lang="en-US" altLang="zh-TW" sz="2800" dirty="0">
-                <a:solidFill>
-                  <a:schemeClr val="bg1"/>
-                </a:solidFill>
-              </a:rPr>
-              <a:t>Provider</a:t>
-            </a:r>
-            <a:r>
-              <a:rPr lang="zh-TW" altLang="en-US" sz="2800" dirty="0">
-                <a:solidFill>
-                  <a:schemeClr val="bg1"/>
-                </a:solidFill>
-              </a:rPr>
-              <a:t> 必須高於 </a:t>
-            </a:r>
-            <a:r>
-              <a:rPr lang="en-US" altLang="zh-TW" sz="2800" dirty="0">
-                <a:solidFill>
-                  <a:schemeClr val="bg1"/>
-                </a:solidFill>
-              </a:rPr>
-              <a:t>Consumer</a:t>
-            </a:r>
-            <a:endParaRPr lang="zh-TW" altLang="en-US" sz="2800" dirty="0"/>
-          </a:p>
-        </p:txBody>
-      </p:sp>
-      <p:sp>
-        <p:nvSpPr>
-          <p:cNvPr id="5" name="矩形 4">
-            <a:extLst>
-              <a:ext uri="{FF2B5EF4-FFF2-40B4-BE49-F238E27FC236}">
-                <a16:creationId xmlns:a16="http://schemas.microsoft.com/office/drawing/2014/main" id="{EC5B3DE9-8F3B-405E-B66E-CE5F2D8D658E}"/>
-              </a:ext>
-            </a:extLst>
-          </p:cNvPr>
-          <p:cNvSpPr/>
-          <p:nvPr/>
-        </p:nvSpPr>
-        <p:spPr>
-          <a:xfrm>
-            <a:off x="901270" y="2091923"/>
-            <a:ext cx="4971233" cy="523220"/>
-          </a:xfrm>
-          <a:prstGeom prst="rect">
-            <a:avLst/>
-          </a:prstGeom>
-        </p:spPr>
-        <p:txBody>
-          <a:bodyPr wrap="none">
-            <a:spAutoFit/>
-          </a:bodyPr>
-          <a:lstStyle/>
-          <a:p>
-            <a:r>
-              <a:rPr lang="en-US" altLang="zh-TW" sz="2800" dirty="0">
-                <a:solidFill>
-                  <a:schemeClr val="bg1"/>
-                </a:solidFill>
-              </a:rPr>
-              <a:t>Consumer </a:t>
-            </a:r>
-            <a:r>
-              <a:rPr lang="zh-TW" altLang="en-US" sz="2800" dirty="0">
-                <a:solidFill>
-                  <a:schemeClr val="bg1"/>
-                </a:solidFill>
-              </a:rPr>
-              <a:t>包含在 </a:t>
-            </a:r>
-            <a:r>
-              <a:rPr lang="en-US" altLang="zh-TW" sz="2800" dirty="0">
-                <a:solidFill>
-                  <a:schemeClr val="bg1"/>
-                </a:solidFill>
-              </a:rPr>
-              <a:t>Provider</a:t>
-            </a:r>
-            <a:r>
-              <a:rPr lang="zh-TW" altLang="en-US" sz="2800" dirty="0">
-                <a:solidFill>
-                  <a:schemeClr val="bg1"/>
-                </a:solidFill>
-              </a:rPr>
-              <a:t> 內部</a:t>
-            </a:r>
-            <a:endParaRPr lang="zh-TW" altLang="en-US" sz="2800" dirty="0"/>
-          </a:p>
-        </p:txBody>
-      </p:sp>
-      <p:pic>
-        <p:nvPicPr>
-          <p:cNvPr id="7" name="圖片 6">
-            <a:extLst>
-              <a:ext uri="{FF2B5EF4-FFF2-40B4-BE49-F238E27FC236}">
-                <a16:creationId xmlns:a16="http://schemas.microsoft.com/office/drawing/2014/main" id="{3D2E9437-1C94-416C-A758-BBB87C0BA04F}"/>
-              </a:ext>
-            </a:extLst>
-          </p:cNvPr>
-          <p:cNvPicPr>
-            <a:picLocks noChangeAspect="1"/>
-          </p:cNvPicPr>
-          <p:nvPr/>
-        </p:nvPicPr>
-        <p:blipFill>
-          <a:blip r:embed="rId3"/>
-          <a:stretch>
-            <a:fillRect/>
-          </a:stretch>
-        </p:blipFill>
-        <p:spPr>
-          <a:xfrm>
-            <a:off x="7874012" y="3072858"/>
-            <a:ext cx="2340000" cy="2340000"/>
-          </a:xfrm>
-          <a:prstGeom prst="rect">
-            <a:avLst/>
-          </a:prstGeom>
-        </p:spPr>
-      </p:pic>
-      <p:pic>
-        <p:nvPicPr>
-          <p:cNvPr id="9" name="圖片 8">
-            <a:extLst>
-              <a:ext uri="{FF2B5EF4-FFF2-40B4-BE49-F238E27FC236}">
-                <a16:creationId xmlns:a16="http://schemas.microsoft.com/office/drawing/2014/main" id="{47CF49AC-04AA-4084-98F9-3F69DAF44263}"/>
-              </a:ext>
-            </a:extLst>
-          </p:cNvPr>
-          <p:cNvPicPr>
-            <a:picLocks noChangeAspect="1"/>
-          </p:cNvPicPr>
-          <p:nvPr/>
-        </p:nvPicPr>
-        <p:blipFill>
-          <a:blip r:embed="rId4"/>
-          <a:stretch>
-            <a:fillRect/>
-          </a:stretch>
-        </p:blipFill>
-        <p:spPr>
-          <a:xfrm>
-            <a:off x="2216886" y="3072858"/>
-            <a:ext cx="2340000" cy="2340000"/>
-          </a:xfrm>
-          <a:prstGeom prst="rect">
-            <a:avLst/>
-          </a:prstGeom>
-        </p:spPr>
-      </p:pic>
-    </p:spTree>
-    <p:extLst>
-      <p:ext uri="{BB962C8B-B14F-4D97-AF65-F5344CB8AC3E}">
-        <p14:creationId xmlns:p14="http://schemas.microsoft.com/office/powerpoint/2010/main" val="1192267735"/>
-      </p:ext>
-    </p:extLst>
-  </p:cSld>
-  <p:clrMapOvr>
-    <a:masterClrMapping/>
-  </p:clrMapOvr>
-  <mc:AlternateContent xmlns:mc="http://schemas.openxmlformats.org/markup-compatibility/2006" xmlns:p14="http://schemas.microsoft.com/office/powerpoint/2010/main">
-    <mc:Choice Requires="p14">
-      <p:transition p14:dur="160">
-        <p:fade/>
-      </p:transition>
-    </mc:Choice>
-    <mc:Fallback xmlns="">
-      <p:transition>
-        <p:fade/>
-      </p:transition>
-    </mc:Fallback>
-  </mc:AlternateContent>
-</p:sld>
-</file>
-
-<file path=ppt/slides/slide3.xml><?xml version="1.0" encoding="utf-8"?>
-<p:sld xmlns:a="http://schemas.openxmlformats.org/drawingml/2006/main" xmlns:r="http://schemas.openxmlformats.org/officeDocument/2006/relationships" xmlns:p="http://schemas.openxmlformats.org/presentationml/2006/main">
-  <p:cSld>
-    <p:spTree>
-      <p:nvGrpSpPr>
-        <p:cNvPr id="1" name=""/>
-        <p:cNvGrpSpPr/>
-        <p:nvPr/>
-      </p:nvGrpSpPr>
-      <p:grpSpPr>
-        <a:xfrm>
-          <a:off x="0" y="0"/>
-          <a:ext cx="0" cy="0"/>
-          <a:chOff x="0" y="0"/>
-          <a:chExt cx="0" cy="0"/>
-        </a:xfrm>
-      </p:grpSpPr>
-      <p:sp>
-        <p:nvSpPr>
-          <p:cNvPr id="2" name="標題 1"/>
-          <p:cNvSpPr>
-            <a:spLocks noGrp="1"/>
-          </p:cNvSpPr>
-          <p:nvPr>
-            <p:ph type="title"/>
-          </p:nvPr>
-        </p:nvSpPr>
-        <p:spPr/>
-        <p:txBody>
-          <a:bodyPr/>
-          <a:lstStyle/>
-          <a:p>
-            <a:pPr algn="ctr"/>
-            <a:r>
-              <a:rPr lang="zh-TW" altLang="en-US" dirty="0"/>
-              <a:t>課程大綱</a:t>
-            </a:r>
-          </a:p>
-        </p:txBody>
-      </p:sp>
-      <p:sp>
-        <p:nvSpPr>
-          <p:cNvPr id="3" name="內容版面配置區 2"/>
-          <p:cNvSpPr>
-            <a:spLocks noGrp="1"/>
-          </p:cNvSpPr>
-          <p:nvPr>
-            <p:ph idx="1"/>
-          </p:nvPr>
-        </p:nvSpPr>
-        <p:spPr/>
-        <p:txBody>
-          <a:bodyPr>
-            <a:normAutofit/>
-          </a:bodyPr>
-          <a:lstStyle/>
-          <a:p>
-            <a:pPr>
-              <a:lnSpc>
-                <a:spcPct val="150000"/>
-              </a:lnSpc>
-            </a:pPr>
-            <a:r>
-              <a:rPr lang="zh-TW" altLang="en-US" sz="3200" dirty="0">
-                <a:solidFill>
-                  <a:schemeClr val="bg1"/>
-                </a:solidFill>
-                <a:latin typeface="+mj-ea"/>
-              </a:rPr>
-              <a:t>探索</a:t>
-            </a:r>
-            <a:r>
-              <a:rPr lang="en-US" altLang="zh-TW" sz="3200" dirty="0">
-                <a:solidFill>
-                  <a:schemeClr val="bg1"/>
-                </a:solidFill>
-                <a:latin typeface="+mj-ea"/>
-              </a:rPr>
-              <a:t>React</a:t>
-            </a:r>
-          </a:p>
-          <a:p>
-            <a:pPr>
-              <a:lnSpc>
-                <a:spcPct val="150000"/>
-              </a:lnSpc>
-            </a:pPr>
-            <a:r>
-              <a:rPr lang="zh-TW" altLang="en-US" sz="3200" dirty="0">
-                <a:solidFill>
-                  <a:schemeClr val="bg1"/>
-                </a:solidFill>
-                <a:latin typeface="+mj-ea"/>
-                <a:ea typeface="+mj-ea"/>
-              </a:rPr>
-              <a:t>了解</a:t>
-            </a:r>
-            <a:r>
-              <a:rPr lang="en-US" altLang="zh-TW" sz="3200" dirty="0">
-                <a:solidFill>
-                  <a:schemeClr val="bg1"/>
-                </a:solidFill>
-                <a:latin typeface="+mj-ea"/>
-                <a:ea typeface="+mj-ea"/>
-              </a:rPr>
-              <a:t>Hooks</a:t>
-            </a:r>
-          </a:p>
-          <a:p>
-            <a:pPr>
-              <a:lnSpc>
-                <a:spcPct val="150000"/>
-              </a:lnSpc>
-            </a:pPr>
-            <a:r>
-              <a:rPr lang="zh-TW" altLang="en-US" sz="3200" dirty="0">
-                <a:solidFill>
-                  <a:schemeClr val="bg1"/>
-                </a:solidFill>
-                <a:latin typeface="+mj-ea"/>
-                <a:ea typeface="+mj-ea"/>
-              </a:rPr>
-              <a:t>如何使用</a:t>
-            </a:r>
-            <a:r>
-              <a:rPr lang="en-US" altLang="zh-TW" sz="3200" dirty="0">
-                <a:solidFill>
-                  <a:schemeClr val="bg1"/>
-                </a:solidFill>
-                <a:latin typeface="+mj-ea"/>
-                <a:ea typeface="+mj-ea"/>
-              </a:rPr>
-              <a:t>Hooks</a:t>
-            </a:r>
-          </a:p>
-          <a:p>
-            <a:pPr>
-              <a:lnSpc>
-                <a:spcPct val="150000"/>
-              </a:lnSpc>
-            </a:pPr>
-            <a:r>
-              <a:rPr lang="zh-TW" altLang="en-US" sz="3200" dirty="0">
-                <a:solidFill>
-                  <a:schemeClr val="bg1"/>
-                </a:solidFill>
-                <a:latin typeface="+mj-ea"/>
-                <a:ea typeface="+mj-ea"/>
-              </a:rPr>
-              <a:t>深入了解</a:t>
-            </a:r>
-            <a:r>
-              <a:rPr lang="en-US" altLang="zh-TW" sz="3200" dirty="0">
-                <a:solidFill>
-                  <a:schemeClr val="bg1"/>
-                </a:solidFill>
-                <a:latin typeface="+mj-ea"/>
-                <a:ea typeface="+mj-ea"/>
-              </a:rPr>
-              <a:t>Hooks</a:t>
-            </a:r>
-            <a:r>
-              <a:rPr lang="zh-TW" altLang="en-US" sz="3200" dirty="0">
-                <a:solidFill>
-                  <a:schemeClr val="bg1"/>
-                </a:solidFill>
-                <a:latin typeface="+mj-ea"/>
-                <a:ea typeface="+mj-ea"/>
-              </a:rPr>
-              <a:t>結構</a:t>
-            </a:r>
-            <a:endParaRPr lang="en-US" altLang="zh-TW" sz="3200" dirty="0">
-              <a:solidFill>
-                <a:schemeClr val="bg1"/>
-              </a:solidFill>
-              <a:latin typeface="+mj-ea"/>
-              <a:ea typeface="+mj-ea"/>
-            </a:endParaRPr>
-          </a:p>
-        </p:txBody>
-      </p:sp>
-    </p:spTree>
-    <p:extLst>
-      <p:ext uri="{BB962C8B-B14F-4D97-AF65-F5344CB8AC3E}">
-        <p14:creationId xmlns:p14="http://schemas.microsoft.com/office/powerpoint/2010/main" val="1345370539"/>
-      </p:ext>
-    </p:extLst>
-  </p:cSld>
-  <p:clrMapOvr>
-    <a:masterClrMapping/>
-  </p:clrMapOvr>
-  <mc:AlternateContent xmlns:mc="http://schemas.openxmlformats.org/markup-compatibility/2006" xmlns:p14="http://schemas.microsoft.com/office/powerpoint/2010/main">
-    <mc:Choice Requires="p14">
-      <p:transition p14:dur="160">
-        <p:fade/>
-      </p:transition>
-    </mc:Choice>
-    <mc:Fallback xmlns="">
-      <p:transition>
-        <p:fade/>
-      </p:transition>
-    </mc:Fallback>
-  </mc:AlternateContent>
-</p:sld>
-</file>
-
-<file path=ppt/slides/slide30.xml><?xml version="1.0" encoding="utf-8"?>
-<p:sld xmlns:a="http://schemas.openxmlformats.org/drawingml/2006/main" xmlns:r="http://schemas.openxmlformats.org/officeDocument/2006/relationships" xmlns:p="http://schemas.openxmlformats.org/presentationml/2006/main">
-  <p:cSld>
-    <p:spTree>
-      <p:nvGrpSpPr>
-        <p:cNvPr id="1" name=""/>
-        <p:cNvGrpSpPr/>
-        <p:nvPr/>
-      </p:nvGrpSpPr>
-      <p:grpSpPr>
-        <a:xfrm>
-          <a:off x="0" y="0"/>
-          <a:ext cx="0" cy="0"/>
-          <a:chOff x="0" y="0"/>
-          <a:chExt cx="0" cy="0"/>
-        </a:xfrm>
-      </p:grpSpPr>
-      <p:sp>
-        <p:nvSpPr>
-          <p:cNvPr id="2" name="投影片編號版面配置區 1">
-            <a:extLst>
-              <a:ext uri="{FF2B5EF4-FFF2-40B4-BE49-F238E27FC236}">
-                <a16:creationId xmlns:a16="http://schemas.microsoft.com/office/drawing/2014/main" id="{5321DC1F-7624-4F57-B673-3C48399B9283}"/>
-              </a:ext>
-            </a:extLst>
-          </p:cNvPr>
-          <p:cNvSpPr>
-            <a:spLocks noGrp="1"/>
-          </p:cNvSpPr>
-          <p:nvPr>
-            <p:ph type="sldNum" sz="quarter" idx="12"/>
-          </p:nvPr>
-        </p:nvSpPr>
-        <p:spPr/>
-        <p:txBody>
-          <a:bodyPr/>
-          <a:lstStyle/>
-          <a:p>
-            <a:fld id="{4FAB73BC-B049-4115-A692-8D63A059BFB8}" type="slidenum">
-              <a:rPr lang="en-US" smtClean="0"/>
-              <a:pPr/>
-              <a:t>30</a:t>
-            </a:fld>
-            <a:endParaRPr lang="en-US" dirty="0"/>
-          </a:p>
-        </p:txBody>
-      </p:sp>
-      <p:sp>
-        <p:nvSpPr>
-          <p:cNvPr id="3" name="文字版面配置區 2">
-            <a:extLst>
-              <a:ext uri="{FF2B5EF4-FFF2-40B4-BE49-F238E27FC236}">
-                <a16:creationId xmlns:a16="http://schemas.microsoft.com/office/drawing/2014/main" id="{96931718-23C2-4D8C-9172-96D6394F2897}"/>
-              </a:ext>
-            </a:extLst>
-          </p:cNvPr>
-          <p:cNvSpPr>
-            <a:spLocks noGrp="1"/>
-          </p:cNvSpPr>
-          <p:nvPr>
-            <p:ph type="body" sz="quarter" idx="13"/>
-          </p:nvPr>
-        </p:nvSpPr>
-        <p:spPr/>
-        <p:txBody>
-          <a:bodyPr/>
-          <a:lstStyle/>
-          <a:p>
-            <a:r>
-              <a:rPr lang="en-US" altLang="zh-TW" dirty="0" err="1">
-                <a:latin typeface="+mn-ea"/>
-              </a:rPr>
-              <a:t>useRef</a:t>
-            </a:r>
-            <a:r>
-              <a:rPr lang="en-US" altLang="zh-TW" dirty="0">
-                <a:latin typeface="+mj-ea"/>
-              </a:rPr>
-              <a:t>( )</a:t>
-            </a:r>
-            <a:endParaRPr lang="zh-TW" altLang="en-US" dirty="0">
-              <a:latin typeface="+mj-ea"/>
-            </a:endParaRPr>
-          </a:p>
-        </p:txBody>
-      </p:sp>
-      <p:sp>
-        <p:nvSpPr>
-          <p:cNvPr id="4" name="文字方塊 3">
-            <a:extLst>
-              <a:ext uri="{FF2B5EF4-FFF2-40B4-BE49-F238E27FC236}">
-                <a16:creationId xmlns:a16="http://schemas.microsoft.com/office/drawing/2014/main" id="{DF8B345D-3869-4034-AA89-9F820872C68B}"/>
-              </a:ext>
-            </a:extLst>
-          </p:cNvPr>
-          <p:cNvSpPr txBox="1"/>
-          <p:nvPr/>
-        </p:nvSpPr>
-        <p:spPr>
-          <a:xfrm>
-            <a:off x="1362171" y="1884732"/>
-            <a:ext cx="8587945" cy="2217851"/>
-          </a:xfrm>
-          <a:prstGeom prst="rect">
-            <a:avLst/>
-          </a:prstGeom>
-          <a:noFill/>
-        </p:spPr>
-        <p:txBody>
-          <a:bodyPr wrap="square" rtlCol="0">
-            <a:spAutoFit/>
-          </a:bodyPr>
-          <a:lstStyle/>
-          <a:p>
-            <a:pPr marL="457200" indent="-457200">
-              <a:lnSpc>
-                <a:spcPct val="150000"/>
-              </a:lnSpc>
-              <a:buFont typeface="Arial" panose="020B0604020202020204" pitchFamily="34" charset="0"/>
-              <a:buChar char="•"/>
-            </a:pPr>
-            <a:r>
-              <a:rPr lang="zh-TW" altLang="en-US" sz="3200" dirty="0">
-                <a:solidFill>
-                  <a:schemeClr val="bg1">
-                    <a:lumMod val="75000"/>
-                  </a:schemeClr>
-                </a:solidFill>
-                <a:latin typeface="+mn-ea"/>
-              </a:rPr>
-              <a:t>通常用於抓取到 </a:t>
-            </a:r>
-            <a:r>
-              <a:rPr lang="en-US" altLang="zh-TW" sz="3200" dirty="0">
-                <a:solidFill>
-                  <a:schemeClr val="bg1">
-                    <a:lumMod val="75000"/>
-                  </a:schemeClr>
-                </a:solidFill>
-                <a:latin typeface="+mn-ea"/>
-              </a:rPr>
-              <a:t>DOM </a:t>
-            </a:r>
-            <a:r>
-              <a:rPr lang="zh-TW" altLang="en-US" sz="3200" dirty="0">
-                <a:solidFill>
-                  <a:schemeClr val="bg1">
-                    <a:lumMod val="75000"/>
-                  </a:schemeClr>
-                </a:solidFill>
-                <a:latin typeface="+mn-ea"/>
-              </a:rPr>
-              <a:t>節點</a:t>
-            </a:r>
-            <a:endParaRPr lang="en-US" altLang="zh-TW" sz="3200" dirty="0">
-              <a:solidFill>
-                <a:schemeClr val="bg1">
-                  <a:lumMod val="75000"/>
-                </a:schemeClr>
-              </a:solidFill>
-              <a:latin typeface="+mn-ea"/>
-            </a:endParaRPr>
-          </a:p>
-          <a:p>
-            <a:pPr marL="457200" indent="-457200">
-              <a:lnSpc>
-                <a:spcPct val="150000"/>
-              </a:lnSpc>
-              <a:buFont typeface="Arial" panose="020B0604020202020204" pitchFamily="34" charset="0"/>
-              <a:buChar char="•"/>
-            </a:pPr>
-            <a:r>
-              <a:rPr lang="zh-TW" altLang="en-US" sz="3200" dirty="0">
-                <a:solidFill>
-                  <a:schemeClr val="bg1">
-                    <a:lumMod val="75000"/>
-                  </a:schemeClr>
-                </a:solidFill>
-                <a:latin typeface="+mn-ea"/>
-              </a:rPr>
-              <a:t>不會觸發 </a:t>
-            </a:r>
-            <a:r>
-              <a:rPr lang="en-US" altLang="zh-TW" sz="3200" dirty="0">
-                <a:solidFill>
-                  <a:schemeClr val="bg1">
-                    <a:lumMod val="75000"/>
-                  </a:schemeClr>
-                </a:solidFill>
-                <a:latin typeface="+mn-ea"/>
-              </a:rPr>
-              <a:t>re-render</a:t>
-            </a:r>
-          </a:p>
-          <a:p>
-            <a:pPr marL="457200" indent="-457200">
-              <a:lnSpc>
-                <a:spcPct val="150000"/>
-              </a:lnSpc>
-              <a:buFont typeface="Arial" panose="020B0604020202020204" pitchFamily="34" charset="0"/>
-              <a:buChar char="•"/>
-            </a:pPr>
-            <a:r>
-              <a:rPr lang="zh-TW" altLang="en-US" sz="3200" dirty="0">
-                <a:solidFill>
-                  <a:schemeClr val="bg1">
-                    <a:lumMod val="75000"/>
-                  </a:schemeClr>
-                </a:solidFill>
-                <a:latin typeface="+mn-ea"/>
-              </a:rPr>
-              <a:t>自建一個 </a:t>
-            </a:r>
-            <a:r>
-              <a:rPr lang="en-US" altLang="zh-TW" sz="3200" dirty="0">
-                <a:solidFill>
-                  <a:schemeClr val="bg1">
-                    <a:lumMod val="75000"/>
-                  </a:schemeClr>
-                </a:solidFill>
-                <a:latin typeface="+mn-ea"/>
-              </a:rPr>
-              <a:t>{current: ...}</a:t>
-            </a:r>
-          </a:p>
-        </p:txBody>
-      </p:sp>
-    </p:spTree>
-    <p:extLst>
-      <p:ext uri="{BB962C8B-B14F-4D97-AF65-F5344CB8AC3E}">
-        <p14:creationId xmlns:p14="http://schemas.microsoft.com/office/powerpoint/2010/main" val="2281194327"/>
-      </p:ext>
-    </p:extLst>
-  </p:cSld>
-  <p:clrMapOvr>
-    <a:masterClrMapping/>
-  </p:clrMapOvr>
-  <mc:AlternateContent xmlns:mc="http://schemas.openxmlformats.org/markup-compatibility/2006" xmlns:p14="http://schemas.microsoft.com/office/powerpoint/2010/main">
-    <mc:Choice Requires="p14">
-      <p:transition p14:dur="160">
-        <p:fade/>
-      </p:transition>
-    </mc:Choice>
-    <mc:Fallback xmlns="">
-      <p:transition>
-        <p:fade/>
-      </p:transition>
-    </mc:Fallback>
-  </mc:AlternateContent>
-</p:sld>
-</file>
-
-<file path=ppt/slides/slide31.xml><?xml version="1.0" encoding="utf-8"?>
-<p:sld xmlns:a="http://schemas.openxmlformats.org/drawingml/2006/main" xmlns:r="http://schemas.openxmlformats.org/officeDocument/2006/relationships" xmlns:p="http://schemas.openxmlformats.org/presentationml/2006/main">
-  <p:cSld>
-    <p:spTree>
-      <p:nvGrpSpPr>
-        <p:cNvPr id="1" name=""/>
-        <p:cNvGrpSpPr/>
-        <p:nvPr/>
-      </p:nvGrpSpPr>
-      <p:grpSpPr>
-        <a:xfrm>
-          <a:off x="0" y="0"/>
-          <a:ext cx="0" cy="0"/>
-          <a:chOff x="0" y="0"/>
-          <a:chExt cx="0" cy="0"/>
-        </a:xfrm>
-      </p:grpSpPr>
-      <p:sp>
-        <p:nvSpPr>
-          <p:cNvPr id="2" name="投影片編號版面配置區 1">
-            <a:extLst>
-              <a:ext uri="{FF2B5EF4-FFF2-40B4-BE49-F238E27FC236}">
-                <a16:creationId xmlns:a16="http://schemas.microsoft.com/office/drawing/2014/main" id="{A8AC08B9-BD6E-4DBA-BB56-A264B2E4591A}"/>
-              </a:ext>
-            </a:extLst>
-          </p:cNvPr>
-          <p:cNvSpPr>
-            <a:spLocks noGrp="1"/>
-          </p:cNvSpPr>
-          <p:nvPr>
-            <p:ph type="sldNum" sz="quarter" idx="12"/>
-          </p:nvPr>
-        </p:nvSpPr>
-        <p:spPr/>
-        <p:txBody>
-          <a:bodyPr/>
-          <a:lstStyle/>
-          <a:p>
-            <a:fld id="{4FAB73BC-B049-4115-A692-8D63A059BFB8}" type="slidenum">
-              <a:rPr lang="en-US" smtClean="0"/>
-              <a:pPr/>
-              <a:t>31</a:t>
-            </a:fld>
-            <a:endParaRPr lang="en-US" dirty="0"/>
-          </a:p>
-        </p:txBody>
-      </p:sp>
-      <p:sp>
-        <p:nvSpPr>
-          <p:cNvPr id="3" name="矩形 2">
-            <a:extLst>
-              <a:ext uri="{FF2B5EF4-FFF2-40B4-BE49-F238E27FC236}">
-                <a16:creationId xmlns:a16="http://schemas.microsoft.com/office/drawing/2014/main" id="{AC797E67-4A73-489F-8DA4-DCD652A8CA38}"/>
-              </a:ext>
-            </a:extLst>
-          </p:cNvPr>
-          <p:cNvSpPr/>
-          <p:nvPr/>
-        </p:nvSpPr>
-        <p:spPr>
-          <a:xfrm>
-            <a:off x="8360319" y="3371868"/>
-            <a:ext cx="1631024" cy="646331"/>
-          </a:xfrm>
-          <a:prstGeom prst="rect">
-            <a:avLst/>
-          </a:prstGeom>
-        </p:spPr>
-        <p:txBody>
-          <a:bodyPr wrap="none">
-            <a:spAutoFit/>
-          </a:bodyPr>
-          <a:lstStyle/>
-          <a:p>
-            <a:r>
-              <a:rPr lang="en-US" altLang="zh-TW" sz="3600" dirty="0" err="1">
-                <a:solidFill>
-                  <a:schemeClr val="bg1"/>
-                </a:solidFill>
-                <a:latin typeface="+mn-ea"/>
-              </a:rPr>
-              <a:t>useRef</a:t>
-            </a:r>
-            <a:endParaRPr lang="zh-TW" altLang="en-US" sz="3600" dirty="0">
-              <a:solidFill>
-                <a:schemeClr val="bg1"/>
-              </a:solidFill>
-            </a:endParaRPr>
-          </a:p>
-        </p:txBody>
-      </p:sp>
-      <p:sp>
-        <p:nvSpPr>
-          <p:cNvPr id="4" name="箭號: 向下 3">
-            <a:extLst>
-              <a:ext uri="{FF2B5EF4-FFF2-40B4-BE49-F238E27FC236}">
-                <a16:creationId xmlns:a16="http://schemas.microsoft.com/office/drawing/2014/main" id="{7C5DD0B4-2386-4760-8BF6-625405FC65DC}"/>
-              </a:ext>
-            </a:extLst>
-          </p:cNvPr>
-          <p:cNvSpPr/>
-          <p:nvPr/>
-        </p:nvSpPr>
-        <p:spPr>
-          <a:xfrm rot="17532736">
-            <a:off x="6010492" y="1905274"/>
-            <a:ext cx="509337" cy="673769"/>
-          </a:xfrm>
-          <a:prstGeom prst="downArrow">
-            <a:avLst/>
-          </a:prstGeom>
-        </p:spPr>
-        <p:style>
-          <a:lnRef idx="2">
-            <a:schemeClr val="accent1">
-              <a:shade val="50000"/>
-            </a:schemeClr>
-          </a:lnRef>
-          <a:fillRef idx="1">
-            <a:schemeClr val="accent1"/>
-          </a:fillRef>
-          <a:effectRef idx="0">
-            <a:schemeClr val="accent1"/>
-          </a:effectRef>
-          <a:fontRef idx="minor">
-            <a:schemeClr val="lt1"/>
-          </a:fontRef>
-        </p:style>
-        <p:txBody>
-          <a:bodyPr rtlCol="0" anchor="ctr"/>
-          <a:lstStyle/>
-          <a:p>
-            <a:pPr algn="ctr"/>
-            <a:endParaRPr lang="zh-TW" altLang="en-US"/>
-          </a:p>
-        </p:txBody>
-      </p:sp>
-      <p:sp>
-        <p:nvSpPr>
-          <p:cNvPr id="5" name="箭號: 向下 4">
-            <a:extLst>
-              <a:ext uri="{FF2B5EF4-FFF2-40B4-BE49-F238E27FC236}">
-                <a16:creationId xmlns:a16="http://schemas.microsoft.com/office/drawing/2014/main" id="{6F972098-D57D-4361-BD32-A5FE9030A2DD}"/>
-              </a:ext>
-            </a:extLst>
-          </p:cNvPr>
-          <p:cNvSpPr/>
-          <p:nvPr/>
-        </p:nvSpPr>
-        <p:spPr>
-          <a:xfrm rot="16200000">
-            <a:off x="5939217" y="3388592"/>
-            <a:ext cx="509337" cy="673769"/>
-          </a:xfrm>
-          <a:prstGeom prst="downArrow">
-            <a:avLst/>
-          </a:prstGeom>
-        </p:spPr>
-        <p:style>
-          <a:lnRef idx="2">
-            <a:schemeClr val="accent1">
-              <a:shade val="50000"/>
-            </a:schemeClr>
-          </a:lnRef>
-          <a:fillRef idx="1">
-            <a:schemeClr val="accent1"/>
-          </a:fillRef>
-          <a:effectRef idx="0">
-            <a:schemeClr val="accent1"/>
-          </a:effectRef>
-          <a:fontRef idx="minor">
-            <a:schemeClr val="lt1"/>
-          </a:fontRef>
-        </p:style>
-        <p:txBody>
-          <a:bodyPr rtlCol="0" anchor="ctr"/>
-          <a:lstStyle/>
-          <a:p>
-            <a:pPr algn="ctr"/>
-            <a:endParaRPr lang="zh-TW" altLang="en-US"/>
-          </a:p>
-        </p:txBody>
-      </p:sp>
-      <p:sp>
-        <p:nvSpPr>
-          <p:cNvPr id="6" name="箭號: 向下 5">
-            <a:extLst>
-              <a:ext uri="{FF2B5EF4-FFF2-40B4-BE49-F238E27FC236}">
-                <a16:creationId xmlns:a16="http://schemas.microsoft.com/office/drawing/2014/main" id="{7AD654CF-B489-461A-B634-75FE845D96A3}"/>
-              </a:ext>
-            </a:extLst>
-          </p:cNvPr>
-          <p:cNvSpPr/>
-          <p:nvPr/>
-        </p:nvSpPr>
-        <p:spPr>
-          <a:xfrm rot="14861105">
-            <a:off x="6010685" y="4872295"/>
-            <a:ext cx="509337" cy="673769"/>
-          </a:xfrm>
-          <a:prstGeom prst="downArrow">
-            <a:avLst/>
-          </a:prstGeom>
-        </p:spPr>
-        <p:style>
-          <a:lnRef idx="2">
-            <a:schemeClr val="accent1">
-              <a:shade val="50000"/>
-            </a:schemeClr>
-          </a:lnRef>
-          <a:fillRef idx="1">
-            <a:schemeClr val="accent1"/>
-          </a:fillRef>
-          <a:effectRef idx="0">
-            <a:schemeClr val="accent1"/>
-          </a:effectRef>
-          <a:fontRef idx="minor">
-            <a:schemeClr val="lt1"/>
-          </a:fontRef>
-        </p:style>
-        <p:txBody>
-          <a:bodyPr rtlCol="0" anchor="ctr"/>
-          <a:lstStyle/>
-          <a:p>
-            <a:pPr algn="ctr"/>
-            <a:endParaRPr lang="zh-TW" altLang="en-US"/>
-          </a:p>
-        </p:txBody>
-      </p:sp>
-      <p:sp>
-        <p:nvSpPr>
-          <p:cNvPr id="7" name="文字方塊 6">
-            <a:extLst>
-              <a:ext uri="{FF2B5EF4-FFF2-40B4-BE49-F238E27FC236}">
-                <a16:creationId xmlns:a16="http://schemas.microsoft.com/office/drawing/2014/main" id="{58A20A45-6B5C-44FA-8DFB-A9504B38B191}"/>
-              </a:ext>
-            </a:extLst>
-          </p:cNvPr>
-          <p:cNvSpPr txBox="1"/>
-          <p:nvPr/>
-        </p:nvSpPr>
-        <p:spPr>
-          <a:xfrm>
-            <a:off x="2105032" y="1586645"/>
-            <a:ext cx="3404937" cy="584775"/>
-          </a:xfrm>
-          <a:prstGeom prst="rect">
-            <a:avLst/>
-          </a:prstGeom>
-          <a:noFill/>
-        </p:spPr>
-        <p:txBody>
-          <a:bodyPr wrap="square" rtlCol="0">
-            <a:spAutoFit/>
-          </a:bodyPr>
-          <a:lstStyle/>
-          <a:p>
-            <a:r>
-              <a:rPr lang="en-US" altLang="zh-TW" sz="3200" dirty="0">
-                <a:solidFill>
-                  <a:schemeClr val="bg1"/>
-                </a:solidFill>
-                <a:latin typeface="Adobe 繁黑體 Std B" panose="020B0700000000000000" pitchFamily="34" charset="-120"/>
-                <a:ea typeface="Adobe 繁黑體 Std B" panose="020B0700000000000000" pitchFamily="34" charset="-120"/>
-              </a:rPr>
-              <a:t>&lt;</a:t>
-            </a:r>
-            <a:r>
-              <a:rPr lang="en-US" altLang="zh-TW" sz="3200" dirty="0">
-                <a:solidFill>
-                  <a:srgbClr val="FFC000"/>
-                </a:solidFill>
-                <a:latin typeface="Adobe 繁黑體 Std B" panose="020B0700000000000000" pitchFamily="34" charset="-120"/>
-                <a:ea typeface="Adobe 繁黑體 Std B" panose="020B0700000000000000" pitchFamily="34" charset="-120"/>
-              </a:rPr>
-              <a:t>input</a:t>
-            </a:r>
-            <a:r>
-              <a:rPr lang="en-US" altLang="zh-TW" sz="3200" dirty="0">
-                <a:solidFill>
-                  <a:schemeClr val="bg1"/>
-                </a:solidFill>
-                <a:latin typeface="Adobe 繁黑體 Std B" panose="020B0700000000000000" pitchFamily="34" charset="-120"/>
-                <a:ea typeface="Adobe 繁黑體 Std B" panose="020B0700000000000000" pitchFamily="34" charset="-120"/>
-              </a:rPr>
-              <a:t>  /&gt;</a:t>
-            </a:r>
-            <a:endParaRPr lang="zh-TW" altLang="en-US" sz="3200" dirty="0">
-              <a:solidFill>
-                <a:schemeClr val="bg1"/>
-              </a:solidFill>
-              <a:latin typeface="Adobe 繁黑體 Std B" panose="020B0700000000000000" pitchFamily="34" charset="-120"/>
-              <a:ea typeface="Adobe 繁黑體 Std B" panose="020B0700000000000000" pitchFamily="34" charset="-120"/>
-            </a:endParaRPr>
-          </a:p>
-        </p:txBody>
-      </p:sp>
-      <p:sp>
-        <p:nvSpPr>
-          <p:cNvPr id="8" name="文字方塊 7">
-            <a:extLst>
-              <a:ext uri="{FF2B5EF4-FFF2-40B4-BE49-F238E27FC236}">
-                <a16:creationId xmlns:a16="http://schemas.microsoft.com/office/drawing/2014/main" id="{EC339242-C056-491A-92C5-E6D9D8D58DF9}"/>
-              </a:ext>
-            </a:extLst>
-          </p:cNvPr>
-          <p:cNvSpPr txBox="1"/>
-          <p:nvPr/>
-        </p:nvSpPr>
-        <p:spPr>
-          <a:xfrm>
-            <a:off x="2104161" y="3470807"/>
-            <a:ext cx="3404937" cy="584775"/>
-          </a:xfrm>
-          <a:prstGeom prst="rect">
-            <a:avLst/>
-          </a:prstGeom>
-          <a:noFill/>
-        </p:spPr>
-        <p:txBody>
-          <a:bodyPr wrap="square" rtlCol="0">
-            <a:spAutoFit/>
-          </a:bodyPr>
-          <a:lstStyle/>
-          <a:p>
-            <a:r>
-              <a:rPr lang="en-US" altLang="zh-TW" sz="3200" dirty="0">
-                <a:solidFill>
-                  <a:schemeClr val="bg1"/>
-                </a:solidFill>
-                <a:latin typeface="Adobe 繁黑體 Std B" panose="020B0700000000000000" pitchFamily="34" charset="-120"/>
-                <a:ea typeface="Adobe 繁黑體 Std B" panose="020B0700000000000000" pitchFamily="34" charset="-120"/>
-              </a:rPr>
-              <a:t>&lt;</a:t>
-            </a:r>
-            <a:r>
-              <a:rPr lang="en-US" altLang="zh-TW" sz="3200" dirty="0">
-                <a:solidFill>
-                  <a:srgbClr val="FFC000"/>
-                </a:solidFill>
-                <a:latin typeface="Adobe 繁黑體 Std B" panose="020B0700000000000000" pitchFamily="34" charset="-120"/>
-                <a:ea typeface="Adobe 繁黑體 Std B" panose="020B0700000000000000" pitchFamily="34" charset="-120"/>
-              </a:rPr>
-              <a:t>text</a:t>
-            </a:r>
-            <a:r>
-              <a:rPr lang="en-US" altLang="zh-TW" sz="3200" dirty="0">
-                <a:solidFill>
-                  <a:schemeClr val="bg1"/>
-                </a:solidFill>
-                <a:latin typeface="Adobe 繁黑體 Std B" panose="020B0700000000000000" pitchFamily="34" charset="-120"/>
-                <a:ea typeface="Adobe 繁黑體 Std B" panose="020B0700000000000000" pitchFamily="34" charset="-120"/>
-              </a:rPr>
-              <a:t>  /&gt;</a:t>
-            </a:r>
-            <a:endParaRPr lang="zh-TW" altLang="en-US" sz="3200" dirty="0">
-              <a:solidFill>
-                <a:schemeClr val="bg1"/>
-              </a:solidFill>
-              <a:latin typeface="Adobe 繁黑體 Std B" panose="020B0700000000000000" pitchFamily="34" charset="-120"/>
-              <a:ea typeface="Adobe 繁黑體 Std B" panose="020B0700000000000000" pitchFamily="34" charset="-120"/>
-            </a:endParaRPr>
-          </a:p>
-        </p:txBody>
-      </p:sp>
-      <p:sp>
-        <p:nvSpPr>
-          <p:cNvPr id="9" name="文字方塊 8">
-            <a:extLst>
-              <a:ext uri="{FF2B5EF4-FFF2-40B4-BE49-F238E27FC236}">
-                <a16:creationId xmlns:a16="http://schemas.microsoft.com/office/drawing/2014/main" id="{388BA6DF-3F06-4732-A828-A61C5321AF55}"/>
-              </a:ext>
-            </a:extLst>
-          </p:cNvPr>
-          <p:cNvSpPr txBox="1"/>
-          <p:nvPr/>
-        </p:nvSpPr>
-        <p:spPr>
-          <a:xfrm>
-            <a:off x="2104160" y="5062581"/>
-            <a:ext cx="3404937" cy="584775"/>
-          </a:xfrm>
-          <a:prstGeom prst="rect">
-            <a:avLst/>
-          </a:prstGeom>
-          <a:noFill/>
-        </p:spPr>
-        <p:txBody>
-          <a:bodyPr wrap="square" rtlCol="0">
-            <a:spAutoFit/>
-          </a:bodyPr>
-          <a:lstStyle/>
-          <a:p>
-            <a:r>
-              <a:rPr lang="en-US" altLang="zh-TW" sz="3200" dirty="0">
-                <a:solidFill>
-                  <a:schemeClr val="bg1"/>
-                </a:solidFill>
-                <a:latin typeface="Adobe 繁黑體 Std B" panose="020B0700000000000000" pitchFamily="34" charset="-120"/>
-                <a:ea typeface="Adobe 繁黑體 Std B" panose="020B0700000000000000" pitchFamily="34" charset="-120"/>
-              </a:rPr>
-              <a:t>&lt;</a:t>
-            </a:r>
-            <a:r>
-              <a:rPr lang="en-US" altLang="zh-TW" sz="3200" dirty="0">
-                <a:solidFill>
-                  <a:srgbClr val="FFC000"/>
-                </a:solidFill>
-                <a:latin typeface="Adobe 繁黑體 Std B" panose="020B0700000000000000" pitchFamily="34" charset="-120"/>
-                <a:ea typeface="Adobe 繁黑體 Std B" panose="020B0700000000000000" pitchFamily="34" charset="-120"/>
-              </a:rPr>
-              <a:t>button</a:t>
-            </a:r>
-            <a:r>
-              <a:rPr lang="en-US" altLang="zh-TW" sz="3200" dirty="0">
-                <a:solidFill>
-                  <a:schemeClr val="bg1"/>
-                </a:solidFill>
-                <a:latin typeface="Adobe 繁黑體 Std B" panose="020B0700000000000000" pitchFamily="34" charset="-120"/>
-                <a:ea typeface="Adobe 繁黑體 Std B" panose="020B0700000000000000" pitchFamily="34" charset="-120"/>
-              </a:rPr>
-              <a:t>  /&gt;</a:t>
-            </a:r>
-            <a:endParaRPr lang="zh-TW" altLang="en-US" sz="3200" dirty="0">
-              <a:solidFill>
-                <a:schemeClr val="bg1"/>
-              </a:solidFill>
-              <a:latin typeface="Adobe 繁黑體 Std B" panose="020B0700000000000000" pitchFamily="34" charset="-120"/>
-              <a:ea typeface="Adobe 繁黑體 Std B" panose="020B0700000000000000" pitchFamily="34" charset="-120"/>
-            </a:endParaRPr>
-          </a:p>
-        </p:txBody>
-      </p:sp>
-    </p:spTree>
-    <p:extLst>
-      <p:ext uri="{BB962C8B-B14F-4D97-AF65-F5344CB8AC3E}">
-        <p14:creationId xmlns:p14="http://schemas.microsoft.com/office/powerpoint/2010/main" val="1154559094"/>
-      </p:ext>
-    </p:extLst>
-  </p:cSld>
-  <p:clrMapOvr>
-    <a:masterClrMapping/>
-  </p:clrMapOvr>
-  <mc:AlternateContent xmlns:mc="http://schemas.openxmlformats.org/markup-compatibility/2006" xmlns:p14="http://schemas.microsoft.com/office/powerpoint/2010/main">
-    <mc:Choice Requires="p14">
-      <p:transition p14:dur="160">
-        <p:fade/>
-      </p:transition>
-    </mc:Choice>
-    <mc:Fallback xmlns="">
-      <p:transition>
-        <p:fade/>
-      </p:transition>
-    </mc:Fallback>
-  </mc:AlternateContent>
-</p:sld>
-</file>
-
-<file path=ppt/slides/slide32.xml><?xml version="1.0" encoding="utf-8"?>
-<p:sld xmlns:a="http://schemas.openxmlformats.org/drawingml/2006/main" xmlns:r="http://schemas.openxmlformats.org/officeDocument/2006/relationships" xmlns:p="http://schemas.openxmlformats.org/presentationml/2006/main">
-  <p:cSld>
-    <p:spTree>
-      <p:nvGrpSpPr>
-        <p:cNvPr id="1" name=""/>
-        <p:cNvGrpSpPr/>
-        <p:nvPr/>
-      </p:nvGrpSpPr>
-      <p:grpSpPr>
-        <a:xfrm>
-          <a:off x="0" y="0"/>
-          <a:ext cx="0" cy="0"/>
-          <a:chOff x="0" y="0"/>
-          <a:chExt cx="0" cy="0"/>
-        </a:xfrm>
-      </p:grpSpPr>
-      <p:sp>
-        <p:nvSpPr>
-          <p:cNvPr id="2" name="投影片編號版面配置區 1">
-            <a:extLst>
-              <a:ext uri="{FF2B5EF4-FFF2-40B4-BE49-F238E27FC236}">
-                <a16:creationId xmlns:a16="http://schemas.microsoft.com/office/drawing/2014/main" id="{EE7A8781-9AE9-4E94-A07C-D651D6501E1E}"/>
-              </a:ext>
-            </a:extLst>
-          </p:cNvPr>
-          <p:cNvSpPr>
-            <a:spLocks noGrp="1"/>
-          </p:cNvSpPr>
-          <p:nvPr>
-            <p:ph type="sldNum" sz="quarter" idx="12"/>
-          </p:nvPr>
-        </p:nvSpPr>
-        <p:spPr/>
-        <p:txBody>
-          <a:bodyPr/>
-          <a:lstStyle/>
-          <a:p>
-            <a:fld id="{4FAB73BC-B049-4115-A692-8D63A059BFB8}" type="slidenum">
-              <a:rPr lang="en-US" smtClean="0"/>
-              <a:pPr/>
-              <a:t>32</a:t>
-            </a:fld>
-            <a:endParaRPr lang="en-US" dirty="0"/>
-          </a:p>
-        </p:txBody>
-      </p:sp>
-      <p:sp>
-        <p:nvSpPr>
-          <p:cNvPr id="3" name="文字版面配置區 2">
-            <a:extLst>
-              <a:ext uri="{FF2B5EF4-FFF2-40B4-BE49-F238E27FC236}">
-                <a16:creationId xmlns:a16="http://schemas.microsoft.com/office/drawing/2014/main" id="{026D63AC-80B9-49D9-86AF-A14DF6546396}"/>
-              </a:ext>
-            </a:extLst>
-          </p:cNvPr>
-          <p:cNvSpPr>
-            <a:spLocks noGrp="1"/>
-          </p:cNvSpPr>
-          <p:nvPr>
-            <p:ph type="body" sz="quarter" idx="13"/>
-          </p:nvPr>
-        </p:nvSpPr>
-        <p:spPr/>
-        <p:txBody>
-          <a:bodyPr/>
-          <a:lstStyle/>
-          <a:p>
-            <a:r>
-              <a:rPr lang="zh-TW" altLang="en-US" dirty="0"/>
-              <a:t>結構</a:t>
-            </a:r>
-          </a:p>
-        </p:txBody>
-      </p:sp>
-      <p:sp>
-        <p:nvSpPr>
-          <p:cNvPr id="4" name="文字方塊 3">
-            <a:extLst>
-              <a:ext uri="{FF2B5EF4-FFF2-40B4-BE49-F238E27FC236}">
-                <a16:creationId xmlns:a16="http://schemas.microsoft.com/office/drawing/2014/main" id="{C33D64EF-CD04-4D48-A32C-F8983636DFAA}"/>
-              </a:ext>
-            </a:extLst>
-          </p:cNvPr>
-          <p:cNvSpPr txBox="1"/>
-          <p:nvPr/>
-        </p:nvSpPr>
-        <p:spPr>
-          <a:xfrm>
-            <a:off x="3546262" y="1639098"/>
-            <a:ext cx="5445722" cy="584775"/>
-          </a:xfrm>
-          <a:prstGeom prst="rect">
-            <a:avLst/>
-          </a:prstGeom>
-          <a:noFill/>
-        </p:spPr>
-        <p:txBody>
-          <a:bodyPr wrap="none" rtlCol="0">
-            <a:spAutoFit/>
-          </a:bodyPr>
-          <a:lstStyle/>
-          <a:p>
-            <a:pPr algn="ctr"/>
-            <a:r>
-              <a:rPr lang="en-US" altLang="zh-TW" sz="3200" spc="300" dirty="0">
-                <a:solidFill>
-                  <a:schemeClr val="accent5">
-                    <a:lumMod val="60000"/>
-                    <a:lumOff val="40000"/>
-                  </a:schemeClr>
-                </a:solidFill>
-                <a:latin typeface="Adobe 繁黑體 Std B" panose="020B0700000000000000" pitchFamily="34" charset="-120"/>
-                <a:ea typeface="Adobe 繁黑體 Std B" panose="020B0700000000000000" pitchFamily="34" charset="-120"/>
-              </a:rPr>
-              <a:t>Const</a:t>
-            </a:r>
-            <a:r>
-              <a:rPr lang="en-US" altLang="zh-TW" sz="3200" spc="300" dirty="0">
-                <a:solidFill>
-                  <a:schemeClr val="bg1">
-                    <a:lumMod val="85000"/>
-                  </a:schemeClr>
-                </a:solidFill>
-                <a:latin typeface="Adobe 繁黑體 Std B" panose="020B0700000000000000" pitchFamily="34" charset="-120"/>
-                <a:ea typeface="Adobe 繁黑體 Std B" panose="020B0700000000000000" pitchFamily="34" charset="-120"/>
-              </a:rPr>
-              <a:t>	</a:t>
-            </a:r>
-            <a:r>
-              <a:rPr lang="en-US" altLang="zh-TW" sz="3200" spc="300" dirty="0" err="1">
-                <a:solidFill>
-                  <a:schemeClr val="accent2">
-                    <a:lumMod val="60000"/>
-                    <a:lumOff val="40000"/>
-                  </a:schemeClr>
-                </a:solidFill>
-                <a:latin typeface="Adobe 繁黑體 Std B" panose="020B0700000000000000" pitchFamily="34" charset="-120"/>
-                <a:ea typeface="Adobe 繁黑體 Std B" panose="020B0700000000000000" pitchFamily="34" charset="-120"/>
-              </a:rPr>
-              <a:t>myRef</a:t>
-            </a:r>
-            <a:r>
-              <a:rPr lang="en-US" altLang="zh-TW" sz="3200" spc="300" dirty="0">
-                <a:solidFill>
-                  <a:schemeClr val="accent2">
-                    <a:lumMod val="60000"/>
-                    <a:lumOff val="40000"/>
-                  </a:schemeClr>
-                </a:solidFill>
-                <a:latin typeface="Adobe 繁黑體 Std B" panose="020B0700000000000000" pitchFamily="34" charset="-120"/>
-                <a:ea typeface="Adobe 繁黑體 Std B" panose="020B0700000000000000" pitchFamily="34" charset="-120"/>
-              </a:rPr>
-              <a:t>	 </a:t>
-            </a:r>
-            <a:r>
-              <a:rPr lang="en-US" altLang="zh-TW" sz="3200" spc="300" dirty="0">
-                <a:solidFill>
-                  <a:schemeClr val="bg1">
-                    <a:lumMod val="85000"/>
-                  </a:schemeClr>
-                </a:solidFill>
-                <a:latin typeface="Adobe 繁黑體 Std B" panose="020B0700000000000000" pitchFamily="34" charset="-120"/>
-                <a:ea typeface="Adobe 繁黑體 Std B" panose="020B0700000000000000" pitchFamily="34" charset="-120"/>
-              </a:rPr>
-              <a:t>= </a:t>
-            </a:r>
-            <a:r>
-              <a:rPr lang="en-US" altLang="zh-TW" sz="3200" dirty="0" err="1">
-                <a:solidFill>
-                  <a:schemeClr val="bg1"/>
-                </a:solidFill>
-                <a:latin typeface="Adobe 繁黑體 Std B" panose="020B0700000000000000" pitchFamily="34" charset="-120"/>
-                <a:ea typeface="Adobe 繁黑體 Std B" panose="020B0700000000000000" pitchFamily="34" charset="-120"/>
-              </a:rPr>
-              <a:t>useRef</a:t>
-            </a:r>
-            <a:r>
-              <a:rPr lang="en-US" altLang="zh-TW" sz="3200" dirty="0">
-                <a:solidFill>
-                  <a:schemeClr val="bg1"/>
-                </a:solidFill>
-                <a:latin typeface="Adobe 繁黑體 Std B" panose="020B0700000000000000" pitchFamily="34" charset="-120"/>
-                <a:ea typeface="Adobe 繁黑體 Std B" panose="020B0700000000000000" pitchFamily="34" charset="-120"/>
-              </a:rPr>
-              <a:t>(  )</a:t>
-            </a:r>
-            <a:r>
-              <a:rPr lang="en-US" altLang="zh-TW" sz="3200" spc="300" dirty="0">
-                <a:solidFill>
-                  <a:schemeClr val="bg1"/>
-                </a:solidFill>
-                <a:latin typeface="Adobe 繁黑體 Std B" panose="020B0700000000000000" pitchFamily="34" charset="-120"/>
-                <a:ea typeface="Adobe 繁黑體 Std B" panose="020B0700000000000000" pitchFamily="34" charset="-120"/>
-              </a:rPr>
-              <a:t> </a:t>
-            </a:r>
-            <a:endParaRPr lang="zh-TW" altLang="en-US" sz="3200" spc="300" dirty="0">
-              <a:solidFill>
-                <a:schemeClr val="bg1"/>
-              </a:solidFill>
-              <a:latin typeface="Adobe 繁黑體 Std B" panose="020B0700000000000000" pitchFamily="34" charset="-120"/>
-              <a:ea typeface="Adobe 繁黑體 Std B" panose="020B0700000000000000" pitchFamily="34" charset="-120"/>
-            </a:endParaRPr>
-          </a:p>
-        </p:txBody>
-      </p:sp>
-      <p:sp>
-        <p:nvSpPr>
-          <p:cNvPr id="5" name="文字方塊 4">
-            <a:extLst>
-              <a:ext uri="{FF2B5EF4-FFF2-40B4-BE49-F238E27FC236}">
-                <a16:creationId xmlns:a16="http://schemas.microsoft.com/office/drawing/2014/main" id="{9403EF6C-96D0-47D0-99E5-0F3A745CB7FF}"/>
-              </a:ext>
-            </a:extLst>
-          </p:cNvPr>
-          <p:cNvSpPr txBox="1"/>
-          <p:nvPr/>
-        </p:nvSpPr>
-        <p:spPr>
-          <a:xfrm>
-            <a:off x="2908416" y="4048271"/>
-            <a:ext cx="6721415" cy="584775"/>
-          </a:xfrm>
-          <a:prstGeom prst="rect">
-            <a:avLst/>
-          </a:prstGeom>
-          <a:noFill/>
-        </p:spPr>
-        <p:txBody>
-          <a:bodyPr wrap="square" rtlCol="0">
-            <a:spAutoFit/>
-          </a:bodyPr>
-          <a:lstStyle/>
-          <a:p>
-            <a:pPr algn="ctr"/>
-            <a:r>
-              <a:rPr lang="en-US" altLang="zh-TW" sz="3200" dirty="0">
-                <a:solidFill>
-                  <a:schemeClr val="bg1"/>
-                </a:solidFill>
-                <a:latin typeface="Adobe 繁黑體 Std B" panose="020B0700000000000000" pitchFamily="34" charset="-120"/>
-                <a:ea typeface="Adobe 繁黑體 Std B" panose="020B0700000000000000" pitchFamily="34" charset="-120"/>
-              </a:rPr>
-              <a:t>&lt;</a:t>
-            </a:r>
-            <a:r>
-              <a:rPr lang="en-US" altLang="zh-TW" sz="3200" dirty="0">
-                <a:solidFill>
-                  <a:srgbClr val="92D050"/>
-                </a:solidFill>
-                <a:latin typeface="Adobe 繁黑體 Std B" panose="020B0700000000000000" pitchFamily="34" charset="-120"/>
-                <a:ea typeface="Adobe 繁黑體 Std B" panose="020B0700000000000000" pitchFamily="34" charset="-120"/>
-              </a:rPr>
-              <a:t>input</a:t>
-            </a:r>
-            <a:r>
-              <a:rPr lang="en-US" altLang="zh-TW" sz="3200" dirty="0">
-                <a:solidFill>
-                  <a:schemeClr val="bg1"/>
-                </a:solidFill>
-                <a:latin typeface="Adobe 繁黑體 Std B" panose="020B0700000000000000" pitchFamily="34" charset="-120"/>
-                <a:ea typeface="Adobe 繁黑體 Std B" panose="020B0700000000000000" pitchFamily="34" charset="-120"/>
-              </a:rPr>
-              <a:t>  ref={ </a:t>
-            </a:r>
-            <a:r>
-              <a:rPr lang="en-US" altLang="zh-TW" sz="3200" spc="300" dirty="0" err="1">
-                <a:solidFill>
-                  <a:schemeClr val="accent2">
-                    <a:lumMod val="60000"/>
-                    <a:lumOff val="40000"/>
-                  </a:schemeClr>
-                </a:solidFill>
-                <a:latin typeface="Adobe 繁黑體 Std B" panose="020B0700000000000000" pitchFamily="34" charset="-120"/>
-                <a:ea typeface="Adobe 繁黑體 Std B" panose="020B0700000000000000" pitchFamily="34" charset="-120"/>
-              </a:rPr>
-              <a:t>myRef</a:t>
-            </a:r>
-            <a:r>
-              <a:rPr lang="en-US" altLang="zh-TW" sz="3200" spc="300" dirty="0">
-                <a:solidFill>
-                  <a:schemeClr val="accent2">
-                    <a:lumMod val="60000"/>
-                    <a:lumOff val="40000"/>
-                  </a:schemeClr>
-                </a:solidFill>
-                <a:latin typeface="Adobe 繁黑體 Std B" panose="020B0700000000000000" pitchFamily="34" charset="-120"/>
-                <a:ea typeface="Adobe 繁黑體 Std B" panose="020B0700000000000000" pitchFamily="34" charset="-120"/>
-              </a:rPr>
-              <a:t> </a:t>
-            </a:r>
-            <a:r>
-              <a:rPr lang="en-US" altLang="zh-TW" sz="3200" dirty="0">
-                <a:solidFill>
-                  <a:schemeClr val="bg1"/>
-                </a:solidFill>
-                <a:latin typeface="Adobe 繁黑體 Std B" panose="020B0700000000000000" pitchFamily="34" charset="-120"/>
-                <a:ea typeface="Adobe 繁黑體 Std B" panose="020B0700000000000000" pitchFamily="34" charset="-120"/>
-              </a:rPr>
-              <a:t>}   /&gt;</a:t>
-            </a:r>
-            <a:endParaRPr lang="zh-TW" altLang="en-US" sz="3200" dirty="0">
-              <a:solidFill>
-                <a:schemeClr val="bg1"/>
-              </a:solidFill>
-              <a:latin typeface="Adobe 繁黑體 Std B" panose="020B0700000000000000" pitchFamily="34" charset="-120"/>
-              <a:ea typeface="Adobe 繁黑體 Std B" panose="020B0700000000000000" pitchFamily="34" charset="-120"/>
-            </a:endParaRPr>
-          </a:p>
-        </p:txBody>
-      </p:sp>
-    </p:spTree>
-    <p:extLst>
-      <p:ext uri="{BB962C8B-B14F-4D97-AF65-F5344CB8AC3E}">
-        <p14:creationId xmlns:p14="http://schemas.microsoft.com/office/powerpoint/2010/main" val="1655638400"/>
-      </p:ext>
-    </p:extLst>
-  </p:cSld>
-  <p:clrMapOvr>
-    <a:masterClrMapping/>
-  </p:clrMapOvr>
-  <mc:AlternateContent xmlns:mc="http://schemas.openxmlformats.org/markup-compatibility/2006" xmlns:p14="http://schemas.microsoft.com/office/powerpoint/2010/main">
-    <mc:Choice Requires="p14">
-      <p:transition p14:dur="160">
-        <p:fade/>
-      </p:transition>
-    </mc:Choice>
-    <mc:Fallback xmlns="">
-      <p:transition>
-        <p:fade/>
-      </p:transition>
-    </mc:Fallback>
-  </mc:AlternateContent>
-</p:sld>
-</file>
-
-<file path=ppt/slides/slide33.xml><?xml version="1.0" encoding="utf-8"?>
-<p:sld xmlns:a="http://schemas.openxmlformats.org/drawingml/2006/main" xmlns:r="http://schemas.openxmlformats.org/officeDocument/2006/relationships" xmlns:p="http://schemas.openxmlformats.org/presentationml/2006/main">
-  <p:cSld>
-    <p:spTree>
-      <p:nvGrpSpPr>
-        <p:cNvPr id="1" name=""/>
-        <p:cNvGrpSpPr/>
-        <p:nvPr/>
-      </p:nvGrpSpPr>
-      <p:grpSpPr>
-        <a:xfrm>
-          <a:off x="0" y="0"/>
-          <a:ext cx="0" cy="0"/>
-          <a:chOff x="0" y="0"/>
-          <a:chExt cx="0" cy="0"/>
-        </a:xfrm>
-      </p:grpSpPr>
-      <p:sp>
-        <p:nvSpPr>
-          <p:cNvPr id="2" name="投影片編號版面配置區 1">
-            <a:extLst>
-              <a:ext uri="{FF2B5EF4-FFF2-40B4-BE49-F238E27FC236}">
                 <a16:creationId xmlns:a16="http://schemas.microsoft.com/office/drawing/2014/main" id="{38DE1F83-C5A2-4254-827F-7F56F71A7BA9}"/>
               </a:ext>
             </a:extLst>
@@ -16588,7 +14888,7 @@
             <a:fld id="{4FAB73BC-B049-4115-A692-8D63A059BFB8}" type="slidenum">
               <a:rPr lang="en-US" smtClean="0"/>
               <a:pPr/>
-              <a:t>33</a:t>
+              <a:t>29</a:t>
             </a:fld>
             <a:endParaRPr lang="en-US" dirty="0"/>
           </a:p>
@@ -17113,6 +15413,1718 @@
 </p:sld>
 </file>
 
+<file path=ppt/slides/slide3.xml><?xml version="1.0" encoding="utf-8"?>
+<p:sld xmlns:a="http://schemas.openxmlformats.org/drawingml/2006/main" xmlns:r="http://schemas.openxmlformats.org/officeDocument/2006/relationships" xmlns:p="http://schemas.openxmlformats.org/presentationml/2006/main">
+  <p:cSld>
+    <p:spTree>
+      <p:nvGrpSpPr>
+        <p:cNvPr id="1" name=""/>
+        <p:cNvGrpSpPr/>
+        <p:nvPr/>
+      </p:nvGrpSpPr>
+      <p:grpSpPr>
+        <a:xfrm>
+          <a:off x="0" y="0"/>
+          <a:ext cx="0" cy="0"/>
+          <a:chOff x="0" y="0"/>
+          <a:chExt cx="0" cy="0"/>
+        </a:xfrm>
+      </p:grpSpPr>
+      <p:sp>
+        <p:nvSpPr>
+          <p:cNvPr id="2" name="標題 1"/>
+          <p:cNvSpPr>
+            <a:spLocks noGrp="1"/>
+          </p:cNvSpPr>
+          <p:nvPr>
+            <p:ph type="title"/>
+          </p:nvPr>
+        </p:nvSpPr>
+        <p:spPr/>
+        <p:txBody>
+          <a:bodyPr/>
+          <a:lstStyle/>
+          <a:p>
+            <a:pPr algn="ctr"/>
+            <a:r>
+              <a:rPr lang="zh-TW" altLang="en-US" dirty="0"/>
+              <a:t>課程大綱</a:t>
+            </a:r>
+          </a:p>
+        </p:txBody>
+      </p:sp>
+      <p:sp>
+        <p:nvSpPr>
+          <p:cNvPr id="3" name="內容版面配置區 2"/>
+          <p:cNvSpPr>
+            <a:spLocks noGrp="1"/>
+          </p:cNvSpPr>
+          <p:nvPr>
+            <p:ph idx="1"/>
+          </p:nvPr>
+        </p:nvSpPr>
+        <p:spPr/>
+        <p:txBody>
+          <a:bodyPr>
+            <a:normAutofit/>
+          </a:bodyPr>
+          <a:lstStyle/>
+          <a:p>
+            <a:pPr>
+              <a:lnSpc>
+                <a:spcPct val="150000"/>
+              </a:lnSpc>
+            </a:pPr>
+            <a:r>
+              <a:rPr lang="zh-TW" altLang="en-US" sz="3200" dirty="0">
+                <a:solidFill>
+                  <a:schemeClr val="bg1"/>
+                </a:solidFill>
+                <a:latin typeface="+mj-ea"/>
+              </a:rPr>
+              <a:t>探索</a:t>
+            </a:r>
+            <a:r>
+              <a:rPr lang="en-US" altLang="zh-TW" sz="3200" dirty="0">
+                <a:solidFill>
+                  <a:schemeClr val="bg1"/>
+                </a:solidFill>
+                <a:latin typeface="+mj-ea"/>
+              </a:rPr>
+              <a:t>React</a:t>
+            </a:r>
+          </a:p>
+          <a:p>
+            <a:pPr>
+              <a:lnSpc>
+                <a:spcPct val="150000"/>
+              </a:lnSpc>
+            </a:pPr>
+            <a:r>
+              <a:rPr lang="zh-TW" altLang="en-US" sz="3200" dirty="0">
+                <a:solidFill>
+                  <a:schemeClr val="bg1"/>
+                </a:solidFill>
+                <a:latin typeface="+mj-ea"/>
+                <a:ea typeface="+mj-ea"/>
+              </a:rPr>
+              <a:t>了解</a:t>
+            </a:r>
+            <a:r>
+              <a:rPr lang="en-US" altLang="zh-TW" sz="3200" dirty="0">
+                <a:solidFill>
+                  <a:schemeClr val="bg1"/>
+                </a:solidFill>
+                <a:latin typeface="+mj-ea"/>
+                <a:ea typeface="+mj-ea"/>
+              </a:rPr>
+              <a:t>Hooks</a:t>
+            </a:r>
+          </a:p>
+          <a:p>
+            <a:pPr>
+              <a:lnSpc>
+                <a:spcPct val="150000"/>
+              </a:lnSpc>
+            </a:pPr>
+            <a:r>
+              <a:rPr lang="zh-TW" altLang="en-US" sz="3200" dirty="0">
+                <a:solidFill>
+                  <a:schemeClr val="bg1"/>
+                </a:solidFill>
+                <a:latin typeface="+mj-ea"/>
+                <a:ea typeface="+mj-ea"/>
+              </a:rPr>
+              <a:t>如何使用</a:t>
+            </a:r>
+            <a:r>
+              <a:rPr lang="en-US" altLang="zh-TW" sz="3200" dirty="0">
+                <a:solidFill>
+                  <a:schemeClr val="bg1"/>
+                </a:solidFill>
+                <a:latin typeface="+mj-ea"/>
+                <a:ea typeface="+mj-ea"/>
+              </a:rPr>
+              <a:t>Hooks</a:t>
+            </a:r>
+            <a:r>
+              <a:rPr lang="zh-TW" altLang="en-US" sz="3200" dirty="0">
+                <a:solidFill>
+                  <a:schemeClr val="bg1"/>
+                </a:solidFill>
+                <a:latin typeface="+mj-ea"/>
+                <a:ea typeface="+mj-ea"/>
+              </a:rPr>
+              <a:t> </a:t>
+            </a:r>
+            <a:r>
+              <a:rPr lang="en-US" altLang="zh-TW" sz="3200" dirty="0">
+                <a:solidFill>
+                  <a:schemeClr val="bg1"/>
+                </a:solidFill>
+                <a:latin typeface="+mj-ea"/>
+                <a:ea typeface="+mj-ea"/>
+              </a:rPr>
+              <a:t>API</a:t>
+            </a:r>
+          </a:p>
+          <a:p>
+            <a:pPr>
+              <a:lnSpc>
+                <a:spcPct val="150000"/>
+              </a:lnSpc>
+            </a:pPr>
+            <a:r>
+              <a:rPr lang="zh-TW" altLang="en-US" sz="3200" dirty="0">
+                <a:solidFill>
+                  <a:schemeClr val="bg1"/>
+                </a:solidFill>
+                <a:latin typeface="+mj-ea"/>
+                <a:ea typeface="+mj-ea"/>
+              </a:rPr>
+              <a:t>深入了解</a:t>
+            </a:r>
+            <a:r>
+              <a:rPr lang="en-US" altLang="zh-TW" sz="3200" dirty="0">
+                <a:solidFill>
+                  <a:schemeClr val="bg1"/>
+                </a:solidFill>
+                <a:latin typeface="+mj-ea"/>
+                <a:ea typeface="+mj-ea"/>
+              </a:rPr>
+              <a:t>Hooks</a:t>
+            </a:r>
+            <a:r>
+              <a:rPr lang="zh-TW" altLang="en-US" sz="3200" dirty="0">
+                <a:solidFill>
+                  <a:schemeClr val="bg1"/>
+                </a:solidFill>
+                <a:latin typeface="+mj-ea"/>
+                <a:ea typeface="+mj-ea"/>
+              </a:rPr>
+              <a:t>結構</a:t>
+            </a:r>
+            <a:endParaRPr lang="en-US" altLang="zh-TW" sz="3200" dirty="0">
+              <a:solidFill>
+                <a:schemeClr val="bg1"/>
+              </a:solidFill>
+              <a:latin typeface="+mj-ea"/>
+              <a:ea typeface="+mj-ea"/>
+            </a:endParaRPr>
+          </a:p>
+        </p:txBody>
+      </p:sp>
+    </p:spTree>
+    <p:extLst>
+      <p:ext uri="{BB962C8B-B14F-4D97-AF65-F5344CB8AC3E}">
+        <p14:creationId xmlns:p14="http://schemas.microsoft.com/office/powerpoint/2010/main" val="1345370539"/>
+      </p:ext>
+    </p:extLst>
+  </p:cSld>
+  <p:clrMapOvr>
+    <a:masterClrMapping/>
+  </p:clrMapOvr>
+  <mc:AlternateContent xmlns:mc="http://schemas.openxmlformats.org/markup-compatibility/2006" xmlns:p14="http://schemas.microsoft.com/office/powerpoint/2010/main">
+    <mc:Choice Requires="p14">
+      <p:transition p14:dur="160">
+        <p:fade/>
+      </p:transition>
+    </mc:Choice>
+    <mc:Fallback xmlns="">
+      <p:transition>
+        <p:fade/>
+      </p:transition>
+    </mc:Fallback>
+  </mc:AlternateContent>
+</p:sld>
+</file>
+
+<file path=ppt/slides/slide30.xml><?xml version="1.0" encoding="utf-8"?>
+<p:sld xmlns:a="http://schemas.openxmlformats.org/drawingml/2006/main" xmlns:r="http://schemas.openxmlformats.org/officeDocument/2006/relationships" xmlns:p="http://schemas.openxmlformats.org/presentationml/2006/main">
+  <p:cSld>
+    <p:spTree>
+      <p:nvGrpSpPr>
+        <p:cNvPr id="1" name=""/>
+        <p:cNvGrpSpPr/>
+        <p:nvPr/>
+      </p:nvGrpSpPr>
+      <p:grpSpPr>
+        <a:xfrm>
+          <a:off x="0" y="0"/>
+          <a:ext cx="0" cy="0"/>
+          <a:chOff x="0" y="0"/>
+          <a:chExt cx="0" cy="0"/>
+        </a:xfrm>
+      </p:grpSpPr>
+      <p:sp>
+        <p:nvSpPr>
+          <p:cNvPr id="2" name="投影片編號版面配置區 1">
+            <a:extLst>
+              <a:ext uri="{FF2B5EF4-FFF2-40B4-BE49-F238E27FC236}">
+                <a16:creationId xmlns:a16="http://schemas.microsoft.com/office/drawing/2014/main" id="{CFF6CE43-6816-47F9-B900-F53D53AD5D03}"/>
+              </a:ext>
+            </a:extLst>
+          </p:cNvPr>
+          <p:cNvSpPr>
+            <a:spLocks noGrp="1"/>
+          </p:cNvSpPr>
+          <p:nvPr>
+            <p:ph type="sldNum" sz="quarter" idx="12"/>
+          </p:nvPr>
+        </p:nvSpPr>
+        <p:spPr/>
+        <p:txBody>
+          <a:bodyPr/>
+          <a:lstStyle/>
+          <a:p>
+            <a:fld id="{4FAB73BC-B049-4115-A692-8D63A059BFB8}" type="slidenum">
+              <a:rPr lang="en-US" smtClean="0"/>
+              <a:pPr/>
+              <a:t>30</a:t>
+            </a:fld>
+            <a:endParaRPr lang="en-US" dirty="0"/>
+          </a:p>
+        </p:txBody>
+      </p:sp>
+      <p:sp>
+        <p:nvSpPr>
+          <p:cNvPr id="3" name="文字版面配置區 2">
+            <a:extLst>
+              <a:ext uri="{FF2B5EF4-FFF2-40B4-BE49-F238E27FC236}">
+                <a16:creationId xmlns:a16="http://schemas.microsoft.com/office/drawing/2014/main" id="{8C2CB89D-C489-41DD-B112-A40A1D7365AD}"/>
+              </a:ext>
+            </a:extLst>
+          </p:cNvPr>
+          <p:cNvSpPr>
+            <a:spLocks noGrp="1"/>
+          </p:cNvSpPr>
+          <p:nvPr>
+            <p:ph type="body" sz="quarter" idx="13"/>
+          </p:nvPr>
+        </p:nvSpPr>
+        <p:spPr/>
+        <p:txBody>
+          <a:bodyPr/>
+          <a:lstStyle/>
+          <a:p>
+            <a:r>
+              <a:rPr lang="zh-TW" altLang="en-US" b="1" dirty="0">
+                <a:solidFill>
+                  <a:schemeClr val="bg1">
+                    <a:lumMod val="85000"/>
+                  </a:schemeClr>
+                </a:solidFill>
+                <a:latin typeface="+mn-ea"/>
+              </a:rPr>
+              <a:t>無法渲染好處</a:t>
+            </a:r>
+            <a:endParaRPr lang="zh-TW" altLang="en-US" dirty="0"/>
+          </a:p>
+        </p:txBody>
+      </p:sp>
+      <p:sp>
+        <p:nvSpPr>
+          <p:cNvPr id="4" name="矩形 3">
+            <a:extLst>
+              <a:ext uri="{FF2B5EF4-FFF2-40B4-BE49-F238E27FC236}">
+                <a16:creationId xmlns:a16="http://schemas.microsoft.com/office/drawing/2014/main" id="{D97CEFD9-0737-45D0-8F55-C41B0017D17B}"/>
+              </a:ext>
+            </a:extLst>
+          </p:cNvPr>
+          <p:cNvSpPr/>
+          <p:nvPr/>
+        </p:nvSpPr>
+        <p:spPr>
+          <a:xfrm>
+            <a:off x="2009623" y="1756011"/>
+            <a:ext cx="1569660" cy="646331"/>
+          </a:xfrm>
+          <a:prstGeom prst="rect">
+            <a:avLst/>
+          </a:prstGeom>
+        </p:spPr>
+        <p:txBody>
+          <a:bodyPr wrap="none">
+            <a:spAutoFit/>
+          </a:bodyPr>
+          <a:lstStyle/>
+          <a:p>
+            <a:r>
+              <a:rPr lang="zh-TW" altLang="en-US" sz="3600" dirty="0">
+                <a:solidFill>
+                  <a:schemeClr val="bg1"/>
+                </a:solidFill>
+              </a:rPr>
+              <a:t>省效能</a:t>
+            </a:r>
+          </a:p>
+        </p:txBody>
+      </p:sp>
+      <p:sp>
+        <p:nvSpPr>
+          <p:cNvPr id="5" name="矩形 4">
+            <a:extLst>
+              <a:ext uri="{FF2B5EF4-FFF2-40B4-BE49-F238E27FC236}">
+                <a16:creationId xmlns:a16="http://schemas.microsoft.com/office/drawing/2014/main" id="{5CEDF7C1-5FAB-4091-9949-9C04BAD5F8F8}"/>
+              </a:ext>
+            </a:extLst>
+          </p:cNvPr>
+          <p:cNvSpPr/>
+          <p:nvPr/>
+        </p:nvSpPr>
+        <p:spPr>
+          <a:xfrm>
+            <a:off x="2009623" y="2691160"/>
+            <a:ext cx="6301725" cy="1665071"/>
+          </a:xfrm>
+          <a:prstGeom prst="rect">
+            <a:avLst/>
+          </a:prstGeom>
+        </p:spPr>
+        <p:txBody>
+          <a:bodyPr wrap="none">
+            <a:spAutoFit/>
+          </a:bodyPr>
+          <a:lstStyle/>
+          <a:p>
+            <a:pPr marL="571500" indent="-571500">
+              <a:lnSpc>
+                <a:spcPct val="150000"/>
+              </a:lnSpc>
+              <a:buFont typeface="Arial" panose="020B0604020202020204" pitchFamily="34" charset="0"/>
+              <a:buChar char="•"/>
+            </a:pPr>
+            <a:r>
+              <a:rPr lang="zh-TW" altLang="en-US" sz="3600" dirty="0">
+                <a:solidFill>
+                  <a:schemeClr val="bg1"/>
+                </a:solidFill>
+              </a:rPr>
+              <a:t>省去無意義的渲染動作</a:t>
+            </a:r>
+            <a:endParaRPr lang="en-US" altLang="zh-TW" sz="3600" dirty="0">
+              <a:solidFill>
+                <a:schemeClr val="bg1"/>
+              </a:solidFill>
+            </a:endParaRPr>
+          </a:p>
+          <a:p>
+            <a:pPr marL="571500" indent="-571500">
+              <a:lnSpc>
+                <a:spcPct val="150000"/>
+              </a:lnSpc>
+              <a:buFont typeface="Arial" panose="020B0604020202020204" pitchFamily="34" charset="0"/>
+              <a:buChar char="•"/>
+            </a:pPr>
+            <a:r>
+              <a:rPr lang="zh-TW" altLang="en-US" sz="3600" dirty="0">
+                <a:solidFill>
+                  <a:schemeClr val="bg1"/>
+                </a:solidFill>
+              </a:rPr>
+              <a:t>更加專注於需要使用的地方</a:t>
+            </a:r>
+          </a:p>
+        </p:txBody>
+      </p:sp>
+    </p:spTree>
+    <p:extLst>
+      <p:ext uri="{BB962C8B-B14F-4D97-AF65-F5344CB8AC3E}">
+        <p14:creationId xmlns:p14="http://schemas.microsoft.com/office/powerpoint/2010/main" val="1222401030"/>
+      </p:ext>
+    </p:extLst>
+  </p:cSld>
+  <p:clrMapOvr>
+    <a:masterClrMapping/>
+  </p:clrMapOvr>
+  <mc:AlternateContent xmlns:mc="http://schemas.openxmlformats.org/markup-compatibility/2006" xmlns:p14="http://schemas.microsoft.com/office/powerpoint/2010/main">
+    <mc:Choice Requires="p14">
+      <p:transition p14:dur="160">
+        <p:fade/>
+      </p:transition>
+    </mc:Choice>
+    <mc:Fallback xmlns="">
+      <p:transition>
+        <p:fade/>
+      </p:transition>
+    </mc:Fallback>
+  </mc:AlternateContent>
+</p:sld>
+</file>
+
+<file path=ppt/slides/slide31.xml><?xml version="1.0" encoding="utf-8"?>
+<p:sld xmlns:a="http://schemas.openxmlformats.org/drawingml/2006/main" xmlns:r="http://schemas.openxmlformats.org/officeDocument/2006/relationships" xmlns:p="http://schemas.openxmlformats.org/presentationml/2006/main">
+  <p:cSld>
+    <p:spTree>
+      <p:nvGrpSpPr>
+        <p:cNvPr id="1" name=""/>
+        <p:cNvGrpSpPr/>
+        <p:nvPr/>
+      </p:nvGrpSpPr>
+      <p:grpSpPr>
+        <a:xfrm>
+          <a:off x="0" y="0"/>
+          <a:ext cx="0" cy="0"/>
+          <a:chOff x="0" y="0"/>
+          <a:chExt cx="0" cy="0"/>
+        </a:xfrm>
+      </p:grpSpPr>
+      <p:sp>
+        <p:nvSpPr>
+          <p:cNvPr id="2" name="投影片編號版面配置區 1">
+            <a:extLst>
+              <a:ext uri="{FF2B5EF4-FFF2-40B4-BE49-F238E27FC236}">
+                <a16:creationId xmlns:a16="http://schemas.microsoft.com/office/drawing/2014/main" id="{5321DC1F-7624-4F57-B673-3C48399B9283}"/>
+              </a:ext>
+            </a:extLst>
+          </p:cNvPr>
+          <p:cNvSpPr>
+            <a:spLocks noGrp="1"/>
+          </p:cNvSpPr>
+          <p:nvPr>
+            <p:ph type="sldNum" sz="quarter" idx="12"/>
+          </p:nvPr>
+        </p:nvSpPr>
+        <p:spPr/>
+        <p:txBody>
+          <a:bodyPr/>
+          <a:lstStyle/>
+          <a:p>
+            <a:fld id="{4FAB73BC-B049-4115-A692-8D63A059BFB8}" type="slidenum">
+              <a:rPr lang="en-US" smtClean="0"/>
+              <a:pPr/>
+              <a:t>31</a:t>
+            </a:fld>
+            <a:endParaRPr lang="en-US" dirty="0"/>
+          </a:p>
+        </p:txBody>
+      </p:sp>
+      <p:sp>
+        <p:nvSpPr>
+          <p:cNvPr id="3" name="文字版面配置區 2">
+            <a:extLst>
+              <a:ext uri="{FF2B5EF4-FFF2-40B4-BE49-F238E27FC236}">
+                <a16:creationId xmlns:a16="http://schemas.microsoft.com/office/drawing/2014/main" id="{96931718-23C2-4D8C-9172-96D6394F2897}"/>
+              </a:ext>
+            </a:extLst>
+          </p:cNvPr>
+          <p:cNvSpPr>
+            <a:spLocks noGrp="1"/>
+          </p:cNvSpPr>
+          <p:nvPr>
+            <p:ph type="body" sz="quarter" idx="13"/>
+          </p:nvPr>
+        </p:nvSpPr>
+        <p:spPr/>
+        <p:txBody>
+          <a:bodyPr/>
+          <a:lstStyle/>
+          <a:p>
+            <a:r>
+              <a:rPr lang="en-US" altLang="zh-TW" dirty="0" err="1">
+                <a:latin typeface="+mn-ea"/>
+              </a:rPr>
+              <a:t>useContext</a:t>
+            </a:r>
+            <a:r>
+              <a:rPr lang="en-US" altLang="zh-TW" dirty="0">
+                <a:latin typeface="+mj-ea"/>
+              </a:rPr>
+              <a:t>( )</a:t>
+            </a:r>
+            <a:endParaRPr lang="zh-TW" altLang="en-US" dirty="0">
+              <a:latin typeface="+mj-ea"/>
+            </a:endParaRPr>
+          </a:p>
+        </p:txBody>
+      </p:sp>
+      <p:sp>
+        <p:nvSpPr>
+          <p:cNvPr id="4" name="文字方塊 3">
+            <a:extLst>
+              <a:ext uri="{FF2B5EF4-FFF2-40B4-BE49-F238E27FC236}">
+                <a16:creationId xmlns:a16="http://schemas.microsoft.com/office/drawing/2014/main" id="{CFE87475-59D0-460C-AB14-072C4D7985E0}"/>
+              </a:ext>
+            </a:extLst>
+          </p:cNvPr>
+          <p:cNvSpPr txBox="1"/>
+          <p:nvPr/>
+        </p:nvSpPr>
+        <p:spPr>
+          <a:xfrm>
+            <a:off x="1362171" y="1884732"/>
+            <a:ext cx="8587945" cy="1569660"/>
+          </a:xfrm>
+          <a:prstGeom prst="rect">
+            <a:avLst/>
+          </a:prstGeom>
+          <a:noFill/>
+        </p:spPr>
+        <p:txBody>
+          <a:bodyPr wrap="square" rtlCol="0">
+            <a:spAutoFit/>
+          </a:bodyPr>
+          <a:lstStyle/>
+          <a:p>
+            <a:pPr marL="457200" indent="-457200">
+              <a:lnSpc>
+                <a:spcPct val="150000"/>
+              </a:lnSpc>
+              <a:buFont typeface="Arial" panose="020B0604020202020204" pitchFamily="34" charset="0"/>
+              <a:buChar char="•"/>
+            </a:pPr>
+            <a:r>
+              <a:rPr lang="zh-TW" altLang="en-US" sz="3200" dirty="0">
+                <a:solidFill>
+                  <a:schemeClr val="bg1">
+                    <a:lumMod val="75000"/>
+                  </a:schemeClr>
+                </a:solidFill>
+                <a:latin typeface="+mn-ea"/>
+              </a:rPr>
+              <a:t>用於組件中上下結構的溝通</a:t>
+            </a:r>
+            <a:endParaRPr lang="en-US" altLang="zh-TW" sz="3200" dirty="0">
+              <a:solidFill>
+                <a:schemeClr val="bg1">
+                  <a:lumMod val="75000"/>
+                </a:schemeClr>
+              </a:solidFill>
+              <a:latin typeface="+mn-ea"/>
+            </a:endParaRPr>
+          </a:p>
+          <a:p>
+            <a:pPr marL="457200" indent="-457200">
+              <a:lnSpc>
+                <a:spcPct val="150000"/>
+              </a:lnSpc>
+              <a:buFont typeface="Arial" panose="020B0604020202020204" pitchFamily="34" charset="0"/>
+              <a:buChar char="•"/>
+            </a:pPr>
+            <a:r>
+              <a:rPr lang="zh-TW" altLang="en-US" sz="3200" dirty="0">
+                <a:solidFill>
+                  <a:schemeClr val="bg1">
+                    <a:lumMod val="75000"/>
+                  </a:schemeClr>
+                </a:solidFill>
+                <a:latin typeface="+mn-ea"/>
+              </a:rPr>
+              <a:t>省去 </a:t>
+            </a:r>
+            <a:r>
+              <a:rPr lang="en-US" altLang="zh-TW" sz="3200" dirty="0">
+                <a:solidFill>
+                  <a:schemeClr val="bg1">
+                    <a:lumMod val="75000"/>
+                  </a:schemeClr>
+                </a:solidFill>
+                <a:latin typeface="+mn-ea"/>
+              </a:rPr>
+              <a:t>Props</a:t>
+            </a:r>
+            <a:r>
+              <a:rPr lang="zh-TW" altLang="en-US" sz="3200" dirty="0">
+                <a:solidFill>
+                  <a:schemeClr val="bg1">
+                    <a:lumMod val="75000"/>
+                  </a:schemeClr>
+                </a:solidFill>
+                <a:latin typeface="+mn-ea"/>
+              </a:rPr>
+              <a:t> 的傳遞</a:t>
+            </a:r>
+            <a:endParaRPr lang="en-US" altLang="zh-TW" sz="3200" dirty="0">
+              <a:solidFill>
+                <a:schemeClr val="bg1">
+                  <a:lumMod val="75000"/>
+                </a:schemeClr>
+              </a:solidFill>
+              <a:latin typeface="+mn-ea"/>
+            </a:endParaRPr>
+          </a:p>
+        </p:txBody>
+      </p:sp>
+    </p:spTree>
+    <p:extLst>
+      <p:ext uri="{BB962C8B-B14F-4D97-AF65-F5344CB8AC3E}">
+        <p14:creationId xmlns:p14="http://schemas.microsoft.com/office/powerpoint/2010/main" val="2799963710"/>
+      </p:ext>
+    </p:extLst>
+  </p:cSld>
+  <p:clrMapOvr>
+    <a:masterClrMapping/>
+  </p:clrMapOvr>
+  <mc:AlternateContent xmlns:mc="http://schemas.openxmlformats.org/markup-compatibility/2006" xmlns:p14="http://schemas.microsoft.com/office/powerpoint/2010/main">
+    <mc:Choice Requires="p14">
+      <p:transition p14:dur="160">
+        <p:fade/>
+      </p:transition>
+    </mc:Choice>
+    <mc:Fallback xmlns="">
+      <p:transition>
+        <p:fade/>
+      </p:transition>
+    </mc:Fallback>
+  </mc:AlternateContent>
+</p:sld>
+</file>
+
+<file path=ppt/slides/slide32.xml><?xml version="1.0" encoding="utf-8"?>
+<p:sld xmlns:a="http://schemas.openxmlformats.org/drawingml/2006/main" xmlns:r="http://schemas.openxmlformats.org/officeDocument/2006/relationships" xmlns:p="http://schemas.openxmlformats.org/presentationml/2006/main">
+  <p:cSld>
+    <p:spTree>
+      <p:nvGrpSpPr>
+        <p:cNvPr id="1" name=""/>
+        <p:cNvGrpSpPr/>
+        <p:nvPr/>
+      </p:nvGrpSpPr>
+      <p:grpSpPr>
+        <a:xfrm>
+          <a:off x="0" y="0"/>
+          <a:ext cx="0" cy="0"/>
+          <a:chOff x="0" y="0"/>
+          <a:chExt cx="0" cy="0"/>
+        </a:xfrm>
+      </p:grpSpPr>
+      <p:sp>
+        <p:nvSpPr>
+          <p:cNvPr id="2" name="投影片編號版面配置區 1">
+            <a:extLst>
+              <a:ext uri="{FF2B5EF4-FFF2-40B4-BE49-F238E27FC236}">
+                <a16:creationId xmlns:a16="http://schemas.microsoft.com/office/drawing/2014/main" id="{1E377D37-493E-406D-9DE2-523E37B5FB67}"/>
+              </a:ext>
+            </a:extLst>
+          </p:cNvPr>
+          <p:cNvSpPr>
+            <a:spLocks noGrp="1"/>
+          </p:cNvSpPr>
+          <p:nvPr>
+            <p:ph type="sldNum" sz="quarter" idx="12"/>
+          </p:nvPr>
+        </p:nvSpPr>
+        <p:spPr/>
+        <p:txBody>
+          <a:bodyPr/>
+          <a:lstStyle/>
+          <a:p>
+            <a:fld id="{4FAB73BC-B049-4115-A692-8D63A059BFB8}" type="slidenum">
+              <a:rPr lang="en-US" smtClean="0"/>
+              <a:pPr/>
+              <a:t>32</a:t>
+            </a:fld>
+            <a:endParaRPr lang="en-US" dirty="0"/>
+          </a:p>
+        </p:txBody>
+      </p:sp>
+      <p:sp>
+        <p:nvSpPr>
+          <p:cNvPr id="3" name="文字版面配置區 2">
+            <a:extLst>
+              <a:ext uri="{FF2B5EF4-FFF2-40B4-BE49-F238E27FC236}">
+                <a16:creationId xmlns:a16="http://schemas.microsoft.com/office/drawing/2014/main" id="{9336F88C-9E7A-4749-9292-86857EF467B2}"/>
+              </a:ext>
+            </a:extLst>
+          </p:cNvPr>
+          <p:cNvSpPr>
+            <a:spLocks noGrp="1"/>
+          </p:cNvSpPr>
+          <p:nvPr>
+            <p:ph type="body" sz="quarter" idx="13"/>
+          </p:nvPr>
+        </p:nvSpPr>
+        <p:spPr/>
+        <p:txBody>
+          <a:bodyPr/>
+          <a:lstStyle/>
+          <a:p>
+            <a:r>
+              <a:rPr lang="zh-TW" altLang="en-US" dirty="0"/>
+              <a:t>結構</a:t>
+            </a:r>
+          </a:p>
+        </p:txBody>
+      </p:sp>
+      <p:sp>
+        <p:nvSpPr>
+          <p:cNvPr id="4" name="文字方塊 3">
+            <a:extLst>
+              <a:ext uri="{FF2B5EF4-FFF2-40B4-BE49-F238E27FC236}">
+                <a16:creationId xmlns:a16="http://schemas.microsoft.com/office/drawing/2014/main" id="{FB0F8042-8748-4DA7-9C5C-CB93FC37DBFA}"/>
+              </a:ext>
+            </a:extLst>
+          </p:cNvPr>
+          <p:cNvSpPr txBox="1"/>
+          <p:nvPr/>
+        </p:nvSpPr>
+        <p:spPr>
+          <a:xfrm>
+            <a:off x="1378107" y="1639098"/>
+            <a:ext cx="9782037" cy="584775"/>
+          </a:xfrm>
+          <a:prstGeom prst="rect">
+            <a:avLst/>
+          </a:prstGeom>
+          <a:noFill/>
+        </p:spPr>
+        <p:txBody>
+          <a:bodyPr wrap="none" rtlCol="0">
+            <a:spAutoFit/>
+          </a:bodyPr>
+          <a:lstStyle/>
+          <a:p>
+            <a:pPr algn="ctr"/>
+            <a:r>
+              <a:rPr lang="en-US" altLang="zh-TW" sz="3200" spc="300" dirty="0">
+                <a:solidFill>
+                  <a:schemeClr val="accent5">
+                    <a:lumMod val="60000"/>
+                    <a:lumOff val="40000"/>
+                  </a:schemeClr>
+                </a:solidFill>
+                <a:latin typeface="Adobe 繁黑體 Std B" panose="020B0700000000000000" pitchFamily="34" charset="-120"/>
+                <a:ea typeface="Adobe 繁黑體 Std B" panose="020B0700000000000000" pitchFamily="34" charset="-120"/>
+              </a:rPr>
+              <a:t>Const</a:t>
+            </a:r>
+            <a:r>
+              <a:rPr lang="en-US" altLang="zh-TW" sz="3200" spc="300" dirty="0">
+                <a:solidFill>
+                  <a:schemeClr val="bg1">
+                    <a:lumMod val="85000"/>
+                  </a:schemeClr>
+                </a:solidFill>
+                <a:latin typeface="Adobe 繁黑體 Std B" panose="020B0700000000000000" pitchFamily="34" charset="-120"/>
+                <a:ea typeface="Adobe 繁黑體 Std B" panose="020B0700000000000000" pitchFamily="34" charset="-120"/>
+              </a:rPr>
+              <a:t>	</a:t>
+            </a:r>
+            <a:r>
+              <a:rPr lang="en-US" altLang="zh-TW" sz="3200" spc="300" dirty="0" err="1">
+                <a:solidFill>
+                  <a:schemeClr val="accent2">
+                    <a:lumMod val="60000"/>
+                    <a:lumOff val="40000"/>
+                  </a:schemeClr>
+                </a:solidFill>
+                <a:latin typeface="Adobe 繁黑體 Std B" panose="020B0700000000000000" pitchFamily="34" charset="-120"/>
+                <a:ea typeface="Adobe 繁黑體 Std B" panose="020B0700000000000000" pitchFamily="34" charset="-120"/>
+              </a:rPr>
+              <a:t>ThemeContext</a:t>
+            </a:r>
+            <a:r>
+              <a:rPr lang="en-US" altLang="zh-TW" sz="3200" spc="300" dirty="0">
+                <a:solidFill>
+                  <a:schemeClr val="accent2">
+                    <a:lumMod val="60000"/>
+                    <a:lumOff val="40000"/>
+                  </a:schemeClr>
+                </a:solidFill>
+                <a:latin typeface="Adobe 繁黑體 Std B" panose="020B0700000000000000" pitchFamily="34" charset="-120"/>
+                <a:ea typeface="Adobe 繁黑體 Std B" panose="020B0700000000000000" pitchFamily="34" charset="-120"/>
+              </a:rPr>
+              <a:t>	 </a:t>
+            </a:r>
+            <a:r>
+              <a:rPr lang="en-US" altLang="zh-TW" sz="3200" spc="300" dirty="0">
+                <a:solidFill>
+                  <a:schemeClr val="bg1">
+                    <a:lumMod val="85000"/>
+                  </a:schemeClr>
+                </a:solidFill>
+                <a:latin typeface="Adobe 繁黑體 Std B" panose="020B0700000000000000" pitchFamily="34" charset="-120"/>
+                <a:ea typeface="Adobe 繁黑體 Std B" panose="020B0700000000000000" pitchFamily="34" charset="-120"/>
+              </a:rPr>
+              <a:t>= </a:t>
+            </a:r>
+            <a:r>
+              <a:rPr lang="en-US" altLang="zh-TW" sz="3200" dirty="0" err="1">
+                <a:solidFill>
+                  <a:schemeClr val="bg1"/>
+                </a:solidFill>
+                <a:latin typeface="+mn-ea"/>
+              </a:rPr>
+              <a:t>createContext</a:t>
+            </a:r>
+            <a:r>
+              <a:rPr lang="en-US" altLang="zh-TW" sz="3200" dirty="0">
+                <a:solidFill>
+                  <a:schemeClr val="bg1"/>
+                </a:solidFill>
+                <a:latin typeface="+mn-ea"/>
+              </a:rPr>
+              <a:t> </a:t>
+            </a:r>
+            <a:r>
+              <a:rPr lang="en-US" altLang="zh-TW" sz="3200" dirty="0">
+                <a:solidFill>
+                  <a:schemeClr val="bg1"/>
+                </a:solidFill>
+                <a:latin typeface="Adobe 繁黑體 Std B" panose="020B0700000000000000" pitchFamily="34" charset="-120"/>
+                <a:ea typeface="Adobe 繁黑體 Std B" panose="020B0700000000000000" pitchFamily="34" charset="-120"/>
+              </a:rPr>
+              <a:t>(</a:t>
+            </a:r>
+            <a:r>
+              <a:rPr lang="zh-TW" altLang="en-US" sz="3200" dirty="0">
+                <a:solidFill>
+                  <a:schemeClr val="bg1"/>
+                </a:solidFill>
+                <a:latin typeface="Adobe 繁黑體 Std B" panose="020B0700000000000000" pitchFamily="34" charset="-120"/>
+                <a:ea typeface="Adobe 繁黑體 Std B" panose="020B0700000000000000" pitchFamily="34" charset="-120"/>
+              </a:rPr>
+              <a:t> </a:t>
+            </a:r>
+            <a:r>
+              <a:rPr lang="en-US" altLang="zh-TW" sz="3200" dirty="0">
+                <a:solidFill>
+                  <a:schemeClr val="bg1">
+                    <a:lumMod val="75000"/>
+                  </a:schemeClr>
+                </a:solidFill>
+                <a:latin typeface="Adobe 繁黑體 Std B" panose="020B0700000000000000" pitchFamily="34" charset="-120"/>
+                <a:ea typeface="Adobe 繁黑體 Std B" panose="020B0700000000000000" pitchFamily="34" charset="-120"/>
+              </a:rPr>
+              <a:t>Value</a:t>
+            </a:r>
+            <a:r>
+              <a:rPr lang="en-US" altLang="zh-TW" sz="3200" dirty="0">
+                <a:solidFill>
+                  <a:schemeClr val="bg1"/>
+                </a:solidFill>
+                <a:latin typeface="Adobe 繁黑體 Std B" panose="020B0700000000000000" pitchFamily="34" charset="-120"/>
+                <a:ea typeface="Adobe 繁黑體 Std B" panose="020B0700000000000000" pitchFamily="34" charset="-120"/>
+              </a:rPr>
+              <a:t> )</a:t>
+            </a:r>
+            <a:r>
+              <a:rPr lang="en-US" altLang="zh-TW" sz="3200" spc="300" dirty="0">
+                <a:solidFill>
+                  <a:schemeClr val="bg1"/>
+                </a:solidFill>
+                <a:latin typeface="Adobe 繁黑體 Std B" panose="020B0700000000000000" pitchFamily="34" charset="-120"/>
+                <a:ea typeface="Adobe 繁黑體 Std B" panose="020B0700000000000000" pitchFamily="34" charset="-120"/>
+              </a:rPr>
+              <a:t> </a:t>
+            </a:r>
+            <a:endParaRPr lang="zh-TW" altLang="en-US" sz="3200" spc="300" dirty="0">
+              <a:solidFill>
+                <a:schemeClr val="bg1"/>
+              </a:solidFill>
+              <a:latin typeface="Adobe 繁黑體 Std B" panose="020B0700000000000000" pitchFamily="34" charset="-120"/>
+              <a:ea typeface="Adobe 繁黑體 Std B" panose="020B0700000000000000" pitchFamily="34" charset="-120"/>
+            </a:endParaRPr>
+          </a:p>
+        </p:txBody>
+      </p:sp>
+      <p:sp>
+        <p:nvSpPr>
+          <p:cNvPr id="5" name="右大括弧 4">
+            <a:extLst>
+              <a:ext uri="{FF2B5EF4-FFF2-40B4-BE49-F238E27FC236}">
+                <a16:creationId xmlns:a16="http://schemas.microsoft.com/office/drawing/2014/main" id="{86B33C3D-4148-49FF-B0D5-9A78E40F338D}"/>
+              </a:ext>
+            </a:extLst>
+          </p:cNvPr>
+          <p:cNvSpPr/>
+          <p:nvPr/>
+        </p:nvSpPr>
+        <p:spPr>
+          <a:xfrm rot="16200000">
+            <a:off x="6126963" y="-60398"/>
+            <a:ext cx="415329" cy="5642808"/>
+          </a:xfrm>
+          <a:prstGeom prst="rightBrace">
+            <a:avLst/>
+          </a:prstGeom>
+          <a:ln w="38100">
+            <a:solidFill>
+              <a:schemeClr val="bg1">
+                <a:lumMod val="75000"/>
+              </a:schemeClr>
+            </a:solidFill>
+          </a:ln>
+        </p:spPr>
+        <p:style>
+          <a:lnRef idx="1">
+            <a:schemeClr val="accent1"/>
+          </a:lnRef>
+          <a:fillRef idx="0">
+            <a:schemeClr val="accent1"/>
+          </a:fillRef>
+          <a:effectRef idx="0">
+            <a:schemeClr val="accent1"/>
+          </a:effectRef>
+          <a:fontRef idx="minor">
+            <a:schemeClr val="tx1"/>
+          </a:fontRef>
+        </p:style>
+        <p:txBody>
+          <a:bodyPr rtlCol="0" anchor="ctr"/>
+          <a:lstStyle/>
+          <a:p>
+            <a:pPr algn="ctr"/>
+            <a:endParaRPr lang="zh-TW" altLang="en-US">
+              <a:solidFill>
+                <a:schemeClr val="bg1"/>
+              </a:solidFill>
+            </a:endParaRPr>
+          </a:p>
+        </p:txBody>
+      </p:sp>
+      <p:sp>
+        <p:nvSpPr>
+          <p:cNvPr id="6" name="文字方塊 5">
+            <a:extLst>
+              <a:ext uri="{FF2B5EF4-FFF2-40B4-BE49-F238E27FC236}">
+                <a16:creationId xmlns:a16="http://schemas.microsoft.com/office/drawing/2014/main" id="{5A9697CF-3637-4276-84B6-34FB0901BDE7}"/>
+              </a:ext>
+            </a:extLst>
+          </p:cNvPr>
+          <p:cNvSpPr txBox="1"/>
+          <p:nvPr/>
+        </p:nvSpPr>
+        <p:spPr>
+          <a:xfrm>
+            <a:off x="2497561" y="3298140"/>
+            <a:ext cx="1798890" cy="646331"/>
+          </a:xfrm>
+          <a:prstGeom prst="rect">
+            <a:avLst/>
+          </a:prstGeom>
+          <a:noFill/>
+        </p:spPr>
+        <p:txBody>
+          <a:bodyPr wrap="none" rtlCol="0">
+            <a:spAutoFit/>
+          </a:bodyPr>
+          <a:lstStyle/>
+          <a:p>
+            <a:r>
+              <a:rPr lang="en-US" altLang="zh-TW" sz="3600" dirty="0">
+                <a:solidFill>
+                  <a:schemeClr val="bg1"/>
+                </a:solidFill>
+              </a:rPr>
+              <a:t>Provider</a:t>
+            </a:r>
+            <a:endParaRPr lang="zh-TW" altLang="en-US" sz="3600" dirty="0">
+              <a:solidFill>
+                <a:schemeClr val="bg1"/>
+              </a:solidFill>
+            </a:endParaRPr>
+          </a:p>
+        </p:txBody>
+      </p:sp>
+      <p:sp>
+        <p:nvSpPr>
+          <p:cNvPr id="7" name="文字方塊 6">
+            <a:extLst>
+              <a:ext uri="{FF2B5EF4-FFF2-40B4-BE49-F238E27FC236}">
+                <a16:creationId xmlns:a16="http://schemas.microsoft.com/office/drawing/2014/main" id="{B15236FD-B8AE-4CC1-9229-03BF939793C1}"/>
+              </a:ext>
+            </a:extLst>
+          </p:cNvPr>
+          <p:cNvSpPr txBox="1"/>
+          <p:nvPr/>
+        </p:nvSpPr>
+        <p:spPr>
+          <a:xfrm>
+            <a:off x="7749517" y="3298139"/>
+            <a:ext cx="2138727" cy="646331"/>
+          </a:xfrm>
+          <a:prstGeom prst="rect">
+            <a:avLst/>
+          </a:prstGeom>
+          <a:noFill/>
+        </p:spPr>
+        <p:txBody>
+          <a:bodyPr wrap="none" rtlCol="0">
+            <a:spAutoFit/>
+          </a:bodyPr>
+          <a:lstStyle/>
+          <a:p>
+            <a:r>
+              <a:rPr lang="en-US" altLang="zh-TW" sz="3600" dirty="0">
+                <a:solidFill>
+                  <a:schemeClr val="bg1"/>
+                </a:solidFill>
+              </a:rPr>
+              <a:t>Consumer</a:t>
+            </a:r>
+            <a:endParaRPr lang="zh-TW" altLang="en-US" sz="3600" dirty="0">
+              <a:solidFill>
+                <a:schemeClr val="bg1"/>
+              </a:solidFill>
+            </a:endParaRPr>
+          </a:p>
+        </p:txBody>
+      </p:sp>
+      <p:sp>
+        <p:nvSpPr>
+          <p:cNvPr id="8" name="文字方塊 7">
+            <a:extLst>
+              <a:ext uri="{FF2B5EF4-FFF2-40B4-BE49-F238E27FC236}">
+                <a16:creationId xmlns:a16="http://schemas.microsoft.com/office/drawing/2014/main" id="{91951FC4-CF58-4078-AB14-975A09160856}"/>
+              </a:ext>
+            </a:extLst>
+          </p:cNvPr>
+          <p:cNvSpPr txBox="1"/>
+          <p:nvPr/>
+        </p:nvSpPr>
+        <p:spPr>
+          <a:xfrm>
+            <a:off x="1277099" y="4273940"/>
+            <a:ext cx="4472250" cy="1077218"/>
+          </a:xfrm>
+          <a:prstGeom prst="rect">
+            <a:avLst/>
+          </a:prstGeom>
+          <a:noFill/>
+        </p:spPr>
+        <p:txBody>
+          <a:bodyPr wrap="none" rtlCol="0">
+            <a:spAutoFit/>
+          </a:bodyPr>
+          <a:lstStyle/>
+          <a:p>
+            <a:pPr algn="ctr"/>
+            <a:r>
+              <a:rPr lang="zh-TW" altLang="en-US" sz="3200" dirty="0">
+                <a:solidFill>
+                  <a:schemeClr val="bg1">
+                    <a:lumMod val="85000"/>
+                  </a:schemeClr>
+                </a:solidFill>
+                <a:latin typeface="+mn-ea"/>
+              </a:rPr>
+              <a:t>提供</a:t>
+            </a:r>
+            <a:r>
+              <a:rPr lang="en-US" altLang="zh-TW" sz="3200" dirty="0">
+                <a:solidFill>
+                  <a:schemeClr val="bg1">
+                    <a:lumMod val="85000"/>
+                  </a:schemeClr>
+                </a:solidFill>
+                <a:latin typeface="+mn-ea"/>
+              </a:rPr>
+              <a:t>Value</a:t>
+            </a:r>
+            <a:r>
+              <a:rPr lang="zh-TW" altLang="en-US" sz="3200" dirty="0">
+                <a:solidFill>
+                  <a:schemeClr val="bg1">
+                    <a:lumMod val="85000"/>
+                  </a:schemeClr>
+                </a:solidFill>
+                <a:latin typeface="+mn-ea"/>
+              </a:rPr>
+              <a:t>的地方隨</a:t>
+            </a:r>
+            <a:endParaRPr lang="en-US" altLang="zh-TW" sz="3200" dirty="0">
+              <a:solidFill>
+                <a:schemeClr val="bg1">
+                  <a:lumMod val="85000"/>
+                </a:schemeClr>
+              </a:solidFill>
+              <a:latin typeface="+mn-ea"/>
+            </a:endParaRPr>
+          </a:p>
+          <a:p>
+            <a:pPr algn="ctr"/>
+            <a:r>
+              <a:rPr lang="en-US" altLang="zh-TW" sz="3200" dirty="0">
+                <a:solidFill>
+                  <a:schemeClr val="bg1">
+                    <a:lumMod val="85000"/>
+                  </a:schemeClr>
+                </a:solidFill>
+                <a:latin typeface="+mn-ea"/>
+              </a:rPr>
+              <a:t>re-render</a:t>
+            </a:r>
+            <a:r>
+              <a:rPr lang="zh-TW" altLang="en-US" sz="3200" dirty="0">
+                <a:solidFill>
+                  <a:schemeClr val="bg1">
+                    <a:lumMod val="85000"/>
+                  </a:schemeClr>
+                </a:solidFill>
+                <a:latin typeface="+mn-ea"/>
+              </a:rPr>
+              <a:t>的渲染做處理</a:t>
+            </a:r>
+          </a:p>
+        </p:txBody>
+      </p:sp>
+      <p:sp>
+        <p:nvSpPr>
+          <p:cNvPr id="10" name="文字方塊 9">
+            <a:extLst>
+              <a:ext uri="{FF2B5EF4-FFF2-40B4-BE49-F238E27FC236}">
+                <a16:creationId xmlns:a16="http://schemas.microsoft.com/office/drawing/2014/main" id="{C12D0A0D-9422-4811-8FAD-A26278B0E94F}"/>
+              </a:ext>
+            </a:extLst>
+          </p:cNvPr>
+          <p:cNvSpPr txBox="1"/>
+          <p:nvPr/>
+        </p:nvSpPr>
+        <p:spPr>
+          <a:xfrm>
+            <a:off x="6472067" y="4273939"/>
+            <a:ext cx="4903907" cy="1077218"/>
+          </a:xfrm>
+          <a:prstGeom prst="rect">
+            <a:avLst/>
+          </a:prstGeom>
+          <a:noFill/>
+        </p:spPr>
+        <p:txBody>
+          <a:bodyPr wrap="none" rtlCol="0">
+            <a:spAutoFit/>
+          </a:bodyPr>
+          <a:lstStyle/>
+          <a:p>
+            <a:pPr algn="ctr"/>
+            <a:r>
+              <a:rPr lang="zh-TW" altLang="en-US" sz="3200" dirty="0">
+                <a:solidFill>
+                  <a:schemeClr val="bg1">
+                    <a:lumMod val="85000"/>
+                  </a:schemeClr>
+                </a:solidFill>
+                <a:latin typeface="+mn-ea"/>
+              </a:rPr>
+              <a:t>取得</a:t>
+            </a:r>
+            <a:r>
+              <a:rPr lang="en-US" altLang="zh-TW" sz="3200" dirty="0">
+                <a:solidFill>
+                  <a:schemeClr val="bg1">
+                    <a:lumMod val="85000"/>
+                  </a:schemeClr>
+                </a:solidFill>
+                <a:latin typeface="+mn-ea"/>
+              </a:rPr>
+              <a:t>Context</a:t>
+            </a:r>
+            <a:r>
+              <a:rPr lang="zh-TW" altLang="en-US" sz="3200" dirty="0">
+                <a:solidFill>
+                  <a:schemeClr val="bg1">
+                    <a:lumMod val="85000"/>
+                  </a:schemeClr>
+                </a:solidFill>
+                <a:latin typeface="+mn-ea"/>
+              </a:rPr>
+              <a:t>內</a:t>
+            </a:r>
+            <a:r>
+              <a:rPr lang="en-US" altLang="zh-TW" sz="3200" dirty="0">
+                <a:solidFill>
+                  <a:schemeClr val="bg1">
+                    <a:lumMod val="85000"/>
+                  </a:schemeClr>
+                </a:solidFill>
+                <a:latin typeface="+mn-ea"/>
+              </a:rPr>
+              <a:t>Value</a:t>
+            </a:r>
+          </a:p>
+          <a:p>
+            <a:pPr algn="ctr"/>
+            <a:r>
+              <a:rPr lang="zh-TW" altLang="en-US" sz="3200" dirty="0">
+                <a:solidFill>
+                  <a:schemeClr val="bg1">
+                    <a:lumMod val="85000"/>
+                  </a:schemeClr>
+                </a:solidFill>
+                <a:latin typeface="+mn-ea"/>
+              </a:rPr>
+              <a:t>只要在</a:t>
+            </a:r>
+            <a:r>
+              <a:rPr lang="en-US" altLang="zh-TW" sz="3200" dirty="0">
+                <a:solidFill>
+                  <a:schemeClr val="bg1">
+                    <a:lumMod val="85000"/>
+                  </a:schemeClr>
+                </a:solidFill>
+              </a:rPr>
+              <a:t>Provider</a:t>
+            </a:r>
+            <a:r>
+              <a:rPr lang="zh-TW" altLang="en-US" sz="3200" dirty="0">
+                <a:solidFill>
+                  <a:schemeClr val="bg1">
+                    <a:lumMod val="85000"/>
+                  </a:schemeClr>
+                </a:solidFill>
+              </a:rPr>
+              <a:t>內即可使用</a:t>
+            </a:r>
+            <a:endParaRPr lang="zh-TW" altLang="en-US" sz="3200" dirty="0">
+              <a:solidFill>
+                <a:schemeClr val="bg1">
+                  <a:lumMod val="85000"/>
+                </a:schemeClr>
+              </a:solidFill>
+              <a:latin typeface="+mn-ea"/>
+            </a:endParaRPr>
+          </a:p>
+        </p:txBody>
+      </p:sp>
+    </p:spTree>
+    <p:extLst>
+      <p:ext uri="{BB962C8B-B14F-4D97-AF65-F5344CB8AC3E}">
+        <p14:creationId xmlns:p14="http://schemas.microsoft.com/office/powerpoint/2010/main" val="1742610453"/>
+      </p:ext>
+    </p:extLst>
+  </p:cSld>
+  <p:clrMapOvr>
+    <a:masterClrMapping/>
+  </p:clrMapOvr>
+  <mc:AlternateContent xmlns:mc="http://schemas.openxmlformats.org/markup-compatibility/2006" xmlns:p14="http://schemas.microsoft.com/office/powerpoint/2010/main">
+    <mc:Choice Requires="p14">
+      <p:transition p14:dur="160">
+        <p:fade/>
+      </p:transition>
+    </mc:Choice>
+    <mc:Fallback xmlns="">
+      <p:transition>
+        <p:fade/>
+      </p:transition>
+    </mc:Fallback>
+  </mc:AlternateContent>
+</p:sld>
+</file>
+
+<file path=ppt/slides/slide33.xml><?xml version="1.0" encoding="utf-8"?>
+<p:sld xmlns:a="http://schemas.openxmlformats.org/drawingml/2006/main" xmlns:r="http://schemas.openxmlformats.org/officeDocument/2006/relationships" xmlns:p="http://schemas.openxmlformats.org/presentationml/2006/main">
+  <p:cSld>
+    <p:spTree>
+      <p:nvGrpSpPr>
+        <p:cNvPr id="1" name=""/>
+        <p:cNvGrpSpPr/>
+        <p:nvPr/>
+      </p:nvGrpSpPr>
+      <p:grpSpPr>
+        <a:xfrm>
+          <a:off x="0" y="0"/>
+          <a:ext cx="0" cy="0"/>
+          <a:chOff x="0" y="0"/>
+          <a:chExt cx="0" cy="0"/>
+        </a:xfrm>
+      </p:grpSpPr>
+      <p:sp>
+        <p:nvSpPr>
+          <p:cNvPr id="2" name="投影片編號版面配置區 1">
+            <a:extLst>
+              <a:ext uri="{FF2B5EF4-FFF2-40B4-BE49-F238E27FC236}">
+                <a16:creationId xmlns:a16="http://schemas.microsoft.com/office/drawing/2014/main" id="{B420D78E-02AC-4552-9925-45FC980D3135}"/>
+              </a:ext>
+            </a:extLst>
+          </p:cNvPr>
+          <p:cNvSpPr>
+            <a:spLocks noGrp="1"/>
+          </p:cNvSpPr>
+          <p:nvPr>
+            <p:ph type="sldNum" sz="quarter" idx="12"/>
+          </p:nvPr>
+        </p:nvSpPr>
+        <p:spPr/>
+        <p:txBody>
+          <a:bodyPr/>
+          <a:lstStyle/>
+          <a:p>
+            <a:fld id="{4FAB73BC-B049-4115-A692-8D63A059BFB8}" type="slidenum">
+              <a:rPr lang="en-US" smtClean="0"/>
+              <a:pPr/>
+              <a:t>33</a:t>
+            </a:fld>
+            <a:endParaRPr lang="en-US" dirty="0"/>
+          </a:p>
+        </p:txBody>
+      </p:sp>
+      <p:sp>
+        <p:nvSpPr>
+          <p:cNvPr id="3" name="矩形 2">
+            <a:extLst>
+              <a:ext uri="{FF2B5EF4-FFF2-40B4-BE49-F238E27FC236}">
+                <a16:creationId xmlns:a16="http://schemas.microsoft.com/office/drawing/2014/main" id="{602C0D57-77D0-4E02-AC9E-04DB8230922C}"/>
+              </a:ext>
+            </a:extLst>
+          </p:cNvPr>
+          <p:cNvSpPr/>
+          <p:nvPr/>
+        </p:nvSpPr>
+        <p:spPr>
+          <a:xfrm>
+            <a:off x="696000" y="494383"/>
+            <a:ext cx="10800000" cy="5400000"/>
+          </a:xfrm>
+          <a:prstGeom prst="rect">
+            <a:avLst/>
+          </a:prstGeom>
+        </p:spPr>
+        <p:style>
+          <a:lnRef idx="1">
+            <a:schemeClr val="accent3"/>
+          </a:lnRef>
+          <a:fillRef idx="2">
+            <a:schemeClr val="accent3"/>
+          </a:fillRef>
+          <a:effectRef idx="1">
+            <a:schemeClr val="accent3"/>
+          </a:effectRef>
+          <a:fontRef idx="minor">
+            <a:schemeClr val="dk1"/>
+          </a:fontRef>
+        </p:style>
+        <p:txBody>
+          <a:bodyPr rtlCol="0" anchor="ctr"/>
+          <a:lstStyle/>
+          <a:p>
+            <a:pPr algn="ctr"/>
+            <a:endParaRPr lang="zh-TW" altLang="en-US"/>
+          </a:p>
+        </p:txBody>
+      </p:sp>
+      <p:sp>
+        <p:nvSpPr>
+          <p:cNvPr id="5" name="矩形 4">
+            <a:extLst>
+              <a:ext uri="{FF2B5EF4-FFF2-40B4-BE49-F238E27FC236}">
+                <a16:creationId xmlns:a16="http://schemas.microsoft.com/office/drawing/2014/main" id="{78426070-8178-4209-B70B-744F7CE5A946}"/>
+              </a:ext>
+            </a:extLst>
+          </p:cNvPr>
+          <p:cNvSpPr/>
+          <p:nvPr/>
+        </p:nvSpPr>
+        <p:spPr>
+          <a:xfrm>
+            <a:off x="1596000" y="1467519"/>
+            <a:ext cx="9000000" cy="4320000"/>
+          </a:xfrm>
+          <a:prstGeom prst="rect">
+            <a:avLst/>
+          </a:prstGeom>
+        </p:spPr>
+        <p:style>
+          <a:lnRef idx="1">
+            <a:schemeClr val="accent1"/>
+          </a:lnRef>
+          <a:fillRef idx="2">
+            <a:schemeClr val="accent1"/>
+          </a:fillRef>
+          <a:effectRef idx="1">
+            <a:schemeClr val="accent1"/>
+          </a:effectRef>
+          <a:fontRef idx="minor">
+            <a:schemeClr val="dk1"/>
+          </a:fontRef>
+        </p:style>
+        <p:txBody>
+          <a:bodyPr rtlCol="0" anchor="ctr"/>
+          <a:lstStyle/>
+          <a:p>
+            <a:pPr algn="ctr"/>
+            <a:endParaRPr lang="zh-TW" altLang="en-US"/>
+          </a:p>
+        </p:txBody>
+      </p:sp>
+      <p:sp>
+        <p:nvSpPr>
+          <p:cNvPr id="4" name="矩形 3">
+            <a:extLst>
+              <a:ext uri="{FF2B5EF4-FFF2-40B4-BE49-F238E27FC236}">
+                <a16:creationId xmlns:a16="http://schemas.microsoft.com/office/drawing/2014/main" id="{01F92319-D365-49B9-89CD-4A96B1C1CD3E}"/>
+              </a:ext>
+            </a:extLst>
+          </p:cNvPr>
+          <p:cNvSpPr/>
+          <p:nvPr/>
+        </p:nvSpPr>
+        <p:spPr>
+          <a:xfrm>
+            <a:off x="2411779" y="2418347"/>
+            <a:ext cx="7200000" cy="3240000"/>
+          </a:xfrm>
+          <a:prstGeom prst="rect">
+            <a:avLst/>
+          </a:prstGeom>
+        </p:spPr>
+        <p:style>
+          <a:lnRef idx="3">
+            <a:schemeClr val="lt1"/>
+          </a:lnRef>
+          <a:fillRef idx="1">
+            <a:schemeClr val="accent3"/>
+          </a:fillRef>
+          <a:effectRef idx="1">
+            <a:schemeClr val="accent3"/>
+          </a:effectRef>
+          <a:fontRef idx="minor">
+            <a:schemeClr val="lt1"/>
+          </a:fontRef>
+        </p:style>
+        <p:txBody>
+          <a:bodyPr rtlCol="0" anchor="ctr"/>
+          <a:lstStyle/>
+          <a:p>
+            <a:pPr algn="ctr"/>
+            <a:endParaRPr lang="zh-TW" altLang="en-US" dirty="0"/>
+          </a:p>
+        </p:txBody>
+      </p:sp>
+      <p:sp>
+        <p:nvSpPr>
+          <p:cNvPr id="6" name="文字方塊 5">
+            <a:extLst>
+              <a:ext uri="{FF2B5EF4-FFF2-40B4-BE49-F238E27FC236}">
+                <a16:creationId xmlns:a16="http://schemas.microsoft.com/office/drawing/2014/main" id="{D38F3D0D-1DAA-47B8-8F32-696EC1D6A661}"/>
+              </a:ext>
+            </a:extLst>
+          </p:cNvPr>
+          <p:cNvSpPr txBox="1"/>
+          <p:nvPr/>
+        </p:nvSpPr>
+        <p:spPr>
+          <a:xfrm>
+            <a:off x="5158019" y="640451"/>
+            <a:ext cx="1707519" cy="646331"/>
+          </a:xfrm>
+          <a:prstGeom prst="rect">
+            <a:avLst/>
+          </a:prstGeom>
+          <a:noFill/>
+        </p:spPr>
+        <p:txBody>
+          <a:bodyPr wrap="none" rtlCol="0">
+            <a:spAutoFit/>
+          </a:bodyPr>
+          <a:lstStyle/>
+          <a:p>
+            <a:r>
+              <a:rPr lang="en-US" altLang="zh-TW" sz="3600" dirty="0">
+                <a:solidFill>
+                  <a:schemeClr val="bg1"/>
+                </a:solidFill>
+              </a:rPr>
+              <a:t>Context</a:t>
+            </a:r>
+            <a:endParaRPr lang="zh-TW" altLang="en-US" sz="3600" dirty="0">
+              <a:solidFill>
+                <a:schemeClr val="bg1"/>
+              </a:solidFill>
+            </a:endParaRPr>
+          </a:p>
+        </p:txBody>
+      </p:sp>
+      <p:sp>
+        <p:nvSpPr>
+          <p:cNvPr id="7" name="文字方塊 6">
+            <a:extLst>
+              <a:ext uri="{FF2B5EF4-FFF2-40B4-BE49-F238E27FC236}">
+                <a16:creationId xmlns:a16="http://schemas.microsoft.com/office/drawing/2014/main" id="{B7D5DFE0-9005-4DB6-880A-2FEBF60CCA77}"/>
+              </a:ext>
+            </a:extLst>
+          </p:cNvPr>
+          <p:cNvSpPr txBox="1"/>
+          <p:nvPr/>
+        </p:nvSpPr>
+        <p:spPr>
+          <a:xfrm>
+            <a:off x="5112333" y="1591279"/>
+            <a:ext cx="1798890" cy="646331"/>
+          </a:xfrm>
+          <a:prstGeom prst="rect">
+            <a:avLst/>
+          </a:prstGeom>
+          <a:noFill/>
+        </p:spPr>
+        <p:txBody>
+          <a:bodyPr wrap="none" rtlCol="0">
+            <a:spAutoFit/>
+          </a:bodyPr>
+          <a:lstStyle/>
+          <a:p>
+            <a:r>
+              <a:rPr lang="en-US" altLang="zh-TW" sz="3600" dirty="0">
+                <a:solidFill>
+                  <a:schemeClr val="bg1"/>
+                </a:solidFill>
+              </a:rPr>
+              <a:t>Provider</a:t>
+            </a:r>
+            <a:endParaRPr lang="zh-TW" altLang="en-US" sz="3600" dirty="0">
+              <a:solidFill>
+                <a:schemeClr val="bg1"/>
+              </a:solidFill>
+            </a:endParaRPr>
+          </a:p>
+        </p:txBody>
+      </p:sp>
+      <p:sp>
+        <p:nvSpPr>
+          <p:cNvPr id="8" name="文字方塊 7">
+            <a:extLst>
+              <a:ext uri="{FF2B5EF4-FFF2-40B4-BE49-F238E27FC236}">
+                <a16:creationId xmlns:a16="http://schemas.microsoft.com/office/drawing/2014/main" id="{85542BD5-0259-4451-98D2-1727CCBFF057}"/>
+              </a:ext>
+            </a:extLst>
+          </p:cNvPr>
+          <p:cNvSpPr txBox="1"/>
+          <p:nvPr/>
+        </p:nvSpPr>
+        <p:spPr>
+          <a:xfrm>
+            <a:off x="4942414" y="2650322"/>
+            <a:ext cx="2138727" cy="646331"/>
+          </a:xfrm>
+          <a:prstGeom prst="rect">
+            <a:avLst/>
+          </a:prstGeom>
+          <a:noFill/>
+        </p:spPr>
+        <p:txBody>
+          <a:bodyPr wrap="none" rtlCol="0">
+            <a:spAutoFit/>
+          </a:bodyPr>
+          <a:lstStyle/>
+          <a:p>
+            <a:r>
+              <a:rPr lang="en-US" altLang="zh-TW" sz="3600" dirty="0">
+                <a:solidFill>
+                  <a:schemeClr val="bg1"/>
+                </a:solidFill>
+              </a:rPr>
+              <a:t>Consumer</a:t>
+            </a:r>
+            <a:endParaRPr lang="zh-TW" altLang="en-US" sz="3600" dirty="0">
+              <a:solidFill>
+                <a:schemeClr val="bg1"/>
+              </a:solidFill>
+            </a:endParaRPr>
+          </a:p>
+        </p:txBody>
+      </p:sp>
+      <p:sp>
+        <p:nvSpPr>
+          <p:cNvPr id="10" name="矩形 9">
+            <a:extLst>
+              <a:ext uri="{FF2B5EF4-FFF2-40B4-BE49-F238E27FC236}">
+                <a16:creationId xmlns:a16="http://schemas.microsoft.com/office/drawing/2014/main" id="{613322EC-C22A-48AB-B0C5-054437A4F540}"/>
+              </a:ext>
+            </a:extLst>
+          </p:cNvPr>
+          <p:cNvSpPr/>
+          <p:nvPr/>
+        </p:nvSpPr>
+        <p:spPr>
+          <a:xfrm>
+            <a:off x="3575286" y="3512131"/>
+            <a:ext cx="5041428" cy="1922387"/>
+          </a:xfrm>
+          <a:prstGeom prst="rect">
+            <a:avLst/>
+          </a:prstGeom>
+        </p:spPr>
+        <p:style>
+          <a:lnRef idx="3">
+            <a:schemeClr val="lt1"/>
+          </a:lnRef>
+          <a:fillRef idx="1">
+            <a:schemeClr val="accent1"/>
+          </a:fillRef>
+          <a:effectRef idx="1">
+            <a:schemeClr val="accent1"/>
+          </a:effectRef>
+          <a:fontRef idx="minor">
+            <a:schemeClr val="lt1"/>
+          </a:fontRef>
+        </p:style>
+        <p:txBody>
+          <a:bodyPr rtlCol="0" anchor="ctr"/>
+          <a:lstStyle/>
+          <a:p>
+            <a:pPr algn="ctr"/>
+            <a:endParaRPr lang="zh-TW" altLang="en-US"/>
+          </a:p>
+        </p:txBody>
+      </p:sp>
+      <p:sp>
+        <p:nvSpPr>
+          <p:cNvPr id="9" name="文字方塊 8">
+            <a:extLst>
+              <a:ext uri="{FF2B5EF4-FFF2-40B4-BE49-F238E27FC236}">
+                <a16:creationId xmlns:a16="http://schemas.microsoft.com/office/drawing/2014/main" id="{87C48027-2D3D-401C-A443-C65000FAA4B2}"/>
+              </a:ext>
+            </a:extLst>
+          </p:cNvPr>
+          <p:cNvSpPr txBox="1"/>
+          <p:nvPr/>
+        </p:nvSpPr>
+        <p:spPr>
+          <a:xfrm>
+            <a:off x="4849151" y="4150158"/>
+            <a:ext cx="2325252" cy="646331"/>
+          </a:xfrm>
+          <a:prstGeom prst="rect">
+            <a:avLst/>
+          </a:prstGeom>
+          <a:noFill/>
+        </p:spPr>
+        <p:txBody>
+          <a:bodyPr wrap="none" rtlCol="0">
+            <a:spAutoFit/>
+          </a:bodyPr>
+          <a:lstStyle/>
+          <a:p>
+            <a:r>
+              <a:rPr lang="en-US" altLang="zh-TW" sz="3600" dirty="0">
+                <a:solidFill>
+                  <a:schemeClr val="bg1"/>
+                </a:solidFill>
+              </a:rPr>
+              <a:t>React node</a:t>
+            </a:r>
+            <a:endParaRPr lang="zh-TW" altLang="en-US" sz="3600" dirty="0">
+              <a:solidFill>
+                <a:schemeClr val="bg1"/>
+              </a:solidFill>
+            </a:endParaRPr>
+          </a:p>
+        </p:txBody>
+      </p:sp>
+    </p:spTree>
+    <p:extLst>
+      <p:ext uri="{BB962C8B-B14F-4D97-AF65-F5344CB8AC3E}">
+        <p14:creationId xmlns:p14="http://schemas.microsoft.com/office/powerpoint/2010/main" val="845563706"/>
+      </p:ext>
+    </p:extLst>
+  </p:cSld>
+  <p:clrMapOvr>
+    <a:masterClrMapping/>
+  </p:clrMapOvr>
+  <mc:AlternateContent xmlns:mc="http://schemas.openxmlformats.org/markup-compatibility/2006" xmlns:p14="http://schemas.microsoft.com/office/powerpoint/2010/main">
+    <mc:Choice Requires="p14">
+      <p:transition p14:dur="160">
+        <p:fade/>
+      </p:transition>
+    </mc:Choice>
+    <mc:Fallback xmlns="">
+      <p:transition>
+        <p:fade/>
+      </p:transition>
+    </mc:Fallback>
+  </mc:AlternateContent>
+</p:sld>
+</file>
+
 <file path=ppt/slides/slide34.xml><?xml version="1.0" encoding="utf-8"?>
 <p:sld xmlns:a="http://schemas.openxmlformats.org/drawingml/2006/main" xmlns:r="http://schemas.openxmlformats.org/officeDocument/2006/relationships" xmlns:p="http://schemas.openxmlformats.org/presentationml/2006/main">
   <p:cSld>
@@ -17135,7 +17147,7 @@
           <p:cNvPr id="2" name="投影片編號版面配置區 1">
             <a:extLst>
               <a:ext uri="{FF2B5EF4-FFF2-40B4-BE49-F238E27FC236}">
-                <a16:creationId xmlns:a16="http://schemas.microsoft.com/office/drawing/2014/main" id="{CFF6CE43-6816-47F9-B900-F53D53AD5D03}"/>
+                <a16:creationId xmlns:a16="http://schemas.microsoft.com/office/drawing/2014/main" id="{9D0025C0-D44B-4086-98F5-1AA76BE2D786}"/>
               </a:ext>
             </a:extLst>
           </p:cNvPr>
@@ -17165,7 +17177,7 @@
           <p:cNvPr id="3" name="文字版面配置區 2">
             <a:extLst>
               <a:ext uri="{FF2B5EF4-FFF2-40B4-BE49-F238E27FC236}">
-                <a16:creationId xmlns:a16="http://schemas.microsoft.com/office/drawing/2014/main" id="{8C2CB89D-C489-41DD-B112-A40A1D7365AD}"/>
+                <a16:creationId xmlns:a16="http://schemas.microsoft.com/office/drawing/2014/main" id="{46BD674A-5EDF-4B38-AD2B-E2D25775621D}"/>
               </a:ext>
             </a:extLst>
           </p:cNvPr>
@@ -17182,15 +17194,22 @@
           <a:lstStyle/>
           <a:p>
             <a:r>
-              <a:rPr lang="zh-TW" altLang="en-US" b="1" dirty="0">
-                <a:solidFill>
-                  <a:schemeClr val="bg1">
-                    <a:lumMod val="85000"/>
-                  </a:schemeClr>
-                </a:solidFill>
+              <a:rPr lang="en-US" altLang="zh-TW" dirty="0" err="1">
                 <a:latin typeface="+mn-ea"/>
               </a:rPr>
-              <a:t>無法渲染好處</a:t>
+              <a:t>useContext</a:t>
+            </a:r>
+            <a:r>
+              <a:rPr lang="en-US" altLang="zh-TW" dirty="0">
+                <a:latin typeface="+mn-ea"/>
+              </a:rPr>
+              <a:t> </a:t>
+            </a:r>
+            <a:r>
+              <a:rPr lang="zh-TW" altLang="en-US" dirty="0">
+                <a:latin typeface="+mn-ea"/>
+              </a:rPr>
+              <a:t>注意事項</a:t>
             </a:r>
             <a:endParaRPr lang="zh-TW" altLang="en-US" dirty="0"/>
           </a:p>
@@ -17201,7 +17220,7 @@
           <p:cNvPr id="4" name="矩形 3">
             <a:extLst>
               <a:ext uri="{FF2B5EF4-FFF2-40B4-BE49-F238E27FC236}">
-                <a16:creationId xmlns:a16="http://schemas.microsoft.com/office/drawing/2014/main" id="{D97CEFD9-0737-45D0-8F55-C41B0017D17B}"/>
+                <a16:creationId xmlns:a16="http://schemas.microsoft.com/office/drawing/2014/main" id="{AB3E9B82-2D26-4220-A4E6-A1FD17CC804E}"/>
               </a:ext>
             </a:extLst>
           </p:cNvPr>
@@ -17210,8 +17229,8 @@
         </p:nvSpPr>
         <p:spPr>
           <a:xfrm>
-            <a:off x="2009623" y="1756011"/>
-            <a:ext cx="1569660" cy="646331"/>
+            <a:off x="6891903" y="2091923"/>
+            <a:ext cx="4525983" cy="523220"/>
           </a:xfrm>
           <a:prstGeom prst="rect">
             <a:avLst/>
@@ -17224,13 +17243,30 @@
           <a:lstStyle/>
           <a:p>
             <a:r>
-              <a:rPr lang="zh-TW" altLang="en-US" sz="3600" dirty="0">
+              <a:rPr lang="en-US" altLang="zh-TW" sz="2800" dirty="0">
                 <a:solidFill>
                   <a:schemeClr val="bg1"/>
                 </a:solidFill>
               </a:rPr>
-              <a:t>省效能</a:t>
-            </a:r>
+              <a:t>Provider</a:t>
+            </a:r>
+            <a:r>
+              <a:rPr lang="zh-TW" altLang="en-US" sz="2800" dirty="0">
+                <a:solidFill>
+                  <a:schemeClr val="bg1"/>
+                </a:solidFill>
+              </a:rPr>
+              <a:t> 必須高於 </a:t>
+            </a:r>
+            <a:r>
+              <a:rPr lang="en-US" altLang="zh-TW" sz="2800" dirty="0">
+                <a:solidFill>
+                  <a:schemeClr val="bg1"/>
+                </a:solidFill>
+              </a:rPr>
+              <a:t>Consumer</a:t>
+            </a:r>
+            <a:endParaRPr lang="zh-TW" altLang="en-US" sz="2800" dirty="0"/>
           </a:p>
         </p:txBody>
       </p:sp>
@@ -17239,7 +17275,7 @@
           <p:cNvPr id="5" name="矩形 4">
             <a:extLst>
               <a:ext uri="{FF2B5EF4-FFF2-40B4-BE49-F238E27FC236}">
-                <a16:creationId xmlns:a16="http://schemas.microsoft.com/office/drawing/2014/main" id="{5CEDF7C1-5FAB-4091-9949-9C04BAD5F8F8}"/>
+                <a16:creationId xmlns:a16="http://schemas.microsoft.com/office/drawing/2014/main" id="{EC5B3DE9-8F3B-405E-B66E-CE5F2D8D658E}"/>
               </a:ext>
             </a:extLst>
           </p:cNvPr>
@@ -17248,8 +17284,8 @@
         </p:nvSpPr>
         <p:spPr>
           <a:xfrm>
-            <a:off x="2009623" y="2691160"/>
-            <a:ext cx="6301725" cy="1665071"/>
+            <a:off x="901270" y="2091923"/>
+            <a:ext cx="4971233" cy="523220"/>
           </a:xfrm>
           <a:prstGeom prst="rect">
             <a:avLst/>
@@ -17261,50 +17297,106 @@
           </a:bodyPr>
           <a:lstStyle/>
           <a:p>
-            <a:pPr marL="571500" indent="-571500">
-              <a:lnSpc>
-                <a:spcPct val="150000"/>
-              </a:lnSpc>
-              <a:buFont typeface="Arial" panose="020B0604020202020204" pitchFamily="34" charset="0"/>
-              <a:buChar char="•"/>
-            </a:pPr>
-            <a:r>
-              <a:rPr lang="zh-TW" altLang="en-US" sz="3600" dirty="0">
+            <a:r>
+              <a:rPr lang="en-US" altLang="zh-TW" sz="2800" dirty="0">
                 <a:solidFill>
                   <a:schemeClr val="bg1"/>
                 </a:solidFill>
               </a:rPr>
-              <a:t>省去無意義的渲染動作</a:t>
-            </a:r>
-            <a:endParaRPr lang="en-US" altLang="zh-TW" sz="3600" dirty="0">
-              <a:solidFill>
-                <a:schemeClr val="bg1"/>
-              </a:solidFill>
-            </a:endParaRPr>
-          </a:p>
-          <a:p>
-            <a:pPr marL="571500" indent="-571500">
-              <a:lnSpc>
-                <a:spcPct val="150000"/>
-              </a:lnSpc>
-              <a:buFont typeface="Arial" panose="020B0604020202020204" pitchFamily="34" charset="0"/>
-              <a:buChar char="•"/>
-            </a:pPr>
-            <a:r>
-              <a:rPr lang="zh-TW" altLang="en-US" sz="3600" dirty="0">
+              <a:t>Consumer </a:t>
+            </a:r>
+            <a:r>
+              <a:rPr lang="zh-TW" altLang="en-US" sz="2800" dirty="0">
                 <a:solidFill>
                   <a:schemeClr val="bg1"/>
                 </a:solidFill>
               </a:rPr>
-              <a:t>更加專注於需要使用的地方</a:t>
-            </a:r>
-          </a:p>
-        </p:txBody>
-      </p:sp>
+              <a:t>包含在 </a:t>
+            </a:r>
+            <a:r>
+              <a:rPr lang="en-US" altLang="zh-TW" sz="2800" dirty="0">
+                <a:solidFill>
+                  <a:schemeClr val="bg1"/>
+                </a:solidFill>
+              </a:rPr>
+              <a:t>Provider</a:t>
+            </a:r>
+            <a:r>
+              <a:rPr lang="zh-TW" altLang="en-US" sz="2800" dirty="0">
+                <a:solidFill>
+                  <a:schemeClr val="bg1"/>
+                </a:solidFill>
+              </a:rPr>
+              <a:t> 內部</a:t>
+            </a:r>
+            <a:endParaRPr lang="zh-TW" altLang="en-US" sz="2800" dirty="0"/>
+          </a:p>
+        </p:txBody>
+      </p:sp>
+      <p:pic>
+        <p:nvPicPr>
+          <p:cNvPr id="7" name="圖片 6">
+            <a:extLst>
+              <a:ext uri="{FF2B5EF4-FFF2-40B4-BE49-F238E27FC236}">
+                <a16:creationId xmlns:a16="http://schemas.microsoft.com/office/drawing/2014/main" id="{3D2E9437-1C94-416C-A758-BBB87C0BA04F}"/>
+              </a:ext>
+            </a:extLst>
+          </p:cNvPr>
+          <p:cNvPicPr>
+            <a:picLocks noChangeAspect="1"/>
+          </p:cNvPicPr>
+          <p:nvPr/>
+        </p:nvPicPr>
+        <p:blipFill>
+          <a:blip r:embed="rId3"/>
+          <a:stretch>
+            <a:fillRect/>
+          </a:stretch>
+        </p:blipFill>
+        <p:spPr>
+          <a:xfrm>
+            <a:off x="7874012" y="3072858"/>
+            <a:ext cx="2340000" cy="2340000"/>
+          </a:xfrm>
+          <a:prstGeom prst="rect">
+            <a:avLst/>
+          </a:prstGeom>
+        </p:spPr>
+      </p:pic>
+      <p:pic>
+        <p:nvPicPr>
+          <p:cNvPr id="9" name="圖片 8">
+            <a:extLst>
+              <a:ext uri="{FF2B5EF4-FFF2-40B4-BE49-F238E27FC236}">
+                <a16:creationId xmlns:a16="http://schemas.microsoft.com/office/drawing/2014/main" id="{47CF49AC-04AA-4084-98F9-3F69DAF44263}"/>
+              </a:ext>
+            </a:extLst>
+          </p:cNvPr>
+          <p:cNvPicPr>
+            <a:picLocks noChangeAspect="1"/>
+          </p:cNvPicPr>
+          <p:nvPr/>
+        </p:nvPicPr>
+        <p:blipFill>
+          <a:blip r:embed="rId4"/>
+          <a:stretch>
+            <a:fillRect/>
+          </a:stretch>
+        </p:blipFill>
+        <p:spPr>
+          <a:xfrm>
+            <a:off x="2216886" y="3072858"/>
+            <a:ext cx="2340000" cy="2340000"/>
+          </a:xfrm>
+          <a:prstGeom prst="rect">
+            <a:avLst/>
+          </a:prstGeom>
+        </p:spPr>
+      </p:pic>
     </p:spTree>
     <p:extLst>
       <p:ext uri="{BB962C8B-B14F-4D97-AF65-F5344CB8AC3E}">
-        <p14:creationId xmlns:p14="http://schemas.microsoft.com/office/powerpoint/2010/main" val="1222401030"/>
+        <p14:creationId xmlns:p14="http://schemas.microsoft.com/office/powerpoint/2010/main" val="95474840"/>
       </p:ext>
     </p:extLst>
   </p:cSld>
@@ -20762,6 +20854,319 @@
     <p:extLst>
       <p:ext uri="{BB962C8B-B14F-4D97-AF65-F5344CB8AC3E}">
         <p14:creationId xmlns:p14="http://schemas.microsoft.com/office/powerpoint/2010/main" val="1789668969"/>
+      </p:ext>
+    </p:extLst>
+  </p:cSld>
+  <p:clrMapOvr>
+    <a:masterClrMapping/>
+  </p:clrMapOvr>
+  <mc:AlternateContent xmlns:mc="http://schemas.openxmlformats.org/markup-compatibility/2006" xmlns:p14="http://schemas.microsoft.com/office/powerpoint/2010/main">
+    <mc:Choice Requires="p14">
+      <p:transition p14:dur="160">
+        <p:fade/>
+      </p:transition>
+    </mc:Choice>
+    <mc:Fallback xmlns="">
+      <p:transition>
+        <p:fade/>
+      </p:transition>
+    </mc:Fallback>
+  </mc:AlternateContent>
+</p:sld>
+</file>
+
+<file path=ppt/slides/slide44.xml><?xml version="1.0" encoding="utf-8"?>
+<p:sld xmlns:a="http://schemas.openxmlformats.org/drawingml/2006/main" xmlns:r="http://schemas.openxmlformats.org/officeDocument/2006/relationships" xmlns:p="http://schemas.openxmlformats.org/presentationml/2006/main">
+  <p:cSld>
+    <p:spTree>
+      <p:nvGrpSpPr>
+        <p:cNvPr id="1" name=""/>
+        <p:cNvGrpSpPr/>
+        <p:nvPr/>
+      </p:nvGrpSpPr>
+      <p:grpSpPr>
+        <a:xfrm>
+          <a:off x="0" y="0"/>
+          <a:ext cx="0" cy="0"/>
+          <a:chOff x="0" y="0"/>
+          <a:chExt cx="0" cy="0"/>
+        </a:xfrm>
+      </p:grpSpPr>
+      <p:sp>
+        <p:nvSpPr>
+          <p:cNvPr id="2" name="標題 1">
+            <a:extLst>
+              <a:ext uri="{FF2B5EF4-FFF2-40B4-BE49-F238E27FC236}">
+                <a16:creationId xmlns:a16="http://schemas.microsoft.com/office/drawing/2014/main" id="{E42A39BE-EAF1-410A-9A92-A66FBA2BF9F7}"/>
+              </a:ext>
+            </a:extLst>
+          </p:cNvPr>
+          <p:cNvSpPr>
+            <a:spLocks noGrp="1"/>
+          </p:cNvSpPr>
+          <p:nvPr>
+            <p:ph type="title"/>
+          </p:nvPr>
+        </p:nvSpPr>
+        <p:spPr/>
+        <p:txBody>
+          <a:bodyPr/>
+          <a:lstStyle/>
+          <a:p>
+            <a:pPr algn="ctr"/>
+            <a:r>
+              <a:rPr lang="zh-TW" altLang="en-US" dirty="0"/>
+              <a:t>參考資料</a:t>
+            </a:r>
+          </a:p>
+        </p:txBody>
+      </p:sp>
+      <p:sp>
+        <p:nvSpPr>
+          <p:cNvPr id="3" name="內容版面配置區 2">
+            <a:extLst>
+              <a:ext uri="{FF2B5EF4-FFF2-40B4-BE49-F238E27FC236}">
+                <a16:creationId xmlns:a16="http://schemas.microsoft.com/office/drawing/2014/main" id="{5D30DF41-AC01-4C62-A621-CB4016203A22}"/>
+              </a:ext>
+            </a:extLst>
+          </p:cNvPr>
+          <p:cNvSpPr>
+            <a:spLocks noGrp="1"/>
+          </p:cNvSpPr>
+          <p:nvPr>
+            <p:ph idx="1"/>
+          </p:nvPr>
+        </p:nvSpPr>
+        <p:spPr/>
+        <p:txBody>
+          <a:bodyPr>
+            <a:normAutofit/>
+          </a:bodyPr>
+          <a:lstStyle/>
+          <a:p>
+            <a:pPr>
+              <a:lnSpc>
+                <a:spcPct val="150000"/>
+              </a:lnSpc>
+            </a:pPr>
+            <a:r>
+              <a:rPr lang="en-US" altLang="zh-TW" sz="3600" dirty="0">
+                <a:solidFill>
+                  <a:schemeClr val="bg1"/>
+                </a:solidFill>
+                <a:latin typeface="+mj-ea"/>
+                <a:ea typeface="+mj-ea"/>
+                <a:hlinkClick r:id="rId3"/>
+              </a:rPr>
+              <a:t>React </a:t>
+            </a:r>
+            <a:r>
+              <a:rPr lang="zh-TW" altLang="en-US" sz="3600" dirty="0">
+                <a:solidFill>
+                  <a:schemeClr val="bg1"/>
+                </a:solidFill>
+                <a:latin typeface="+mj-ea"/>
+                <a:ea typeface="+mj-ea"/>
+                <a:hlinkClick r:id="rId3"/>
+              </a:rPr>
+              <a:t>官網</a:t>
+            </a:r>
+            <a:endParaRPr lang="en-US" altLang="zh-TW" sz="3600" dirty="0">
+              <a:solidFill>
+                <a:schemeClr val="bg1"/>
+              </a:solidFill>
+              <a:latin typeface="+mj-ea"/>
+              <a:ea typeface="+mj-ea"/>
+            </a:endParaRPr>
+          </a:p>
+          <a:p>
+            <a:pPr>
+              <a:lnSpc>
+                <a:spcPct val="150000"/>
+              </a:lnSpc>
+            </a:pPr>
+            <a:r>
+              <a:rPr lang="en-US" altLang="zh-TW" sz="3600" dirty="0">
+                <a:solidFill>
+                  <a:schemeClr val="bg1"/>
+                </a:solidFill>
+                <a:latin typeface="+mj-ea"/>
+                <a:ea typeface="+mj-ea"/>
+                <a:hlinkClick r:id="rId4"/>
+              </a:rPr>
+              <a:t>stack overflow</a:t>
+            </a:r>
+            <a:endParaRPr lang="en-US" altLang="zh-TW" sz="3600" dirty="0">
+              <a:solidFill>
+                <a:schemeClr val="bg1"/>
+              </a:solidFill>
+              <a:latin typeface="+mj-ea"/>
+              <a:ea typeface="+mj-ea"/>
+            </a:endParaRPr>
+          </a:p>
+          <a:p>
+            <a:pPr>
+              <a:lnSpc>
+                <a:spcPct val="150000"/>
+              </a:lnSpc>
+            </a:pPr>
+            <a:r>
+              <a:rPr lang="en-US" altLang="zh-TW" sz="3600" dirty="0">
+                <a:solidFill>
+                  <a:schemeClr val="bg1"/>
+                </a:solidFill>
+                <a:latin typeface="+mj-ea"/>
+                <a:ea typeface="+mj-ea"/>
+                <a:hlinkClick r:id="rId5"/>
+              </a:rPr>
+              <a:t>Medium</a:t>
+            </a:r>
+            <a:endParaRPr lang="en-US" altLang="zh-TW" sz="3600" dirty="0">
+              <a:solidFill>
+                <a:schemeClr val="bg1"/>
+              </a:solidFill>
+              <a:latin typeface="+mj-ea"/>
+              <a:ea typeface="+mj-ea"/>
+            </a:endParaRPr>
+          </a:p>
+          <a:p>
+            <a:pPr>
+              <a:lnSpc>
+                <a:spcPct val="150000"/>
+              </a:lnSpc>
+            </a:pPr>
+            <a:r>
+              <a:rPr lang="en-US" altLang="zh-TW" sz="3600" dirty="0" err="1">
+                <a:solidFill>
+                  <a:schemeClr val="bg1"/>
+                </a:solidFill>
+                <a:latin typeface="+mj-ea"/>
+                <a:ea typeface="+mj-ea"/>
+                <a:hlinkClick r:id="rId6"/>
+              </a:rPr>
+              <a:t>jishuwen</a:t>
+            </a:r>
+            <a:endParaRPr lang="zh-TW" altLang="en-US" sz="3600" dirty="0">
+              <a:solidFill>
+                <a:schemeClr val="bg1"/>
+              </a:solidFill>
+              <a:latin typeface="+mj-ea"/>
+              <a:ea typeface="+mj-ea"/>
+            </a:endParaRPr>
+          </a:p>
+        </p:txBody>
+      </p:sp>
+    </p:spTree>
+    <p:extLst>
+      <p:ext uri="{BB962C8B-B14F-4D97-AF65-F5344CB8AC3E}">
+        <p14:creationId xmlns:p14="http://schemas.microsoft.com/office/powerpoint/2010/main" val="1527166285"/>
+      </p:ext>
+    </p:extLst>
+  </p:cSld>
+  <p:clrMapOvr>
+    <a:masterClrMapping/>
+  </p:clrMapOvr>
+  <mc:AlternateContent xmlns:mc="http://schemas.openxmlformats.org/markup-compatibility/2006" xmlns:p14="http://schemas.microsoft.com/office/powerpoint/2010/main">
+    <mc:Choice Requires="p14">
+      <p:transition p14:dur="160">
+        <p:fade/>
+      </p:transition>
+    </mc:Choice>
+    <mc:Fallback xmlns="">
+      <p:transition>
+        <p:fade/>
+      </p:transition>
+    </mc:Fallback>
+  </mc:AlternateContent>
+</p:sld>
+</file>
+
+<file path=ppt/slides/slide45.xml><?xml version="1.0" encoding="utf-8"?>
+<p:sld xmlns:a="http://schemas.openxmlformats.org/drawingml/2006/main" xmlns:r="http://schemas.openxmlformats.org/officeDocument/2006/relationships" xmlns:p="http://schemas.openxmlformats.org/presentationml/2006/main">
+  <p:cSld>
+    <p:spTree>
+      <p:nvGrpSpPr>
+        <p:cNvPr id="1" name=""/>
+        <p:cNvGrpSpPr/>
+        <p:nvPr/>
+      </p:nvGrpSpPr>
+      <p:grpSpPr>
+        <a:xfrm>
+          <a:off x="0" y="0"/>
+          <a:ext cx="0" cy="0"/>
+          <a:chOff x="0" y="0"/>
+          <a:chExt cx="0" cy="0"/>
+        </a:xfrm>
+      </p:grpSpPr>
+      <p:sp>
+        <p:nvSpPr>
+          <p:cNvPr id="2" name="標題 1">
+            <a:extLst>
+              <a:ext uri="{FF2B5EF4-FFF2-40B4-BE49-F238E27FC236}">
+                <a16:creationId xmlns:a16="http://schemas.microsoft.com/office/drawing/2014/main" id="{BE945B9A-DCCE-4DF7-B93B-812BA9E0DCD9}"/>
+              </a:ext>
+            </a:extLst>
+          </p:cNvPr>
+          <p:cNvSpPr>
+            <a:spLocks noGrp="1"/>
+          </p:cNvSpPr>
+          <p:nvPr>
+            <p:ph type="ctrTitle"/>
+          </p:nvPr>
+        </p:nvSpPr>
+        <p:spPr/>
+        <p:txBody>
+          <a:bodyPr/>
+          <a:lstStyle/>
+          <a:p>
+            <a:pPr algn="ctr">
+              <a:lnSpc>
+                <a:spcPct val="150000"/>
+              </a:lnSpc>
+            </a:pPr>
+            <a:r>
+              <a:rPr lang="zh-TW" altLang="en-US" dirty="0"/>
+              <a:t>投影片結束</a:t>
+            </a:r>
+            <a:br>
+              <a:rPr lang="en-US" altLang="zh-TW" dirty="0"/>
+            </a:br>
+            <a:r>
+              <a:rPr lang="zh-TW" altLang="en-US" dirty="0"/>
+              <a:t>謝謝</a:t>
+            </a:r>
+          </a:p>
+        </p:txBody>
+      </p:sp>
+      <p:sp>
+        <p:nvSpPr>
+          <p:cNvPr id="3" name="副標題 2">
+            <a:extLst>
+              <a:ext uri="{FF2B5EF4-FFF2-40B4-BE49-F238E27FC236}">
+                <a16:creationId xmlns:a16="http://schemas.microsoft.com/office/drawing/2014/main" id="{7B32ADD8-A1B4-437E-9B86-083C31BB7503}"/>
+              </a:ext>
+            </a:extLst>
+          </p:cNvPr>
+          <p:cNvSpPr>
+            <a:spLocks noGrp="1"/>
+          </p:cNvSpPr>
+          <p:nvPr>
+            <p:ph type="subTitle" idx="1"/>
+          </p:nvPr>
+        </p:nvSpPr>
+        <p:spPr/>
+        <p:txBody>
+          <a:bodyPr/>
+          <a:lstStyle/>
+          <a:p>
+            <a:endParaRPr lang="zh-TW" altLang="en-US"/>
+          </a:p>
+        </p:txBody>
+      </p:sp>
+    </p:spTree>
+    <p:extLst>
+      <p:ext uri="{BB962C8B-B14F-4D97-AF65-F5344CB8AC3E}">
+        <p14:creationId xmlns:p14="http://schemas.microsoft.com/office/powerpoint/2010/main" val="451022586"/>
       </p:ext>
     </p:extLst>
   </p:cSld>

--- a/PPT/React Hooks &.pptx
+++ b/PPT/React Hooks &.pptx
@@ -5,10 +5,10 @@
     <p:sldMasterId id="2147483840" r:id="rId1"/>
   </p:sldMasterIdLst>
   <p:notesMasterIdLst>
-    <p:notesMasterId r:id="rId47"/>
+    <p:notesMasterId r:id="rId52"/>
   </p:notesMasterIdLst>
   <p:handoutMasterIdLst>
-    <p:handoutMasterId r:id="rId48"/>
+    <p:handoutMasterId r:id="rId53"/>
   </p:handoutMasterIdLst>
   <p:sldIdLst>
     <p:sldId id="256" r:id="rId2"/>
@@ -36,26 +36,31 @@
     <p:sldId id="293" r:id="rId24"/>
     <p:sldId id="303" r:id="rId25"/>
     <p:sldId id="305" r:id="rId26"/>
-    <p:sldId id="294" r:id="rId27"/>
-    <p:sldId id="307" r:id="rId28"/>
-    <p:sldId id="306" r:id="rId29"/>
-    <p:sldId id="331" r:id="rId30"/>
-    <p:sldId id="333" r:id="rId31"/>
-    <p:sldId id="297" r:id="rId32"/>
-    <p:sldId id="310" r:id="rId33"/>
-    <p:sldId id="311" r:id="rId34"/>
-    <p:sldId id="329" r:id="rId35"/>
-    <p:sldId id="313" r:id="rId36"/>
-    <p:sldId id="315" r:id="rId37"/>
-    <p:sldId id="330" r:id="rId38"/>
-    <p:sldId id="292" r:id="rId39"/>
-    <p:sldId id="334" r:id="rId40"/>
-    <p:sldId id="335" r:id="rId41"/>
-    <p:sldId id="260" r:id="rId42"/>
-    <p:sldId id="314" r:id="rId43"/>
-    <p:sldId id="262" r:id="rId44"/>
-    <p:sldId id="336" r:id="rId45"/>
-    <p:sldId id="337" r:id="rId46"/>
+    <p:sldId id="338" r:id="rId27"/>
+    <p:sldId id="339" r:id="rId28"/>
+    <p:sldId id="294" r:id="rId29"/>
+    <p:sldId id="340" r:id="rId30"/>
+    <p:sldId id="306" r:id="rId31"/>
+    <p:sldId id="331" r:id="rId32"/>
+    <p:sldId id="333" r:id="rId33"/>
+    <p:sldId id="341" r:id="rId34"/>
+    <p:sldId id="344" r:id="rId35"/>
+    <p:sldId id="342" r:id="rId36"/>
+    <p:sldId id="297" r:id="rId37"/>
+    <p:sldId id="310" r:id="rId38"/>
+    <p:sldId id="311" r:id="rId39"/>
+    <p:sldId id="329" r:id="rId40"/>
+    <p:sldId id="313" r:id="rId41"/>
+    <p:sldId id="315" r:id="rId42"/>
+    <p:sldId id="330" r:id="rId43"/>
+    <p:sldId id="292" r:id="rId44"/>
+    <p:sldId id="334" r:id="rId45"/>
+    <p:sldId id="335" r:id="rId46"/>
+    <p:sldId id="260" r:id="rId47"/>
+    <p:sldId id="314" r:id="rId48"/>
+    <p:sldId id="336" r:id="rId49"/>
+    <p:sldId id="343" r:id="rId50"/>
+    <p:sldId id="337" r:id="rId51"/>
   </p:sldIdLst>
   <p:sldSz cx="12192000" cy="6858000"/>
   <p:notesSz cx="6858000" cy="9144000"/>
@@ -259,7 +264,7 @@
           <a:p>
             <a:fld id="{20C73765-FB04-4DFC-B996-1BF89FB13314}" type="datetimeFigureOut">
               <a:rPr lang="zh-TW" altLang="en-US" smtClean="0"/>
-              <a:t>2020/3/16</a:t>
+              <a:t>2020/3/17</a:t>
             </a:fld>
             <a:endParaRPr lang="zh-TW" altLang="en-US"/>
           </a:p>
@@ -436,7 +441,7 @@
           <a:p>
             <a:fld id="{70C5EA8F-4DE7-435E-83CB-AE9893E623BB}" type="datetimeFigureOut">
               <a:rPr lang="zh-TW" altLang="en-US" smtClean="0"/>
-              <a:t>2020/3/16</a:t>
+              <a:t>2020/3/17</a:t>
             </a:fld>
             <a:endParaRPr lang="zh-TW" altLang="en-US"/>
           </a:p>
@@ -852,7 +857,7 @@
           <a:p>
             <a:fld id="{6B094CF9-824F-48E6-BF21-19194E5F47C1}" type="slidenum">
               <a:rPr lang="zh-TW" altLang="en-US" smtClean="0"/>
-              <a:t>29</a:t>
+              <a:t>31</a:t>
             </a:fld>
             <a:endParaRPr lang="zh-TW" altLang="en-US"/>
           </a:p>
@@ -890,7 +895,7 @@
       </p:grpSpPr>
       <p:sp>
         <p:nvSpPr>
-          <p:cNvPr id="2" name="投影片影像版面配置區 1"/>
+          <p:cNvPr id="2" name="投影片圖像版面配置區 1"/>
           <p:cNvSpPr>
             <a:spLocks noGrp="1" noRot="1" noChangeAspect="1"/>
           </p:cNvSpPr>
@@ -915,6 +920,10 @@
           <a:bodyPr/>
           <a:lstStyle/>
           <a:p>
+            <a:r>
+              <a:rPr lang="zh-TW" altLang="en-US" dirty="0" smtClean="0"/>
+              <a:t>基本上就是大家 公認的最佳解</a:t>
+            </a:r>
             <a:endParaRPr lang="zh-TW" altLang="en-US" dirty="0"/>
           </a:p>
         </p:txBody>
@@ -926,7 +935,7 @@
             <a:spLocks noGrp="1"/>
           </p:cNvSpPr>
           <p:nvPr>
-            <p:ph type="sldNum" sz="quarter" idx="5"/>
+            <p:ph type="sldNum" sz="quarter" idx="10"/>
           </p:nvPr>
         </p:nvSpPr>
         <p:spPr/>
@@ -936,7 +945,7 @@
           <a:p>
             <a:fld id="{6B094CF9-824F-48E6-BF21-19194E5F47C1}" type="slidenum">
               <a:rPr lang="zh-TW" altLang="en-US" smtClean="0"/>
-              <a:t>33</a:t>
+              <a:t>34</a:t>
             </a:fld>
             <a:endParaRPr lang="zh-TW" altLang="en-US"/>
           </a:p>
@@ -945,7 +954,7 @@
     </p:spTree>
     <p:extLst>
       <p:ext uri="{BB962C8B-B14F-4D97-AF65-F5344CB8AC3E}">
-        <p14:creationId xmlns:p14="http://schemas.microsoft.com/office/powerpoint/2010/main" val="3961895298"/>
+        <p14:creationId xmlns:p14="http://schemas.microsoft.com/office/powerpoint/2010/main" val="3369515374"/>
       </p:ext>
     </p:extLst>
   </p:cSld>
@@ -999,17 +1008,7 @@
           <a:bodyPr/>
           <a:lstStyle/>
           <a:p>
-            <a:r>
-              <a:rPr lang="zh-TW" altLang="en-US" dirty="0"/>
-              <a:t>主從關析</a:t>
-            </a:r>
-            <a:br>
-              <a:rPr lang="en-US" altLang="zh-TW" dirty="0"/>
-            </a:br>
-            <a:r>
-              <a:rPr lang="zh-TW" altLang="en-US" dirty="0"/>
-              <a:t>階級制度</a:t>
-            </a:r>
+            <a:endParaRPr lang="zh-TW" altLang="en-US" dirty="0"/>
           </a:p>
         </p:txBody>
       </p:sp>
@@ -1030,7 +1029,7 @@
           <a:p>
             <a:fld id="{6B094CF9-824F-48E6-BF21-19194E5F47C1}" type="slidenum">
               <a:rPr lang="zh-TW" altLang="en-US" smtClean="0"/>
-              <a:t>34</a:t>
+              <a:t>38</a:t>
             </a:fld>
             <a:endParaRPr lang="zh-TW" altLang="en-US"/>
           </a:p>
@@ -1039,7 +1038,7 @@
     </p:spTree>
     <p:extLst>
       <p:ext uri="{BB962C8B-B14F-4D97-AF65-F5344CB8AC3E}">
-        <p14:creationId xmlns:p14="http://schemas.microsoft.com/office/powerpoint/2010/main" val="1437784018"/>
+        <p14:creationId xmlns:p14="http://schemas.microsoft.com/office/powerpoint/2010/main" val="3961895298"/>
       </p:ext>
     </p:extLst>
   </p:cSld>
@@ -1068,7 +1067,7 @@
       </p:grpSpPr>
       <p:sp>
         <p:nvSpPr>
-          <p:cNvPr id="2" name="投影片圖像版面配置區 1"/>
+          <p:cNvPr id="2" name="投影片影像版面配置區 1"/>
           <p:cNvSpPr>
             <a:spLocks noGrp="1" noRot="1" noChangeAspect="1"/>
           </p:cNvSpPr>
@@ -1095,14 +1094,18 @@
           <a:p>
             <a:r>
               <a:rPr lang="zh-TW" altLang="en-US" dirty="0"/>
-              <a:t>採用佇列依序處里</a:t>
+              <a:t>主從關析</a:t>
+            </a:r>
+            <a:r>
+              <a:rPr lang="en-US" altLang="zh-TW" dirty="0"/>
+              <a:t/>
             </a:r>
             <a:br>
               <a:rPr lang="en-US" altLang="zh-TW" dirty="0"/>
             </a:br>
             <a:r>
               <a:rPr lang="zh-TW" altLang="en-US" dirty="0"/>
-              <a:t>如果沒結束不會繼續</a:t>
+              <a:t>階級制度</a:t>
             </a:r>
           </a:p>
         </p:txBody>
@@ -1114,7 +1117,7 @@
             <a:spLocks noGrp="1"/>
           </p:cNvSpPr>
           <p:nvPr>
-            <p:ph type="sldNum" sz="quarter" idx="10"/>
+            <p:ph type="sldNum" sz="quarter" idx="5"/>
           </p:nvPr>
         </p:nvSpPr>
         <p:spPr/>
@@ -1124,7 +1127,7 @@
           <a:p>
             <a:fld id="{6B094CF9-824F-48E6-BF21-19194E5F47C1}" type="slidenum">
               <a:rPr lang="zh-TW" altLang="en-US" smtClean="0"/>
-              <a:t>36</a:t>
+              <a:t>39</a:t>
             </a:fld>
             <a:endParaRPr lang="zh-TW" altLang="en-US"/>
           </a:p>
@@ -1133,7 +1136,7 @@
     </p:spTree>
     <p:extLst>
       <p:ext uri="{BB962C8B-B14F-4D97-AF65-F5344CB8AC3E}">
-        <p14:creationId xmlns:p14="http://schemas.microsoft.com/office/powerpoint/2010/main" val="2576509242"/>
+        <p14:creationId xmlns:p14="http://schemas.microsoft.com/office/powerpoint/2010/main" val="1437784018"/>
       </p:ext>
     </p:extLst>
   </p:cSld>
@@ -1187,32 +1190,21 @@
           <a:bodyPr/>
           <a:lstStyle/>
           <a:p>
-            <a:pPr marL="0" indent="0">
-              <a:lnSpc>
-                <a:spcPct val="150000"/>
-              </a:lnSpc>
-              <a:buFont typeface="Arial" panose="020B0604020202020204" pitchFamily="34" charset="0"/>
-              <a:buNone/>
-            </a:pPr>
-            <a:r>
-              <a:rPr lang="zh-TW" altLang="en-US" sz="1200" dirty="0">
-                <a:solidFill>
-                  <a:schemeClr val="bg1">
-                    <a:lumMod val="95000"/>
-                  </a:schemeClr>
-                </a:solidFill>
-                <a:latin typeface="+mn-ea"/>
-              </a:rPr>
-              <a:t>方法並非使用後就一定執行</a:t>
-            </a:r>
-            <a:endParaRPr lang="en-US" altLang="zh-TW" sz="1200" dirty="0">
-              <a:solidFill>
-                <a:schemeClr val="bg1">
-                  <a:lumMod val="95000"/>
-                </a:schemeClr>
-              </a:solidFill>
-              <a:latin typeface="+mn-ea"/>
-            </a:endParaRPr>
+            <a:r>
+              <a:rPr lang="zh-TW" altLang="en-US" dirty="0"/>
+              <a:t>採用佇列依序處里</a:t>
+            </a:r>
+            <a:r>
+              <a:rPr lang="en-US" altLang="zh-TW" dirty="0"/>
+              <a:t/>
+            </a:r>
+            <a:br>
+              <a:rPr lang="en-US" altLang="zh-TW" dirty="0"/>
+            </a:br>
+            <a:r>
+              <a:rPr lang="zh-TW" altLang="en-US" dirty="0"/>
+              <a:t>如果沒結束不會繼續</a:t>
+            </a:r>
           </a:p>
         </p:txBody>
       </p:sp>
@@ -1233,7 +1225,7 @@
           <a:p>
             <a:fld id="{6B094CF9-824F-48E6-BF21-19194E5F47C1}" type="slidenum">
               <a:rPr lang="zh-TW" altLang="en-US" smtClean="0"/>
-              <a:t>37</a:t>
+              <a:t>41</a:t>
             </a:fld>
             <a:endParaRPr lang="zh-TW" altLang="en-US"/>
           </a:p>
@@ -1242,7 +1234,7 @@
     </p:spTree>
     <p:extLst>
       <p:ext uri="{BB962C8B-B14F-4D97-AF65-F5344CB8AC3E}">
-        <p14:creationId xmlns:p14="http://schemas.microsoft.com/office/powerpoint/2010/main" val="3229437721"/>
+        <p14:creationId xmlns:p14="http://schemas.microsoft.com/office/powerpoint/2010/main" val="2576509242"/>
       </p:ext>
     </p:extLst>
   </p:cSld>
@@ -1271,6 +1263,115 @@
       </p:grpSpPr>
       <p:sp>
         <p:nvSpPr>
+          <p:cNvPr id="2" name="投影片圖像版面配置區 1"/>
+          <p:cNvSpPr>
+            <a:spLocks noGrp="1" noRot="1" noChangeAspect="1"/>
+          </p:cNvSpPr>
+          <p:nvPr>
+            <p:ph type="sldImg"/>
+          </p:nvPr>
+        </p:nvSpPr>
+        <p:spPr/>
+      </p:sp>
+      <p:sp>
+        <p:nvSpPr>
+          <p:cNvPr id="3" name="備忘稿版面配置區 2"/>
+          <p:cNvSpPr>
+            <a:spLocks noGrp="1"/>
+          </p:cNvSpPr>
+          <p:nvPr>
+            <p:ph type="body" idx="1"/>
+          </p:nvPr>
+        </p:nvSpPr>
+        <p:spPr/>
+        <p:txBody>
+          <a:bodyPr/>
+          <a:lstStyle/>
+          <a:p>
+            <a:pPr marL="0" indent="0">
+              <a:lnSpc>
+                <a:spcPct val="150000"/>
+              </a:lnSpc>
+              <a:buFont typeface="Arial" panose="020B0604020202020204" pitchFamily="34" charset="0"/>
+              <a:buNone/>
+            </a:pPr>
+            <a:r>
+              <a:rPr lang="zh-TW" altLang="en-US" sz="1200" dirty="0">
+                <a:solidFill>
+                  <a:schemeClr val="bg1">
+                    <a:lumMod val="95000"/>
+                  </a:schemeClr>
+                </a:solidFill>
+                <a:latin typeface="+mn-ea"/>
+              </a:rPr>
+              <a:t>方法並非使用後就一定執行</a:t>
+            </a:r>
+            <a:endParaRPr lang="en-US" altLang="zh-TW" sz="1200" dirty="0">
+              <a:solidFill>
+                <a:schemeClr val="bg1">
+                  <a:lumMod val="95000"/>
+                </a:schemeClr>
+              </a:solidFill>
+              <a:latin typeface="+mn-ea"/>
+            </a:endParaRPr>
+          </a:p>
+        </p:txBody>
+      </p:sp>
+      <p:sp>
+        <p:nvSpPr>
+          <p:cNvPr id="4" name="投影片編號版面配置區 3"/>
+          <p:cNvSpPr>
+            <a:spLocks noGrp="1"/>
+          </p:cNvSpPr>
+          <p:nvPr>
+            <p:ph type="sldNum" sz="quarter" idx="10"/>
+          </p:nvPr>
+        </p:nvSpPr>
+        <p:spPr/>
+        <p:txBody>
+          <a:bodyPr/>
+          <a:lstStyle/>
+          <a:p>
+            <a:fld id="{6B094CF9-824F-48E6-BF21-19194E5F47C1}" type="slidenum">
+              <a:rPr lang="zh-TW" altLang="en-US" smtClean="0"/>
+              <a:t>42</a:t>
+            </a:fld>
+            <a:endParaRPr lang="zh-TW" altLang="en-US"/>
+          </a:p>
+        </p:txBody>
+      </p:sp>
+    </p:spTree>
+    <p:extLst>
+      <p:ext uri="{BB962C8B-B14F-4D97-AF65-F5344CB8AC3E}">
+        <p14:creationId xmlns:p14="http://schemas.microsoft.com/office/powerpoint/2010/main" val="3229437721"/>
+      </p:ext>
+    </p:extLst>
+  </p:cSld>
+  <p:clrMapOvr>
+    <a:masterClrMapping/>
+  </p:clrMapOvr>
+</p:notes>
+</file>
+
+<file path=ppt/notesSlides/notesSlide16.xml><?xml version="1.0" encoding="utf-8"?>
+<p:notes xmlns:a="http://schemas.openxmlformats.org/drawingml/2006/main" xmlns:r="http://schemas.openxmlformats.org/officeDocument/2006/relationships" xmlns:p="http://schemas.openxmlformats.org/presentationml/2006/main">
+  <p:cSld>
+    <p:spTree>
+      <p:nvGrpSpPr>
+        <p:cNvPr id="1" name=""/>
+        <p:cNvGrpSpPr/>
+        <p:nvPr/>
+      </p:nvGrpSpPr>
+      <p:grpSpPr>
+        <a:xfrm>
+          <a:off x="0" y="0"/>
+          <a:ext cx="0" cy="0"/>
+          <a:chOff x="0" y="0"/>
+          <a:chExt cx="0" cy="0"/>
+        </a:xfrm>
+      </p:grpSpPr>
+      <p:sp>
+        <p:nvSpPr>
           <p:cNvPr id="2" name="投影片影像版面配置區 1"/>
           <p:cNvSpPr>
             <a:spLocks noGrp="1" noRot="1" noChangeAspect="1"/>
@@ -1317,7 +1418,7 @@
           <a:p>
             <a:fld id="{6B094CF9-824F-48E6-BF21-19194E5F47C1}" type="slidenum">
               <a:rPr lang="zh-TW" altLang="en-US" smtClean="0"/>
-              <a:t>44</a:t>
+              <a:t>48</a:t>
             </a:fld>
             <a:endParaRPr lang="zh-TW" altLang="en-US"/>
           </a:p>
@@ -1327,6 +1428,90 @@
     <p:extLst>
       <p:ext uri="{BB962C8B-B14F-4D97-AF65-F5344CB8AC3E}">
         <p14:creationId xmlns:p14="http://schemas.microsoft.com/office/powerpoint/2010/main" val="3448015267"/>
+      </p:ext>
+    </p:extLst>
+  </p:cSld>
+  <p:clrMapOvr>
+    <a:masterClrMapping/>
+  </p:clrMapOvr>
+</p:notes>
+</file>
+
+<file path=ppt/notesSlides/notesSlide17.xml><?xml version="1.0" encoding="utf-8"?>
+<p:notes xmlns:a="http://schemas.openxmlformats.org/drawingml/2006/main" xmlns:r="http://schemas.openxmlformats.org/officeDocument/2006/relationships" xmlns:p="http://schemas.openxmlformats.org/presentationml/2006/main">
+  <p:cSld>
+    <p:spTree>
+      <p:nvGrpSpPr>
+        <p:cNvPr id="1" name=""/>
+        <p:cNvGrpSpPr/>
+        <p:nvPr/>
+      </p:nvGrpSpPr>
+      <p:grpSpPr>
+        <a:xfrm>
+          <a:off x="0" y="0"/>
+          <a:ext cx="0" cy="0"/>
+          <a:chOff x="0" y="0"/>
+          <a:chExt cx="0" cy="0"/>
+        </a:xfrm>
+      </p:grpSpPr>
+      <p:sp>
+        <p:nvSpPr>
+          <p:cNvPr id="2" name="投影片影像版面配置區 1"/>
+          <p:cNvSpPr>
+            <a:spLocks noGrp="1" noRot="1" noChangeAspect="1"/>
+          </p:cNvSpPr>
+          <p:nvPr>
+            <p:ph type="sldImg"/>
+          </p:nvPr>
+        </p:nvSpPr>
+        <p:spPr/>
+      </p:sp>
+      <p:sp>
+        <p:nvSpPr>
+          <p:cNvPr id="3" name="備忘稿版面配置區 2"/>
+          <p:cNvSpPr>
+            <a:spLocks noGrp="1"/>
+          </p:cNvSpPr>
+          <p:nvPr>
+            <p:ph type="body" idx="1"/>
+          </p:nvPr>
+        </p:nvSpPr>
+        <p:spPr/>
+        <p:txBody>
+          <a:bodyPr/>
+          <a:lstStyle/>
+          <a:p>
+            <a:endParaRPr lang="zh-TW" altLang="en-US" dirty="0"/>
+          </a:p>
+        </p:txBody>
+      </p:sp>
+      <p:sp>
+        <p:nvSpPr>
+          <p:cNvPr id="4" name="投影片編號版面配置區 3"/>
+          <p:cNvSpPr>
+            <a:spLocks noGrp="1"/>
+          </p:cNvSpPr>
+          <p:nvPr>
+            <p:ph type="sldNum" sz="quarter" idx="5"/>
+          </p:nvPr>
+        </p:nvSpPr>
+        <p:spPr/>
+        <p:txBody>
+          <a:bodyPr/>
+          <a:lstStyle/>
+          <a:p>
+            <a:fld id="{6B094CF9-824F-48E6-BF21-19194E5F47C1}" type="slidenum">
+              <a:rPr lang="zh-TW" altLang="en-US" smtClean="0"/>
+              <a:t>49</a:t>
+            </a:fld>
+            <a:endParaRPr lang="zh-TW" altLang="en-US"/>
+          </a:p>
+        </p:txBody>
+      </p:sp>
+    </p:spTree>
+    <p:extLst>
+      <p:ext uri="{BB962C8B-B14F-4D97-AF65-F5344CB8AC3E}">
+        <p14:creationId xmlns:p14="http://schemas.microsoft.com/office/powerpoint/2010/main" val="4219314236"/>
       </p:ext>
     </p:extLst>
   </p:cSld>
@@ -2271,6 +2456,18 @@
           </a:p>
           <a:p>
             <a:pPr latinLnBrk="1"/>
+            <a:r>
+              <a:rPr lang="en-US" altLang="zh-TW" sz="1200" b="0" i="0" kern="1200" dirty="0">
+                <a:solidFill>
+                  <a:schemeClr val="tx1"/>
+                </a:solidFill>
+                <a:effectLst/>
+                <a:latin typeface="+mn-lt"/>
+                <a:ea typeface="+mn-ea"/>
+                <a:cs typeface="+mn-cs"/>
+              </a:rPr>
+              <a:t/>
+            </a:r>
             <a:br>
               <a:rPr lang="en-US" altLang="zh-TW" sz="1200" b="0" i="0" kern="1200" dirty="0">
                 <a:solidFill>
@@ -2529,7 +2726,7 @@
       </p:grpSpPr>
       <p:sp>
         <p:nvSpPr>
-          <p:cNvPr id="2" name="投影片影像版面配置區 1"/>
+          <p:cNvPr id="2" name="投影片圖像版面配置區 1"/>
           <p:cNvSpPr>
             <a:spLocks noGrp="1" noRot="1" noChangeAspect="1"/>
           </p:cNvSpPr>
@@ -2555,9 +2752,10 @@
           <a:lstStyle/>
           <a:p>
             <a:r>
-              <a:rPr lang="zh-TW" altLang="en-US" dirty="0"/>
-              <a:t>可以接納任何元件</a:t>
-            </a:r>
+              <a:rPr lang="zh-TW" altLang="en-US" dirty="0" smtClean="0"/>
+              <a:t>但是以上的方法可以完成大部分的需求</a:t>
+            </a:r>
+            <a:endParaRPr lang="zh-TW" altLang="en-US" dirty="0"/>
           </a:p>
         </p:txBody>
       </p:sp>
@@ -2568,7 +2766,7 @@
             <a:spLocks noGrp="1"/>
           </p:cNvSpPr>
           <p:nvPr>
-            <p:ph type="sldNum" sz="quarter" idx="5"/>
+            <p:ph type="sldNum" sz="quarter" idx="10"/>
           </p:nvPr>
         </p:nvSpPr>
         <p:spPr/>
@@ -2578,7 +2776,7 @@
           <a:p>
             <a:fld id="{6B094CF9-824F-48E6-BF21-19194E5F47C1}" type="slidenum">
               <a:rPr lang="zh-TW" altLang="en-US" smtClean="0"/>
-              <a:t>27</a:t>
+              <a:t>26</a:t>
             </a:fld>
             <a:endParaRPr lang="zh-TW" altLang="en-US"/>
           </a:p>
@@ -2587,7 +2785,7 @@
     </p:spTree>
     <p:extLst>
       <p:ext uri="{BB962C8B-B14F-4D97-AF65-F5344CB8AC3E}">
-        <p14:creationId xmlns:p14="http://schemas.microsoft.com/office/powerpoint/2010/main" val="971837118"/>
+        <p14:creationId xmlns:p14="http://schemas.microsoft.com/office/powerpoint/2010/main" val="2862965929"/>
       </p:ext>
     </p:extLst>
   </p:cSld>
@@ -2847,7 +3045,7 @@
             <a:fld id="{32C01325-88C4-4D06-9909-B472E042400E}" type="datetime1">
               <a:rPr lang="en-US" altLang="zh-TW" smtClean="0"/>
               <a:pPr/>
-              <a:t>3/16/2020</a:t>
+              <a:t>3/17/2020</a:t>
             </a:fld>
             <a:endParaRPr lang="en-US" dirty="0"/>
           </a:p>
@@ -3146,7 +3344,7 @@
           <a:p>
             <a:fld id="{EDA0A132-BC1D-4AF8-815F-69FFFBA081C0}" type="datetime1">
               <a:rPr lang="en-US" altLang="zh-TW" smtClean="0"/>
-              <a:t>3/16/2020</a:t>
+              <a:t>3/17/2020</a:t>
             </a:fld>
             <a:endParaRPr lang="en-US" dirty="0"/>
           </a:p>
@@ -3337,7 +3535,7 @@
           <a:p>
             <a:fld id="{7D88C161-0482-4BB7-93B6-C6023237F745}" type="datetime1">
               <a:rPr lang="en-US" altLang="zh-TW" smtClean="0"/>
-              <a:t>3/16/2020</a:t>
+              <a:t>3/17/2020</a:t>
             </a:fld>
             <a:endParaRPr lang="en-US" dirty="0"/>
           </a:p>
@@ -3533,7 +3731,7 @@
           <a:p>
             <a:fld id="{8E4C3707-23DF-4F24-B951-FD2ECC3B8CB1}" type="datetime1">
               <a:rPr lang="en-US" altLang="zh-TW" smtClean="0"/>
-              <a:t>3/16/2020</a:t>
+              <a:t>3/17/2020</a:t>
             </a:fld>
             <a:endParaRPr lang="en-US" dirty="0"/>
           </a:p>
@@ -3724,7 +3922,7 @@
             <a:fld id="{5F545754-5242-4855-81C9-E117DB6DAFCF}" type="datetime1">
               <a:rPr lang="en-US" altLang="zh-TW" smtClean="0"/>
               <a:pPr/>
-              <a:t>3/16/2020</a:t>
+              <a:t>3/17/2020</a:t>
             </a:fld>
             <a:endParaRPr lang="en-US" dirty="0"/>
           </a:p>
@@ -3966,7 +4164,7 @@
           <a:p>
             <a:fld id="{3BC9C2A9-AB99-41F5-8F75-27C8D8E8E8DB}" type="datetime1">
               <a:rPr lang="en-US" altLang="zh-TW" smtClean="0"/>
-              <a:t>3/16/2020</a:t>
+              <a:t>3/17/2020</a:t>
             </a:fld>
             <a:endParaRPr lang="en-US" dirty="0"/>
           </a:p>
@@ -4270,7 +4468,7 @@
           <a:p>
             <a:fld id="{09B33BAF-14F9-4A03-BD06-9AE09252F7E6}" type="datetime1">
               <a:rPr lang="en-US" altLang="zh-TW" smtClean="0"/>
-              <a:t>3/16/2020</a:t>
+              <a:t>3/17/2020</a:t>
             </a:fld>
             <a:endParaRPr lang="en-US" dirty="0"/>
           </a:p>
@@ -4728,7 +4926,7 @@
           <a:p>
             <a:fld id="{30AF5C3A-F124-479E-9564-3819A45DE9FD}" type="datetime1">
               <a:rPr lang="en-US" altLang="zh-TW" smtClean="0"/>
-              <a:t>3/16/2020</a:t>
+              <a:t>3/17/2020</a:t>
             </a:fld>
             <a:endParaRPr lang="en-US" dirty="0"/>
           </a:p>
@@ -4862,7 +5060,7 @@
           <a:p>
             <a:fld id="{E2A6C839-805B-4120-8E1A-887DB3085696}" type="datetime1">
               <a:rPr lang="en-US" altLang="zh-TW" smtClean="0"/>
-              <a:t>3/16/2020</a:t>
+              <a:t>3/17/2020</a:t>
             </a:fld>
             <a:endParaRPr lang="en-US" dirty="0"/>
           </a:p>
@@ -4973,7 +5171,7 @@
           <a:p>
             <a:fld id="{C3BC61D4-9EDA-48F2-9DC7-4BAF2EFB36CA}" type="datetime1">
               <a:rPr lang="en-US" altLang="zh-TW" smtClean="0"/>
-              <a:t>3/16/2020</a:t>
+              <a:t>3/17/2020</a:t>
             </a:fld>
             <a:endParaRPr lang="en-US" dirty="0"/>
           </a:p>
@@ -5096,7 +5294,7 @@
           <a:p>
             <a:fld id="{C3BC61D4-9EDA-48F2-9DC7-4BAF2EFB36CA}" type="datetime1">
               <a:rPr lang="en-US" altLang="zh-TW" smtClean="0"/>
-              <a:t>3/16/2020</a:t>
+              <a:t>3/17/2020</a:t>
             </a:fld>
             <a:endParaRPr lang="en-US" dirty="0"/>
           </a:p>
@@ -5472,7 +5670,7 @@
           <a:p>
             <a:fld id="{AD3619F7-4977-420F-B59A-DBDA61E7ABEC}" type="datetime1">
               <a:rPr lang="en-US" altLang="zh-TW" smtClean="0"/>
-              <a:t>3/16/2020</a:t>
+              <a:t>3/17/2020</a:t>
             </a:fld>
             <a:endParaRPr lang="en-US" dirty="0"/>
           </a:p>
@@ -5790,7 +5988,7 @@
             <a:fld id="{427FFE6E-D4EC-4F12-B8B0-E72AA8EDAE7C}" type="datetime1">
               <a:rPr lang="en-US" altLang="zh-TW" smtClean="0"/>
               <a:pPr/>
-              <a:t>3/16/2020</a:t>
+              <a:t>3/17/2020</a:t>
             </a:fld>
             <a:endParaRPr lang="en-US" dirty="0"/>
           </a:p>
@@ -6436,7 +6634,7 @@
           <a:p>
             <a:fld id="{1CD3BEDE-1300-489E-9415-8CE48063710D}" type="datetime1">
               <a:rPr lang="en-US" altLang="zh-TW" smtClean="0"/>
-              <a:t>3/16/2020</a:t>
+              <a:t>3/17/2020</a:t>
             </a:fld>
             <a:endParaRPr lang="en-US" dirty="0"/>
           </a:p>
@@ -6464,6 +6662,13 @@
       </p:transition>
     </mc:Fallback>
   </mc:AlternateContent>
+  <p:timing>
+    <p:tnLst>
+      <p:par>
+        <p:cTn id="1" dur="indefinite" restart="never" nodeType="tmRoot"/>
+      </p:par>
+    </p:tnLst>
+  </p:timing>
 </p:sld>
 </file>
 
@@ -9273,7 +9478,7 @@
           <p:nvPr>
             <p:extLst>
               <p:ext uri="{D42A27DB-BD31-4B8C-83A1-F6EECF244321}">
-                <p14:modId xmlns:p14="http://schemas.microsoft.com/office/powerpoint/2010/main" val="2089230368"/>
+                <p14:modId xmlns:p14="http://schemas.microsoft.com/office/powerpoint/2010/main" val="1717345050"/>
               </p:ext>
             </p:extLst>
           </p:nvPr>
@@ -9481,7 +9686,7 @@
                     <a:p>
                       <a:pPr algn="r"/>
                       <a:r>
-                        <a:rPr lang="en-US" altLang="zh-TW" sz="3600" b="1" spc="300" dirty="0">
+                        <a:rPr lang="en-US" altLang="zh-TW" sz="3600" b="1" spc="300" dirty="0" smtClean="0">
                           <a:solidFill>
                             <a:schemeClr val="bg1"/>
                           </a:solidFill>
@@ -11267,6 +11472,13 @@
       </p:transition>
     </mc:Fallback>
   </mc:AlternateContent>
+  <p:timing>
+    <p:tnLst>
+      <p:par>
+        <p:cTn id="1" dur="indefinite" restart="never" nodeType="tmRoot"/>
+      </p:par>
+    </p:tnLst>
+  </p:timing>
 </p:sld>
 </file>
 
@@ -11367,7 +11579,7 @@
                 <a:hlinkClick r:id="rId2">
                   <a:extLst>
                     <a:ext uri="{A12FA001-AC4F-418D-AE19-62706E023703}">
-                      <ahyp:hlinkClr xmlns:ahyp="http://schemas.microsoft.com/office/drawing/2018/hyperlinkcolor" val="tx"/>
+                      <ahyp:hlinkClr xmlns:ahyp="http://schemas.microsoft.com/office/drawing/2018/hyperlinkcolor" xmlns="" val="tx"/>
                     </a:ext>
                   </a:extLst>
                 </a:hlinkClick>
@@ -11538,6 +11750,13 @@
       </p:transition>
     </mc:Fallback>
   </mc:AlternateContent>
+  <p:timing>
+    <p:tnLst>
+      <p:par>
+        <p:cTn id="1" dur="indefinite" restart="never" nodeType="tmRoot"/>
+      </p:par>
+    </p:tnLst>
+  </p:timing>
 </p:sld>
 </file>
 
@@ -12627,6 +12846,13 @@
       </p:transition>
     </mc:Fallback>
   </mc:AlternateContent>
+  <p:timing>
+    <p:tnLst>
+      <p:par>
+        <p:cTn id="1" dur="indefinite" restart="never" nodeType="tmRoot"/>
+      </p:par>
+    </p:tnLst>
+  </p:timing>
 </p:sld>
 </file>
 
@@ -12691,8 +12917,8 @@
         </p:nvSpPr>
         <p:spPr>
           <a:xfrm>
-            <a:off x="4994395" y="737198"/>
-            <a:ext cx="1723549" cy="923330"/>
+            <a:off x="3549396" y="1334098"/>
+            <a:ext cx="5570756" cy="923330"/>
           </a:xfrm>
           <a:prstGeom prst="rect">
             <a:avLst/>
@@ -12706,12 +12932,12 @@
           <a:lstStyle/>
           <a:p>
             <a:r>
-              <a:rPr lang="zh-TW" altLang="en-US" sz="5400" spc="600" dirty="0">
+              <a:rPr lang="zh-TW" altLang="en-US" sz="5400" spc="600" dirty="0" smtClean="0">
                 <a:solidFill>
                   <a:schemeClr val="bg1"/>
                 </a:solidFill>
               </a:rPr>
-              <a:t>監聽</a:t>
+              <a:t>需要有監聽事件</a:t>
             </a:r>
             <a:endParaRPr lang="zh-TW" altLang="en-US" sz="4400" spc="600" dirty="0">
               <a:solidFill>
@@ -12735,8 +12961,8 @@
         </p:nvSpPr>
         <p:spPr>
           <a:xfrm>
-            <a:off x="2251194" y="3105834"/>
-            <a:ext cx="1859805" cy="646331"/>
+            <a:off x="1870194" y="3474133"/>
+            <a:ext cx="2783134" cy="646331"/>
           </a:xfrm>
           <a:prstGeom prst="rect">
             <a:avLst/>
@@ -12750,14 +12976,24 @@
           <a:lstStyle/>
           <a:p>
             <a:r>
-              <a:rPr lang="zh-TW" altLang="en-US" sz="3600" dirty="0">
+              <a:rPr lang="zh-TW" altLang="en-US" sz="3600" dirty="0" smtClean="0">
                 <a:solidFill>
                   <a:schemeClr val="bg1">
                     <a:lumMod val="85000"/>
                   </a:schemeClr>
                 </a:solidFill>
               </a:rPr>
-              <a:t>誰來做 </a:t>
+              <a:t>那麼誰</a:t>
+            </a:r>
+            <a:r>
+              <a:rPr lang="zh-TW" altLang="en-US" sz="3600" dirty="0">
+                <a:solidFill>
+                  <a:schemeClr val="bg1">
+                    <a:lumMod val="85000"/>
+                  </a:schemeClr>
+                </a:solidFill>
+              </a:rPr>
+              <a:t>來做 </a:t>
             </a:r>
             <a:r>
               <a:rPr lang="en-US" altLang="zh-TW" sz="3600" dirty="0">
@@ -12793,8 +13029,8 @@
         </p:nvSpPr>
         <p:spPr>
           <a:xfrm>
-            <a:off x="7869569" y="3105834"/>
-            <a:ext cx="1859805" cy="646331"/>
+            <a:off x="7869569" y="3474132"/>
+            <a:ext cx="2321469" cy="646331"/>
           </a:xfrm>
           <a:prstGeom prst="rect">
             <a:avLst/>
@@ -12808,14 +13044,24 @@
           <a:lstStyle/>
           <a:p>
             <a:r>
-              <a:rPr lang="zh-TW" altLang="en-US" sz="3600" dirty="0">
+              <a:rPr lang="zh-TW" altLang="en-US" sz="3600" dirty="0" smtClean="0">
                 <a:solidFill>
                   <a:schemeClr val="bg1">
                     <a:lumMod val="85000"/>
                   </a:schemeClr>
                 </a:solidFill>
               </a:rPr>
-              <a:t>何時做 </a:t>
+              <a:t>該何時</a:t>
+            </a:r>
+            <a:r>
+              <a:rPr lang="zh-TW" altLang="en-US" sz="3600" dirty="0">
+                <a:solidFill>
+                  <a:schemeClr val="bg1">
+                    <a:lumMod val="85000"/>
+                  </a:schemeClr>
+                </a:solidFill>
+              </a:rPr>
+              <a:t>做 </a:t>
             </a:r>
             <a:r>
               <a:rPr lang="en-US" altLang="zh-TW" sz="3600" dirty="0">
@@ -12859,6 +13105,13 @@
       </p:transition>
     </mc:Fallback>
   </mc:AlternateContent>
+  <p:timing>
+    <p:tnLst>
+      <p:par>
+        <p:cTn id="1" dur="indefinite" restart="never" nodeType="tmRoot"/>
+      </p:par>
+    </p:tnLst>
+  </p:timing>
 </p:sld>
 </file>
 
@@ -13079,6 +13332,13 @@
       </p:transition>
     </mc:Fallback>
   </mc:AlternateContent>
+  <p:timing>
+    <p:tnLst>
+      <p:par>
+        <p:cTn id="1" dur="indefinite" restart="never" nodeType="tmRoot"/>
+      </p:par>
+    </p:tnLst>
+  </p:timing>
 </p:sld>
 </file>
 
@@ -13151,9 +13411,10 @@
           <a:lstStyle/>
           <a:p>
             <a:r>
-              <a:rPr lang="zh-TW" altLang="en-US" dirty="0"/>
-              <a:t>結構</a:t>
-            </a:r>
+              <a:rPr lang="zh-TW" altLang="en-US" dirty="0" smtClean="0"/>
+              <a:t>使用結構</a:t>
+            </a:r>
+            <a:endParaRPr lang="zh-TW" altLang="en-US" dirty="0"/>
           </a:p>
         </p:txBody>
       </p:sp>
@@ -13616,6 +13877,13 @@
       </p:transition>
     </mc:Fallback>
   </mc:AlternateContent>
+  <p:timing>
+    <p:tnLst>
+      <p:par>
+        <p:cTn id="1" dur="indefinite" restart="never" nodeType="tmRoot"/>
+      </p:par>
+    </p:tnLst>
+  </p:timing>
 </p:sld>
 </file>
 
@@ -13711,7 +13979,7 @@
         </p:nvSpPr>
         <p:spPr>
           <a:xfrm>
-            <a:off x="2591131" y="2914237"/>
+            <a:off x="2413331" y="1678482"/>
             <a:ext cx="2031325" cy="646331"/>
           </a:xfrm>
           <a:prstGeom prst="rect">
@@ -13750,7 +14018,7 @@
         </p:nvSpPr>
         <p:spPr>
           <a:xfrm>
-            <a:off x="7530204" y="2914237"/>
+            <a:off x="7771504" y="1678482"/>
             <a:ext cx="2031325" cy="646331"/>
           </a:xfrm>
           <a:prstGeom prst="rect">
@@ -13775,6 +14043,88 @@
           </a:p>
         </p:txBody>
       </p:sp>
+      <p:pic>
+        <p:nvPicPr>
+          <p:cNvPr id="3074" name="Picture 2" descr="札束で殴る人のイラスト（棒人間）"/>
+          <p:cNvPicPr>
+            <a:picLocks noChangeAspect="1" noChangeArrowheads="1"/>
+          </p:cNvPicPr>
+          <p:nvPr/>
+        </p:nvPicPr>
+        <p:blipFill>
+          <a:blip r:embed="rId2">
+            <a:extLst>
+              <a:ext uri="{28A0092B-C50C-407E-A947-70E740481C1C}">
+                <a14:useLocalDpi xmlns:a14="http://schemas.microsoft.com/office/drawing/2010/main" val="0"/>
+              </a:ext>
+            </a:extLst>
+          </a:blip>
+          <a:srcRect/>
+          <a:stretch>
+            <a:fillRect/>
+          </a:stretch>
+        </p:blipFill>
+        <p:spPr bwMode="auto">
+          <a:xfrm>
+            <a:off x="1808993" y="2540989"/>
+            <a:ext cx="3240000" cy="3240000"/>
+          </a:xfrm>
+          <a:prstGeom prst="rect">
+            <a:avLst/>
+          </a:prstGeom>
+          <a:noFill/>
+          <a:extLst>
+            <a:ext uri="{909E8E84-426E-40DD-AFC4-6F175D3DCCD1}">
+              <a14:hiddenFill xmlns:a14="http://schemas.microsoft.com/office/drawing/2010/main">
+                <a:solidFill>
+                  <a:srgbClr val="FFFFFF"/>
+                </a:solidFill>
+              </a14:hiddenFill>
+            </a:ext>
+          </a:extLst>
+        </p:spPr>
+      </p:pic>
+      <p:pic>
+        <p:nvPicPr>
+          <p:cNvPr id="3076" name="Picture 4" descr="ゴールした人のイラスト（棒人間）"/>
+          <p:cNvPicPr>
+            <a:picLocks noChangeAspect="1" noChangeArrowheads="1"/>
+          </p:cNvPicPr>
+          <p:nvPr/>
+        </p:nvPicPr>
+        <p:blipFill>
+          <a:blip r:embed="rId3">
+            <a:extLst>
+              <a:ext uri="{28A0092B-C50C-407E-A947-70E740481C1C}">
+                <a14:useLocalDpi xmlns:a14="http://schemas.microsoft.com/office/drawing/2010/main" val="0"/>
+              </a:ext>
+            </a:extLst>
+          </a:blip>
+          <a:srcRect/>
+          <a:stretch>
+            <a:fillRect/>
+          </a:stretch>
+        </p:blipFill>
+        <p:spPr bwMode="auto">
+          <a:xfrm>
+            <a:off x="7269068" y="2540989"/>
+            <a:ext cx="3240000" cy="3240000"/>
+          </a:xfrm>
+          <a:prstGeom prst="rect">
+            <a:avLst/>
+          </a:prstGeom>
+          <a:noFill/>
+          <a:extLst>
+            <a:ext uri="{909E8E84-426E-40DD-AFC4-6F175D3DCCD1}">
+              <a14:hiddenFill xmlns:a14="http://schemas.microsoft.com/office/drawing/2010/main">
+                <a:solidFill>
+                  <a:srgbClr val="FFFFFF"/>
+                </a:solidFill>
+              </a14:hiddenFill>
+            </a:ext>
+          </a:extLst>
+        </p:spPr>
+      </p:pic>
     </p:spTree>
     <p:extLst>
       <p:ext uri="{BB962C8B-B14F-4D97-AF65-F5344CB8AC3E}">
@@ -13797,6 +14147,13 @@
       </p:transition>
     </mc:Fallback>
   </mc:AlternateContent>
+  <p:timing>
+    <p:tnLst>
+      <p:par>
+        <p:cTn id="1" dur="indefinite" restart="never" nodeType="tmRoot"/>
+      </p:par>
+    </p:tnLst>
+  </p:timing>
 </p:sld>
 </file>
 
@@ -13819,13 +14176,7 @@
       </p:grpSpPr>
       <p:sp>
         <p:nvSpPr>
-          <p:cNvPr id="2" name="投影片編號版面配置區 1">
-            <a:extLst>
-              <a:ext uri="{FF2B5EF4-FFF2-40B4-BE49-F238E27FC236}">
-                <a16:creationId xmlns:a16="http://schemas.microsoft.com/office/drawing/2014/main" id="{5321DC1F-7624-4F57-B673-3C48399B9283}"/>
-              </a:ext>
-            </a:extLst>
-          </p:cNvPr>
+          <p:cNvPr id="2" name="投影片編號版面配置區 1"/>
           <p:cNvSpPr>
             <a:spLocks noGrp="1"/>
           </p:cNvSpPr>
@@ -13849,13 +14200,7 @@
       </p:sp>
       <p:sp>
         <p:nvSpPr>
-          <p:cNvPr id="3" name="文字版面配置區 2">
-            <a:extLst>
-              <a:ext uri="{FF2B5EF4-FFF2-40B4-BE49-F238E27FC236}">
-                <a16:creationId xmlns:a16="http://schemas.microsoft.com/office/drawing/2014/main" id="{96931718-23C2-4D8C-9172-96D6394F2897}"/>
-              </a:ext>
-            </a:extLst>
-          </p:cNvPr>
+          <p:cNvPr id="3" name="文字版面配置區 2"/>
           <p:cNvSpPr>
             <a:spLocks noGrp="1"/>
           </p:cNvSpPr>
@@ -13869,20 +14214,22 @@
           <a:lstStyle/>
           <a:p>
             <a:r>
-              <a:rPr lang="en-US" altLang="zh-TW" dirty="0" err="1">
-                <a:latin typeface="+mn-ea"/>
-              </a:rPr>
-              <a:t>useRef</a:t>
-            </a:r>
-            <a:r>
-              <a:rPr lang="en-US" altLang="zh-TW" dirty="0">
-                <a:latin typeface="+mj-ea"/>
-              </a:rPr>
-              <a:t>( )</a:t>
-            </a:r>
-            <a:endParaRPr lang="zh-TW" altLang="en-US" dirty="0">
-              <a:latin typeface="+mj-ea"/>
-            </a:endParaRPr>
+              <a:rPr lang="zh-TW" altLang="en-US" dirty="0"/>
+              <a:t>有</a:t>
+            </a:r>
+            <a:r>
+              <a:rPr lang="zh-TW" altLang="en-US" dirty="0" smtClean="0"/>
+              <a:t>沒有實際情況</a:t>
+            </a:r>
+            <a:r>
+              <a:rPr lang="zh-TW" altLang="en-US" dirty="0" smtClean="0"/>
+              <a:t>是</a:t>
+            </a:r>
+            <a:r>
+              <a:rPr lang="en-US" altLang="zh-TW" dirty="0" smtClean="0"/>
+              <a:t>…</a:t>
+            </a:r>
+            <a:endParaRPr lang="zh-TW" altLang="en-US" dirty="0"/>
           </a:p>
         </p:txBody>
       </p:sp>
@@ -13891,7 +14238,7 @@
           <p:cNvPr id="4" name="文字方塊 3">
             <a:extLst>
               <a:ext uri="{FF2B5EF4-FFF2-40B4-BE49-F238E27FC236}">
-                <a16:creationId xmlns:a16="http://schemas.microsoft.com/office/drawing/2014/main" id="{DF8B345D-3869-4034-AA89-9F820872C68B}"/>
+                <a16:creationId xmlns:a16="http://schemas.microsoft.com/office/drawing/2014/main" id="{3FE62995-6920-45AF-AD93-E3CB3551F6CD}"/>
               </a:ext>
             </a:extLst>
           </p:cNvPr>
@@ -13900,8 +14247,8 @@
         </p:nvSpPr>
         <p:spPr>
           <a:xfrm>
-            <a:off x="1362171" y="1884732"/>
-            <a:ext cx="8587945" cy="2217851"/>
+            <a:off x="8247331" y="5062909"/>
+            <a:ext cx="3416320" cy="646331"/>
           </a:xfrm>
           <a:prstGeom prst="rect">
             <a:avLst/>
@@ -13909,128 +14256,119 @@
           <a:noFill/>
         </p:spPr>
         <p:txBody>
-          <a:bodyPr wrap="square" rtlCol="0">
+          <a:bodyPr wrap="none" rtlCol="0">
             <a:spAutoFit/>
           </a:bodyPr>
           <a:lstStyle/>
           <a:p>
-            <a:pPr marL="457200" indent="-457200">
-              <a:lnSpc>
-                <a:spcPct val="150000"/>
-              </a:lnSpc>
-              <a:buFont typeface="Arial" panose="020B0604020202020204" pitchFamily="34" charset="0"/>
-              <a:buChar char="•"/>
-            </a:pPr>
-            <a:r>
-              <a:rPr lang="zh-TW" altLang="en-US" sz="3200" dirty="0">
-                <a:solidFill>
-                  <a:schemeClr val="bg1">
-                    <a:lumMod val="75000"/>
-                  </a:schemeClr>
-                </a:solidFill>
-                <a:latin typeface="+mn-ea"/>
-              </a:rPr>
-              <a:t>通常用於抓取到 </a:t>
-            </a:r>
-            <a:r>
-              <a:rPr lang="en-US" altLang="zh-TW" sz="3200" dirty="0">
-                <a:solidFill>
-                  <a:schemeClr val="bg1">
-                    <a:lumMod val="75000"/>
-                  </a:schemeClr>
-                </a:solidFill>
-                <a:latin typeface="+mn-ea"/>
-              </a:rPr>
-              <a:t>DOM </a:t>
-            </a:r>
-            <a:r>
-              <a:rPr lang="zh-TW" altLang="en-US" sz="3200" dirty="0">
-                <a:solidFill>
-                  <a:schemeClr val="bg1">
-                    <a:lumMod val="75000"/>
-                  </a:schemeClr>
-                </a:solidFill>
-                <a:latin typeface="+mn-ea"/>
-              </a:rPr>
-              <a:t>節點</a:t>
-            </a:r>
-            <a:endParaRPr lang="en-US" altLang="zh-TW" sz="3200" dirty="0">
+            <a:r>
+              <a:rPr lang="zh-TW" altLang="en-US" sz="3600" dirty="0" smtClean="0">
+                <a:solidFill>
+                  <a:schemeClr val="bg1"/>
+                </a:solidFill>
+              </a:rPr>
+              <a:t>或是沒必要保存</a:t>
+            </a:r>
+            <a:endParaRPr lang="zh-TW" altLang="en-US" sz="3600" dirty="0">
               <a:solidFill>
-                <a:schemeClr val="bg1">
-                  <a:lumMod val="75000"/>
-                </a:schemeClr>
+                <a:schemeClr val="bg1"/>
               </a:solidFill>
-              <a:latin typeface="+mn-ea"/>
             </a:endParaRPr>
           </a:p>
-          <a:p>
-            <a:pPr marL="457200" indent="-457200">
-              <a:lnSpc>
-                <a:spcPct val="150000"/>
-              </a:lnSpc>
-              <a:buFont typeface="Arial" panose="020B0604020202020204" pitchFamily="34" charset="0"/>
-              <a:buChar char="•"/>
-            </a:pPr>
-            <a:r>
-              <a:rPr lang="zh-TW" altLang="en-US" sz="3200" dirty="0">
-                <a:solidFill>
-                  <a:schemeClr val="bg1">
-                    <a:lumMod val="75000"/>
-                  </a:schemeClr>
-                </a:solidFill>
-                <a:latin typeface="+mn-ea"/>
-              </a:rPr>
-              <a:t>不會觸發 </a:t>
-            </a:r>
-            <a:r>
-              <a:rPr lang="en-US" altLang="zh-TW" sz="3200" dirty="0">
-                <a:solidFill>
-                  <a:schemeClr val="bg1">
-                    <a:lumMod val="75000"/>
-                  </a:schemeClr>
-                </a:solidFill>
-                <a:latin typeface="+mn-ea"/>
-              </a:rPr>
-              <a:t>re-render</a:t>
-            </a:r>
-          </a:p>
-          <a:p>
-            <a:pPr marL="457200" indent="-457200">
-              <a:lnSpc>
-                <a:spcPct val="150000"/>
-              </a:lnSpc>
-              <a:buFont typeface="Arial" panose="020B0604020202020204" pitchFamily="34" charset="0"/>
-              <a:buChar char="•"/>
-            </a:pPr>
-            <a:r>
-              <a:rPr lang="zh-TW" altLang="en-US" sz="3200" dirty="0">
-                <a:solidFill>
-                  <a:schemeClr val="bg1">
-                    <a:lumMod val="75000"/>
-                  </a:schemeClr>
-                </a:solidFill>
-                <a:latin typeface="+mn-ea"/>
-              </a:rPr>
-              <a:t>自建一個 </a:t>
-            </a:r>
-            <a:r>
-              <a:rPr lang="en-US" altLang="zh-TW" sz="3200" dirty="0">
-                <a:solidFill>
-                  <a:schemeClr val="bg1">
-                    <a:lumMod val="75000"/>
-                  </a:schemeClr>
-                </a:solidFill>
-                <a:latin typeface="+mn-ea"/>
-              </a:rPr>
-              <a:t>{current: ...}</a:t>
-            </a:r>
+        </p:txBody>
+      </p:sp>
+      <p:sp>
+        <p:nvSpPr>
+          <p:cNvPr id="5" name="文字方塊 4">
+            <a:extLst>
+              <a:ext uri="{FF2B5EF4-FFF2-40B4-BE49-F238E27FC236}">
+                <a16:creationId xmlns:a16="http://schemas.microsoft.com/office/drawing/2014/main" id="{3FE62995-6920-45AF-AD93-E3CB3551F6CD}"/>
+              </a:ext>
+            </a:extLst>
+          </p:cNvPr>
+          <p:cNvSpPr txBox="1"/>
+          <p:nvPr/>
+        </p:nvSpPr>
+        <p:spPr>
+          <a:xfrm>
+            <a:off x="673431" y="2281610"/>
+            <a:ext cx="3416320" cy="646331"/>
+          </a:xfrm>
+          <a:prstGeom prst="rect">
+            <a:avLst/>
+          </a:prstGeom>
+          <a:noFill/>
+        </p:spPr>
+        <p:txBody>
+          <a:bodyPr wrap="none" rtlCol="0">
+            <a:spAutoFit/>
+          </a:bodyPr>
+          <a:lstStyle/>
+          <a:p>
+            <a:r>
+              <a:rPr lang="zh-TW" altLang="en-US" sz="3600" dirty="0" smtClean="0">
+                <a:solidFill>
+                  <a:schemeClr val="bg1"/>
+                </a:solidFill>
+              </a:rPr>
+              <a:t>不需要資料連動</a:t>
+            </a:r>
+            <a:endParaRPr lang="zh-TW" altLang="en-US" sz="3600" dirty="0">
+              <a:solidFill>
+                <a:schemeClr val="bg1"/>
+              </a:solidFill>
+            </a:endParaRPr>
+          </a:p>
+        </p:txBody>
+      </p:sp>
+      <p:sp>
+        <p:nvSpPr>
+          <p:cNvPr id="6" name="文字方塊 5">
+            <a:extLst>
+              <a:ext uri="{FF2B5EF4-FFF2-40B4-BE49-F238E27FC236}">
+                <a16:creationId xmlns:a16="http://schemas.microsoft.com/office/drawing/2014/main" id="{3FE62995-6920-45AF-AD93-E3CB3551F6CD}"/>
+              </a:ext>
+            </a:extLst>
+          </p:cNvPr>
+          <p:cNvSpPr txBox="1"/>
+          <p:nvPr/>
+        </p:nvSpPr>
+        <p:spPr>
+          <a:xfrm>
+            <a:off x="4419951" y="3681189"/>
+            <a:ext cx="3416320" cy="646331"/>
+          </a:xfrm>
+          <a:prstGeom prst="rect">
+            <a:avLst/>
+          </a:prstGeom>
+          <a:noFill/>
+        </p:spPr>
+        <p:txBody>
+          <a:bodyPr wrap="none" rtlCol="0">
+            <a:spAutoFit/>
+          </a:bodyPr>
+          <a:lstStyle/>
+          <a:p>
+            <a:r>
+              <a:rPr lang="zh-TW" altLang="en-US" sz="3600" dirty="0" smtClean="0">
+                <a:solidFill>
+                  <a:schemeClr val="bg1"/>
+                </a:solidFill>
+              </a:rPr>
+              <a:t>不需要立即保存</a:t>
+            </a:r>
+            <a:endParaRPr lang="zh-TW" altLang="en-US" sz="3600" dirty="0">
+              <a:solidFill>
+                <a:schemeClr val="bg1"/>
+              </a:solidFill>
+            </a:endParaRPr>
           </a:p>
         </p:txBody>
       </p:sp>
     </p:spTree>
     <p:extLst>
       <p:ext uri="{BB962C8B-B14F-4D97-AF65-F5344CB8AC3E}">
-        <p14:creationId xmlns:p14="http://schemas.microsoft.com/office/powerpoint/2010/main" val="2281194327"/>
+        <p14:creationId xmlns:p14="http://schemas.microsoft.com/office/powerpoint/2010/main" val="293357791"/>
       </p:ext>
     </p:extLst>
   </p:cSld>
@@ -14049,6 +14387,13 @@
       </p:transition>
     </mc:Fallback>
   </mc:AlternateContent>
+  <p:timing>
+    <p:tnLst>
+      <p:par>
+        <p:cTn id="1" dur="indefinite" restart="never" nodeType="tmRoot"/>
+      </p:par>
+    </p:tnLst>
+  </p:timing>
 </p:sld>
 </file>
 
@@ -14071,13 +14416,7 @@
       </p:grpSpPr>
       <p:sp>
         <p:nvSpPr>
-          <p:cNvPr id="2" name="投影片編號版面配置區 1">
-            <a:extLst>
-              <a:ext uri="{FF2B5EF4-FFF2-40B4-BE49-F238E27FC236}">
-                <a16:creationId xmlns:a16="http://schemas.microsoft.com/office/drawing/2014/main" id="{A8AC08B9-BD6E-4DBA-BB56-A264B2E4591A}"/>
-              </a:ext>
-            </a:extLst>
-          </p:cNvPr>
+          <p:cNvPr id="2" name="投影片編號版面配置區 1"/>
           <p:cNvSpPr>
             <a:spLocks noGrp="1"/>
           </p:cNvSpPr>
@@ -14101,192 +14440,33 @@
       </p:sp>
       <p:sp>
         <p:nvSpPr>
-          <p:cNvPr id="3" name="矩形 2">
+          <p:cNvPr id="3" name="文字版面配置區 2"/>
+          <p:cNvSpPr>
+            <a:spLocks noGrp="1"/>
+          </p:cNvSpPr>
+          <p:nvPr>
+            <p:ph type="body" sz="quarter" idx="13"/>
+          </p:nvPr>
+        </p:nvSpPr>
+        <p:spPr/>
+        <p:txBody>
+          <a:bodyPr/>
+          <a:lstStyle/>
+          <a:p>
+            <a:r>
+              <a:rPr lang="zh-TW" altLang="en-US" dirty="0" smtClean="0"/>
+              <a:t>資料輸入類物件</a:t>
+            </a:r>
+            <a:endParaRPr lang="zh-TW" altLang="en-US" dirty="0"/>
+          </a:p>
+        </p:txBody>
+      </p:sp>
+      <p:sp>
+        <p:nvSpPr>
+          <p:cNvPr id="4" name="文字方塊 3">
             <a:extLst>
               <a:ext uri="{FF2B5EF4-FFF2-40B4-BE49-F238E27FC236}">
-                <a16:creationId xmlns:a16="http://schemas.microsoft.com/office/drawing/2014/main" id="{AC797E67-4A73-489F-8DA4-DCD652A8CA38}"/>
-              </a:ext>
-            </a:extLst>
-          </p:cNvPr>
-          <p:cNvSpPr/>
-          <p:nvPr/>
-        </p:nvSpPr>
-        <p:spPr>
-          <a:xfrm>
-            <a:off x="8360319" y="3371868"/>
-            <a:ext cx="1631024" cy="646331"/>
-          </a:xfrm>
-          <a:prstGeom prst="rect">
-            <a:avLst/>
-          </a:prstGeom>
-        </p:spPr>
-        <p:txBody>
-          <a:bodyPr wrap="none">
-            <a:spAutoFit/>
-          </a:bodyPr>
-          <a:lstStyle/>
-          <a:p>
-            <a:r>
-              <a:rPr lang="en-US" altLang="zh-TW" sz="3600" dirty="0" err="1">
-                <a:solidFill>
-                  <a:schemeClr val="bg1"/>
-                </a:solidFill>
-                <a:latin typeface="+mn-ea"/>
-              </a:rPr>
-              <a:t>useRef</a:t>
-            </a:r>
-            <a:endParaRPr lang="zh-TW" altLang="en-US" sz="3600" dirty="0">
-              <a:solidFill>
-                <a:schemeClr val="bg1"/>
-              </a:solidFill>
-            </a:endParaRPr>
-          </a:p>
-        </p:txBody>
-      </p:sp>
-      <p:sp>
-        <p:nvSpPr>
-          <p:cNvPr id="4" name="箭號: 向下 3">
-            <a:extLst>
-              <a:ext uri="{FF2B5EF4-FFF2-40B4-BE49-F238E27FC236}">
-                <a16:creationId xmlns:a16="http://schemas.microsoft.com/office/drawing/2014/main" id="{7C5DD0B4-2386-4760-8BF6-625405FC65DC}"/>
-              </a:ext>
-            </a:extLst>
-          </p:cNvPr>
-          <p:cNvSpPr/>
-          <p:nvPr/>
-        </p:nvSpPr>
-        <p:spPr>
-          <a:xfrm rot="17532736">
-            <a:off x="6010492" y="1905274"/>
-            <a:ext cx="509337" cy="673769"/>
-          </a:xfrm>
-          <a:prstGeom prst="downArrow">
-            <a:avLst/>
-          </a:prstGeom>
-        </p:spPr>
-        <p:style>
-          <a:lnRef idx="2">
-            <a:schemeClr val="accent1">
-              <a:shade val="50000"/>
-            </a:schemeClr>
-          </a:lnRef>
-          <a:fillRef idx="1">
-            <a:schemeClr val="accent1"/>
-          </a:fillRef>
-          <a:effectRef idx="0">
-            <a:schemeClr val="accent1"/>
-          </a:effectRef>
-          <a:fontRef idx="minor">
-            <a:schemeClr val="lt1"/>
-          </a:fontRef>
-        </p:style>
-        <p:txBody>
-          <a:bodyPr rtlCol="0" anchor="ctr"/>
-          <a:lstStyle/>
-          <a:p>
-            <a:pPr algn="ctr"/>
-            <a:endParaRPr lang="zh-TW" altLang="en-US"/>
-          </a:p>
-        </p:txBody>
-      </p:sp>
-      <p:sp>
-        <p:nvSpPr>
-          <p:cNvPr id="5" name="箭號: 向下 4">
-            <a:extLst>
-              <a:ext uri="{FF2B5EF4-FFF2-40B4-BE49-F238E27FC236}">
-                <a16:creationId xmlns:a16="http://schemas.microsoft.com/office/drawing/2014/main" id="{6F972098-D57D-4361-BD32-A5FE9030A2DD}"/>
-              </a:ext>
-            </a:extLst>
-          </p:cNvPr>
-          <p:cNvSpPr/>
-          <p:nvPr/>
-        </p:nvSpPr>
-        <p:spPr>
-          <a:xfrm rot="16200000">
-            <a:off x="5939217" y="3388592"/>
-            <a:ext cx="509337" cy="673769"/>
-          </a:xfrm>
-          <a:prstGeom prst="downArrow">
-            <a:avLst/>
-          </a:prstGeom>
-        </p:spPr>
-        <p:style>
-          <a:lnRef idx="2">
-            <a:schemeClr val="accent1">
-              <a:shade val="50000"/>
-            </a:schemeClr>
-          </a:lnRef>
-          <a:fillRef idx="1">
-            <a:schemeClr val="accent1"/>
-          </a:fillRef>
-          <a:effectRef idx="0">
-            <a:schemeClr val="accent1"/>
-          </a:effectRef>
-          <a:fontRef idx="minor">
-            <a:schemeClr val="lt1"/>
-          </a:fontRef>
-        </p:style>
-        <p:txBody>
-          <a:bodyPr rtlCol="0" anchor="ctr"/>
-          <a:lstStyle/>
-          <a:p>
-            <a:pPr algn="ctr"/>
-            <a:endParaRPr lang="zh-TW" altLang="en-US"/>
-          </a:p>
-        </p:txBody>
-      </p:sp>
-      <p:sp>
-        <p:nvSpPr>
-          <p:cNvPr id="6" name="箭號: 向下 5">
-            <a:extLst>
-              <a:ext uri="{FF2B5EF4-FFF2-40B4-BE49-F238E27FC236}">
-                <a16:creationId xmlns:a16="http://schemas.microsoft.com/office/drawing/2014/main" id="{7AD654CF-B489-461A-B634-75FE845D96A3}"/>
-              </a:ext>
-            </a:extLst>
-          </p:cNvPr>
-          <p:cNvSpPr/>
-          <p:nvPr/>
-        </p:nvSpPr>
-        <p:spPr>
-          <a:xfrm rot="14861105">
-            <a:off x="6010685" y="4872295"/>
-            <a:ext cx="509337" cy="673769"/>
-          </a:xfrm>
-          <a:prstGeom prst="downArrow">
-            <a:avLst/>
-          </a:prstGeom>
-        </p:spPr>
-        <p:style>
-          <a:lnRef idx="2">
-            <a:schemeClr val="accent1">
-              <a:shade val="50000"/>
-            </a:schemeClr>
-          </a:lnRef>
-          <a:fillRef idx="1">
-            <a:schemeClr val="accent1"/>
-          </a:fillRef>
-          <a:effectRef idx="0">
-            <a:schemeClr val="accent1"/>
-          </a:effectRef>
-          <a:fontRef idx="minor">
-            <a:schemeClr val="lt1"/>
-          </a:fontRef>
-        </p:style>
-        <p:txBody>
-          <a:bodyPr rtlCol="0" anchor="ctr"/>
-          <a:lstStyle/>
-          <a:p>
-            <a:pPr algn="ctr"/>
-            <a:endParaRPr lang="zh-TW" altLang="en-US"/>
-          </a:p>
-        </p:txBody>
-      </p:sp>
-      <p:sp>
-        <p:nvSpPr>
-          <p:cNvPr id="7" name="文字方塊 6">
-            <a:extLst>
-              <a:ext uri="{FF2B5EF4-FFF2-40B4-BE49-F238E27FC236}">
-                <a16:creationId xmlns:a16="http://schemas.microsoft.com/office/drawing/2014/main" id="{58A20A45-6B5C-44FA-8DFB-A9504B38B191}"/>
+                <a16:creationId xmlns:a16="http://schemas.microsoft.com/office/drawing/2014/main" id="{3FE62995-6920-45AF-AD93-E3CB3551F6CD}"/>
               </a:ext>
             </a:extLst>
           </p:cNvPr>
@@ -14295,8 +14475,8 @@
         </p:nvSpPr>
         <p:spPr>
           <a:xfrm>
-            <a:off x="2105032" y="1586645"/>
-            <a:ext cx="3404937" cy="584775"/>
+            <a:off x="1276493" y="1911542"/>
+            <a:ext cx="4533613" cy="646331"/>
           </a:xfrm>
           <a:prstGeom prst="rect">
             <a:avLst/>
@@ -14304,57 +14484,98 @@
           <a:noFill/>
         </p:spPr>
         <p:txBody>
-          <a:bodyPr wrap="square" rtlCol="0">
+          <a:bodyPr wrap="none" rtlCol="0">
             <a:spAutoFit/>
           </a:bodyPr>
           <a:lstStyle/>
           <a:p>
             <a:r>
-              <a:rPr lang="en-US" altLang="zh-TW" sz="3200" dirty="0">
+              <a:rPr lang="zh-TW" altLang="en-US" sz="3600" dirty="0" smtClean="0">
                 <a:solidFill>
                   <a:schemeClr val="bg1"/>
                 </a:solidFill>
-                <a:latin typeface="Adobe 繁黑體 Std B" panose="020B0700000000000000" pitchFamily="34" charset="-120"/>
-                <a:ea typeface="Adobe 繁黑體 Std B" panose="020B0700000000000000" pitchFamily="34" charset="-120"/>
-              </a:rPr>
-              <a:t>&lt;</a:t>
-            </a:r>
-            <a:r>
-              <a:rPr lang="en-US" altLang="zh-TW" sz="3200" dirty="0">
-                <a:solidFill>
-                  <a:srgbClr val="FFC000"/>
-                </a:solidFill>
-                <a:latin typeface="Adobe 繁黑體 Std B" panose="020B0700000000000000" pitchFamily="34" charset="-120"/>
-                <a:ea typeface="Adobe 繁黑體 Std B" panose="020B0700000000000000" pitchFamily="34" charset="-120"/>
-              </a:rPr>
-              <a:t>input</a:t>
-            </a:r>
-            <a:r>
-              <a:rPr lang="en-US" altLang="zh-TW" sz="3200" dirty="0">
+              </a:rPr>
+              <a:t>例如像是 </a:t>
+            </a:r>
+            <a:r>
+              <a:rPr lang="en-US" altLang="zh-TW" sz="3600" dirty="0" smtClean="0">
                 <a:solidFill>
                   <a:schemeClr val="bg1"/>
                 </a:solidFill>
-                <a:latin typeface="Adobe 繁黑體 Std B" panose="020B0700000000000000" pitchFamily="34" charset="-120"/>
-                <a:ea typeface="Adobe 繁黑體 Std B" panose="020B0700000000000000" pitchFamily="34" charset="-120"/>
-              </a:rPr>
-              <a:t>  /&gt;</a:t>
-            </a:r>
-            <a:endParaRPr lang="zh-TW" altLang="en-US" sz="3200" dirty="0">
+              </a:rPr>
+              <a:t>Input </a:t>
+            </a:r>
+            <a:r>
+              <a:rPr lang="zh-TW" altLang="en-US" sz="3600" dirty="0" smtClean="0">
+                <a:solidFill>
+                  <a:schemeClr val="bg1"/>
+                </a:solidFill>
+              </a:rPr>
+              <a:t>、</a:t>
+            </a:r>
+            <a:r>
+              <a:rPr lang="en-US" altLang="zh-TW" sz="3600" dirty="0" smtClean="0">
+                <a:solidFill>
+                  <a:schemeClr val="bg1"/>
+                </a:solidFill>
+              </a:rPr>
+              <a:t>text </a:t>
+            </a:r>
+            <a:endParaRPr lang="zh-TW" altLang="en-US" sz="3600" dirty="0">
               <a:solidFill>
                 <a:schemeClr val="bg1"/>
               </a:solidFill>
-              <a:latin typeface="Adobe 繁黑體 Std B" panose="020B0700000000000000" pitchFamily="34" charset="-120"/>
-              <a:ea typeface="Adobe 繁黑體 Std B" panose="020B0700000000000000" pitchFamily="34" charset="-120"/>
             </a:endParaRPr>
           </a:p>
         </p:txBody>
       </p:sp>
-      <p:sp>
-        <p:nvSpPr>
-          <p:cNvPr id="8" name="文字方塊 7">
+      <p:pic>
+        <p:nvPicPr>
+          <p:cNvPr id="1026" name="Picture 2" descr="「input html」的圖片搜尋結果"/>
+          <p:cNvPicPr>
+            <a:picLocks noChangeAspect="1" noChangeArrowheads="1"/>
+          </p:cNvPicPr>
+          <p:nvPr/>
+        </p:nvPicPr>
+        <p:blipFill>
+          <a:blip r:embed="rId2">
+            <a:extLst>
+              <a:ext uri="{28A0092B-C50C-407E-A947-70E740481C1C}">
+                <a14:useLocalDpi xmlns:a14="http://schemas.microsoft.com/office/drawing/2010/main" val="0"/>
+              </a:ext>
+            </a:extLst>
+          </a:blip>
+          <a:srcRect/>
+          <a:stretch>
+            <a:fillRect/>
+          </a:stretch>
+        </p:blipFill>
+        <p:spPr bwMode="auto">
+          <a:xfrm>
+            <a:off x="1417898" y="3066065"/>
+            <a:ext cx="4022201" cy="1985963"/>
+          </a:xfrm>
+          <a:prstGeom prst="rect">
+            <a:avLst/>
+          </a:prstGeom>
+          <a:noFill/>
+          <a:extLst>
+            <a:ext uri="{909E8E84-426E-40DD-AFC4-6F175D3DCCD1}">
+              <a14:hiddenFill xmlns:a14="http://schemas.microsoft.com/office/drawing/2010/main">
+                <a:solidFill>
+                  <a:srgbClr val="FFFFFF"/>
+                </a:solidFill>
+              </a14:hiddenFill>
+            </a:ext>
+          </a:extLst>
+        </p:spPr>
+      </p:pic>
+      <p:sp>
+        <p:nvSpPr>
+          <p:cNvPr id="6" name="文字方塊 5">
             <a:extLst>
               <a:ext uri="{FF2B5EF4-FFF2-40B4-BE49-F238E27FC236}">
-                <a16:creationId xmlns:a16="http://schemas.microsoft.com/office/drawing/2014/main" id="{EC339242-C056-491A-92C5-E6D9D8D58DF9}"/>
+                <a16:creationId xmlns:a16="http://schemas.microsoft.com/office/drawing/2014/main" id="{DF8B345D-3869-4034-AA89-9F820872C68B}"/>
               </a:ext>
             </a:extLst>
           </p:cNvPr>
@@ -14363,8 +14584,8 @@
         </p:nvSpPr>
         <p:spPr>
           <a:xfrm>
-            <a:off x="2104161" y="3470807"/>
-            <a:ext cx="3404937" cy="584775"/>
+            <a:off x="6200871" y="1859332"/>
+            <a:ext cx="5991129" cy="3462486"/>
           </a:xfrm>
           <a:prstGeom prst="rect">
             <a:avLst/>
@@ -14377,110 +14598,142 @@
           </a:bodyPr>
           <a:lstStyle/>
           <a:p>
-            <a:r>
-              <a:rPr lang="en-US" altLang="zh-TW" sz="3200" dirty="0">
-                <a:solidFill>
-                  <a:schemeClr val="bg1"/>
-                </a:solidFill>
-                <a:latin typeface="Adobe 繁黑體 Std B" panose="020B0700000000000000" pitchFamily="34" charset="-120"/>
-                <a:ea typeface="Adobe 繁黑體 Std B" panose="020B0700000000000000" pitchFamily="34" charset="-120"/>
-              </a:rPr>
-              <a:t>&lt;</a:t>
-            </a:r>
-            <a:r>
-              <a:rPr lang="en-US" altLang="zh-TW" sz="3200" dirty="0">
-                <a:solidFill>
-                  <a:srgbClr val="FFC000"/>
-                </a:solidFill>
-                <a:latin typeface="Adobe 繁黑體 Std B" panose="020B0700000000000000" pitchFamily="34" charset="-120"/>
-                <a:ea typeface="Adobe 繁黑體 Std B" panose="020B0700000000000000" pitchFamily="34" charset="-120"/>
-              </a:rPr>
-              <a:t>text</a:t>
-            </a:r>
-            <a:r>
-              <a:rPr lang="en-US" altLang="zh-TW" sz="3200" dirty="0">
-                <a:solidFill>
-                  <a:schemeClr val="bg1"/>
-                </a:solidFill>
-                <a:latin typeface="Adobe 繁黑體 Std B" panose="020B0700000000000000" pitchFamily="34" charset="-120"/>
-                <a:ea typeface="Adobe 繁黑體 Std B" panose="020B0700000000000000" pitchFamily="34" charset="-120"/>
-              </a:rPr>
-              <a:t>  /&gt;</a:t>
-            </a:r>
-            <a:endParaRPr lang="zh-TW" altLang="en-US" sz="3200" dirty="0">
+            <a:pPr>
+              <a:lnSpc>
+                <a:spcPct val="150000"/>
+              </a:lnSpc>
+            </a:pPr>
+            <a:r>
+              <a:rPr lang="zh-TW" altLang="en-US" sz="3200" dirty="0" smtClean="0">
+                <a:solidFill>
+                  <a:schemeClr val="bg1">
+                    <a:lumMod val="75000"/>
+                  </a:schemeClr>
+                </a:solidFill>
+                <a:latin typeface="+mn-ea"/>
+              </a:rPr>
+              <a:t>通常有幾種特點</a:t>
+            </a:r>
+            <a:r>
+              <a:rPr lang="en-US" altLang="zh-TW" sz="3200" dirty="0" smtClean="0">
+                <a:solidFill>
+                  <a:schemeClr val="bg1">
+                    <a:lumMod val="75000"/>
+                  </a:schemeClr>
+                </a:solidFill>
+                <a:latin typeface="+mn-ea"/>
+              </a:rPr>
+              <a:t>:</a:t>
+            </a:r>
+          </a:p>
+          <a:p>
+            <a:pPr>
+              <a:lnSpc>
+                <a:spcPct val="150000"/>
+              </a:lnSpc>
+            </a:pPr>
+            <a:endParaRPr lang="en-US" altLang="zh-TW" sz="1400" dirty="0" smtClean="0">
               <a:solidFill>
-                <a:schemeClr val="bg1"/>
+                <a:schemeClr val="bg1">
+                  <a:lumMod val="75000"/>
+                </a:schemeClr>
               </a:solidFill>
-              <a:latin typeface="Adobe 繁黑體 Std B" panose="020B0700000000000000" pitchFamily="34" charset="-120"/>
-              <a:ea typeface="Adobe 繁黑體 Std B" panose="020B0700000000000000" pitchFamily="34" charset="-120"/>
+              <a:latin typeface="+mn-ea"/>
             </a:endParaRPr>
           </a:p>
-        </p:txBody>
-      </p:sp>
-      <p:sp>
-        <p:nvSpPr>
-          <p:cNvPr id="9" name="文字方塊 8">
-            <a:extLst>
-              <a:ext uri="{FF2B5EF4-FFF2-40B4-BE49-F238E27FC236}">
-                <a16:creationId xmlns:a16="http://schemas.microsoft.com/office/drawing/2014/main" id="{388BA6DF-3F06-4732-A828-A61C5321AF55}"/>
-              </a:ext>
-            </a:extLst>
-          </p:cNvPr>
-          <p:cNvSpPr txBox="1"/>
-          <p:nvPr/>
-        </p:nvSpPr>
-        <p:spPr>
-          <a:xfrm>
-            <a:off x="2104160" y="5062581"/>
-            <a:ext cx="3404937" cy="584775"/>
-          </a:xfrm>
-          <a:prstGeom prst="rect">
-            <a:avLst/>
-          </a:prstGeom>
-          <a:noFill/>
-        </p:spPr>
-        <p:txBody>
-          <a:bodyPr wrap="square" rtlCol="0">
-            <a:spAutoFit/>
-          </a:bodyPr>
-          <a:lstStyle/>
-          <a:p>
-            <a:r>
-              <a:rPr lang="en-US" altLang="zh-TW" sz="3200" dirty="0">
-                <a:solidFill>
-                  <a:schemeClr val="bg1"/>
-                </a:solidFill>
-                <a:latin typeface="Adobe 繁黑體 Std B" panose="020B0700000000000000" pitchFamily="34" charset="-120"/>
-                <a:ea typeface="Adobe 繁黑體 Std B" panose="020B0700000000000000" pitchFamily="34" charset="-120"/>
-              </a:rPr>
-              <a:t>&lt;</a:t>
-            </a:r>
-            <a:r>
-              <a:rPr lang="en-US" altLang="zh-TW" sz="3200" dirty="0">
-                <a:solidFill>
-                  <a:srgbClr val="FFC000"/>
-                </a:solidFill>
-                <a:latin typeface="Adobe 繁黑體 Std B" panose="020B0700000000000000" pitchFamily="34" charset="-120"/>
-                <a:ea typeface="Adobe 繁黑體 Std B" panose="020B0700000000000000" pitchFamily="34" charset="-120"/>
-              </a:rPr>
-              <a:t>button</a:t>
-            </a:r>
-            <a:r>
-              <a:rPr lang="en-US" altLang="zh-TW" sz="3200" dirty="0">
-                <a:solidFill>
-                  <a:schemeClr val="bg1"/>
-                </a:solidFill>
-                <a:latin typeface="Adobe 繁黑體 Std B" panose="020B0700000000000000" pitchFamily="34" charset="-120"/>
-                <a:ea typeface="Adobe 繁黑體 Std B" panose="020B0700000000000000" pitchFamily="34" charset="-120"/>
-              </a:rPr>
-              <a:t>  /&gt;</a:t>
-            </a:r>
-            <a:endParaRPr lang="zh-TW" altLang="en-US" sz="3200" dirty="0">
+          <a:p>
+            <a:pPr marL="457200" indent="-457200">
+              <a:lnSpc>
+                <a:spcPct val="150000"/>
+              </a:lnSpc>
+              <a:buFont typeface="Arial" panose="020B0604020202020204" pitchFamily="34" charset="0"/>
+              <a:buChar char="•"/>
+            </a:pPr>
+            <a:r>
+              <a:rPr lang="zh-TW" altLang="en-US" sz="3200" dirty="0" smtClean="0">
+                <a:solidFill>
+                  <a:schemeClr val="bg1">
+                    <a:lumMod val="75000"/>
+                  </a:schemeClr>
+                </a:solidFill>
+                <a:latin typeface="+mn-ea"/>
+              </a:rPr>
+              <a:t>通常用於取最後狀態</a:t>
+            </a:r>
+            <a:endParaRPr lang="en-US" altLang="zh-TW" sz="3200" dirty="0">
               <a:solidFill>
-                <a:schemeClr val="bg1"/>
+                <a:schemeClr val="bg1">
+                  <a:lumMod val="75000"/>
+                </a:schemeClr>
               </a:solidFill>
-              <a:latin typeface="Adobe 繁黑體 Std B" panose="020B0700000000000000" pitchFamily="34" charset="-120"/>
-              <a:ea typeface="Adobe 繁黑體 Std B" panose="020B0700000000000000" pitchFamily="34" charset="-120"/>
+              <a:latin typeface="+mn-ea"/>
+            </a:endParaRPr>
+          </a:p>
+          <a:p>
+            <a:pPr marL="457200" indent="-457200">
+              <a:lnSpc>
+                <a:spcPct val="150000"/>
+              </a:lnSpc>
+              <a:buFont typeface="Arial" panose="020B0604020202020204" pitchFamily="34" charset="0"/>
+              <a:buChar char="•"/>
+            </a:pPr>
+            <a:r>
+              <a:rPr lang="zh-TW" altLang="en-US" sz="3200" dirty="0" smtClean="0">
+                <a:solidFill>
+                  <a:schemeClr val="bg1">
+                    <a:lumMod val="75000"/>
+                  </a:schemeClr>
+                </a:solidFill>
+                <a:latin typeface="+mn-ea"/>
+              </a:rPr>
+              <a:t>可能有資料送出行為</a:t>
+            </a:r>
+            <a:r>
+              <a:rPr lang="en-US" altLang="zh-TW" sz="3200" dirty="0" smtClean="0">
+                <a:solidFill>
+                  <a:schemeClr val="bg1">
+                    <a:lumMod val="75000"/>
+                  </a:schemeClr>
+                </a:solidFill>
+                <a:latin typeface="+mn-ea"/>
+              </a:rPr>
+              <a:t>(Submit)</a:t>
+            </a:r>
+            <a:endParaRPr lang="en-US" altLang="zh-TW" sz="3200" dirty="0">
+              <a:solidFill>
+                <a:schemeClr val="bg1">
+                  <a:lumMod val="75000"/>
+                </a:schemeClr>
+              </a:solidFill>
+              <a:latin typeface="+mn-ea"/>
+            </a:endParaRPr>
+          </a:p>
+          <a:p>
+            <a:pPr marL="457200" indent="-457200">
+              <a:lnSpc>
+                <a:spcPct val="150000"/>
+              </a:lnSpc>
+              <a:buFont typeface="Arial" panose="020B0604020202020204" pitchFamily="34" charset="0"/>
+              <a:buChar char="•"/>
+            </a:pPr>
+            <a:r>
+              <a:rPr lang="zh-TW" altLang="en-US" sz="3200" dirty="0" smtClean="0">
+                <a:solidFill>
+                  <a:schemeClr val="bg1">
+                    <a:lumMod val="75000"/>
+                  </a:schemeClr>
+                </a:solidFill>
+                <a:latin typeface="+mn-ea"/>
+              </a:rPr>
+              <a:t>可能需要紀錄行為</a:t>
+            </a:r>
+            <a:endParaRPr lang="en-US" altLang="zh-TW" sz="3200" dirty="0">
+              <a:solidFill>
+                <a:schemeClr val="bg1">
+                  <a:lumMod val="75000"/>
+                </a:schemeClr>
+              </a:solidFill>
+              <a:latin typeface="+mn-ea"/>
             </a:endParaRPr>
           </a:p>
         </p:txBody>
@@ -14488,7 +14741,7 @@
     </p:spTree>
     <p:extLst>
       <p:ext uri="{BB962C8B-B14F-4D97-AF65-F5344CB8AC3E}">
-        <p14:creationId xmlns:p14="http://schemas.microsoft.com/office/powerpoint/2010/main" val="1154559094"/>
+        <p14:creationId xmlns:p14="http://schemas.microsoft.com/office/powerpoint/2010/main" val="763063180"/>
       </p:ext>
     </p:extLst>
   </p:cSld>
@@ -14532,7 +14785,7 @@
           <p:cNvPr id="2" name="投影片編號版面配置區 1">
             <a:extLst>
               <a:ext uri="{FF2B5EF4-FFF2-40B4-BE49-F238E27FC236}">
-                <a16:creationId xmlns:a16="http://schemas.microsoft.com/office/drawing/2014/main" id="{EE7A8781-9AE9-4E94-A07C-D651D6501E1E}"/>
+                <a16:creationId xmlns:a16="http://schemas.microsoft.com/office/drawing/2014/main" id="{5321DC1F-7624-4F57-B673-3C48399B9283}"/>
               </a:ext>
             </a:extLst>
           </p:cNvPr>
@@ -14562,7 +14815,7 @@
           <p:cNvPr id="3" name="文字版面配置區 2">
             <a:extLst>
               <a:ext uri="{FF2B5EF4-FFF2-40B4-BE49-F238E27FC236}">
-                <a16:creationId xmlns:a16="http://schemas.microsoft.com/office/drawing/2014/main" id="{026D63AC-80B9-49D9-86AF-A14DF6546396}"/>
+                <a16:creationId xmlns:a16="http://schemas.microsoft.com/office/drawing/2014/main" id="{96931718-23C2-4D8C-9172-96D6394F2897}"/>
               </a:ext>
             </a:extLst>
           </p:cNvPr>
@@ -14579,9 +14832,20 @@
           <a:lstStyle/>
           <a:p>
             <a:r>
-              <a:rPr lang="zh-TW" altLang="en-US" dirty="0"/>
-              <a:t>結構</a:t>
-            </a:r>
+              <a:rPr lang="en-US" altLang="zh-TW" dirty="0" err="1">
+                <a:latin typeface="+mn-ea"/>
+              </a:rPr>
+              <a:t>useRef</a:t>
+            </a:r>
+            <a:r>
+              <a:rPr lang="en-US" altLang="zh-TW" dirty="0">
+                <a:latin typeface="+mj-ea"/>
+              </a:rPr>
+              <a:t>( )</a:t>
+            </a:r>
+            <a:endParaRPr lang="zh-TW" altLang="en-US" dirty="0">
+              <a:latin typeface="+mj-ea"/>
+            </a:endParaRPr>
           </a:p>
         </p:txBody>
       </p:sp>
@@ -14590,7 +14854,7 @@
           <p:cNvPr id="4" name="文字方塊 3">
             <a:extLst>
               <a:ext uri="{FF2B5EF4-FFF2-40B4-BE49-F238E27FC236}">
-                <a16:creationId xmlns:a16="http://schemas.microsoft.com/office/drawing/2014/main" id="{C33D64EF-CD04-4D48-A32C-F8983636DFAA}"/>
+                <a16:creationId xmlns:a16="http://schemas.microsoft.com/office/drawing/2014/main" id="{DF8B345D-3869-4034-AA89-9F820872C68B}"/>
               </a:ext>
             </a:extLst>
           </p:cNvPr>
@@ -14599,8 +14863,8 @@
         </p:nvSpPr>
         <p:spPr>
           <a:xfrm>
-            <a:off x="3546262" y="1639098"/>
-            <a:ext cx="5445722" cy="584775"/>
+            <a:off x="1362171" y="1884732"/>
+            <a:ext cx="8587945" cy="2217851"/>
           </a:xfrm>
           <a:prstGeom prst="rect">
             <a:avLst/>
@@ -14608,224 +14872,128 @@
           <a:noFill/>
         </p:spPr>
         <p:txBody>
-          <a:bodyPr wrap="none" rtlCol="0">
-            <a:spAutoFit/>
-          </a:bodyPr>
-          <a:lstStyle/>
-          <a:p>
-            <a:pPr algn="ctr"/>
-            <a:r>
-              <a:rPr lang="en-US" altLang="zh-TW" sz="3200" spc="300" dirty="0">
-                <a:solidFill>
-                  <a:schemeClr val="accent5">
-                    <a:lumMod val="60000"/>
-                    <a:lumOff val="40000"/>
-                  </a:schemeClr>
-                </a:solidFill>
-                <a:latin typeface="Adobe 繁黑體 Std B" panose="020B0700000000000000" pitchFamily="34" charset="-120"/>
-                <a:ea typeface="Adobe 繁黑體 Std B" panose="020B0700000000000000" pitchFamily="34" charset="-120"/>
-              </a:rPr>
-              <a:t>Const</a:t>
-            </a:r>
-            <a:r>
-              <a:rPr lang="en-US" altLang="zh-TW" sz="3200" spc="300" dirty="0">
-                <a:solidFill>
-                  <a:schemeClr val="bg1">
-                    <a:lumMod val="85000"/>
-                  </a:schemeClr>
-                </a:solidFill>
-                <a:latin typeface="Adobe 繁黑體 Std B" panose="020B0700000000000000" pitchFamily="34" charset="-120"/>
-                <a:ea typeface="Adobe 繁黑體 Std B" panose="020B0700000000000000" pitchFamily="34" charset="-120"/>
-              </a:rPr>
-              <a:t>	</a:t>
-            </a:r>
-            <a:r>
-              <a:rPr lang="en-US" altLang="zh-TW" sz="3200" spc="300" dirty="0" err="1">
-                <a:solidFill>
-                  <a:schemeClr val="accent2">
-                    <a:lumMod val="60000"/>
-                    <a:lumOff val="40000"/>
-                  </a:schemeClr>
-                </a:solidFill>
-                <a:latin typeface="Adobe 繁黑體 Std B" panose="020B0700000000000000" pitchFamily="34" charset="-120"/>
-                <a:ea typeface="Adobe 繁黑體 Std B" panose="020B0700000000000000" pitchFamily="34" charset="-120"/>
-              </a:rPr>
-              <a:t>myRef</a:t>
-            </a:r>
-            <a:r>
-              <a:rPr lang="en-US" altLang="zh-TW" sz="3200" spc="300" dirty="0">
-                <a:solidFill>
-                  <a:schemeClr val="accent2">
-                    <a:lumMod val="60000"/>
-                    <a:lumOff val="40000"/>
-                  </a:schemeClr>
-                </a:solidFill>
-                <a:latin typeface="Adobe 繁黑體 Std B" panose="020B0700000000000000" pitchFamily="34" charset="-120"/>
-                <a:ea typeface="Adobe 繁黑體 Std B" panose="020B0700000000000000" pitchFamily="34" charset="-120"/>
-              </a:rPr>
-              <a:t>	 </a:t>
-            </a:r>
-            <a:r>
-              <a:rPr lang="en-US" altLang="zh-TW" sz="3200" spc="300" dirty="0">
-                <a:solidFill>
-                  <a:schemeClr val="bg1">
-                    <a:lumMod val="85000"/>
-                  </a:schemeClr>
-                </a:solidFill>
-                <a:latin typeface="Adobe 繁黑體 Std B" panose="020B0700000000000000" pitchFamily="34" charset="-120"/>
-                <a:ea typeface="Adobe 繁黑體 Std B" panose="020B0700000000000000" pitchFamily="34" charset="-120"/>
-              </a:rPr>
-              <a:t>= </a:t>
-            </a:r>
-            <a:r>
-              <a:rPr lang="en-US" altLang="zh-TW" sz="3200" dirty="0" err="1">
-                <a:solidFill>
-                  <a:schemeClr val="bg1"/>
-                </a:solidFill>
-                <a:latin typeface="Adobe 繁黑體 Std B" panose="020B0700000000000000" pitchFamily="34" charset="-120"/>
-                <a:ea typeface="Adobe 繁黑體 Std B" panose="020B0700000000000000" pitchFamily="34" charset="-120"/>
-              </a:rPr>
-              <a:t>useRef</a:t>
-            </a:r>
-            <a:r>
-              <a:rPr lang="en-US" altLang="zh-TW" sz="3200" dirty="0">
-                <a:solidFill>
-                  <a:schemeClr val="bg1"/>
-                </a:solidFill>
-                <a:latin typeface="Adobe 繁黑體 Std B" panose="020B0700000000000000" pitchFamily="34" charset="-120"/>
-                <a:ea typeface="Adobe 繁黑體 Std B" panose="020B0700000000000000" pitchFamily="34" charset="-120"/>
-              </a:rPr>
-              <a:t>(  )</a:t>
-            </a:r>
-            <a:r>
-              <a:rPr lang="en-US" altLang="zh-TW" sz="3200" spc="300" dirty="0">
-                <a:solidFill>
-                  <a:schemeClr val="bg1"/>
-                </a:solidFill>
-                <a:latin typeface="Adobe 繁黑體 Std B" panose="020B0700000000000000" pitchFamily="34" charset="-120"/>
-                <a:ea typeface="Adobe 繁黑體 Std B" panose="020B0700000000000000" pitchFamily="34" charset="-120"/>
-              </a:rPr>
-              <a:t> </a:t>
-            </a:r>
-            <a:endParaRPr lang="zh-TW" altLang="en-US" sz="3200" spc="300" dirty="0">
-              <a:solidFill>
-                <a:schemeClr val="bg1"/>
-              </a:solidFill>
-              <a:latin typeface="Adobe 繁黑體 Std B" panose="020B0700000000000000" pitchFamily="34" charset="-120"/>
-              <a:ea typeface="Adobe 繁黑體 Std B" panose="020B0700000000000000" pitchFamily="34" charset="-120"/>
-            </a:endParaRPr>
-          </a:p>
-        </p:txBody>
-      </p:sp>
-      <p:sp>
-        <p:nvSpPr>
-          <p:cNvPr id="5" name="文字方塊 4">
-            <a:extLst>
-              <a:ext uri="{FF2B5EF4-FFF2-40B4-BE49-F238E27FC236}">
-                <a16:creationId xmlns:a16="http://schemas.microsoft.com/office/drawing/2014/main" id="{9403EF6C-96D0-47D0-99E5-0F3A745CB7FF}"/>
-              </a:ext>
-            </a:extLst>
-          </p:cNvPr>
-          <p:cNvSpPr txBox="1"/>
-          <p:nvPr/>
-        </p:nvSpPr>
-        <p:spPr>
-          <a:xfrm>
-            <a:off x="2908416" y="4048271"/>
-            <a:ext cx="6721415" cy="584775"/>
-          </a:xfrm>
-          <a:prstGeom prst="rect">
-            <a:avLst/>
-          </a:prstGeom>
-          <a:noFill/>
-        </p:spPr>
-        <p:txBody>
           <a:bodyPr wrap="square" rtlCol="0">
             <a:spAutoFit/>
           </a:bodyPr>
           <a:lstStyle/>
           <a:p>
-            <a:pPr algn="ctr"/>
+            <a:pPr marL="457200" indent="-457200">
+              <a:lnSpc>
+                <a:spcPct val="150000"/>
+              </a:lnSpc>
+              <a:buFont typeface="Arial" panose="020B0604020202020204" pitchFamily="34" charset="0"/>
+              <a:buChar char="•"/>
+            </a:pPr>
+            <a:r>
+              <a:rPr lang="zh-TW" altLang="en-US" sz="3200" dirty="0">
+                <a:solidFill>
+                  <a:schemeClr val="bg1">
+                    <a:lumMod val="75000"/>
+                  </a:schemeClr>
+                </a:solidFill>
+                <a:latin typeface="+mn-ea"/>
+              </a:rPr>
+              <a:t>通常用於抓取到 </a:t>
+            </a:r>
             <a:r>
               <a:rPr lang="en-US" altLang="zh-TW" sz="3200" dirty="0">
                 <a:solidFill>
-                  <a:schemeClr val="bg1"/>
-                </a:solidFill>
-                <a:latin typeface="Adobe 繁黑體 Std B" panose="020B0700000000000000" pitchFamily="34" charset="-120"/>
-                <a:ea typeface="Adobe 繁黑體 Std B" panose="020B0700000000000000" pitchFamily="34" charset="-120"/>
-              </a:rPr>
-              <a:t>&lt;</a:t>
+                  <a:schemeClr val="bg1">
+                    <a:lumMod val="75000"/>
+                  </a:schemeClr>
+                </a:solidFill>
+                <a:latin typeface="+mn-ea"/>
+              </a:rPr>
+              <a:t>DOM </a:t>
+            </a:r>
+            <a:r>
+              <a:rPr lang="zh-TW" altLang="en-US" sz="3200" dirty="0">
+                <a:solidFill>
+                  <a:schemeClr val="bg1">
+                    <a:lumMod val="75000"/>
+                  </a:schemeClr>
+                </a:solidFill>
+                <a:latin typeface="+mn-ea"/>
+              </a:rPr>
+              <a:t>節點</a:t>
+            </a:r>
+            <a:endParaRPr lang="en-US" altLang="zh-TW" sz="3200" dirty="0">
+              <a:solidFill>
+                <a:schemeClr val="bg1">
+                  <a:lumMod val="75000"/>
+                </a:schemeClr>
+              </a:solidFill>
+              <a:latin typeface="+mn-ea"/>
+            </a:endParaRPr>
+          </a:p>
+          <a:p>
+            <a:pPr marL="457200" indent="-457200">
+              <a:lnSpc>
+                <a:spcPct val="150000"/>
+              </a:lnSpc>
+              <a:buFont typeface="Arial" panose="020B0604020202020204" pitchFamily="34" charset="0"/>
+              <a:buChar char="•"/>
+            </a:pPr>
+            <a:r>
+              <a:rPr lang="zh-TW" altLang="en-US" sz="3200" dirty="0">
+                <a:solidFill>
+                  <a:schemeClr val="bg1">
+                    <a:lumMod val="75000"/>
+                  </a:schemeClr>
+                </a:solidFill>
+                <a:latin typeface="+mn-ea"/>
+              </a:rPr>
+              <a:t>不會觸發 </a:t>
             </a:r>
             <a:r>
               <a:rPr lang="en-US" altLang="zh-TW" sz="3200" dirty="0">
                 <a:solidFill>
-                  <a:srgbClr val="92D050"/>
-                </a:solidFill>
-                <a:latin typeface="Adobe 繁黑體 Std B" panose="020B0700000000000000" pitchFamily="34" charset="-120"/>
-                <a:ea typeface="Adobe 繁黑體 Std B" panose="020B0700000000000000" pitchFamily="34" charset="-120"/>
-              </a:rPr>
-              <a:t>input</a:t>
+                  <a:schemeClr val="bg1">
+                    <a:lumMod val="75000"/>
+                  </a:schemeClr>
+                </a:solidFill>
+                <a:latin typeface="+mn-ea"/>
+              </a:rPr>
+              <a:t>re-render</a:t>
+            </a:r>
+          </a:p>
+          <a:p>
+            <a:pPr marL="457200" indent="-457200">
+              <a:lnSpc>
+                <a:spcPct val="150000"/>
+              </a:lnSpc>
+              <a:buFont typeface="Arial" panose="020B0604020202020204" pitchFamily="34" charset="0"/>
+              <a:buChar char="•"/>
+            </a:pPr>
+            <a:r>
+              <a:rPr lang="zh-TW" altLang="en-US" sz="3200" dirty="0">
+                <a:solidFill>
+                  <a:schemeClr val="bg1">
+                    <a:lumMod val="75000"/>
+                  </a:schemeClr>
+                </a:solidFill>
+                <a:latin typeface="+mn-ea"/>
+              </a:rPr>
+              <a:t>自建一個 </a:t>
             </a:r>
             <a:r>
               <a:rPr lang="en-US" altLang="zh-TW" sz="3200" dirty="0">
                 <a:solidFill>
-                  <a:schemeClr val="bg1"/>
-                </a:solidFill>
-                <a:latin typeface="Adobe 繁黑體 Std B" panose="020B0700000000000000" pitchFamily="34" charset="-120"/>
-                <a:ea typeface="Adobe 繁黑體 Std B" panose="020B0700000000000000" pitchFamily="34" charset="-120"/>
-              </a:rPr>
-              <a:t>  ref={ </a:t>
-            </a:r>
-            <a:r>
-              <a:rPr lang="en-US" altLang="zh-TW" sz="3200" spc="300" dirty="0" err="1">
-                <a:solidFill>
-                  <a:schemeClr val="accent2">
-                    <a:lumMod val="60000"/>
-                    <a:lumOff val="40000"/>
+                  <a:schemeClr val="bg1">
+                    <a:lumMod val="75000"/>
                   </a:schemeClr>
                 </a:solidFill>
-                <a:latin typeface="Adobe 繁黑體 Std B" panose="020B0700000000000000" pitchFamily="34" charset="-120"/>
-                <a:ea typeface="Adobe 繁黑體 Std B" panose="020B0700000000000000" pitchFamily="34" charset="-120"/>
-              </a:rPr>
-              <a:t>myRef</a:t>
-            </a:r>
-            <a:r>
-              <a:rPr lang="en-US" altLang="zh-TW" sz="3200" spc="300" dirty="0">
-                <a:solidFill>
-                  <a:schemeClr val="accent2">
-                    <a:lumMod val="60000"/>
-                    <a:lumOff val="40000"/>
-                  </a:schemeClr>
-                </a:solidFill>
-                <a:latin typeface="Adobe 繁黑體 Std B" panose="020B0700000000000000" pitchFamily="34" charset="-120"/>
-                <a:ea typeface="Adobe 繁黑體 Std B" panose="020B0700000000000000" pitchFamily="34" charset="-120"/>
-              </a:rPr>
-              <a:t> </a:t>
-            </a:r>
-            <a:r>
-              <a:rPr lang="en-US" altLang="zh-TW" sz="3200" dirty="0">
-                <a:solidFill>
-                  <a:schemeClr val="bg1"/>
-                </a:solidFill>
-                <a:latin typeface="Adobe 繁黑體 Std B" panose="020B0700000000000000" pitchFamily="34" charset="-120"/>
-                <a:ea typeface="Adobe 繁黑體 Std B" panose="020B0700000000000000" pitchFamily="34" charset="-120"/>
-              </a:rPr>
-              <a:t>}   /&gt;</a:t>
-            </a:r>
-            <a:endParaRPr lang="zh-TW" altLang="en-US" sz="3200" dirty="0">
-              <a:solidFill>
-                <a:schemeClr val="bg1"/>
-              </a:solidFill>
-              <a:latin typeface="Adobe 繁黑體 Std B" panose="020B0700000000000000" pitchFamily="34" charset="-120"/>
-              <a:ea typeface="Adobe 繁黑體 Std B" panose="020B0700000000000000" pitchFamily="34" charset="-120"/>
-            </a:endParaRPr>
+                <a:latin typeface="+mn-ea"/>
+              </a:rPr>
+              <a:t>{current: ...}</a:t>
+            </a:r>
           </a:p>
         </p:txBody>
       </p:sp>
     </p:spTree>
     <p:extLst>
       <p:ext uri="{BB962C8B-B14F-4D97-AF65-F5344CB8AC3E}">
-        <p14:creationId xmlns:p14="http://schemas.microsoft.com/office/powerpoint/2010/main" val="1655638400"/>
+        <p14:creationId xmlns:p14="http://schemas.microsoft.com/office/powerpoint/2010/main" val="2281194327"/>
       </p:ext>
     </p:extLst>
   </p:cSld>
@@ -14866,6 +15034,1116 @@
       </p:grpSpPr>
       <p:sp>
         <p:nvSpPr>
+          <p:cNvPr id="2" name="投影片編號版面配置區 1"/>
+          <p:cNvSpPr>
+            <a:spLocks noGrp="1"/>
+          </p:cNvSpPr>
+          <p:nvPr>
+            <p:ph type="sldNum" sz="quarter" idx="12"/>
+          </p:nvPr>
+        </p:nvSpPr>
+        <p:spPr/>
+        <p:txBody>
+          <a:bodyPr/>
+          <a:lstStyle/>
+          <a:p>
+            <a:fld id="{4FAB73BC-B049-4115-A692-8D63A059BFB8}" type="slidenum">
+              <a:rPr lang="en-US" smtClean="0"/>
+              <a:pPr/>
+              <a:t>29</a:t>
+            </a:fld>
+            <a:endParaRPr lang="en-US" dirty="0"/>
+          </a:p>
+        </p:txBody>
+      </p:sp>
+      <p:sp>
+        <p:nvSpPr>
+          <p:cNvPr id="3" name="文字版面配置區 2"/>
+          <p:cNvSpPr>
+            <a:spLocks noGrp="1"/>
+          </p:cNvSpPr>
+          <p:nvPr>
+            <p:ph type="body" sz="quarter" idx="13"/>
+          </p:nvPr>
+        </p:nvSpPr>
+        <p:spPr/>
+        <p:txBody>
+          <a:bodyPr/>
+          <a:lstStyle/>
+          <a:p>
+            <a:r>
+              <a:rPr lang="zh-TW" altLang="en-US" dirty="0" smtClean="0"/>
+              <a:t>應用範圍</a:t>
+            </a:r>
+            <a:endParaRPr lang="zh-TW" altLang="en-US" dirty="0"/>
+          </a:p>
+        </p:txBody>
+      </p:sp>
+      <p:sp>
+        <p:nvSpPr>
+          <p:cNvPr id="4" name="矩形 3">
+            <a:extLst>
+              <a:ext uri="{FF2B5EF4-FFF2-40B4-BE49-F238E27FC236}">
+                <a16:creationId xmlns:a16="http://schemas.microsoft.com/office/drawing/2014/main" id="{AC797E67-4A73-489F-8DA4-DCD652A8CA38}"/>
+              </a:ext>
+            </a:extLst>
+          </p:cNvPr>
+          <p:cNvSpPr/>
+          <p:nvPr/>
+        </p:nvSpPr>
+        <p:spPr>
+          <a:xfrm>
+            <a:off x="8360319" y="3371868"/>
+            <a:ext cx="1631024" cy="646331"/>
+          </a:xfrm>
+          <a:prstGeom prst="rect">
+            <a:avLst/>
+          </a:prstGeom>
+        </p:spPr>
+        <p:txBody>
+          <a:bodyPr wrap="none">
+            <a:spAutoFit/>
+          </a:bodyPr>
+          <a:lstStyle/>
+          <a:p>
+            <a:r>
+              <a:rPr lang="en-US" altLang="zh-TW" sz="3600" dirty="0" err="1">
+                <a:solidFill>
+                  <a:schemeClr val="bg1"/>
+                </a:solidFill>
+                <a:latin typeface="+mn-ea"/>
+              </a:rPr>
+              <a:t>useRef</a:t>
+            </a:r>
+            <a:endParaRPr lang="zh-TW" altLang="en-US" sz="3600" dirty="0">
+              <a:solidFill>
+                <a:schemeClr val="bg1"/>
+              </a:solidFill>
+            </a:endParaRPr>
+          </a:p>
+        </p:txBody>
+      </p:sp>
+      <p:sp>
+        <p:nvSpPr>
+          <p:cNvPr id="5" name="箭號: 向下 3">
+            <a:extLst>
+              <a:ext uri="{FF2B5EF4-FFF2-40B4-BE49-F238E27FC236}">
+                <a16:creationId xmlns:a16="http://schemas.microsoft.com/office/drawing/2014/main" id="{7C5DD0B4-2386-4760-8BF6-625405FC65DC}"/>
+              </a:ext>
+            </a:extLst>
+          </p:cNvPr>
+          <p:cNvSpPr/>
+          <p:nvPr/>
+        </p:nvSpPr>
+        <p:spPr>
+          <a:xfrm rot="17532736">
+            <a:off x="6010492" y="1905274"/>
+            <a:ext cx="509337" cy="673769"/>
+          </a:xfrm>
+          <a:prstGeom prst="downArrow">
+            <a:avLst/>
+          </a:prstGeom>
+        </p:spPr>
+        <p:style>
+          <a:lnRef idx="2">
+            <a:schemeClr val="accent1">
+              <a:shade val="50000"/>
+            </a:schemeClr>
+          </a:lnRef>
+          <a:fillRef idx="1">
+            <a:schemeClr val="accent1"/>
+          </a:fillRef>
+          <a:effectRef idx="0">
+            <a:schemeClr val="accent1"/>
+          </a:effectRef>
+          <a:fontRef idx="minor">
+            <a:schemeClr val="lt1"/>
+          </a:fontRef>
+        </p:style>
+        <p:txBody>
+          <a:bodyPr rtlCol="0" anchor="ctr"/>
+          <a:lstStyle/>
+          <a:p>
+            <a:pPr algn="ctr"/>
+            <a:endParaRPr lang="zh-TW" altLang="en-US"/>
+          </a:p>
+        </p:txBody>
+      </p:sp>
+      <p:sp>
+        <p:nvSpPr>
+          <p:cNvPr id="6" name="箭號: 向下 4">
+            <a:extLst>
+              <a:ext uri="{FF2B5EF4-FFF2-40B4-BE49-F238E27FC236}">
+                <a16:creationId xmlns:a16="http://schemas.microsoft.com/office/drawing/2014/main" id="{6F972098-D57D-4361-BD32-A5FE9030A2DD}"/>
+              </a:ext>
+            </a:extLst>
+          </p:cNvPr>
+          <p:cNvSpPr/>
+          <p:nvPr/>
+        </p:nvSpPr>
+        <p:spPr>
+          <a:xfrm rot="16200000">
+            <a:off x="5939217" y="3388592"/>
+            <a:ext cx="509337" cy="673769"/>
+          </a:xfrm>
+          <a:prstGeom prst="downArrow">
+            <a:avLst/>
+          </a:prstGeom>
+        </p:spPr>
+        <p:style>
+          <a:lnRef idx="2">
+            <a:schemeClr val="accent1">
+              <a:shade val="50000"/>
+            </a:schemeClr>
+          </a:lnRef>
+          <a:fillRef idx="1">
+            <a:schemeClr val="accent1"/>
+          </a:fillRef>
+          <a:effectRef idx="0">
+            <a:schemeClr val="accent1"/>
+          </a:effectRef>
+          <a:fontRef idx="minor">
+            <a:schemeClr val="lt1"/>
+          </a:fontRef>
+        </p:style>
+        <p:txBody>
+          <a:bodyPr rtlCol="0" anchor="ctr"/>
+          <a:lstStyle/>
+          <a:p>
+            <a:pPr algn="ctr"/>
+            <a:endParaRPr lang="zh-TW" altLang="en-US"/>
+          </a:p>
+        </p:txBody>
+      </p:sp>
+      <p:sp>
+        <p:nvSpPr>
+          <p:cNvPr id="7" name="箭號: 向下 5">
+            <a:extLst>
+              <a:ext uri="{FF2B5EF4-FFF2-40B4-BE49-F238E27FC236}">
+                <a16:creationId xmlns:a16="http://schemas.microsoft.com/office/drawing/2014/main" id="{7AD654CF-B489-461A-B634-75FE845D96A3}"/>
+              </a:ext>
+            </a:extLst>
+          </p:cNvPr>
+          <p:cNvSpPr/>
+          <p:nvPr/>
+        </p:nvSpPr>
+        <p:spPr>
+          <a:xfrm rot="14861105">
+            <a:off x="6010685" y="4872295"/>
+            <a:ext cx="509337" cy="673769"/>
+          </a:xfrm>
+          <a:prstGeom prst="downArrow">
+            <a:avLst/>
+          </a:prstGeom>
+        </p:spPr>
+        <p:style>
+          <a:lnRef idx="2">
+            <a:schemeClr val="accent1">
+              <a:shade val="50000"/>
+            </a:schemeClr>
+          </a:lnRef>
+          <a:fillRef idx="1">
+            <a:schemeClr val="accent1"/>
+          </a:fillRef>
+          <a:effectRef idx="0">
+            <a:schemeClr val="accent1"/>
+          </a:effectRef>
+          <a:fontRef idx="minor">
+            <a:schemeClr val="lt1"/>
+          </a:fontRef>
+        </p:style>
+        <p:txBody>
+          <a:bodyPr rtlCol="0" anchor="ctr"/>
+          <a:lstStyle/>
+          <a:p>
+            <a:pPr algn="ctr"/>
+            <a:endParaRPr lang="zh-TW" altLang="en-US"/>
+          </a:p>
+        </p:txBody>
+      </p:sp>
+      <p:sp>
+        <p:nvSpPr>
+          <p:cNvPr id="8" name="文字方塊 7">
+            <a:extLst>
+              <a:ext uri="{FF2B5EF4-FFF2-40B4-BE49-F238E27FC236}">
+                <a16:creationId xmlns:a16="http://schemas.microsoft.com/office/drawing/2014/main" id="{58A20A45-6B5C-44FA-8DFB-A9504B38B191}"/>
+              </a:ext>
+            </a:extLst>
+          </p:cNvPr>
+          <p:cNvSpPr txBox="1"/>
+          <p:nvPr/>
+        </p:nvSpPr>
+        <p:spPr>
+          <a:xfrm>
+            <a:off x="2105032" y="1586645"/>
+            <a:ext cx="3404937" cy="584775"/>
+          </a:xfrm>
+          <a:prstGeom prst="rect">
+            <a:avLst/>
+          </a:prstGeom>
+          <a:noFill/>
+        </p:spPr>
+        <p:txBody>
+          <a:bodyPr wrap="square" rtlCol="0">
+            <a:spAutoFit/>
+          </a:bodyPr>
+          <a:lstStyle/>
+          <a:p>
+            <a:r>
+              <a:rPr lang="en-US" altLang="zh-TW" sz="3200" dirty="0">
+                <a:solidFill>
+                  <a:schemeClr val="bg1"/>
+                </a:solidFill>
+                <a:latin typeface="Adobe 繁黑體 Std B" panose="020B0700000000000000" pitchFamily="34" charset="-120"/>
+                <a:ea typeface="Adobe 繁黑體 Std B" panose="020B0700000000000000" pitchFamily="34" charset="-120"/>
+              </a:rPr>
+              <a:t>&lt;</a:t>
+            </a:r>
+            <a:r>
+              <a:rPr lang="en-US" altLang="zh-TW" sz="3200" dirty="0">
+                <a:solidFill>
+                  <a:srgbClr val="FFC000"/>
+                </a:solidFill>
+                <a:latin typeface="Adobe 繁黑體 Std B" panose="020B0700000000000000" pitchFamily="34" charset="-120"/>
+                <a:ea typeface="Adobe 繁黑體 Std B" panose="020B0700000000000000" pitchFamily="34" charset="-120"/>
+              </a:rPr>
+              <a:t>input</a:t>
+            </a:r>
+            <a:r>
+              <a:rPr lang="en-US" altLang="zh-TW" sz="3200" dirty="0">
+                <a:solidFill>
+                  <a:schemeClr val="bg1"/>
+                </a:solidFill>
+                <a:latin typeface="Adobe 繁黑體 Std B" panose="020B0700000000000000" pitchFamily="34" charset="-120"/>
+                <a:ea typeface="Adobe 繁黑體 Std B" panose="020B0700000000000000" pitchFamily="34" charset="-120"/>
+              </a:rPr>
+              <a:t>  /&gt;</a:t>
+            </a:r>
+            <a:endParaRPr lang="zh-TW" altLang="en-US" sz="3200" dirty="0">
+              <a:solidFill>
+                <a:schemeClr val="bg1"/>
+              </a:solidFill>
+              <a:latin typeface="Adobe 繁黑體 Std B" panose="020B0700000000000000" pitchFamily="34" charset="-120"/>
+              <a:ea typeface="Adobe 繁黑體 Std B" panose="020B0700000000000000" pitchFamily="34" charset="-120"/>
+            </a:endParaRPr>
+          </a:p>
+        </p:txBody>
+      </p:sp>
+      <p:sp>
+        <p:nvSpPr>
+          <p:cNvPr id="9" name="文字方塊 8">
+            <a:extLst>
+              <a:ext uri="{FF2B5EF4-FFF2-40B4-BE49-F238E27FC236}">
+                <a16:creationId xmlns:a16="http://schemas.microsoft.com/office/drawing/2014/main" id="{EC339242-C056-491A-92C5-E6D9D8D58DF9}"/>
+              </a:ext>
+            </a:extLst>
+          </p:cNvPr>
+          <p:cNvSpPr txBox="1"/>
+          <p:nvPr/>
+        </p:nvSpPr>
+        <p:spPr>
+          <a:xfrm>
+            <a:off x="2104161" y="3470807"/>
+            <a:ext cx="3404937" cy="584775"/>
+          </a:xfrm>
+          <a:prstGeom prst="rect">
+            <a:avLst/>
+          </a:prstGeom>
+          <a:noFill/>
+        </p:spPr>
+        <p:txBody>
+          <a:bodyPr wrap="square" rtlCol="0">
+            <a:spAutoFit/>
+          </a:bodyPr>
+          <a:lstStyle/>
+          <a:p>
+            <a:r>
+              <a:rPr lang="en-US" altLang="zh-TW" sz="3200" dirty="0">
+                <a:solidFill>
+                  <a:schemeClr val="bg1"/>
+                </a:solidFill>
+                <a:latin typeface="Adobe 繁黑體 Std B" panose="020B0700000000000000" pitchFamily="34" charset="-120"/>
+                <a:ea typeface="Adobe 繁黑體 Std B" panose="020B0700000000000000" pitchFamily="34" charset="-120"/>
+              </a:rPr>
+              <a:t>&lt;</a:t>
+            </a:r>
+            <a:r>
+              <a:rPr lang="en-US" altLang="zh-TW" sz="3200" dirty="0">
+                <a:solidFill>
+                  <a:srgbClr val="FFC000"/>
+                </a:solidFill>
+                <a:latin typeface="Adobe 繁黑體 Std B" panose="020B0700000000000000" pitchFamily="34" charset="-120"/>
+                <a:ea typeface="Adobe 繁黑體 Std B" panose="020B0700000000000000" pitchFamily="34" charset="-120"/>
+              </a:rPr>
+              <a:t>text</a:t>
+            </a:r>
+            <a:r>
+              <a:rPr lang="en-US" altLang="zh-TW" sz="3200" dirty="0">
+                <a:solidFill>
+                  <a:schemeClr val="bg1"/>
+                </a:solidFill>
+                <a:latin typeface="Adobe 繁黑體 Std B" panose="020B0700000000000000" pitchFamily="34" charset="-120"/>
+                <a:ea typeface="Adobe 繁黑體 Std B" panose="020B0700000000000000" pitchFamily="34" charset="-120"/>
+              </a:rPr>
+              <a:t>  /&gt;</a:t>
+            </a:r>
+            <a:endParaRPr lang="zh-TW" altLang="en-US" sz="3200" dirty="0">
+              <a:solidFill>
+                <a:schemeClr val="bg1"/>
+              </a:solidFill>
+              <a:latin typeface="Adobe 繁黑體 Std B" panose="020B0700000000000000" pitchFamily="34" charset="-120"/>
+              <a:ea typeface="Adobe 繁黑體 Std B" panose="020B0700000000000000" pitchFamily="34" charset="-120"/>
+            </a:endParaRPr>
+          </a:p>
+        </p:txBody>
+      </p:sp>
+      <p:sp>
+        <p:nvSpPr>
+          <p:cNvPr id="10" name="文字方塊 9">
+            <a:extLst>
+              <a:ext uri="{FF2B5EF4-FFF2-40B4-BE49-F238E27FC236}">
+                <a16:creationId xmlns:a16="http://schemas.microsoft.com/office/drawing/2014/main" id="{388BA6DF-3F06-4732-A828-A61C5321AF55}"/>
+              </a:ext>
+            </a:extLst>
+          </p:cNvPr>
+          <p:cNvSpPr txBox="1"/>
+          <p:nvPr/>
+        </p:nvSpPr>
+        <p:spPr>
+          <a:xfrm>
+            <a:off x="2104160" y="5062581"/>
+            <a:ext cx="3404937" cy="584775"/>
+          </a:xfrm>
+          <a:prstGeom prst="rect">
+            <a:avLst/>
+          </a:prstGeom>
+          <a:noFill/>
+        </p:spPr>
+        <p:txBody>
+          <a:bodyPr wrap="square" rtlCol="0">
+            <a:spAutoFit/>
+          </a:bodyPr>
+          <a:lstStyle/>
+          <a:p>
+            <a:r>
+              <a:rPr lang="en-US" altLang="zh-TW" sz="3200" dirty="0">
+                <a:solidFill>
+                  <a:schemeClr val="bg1"/>
+                </a:solidFill>
+                <a:latin typeface="Adobe 繁黑體 Std B" panose="020B0700000000000000" pitchFamily="34" charset="-120"/>
+                <a:ea typeface="Adobe 繁黑體 Std B" panose="020B0700000000000000" pitchFamily="34" charset="-120"/>
+              </a:rPr>
+              <a:t>&lt;</a:t>
+            </a:r>
+            <a:r>
+              <a:rPr lang="en-US" altLang="zh-TW" sz="3200" dirty="0">
+                <a:solidFill>
+                  <a:srgbClr val="FFC000"/>
+                </a:solidFill>
+                <a:latin typeface="Adobe 繁黑體 Std B" panose="020B0700000000000000" pitchFamily="34" charset="-120"/>
+                <a:ea typeface="Adobe 繁黑體 Std B" panose="020B0700000000000000" pitchFamily="34" charset="-120"/>
+              </a:rPr>
+              <a:t>button</a:t>
+            </a:r>
+            <a:r>
+              <a:rPr lang="en-US" altLang="zh-TW" sz="3200" dirty="0">
+                <a:solidFill>
+                  <a:schemeClr val="bg1"/>
+                </a:solidFill>
+                <a:latin typeface="Adobe 繁黑體 Std B" panose="020B0700000000000000" pitchFamily="34" charset="-120"/>
+                <a:ea typeface="Adobe 繁黑體 Std B" panose="020B0700000000000000" pitchFamily="34" charset="-120"/>
+              </a:rPr>
+              <a:t>  /&gt;</a:t>
+            </a:r>
+            <a:endParaRPr lang="zh-TW" altLang="en-US" sz="3200" dirty="0">
+              <a:solidFill>
+                <a:schemeClr val="bg1"/>
+              </a:solidFill>
+              <a:latin typeface="Adobe 繁黑體 Std B" panose="020B0700000000000000" pitchFamily="34" charset="-120"/>
+              <a:ea typeface="Adobe 繁黑體 Std B" panose="020B0700000000000000" pitchFamily="34" charset="-120"/>
+            </a:endParaRPr>
+          </a:p>
+        </p:txBody>
+      </p:sp>
+    </p:spTree>
+    <p:extLst>
+      <p:ext uri="{BB962C8B-B14F-4D97-AF65-F5344CB8AC3E}">
+        <p14:creationId xmlns:p14="http://schemas.microsoft.com/office/powerpoint/2010/main" val="3420648036"/>
+      </p:ext>
+    </p:extLst>
+  </p:cSld>
+  <p:clrMapOvr>
+    <a:masterClrMapping/>
+  </p:clrMapOvr>
+  <mc:AlternateContent xmlns:mc="http://schemas.openxmlformats.org/markup-compatibility/2006" xmlns:p14="http://schemas.microsoft.com/office/powerpoint/2010/main">
+    <mc:Choice Requires="p14">
+      <p:transition p14:dur="160">
+        <p:fade/>
+      </p:transition>
+    </mc:Choice>
+    <mc:Fallback xmlns="">
+      <p:transition>
+        <p:fade/>
+      </p:transition>
+    </mc:Fallback>
+  </mc:AlternateContent>
+  <p:timing>
+    <p:tnLst>
+      <p:par>
+        <p:cTn id="1" dur="indefinite" restart="never" nodeType="tmRoot"/>
+      </p:par>
+    </p:tnLst>
+  </p:timing>
+</p:sld>
+</file>
+
+<file path=ppt/slides/slide3.xml><?xml version="1.0" encoding="utf-8"?>
+<p:sld xmlns:a="http://schemas.openxmlformats.org/drawingml/2006/main" xmlns:r="http://schemas.openxmlformats.org/officeDocument/2006/relationships" xmlns:p="http://schemas.openxmlformats.org/presentationml/2006/main">
+  <p:cSld>
+    <p:spTree>
+      <p:nvGrpSpPr>
+        <p:cNvPr id="1" name=""/>
+        <p:cNvGrpSpPr/>
+        <p:nvPr/>
+      </p:nvGrpSpPr>
+      <p:grpSpPr>
+        <a:xfrm>
+          <a:off x="0" y="0"/>
+          <a:ext cx="0" cy="0"/>
+          <a:chOff x="0" y="0"/>
+          <a:chExt cx="0" cy="0"/>
+        </a:xfrm>
+      </p:grpSpPr>
+      <p:sp>
+        <p:nvSpPr>
+          <p:cNvPr id="2" name="標題 1"/>
+          <p:cNvSpPr>
+            <a:spLocks noGrp="1"/>
+          </p:cNvSpPr>
+          <p:nvPr>
+            <p:ph type="title"/>
+          </p:nvPr>
+        </p:nvSpPr>
+        <p:spPr/>
+        <p:txBody>
+          <a:bodyPr/>
+          <a:lstStyle/>
+          <a:p>
+            <a:pPr algn="ctr"/>
+            <a:r>
+              <a:rPr lang="zh-TW" altLang="en-US" dirty="0"/>
+              <a:t>課程大綱</a:t>
+            </a:r>
+          </a:p>
+        </p:txBody>
+      </p:sp>
+      <p:sp>
+        <p:nvSpPr>
+          <p:cNvPr id="3" name="內容版面配置區 2"/>
+          <p:cNvSpPr>
+            <a:spLocks noGrp="1"/>
+          </p:cNvSpPr>
+          <p:nvPr>
+            <p:ph idx="1"/>
+          </p:nvPr>
+        </p:nvSpPr>
+        <p:spPr/>
+        <p:txBody>
+          <a:bodyPr>
+            <a:normAutofit/>
+          </a:bodyPr>
+          <a:lstStyle/>
+          <a:p>
+            <a:pPr>
+              <a:lnSpc>
+                <a:spcPct val="150000"/>
+              </a:lnSpc>
+            </a:pPr>
+            <a:r>
+              <a:rPr lang="zh-TW" altLang="en-US" sz="3200" dirty="0">
+                <a:solidFill>
+                  <a:schemeClr val="bg1"/>
+                </a:solidFill>
+                <a:latin typeface="+mj-ea"/>
+              </a:rPr>
+              <a:t>探索</a:t>
+            </a:r>
+            <a:r>
+              <a:rPr lang="en-US" altLang="zh-TW" sz="3200" dirty="0">
+                <a:solidFill>
+                  <a:schemeClr val="bg1"/>
+                </a:solidFill>
+                <a:latin typeface="+mj-ea"/>
+              </a:rPr>
+              <a:t>React</a:t>
+            </a:r>
+          </a:p>
+          <a:p>
+            <a:pPr>
+              <a:lnSpc>
+                <a:spcPct val="150000"/>
+              </a:lnSpc>
+            </a:pPr>
+            <a:r>
+              <a:rPr lang="zh-TW" altLang="en-US" sz="3200" dirty="0" smtClean="0">
+                <a:solidFill>
+                  <a:schemeClr val="bg1"/>
+                </a:solidFill>
+                <a:latin typeface="+mj-ea"/>
+                <a:ea typeface="+mj-ea"/>
+              </a:rPr>
+              <a:t>了解</a:t>
+            </a:r>
+            <a:r>
+              <a:rPr lang="en-US" altLang="zh-TW" sz="3200" dirty="0" smtClean="0">
+                <a:solidFill>
+                  <a:schemeClr val="bg1"/>
+                </a:solidFill>
+                <a:latin typeface="+mj-ea"/>
+                <a:ea typeface="+mj-ea"/>
+              </a:rPr>
+              <a:t>Hooks</a:t>
+            </a:r>
+          </a:p>
+          <a:p>
+            <a:pPr>
+              <a:lnSpc>
+                <a:spcPct val="150000"/>
+              </a:lnSpc>
+            </a:pPr>
+            <a:r>
+              <a:rPr lang="zh-TW" altLang="en-US" sz="3200" dirty="0" smtClean="0">
+                <a:solidFill>
+                  <a:schemeClr val="bg1"/>
+                </a:solidFill>
+                <a:latin typeface="+mj-ea"/>
+                <a:ea typeface="+mj-ea"/>
+              </a:rPr>
+              <a:t>如何</a:t>
+            </a:r>
+            <a:r>
+              <a:rPr lang="zh-TW" altLang="en-US" sz="3200" dirty="0">
+                <a:solidFill>
+                  <a:schemeClr val="bg1"/>
+                </a:solidFill>
+                <a:latin typeface="+mj-ea"/>
+                <a:ea typeface="+mj-ea"/>
+              </a:rPr>
+              <a:t>使用</a:t>
+            </a:r>
+            <a:r>
+              <a:rPr lang="en-US" altLang="zh-TW" sz="3200" dirty="0">
+                <a:solidFill>
+                  <a:schemeClr val="bg1"/>
+                </a:solidFill>
+                <a:latin typeface="+mj-ea"/>
+                <a:ea typeface="+mj-ea"/>
+              </a:rPr>
+              <a:t>Hooks</a:t>
+            </a:r>
+            <a:r>
+              <a:rPr lang="zh-TW" altLang="en-US" sz="3200" dirty="0">
+                <a:solidFill>
+                  <a:schemeClr val="bg1"/>
+                </a:solidFill>
+                <a:latin typeface="+mj-ea"/>
+                <a:ea typeface="+mj-ea"/>
+              </a:rPr>
+              <a:t> </a:t>
+            </a:r>
+            <a:r>
+              <a:rPr lang="en-US" altLang="zh-TW" sz="3200" dirty="0" smtClean="0">
+                <a:solidFill>
+                  <a:schemeClr val="bg1"/>
+                </a:solidFill>
+                <a:latin typeface="+mj-ea"/>
+                <a:ea typeface="+mj-ea"/>
+              </a:rPr>
+              <a:t>API</a:t>
+            </a:r>
+          </a:p>
+          <a:p>
+            <a:pPr>
+              <a:lnSpc>
+                <a:spcPct val="150000"/>
+              </a:lnSpc>
+            </a:pPr>
+            <a:r>
+              <a:rPr lang="zh-TW" altLang="en-US" sz="3200" dirty="0" smtClean="0">
+                <a:solidFill>
+                  <a:schemeClr val="bg1"/>
+                </a:solidFill>
+                <a:latin typeface="+mj-ea"/>
+                <a:ea typeface="+mj-ea"/>
+              </a:rPr>
+              <a:t>深入了解</a:t>
+            </a:r>
+            <a:r>
+              <a:rPr lang="en-US" altLang="zh-TW" sz="3200" dirty="0" smtClean="0">
+                <a:solidFill>
+                  <a:schemeClr val="bg1"/>
+                </a:solidFill>
+                <a:latin typeface="+mj-ea"/>
+                <a:ea typeface="+mj-ea"/>
+              </a:rPr>
+              <a:t>Hooks</a:t>
+            </a:r>
+            <a:r>
+              <a:rPr lang="zh-TW" altLang="en-US" sz="3200" dirty="0" smtClean="0">
+                <a:solidFill>
+                  <a:schemeClr val="bg1"/>
+                </a:solidFill>
+                <a:latin typeface="+mj-ea"/>
+                <a:ea typeface="+mj-ea"/>
+              </a:rPr>
+              <a:t>結構</a:t>
+            </a:r>
+            <a:endParaRPr lang="en-US" altLang="zh-TW" sz="3200" dirty="0" smtClean="0">
+              <a:solidFill>
+                <a:schemeClr val="bg1"/>
+              </a:solidFill>
+              <a:latin typeface="+mj-ea"/>
+              <a:ea typeface="+mj-ea"/>
+            </a:endParaRPr>
+          </a:p>
+          <a:p>
+            <a:pPr>
+              <a:lnSpc>
+                <a:spcPct val="150000"/>
+              </a:lnSpc>
+            </a:pPr>
+            <a:r>
+              <a:rPr lang="zh-TW" altLang="en-US" sz="3200" dirty="0" smtClean="0">
+                <a:solidFill>
+                  <a:schemeClr val="bg1"/>
+                </a:solidFill>
+                <a:latin typeface="+mj-ea"/>
+              </a:rPr>
+              <a:t>創作出自己</a:t>
+            </a:r>
+            <a:r>
+              <a:rPr lang="zh-TW" altLang="en-US" sz="3200" dirty="0">
+                <a:solidFill>
+                  <a:schemeClr val="bg1"/>
+                </a:solidFill>
+                <a:latin typeface="+mj-ea"/>
+              </a:rPr>
+              <a:t>的</a:t>
+            </a:r>
+            <a:r>
+              <a:rPr lang="en-US" altLang="zh-TW" sz="3200" dirty="0" smtClean="0">
+                <a:solidFill>
+                  <a:schemeClr val="bg1"/>
+                </a:solidFill>
+                <a:latin typeface="+mj-ea"/>
+              </a:rPr>
+              <a:t>Hooks</a:t>
+            </a:r>
+            <a:endParaRPr lang="en-US" altLang="zh-TW" sz="3200" dirty="0">
+              <a:solidFill>
+                <a:schemeClr val="bg1"/>
+              </a:solidFill>
+              <a:latin typeface="+mj-ea"/>
+            </a:endParaRPr>
+          </a:p>
+        </p:txBody>
+      </p:sp>
+    </p:spTree>
+    <p:extLst>
+      <p:ext uri="{BB962C8B-B14F-4D97-AF65-F5344CB8AC3E}">
+        <p14:creationId xmlns:p14="http://schemas.microsoft.com/office/powerpoint/2010/main" val="1345370539"/>
+      </p:ext>
+    </p:extLst>
+  </p:cSld>
+  <p:clrMapOvr>
+    <a:masterClrMapping/>
+  </p:clrMapOvr>
+  <mc:AlternateContent xmlns:mc="http://schemas.openxmlformats.org/markup-compatibility/2006" xmlns:p14="http://schemas.microsoft.com/office/powerpoint/2010/main">
+    <mc:Choice Requires="p14">
+      <p:transition p14:dur="160">
+        <p:fade/>
+      </p:transition>
+    </mc:Choice>
+    <mc:Fallback xmlns="">
+      <p:transition>
+        <p:fade/>
+      </p:transition>
+    </mc:Fallback>
+  </mc:AlternateContent>
+  <p:timing>
+    <p:tnLst>
+      <p:par>
+        <p:cTn id="1" dur="indefinite" restart="never" nodeType="tmRoot"/>
+      </p:par>
+    </p:tnLst>
+  </p:timing>
+</p:sld>
+</file>
+
+<file path=ppt/slides/slide30.xml><?xml version="1.0" encoding="utf-8"?>
+<p:sld xmlns:a="http://schemas.openxmlformats.org/drawingml/2006/main" xmlns:r="http://schemas.openxmlformats.org/officeDocument/2006/relationships" xmlns:p="http://schemas.openxmlformats.org/presentationml/2006/main">
+  <p:cSld>
+    <p:spTree>
+      <p:nvGrpSpPr>
+        <p:cNvPr id="1" name=""/>
+        <p:cNvGrpSpPr/>
+        <p:nvPr/>
+      </p:nvGrpSpPr>
+      <p:grpSpPr>
+        <a:xfrm>
+          <a:off x="0" y="0"/>
+          <a:ext cx="0" cy="0"/>
+          <a:chOff x="0" y="0"/>
+          <a:chExt cx="0" cy="0"/>
+        </a:xfrm>
+      </p:grpSpPr>
+      <p:sp>
+        <p:nvSpPr>
+          <p:cNvPr id="2" name="投影片編號版面配置區 1">
+            <a:extLst>
+              <a:ext uri="{FF2B5EF4-FFF2-40B4-BE49-F238E27FC236}">
+                <a16:creationId xmlns:a16="http://schemas.microsoft.com/office/drawing/2014/main" id="{EE7A8781-9AE9-4E94-A07C-D651D6501E1E}"/>
+              </a:ext>
+            </a:extLst>
+          </p:cNvPr>
+          <p:cNvSpPr>
+            <a:spLocks noGrp="1"/>
+          </p:cNvSpPr>
+          <p:nvPr>
+            <p:ph type="sldNum" sz="quarter" idx="12"/>
+          </p:nvPr>
+        </p:nvSpPr>
+        <p:spPr/>
+        <p:txBody>
+          <a:bodyPr/>
+          <a:lstStyle/>
+          <a:p>
+            <a:fld id="{4FAB73BC-B049-4115-A692-8D63A059BFB8}" type="slidenum">
+              <a:rPr lang="en-US" smtClean="0"/>
+              <a:pPr/>
+              <a:t>30</a:t>
+            </a:fld>
+            <a:endParaRPr lang="en-US" dirty="0"/>
+          </a:p>
+        </p:txBody>
+      </p:sp>
+      <p:sp>
+        <p:nvSpPr>
+          <p:cNvPr id="3" name="文字版面配置區 2">
+            <a:extLst>
+              <a:ext uri="{FF2B5EF4-FFF2-40B4-BE49-F238E27FC236}">
+                <a16:creationId xmlns:a16="http://schemas.microsoft.com/office/drawing/2014/main" id="{026D63AC-80B9-49D9-86AF-A14DF6546396}"/>
+              </a:ext>
+            </a:extLst>
+          </p:cNvPr>
+          <p:cNvSpPr>
+            <a:spLocks noGrp="1"/>
+          </p:cNvSpPr>
+          <p:nvPr>
+            <p:ph type="body" sz="quarter" idx="13"/>
+          </p:nvPr>
+        </p:nvSpPr>
+        <p:spPr/>
+        <p:txBody>
+          <a:bodyPr/>
+          <a:lstStyle/>
+          <a:p>
+            <a:r>
+              <a:rPr lang="zh-TW" altLang="en-US" dirty="0" smtClean="0"/>
+              <a:t>使用結構</a:t>
+            </a:r>
+            <a:endParaRPr lang="zh-TW" altLang="en-US" dirty="0"/>
+          </a:p>
+        </p:txBody>
+      </p:sp>
+      <p:sp>
+        <p:nvSpPr>
+          <p:cNvPr id="4" name="文字方塊 3">
+            <a:extLst>
+              <a:ext uri="{FF2B5EF4-FFF2-40B4-BE49-F238E27FC236}">
+                <a16:creationId xmlns:a16="http://schemas.microsoft.com/office/drawing/2014/main" id="{C33D64EF-CD04-4D48-A32C-F8983636DFAA}"/>
+              </a:ext>
+            </a:extLst>
+          </p:cNvPr>
+          <p:cNvSpPr txBox="1"/>
+          <p:nvPr/>
+        </p:nvSpPr>
+        <p:spPr>
+          <a:xfrm>
+            <a:off x="3546262" y="1639098"/>
+            <a:ext cx="5445722" cy="584775"/>
+          </a:xfrm>
+          <a:prstGeom prst="rect">
+            <a:avLst/>
+          </a:prstGeom>
+          <a:noFill/>
+        </p:spPr>
+        <p:txBody>
+          <a:bodyPr wrap="none" rtlCol="0">
+            <a:spAutoFit/>
+          </a:bodyPr>
+          <a:lstStyle/>
+          <a:p>
+            <a:pPr algn="ctr"/>
+            <a:r>
+              <a:rPr lang="en-US" altLang="zh-TW" sz="3200" spc="300" dirty="0">
+                <a:solidFill>
+                  <a:schemeClr val="accent5">
+                    <a:lumMod val="60000"/>
+                    <a:lumOff val="40000"/>
+                  </a:schemeClr>
+                </a:solidFill>
+                <a:latin typeface="Adobe 繁黑體 Std B" panose="020B0700000000000000" pitchFamily="34" charset="-120"/>
+                <a:ea typeface="Adobe 繁黑體 Std B" panose="020B0700000000000000" pitchFamily="34" charset="-120"/>
+              </a:rPr>
+              <a:t>Const</a:t>
+            </a:r>
+            <a:r>
+              <a:rPr lang="en-US" altLang="zh-TW" sz="3200" spc="300" dirty="0">
+                <a:solidFill>
+                  <a:schemeClr val="bg1">
+                    <a:lumMod val="85000"/>
+                  </a:schemeClr>
+                </a:solidFill>
+                <a:latin typeface="Adobe 繁黑體 Std B" panose="020B0700000000000000" pitchFamily="34" charset="-120"/>
+                <a:ea typeface="Adobe 繁黑體 Std B" panose="020B0700000000000000" pitchFamily="34" charset="-120"/>
+              </a:rPr>
+              <a:t>	</a:t>
+            </a:r>
+            <a:r>
+              <a:rPr lang="en-US" altLang="zh-TW" sz="3200" spc="300" dirty="0" err="1">
+                <a:solidFill>
+                  <a:schemeClr val="accent2">
+                    <a:lumMod val="60000"/>
+                    <a:lumOff val="40000"/>
+                  </a:schemeClr>
+                </a:solidFill>
+                <a:latin typeface="Adobe 繁黑體 Std B" panose="020B0700000000000000" pitchFamily="34" charset="-120"/>
+                <a:ea typeface="Adobe 繁黑體 Std B" panose="020B0700000000000000" pitchFamily="34" charset="-120"/>
+              </a:rPr>
+              <a:t>myRef</a:t>
+            </a:r>
+            <a:r>
+              <a:rPr lang="en-US" altLang="zh-TW" sz="3200" spc="300" dirty="0">
+                <a:solidFill>
+                  <a:schemeClr val="accent2">
+                    <a:lumMod val="60000"/>
+                    <a:lumOff val="40000"/>
+                  </a:schemeClr>
+                </a:solidFill>
+                <a:latin typeface="Adobe 繁黑體 Std B" panose="020B0700000000000000" pitchFamily="34" charset="-120"/>
+                <a:ea typeface="Adobe 繁黑體 Std B" panose="020B0700000000000000" pitchFamily="34" charset="-120"/>
+              </a:rPr>
+              <a:t>	 </a:t>
+            </a:r>
+            <a:r>
+              <a:rPr lang="en-US" altLang="zh-TW" sz="3200" spc="300" dirty="0">
+                <a:solidFill>
+                  <a:schemeClr val="bg1">
+                    <a:lumMod val="85000"/>
+                  </a:schemeClr>
+                </a:solidFill>
+                <a:latin typeface="Adobe 繁黑體 Std B" panose="020B0700000000000000" pitchFamily="34" charset="-120"/>
+                <a:ea typeface="Adobe 繁黑體 Std B" panose="020B0700000000000000" pitchFamily="34" charset="-120"/>
+              </a:rPr>
+              <a:t>= </a:t>
+            </a:r>
+            <a:r>
+              <a:rPr lang="en-US" altLang="zh-TW" sz="3200" dirty="0" err="1">
+                <a:solidFill>
+                  <a:schemeClr val="bg1"/>
+                </a:solidFill>
+                <a:latin typeface="Adobe 繁黑體 Std B" panose="020B0700000000000000" pitchFamily="34" charset="-120"/>
+                <a:ea typeface="Adobe 繁黑體 Std B" panose="020B0700000000000000" pitchFamily="34" charset="-120"/>
+              </a:rPr>
+              <a:t>useRef</a:t>
+            </a:r>
+            <a:r>
+              <a:rPr lang="en-US" altLang="zh-TW" sz="3200" dirty="0">
+                <a:solidFill>
+                  <a:schemeClr val="bg1"/>
+                </a:solidFill>
+                <a:latin typeface="Adobe 繁黑體 Std B" panose="020B0700000000000000" pitchFamily="34" charset="-120"/>
+                <a:ea typeface="Adobe 繁黑體 Std B" panose="020B0700000000000000" pitchFamily="34" charset="-120"/>
+              </a:rPr>
+              <a:t>(  )</a:t>
+            </a:r>
+            <a:r>
+              <a:rPr lang="en-US" altLang="zh-TW" sz="3200" spc="300" dirty="0">
+                <a:solidFill>
+                  <a:schemeClr val="bg1"/>
+                </a:solidFill>
+                <a:latin typeface="Adobe 繁黑體 Std B" panose="020B0700000000000000" pitchFamily="34" charset="-120"/>
+                <a:ea typeface="Adobe 繁黑體 Std B" panose="020B0700000000000000" pitchFamily="34" charset="-120"/>
+              </a:rPr>
+              <a:t> </a:t>
+            </a:r>
+            <a:endParaRPr lang="zh-TW" altLang="en-US" sz="3200" spc="300" dirty="0">
+              <a:solidFill>
+                <a:schemeClr val="bg1"/>
+              </a:solidFill>
+              <a:latin typeface="Adobe 繁黑體 Std B" panose="020B0700000000000000" pitchFamily="34" charset="-120"/>
+              <a:ea typeface="Adobe 繁黑體 Std B" panose="020B0700000000000000" pitchFamily="34" charset="-120"/>
+            </a:endParaRPr>
+          </a:p>
+        </p:txBody>
+      </p:sp>
+      <p:sp>
+        <p:nvSpPr>
+          <p:cNvPr id="5" name="文字方塊 4">
+            <a:extLst>
+              <a:ext uri="{FF2B5EF4-FFF2-40B4-BE49-F238E27FC236}">
+                <a16:creationId xmlns:a16="http://schemas.microsoft.com/office/drawing/2014/main" id="{9403EF6C-96D0-47D0-99E5-0F3A745CB7FF}"/>
+              </a:ext>
+            </a:extLst>
+          </p:cNvPr>
+          <p:cNvSpPr txBox="1"/>
+          <p:nvPr/>
+        </p:nvSpPr>
+        <p:spPr>
+          <a:xfrm>
+            <a:off x="2908416" y="4048271"/>
+            <a:ext cx="6721415" cy="584775"/>
+          </a:xfrm>
+          <a:prstGeom prst="rect">
+            <a:avLst/>
+          </a:prstGeom>
+          <a:noFill/>
+        </p:spPr>
+        <p:txBody>
+          <a:bodyPr wrap="square" rtlCol="0">
+            <a:spAutoFit/>
+          </a:bodyPr>
+          <a:lstStyle/>
+          <a:p>
+            <a:pPr algn="ctr"/>
+            <a:r>
+              <a:rPr lang="en-US" altLang="zh-TW" sz="3200" dirty="0">
+                <a:solidFill>
+                  <a:schemeClr val="bg1"/>
+                </a:solidFill>
+                <a:latin typeface="Adobe 繁黑體 Std B" panose="020B0700000000000000" pitchFamily="34" charset="-120"/>
+                <a:ea typeface="Adobe 繁黑體 Std B" panose="020B0700000000000000" pitchFamily="34" charset="-120"/>
+              </a:rPr>
+              <a:t>&lt;</a:t>
+            </a:r>
+            <a:r>
+              <a:rPr lang="en-US" altLang="zh-TW" sz="3200" dirty="0">
+                <a:solidFill>
+                  <a:srgbClr val="92D050"/>
+                </a:solidFill>
+                <a:latin typeface="Adobe 繁黑體 Std B" panose="020B0700000000000000" pitchFamily="34" charset="-120"/>
+                <a:ea typeface="Adobe 繁黑體 Std B" panose="020B0700000000000000" pitchFamily="34" charset="-120"/>
+              </a:rPr>
+              <a:t>input</a:t>
+            </a:r>
+            <a:r>
+              <a:rPr lang="en-US" altLang="zh-TW" sz="3200" dirty="0">
+                <a:solidFill>
+                  <a:schemeClr val="bg1"/>
+                </a:solidFill>
+                <a:latin typeface="Adobe 繁黑體 Std B" panose="020B0700000000000000" pitchFamily="34" charset="-120"/>
+                <a:ea typeface="Adobe 繁黑體 Std B" panose="020B0700000000000000" pitchFamily="34" charset="-120"/>
+              </a:rPr>
+              <a:t>  ref={ </a:t>
+            </a:r>
+            <a:r>
+              <a:rPr lang="en-US" altLang="zh-TW" sz="3200" spc="300" dirty="0" err="1">
+                <a:solidFill>
+                  <a:schemeClr val="accent2">
+                    <a:lumMod val="60000"/>
+                    <a:lumOff val="40000"/>
+                  </a:schemeClr>
+                </a:solidFill>
+                <a:latin typeface="Adobe 繁黑體 Std B" panose="020B0700000000000000" pitchFamily="34" charset="-120"/>
+                <a:ea typeface="Adobe 繁黑體 Std B" panose="020B0700000000000000" pitchFamily="34" charset="-120"/>
+              </a:rPr>
+              <a:t>myRef</a:t>
+            </a:r>
+            <a:r>
+              <a:rPr lang="en-US" altLang="zh-TW" sz="3200" spc="300" dirty="0">
+                <a:solidFill>
+                  <a:schemeClr val="accent2">
+                    <a:lumMod val="60000"/>
+                    <a:lumOff val="40000"/>
+                  </a:schemeClr>
+                </a:solidFill>
+                <a:latin typeface="Adobe 繁黑體 Std B" panose="020B0700000000000000" pitchFamily="34" charset="-120"/>
+                <a:ea typeface="Adobe 繁黑體 Std B" panose="020B0700000000000000" pitchFamily="34" charset="-120"/>
+              </a:rPr>
+              <a:t> </a:t>
+            </a:r>
+            <a:r>
+              <a:rPr lang="en-US" altLang="zh-TW" sz="3200" dirty="0">
+                <a:solidFill>
+                  <a:schemeClr val="bg1"/>
+                </a:solidFill>
+                <a:latin typeface="Adobe 繁黑體 Std B" panose="020B0700000000000000" pitchFamily="34" charset="-120"/>
+                <a:ea typeface="Adobe 繁黑體 Std B" panose="020B0700000000000000" pitchFamily="34" charset="-120"/>
+              </a:rPr>
+              <a:t>}   /&gt;</a:t>
+            </a:r>
+            <a:endParaRPr lang="zh-TW" altLang="en-US" sz="3200" dirty="0">
+              <a:solidFill>
+                <a:schemeClr val="bg1"/>
+              </a:solidFill>
+              <a:latin typeface="Adobe 繁黑體 Std B" panose="020B0700000000000000" pitchFamily="34" charset="-120"/>
+              <a:ea typeface="Adobe 繁黑體 Std B" panose="020B0700000000000000" pitchFamily="34" charset="-120"/>
+            </a:endParaRPr>
+          </a:p>
+        </p:txBody>
+      </p:sp>
+    </p:spTree>
+    <p:extLst>
+      <p:ext uri="{BB962C8B-B14F-4D97-AF65-F5344CB8AC3E}">
+        <p14:creationId xmlns:p14="http://schemas.microsoft.com/office/powerpoint/2010/main" val="1655638400"/>
+      </p:ext>
+    </p:extLst>
+  </p:cSld>
+  <p:clrMapOvr>
+    <a:masterClrMapping/>
+  </p:clrMapOvr>
+  <mc:AlternateContent xmlns:mc="http://schemas.openxmlformats.org/markup-compatibility/2006" xmlns:p14="http://schemas.microsoft.com/office/powerpoint/2010/main">
+    <mc:Choice Requires="p14">
+      <p:transition p14:dur="160">
+        <p:fade/>
+      </p:transition>
+    </mc:Choice>
+    <mc:Fallback xmlns="">
+      <p:transition>
+        <p:fade/>
+      </p:transition>
+    </mc:Fallback>
+  </mc:AlternateContent>
+  <p:timing>
+    <p:tnLst>
+      <p:par>
+        <p:cTn id="1" dur="indefinite" restart="never" nodeType="tmRoot"/>
+      </p:par>
+    </p:tnLst>
+  </p:timing>
+</p:sld>
+</file>
+
+<file path=ppt/slides/slide31.xml><?xml version="1.0" encoding="utf-8"?>
+<p:sld xmlns:a="http://schemas.openxmlformats.org/drawingml/2006/main" xmlns:r="http://schemas.openxmlformats.org/officeDocument/2006/relationships" xmlns:p="http://schemas.openxmlformats.org/presentationml/2006/main">
+  <p:cSld>
+    <p:spTree>
+      <p:nvGrpSpPr>
+        <p:cNvPr id="1" name=""/>
+        <p:cNvGrpSpPr/>
+        <p:nvPr/>
+      </p:nvGrpSpPr>
+      <p:grpSpPr>
+        <a:xfrm>
+          <a:off x="0" y="0"/>
+          <a:ext cx="0" cy="0"/>
+          <a:chOff x="0" y="0"/>
+          <a:chExt cx="0" cy="0"/>
+        </a:xfrm>
+      </p:grpSpPr>
+      <p:sp>
+        <p:nvSpPr>
           <p:cNvPr id="2" name="投影片編號版面配置區 1">
             <a:extLst>
               <a:ext uri="{FF2B5EF4-FFF2-40B4-BE49-F238E27FC236}">
@@ -14888,7 +16166,7 @@
             <a:fld id="{4FAB73BC-B049-4115-A692-8D63A059BFB8}" type="slidenum">
               <a:rPr lang="en-US" smtClean="0"/>
               <a:pPr/>
-              <a:t>29</a:t>
+              <a:t>31</a:t>
             </a:fld>
             <a:endParaRPr lang="en-US" dirty="0"/>
           </a:p>
@@ -15413,7 +16691,7 @@
 </p:sld>
 </file>
 
-<file path=ppt/slides/slide3.xml><?xml version="1.0" encoding="utf-8"?>
+<file path=ppt/slides/slide32.xml><?xml version="1.0" encoding="utf-8"?>
 <p:sld xmlns:a="http://schemas.openxmlformats.org/drawingml/2006/main" xmlns:r="http://schemas.openxmlformats.org/officeDocument/2006/relationships" xmlns:p="http://schemas.openxmlformats.org/presentationml/2006/main">
   <p:cSld>
     <p:spTree>
@@ -15432,232 +16710,6 @@
       </p:grpSpPr>
       <p:sp>
         <p:nvSpPr>
-          <p:cNvPr id="2" name="標題 1"/>
-          <p:cNvSpPr>
-            <a:spLocks noGrp="1"/>
-          </p:cNvSpPr>
-          <p:nvPr>
-            <p:ph type="title"/>
-          </p:nvPr>
-        </p:nvSpPr>
-        <p:spPr/>
-        <p:txBody>
-          <a:bodyPr/>
-          <a:lstStyle/>
-          <a:p>
-            <a:pPr algn="ctr"/>
-            <a:r>
-              <a:rPr lang="zh-TW" altLang="en-US" dirty="0"/>
-              <a:t>課程大綱</a:t>
-            </a:r>
-          </a:p>
-        </p:txBody>
-      </p:sp>
-      <p:sp>
-        <p:nvSpPr>
-          <p:cNvPr id="3" name="內容版面配置區 2"/>
-          <p:cNvSpPr>
-            <a:spLocks noGrp="1"/>
-          </p:cNvSpPr>
-          <p:nvPr>
-            <p:ph idx="1"/>
-          </p:nvPr>
-        </p:nvSpPr>
-        <p:spPr/>
-        <p:txBody>
-          <a:bodyPr>
-            <a:normAutofit/>
-          </a:bodyPr>
-          <a:lstStyle/>
-          <a:p>
-            <a:pPr>
-              <a:lnSpc>
-                <a:spcPct val="150000"/>
-              </a:lnSpc>
-            </a:pPr>
-            <a:r>
-              <a:rPr lang="zh-TW" altLang="en-US" sz="3200" dirty="0">
-                <a:solidFill>
-                  <a:schemeClr val="bg1"/>
-                </a:solidFill>
-                <a:latin typeface="+mj-ea"/>
-              </a:rPr>
-              <a:t>探索</a:t>
-            </a:r>
-            <a:r>
-              <a:rPr lang="en-US" altLang="zh-TW" sz="3200" dirty="0">
-                <a:solidFill>
-                  <a:schemeClr val="bg1"/>
-                </a:solidFill>
-                <a:latin typeface="+mj-ea"/>
-              </a:rPr>
-              <a:t>React</a:t>
-            </a:r>
-          </a:p>
-          <a:p>
-            <a:pPr>
-              <a:lnSpc>
-                <a:spcPct val="150000"/>
-              </a:lnSpc>
-            </a:pPr>
-            <a:r>
-              <a:rPr lang="zh-TW" altLang="en-US" sz="3200" dirty="0">
-                <a:solidFill>
-                  <a:schemeClr val="bg1"/>
-                </a:solidFill>
-                <a:latin typeface="+mj-ea"/>
-                <a:ea typeface="+mj-ea"/>
-              </a:rPr>
-              <a:t>了解</a:t>
-            </a:r>
-            <a:r>
-              <a:rPr lang="en-US" altLang="zh-TW" sz="3200" dirty="0">
-                <a:solidFill>
-                  <a:schemeClr val="bg1"/>
-                </a:solidFill>
-                <a:latin typeface="+mj-ea"/>
-                <a:ea typeface="+mj-ea"/>
-              </a:rPr>
-              <a:t>Hooks</a:t>
-            </a:r>
-          </a:p>
-          <a:p>
-            <a:pPr>
-              <a:lnSpc>
-                <a:spcPct val="150000"/>
-              </a:lnSpc>
-            </a:pPr>
-            <a:r>
-              <a:rPr lang="zh-TW" altLang="en-US" sz="3200" dirty="0">
-                <a:solidFill>
-                  <a:schemeClr val="bg1"/>
-                </a:solidFill>
-                <a:latin typeface="+mj-ea"/>
-                <a:ea typeface="+mj-ea"/>
-              </a:rPr>
-              <a:t>如何使用</a:t>
-            </a:r>
-            <a:r>
-              <a:rPr lang="en-US" altLang="zh-TW" sz="3200" dirty="0">
-                <a:solidFill>
-                  <a:schemeClr val="bg1"/>
-                </a:solidFill>
-                <a:latin typeface="+mj-ea"/>
-                <a:ea typeface="+mj-ea"/>
-              </a:rPr>
-              <a:t>Hooks</a:t>
-            </a:r>
-            <a:r>
-              <a:rPr lang="zh-TW" altLang="en-US" sz="3200" dirty="0">
-                <a:solidFill>
-                  <a:schemeClr val="bg1"/>
-                </a:solidFill>
-                <a:latin typeface="+mj-ea"/>
-                <a:ea typeface="+mj-ea"/>
-              </a:rPr>
-              <a:t> </a:t>
-            </a:r>
-            <a:r>
-              <a:rPr lang="en-US" altLang="zh-TW" sz="3200" dirty="0">
-                <a:solidFill>
-                  <a:schemeClr val="bg1"/>
-                </a:solidFill>
-                <a:latin typeface="+mj-ea"/>
-                <a:ea typeface="+mj-ea"/>
-              </a:rPr>
-              <a:t>API</a:t>
-            </a:r>
-          </a:p>
-          <a:p>
-            <a:pPr>
-              <a:lnSpc>
-                <a:spcPct val="150000"/>
-              </a:lnSpc>
-            </a:pPr>
-            <a:r>
-              <a:rPr lang="zh-TW" altLang="en-US" sz="3200" dirty="0">
-                <a:solidFill>
-                  <a:schemeClr val="bg1"/>
-                </a:solidFill>
-                <a:latin typeface="+mj-ea"/>
-                <a:ea typeface="+mj-ea"/>
-              </a:rPr>
-              <a:t>深入了解</a:t>
-            </a:r>
-            <a:r>
-              <a:rPr lang="en-US" altLang="zh-TW" sz="3200" dirty="0">
-                <a:solidFill>
-                  <a:schemeClr val="bg1"/>
-                </a:solidFill>
-                <a:latin typeface="+mj-ea"/>
-                <a:ea typeface="+mj-ea"/>
-              </a:rPr>
-              <a:t>Hooks</a:t>
-            </a:r>
-            <a:r>
-              <a:rPr lang="zh-TW" altLang="en-US" sz="3200" dirty="0">
-                <a:solidFill>
-                  <a:schemeClr val="bg1"/>
-                </a:solidFill>
-                <a:latin typeface="+mj-ea"/>
-                <a:ea typeface="+mj-ea"/>
-              </a:rPr>
-              <a:t>結構</a:t>
-            </a:r>
-            <a:endParaRPr lang="en-US" altLang="zh-TW" sz="3200" dirty="0">
-              <a:solidFill>
-                <a:schemeClr val="bg1"/>
-              </a:solidFill>
-              <a:latin typeface="+mj-ea"/>
-              <a:ea typeface="+mj-ea"/>
-            </a:endParaRPr>
-          </a:p>
-        </p:txBody>
-      </p:sp>
-    </p:spTree>
-    <p:extLst>
-      <p:ext uri="{BB962C8B-B14F-4D97-AF65-F5344CB8AC3E}">
-        <p14:creationId xmlns:p14="http://schemas.microsoft.com/office/powerpoint/2010/main" val="1345370539"/>
-      </p:ext>
-    </p:extLst>
-  </p:cSld>
-  <p:clrMapOvr>
-    <a:masterClrMapping/>
-  </p:clrMapOvr>
-  <mc:AlternateContent xmlns:mc="http://schemas.openxmlformats.org/markup-compatibility/2006" xmlns:p14="http://schemas.microsoft.com/office/powerpoint/2010/main">
-    <mc:Choice Requires="p14">
-      <p:transition p14:dur="160">
-        <p:fade/>
-      </p:transition>
-    </mc:Choice>
-    <mc:Fallback xmlns="">
-      <p:transition>
-        <p:fade/>
-      </p:transition>
-    </mc:Fallback>
-  </mc:AlternateContent>
-</p:sld>
-</file>
-
-<file path=ppt/slides/slide30.xml><?xml version="1.0" encoding="utf-8"?>
-<p:sld xmlns:a="http://schemas.openxmlformats.org/drawingml/2006/main" xmlns:r="http://schemas.openxmlformats.org/officeDocument/2006/relationships" xmlns:p="http://schemas.openxmlformats.org/presentationml/2006/main">
-  <p:cSld>
-    <p:spTree>
-      <p:nvGrpSpPr>
-        <p:cNvPr id="1" name=""/>
-        <p:cNvGrpSpPr/>
-        <p:nvPr/>
-      </p:nvGrpSpPr>
-      <p:grpSpPr>
-        <a:xfrm>
-          <a:off x="0" y="0"/>
-          <a:ext cx="0" cy="0"/>
-          <a:chOff x="0" y="0"/>
-          <a:chExt cx="0" cy="0"/>
-        </a:xfrm>
-      </p:grpSpPr>
-      <p:sp>
-        <p:nvSpPr>
           <p:cNvPr id="2" name="投影片編號版面配置區 1">
             <a:extLst>
               <a:ext uri="{FF2B5EF4-FFF2-40B4-BE49-F238E27FC236}">
@@ -15680,7 +16732,7 @@
             <a:fld id="{4FAB73BC-B049-4115-A692-8D63A059BFB8}" type="slidenum">
               <a:rPr lang="en-US" smtClean="0"/>
               <a:pPr/>
-              <a:t>30</a:t>
+              <a:t>32</a:t>
             </a:fld>
             <a:endParaRPr lang="en-US" dirty="0"/>
           </a:p>
@@ -15849,10 +16901,17 @@
       </p:transition>
     </mc:Fallback>
   </mc:AlternateContent>
+  <p:timing>
+    <p:tnLst>
+      <p:par>
+        <p:cTn id="1" dur="indefinite" restart="never" nodeType="tmRoot"/>
+      </p:par>
+    </p:tnLst>
+  </p:timing>
 </p:sld>
 </file>
 
-<file path=ppt/slides/slide31.xml><?xml version="1.0" encoding="utf-8"?>
+<file path=ppt/slides/slide33.xml><?xml version="1.0" encoding="utf-8"?>
 <p:sld xmlns:a="http://schemas.openxmlformats.org/drawingml/2006/main" xmlns:r="http://schemas.openxmlformats.org/officeDocument/2006/relationships" xmlns:p="http://schemas.openxmlformats.org/presentationml/2006/main">
   <p:cSld>
     <p:spTree>
@@ -15871,6 +16930,750 @@
       </p:grpSpPr>
       <p:sp>
         <p:nvSpPr>
+          <p:cNvPr id="2" name="標題 1">
+            <a:extLst>
+              <a:ext uri="{FF2B5EF4-FFF2-40B4-BE49-F238E27FC236}">
+                <a16:creationId xmlns:a16="http://schemas.microsoft.com/office/drawing/2014/main" id="{E42A39BE-EAF1-410A-9A92-A66FBA2BF9F7}"/>
+              </a:ext>
+            </a:extLst>
+          </p:cNvPr>
+          <p:cNvSpPr>
+            <a:spLocks noGrp="1"/>
+          </p:cNvSpPr>
+          <p:nvPr>
+            <p:ph type="title"/>
+          </p:nvPr>
+        </p:nvSpPr>
+        <p:spPr/>
+        <p:txBody>
+          <a:bodyPr/>
+          <a:lstStyle/>
+          <a:p>
+            <a:pPr algn="ctr"/>
+            <a:r>
+              <a:rPr lang="en-US" altLang="zh-TW" dirty="0"/>
+              <a:t>Pattern</a:t>
+            </a:r>
+            <a:endParaRPr lang="zh-TW" altLang="en-US" dirty="0"/>
+          </a:p>
+        </p:txBody>
+      </p:sp>
+      <p:sp>
+        <p:nvSpPr>
+          <p:cNvPr id="3" name="內容版面配置區 2">
+            <a:extLst>
+              <a:ext uri="{FF2B5EF4-FFF2-40B4-BE49-F238E27FC236}">
+                <a16:creationId xmlns:a16="http://schemas.microsoft.com/office/drawing/2014/main" id="{5D30DF41-AC01-4C62-A621-CB4016203A22}"/>
+              </a:ext>
+            </a:extLst>
+          </p:cNvPr>
+          <p:cNvSpPr>
+            <a:spLocks noGrp="1"/>
+          </p:cNvSpPr>
+          <p:nvPr>
+            <p:ph idx="1"/>
+          </p:nvPr>
+        </p:nvSpPr>
+        <p:spPr/>
+        <p:txBody>
+          <a:bodyPr>
+            <a:normAutofit/>
+          </a:bodyPr>
+          <a:lstStyle/>
+          <a:p>
+            <a:pPr marL="0" indent="0">
+              <a:buNone/>
+            </a:pPr>
+            <a:r>
+              <a:rPr lang="zh-TW" altLang="en-US" sz="3600" dirty="0">
+                <a:solidFill>
+                  <a:schemeClr val="bg1"/>
+                </a:solidFill>
+                <a:latin typeface="+mj-ea"/>
+                <a:ea typeface="+mj-ea"/>
+              </a:rPr>
+              <a:t>所謂的 </a:t>
+            </a:r>
+            <a:r>
+              <a:rPr lang="en-US" altLang="zh-TW" sz="3600" dirty="0">
+                <a:solidFill>
+                  <a:schemeClr val="bg1"/>
+                </a:solidFill>
+                <a:latin typeface="+mj-ea"/>
+                <a:ea typeface="+mj-ea"/>
+              </a:rPr>
+              <a:t>Design</a:t>
+            </a:r>
+            <a:r>
+              <a:rPr lang="en-US" altLang="zh-TW" sz="3600" dirty="0"/>
+              <a:t> </a:t>
+            </a:r>
+            <a:r>
+              <a:rPr lang="en-US" altLang="zh-TW" sz="3600" dirty="0" smtClean="0">
+                <a:solidFill>
+                  <a:schemeClr val="bg1"/>
+                </a:solidFill>
+                <a:latin typeface="+mj-ea"/>
+                <a:ea typeface="+mj-ea"/>
+              </a:rPr>
+              <a:t>Pattern</a:t>
+            </a:r>
+            <a:r>
+              <a:rPr lang="en-US" altLang="zh-TW" sz="3600" dirty="0" smtClean="0">
+                <a:solidFill>
+                  <a:schemeClr val="bg1"/>
+                </a:solidFill>
+                <a:latin typeface="+mj-ea"/>
+                <a:ea typeface="+mj-ea"/>
+              </a:rPr>
+              <a:t>:</a:t>
+            </a:r>
+          </a:p>
+          <a:p>
+            <a:pPr marL="0" indent="0">
+              <a:buNone/>
+            </a:pPr>
+            <a:endParaRPr lang="en-US" altLang="zh-TW" sz="3600" dirty="0" smtClean="0">
+              <a:solidFill>
+                <a:schemeClr val="bg1"/>
+              </a:solidFill>
+              <a:latin typeface="+mj-ea"/>
+              <a:ea typeface="+mj-ea"/>
+            </a:endParaRPr>
+          </a:p>
+          <a:p>
+            <a:pPr marL="0" indent="0">
+              <a:buNone/>
+            </a:pPr>
+            <a:r>
+              <a:rPr lang="zh-TW" altLang="en-US" sz="3600" dirty="0">
+                <a:solidFill>
+                  <a:schemeClr val="bg1"/>
+                </a:solidFill>
+                <a:latin typeface="+mj-ea"/>
+                <a:ea typeface="+mj-ea"/>
+              </a:rPr>
+              <a:t>被分門別類過</a:t>
+            </a:r>
+            <a:r>
+              <a:rPr lang="zh-TW" altLang="en-US" sz="3600" dirty="0">
+                <a:solidFill>
+                  <a:schemeClr val="bg1">
+                    <a:lumMod val="85000"/>
+                  </a:schemeClr>
+                </a:solidFill>
+                <a:latin typeface="+mj-ea"/>
+                <a:ea typeface="+mj-ea"/>
+              </a:rPr>
+              <a:t>，</a:t>
+            </a:r>
+            <a:r>
+              <a:rPr lang="zh-TW" altLang="en-US" sz="3600" dirty="0">
+                <a:solidFill>
+                  <a:schemeClr val="bg1"/>
+                </a:solidFill>
+                <a:latin typeface="+mj-ea"/>
+                <a:ea typeface="+mj-ea"/>
+              </a:rPr>
+              <a:t>通過反覆使用與測試的考驗</a:t>
+            </a:r>
+            <a:r>
+              <a:rPr lang="zh-TW" altLang="en-US" sz="3600" dirty="0">
+                <a:solidFill>
+                  <a:schemeClr val="bg1">
+                    <a:lumMod val="85000"/>
+                  </a:schemeClr>
+                </a:solidFill>
+                <a:latin typeface="+mj-ea"/>
+                <a:ea typeface="+mj-ea"/>
+              </a:rPr>
+              <a:t>，</a:t>
+            </a:r>
+            <a:r>
+              <a:rPr lang="zh-TW" altLang="en-US" sz="3600" dirty="0">
+                <a:solidFill>
+                  <a:schemeClr val="bg1"/>
+                </a:solidFill>
+                <a:latin typeface="+mj-ea"/>
+                <a:ea typeface="+mj-ea"/>
+              </a:rPr>
+              <a:t>且多數人知曉的程式設計經驗總結</a:t>
+            </a:r>
+          </a:p>
+        </p:txBody>
+      </p:sp>
+    </p:spTree>
+    <p:extLst>
+      <p:ext uri="{BB962C8B-B14F-4D97-AF65-F5344CB8AC3E}">
+        <p14:creationId xmlns:p14="http://schemas.microsoft.com/office/powerpoint/2010/main" val="3868708976"/>
+      </p:ext>
+    </p:extLst>
+  </p:cSld>
+  <p:clrMapOvr>
+    <a:masterClrMapping/>
+  </p:clrMapOvr>
+  <mc:AlternateContent xmlns:mc="http://schemas.openxmlformats.org/markup-compatibility/2006" xmlns:p14="http://schemas.microsoft.com/office/powerpoint/2010/main">
+    <mc:Choice Requires="p14">
+      <p:transition p14:dur="160">
+        <p:fade/>
+      </p:transition>
+    </mc:Choice>
+    <mc:Fallback xmlns="">
+      <p:transition>
+        <p:fade/>
+      </p:transition>
+    </mc:Fallback>
+  </mc:AlternateContent>
+  <p:timing>
+    <p:tnLst>
+      <p:par>
+        <p:cTn id="1" dur="indefinite" restart="never" nodeType="tmRoot"/>
+      </p:par>
+    </p:tnLst>
+  </p:timing>
+</p:sld>
+</file>
+
+<file path=ppt/slides/slide34.xml><?xml version="1.0" encoding="utf-8"?>
+<p:sld xmlns:a="http://schemas.openxmlformats.org/drawingml/2006/main" xmlns:r="http://schemas.openxmlformats.org/officeDocument/2006/relationships" xmlns:p="http://schemas.openxmlformats.org/presentationml/2006/main">
+  <p:cSld>
+    <p:spTree>
+      <p:nvGrpSpPr>
+        <p:cNvPr id="1" name=""/>
+        <p:cNvGrpSpPr/>
+        <p:nvPr/>
+      </p:nvGrpSpPr>
+      <p:grpSpPr>
+        <a:xfrm>
+          <a:off x="0" y="0"/>
+          <a:ext cx="0" cy="0"/>
+          <a:chOff x="0" y="0"/>
+          <a:chExt cx="0" cy="0"/>
+        </a:xfrm>
+      </p:grpSpPr>
+      <p:sp>
+        <p:nvSpPr>
+          <p:cNvPr id="2" name="投影片編號版面配置區 1"/>
+          <p:cNvSpPr>
+            <a:spLocks noGrp="1"/>
+          </p:cNvSpPr>
+          <p:nvPr>
+            <p:ph type="sldNum" sz="quarter" idx="12"/>
+          </p:nvPr>
+        </p:nvSpPr>
+        <p:spPr/>
+        <p:txBody>
+          <a:bodyPr/>
+          <a:lstStyle/>
+          <a:p>
+            <a:fld id="{4FAB73BC-B049-4115-A692-8D63A059BFB8}" type="slidenum">
+              <a:rPr lang="en-US" smtClean="0"/>
+              <a:pPr/>
+              <a:t>34</a:t>
+            </a:fld>
+            <a:endParaRPr lang="en-US" dirty="0"/>
+          </a:p>
+        </p:txBody>
+      </p:sp>
+      <p:sp>
+        <p:nvSpPr>
+          <p:cNvPr id="3" name="文字版面配置區 2"/>
+          <p:cNvSpPr>
+            <a:spLocks noGrp="1"/>
+          </p:cNvSpPr>
+          <p:nvPr>
+            <p:ph type="body" sz="quarter" idx="13"/>
+          </p:nvPr>
+        </p:nvSpPr>
+        <p:spPr/>
+        <p:txBody>
+          <a:bodyPr/>
+          <a:lstStyle/>
+          <a:p>
+            <a:r>
+              <a:rPr lang="zh-TW" altLang="en-US" dirty="0" smtClean="0"/>
+              <a:t>最佳解答</a:t>
+            </a:r>
+            <a:endParaRPr lang="zh-TW" altLang="en-US" dirty="0"/>
+          </a:p>
+        </p:txBody>
+      </p:sp>
+      <p:grpSp>
+        <p:nvGrpSpPr>
+          <p:cNvPr id="9" name="群組 8"/>
+          <p:cNvGrpSpPr/>
+          <p:nvPr/>
+        </p:nvGrpSpPr>
+        <p:grpSpPr>
+          <a:xfrm>
+            <a:off x="7140575" y="1562235"/>
+            <a:ext cx="3810000" cy="4539016"/>
+            <a:chOff x="7140575" y="1562235"/>
+            <a:chExt cx="3810000" cy="4539016"/>
+          </a:xfrm>
+        </p:grpSpPr>
+        <p:sp>
+          <p:nvSpPr>
+            <p:cNvPr id="5" name="文字方塊 4">
+              <a:extLst>
+                <a:ext uri="{FF2B5EF4-FFF2-40B4-BE49-F238E27FC236}">
+                  <a16:creationId xmlns:a16="http://schemas.microsoft.com/office/drawing/2014/main" id="{3FE62995-6920-45AF-AD93-E3CB3551F6CD}"/>
+                </a:ext>
+              </a:extLst>
+            </p:cNvPr>
+            <p:cNvSpPr txBox="1"/>
+            <p:nvPr/>
+          </p:nvSpPr>
+          <p:spPr>
+            <a:xfrm>
+              <a:off x="7683831" y="1562235"/>
+              <a:ext cx="2492990" cy="646331"/>
+            </a:xfrm>
+            <a:prstGeom prst="rect">
+              <a:avLst/>
+            </a:prstGeom>
+            <a:noFill/>
+          </p:spPr>
+          <p:txBody>
+            <a:bodyPr wrap="none" rtlCol="0">
+              <a:spAutoFit/>
+            </a:bodyPr>
+            <a:lstStyle/>
+            <a:p>
+              <a:r>
+                <a:rPr lang="zh-TW" altLang="en-US" sz="3600" dirty="0" smtClean="0">
+                  <a:solidFill>
+                    <a:schemeClr val="bg1"/>
+                  </a:solidFill>
+                </a:rPr>
+                <a:t>清楚的邏輯</a:t>
+              </a:r>
+              <a:endParaRPr lang="zh-TW" altLang="en-US" sz="3600" dirty="0">
+                <a:solidFill>
+                  <a:schemeClr val="bg1"/>
+                </a:solidFill>
+              </a:endParaRPr>
+            </a:p>
+          </p:txBody>
+        </p:sp>
+        <p:pic>
+          <p:nvPicPr>
+            <p:cNvPr id="1026" name="Picture 2" descr="タブレットで説明する人のイラスト（男性）"/>
+            <p:cNvPicPr>
+              <a:picLocks noChangeAspect="1" noChangeArrowheads="1"/>
+            </p:cNvPicPr>
+            <p:nvPr/>
+          </p:nvPicPr>
+          <p:blipFill>
+            <a:blip r:embed="rId3">
+              <a:extLst>
+                <a:ext uri="{28A0092B-C50C-407E-A947-70E740481C1C}">
+                  <a14:useLocalDpi xmlns:a14="http://schemas.microsoft.com/office/drawing/2010/main" val="0"/>
+                </a:ext>
+              </a:extLst>
+            </a:blip>
+            <a:srcRect/>
+            <a:stretch>
+              <a:fillRect/>
+            </a:stretch>
+          </p:blipFill>
+          <p:spPr bwMode="auto">
+            <a:xfrm>
+              <a:off x="7140575" y="2786551"/>
+              <a:ext cx="3810000" cy="3314700"/>
+            </a:xfrm>
+            <a:prstGeom prst="rect">
+              <a:avLst/>
+            </a:prstGeom>
+            <a:noFill/>
+            <a:extLst>
+              <a:ext uri="{909E8E84-426E-40DD-AFC4-6F175D3DCCD1}">
+                <a14:hiddenFill xmlns:a14="http://schemas.microsoft.com/office/drawing/2010/main">
+                  <a:solidFill>
+                    <a:srgbClr val="FFFFFF"/>
+                  </a:solidFill>
+                </a14:hiddenFill>
+              </a:ext>
+            </a:extLst>
+          </p:spPr>
+        </p:pic>
+      </p:grpSp>
+      <p:grpSp>
+        <p:nvGrpSpPr>
+          <p:cNvPr id="8" name="群組 7"/>
+          <p:cNvGrpSpPr/>
+          <p:nvPr/>
+        </p:nvGrpSpPr>
+        <p:grpSpPr>
+          <a:xfrm>
+            <a:off x="1642113" y="1542637"/>
+            <a:ext cx="3476625" cy="4806264"/>
+            <a:chOff x="1642113" y="1542637"/>
+            <a:chExt cx="3476625" cy="4806264"/>
+          </a:xfrm>
+        </p:grpSpPr>
+        <p:sp>
+          <p:nvSpPr>
+            <p:cNvPr id="4" name="文字方塊 3">
+              <a:extLst>
+                <a:ext uri="{FF2B5EF4-FFF2-40B4-BE49-F238E27FC236}">
+                  <a16:creationId xmlns:a16="http://schemas.microsoft.com/office/drawing/2014/main" id="{3FE62995-6920-45AF-AD93-E3CB3551F6CD}"/>
+                </a:ext>
+              </a:extLst>
+            </p:cNvPr>
+            <p:cNvSpPr txBox="1"/>
+            <p:nvPr/>
+          </p:nvSpPr>
+          <p:spPr>
+            <a:xfrm>
+              <a:off x="2070431" y="1542637"/>
+              <a:ext cx="2492990" cy="646331"/>
+            </a:xfrm>
+            <a:prstGeom prst="rect">
+              <a:avLst/>
+            </a:prstGeom>
+            <a:noFill/>
+          </p:spPr>
+          <p:txBody>
+            <a:bodyPr wrap="none" rtlCol="0">
+              <a:spAutoFit/>
+            </a:bodyPr>
+            <a:lstStyle/>
+            <a:p>
+              <a:r>
+                <a:rPr lang="zh-TW" altLang="en-US" sz="3600" dirty="0" smtClean="0">
+                  <a:solidFill>
+                    <a:schemeClr val="bg1"/>
+                  </a:solidFill>
+                </a:rPr>
+                <a:t>較佳的效率</a:t>
+              </a:r>
+              <a:endParaRPr lang="zh-TW" altLang="en-US" sz="3600" dirty="0">
+                <a:solidFill>
+                  <a:schemeClr val="bg1"/>
+                </a:solidFill>
+              </a:endParaRPr>
+            </a:p>
+          </p:txBody>
+        </p:sp>
+        <p:pic>
+          <p:nvPicPr>
+            <p:cNvPr id="1028" name="Picture 4" descr="https://3.bp.blogspot.com/-mta6keVwm-I/WzC-AEvihFI/AAAAAAABM9s/nG9thZVO1Y0cdNe6Lp6RS_dSlVicZPu7ACLcBGAs/s400/yaruki_moeru_businessman.png"/>
+            <p:cNvPicPr>
+              <a:picLocks noChangeAspect="1" noChangeArrowheads="1"/>
+            </p:cNvPicPr>
+            <p:nvPr/>
+          </p:nvPicPr>
+          <p:blipFill>
+            <a:blip r:embed="rId4">
+              <a:extLst>
+                <a:ext uri="{28A0092B-C50C-407E-A947-70E740481C1C}">
+                  <a14:useLocalDpi xmlns:a14="http://schemas.microsoft.com/office/drawing/2010/main" val="0"/>
+                </a:ext>
+              </a:extLst>
+            </a:blip>
+            <a:srcRect/>
+            <a:stretch>
+              <a:fillRect/>
+            </a:stretch>
+          </p:blipFill>
+          <p:spPr bwMode="auto">
+            <a:xfrm>
+              <a:off x="1642113" y="2538901"/>
+              <a:ext cx="3476625" cy="3810000"/>
+            </a:xfrm>
+            <a:prstGeom prst="rect">
+              <a:avLst/>
+            </a:prstGeom>
+            <a:noFill/>
+            <a:extLst>
+              <a:ext uri="{909E8E84-426E-40DD-AFC4-6F175D3DCCD1}">
+                <a14:hiddenFill xmlns:a14="http://schemas.microsoft.com/office/drawing/2010/main">
+                  <a:solidFill>
+                    <a:srgbClr val="FFFFFF"/>
+                  </a:solidFill>
+                </a14:hiddenFill>
+              </a:ext>
+            </a:extLst>
+          </p:spPr>
+        </p:pic>
+      </p:grpSp>
+    </p:spTree>
+    <p:extLst>
+      <p:ext uri="{BB962C8B-B14F-4D97-AF65-F5344CB8AC3E}">
+        <p14:creationId xmlns:p14="http://schemas.microsoft.com/office/powerpoint/2010/main" val="4227936086"/>
+      </p:ext>
+    </p:extLst>
+  </p:cSld>
+  <p:clrMapOvr>
+    <a:masterClrMapping/>
+  </p:clrMapOvr>
+  <mc:AlternateContent xmlns:mc="http://schemas.openxmlformats.org/markup-compatibility/2006" xmlns:p14="http://schemas.microsoft.com/office/powerpoint/2010/main">
+    <mc:Choice Requires="p14">
+      <p:transition p14:dur="160">
+        <p:fade/>
+      </p:transition>
+    </mc:Choice>
+    <mc:Fallback xmlns="">
+      <p:transition>
+        <p:fade/>
+      </p:transition>
+    </mc:Fallback>
+  </mc:AlternateContent>
+  <p:timing>
+    <p:tnLst>
+      <p:par>
+        <p:cTn id="1" dur="indefinite" restart="never" nodeType="tmRoot">
+          <p:childTnLst>
+            <p:seq concurrent="1" nextAc="seek">
+              <p:cTn id="2" dur="indefinite" nodeType="mainSeq">
+                <p:childTnLst>
+                  <p:par>
+                    <p:cTn id="3" fill="hold">
+                      <p:stCondLst>
+                        <p:cond delay="indefinite"/>
+                      </p:stCondLst>
+                      <p:childTnLst>
+                        <p:par>
+                          <p:cTn id="4" fill="hold">
+                            <p:stCondLst>
+                              <p:cond delay="0"/>
+                            </p:stCondLst>
+                            <p:childTnLst>
+                              <p:par>
+                                <p:cTn id="5" presetID="1" presetClass="entr" presetSubtype="0" fill="hold" nodeType="clickEffect">
+                                  <p:stCondLst>
+                                    <p:cond delay="0"/>
+                                  </p:stCondLst>
+                                  <p:childTnLst>
+                                    <p:set>
+                                      <p:cBhvr>
+                                        <p:cTn id="6" dur="1" fill="hold">
+                                          <p:stCondLst>
+                                            <p:cond delay="0"/>
+                                          </p:stCondLst>
+                                        </p:cTn>
+                                        <p:tgtEl>
+                                          <p:spTgt spid="8"/>
+                                        </p:tgtEl>
+                                        <p:attrNameLst>
+                                          <p:attrName>style.visibility</p:attrName>
+                                        </p:attrNameLst>
+                                      </p:cBhvr>
+                                      <p:to>
+                                        <p:strVal val="visible"/>
+                                      </p:to>
+                                    </p:set>
+                                  </p:childTnLst>
+                                </p:cTn>
+                              </p:par>
+                            </p:childTnLst>
+                          </p:cTn>
+                        </p:par>
+                      </p:childTnLst>
+                    </p:cTn>
+                  </p:par>
+                  <p:par>
+                    <p:cTn id="7" fill="hold">
+                      <p:stCondLst>
+                        <p:cond delay="indefinite"/>
+                      </p:stCondLst>
+                      <p:childTnLst>
+                        <p:par>
+                          <p:cTn id="8" fill="hold">
+                            <p:stCondLst>
+                              <p:cond delay="0"/>
+                            </p:stCondLst>
+                            <p:childTnLst>
+                              <p:par>
+                                <p:cTn id="9" presetID="1" presetClass="entr" presetSubtype="0" fill="hold" nodeType="clickEffect">
+                                  <p:stCondLst>
+                                    <p:cond delay="0"/>
+                                  </p:stCondLst>
+                                  <p:childTnLst>
+                                    <p:set>
+                                      <p:cBhvr>
+                                        <p:cTn id="10" dur="1" fill="hold">
+                                          <p:stCondLst>
+                                            <p:cond delay="0"/>
+                                          </p:stCondLst>
+                                        </p:cTn>
+                                        <p:tgtEl>
+                                          <p:spTgt spid="9"/>
+                                        </p:tgtEl>
+                                        <p:attrNameLst>
+                                          <p:attrName>style.visibility</p:attrName>
+                                        </p:attrNameLst>
+                                      </p:cBhvr>
+                                      <p:to>
+                                        <p:strVal val="visible"/>
+                                      </p:to>
+                                    </p:set>
+                                  </p:childTnLst>
+                                </p:cTn>
+                              </p:par>
+                            </p:childTnLst>
+                          </p:cTn>
+                        </p:par>
+                      </p:childTnLst>
+                    </p:cTn>
+                  </p:par>
+                </p:childTnLst>
+              </p:cTn>
+              <p:prevCondLst>
+                <p:cond evt="onPrev" delay="0">
+                  <p:tgtEl>
+                    <p:sldTgt/>
+                  </p:tgtEl>
+                </p:cond>
+              </p:prevCondLst>
+              <p:nextCondLst>
+                <p:cond evt="onNext" delay="0">
+                  <p:tgtEl>
+                    <p:sldTgt/>
+                  </p:tgtEl>
+                </p:cond>
+              </p:nextCondLst>
+            </p:seq>
+          </p:childTnLst>
+        </p:cTn>
+      </p:par>
+    </p:tnLst>
+  </p:timing>
+</p:sld>
+</file>
+
+<file path=ppt/slides/slide35.xml><?xml version="1.0" encoding="utf-8"?>
+<p:sld xmlns:a="http://schemas.openxmlformats.org/drawingml/2006/main" xmlns:r="http://schemas.openxmlformats.org/officeDocument/2006/relationships" xmlns:p="http://schemas.openxmlformats.org/presentationml/2006/main">
+  <p:cSld>
+    <p:spTree>
+      <p:nvGrpSpPr>
+        <p:cNvPr id="1" name=""/>
+        <p:cNvGrpSpPr/>
+        <p:nvPr/>
+      </p:nvGrpSpPr>
+      <p:grpSpPr>
+        <a:xfrm>
+          <a:off x="0" y="0"/>
+          <a:ext cx="0" cy="0"/>
+          <a:chOff x="0" y="0"/>
+          <a:chExt cx="0" cy="0"/>
+        </a:xfrm>
+      </p:grpSpPr>
+      <p:sp>
+        <p:nvSpPr>
+          <p:cNvPr id="2" name="投影片編號版面配置區 1"/>
+          <p:cNvSpPr>
+            <a:spLocks noGrp="1"/>
+          </p:cNvSpPr>
+          <p:nvPr>
+            <p:ph type="sldNum" sz="quarter" idx="12"/>
+          </p:nvPr>
+        </p:nvSpPr>
+        <p:spPr/>
+        <p:txBody>
+          <a:bodyPr/>
+          <a:lstStyle/>
+          <a:p>
+            <a:fld id="{4FAB73BC-B049-4115-A692-8D63A059BFB8}" type="slidenum">
+              <a:rPr lang="en-US" smtClean="0"/>
+              <a:pPr/>
+              <a:t>35</a:t>
+            </a:fld>
+            <a:endParaRPr lang="en-US" dirty="0"/>
+          </a:p>
+        </p:txBody>
+      </p:sp>
+      <p:sp>
+        <p:nvSpPr>
+          <p:cNvPr id="3" name="文字版面配置區 2"/>
+          <p:cNvSpPr>
+            <a:spLocks noGrp="1"/>
+          </p:cNvSpPr>
+          <p:nvPr>
+            <p:ph type="body" sz="quarter" idx="13"/>
+          </p:nvPr>
+        </p:nvSpPr>
+        <p:spPr/>
+        <p:txBody>
+          <a:bodyPr/>
+          <a:lstStyle/>
+          <a:p>
+            <a:r>
+              <a:rPr lang="en-US" altLang="zh-TW" dirty="0"/>
+              <a:t>C</a:t>
+            </a:r>
+            <a:r>
+              <a:rPr lang="zh-TW" altLang="en-US" dirty="0"/>
+              <a:t>omponent </a:t>
+            </a:r>
+            <a:r>
+              <a:rPr lang="en-US" altLang="zh-TW" dirty="0"/>
+              <a:t>Design</a:t>
+            </a:r>
+            <a:r>
+              <a:rPr lang="zh-TW" altLang="en-US" dirty="0"/>
+              <a:t> </a:t>
+            </a:r>
+            <a:r>
+              <a:rPr lang="en-US" altLang="zh-TW" dirty="0"/>
+              <a:t>Pattern</a:t>
+            </a:r>
+            <a:endParaRPr lang="zh-TW" altLang="en-US" dirty="0"/>
+          </a:p>
+        </p:txBody>
+      </p:sp>
+    </p:spTree>
+    <p:extLst>
+      <p:ext uri="{BB962C8B-B14F-4D97-AF65-F5344CB8AC3E}">
+        <p14:creationId xmlns:p14="http://schemas.microsoft.com/office/powerpoint/2010/main" val="788202792"/>
+      </p:ext>
+    </p:extLst>
+  </p:cSld>
+  <p:clrMapOvr>
+    <a:masterClrMapping/>
+  </p:clrMapOvr>
+  <mc:AlternateContent xmlns:mc="http://schemas.openxmlformats.org/markup-compatibility/2006" xmlns:p14="http://schemas.microsoft.com/office/powerpoint/2010/main">
+    <mc:Choice Requires="p14">
+      <p:transition p14:dur="160">
+        <p:fade/>
+      </p:transition>
+    </mc:Choice>
+    <mc:Fallback xmlns="">
+      <p:transition>
+        <p:fade/>
+      </p:transition>
+    </mc:Fallback>
+  </mc:AlternateContent>
+  <p:timing>
+    <p:tnLst>
+      <p:par>
+        <p:cTn id="1" dur="indefinite" restart="never" nodeType="tmRoot"/>
+      </p:par>
+    </p:tnLst>
+  </p:timing>
+</p:sld>
+</file>
+
+<file path=ppt/slides/slide36.xml><?xml version="1.0" encoding="utf-8"?>
+<p:sld xmlns:a="http://schemas.openxmlformats.org/drawingml/2006/main" xmlns:r="http://schemas.openxmlformats.org/officeDocument/2006/relationships" xmlns:p="http://schemas.openxmlformats.org/presentationml/2006/main">
+  <p:cSld>
+    <p:spTree>
+      <p:nvGrpSpPr>
+        <p:cNvPr id="1" name=""/>
+        <p:cNvGrpSpPr/>
+        <p:nvPr/>
+      </p:nvGrpSpPr>
+      <p:grpSpPr>
+        <a:xfrm>
+          <a:off x="0" y="0"/>
+          <a:ext cx="0" cy="0"/>
+          <a:chOff x="0" y="0"/>
+          <a:chExt cx="0" cy="0"/>
+        </a:xfrm>
+      </p:grpSpPr>
+      <p:sp>
+        <p:nvSpPr>
           <p:cNvPr id="2" name="投影片編號版面配置區 1">
             <a:extLst>
               <a:ext uri="{FF2B5EF4-FFF2-40B4-BE49-F238E27FC236}">
@@ -15893,7 +17696,7 @@
             <a:fld id="{4FAB73BC-B049-4115-A692-8D63A059BFB8}" type="slidenum">
               <a:rPr lang="en-US" smtClean="0"/>
               <a:pPr/>
-              <a:t>31</a:t>
+              <a:t>36</a:t>
             </a:fld>
             <a:endParaRPr lang="en-US" dirty="0"/>
           </a:p>
@@ -16045,6 +17848,47 @@
           </a:p>
         </p:txBody>
       </p:sp>
+      <p:pic>
+        <p:nvPicPr>
+          <p:cNvPr id="2052" name="Picture 4" descr="立ち話をする人のイラスト（男性会社員）"/>
+          <p:cNvPicPr>
+            <a:picLocks noChangeAspect="1" noChangeArrowheads="1"/>
+          </p:cNvPicPr>
+          <p:nvPr/>
+        </p:nvPicPr>
+        <p:blipFill>
+          <a:blip r:embed="rId2">
+            <a:extLst>
+              <a:ext uri="{28A0092B-C50C-407E-A947-70E740481C1C}">
+                <a14:useLocalDpi xmlns:a14="http://schemas.microsoft.com/office/drawing/2010/main" val="0"/>
+              </a:ext>
+            </a:extLst>
+          </a:blip>
+          <a:srcRect/>
+          <a:stretch>
+            <a:fillRect/>
+          </a:stretch>
+        </p:blipFill>
+        <p:spPr bwMode="auto">
+          <a:xfrm>
+            <a:off x="7102475" y="2371534"/>
+            <a:ext cx="3933825" cy="4286250"/>
+          </a:xfrm>
+          <a:prstGeom prst="rect">
+            <a:avLst/>
+          </a:prstGeom>
+          <a:noFill/>
+          <a:extLst>
+            <a:ext uri="{909E8E84-426E-40DD-AFC4-6F175D3DCCD1}">
+              <a14:hiddenFill xmlns:a14="http://schemas.microsoft.com/office/drawing/2010/main">
+                <a:solidFill>
+                  <a:srgbClr val="FFFFFF"/>
+                </a:solidFill>
+              </a14:hiddenFill>
+            </a:ext>
+          </a:extLst>
+        </p:spPr>
+      </p:pic>
     </p:spTree>
     <p:extLst>
       <p:ext uri="{BB962C8B-B14F-4D97-AF65-F5344CB8AC3E}">
@@ -16067,10 +17911,17 @@
       </p:transition>
     </mc:Fallback>
   </mc:AlternateContent>
+  <p:timing>
+    <p:tnLst>
+      <p:par>
+        <p:cTn id="1" dur="indefinite" restart="never" nodeType="tmRoot"/>
+      </p:par>
+    </p:tnLst>
+  </p:timing>
 </p:sld>
 </file>
 
-<file path=ppt/slides/slide32.xml><?xml version="1.0" encoding="utf-8"?>
+<file path=ppt/slides/slide37.xml><?xml version="1.0" encoding="utf-8"?>
 <p:sld xmlns:a="http://schemas.openxmlformats.org/drawingml/2006/main" xmlns:r="http://schemas.openxmlformats.org/officeDocument/2006/relationships" xmlns:p="http://schemas.openxmlformats.org/presentationml/2006/main">
   <p:cSld>
     <p:spTree>
@@ -16111,7 +17962,7 @@
             <a:fld id="{4FAB73BC-B049-4115-A692-8D63A059BFB8}" type="slidenum">
               <a:rPr lang="en-US" smtClean="0"/>
               <a:pPr/>
-              <a:t>32</a:t>
+              <a:t>37</a:t>
             </a:fld>
             <a:endParaRPr lang="en-US" dirty="0"/>
           </a:p>
@@ -16698,10 +18549,17 @@
       </p:transition>
     </mc:Fallback>
   </mc:AlternateContent>
+  <p:timing>
+    <p:tnLst>
+      <p:par>
+        <p:cTn id="1" dur="indefinite" restart="never" nodeType="tmRoot"/>
+      </p:par>
+    </p:tnLst>
+  </p:timing>
 </p:sld>
 </file>
 
-<file path=ppt/slides/slide33.xml><?xml version="1.0" encoding="utf-8"?>
+<file path=ppt/slides/slide38.xml><?xml version="1.0" encoding="utf-8"?>
 <p:sld xmlns:a="http://schemas.openxmlformats.org/drawingml/2006/main" xmlns:r="http://schemas.openxmlformats.org/officeDocument/2006/relationships" xmlns:p="http://schemas.openxmlformats.org/presentationml/2006/main">
   <p:cSld>
     <p:spTree>
@@ -16742,7 +18600,7 @@
             <a:fld id="{4FAB73BC-B049-4115-A692-8D63A059BFB8}" type="slidenum">
               <a:rPr lang="en-US" smtClean="0"/>
               <a:pPr/>
-              <a:t>33</a:t>
+              <a:t>38</a:t>
             </a:fld>
             <a:endParaRPr lang="en-US" dirty="0"/>
           </a:p>
@@ -17122,10 +18980,17 @@
       </p:transition>
     </mc:Fallback>
   </mc:AlternateContent>
+  <p:timing>
+    <p:tnLst>
+      <p:par>
+        <p:cTn id="1" dur="indefinite" restart="never" nodeType="tmRoot"/>
+      </p:par>
+    </p:tnLst>
+  </p:timing>
 </p:sld>
 </file>
 
-<file path=ppt/slides/slide34.xml><?xml version="1.0" encoding="utf-8"?>
+<file path=ppt/slides/slide39.xml><?xml version="1.0" encoding="utf-8"?>
 <p:sld xmlns:a="http://schemas.openxmlformats.org/drawingml/2006/main" xmlns:r="http://schemas.openxmlformats.org/officeDocument/2006/relationships" xmlns:p="http://schemas.openxmlformats.org/presentationml/2006/main">
   <p:cSld>
     <p:spTree>
@@ -17166,7 +19031,7 @@
             <a:fld id="{4FAB73BC-B049-4115-A692-8D63A059BFB8}" type="slidenum">
               <a:rPr lang="en-US" smtClean="0"/>
               <a:pPr/>
-              <a:t>34</a:t>
+              <a:t>39</a:t>
             </a:fld>
             <a:endParaRPr lang="en-US" dirty="0"/>
           </a:p>
@@ -17418,7 +19283,7 @@
 </p:sld>
 </file>
 
-<file path=ppt/slides/slide35.xml><?xml version="1.0" encoding="utf-8"?>
+<file path=ppt/slides/slide4.xml><?xml version="1.0" encoding="utf-8"?>
 <p:sld xmlns:a="http://schemas.openxmlformats.org/drawingml/2006/main" xmlns:r="http://schemas.openxmlformats.org/officeDocument/2006/relationships" xmlns:p="http://schemas.openxmlformats.org/presentationml/2006/main">
   <p:cSld>
     <p:spTree>
@@ -17437,6 +19302,259 @@
       </p:grpSpPr>
       <p:sp>
         <p:nvSpPr>
+          <p:cNvPr id="2" name="標題 1">
+            <a:extLst>
+              <a:ext uri="{FF2B5EF4-FFF2-40B4-BE49-F238E27FC236}">
+                <a16:creationId xmlns:a16="http://schemas.microsoft.com/office/drawing/2014/main" id="{CCA008F0-D89F-4FA1-A9B3-CDF909905999}"/>
+              </a:ext>
+            </a:extLst>
+          </p:cNvPr>
+          <p:cNvSpPr>
+            <a:spLocks noGrp="1"/>
+          </p:cNvSpPr>
+          <p:nvPr>
+            <p:ph type="title"/>
+          </p:nvPr>
+        </p:nvSpPr>
+        <p:spPr/>
+        <p:txBody>
+          <a:bodyPr/>
+          <a:lstStyle/>
+          <a:p>
+            <a:pPr algn="ctr"/>
+            <a:r>
+              <a:rPr lang="zh-TW" altLang="en-US" dirty="0"/>
+              <a:t>簡介</a:t>
+            </a:r>
+          </a:p>
+        </p:txBody>
+      </p:sp>
+      <p:sp>
+        <p:nvSpPr>
+          <p:cNvPr id="6" name="內容版面配置區 5">
+            <a:extLst>
+              <a:ext uri="{FF2B5EF4-FFF2-40B4-BE49-F238E27FC236}">
+                <a16:creationId xmlns:a16="http://schemas.microsoft.com/office/drawing/2014/main" id="{4F0C5FDC-A68E-406D-87BA-52A5D64642E8}"/>
+              </a:ext>
+            </a:extLst>
+          </p:cNvPr>
+          <p:cNvSpPr>
+            <a:spLocks noGrp="1"/>
+          </p:cNvSpPr>
+          <p:nvPr>
+            <p:ph idx="1"/>
+          </p:nvPr>
+        </p:nvSpPr>
+        <p:spPr/>
+        <p:txBody>
+          <a:bodyPr anchor="t">
+            <a:normAutofit/>
+          </a:bodyPr>
+          <a:lstStyle/>
+          <a:p>
+            <a:pPr marL="0" indent="0">
+              <a:buNone/>
+            </a:pPr>
+            <a:r>
+              <a:rPr lang="en-US" altLang="zh-TW" sz="6000" b="1" dirty="0">
+                <a:solidFill>
+                  <a:schemeClr val="bg1"/>
+                </a:solidFill>
+                <a:latin typeface="+mn-ea"/>
+              </a:rPr>
+              <a:t>React Hooks </a:t>
+            </a:r>
+          </a:p>
+          <a:p>
+            <a:pPr marL="0" indent="0">
+              <a:buNone/>
+            </a:pPr>
+            <a:r>
+              <a:rPr lang="en-US" altLang="zh-TW" sz="4000" dirty="0">
+                <a:solidFill>
+                  <a:schemeClr val="bg2"/>
+                </a:solidFill>
+                <a:latin typeface="+mn-ea"/>
+              </a:rPr>
+              <a:t>@ v-16.8.0 </a:t>
+            </a:r>
+          </a:p>
+          <a:p>
+            <a:pPr marL="0" indent="0" algn="ctr">
+              <a:buNone/>
+            </a:pPr>
+            <a:endParaRPr lang="en-US" altLang="zh-TW" sz="1800" dirty="0">
+              <a:solidFill>
+                <a:schemeClr val="bg1"/>
+              </a:solidFill>
+              <a:latin typeface="+mn-ea"/>
+            </a:endParaRPr>
+          </a:p>
+          <a:p>
+            <a:pPr marL="0" indent="0">
+              <a:buNone/>
+            </a:pPr>
+            <a:r>
+              <a:rPr lang="zh-TW" altLang="en-US" sz="4000" dirty="0">
+                <a:solidFill>
+                  <a:schemeClr val="bg1"/>
+                </a:solidFill>
+                <a:latin typeface="+mn-ea"/>
+              </a:rPr>
+              <a:t>特點</a:t>
+            </a:r>
+            <a:r>
+              <a:rPr lang="en-US" altLang="zh-TW" sz="4000" dirty="0">
+                <a:solidFill>
+                  <a:schemeClr val="bg1"/>
+                </a:solidFill>
+                <a:latin typeface="+mn-ea"/>
+              </a:rPr>
+              <a:t>:</a:t>
+            </a:r>
+            <a:endParaRPr lang="en-US" altLang="zh-TW" sz="1050" dirty="0">
+              <a:solidFill>
+                <a:schemeClr val="bg1"/>
+              </a:solidFill>
+              <a:latin typeface="+mn-ea"/>
+            </a:endParaRPr>
+          </a:p>
+          <a:p>
+            <a:pPr>
+              <a:lnSpc>
+                <a:spcPct val="100000"/>
+              </a:lnSpc>
+              <a:buFont typeface="Wingdings" panose="05000000000000000000" pitchFamily="2" charset="2"/>
+              <a:buChar char="l"/>
+            </a:pPr>
+            <a:r>
+              <a:rPr lang="zh-TW" altLang="en-US" sz="3200" dirty="0">
+                <a:solidFill>
+                  <a:schemeClr val="bg1"/>
+                </a:solidFill>
+                <a:latin typeface="+mn-ea"/>
+              </a:rPr>
+              <a:t>採用</a:t>
+            </a:r>
+            <a:r>
+              <a:rPr lang="en-US" altLang="zh-TW" sz="3200" dirty="0">
+                <a:solidFill>
+                  <a:schemeClr val="bg1"/>
+                </a:solidFill>
+                <a:latin typeface="+mj-ea"/>
+              </a:rPr>
+              <a:t>Function</a:t>
+            </a:r>
+            <a:r>
+              <a:rPr lang="zh-TW" altLang="en-US" sz="3200" dirty="0">
+                <a:solidFill>
+                  <a:schemeClr val="bg1"/>
+                </a:solidFill>
+                <a:latin typeface="+mn-ea"/>
+              </a:rPr>
+              <a:t>的結構</a:t>
+            </a:r>
+            <a:endParaRPr lang="en-US" altLang="zh-TW" sz="3200" dirty="0">
+              <a:solidFill>
+                <a:schemeClr val="bg1"/>
+              </a:solidFill>
+              <a:latin typeface="+mn-ea"/>
+            </a:endParaRPr>
+          </a:p>
+          <a:p>
+            <a:pPr>
+              <a:lnSpc>
+                <a:spcPct val="100000"/>
+              </a:lnSpc>
+              <a:buFont typeface="Wingdings" panose="05000000000000000000" pitchFamily="2" charset="2"/>
+              <a:buChar char="l"/>
+            </a:pPr>
+            <a:r>
+              <a:rPr lang="zh-TW" altLang="en-US" sz="3200" dirty="0">
+                <a:solidFill>
+                  <a:schemeClr val="bg1"/>
+                </a:solidFill>
+                <a:latin typeface="+mn-ea"/>
+              </a:rPr>
+              <a:t>簡化生命週期</a:t>
+            </a:r>
+            <a:endParaRPr lang="en-US" altLang="zh-TW" sz="3200" dirty="0">
+              <a:solidFill>
+                <a:schemeClr val="bg1"/>
+              </a:solidFill>
+              <a:latin typeface="+mn-ea"/>
+            </a:endParaRPr>
+          </a:p>
+          <a:p>
+            <a:pPr>
+              <a:lnSpc>
+                <a:spcPct val="100000"/>
+              </a:lnSpc>
+              <a:buFont typeface="Wingdings" panose="05000000000000000000" pitchFamily="2" charset="2"/>
+              <a:buChar char="l"/>
+            </a:pPr>
+            <a:r>
+              <a:rPr lang="zh-TW" altLang="en-US" sz="3200" dirty="0">
+                <a:solidFill>
+                  <a:schemeClr val="bg1"/>
+                </a:solidFill>
+                <a:latin typeface="+mn-ea"/>
+              </a:rPr>
+              <a:t>簡潔的代碼風格</a:t>
+            </a:r>
+            <a:endParaRPr lang="en-US" altLang="zh-TW" sz="3200" dirty="0">
+              <a:solidFill>
+                <a:schemeClr val="bg1"/>
+              </a:solidFill>
+              <a:latin typeface="+mn-ea"/>
+            </a:endParaRPr>
+          </a:p>
+        </p:txBody>
+      </p:sp>
+    </p:spTree>
+    <p:extLst>
+      <p:ext uri="{BB962C8B-B14F-4D97-AF65-F5344CB8AC3E}">
+        <p14:creationId xmlns:p14="http://schemas.microsoft.com/office/powerpoint/2010/main" val="2351023602"/>
+      </p:ext>
+    </p:extLst>
+  </p:cSld>
+  <p:clrMapOvr>
+    <a:masterClrMapping/>
+  </p:clrMapOvr>
+  <mc:AlternateContent xmlns:mc="http://schemas.openxmlformats.org/markup-compatibility/2006" xmlns:p14="http://schemas.microsoft.com/office/powerpoint/2010/main">
+    <mc:Choice Requires="p14">
+      <p:transition p14:dur="160">
+        <p:fade/>
+      </p:transition>
+    </mc:Choice>
+    <mc:Fallback xmlns="">
+      <p:transition>
+        <p:fade/>
+      </p:transition>
+    </mc:Fallback>
+  </mc:AlternateContent>
+</p:sld>
+</file>
+
+<file path=ppt/slides/slide40.xml><?xml version="1.0" encoding="utf-8"?>
+<p:sld xmlns:a="http://schemas.openxmlformats.org/drawingml/2006/main" xmlns:r="http://schemas.openxmlformats.org/officeDocument/2006/relationships" xmlns:p="http://schemas.openxmlformats.org/presentationml/2006/main">
+  <p:cSld>
+    <p:spTree>
+      <p:nvGrpSpPr>
+        <p:cNvPr id="1" name=""/>
+        <p:cNvGrpSpPr/>
+        <p:nvPr/>
+      </p:nvGrpSpPr>
+      <p:grpSpPr>
+        <a:xfrm>
+          <a:off x="0" y="0"/>
+          <a:ext cx="0" cy="0"/>
+          <a:chOff x="0" y="0"/>
+          <a:chExt cx="0" cy="0"/>
+        </a:xfrm>
+      </p:grpSpPr>
+      <p:sp>
+        <p:nvSpPr>
           <p:cNvPr id="2" name="投影片編號版面配置區 1"/>
           <p:cNvSpPr>
             <a:spLocks noGrp="1"/>
@@ -17453,7 +19571,7 @@
             <a:fld id="{4FAB73BC-B049-4115-A692-8D63A059BFB8}" type="slidenum">
               <a:rPr lang="en-US" smtClean="0"/>
               <a:pPr/>
-              <a:t>35</a:t>
+              <a:t>40</a:t>
             </a:fld>
             <a:endParaRPr lang="en-US" dirty="0"/>
           </a:p>
@@ -17475,13 +19593,14 @@
           <a:lstStyle/>
           <a:p>
             <a:r>
-              <a:rPr lang="en-US" altLang="zh-TW" dirty="0"/>
+              <a:rPr lang="en-US" altLang="zh-TW" dirty="0" smtClean="0"/>
               <a:t>Hooks</a:t>
             </a:r>
             <a:r>
-              <a:rPr lang="zh-TW" altLang="en-US" dirty="0"/>
+              <a:rPr lang="zh-TW" altLang="en-US" dirty="0" smtClean="0"/>
               <a:t>注意事項</a:t>
             </a:r>
+            <a:endParaRPr lang="zh-TW" altLang="en-US" dirty="0"/>
           </a:p>
         </p:txBody>
       </p:sp>
@@ -17617,7 +19736,7 @@
 </p:sld>
 </file>
 
-<file path=ppt/slides/slide36.xml><?xml version="1.0" encoding="utf-8"?>
+<file path=ppt/slides/slide41.xml><?xml version="1.0" encoding="utf-8"?>
 <p:sld xmlns:a="http://schemas.openxmlformats.org/drawingml/2006/main" xmlns:r="http://schemas.openxmlformats.org/officeDocument/2006/relationships" xmlns:p="http://schemas.openxmlformats.org/presentationml/2006/main">
   <p:cSld>
     <p:spTree>
@@ -17652,7 +19771,7 @@
             <a:fld id="{4FAB73BC-B049-4115-A692-8D63A059BFB8}" type="slidenum">
               <a:rPr lang="en-US" smtClean="0"/>
               <a:pPr/>
-              <a:t>36</a:t>
+              <a:t>41</a:t>
             </a:fld>
             <a:endParaRPr lang="en-US" dirty="0"/>
           </a:p>
@@ -18089,7 +20208,7 @@
 </p:sld>
 </file>
 
-<file path=ppt/slides/slide37.xml><?xml version="1.0" encoding="utf-8"?>
+<file path=ppt/slides/slide42.xml><?xml version="1.0" encoding="utf-8"?>
 <p:sld xmlns:a="http://schemas.openxmlformats.org/drawingml/2006/main" xmlns:r="http://schemas.openxmlformats.org/officeDocument/2006/relationships" xmlns:p="http://schemas.openxmlformats.org/presentationml/2006/main">
   <p:cSld>
     <p:spTree>
@@ -18124,7 +20243,7 @@
             <a:fld id="{4FAB73BC-B049-4115-A692-8D63A059BFB8}" type="slidenum">
               <a:rPr lang="en-US" smtClean="0"/>
               <a:pPr/>
-              <a:t>37</a:t>
+              <a:t>42</a:t>
             </a:fld>
             <a:endParaRPr lang="en-US" dirty="0"/>
           </a:p>
@@ -18813,1971 +20932,6 @@
 </p:sld>
 </file>
 
-<file path=ppt/slides/slide38.xml><?xml version="1.0" encoding="utf-8"?>
-<p:sld xmlns:a="http://schemas.openxmlformats.org/drawingml/2006/main" xmlns:r="http://schemas.openxmlformats.org/officeDocument/2006/relationships" xmlns:p="http://schemas.openxmlformats.org/presentationml/2006/main">
-  <p:cSld>
-    <p:spTree>
-      <p:nvGrpSpPr>
-        <p:cNvPr id="1" name=""/>
-        <p:cNvGrpSpPr/>
-        <p:nvPr/>
-      </p:nvGrpSpPr>
-      <p:grpSpPr>
-        <a:xfrm>
-          <a:off x="0" y="0"/>
-          <a:ext cx="0" cy="0"/>
-          <a:chOff x="0" y="0"/>
-          <a:chExt cx="0" cy="0"/>
-        </a:xfrm>
-      </p:grpSpPr>
-      <p:sp>
-        <p:nvSpPr>
-          <p:cNvPr id="2" name="投影片編號版面配置區 1">
-            <a:extLst>
-              <a:ext uri="{FF2B5EF4-FFF2-40B4-BE49-F238E27FC236}">
-                <a16:creationId xmlns:a16="http://schemas.microsoft.com/office/drawing/2014/main" id="{09325958-A913-4ED4-BF37-25C26A343A0C}"/>
-              </a:ext>
-            </a:extLst>
-          </p:cNvPr>
-          <p:cNvSpPr>
-            <a:spLocks noGrp="1"/>
-          </p:cNvSpPr>
-          <p:nvPr>
-            <p:ph type="sldNum" sz="quarter" idx="12"/>
-          </p:nvPr>
-        </p:nvSpPr>
-        <p:spPr/>
-        <p:txBody>
-          <a:bodyPr/>
-          <a:lstStyle/>
-          <a:p>
-            <a:fld id="{4FAB73BC-B049-4115-A692-8D63A059BFB8}" type="slidenum">
-              <a:rPr lang="en-US" smtClean="0"/>
-              <a:pPr/>
-              <a:t>38</a:t>
-            </a:fld>
-            <a:endParaRPr lang="en-US" dirty="0"/>
-          </a:p>
-        </p:txBody>
-      </p:sp>
-      <p:sp>
-        <p:nvSpPr>
-          <p:cNvPr id="3" name="文字版面配置區 2">
-            <a:extLst>
-              <a:ext uri="{FF2B5EF4-FFF2-40B4-BE49-F238E27FC236}">
-                <a16:creationId xmlns:a16="http://schemas.microsoft.com/office/drawing/2014/main" id="{5F2E5F9B-303C-44FE-9CEF-454660CCE1B7}"/>
-              </a:ext>
-            </a:extLst>
-          </p:cNvPr>
-          <p:cNvSpPr>
-            <a:spLocks noGrp="1"/>
-          </p:cNvSpPr>
-          <p:nvPr>
-            <p:ph type="body" sz="quarter" idx="13"/>
-          </p:nvPr>
-        </p:nvSpPr>
-        <p:spPr/>
-        <p:txBody>
-          <a:bodyPr/>
-          <a:lstStyle/>
-          <a:p>
-            <a:r>
-              <a:rPr lang="en-US" altLang="zh-TW" spc="300" dirty="0">
-                <a:latin typeface="Arial Black" panose="020B0A04020102020204" pitchFamily="34" charset="0"/>
-              </a:rPr>
-              <a:t>Render</a:t>
-            </a:r>
-            <a:r>
-              <a:rPr lang="zh-TW" altLang="en-US" spc="300" dirty="0">
-                <a:latin typeface="Arial Black" panose="020B0A04020102020204" pitchFamily="34" charset="0"/>
-              </a:rPr>
-              <a:t>作用</a:t>
-            </a:r>
-          </a:p>
-        </p:txBody>
-      </p:sp>
-      <p:sp>
-        <p:nvSpPr>
-          <p:cNvPr id="4" name="文字方塊 3">
-            <a:extLst>
-              <a:ext uri="{FF2B5EF4-FFF2-40B4-BE49-F238E27FC236}">
-                <a16:creationId xmlns:a16="http://schemas.microsoft.com/office/drawing/2014/main" id="{A2188095-520B-489A-9EC1-A163CA5E40EB}"/>
-              </a:ext>
-            </a:extLst>
-          </p:cNvPr>
-          <p:cNvSpPr txBox="1"/>
-          <p:nvPr/>
-        </p:nvSpPr>
-        <p:spPr>
-          <a:xfrm>
-            <a:off x="2224881" y="2384079"/>
-            <a:ext cx="7573794" cy="2691314"/>
-          </a:xfrm>
-          <a:prstGeom prst="rect">
-            <a:avLst/>
-          </a:prstGeom>
-          <a:noFill/>
-        </p:spPr>
-        <p:txBody>
-          <a:bodyPr wrap="square" rtlCol="0">
-            <a:spAutoFit/>
-          </a:bodyPr>
-          <a:lstStyle/>
-          <a:p>
-            <a:pPr algn="ctr"/>
-            <a:r>
-              <a:rPr lang="zh-TW" altLang="en-US" sz="3600" dirty="0">
-                <a:solidFill>
-                  <a:schemeClr val="bg1">
-                    <a:lumMod val="85000"/>
-                  </a:schemeClr>
-                </a:solidFill>
-                <a:latin typeface="+mj-ea"/>
-                <a:ea typeface="+mj-ea"/>
-              </a:rPr>
-              <a:t>確認現在</a:t>
-            </a:r>
-            <a:r>
-              <a:rPr lang="zh-TW" altLang="en-US" sz="3600">
-                <a:solidFill>
-                  <a:schemeClr val="bg1">
-                    <a:lumMod val="85000"/>
-                  </a:schemeClr>
-                </a:solidFill>
-                <a:latin typeface="+mj-ea"/>
-                <a:ea typeface="+mj-ea"/>
-              </a:rPr>
-              <a:t>數值與之前</a:t>
-            </a:r>
-            <a:r>
-              <a:rPr lang="zh-TW" altLang="en-US" sz="3600" dirty="0">
-                <a:solidFill>
-                  <a:schemeClr val="bg1">
-                    <a:lumMod val="85000"/>
-                  </a:schemeClr>
-                </a:solidFill>
-                <a:latin typeface="+mj-ea"/>
-                <a:ea typeface="+mj-ea"/>
-              </a:rPr>
-              <a:t>數值是否相等 </a:t>
-            </a:r>
-            <a:r>
-              <a:rPr lang="en-US" altLang="zh-TW" sz="3600" dirty="0">
-                <a:solidFill>
-                  <a:schemeClr val="bg1">
-                    <a:lumMod val="85000"/>
-                  </a:schemeClr>
-                </a:solidFill>
-                <a:latin typeface="+mj-ea"/>
-                <a:ea typeface="+mj-ea"/>
-              </a:rPr>
-              <a:t>?</a:t>
-            </a:r>
-          </a:p>
-          <a:p>
-            <a:pPr algn="ctr">
-              <a:lnSpc>
-                <a:spcPct val="200000"/>
-              </a:lnSpc>
-            </a:pPr>
-            <a:r>
-              <a:rPr lang="zh-TW" altLang="en-US" sz="3600" dirty="0">
-                <a:solidFill>
-                  <a:schemeClr val="bg1">
-                    <a:lumMod val="85000"/>
-                  </a:schemeClr>
-                </a:solidFill>
-                <a:latin typeface="+mj-ea"/>
-                <a:ea typeface="+mj-ea"/>
-              </a:rPr>
-              <a:t>不相等 </a:t>
-            </a:r>
-            <a:r>
-              <a:rPr lang="en-US" altLang="zh-TW" sz="3600" dirty="0">
-                <a:solidFill>
-                  <a:schemeClr val="bg1">
-                    <a:lumMod val="85000"/>
-                  </a:schemeClr>
-                </a:solidFill>
-                <a:latin typeface="+mj-ea"/>
-                <a:ea typeface="+mj-ea"/>
-              </a:rPr>
-              <a:t>=&gt;</a:t>
-            </a:r>
-            <a:r>
-              <a:rPr lang="zh-TW" altLang="en-US" sz="3600" dirty="0">
-                <a:solidFill>
-                  <a:srgbClr val="92D050"/>
-                </a:solidFill>
-                <a:latin typeface="+mj-ea"/>
-                <a:ea typeface="+mj-ea"/>
-              </a:rPr>
-              <a:t>修改</a:t>
-            </a:r>
-            <a:r>
-              <a:rPr lang="zh-TW" altLang="en-US" sz="3600" dirty="0">
-                <a:solidFill>
-                  <a:schemeClr val="bg1">
-                    <a:lumMod val="85000"/>
-                  </a:schemeClr>
-                </a:solidFill>
-                <a:latin typeface="+mj-ea"/>
-                <a:ea typeface="+mj-ea"/>
-              </a:rPr>
-              <a:t>頁面資訊</a:t>
-            </a:r>
-            <a:endParaRPr lang="en-US" altLang="zh-TW" sz="3600" dirty="0">
-              <a:solidFill>
-                <a:schemeClr val="bg1">
-                  <a:lumMod val="85000"/>
-                </a:schemeClr>
-              </a:solidFill>
-              <a:latin typeface="+mj-ea"/>
-              <a:ea typeface="+mj-ea"/>
-            </a:endParaRPr>
-          </a:p>
-          <a:p>
-            <a:pPr algn="ctr">
-              <a:lnSpc>
-                <a:spcPct val="200000"/>
-              </a:lnSpc>
-            </a:pPr>
-            <a:r>
-              <a:rPr lang="zh-TW" altLang="en-US" sz="3600" dirty="0">
-                <a:solidFill>
-                  <a:schemeClr val="bg1">
-                    <a:lumMod val="85000"/>
-                  </a:schemeClr>
-                </a:solidFill>
-                <a:latin typeface="+mj-ea"/>
-                <a:ea typeface="+mj-ea"/>
-              </a:rPr>
-              <a:t>相等 </a:t>
-            </a:r>
-            <a:r>
-              <a:rPr lang="en-US" altLang="zh-TW" sz="3600" dirty="0">
-                <a:solidFill>
-                  <a:schemeClr val="bg1">
-                    <a:lumMod val="85000"/>
-                  </a:schemeClr>
-                </a:solidFill>
-                <a:latin typeface="+mj-ea"/>
-                <a:ea typeface="+mj-ea"/>
-              </a:rPr>
-              <a:t>=&gt;</a:t>
-            </a:r>
-            <a:r>
-              <a:rPr lang="zh-TW" altLang="en-US" sz="3600" dirty="0">
-                <a:solidFill>
-                  <a:srgbClr val="FFFF00"/>
-                </a:solidFill>
-                <a:latin typeface="+mj-ea"/>
-                <a:ea typeface="+mj-ea"/>
-              </a:rPr>
-              <a:t>不</a:t>
-            </a:r>
-            <a:r>
-              <a:rPr lang="zh-TW" altLang="en-US" sz="3600" dirty="0">
-                <a:solidFill>
-                  <a:srgbClr val="FFFF00"/>
-                </a:solidFill>
-                <a:latin typeface="+mj-ea"/>
-              </a:rPr>
-              <a:t>修改</a:t>
-            </a:r>
-            <a:r>
-              <a:rPr lang="zh-TW" altLang="en-US" sz="3600" dirty="0">
-                <a:solidFill>
-                  <a:schemeClr val="bg1">
-                    <a:lumMod val="85000"/>
-                  </a:schemeClr>
-                </a:solidFill>
-                <a:latin typeface="+mj-ea"/>
-              </a:rPr>
-              <a:t>頁面資訊</a:t>
-            </a:r>
-            <a:endParaRPr lang="zh-TW" altLang="en-US" sz="3600" dirty="0">
-              <a:solidFill>
-                <a:schemeClr val="bg1">
-                  <a:lumMod val="85000"/>
-                </a:schemeClr>
-              </a:solidFill>
-              <a:latin typeface="+mj-ea"/>
-              <a:ea typeface="+mj-ea"/>
-            </a:endParaRPr>
-          </a:p>
-        </p:txBody>
-      </p:sp>
-    </p:spTree>
-    <p:extLst>
-      <p:ext uri="{BB962C8B-B14F-4D97-AF65-F5344CB8AC3E}">
-        <p14:creationId xmlns:p14="http://schemas.microsoft.com/office/powerpoint/2010/main" val="2692660869"/>
-      </p:ext>
-    </p:extLst>
-  </p:cSld>
-  <p:clrMapOvr>
-    <a:masterClrMapping/>
-  </p:clrMapOvr>
-  <mc:AlternateContent xmlns:mc="http://schemas.openxmlformats.org/markup-compatibility/2006" xmlns:p14="http://schemas.microsoft.com/office/powerpoint/2010/main">
-    <mc:Choice Requires="p14">
-      <p:transition p14:dur="160">
-        <p:fade/>
-      </p:transition>
-    </mc:Choice>
-    <mc:Fallback xmlns="">
-      <p:transition>
-        <p:fade/>
-      </p:transition>
-    </mc:Fallback>
-  </mc:AlternateContent>
-</p:sld>
-</file>
-
-<file path=ppt/slides/slide39.xml><?xml version="1.0" encoding="utf-8"?>
-<p:sld xmlns:a="http://schemas.openxmlformats.org/drawingml/2006/main" xmlns:r="http://schemas.openxmlformats.org/officeDocument/2006/relationships" xmlns:p="http://schemas.openxmlformats.org/presentationml/2006/main">
-  <p:cSld>
-    <p:spTree>
-      <p:nvGrpSpPr>
-        <p:cNvPr id="1" name=""/>
-        <p:cNvGrpSpPr/>
-        <p:nvPr/>
-      </p:nvGrpSpPr>
-      <p:grpSpPr>
-        <a:xfrm>
-          <a:off x="0" y="0"/>
-          <a:ext cx="0" cy="0"/>
-          <a:chOff x="0" y="0"/>
-          <a:chExt cx="0" cy="0"/>
-        </a:xfrm>
-      </p:grpSpPr>
-      <p:sp>
-        <p:nvSpPr>
-          <p:cNvPr id="2" name="投影片編號版面配置區 1">
-            <a:extLst>
-              <a:ext uri="{FF2B5EF4-FFF2-40B4-BE49-F238E27FC236}">
-                <a16:creationId xmlns:a16="http://schemas.microsoft.com/office/drawing/2014/main" id="{A363C86C-40AD-4597-9B11-BAA2A0E612DE}"/>
-              </a:ext>
-            </a:extLst>
-          </p:cNvPr>
-          <p:cNvSpPr>
-            <a:spLocks noGrp="1"/>
-          </p:cNvSpPr>
-          <p:nvPr>
-            <p:ph type="sldNum" sz="quarter" idx="12"/>
-          </p:nvPr>
-        </p:nvSpPr>
-        <p:spPr/>
-        <p:txBody>
-          <a:bodyPr/>
-          <a:lstStyle/>
-          <a:p>
-            <a:fld id="{4FAB73BC-B049-4115-A692-8D63A059BFB8}" type="slidenum">
-              <a:rPr lang="en-US" smtClean="0"/>
-              <a:pPr/>
-              <a:t>39</a:t>
-            </a:fld>
-            <a:endParaRPr lang="en-US" dirty="0"/>
-          </a:p>
-        </p:txBody>
-      </p:sp>
-      <p:sp>
-        <p:nvSpPr>
-          <p:cNvPr id="3" name="文字版面配置區 2">
-            <a:extLst>
-              <a:ext uri="{FF2B5EF4-FFF2-40B4-BE49-F238E27FC236}">
-                <a16:creationId xmlns:a16="http://schemas.microsoft.com/office/drawing/2014/main" id="{EE4E44DB-BCD9-43E5-8B39-F0FDA1DB1131}"/>
-              </a:ext>
-            </a:extLst>
-          </p:cNvPr>
-          <p:cNvSpPr>
-            <a:spLocks noGrp="1"/>
-          </p:cNvSpPr>
-          <p:nvPr>
-            <p:ph type="body" sz="quarter" idx="13"/>
-          </p:nvPr>
-        </p:nvSpPr>
-        <p:spPr/>
-        <p:txBody>
-          <a:bodyPr/>
-          <a:lstStyle/>
-          <a:p>
-            <a:r>
-              <a:rPr lang="zh-TW" altLang="en-US" dirty="0"/>
-              <a:t>     相等 </a:t>
-            </a:r>
-            <a:r>
-              <a:rPr lang="en-US" altLang="zh-TW" dirty="0"/>
-              <a:t>?</a:t>
-            </a:r>
-            <a:r>
-              <a:rPr lang="zh-TW" altLang="en-US" dirty="0"/>
-              <a:t>   不相等 </a:t>
-            </a:r>
-            <a:r>
-              <a:rPr lang="en-US" altLang="zh-TW" dirty="0"/>
-              <a:t>?</a:t>
-            </a:r>
-            <a:endParaRPr lang="zh-TW" altLang="en-US" dirty="0"/>
-          </a:p>
-        </p:txBody>
-      </p:sp>
-      <p:sp>
-        <p:nvSpPr>
-          <p:cNvPr id="4" name="文字方塊 3">
-            <a:extLst>
-              <a:ext uri="{FF2B5EF4-FFF2-40B4-BE49-F238E27FC236}">
-                <a16:creationId xmlns:a16="http://schemas.microsoft.com/office/drawing/2014/main" id="{4901A417-F33D-4EF6-A477-47FA4CEB1708}"/>
-              </a:ext>
-            </a:extLst>
-          </p:cNvPr>
-          <p:cNvSpPr txBox="1"/>
-          <p:nvPr/>
-        </p:nvSpPr>
-        <p:spPr>
-          <a:xfrm>
-            <a:off x="2847585" y="2365700"/>
-            <a:ext cx="7549018" cy="1652568"/>
-          </a:xfrm>
-          <a:prstGeom prst="rect">
-            <a:avLst/>
-          </a:prstGeom>
-          <a:noFill/>
-        </p:spPr>
-        <p:txBody>
-          <a:bodyPr wrap="square" rtlCol="0">
-            <a:spAutoFit/>
-          </a:bodyPr>
-          <a:lstStyle/>
-          <a:p>
-            <a:pPr>
-              <a:lnSpc>
-                <a:spcPct val="150000"/>
-              </a:lnSpc>
-            </a:pPr>
-            <a:r>
-              <a:rPr lang="zh-TW" altLang="en-US" sz="3600" dirty="0">
-                <a:solidFill>
-                  <a:schemeClr val="bg1">
-                    <a:lumMod val="85000"/>
-                  </a:schemeClr>
-                </a:solidFill>
-                <a:latin typeface="+mj-ea"/>
-                <a:ea typeface="+mj-ea"/>
-              </a:rPr>
-              <a:t>內容</a:t>
-            </a:r>
-            <a:r>
-              <a:rPr lang="zh-TW" altLang="en-US" sz="3600" dirty="0">
-                <a:solidFill>
-                  <a:schemeClr val="accent2"/>
-                </a:solidFill>
-                <a:latin typeface="+mj-ea"/>
-                <a:ea typeface="+mj-ea"/>
-              </a:rPr>
-              <a:t>一樣</a:t>
-            </a:r>
-            <a:r>
-              <a:rPr lang="zh-TW" altLang="en-US" sz="3600" dirty="0">
-                <a:solidFill>
-                  <a:schemeClr val="bg1">
-                    <a:lumMod val="85000"/>
-                  </a:schemeClr>
-                </a:solidFill>
-                <a:latin typeface="+mj-ea"/>
-                <a:ea typeface="+mj-ea"/>
-              </a:rPr>
-              <a:t>但是可能被判定</a:t>
-            </a:r>
-            <a:r>
-              <a:rPr lang="zh-TW" altLang="en-US" sz="3600" dirty="0">
-                <a:solidFill>
-                  <a:srgbClr val="FFFF00"/>
-                </a:solidFill>
-                <a:latin typeface="+mj-ea"/>
-                <a:ea typeface="+mj-ea"/>
-              </a:rPr>
-              <a:t>不相等</a:t>
-            </a:r>
-            <a:endParaRPr lang="en-US" altLang="zh-TW" sz="3600" dirty="0">
-              <a:solidFill>
-                <a:srgbClr val="FFFF00"/>
-              </a:solidFill>
-              <a:latin typeface="+mj-ea"/>
-              <a:ea typeface="+mj-ea"/>
-            </a:endParaRPr>
-          </a:p>
-          <a:p>
-            <a:pPr>
-              <a:lnSpc>
-                <a:spcPct val="150000"/>
-              </a:lnSpc>
-            </a:pPr>
-            <a:r>
-              <a:rPr lang="zh-TW" altLang="en-US" sz="3600" dirty="0">
-                <a:solidFill>
-                  <a:schemeClr val="bg1">
-                    <a:lumMod val="85000"/>
-                  </a:schemeClr>
-                </a:solidFill>
-                <a:latin typeface="+mj-ea"/>
-                <a:ea typeface="+mj-ea"/>
-              </a:rPr>
-              <a:t>內容</a:t>
-            </a:r>
-            <a:r>
-              <a:rPr lang="zh-TW" altLang="en-US" sz="3600" dirty="0">
-                <a:solidFill>
-                  <a:srgbClr val="FFC000"/>
-                </a:solidFill>
-                <a:latin typeface="+mj-ea"/>
-                <a:ea typeface="+mj-ea"/>
-              </a:rPr>
-              <a:t>不一樣</a:t>
-            </a:r>
-            <a:r>
-              <a:rPr lang="zh-TW" altLang="en-US" sz="3600" dirty="0">
-                <a:solidFill>
-                  <a:schemeClr val="bg1">
-                    <a:lumMod val="85000"/>
-                  </a:schemeClr>
-                </a:solidFill>
-                <a:latin typeface="+mj-ea"/>
-                <a:ea typeface="+mj-ea"/>
-              </a:rPr>
-              <a:t>但是可能被判定為</a:t>
-            </a:r>
-            <a:r>
-              <a:rPr lang="zh-TW" altLang="en-US" sz="3600" dirty="0">
-                <a:solidFill>
-                  <a:srgbClr val="92D050"/>
-                </a:solidFill>
-                <a:latin typeface="+mj-ea"/>
-                <a:ea typeface="+mj-ea"/>
-              </a:rPr>
-              <a:t>相等</a:t>
-            </a:r>
-          </a:p>
-        </p:txBody>
-      </p:sp>
-    </p:spTree>
-    <p:extLst>
-      <p:ext uri="{BB962C8B-B14F-4D97-AF65-F5344CB8AC3E}">
-        <p14:creationId xmlns:p14="http://schemas.microsoft.com/office/powerpoint/2010/main" val="1881733370"/>
-      </p:ext>
-    </p:extLst>
-  </p:cSld>
-  <p:clrMapOvr>
-    <a:masterClrMapping/>
-  </p:clrMapOvr>
-  <mc:AlternateContent xmlns:mc="http://schemas.openxmlformats.org/markup-compatibility/2006" xmlns:p14="http://schemas.microsoft.com/office/powerpoint/2010/main">
-    <mc:Choice Requires="p14">
-      <p:transition p14:dur="160">
-        <p:fade/>
-      </p:transition>
-    </mc:Choice>
-    <mc:Fallback xmlns="">
-      <p:transition>
-        <p:fade/>
-      </p:transition>
-    </mc:Fallback>
-  </mc:AlternateContent>
-</p:sld>
-</file>
-
-<file path=ppt/slides/slide4.xml><?xml version="1.0" encoding="utf-8"?>
-<p:sld xmlns:a="http://schemas.openxmlformats.org/drawingml/2006/main" xmlns:r="http://schemas.openxmlformats.org/officeDocument/2006/relationships" xmlns:p="http://schemas.openxmlformats.org/presentationml/2006/main">
-  <p:cSld>
-    <p:spTree>
-      <p:nvGrpSpPr>
-        <p:cNvPr id="1" name=""/>
-        <p:cNvGrpSpPr/>
-        <p:nvPr/>
-      </p:nvGrpSpPr>
-      <p:grpSpPr>
-        <a:xfrm>
-          <a:off x="0" y="0"/>
-          <a:ext cx="0" cy="0"/>
-          <a:chOff x="0" y="0"/>
-          <a:chExt cx="0" cy="0"/>
-        </a:xfrm>
-      </p:grpSpPr>
-      <p:sp>
-        <p:nvSpPr>
-          <p:cNvPr id="2" name="標題 1">
-            <a:extLst>
-              <a:ext uri="{FF2B5EF4-FFF2-40B4-BE49-F238E27FC236}">
-                <a16:creationId xmlns:a16="http://schemas.microsoft.com/office/drawing/2014/main" id="{CCA008F0-D89F-4FA1-A9B3-CDF909905999}"/>
-              </a:ext>
-            </a:extLst>
-          </p:cNvPr>
-          <p:cNvSpPr>
-            <a:spLocks noGrp="1"/>
-          </p:cNvSpPr>
-          <p:nvPr>
-            <p:ph type="title"/>
-          </p:nvPr>
-        </p:nvSpPr>
-        <p:spPr/>
-        <p:txBody>
-          <a:bodyPr/>
-          <a:lstStyle/>
-          <a:p>
-            <a:pPr algn="ctr"/>
-            <a:r>
-              <a:rPr lang="zh-TW" altLang="en-US" dirty="0"/>
-              <a:t>簡介</a:t>
-            </a:r>
-          </a:p>
-        </p:txBody>
-      </p:sp>
-      <p:sp>
-        <p:nvSpPr>
-          <p:cNvPr id="6" name="內容版面配置區 5">
-            <a:extLst>
-              <a:ext uri="{FF2B5EF4-FFF2-40B4-BE49-F238E27FC236}">
-                <a16:creationId xmlns:a16="http://schemas.microsoft.com/office/drawing/2014/main" id="{4F0C5FDC-A68E-406D-87BA-52A5D64642E8}"/>
-              </a:ext>
-            </a:extLst>
-          </p:cNvPr>
-          <p:cNvSpPr>
-            <a:spLocks noGrp="1"/>
-          </p:cNvSpPr>
-          <p:nvPr>
-            <p:ph idx="1"/>
-          </p:nvPr>
-        </p:nvSpPr>
-        <p:spPr/>
-        <p:txBody>
-          <a:bodyPr anchor="t">
-            <a:normAutofit/>
-          </a:bodyPr>
-          <a:lstStyle/>
-          <a:p>
-            <a:pPr marL="0" indent="0">
-              <a:buNone/>
-            </a:pPr>
-            <a:r>
-              <a:rPr lang="en-US" altLang="zh-TW" sz="6000" b="1" dirty="0">
-                <a:solidFill>
-                  <a:schemeClr val="bg1"/>
-                </a:solidFill>
-                <a:latin typeface="+mn-ea"/>
-              </a:rPr>
-              <a:t>React Hooks </a:t>
-            </a:r>
-          </a:p>
-          <a:p>
-            <a:pPr marL="0" indent="0">
-              <a:buNone/>
-            </a:pPr>
-            <a:r>
-              <a:rPr lang="en-US" altLang="zh-TW" sz="4000" dirty="0">
-                <a:solidFill>
-                  <a:schemeClr val="bg2"/>
-                </a:solidFill>
-                <a:latin typeface="+mn-ea"/>
-              </a:rPr>
-              <a:t>@ v-16.8.0 </a:t>
-            </a:r>
-          </a:p>
-          <a:p>
-            <a:pPr marL="0" indent="0" algn="ctr">
-              <a:buNone/>
-            </a:pPr>
-            <a:endParaRPr lang="en-US" altLang="zh-TW" sz="1800" dirty="0">
-              <a:solidFill>
-                <a:schemeClr val="bg1"/>
-              </a:solidFill>
-              <a:latin typeface="+mn-ea"/>
-            </a:endParaRPr>
-          </a:p>
-          <a:p>
-            <a:pPr marL="0" indent="0">
-              <a:buNone/>
-            </a:pPr>
-            <a:r>
-              <a:rPr lang="zh-TW" altLang="en-US" sz="4000" dirty="0">
-                <a:solidFill>
-                  <a:schemeClr val="bg1"/>
-                </a:solidFill>
-                <a:latin typeface="+mn-ea"/>
-              </a:rPr>
-              <a:t>特點</a:t>
-            </a:r>
-            <a:r>
-              <a:rPr lang="en-US" altLang="zh-TW" sz="4000" dirty="0">
-                <a:solidFill>
-                  <a:schemeClr val="bg1"/>
-                </a:solidFill>
-                <a:latin typeface="+mn-ea"/>
-              </a:rPr>
-              <a:t>:</a:t>
-            </a:r>
-            <a:endParaRPr lang="en-US" altLang="zh-TW" sz="1050" dirty="0">
-              <a:solidFill>
-                <a:schemeClr val="bg1"/>
-              </a:solidFill>
-              <a:latin typeface="+mn-ea"/>
-            </a:endParaRPr>
-          </a:p>
-          <a:p>
-            <a:pPr>
-              <a:lnSpc>
-                <a:spcPct val="100000"/>
-              </a:lnSpc>
-              <a:buFont typeface="Wingdings" panose="05000000000000000000" pitchFamily="2" charset="2"/>
-              <a:buChar char="l"/>
-            </a:pPr>
-            <a:r>
-              <a:rPr lang="zh-TW" altLang="en-US" sz="3200" dirty="0">
-                <a:solidFill>
-                  <a:schemeClr val="bg1"/>
-                </a:solidFill>
-                <a:latin typeface="+mn-ea"/>
-              </a:rPr>
-              <a:t>採用</a:t>
-            </a:r>
-            <a:r>
-              <a:rPr lang="en-US" altLang="zh-TW" sz="3200" dirty="0">
-                <a:solidFill>
-                  <a:schemeClr val="bg1"/>
-                </a:solidFill>
-                <a:latin typeface="+mj-ea"/>
-              </a:rPr>
-              <a:t>Function</a:t>
-            </a:r>
-            <a:r>
-              <a:rPr lang="zh-TW" altLang="en-US" sz="3200" dirty="0">
-                <a:solidFill>
-                  <a:schemeClr val="bg1"/>
-                </a:solidFill>
-                <a:latin typeface="+mn-ea"/>
-              </a:rPr>
-              <a:t>的結構</a:t>
-            </a:r>
-            <a:endParaRPr lang="en-US" altLang="zh-TW" sz="3200" dirty="0">
-              <a:solidFill>
-                <a:schemeClr val="bg1"/>
-              </a:solidFill>
-              <a:latin typeface="+mn-ea"/>
-            </a:endParaRPr>
-          </a:p>
-          <a:p>
-            <a:pPr>
-              <a:lnSpc>
-                <a:spcPct val="100000"/>
-              </a:lnSpc>
-              <a:buFont typeface="Wingdings" panose="05000000000000000000" pitchFamily="2" charset="2"/>
-              <a:buChar char="l"/>
-            </a:pPr>
-            <a:r>
-              <a:rPr lang="zh-TW" altLang="en-US" sz="3200" dirty="0">
-                <a:solidFill>
-                  <a:schemeClr val="bg1"/>
-                </a:solidFill>
-                <a:latin typeface="+mn-ea"/>
-              </a:rPr>
-              <a:t>簡化生命週期</a:t>
-            </a:r>
-            <a:endParaRPr lang="en-US" altLang="zh-TW" sz="3200" dirty="0">
-              <a:solidFill>
-                <a:schemeClr val="bg1"/>
-              </a:solidFill>
-              <a:latin typeface="+mn-ea"/>
-            </a:endParaRPr>
-          </a:p>
-          <a:p>
-            <a:pPr>
-              <a:lnSpc>
-                <a:spcPct val="100000"/>
-              </a:lnSpc>
-              <a:buFont typeface="Wingdings" panose="05000000000000000000" pitchFamily="2" charset="2"/>
-              <a:buChar char="l"/>
-            </a:pPr>
-            <a:r>
-              <a:rPr lang="zh-TW" altLang="en-US" sz="3200" dirty="0">
-                <a:solidFill>
-                  <a:schemeClr val="bg1"/>
-                </a:solidFill>
-                <a:latin typeface="+mn-ea"/>
-              </a:rPr>
-              <a:t>簡潔的代碼風格</a:t>
-            </a:r>
-            <a:endParaRPr lang="en-US" altLang="zh-TW" sz="3200" dirty="0">
-              <a:solidFill>
-                <a:schemeClr val="bg1"/>
-              </a:solidFill>
-              <a:latin typeface="+mn-ea"/>
-            </a:endParaRPr>
-          </a:p>
-        </p:txBody>
-      </p:sp>
-    </p:spTree>
-    <p:extLst>
-      <p:ext uri="{BB962C8B-B14F-4D97-AF65-F5344CB8AC3E}">
-        <p14:creationId xmlns:p14="http://schemas.microsoft.com/office/powerpoint/2010/main" val="2351023602"/>
-      </p:ext>
-    </p:extLst>
-  </p:cSld>
-  <p:clrMapOvr>
-    <a:masterClrMapping/>
-  </p:clrMapOvr>
-  <mc:AlternateContent xmlns:mc="http://schemas.openxmlformats.org/markup-compatibility/2006" xmlns:p14="http://schemas.microsoft.com/office/powerpoint/2010/main">
-    <mc:Choice Requires="p14">
-      <p:transition p14:dur="160">
-        <p:fade/>
-      </p:transition>
-    </mc:Choice>
-    <mc:Fallback xmlns="">
-      <p:transition>
-        <p:fade/>
-      </p:transition>
-    </mc:Fallback>
-  </mc:AlternateContent>
-</p:sld>
-</file>
-
-<file path=ppt/slides/slide40.xml><?xml version="1.0" encoding="utf-8"?>
-<p:sld xmlns:a="http://schemas.openxmlformats.org/drawingml/2006/main" xmlns:r="http://schemas.openxmlformats.org/officeDocument/2006/relationships" xmlns:p="http://schemas.openxmlformats.org/presentationml/2006/main">
-  <p:cSld>
-    <p:spTree>
-      <p:nvGrpSpPr>
-        <p:cNvPr id="1" name=""/>
-        <p:cNvGrpSpPr/>
-        <p:nvPr/>
-      </p:nvGrpSpPr>
-      <p:grpSpPr>
-        <a:xfrm>
-          <a:off x="0" y="0"/>
-          <a:ext cx="0" cy="0"/>
-          <a:chOff x="0" y="0"/>
-          <a:chExt cx="0" cy="0"/>
-        </a:xfrm>
-      </p:grpSpPr>
-      <p:sp>
-        <p:nvSpPr>
-          <p:cNvPr id="2" name="投影片編號版面配置區 1">
-            <a:extLst>
-              <a:ext uri="{FF2B5EF4-FFF2-40B4-BE49-F238E27FC236}">
-                <a16:creationId xmlns:a16="http://schemas.microsoft.com/office/drawing/2014/main" id="{37BFE078-5651-420A-863A-253E65E01A9B}"/>
-              </a:ext>
-            </a:extLst>
-          </p:cNvPr>
-          <p:cNvSpPr>
-            <a:spLocks noGrp="1"/>
-          </p:cNvSpPr>
-          <p:nvPr>
-            <p:ph type="sldNum" sz="quarter" idx="12"/>
-          </p:nvPr>
-        </p:nvSpPr>
-        <p:spPr/>
-        <p:txBody>
-          <a:bodyPr/>
-          <a:lstStyle/>
-          <a:p>
-            <a:fld id="{4FAB73BC-B049-4115-A692-8D63A059BFB8}" type="slidenum">
-              <a:rPr lang="en-US" smtClean="0"/>
-              <a:pPr/>
-              <a:t>40</a:t>
-            </a:fld>
-            <a:endParaRPr lang="en-US" dirty="0"/>
-          </a:p>
-        </p:txBody>
-      </p:sp>
-      <p:sp>
-        <p:nvSpPr>
-          <p:cNvPr id="3" name="文字版面配置區 2">
-            <a:extLst>
-              <a:ext uri="{FF2B5EF4-FFF2-40B4-BE49-F238E27FC236}">
-                <a16:creationId xmlns:a16="http://schemas.microsoft.com/office/drawing/2014/main" id="{B5591AA2-66E3-4359-8A44-0FCFA2A6E1ED}"/>
-              </a:ext>
-            </a:extLst>
-          </p:cNvPr>
-          <p:cNvSpPr>
-            <a:spLocks noGrp="1"/>
-          </p:cNvSpPr>
-          <p:nvPr>
-            <p:ph type="body" sz="quarter" idx="13"/>
-          </p:nvPr>
-        </p:nvSpPr>
-        <p:spPr/>
-        <p:txBody>
-          <a:bodyPr/>
-          <a:lstStyle/>
-          <a:p>
-            <a:r>
-              <a:rPr lang="en-US" altLang="zh-TW" dirty="0"/>
-              <a:t>Chrome</a:t>
-            </a:r>
-            <a:r>
-              <a:rPr lang="zh-TW" altLang="en-US" dirty="0"/>
-              <a:t>為例</a:t>
-            </a:r>
-          </a:p>
-        </p:txBody>
-      </p:sp>
-      <p:sp>
-        <p:nvSpPr>
-          <p:cNvPr id="4" name="文字方塊 3">
-            <a:extLst>
-              <a:ext uri="{FF2B5EF4-FFF2-40B4-BE49-F238E27FC236}">
-                <a16:creationId xmlns:a16="http://schemas.microsoft.com/office/drawing/2014/main" id="{56E06175-378C-4246-8197-C322E90E67F4}"/>
-              </a:ext>
-            </a:extLst>
-          </p:cNvPr>
-          <p:cNvSpPr txBox="1"/>
-          <p:nvPr/>
-        </p:nvSpPr>
-        <p:spPr>
-          <a:xfrm>
-            <a:off x="1369515" y="1883005"/>
-            <a:ext cx="4726485" cy="3314562"/>
-          </a:xfrm>
-          <a:prstGeom prst="rect">
-            <a:avLst/>
-          </a:prstGeom>
-          <a:noFill/>
-        </p:spPr>
-        <p:txBody>
-          <a:bodyPr wrap="square" rtlCol="0">
-            <a:spAutoFit/>
-          </a:bodyPr>
-          <a:lstStyle/>
-          <a:p>
-            <a:pPr>
-              <a:lnSpc>
-                <a:spcPct val="150000"/>
-              </a:lnSpc>
-            </a:pPr>
-            <a:r>
-              <a:rPr lang="en-US" altLang="zh-TW" sz="3600" dirty="0">
-                <a:solidFill>
-                  <a:srgbClr val="00B0F0"/>
-                </a:solidFill>
-                <a:latin typeface="+mj-ea"/>
-                <a:ea typeface="+mj-ea"/>
-              </a:rPr>
-              <a:t>A</a:t>
-            </a:r>
-            <a:r>
-              <a:rPr lang="en-US" altLang="zh-TW" sz="3600" dirty="0">
-                <a:solidFill>
-                  <a:schemeClr val="bg1"/>
-                </a:solidFill>
-                <a:latin typeface="+mj-ea"/>
-                <a:ea typeface="+mj-ea"/>
-              </a:rPr>
-              <a:t> = [</a:t>
-            </a:r>
-            <a:r>
-              <a:rPr lang="zh-TW" altLang="en-US" sz="3600" dirty="0">
-                <a:solidFill>
-                  <a:schemeClr val="bg1"/>
-                </a:solidFill>
-                <a:latin typeface="+mj-ea"/>
-                <a:ea typeface="+mj-ea"/>
-              </a:rPr>
-              <a:t> </a:t>
-            </a:r>
-            <a:r>
-              <a:rPr lang="en-US" altLang="zh-TW" sz="3600" dirty="0">
-                <a:solidFill>
-                  <a:schemeClr val="bg1"/>
-                </a:solidFill>
-                <a:latin typeface="+mj-ea"/>
-                <a:ea typeface="+mj-ea"/>
-              </a:rPr>
-              <a:t>1,</a:t>
-            </a:r>
-            <a:r>
-              <a:rPr lang="zh-TW" altLang="en-US" sz="3600" dirty="0">
-                <a:solidFill>
-                  <a:schemeClr val="bg1"/>
-                </a:solidFill>
-                <a:latin typeface="+mj-ea"/>
-                <a:ea typeface="+mj-ea"/>
-              </a:rPr>
-              <a:t> </a:t>
-            </a:r>
-            <a:r>
-              <a:rPr lang="en-US" altLang="zh-TW" sz="3600" dirty="0">
-                <a:solidFill>
-                  <a:schemeClr val="bg1"/>
-                </a:solidFill>
-                <a:latin typeface="+mj-ea"/>
-                <a:ea typeface="+mj-ea"/>
-              </a:rPr>
-              <a:t>2</a:t>
-            </a:r>
-            <a:r>
-              <a:rPr lang="zh-TW" altLang="en-US" sz="3600" dirty="0">
-                <a:solidFill>
-                  <a:schemeClr val="bg1"/>
-                </a:solidFill>
-                <a:latin typeface="+mj-ea"/>
-                <a:ea typeface="+mj-ea"/>
-              </a:rPr>
-              <a:t> </a:t>
-            </a:r>
-            <a:r>
-              <a:rPr lang="en-US" altLang="zh-TW" sz="3600" dirty="0">
-                <a:solidFill>
-                  <a:schemeClr val="bg1"/>
-                </a:solidFill>
-                <a:latin typeface="+mj-ea"/>
-                <a:ea typeface="+mj-ea"/>
-              </a:rPr>
-              <a:t>]  ; </a:t>
-            </a:r>
-            <a:r>
-              <a:rPr lang="en-US" altLang="zh-TW" sz="3600" dirty="0">
-                <a:solidFill>
-                  <a:srgbClr val="00B0F0"/>
-                </a:solidFill>
-                <a:latin typeface="+mj-ea"/>
-                <a:ea typeface="+mj-ea"/>
-              </a:rPr>
-              <a:t>B</a:t>
-            </a:r>
-            <a:r>
-              <a:rPr lang="en-US" altLang="zh-TW" sz="3600" dirty="0">
-                <a:solidFill>
-                  <a:schemeClr val="bg1"/>
-                </a:solidFill>
-                <a:latin typeface="+mj-ea"/>
-                <a:ea typeface="+mj-ea"/>
-              </a:rPr>
-              <a:t> = </a:t>
-            </a:r>
-            <a:r>
-              <a:rPr lang="en-US" altLang="zh-TW" sz="3600" dirty="0">
-                <a:solidFill>
-                  <a:srgbClr val="00B0F0"/>
-                </a:solidFill>
-                <a:latin typeface="+mj-ea"/>
-                <a:ea typeface="+mj-ea"/>
-              </a:rPr>
-              <a:t>A</a:t>
-            </a:r>
-            <a:r>
-              <a:rPr lang="en-US" altLang="zh-TW" sz="3600" dirty="0">
-                <a:solidFill>
-                  <a:schemeClr val="bg1"/>
-                </a:solidFill>
-                <a:latin typeface="+mj-ea"/>
-                <a:ea typeface="+mj-ea"/>
-              </a:rPr>
-              <a:t> </a:t>
-            </a:r>
-          </a:p>
-          <a:p>
-            <a:pPr>
-              <a:lnSpc>
-                <a:spcPct val="150000"/>
-              </a:lnSpc>
-            </a:pPr>
-            <a:r>
-              <a:rPr lang="en-US" altLang="zh-TW" sz="3600" dirty="0">
-                <a:solidFill>
-                  <a:srgbClr val="00B0F0"/>
-                </a:solidFill>
-                <a:latin typeface="+mj-ea"/>
-                <a:ea typeface="+mj-ea"/>
-              </a:rPr>
-              <a:t>B</a:t>
-            </a:r>
-            <a:r>
-              <a:rPr lang="en-US" altLang="zh-TW" sz="3600" dirty="0">
-                <a:solidFill>
-                  <a:schemeClr val="bg1"/>
-                </a:solidFill>
-                <a:latin typeface="+mj-ea"/>
-                <a:ea typeface="+mj-ea"/>
-              </a:rPr>
-              <a:t>[0] = 3 </a:t>
-            </a:r>
-          </a:p>
-          <a:p>
-            <a:pPr>
-              <a:lnSpc>
-                <a:spcPct val="150000"/>
-              </a:lnSpc>
-            </a:pPr>
-            <a:r>
-              <a:rPr lang="en-US" altLang="zh-TW" sz="3600" dirty="0">
-                <a:solidFill>
-                  <a:srgbClr val="00B0F0"/>
-                </a:solidFill>
-                <a:latin typeface="+mj-ea"/>
-                <a:ea typeface="+mj-ea"/>
-              </a:rPr>
-              <a:t>B</a:t>
-            </a:r>
-            <a:r>
-              <a:rPr lang="en-US" altLang="zh-TW" sz="3600" dirty="0">
-                <a:solidFill>
-                  <a:schemeClr val="bg1"/>
-                </a:solidFill>
-                <a:latin typeface="+mj-ea"/>
-                <a:ea typeface="+mj-ea"/>
-              </a:rPr>
-              <a:t> === </a:t>
-            </a:r>
-            <a:r>
-              <a:rPr lang="en-US" altLang="zh-TW" sz="3600" dirty="0">
-                <a:solidFill>
-                  <a:srgbClr val="00B0F0"/>
-                </a:solidFill>
-                <a:latin typeface="+mj-ea"/>
-                <a:ea typeface="+mj-ea"/>
-              </a:rPr>
-              <a:t>A</a:t>
-            </a:r>
-            <a:r>
-              <a:rPr lang="zh-TW" altLang="en-US" sz="3600" dirty="0">
-                <a:solidFill>
-                  <a:schemeClr val="bg1"/>
-                </a:solidFill>
-                <a:latin typeface="+mj-ea"/>
-                <a:ea typeface="+mj-ea"/>
-              </a:rPr>
-              <a:t> </a:t>
-            </a:r>
-            <a:endParaRPr lang="en-US" altLang="zh-TW" sz="3600" dirty="0">
-              <a:solidFill>
-                <a:schemeClr val="bg1"/>
-              </a:solidFill>
-              <a:latin typeface="+mj-ea"/>
-              <a:ea typeface="+mj-ea"/>
-            </a:endParaRPr>
-          </a:p>
-          <a:p>
-            <a:pPr>
-              <a:lnSpc>
-                <a:spcPct val="150000"/>
-              </a:lnSpc>
-            </a:pPr>
-            <a:r>
-              <a:rPr lang="zh-TW" altLang="en-US" sz="3600" dirty="0">
-                <a:solidFill>
-                  <a:schemeClr val="bg1"/>
-                </a:solidFill>
-                <a:latin typeface="+mj-ea"/>
-                <a:ea typeface="+mj-ea"/>
-              </a:rPr>
-              <a:t>結果 </a:t>
-            </a:r>
-            <a:r>
-              <a:rPr lang="en-US" altLang="zh-TW" sz="3600" dirty="0">
-                <a:solidFill>
-                  <a:schemeClr val="bg1"/>
-                </a:solidFill>
-                <a:latin typeface="+mj-ea"/>
-                <a:ea typeface="+mj-ea"/>
-              </a:rPr>
-              <a:t>=&gt;</a:t>
-            </a:r>
-            <a:r>
-              <a:rPr lang="zh-TW" altLang="en-US" sz="3600" dirty="0">
-                <a:solidFill>
-                  <a:schemeClr val="bg1"/>
-                </a:solidFill>
-                <a:latin typeface="+mj-ea"/>
-                <a:ea typeface="+mj-ea"/>
-              </a:rPr>
-              <a:t> </a:t>
-            </a:r>
-            <a:r>
-              <a:rPr lang="en-US" altLang="zh-TW" sz="3600" dirty="0">
-                <a:solidFill>
-                  <a:schemeClr val="accent4"/>
-                </a:solidFill>
-                <a:latin typeface="+mj-ea"/>
-                <a:ea typeface="+mj-ea"/>
-              </a:rPr>
-              <a:t>TRUE</a:t>
-            </a:r>
-            <a:endParaRPr lang="zh-TW" altLang="en-US" sz="3600" dirty="0">
-              <a:solidFill>
-                <a:schemeClr val="accent4"/>
-              </a:solidFill>
-              <a:latin typeface="+mj-ea"/>
-              <a:ea typeface="+mj-ea"/>
-            </a:endParaRPr>
-          </a:p>
-        </p:txBody>
-      </p:sp>
-      <p:sp>
-        <p:nvSpPr>
-          <p:cNvPr id="5" name="文字方塊 4">
-            <a:extLst>
-              <a:ext uri="{FF2B5EF4-FFF2-40B4-BE49-F238E27FC236}">
-                <a16:creationId xmlns:a16="http://schemas.microsoft.com/office/drawing/2014/main" id="{90A956EC-0EB0-46CD-86A0-32162C302D91}"/>
-              </a:ext>
-            </a:extLst>
-          </p:cNvPr>
-          <p:cNvSpPr txBox="1"/>
-          <p:nvPr/>
-        </p:nvSpPr>
-        <p:spPr>
-          <a:xfrm>
-            <a:off x="6379928" y="1883005"/>
-            <a:ext cx="4726485" cy="3314562"/>
-          </a:xfrm>
-          <a:prstGeom prst="rect">
-            <a:avLst/>
-          </a:prstGeom>
-          <a:noFill/>
-        </p:spPr>
-        <p:txBody>
-          <a:bodyPr wrap="square" rtlCol="0">
-            <a:spAutoFit/>
-          </a:bodyPr>
-          <a:lstStyle/>
-          <a:p>
-            <a:pPr>
-              <a:lnSpc>
-                <a:spcPct val="150000"/>
-              </a:lnSpc>
-            </a:pPr>
-            <a:r>
-              <a:rPr lang="en-US" altLang="zh-TW" sz="3600" dirty="0">
-                <a:solidFill>
-                  <a:srgbClr val="00B0F0"/>
-                </a:solidFill>
-                <a:latin typeface="+mj-ea"/>
-                <a:ea typeface="+mj-ea"/>
-              </a:rPr>
-              <a:t>A</a:t>
-            </a:r>
-            <a:r>
-              <a:rPr lang="en-US" altLang="zh-TW" sz="3600" dirty="0">
-                <a:solidFill>
-                  <a:schemeClr val="bg1"/>
-                </a:solidFill>
-                <a:latin typeface="+mj-ea"/>
-                <a:ea typeface="+mj-ea"/>
-              </a:rPr>
-              <a:t> = [</a:t>
-            </a:r>
-            <a:r>
-              <a:rPr lang="zh-TW" altLang="en-US" sz="3600" dirty="0">
-                <a:solidFill>
-                  <a:schemeClr val="bg1"/>
-                </a:solidFill>
-                <a:latin typeface="+mj-ea"/>
-                <a:ea typeface="+mj-ea"/>
-              </a:rPr>
-              <a:t> </a:t>
-            </a:r>
-            <a:r>
-              <a:rPr lang="en-US" altLang="zh-TW" sz="3600" dirty="0">
-                <a:solidFill>
-                  <a:schemeClr val="bg1"/>
-                </a:solidFill>
-                <a:latin typeface="+mj-ea"/>
-                <a:ea typeface="+mj-ea"/>
-              </a:rPr>
-              <a:t>1,</a:t>
-            </a:r>
-            <a:r>
-              <a:rPr lang="zh-TW" altLang="en-US" sz="3600" dirty="0">
-                <a:solidFill>
-                  <a:schemeClr val="bg1"/>
-                </a:solidFill>
-                <a:latin typeface="+mj-ea"/>
-                <a:ea typeface="+mj-ea"/>
-              </a:rPr>
-              <a:t> </a:t>
-            </a:r>
-            <a:r>
-              <a:rPr lang="en-US" altLang="zh-TW" sz="3600" dirty="0">
-                <a:solidFill>
-                  <a:schemeClr val="bg1"/>
-                </a:solidFill>
-                <a:latin typeface="+mj-ea"/>
-                <a:ea typeface="+mj-ea"/>
-              </a:rPr>
-              <a:t>2</a:t>
-            </a:r>
-            <a:r>
-              <a:rPr lang="zh-TW" altLang="en-US" sz="3600" dirty="0">
-                <a:solidFill>
-                  <a:schemeClr val="bg1"/>
-                </a:solidFill>
-                <a:latin typeface="+mj-ea"/>
-                <a:ea typeface="+mj-ea"/>
-              </a:rPr>
-              <a:t> </a:t>
-            </a:r>
-            <a:r>
-              <a:rPr lang="en-US" altLang="zh-TW" sz="3600" dirty="0">
-                <a:solidFill>
-                  <a:schemeClr val="bg1"/>
-                </a:solidFill>
-                <a:latin typeface="+mj-ea"/>
-                <a:ea typeface="+mj-ea"/>
-              </a:rPr>
-              <a:t>]  </a:t>
-            </a:r>
-          </a:p>
-          <a:p>
-            <a:pPr>
-              <a:lnSpc>
-                <a:spcPct val="150000"/>
-              </a:lnSpc>
-            </a:pPr>
-            <a:r>
-              <a:rPr lang="en-US" altLang="zh-TW" sz="3600" dirty="0">
-                <a:solidFill>
-                  <a:srgbClr val="00B0F0"/>
-                </a:solidFill>
-                <a:latin typeface="+mj-ea"/>
-                <a:ea typeface="+mj-ea"/>
-              </a:rPr>
-              <a:t>B</a:t>
-            </a:r>
-            <a:r>
-              <a:rPr lang="en-US" altLang="zh-TW" sz="3600" dirty="0">
-                <a:solidFill>
-                  <a:schemeClr val="bg1"/>
-                </a:solidFill>
-                <a:latin typeface="+mj-ea"/>
-                <a:ea typeface="+mj-ea"/>
-              </a:rPr>
-              <a:t> = [...</a:t>
-            </a:r>
-            <a:r>
-              <a:rPr lang="en-US" altLang="zh-TW" sz="3600" dirty="0">
-                <a:solidFill>
-                  <a:srgbClr val="00B0F0"/>
-                </a:solidFill>
-                <a:latin typeface="+mj-ea"/>
-                <a:ea typeface="+mj-ea"/>
-              </a:rPr>
-              <a:t>A</a:t>
-            </a:r>
-            <a:r>
-              <a:rPr lang="en-US" altLang="zh-TW" sz="3600" dirty="0">
-                <a:solidFill>
-                  <a:schemeClr val="bg1">
-                    <a:lumMod val="95000"/>
-                  </a:schemeClr>
-                </a:solidFill>
-                <a:latin typeface="+mj-ea"/>
-                <a:ea typeface="+mj-ea"/>
-              </a:rPr>
-              <a:t>] </a:t>
-            </a:r>
-          </a:p>
-          <a:p>
-            <a:pPr>
-              <a:lnSpc>
-                <a:spcPct val="150000"/>
-              </a:lnSpc>
-            </a:pPr>
-            <a:r>
-              <a:rPr lang="en-US" altLang="zh-TW" sz="3600" dirty="0">
-                <a:solidFill>
-                  <a:srgbClr val="00B0F0"/>
-                </a:solidFill>
-                <a:latin typeface="+mj-ea"/>
-                <a:ea typeface="+mj-ea"/>
-              </a:rPr>
-              <a:t>B</a:t>
-            </a:r>
-            <a:r>
-              <a:rPr lang="en-US" altLang="zh-TW" sz="3600" dirty="0">
-                <a:solidFill>
-                  <a:schemeClr val="bg1"/>
-                </a:solidFill>
-                <a:latin typeface="+mj-ea"/>
-                <a:ea typeface="+mj-ea"/>
-              </a:rPr>
-              <a:t> === </a:t>
-            </a:r>
-            <a:r>
-              <a:rPr lang="en-US" altLang="zh-TW" sz="3600" dirty="0">
-                <a:solidFill>
-                  <a:srgbClr val="00B0F0"/>
-                </a:solidFill>
-                <a:latin typeface="+mj-ea"/>
-                <a:ea typeface="+mj-ea"/>
-              </a:rPr>
-              <a:t>A</a:t>
-            </a:r>
-            <a:r>
-              <a:rPr lang="zh-TW" altLang="en-US" sz="3600" dirty="0">
-                <a:solidFill>
-                  <a:schemeClr val="bg1"/>
-                </a:solidFill>
-                <a:latin typeface="+mj-ea"/>
-                <a:ea typeface="+mj-ea"/>
-              </a:rPr>
-              <a:t> </a:t>
-            </a:r>
-            <a:endParaRPr lang="en-US" altLang="zh-TW" sz="3600" dirty="0">
-              <a:solidFill>
-                <a:schemeClr val="bg1"/>
-              </a:solidFill>
-              <a:latin typeface="+mj-ea"/>
-              <a:ea typeface="+mj-ea"/>
-            </a:endParaRPr>
-          </a:p>
-          <a:p>
-            <a:pPr>
-              <a:lnSpc>
-                <a:spcPct val="150000"/>
-              </a:lnSpc>
-            </a:pPr>
-            <a:r>
-              <a:rPr lang="zh-TW" altLang="en-US" sz="3600" dirty="0">
-                <a:solidFill>
-                  <a:schemeClr val="bg1"/>
-                </a:solidFill>
-                <a:latin typeface="+mj-ea"/>
-                <a:ea typeface="+mj-ea"/>
-              </a:rPr>
-              <a:t>結果 </a:t>
-            </a:r>
-            <a:r>
-              <a:rPr lang="en-US" altLang="zh-TW" sz="3600" dirty="0">
-                <a:solidFill>
-                  <a:schemeClr val="bg1"/>
-                </a:solidFill>
-                <a:latin typeface="+mj-ea"/>
-                <a:ea typeface="+mj-ea"/>
-              </a:rPr>
-              <a:t>=&gt;</a:t>
-            </a:r>
-            <a:r>
-              <a:rPr lang="zh-TW" altLang="en-US" sz="3600" dirty="0">
-                <a:solidFill>
-                  <a:schemeClr val="bg1"/>
-                </a:solidFill>
-                <a:latin typeface="+mj-ea"/>
-                <a:ea typeface="+mj-ea"/>
-              </a:rPr>
-              <a:t> </a:t>
-            </a:r>
-            <a:r>
-              <a:rPr lang="en-US" altLang="zh-TW" sz="3600" dirty="0">
-                <a:solidFill>
-                  <a:schemeClr val="accent4"/>
-                </a:solidFill>
-                <a:latin typeface="+mj-ea"/>
-                <a:ea typeface="+mj-ea"/>
-              </a:rPr>
-              <a:t>FALSE</a:t>
-            </a:r>
-            <a:endParaRPr lang="zh-TW" altLang="en-US" sz="3600" dirty="0">
-              <a:solidFill>
-                <a:schemeClr val="accent4"/>
-              </a:solidFill>
-              <a:latin typeface="+mj-ea"/>
-              <a:ea typeface="+mj-ea"/>
-            </a:endParaRPr>
-          </a:p>
-        </p:txBody>
-      </p:sp>
-    </p:spTree>
-    <p:extLst>
-      <p:ext uri="{BB962C8B-B14F-4D97-AF65-F5344CB8AC3E}">
-        <p14:creationId xmlns:p14="http://schemas.microsoft.com/office/powerpoint/2010/main" val="336994548"/>
-      </p:ext>
-    </p:extLst>
-  </p:cSld>
-  <p:clrMapOvr>
-    <a:masterClrMapping/>
-  </p:clrMapOvr>
-  <mc:AlternateContent xmlns:mc="http://schemas.openxmlformats.org/markup-compatibility/2006" xmlns:p14="http://schemas.microsoft.com/office/powerpoint/2010/main">
-    <mc:Choice Requires="p14">
-      <p:transition p14:dur="160">
-        <p:fade/>
-      </p:transition>
-    </mc:Choice>
-    <mc:Fallback xmlns="">
-      <p:transition>
-        <p:fade/>
-      </p:transition>
-    </mc:Fallback>
-  </mc:AlternateContent>
-</p:sld>
-</file>
-
-<file path=ppt/slides/slide41.xml><?xml version="1.0" encoding="utf-8"?>
-<p:sld xmlns:a="http://schemas.openxmlformats.org/drawingml/2006/main" xmlns:r="http://schemas.openxmlformats.org/officeDocument/2006/relationships" xmlns:p="http://schemas.openxmlformats.org/presentationml/2006/main">
-  <p:cSld>
-    <p:spTree>
-      <p:nvGrpSpPr>
-        <p:cNvPr id="1" name=""/>
-        <p:cNvGrpSpPr/>
-        <p:nvPr/>
-      </p:nvGrpSpPr>
-      <p:grpSpPr>
-        <a:xfrm>
-          <a:off x="0" y="0"/>
-          <a:ext cx="0" cy="0"/>
-          <a:chOff x="0" y="0"/>
-          <a:chExt cx="0" cy="0"/>
-        </a:xfrm>
-      </p:grpSpPr>
-      <p:sp>
-        <p:nvSpPr>
-          <p:cNvPr id="2" name="標題 1">
-            <a:extLst>
-              <a:ext uri="{FF2B5EF4-FFF2-40B4-BE49-F238E27FC236}">
-                <a16:creationId xmlns:a16="http://schemas.microsoft.com/office/drawing/2014/main" id="{83164752-3A65-4204-9A83-8650849498E7}"/>
-              </a:ext>
-            </a:extLst>
-          </p:cNvPr>
-          <p:cNvSpPr>
-            <a:spLocks noGrp="1"/>
-          </p:cNvSpPr>
-          <p:nvPr>
-            <p:ph type="title"/>
-          </p:nvPr>
-        </p:nvSpPr>
-        <p:spPr/>
-        <p:txBody>
-          <a:bodyPr/>
-          <a:lstStyle/>
-          <a:p>
-            <a:pPr algn="ctr"/>
-            <a:r>
-              <a:rPr lang="zh-TW" altLang="en-US" dirty="0"/>
-              <a:t>客製化</a:t>
-            </a:r>
-          </a:p>
-        </p:txBody>
-      </p:sp>
-      <p:sp>
-        <p:nvSpPr>
-          <p:cNvPr id="3" name="內容版面配置區 2">
-            <a:extLst>
-              <a:ext uri="{FF2B5EF4-FFF2-40B4-BE49-F238E27FC236}">
-                <a16:creationId xmlns:a16="http://schemas.microsoft.com/office/drawing/2014/main" id="{DACE0065-D140-4311-A409-16CECB6AC074}"/>
-              </a:ext>
-            </a:extLst>
-          </p:cNvPr>
-          <p:cNvSpPr>
-            <a:spLocks noGrp="1"/>
-          </p:cNvSpPr>
-          <p:nvPr>
-            <p:ph idx="1"/>
-          </p:nvPr>
-        </p:nvSpPr>
-        <p:spPr/>
-        <p:txBody>
-          <a:bodyPr/>
-          <a:lstStyle/>
-          <a:p>
-            <a:pPr marL="0" indent="0">
-              <a:buNone/>
-            </a:pPr>
-            <a:r>
-              <a:rPr lang="zh-TW" altLang="en-US" sz="3600" dirty="0">
-                <a:solidFill>
-                  <a:schemeClr val="bg1"/>
-                </a:solidFill>
-                <a:latin typeface="+mj-ea"/>
-              </a:rPr>
-              <a:t>創造自己的</a:t>
-            </a:r>
-            <a:r>
-              <a:rPr lang="en-US" altLang="zh-TW" sz="3600" dirty="0">
-                <a:solidFill>
-                  <a:schemeClr val="bg1"/>
-                </a:solidFill>
-                <a:latin typeface="+mj-ea"/>
-              </a:rPr>
-              <a:t>React Hooks</a:t>
-            </a:r>
-          </a:p>
-          <a:p>
-            <a:pPr marL="0" indent="0">
-              <a:buNone/>
-            </a:pPr>
-            <a:endParaRPr lang="en-US" altLang="zh-TW" sz="3200" dirty="0">
-              <a:solidFill>
-                <a:schemeClr val="bg1"/>
-              </a:solidFill>
-              <a:latin typeface="+mj-ea"/>
-            </a:endParaRPr>
-          </a:p>
-          <a:p>
-            <a:pPr marL="0" indent="0">
-              <a:lnSpc>
-                <a:spcPct val="150000"/>
-              </a:lnSpc>
-              <a:buNone/>
-            </a:pPr>
-            <a:r>
-              <a:rPr lang="zh-TW" altLang="en-US" sz="3200" dirty="0">
-                <a:solidFill>
-                  <a:schemeClr val="bg1">
-                    <a:lumMod val="85000"/>
-                  </a:schemeClr>
-                </a:solidFill>
-                <a:latin typeface="+mj-ea"/>
-              </a:rPr>
-              <a:t>利用其他</a:t>
-            </a:r>
-            <a:r>
-              <a:rPr lang="en-US" altLang="zh-TW" sz="3200" dirty="0">
-                <a:solidFill>
-                  <a:schemeClr val="bg1">
-                    <a:lumMod val="85000"/>
-                  </a:schemeClr>
-                </a:solidFill>
-                <a:latin typeface="+mj-ea"/>
-              </a:rPr>
-              <a:t>hook</a:t>
-            </a:r>
-            <a:r>
-              <a:rPr lang="zh-TW" altLang="en-US" sz="3200" dirty="0">
-                <a:solidFill>
-                  <a:schemeClr val="bg1">
-                    <a:lumMod val="85000"/>
-                  </a:schemeClr>
-                </a:solidFill>
-                <a:latin typeface="+mj-ea"/>
-              </a:rPr>
-              <a:t>互相搭配</a:t>
-            </a:r>
-            <a:endParaRPr lang="en-US" altLang="zh-TW" sz="3200" dirty="0">
-              <a:solidFill>
-                <a:schemeClr val="bg1">
-                  <a:lumMod val="85000"/>
-                </a:schemeClr>
-              </a:solidFill>
-              <a:latin typeface="+mj-ea"/>
-            </a:endParaRPr>
-          </a:p>
-          <a:p>
-            <a:pPr marL="0" indent="0">
-              <a:lnSpc>
-                <a:spcPct val="150000"/>
-              </a:lnSpc>
-              <a:buNone/>
-            </a:pPr>
-            <a:r>
-              <a:rPr lang="zh-TW" altLang="en-US" sz="3200" dirty="0">
-                <a:solidFill>
-                  <a:schemeClr val="bg1">
-                    <a:lumMod val="85000"/>
-                  </a:schemeClr>
-                </a:solidFill>
-                <a:latin typeface="+mj-ea"/>
-              </a:rPr>
-              <a:t>把</a:t>
-            </a:r>
-            <a:r>
-              <a:rPr lang="en-US" altLang="zh-TW" sz="3200" dirty="0">
-                <a:solidFill>
-                  <a:schemeClr val="bg1">
-                    <a:lumMod val="85000"/>
-                  </a:schemeClr>
-                </a:solidFill>
-                <a:latin typeface="+mj-ea"/>
-              </a:rPr>
-              <a:t>React</a:t>
-            </a:r>
-            <a:r>
-              <a:rPr lang="zh-TW" altLang="en-US" sz="3200" dirty="0">
-                <a:solidFill>
-                  <a:schemeClr val="bg1">
-                    <a:lumMod val="85000"/>
-                  </a:schemeClr>
-                </a:solidFill>
-                <a:latin typeface="+mj-ea"/>
-              </a:rPr>
-              <a:t>的特性模組化</a:t>
-            </a:r>
-            <a:endParaRPr lang="en-US" altLang="zh-TW" sz="3200" dirty="0">
-              <a:solidFill>
-                <a:schemeClr val="bg1">
-                  <a:lumMod val="85000"/>
-                </a:schemeClr>
-              </a:solidFill>
-              <a:latin typeface="+mj-ea"/>
-            </a:endParaRPr>
-          </a:p>
-          <a:p>
-            <a:pPr marL="0" indent="0">
-              <a:lnSpc>
-                <a:spcPct val="150000"/>
-              </a:lnSpc>
-              <a:buNone/>
-            </a:pPr>
-            <a:r>
-              <a:rPr lang="zh-TW" altLang="en-US" sz="3200" dirty="0">
-                <a:solidFill>
-                  <a:schemeClr val="bg1">
-                    <a:lumMod val="85000"/>
-                  </a:schemeClr>
-                </a:solidFill>
-                <a:latin typeface="+mj-ea"/>
-              </a:rPr>
-              <a:t>創造出獨一無二</a:t>
-            </a:r>
-            <a:r>
-              <a:rPr lang="en-US" altLang="zh-TW" sz="3200" dirty="0">
-                <a:solidFill>
-                  <a:schemeClr val="bg1">
-                    <a:lumMod val="85000"/>
-                  </a:schemeClr>
-                </a:solidFill>
-                <a:latin typeface="+mj-ea"/>
-              </a:rPr>
-              <a:t>Hooks</a:t>
-            </a:r>
-          </a:p>
-          <a:p>
-            <a:pPr marL="0" indent="0" algn="ctr">
-              <a:buNone/>
-            </a:pPr>
-            <a:endParaRPr lang="en-US" altLang="zh-TW" dirty="0">
-              <a:solidFill>
-                <a:schemeClr val="bg1"/>
-              </a:solidFill>
-              <a:latin typeface="+mj-ea"/>
-            </a:endParaRPr>
-          </a:p>
-        </p:txBody>
-      </p:sp>
-    </p:spTree>
-    <p:extLst>
-      <p:ext uri="{BB962C8B-B14F-4D97-AF65-F5344CB8AC3E}">
-        <p14:creationId xmlns:p14="http://schemas.microsoft.com/office/powerpoint/2010/main" val="2896364993"/>
-      </p:ext>
-    </p:extLst>
-  </p:cSld>
-  <p:clrMapOvr>
-    <a:masterClrMapping/>
-  </p:clrMapOvr>
-  <mc:AlternateContent xmlns:mc="http://schemas.openxmlformats.org/markup-compatibility/2006" xmlns:p14="http://schemas.microsoft.com/office/powerpoint/2010/main">
-    <mc:Choice Requires="p14">
-      <p:transition p14:dur="160">
-        <p:fade/>
-      </p:transition>
-    </mc:Choice>
-    <mc:Fallback xmlns="">
-      <p:transition>
-        <p:fade/>
-      </p:transition>
-    </mc:Fallback>
-  </mc:AlternateContent>
-</p:sld>
-</file>
-
-<file path=ppt/slides/slide42.xml><?xml version="1.0" encoding="utf-8"?>
-<p:sld xmlns:a="http://schemas.openxmlformats.org/drawingml/2006/main" xmlns:r="http://schemas.openxmlformats.org/officeDocument/2006/relationships" xmlns:p="http://schemas.openxmlformats.org/presentationml/2006/main">
-  <p:cSld>
-    <p:spTree>
-      <p:nvGrpSpPr>
-        <p:cNvPr id="1" name=""/>
-        <p:cNvGrpSpPr/>
-        <p:nvPr/>
-      </p:nvGrpSpPr>
-      <p:grpSpPr>
-        <a:xfrm>
-          <a:off x="0" y="0"/>
-          <a:ext cx="0" cy="0"/>
-          <a:chOff x="0" y="0"/>
-          <a:chExt cx="0" cy="0"/>
-        </a:xfrm>
-      </p:grpSpPr>
-      <p:sp>
-        <p:nvSpPr>
-          <p:cNvPr id="2" name="投影片編號版面配置區 1"/>
-          <p:cNvSpPr>
-            <a:spLocks noGrp="1"/>
-          </p:cNvSpPr>
-          <p:nvPr>
-            <p:ph type="sldNum" sz="quarter" idx="12"/>
-          </p:nvPr>
-        </p:nvSpPr>
-        <p:spPr/>
-        <p:txBody>
-          <a:bodyPr/>
-          <a:lstStyle/>
-          <a:p>
-            <a:fld id="{4FAB73BC-B049-4115-A692-8D63A059BFB8}" type="slidenum">
-              <a:rPr lang="en-US" smtClean="0"/>
-              <a:pPr/>
-              <a:t>42</a:t>
-            </a:fld>
-            <a:endParaRPr lang="en-US" dirty="0"/>
-          </a:p>
-        </p:txBody>
-      </p:sp>
-      <p:sp>
-        <p:nvSpPr>
-          <p:cNvPr id="3" name="文字版面配置區 2"/>
-          <p:cNvSpPr>
-            <a:spLocks noGrp="1"/>
-          </p:cNvSpPr>
-          <p:nvPr>
-            <p:ph type="body" sz="quarter" idx="13"/>
-          </p:nvPr>
-        </p:nvSpPr>
-        <p:spPr/>
-        <p:txBody>
-          <a:bodyPr/>
-          <a:lstStyle/>
-          <a:p>
-            <a:r>
-              <a:rPr lang="zh-TW" altLang="en-US" dirty="0"/>
-              <a:t>官方規則</a:t>
-            </a:r>
-          </a:p>
-        </p:txBody>
-      </p:sp>
-      <p:sp>
-        <p:nvSpPr>
-          <p:cNvPr id="4" name="文字方塊 3">
-            <a:extLst>
-              <a:ext uri="{FF2B5EF4-FFF2-40B4-BE49-F238E27FC236}">
-                <a16:creationId xmlns:a16="http://schemas.microsoft.com/office/drawing/2014/main" id="{81D6559F-2673-4281-9A92-D0718387897D}"/>
-              </a:ext>
-            </a:extLst>
-          </p:cNvPr>
-          <p:cNvSpPr txBox="1"/>
-          <p:nvPr/>
-        </p:nvSpPr>
-        <p:spPr>
-          <a:xfrm>
-            <a:off x="1082842" y="3144960"/>
-            <a:ext cx="3725700" cy="584775"/>
-          </a:xfrm>
-          <a:prstGeom prst="rect">
-            <a:avLst/>
-          </a:prstGeom>
-          <a:noFill/>
-        </p:spPr>
-        <p:txBody>
-          <a:bodyPr wrap="none" rtlCol="0">
-            <a:spAutoFit/>
-          </a:bodyPr>
-          <a:lstStyle/>
-          <a:p>
-            <a:r>
-              <a:rPr lang="zh-TW" altLang="en-US" sz="3200" dirty="0">
-                <a:solidFill>
-                  <a:schemeClr val="bg1"/>
-                </a:solidFill>
-                <a:latin typeface="+mj-ea"/>
-                <a:ea typeface="+mj-ea"/>
-              </a:rPr>
-              <a:t>請以</a:t>
-            </a:r>
-            <a:r>
-              <a:rPr lang="en-US" altLang="zh-TW" sz="3200" dirty="0">
-                <a:solidFill>
-                  <a:schemeClr val="bg1"/>
-                </a:solidFill>
-                <a:latin typeface="+mj-ea"/>
-                <a:ea typeface="+mj-ea"/>
-              </a:rPr>
-              <a:t>use</a:t>
-            </a:r>
-            <a:r>
-              <a:rPr lang="zh-TW" altLang="en-US" sz="3200" dirty="0">
-                <a:solidFill>
-                  <a:schemeClr val="bg1"/>
-                </a:solidFill>
-                <a:latin typeface="+mj-ea"/>
-                <a:ea typeface="+mj-ea"/>
-              </a:rPr>
-              <a:t>開頭的函式</a:t>
-            </a:r>
-          </a:p>
-        </p:txBody>
-      </p:sp>
-      <p:sp>
-        <p:nvSpPr>
-          <p:cNvPr id="5" name="文字方塊 4">
-            <a:extLst>
-              <a:ext uri="{FF2B5EF4-FFF2-40B4-BE49-F238E27FC236}">
-                <a16:creationId xmlns:a16="http://schemas.microsoft.com/office/drawing/2014/main" id="{FF42F2B2-1648-4F2B-9BB7-14AB97175B58}"/>
-              </a:ext>
-            </a:extLst>
-          </p:cNvPr>
-          <p:cNvSpPr txBox="1"/>
-          <p:nvPr/>
-        </p:nvSpPr>
-        <p:spPr>
-          <a:xfrm>
-            <a:off x="7022976" y="3144960"/>
-            <a:ext cx="3403881" cy="584775"/>
-          </a:xfrm>
-          <a:prstGeom prst="rect">
-            <a:avLst/>
-          </a:prstGeom>
-          <a:noFill/>
-        </p:spPr>
-        <p:txBody>
-          <a:bodyPr wrap="none" rtlCol="0">
-            <a:spAutoFit/>
-          </a:bodyPr>
-          <a:lstStyle/>
-          <a:p>
-            <a:r>
-              <a:rPr lang="zh-TW" altLang="en-US" sz="3200" dirty="0">
-                <a:solidFill>
-                  <a:schemeClr val="bg1"/>
-                </a:solidFill>
-                <a:latin typeface="+mj-ea"/>
-                <a:ea typeface="+mj-ea"/>
-              </a:rPr>
-              <a:t>使用</a:t>
-            </a:r>
-            <a:r>
-              <a:rPr lang="en-US" altLang="zh-TW" sz="3200" dirty="0">
-                <a:solidFill>
-                  <a:schemeClr val="bg1"/>
-                </a:solidFill>
-                <a:latin typeface="+mj-ea"/>
-                <a:ea typeface="+mj-ea"/>
-              </a:rPr>
-              <a:t>React Hooks</a:t>
-            </a:r>
-            <a:endParaRPr lang="zh-TW" altLang="en-US" sz="4800" dirty="0">
-              <a:solidFill>
-                <a:schemeClr val="bg1"/>
-              </a:solidFill>
-              <a:latin typeface="+mj-ea"/>
-              <a:ea typeface="+mj-ea"/>
-            </a:endParaRPr>
-          </a:p>
-        </p:txBody>
-      </p:sp>
-    </p:spTree>
-    <p:extLst>
-      <p:ext uri="{BB962C8B-B14F-4D97-AF65-F5344CB8AC3E}">
-        <p14:creationId xmlns:p14="http://schemas.microsoft.com/office/powerpoint/2010/main" val="1678944357"/>
-      </p:ext>
-    </p:extLst>
-  </p:cSld>
-  <p:clrMapOvr>
-    <a:masterClrMapping/>
-  </p:clrMapOvr>
-  <mc:AlternateContent xmlns:mc="http://schemas.openxmlformats.org/markup-compatibility/2006" xmlns:p14="http://schemas.microsoft.com/office/powerpoint/2010/main">
-    <mc:Choice Requires="p14">
-      <p:transition p14:dur="160">
-        <p:fade/>
-      </p:transition>
-    </mc:Choice>
-    <mc:Fallback xmlns="">
-      <p:transition>
-        <p:fade/>
-      </p:transition>
-    </mc:Fallback>
-  </mc:AlternateContent>
-</p:sld>
-</file>
-
 <file path=ppt/slides/slide43.xml><?xml version="1.0" encoding="utf-8"?>
 <p:sld xmlns:a="http://schemas.openxmlformats.org/drawingml/2006/main" xmlns:r="http://schemas.openxmlformats.org/officeDocument/2006/relationships" xmlns:p="http://schemas.openxmlformats.org/presentationml/2006/main">
   <p:cSld>
@@ -20797,10 +20951,10 @@
       </p:grpSpPr>
       <p:sp>
         <p:nvSpPr>
-          <p:cNvPr id="2" name="標題 1">
+          <p:cNvPr id="2" name="投影片編號版面配置區 1">
             <a:extLst>
               <a:ext uri="{FF2B5EF4-FFF2-40B4-BE49-F238E27FC236}">
-                <a16:creationId xmlns:a16="http://schemas.microsoft.com/office/drawing/2014/main" id="{E42A39BE-EAF1-410A-9A92-A66FBA2BF9F7}"/>
+                <a16:creationId xmlns:a16="http://schemas.microsoft.com/office/drawing/2014/main" id="{09325958-A913-4ED4-BF37-25C26A343A0C}"/>
               </a:ext>
             </a:extLst>
           </p:cNvPr>
@@ -20808,7 +20962,7 @@
             <a:spLocks noGrp="1"/>
           </p:cNvSpPr>
           <p:nvPr>
-            <p:ph type="title"/>
+            <p:ph type="sldNum" sz="quarter" idx="12"/>
           </p:nvPr>
         </p:nvSpPr>
         <p:spPr/>
@@ -20816,21 +20970,21 @@
           <a:bodyPr/>
           <a:lstStyle/>
           <a:p>
-            <a:pPr algn="ctr"/>
-            <a:r>
-              <a:rPr lang="en-US" altLang="zh-TW" dirty="0"/>
-              <a:t>Pattern</a:t>
-            </a:r>
-            <a:endParaRPr lang="zh-TW" altLang="en-US" dirty="0"/>
-          </a:p>
-        </p:txBody>
-      </p:sp>
-      <p:sp>
-        <p:nvSpPr>
-          <p:cNvPr id="3" name="內容版面配置區 2">
+            <a:fld id="{4FAB73BC-B049-4115-A692-8D63A059BFB8}" type="slidenum">
+              <a:rPr lang="en-US" smtClean="0"/>
+              <a:pPr/>
+              <a:t>43</a:t>
+            </a:fld>
+            <a:endParaRPr lang="en-US" dirty="0"/>
+          </a:p>
+        </p:txBody>
+      </p:sp>
+      <p:sp>
+        <p:nvSpPr>
+          <p:cNvPr id="3" name="文字版面配置區 2">
             <a:extLst>
               <a:ext uri="{FF2B5EF4-FFF2-40B4-BE49-F238E27FC236}">
-                <a16:creationId xmlns:a16="http://schemas.microsoft.com/office/drawing/2014/main" id="{5D30DF41-AC01-4C62-A621-CB4016203A22}"/>
+                <a16:creationId xmlns:a16="http://schemas.microsoft.com/office/drawing/2014/main" id="{5F2E5F9B-303C-44FE-9CEF-454660CCE1B7}"/>
               </a:ext>
             </a:extLst>
           </p:cNvPr>
@@ -20838,7 +20992,7 @@
             <a:spLocks noGrp="1"/>
           </p:cNvSpPr>
           <p:nvPr>
-            <p:ph idx="1"/>
+            <p:ph type="body" sz="quarter" idx="13"/>
           </p:nvPr>
         </p:nvSpPr>
         <p:spPr/>
@@ -20846,14 +21000,237 @@
           <a:bodyPr/>
           <a:lstStyle/>
           <a:p>
-            <a:endParaRPr lang="zh-TW" altLang="en-US"/>
+            <a:r>
+              <a:rPr lang="en-US" altLang="zh-TW" spc="300" dirty="0">
+                <a:latin typeface="Arial Black" panose="020B0A04020102020204" pitchFamily="34" charset="0"/>
+              </a:rPr>
+              <a:t>Render</a:t>
+            </a:r>
+            <a:r>
+              <a:rPr lang="zh-TW" altLang="en-US" spc="300" dirty="0">
+                <a:latin typeface="Arial Black" panose="020B0A04020102020204" pitchFamily="34" charset="0"/>
+              </a:rPr>
+              <a:t>作用</a:t>
+            </a:r>
+          </a:p>
+        </p:txBody>
+      </p:sp>
+      <p:sp>
+        <p:nvSpPr>
+          <p:cNvPr id="4" name="文字方塊 3">
+            <a:extLst>
+              <a:ext uri="{FF2B5EF4-FFF2-40B4-BE49-F238E27FC236}">
+                <a16:creationId xmlns:a16="http://schemas.microsoft.com/office/drawing/2014/main" id="{A2188095-520B-489A-9EC1-A163CA5E40EB}"/>
+              </a:ext>
+            </a:extLst>
+          </p:cNvPr>
+          <p:cNvSpPr txBox="1"/>
+          <p:nvPr/>
+        </p:nvSpPr>
+        <p:spPr>
+          <a:xfrm>
+            <a:off x="2224881" y="2384079"/>
+            <a:ext cx="7573794" cy="2691314"/>
+          </a:xfrm>
+          <a:prstGeom prst="rect">
+            <a:avLst/>
+          </a:prstGeom>
+          <a:noFill/>
+        </p:spPr>
+        <p:txBody>
+          <a:bodyPr wrap="square" rtlCol="0">
+            <a:spAutoFit/>
+          </a:bodyPr>
+          <a:lstStyle/>
+          <a:p>
+            <a:pPr algn="ctr"/>
+            <a:r>
+              <a:rPr lang="zh-TW" altLang="en-US" sz="3600" dirty="0">
+                <a:solidFill>
+                  <a:schemeClr val="bg1">
+                    <a:lumMod val="85000"/>
+                  </a:schemeClr>
+                </a:solidFill>
+                <a:latin typeface="+mj-ea"/>
+                <a:ea typeface="+mj-ea"/>
+              </a:rPr>
+              <a:t>確認現在</a:t>
+            </a:r>
+            <a:r>
+              <a:rPr lang="zh-TW" altLang="en-US" sz="3600">
+                <a:solidFill>
+                  <a:schemeClr val="bg1">
+                    <a:lumMod val="85000"/>
+                  </a:schemeClr>
+                </a:solidFill>
+                <a:latin typeface="+mj-ea"/>
+                <a:ea typeface="+mj-ea"/>
+              </a:rPr>
+              <a:t>數值與之前</a:t>
+            </a:r>
+            <a:r>
+              <a:rPr lang="zh-TW" altLang="en-US" sz="3600" dirty="0">
+                <a:solidFill>
+                  <a:schemeClr val="bg1">
+                    <a:lumMod val="85000"/>
+                  </a:schemeClr>
+                </a:solidFill>
+                <a:latin typeface="+mj-ea"/>
+                <a:ea typeface="+mj-ea"/>
+              </a:rPr>
+              <a:t>數值是否相等 </a:t>
+            </a:r>
+            <a:r>
+              <a:rPr lang="en-US" altLang="zh-TW" sz="3600" dirty="0">
+                <a:solidFill>
+                  <a:schemeClr val="bg1">
+                    <a:lumMod val="85000"/>
+                  </a:schemeClr>
+                </a:solidFill>
+                <a:latin typeface="+mj-ea"/>
+                <a:ea typeface="+mj-ea"/>
+              </a:rPr>
+              <a:t>?</a:t>
+            </a:r>
+          </a:p>
+          <a:p>
+            <a:pPr algn="ctr">
+              <a:lnSpc>
+                <a:spcPct val="200000"/>
+              </a:lnSpc>
+            </a:pPr>
+            <a:r>
+              <a:rPr lang="zh-TW" altLang="en-US" sz="3600" dirty="0">
+                <a:solidFill>
+                  <a:schemeClr val="bg1">
+                    <a:lumMod val="85000"/>
+                  </a:schemeClr>
+                </a:solidFill>
+                <a:latin typeface="+mj-ea"/>
+                <a:ea typeface="+mj-ea"/>
+              </a:rPr>
+              <a:t>不相等 </a:t>
+            </a:r>
+            <a:r>
+              <a:rPr lang="en-US" altLang="zh-TW" sz="3600" dirty="0">
+                <a:solidFill>
+                  <a:schemeClr val="bg1">
+                    <a:lumMod val="85000"/>
+                  </a:schemeClr>
+                </a:solidFill>
+                <a:latin typeface="+mj-ea"/>
+                <a:ea typeface="+mj-ea"/>
+              </a:rPr>
+              <a:t>=&gt;</a:t>
+            </a:r>
+            <a:r>
+              <a:rPr lang="zh-TW" altLang="en-US" sz="3600" dirty="0">
+                <a:solidFill>
+                  <a:srgbClr val="92D050"/>
+                </a:solidFill>
+                <a:latin typeface="+mj-ea"/>
+                <a:ea typeface="+mj-ea"/>
+              </a:rPr>
+              <a:t>修改</a:t>
+            </a:r>
+            <a:r>
+              <a:rPr lang="zh-TW" altLang="en-US" sz="3600" dirty="0">
+                <a:solidFill>
+                  <a:schemeClr val="bg1">
+                    <a:lumMod val="85000"/>
+                  </a:schemeClr>
+                </a:solidFill>
+                <a:latin typeface="+mj-ea"/>
+                <a:ea typeface="+mj-ea"/>
+              </a:rPr>
+              <a:t>頁面資訊</a:t>
+            </a:r>
+            <a:endParaRPr lang="en-US" altLang="zh-TW" sz="3600" dirty="0">
+              <a:solidFill>
+                <a:schemeClr val="bg1">
+                  <a:lumMod val="85000"/>
+                </a:schemeClr>
+              </a:solidFill>
+              <a:latin typeface="+mj-ea"/>
+              <a:ea typeface="+mj-ea"/>
+            </a:endParaRPr>
+          </a:p>
+          <a:p>
+            <a:pPr algn="ctr">
+              <a:lnSpc>
+                <a:spcPct val="200000"/>
+              </a:lnSpc>
+            </a:pPr>
+            <a:r>
+              <a:rPr lang="zh-TW" altLang="en-US" sz="3600" dirty="0">
+                <a:solidFill>
+                  <a:schemeClr val="bg1">
+                    <a:lumMod val="85000"/>
+                  </a:schemeClr>
+                </a:solidFill>
+                <a:latin typeface="+mj-ea"/>
+                <a:ea typeface="+mj-ea"/>
+              </a:rPr>
+              <a:t>相等 </a:t>
+            </a:r>
+            <a:r>
+              <a:rPr lang="en-US" altLang="zh-TW" sz="3600" dirty="0">
+                <a:solidFill>
+                  <a:schemeClr val="bg1">
+                    <a:lumMod val="85000"/>
+                  </a:schemeClr>
+                </a:solidFill>
+                <a:latin typeface="+mj-ea"/>
+                <a:ea typeface="+mj-ea"/>
+              </a:rPr>
+              <a:t>=&gt;</a:t>
+            </a:r>
+            <a:r>
+              <a:rPr lang="zh-TW" altLang="en-US" sz="3600" dirty="0">
+                <a:solidFill>
+                  <a:srgbClr val="FFFF00"/>
+                </a:solidFill>
+                <a:latin typeface="+mj-ea"/>
+                <a:ea typeface="+mj-ea"/>
+              </a:rPr>
+              <a:t>不</a:t>
+            </a:r>
+            <a:r>
+              <a:rPr lang="zh-TW" altLang="en-US" sz="3600" dirty="0">
+                <a:solidFill>
+                  <a:srgbClr val="FFFF00"/>
+                </a:solidFill>
+                <a:latin typeface="+mj-ea"/>
+              </a:rPr>
+              <a:t>修改</a:t>
+            </a:r>
+            <a:r>
+              <a:rPr lang="zh-TW" altLang="en-US" sz="3600" dirty="0">
+                <a:solidFill>
+                  <a:schemeClr val="bg1">
+                    <a:lumMod val="85000"/>
+                  </a:schemeClr>
+                </a:solidFill>
+                <a:latin typeface="+mj-ea"/>
+              </a:rPr>
+              <a:t>頁面資訊</a:t>
+            </a:r>
+            <a:endParaRPr lang="zh-TW" altLang="en-US" sz="3600" dirty="0">
+              <a:solidFill>
+                <a:schemeClr val="bg1">
+                  <a:lumMod val="85000"/>
+                </a:schemeClr>
+              </a:solidFill>
+              <a:latin typeface="+mj-ea"/>
+              <a:ea typeface="+mj-ea"/>
+            </a:endParaRPr>
           </a:p>
         </p:txBody>
       </p:sp>
     </p:spTree>
     <p:extLst>
       <p:ext uri="{BB962C8B-B14F-4D97-AF65-F5344CB8AC3E}">
-        <p14:creationId xmlns:p14="http://schemas.microsoft.com/office/powerpoint/2010/main" val="1789668969"/>
+        <p14:creationId xmlns:p14="http://schemas.microsoft.com/office/powerpoint/2010/main" val="2692660869"/>
       </p:ext>
     </p:extLst>
   </p:cSld>
@@ -20894,10 +21271,10 @@
       </p:grpSpPr>
       <p:sp>
         <p:nvSpPr>
-          <p:cNvPr id="2" name="標題 1">
+          <p:cNvPr id="2" name="投影片編號版面配置區 1">
             <a:extLst>
               <a:ext uri="{FF2B5EF4-FFF2-40B4-BE49-F238E27FC236}">
-                <a16:creationId xmlns:a16="http://schemas.microsoft.com/office/drawing/2014/main" id="{E42A39BE-EAF1-410A-9A92-A66FBA2BF9F7}"/>
+                <a16:creationId xmlns:a16="http://schemas.microsoft.com/office/drawing/2014/main" id="{A363C86C-40AD-4597-9B11-BAA2A0E612DE}"/>
               </a:ext>
             </a:extLst>
           </p:cNvPr>
@@ -20905,7 +21282,7 @@
             <a:spLocks noGrp="1"/>
           </p:cNvSpPr>
           <p:nvPr>
-            <p:ph type="title"/>
+            <p:ph type="sldNum" sz="quarter" idx="12"/>
           </p:nvPr>
         </p:nvSpPr>
         <p:spPr/>
@@ -20913,20 +21290,21 @@
           <a:bodyPr/>
           <a:lstStyle/>
           <a:p>
-            <a:pPr algn="ctr"/>
-            <a:r>
-              <a:rPr lang="zh-TW" altLang="en-US" dirty="0"/>
-              <a:t>參考資料</a:t>
-            </a:r>
-          </a:p>
-        </p:txBody>
-      </p:sp>
-      <p:sp>
-        <p:nvSpPr>
-          <p:cNvPr id="3" name="內容版面配置區 2">
+            <a:fld id="{4FAB73BC-B049-4115-A692-8D63A059BFB8}" type="slidenum">
+              <a:rPr lang="en-US" smtClean="0"/>
+              <a:pPr/>
+              <a:t>44</a:t>
+            </a:fld>
+            <a:endParaRPr lang="en-US" dirty="0"/>
+          </a:p>
+        </p:txBody>
+      </p:sp>
+      <p:sp>
+        <p:nvSpPr>
+          <p:cNvPr id="3" name="文字版面配置區 2">
             <a:extLst>
               <a:ext uri="{FF2B5EF4-FFF2-40B4-BE49-F238E27FC236}">
-                <a16:creationId xmlns:a16="http://schemas.microsoft.com/office/drawing/2014/main" id="{5D30DF41-AC01-4C62-A621-CB4016203A22}"/>
+                <a16:creationId xmlns:a16="http://schemas.microsoft.com/office/drawing/2014/main" id="{EE4E44DB-BCD9-43E5-8B39-F0FDA1DB1131}"/>
               </a:ext>
             </a:extLst>
           </p:cNvPr>
@@ -20934,13 +21312,59 @@
             <a:spLocks noGrp="1"/>
           </p:cNvSpPr>
           <p:nvPr>
-            <p:ph idx="1"/>
+            <p:ph type="body" sz="quarter" idx="13"/>
           </p:nvPr>
         </p:nvSpPr>
         <p:spPr/>
         <p:txBody>
-          <a:bodyPr>
-            <a:normAutofit/>
+          <a:bodyPr/>
+          <a:lstStyle/>
+          <a:p>
+            <a:r>
+              <a:rPr lang="zh-TW" altLang="en-US" dirty="0"/>
+              <a:t>     相等 </a:t>
+            </a:r>
+            <a:r>
+              <a:rPr lang="en-US" altLang="zh-TW" dirty="0"/>
+              <a:t>?</a:t>
+            </a:r>
+            <a:r>
+              <a:rPr lang="zh-TW" altLang="en-US" dirty="0"/>
+              <a:t>   不相等 </a:t>
+            </a:r>
+            <a:r>
+              <a:rPr lang="en-US" altLang="zh-TW" dirty="0"/>
+              <a:t>?</a:t>
+            </a:r>
+            <a:endParaRPr lang="zh-TW" altLang="en-US" dirty="0"/>
+          </a:p>
+        </p:txBody>
+      </p:sp>
+      <p:sp>
+        <p:nvSpPr>
+          <p:cNvPr id="4" name="文字方塊 3">
+            <a:extLst>
+              <a:ext uri="{FF2B5EF4-FFF2-40B4-BE49-F238E27FC236}">
+                <a16:creationId xmlns:a16="http://schemas.microsoft.com/office/drawing/2014/main" id="{4901A417-F33D-4EF6-A477-47FA4CEB1708}"/>
+              </a:ext>
+            </a:extLst>
+          </p:cNvPr>
+          <p:cNvSpPr txBox="1"/>
+          <p:nvPr/>
+        </p:nvSpPr>
+        <p:spPr>
+          <a:xfrm>
+            <a:off x="2847585" y="2365700"/>
+            <a:ext cx="7549018" cy="1652568"/>
+          </a:xfrm>
+          <a:prstGeom prst="rect">
+            <a:avLst/>
+          </a:prstGeom>
+          <a:noFill/>
+        </p:spPr>
+        <p:txBody>
+          <a:bodyPr wrap="square" rtlCol="0">
+            <a:spAutoFit/>
           </a:bodyPr>
           <a:lstStyle/>
           <a:p>
@@ -20950,30 +21374,52 @@
               </a:lnSpc>
             </a:pPr>
             <a:r>
-              <a:rPr lang="en-US" altLang="zh-TW" sz="3600" dirty="0">
-                <a:solidFill>
-                  <a:schemeClr val="bg1"/>
+              <a:rPr lang="zh-TW" altLang="en-US" sz="3600" dirty="0">
+                <a:solidFill>
+                  <a:schemeClr val="bg1">
+                    <a:lumMod val="85000"/>
+                  </a:schemeClr>
                 </a:solidFill>
                 <a:latin typeface="+mj-ea"/>
                 <a:ea typeface="+mj-ea"/>
-                <a:hlinkClick r:id="rId3"/>
-              </a:rPr>
-              <a:t>React </a:t>
+              </a:rPr>
+              <a:t>內容</a:t>
             </a:r>
             <a:r>
               <a:rPr lang="zh-TW" altLang="en-US" sz="3600" dirty="0">
                 <a:solidFill>
-                  <a:schemeClr val="bg1"/>
+                  <a:schemeClr val="accent2"/>
                 </a:solidFill>
                 <a:latin typeface="+mj-ea"/>
                 <a:ea typeface="+mj-ea"/>
-                <a:hlinkClick r:id="rId3"/>
-              </a:rPr>
-              <a:t>官網</a:t>
+              </a:rPr>
+              <a:t>一樣</a:t>
+            </a:r>
+            <a:r>
+              <a:rPr lang="zh-TW" altLang="en-US" sz="3600" dirty="0">
+                <a:solidFill>
+                  <a:schemeClr val="bg1">
+                    <a:lumMod val="85000"/>
+                  </a:schemeClr>
+                </a:solidFill>
+                <a:latin typeface="+mj-ea"/>
+                <a:ea typeface="+mj-ea"/>
+              </a:rPr>
+              <a:t>但是可能被判定</a:t>
+            </a:r>
+            <a:r>
+              <a:rPr lang="zh-TW" altLang="en-US" sz="3600" dirty="0">
+                <a:solidFill>
+                  <a:srgbClr val="FFFF00"/>
+                </a:solidFill>
+                <a:latin typeface="+mj-ea"/>
+                <a:ea typeface="+mj-ea"/>
+              </a:rPr>
+              <a:t>不相等</a:t>
             </a:r>
             <a:endParaRPr lang="en-US" altLang="zh-TW" sz="3600" dirty="0">
               <a:solidFill>
-                <a:schemeClr val="bg1"/>
+                <a:srgbClr val="FFFF00"/>
               </a:solidFill>
               <a:latin typeface="+mj-ea"/>
               <a:ea typeface="+mj-ea"/>
@@ -20986,80 +21432,56 @@
               </a:lnSpc>
             </a:pPr>
             <a:r>
-              <a:rPr lang="en-US" altLang="zh-TW" sz="3600" dirty="0">
-                <a:solidFill>
-                  <a:schemeClr val="bg1"/>
+              <a:rPr lang="zh-TW" altLang="en-US" sz="3600" dirty="0">
+                <a:solidFill>
+                  <a:schemeClr val="bg1">
+                    <a:lumMod val="85000"/>
+                  </a:schemeClr>
                 </a:solidFill>
                 <a:latin typeface="+mj-ea"/>
                 <a:ea typeface="+mj-ea"/>
-                <a:hlinkClick r:id="rId4"/>
-              </a:rPr>
-              <a:t>stack overflow</a:t>
-            </a:r>
-            <a:endParaRPr lang="en-US" altLang="zh-TW" sz="3600" dirty="0">
-              <a:solidFill>
-                <a:schemeClr val="bg1"/>
-              </a:solidFill>
-              <a:latin typeface="+mj-ea"/>
-              <a:ea typeface="+mj-ea"/>
-            </a:endParaRPr>
-          </a:p>
-          <a:p>
-            <a:pPr>
-              <a:lnSpc>
-                <a:spcPct val="150000"/>
-              </a:lnSpc>
-            </a:pPr>
-            <a:r>
-              <a:rPr lang="en-US" altLang="zh-TW" sz="3600" dirty="0">
-                <a:solidFill>
-                  <a:schemeClr val="bg1"/>
+              </a:rPr>
+              <a:t>內容</a:t>
+            </a:r>
+            <a:r>
+              <a:rPr lang="zh-TW" altLang="en-US" sz="3600" dirty="0">
+                <a:solidFill>
+                  <a:srgbClr val="FFC000"/>
                 </a:solidFill>
                 <a:latin typeface="+mj-ea"/>
                 <a:ea typeface="+mj-ea"/>
-                <a:hlinkClick r:id="rId5"/>
-              </a:rPr>
-              <a:t>Medium</a:t>
-            </a:r>
-            <a:endParaRPr lang="en-US" altLang="zh-TW" sz="3600" dirty="0">
-              <a:solidFill>
-                <a:schemeClr val="bg1"/>
-              </a:solidFill>
-              <a:latin typeface="+mj-ea"/>
-              <a:ea typeface="+mj-ea"/>
-            </a:endParaRPr>
-          </a:p>
-          <a:p>
-            <a:pPr>
-              <a:lnSpc>
-                <a:spcPct val="150000"/>
-              </a:lnSpc>
-            </a:pPr>
-            <a:r>
-              <a:rPr lang="en-US" altLang="zh-TW" sz="3600" dirty="0" err="1">
-                <a:solidFill>
-                  <a:schemeClr val="bg1"/>
+              </a:rPr>
+              <a:t>不一樣</a:t>
+            </a:r>
+            <a:r>
+              <a:rPr lang="zh-TW" altLang="en-US" sz="3600" dirty="0">
+                <a:solidFill>
+                  <a:schemeClr val="bg1">
+                    <a:lumMod val="85000"/>
+                  </a:schemeClr>
                 </a:solidFill>
                 <a:latin typeface="+mj-ea"/>
                 <a:ea typeface="+mj-ea"/>
-                <a:hlinkClick r:id="rId6"/>
-              </a:rPr>
-              <a:t>jishuwen</a:t>
-            </a:r>
-            <a:endParaRPr lang="zh-TW" altLang="en-US" sz="3600" dirty="0">
-              <a:solidFill>
-                <a:schemeClr val="bg1"/>
-              </a:solidFill>
-              <a:latin typeface="+mj-ea"/>
-              <a:ea typeface="+mj-ea"/>
-            </a:endParaRPr>
+              </a:rPr>
+              <a:t>但是可能被判定為</a:t>
+            </a:r>
+            <a:r>
+              <a:rPr lang="zh-TW" altLang="en-US" sz="3600" dirty="0">
+                <a:solidFill>
+                  <a:srgbClr val="92D050"/>
+                </a:solidFill>
+                <a:latin typeface="+mj-ea"/>
+                <a:ea typeface="+mj-ea"/>
+              </a:rPr>
+              <a:t>相等</a:t>
+            </a:r>
           </a:p>
         </p:txBody>
       </p:sp>
     </p:spTree>
     <p:extLst>
       <p:ext uri="{BB962C8B-B14F-4D97-AF65-F5344CB8AC3E}">
-        <p14:creationId xmlns:p14="http://schemas.microsoft.com/office/powerpoint/2010/main" val="1527166285"/>
+        <p14:creationId xmlns:p14="http://schemas.microsoft.com/office/powerpoint/2010/main" val="1881733370"/>
       </p:ext>
     </p:extLst>
   </p:cSld>
@@ -21100,10 +21522,10 @@
       </p:grpSpPr>
       <p:sp>
         <p:nvSpPr>
-          <p:cNvPr id="2" name="標題 1">
+          <p:cNvPr id="2" name="投影片編號版面配置區 1">
             <a:extLst>
               <a:ext uri="{FF2B5EF4-FFF2-40B4-BE49-F238E27FC236}">
-                <a16:creationId xmlns:a16="http://schemas.microsoft.com/office/drawing/2014/main" id="{BE945B9A-DCCE-4DF7-B93B-812BA9E0DCD9}"/>
+                <a16:creationId xmlns:a16="http://schemas.microsoft.com/office/drawing/2014/main" id="{37BFE078-5651-420A-863A-253E65E01A9B}"/>
               </a:ext>
             </a:extLst>
           </p:cNvPr>
@@ -21111,7 +21533,7 @@
             <a:spLocks noGrp="1"/>
           </p:cNvSpPr>
           <p:nvPr>
-            <p:ph type="ctrTitle"/>
+            <p:ph type="sldNum" sz="quarter" idx="12"/>
           </p:nvPr>
         </p:nvSpPr>
         <p:spPr/>
@@ -21119,31 +21541,21 @@
           <a:bodyPr/>
           <a:lstStyle/>
           <a:p>
-            <a:pPr algn="ctr">
-              <a:lnSpc>
-                <a:spcPct val="150000"/>
-              </a:lnSpc>
-            </a:pPr>
-            <a:r>
-              <a:rPr lang="zh-TW" altLang="en-US" dirty="0"/>
-              <a:t>投影片結束</a:t>
-            </a:r>
-            <a:br>
-              <a:rPr lang="en-US" altLang="zh-TW" dirty="0"/>
-            </a:br>
-            <a:r>
-              <a:rPr lang="zh-TW" altLang="en-US" dirty="0"/>
-              <a:t>謝謝</a:t>
-            </a:r>
-          </a:p>
-        </p:txBody>
-      </p:sp>
-      <p:sp>
-        <p:nvSpPr>
-          <p:cNvPr id="3" name="副標題 2">
+            <a:fld id="{4FAB73BC-B049-4115-A692-8D63A059BFB8}" type="slidenum">
+              <a:rPr lang="en-US" smtClean="0"/>
+              <a:pPr/>
+              <a:t>45</a:t>
+            </a:fld>
+            <a:endParaRPr lang="en-US" dirty="0"/>
+          </a:p>
+        </p:txBody>
+      </p:sp>
+      <p:sp>
+        <p:nvSpPr>
+          <p:cNvPr id="3" name="文字版面配置區 2">
             <a:extLst>
               <a:ext uri="{FF2B5EF4-FFF2-40B4-BE49-F238E27FC236}">
-                <a16:creationId xmlns:a16="http://schemas.microsoft.com/office/drawing/2014/main" id="{7B32ADD8-A1B4-437E-9B86-083C31BB7503}"/>
+                <a16:creationId xmlns:a16="http://schemas.microsoft.com/office/drawing/2014/main" id="{B5591AA2-66E3-4359-8A44-0FCFA2A6E1ED}"/>
               </a:ext>
             </a:extLst>
           </p:cNvPr>
@@ -21151,7 +21563,7 @@
             <a:spLocks noGrp="1"/>
           </p:cNvSpPr>
           <p:nvPr>
-            <p:ph type="subTitle" idx="1"/>
+            <p:ph type="body" sz="quarter" idx="13"/>
           </p:nvPr>
         </p:nvSpPr>
         <p:spPr/>
@@ -21159,14 +21571,585 @@
           <a:bodyPr/>
           <a:lstStyle/>
           <a:p>
-            <a:endParaRPr lang="zh-TW" altLang="en-US"/>
+            <a:r>
+              <a:rPr lang="en-US" altLang="zh-TW" dirty="0"/>
+              <a:t>Chrome</a:t>
+            </a:r>
+            <a:r>
+              <a:rPr lang="zh-TW" altLang="en-US" dirty="0"/>
+              <a:t>為例</a:t>
+            </a:r>
+          </a:p>
+        </p:txBody>
+      </p:sp>
+      <p:sp>
+        <p:nvSpPr>
+          <p:cNvPr id="4" name="文字方塊 3">
+            <a:extLst>
+              <a:ext uri="{FF2B5EF4-FFF2-40B4-BE49-F238E27FC236}">
+                <a16:creationId xmlns:a16="http://schemas.microsoft.com/office/drawing/2014/main" id="{56E06175-378C-4246-8197-C322E90E67F4}"/>
+              </a:ext>
+            </a:extLst>
+          </p:cNvPr>
+          <p:cNvSpPr txBox="1"/>
+          <p:nvPr/>
+        </p:nvSpPr>
+        <p:spPr>
+          <a:xfrm>
+            <a:off x="1369515" y="1883005"/>
+            <a:ext cx="4726485" cy="3314562"/>
+          </a:xfrm>
+          <a:prstGeom prst="rect">
+            <a:avLst/>
+          </a:prstGeom>
+          <a:noFill/>
+        </p:spPr>
+        <p:txBody>
+          <a:bodyPr wrap="square" rtlCol="0">
+            <a:spAutoFit/>
+          </a:bodyPr>
+          <a:lstStyle/>
+          <a:p>
+            <a:pPr>
+              <a:lnSpc>
+                <a:spcPct val="150000"/>
+              </a:lnSpc>
+            </a:pPr>
+            <a:r>
+              <a:rPr lang="en-US" altLang="zh-TW" sz="3600" dirty="0">
+                <a:solidFill>
+                  <a:srgbClr val="00B0F0"/>
+                </a:solidFill>
+                <a:latin typeface="+mj-ea"/>
+                <a:ea typeface="+mj-ea"/>
+              </a:rPr>
+              <a:t>A</a:t>
+            </a:r>
+            <a:r>
+              <a:rPr lang="en-US" altLang="zh-TW" sz="3600" dirty="0">
+                <a:solidFill>
+                  <a:schemeClr val="bg1"/>
+                </a:solidFill>
+                <a:latin typeface="+mj-ea"/>
+                <a:ea typeface="+mj-ea"/>
+              </a:rPr>
+              <a:t> = [</a:t>
+            </a:r>
+            <a:r>
+              <a:rPr lang="zh-TW" altLang="en-US" sz="3600" dirty="0">
+                <a:solidFill>
+                  <a:schemeClr val="bg1"/>
+                </a:solidFill>
+                <a:latin typeface="+mj-ea"/>
+                <a:ea typeface="+mj-ea"/>
+              </a:rPr>
+              <a:t> </a:t>
+            </a:r>
+            <a:r>
+              <a:rPr lang="en-US" altLang="zh-TW" sz="3600" dirty="0">
+                <a:solidFill>
+                  <a:schemeClr val="bg1"/>
+                </a:solidFill>
+                <a:latin typeface="+mj-ea"/>
+                <a:ea typeface="+mj-ea"/>
+              </a:rPr>
+              <a:t>1,</a:t>
+            </a:r>
+            <a:r>
+              <a:rPr lang="zh-TW" altLang="en-US" sz="3600" dirty="0">
+                <a:solidFill>
+                  <a:schemeClr val="bg1"/>
+                </a:solidFill>
+                <a:latin typeface="+mj-ea"/>
+                <a:ea typeface="+mj-ea"/>
+              </a:rPr>
+              <a:t> </a:t>
+            </a:r>
+            <a:r>
+              <a:rPr lang="en-US" altLang="zh-TW" sz="3600" dirty="0">
+                <a:solidFill>
+                  <a:schemeClr val="bg1"/>
+                </a:solidFill>
+                <a:latin typeface="+mj-ea"/>
+                <a:ea typeface="+mj-ea"/>
+              </a:rPr>
+              <a:t>2</a:t>
+            </a:r>
+            <a:r>
+              <a:rPr lang="zh-TW" altLang="en-US" sz="3600" dirty="0">
+                <a:solidFill>
+                  <a:schemeClr val="bg1"/>
+                </a:solidFill>
+                <a:latin typeface="+mj-ea"/>
+                <a:ea typeface="+mj-ea"/>
+              </a:rPr>
+              <a:t> </a:t>
+            </a:r>
+            <a:r>
+              <a:rPr lang="en-US" altLang="zh-TW" sz="3600" dirty="0">
+                <a:solidFill>
+                  <a:schemeClr val="bg1"/>
+                </a:solidFill>
+                <a:latin typeface="+mj-ea"/>
+                <a:ea typeface="+mj-ea"/>
+              </a:rPr>
+              <a:t>]  ; </a:t>
+            </a:r>
+            <a:r>
+              <a:rPr lang="en-US" altLang="zh-TW" sz="3600" dirty="0">
+                <a:solidFill>
+                  <a:srgbClr val="00B0F0"/>
+                </a:solidFill>
+                <a:latin typeface="+mj-ea"/>
+                <a:ea typeface="+mj-ea"/>
+              </a:rPr>
+              <a:t>B</a:t>
+            </a:r>
+            <a:r>
+              <a:rPr lang="en-US" altLang="zh-TW" sz="3600" dirty="0">
+                <a:solidFill>
+                  <a:schemeClr val="bg1"/>
+                </a:solidFill>
+                <a:latin typeface="+mj-ea"/>
+                <a:ea typeface="+mj-ea"/>
+              </a:rPr>
+              <a:t> = </a:t>
+            </a:r>
+            <a:r>
+              <a:rPr lang="en-US" altLang="zh-TW" sz="3600" dirty="0">
+                <a:solidFill>
+                  <a:srgbClr val="00B0F0"/>
+                </a:solidFill>
+                <a:latin typeface="+mj-ea"/>
+                <a:ea typeface="+mj-ea"/>
+              </a:rPr>
+              <a:t>A</a:t>
+            </a:r>
+            <a:r>
+              <a:rPr lang="en-US" altLang="zh-TW" sz="3600" dirty="0">
+                <a:solidFill>
+                  <a:schemeClr val="bg1"/>
+                </a:solidFill>
+                <a:latin typeface="+mj-ea"/>
+                <a:ea typeface="+mj-ea"/>
+              </a:rPr>
+              <a:t> </a:t>
+            </a:r>
+          </a:p>
+          <a:p>
+            <a:pPr>
+              <a:lnSpc>
+                <a:spcPct val="150000"/>
+              </a:lnSpc>
+            </a:pPr>
+            <a:r>
+              <a:rPr lang="en-US" altLang="zh-TW" sz="3600" dirty="0">
+                <a:solidFill>
+                  <a:srgbClr val="00B0F0"/>
+                </a:solidFill>
+                <a:latin typeface="+mj-ea"/>
+                <a:ea typeface="+mj-ea"/>
+              </a:rPr>
+              <a:t>B</a:t>
+            </a:r>
+            <a:r>
+              <a:rPr lang="en-US" altLang="zh-TW" sz="3600" dirty="0">
+                <a:solidFill>
+                  <a:schemeClr val="bg1"/>
+                </a:solidFill>
+                <a:latin typeface="+mj-ea"/>
+                <a:ea typeface="+mj-ea"/>
+              </a:rPr>
+              <a:t>[0] = 3 </a:t>
+            </a:r>
+          </a:p>
+          <a:p>
+            <a:pPr>
+              <a:lnSpc>
+                <a:spcPct val="150000"/>
+              </a:lnSpc>
+            </a:pPr>
+            <a:r>
+              <a:rPr lang="en-US" altLang="zh-TW" sz="3600" dirty="0">
+                <a:solidFill>
+                  <a:srgbClr val="00B0F0"/>
+                </a:solidFill>
+                <a:latin typeface="+mj-ea"/>
+                <a:ea typeface="+mj-ea"/>
+              </a:rPr>
+              <a:t>B</a:t>
+            </a:r>
+            <a:r>
+              <a:rPr lang="en-US" altLang="zh-TW" sz="3600" dirty="0">
+                <a:solidFill>
+                  <a:schemeClr val="bg1"/>
+                </a:solidFill>
+                <a:latin typeface="+mj-ea"/>
+                <a:ea typeface="+mj-ea"/>
+              </a:rPr>
+              <a:t> === </a:t>
+            </a:r>
+            <a:r>
+              <a:rPr lang="en-US" altLang="zh-TW" sz="3600" dirty="0">
+                <a:solidFill>
+                  <a:srgbClr val="00B0F0"/>
+                </a:solidFill>
+                <a:latin typeface="+mj-ea"/>
+                <a:ea typeface="+mj-ea"/>
+              </a:rPr>
+              <a:t>A</a:t>
+            </a:r>
+            <a:r>
+              <a:rPr lang="zh-TW" altLang="en-US" sz="3600" dirty="0">
+                <a:solidFill>
+                  <a:schemeClr val="bg1"/>
+                </a:solidFill>
+                <a:latin typeface="+mj-ea"/>
+                <a:ea typeface="+mj-ea"/>
+              </a:rPr>
+              <a:t> </a:t>
+            </a:r>
+            <a:endParaRPr lang="en-US" altLang="zh-TW" sz="3600" dirty="0">
+              <a:solidFill>
+                <a:schemeClr val="bg1"/>
+              </a:solidFill>
+              <a:latin typeface="+mj-ea"/>
+              <a:ea typeface="+mj-ea"/>
+            </a:endParaRPr>
+          </a:p>
+          <a:p>
+            <a:pPr>
+              <a:lnSpc>
+                <a:spcPct val="150000"/>
+              </a:lnSpc>
+            </a:pPr>
+            <a:r>
+              <a:rPr lang="zh-TW" altLang="en-US" sz="3600" dirty="0">
+                <a:solidFill>
+                  <a:schemeClr val="bg1"/>
+                </a:solidFill>
+                <a:latin typeface="+mj-ea"/>
+                <a:ea typeface="+mj-ea"/>
+              </a:rPr>
+              <a:t>結果 </a:t>
+            </a:r>
+            <a:r>
+              <a:rPr lang="en-US" altLang="zh-TW" sz="3600" dirty="0">
+                <a:solidFill>
+                  <a:schemeClr val="bg1"/>
+                </a:solidFill>
+                <a:latin typeface="+mj-ea"/>
+                <a:ea typeface="+mj-ea"/>
+              </a:rPr>
+              <a:t>=&gt;</a:t>
+            </a:r>
+            <a:r>
+              <a:rPr lang="zh-TW" altLang="en-US" sz="3600" dirty="0">
+                <a:solidFill>
+                  <a:schemeClr val="bg1"/>
+                </a:solidFill>
+                <a:latin typeface="+mj-ea"/>
+                <a:ea typeface="+mj-ea"/>
+              </a:rPr>
+              <a:t> </a:t>
+            </a:r>
+            <a:r>
+              <a:rPr lang="en-US" altLang="zh-TW" sz="3600" dirty="0">
+                <a:solidFill>
+                  <a:schemeClr val="accent4"/>
+                </a:solidFill>
+                <a:latin typeface="+mj-ea"/>
+                <a:ea typeface="+mj-ea"/>
+              </a:rPr>
+              <a:t>TRUE</a:t>
+            </a:r>
+            <a:endParaRPr lang="zh-TW" altLang="en-US" sz="3600" dirty="0">
+              <a:solidFill>
+                <a:schemeClr val="accent4"/>
+              </a:solidFill>
+              <a:latin typeface="+mj-ea"/>
+              <a:ea typeface="+mj-ea"/>
+            </a:endParaRPr>
+          </a:p>
+        </p:txBody>
+      </p:sp>
+      <p:sp>
+        <p:nvSpPr>
+          <p:cNvPr id="5" name="文字方塊 4">
+            <a:extLst>
+              <a:ext uri="{FF2B5EF4-FFF2-40B4-BE49-F238E27FC236}">
+                <a16:creationId xmlns:a16="http://schemas.microsoft.com/office/drawing/2014/main" id="{90A956EC-0EB0-46CD-86A0-32162C302D91}"/>
+              </a:ext>
+            </a:extLst>
+          </p:cNvPr>
+          <p:cNvSpPr txBox="1"/>
+          <p:nvPr/>
+        </p:nvSpPr>
+        <p:spPr>
+          <a:xfrm>
+            <a:off x="6379928" y="1883005"/>
+            <a:ext cx="4726485" cy="3314562"/>
+          </a:xfrm>
+          <a:prstGeom prst="rect">
+            <a:avLst/>
+          </a:prstGeom>
+          <a:noFill/>
+        </p:spPr>
+        <p:txBody>
+          <a:bodyPr wrap="square" rtlCol="0">
+            <a:spAutoFit/>
+          </a:bodyPr>
+          <a:lstStyle/>
+          <a:p>
+            <a:pPr>
+              <a:lnSpc>
+                <a:spcPct val="150000"/>
+              </a:lnSpc>
+            </a:pPr>
+            <a:r>
+              <a:rPr lang="en-US" altLang="zh-TW" sz="3600" dirty="0">
+                <a:solidFill>
+                  <a:srgbClr val="00B0F0"/>
+                </a:solidFill>
+                <a:latin typeface="+mj-ea"/>
+                <a:ea typeface="+mj-ea"/>
+              </a:rPr>
+              <a:t>A</a:t>
+            </a:r>
+            <a:r>
+              <a:rPr lang="en-US" altLang="zh-TW" sz="3600" dirty="0">
+                <a:solidFill>
+                  <a:schemeClr val="bg1"/>
+                </a:solidFill>
+                <a:latin typeface="+mj-ea"/>
+                <a:ea typeface="+mj-ea"/>
+              </a:rPr>
+              <a:t> = [</a:t>
+            </a:r>
+            <a:r>
+              <a:rPr lang="zh-TW" altLang="en-US" sz="3600" dirty="0">
+                <a:solidFill>
+                  <a:schemeClr val="bg1"/>
+                </a:solidFill>
+                <a:latin typeface="+mj-ea"/>
+                <a:ea typeface="+mj-ea"/>
+              </a:rPr>
+              <a:t> </a:t>
+            </a:r>
+            <a:r>
+              <a:rPr lang="en-US" altLang="zh-TW" sz="3600" dirty="0">
+                <a:solidFill>
+                  <a:schemeClr val="bg1"/>
+                </a:solidFill>
+                <a:latin typeface="+mj-ea"/>
+                <a:ea typeface="+mj-ea"/>
+              </a:rPr>
+              <a:t>1,</a:t>
+            </a:r>
+            <a:r>
+              <a:rPr lang="zh-TW" altLang="en-US" sz="3600" dirty="0">
+                <a:solidFill>
+                  <a:schemeClr val="bg1"/>
+                </a:solidFill>
+                <a:latin typeface="+mj-ea"/>
+                <a:ea typeface="+mj-ea"/>
+              </a:rPr>
+              <a:t> </a:t>
+            </a:r>
+            <a:r>
+              <a:rPr lang="en-US" altLang="zh-TW" sz="3600" dirty="0">
+                <a:solidFill>
+                  <a:schemeClr val="bg1"/>
+                </a:solidFill>
+                <a:latin typeface="+mj-ea"/>
+                <a:ea typeface="+mj-ea"/>
+              </a:rPr>
+              <a:t>2</a:t>
+            </a:r>
+            <a:r>
+              <a:rPr lang="zh-TW" altLang="en-US" sz="3600" dirty="0">
+                <a:solidFill>
+                  <a:schemeClr val="bg1"/>
+                </a:solidFill>
+                <a:latin typeface="+mj-ea"/>
+                <a:ea typeface="+mj-ea"/>
+              </a:rPr>
+              <a:t> </a:t>
+            </a:r>
+            <a:r>
+              <a:rPr lang="en-US" altLang="zh-TW" sz="3600" dirty="0">
+                <a:solidFill>
+                  <a:schemeClr val="bg1"/>
+                </a:solidFill>
+                <a:latin typeface="+mj-ea"/>
+                <a:ea typeface="+mj-ea"/>
+              </a:rPr>
+              <a:t>]  </a:t>
+            </a:r>
+          </a:p>
+          <a:p>
+            <a:pPr>
+              <a:lnSpc>
+                <a:spcPct val="150000"/>
+              </a:lnSpc>
+            </a:pPr>
+            <a:r>
+              <a:rPr lang="en-US" altLang="zh-TW" sz="3600" dirty="0">
+                <a:solidFill>
+                  <a:srgbClr val="00B0F0"/>
+                </a:solidFill>
+                <a:latin typeface="+mj-ea"/>
+                <a:ea typeface="+mj-ea"/>
+              </a:rPr>
+              <a:t>B</a:t>
+            </a:r>
+            <a:r>
+              <a:rPr lang="en-US" altLang="zh-TW" sz="3600" dirty="0">
+                <a:solidFill>
+                  <a:schemeClr val="bg1"/>
+                </a:solidFill>
+                <a:latin typeface="+mj-ea"/>
+                <a:ea typeface="+mj-ea"/>
+              </a:rPr>
+              <a:t> = [...</a:t>
+            </a:r>
+            <a:r>
+              <a:rPr lang="en-US" altLang="zh-TW" sz="3600" dirty="0">
+                <a:solidFill>
+                  <a:srgbClr val="00B0F0"/>
+                </a:solidFill>
+                <a:latin typeface="+mj-ea"/>
+                <a:ea typeface="+mj-ea"/>
+              </a:rPr>
+              <a:t>A</a:t>
+            </a:r>
+            <a:r>
+              <a:rPr lang="en-US" altLang="zh-TW" sz="3600" dirty="0">
+                <a:solidFill>
+                  <a:schemeClr val="bg1">
+                    <a:lumMod val="95000"/>
+                  </a:schemeClr>
+                </a:solidFill>
+                <a:latin typeface="+mj-ea"/>
+                <a:ea typeface="+mj-ea"/>
+              </a:rPr>
+              <a:t>] </a:t>
+            </a:r>
+          </a:p>
+          <a:p>
+            <a:pPr>
+              <a:lnSpc>
+                <a:spcPct val="150000"/>
+              </a:lnSpc>
+            </a:pPr>
+            <a:r>
+              <a:rPr lang="en-US" altLang="zh-TW" sz="3600" dirty="0">
+                <a:solidFill>
+                  <a:srgbClr val="00B0F0"/>
+                </a:solidFill>
+                <a:latin typeface="+mj-ea"/>
+                <a:ea typeface="+mj-ea"/>
+              </a:rPr>
+              <a:t>B</a:t>
+            </a:r>
+            <a:r>
+              <a:rPr lang="en-US" altLang="zh-TW" sz="3600" dirty="0">
+                <a:solidFill>
+                  <a:schemeClr val="bg1"/>
+                </a:solidFill>
+                <a:latin typeface="+mj-ea"/>
+                <a:ea typeface="+mj-ea"/>
+              </a:rPr>
+              <a:t> === </a:t>
+            </a:r>
+            <a:r>
+              <a:rPr lang="en-US" altLang="zh-TW" sz="3600" dirty="0">
+                <a:solidFill>
+                  <a:srgbClr val="00B0F0"/>
+                </a:solidFill>
+                <a:latin typeface="+mj-ea"/>
+                <a:ea typeface="+mj-ea"/>
+              </a:rPr>
+              <a:t>A</a:t>
+            </a:r>
+            <a:r>
+              <a:rPr lang="zh-TW" altLang="en-US" sz="3600" dirty="0">
+                <a:solidFill>
+                  <a:schemeClr val="bg1"/>
+                </a:solidFill>
+                <a:latin typeface="+mj-ea"/>
+                <a:ea typeface="+mj-ea"/>
+              </a:rPr>
+              <a:t> </a:t>
+            </a:r>
+            <a:endParaRPr lang="en-US" altLang="zh-TW" sz="3600" dirty="0">
+              <a:solidFill>
+                <a:schemeClr val="bg1"/>
+              </a:solidFill>
+              <a:latin typeface="+mj-ea"/>
+              <a:ea typeface="+mj-ea"/>
+            </a:endParaRPr>
+          </a:p>
+          <a:p>
+            <a:pPr>
+              <a:lnSpc>
+                <a:spcPct val="150000"/>
+              </a:lnSpc>
+            </a:pPr>
+            <a:r>
+              <a:rPr lang="zh-TW" altLang="en-US" sz="3600" dirty="0">
+                <a:solidFill>
+                  <a:schemeClr val="bg1"/>
+                </a:solidFill>
+                <a:latin typeface="+mj-ea"/>
+                <a:ea typeface="+mj-ea"/>
+              </a:rPr>
+              <a:t>結果 </a:t>
+            </a:r>
+            <a:r>
+              <a:rPr lang="en-US" altLang="zh-TW" sz="3600" dirty="0">
+                <a:solidFill>
+                  <a:schemeClr val="bg1"/>
+                </a:solidFill>
+                <a:latin typeface="+mj-ea"/>
+                <a:ea typeface="+mj-ea"/>
+              </a:rPr>
+              <a:t>=&gt;</a:t>
+            </a:r>
+            <a:r>
+              <a:rPr lang="zh-TW" altLang="en-US" sz="3600" dirty="0">
+                <a:solidFill>
+                  <a:schemeClr val="bg1"/>
+                </a:solidFill>
+                <a:latin typeface="+mj-ea"/>
+                <a:ea typeface="+mj-ea"/>
+              </a:rPr>
+              <a:t> </a:t>
+            </a:r>
+            <a:r>
+              <a:rPr lang="en-US" altLang="zh-TW" sz="3600" dirty="0">
+                <a:solidFill>
+                  <a:schemeClr val="accent4"/>
+                </a:solidFill>
+                <a:latin typeface="+mj-ea"/>
+                <a:ea typeface="+mj-ea"/>
+              </a:rPr>
+              <a:t>FALSE</a:t>
+            </a:r>
+            <a:endParaRPr lang="zh-TW" altLang="en-US" sz="3600" dirty="0">
+              <a:solidFill>
+                <a:schemeClr val="accent4"/>
+              </a:solidFill>
+              <a:latin typeface="+mj-ea"/>
+              <a:ea typeface="+mj-ea"/>
+            </a:endParaRPr>
           </a:p>
         </p:txBody>
       </p:sp>
     </p:spTree>
     <p:extLst>
       <p:ext uri="{BB962C8B-B14F-4D97-AF65-F5344CB8AC3E}">
-        <p14:creationId xmlns:p14="http://schemas.microsoft.com/office/powerpoint/2010/main" val="451022586"/>
+        <p14:creationId xmlns:p14="http://schemas.microsoft.com/office/powerpoint/2010/main" val="336994548"/>
       </p:ext>
     </p:extLst>
   </p:cSld>
@@ -21185,6 +22168,889 @@
       </p:transition>
     </mc:Fallback>
   </mc:AlternateContent>
+  <p:timing>
+    <p:tnLst>
+      <p:par>
+        <p:cTn id="1" dur="indefinite" restart="never" nodeType="tmRoot"/>
+      </p:par>
+    </p:tnLst>
+  </p:timing>
+</p:sld>
+</file>
+
+<file path=ppt/slides/slide46.xml><?xml version="1.0" encoding="utf-8"?>
+<p:sld xmlns:a="http://schemas.openxmlformats.org/drawingml/2006/main" xmlns:r="http://schemas.openxmlformats.org/officeDocument/2006/relationships" xmlns:p="http://schemas.openxmlformats.org/presentationml/2006/main">
+  <p:cSld>
+    <p:spTree>
+      <p:nvGrpSpPr>
+        <p:cNvPr id="1" name=""/>
+        <p:cNvGrpSpPr/>
+        <p:nvPr/>
+      </p:nvGrpSpPr>
+      <p:grpSpPr>
+        <a:xfrm>
+          <a:off x="0" y="0"/>
+          <a:ext cx="0" cy="0"/>
+          <a:chOff x="0" y="0"/>
+          <a:chExt cx="0" cy="0"/>
+        </a:xfrm>
+      </p:grpSpPr>
+      <p:sp>
+        <p:nvSpPr>
+          <p:cNvPr id="2" name="標題 1">
+            <a:extLst>
+              <a:ext uri="{FF2B5EF4-FFF2-40B4-BE49-F238E27FC236}">
+                <a16:creationId xmlns:a16="http://schemas.microsoft.com/office/drawing/2014/main" id="{83164752-3A65-4204-9A83-8650849498E7}"/>
+              </a:ext>
+            </a:extLst>
+          </p:cNvPr>
+          <p:cNvSpPr>
+            <a:spLocks noGrp="1"/>
+          </p:cNvSpPr>
+          <p:nvPr>
+            <p:ph type="title"/>
+          </p:nvPr>
+        </p:nvSpPr>
+        <p:spPr/>
+        <p:txBody>
+          <a:bodyPr/>
+          <a:lstStyle/>
+          <a:p>
+            <a:pPr algn="ctr"/>
+            <a:r>
+              <a:rPr lang="zh-TW" altLang="en-US" dirty="0"/>
+              <a:t>客製化</a:t>
+            </a:r>
+          </a:p>
+        </p:txBody>
+      </p:sp>
+      <p:sp>
+        <p:nvSpPr>
+          <p:cNvPr id="3" name="內容版面配置區 2">
+            <a:extLst>
+              <a:ext uri="{FF2B5EF4-FFF2-40B4-BE49-F238E27FC236}">
+                <a16:creationId xmlns:a16="http://schemas.microsoft.com/office/drawing/2014/main" id="{DACE0065-D140-4311-A409-16CECB6AC074}"/>
+              </a:ext>
+            </a:extLst>
+          </p:cNvPr>
+          <p:cNvSpPr>
+            <a:spLocks noGrp="1"/>
+          </p:cNvSpPr>
+          <p:nvPr>
+            <p:ph idx="1"/>
+          </p:nvPr>
+        </p:nvSpPr>
+        <p:spPr/>
+        <p:txBody>
+          <a:bodyPr/>
+          <a:lstStyle/>
+          <a:p>
+            <a:pPr marL="0" indent="0">
+              <a:buNone/>
+            </a:pPr>
+            <a:r>
+              <a:rPr lang="zh-TW" altLang="en-US" sz="3600" dirty="0">
+                <a:solidFill>
+                  <a:schemeClr val="bg1"/>
+                </a:solidFill>
+                <a:latin typeface="+mj-ea"/>
+              </a:rPr>
+              <a:t>創造自己的</a:t>
+            </a:r>
+            <a:r>
+              <a:rPr lang="en-US" altLang="zh-TW" sz="3600" dirty="0">
+                <a:solidFill>
+                  <a:schemeClr val="bg1"/>
+                </a:solidFill>
+                <a:latin typeface="+mj-ea"/>
+              </a:rPr>
+              <a:t>React Hooks</a:t>
+            </a:r>
+          </a:p>
+          <a:p>
+            <a:pPr marL="0" indent="0">
+              <a:buNone/>
+            </a:pPr>
+            <a:endParaRPr lang="en-US" altLang="zh-TW" sz="3200" dirty="0">
+              <a:solidFill>
+                <a:schemeClr val="bg1"/>
+              </a:solidFill>
+              <a:latin typeface="+mj-ea"/>
+            </a:endParaRPr>
+          </a:p>
+          <a:p>
+            <a:pPr marL="0" indent="0">
+              <a:lnSpc>
+                <a:spcPct val="150000"/>
+              </a:lnSpc>
+              <a:buNone/>
+            </a:pPr>
+            <a:r>
+              <a:rPr lang="zh-TW" altLang="en-US" sz="3200" dirty="0">
+                <a:solidFill>
+                  <a:schemeClr val="bg1">
+                    <a:lumMod val="85000"/>
+                  </a:schemeClr>
+                </a:solidFill>
+                <a:latin typeface="+mj-ea"/>
+              </a:rPr>
+              <a:t>利用其他</a:t>
+            </a:r>
+            <a:r>
+              <a:rPr lang="en-US" altLang="zh-TW" sz="3200" dirty="0">
+                <a:solidFill>
+                  <a:schemeClr val="bg1">
+                    <a:lumMod val="85000"/>
+                  </a:schemeClr>
+                </a:solidFill>
+                <a:latin typeface="+mj-ea"/>
+              </a:rPr>
+              <a:t>hook</a:t>
+            </a:r>
+            <a:r>
+              <a:rPr lang="zh-TW" altLang="en-US" sz="3200" dirty="0">
+                <a:solidFill>
+                  <a:schemeClr val="bg1">
+                    <a:lumMod val="85000"/>
+                  </a:schemeClr>
+                </a:solidFill>
+                <a:latin typeface="+mj-ea"/>
+              </a:rPr>
+              <a:t>互相搭配</a:t>
+            </a:r>
+            <a:endParaRPr lang="en-US" altLang="zh-TW" sz="3200" dirty="0">
+              <a:solidFill>
+                <a:schemeClr val="bg1">
+                  <a:lumMod val="85000"/>
+                </a:schemeClr>
+              </a:solidFill>
+              <a:latin typeface="+mj-ea"/>
+            </a:endParaRPr>
+          </a:p>
+          <a:p>
+            <a:pPr marL="0" indent="0">
+              <a:lnSpc>
+                <a:spcPct val="150000"/>
+              </a:lnSpc>
+              <a:buNone/>
+            </a:pPr>
+            <a:r>
+              <a:rPr lang="zh-TW" altLang="en-US" sz="3200" dirty="0">
+                <a:solidFill>
+                  <a:schemeClr val="bg1">
+                    <a:lumMod val="85000"/>
+                  </a:schemeClr>
+                </a:solidFill>
+                <a:latin typeface="+mj-ea"/>
+              </a:rPr>
+              <a:t>把</a:t>
+            </a:r>
+            <a:r>
+              <a:rPr lang="en-US" altLang="zh-TW" sz="3200" dirty="0">
+                <a:solidFill>
+                  <a:schemeClr val="bg1">
+                    <a:lumMod val="85000"/>
+                  </a:schemeClr>
+                </a:solidFill>
+                <a:latin typeface="+mj-ea"/>
+              </a:rPr>
+              <a:t>React</a:t>
+            </a:r>
+            <a:r>
+              <a:rPr lang="zh-TW" altLang="en-US" sz="3200" dirty="0">
+                <a:solidFill>
+                  <a:schemeClr val="bg1">
+                    <a:lumMod val="85000"/>
+                  </a:schemeClr>
+                </a:solidFill>
+                <a:latin typeface="+mj-ea"/>
+              </a:rPr>
+              <a:t>的特性模組化</a:t>
+            </a:r>
+            <a:endParaRPr lang="en-US" altLang="zh-TW" sz="3200" dirty="0">
+              <a:solidFill>
+                <a:schemeClr val="bg1">
+                  <a:lumMod val="85000"/>
+                </a:schemeClr>
+              </a:solidFill>
+              <a:latin typeface="+mj-ea"/>
+            </a:endParaRPr>
+          </a:p>
+          <a:p>
+            <a:pPr marL="0" indent="0">
+              <a:lnSpc>
+                <a:spcPct val="150000"/>
+              </a:lnSpc>
+              <a:buNone/>
+            </a:pPr>
+            <a:r>
+              <a:rPr lang="zh-TW" altLang="en-US" sz="3200" dirty="0">
+                <a:solidFill>
+                  <a:schemeClr val="bg1">
+                    <a:lumMod val="85000"/>
+                  </a:schemeClr>
+                </a:solidFill>
+                <a:latin typeface="+mj-ea"/>
+              </a:rPr>
+              <a:t>創造出獨一無二</a:t>
+            </a:r>
+            <a:r>
+              <a:rPr lang="en-US" altLang="zh-TW" sz="3200" dirty="0">
+                <a:solidFill>
+                  <a:schemeClr val="bg1">
+                    <a:lumMod val="85000"/>
+                  </a:schemeClr>
+                </a:solidFill>
+                <a:latin typeface="+mj-ea"/>
+              </a:rPr>
+              <a:t>Hooks</a:t>
+            </a:r>
+          </a:p>
+          <a:p>
+            <a:pPr marL="0" indent="0" algn="ctr">
+              <a:buNone/>
+            </a:pPr>
+            <a:endParaRPr lang="en-US" altLang="zh-TW" dirty="0">
+              <a:solidFill>
+                <a:schemeClr val="bg1"/>
+              </a:solidFill>
+              <a:latin typeface="+mj-ea"/>
+            </a:endParaRPr>
+          </a:p>
+        </p:txBody>
+      </p:sp>
+    </p:spTree>
+    <p:extLst>
+      <p:ext uri="{BB962C8B-B14F-4D97-AF65-F5344CB8AC3E}">
+        <p14:creationId xmlns:p14="http://schemas.microsoft.com/office/powerpoint/2010/main" val="2896364993"/>
+      </p:ext>
+    </p:extLst>
+  </p:cSld>
+  <p:clrMapOvr>
+    <a:masterClrMapping/>
+  </p:clrMapOvr>
+  <mc:AlternateContent xmlns:mc="http://schemas.openxmlformats.org/markup-compatibility/2006" xmlns:p14="http://schemas.microsoft.com/office/powerpoint/2010/main">
+    <mc:Choice Requires="p14">
+      <p:transition p14:dur="160">
+        <p:fade/>
+      </p:transition>
+    </mc:Choice>
+    <mc:Fallback xmlns="">
+      <p:transition>
+        <p:fade/>
+      </p:transition>
+    </mc:Fallback>
+  </mc:AlternateContent>
+  <p:timing>
+    <p:tnLst>
+      <p:par>
+        <p:cTn id="1" dur="indefinite" restart="never" nodeType="tmRoot"/>
+      </p:par>
+    </p:tnLst>
+  </p:timing>
+</p:sld>
+</file>
+
+<file path=ppt/slides/slide47.xml><?xml version="1.0" encoding="utf-8"?>
+<p:sld xmlns:a="http://schemas.openxmlformats.org/drawingml/2006/main" xmlns:r="http://schemas.openxmlformats.org/officeDocument/2006/relationships" xmlns:p="http://schemas.openxmlformats.org/presentationml/2006/main">
+  <p:cSld>
+    <p:spTree>
+      <p:nvGrpSpPr>
+        <p:cNvPr id="1" name=""/>
+        <p:cNvGrpSpPr/>
+        <p:nvPr/>
+      </p:nvGrpSpPr>
+      <p:grpSpPr>
+        <a:xfrm>
+          <a:off x="0" y="0"/>
+          <a:ext cx="0" cy="0"/>
+          <a:chOff x="0" y="0"/>
+          <a:chExt cx="0" cy="0"/>
+        </a:xfrm>
+      </p:grpSpPr>
+      <p:sp>
+        <p:nvSpPr>
+          <p:cNvPr id="2" name="投影片編號版面配置區 1"/>
+          <p:cNvSpPr>
+            <a:spLocks noGrp="1"/>
+          </p:cNvSpPr>
+          <p:nvPr>
+            <p:ph type="sldNum" sz="quarter" idx="12"/>
+          </p:nvPr>
+        </p:nvSpPr>
+        <p:spPr/>
+        <p:txBody>
+          <a:bodyPr/>
+          <a:lstStyle/>
+          <a:p>
+            <a:fld id="{4FAB73BC-B049-4115-A692-8D63A059BFB8}" type="slidenum">
+              <a:rPr lang="en-US" smtClean="0"/>
+              <a:pPr/>
+              <a:t>47</a:t>
+            </a:fld>
+            <a:endParaRPr lang="en-US" dirty="0"/>
+          </a:p>
+        </p:txBody>
+      </p:sp>
+      <p:sp>
+        <p:nvSpPr>
+          <p:cNvPr id="3" name="文字版面配置區 2"/>
+          <p:cNvSpPr>
+            <a:spLocks noGrp="1"/>
+          </p:cNvSpPr>
+          <p:nvPr>
+            <p:ph type="body" sz="quarter" idx="13"/>
+          </p:nvPr>
+        </p:nvSpPr>
+        <p:spPr/>
+        <p:txBody>
+          <a:bodyPr/>
+          <a:lstStyle/>
+          <a:p>
+            <a:r>
+              <a:rPr lang="zh-TW" altLang="en-US" dirty="0"/>
+              <a:t>官方規則</a:t>
+            </a:r>
+          </a:p>
+        </p:txBody>
+      </p:sp>
+      <p:sp>
+        <p:nvSpPr>
+          <p:cNvPr id="4" name="文字方塊 3">
+            <a:extLst>
+              <a:ext uri="{FF2B5EF4-FFF2-40B4-BE49-F238E27FC236}">
+                <a16:creationId xmlns:a16="http://schemas.microsoft.com/office/drawing/2014/main" id="{81D6559F-2673-4281-9A92-D0718387897D}"/>
+              </a:ext>
+            </a:extLst>
+          </p:cNvPr>
+          <p:cNvSpPr txBox="1"/>
+          <p:nvPr/>
+        </p:nvSpPr>
+        <p:spPr>
+          <a:xfrm>
+            <a:off x="1082842" y="3144960"/>
+            <a:ext cx="3725700" cy="584775"/>
+          </a:xfrm>
+          <a:prstGeom prst="rect">
+            <a:avLst/>
+          </a:prstGeom>
+          <a:noFill/>
+        </p:spPr>
+        <p:txBody>
+          <a:bodyPr wrap="none" rtlCol="0">
+            <a:spAutoFit/>
+          </a:bodyPr>
+          <a:lstStyle/>
+          <a:p>
+            <a:r>
+              <a:rPr lang="zh-TW" altLang="en-US" sz="3200" dirty="0">
+                <a:solidFill>
+                  <a:schemeClr val="bg1"/>
+                </a:solidFill>
+                <a:latin typeface="+mj-ea"/>
+                <a:ea typeface="+mj-ea"/>
+              </a:rPr>
+              <a:t>請以</a:t>
+            </a:r>
+            <a:r>
+              <a:rPr lang="en-US" altLang="zh-TW" sz="3200" dirty="0">
+                <a:solidFill>
+                  <a:schemeClr val="bg1"/>
+                </a:solidFill>
+                <a:latin typeface="+mj-ea"/>
+                <a:ea typeface="+mj-ea"/>
+              </a:rPr>
+              <a:t>use</a:t>
+            </a:r>
+            <a:r>
+              <a:rPr lang="zh-TW" altLang="en-US" sz="3200" dirty="0">
+                <a:solidFill>
+                  <a:schemeClr val="bg1"/>
+                </a:solidFill>
+                <a:latin typeface="+mj-ea"/>
+                <a:ea typeface="+mj-ea"/>
+              </a:rPr>
+              <a:t>開頭的函式</a:t>
+            </a:r>
+          </a:p>
+        </p:txBody>
+      </p:sp>
+      <p:sp>
+        <p:nvSpPr>
+          <p:cNvPr id="5" name="文字方塊 4">
+            <a:extLst>
+              <a:ext uri="{FF2B5EF4-FFF2-40B4-BE49-F238E27FC236}">
+                <a16:creationId xmlns:a16="http://schemas.microsoft.com/office/drawing/2014/main" id="{FF42F2B2-1648-4F2B-9BB7-14AB97175B58}"/>
+              </a:ext>
+            </a:extLst>
+          </p:cNvPr>
+          <p:cNvSpPr txBox="1"/>
+          <p:nvPr/>
+        </p:nvSpPr>
+        <p:spPr>
+          <a:xfrm>
+            <a:off x="7022976" y="3144960"/>
+            <a:ext cx="3403881" cy="584775"/>
+          </a:xfrm>
+          <a:prstGeom prst="rect">
+            <a:avLst/>
+          </a:prstGeom>
+          <a:noFill/>
+        </p:spPr>
+        <p:txBody>
+          <a:bodyPr wrap="none" rtlCol="0">
+            <a:spAutoFit/>
+          </a:bodyPr>
+          <a:lstStyle/>
+          <a:p>
+            <a:r>
+              <a:rPr lang="zh-TW" altLang="en-US" sz="3200" dirty="0">
+                <a:solidFill>
+                  <a:schemeClr val="bg1"/>
+                </a:solidFill>
+                <a:latin typeface="+mj-ea"/>
+                <a:ea typeface="+mj-ea"/>
+              </a:rPr>
+              <a:t>使用</a:t>
+            </a:r>
+            <a:r>
+              <a:rPr lang="en-US" altLang="zh-TW" sz="3200" dirty="0">
+                <a:solidFill>
+                  <a:schemeClr val="bg1"/>
+                </a:solidFill>
+                <a:latin typeface="+mj-ea"/>
+                <a:ea typeface="+mj-ea"/>
+              </a:rPr>
+              <a:t>React Hooks</a:t>
+            </a:r>
+            <a:endParaRPr lang="zh-TW" altLang="en-US" sz="4800" dirty="0">
+              <a:solidFill>
+                <a:schemeClr val="bg1"/>
+              </a:solidFill>
+              <a:latin typeface="+mj-ea"/>
+              <a:ea typeface="+mj-ea"/>
+            </a:endParaRPr>
+          </a:p>
+        </p:txBody>
+      </p:sp>
+    </p:spTree>
+    <p:extLst>
+      <p:ext uri="{BB962C8B-B14F-4D97-AF65-F5344CB8AC3E}">
+        <p14:creationId xmlns:p14="http://schemas.microsoft.com/office/powerpoint/2010/main" val="1678944357"/>
+      </p:ext>
+    </p:extLst>
+  </p:cSld>
+  <p:clrMapOvr>
+    <a:masterClrMapping/>
+  </p:clrMapOvr>
+  <mc:AlternateContent xmlns:mc="http://schemas.openxmlformats.org/markup-compatibility/2006" xmlns:p14="http://schemas.microsoft.com/office/powerpoint/2010/main">
+    <mc:Choice Requires="p14">
+      <p:transition p14:dur="160">
+        <p:fade/>
+      </p:transition>
+    </mc:Choice>
+    <mc:Fallback xmlns="">
+      <p:transition>
+        <p:fade/>
+      </p:transition>
+    </mc:Fallback>
+  </mc:AlternateContent>
+</p:sld>
+</file>
+
+<file path=ppt/slides/slide48.xml><?xml version="1.0" encoding="utf-8"?>
+<p:sld xmlns:a="http://schemas.openxmlformats.org/drawingml/2006/main" xmlns:r="http://schemas.openxmlformats.org/officeDocument/2006/relationships" xmlns:p="http://schemas.openxmlformats.org/presentationml/2006/main">
+  <p:cSld>
+    <p:spTree>
+      <p:nvGrpSpPr>
+        <p:cNvPr id="1" name=""/>
+        <p:cNvGrpSpPr/>
+        <p:nvPr/>
+      </p:nvGrpSpPr>
+      <p:grpSpPr>
+        <a:xfrm>
+          <a:off x="0" y="0"/>
+          <a:ext cx="0" cy="0"/>
+          <a:chOff x="0" y="0"/>
+          <a:chExt cx="0" cy="0"/>
+        </a:xfrm>
+      </p:grpSpPr>
+      <p:sp>
+        <p:nvSpPr>
+          <p:cNvPr id="2" name="標題 1">
+            <a:extLst>
+              <a:ext uri="{FF2B5EF4-FFF2-40B4-BE49-F238E27FC236}">
+                <a16:creationId xmlns:a16="http://schemas.microsoft.com/office/drawing/2014/main" id="{E42A39BE-EAF1-410A-9A92-A66FBA2BF9F7}"/>
+              </a:ext>
+            </a:extLst>
+          </p:cNvPr>
+          <p:cNvSpPr>
+            <a:spLocks noGrp="1"/>
+          </p:cNvSpPr>
+          <p:nvPr>
+            <p:ph type="title"/>
+          </p:nvPr>
+        </p:nvSpPr>
+        <p:spPr/>
+        <p:txBody>
+          <a:bodyPr/>
+          <a:lstStyle/>
+          <a:p>
+            <a:pPr algn="ctr"/>
+            <a:r>
+              <a:rPr lang="zh-TW" altLang="en-US" dirty="0"/>
+              <a:t>參考資料</a:t>
+            </a:r>
+          </a:p>
+        </p:txBody>
+      </p:sp>
+      <p:sp>
+        <p:nvSpPr>
+          <p:cNvPr id="3" name="內容版面配置區 2">
+            <a:extLst>
+              <a:ext uri="{FF2B5EF4-FFF2-40B4-BE49-F238E27FC236}">
+                <a16:creationId xmlns:a16="http://schemas.microsoft.com/office/drawing/2014/main" id="{5D30DF41-AC01-4C62-A621-CB4016203A22}"/>
+              </a:ext>
+            </a:extLst>
+          </p:cNvPr>
+          <p:cNvSpPr>
+            <a:spLocks noGrp="1"/>
+          </p:cNvSpPr>
+          <p:nvPr>
+            <p:ph idx="1"/>
+          </p:nvPr>
+        </p:nvSpPr>
+        <p:spPr/>
+        <p:txBody>
+          <a:bodyPr>
+            <a:normAutofit/>
+          </a:bodyPr>
+          <a:lstStyle/>
+          <a:p>
+            <a:pPr>
+              <a:lnSpc>
+                <a:spcPct val="150000"/>
+              </a:lnSpc>
+            </a:pPr>
+            <a:r>
+              <a:rPr lang="en-US" altLang="zh-TW" sz="3600" dirty="0">
+                <a:solidFill>
+                  <a:schemeClr val="bg1"/>
+                </a:solidFill>
+                <a:latin typeface="+mj-ea"/>
+                <a:ea typeface="+mj-ea"/>
+                <a:hlinkClick r:id="rId3"/>
+              </a:rPr>
+              <a:t>React </a:t>
+            </a:r>
+            <a:r>
+              <a:rPr lang="zh-TW" altLang="en-US" sz="3600" dirty="0">
+                <a:solidFill>
+                  <a:schemeClr val="bg1"/>
+                </a:solidFill>
+                <a:latin typeface="+mj-ea"/>
+                <a:ea typeface="+mj-ea"/>
+                <a:hlinkClick r:id="rId3"/>
+              </a:rPr>
+              <a:t>官網</a:t>
+            </a:r>
+            <a:endParaRPr lang="en-US" altLang="zh-TW" sz="3600" dirty="0">
+              <a:solidFill>
+                <a:schemeClr val="bg1"/>
+              </a:solidFill>
+              <a:latin typeface="+mj-ea"/>
+              <a:ea typeface="+mj-ea"/>
+            </a:endParaRPr>
+          </a:p>
+          <a:p>
+            <a:pPr>
+              <a:lnSpc>
+                <a:spcPct val="150000"/>
+              </a:lnSpc>
+            </a:pPr>
+            <a:r>
+              <a:rPr lang="en-US" altLang="zh-TW" sz="3600" dirty="0">
+                <a:solidFill>
+                  <a:schemeClr val="bg1"/>
+                </a:solidFill>
+                <a:latin typeface="+mj-ea"/>
+                <a:ea typeface="+mj-ea"/>
+                <a:hlinkClick r:id="rId4"/>
+              </a:rPr>
+              <a:t>stack overflow</a:t>
+            </a:r>
+            <a:endParaRPr lang="en-US" altLang="zh-TW" sz="3600" dirty="0">
+              <a:solidFill>
+                <a:schemeClr val="bg1"/>
+              </a:solidFill>
+              <a:latin typeface="+mj-ea"/>
+              <a:ea typeface="+mj-ea"/>
+            </a:endParaRPr>
+          </a:p>
+          <a:p>
+            <a:pPr>
+              <a:lnSpc>
+                <a:spcPct val="150000"/>
+              </a:lnSpc>
+            </a:pPr>
+            <a:r>
+              <a:rPr lang="en-US" altLang="zh-TW" sz="3600" dirty="0">
+                <a:solidFill>
+                  <a:schemeClr val="bg1"/>
+                </a:solidFill>
+                <a:latin typeface="+mj-ea"/>
+                <a:ea typeface="+mj-ea"/>
+                <a:hlinkClick r:id="rId5"/>
+              </a:rPr>
+              <a:t>Medium</a:t>
+            </a:r>
+            <a:endParaRPr lang="en-US" altLang="zh-TW" sz="3600" dirty="0">
+              <a:solidFill>
+                <a:schemeClr val="bg1"/>
+              </a:solidFill>
+              <a:latin typeface="+mj-ea"/>
+              <a:ea typeface="+mj-ea"/>
+            </a:endParaRPr>
+          </a:p>
+          <a:p>
+            <a:pPr>
+              <a:lnSpc>
+                <a:spcPct val="150000"/>
+              </a:lnSpc>
+            </a:pPr>
+            <a:r>
+              <a:rPr lang="en-US" altLang="zh-TW" sz="3600" dirty="0" err="1">
+                <a:solidFill>
+                  <a:schemeClr val="bg1"/>
+                </a:solidFill>
+                <a:latin typeface="+mj-ea"/>
+                <a:ea typeface="+mj-ea"/>
+                <a:hlinkClick r:id="rId6"/>
+              </a:rPr>
+              <a:t>jishuwen</a:t>
+            </a:r>
+            <a:endParaRPr lang="zh-TW" altLang="en-US" sz="3600" dirty="0">
+              <a:solidFill>
+                <a:schemeClr val="bg1"/>
+              </a:solidFill>
+              <a:latin typeface="+mj-ea"/>
+              <a:ea typeface="+mj-ea"/>
+            </a:endParaRPr>
+          </a:p>
+        </p:txBody>
+      </p:sp>
+    </p:spTree>
+    <p:extLst>
+      <p:ext uri="{BB962C8B-B14F-4D97-AF65-F5344CB8AC3E}">
+        <p14:creationId xmlns:p14="http://schemas.microsoft.com/office/powerpoint/2010/main" val="1527166285"/>
+      </p:ext>
+    </p:extLst>
+  </p:cSld>
+  <p:clrMapOvr>
+    <a:masterClrMapping/>
+  </p:clrMapOvr>
+  <mc:AlternateContent xmlns:mc="http://schemas.openxmlformats.org/markup-compatibility/2006" xmlns:p14="http://schemas.microsoft.com/office/powerpoint/2010/main">
+    <mc:Choice Requires="p14">
+      <p:transition p14:dur="160">
+        <p:fade/>
+      </p:transition>
+    </mc:Choice>
+    <mc:Fallback xmlns="">
+      <p:transition>
+        <p:fade/>
+      </p:transition>
+    </mc:Fallback>
+  </mc:AlternateContent>
+  <p:timing>
+    <p:tnLst>
+      <p:par>
+        <p:cTn id="1" dur="indefinite" restart="never" nodeType="tmRoot"/>
+      </p:par>
+    </p:tnLst>
+  </p:timing>
+</p:sld>
+</file>
+
+<file path=ppt/slides/slide49.xml><?xml version="1.0" encoding="utf-8"?>
+<p:sld xmlns:a="http://schemas.openxmlformats.org/drawingml/2006/main" xmlns:r="http://schemas.openxmlformats.org/officeDocument/2006/relationships" xmlns:p="http://schemas.openxmlformats.org/presentationml/2006/main">
+  <p:cSld>
+    <p:spTree>
+      <p:nvGrpSpPr>
+        <p:cNvPr id="1" name=""/>
+        <p:cNvGrpSpPr/>
+        <p:nvPr/>
+      </p:nvGrpSpPr>
+      <p:grpSpPr>
+        <a:xfrm>
+          <a:off x="0" y="0"/>
+          <a:ext cx="0" cy="0"/>
+          <a:chOff x="0" y="0"/>
+          <a:chExt cx="0" cy="0"/>
+        </a:xfrm>
+      </p:grpSpPr>
+      <p:sp>
+        <p:nvSpPr>
+          <p:cNvPr id="9" name="矩形 8"/>
+          <p:cNvSpPr/>
+          <p:nvPr/>
+        </p:nvSpPr>
+        <p:spPr>
+          <a:xfrm>
+            <a:off x="4688408" y="787400"/>
+            <a:ext cx="5778500" cy="4937620"/>
+          </a:xfrm>
+          <a:prstGeom prst="rect">
+            <a:avLst/>
+          </a:prstGeom>
+          <a:solidFill>
+            <a:schemeClr val="bg1"/>
+          </a:solidFill>
+        </p:spPr>
+        <p:style>
+          <a:lnRef idx="2">
+            <a:schemeClr val="accent1">
+              <a:shade val="50000"/>
+            </a:schemeClr>
+          </a:lnRef>
+          <a:fillRef idx="1">
+            <a:schemeClr val="accent1"/>
+          </a:fillRef>
+          <a:effectRef idx="0">
+            <a:schemeClr val="accent1"/>
+          </a:effectRef>
+          <a:fontRef idx="minor">
+            <a:schemeClr val="lt1"/>
+          </a:fontRef>
+        </p:style>
+        <p:txBody>
+          <a:bodyPr rtlCol="0" anchor="ctr"/>
+          <a:lstStyle/>
+          <a:p>
+            <a:pPr algn="ctr"/>
+            <a:endParaRPr lang="zh-TW" altLang="en-US"/>
+          </a:p>
+        </p:txBody>
+      </p:sp>
+      <p:sp>
+        <p:nvSpPr>
+          <p:cNvPr id="2" name="標題 1">
+            <a:extLst>
+              <a:ext uri="{FF2B5EF4-FFF2-40B4-BE49-F238E27FC236}">
+                <a16:creationId xmlns:a16="http://schemas.microsoft.com/office/drawing/2014/main" id="{E42A39BE-EAF1-410A-9A92-A66FBA2BF9F7}"/>
+              </a:ext>
+            </a:extLst>
+          </p:cNvPr>
+          <p:cNvSpPr>
+            <a:spLocks noGrp="1"/>
+          </p:cNvSpPr>
+          <p:nvPr>
+            <p:ph type="title"/>
+          </p:nvPr>
+        </p:nvSpPr>
+        <p:spPr/>
+        <p:txBody>
+          <a:bodyPr/>
+          <a:lstStyle/>
+          <a:p>
+            <a:pPr algn="ctr"/>
+            <a:r>
+              <a:rPr lang="zh-TW" altLang="en-US" dirty="0" smtClean="0"/>
+              <a:t>課後問卷</a:t>
+            </a:r>
+            <a:endParaRPr lang="zh-TW" altLang="en-US" dirty="0"/>
+          </a:p>
+        </p:txBody>
+      </p:sp>
+      <p:sp>
+        <p:nvSpPr>
+          <p:cNvPr id="6" name="矩形 5"/>
+          <p:cNvSpPr/>
+          <p:nvPr/>
+        </p:nvSpPr>
+        <p:spPr>
+          <a:xfrm>
+            <a:off x="4916320" y="5734063"/>
+            <a:ext cx="5322676" cy="461665"/>
+          </a:xfrm>
+          <a:prstGeom prst="rect">
+            <a:avLst/>
+          </a:prstGeom>
+        </p:spPr>
+        <p:txBody>
+          <a:bodyPr wrap="none">
+            <a:spAutoFit/>
+          </a:bodyPr>
+          <a:lstStyle/>
+          <a:p>
+            <a:r>
+              <a:rPr lang="en-US" altLang="zh-TW" sz="2400" dirty="0">
+                <a:latin typeface="Segoe UI" panose="020B0502040204020203" pitchFamily="34" charset="0"/>
+                <a:hlinkClick r:id="rId3" tooltip="https://www.surveycake.com/s/pqxkr"/>
+              </a:rPr>
+              <a:t>https://www.surveycake.com/s/pqXKR</a:t>
+            </a:r>
+            <a:endParaRPr lang="en-US" altLang="zh-TW" sz="2400" b="0" i="0" dirty="0">
+              <a:effectLst/>
+              <a:latin typeface="Segoe UI" panose="020B0502040204020203" pitchFamily="34" charset="0"/>
+            </a:endParaRPr>
+          </a:p>
+        </p:txBody>
+      </p:sp>
+      <p:pic>
+        <p:nvPicPr>
+          <p:cNvPr id="8" name="內容版面配置區 7"/>
+          <p:cNvPicPr>
+            <a:picLocks noGrp="1" noChangeAspect="1"/>
+          </p:cNvPicPr>
+          <p:nvPr>
+            <p:ph idx="1"/>
+          </p:nvPr>
+        </p:nvPicPr>
+        <p:blipFill>
+          <a:blip r:embed="rId4"/>
+          <a:stretch>
+            <a:fillRect/>
+          </a:stretch>
+        </p:blipFill>
+        <p:spPr>
+          <a:xfrm>
+            <a:off x="5348724" y="1027276"/>
+            <a:ext cx="4457868" cy="4457868"/>
+          </a:xfrm>
+          <a:prstGeom prst="rect">
+            <a:avLst/>
+          </a:prstGeom>
+        </p:spPr>
+      </p:pic>
+    </p:spTree>
+    <p:extLst>
+      <p:ext uri="{BB962C8B-B14F-4D97-AF65-F5344CB8AC3E}">
+        <p14:creationId xmlns:p14="http://schemas.microsoft.com/office/powerpoint/2010/main" val="1093359869"/>
+      </p:ext>
+    </p:extLst>
+  </p:cSld>
+  <p:clrMapOvr>
+    <a:masterClrMapping/>
+  </p:clrMapOvr>
+  <mc:AlternateContent xmlns:mc="http://schemas.openxmlformats.org/markup-compatibility/2006" xmlns:p14="http://schemas.microsoft.com/office/powerpoint/2010/main">
+    <mc:Choice Requires="p14">
+      <p:transition p14:dur="160">
+        <p:fade/>
+      </p:transition>
+    </mc:Choice>
+    <mc:Fallback xmlns="">
+      <p:transition>
+        <p:fade/>
+      </p:transition>
+    </mc:Fallback>
+  </mc:AlternateContent>
+  <p:timing>
+    <p:tnLst>
+      <p:par>
+        <p:cTn id="1" dur="indefinite" restart="never" nodeType="tmRoot"/>
+      </p:par>
+    </p:tnLst>
+  </p:timing>
 </p:sld>
 </file>
 
@@ -21465,6 +23331,124 @@
       </p:transition>
     </mc:Fallback>
   </mc:AlternateContent>
+</p:sld>
+</file>
+
+<file path=ppt/slides/slide50.xml><?xml version="1.0" encoding="utf-8"?>
+<p:sld xmlns:a="http://schemas.openxmlformats.org/drawingml/2006/main" xmlns:r="http://schemas.openxmlformats.org/officeDocument/2006/relationships" xmlns:p="http://schemas.openxmlformats.org/presentationml/2006/main">
+  <p:cSld>
+    <p:spTree>
+      <p:nvGrpSpPr>
+        <p:cNvPr id="1" name=""/>
+        <p:cNvGrpSpPr/>
+        <p:nvPr/>
+      </p:nvGrpSpPr>
+      <p:grpSpPr>
+        <a:xfrm>
+          <a:off x="0" y="0"/>
+          <a:ext cx="0" cy="0"/>
+          <a:chOff x="0" y="0"/>
+          <a:chExt cx="0" cy="0"/>
+        </a:xfrm>
+      </p:grpSpPr>
+      <p:sp>
+        <p:nvSpPr>
+          <p:cNvPr id="2" name="標題 1">
+            <a:extLst>
+              <a:ext uri="{FF2B5EF4-FFF2-40B4-BE49-F238E27FC236}">
+                <a16:creationId xmlns:a16="http://schemas.microsoft.com/office/drawing/2014/main" id="{BE945B9A-DCCE-4DF7-B93B-812BA9E0DCD9}"/>
+              </a:ext>
+            </a:extLst>
+          </p:cNvPr>
+          <p:cNvSpPr>
+            <a:spLocks noGrp="1"/>
+          </p:cNvSpPr>
+          <p:nvPr>
+            <p:ph type="ctrTitle"/>
+          </p:nvPr>
+        </p:nvSpPr>
+        <p:spPr/>
+        <p:txBody>
+          <a:bodyPr/>
+          <a:lstStyle/>
+          <a:p>
+            <a:pPr algn="ctr">
+              <a:lnSpc>
+                <a:spcPct val="150000"/>
+              </a:lnSpc>
+            </a:pPr>
+            <a:r>
+              <a:rPr lang="zh-TW" altLang="en-US" dirty="0"/>
+              <a:t>投影片結束</a:t>
+            </a:r>
+            <a:r>
+              <a:rPr lang="en-US" altLang="zh-TW" dirty="0"/>
+              <a:t/>
+            </a:r>
+            <a:br>
+              <a:rPr lang="en-US" altLang="zh-TW" dirty="0"/>
+            </a:br>
+            <a:r>
+              <a:rPr lang="zh-TW" altLang="en-US" dirty="0"/>
+              <a:t>謝謝</a:t>
+            </a:r>
+          </a:p>
+        </p:txBody>
+      </p:sp>
+      <p:sp>
+        <p:nvSpPr>
+          <p:cNvPr id="3" name="副標題 2">
+            <a:extLst>
+              <a:ext uri="{FF2B5EF4-FFF2-40B4-BE49-F238E27FC236}">
+                <a16:creationId xmlns:a16="http://schemas.microsoft.com/office/drawing/2014/main" id="{7B32ADD8-A1B4-437E-9B86-083C31BB7503}"/>
+              </a:ext>
+            </a:extLst>
+          </p:cNvPr>
+          <p:cNvSpPr>
+            <a:spLocks noGrp="1"/>
+          </p:cNvSpPr>
+          <p:nvPr>
+            <p:ph type="subTitle" idx="1"/>
+          </p:nvPr>
+        </p:nvSpPr>
+        <p:spPr/>
+        <p:txBody>
+          <a:bodyPr/>
+          <a:lstStyle/>
+          <a:p>
+            <a:endParaRPr lang="zh-TW" altLang="en-US" dirty="0"/>
+          </a:p>
+        </p:txBody>
+      </p:sp>
+    </p:spTree>
+    <p:extLst>
+      <p:ext uri="{BB962C8B-B14F-4D97-AF65-F5344CB8AC3E}">
+        <p14:creationId xmlns:p14="http://schemas.microsoft.com/office/powerpoint/2010/main" val="451022586"/>
+      </p:ext>
+    </p:extLst>
+  </p:cSld>
+  <p:clrMapOvr>
+    <a:masterClrMapping/>
+  </p:clrMapOvr>
+  <mc:AlternateContent xmlns:mc="http://schemas.openxmlformats.org/markup-compatibility/2006" xmlns:p14="http://schemas.microsoft.com/office/powerpoint/2010/main">
+    <mc:Choice Requires="p14">
+      <p:transition p14:dur="160">
+        <p:fade/>
+      </p:transition>
+    </mc:Choice>
+    <mc:Fallback xmlns="">
+      <p:transition>
+        <p:fade/>
+      </p:transition>
+    </mc:Fallback>
+  </mc:AlternateContent>
+  <p:timing>
+    <p:tnLst>
+      <p:par>
+        <p:cTn id="1" dur="indefinite" restart="never" nodeType="tmRoot"/>
+      </p:par>
+    </p:tnLst>
+  </p:timing>
 </p:sld>
 </file>
 

--- a/PPT/React Hooks &.pptx
+++ b/PPT/React Hooks &.pptx
@@ -5,10 +5,10 @@
     <p:sldMasterId id="2147483840" r:id="rId1"/>
   </p:sldMasterIdLst>
   <p:notesMasterIdLst>
-    <p:notesMasterId r:id="rId52"/>
+    <p:notesMasterId r:id="rId53"/>
   </p:notesMasterIdLst>
   <p:handoutMasterIdLst>
-    <p:handoutMasterId r:id="rId53"/>
+    <p:handoutMasterId r:id="rId54"/>
   </p:handoutMasterIdLst>
   <p:sldIdLst>
     <p:sldId id="256" r:id="rId2"/>
@@ -46,21 +46,22 @@
     <p:sldId id="341" r:id="rId34"/>
     <p:sldId id="344" r:id="rId35"/>
     <p:sldId id="342" r:id="rId36"/>
-    <p:sldId id="297" r:id="rId37"/>
-    <p:sldId id="310" r:id="rId38"/>
-    <p:sldId id="311" r:id="rId39"/>
-    <p:sldId id="329" r:id="rId40"/>
-    <p:sldId id="313" r:id="rId41"/>
-    <p:sldId id="315" r:id="rId42"/>
-    <p:sldId id="330" r:id="rId43"/>
-    <p:sldId id="292" r:id="rId44"/>
-    <p:sldId id="334" r:id="rId45"/>
-    <p:sldId id="335" r:id="rId46"/>
-    <p:sldId id="260" r:id="rId47"/>
-    <p:sldId id="314" r:id="rId48"/>
-    <p:sldId id="336" r:id="rId49"/>
-    <p:sldId id="343" r:id="rId50"/>
-    <p:sldId id="337" r:id="rId51"/>
+    <p:sldId id="345" r:id="rId37"/>
+    <p:sldId id="297" r:id="rId38"/>
+    <p:sldId id="310" r:id="rId39"/>
+    <p:sldId id="311" r:id="rId40"/>
+    <p:sldId id="329" r:id="rId41"/>
+    <p:sldId id="313" r:id="rId42"/>
+    <p:sldId id="315" r:id="rId43"/>
+    <p:sldId id="330" r:id="rId44"/>
+    <p:sldId id="292" r:id="rId45"/>
+    <p:sldId id="334" r:id="rId46"/>
+    <p:sldId id="335" r:id="rId47"/>
+    <p:sldId id="260" r:id="rId48"/>
+    <p:sldId id="314" r:id="rId49"/>
+    <p:sldId id="336" r:id="rId50"/>
+    <p:sldId id="343" r:id="rId51"/>
+    <p:sldId id="337" r:id="rId52"/>
   </p:sldIdLst>
   <p:sldSz cx="12192000" cy="6858000"/>
   <p:notesSz cx="6858000" cy="9144000"/>
@@ -1029,7 +1030,7 @@
           <a:p>
             <a:fld id="{6B094CF9-824F-48E6-BF21-19194E5F47C1}" type="slidenum">
               <a:rPr lang="zh-TW" altLang="en-US" smtClean="0"/>
-              <a:t>38</a:t>
+              <a:t>39</a:t>
             </a:fld>
             <a:endParaRPr lang="zh-TW" altLang="en-US"/>
           </a:p>
@@ -1127,7 +1128,7 @@
           <a:p>
             <a:fld id="{6B094CF9-824F-48E6-BF21-19194E5F47C1}" type="slidenum">
               <a:rPr lang="zh-TW" altLang="en-US" smtClean="0"/>
-              <a:t>39</a:t>
+              <a:t>40</a:t>
             </a:fld>
             <a:endParaRPr lang="zh-TW" altLang="en-US"/>
           </a:p>
@@ -1225,7 +1226,7 @@
           <a:p>
             <a:fld id="{6B094CF9-824F-48E6-BF21-19194E5F47C1}" type="slidenum">
               <a:rPr lang="zh-TW" altLang="en-US" smtClean="0"/>
-              <a:t>41</a:t>
+              <a:t>42</a:t>
             </a:fld>
             <a:endParaRPr lang="zh-TW" altLang="en-US"/>
           </a:p>
@@ -1334,7 +1335,7 @@
           <a:p>
             <a:fld id="{6B094CF9-824F-48E6-BF21-19194E5F47C1}" type="slidenum">
               <a:rPr lang="zh-TW" altLang="en-US" smtClean="0"/>
-              <a:t>42</a:t>
+              <a:t>43</a:t>
             </a:fld>
             <a:endParaRPr lang="zh-TW" altLang="en-US"/>
           </a:p>
@@ -1418,7 +1419,7 @@
           <a:p>
             <a:fld id="{6B094CF9-824F-48E6-BF21-19194E5F47C1}" type="slidenum">
               <a:rPr lang="zh-TW" altLang="en-US" smtClean="0"/>
-              <a:t>48</a:t>
+              <a:t>49</a:t>
             </a:fld>
             <a:endParaRPr lang="zh-TW" altLang="en-US"/>
           </a:p>
@@ -1502,7 +1503,7 @@
           <a:p>
             <a:fld id="{6B094CF9-824F-48E6-BF21-19194E5F47C1}" type="slidenum">
               <a:rPr lang="zh-TW" altLang="en-US" smtClean="0"/>
-              <a:t>49</a:t>
+              <a:t>50</a:t>
             </a:fld>
             <a:endParaRPr lang="zh-TW" altLang="en-US"/>
           </a:p>
@@ -9100,6 +9101,13 @@
       </p:transition>
     </mc:Fallback>
   </mc:AlternateContent>
+  <p:timing>
+    <p:tnLst>
+      <p:par>
+        <p:cTn id="1" dur="indefinite" restart="never" nodeType="tmRoot"/>
+      </p:par>
+    </p:tnLst>
+  </p:timing>
 </p:sld>
 </file>
 
@@ -9218,26 +9226,17 @@
               <a:buNone/>
             </a:pPr>
             <a:r>
-              <a:rPr lang="en-US" altLang="zh-TW" sz="3000" b="1" dirty="0" err="1">
+              <a:rPr lang="en-US" altLang="zh-TW" sz="3000" b="1" dirty="0">
                 <a:solidFill>
                   <a:schemeClr val="bg1">
                     <a:lumMod val="95000"/>
                   </a:schemeClr>
                 </a:solidFill>
-                <a:latin typeface="+mn-ea"/>
-              </a:rPr>
-              <a:t>useState</a:t>
-            </a:r>
-            <a:r>
-              <a:rPr lang="en-US" altLang="zh-TW" sz="3000" b="1" dirty="0">
-                <a:solidFill>
-                  <a:schemeClr val="bg1">
-                    <a:lumMod val="95000"/>
-                  </a:schemeClr>
-                </a:solidFill>
-                <a:latin typeface="+mn-ea"/>
-              </a:rPr>
-              <a:t>( )</a:t>
+                <a:latin typeface="+mj-ea"/>
+                <a:ea typeface="+mj-ea"/>
+                <a:hlinkClick r:id="rId3"/>
+              </a:rPr>
+              <a:t>useState( )</a:t>
             </a:r>
             <a:endParaRPr lang="zh-TW" altLang="en-US" sz="3000" b="1" dirty="0">
               <a:solidFill>
@@ -9245,7 +9244,8 @@
                   <a:lumMod val="95000"/>
                 </a:schemeClr>
               </a:solidFill>
-              <a:latin typeface="+mn-ea"/>
+              <a:latin typeface="+mj-ea"/>
+              <a:ea typeface="+mj-ea"/>
             </a:endParaRPr>
           </a:p>
           <a:p>
@@ -9256,27 +9256,27 @@
               <a:buNone/>
             </a:pPr>
             <a:r>
-              <a:rPr lang="en-US" altLang="zh-TW" sz="3000" dirty="0" err="1">
+              <a:rPr lang="en-US" altLang="zh-TW" sz="3000" dirty="0">
                 <a:solidFill>
                   <a:schemeClr val="bg1">
                     <a:lumMod val="95000"/>
                   </a:schemeClr>
                 </a:solidFill>
-                <a:latin typeface="+mn-ea"/>
-              </a:rPr>
-              <a:t>useEffect</a:t>
-            </a:r>
-            <a:r>
-              <a:rPr lang="en-US" altLang="zh-TW" sz="3000" dirty="0">
-                <a:solidFill>
-                  <a:schemeClr val="bg1">
-                    <a:lumMod val="95000"/>
-                  </a:schemeClr>
-                </a:solidFill>
                 <a:latin typeface="+mj-ea"/>
-              </a:rPr>
-              <a:t>( )</a:t>
-            </a:r>
+                <a:ea typeface="+mj-ea"/>
+                <a:hlinkClick r:id="rId4"/>
+              </a:rPr>
+              <a:t>useEffect( )</a:t>
+            </a:r>
+            <a:endParaRPr lang="en-US" altLang="zh-TW" sz="3000" dirty="0">
+              <a:solidFill>
+                <a:schemeClr val="bg1">
+                  <a:lumMod val="95000"/>
+                </a:schemeClr>
+              </a:solidFill>
+              <a:latin typeface="+mj-ea"/>
+              <a:ea typeface="+mj-ea"/>
+            </a:endParaRPr>
           </a:p>
           <a:p>
             <a:pPr marL="502920" lvl="1" indent="0">
@@ -9286,27 +9286,27 @@
               <a:buNone/>
             </a:pPr>
             <a:r>
-              <a:rPr lang="en-US" altLang="zh-TW" sz="3000" dirty="0" err="1">
+              <a:rPr lang="en-US" altLang="zh-TW" sz="3000" dirty="0">
                 <a:solidFill>
                   <a:schemeClr val="bg1">
                     <a:lumMod val="95000"/>
                   </a:schemeClr>
                 </a:solidFill>
-                <a:latin typeface="+mn-ea"/>
-              </a:rPr>
-              <a:t>useContext</a:t>
-            </a:r>
-            <a:r>
-              <a:rPr lang="en-US" altLang="zh-TW" sz="3000" dirty="0">
-                <a:solidFill>
-                  <a:schemeClr val="bg1">
-                    <a:lumMod val="95000"/>
-                  </a:schemeClr>
-                </a:solidFill>
                 <a:latin typeface="+mj-ea"/>
-              </a:rPr>
-              <a:t>( )</a:t>
-            </a:r>
+                <a:ea typeface="+mj-ea"/>
+                <a:hlinkClick r:id="rId5"/>
+              </a:rPr>
+              <a:t>useContext( )</a:t>
+            </a:r>
+            <a:endParaRPr lang="en-US" altLang="zh-TW" sz="3000" dirty="0">
+              <a:solidFill>
+                <a:schemeClr val="bg1">
+                  <a:lumMod val="95000"/>
+                </a:schemeClr>
+              </a:solidFill>
+              <a:latin typeface="+mj-ea"/>
+              <a:ea typeface="+mj-ea"/>
+            </a:endParaRPr>
           </a:p>
           <a:p>
             <a:pPr marL="502920" lvl="1" indent="0">
@@ -9370,26 +9370,17 @@
               <a:buNone/>
             </a:pPr>
             <a:r>
-              <a:rPr lang="en-US" altLang="zh-TW" sz="3000" dirty="0" err="1">
+              <a:rPr lang="en-US" altLang="zh-TW" sz="3000" dirty="0">
                 <a:solidFill>
                   <a:schemeClr val="bg1">
                     <a:lumMod val="95000"/>
                   </a:schemeClr>
                 </a:solidFill>
-                <a:latin typeface="+mn-ea"/>
-              </a:rPr>
-              <a:t>useRef</a:t>
-            </a:r>
-            <a:r>
-              <a:rPr lang="en-US" altLang="zh-TW" sz="3000" dirty="0">
-                <a:solidFill>
-                  <a:schemeClr val="bg1">
-                    <a:lumMod val="95000"/>
-                  </a:schemeClr>
-                </a:solidFill>
                 <a:latin typeface="+mj-ea"/>
-              </a:rPr>
-              <a:t>( )</a:t>
+                <a:ea typeface="+mj-ea"/>
+                <a:hlinkClick r:id="rId6"/>
+              </a:rPr>
+              <a:t>useRef( )</a:t>
             </a:r>
             <a:endParaRPr lang="zh-TW" altLang="en-US" sz="3000" dirty="0">
               <a:solidFill>
@@ -9397,8 +9388,8 @@
                   <a:lumMod val="95000"/>
                 </a:schemeClr>
               </a:solidFill>
-              <a:latin typeface="Adobe 繁黑體 Std B" panose="020B0700000000000000" pitchFamily="34" charset="-120"/>
-              <a:ea typeface="Adobe 繁黑體 Std B" panose="020B0700000000000000" pitchFamily="34" charset="-120"/>
+              <a:latin typeface="+mj-ea"/>
+              <a:ea typeface="+mj-ea"/>
             </a:endParaRPr>
           </a:p>
         </p:txBody>
@@ -9425,6 +9416,13 @@
       </p:transition>
     </mc:Fallback>
   </mc:AlternateContent>
+  <p:timing>
+    <p:tnLst>
+      <p:par>
+        <p:cTn id="1" dur="indefinite" restart="never" nodeType="tmRoot"/>
+      </p:par>
+    </p:tnLst>
+  </p:timing>
 </p:sld>
 </file>
 
@@ -10368,6 +10366,13 @@
       </p:transition>
     </mc:Fallback>
   </mc:AlternateContent>
+  <p:timing>
+    <p:tnLst>
+      <p:par>
+        <p:cTn id="1" dur="indefinite" restart="never" nodeType="tmRoot"/>
+      </p:par>
+    </p:tnLst>
+  </p:timing>
 </p:sld>
 </file>
 
@@ -10440,16 +10445,10 @@
           <a:lstStyle/>
           <a:p>
             <a:r>
-              <a:rPr lang="en-US" altLang="zh-TW" b="1" dirty="0" err="1">
-                <a:latin typeface="+mn-ea"/>
-              </a:rPr>
-              <a:t>useState</a:t>
-            </a:r>
-            <a:r>
               <a:rPr lang="en-US" altLang="zh-TW" b="1" dirty="0">
                 <a:latin typeface="+mn-ea"/>
               </a:rPr>
-              <a:t>( )</a:t>
+              <a:t>useState( )</a:t>
             </a:r>
             <a:r>
               <a:rPr lang="zh-TW" altLang="en-US" b="1" dirty="0">
@@ -10585,22 +10584,13 @@
               <a:t>] = </a:t>
             </a:r>
             <a:r>
-              <a:rPr lang="en-US" altLang="zh-TW" sz="2800" b="1" dirty="0" err="1">
+              <a:rPr lang="en-US" altLang="zh-TW" sz="2800" b="1" dirty="0">
                 <a:solidFill>
                   <a:schemeClr val="bg1"/>
                 </a:solidFill>
                 <a:latin typeface="+mn-ea"/>
               </a:rPr>
-              <a:t>useState</a:t>
-            </a:r>
-            <a:r>
-              <a:rPr lang="en-US" altLang="zh-TW" sz="2800" b="1" dirty="0">
-                <a:solidFill>
-                  <a:schemeClr val="bg1"/>
-                </a:solidFill>
-                <a:latin typeface="+mn-ea"/>
-              </a:rPr>
-              <a:t>(</a:t>
+              <a:t>useState(</a:t>
             </a:r>
             <a:r>
               <a:rPr lang="zh-TW" altLang="en-US" sz="2800" b="1" dirty="0">
@@ -11611,7 +11601,17 @@
                 <a:latin typeface="+mj-ea"/>
                 <a:ea typeface="+mj-ea"/>
               </a:rPr>
-              <a:t>或是下載 ****</a:t>
+              <a:t>或是</a:t>
+            </a:r>
+            <a:r>
+              <a:rPr lang="zh-TW" altLang="en-US" sz="2600" dirty="0" smtClean="0">
+                <a:solidFill>
+                  <a:schemeClr val="bg1"/>
+                </a:solidFill>
+                <a:latin typeface="+mj-ea"/>
+                <a:ea typeface="+mj-ea"/>
+              </a:rPr>
+              <a:t>下載雲端資料夾</a:t>
             </a:r>
             <a:endParaRPr lang="en-US" altLang="zh-TW" sz="2600" dirty="0">
               <a:solidFill>
@@ -11645,22 +11645,56 @@
                 <a:latin typeface="+mj-ea"/>
                 <a:ea typeface="+mj-ea"/>
               </a:rPr>
-              <a:t>上有操作說明</a:t>
-            </a:r>
-            <a:endParaRPr lang="en-US" altLang="zh-TW" sz="2600">
-              <a:solidFill>
-                <a:schemeClr val="bg1"/>
-              </a:solidFill>
-              <a:latin typeface="+mj-ea"/>
-              <a:ea typeface="+mj-ea"/>
-            </a:endParaRPr>
-          </a:p>
-          <a:p>
-            <a:pPr>
-              <a:lnSpc>
-                <a:spcPct val="150000"/>
-              </a:lnSpc>
-            </a:pPr>
+              <a:t>上有操作</a:t>
+            </a:r>
+            <a:r>
+              <a:rPr lang="zh-TW" altLang="en-US" sz="2600" dirty="0" smtClean="0">
+                <a:solidFill>
+                  <a:schemeClr val="bg1"/>
+                </a:solidFill>
+                <a:latin typeface="+mj-ea"/>
+                <a:ea typeface="+mj-ea"/>
+              </a:rPr>
+              <a:t>說明</a:t>
+            </a:r>
+            <a:r>
+              <a:rPr lang="en-US" altLang="zh-TW" sz="2600" dirty="0" smtClean="0">
+                <a:solidFill>
+                  <a:schemeClr val="bg1"/>
+                </a:solidFill>
+                <a:latin typeface="+mj-ea"/>
+                <a:ea typeface="+mj-ea"/>
+              </a:rPr>
+              <a:t>(</a:t>
+            </a:r>
+            <a:r>
+              <a:rPr lang="zh-TW" altLang="en-US" sz="2600" dirty="0" smtClean="0">
+                <a:solidFill>
+                  <a:schemeClr val="bg1"/>
+                </a:solidFill>
+                <a:latin typeface="+mj-ea"/>
+                <a:ea typeface="+mj-ea"/>
+              </a:rPr>
+              <a:t>含</a:t>
+            </a:r>
+            <a:r>
+              <a:rPr lang="zh-TW" altLang="en-US" sz="2600" dirty="0" smtClean="0">
+                <a:solidFill>
+                  <a:schemeClr val="bg1"/>
+                </a:solidFill>
+                <a:latin typeface="+mj-ea"/>
+              </a:rPr>
+              <a:t>線上編輯器</a:t>
+            </a:r>
+            <a:r>
+              <a:rPr lang="en-US" altLang="zh-TW" sz="2600" dirty="0" smtClean="0">
+                <a:solidFill>
+                  <a:schemeClr val="bg1"/>
+                </a:solidFill>
+                <a:latin typeface="+mj-ea"/>
+              </a:rPr>
+              <a:t>)</a:t>
+            </a:r>
             <a:endParaRPr lang="en-US" altLang="zh-TW" sz="2600" dirty="0">
               <a:solidFill>
                 <a:schemeClr val="bg1"/>
@@ -11676,7 +11710,7 @@
               </a:lnSpc>
             </a:pPr>
             <a:r>
-              <a:rPr lang="en-US" altLang="zh-TW" sz="2600" dirty="0" err="1">
+              <a:rPr lang="en-US" altLang="zh-TW" sz="2600" dirty="0" err="1" smtClean="0">
                 <a:solidFill>
                   <a:schemeClr val="bg1"/>
                 </a:solidFill>
@@ -11686,14 +11720,24 @@
               <a:t>npm</a:t>
             </a:r>
             <a:r>
-              <a:rPr lang="en-US" altLang="zh-TW" sz="2600" dirty="0">
+              <a:rPr lang="en-US" altLang="zh-TW" sz="2600" dirty="0" smtClean="0">
                 <a:solidFill>
                   <a:schemeClr val="bg1"/>
                 </a:solidFill>
                 <a:latin typeface="+mj-ea"/>
                 <a:ea typeface="+mj-ea"/>
               </a:rPr>
-              <a:t>  run </a:t>
+              <a:t>  </a:t>
+            </a:r>
+            <a:r>
+              <a:rPr lang="en-US" altLang="zh-TW" sz="2600" dirty="0">
+                <a:solidFill>
+                  <a:schemeClr val="bg1"/>
+                </a:solidFill>
+                <a:latin typeface="+mj-ea"/>
+                <a:ea typeface="+mj-ea"/>
+              </a:rPr>
+              <a:t>run </a:t>
             </a:r>
             <a:r>
               <a:rPr lang="en-US" altLang="zh-TW" sz="2600" dirty="0" err="1">
@@ -13184,7 +13228,7 @@
           <a:lstStyle/>
           <a:p>
             <a:r>
-              <a:rPr lang="en-US" altLang="zh-TW" dirty="0" err="1">
+              <a:rPr lang="en-US" altLang="zh-TW" dirty="0">
                 <a:latin typeface="+mn-ea"/>
               </a:rPr>
               <a:t>useEffect</a:t>
@@ -13451,22 +13495,13 @@
               </a:lnSpc>
             </a:pPr>
             <a:r>
-              <a:rPr lang="en-US" altLang="zh-TW" sz="2800" dirty="0" err="1">
+              <a:rPr lang="en-US" altLang="zh-TW" sz="2800" dirty="0">
                 <a:solidFill>
                   <a:schemeClr val="bg1"/>
                 </a:solidFill>
                 <a:latin typeface="+mn-ea"/>
               </a:rPr>
-              <a:t>useEffect</a:t>
-            </a:r>
-            <a:r>
-              <a:rPr lang="en-US" altLang="zh-TW" sz="2800" dirty="0">
-                <a:solidFill>
-                  <a:schemeClr val="bg1"/>
-                </a:solidFill>
-                <a:latin typeface="+mn-ea"/>
-              </a:rPr>
-              <a:t> (( ) </a:t>
+              <a:t>useEffect (( ) </a:t>
             </a:r>
             <a:r>
               <a:rPr lang="en-US" altLang="zh-TW" sz="2800" dirty="0">
@@ -13956,7 +13991,7 @@
           <a:lstStyle/>
           <a:p>
             <a:r>
-              <a:rPr lang="en-US" altLang="zh-TW" dirty="0" err="1">
+              <a:rPr lang="en-US" altLang="zh-TW" dirty="0">
                 <a:latin typeface="+mn-ea"/>
               </a:rPr>
               <a:t>useEffect</a:t>
@@ -14219,11 +14254,7 @@
             </a:r>
             <a:r>
               <a:rPr lang="zh-TW" altLang="en-US" dirty="0" smtClean="0"/>
-              <a:t>沒有實際情況</a:t>
-            </a:r>
-            <a:r>
-              <a:rPr lang="zh-TW" altLang="en-US" dirty="0" smtClean="0"/>
-              <a:t>是</a:t>
+              <a:t>沒有實際情況是</a:t>
             </a:r>
             <a:r>
               <a:rPr lang="en-US" altLang="zh-TW" dirty="0" smtClean="0"/>
@@ -14832,7 +14863,7 @@
           <a:lstStyle/>
           <a:p>
             <a:r>
-              <a:rPr lang="en-US" altLang="zh-TW" dirty="0" err="1">
+              <a:rPr lang="en-US" altLang="zh-TW" dirty="0">
                 <a:latin typeface="+mn-ea"/>
               </a:rPr>
               <a:t>useRef</a:t>
@@ -15107,7 +15138,7 @@
           <a:lstStyle/>
           <a:p>
             <a:r>
-              <a:rPr lang="en-US" altLang="zh-TW" sz="3600" dirty="0" err="1">
+              <a:rPr lang="en-US" altLang="zh-TW" sz="3600" dirty="0">
                 <a:solidFill>
                   <a:schemeClr val="bg1"/>
                 </a:solidFill>
@@ -15949,24 +15980,14 @@
               <a:t>= </a:t>
             </a:r>
             <a:r>
-              <a:rPr lang="en-US" altLang="zh-TW" sz="3200" dirty="0" err="1">
+              <a:rPr lang="en-US" altLang="zh-TW" sz="3200" dirty="0">
                 <a:solidFill>
                   <a:schemeClr val="bg1"/>
                 </a:solidFill>
                 <a:latin typeface="Adobe 繁黑體 Std B" panose="020B0700000000000000" pitchFamily="34" charset="-120"/>
                 <a:ea typeface="Adobe 繁黑體 Std B" panose="020B0700000000000000" pitchFamily="34" charset="-120"/>
               </a:rPr>
-              <a:t>useRef</a:t>
-            </a:r>
-            <a:r>
-              <a:rPr lang="en-US" altLang="zh-TW" sz="3200" dirty="0">
-                <a:solidFill>
-                  <a:schemeClr val="bg1"/>
-                </a:solidFill>
-                <a:latin typeface="Adobe 繁黑體 Std B" panose="020B0700000000000000" pitchFamily="34" charset="-120"/>
-                <a:ea typeface="Adobe 繁黑體 Std B" panose="020B0700000000000000" pitchFamily="34" charset="-120"/>
-              </a:rPr>
-              <a:t>(  )</a:t>
+              <a:t>useRef(  )</a:t>
             </a:r>
             <a:r>
               <a:rPr lang="en-US" altLang="zh-TW" sz="3200" spc="300" dirty="0">
@@ -16334,7 +16355,7 @@
               <a:buChar char="•"/>
             </a:pPr>
             <a:r>
-              <a:rPr lang="en-US" altLang="zh-TW" sz="3600" b="1" dirty="0" err="1">
+              <a:rPr lang="en-US" altLang="zh-TW" sz="3600" b="1" dirty="0">
                 <a:solidFill>
                   <a:schemeClr val="bg1">
                     <a:lumMod val="85000"/>
@@ -16384,7 +16405,7 @@
               <a:buChar char="•"/>
             </a:pPr>
             <a:r>
-              <a:rPr lang="en-US" altLang="zh-TW" sz="3600" dirty="0" err="1">
+              <a:rPr lang="en-US" altLang="zh-TW" sz="3600" dirty="0">
                 <a:solidFill>
                   <a:schemeClr val="bg1">
                     <a:lumMod val="85000"/>
@@ -17016,17 +17037,7 @@
                 <a:latin typeface="+mj-ea"/>
                 <a:ea typeface="+mj-ea"/>
               </a:rPr>
-              <a:t>Pattern</a:t>
-            </a:r>
-            <a:r>
-              <a:rPr lang="en-US" altLang="zh-TW" sz="3600" dirty="0" smtClean="0">
-                <a:solidFill>
-                  <a:schemeClr val="bg1"/>
-                </a:solidFill>
-                <a:latin typeface="+mj-ea"/>
-                <a:ea typeface="+mj-ea"/>
-              </a:rPr>
-              <a:t>:</a:t>
+              <a:t>Pattern:</a:t>
             </a:r>
           </a:p>
           <a:p>
@@ -17594,7 +17605,12 @@
             <p:ph type="body" sz="quarter" idx="13"/>
           </p:nvPr>
         </p:nvSpPr>
-        <p:spPr/>
+        <p:spPr>
+          <a:xfrm>
+            <a:off x="0" y="217075"/>
+            <a:ext cx="12192000" cy="554037"/>
+          </a:xfrm>
+        </p:spPr>
         <p:txBody>
           <a:bodyPr/>
           <a:lstStyle/>
@@ -17620,6 +17636,847 @@
               <a:t>Pattern</a:t>
             </a:r>
             <a:endParaRPr lang="zh-TW" altLang="en-US" dirty="0"/>
+          </a:p>
+        </p:txBody>
+      </p:sp>
+      <p:sp>
+        <p:nvSpPr>
+          <p:cNvPr id="5" name="文字方塊 4"/>
+          <p:cNvSpPr txBox="1"/>
+          <p:nvPr/>
+        </p:nvSpPr>
+        <p:spPr>
+          <a:xfrm>
+            <a:off x="844549" y="1730341"/>
+            <a:ext cx="11245851" cy="3785652"/>
+          </a:xfrm>
+          <a:prstGeom prst="rect">
+            <a:avLst/>
+          </a:prstGeom>
+          <a:noFill/>
+        </p:spPr>
+        <p:txBody>
+          <a:bodyPr wrap="square" rtlCol="0">
+            <a:spAutoFit/>
+          </a:bodyPr>
+          <a:lstStyle/>
+          <a:p>
+            <a:pPr>
+              <a:lnSpc>
+                <a:spcPct val="150000"/>
+              </a:lnSpc>
+            </a:pPr>
+            <a:r>
+              <a:rPr lang="en-US" altLang="zh-TW" sz="3200" dirty="0">
+                <a:solidFill>
+                  <a:schemeClr val="bg1">
+                    <a:lumMod val="85000"/>
+                  </a:schemeClr>
+                </a:solidFill>
+                <a:latin typeface="+mj-ea"/>
+                <a:ea typeface="+mj-ea"/>
+              </a:rPr>
+              <a:t>&lt;</a:t>
+            </a:r>
+            <a:r>
+              <a:rPr lang="en-US" altLang="zh-TW" sz="3200" dirty="0">
+                <a:solidFill>
+                  <a:schemeClr val="accent1"/>
+                </a:solidFill>
+                <a:latin typeface="+mj-ea"/>
+                <a:ea typeface="+mj-ea"/>
+              </a:rPr>
+              <a:t>Toggle</a:t>
+            </a:r>
+            <a:r>
+              <a:rPr lang="en-US" altLang="zh-TW" sz="3200" dirty="0">
+                <a:solidFill>
+                  <a:schemeClr val="bg1">
+                    <a:lumMod val="85000"/>
+                  </a:schemeClr>
+                </a:solidFill>
+                <a:latin typeface="+mj-ea"/>
+                <a:ea typeface="+mj-ea"/>
+              </a:rPr>
+              <a:t> </a:t>
+            </a:r>
+            <a:endParaRPr lang="en-US" altLang="zh-TW" sz="3200" dirty="0">
+              <a:solidFill>
+                <a:schemeClr val="bg1">
+                  <a:lumMod val="85000"/>
+                </a:schemeClr>
+              </a:solidFill>
+              <a:latin typeface="+mj-ea"/>
+            </a:endParaRPr>
+          </a:p>
+          <a:p>
+            <a:pPr>
+              <a:lnSpc>
+                <a:spcPct val="150000"/>
+              </a:lnSpc>
+            </a:pPr>
+            <a:r>
+              <a:rPr lang="en-US" altLang="zh-TW" sz="3200" dirty="0">
+                <a:solidFill>
+                  <a:schemeClr val="bg1">
+                    <a:lumMod val="85000"/>
+                  </a:schemeClr>
+                </a:solidFill>
+                <a:latin typeface="+mj-ea"/>
+              </a:rPr>
+              <a:t>	</a:t>
+            </a:r>
+            <a:r>
+              <a:rPr lang="en-US" altLang="zh-TW" sz="3200" dirty="0" err="1">
+                <a:solidFill>
+                  <a:schemeClr val="accent2"/>
+                </a:solidFill>
+                <a:latin typeface="+mj-ea"/>
+              </a:rPr>
+              <a:t>whenOnCallback</a:t>
+            </a:r>
+            <a:r>
+              <a:rPr lang="en-US" altLang="zh-TW" sz="3200" dirty="0">
+                <a:solidFill>
+                  <a:schemeClr val="bg1">
+                    <a:lumMod val="85000"/>
+                  </a:schemeClr>
+                </a:solidFill>
+                <a:latin typeface="+mj-ea"/>
+              </a:rPr>
+              <a:t>={</a:t>
+            </a:r>
+            <a:r>
+              <a:rPr lang="zh-TW" altLang="en-US" sz="3200" dirty="0">
+                <a:solidFill>
+                  <a:schemeClr val="bg1">
+                    <a:lumMod val="85000"/>
+                  </a:schemeClr>
+                </a:solidFill>
+                <a:latin typeface="+mj-ea"/>
+              </a:rPr>
+              <a:t> </a:t>
+            </a:r>
+            <a:r>
+              <a:rPr lang="en-US" altLang="zh-TW" sz="3200" dirty="0">
+                <a:solidFill>
+                  <a:schemeClr val="bg1">
+                    <a:lumMod val="85000"/>
+                  </a:schemeClr>
+                </a:solidFill>
+                <a:latin typeface="+mj-ea"/>
+              </a:rPr>
+              <a:t>(</a:t>
+            </a:r>
+            <a:r>
+              <a:rPr lang="zh-TW" altLang="en-US" sz="3200" dirty="0">
+                <a:solidFill>
+                  <a:schemeClr val="bg1">
+                    <a:lumMod val="85000"/>
+                  </a:schemeClr>
+                </a:solidFill>
+                <a:latin typeface="+mj-ea"/>
+              </a:rPr>
+              <a:t> </a:t>
+            </a:r>
+            <a:r>
+              <a:rPr lang="en-US" altLang="zh-TW" sz="3200" dirty="0">
+                <a:solidFill>
+                  <a:schemeClr val="bg1">
+                    <a:lumMod val="85000"/>
+                  </a:schemeClr>
+                </a:solidFill>
+                <a:latin typeface="+mj-ea"/>
+              </a:rPr>
+              <a:t>) =&gt;console.log(</a:t>
+            </a:r>
+            <a:r>
+              <a:rPr lang="en-US" altLang="zh-TW" sz="3200" dirty="0">
+                <a:solidFill>
+                  <a:schemeClr val="accent3"/>
+                </a:solidFill>
+                <a:latin typeface="+mj-ea"/>
+              </a:rPr>
+              <a:t>'</a:t>
+            </a:r>
+            <a:r>
+              <a:rPr lang="en-US" altLang="zh-TW" sz="3200" dirty="0" err="1">
+                <a:solidFill>
+                  <a:schemeClr val="accent3"/>
+                </a:solidFill>
+                <a:latin typeface="+mj-ea"/>
+              </a:rPr>
+              <a:t>yeee</a:t>
+            </a:r>
+            <a:r>
+              <a:rPr lang="en-US" altLang="zh-TW" sz="3200" dirty="0">
+                <a:solidFill>
+                  <a:schemeClr val="accent3"/>
+                </a:solidFill>
+                <a:latin typeface="+mj-ea"/>
+              </a:rPr>
+              <a:t>, I am on</a:t>
+            </a:r>
+            <a:r>
+              <a:rPr lang="en-US" altLang="zh-TW" sz="3200" dirty="0">
+                <a:solidFill>
+                  <a:schemeClr val="bg1">
+                    <a:lumMod val="85000"/>
+                  </a:schemeClr>
+                </a:solidFill>
+                <a:latin typeface="+mj-ea"/>
+              </a:rPr>
+              <a:t>')} </a:t>
+            </a:r>
+            <a:endParaRPr lang="en-US" altLang="zh-TW" sz="3200" dirty="0" smtClean="0">
+              <a:solidFill>
+                <a:schemeClr val="bg1">
+                  <a:lumMod val="85000"/>
+                </a:schemeClr>
+              </a:solidFill>
+              <a:latin typeface="+mj-ea"/>
+              <a:ea typeface="+mj-ea"/>
+            </a:endParaRPr>
+          </a:p>
+          <a:p>
+            <a:pPr>
+              <a:lnSpc>
+                <a:spcPct val="150000"/>
+              </a:lnSpc>
+            </a:pPr>
+            <a:r>
+              <a:rPr lang="en-US" altLang="zh-TW" sz="3200" dirty="0">
+                <a:solidFill>
+                  <a:schemeClr val="bg1">
+                    <a:lumMod val="85000"/>
+                  </a:schemeClr>
+                </a:solidFill>
+                <a:latin typeface="+mj-ea"/>
+                <a:ea typeface="+mj-ea"/>
+              </a:rPr>
+              <a:t>	</a:t>
+            </a:r>
+            <a:r>
+              <a:rPr lang="en-US" altLang="zh-TW" sz="3200" dirty="0" smtClean="0">
+                <a:solidFill>
+                  <a:schemeClr val="accent2"/>
+                </a:solidFill>
+                <a:latin typeface="+mj-ea"/>
+                <a:ea typeface="+mj-ea"/>
+              </a:rPr>
+              <a:t>whenOn</a:t>
+            </a:r>
+            <a:r>
+              <a:rPr lang="en-US" altLang="zh-TW" sz="3200" dirty="0">
+                <a:solidFill>
+                  <a:schemeClr val="bg1">
+                    <a:lumMod val="85000"/>
+                  </a:schemeClr>
+                </a:solidFill>
+                <a:latin typeface="+mj-ea"/>
+                <a:ea typeface="+mj-ea"/>
+              </a:rPr>
+              <a:t>="</a:t>
+            </a:r>
+            <a:r>
+              <a:rPr lang="en-US" altLang="zh-TW" sz="3200" dirty="0">
+                <a:solidFill>
+                  <a:schemeClr val="accent3"/>
+                </a:solidFill>
+                <a:latin typeface="+mj-ea"/>
+                <a:ea typeface="+mj-ea"/>
+              </a:rPr>
+              <a:t>Toggle is </a:t>
+            </a:r>
+            <a:r>
+              <a:rPr lang="en-US" altLang="zh-TW" sz="3200" dirty="0" smtClean="0">
+                <a:solidFill>
+                  <a:schemeClr val="accent3"/>
+                </a:solidFill>
+                <a:latin typeface="+mj-ea"/>
+                <a:ea typeface="+mj-ea"/>
+              </a:rPr>
+              <a:t>on</a:t>
+            </a:r>
+            <a:r>
+              <a:rPr lang="en-US" altLang="zh-TW" sz="3200" dirty="0">
+                <a:solidFill>
+                  <a:schemeClr val="bg1">
+                    <a:lumMod val="85000"/>
+                  </a:schemeClr>
+                </a:solidFill>
+                <a:latin typeface="+mj-ea"/>
+              </a:rPr>
+              <a:t> "</a:t>
+            </a:r>
+            <a:endParaRPr lang="en-US" altLang="zh-TW" sz="3200" dirty="0" smtClean="0">
+              <a:solidFill>
+                <a:schemeClr val="bg1">
+                  <a:lumMod val="85000"/>
+                </a:schemeClr>
+              </a:solidFill>
+              <a:latin typeface="+mj-ea"/>
+              <a:ea typeface="+mj-ea"/>
+            </a:endParaRPr>
+          </a:p>
+          <a:p>
+            <a:pPr>
+              <a:lnSpc>
+                <a:spcPct val="150000"/>
+              </a:lnSpc>
+            </a:pPr>
+            <a:r>
+              <a:rPr lang="en-US" altLang="zh-TW" sz="3200" dirty="0" smtClean="0">
+                <a:solidFill>
+                  <a:schemeClr val="bg1">
+                    <a:lumMod val="85000"/>
+                  </a:schemeClr>
+                </a:solidFill>
+                <a:latin typeface="+mj-ea"/>
+                <a:ea typeface="+mj-ea"/>
+              </a:rPr>
+              <a:t> 	</a:t>
+            </a:r>
+            <a:r>
+              <a:rPr lang="en-US" altLang="zh-TW" sz="3200" dirty="0" smtClean="0">
+                <a:solidFill>
+                  <a:schemeClr val="accent2"/>
+                </a:solidFill>
+                <a:latin typeface="+mj-ea"/>
+                <a:ea typeface="+mj-ea"/>
+              </a:rPr>
+              <a:t>whenOff</a:t>
+            </a:r>
+            <a:r>
+              <a:rPr lang="en-US" altLang="zh-TW" sz="3200" dirty="0" smtClean="0">
+                <a:solidFill>
+                  <a:schemeClr val="bg1">
+                    <a:lumMod val="85000"/>
+                  </a:schemeClr>
+                </a:solidFill>
+                <a:latin typeface="+mj-ea"/>
+                <a:ea typeface="+mj-ea"/>
+              </a:rPr>
+              <a:t>="</a:t>
+            </a:r>
+            <a:r>
+              <a:rPr lang="en-US" altLang="zh-TW" sz="3200" dirty="0" smtClean="0">
+                <a:solidFill>
+                  <a:schemeClr val="accent3"/>
+                </a:solidFill>
+                <a:latin typeface="+mj-ea"/>
+                <a:ea typeface="+mj-ea"/>
+              </a:rPr>
+              <a:t>Toggle </a:t>
+            </a:r>
+            <a:r>
+              <a:rPr lang="en-US" altLang="zh-TW" sz="3200" dirty="0">
+                <a:solidFill>
+                  <a:schemeClr val="accent3"/>
+                </a:solidFill>
+                <a:latin typeface="+mj-ea"/>
+                <a:ea typeface="+mj-ea"/>
+              </a:rPr>
+              <a:t>is </a:t>
+            </a:r>
+            <a:r>
+              <a:rPr lang="en-US" altLang="zh-TW" sz="3200" dirty="0" smtClean="0">
+                <a:solidFill>
+                  <a:schemeClr val="accent3"/>
+                </a:solidFill>
+                <a:latin typeface="+mj-ea"/>
+                <a:ea typeface="+mj-ea"/>
+              </a:rPr>
+              <a:t>off</a:t>
+            </a:r>
+            <a:r>
+              <a:rPr lang="zh-TW" altLang="en-US" sz="3200" dirty="0" smtClean="0">
+                <a:solidFill>
+                  <a:schemeClr val="accent3"/>
+                </a:solidFill>
+                <a:latin typeface="+mj-ea"/>
+                <a:ea typeface="+mj-ea"/>
+              </a:rPr>
+              <a:t> </a:t>
+            </a:r>
+            <a:r>
+              <a:rPr lang="en-US" altLang="zh-TW" sz="3200" dirty="0" smtClean="0">
+                <a:solidFill>
+                  <a:schemeClr val="bg1">
+                    <a:lumMod val="85000"/>
+                  </a:schemeClr>
+                </a:solidFill>
+                <a:latin typeface="+mj-ea"/>
+                <a:ea typeface="+mj-ea"/>
+              </a:rPr>
+              <a:t>"</a:t>
+            </a:r>
+          </a:p>
+          <a:p>
+            <a:pPr>
+              <a:lnSpc>
+                <a:spcPct val="150000"/>
+              </a:lnSpc>
+            </a:pPr>
+            <a:r>
+              <a:rPr lang="zh-TW" altLang="en-US" sz="3200" dirty="0" smtClean="0">
+                <a:solidFill>
+                  <a:schemeClr val="bg1">
+                    <a:lumMod val="85000"/>
+                  </a:schemeClr>
+                </a:solidFill>
+                <a:latin typeface="+mj-ea"/>
+                <a:ea typeface="+mj-ea"/>
+              </a:rPr>
+              <a:t> </a:t>
+            </a:r>
+            <a:r>
+              <a:rPr lang="en-US" altLang="zh-TW" sz="3200" dirty="0" smtClean="0">
+                <a:solidFill>
+                  <a:schemeClr val="bg1">
+                    <a:lumMod val="85000"/>
+                  </a:schemeClr>
+                </a:solidFill>
+                <a:latin typeface="+mj-ea"/>
+                <a:ea typeface="+mj-ea"/>
+              </a:rPr>
+              <a:t>/&gt;</a:t>
+            </a:r>
+            <a:endParaRPr lang="zh-TW" altLang="en-US" sz="3200" dirty="0">
+              <a:solidFill>
+                <a:schemeClr val="bg1">
+                  <a:lumMod val="85000"/>
+                </a:schemeClr>
+              </a:solidFill>
+              <a:latin typeface="+mj-ea"/>
+              <a:ea typeface="+mj-ea"/>
+            </a:endParaRPr>
+          </a:p>
+        </p:txBody>
+      </p:sp>
+      <p:grpSp>
+        <p:nvGrpSpPr>
+          <p:cNvPr id="17" name="群組 16"/>
+          <p:cNvGrpSpPr/>
+          <p:nvPr/>
+        </p:nvGrpSpPr>
+        <p:grpSpPr>
+          <a:xfrm>
+            <a:off x="6654800" y="3606800"/>
+            <a:ext cx="3289300" cy="800100"/>
+            <a:chOff x="6654800" y="3606800"/>
+            <a:chExt cx="3289300" cy="800100"/>
+          </a:xfrm>
+        </p:grpSpPr>
+        <p:cxnSp>
+          <p:nvCxnSpPr>
+            <p:cNvPr id="8" name="直線單箭頭接點 7"/>
+            <p:cNvCxnSpPr/>
+            <p:nvPr/>
+          </p:nvCxnSpPr>
+          <p:spPr>
+            <a:xfrm flipH="1" flipV="1">
+              <a:off x="6654800" y="3606800"/>
+              <a:ext cx="952500" cy="469900"/>
+            </a:xfrm>
+            <a:prstGeom prst="straightConnector1">
+              <a:avLst/>
+            </a:prstGeom>
+            <a:ln w="57150">
+              <a:solidFill>
+                <a:srgbClr val="FF0000"/>
+              </a:solidFill>
+              <a:tailEnd type="triangle"/>
+            </a:ln>
+          </p:spPr>
+          <p:style>
+            <a:lnRef idx="1">
+              <a:schemeClr val="accent1"/>
+            </a:lnRef>
+            <a:fillRef idx="0">
+              <a:schemeClr val="accent1"/>
+            </a:fillRef>
+            <a:effectRef idx="0">
+              <a:schemeClr val="accent1"/>
+            </a:effectRef>
+            <a:fontRef idx="minor">
+              <a:schemeClr val="tx1"/>
+            </a:fontRef>
+          </p:style>
+        </p:cxnSp>
+        <p:cxnSp>
+          <p:nvCxnSpPr>
+            <p:cNvPr id="10" name="直線單箭頭接點 9"/>
+            <p:cNvCxnSpPr/>
+            <p:nvPr/>
+          </p:nvCxnSpPr>
+          <p:spPr>
+            <a:xfrm flipH="1">
+              <a:off x="6654800" y="4076700"/>
+              <a:ext cx="952500" cy="330200"/>
+            </a:xfrm>
+            <a:prstGeom prst="straightConnector1">
+              <a:avLst/>
+            </a:prstGeom>
+            <a:ln w="57150">
+              <a:solidFill>
+                <a:srgbClr val="FF0000"/>
+              </a:solidFill>
+              <a:tailEnd type="triangle"/>
+            </a:ln>
+          </p:spPr>
+          <p:style>
+            <a:lnRef idx="1">
+              <a:schemeClr val="accent1"/>
+            </a:lnRef>
+            <a:fillRef idx="0">
+              <a:schemeClr val="accent1"/>
+            </a:fillRef>
+            <a:effectRef idx="0">
+              <a:schemeClr val="accent1"/>
+            </a:effectRef>
+            <a:fontRef idx="minor">
+              <a:schemeClr val="tx1"/>
+            </a:fontRef>
+          </p:style>
+        </p:cxnSp>
+        <p:sp>
+          <p:nvSpPr>
+            <p:cNvPr id="13" name="文字方塊 12"/>
+            <p:cNvSpPr txBox="1"/>
+            <p:nvPr/>
+          </p:nvSpPr>
+          <p:spPr>
+            <a:xfrm>
+              <a:off x="7886699" y="3845867"/>
+              <a:ext cx="2057401" cy="461665"/>
+            </a:xfrm>
+            <a:prstGeom prst="rect">
+              <a:avLst/>
+            </a:prstGeom>
+            <a:noFill/>
+            <a:ln>
+              <a:solidFill>
+                <a:schemeClr val="bg2"/>
+              </a:solidFill>
+            </a:ln>
+          </p:spPr>
+          <p:txBody>
+            <a:bodyPr wrap="square" rtlCol="0">
+              <a:spAutoFit/>
+            </a:bodyPr>
+            <a:lstStyle/>
+            <a:p>
+              <a:r>
+                <a:rPr lang="zh-TW" altLang="en-US" sz="2400" dirty="0" smtClean="0">
+                  <a:solidFill>
+                    <a:srgbClr val="FF0000"/>
+                  </a:solidFill>
+                </a:rPr>
+                <a:t>狀態切換文字</a:t>
+              </a:r>
+              <a:endParaRPr lang="zh-TW" altLang="en-US" sz="2400" dirty="0">
+                <a:solidFill>
+                  <a:srgbClr val="FF0000"/>
+                </a:solidFill>
+              </a:endParaRPr>
+            </a:p>
+          </p:txBody>
+        </p:sp>
+      </p:grpSp>
+      <p:grpSp>
+        <p:nvGrpSpPr>
+          <p:cNvPr id="18" name="群組 17"/>
+          <p:cNvGrpSpPr/>
+          <p:nvPr/>
+        </p:nvGrpSpPr>
+        <p:grpSpPr>
+          <a:xfrm>
+            <a:off x="6337300" y="1511301"/>
+            <a:ext cx="2578099" cy="828004"/>
+            <a:chOff x="6337300" y="1511301"/>
+            <a:chExt cx="2578099" cy="828004"/>
+          </a:xfrm>
+        </p:grpSpPr>
+        <p:cxnSp>
+          <p:nvCxnSpPr>
+            <p:cNvPr id="14" name="直線單箭頭接點 13"/>
+            <p:cNvCxnSpPr/>
+            <p:nvPr/>
+          </p:nvCxnSpPr>
+          <p:spPr>
+            <a:xfrm>
+              <a:off x="7962899" y="1972966"/>
+              <a:ext cx="952500" cy="366339"/>
+            </a:xfrm>
+            <a:prstGeom prst="straightConnector1">
+              <a:avLst/>
+            </a:prstGeom>
+            <a:ln w="57150">
+              <a:solidFill>
+                <a:srgbClr val="FF0000"/>
+              </a:solidFill>
+              <a:tailEnd type="triangle"/>
+            </a:ln>
+          </p:spPr>
+          <p:style>
+            <a:lnRef idx="1">
+              <a:schemeClr val="accent1"/>
+            </a:lnRef>
+            <a:fillRef idx="0">
+              <a:schemeClr val="accent1"/>
+            </a:fillRef>
+            <a:effectRef idx="0">
+              <a:schemeClr val="accent1"/>
+            </a:effectRef>
+            <a:fontRef idx="minor">
+              <a:schemeClr val="tx1"/>
+            </a:fontRef>
+          </p:style>
+        </p:cxnSp>
+        <p:sp>
+          <p:nvSpPr>
+            <p:cNvPr id="16" name="文字方塊 15"/>
+            <p:cNvSpPr txBox="1"/>
+            <p:nvPr/>
+          </p:nvSpPr>
+          <p:spPr>
+            <a:xfrm>
+              <a:off x="6337300" y="1511301"/>
+              <a:ext cx="1422399" cy="461665"/>
+            </a:xfrm>
+            <a:prstGeom prst="rect">
+              <a:avLst/>
+            </a:prstGeom>
+            <a:noFill/>
+            <a:ln>
+              <a:solidFill>
+                <a:schemeClr val="bg2"/>
+              </a:solidFill>
+            </a:ln>
+          </p:spPr>
+          <p:txBody>
+            <a:bodyPr wrap="square" rtlCol="0">
+              <a:spAutoFit/>
+            </a:bodyPr>
+            <a:lstStyle/>
+            <a:p>
+              <a:r>
+                <a:rPr lang="zh-TW" altLang="en-US" sz="2400" dirty="0" smtClean="0">
+                  <a:solidFill>
+                    <a:srgbClr val="FF0000"/>
+                  </a:solidFill>
+                </a:rPr>
+                <a:t>觸發</a:t>
+              </a:r>
+              <a:r>
+                <a:rPr lang="zh-TW" altLang="en-US" sz="2400" dirty="0">
+                  <a:solidFill>
+                    <a:srgbClr val="FF0000"/>
+                  </a:solidFill>
+                </a:rPr>
+                <a:t>事件</a:t>
+              </a:r>
+            </a:p>
+          </p:txBody>
+        </p:sp>
+      </p:grpSp>
+      <p:sp>
+        <p:nvSpPr>
+          <p:cNvPr id="19" name="文字方塊 18"/>
+          <p:cNvSpPr txBox="1"/>
+          <p:nvPr/>
+        </p:nvSpPr>
+        <p:spPr>
+          <a:xfrm>
+            <a:off x="3632200" y="5121596"/>
+            <a:ext cx="7950200" cy="1384995"/>
+          </a:xfrm>
+          <a:prstGeom prst="rect">
+            <a:avLst/>
+          </a:prstGeom>
+          <a:noFill/>
+        </p:spPr>
+        <p:txBody>
+          <a:bodyPr wrap="square" rtlCol="0">
+            <a:spAutoFit/>
+          </a:bodyPr>
+          <a:lstStyle/>
+          <a:p>
+            <a:r>
+              <a:rPr lang="zh-TW" altLang="en-US" sz="2800" dirty="0" smtClean="0">
+                <a:solidFill>
+                  <a:schemeClr val="bg1">
+                    <a:lumMod val="95000"/>
+                  </a:schemeClr>
+                </a:solidFill>
+                <a:latin typeface="+mj-ea"/>
+                <a:ea typeface="+mj-ea"/>
+              </a:rPr>
+              <a:t>明顯的缺點</a:t>
+            </a:r>
+            <a:r>
+              <a:rPr lang="en-US" altLang="zh-TW" sz="2800" dirty="0" smtClean="0">
+                <a:solidFill>
+                  <a:schemeClr val="bg1">
+                    <a:lumMod val="95000"/>
+                  </a:schemeClr>
+                </a:solidFill>
+                <a:latin typeface="+mj-ea"/>
+                <a:ea typeface="+mj-ea"/>
+              </a:rPr>
+              <a:t>:</a:t>
+            </a:r>
+          </a:p>
+          <a:p>
+            <a:pPr marL="285750" indent="-285750">
+              <a:buFont typeface="Arial" panose="020B0604020202020204" pitchFamily="34" charset="0"/>
+              <a:buChar char="•"/>
+            </a:pPr>
+            <a:r>
+              <a:rPr lang="zh-TW" altLang="en-US" sz="2800" dirty="0" smtClean="0">
+                <a:solidFill>
+                  <a:schemeClr val="bg1">
+                    <a:lumMod val="95000"/>
+                  </a:schemeClr>
+                </a:solidFill>
+                <a:latin typeface="+mj-ea"/>
+                <a:ea typeface="+mj-ea"/>
+              </a:rPr>
+              <a:t>順序</a:t>
+            </a:r>
+            <a:r>
+              <a:rPr lang="zh-TW" altLang="en-US" sz="2800" dirty="0">
+                <a:solidFill>
+                  <a:schemeClr val="bg1">
+                    <a:lumMod val="95000"/>
+                  </a:schemeClr>
+                </a:solidFill>
+                <a:latin typeface="+mj-ea"/>
+                <a:ea typeface="+mj-ea"/>
+              </a:rPr>
+              <a:t>無法</a:t>
+            </a:r>
+            <a:r>
+              <a:rPr lang="zh-TW" altLang="en-US" sz="2800" dirty="0" smtClean="0">
+                <a:solidFill>
+                  <a:schemeClr val="bg1">
+                    <a:lumMod val="95000"/>
+                  </a:schemeClr>
+                </a:solidFill>
+                <a:latin typeface="+mj-ea"/>
+                <a:ea typeface="+mj-ea"/>
+              </a:rPr>
+              <a:t>調動</a:t>
+            </a:r>
+            <a:endParaRPr lang="en-US" altLang="zh-TW" sz="2800" dirty="0" smtClean="0">
+              <a:solidFill>
+                <a:schemeClr val="bg1">
+                  <a:lumMod val="95000"/>
+                </a:schemeClr>
+              </a:solidFill>
+              <a:latin typeface="+mj-ea"/>
+              <a:ea typeface="+mj-ea"/>
+            </a:endParaRPr>
+          </a:p>
+          <a:p>
+            <a:pPr marL="285750" indent="-285750">
+              <a:buFont typeface="Arial" panose="020B0604020202020204" pitchFamily="34" charset="0"/>
+              <a:buChar char="•"/>
+            </a:pPr>
+            <a:r>
+              <a:rPr lang="zh-TW" altLang="en-US" sz="2800" dirty="0" smtClean="0">
+                <a:solidFill>
+                  <a:schemeClr val="bg1">
+                    <a:lumMod val="95000"/>
+                  </a:schemeClr>
+                </a:solidFill>
+                <a:latin typeface="+mj-ea"/>
+                <a:ea typeface="+mj-ea"/>
+              </a:rPr>
+              <a:t> </a:t>
+            </a:r>
+            <a:r>
+              <a:rPr lang="en-US" altLang="zh-TW" sz="2800" dirty="0">
+                <a:solidFill>
+                  <a:schemeClr val="bg1">
+                    <a:lumMod val="95000"/>
+                  </a:schemeClr>
+                </a:solidFill>
+                <a:latin typeface="+mj-ea"/>
+                <a:ea typeface="+mj-ea"/>
+              </a:rPr>
+              <a:t>Props </a:t>
+            </a:r>
+            <a:r>
+              <a:rPr lang="zh-TW" altLang="en-US" sz="2800" dirty="0">
+                <a:solidFill>
+                  <a:schemeClr val="bg1">
+                    <a:lumMod val="95000"/>
+                  </a:schemeClr>
+                </a:solidFill>
+                <a:latin typeface="+mj-ea"/>
+                <a:ea typeface="+mj-ea"/>
+              </a:rPr>
+              <a:t>來傳遞 </a:t>
+            </a:r>
+            <a:r>
+              <a:rPr lang="en-US" altLang="zh-TW" sz="2800" dirty="0">
+                <a:solidFill>
+                  <a:schemeClr val="bg1">
+                    <a:lumMod val="95000"/>
+                  </a:schemeClr>
+                </a:solidFill>
+                <a:latin typeface="+mj-ea"/>
+                <a:ea typeface="+mj-ea"/>
+              </a:rPr>
+              <a:t>UI </a:t>
+            </a:r>
+            <a:r>
+              <a:rPr lang="zh-TW" altLang="en-US" sz="2800" dirty="0" smtClean="0">
+                <a:solidFill>
+                  <a:schemeClr val="bg1">
+                    <a:lumMod val="95000"/>
+                  </a:schemeClr>
+                </a:solidFill>
+                <a:latin typeface="+mj-ea"/>
+                <a:ea typeface="+mj-ea"/>
+              </a:rPr>
+              <a:t>元件，</a:t>
+            </a:r>
+            <a:r>
+              <a:rPr lang="zh-TW" altLang="en-US" sz="2800" dirty="0">
+                <a:solidFill>
+                  <a:schemeClr val="bg1">
+                    <a:lumMod val="95000"/>
+                  </a:schemeClr>
+                </a:solidFill>
+                <a:latin typeface="+mj-ea"/>
+                <a:ea typeface="+mj-ea"/>
+              </a:rPr>
+              <a:t>容易造成</a:t>
+            </a:r>
+            <a:r>
+              <a:rPr lang="zh-TW" altLang="en-US" sz="2800" dirty="0" smtClean="0">
+                <a:solidFill>
+                  <a:schemeClr val="bg1">
+                    <a:lumMod val="95000"/>
+                  </a:schemeClr>
+                </a:solidFill>
+                <a:latin typeface="+mj-ea"/>
+                <a:ea typeface="+mj-ea"/>
+              </a:rPr>
+              <a:t>使用者困擾</a:t>
+            </a:r>
+            <a:endParaRPr lang="zh-TW" altLang="en-US" sz="2800" dirty="0">
+              <a:solidFill>
+                <a:schemeClr val="bg1">
+                  <a:lumMod val="95000"/>
+                </a:schemeClr>
+              </a:solidFill>
+              <a:latin typeface="+mj-ea"/>
+              <a:ea typeface="+mj-ea"/>
+            </a:endParaRPr>
           </a:p>
         </p:txBody>
       </p:sp>
@@ -17648,9 +18505,170 @@
   <p:timing>
     <p:tnLst>
       <p:par>
-        <p:cTn id="1" dur="indefinite" restart="never" nodeType="tmRoot"/>
+        <p:cTn id="1" dur="indefinite" restart="never" nodeType="tmRoot">
+          <p:childTnLst>
+            <p:seq concurrent="1" nextAc="seek">
+              <p:cTn id="2" dur="indefinite" nodeType="mainSeq">
+                <p:childTnLst>
+                  <p:par>
+                    <p:cTn id="3" fill="hold">
+                      <p:stCondLst>
+                        <p:cond delay="indefinite"/>
+                      </p:stCondLst>
+                      <p:childTnLst>
+                        <p:par>
+                          <p:cTn id="4" fill="hold">
+                            <p:stCondLst>
+                              <p:cond delay="0"/>
+                            </p:stCondLst>
+                            <p:childTnLst>
+                              <p:par>
+                                <p:cTn id="5" presetID="1" presetClass="entr" presetSubtype="0" fill="hold" nodeType="clickEffect">
+                                  <p:stCondLst>
+                                    <p:cond delay="0"/>
+                                  </p:stCondLst>
+                                  <p:childTnLst>
+                                    <p:set>
+                                      <p:cBhvr>
+                                        <p:cTn id="6" dur="1" fill="hold">
+                                          <p:stCondLst>
+                                            <p:cond delay="0"/>
+                                          </p:stCondLst>
+                                        </p:cTn>
+                                        <p:tgtEl>
+                                          <p:spTgt spid="18"/>
+                                        </p:tgtEl>
+                                        <p:attrNameLst>
+                                          <p:attrName>style.visibility</p:attrName>
+                                        </p:attrNameLst>
+                                      </p:cBhvr>
+                                      <p:to>
+                                        <p:strVal val="visible"/>
+                                      </p:to>
+                                    </p:set>
+                                  </p:childTnLst>
+                                </p:cTn>
+                              </p:par>
+                            </p:childTnLst>
+                          </p:cTn>
+                        </p:par>
+                      </p:childTnLst>
+                    </p:cTn>
+                  </p:par>
+                  <p:par>
+                    <p:cTn id="7" fill="hold">
+                      <p:stCondLst>
+                        <p:cond delay="indefinite"/>
+                      </p:stCondLst>
+                      <p:childTnLst>
+                        <p:par>
+                          <p:cTn id="8" fill="hold">
+                            <p:stCondLst>
+                              <p:cond delay="0"/>
+                            </p:stCondLst>
+                            <p:childTnLst>
+                              <p:par>
+                                <p:cTn id="9" presetID="1" presetClass="entr" presetSubtype="0" fill="hold" nodeType="clickEffect">
+                                  <p:stCondLst>
+                                    <p:cond delay="0"/>
+                                  </p:stCondLst>
+                                  <p:childTnLst>
+                                    <p:set>
+                                      <p:cBhvr>
+                                        <p:cTn id="10" dur="1" fill="hold">
+                                          <p:stCondLst>
+                                            <p:cond delay="0"/>
+                                          </p:stCondLst>
+                                        </p:cTn>
+                                        <p:tgtEl>
+                                          <p:spTgt spid="17"/>
+                                        </p:tgtEl>
+                                        <p:attrNameLst>
+                                          <p:attrName>style.visibility</p:attrName>
+                                        </p:attrNameLst>
+                                      </p:cBhvr>
+                                      <p:to>
+                                        <p:strVal val="visible"/>
+                                      </p:to>
+                                    </p:set>
+                                  </p:childTnLst>
+                                </p:cTn>
+                              </p:par>
+                            </p:childTnLst>
+                          </p:cTn>
+                        </p:par>
+                      </p:childTnLst>
+                    </p:cTn>
+                  </p:par>
+                  <p:par>
+                    <p:cTn id="11" fill="hold">
+                      <p:stCondLst>
+                        <p:cond delay="indefinite"/>
+                      </p:stCondLst>
+                      <p:childTnLst>
+                        <p:par>
+                          <p:cTn id="12" fill="hold">
+                            <p:stCondLst>
+                              <p:cond delay="0"/>
+                            </p:stCondLst>
+                            <p:childTnLst>
+                              <p:par>
+                                <p:cTn id="13" presetID="1" presetClass="entr" presetSubtype="0" fill="hold" grpId="0" nodeType="clickEffect">
+                                  <p:stCondLst>
+                                    <p:cond delay="0"/>
+                                  </p:stCondLst>
+                                  <p:childTnLst>
+                                    <p:set>
+                                      <p:cBhvr>
+                                        <p:cTn id="14" dur="1" fill="hold">
+                                          <p:stCondLst>
+                                            <p:cond delay="0"/>
+                                          </p:stCondLst>
+                                        </p:cTn>
+                                        <p:tgtEl>
+                                          <p:spTgt spid="19"/>
+                                        </p:tgtEl>
+                                        <p:attrNameLst>
+                                          <p:attrName>style.visibility</p:attrName>
+                                        </p:attrNameLst>
+                                      </p:cBhvr>
+                                      <p:to>
+                                        <p:strVal val="visible"/>
+                                      </p:to>
+                                    </p:set>
+                                  </p:childTnLst>
+                                </p:cTn>
+                              </p:par>
+                            </p:childTnLst>
+                          </p:cTn>
+                        </p:par>
+                      </p:childTnLst>
+                    </p:cTn>
+                  </p:par>
+                </p:childTnLst>
+              </p:cTn>
+              <p:prevCondLst>
+                <p:cond evt="onPrev" delay="0">
+                  <p:tgtEl>
+                    <p:sldTgt/>
+                  </p:tgtEl>
+                </p:cond>
+              </p:prevCondLst>
+              <p:nextCondLst>
+                <p:cond evt="onNext" delay="0">
+                  <p:tgtEl>
+                    <p:sldTgt/>
+                  </p:tgtEl>
+                </p:cond>
+              </p:nextCondLst>
+            </p:seq>
+          </p:childTnLst>
+        </p:cTn>
       </p:par>
     </p:tnLst>
+    <p:bldLst>
+      <p:bldP spid="19" grpId="0"/>
+    </p:bldLst>
   </p:timing>
 </p:sld>
 </file>
@@ -17674,13 +18692,7 @@
       </p:grpSpPr>
       <p:sp>
         <p:nvSpPr>
-          <p:cNvPr id="2" name="投影片編號版面配置區 1">
-            <a:extLst>
-              <a:ext uri="{FF2B5EF4-FFF2-40B4-BE49-F238E27FC236}">
-                <a16:creationId xmlns:a16="http://schemas.microsoft.com/office/drawing/2014/main" id="{5321DC1F-7624-4F57-B673-3C48399B9283}"/>
-              </a:ext>
-            </a:extLst>
-          </p:cNvPr>
+          <p:cNvPr id="2" name="投影片編號版面配置區 1"/>
           <p:cNvSpPr>
             <a:spLocks noGrp="1"/>
           </p:cNvSpPr>
@@ -17704,13 +18716,7 @@
       </p:sp>
       <p:sp>
         <p:nvSpPr>
-          <p:cNvPr id="3" name="文字版面配置區 2">
-            <a:extLst>
-              <a:ext uri="{FF2B5EF4-FFF2-40B4-BE49-F238E27FC236}">
-                <a16:creationId xmlns:a16="http://schemas.microsoft.com/office/drawing/2014/main" id="{96931718-23C2-4D8C-9172-96D6394F2897}"/>
-              </a:ext>
-            </a:extLst>
-          </p:cNvPr>
+          <p:cNvPr id="3" name="文字版面配置區 2"/>
           <p:cNvSpPr>
             <a:spLocks noGrp="1"/>
           </p:cNvSpPr>
@@ -17718,45 +18724,50 @@
             <p:ph type="body" sz="quarter" idx="13"/>
           </p:nvPr>
         </p:nvSpPr>
-        <p:spPr/>
+        <p:spPr>
+          <a:xfrm>
+            <a:off x="0" y="217075"/>
+            <a:ext cx="12192000" cy="554037"/>
+          </a:xfrm>
+        </p:spPr>
         <p:txBody>
           <a:bodyPr/>
           <a:lstStyle/>
           <a:p>
             <a:r>
-              <a:rPr lang="en-US" altLang="zh-TW" dirty="0" err="1">
-                <a:latin typeface="+mn-ea"/>
-              </a:rPr>
-              <a:t>useContext</a:t>
-            </a:r>
-            <a:r>
-              <a:rPr lang="en-US" altLang="zh-TW" dirty="0">
-                <a:latin typeface="+mj-ea"/>
-              </a:rPr>
-              <a:t>( )</a:t>
-            </a:r>
-            <a:endParaRPr lang="zh-TW" altLang="en-US" dirty="0">
-              <a:latin typeface="+mj-ea"/>
-            </a:endParaRPr>
-          </a:p>
-        </p:txBody>
-      </p:sp>
-      <p:sp>
-        <p:nvSpPr>
-          <p:cNvPr id="4" name="文字方塊 3">
-            <a:extLst>
-              <a:ext uri="{FF2B5EF4-FFF2-40B4-BE49-F238E27FC236}">
-                <a16:creationId xmlns:a16="http://schemas.microsoft.com/office/drawing/2014/main" id="{CFE87475-59D0-460C-AB14-072C4D7985E0}"/>
-              </a:ext>
-            </a:extLst>
-          </p:cNvPr>
+              <a:rPr lang="en-US" altLang="zh-TW" dirty="0"/>
+              <a:t>C</a:t>
+            </a:r>
+            <a:r>
+              <a:rPr lang="zh-TW" altLang="en-US" dirty="0"/>
+              <a:t>omponent </a:t>
+            </a:r>
+            <a:r>
+              <a:rPr lang="en-US" altLang="zh-TW" dirty="0"/>
+              <a:t>Design</a:t>
+            </a:r>
+            <a:r>
+              <a:rPr lang="zh-TW" altLang="en-US" dirty="0"/>
+              <a:t> </a:t>
+            </a:r>
+            <a:r>
+              <a:rPr lang="en-US" altLang="zh-TW" dirty="0"/>
+              <a:t>Pattern</a:t>
+            </a:r>
+            <a:endParaRPr lang="zh-TW" altLang="en-US" dirty="0"/>
+          </a:p>
+        </p:txBody>
+      </p:sp>
+      <p:sp>
+        <p:nvSpPr>
+          <p:cNvPr id="5" name="文字方塊 4"/>
           <p:cNvSpPr txBox="1"/>
           <p:nvPr/>
         </p:nvSpPr>
         <p:spPr>
           <a:xfrm>
-            <a:off x="1362171" y="1884732"/>
-            <a:ext cx="8587945" cy="1569660"/>
+            <a:off x="762585" y="2053506"/>
+            <a:ext cx="11251615" cy="3139321"/>
           </a:xfrm>
           <a:prstGeom prst="rect">
             <a:avLst/>
@@ -17769,130 +18780,465 @@
           </a:bodyPr>
           <a:lstStyle/>
           <a:p>
-            <a:pPr marL="457200" indent="-457200">
+            <a:pPr>
               <a:lnSpc>
                 <a:spcPct val="150000"/>
               </a:lnSpc>
-              <a:buFont typeface="Arial" panose="020B0604020202020204" pitchFamily="34" charset="0"/>
-              <a:buChar char="•"/>
             </a:pPr>
             <a:r>
-              <a:rPr lang="zh-TW" altLang="en-US" sz="3200" dirty="0">
+              <a:rPr lang="en-US" altLang="zh-TW" sz="3200" dirty="0">
                 <a:solidFill>
                   <a:schemeClr val="bg1">
-                    <a:lumMod val="75000"/>
+                    <a:lumMod val="95000"/>
                   </a:schemeClr>
                 </a:solidFill>
-                <a:latin typeface="+mn-ea"/>
-              </a:rPr>
-              <a:t>用於組件中上下結構的溝通</a:t>
-            </a:r>
-            <a:endParaRPr lang="en-US" altLang="zh-TW" sz="3200" dirty="0">
+                <a:latin typeface="+mj-ea"/>
+                <a:ea typeface="+mj-ea"/>
+              </a:rPr>
+              <a:t>&lt;</a:t>
+            </a:r>
+            <a:r>
+              <a:rPr lang="en-US" altLang="zh-TW" sz="3200" dirty="0">
+                <a:solidFill>
+                  <a:schemeClr val="accent1"/>
+                </a:solidFill>
+                <a:latin typeface="+mj-ea"/>
+                <a:ea typeface="+mj-ea"/>
+              </a:rPr>
+              <a:t>Toggle</a:t>
+            </a:r>
+            <a:r>
+              <a:rPr lang="en-US" altLang="zh-TW" sz="3200" dirty="0">
+                <a:solidFill>
+                  <a:schemeClr val="bg1">
+                    <a:lumMod val="95000"/>
+                  </a:schemeClr>
+                </a:solidFill>
+                <a:latin typeface="+mj-ea"/>
+                <a:ea typeface="+mj-ea"/>
+              </a:rPr>
+              <a:t> </a:t>
+            </a:r>
+            <a:r>
+              <a:rPr lang="en-US" altLang="zh-TW" sz="3200" dirty="0">
+                <a:solidFill>
+                  <a:schemeClr val="bg1">
+                    <a:lumMod val="95000"/>
+                  </a:schemeClr>
+                </a:solidFill>
+                <a:latin typeface="+mj-ea"/>
+                <a:ea typeface="+mj-ea"/>
+              </a:rPr>
+              <a:t>	</a:t>
+            </a:r>
+            <a:r>
+              <a:rPr lang="en-US" altLang="zh-TW" sz="3200" dirty="0" smtClean="0">
+                <a:solidFill>
+                  <a:schemeClr val="accent2"/>
+                </a:solidFill>
+                <a:latin typeface="+mj-ea"/>
+                <a:ea typeface="+mj-ea"/>
+              </a:rPr>
+              <a:t>onToggle</a:t>
+            </a:r>
+            <a:r>
+              <a:rPr lang="en-US" altLang="zh-TW" sz="3200" dirty="0" smtClean="0">
+                <a:solidFill>
+                  <a:schemeClr val="bg1">
+                    <a:lumMod val="95000"/>
+                  </a:schemeClr>
+                </a:solidFill>
+                <a:latin typeface="+mj-ea"/>
+                <a:ea typeface="+mj-ea"/>
+              </a:rPr>
+              <a:t>={(</a:t>
+            </a:r>
+            <a:r>
+              <a:rPr lang="zh-TW" altLang="en-US" sz="3200" dirty="0" smtClean="0">
+                <a:solidFill>
+                  <a:schemeClr val="bg1">
+                    <a:lumMod val="95000"/>
+                  </a:schemeClr>
+                </a:solidFill>
+                <a:latin typeface="+mj-ea"/>
+                <a:ea typeface="+mj-ea"/>
+              </a:rPr>
+              <a:t> </a:t>
+            </a:r>
+            <a:r>
+              <a:rPr lang="en-US" altLang="zh-TW" sz="3200" dirty="0" smtClean="0">
+                <a:solidFill>
+                  <a:schemeClr val="bg1">
+                    <a:lumMod val="95000"/>
+                  </a:schemeClr>
+                </a:solidFill>
+                <a:latin typeface="+mj-ea"/>
+                <a:ea typeface="+mj-ea"/>
+              </a:rPr>
+              <a:t>)=&gt; </a:t>
+            </a:r>
+            <a:r>
+              <a:rPr lang="en-US" altLang="zh-TW" sz="3200" dirty="0">
+                <a:solidFill>
+                  <a:schemeClr val="bg1">
+                    <a:lumMod val="95000"/>
+                  </a:schemeClr>
+                </a:solidFill>
+                <a:latin typeface="+mj-ea"/>
+                <a:ea typeface="+mj-ea"/>
+              </a:rPr>
+              <a:t>console.log</a:t>
+            </a:r>
+            <a:r>
+              <a:rPr lang="en-US" altLang="zh-TW" sz="3200" dirty="0" smtClean="0">
+                <a:solidFill>
+                  <a:schemeClr val="bg1">
+                    <a:lumMod val="95000"/>
+                  </a:schemeClr>
+                </a:solidFill>
+                <a:latin typeface="+mj-ea"/>
+                <a:ea typeface="+mj-ea"/>
+              </a:rPr>
+              <a:t>(</a:t>
+            </a:r>
+            <a:r>
+              <a:rPr lang="en-US" altLang="zh-TW" sz="3200" dirty="0">
+                <a:solidFill>
+                  <a:schemeClr val="accent3"/>
+                </a:solidFill>
+                <a:latin typeface="+mj-ea"/>
+              </a:rPr>
+              <a:t>'</a:t>
+            </a:r>
+            <a:r>
+              <a:rPr lang="en-US" altLang="zh-TW" sz="3200" dirty="0" err="1">
+                <a:solidFill>
+                  <a:schemeClr val="accent3"/>
+                </a:solidFill>
+                <a:latin typeface="+mj-ea"/>
+              </a:rPr>
+              <a:t>yeee</a:t>
+            </a:r>
+            <a:r>
+              <a:rPr lang="en-US" altLang="zh-TW" sz="3200" dirty="0">
+                <a:solidFill>
+                  <a:schemeClr val="accent3"/>
+                </a:solidFill>
+                <a:latin typeface="+mj-ea"/>
+              </a:rPr>
+              <a:t>, I am on</a:t>
+            </a:r>
+            <a:r>
+              <a:rPr lang="en-US" altLang="zh-TW" sz="3200" dirty="0" smtClean="0">
+                <a:solidFill>
+                  <a:schemeClr val="accent3"/>
+                </a:solidFill>
+                <a:latin typeface="+mj-ea"/>
+              </a:rPr>
+              <a:t>'</a:t>
+            </a:r>
+            <a:r>
+              <a:rPr lang="en-US" altLang="zh-TW" sz="3200" dirty="0" smtClean="0">
+                <a:solidFill>
+                  <a:schemeClr val="bg1">
+                    <a:lumMod val="95000"/>
+                  </a:schemeClr>
+                </a:solidFill>
+                <a:latin typeface="+mj-ea"/>
+                <a:ea typeface="+mj-ea"/>
+              </a:rPr>
+              <a:t>)} </a:t>
+            </a:r>
+            <a:r>
+              <a:rPr lang="en-US" altLang="zh-TW" sz="3200" dirty="0">
+                <a:solidFill>
+                  <a:schemeClr val="bg1">
+                    <a:lumMod val="95000"/>
+                  </a:schemeClr>
+                </a:solidFill>
+                <a:latin typeface="+mj-ea"/>
+                <a:ea typeface="+mj-ea"/>
+              </a:rPr>
+              <a:t>&gt; </a:t>
+            </a:r>
+            <a:endParaRPr lang="en-US" altLang="zh-TW" sz="3200" dirty="0" smtClean="0">
               <a:solidFill>
                 <a:schemeClr val="bg1">
-                  <a:lumMod val="75000"/>
+                  <a:lumMod val="95000"/>
                 </a:schemeClr>
               </a:solidFill>
-              <a:latin typeface="+mn-ea"/>
+              <a:latin typeface="+mj-ea"/>
+              <a:ea typeface="+mj-ea"/>
             </a:endParaRPr>
           </a:p>
           <a:p>
-            <a:pPr marL="457200" indent="-457200">
+            <a:pPr>
               <a:lnSpc>
                 <a:spcPct val="150000"/>
               </a:lnSpc>
-              <a:buFont typeface="Arial" panose="020B0604020202020204" pitchFamily="34" charset="0"/>
-              <a:buChar char="•"/>
             </a:pPr>
             <a:r>
-              <a:rPr lang="zh-TW" altLang="en-US" sz="3200" dirty="0">
+              <a:rPr lang="en-US" altLang="zh-TW" sz="3200" dirty="0">
                 <a:solidFill>
                   <a:schemeClr val="bg1">
-                    <a:lumMod val="75000"/>
+                    <a:lumMod val="95000"/>
                   </a:schemeClr>
                 </a:solidFill>
-                <a:latin typeface="+mn-ea"/>
-              </a:rPr>
-              <a:t>省去 </a:t>
+                <a:latin typeface="+mj-ea"/>
+                <a:ea typeface="+mj-ea"/>
+              </a:rPr>
+              <a:t>	</a:t>
+            </a:r>
+            <a:r>
+              <a:rPr lang="en-US" altLang="zh-TW" sz="3200" dirty="0" smtClean="0">
+                <a:solidFill>
+                  <a:schemeClr val="bg1">
+                    <a:lumMod val="95000"/>
+                  </a:schemeClr>
+                </a:solidFill>
+                <a:latin typeface="+mj-ea"/>
+                <a:ea typeface="+mj-ea"/>
+              </a:rPr>
+              <a:t>&lt;</a:t>
             </a:r>
             <a:r>
               <a:rPr lang="en-US" altLang="zh-TW" sz="3200" dirty="0">
                 <a:solidFill>
+                  <a:schemeClr val="accent1"/>
+                </a:solidFill>
+                <a:latin typeface="+mj-ea"/>
+                <a:ea typeface="+mj-ea"/>
+              </a:rPr>
+              <a:t>Toggle.On</a:t>
+            </a:r>
+            <a:r>
+              <a:rPr lang="en-US" altLang="zh-TW" sz="3200" dirty="0">
+                <a:solidFill>
                   <a:schemeClr val="bg1">
-                    <a:lumMod val="75000"/>
+                    <a:lumMod val="95000"/>
                   </a:schemeClr>
                 </a:solidFill>
-                <a:latin typeface="+mn-ea"/>
-              </a:rPr>
-              <a:t>Props</a:t>
-            </a:r>
-            <a:r>
-              <a:rPr lang="zh-TW" altLang="en-US" sz="3200" dirty="0">
+                <a:latin typeface="+mj-ea"/>
+                <a:ea typeface="+mj-ea"/>
+              </a:rPr>
+              <a:t>&gt;</a:t>
+            </a:r>
+            <a:r>
+              <a:rPr lang="en-US" altLang="zh-TW" sz="3200" dirty="0">
+                <a:solidFill>
+                  <a:schemeClr val="accent3"/>
+                </a:solidFill>
+                <a:latin typeface="+mj-ea"/>
+                <a:ea typeface="+mj-ea"/>
+              </a:rPr>
+              <a:t>The button is on</a:t>
+            </a:r>
+            <a:r>
+              <a:rPr lang="en-US" altLang="zh-TW" sz="3200" dirty="0">
                 <a:solidFill>
                   <a:schemeClr val="bg1">
-                    <a:lumMod val="75000"/>
+                    <a:lumMod val="95000"/>
                   </a:schemeClr>
                 </a:solidFill>
-                <a:latin typeface="+mn-ea"/>
-              </a:rPr>
-              <a:t> 的傳遞</a:t>
-            </a:r>
-            <a:endParaRPr lang="en-US" altLang="zh-TW" sz="3200" dirty="0">
+                <a:latin typeface="+mj-ea"/>
+                <a:ea typeface="+mj-ea"/>
+              </a:rPr>
+              <a:t>&lt;/</a:t>
+            </a:r>
+            <a:r>
+              <a:rPr lang="en-US" altLang="zh-TW" sz="3200" dirty="0">
+                <a:solidFill>
+                  <a:schemeClr val="accent1"/>
+                </a:solidFill>
+                <a:latin typeface="+mj-ea"/>
+                <a:ea typeface="+mj-ea"/>
+              </a:rPr>
+              <a:t>Toggle.On</a:t>
+            </a:r>
+            <a:r>
+              <a:rPr lang="en-US" altLang="zh-TW" sz="3200" dirty="0">
+                <a:solidFill>
+                  <a:schemeClr val="bg1">
+                    <a:lumMod val="95000"/>
+                  </a:schemeClr>
+                </a:solidFill>
+                <a:latin typeface="+mj-ea"/>
+                <a:ea typeface="+mj-ea"/>
+              </a:rPr>
+              <a:t>&gt; </a:t>
+            </a:r>
+            <a:endParaRPr lang="en-US" altLang="zh-TW" sz="3200" dirty="0" smtClean="0">
               <a:solidFill>
                 <a:schemeClr val="bg1">
-                  <a:lumMod val="75000"/>
+                  <a:lumMod val="95000"/>
                 </a:schemeClr>
               </a:solidFill>
-              <a:latin typeface="+mn-ea"/>
+              <a:latin typeface="+mj-ea"/>
+              <a:ea typeface="+mj-ea"/>
             </a:endParaRPr>
           </a:p>
-        </p:txBody>
-      </p:sp>
-      <p:pic>
-        <p:nvPicPr>
-          <p:cNvPr id="2052" name="Picture 4" descr="立ち話をする人のイラスト（男性会社員）"/>
-          <p:cNvPicPr>
-            <a:picLocks noChangeAspect="1" noChangeArrowheads="1"/>
-          </p:cNvPicPr>
-          <p:nvPr/>
-        </p:nvPicPr>
-        <p:blipFill>
-          <a:blip r:embed="rId2">
-            <a:extLst>
-              <a:ext uri="{28A0092B-C50C-407E-A947-70E740481C1C}">
-                <a14:useLocalDpi xmlns:a14="http://schemas.microsoft.com/office/drawing/2010/main" val="0"/>
-              </a:ext>
-            </a:extLst>
-          </a:blip>
-          <a:srcRect/>
-          <a:stretch>
-            <a:fillRect/>
-          </a:stretch>
-        </p:blipFill>
-        <p:spPr bwMode="auto">
-          <a:xfrm>
-            <a:off x="7102475" y="2371534"/>
-            <a:ext cx="3933825" cy="4286250"/>
-          </a:xfrm>
-          <a:prstGeom prst="rect">
-            <a:avLst/>
-          </a:prstGeom>
-          <a:noFill/>
-          <a:extLst>
-            <a:ext uri="{909E8E84-426E-40DD-AFC4-6F175D3DCCD1}">
-              <a14:hiddenFill xmlns:a14="http://schemas.microsoft.com/office/drawing/2010/main">
-                <a:solidFill>
-                  <a:srgbClr val="FFFFFF"/>
-                </a:solidFill>
-              </a14:hiddenFill>
-            </a:ext>
-          </a:extLst>
-        </p:spPr>
-      </p:pic>
+          <a:p>
+            <a:pPr>
+              <a:lnSpc>
+                <a:spcPct val="150000"/>
+              </a:lnSpc>
+            </a:pPr>
+            <a:r>
+              <a:rPr lang="en-US" altLang="zh-TW" sz="3200" dirty="0">
+                <a:solidFill>
+                  <a:schemeClr val="bg1">
+                    <a:lumMod val="95000"/>
+                  </a:schemeClr>
+                </a:solidFill>
+                <a:latin typeface="+mj-ea"/>
+                <a:ea typeface="+mj-ea"/>
+              </a:rPr>
+              <a:t>	</a:t>
+            </a:r>
+            <a:r>
+              <a:rPr lang="en-US" altLang="zh-TW" sz="3200" dirty="0" smtClean="0">
+                <a:solidFill>
+                  <a:schemeClr val="bg1">
+                    <a:lumMod val="95000"/>
+                  </a:schemeClr>
+                </a:solidFill>
+                <a:latin typeface="+mj-ea"/>
+                <a:ea typeface="+mj-ea"/>
+              </a:rPr>
+              <a:t>&lt;</a:t>
+            </a:r>
+            <a:r>
+              <a:rPr lang="en-US" altLang="zh-TW" sz="3200" dirty="0">
+                <a:solidFill>
+                  <a:schemeClr val="accent1"/>
+                </a:solidFill>
+                <a:latin typeface="+mj-ea"/>
+                <a:ea typeface="+mj-ea"/>
+              </a:rPr>
+              <a:t>Toggle.Off</a:t>
+            </a:r>
+            <a:r>
+              <a:rPr lang="en-US" altLang="zh-TW" sz="3200" dirty="0">
+                <a:solidFill>
+                  <a:schemeClr val="bg1">
+                    <a:lumMod val="95000"/>
+                  </a:schemeClr>
+                </a:solidFill>
+                <a:latin typeface="+mj-ea"/>
+                <a:ea typeface="+mj-ea"/>
+              </a:rPr>
+              <a:t>&gt;</a:t>
+            </a:r>
+            <a:r>
+              <a:rPr lang="en-US" altLang="zh-TW" sz="3200" dirty="0">
+                <a:solidFill>
+                  <a:schemeClr val="accent3"/>
+                </a:solidFill>
+                <a:latin typeface="+mj-ea"/>
+                <a:ea typeface="+mj-ea"/>
+              </a:rPr>
+              <a:t>The button is off</a:t>
+            </a:r>
+            <a:r>
+              <a:rPr lang="en-US" altLang="zh-TW" sz="3200" dirty="0">
+                <a:solidFill>
+                  <a:schemeClr val="bg1">
+                    <a:lumMod val="95000"/>
+                  </a:schemeClr>
+                </a:solidFill>
+                <a:latin typeface="+mj-ea"/>
+                <a:ea typeface="+mj-ea"/>
+              </a:rPr>
+              <a:t>&lt;/</a:t>
+            </a:r>
+            <a:r>
+              <a:rPr lang="en-US" altLang="zh-TW" sz="3200" dirty="0">
+                <a:solidFill>
+                  <a:schemeClr val="accent1"/>
+                </a:solidFill>
+                <a:latin typeface="+mj-ea"/>
+                <a:ea typeface="+mj-ea"/>
+              </a:rPr>
+              <a:t>Toggle.Off</a:t>
+            </a:r>
+            <a:r>
+              <a:rPr lang="en-US" altLang="zh-TW" sz="3200" dirty="0">
+                <a:solidFill>
+                  <a:schemeClr val="bg1">
+                    <a:lumMod val="95000"/>
+                  </a:schemeClr>
+                </a:solidFill>
+                <a:latin typeface="+mj-ea"/>
+                <a:ea typeface="+mj-ea"/>
+              </a:rPr>
+              <a:t>&gt; </a:t>
+            </a:r>
+            <a:endParaRPr lang="en-US" altLang="zh-TW" sz="3200" dirty="0" smtClean="0">
+              <a:solidFill>
+                <a:schemeClr val="bg1">
+                  <a:lumMod val="95000"/>
+                </a:schemeClr>
+              </a:solidFill>
+              <a:latin typeface="+mj-ea"/>
+              <a:ea typeface="+mj-ea"/>
+            </a:endParaRPr>
+          </a:p>
+          <a:p>
+            <a:pPr>
+              <a:lnSpc>
+                <a:spcPct val="150000"/>
+              </a:lnSpc>
+            </a:pPr>
+            <a:r>
+              <a:rPr lang="en-US" altLang="zh-TW" sz="3200" dirty="0" smtClean="0">
+                <a:solidFill>
+                  <a:schemeClr val="bg1">
+                    <a:lumMod val="95000"/>
+                  </a:schemeClr>
+                </a:solidFill>
+                <a:latin typeface="+mj-ea"/>
+                <a:ea typeface="+mj-ea"/>
+              </a:rPr>
+              <a:t>&lt;/</a:t>
+            </a:r>
+            <a:r>
+              <a:rPr lang="en-US" altLang="zh-TW" sz="3200" dirty="0">
+                <a:solidFill>
+                  <a:schemeClr val="accent1"/>
+                </a:solidFill>
+                <a:latin typeface="+mj-ea"/>
+                <a:ea typeface="+mj-ea"/>
+              </a:rPr>
+              <a:t>Toggle</a:t>
+            </a:r>
+            <a:r>
+              <a:rPr lang="en-US" altLang="zh-TW" sz="3200" dirty="0">
+                <a:solidFill>
+                  <a:schemeClr val="bg1">
+                    <a:lumMod val="95000"/>
+                  </a:schemeClr>
+                </a:solidFill>
+                <a:latin typeface="+mj-ea"/>
+                <a:ea typeface="+mj-ea"/>
+              </a:rPr>
+              <a:t>&gt;</a:t>
+            </a:r>
+            <a:endParaRPr lang="zh-TW" altLang="en-US" sz="5400" dirty="0">
+              <a:solidFill>
+                <a:schemeClr val="bg1">
+                  <a:lumMod val="95000"/>
+                </a:schemeClr>
+              </a:solidFill>
+              <a:latin typeface="+mj-ea"/>
+              <a:ea typeface="+mj-ea"/>
+            </a:endParaRPr>
+          </a:p>
+        </p:txBody>
+      </p:sp>
     </p:spTree>
     <p:extLst>
       <p:ext uri="{BB962C8B-B14F-4D97-AF65-F5344CB8AC3E}">
-        <p14:creationId xmlns:p14="http://schemas.microsoft.com/office/powerpoint/2010/main" val="2799963710"/>
+        <p14:creationId xmlns:p14="http://schemas.microsoft.com/office/powerpoint/2010/main" val="2948270509"/>
       </p:ext>
     </p:extLst>
   </p:cSld>
@@ -17943,7 +19289,7 @@
           <p:cNvPr id="2" name="投影片編號版面配置區 1">
             <a:extLst>
               <a:ext uri="{FF2B5EF4-FFF2-40B4-BE49-F238E27FC236}">
-                <a16:creationId xmlns:a16="http://schemas.microsoft.com/office/drawing/2014/main" id="{1E377D37-493E-406D-9DE2-523E37B5FB67}"/>
+                <a16:creationId xmlns:a16="http://schemas.microsoft.com/office/drawing/2014/main" id="{5321DC1F-7624-4F57-B673-3C48399B9283}"/>
               </a:ext>
             </a:extLst>
           </p:cNvPr>
@@ -17973,7 +19319,7 @@
           <p:cNvPr id="3" name="文字版面配置區 2">
             <a:extLst>
               <a:ext uri="{FF2B5EF4-FFF2-40B4-BE49-F238E27FC236}">
-                <a16:creationId xmlns:a16="http://schemas.microsoft.com/office/drawing/2014/main" id="{9336F88C-9E7A-4749-9292-86857EF467B2}"/>
+                <a16:creationId xmlns:a16="http://schemas.microsoft.com/office/drawing/2014/main" id="{96931718-23C2-4D8C-9172-96D6394F2897}"/>
               </a:ext>
             </a:extLst>
           </p:cNvPr>
@@ -17990,9 +19336,20 @@
           <a:lstStyle/>
           <a:p>
             <a:r>
-              <a:rPr lang="zh-TW" altLang="en-US" dirty="0"/>
-              <a:t>結構</a:t>
-            </a:r>
+              <a:rPr lang="en-US" altLang="zh-TW" dirty="0">
+                <a:latin typeface="+mn-ea"/>
+              </a:rPr>
+              <a:t>useContext</a:t>
+            </a:r>
+            <a:r>
+              <a:rPr lang="en-US" altLang="zh-TW" dirty="0">
+                <a:latin typeface="+mj-ea"/>
+              </a:rPr>
+              <a:t>( )</a:t>
+            </a:r>
+            <a:endParaRPr lang="zh-TW" altLang="en-US" dirty="0">
+              <a:latin typeface="+mj-ea"/>
+            </a:endParaRPr>
           </a:p>
         </p:txBody>
       </p:sp>
@@ -18001,7 +19358,7 @@
           <p:cNvPr id="4" name="文字方塊 3">
             <a:extLst>
               <a:ext uri="{FF2B5EF4-FFF2-40B4-BE49-F238E27FC236}">
-                <a16:creationId xmlns:a16="http://schemas.microsoft.com/office/drawing/2014/main" id="{FB0F8042-8748-4DA7-9C5C-CB93FC37DBFA}"/>
+                <a16:creationId xmlns:a16="http://schemas.microsoft.com/office/drawing/2014/main" id="{CFE87475-59D0-460C-AB14-072C4D7985E0}"/>
               </a:ext>
             </a:extLst>
           </p:cNvPr>
@@ -18010,8 +19367,8 @@
         </p:nvSpPr>
         <p:spPr>
           <a:xfrm>
-            <a:off x="1378107" y="1639098"/>
-            <a:ext cx="9782037" cy="584775"/>
+            <a:off x="1362171" y="1884732"/>
+            <a:ext cx="8587945" cy="1569660"/>
           </a:xfrm>
           <a:prstGeom prst="rect">
             <a:avLst/>
@@ -18019,518 +19376,135 @@
           <a:noFill/>
         </p:spPr>
         <p:txBody>
-          <a:bodyPr wrap="none" rtlCol="0">
+          <a:bodyPr wrap="square" rtlCol="0">
             <a:spAutoFit/>
           </a:bodyPr>
           <a:lstStyle/>
           <a:p>
-            <a:pPr algn="ctr"/>
-            <a:r>
-              <a:rPr lang="en-US" altLang="zh-TW" sz="3200" spc="300" dirty="0">
-                <a:solidFill>
-                  <a:schemeClr val="accent5">
-                    <a:lumMod val="60000"/>
-                    <a:lumOff val="40000"/>
-                  </a:schemeClr>
-                </a:solidFill>
-                <a:latin typeface="Adobe 繁黑體 Std B" panose="020B0700000000000000" pitchFamily="34" charset="-120"/>
-                <a:ea typeface="Adobe 繁黑體 Std B" panose="020B0700000000000000" pitchFamily="34" charset="-120"/>
-              </a:rPr>
-              <a:t>Const</a:t>
-            </a:r>
-            <a:r>
-              <a:rPr lang="en-US" altLang="zh-TW" sz="3200" spc="300" dirty="0">
-                <a:solidFill>
-                  <a:schemeClr val="bg1">
-                    <a:lumMod val="85000"/>
-                  </a:schemeClr>
-                </a:solidFill>
-                <a:latin typeface="Adobe 繁黑體 Std B" panose="020B0700000000000000" pitchFamily="34" charset="-120"/>
-                <a:ea typeface="Adobe 繁黑體 Std B" panose="020B0700000000000000" pitchFamily="34" charset="-120"/>
-              </a:rPr>
-              <a:t>	</a:t>
-            </a:r>
-            <a:r>
-              <a:rPr lang="en-US" altLang="zh-TW" sz="3200" spc="300" dirty="0" err="1">
-                <a:solidFill>
-                  <a:schemeClr val="accent2">
-                    <a:lumMod val="60000"/>
-                    <a:lumOff val="40000"/>
-                  </a:schemeClr>
-                </a:solidFill>
-                <a:latin typeface="Adobe 繁黑體 Std B" panose="020B0700000000000000" pitchFamily="34" charset="-120"/>
-                <a:ea typeface="Adobe 繁黑體 Std B" panose="020B0700000000000000" pitchFamily="34" charset="-120"/>
-              </a:rPr>
-              <a:t>ThemeContext</a:t>
-            </a:r>
-            <a:r>
-              <a:rPr lang="en-US" altLang="zh-TW" sz="3200" spc="300" dirty="0">
-                <a:solidFill>
-                  <a:schemeClr val="accent2">
-                    <a:lumMod val="60000"/>
-                    <a:lumOff val="40000"/>
-                  </a:schemeClr>
-                </a:solidFill>
-                <a:latin typeface="Adobe 繁黑體 Std B" panose="020B0700000000000000" pitchFamily="34" charset="-120"/>
-                <a:ea typeface="Adobe 繁黑體 Std B" panose="020B0700000000000000" pitchFamily="34" charset="-120"/>
-              </a:rPr>
-              <a:t>	 </a:t>
-            </a:r>
-            <a:r>
-              <a:rPr lang="en-US" altLang="zh-TW" sz="3200" spc="300" dirty="0">
-                <a:solidFill>
-                  <a:schemeClr val="bg1">
-                    <a:lumMod val="85000"/>
-                  </a:schemeClr>
-                </a:solidFill>
-                <a:latin typeface="Adobe 繁黑體 Std B" panose="020B0700000000000000" pitchFamily="34" charset="-120"/>
-                <a:ea typeface="Adobe 繁黑體 Std B" panose="020B0700000000000000" pitchFamily="34" charset="-120"/>
-              </a:rPr>
-              <a:t>= </a:t>
-            </a:r>
-            <a:r>
-              <a:rPr lang="en-US" altLang="zh-TW" sz="3200" dirty="0" err="1">
-                <a:solidFill>
-                  <a:schemeClr val="bg1"/>
-                </a:solidFill>
-                <a:latin typeface="+mn-ea"/>
-              </a:rPr>
-              <a:t>createContext</a:t>
-            </a:r>
-            <a:r>
-              <a:rPr lang="en-US" altLang="zh-TW" sz="3200" dirty="0">
-                <a:solidFill>
-                  <a:schemeClr val="bg1"/>
-                </a:solidFill>
-                <a:latin typeface="+mn-ea"/>
-              </a:rPr>
-              <a:t> </a:t>
-            </a:r>
-            <a:r>
-              <a:rPr lang="en-US" altLang="zh-TW" sz="3200" dirty="0">
-                <a:solidFill>
-                  <a:schemeClr val="bg1"/>
-                </a:solidFill>
-                <a:latin typeface="Adobe 繁黑體 Std B" panose="020B0700000000000000" pitchFamily="34" charset="-120"/>
-                <a:ea typeface="Adobe 繁黑體 Std B" panose="020B0700000000000000" pitchFamily="34" charset="-120"/>
-              </a:rPr>
-              <a:t>(</a:t>
-            </a:r>
+            <a:pPr marL="457200" indent="-457200">
+              <a:lnSpc>
+                <a:spcPct val="150000"/>
+              </a:lnSpc>
+              <a:buFont typeface="Arial" panose="020B0604020202020204" pitchFamily="34" charset="0"/>
+              <a:buChar char="•"/>
+            </a:pPr>
             <a:r>
               <a:rPr lang="zh-TW" altLang="en-US" sz="3200" dirty="0">
-                <a:solidFill>
-                  <a:schemeClr val="bg1"/>
-                </a:solidFill>
-                <a:latin typeface="Adobe 繁黑體 Std B" panose="020B0700000000000000" pitchFamily="34" charset="-120"/>
-                <a:ea typeface="Adobe 繁黑體 Std B" panose="020B0700000000000000" pitchFamily="34" charset="-120"/>
-              </a:rPr>
-              <a:t> </a:t>
-            </a:r>
-            <a:r>
-              <a:rPr lang="en-US" altLang="zh-TW" sz="3200" dirty="0">
                 <a:solidFill>
                   <a:schemeClr val="bg1">
                     <a:lumMod val="75000"/>
                   </a:schemeClr>
                 </a:solidFill>
-                <a:latin typeface="Adobe 繁黑體 Std B" panose="020B0700000000000000" pitchFamily="34" charset="-120"/>
-                <a:ea typeface="Adobe 繁黑體 Std B" panose="020B0700000000000000" pitchFamily="34" charset="-120"/>
-              </a:rPr>
-              <a:t>Value</a:t>
+                <a:latin typeface="+mn-ea"/>
+              </a:rPr>
+              <a:t>用於組件中上下結構的溝通</a:t>
+            </a:r>
+            <a:endParaRPr lang="en-US" altLang="zh-TW" sz="3200" dirty="0">
+              <a:solidFill>
+                <a:schemeClr val="bg1">
+                  <a:lumMod val="75000"/>
+                </a:schemeClr>
+              </a:solidFill>
+              <a:latin typeface="+mn-ea"/>
+            </a:endParaRPr>
+          </a:p>
+          <a:p>
+            <a:pPr marL="457200" indent="-457200">
+              <a:lnSpc>
+                <a:spcPct val="150000"/>
+              </a:lnSpc>
+              <a:buFont typeface="Arial" panose="020B0604020202020204" pitchFamily="34" charset="0"/>
+              <a:buChar char="•"/>
+            </a:pPr>
+            <a:r>
+              <a:rPr lang="zh-TW" altLang="en-US" sz="3200" dirty="0">
+                <a:solidFill>
+                  <a:schemeClr val="bg1">
+                    <a:lumMod val="75000"/>
+                  </a:schemeClr>
+                </a:solidFill>
+                <a:latin typeface="+mn-ea"/>
+              </a:rPr>
+              <a:t>省去 </a:t>
             </a:r>
             <a:r>
               <a:rPr lang="en-US" altLang="zh-TW" sz="3200" dirty="0">
                 <a:solidFill>
-                  <a:schemeClr val="bg1"/>
-                </a:solidFill>
-                <a:latin typeface="Adobe 繁黑體 Std B" panose="020B0700000000000000" pitchFamily="34" charset="-120"/>
-                <a:ea typeface="Adobe 繁黑體 Std B" panose="020B0700000000000000" pitchFamily="34" charset="-120"/>
-              </a:rPr>
-              <a:t> )</a:t>
-            </a:r>
-            <a:r>
-              <a:rPr lang="en-US" altLang="zh-TW" sz="3200" spc="300" dirty="0">
-                <a:solidFill>
-                  <a:schemeClr val="bg1"/>
-                </a:solidFill>
-                <a:latin typeface="Adobe 繁黑體 Std B" panose="020B0700000000000000" pitchFamily="34" charset="-120"/>
-                <a:ea typeface="Adobe 繁黑體 Std B" panose="020B0700000000000000" pitchFamily="34" charset="-120"/>
-              </a:rPr>
-              <a:t> </a:t>
-            </a:r>
-            <a:endParaRPr lang="zh-TW" altLang="en-US" sz="3200" spc="300" dirty="0">
+                  <a:schemeClr val="bg1">
+                    <a:lumMod val="75000"/>
+                  </a:schemeClr>
+                </a:solidFill>
+                <a:latin typeface="+mn-ea"/>
+              </a:rPr>
+              <a:t>Props</a:t>
+            </a:r>
+            <a:r>
+              <a:rPr lang="zh-TW" altLang="en-US" sz="3200" dirty="0">
+                <a:solidFill>
+                  <a:schemeClr val="bg1">
+                    <a:lumMod val="75000"/>
+                  </a:schemeClr>
+                </a:solidFill>
+                <a:latin typeface="+mn-ea"/>
+              </a:rPr>
+              <a:t> 的傳遞</a:t>
+            </a:r>
+            <a:endParaRPr lang="en-US" altLang="zh-TW" sz="3200" dirty="0">
               <a:solidFill>
-                <a:schemeClr val="bg1"/>
+                <a:schemeClr val="bg1">
+                  <a:lumMod val="75000"/>
+                </a:schemeClr>
               </a:solidFill>
-              <a:latin typeface="Adobe 繁黑體 Std B" panose="020B0700000000000000" pitchFamily="34" charset="-120"/>
-              <a:ea typeface="Adobe 繁黑體 Std B" panose="020B0700000000000000" pitchFamily="34" charset="-120"/>
+              <a:latin typeface="+mn-ea"/>
             </a:endParaRPr>
           </a:p>
         </p:txBody>
       </p:sp>
-      <p:sp>
-        <p:nvSpPr>
-          <p:cNvPr id="5" name="右大括弧 4">
+      <p:pic>
+        <p:nvPicPr>
+          <p:cNvPr id="2052" name="Picture 4" descr="立ち話をする人のイラスト（男性会社員）"/>
+          <p:cNvPicPr>
+            <a:picLocks noChangeAspect="1" noChangeArrowheads="1"/>
+          </p:cNvPicPr>
+          <p:nvPr/>
+        </p:nvPicPr>
+        <p:blipFill>
+          <a:blip r:embed="rId2">
             <a:extLst>
-              <a:ext uri="{FF2B5EF4-FFF2-40B4-BE49-F238E27FC236}">
-                <a16:creationId xmlns:a16="http://schemas.microsoft.com/office/drawing/2014/main" id="{86B33C3D-4148-49FF-B0D5-9A78E40F338D}"/>
+              <a:ext uri="{28A0092B-C50C-407E-A947-70E740481C1C}">
+                <a14:useLocalDpi xmlns:a14="http://schemas.microsoft.com/office/drawing/2010/main" val="0"/>
               </a:ext>
             </a:extLst>
-          </p:cNvPr>
-          <p:cNvSpPr/>
-          <p:nvPr/>
-        </p:nvSpPr>
-        <p:spPr>
-          <a:xfrm rot="16200000">
-            <a:off x="6126963" y="-60398"/>
-            <a:ext cx="415329" cy="5642808"/>
-          </a:xfrm>
-          <a:prstGeom prst="rightBrace">
-            <a:avLst/>
-          </a:prstGeom>
-          <a:ln w="38100">
-            <a:solidFill>
-              <a:schemeClr val="bg1">
-                <a:lumMod val="75000"/>
-              </a:schemeClr>
-            </a:solidFill>
-          </a:ln>
-        </p:spPr>
-        <p:style>
-          <a:lnRef idx="1">
-            <a:schemeClr val="accent1"/>
-          </a:lnRef>
-          <a:fillRef idx="0">
-            <a:schemeClr val="accent1"/>
-          </a:fillRef>
-          <a:effectRef idx="0">
-            <a:schemeClr val="accent1"/>
-          </a:effectRef>
-          <a:fontRef idx="minor">
-            <a:schemeClr val="tx1"/>
-          </a:fontRef>
-        </p:style>
-        <p:txBody>
-          <a:bodyPr rtlCol="0" anchor="ctr"/>
-          <a:lstStyle/>
-          <a:p>
-            <a:pPr algn="ctr"/>
-            <a:endParaRPr lang="zh-TW" altLang="en-US">
-              <a:solidFill>
-                <a:schemeClr val="bg1"/>
-              </a:solidFill>
-            </a:endParaRPr>
-          </a:p>
-        </p:txBody>
-      </p:sp>
-      <p:sp>
-        <p:nvSpPr>
-          <p:cNvPr id="6" name="文字方塊 5">
-            <a:extLst>
-              <a:ext uri="{FF2B5EF4-FFF2-40B4-BE49-F238E27FC236}">
-                <a16:creationId xmlns:a16="http://schemas.microsoft.com/office/drawing/2014/main" id="{5A9697CF-3637-4276-84B6-34FB0901BDE7}"/>
-              </a:ext>
-            </a:extLst>
-          </p:cNvPr>
-          <p:cNvSpPr txBox="1"/>
-          <p:nvPr/>
-        </p:nvSpPr>
-        <p:spPr>
+          </a:blip>
+          <a:srcRect/>
+          <a:stretch>
+            <a:fillRect/>
+          </a:stretch>
+        </p:blipFill>
+        <p:spPr bwMode="auto">
           <a:xfrm>
-            <a:off x="2497561" y="3298140"/>
-            <a:ext cx="1798890" cy="646331"/>
+            <a:off x="7102475" y="2371534"/>
+            <a:ext cx="3933825" cy="4286250"/>
           </a:xfrm>
           <a:prstGeom prst="rect">
             <a:avLst/>
           </a:prstGeom>
           <a:noFill/>
+          <a:extLst>
+            <a:ext uri="{909E8E84-426E-40DD-AFC4-6F175D3DCCD1}">
+              <a14:hiddenFill xmlns:a14="http://schemas.microsoft.com/office/drawing/2010/main">
+                <a:solidFill>
+                  <a:srgbClr val="FFFFFF"/>
+                </a:solidFill>
+              </a14:hiddenFill>
+            </a:ext>
+          </a:extLst>
         </p:spPr>
-        <p:txBody>
-          <a:bodyPr wrap="none" rtlCol="0">
-            <a:spAutoFit/>
-          </a:bodyPr>
-          <a:lstStyle/>
-          <a:p>
-            <a:r>
-              <a:rPr lang="en-US" altLang="zh-TW" sz="3600" dirty="0">
-                <a:solidFill>
-                  <a:schemeClr val="bg1"/>
-                </a:solidFill>
-              </a:rPr>
-              <a:t>Provider</a:t>
-            </a:r>
-            <a:endParaRPr lang="zh-TW" altLang="en-US" sz="3600" dirty="0">
-              <a:solidFill>
-                <a:schemeClr val="bg1"/>
-              </a:solidFill>
-            </a:endParaRPr>
-          </a:p>
-        </p:txBody>
-      </p:sp>
-      <p:sp>
-        <p:nvSpPr>
-          <p:cNvPr id="7" name="文字方塊 6">
-            <a:extLst>
-              <a:ext uri="{FF2B5EF4-FFF2-40B4-BE49-F238E27FC236}">
-                <a16:creationId xmlns:a16="http://schemas.microsoft.com/office/drawing/2014/main" id="{B15236FD-B8AE-4CC1-9229-03BF939793C1}"/>
-              </a:ext>
-            </a:extLst>
-          </p:cNvPr>
-          <p:cNvSpPr txBox="1"/>
-          <p:nvPr/>
-        </p:nvSpPr>
-        <p:spPr>
-          <a:xfrm>
-            <a:off x="7749517" y="3298139"/>
-            <a:ext cx="2138727" cy="646331"/>
-          </a:xfrm>
-          <a:prstGeom prst="rect">
-            <a:avLst/>
-          </a:prstGeom>
-          <a:noFill/>
-        </p:spPr>
-        <p:txBody>
-          <a:bodyPr wrap="none" rtlCol="0">
-            <a:spAutoFit/>
-          </a:bodyPr>
-          <a:lstStyle/>
-          <a:p>
-            <a:r>
-              <a:rPr lang="en-US" altLang="zh-TW" sz="3600" dirty="0">
-                <a:solidFill>
-                  <a:schemeClr val="bg1"/>
-                </a:solidFill>
-              </a:rPr>
-              <a:t>Consumer</a:t>
-            </a:r>
-            <a:endParaRPr lang="zh-TW" altLang="en-US" sz="3600" dirty="0">
-              <a:solidFill>
-                <a:schemeClr val="bg1"/>
-              </a:solidFill>
-            </a:endParaRPr>
-          </a:p>
-        </p:txBody>
-      </p:sp>
-      <p:sp>
-        <p:nvSpPr>
-          <p:cNvPr id="8" name="文字方塊 7">
-            <a:extLst>
-              <a:ext uri="{FF2B5EF4-FFF2-40B4-BE49-F238E27FC236}">
-                <a16:creationId xmlns:a16="http://schemas.microsoft.com/office/drawing/2014/main" id="{91951FC4-CF58-4078-AB14-975A09160856}"/>
-              </a:ext>
-            </a:extLst>
-          </p:cNvPr>
-          <p:cNvSpPr txBox="1"/>
-          <p:nvPr/>
-        </p:nvSpPr>
-        <p:spPr>
-          <a:xfrm>
-            <a:off x="1277099" y="4273940"/>
-            <a:ext cx="4472250" cy="1077218"/>
-          </a:xfrm>
-          <a:prstGeom prst="rect">
-            <a:avLst/>
-          </a:prstGeom>
-          <a:noFill/>
-        </p:spPr>
-        <p:txBody>
-          <a:bodyPr wrap="none" rtlCol="0">
-            <a:spAutoFit/>
-          </a:bodyPr>
-          <a:lstStyle/>
-          <a:p>
-            <a:pPr algn="ctr"/>
-            <a:r>
-              <a:rPr lang="zh-TW" altLang="en-US" sz="3200" dirty="0">
-                <a:solidFill>
-                  <a:schemeClr val="bg1">
-                    <a:lumMod val="85000"/>
-                  </a:schemeClr>
-                </a:solidFill>
-                <a:latin typeface="+mn-ea"/>
-              </a:rPr>
-              <a:t>提供</a:t>
-            </a:r>
-            <a:r>
-              <a:rPr lang="en-US" altLang="zh-TW" sz="3200" dirty="0">
-                <a:solidFill>
-                  <a:schemeClr val="bg1">
-                    <a:lumMod val="85000"/>
-                  </a:schemeClr>
-                </a:solidFill>
-                <a:latin typeface="+mn-ea"/>
-              </a:rPr>
-              <a:t>Value</a:t>
-            </a:r>
-            <a:r>
-              <a:rPr lang="zh-TW" altLang="en-US" sz="3200" dirty="0">
-                <a:solidFill>
-                  <a:schemeClr val="bg1">
-                    <a:lumMod val="85000"/>
-                  </a:schemeClr>
-                </a:solidFill>
-                <a:latin typeface="+mn-ea"/>
-              </a:rPr>
-              <a:t>的地方隨</a:t>
-            </a:r>
-            <a:endParaRPr lang="en-US" altLang="zh-TW" sz="3200" dirty="0">
-              <a:solidFill>
-                <a:schemeClr val="bg1">
-                  <a:lumMod val="85000"/>
-                </a:schemeClr>
-              </a:solidFill>
-              <a:latin typeface="+mn-ea"/>
-            </a:endParaRPr>
-          </a:p>
-          <a:p>
-            <a:pPr algn="ctr"/>
-            <a:r>
-              <a:rPr lang="en-US" altLang="zh-TW" sz="3200" dirty="0">
-                <a:solidFill>
-                  <a:schemeClr val="bg1">
-                    <a:lumMod val="85000"/>
-                  </a:schemeClr>
-                </a:solidFill>
-                <a:latin typeface="+mn-ea"/>
-              </a:rPr>
-              <a:t>re-render</a:t>
-            </a:r>
-            <a:r>
-              <a:rPr lang="zh-TW" altLang="en-US" sz="3200" dirty="0">
-                <a:solidFill>
-                  <a:schemeClr val="bg1">
-                    <a:lumMod val="85000"/>
-                  </a:schemeClr>
-                </a:solidFill>
-                <a:latin typeface="+mn-ea"/>
-              </a:rPr>
-              <a:t>的渲染做處理</a:t>
-            </a:r>
-          </a:p>
-        </p:txBody>
-      </p:sp>
-      <p:sp>
-        <p:nvSpPr>
-          <p:cNvPr id="10" name="文字方塊 9">
-            <a:extLst>
-              <a:ext uri="{FF2B5EF4-FFF2-40B4-BE49-F238E27FC236}">
-                <a16:creationId xmlns:a16="http://schemas.microsoft.com/office/drawing/2014/main" id="{C12D0A0D-9422-4811-8FAD-A26278B0E94F}"/>
-              </a:ext>
-            </a:extLst>
-          </p:cNvPr>
-          <p:cNvSpPr txBox="1"/>
-          <p:nvPr/>
-        </p:nvSpPr>
-        <p:spPr>
-          <a:xfrm>
-            <a:off x="6472067" y="4273939"/>
-            <a:ext cx="4903907" cy="1077218"/>
-          </a:xfrm>
-          <a:prstGeom prst="rect">
-            <a:avLst/>
-          </a:prstGeom>
-          <a:noFill/>
-        </p:spPr>
-        <p:txBody>
-          <a:bodyPr wrap="none" rtlCol="0">
-            <a:spAutoFit/>
-          </a:bodyPr>
-          <a:lstStyle/>
-          <a:p>
-            <a:pPr algn="ctr"/>
-            <a:r>
-              <a:rPr lang="zh-TW" altLang="en-US" sz="3200" dirty="0">
-                <a:solidFill>
-                  <a:schemeClr val="bg1">
-                    <a:lumMod val="85000"/>
-                  </a:schemeClr>
-                </a:solidFill>
-                <a:latin typeface="+mn-ea"/>
-              </a:rPr>
-              <a:t>取得</a:t>
-            </a:r>
-            <a:r>
-              <a:rPr lang="en-US" altLang="zh-TW" sz="3200" dirty="0">
-                <a:solidFill>
-                  <a:schemeClr val="bg1">
-                    <a:lumMod val="85000"/>
-                  </a:schemeClr>
-                </a:solidFill>
-                <a:latin typeface="+mn-ea"/>
-              </a:rPr>
-              <a:t>Context</a:t>
-            </a:r>
-            <a:r>
-              <a:rPr lang="zh-TW" altLang="en-US" sz="3200" dirty="0">
-                <a:solidFill>
-                  <a:schemeClr val="bg1">
-                    <a:lumMod val="85000"/>
-                  </a:schemeClr>
-                </a:solidFill>
-                <a:latin typeface="+mn-ea"/>
-              </a:rPr>
-              <a:t>內</a:t>
-            </a:r>
-            <a:r>
-              <a:rPr lang="en-US" altLang="zh-TW" sz="3200" dirty="0">
-                <a:solidFill>
-                  <a:schemeClr val="bg1">
-                    <a:lumMod val="85000"/>
-                  </a:schemeClr>
-                </a:solidFill>
-                <a:latin typeface="+mn-ea"/>
-              </a:rPr>
-              <a:t>Value</a:t>
-            </a:r>
-          </a:p>
-          <a:p>
-            <a:pPr algn="ctr"/>
-            <a:r>
-              <a:rPr lang="zh-TW" altLang="en-US" sz="3200" dirty="0">
-                <a:solidFill>
-                  <a:schemeClr val="bg1">
-                    <a:lumMod val="85000"/>
-                  </a:schemeClr>
-                </a:solidFill>
-                <a:latin typeface="+mn-ea"/>
-              </a:rPr>
-              <a:t>只要在</a:t>
-            </a:r>
-            <a:r>
-              <a:rPr lang="en-US" altLang="zh-TW" sz="3200" dirty="0">
-                <a:solidFill>
-                  <a:schemeClr val="bg1">
-                    <a:lumMod val="85000"/>
-                  </a:schemeClr>
-                </a:solidFill>
-              </a:rPr>
-              <a:t>Provider</a:t>
-            </a:r>
-            <a:r>
-              <a:rPr lang="zh-TW" altLang="en-US" sz="3200" dirty="0">
-                <a:solidFill>
-                  <a:schemeClr val="bg1">
-                    <a:lumMod val="85000"/>
-                  </a:schemeClr>
-                </a:solidFill>
-              </a:rPr>
-              <a:t>內即可使用</a:t>
-            </a:r>
-            <a:endParaRPr lang="zh-TW" altLang="en-US" sz="3200" dirty="0">
-              <a:solidFill>
-                <a:schemeClr val="bg1">
-                  <a:lumMod val="85000"/>
-                </a:schemeClr>
-              </a:solidFill>
-              <a:latin typeface="+mn-ea"/>
-            </a:endParaRPr>
-          </a:p>
-        </p:txBody>
-      </p:sp>
+      </p:pic>
     </p:spTree>
     <p:extLst>
       <p:ext uri="{BB962C8B-B14F-4D97-AF65-F5344CB8AC3E}">
-        <p14:creationId xmlns:p14="http://schemas.microsoft.com/office/powerpoint/2010/main" val="1742610453"/>
+        <p14:creationId xmlns:p14="http://schemas.microsoft.com/office/powerpoint/2010/main" val="2799963710"/>
       </p:ext>
     </p:extLst>
   </p:cSld>
@@ -18581,7 +19555,7 @@
           <p:cNvPr id="2" name="投影片編號版面配置區 1">
             <a:extLst>
               <a:ext uri="{FF2B5EF4-FFF2-40B4-BE49-F238E27FC236}">
-                <a16:creationId xmlns:a16="http://schemas.microsoft.com/office/drawing/2014/main" id="{B420D78E-02AC-4552-9925-45FC980D3135}"/>
+                <a16:creationId xmlns:a16="http://schemas.microsoft.com/office/drawing/2014/main" id="{1E377D37-493E-406D-9DE2-523E37B5FB67}"/>
               </a:ext>
             </a:extLst>
           </p:cNvPr>
@@ -18608,142 +19582,38 @@
       </p:sp>
       <p:sp>
         <p:nvSpPr>
-          <p:cNvPr id="3" name="矩形 2">
+          <p:cNvPr id="3" name="文字版面配置區 2">
             <a:extLst>
               <a:ext uri="{FF2B5EF4-FFF2-40B4-BE49-F238E27FC236}">
-                <a16:creationId xmlns:a16="http://schemas.microsoft.com/office/drawing/2014/main" id="{602C0D57-77D0-4E02-AC9E-04DB8230922C}"/>
+                <a16:creationId xmlns:a16="http://schemas.microsoft.com/office/drawing/2014/main" id="{9336F88C-9E7A-4749-9292-86857EF467B2}"/>
               </a:ext>
             </a:extLst>
           </p:cNvPr>
-          <p:cNvSpPr/>
-          <p:nvPr/>
-        </p:nvSpPr>
-        <p:spPr>
-          <a:xfrm>
-            <a:off x="696000" y="494383"/>
-            <a:ext cx="10800000" cy="5400000"/>
-          </a:xfrm>
-          <a:prstGeom prst="rect">
-            <a:avLst/>
-          </a:prstGeom>
-        </p:spPr>
-        <p:style>
-          <a:lnRef idx="1">
-            <a:schemeClr val="accent3"/>
-          </a:lnRef>
-          <a:fillRef idx="2">
-            <a:schemeClr val="accent3"/>
-          </a:fillRef>
-          <a:effectRef idx="1">
-            <a:schemeClr val="accent3"/>
-          </a:effectRef>
-          <a:fontRef idx="minor">
-            <a:schemeClr val="dk1"/>
-          </a:fontRef>
-        </p:style>
-        <p:txBody>
-          <a:bodyPr rtlCol="0" anchor="ctr"/>
-          <a:lstStyle/>
-          <a:p>
-            <a:pPr algn="ctr"/>
-            <a:endParaRPr lang="zh-TW" altLang="en-US"/>
-          </a:p>
-        </p:txBody>
-      </p:sp>
-      <p:sp>
-        <p:nvSpPr>
-          <p:cNvPr id="5" name="矩形 4">
+          <p:cNvSpPr>
+            <a:spLocks noGrp="1"/>
+          </p:cNvSpPr>
+          <p:nvPr>
+            <p:ph type="body" sz="quarter" idx="13"/>
+          </p:nvPr>
+        </p:nvSpPr>
+        <p:spPr/>
+        <p:txBody>
+          <a:bodyPr/>
+          <a:lstStyle/>
+          <a:p>
+            <a:r>
+              <a:rPr lang="zh-TW" altLang="en-US" dirty="0"/>
+              <a:t>結構</a:t>
+            </a:r>
+          </a:p>
+        </p:txBody>
+      </p:sp>
+      <p:sp>
+        <p:nvSpPr>
+          <p:cNvPr id="4" name="文字方塊 3">
             <a:extLst>
               <a:ext uri="{FF2B5EF4-FFF2-40B4-BE49-F238E27FC236}">
-                <a16:creationId xmlns:a16="http://schemas.microsoft.com/office/drawing/2014/main" id="{78426070-8178-4209-B70B-744F7CE5A946}"/>
-              </a:ext>
-            </a:extLst>
-          </p:cNvPr>
-          <p:cNvSpPr/>
-          <p:nvPr/>
-        </p:nvSpPr>
-        <p:spPr>
-          <a:xfrm>
-            <a:off x="1596000" y="1467519"/>
-            <a:ext cx="9000000" cy="4320000"/>
-          </a:xfrm>
-          <a:prstGeom prst="rect">
-            <a:avLst/>
-          </a:prstGeom>
-        </p:spPr>
-        <p:style>
-          <a:lnRef idx="1">
-            <a:schemeClr val="accent1"/>
-          </a:lnRef>
-          <a:fillRef idx="2">
-            <a:schemeClr val="accent1"/>
-          </a:fillRef>
-          <a:effectRef idx="1">
-            <a:schemeClr val="accent1"/>
-          </a:effectRef>
-          <a:fontRef idx="minor">
-            <a:schemeClr val="dk1"/>
-          </a:fontRef>
-        </p:style>
-        <p:txBody>
-          <a:bodyPr rtlCol="0" anchor="ctr"/>
-          <a:lstStyle/>
-          <a:p>
-            <a:pPr algn="ctr"/>
-            <a:endParaRPr lang="zh-TW" altLang="en-US"/>
-          </a:p>
-        </p:txBody>
-      </p:sp>
-      <p:sp>
-        <p:nvSpPr>
-          <p:cNvPr id="4" name="矩形 3">
-            <a:extLst>
-              <a:ext uri="{FF2B5EF4-FFF2-40B4-BE49-F238E27FC236}">
-                <a16:creationId xmlns:a16="http://schemas.microsoft.com/office/drawing/2014/main" id="{01F92319-D365-49B9-89CD-4A96B1C1CD3E}"/>
-              </a:ext>
-            </a:extLst>
-          </p:cNvPr>
-          <p:cNvSpPr/>
-          <p:nvPr/>
-        </p:nvSpPr>
-        <p:spPr>
-          <a:xfrm>
-            <a:off x="2411779" y="2418347"/>
-            <a:ext cx="7200000" cy="3240000"/>
-          </a:xfrm>
-          <a:prstGeom prst="rect">
-            <a:avLst/>
-          </a:prstGeom>
-        </p:spPr>
-        <p:style>
-          <a:lnRef idx="3">
-            <a:schemeClr val="lt1"/>
-          </a:lnRef>
-          <a:fillRef idx="1">
-            <a:schemeClr val="accent3"/>
-          </a:fillRef>
-          <a:effectRef idx="1">
-            <a:schemeClr val="accent3"/>
-          </a:effectRef>
-          <a:fontRef idx="minor">
-            <a:schemeClr val="lt1"/>
-          </a:fontRef>
-        </p:style>
-        <p:txBody>
-          <a:bodyPr rtlCol="0" anchor="ctr"/>
-          <a:lstStyle/>
-          <a:p>
-            <a:pPr algn="ctr"/>
-            <a:endParaRPr lang="zh-TW" altLang="en-US" dirty="0"/>
-          </a:p>
-        </p:txBody>
-      </p:sp>
-      <p:sp>
-        <p:nvSpPr>
-          <p:cNvPr id="6" name="文字方塊 5">
-            <a:extLst>
-              <a:ext uri="{FF2B5EF4-FFF2-40B4-BE49-F238E27FC236}">
-                <a16:creationId xmlns:a16="http://schemas.microsoft.com/office/drawing/2014/main" id="{D38F3D0D-1DAA-47B8-8F32-696EC1D6A661}"/>
+                <a16:creationId xmlns:a16="http://schemas.microsoft.com/office/drawing/2014/main" id="{FB0F8042-8748-4DA7-9C5C-CB93FC37DBFA}"/>
               </a:ext>
             </a:extLst>
           </p:cNvPr>
@@ -18752,8 +19622,8 @@
         </p:nvSpPr>
         <p:spPr>
           <a:xfrm>
-            <a:off x="5158019" y="640451"/>
-            <a:ext cx="1707519" cy="646331"/>
+            <a:off x="1378107" y="1639098"/>
+            <a:ext cx="9782037" cy="584775"/>
           </a:xfrm>
           <a:prstGeom prst="rect">
             <a:avLst/>
@@ -18766,15 +19636,198 @@
           </a:bodyPr>
           <a:lstStyle/>
           <a:p>
-            <a:r>
-              <a:rPr lang="en-US" altLang="zh-TW" sz="3600" dirty="0">
+            <a:pPr algn="ctr"/>
+            <a:r>
+              <a:rPr lang="en-US" altLang="zh-TW" sz="3200" spc="300" dirty="0">
+                <a:solidFill>
+                  <a:schemeClr val="accent5">
+                    <a:lumMod val="60000"/>
+                    <a:lumOff val="40000"/>
+                  </a:schemeClr>
+                </a:solidFill>
+                <a:latin typeface="Adobe 繁黑體 Std B" panose="020B0700000000000000" pitchFamily="34" charset="-120"/>
+                <a:ea typeface="Adobe 繁黑體 Std B" panose="020B0700000000000000" pitchFamily="34" charset="-120"/>
+              </a:rPr>
+              <a:t>Const</a:t>
+            </a:r>
+            <a:r>
+              <a:rPr lang="en-US" altLang="zh-TW" sz="3200" spc="300" dirty="0">
+                <a:solidFill>
+                  <a:schemeClr val="bg1">
+                    <a:lumMod val="85000"/>
+                  </a:schemeClr>
+                </a:solidFill>
+                <a:latin typeface="Adobe 繁黑體 Std B" panose="020B0700000000000000" pitchFamily="34" charset="-120"/>
+                <a:ea typeface="Adobe 繁黑體 Std B" panose="020B0700000000000000" pitchFamily="34" charset="-120"/>
+              </a:rPr>
+              <a:t>	</a:t>
+            </a:r>
+            <a:r>
+              <a:rPr lang="en-US" altLang="zh-TW" sz="3200" spc="300" dirty="0" err="1">
+                <a:solidFill>
+                  <a:schemeClr val="accent2">
+                    <a:lumMod val="60000"/>
+                    <a:lumOff val="40000"/>
+                  </a:schemeClr>
+                </a:solidFill>
+                <a:latin typeface="Adobe 繁黑體 Std B" panose="020B0700000000000000" pitchFamily="34" charset="-120"/>
+                <a:ea typeface="Adobe 繁黑體 Std B" panose="020B0700000000000000" pitchFamily="34" charset="-120"/>
+              </a:rPr>
+              <a:t>ThemeContext</a:t>
+            </a:r>
+            <a:r>
+              <a:rPr lang="en-US" altLang="zh-TW" sz="3200" spc="300" dirty="0">
+                <a:solidFill>
+                  <a:schemeClr val="accent2">
+                    <a:lumMod val="60000"/>
+                    <a:lumOff val="40000"/>
+                  </a:schemeClr>
+                </a:solidFill>
+                <a:latin typeface="Adobe 繁黑體 Std B" panose="020B0700000000000000" pitchFamily="34" charset="-120"/>
+                <a:ea typeface="Adobe 繁黑體 Std B" panose="020B0700000000000000" pitchFamily="34" charset="-120"/>
+              </a:rPr>
+              <a:t>	 </a:t>
+            </a:r>
+            <a:r>
+              <a:rPr lang="en-US" altLang="zh-TW" sz="3200" spc="300" dirty="0">
+                <a:solidFill>
+                  <a:schemeClr val="bg1">
+                    <a:lumMod val="85000"/>
+                  </a:schemeClr>
+                </a:solidFill>
+                <a:latin typeface="Adobe 繁黑體 Std B" panose="020B0700000000000000" pitchFamily="34" charset="-120"/>
+                <a:ea typeface="Adobe 繁黑體 Std B" panose="020B0700000000000000" pitchFamily="34" charset="-120"/>
+              </a:rPr>
+              <a:t>= </a:t>
+            </a:r>
+            <a:r>
+              <a:rPr lang="en-US" altLang="zh-TW" sz="3200" dirty="0" err="1">
                 <a:solidFill>
                   <a:schemeClr val="bg1"/>
                 </a:solidFill>
-              </a:rPr>
-              <a:t>Context</a:t>
-            </a:r>
-            <a:endParaRPr lang="zh-TW" altLang="en-US" sz="3600" dirty="0">
+                <a:latin typeface="+mn-ea"/>
+              </a:rPr>
+              <a:t>createContext</a:t>
+            </a:r>
+            <a:r>
+              <a:rPr lang="en-US" altLang="zh-TW" sz="3200" dirty="0">
+                <a:solidFill>
+                  <a:schemeClr val="bg1"/>
+                </a:solidFill>
+                <a:latin typeface="+mn-ea"/>
+              </a:rPr>
+              <a:t> </a:t>
+            </a:r>
+            <a:r>
+              <a:rPr lang="en-US" altLang="zh-TW" sz="3200" dirty="0">
+                <a:solidFill>
+                  <a:schemeClr val="bg1"/>
+                </a:solidFill>
+                <a:latin typeface="Adobe 繁黑體 Std B" panose="020B0700000000000000" pitchFamily="34" charset="-120"/>
+                <a:ea typeface="Adobe 繁黑體 Std B" panose="020B0700000000000000" pitchFamily="34" charset="-120"/>
+              </a:rPr>
+              <a:t>(</a:t>
+            </a:r>
+            <a:r>
+              <a:rPr lang="zh-TW" altLang="en-US" sz="3200" dirty="0">
+                <a:solidFill>
+                  <a:schemeClr val="bg1"/>
+                </a:solidFill>
+                <a:latin typeface="Adobe 繁黑體 Std B" panose="020B0700000000000000" pitchFamily="34" charset="-120"/>
+                <a:ea typeface="Adobe 繁黑體 Std B" panose="020B0700000000000000" pitchFamily="34" charset="-120"/>
+              </a:rPr>
+              <a:t> </a:t>
+            </a:r>
+            <a:r>
+              <a:rPr lang="en-US" altLang="zh-TW" sz="3200" dirty="0">
+                <a:solidFill>
+                  <a:schemeClr val="bg1">
+                    <a:lumMod val="75000"/>
+                  </a:schemeClr>
+                </a:solidFill>
+                <a:latin typeface="Adobe 繁黑體 Std B" panose="020B0700000000000000" pitchFamily="34" charset="-120"/>
+                <a:ea typeface="Adobe 繁黑體 Std B" panose="020B0700000000000000" pitchFamily="34" charset="-120"/>
+              </a:rPr>
+              <a:t>Value</a:t>
+            </a:r>
+            <a:r>
+              <a:rPr lang="en-US" altLang="zh-TW" sz="3200" dirty="0">
+                <a:solidFill>
+                  <a:schemeClr val="bg1"/>
+                </a:solidFill>
+                <a:latin typeface="Adobe 繁黑體 Std B" panose="020B0700000000000000" pitchFamily="34" charset="-120"/>
+                <a:ea typeface="Adobe 繁黑體 Std B" panose="020B0700000000000000" pitchFamily="34" charset="-120"/>
+              </a:rPr>
+              <a:t> )</a:t>
+            </a:r>
+            <a:r>
+              <a:rPr lang="en-US" altLang="zh-TW" sz="3200" spc="300" dirty="0">
+                <a:solidFill>
+                  <a:schemeClr val="bg1"/>
+                </a:solidFill>
+                <a:latin typeface="Adobe 繁黑體 Std B" panose="020B0700000000000000" pitchFamily="34" charset="-120"/>
+                <a:ea typeface="Adobe 繁黑體 Std B" panose="020B0700000000000000" pitchFamily="34" charset="-120"/>
+              </a:rPr>
+              <a:t> </a:t>
+            </a:r>
+            <a:endParaRPr lang="zh-TW" altLang="en-US" sz="3200" spc="300" dirty="0">
+              <a:solidFill>
+                <a:schemeClr val="bg1"/>
+              </a:solidFill>
+              <a:latin typeface="Adobe 繁黑體 Std B" panose="020B0700000000000000" pitchFamily="34" charset="-120"/>
+              <a:ea typeface="Adobe 繁黑體 Std B" panose="020B0700000000000000" pitchFamily="34" charset="-120"/>
+            </a:endParaRPr>
+          </a:p>
+        </p:txBody>
+      </p:sp>
+      <p:sp>
+        <p:nvSpPr>
+          <p:cNvPr id="5" name="右大括弧 4">
+            <a:extLst>
+              <a:ext uri="{FF2B5EF4-FFF2-40B4-BE49-F238E27FC236}">
+                <a16:creationId xmlns:a16="http://schemas.microsoft.com/office/drawing/2014/main" id="{86B33C3D-4148-49FF-B0D5-9A78E40F338D}"/>
+              </a:ext>
+            </a:extLst>
+          </p:cNvPr>
+          <p:cNvSpPr/>
+          <p:nvPr/>
+        </p:nvSpPr>
+        <p:spPr>
+          <a:xfrm rot="16200000">
+            <a:off x="6126963" y="-60398"/>
+            <a:ext cx="415329" cy="5642808"/>
+          </a:xfrm>
+          <a:prstGeom prst="rightBrace">
+            <a:avLst/>
+          </a:prstGeom>
+          <a:ln w="38100">
+            <a:solidFill>
+              <a:schemeClr val="bg1">
+                <a:lumMod val="75000"/>
+              </a:schemeClr>
+            </a:solidFill>
+          </a:ln>
+        </p:spPr>
+        <p:style>
+          <a:lnRef idx="1">
+            <a:schemeClr val="accent1"/>
+          </a:lnRef>
+          <a:fillRef idx="0">
+            <a:schemeClr val="accent1"/>
+          </a:fillRef>
+          <a:effectRef idx="0">
+            <a:schemeClr val="accent1"/>
+          </a:effectRef>
+          <a:fontRef idx="minor">
+            <a:schemeClr val="tx1"/>
+          </a:fontRef>
+        </p:style>
+        <p:txBody>
+          <a:bodyPr rtlCol="0" anchor="ctr"/>
+          <a:lstStyle/>
+          <a:p>
+            <a:pPr algn="ctr"/>
+            <a:endParaRPr lang="zh-TW" altLang="en-US">
               <a:solidFill>
                 <a:schemeClr val="bg1"/>
               </a:solidFill>
@@ -18784,10 +19837,10 @@
       </p:sp>
       <p:sp>
         <p:nvSpPr>
-          <p:cNvPr id="7" name="文字方塊 6">
+          <p:cNvPr id="6" name="文字方塊 5">
             <a:extLst>
               <a:ext uri="{FF2B5EF4-FFF2-40B4-BE49-F238E27FC236}">
-                <a16:creationId xmlns:a16="http://schemas.microsoft.com/office/drawing/2014/main" id="{B7D5DFE0-9005-4DB6-880A-2FEBF60CCA77}"/>
+                <a16:creationId xmlns:a16="http://schemas.microsoft.com/office/drawing/2014/main" id="{5A9697CF-3637-4276-84B6-34FB0901BDE7}"/>
               </a:ext>
             </a:extLst>
           </p:cNvPr>
@@ -18796,7 +19849,7 @@
         </p:nvSpPr>
         <p:spPr>
           <a:xfrm>
-            <a:off x="5112333" y="1591279"/>
+            <a:off x="2497561" y="3298140"/>
             <a:ext cx="1798890" cy="646331"/>
           </a:xfrm>
           <a:prstGeom prst="rect">
@@ -18828,10 +19881,10 @@
       </p:sp>
       <p:sp>
         <p:nvSpPr>
-          <p:cNvPr id="8" name="文字方塊 7">
+          <p:cNvPr id="7" name="文字方塊 6">
             <a:extLst>
               <a:ext uri="{FF2B5EF4-FFF2-40B4-BE49-F238E27FC236}">
-                <a16:creationId xmlns:a16="http://schemas.microsoft.com/office/drawing/2014/main" id="{85542BD5-0259-4451-98D2-1727CCBFF057}"/>
+                <a16:creationId xmlns:a16="http://schemas.microsoft.com/office/drawing/2014/main" id="{B15236FD-B8AE-4CC1-9229-03BF939793C1}"/>
               </a:ext>
             </a:extLst>
           </p:cNvPr>
@@ -18840,7 +19893,7 @@
         </p:nvSpPr>
         <p:spPr>
           <a:xfrm>
-            <a:off x="4942414" y="2650322"/>
+            <a:off x="7749517" y="3298139"/>
             <a:ext cx="2138727" cy="646331"/>
           </a:xfrm>
           <a:prstGeom prst="rect">
@@ -18872,54 +19925,10 @@
       </p:sp>
       <p:sp>
         <p:nvSpPr>
-          <p:cNvPr id="10" name="矩形 9">
+          <p:cNvPr id="8" name="文字方塊 7">
             <a:extLst>
               <a:ext uri="{FF2B5EF4-FFF2-40B4-BE49-F238E27FC236}">
-                <a16:creationId xmlns:a16="http://schemas.microsoft.com/office/drawing/2014/main" id="{613322EC-C22A-48AB-B0C5-054437A4F540}"/>
-              </a:ext>
-            </a:extLst>
-          </p:cNvPr>
-          <p:cNvSpPr/>
-          <p:nvPr/>
-        </p:nvSpPr>
-        <p:spPr>
-          <a:xfrm>
-            <a:off x="3575286" y="3512131"/>
-            <a:ext cx="5041428" cy="1922387"/>
-          </a:xfrm>
-          <a:prstGeom prst="rect">
-            <a:avLst/>
-          </a:prstGeom>
-        </p:spPr>
-        <p:style>
-          <a:lnRef idx="3">
-            <a:schemeClr val="lt1"/>
-          </a:lnRef>
-          <a:fillRef idx="1">
-            <a:schemeClr val="accent1"/>
-          </a:fillRef>
-          <a:effectRef idx="1">
-            <a:schemeClr val="accent1"/>
-          </a:effectRef>
-          <a:fontRef idx="minor">
-            <a:schemeClr val="lt1"/>
-          </a:fontRef>
-        </p:style>
-        <p:txBody>
-          <a:bodyPr rtlCol="0" anchor="ctr"/>
-          <a:lstStyle/>
-          <a:p>
-            <a:pPr algn="ctr"/>
-            <a:endParaRPr lang="zh-TW" altLang="en-US"/>
-          </a:p>
-        </p:txBody>
-      </p:sp>
-      <p:sp>
-        <p:nvSpPr>
-          <p:cNvPr id="9" name="文字方塊 8">
-            <a:extLst>
-              <a:ext uri="{FF2B5EF4-FFF2-40B4-BE49-F238E27FC236}">
-                <a16:creationId xmlns:a16="http://schemas.microsoft.com/office/drawing/2014/main" id="{87C48027-2D3D-401C-A443-C65000FAA4B2}"/>
+                <a16:creationId xmlns:a16="http://schemas.microsoft.com/office/drawing/2014/main" id="{91951FC4-CF58-4078-AB14-975A09160856}"/>
               </a:ext>
             </a:extLst>
           </p:cNvPr>
@@ -18928,8 +19937,8 @@
         </p:nvSpPr>
         <p:spPr>
           <a:xfrm>
-            <a:off x="4849151" y="4150158"/>
-            <a:ext cx="2325252" cy="646331"/>
+            <a:off x="1277099" y="4273940"/>
+            <a:ext cx="4472250" cy="1077218"/>
           </a:xfrm>
           <a:prstGeom prst="rect">
             <a:avLst/>
@@ -18942,18 +19951,190 @@
           </a:bodyPr>
           <a:lstStyle/>
           <a:p>
-            <a:r>
-              <a:rPr lang="en-US" altLang="zh-TW" sz="3600" dirty="0">
-                <a:solidFill>
-                  <a:schemeClr val="bg1"/>
-                </a:solidFill>
-              </a:rPr>
-              <a:t>React node</a:t>
-            </a:r>
-            <a:endParaRPr lang="zh-TW" altLang="en-US" sz="3600" dirty="0">
+            <a:pPr algn="ctr"/>
+            <a:r>
+              <a:rPr lang="zh-TW" altLang="en-US" sz="3200" dirty="0">
+                <a:solidFill>
+                  <a:schemeClr val="bg1">
+                    <a:lumMod val="85000"/>
+                  </a:schemeClr>
+                </a:solidFill>
+                <a:latin typeface="+mn-ea"/>
+              </a:rPr>
+              <a:t>提供</a:t>
+            </a:r>
+            <a:r>
+              <a:rPr lang="en-US" altLang="zh-TW" sz="3200" dirty="0">
+                <a:solidFill>
+                  <a:schemeClr val="bg1">
+                    <a:lumMod val="85000"/>
+                  </a:schemeClr>
+                </a:solidFill>
+                <a:latin typeface="+mn-ea"/>
+              </a:rPr>
+              <a:t>Value</a:t>
+            </a:r>
+            <a:r>
+              <a:rPr lang="zh-TW" altLang="en-US" sz="3200" dirty="0">
+                <a:solidFill>
+                  <a:schemeClr val="bg1">
+                    <a:lumMod val="85000"/>
+                  </a:schemeClr>
+                </a:solidFill>
+                <a:latin typeface="+mn-ea"/>
+              </a:rPr>
+              <a:t>的地方隨</a:t>
+            </a:r>
+            <a:endParaRPr lang="en-US" altLang="zh-TW" sz="3200" dirty="0">
               <a:solidFill>
-                <a:schemeClr val="bg1"/>
+                <a:schemeClr val="bg1">
+                  <a:lumMod val="85000"/>
+                </a:schemeClr>
               </a:solidFill>
+              <a:latin typeface="+mn-ea"/>
+            </a:endParaRPr>
+          </a:p>
+          <a:p>
+            <a:pPr algn="ctr"/>
+            <a:r>
+              <a:rPr lang="en-US" altLang="zh-TW" sz="3200" dirty="0">
+                <a:solidFill>
+                  <a:schemeClr val="bg1">
+                    <a:lumMod val="85000"/>
+                  </a:schemeClr>
+                </a:solidFill>
+                <a:latin typeface="+mn-ea"/>
+              </a:rPr>
+              <a:t>re-render</a:t>
+            </a:r>
+            <a:r>
+              <a:rPr lang="zh-TW" altLang="en-US" sz="3200" dirty="0">
+                <a:solidFill>
+                  <a:schemeClr val="bg1">
+                    <a:lumMod val="85000"/>
+                  </a:schemeClr>
+                </a:solidFill>
+                <a:latin typeface="+mn-ea"/>
+              </a:rPr>
+              <a:t>的渲染做處理</a:t>
+            </a:r>
+          </a:p>
+        </p:txBody>
+      </p:sp>
+      <p:sp>
+        <p:nvSpPr>
+          <p:cNvPr id="10" name="文字方塊 9">
+            <a:extLst>
+              <a:ext uri="{FF2B5EF4-FFF2-40B4-BE49-F238E27FC236}">
+                <a16:creationId xmlns:a16="http://schemas.microsoft.com/office/drawing/2014/main" id="{C12D0A0D-9422-4811-8FAD-A26278B0E94F}"/>
+              </a:ext>
+            </a:extLst>
+          </p:cNvPr>
+          <p:cNvSpPr txBox="1"/>
+          <p:nvPr/>
+        </p:nvSpPr>
+        <p:spPr>
+          <a:xfrm>
+            <a:off x="6472067" y="4273939"/>
+            <a:ext cx="4903907" cy="1077218"/>
+          </a:xfrm>
+          <a:prstGeom prst="rect">
+            <a:avLst/>
+          </a:prstGeom>
+          <a:noFill/>
+        </p:spPr>
+        <p:txBody>
+          <a:bodyPr wrap="none" rtlCol="0">
+            <a:spAutoFit/>
+          </a:bodyPr>
+          <a:lstStyle/>
+          <a:p>
+            <a:pPr algn="ctr"/>
+            <a:r>
+              <a:rPr lang="zh-TW" altLang="en-US" sz="3200" dirty="0">
+                <a:solidFill>
+                  <a:schemeClr val="bg1">
+                    <a:lumMod val="85000"/>
+                  </a:schemeClr>
+                </a:solidFill>
+                <a:latin typeface="+mn-ea"/>
+              </a:rPr>
+              <a:t>取得</a:t>
+            </a:r>
+            <a:r>
+              <a:rPr lang="en-US" altLang="zh-TW" sz="3200" dirty="0">
+                <a:solidFill>
+                  <a:schemeClr val="bg1">
+                    <a:lumMod val="85000"/>
+                  </a:schemeClr>
+                </a:solidFill>
+                <a:latin typeface="+mn-ea"/>
+              </a:rPr>
+              <a:t>Context</a:t>
+            </a:r>
+            <a:r>
+              <a:rPr lang="zh-TW" altLang="en-US" sz="3200" dirty="0">
+                <a:solidFill>
+                  <a:schemeClr val="bg1">
+                    <a:lumMod val="85000"/>
+                  </a:schemeClr>
+                </a:solidFill>
+                <a:latin typeface="+mn-ea"/>
+              </a:rPr>
+              <a:t>內</a:t>
+            </a:r>
+            <a:r>
+              <a:rPr lang="en-US" altLang="zh-TW" sz="3200" dirty="0">
+                <a:solidFill>
+                  <a:schemeClr val="bg1">
+                    <a:lumMod val="85000"/>
+                  </a:schemeClr>
+                </a:solidFill>
+                <a:latin typeface="+mn-ea"/>
+              </a:rPr>
+              <a:t>Value</a:t>
+            </a:r>
+          </a:p>
+          <a:p>
+            <a:pPr algn="ctr"/>
+            <a:r>
+              <a:rPr lang="zh-TW" altLang="en-US" sz="3200" dirty="0">
+                <a:solidFill>
+                  <a:schemeClr val="bg1">
+                    <a:lumMod val="85000"/>
+                  </a:schemeClr>
+                </a:solidFill>
+                <a:latin typeface="+mn-ea"/>
+              </a:rPr>
+              <a:t>只要在</a:t>
+            </a:r>
+            <a:r>
+              <a:rPr lang="en-US" altLang="zh-TW" sz="3200" dirty="0">
+                <a:solidFill>
+                  <a:schemeClr val="bg1">
+                    <a:lumMod val="85000"/>
+                  </a:schemeClr>
+                </a:solidFill>
+              </a:rPr>
+              <a:t>Provider</a:t>
+            </a:r>
+            <a:r>
+              <a:rPr lang="zh-TW" altLang="en-US" sz="3200" dirty="0">
+                <a:solidFill>
+                  <a:schemeClr val="bg1">
+                    <a:lumMod val="85000"/>
+                  </a:schemeClr>
+                </a:solidFill>
+              </a:rPr>
+              <a:t>內即可使用</a:t>
+            </a:r>
+            <a:endParaRPr lang="zh-TW" altLang="en-US" sz="3200" dirty="0">
+              <a:solidFill>
+                <a:schemeClr val="bg1">
+                  <a:lumMod val="85000"/>
+                </a:schemeClr>
+              </a:solidFill>
+              <a:latin typeface="+mn-ea"/>
             </a:endParaRPr>
           </a:p>
         </p:txBody>
@@ -18961,7 +20142,7 @@
     </p:spTree>
     <p:extLst>
       <p:ext uri="{BB962C8B-B14F-4D97-AF65-F5344CB8AC3E}">
-        <p14:creationId xmlns:p14="http://schemas.microsoft.com/office/powerpoint/2010/main" val="845563706"/>
+        <p14:creationId xmlns:p14="http://schemas.microsoft.com/office/powerpoint/2010/main" val="1742610453"/>
       </p:ext>
     </p:extLst>
   </p:cSld>
@@ -19012,6 +20193,690 @@
           <p:cNvPr id="2" name="投影片編號版面配置區 1">
             <a:extLst>
               <a:ext uri="{FF2B5EF4-FFF2-40B4-BE49-F238E27FC236}">
+                <a16:creationId xmlns:a16="http://schemas.microsoft.com/office/drawing/2014/main" id="{B420D78E-02AC-4552-9925-45FC980D3135}"/>
+              </a:ext>
+            </a:extLst>
+          </p:cNvPr>
+          <p:cNvSpPr>
+            <a:spLocks noGrp="1"/>
+          </p:cNvSpPr>
+          <p:nvPr>
+            <p:ph type="sldNum" sz="quarter" idx="12"/>
+          </p:nvPr>
+        </p:nvSpPr>
+        <p:spPr/>
+        <p:txBody>
+          <a:bodyPr/>
+          <a:lstStyle/>
+          <a:p>
+            <a:fld id="{4FAB73BC-B049-4115-A692-8D63A059BFB8}" type="slidenum">
+              <a:rPr lang="en-US" smtClean="0"/>
+              <a:pPr/>
+              <a:t>39</a:t>
+            </a:fld>
+            <a:endParaRPr lang="en-US" dirty="0"/>
+          </a:p>
+        </p:txBody>
+      </p:sp>
+      <p:sp>
+        <p:nvSpPr>
+          <p:cNvPr id="3" name="矩形 2">
+            <a:extLst>
+              <a:ext uri="{FF2B5EF4-FFF2-40B4-BE49-F238E27FC236}">
+                <a16:creationId xmlns:a16="http://schemas.microsoft.com/office/drawing/2014/main" id="{602C0D57-77D0-4E02-AC9E-04DB8230922C}"/>
+              </a:ext>
+            </a:extLst>
+          </p:cNvPr>
+          <p:cNvSpPr/>
+          <p:nvPr/>
+        </p:nvSpPr>
+        <p:spPr>
+          <a:xfrm>
+            <a:off x="696000" y="494383"/>
+            <a:ext cx="10800000" cy="5400000"/>
+          </a:xfrm>
+          <a:prstGeom prst="rect">
+            <a:avLst/>
+          </a:prstGeom>
+        </p:spPr>
+        <p:style>
+          <a:lnRef idx="1">
+            <a:schemeClr val="accent3"/>
+          </a:lnRef>
+          <a:fillRef idx="2">
+            <a:schemeClr val="accent3"/>
+          </a:fillRef>
+          <a:effectRef idx="1">
+            <a:schemeClr val="accent3"/>
+          </a:effectRef>
+          <a:fontRef idx="minor">
+            <a:schemeClr val="dk1"/>
+          </a:fontRef>
+        </p:style>
+        <p:txBody>
+          <a:bodyPr rtlCol="0" anchor="ctr"/>
+          <a:lstStyle/>
+          <a:p>
+            <a:pPr algn="ctr"/>
+            <a:endParaRPr lang="zh-TW" altLang="en-US"/>
+          </a:p>
+        </p:txBody>
+      </p:sp>
+      <p:sp>
+        <p:nvSpPr>
+          <p:cNvPr id="5" name="矩形 4">
+            <a:extLst>
+              <a:ext uri="{FF2B5EF4-FFF2-40B4-BE49-F238E27FC236}">
+                <a16:creationId xmlns:a16="http://schemas.microsoft.com/office/drawing/2014/main" id="{78426070-8178-4209-B70B-744F7CE5A946}"/>
+              </a:ext>
+            </a:extLst>
+          </p:cNvPr>
+          <p:cNvSpPr/>
+          <p:nvPr/>
+        </p:nvSpPr>
+        <p:spPr>
+          <a:xfrm>
+            <a:off x="1596000" y="1467519"/>
+            <a:ext cx="9000000" cy="4320000"/>
+          </a:xfrm>
+          <a:prstGeom prst="rect">
+            <a:avLst/>
+          </a:prstGeom>
+        </p:spPr>
+        <p:style>
+          <a:lnRef idx="1">
+            <a:schemeClr val="accent1"/>
+          </a:lnRef>
+          <a:fillRef idx="2">
+            <a:schemeClr val="accent1"/>
+          </a:fillRef>
+          <a:effectRef idx="1">
+            <a:schemeClr val="accent1"/>
+          </a:effectRef>
+          <a:fontRef idx="minor">
+            <a:schemeClr val="dk1"/>
+          </a:fontRef>
+        </p:style>
+        <p:txBody>
+          <a:bodyPr rtlCol="0" anchor="ctr"/>
+          <a:lstStyle/>
+          <a:p>
+            <a:pPr algn="ctr"/>
+            <a:endParaRPr lang="zh-TW" altLang="en-US"/>
+          </a:p>
+        </p:txBody>
+      </p:sp>
+      <p:sp>
+        <p:nvSpPr>
+          <p:cNvPr id="4" name="矩形 3">
+            <a:extLst>
+              <a:ext uri="{FF2B5EF4-FFF2-40B4-BE49-F238E27FC236}">
+                <a16:creationId xmlns:a16="http://schemas.microsoft.com/office/drawing/2014/main" id="{01F92319-D365-49B9-89CD-4A96B1C1CD3E}"/>
+              </a:ext>
+            </a:extLst>
+          </p:cNvPr>
+          <p:cNvSpPr/>
+          <p:nvPr/>
+        </p:nvSpPr>
+        <p:spPr>
+          <a:xfrm>
+            <a:off x="2411779" y="2418347"/>
+            <a:ext cx="7200000" cy="3240000"/>
+          </a:xfrm>
+          <a:prstGeom prst="rect">
+            <a:avLst/>
+          </a:prstGeom>
+        </p:spPr>
+        <p:style>
+          <a:lnRef idx="3">
+            <a:schemeClr val="lt1"/>
+          </a:lnRef>
+          <a:fillRef idx="1">
+            <a:schemeClr val="accent3"/>
+          </a:fillRef>
+          <a:effectRef idx="1">
+            <a:schemeClr val="accent3"/>
+          </a:effectRef>
+          <a:fontRef idx="minor">
+            <a:schemeClr val="lt1"/>
+          </a:fontRef>
+        </p:style>
+        <p:txBody>
+          <a:bodyPr rtlCol="0" anchor="ctr"/>
+          <a:lstStyle/>
+          <a:p>
+            <a:pPr algn="ctr"/>
+            <a:endParaRPr lang="zh-TW" altLang="en-US" dirty="0"/>
+          </a:p>
+        </p:txBody>
+      </p:sp>
+      <p:sp>
+        <p:nvSpPr>
+          <p:cNvPr id="6" name="文字方塊 5">
+            <a:extLst>
+              <a:ext uri="{FF2B5EF4-FFF2-40B4-BE49-F238E27FC236}">
+                <a16:creationId xmlns:a16="http://schemas.microsoft.com/office/drawing/2014/main" id="{D38F3D0D-1DAA-47B8-8F32-696EC1D6A661}"/>
+              </a:ext>
+            </a:extLst>
+          </p:cNvPr>
+          <p:cNvSpPr txBox="1"/>
+          <p:nvPr/>
+        </p:nvSpPr>
+        <p:spPr>
+          <a:xfrm>
+            <a:off x="5158019" y="640451"/>
+            <a:ext cx="1707519" cy="646331"/>
+          </a:xfrm>
+          <a:prstGeom prst="rect">
+            <a:avLst/>
+          </a:prstGeom>
+          <a:noFill/>
+        </p:spPr>
+        <p:txBody>
+          <a:bodyPr wrap="none" rtlCol="0">
+            <a:spAutoFit/>
+          </a:bodyPr>
+          <a:lstStyle/>
+          <a:p>
+            <a:r>
+              <a:rPr lang="en-US" altLang="zh-TW" sz="3600" dirty="0">
+                <a:solidFill>
+                  <a:schemeClr val="bg1"/>
+                </a:solidFill>
+              </a:rPr>
+              <a:t>Context</a:t>
+            </a:r>
+            <a:endParaRPr lang="zh-TW" altLang="en-US" sz="3600" dirty="0">
+              <a:solidFill>
+                <a:schemeClr val="bg1"/>
+              </a:solidFill>
+            </a:endParaRPr>
+          </a:p>
+        </p:txBody>
+      </p:sp>
+      <p:sp>
+        <p:nvSpPr>
+          <p:cNvPr id="7" name="文字方塊 6">
+            <a:extLst>
+              <a:ext uri="{FF2B5EF4-FFF2-40B4-BE49-F238E27FC236}">
+                <a16:creationId xmlns:a16="http://schemas.microsoft.com/office/drawing/2014/main" id="{B7D5DFE0-9005-4DB6-880A-2FEBF60CCA77}"/>
+              </a:ext>
+            </a:extLst>
+          </p:cNvPr>
+          <p:cNvSpPr txBox="1"/>
+          <p:nvPr/>
+        </p:nvSpPr>
+        <p:spPr>
+          <a:xfrm>
+            <a:off x="5112333" y="1591279"/>
+            <a:ext cx="1798890" cy="646331"/>
+          </a:xfrm>
+          <a:prstGeom prst="rect">
+            <a:avLst/>
+          </a:prstGeom>
+          <a:noFill/>
+        </p:spPr>
+        <p:txBody>
+          <a:bodyPr wrap="none" rtlCol="0">
+            <a:spAutoFit/>
+          </a:bodyPr>
+          <a:lstStyle/>
+          <a:p>
+            <a:r>
+              <a:rPr lang="en-US" altLang="zh-TW" sz="3600" dirty="0">
+                <a:solidFill>
+                  <a:schemeClr val="bg1"/>
+                </a:solidFill>
+              </a:rPr>
+              <a:t>Provider</a:t>
+            </a:r>
+            <a:endParaRPr lang="zh-TW" altLang="en-US" sz="3600" dirty="0">
+              <a:solidFill>
+                <a:schemeClr val="bg1"/>
+              </a:solidFill>
+            </a:endParaRPr>
+          </a:p>
+        </p:txBody>
+      </p:sp>
+      <p:sp>
+        <p:nvSpPr>
+          <p:cNvPr id="8" name="文字方塊 7">
+            <a:extLst>
+              <a:ext uri="{FF2B5EF4-FFF2-40B4-BE49-F238E27FC236}">
+                <a16:creationId xmlns:a16="http://schemas.microsoft.com/office/drawing/2014/main" id="{85542BD5-0259-4451-98D2-1727CCBFF057}"/>
+              </a:ext>
+            </a:extLst>
+          </p:cNvPr>
+          <p:cNvSpPr txBox="1"/>
+          <p:nvPr/>
+        </p:nvSpPr>
+        <p:spPr>
+          <a:xfrm>
+            <a:off x="4942414" y="2650322"/>
+            <a:ext cx="2138727" cy="646331"/>
+          </a:xfrm>
+          <a:prstGeom prst="rect">
+            <a:avLst/>
+          </a:prstGeom>
+          <a:noFill/>
+        </p:spPr>
+        <p:txBody>
+          <a:bodyPr wrap="none" rtlCol="0">
+            <a:spAutoFit/>
+          </a:bodyPr>
+          <a:lstStyle/>
+          <a:p>
+            <a:r>
+              <a:rPr lang="en-US" altLang="zh-TW" sz="3600" dirty="0">
+                <a:solidFill>
+                  <a:schemeClr val="bg1"/>
+                </a:solidFill>
+              </a:rPr>
+              <a:t>Consumer</a:t>
+            </a:r>
+            <a:endParaRPr lang="zh-TW" altLang="en-US" sz="3600" dirty="0">
+              <a:solidFill>
+                <a:schemeClr val="bg1"/>
+              </a:solidFill>
+            </a:endParaRPr>
+          </a:p>
+        </p:txBody>
+      </p:sp>
+      <p:sp>
+        <p:nvSpPr>
+          <p:cNvPr id="10" name="矩形 9">
+            <a:extLst>
+              <a:ext uri="{FF2B5EF4-FFF2-40B4-BE49-F238E27FC236}">
+                <a16:creationId xmlns:a16="http://schemas.microsoft.com/office/drawing/2014/main" id="{613322EC-C22A-48AB-B0C5-054437A4F540}"/>
+              </a:ext>
+            </a:extLst>
+          </p:cNvPr>
+          <p:cNvSpPr/>
+          <p:nvPr/>
+        </p:nvSpPr>
+        <p:spPr>
+          <a:xfrm>
+            <a:off x="3575286" y="3512131"/>
+            <a:ext cx="5041428" cy="1922387"/>
+          </a:xfrm>
+          <a:prstGeom prst="rect">
+            <a:avLst/>
+          </a:prstGeom>
+        </p:spPr>
+        <p:style>
+          <a:lnRef idx="3">
+            <a:schemeClr val="lt1"/>
+          </a:lnRef>
+          <a:fillRef idx="1">
+            <a:schemeClr val="accent1"/>
+          </a:fillRef>
+          <a:effectRef idx="1">
+            <a:schemeClr val="accent1"/>
+          </a:effectRef>
+          <a:fontRef idx="minor">
+            <a:schemeClr val="lt1"/>
+          </a:fontRef>
+        </p:style>
+        <p:txBody>
+          <a:bodyPr rtlCol="0" anchor="ctr"/>
+          <a:lstStyle/>
+          <a:p>
+            <a:pPr algn="ctr"/>
+            <a:endParaRPr lang="zh-TW" altLang="en-US"/>
+          </a:p>
+        </p:txBody>
+      </p:sp>
+      <p:sp>
+        <p:nvSpPr>
+          <p:cNvPr id="9" name="文字方塊 8">
+            <a:extLst>
+              <a:ext uri="{FF2B5EF4-FFF2-40B4-BE49-F238E27FC236}">
+                <a16:creationId xmlns:a16="http://schemas.microsoft.com/office/drawing/2014/main" id="{87C48027-2D3D-401C-A443-C65000FAA4B2}"/>
+              </a:ext>
+            </a:extLst>
+          </p:cNvPr>
+          <p:cNvSpPr txBox="1"/>
+          <p:nvPr/>
+        </p:nvSpPr>
+        <p:spPr>
+          <a:xfrm>
+            <a:off x="4849151" y="4150158"/>
+            <a:ext cx="2325252" cy="646331"/>
+          </a:xfrm>
+          <a:prstGeom prst="rect">
+            <a:avLst/>
+          </a:prstGeom>
+          <a:noFill/>
+        </p:spPr>
+        <p:txBody>
+          <a:bodyPr wrap="none" rtlCol="0">
+            <a:spAutoFit/>
+          </a:bodyPr>
+          <a:lstStyle/>
+          <a:p>
+            <a:r>
+              <a:rPr lang="en-US" altLang="zh-TW" sz="3600" dirty="0">
+                <a:solidFill>
+                  <a:schemeClr val="bg1"/>
+                </a:solidFill>
+              </a:rPr>
+              <a:t>React node</a:t>
+            </a:r>
+            <a:endParaRPr lang="zh-TW" altLang="en-US" sz="3600" dirty="0">
+              <a:solidFill>
+                <a:schemeClr val="bg1"/>
+              </a:solidFill>
+            </a:endParaRPr>
+          </a:p>
+        </p:txBody>
+      </p:sp>
+    </p:spTree>
+    <p:extLst>
+      <p:ext uri="{BB962C8B-B14F-4D97-AF65-F5344CB8AC3E}">
+        <p14:creationId xmlns:p14="http://schemas.microsoft.com/office/powerpoint/2010/main" val="845563706"/>
+      </p:ext>
+    </p:extLst>
+  </p:cSld>
+  <p:clrMapOvr>
+    <a:masterClrMapping/>
+  </p:clrMapOvr>
+  <mc:AlternateContent xmlns:mc="http://schemas.openxmlformats.org/markup-compatibility/2006" xmlns:p14="http://schemas.microsoft.com/office/powerpoint/2010/main">
+    <mc:Choice Requires="p14">
+      <p:transition p14:dur="160">
+        <p:fade/>
+      </p:transition>
+    </mc:Choice>
+    <mc:Fallback xmlns="">
+      <p:transition>
+        <p:fade/>
+      </p:transition>
+    </mc:Fallback>
+  </mc:AlternateContent>
+  <p:timing>
+    <p:tnLst>
+      <p:par>
+        <p:cTn id="1" dur="indefinite" restart="never" nodeType="tmRoot"/>
+      </p:par>
+    </p:tnLst>
+  </p:timing>
+</p:sld>
+</file>
+
+<file path=ppt/slides/slide4.xml><?xml version="1.0" encoding="utf-8"?>
+<p:sld xmlns:a="http://schemas.openxmlformats.org/drawingml/2006/main" xmlns:r="http://schemas.openxmlformats.org/officeDocument/2006/relationships" xmlns:p="http://schemas.openxmlformats.org/presentationml/2006/main">
+  <p:cSld>
+    <p:spTree>
+      <p:nvGrpSpPr>
+        <p:cNvPr id="1" name=""/>
+        <p:cNvGrpSpPr/>
+        <p:nvPr/>
+      </p:nvGrpSpPr>
+      <p:grpSpPr>
+        <a:xfrm>
+          <a:off x="0" y="0"/>
+          <a:ext cx="0" cy="0"/>
+          <a:chOff x="0" y="0"/>
+          <a:chExt cx="0" cy="0"/>
+        </a:xfrm>
+      </p:grpSpPr>
+      <p:sp>
+        <p:nvSpPr>
+          <p:cNvPr id="2" name="標題 1">
+            <a:extLst>
+              <a:ext uri="{FF2B5EF4-FFF2-40B4-BE49-F238E27FC236}">
+                <a16:creationId xmlns:a16="http://schemas.microsoft.com/office/drawing/2014/main" id="{CCA008F0-D89F-4FA1-A9B3-CDF909905999}"/>
+              </a:ext>
+            </a:extLst>
+          </p:cNvPr>
+          <p:cNvSpPr>
+            <a:spLocks noGrp="1"/>
+          </p:cNvSpPr>
+          <p:nvPr>
+            <p:ph type="title"/>
+          </p:nvPr>
+        </p:nvSpPr>
+        <p:spPr/>
+        <p:txBody>
+          <a:bodyPr/>
+          <a:lstStyle/>
+          <a:p>
+            <a:pPr algn="ctr"/>
+            <a:r>
+              <a:rPr lang="zh-TW" altLang="en-US" dirty="0"/>
+              <a:t>簡介</a:t>
+            </a:r>
+          </a:p>
+        </p:txBody>
+      </p:sp>
+      <p:sp>
+        <p:nvSpPr>
+          <p:cNvPr id="6" name="內容版面配置區 5">
+            <a:extLst>
+              <a:ext uri="{FF2B5EF4-FFF2-40B4-BE49-F238E27FC236}">
+                <a16:creationId xmlns:a16="http://schemas.microsoft.com/office/drawing/2014/main" id="{4F0C5FDC-A68E-406D-87BA-52A5D64642E8}"/>
+              </a:ext>
+            </a:extLst>
+          </p:cNvPr>
+          <p:cNvSpPr>
+            <a:spLocks noGrp="1"/>
+          </p:cNvSpPr>
+          <p:nvPr>
+            <p:ph idx="1"/>
+          </p:nvPr>
+        </p:nvSpPr>
+        <p:spPr/>
+        <p:txBody>
+          <a:bodyPr anchor="t">
+            <a:normAutofit/>
+          </a:bodyPr>
+          <a:lstStyle/>
+          <a:p>
+            <a:pPr marL="0" indent="0">
+              <a:buNone/>
+            </a:pPr>
+            <a:r>
+              <a:rPr lang="en-US" altLang="zh-TW" sz="6000" b="1" dirty="0">
+                <a:solidFill>
+                  <a:schemeClr val="bg1"/>
+                </a:solidFill>
+                <a:latin typeface="+mn-ea"/>
+              </a:rPr>
+              <a:t>React Hooks </a:t>
+            </a:r>
+          </a:p>
+          <a:p>
+            <a:pPr marL="0" indent="0">
+              <a:buNone/>
+            </a:pPr>
+            <a:r>
+              <a:rPr lang="en-US" altLang="zh-TW" sz="4000" dirty="0">
+                <a:solidFill>
+                  <a:schemeClr val="bg2"/>
+                </a:solidFill>
+                <a:latin typeface="+mn-ea"/>
+              </a:rPr>
+              <a:t>@ v-16.8.0 </a:t>
+            </a:r>
+          </a:p>
+          <a:p>
+            <a:pPr marL="0" indent="0" algn="ctr">
+              <a:buNone/>
+            </a:pPr>
+            <a:endParaRPr lang="en-US" altLang="zh-TW" sz="1800" dirty="0">
+              <a:solidFill>
+                <a:schemeClr val="bg1"/>
+              </a:solidFill>
+              <a:latin typeface="+mn-ea"/>
+            </a:endParaRPr>
+          </a:p>
+          <a:p>
+            <a:pPr marL="0" indent="0">
+              <a:buNone/>
+            </a:pPr>
+            <a:r>
+              <a:rPr lang="zh-TW" altLang="en-US" sz="4000" dirty="0">
+                <a:solidFill>
+                  <a:schemeClr val="bg1"/>
+                </a:solidFill>
+                <a:latin typeface="+mn-ea"/>
+              </a:rPr>
+              <a:t>特點</a:t>
+            </a:r>
+            <a:r>
+              <a:rPr lang="en-US" altLang="zh-TW" sz="4000" dirty="0">
+                <a:solidFill>
+                  <a:schemeClr val="bg1"/>
+                </a:solidFill>
+                <a:latin typeface="+mn-ea"/>
+              </a:rPr>
+              <a:t>:</a:t>
+            </a:r>
+            <a:endParaRPr lang="en-US" altLang="zh-TW" sz="1050" dirty="0">
+              <a:solidFill>
+                <a:schemeClr val="bg1"/>
+              </a:solidFill>
+              <a:latin typeface="+mn-ea"/>
+            </a:endParaRPr>
+          </a:p>
+          <a:p>
+            <a:pPr>
+              <a:lnSpc>
+                <a:spcPct val="100000"/>
+              </a:lnSpc>
+              <a:buFont typeface="Wingdings" panose="05000000000000000000" pitchFamily="2" charset="2"/>
+              <a:buChar char="l"/>
+            </a:pPr>
+            <a:r>
+              <a:rPr lang="zh-TW" altLang="en-US" sz="3200" dirty="0">
+                <a:solidFill>
+                  <a:schemeClr val="bg1"/>
+                </a:solidFill>
+                <a:latin typeface="+mn-ea"/>
+              </a:rPr>
+              <a:t>採用</a:t>
+            </a:r>
+            <a:r>
+              <a:rPr lang="en-US" altLang="zh-TW" sz="3200" dirty="0">
+                <a:solidFill>
+                  <a:schemeClr val="bg1"/>
+                </a:solidFill>
+                <a:latin typeface="+mj-ea"/>
+              </a:rPr>
+              <a:t>Function</a:t>
+            </a:r>
+            <a:r>
+              <a:rPr lang="zh-TW" altLang="en-US" sz="3200" dirty="0">
+                <a:solidFill>
+                  <a:schemeClr val="bg1"/>
+                </a:solidFill>
+                <a:latin typeface="+mn-ea"/>
+              </a:rPr>
+              <a:t>的結構</a:t>
+            </a:r>
+            <a:endParaRPr lang="en-US" altLang="zh-TW" sz="3200" dirty="0">
+              <a:solidFill>
+                <a:schemeClr val="bg1"/>
+              </a:solidFill>
+              <a:latin typeface="+mn-ea"/>
+            </a:endParaRPr>
+          </a:p>
+          <a:p>
+            <a:pPr>
+              <a:lnSpc>
+                <a:spcPct val="100000"/>
+              </a:lnSpc>
+              <a:buFont typeface="Wingdings" panose="05000000000000000000" pitchFamily="2" charset="2"/>
+              <a:buChar char="l"/>
+            </a:pPr>
+            <a:r>
+              <a:rPr lang="zh-TW" altLang="en-US" sz="3200" dirty="0">
+                <a:solidFill>
+                  <a:schemeClr val="bg1"/>
+                </a:solidFill>
+                <a:latin typeface="+mn-ea"/>
+              </a:rPr>
+              <a:t>簡化生命週期</a:t>
+            </a:r>
+            <a:endParaRPr lang="en-US" altLang="zh-TW" sz="3200" dirty="0">
+              <a:solidFill>
+                <a:schemeClr val="bg1"/>
+              </a:solidFill>
+              <a:latin typeface="+mn-ea"/>
+            </a:endParaRPr>
+          </a:p>
+          <a:p>
+            <a:pPr>
+              <a:lnSpc>
+                <a:spcPct val="100000"/>
+              </a:lnSpc>
+              <a:buFont typeface="Wingdings" panose="05000000000000000000" pitchFamily="2" charset="2"/>
+              <a:buChar char="l"/>
+            </a:pPr>
+            <a:r>
+              <a:rPr lang="zh-TW" altLang="en-US" sz="3200" dirty="0">
+                <a:solidFill>
+                  <a:schemeClr val="bg1"/>
+                </a:solidFill>
+                <a:latin typeface="+mn-ea"/>
+              </a:rPr>
+              <a:t>簡潔的代碼風格</a:t>
+            </a:r>
+            <a:endParaRPr lang="en-US" altLang="zh-TW" sz="3200" dirty="0">
+              <a:solidFill>
+                <a:schemeClr val="bg1"/>
+              </a:solidFill>
+              <a:latin typeface="+mn-ea"/>
+            </a:endParaRPr>
+          </a:p>
+        </p:txBody>
+      </p:sp>
+    </p:spTree>
+    <p:extLst>
+      <p:ext uri="{BB962C8B-B14F-4D97-AF65-F5344CB8AC3E}">
+        <p14:creationId xmlns:p14="http://schemas.microsoft.com/office/powerpoint/2010/main" val="2351023602"/>
+      </p:ext>
+    </p:extLst>
+  </p:cSld>
+  <p:clrMapOvr>
+    <a:masterClrMapping/>
+  </p:clrMapOvr>
+  <mc:AlternateContent xmlns:mc="http://schemas.openxmlformats.org/markup-compatibility/2006" xmlns:p14="http://schemas.microsoft.com/office/powerpoint/2010/main">
+    <mc:Choice Requires="p14">
+      <p:transition p14:dur="160">
+        <p:fade/>
+      </p:transition>
+    </mc:Choice>
+    <mc:Fallback xmlns="">
+      <p:transition>
+        <p:fade/>
+      </p:transition>
+    </mc:Fallback>
+  </mc:AlternateContent>
+</p:sld>
+</file>
+
+<file path=ppt/slides/slide40.xml><?xml version="1.0" encoding="utf-8"?>
+<p:sld xmlns:a="http://schemas.openxmlformats.org/drawingml/2006/main" xmlns:r="http://schemas.openxmlformats.org/officeDocument/2006/relationships" xmlns:p="http://schemas.openxmlformats.org/presentationml/2006/main">
+  <p:cSld>
+    <p:spTree>
+      <p:nvGrpSpPr>
+        <p:cNvPr id="1" name=""/>
+        <p:cNvGrpSpPr/>
+        <p:nvPr/>
+      </p:nvGrpSpPr>
+      <p:grpSpPr>
+        <a:xfrm>
+          <a:off x="0" y="0"/>
+          <a:ext cx="0" cy="0"/>
+          <a:chOff x="0" y="0"/>
+          <a:chExt cx="0" cy="0"/>
+        </a:xfrm>
+      </p:grpSpPr>
+      <p:sp>
+        <p:nvSpPr>
+          <p:cNvPr id="2" name="投影片編號版面配置區 1">
+            <a:extLst>
+              <a:ext uri="{FF2B5EF4-FFF2-40B4-BE49-F238E27FC236}">
                 <a16:creationId xmlns:a16="http://schemas.microsoft.com/office/drawing/2014/main" id="{9D0025C0-D44B-4086-98F5-1AA76BE2D786}"/>
               </a:ext>
             </a:extLst>
@@ -19031,7 +20896,7 @@
             <a:fld id="{4FAB73BC-B049-4115-A692-8D63A059BFB8}" type="slidenum">
               <a:rPr lang="en-US" smtClean="0"/>
               <a:pPr/>
-              <a:t>39</a:t>
+              <a:t>40</a:t>
             </a:fld>
             <a:endParaRPr lang="en-US" dirty="0"/>
           </a:p>
@@ -19059,16 +20924,10 @@
           <a:lstStyle/>
           <a:p>
             <a:r>
-              <a:rPr lang="en-US" altLang="zh-TW" dirty="0" err="1">
-                <a:latin typeface="+mn-ea"/>
-              </a:rPr>
-              <a:t>useContext</a:t>
-            </a:r>
-            <a:r>
               <a:rPr lang="en-US" altLang="zh-TW" dirty="0">
                 <a:latin typeface="+mn-ea"/>
               </a:rPr>
-              <a:t> </a:t>
+              <a:t>useContext </a:t>
             </a:r>
             <a:r>
               <a:rPr lang="zh-TW" altLang="en-US" dirty="0">
@@ -19283,7 +21142,7 @@
 </p:sld>
 </file>
 
-<file path=ppt/slides/slide4.xml><?xml version="1.0" encoding="utf-8"?>
+<file path=ppt/slides/slide41.xml><?xml version="1.0" encoding="utf-8"?>
 <p:sld xmlns:a="http://schemas.openxmlformats.org/drawingml/2006/main" xmlns:r="http://schemas.openxmlformats.org/officeDocument/2006/relationships" xmlns:p="http://schemas.openxmlformats.org/presentationml/2006/main">
   <p:cSld>
     <p:spTree>
@@ -19302,259 +21161,6 @@
       </p:grpSpPr>
       <p:sp>
         <p:nvSpPr>
-          <p:cNvPr id="2" name="標題 1">
-            <a:extLst>
-              <a:ext uri="{FF2B5EF4-FFF2-40B4-BE49-F238E27FC236}">
-                <a16:creationId xmlns:a16="http://schemas.microsoft.com/office/drawing/2014/main" id="{CCA008F0-D89F-4FA1-A9B3-CDF909905999}"/>
-              </a:ext>
-            </a:extLst>
-          </p:cNvPr>
-          <p:cNvSpPr>
-            <a:spLocks noGrp="1"/>
-          </p:cNvSpPr>
-          <p:nvPr>
-            <p:ph type="title"/>
-          </p:nvPr>
-        </p:nvSpPr>
-        <p:spPr/>
-        <p:txBody>
-          <a:bodyPr/>
-          <a:lstStyle/>
-          <a:p>
-            <a:pPr algn="ctr"/>
-            <a:r>
-              <a:rPr lang="zh-TW" altLang="en-US" dirty="0"/>
-              <a:t>簡介</a:t>
-            </a:r>
-          </a:p>
-        </p:txBody>
-      </p:sp>
-      <p:sp>
-        <p:nvSpPr>
-          <p:cNvPr id="6" name="內容版面配置區 5">
-            <a:extLst>
-              <a:ext uri="{FF2B5EF4-FFF2-40B4-BE49-F238E27FC236}">
-                <a16:creationId xmlns:a16="http://schemas.microsoft.com/office/drawing/2014/main" id="{4F0C5FDC-A68E-406D-87BA-52A5D64642E8}"/>
-              </a:ext>
-            </a:extLst>
-          </p:cNvPr>
-          <p:cNvSpPr>
-            <a:spLocks noGrp="1"/>
-          </p:cNvSpPr>
-          <p:nvPr>
-            <p:ph idx="1"/>
-          </p:nvPr>
-        </p:nvSpPr>
-        <p:spPr/>
-        <p:txBody>
-          <a:bodyPr anchor="t">
-            <a:normAutofit/>
-          </a:bodyPr>
-          <a:lstStyle/>
-          <a:p>
-            <a:pPr marL="0" indent="0">
-              <a:buNone/>
-            </a:pPr>
-            <a:r>
-              <a:rPr lang="en-US" altLang="zh-TW" sz="6000" b="1" dirty="0">
-                <a:solidFill>
-                  <a:schemeClr val="bg1"/>
-                </a:solidFill>
-                <a:latin typeface="+mn-ea"/>
-              </a:rPr>
-              <a:t>React Hooks </a:t>
-            </a:r>
-          </a:p>
-          <a:p>
-            <a:pPr marL="0" indent="0">
-              <a:buNone/>
-            </a:pPr>
-            <a:r>
-              <a:rPr lang="en-US" altLang="zh-TW" sz="4000" dirty="0">
-                <a:solidFill>
-                  <a:schemeClr val="bg2"/>
-                </a:solidFill>
-                <a:latin typeface="+mn-ea"/>
-              </a:rPr>
-              <a:t>@ v-16.8.0 </a:t>
-            </a:r>
-          </a:p>
-          <a:p>
-            <a:pPr marL="0" indent="0" algn="ctr">
-              <a:buNone/>
-            </a:pPr>
-            <a:endParaRPr lang="en-US" altLang="zh-TW" sz="1800" dirty="0">
-              <a:solidFill>
-                <a:schemeClr val="bg1"/>
-              </a:solidFill>
-              <a:latin typeface="+mn-ea"/>
-            </a:endParaRPr>
-          </a:p>
-          <a:p>
-            <a:pPr marL="0" indent="0">
-              <a:buNone/>
-            </a:pPr>
-            <a:r>
-              <a:rPr lang="zh-TW" altLang="en-US" sz="4000" dirty="0">
-                <a:solidFill>
-                  <a:schemeClr val="bg1"/>
-                </a:solidFill>
-                <a:latin typeface="+mn-ea"/>
-              </a:rPr>
-              <a:t>特點</a:t>
-            </a:r>
-            <a:r>
-              <a:rPr lang="en-US" altLang="zh-TW" sz="4000" dirty="0">
-                <a:solidFill>
-                  <a:schemeClr val="bg1"/>
-                </a:solidFill>
-                <a:latin typeface="+mn-ea"/>
-              </a:rPr>
-              <a:t>:</a:t>
-            </a:r>
-            <a:endParaRPr lang="en-US" altLang="zh-TW" sz="1050" dirty="0">
-              <a:solidFill>
-                <a:schemeClr val="bg1"/>
-              </a:solidFill>
-              <a:latin typeface="+mn-ea"/>
-            </a:endParaRPr>
-          </a:p>
-          <a:p>
-            <a:pPr>
-              <a:lnSpc>
-                <a:spcPct val="100000"/>
-              </a:lnSpc>
-              <a:buFont typeface="Wingdings" panose="05000000000000000000" pitchFamily="2" charset="2"/>
-              <a:buChar char="l"/>
-            </a:pPr>
-            <a:r>
-              <a:rPr lang="zh-TW" altLang="en-US" sz="3200" dirty="0">
-                <a:solidFill>
-                  <a:schemeClr val="bg1"/>
-                </a:solidFill>
-                <a:latin typeface="+mn-ea"/>
-              </a:rPr>
-              <a:t>採用</a:t>
-            </a:r>
-            <a:r>
-              <a:rPr lang="en-US" altLang="zh-TW" sz="3200" dirty="0">
-                <a:solidFill>
-                  <a:schemeClr val="bg1"/>
-                </a:solidFill>
-                <a:latin typeface="+mj-ea"/>
-              </a:rPr>
-              <a:t>Function</a:t>
-            </a:r>
-            <a:r>
-              <a:rPr lang="zh-TW" altLang="en-US" sz="3200" dirty="0">
-                <a:solidFill>
-                  <a:schemeClr val="bg1"/>
-                </a:solidFill>
-                <a:latin typeface="+mn-ea"/>
-              </a:rPr>
-              <a:t>的結構</a:t>
-            </a:r>
-            <a:endParaRPr lang="en-US" altLang="zh-TW" sz="3200" dirty="0">
-              <a:solidFill>
-                <a:schemeClr val="bg1"/>
-              </a:solidFill>
-              <a:latin typeface="+mn-ea"/>
-            </a:endParaRPr>
-          </a:p>
-          <a:p>
-            <a:pPr>
-              <a:lnSpc>
-                <a:spcPct val="100000"/>
-              </a:lnSpc>
-              <a:buFont typeface="Wingdings" panose="05000000000000000000" pitchFamily="2" charset="2"/>
-              <a:buChar char="l"/>
-            </a:pPr>
-            <a:r>
-              <a:rPr lang="zh-TW" altLang="en-US" sz="3200" dirty="0">
-                <a:solidFill>
-                  <a:schemeClr val="bg1"/>
-                </a:solidFill>
-                <a:latin typeface="+mn-ea"/>
-              </a:rPr>
-              <a:t>簡化生命週期</a:t>
-            </a:r>
-            <a:endParaRPr lang="en-US" altLang="zh-TW" sz="3200" dirty="0">
-              <a:solidFill>
-                <a:schemeClr val="bg1"/>
-              </a:solidFill>
-              <a:latin typeface="+mn-ea"/>
-            </a:endParaRPr>
-          </a:p>
-          <a:p>
-            <a:pPr>
-              <a:lnSpc>
-                <a:spcPct val="100000"/>
-              </a:lnSpc>
-              <a:buFont typeface="Wingdings" panose="05000000000000000000" pitchFamily="2" charset="2"/>
-              <a:buChar char="l"/>
-            </a:pPr>
-            <a:r>
-              <a:rPr lang="zh-TW" altLang="en-US" sz="3200" dirty="0">
-                <a:solidFill>
-                  <a:schemeClr val="bg1"/>
-                </a:solidFill>
-                <a:latin typeface="+mn-ea"/>
-              </a:rPr>
-              <a:t>簡潔的代碼風格</a:t>
-            </a:r>
-            <a:endParaRPr lang="en-US" altLang="zh-TW" sz="3200" dirty="0">
-              <a:solidFill>
-                <a:schemeClr val="bg1"/>
-              </a:solidFill>
-              <a:latin typeface="+mn-ea"/>
-            </a:endParaRPr>
-          </a:p>
-        </p:txBody>
-      </p:sp>
-    </p:spTree>
-    <p:extLst>
-      <p:ext uri="{BB962C8B-B14F-4D97-AF65-F5344CB8AC3E}">
-        <p14:creationId xmlns:p14="http://schemas.microsoft.com/office/powerpoint/2010/main" val="2351023602"/>
-      </p:ext>
-    </p:extLst>
-  </p:cSld>
-  <p:clrMapOvr>
-    <a:masterClrMapping/>
-  </p:clrMapOvr>
-  <mc:AlternateContent xmlns:mc="http://schemas.openxmlformats.org/markup-compatibility/2006" xmlns:p14="http://schemas.microsoft.com/office/powerpoint/2010/main">
-    <mc:Choice Requires="p14">
-      <p:transition p14:dur="160">
-        <p:fade/>
-      </p:transition>
-    </mc:Choice>
-    <mc:Fallback xmlns="">
-      <p:transition>
-        <p:fade/>
-      </p:transition>
-    </mc:Fallback>
-  </mc:AlternateContent>
-</p:sld>
-</file>
-
-<file path=ppt/slides/slide40.xml><?xml version="1.0" encoding="utf-8"?>
-<p:sld xmlns:a="http://schemas.openxmlformats.org/drawingml/2006/main" xmlns:r="http://schemas.openxmlformats.org/officeDocument/2006/relationships" xmlns:p="http://schemas.openxmlformats.org/presentationml/2006/main">
-  <p:cSld>
-    <p:spTree>
-      <p:nvGrpSpPr>
-        <p:cNvPr id="1" name=""/>
-        <p:cNvGrpSpPr/>
-        <p:nvPr/>
-      </p:nvGrpSpPr>
-      <p:grpSpPr>
-        <a:xfrm>
-          <a:off x="0" y="0"/>
-          <a:ext cx="0" cy="0"/>
-          <a:chOff x="0" y="0"/>
-          <a:chExt cx="0" cy="0"/>
-        </a:xfrm>
-      </p:grpSpPr>
-      <p:sp>
-        <p:nvSpPr>
           <p:cNvPr id="2" name="投影片編號版面配置區 1"/>
           <p:cNvSpPr>
             <a:spLocks noGrp="1"/>
@@ -19571,7 +21177,7 @@
             <a:fld id="{4FAB73BC-B049-4115-A692-8D63A059BFB8}" type="slidenum">
               <a:rPr lang="en-US" smtClean="0"/>
               <a:pPr/>
-              <a:t>40</a:t>
+              <a:t>41</a:t>
             </a:fld>
             <a:endParaRPr lang="en-US" dirty="0"/>
           </a:p>
@@ -19736,7 +21342,7 @@
 </p:sld>
 </file>
 
-<file path=ppt/slides/slide41.xml><?xml version="1.0" encoding="utf-8"?>
+<file path=ppt/slides/slide42.xml><?xml version="1.0" encoding="utf-8"?>
 <p:sld xmlns:a="http://schemas.openxmlformats.org/drawingml/2006/main" xmlns:r="http://schemas.openxmlformats.org/officeDocument/2006/relationships" xmlns:p="http://schemas.openxmlformats.org/presentationml/2006/main">
   <p:cSld>
     <p:spTree>
@@ -19771,7 +21377,7 @@
             <a:fld id="{4FAB73BC-B049-4115-A692-8D63A059BFB8}" type="slidenum">
               <a:rPr lang="en-US" smtClean="0"/>
               <a:pPr/>
-              <a:t>41</a:t>
+              <a:t>42</a:t>
             </a:fld>
             <a:endParaRPr lang="en-US" dirty="0"/>
           </a:p>
@@ -20208,7 +21814,7 @@
 </p:sld>
 </file>
 
-<file path=ppt/slides/slide42.xml><?xml version="1.0" encoding="utf-8"?>
+<file path=ppt/slides/slide43.xml><?xml version="1.0" encoding="utf-8"?>
 <p:sld xmlns:a="http://schemas.openxmlformats.org/drawingml/2006/main" xmlns:r="http://schemas.openxmlformats.org/officeDocument/2006/relationships" xmlns:p="http://schemas.openxmlformats.org/presentationml/2006/main">
   <p:cSld>
     <p:spTree>
@@ -20243,7 +21849,7 @@
             <a:fld id="{4FAB73BC-B049-4115-A692-8D63A059BFB8}" type="slidenum">
               <a:rPr lang="en-US" smtClean="0"/>
               <a:pPr/>
-              <a:t>42</a:t>
+              <a:t>43</a:t>
             </a:fld>
             <a:endParaRPr lang="en-US" dirty="0"/>
           </a:p>
@@ -20932,326 +22538,6 @@
 </p:sld>
 </file>
 
-<file path=ppt/slides/slide43.xml><?xml version="1.0" encoding="utf-8"?>
-<p:sld xmlns:a="http://schemas.openxmlformats.org/drawingml/2006/main" xmlns:r="http://schemas.openxmlformats.org/officeDocument/2006/relationships" xmlns:p="http://schemas.openxmlformats.org/presentationml/2006/main">
-  <p:cSld>
-    <p:spTree>
-      <p:nvGrpSpPr>
-        <p:cNvPr id="1" name=""/>
-        <p:cNvGrpSpPr/>
-        <p:nvPr/>
-      </p:nvGrpSpPr>
-      <p:grpSpPr>
-        <a:xfrm>
-          <a:off x="0" y="0"/>
-          <a:ext cx="0" cy="0"/>
-          <a:chOff x="0" y="0"/>
-          <a:chExt cx="0" cy="0"/>
-        </a:xfrm>
-      </p:grpSpPr>
-      <p:sp>
-        <p:nvSpPr>
-          <p:cNvPr id="2" name="投影片編號版面配置區 1">
-            <a:extLst>
-              <a:ext uri="{FF2B5EF4-FFF2-40B4-BE49-F238E27FC236}">
-                <a16:creationId xmlns:a16="http://schemas.microsoft.com/office/drawing/2014/main" id="{09325958-A913-4ED4-BF37-25C26A343A0C}"/>
-              </a:ext>
-            </a:extLst>
-          </p:cNvPr>
-          <p:cNvSpPr>
-            <a:spLocks noGrp="1"/>
-          </p:cNvSpPr>
-          <p:nvPr>
-            <p:ph type="sldNum" sz="quarter" idx="12"/>
-          </p:nvPr>
-        </p:nvSpPr>
-        <p:spPr/>
-        <p:txBody>
-          <a:bodyPr/>
-          <a:lstStyle/>
-          <a:p>
-            <a:fld id="{4FAB73BC-B049-4115-A692-8D63A059BFB8}" type="slidenum">
-              <a:rPr lang="en-US" smtClean="0"/>
-              <a:pPr/>
-              <a:t>43</a:t>
-            </a:fld>
-            <a:endParaRPr lang="en-US" dirty="0"/>
-          </a:p>
-        </p:txBody>
-      </p:sp>
-      <p:sp>
-        <p:nvSpPr>
-          <p:cNvPr id="3" name="文字版面配置區 2">
-            <a:extLst>
-              <a:ext uri="{FF2B5EF4-FFF2-40B4-BE49-F238E27FC236}">
-                <a16:creationId xmlns:a16="http://schemas.microsoft.com/office/drawing/2014/main" id="{5F2E5F9B-303C-44FE-9CEF-454660CCE1B7}"/>
-              </a:ext>
-            </a:extLst>
-          </p:cNvPr>
-          <p:cNvSpPr>
-            <a:spLocks noGrp="1"/>
-          </p:cNvSpPr>
-          <p:nvPr>
-            <p:ph type="body" sz="quarter" idx="13"/>
-          </p:nvPr>
-        </p:nvSpPr>
-        <p:spPr/>
-        <p:txBody>
-          <a:bodyPr/>
-          <a:lstStyle/>
-          <a:p>
-            <a:r>
-              <a:rPr lang="en-US" altLang="zh-TW" spc="300" dirty="0">
-                <a:latin typeface="Arial Black" panose="020B0A04020102020204" pitchFamily="34" charset="0"/>
-              </a:rPr>
-              <a:t>Render</a:t>
-            </a:r>
-            <a:r>
-              <a:rPr lang="zh-TW" altLang="en-US" spc="300" dirty="0">
-                <a:latin typeface="Arial Black" panose="020B0A04020102020204" pitchFamily="34" charset="0"/>
-              </a:rPr>
-              <a:t>作用</a:t>
-            </a:r>
-          </a:p>
-        </p:txBody>
-      </p:sp>
-      <p:sp>
-        <p:nvSpPr>
-          <p:cNvPr id="4" name="文字方塊 3">
-            <a:extLst>
-              <a:ext uri="{FF2B5EF4-FFF2-40B4-BE49-F238E27FC236}">
-                <a16:creationId xmlns:a16="http://schemas.microsoft.com/office/drawing/2014/main" id="{A2188095-520B-489A-9EC1-A163CA5E40EB}"/>
-              </a:ext>
-            </a:extLst>
-          </p:cNvPr>
-          <p:cNvSpPr txBox="1"/>
-          <p:nvPr/>
-        </p:nvSpPr>
-        <p:spPr>
-          <a:xfrm>
-            <a:off x="2224881" y="2384079"/>
-            <a:ext cx="7573794" cy="2691314"/>
-          </a:xfrm>
-          <a:prstGeom prst="rect">
-            <a:avLst/>
-          </a:prstGeom>
-          <a:noFill/>
-        </p:spPr>
-        <p:txBody>
-          <a:bodyPr wrap="square" rtlCol="0">
-            <a:spAutoFit/>
-          </a:bodyPr>
-          <a:lstStyle/>
-          <a:p>
-            <a:pPr algn="ctr"/>
-            <a:r>
-              <a:rPr lang="zh-TW" altLang="en-US" sz="3600" dirty="0">
-                <a:solidFill>
-                  <a:schemeClr val="bg1">
-                    <a:lumMod val="85000"/>
-                  </a:schemeClr>
-                </a:solidFill>
-                <a:latin typeface="+mj-ea"/>
-                <a:ea typeface="+mj-ea"/>
-              </a:rPr>
-              <a:t>確認現在</a:t>
-            </a:r>
-            <a:r>
-              <a:rPr lang="zh-TW" altLang="en-US" sz="3600">
-                <a:solidFill>
-                  <a:schemeClr val="bg1">
-                    <a:lumMod val="85000"/>
-                  </a:schemeClr>
-                </a:solidFill>
-                <a:latin typeface="+mj-ea"/>
-                <a:ea typeface="+mj-ea"/>
-              </a:rPr>
-              <a:t>數值與之前</a:t>
-            </a:r>
-            <a:r>
-              <a:rPr lang="zh-TW" altLang="en-US" sz="3600" dirty="0">
-                <a:solidFill>
-                  <a:schemeClr val="bg1">
-                    <a:lumMod val="85000"/>
-                  </a:schemeClr>
-                </a:solidFill>
-                <a:latin typeface="+mj-ea"/>
-                <a:ea typeface="+mj-ea"/>
-              </a:rPr>
-              <a:t>數值是否相等 </a:t>
-            </a:r>
-            <a:r>
-              <a:rPr lang="en-US" altLang="zh-TW" sz="3600" dirty="0">
-                <a:solidFill>
-                  <a:schemeClr val="bg1">
-                 